--- a/pics/2021-06-09-Greens_function/pics.pptx
+++ b/pics/2021-06-09-Greens_function/pics.pptx
@@ -3035,6 +3035,93 @@
           <a:chExt cx="0" cy="0"/>
         </a:xfrm>
       </p:grpSpPr>
+      <p:pic>
+        <p:nvPicPr>
+          <p:cNvPr id="1026" name="Picture 2" descr="Open loop vs. closed loop control systems (with Xcos simulations) –  x-engineer.org"/>
+          <p:cNvPicPr>
+            <a:picLocks noChangeAspect="1" noChangeArrowheads="1"/>
+          </p:cNvPicPr>
+          <p:nvPr/>
+        </p:nvPicPr>
+        <p:blipFill>
+          <a:blip r:embed="rId2">
+            <a:extLst>
+              <a:ext uri="{28A0092B-C50C-407E-A947-70E740481C1C}">
+                <a14:useLocalDpi xmlns:a14="http://schemas.microsoft.com/office/drawing/2010/main" val="0"/>
+              </a:ext>
+            </a:extLst>
+          </a:blip>
+          <a:srcRect/>
+          <a:stretch>
+            <a:fillRect/>
+          </a:stretch>
+        </p:blipFill>
+        <p:spPr bwMode="auto">
+          <a:xfrm>
+            <a:off x="1691680" y="2204864"/>
+            <a:ext cx="5238750" cy="2143125"/>
+          </a:xfrm>
+          <a:prstGeom prst="rect">
+            <a:avLst/>
+          </a:prstGeom>
+          <a:noFill/>
+          <a:extLst>
+            <a:ext uri="{909E8E84-426E-40DD-AFC4-6F175D3DCCD1}">
+              <a14:hiddenFill xmlns:a14="http://schemas.microsoft.com/office/drawing/2010/main">
+                <a:solidFill>
+                  <a:srgbClr val="FFFFFF"/>
+                </a:solidFill>
+              </a14:hiddenFill>
+            </a:ext>
+          </a:extLst>
+        </p:spPr>
+      </p:pic>
+      <p:sp>
+        <p:nvSpPr>
+          <p:cNvPr id="2" name="직사각형 1"/>
+          <p:cNvSpPr/>
+          <p:nvPr/>
+        </p:nvSpPr>
+        <p:spPr>
+          <a:xfrm>
+            <a:off x="1259632" y="2112604"/>
+            <a:ext cx="3528392" cy="792088"/>
+          </a:xfrm>
+          <a:prstGeom prst="rect">
+            <a:avLst/>
+          </a:prstGeom>
+          <a:solidFill>
+            <a:schemeClr val="bg1"/>
+          </a:solidFill>
+          <a:ln>
+            <a:noFill/>
+          </a:ln>
+        </p:spPr>
+        <p:style>
+          <a:lnRef idx="2">
+            <a:schemeClr val="accent1">
+              <a:shade val="50000"/>
+            </a:schemeClr>
+          </a:lnRef>
+          <a:fillRef idx="1">
+            <a:schemeClr val="accent1"/>
+          </a:fillRef>
+          <a:effectRef idx="0">
+            <a:schemeClr val="accent1"/>
+          </a:effectRef>
+          <a:fontRef idx="minor">
+            <a:schemeClr val="lt1"/>
+          </a:fontRef>
+        </p:style>
+        <p:txBody>
+          <a:bodyPr rtlCol="0" anchor="ctr"/>
+          <a:lstStyle/>
+          <a:p>
+            <a:pPr algn="ctr"/>
+            <a:endParaRPr lang="ko-KR" altLang="en-US"/>
+          </a:p>
+        </p:txBody>
+      </p:sp>
     </p:spTree>
     <p:extLst>
       <p:ext uri="{BB962C8B-B14F-4D97-AF65-F5344CB8AC3E}">

--- a/pics/2021-06-09-Greens_function/pics.pptx
+++ b/pics/2021-06-09-Greens_function/pics.pptx
@@ -6,6 +6,8 @@
   </p:sldMasterIdLst>
   <p:sldIdLst>
     <p:sldId id="256" r:id="rId2"/>
+    <p:sldId id="257" r:id="rId3"/>
+    <p:sldId id="258" r:id="rId4"/>
   </p:sldIdLst>
   <p:sldSz cx="9144000" cy="6858000" type="screen4x3"/>
   <p:notesSz cx="6858000" cy="9144000"/>
@@ -3035,66 +3037,471 @@
           <a:chExt cx="0" cy="0"/>
         </a:xfrm>
       </p:grpSpPr>
-      <p:pic>
-        <p:nvPicPr>
-          <p:cNvPr id="1026" name="Picture 2" descr="Open loop vs. closed loop control systems (with Xcos simulations) –  x-engineer.org"/>
-          <p:cNvPicPr>
-            <a:picLocks noChangeAspect="1" noChangeArrowheads="1"/>
-          </p:cNvPicPr>
+      <p:grpSp>
+        <p:nvGrpSpPr>
+          <p:cNvPr id="20" name="그룹 19"/>
+          <p:cNvGrpSpPr/>
           <p:nvPr/>
-        </p:nvPicPr>
-        <p:blipFill>
-          <a:blip r:embed="rId2">
-            <a:extLst>
-              <a:ext uri="{28A0092B-C50C-407E-A947-70E740481C1C}">
-                <a14:useLocalDpi xmlns:a14="http://schemas.microsoft.com/office/drawing/2010/main" val="0"/>
-              </a:ext>
-            </a:extLst>
-          </a:blip>
-          <a:srcRect/>
-          <a:stretch>
-            <a:fillRect/>
-          </a:stretch>
-        </p:blipFill>
-        <p:spPr bwMode="auto">
+        </p:nvGrpSpPr>
+        <p:grpSpPr>
           <a:xfrm>
-            <a:off x="1691680" y="2204864"/>
-            <a:ext cx="5238750" cy="2143125"/>
+            <a:off x="846892" y="2456892"/>
+            <a:ext cx="7450216" cy="1944216"/>
+            <a:chOff x="846892" y="2852936"/>
+            <a:chExt cx="7450216" cy="1944216"/>
+          </a:xfrm>
+        </p:grpSpPr>
+        <p:sp>
+          <p:nvSpPr>
+            <p:cNvPr id="3" name="순서도: 가산 접합 2"/>
+            <p:cNvSpPr/>
+            <p:nvPr/>
+          </p:nvSpPr>
+          <p:spPr>
+            <a:xfrm>
+              <a:off x="2431068" y="2942656"/>
+              <a:ext cx="612648" cy="612648"/>
+            </a:xfrm>
+            <a:prstGeom prst="flowChartSummingJunction">
+              <a:avLst/>
+            </a:prstGeom>
+            <a:solidFill>
+              <a:schemeClr val="bg1"/>
+            </a:solidFill>
+            <a:ln>
+              <a:solidFill>
+                <a:schemeClr val="tx1"/>
+              </a:solidFill>
+            </a:ln>
+          </p:spPr>
+          <p:style>
+            <a:lnRef idx="2">
+              <a:schemeClr val="accent1">
+                <a:shade val="50000"/>
+              </a:schemeClr>
+            </a:lnRef>
+            <a:fillRef idx="1">
+              <a:schemeClr val="accent1"/>
+            </a:fillRef>
+            <a:effectRef idx="0">
+              <a:schemeClr val="accent1"/>
+            </a:effectRef>
+            <a:fontRef idx="minor">
+              <a:schemeClr val="lt1"/>
+            </a:fontRef>
+          </p:style>
+          <p:txBody>
+            <a:bodyPr rtlCol="0" anchor="ctr"/>
+            <a:lstStyle/>
+            <a:p>
+              <a:pPr algn="ctr"/>
+              <a:endParaRPr lang="ko-KR" altLang="en-US"/>
+            </a:p>
+          </p:txBody>
+        </p:sp>
+        <p:sp>
+          <p:nvSpPr>
+            <p:cNvPr id="4" name="순서도: 처리 3"/>
+            <p:cNvSpPr/>
+            <p:nvPr/>
+          </p:nvSpPr>
+          <p:spPr>
+            <a:xfrm>
+              <a:off x="4121306" y="2852936"/>
+              <a:ext cx="1982170" cy="792088"/>
+            </a:xfrm>
+            <a:prstGeom prst="flowChartProcess">
+              <a:avLst/>
+            </a:prstGeom>
+            <a:solidFill>
+              <a:srgbClr val="00B050"/>
+            </a:solidFill>
+          </p:spPr>
+          <p:style>
+            <a:lnRef idx="2">
+              <a:schemeClr val="accent1">
+                <a:shade val="50000"/>
+              </a:schemeClr>
+            </a:lnRef>
+            <a:fillRef idx="1">
+              <a:schemeClr val="accent1"/>
+            </a:fillRef>
+            <a:effectRef idx="0">
+              <a:schemeClr val="accent1"/>
+            </a:effectRef>
+            <a:fontRef idx="minor">
+              <a:schemeClr val="lt1"/>
+            </a:fontRef>
+          </p:style>
+          <p:txBody>
+            <a:bodyPr rtlCol="0" anchor="ctr"/>
+            <a:lstStyle/>
+            <a:p>
+              <a:pPr algn="ctr"/>
+              <a:r>
+                <a:rPr lang="ko-KR" altLang="en-US" dirty="0" smtClean="0"/>
+                <a:t>시스템</a:t>
+              </a:r>
+              <a:endParaRPr lang="ko-KR" altLang="en-US" dirty="0"/>
+            </a:p>
+          </p:txBody>
+        </p:sp>
+        <p:sp>
+          <p:nvSpPr>
+            <p:cNvPr id="6" name="순서도: 처리 5"/>
+            <p:cNvSpPr/>
+            <p:nvPr/>
+          </p:nvSpPr>
+          <p:spPr>
+            <a:xfrm>
+              <a:off x="4121306" y="4005064"/>
+              <a:ext cx="1982170" cy="792088"/>
+            </a:xfrm>
+            <a:prstGeom prst="flowChartProcess">
+              <a:avLst/>
+            </a:prstGeom>
+            <a:solidFill>
+              <a:schemeClr val="accent6"/>
+            </a:solidFill>
+          </p:spPr>
+          <p:style>
+            <a:lnRef idx="2">
+              <a:schemeClr val="accent1">
+                <a:shade val="50000"/>
+              </a:schemeClr>
+            </a:lnRef>
+            <a:fillRef idx="1">
+              <a:schemeClr val="accent1"/>
+            </a:fillRef>
+            <a:effectRef idx="0">
+              <a:schemeClr val="accent1"/>
+            </a:effectRef>
+            <a:fontRef idx="minor">
+              <a:schemeClr val="lt1"/>
+            </a:fontRef>
+          </p:style>
+          <p:txBody>
+            <a:bodyPr rtlCol="0" anchor="ctr"/>
+            <a:lstStyle/>
+            <a:p>
+              <a:pPr algn="ctr"/>
+              <a:r>
+                <a:rPr lang="ko-KR" altLang="en-US" smtClean="0"/>
+                <a:t>피드백</a:t>
+              </a:r>
+              <a:endParaRPr lang="ko-KR" altLang="en-US" dirty="0"/>
+            </a:p>
+          </p:txBody>
+        </p:sp>
+        <p:cxnSp>
+          <p:nvCxnSpPr>
+            <p:cNvPr id="7" name="직선 화살표 연결선 6"/>
+            <p:cNvCxnSpPr/>
+            <p:nvPr/>
+          </p:nvCxnSpPr>
+          <p:spPr>
+            <a:xfrm>
+              <a:off x="3043716" y="3248980"/>
+              <a:ext cx="1077590" cy="0"/>
+            </a:xfrm>
+            <a:prstGeom prst="straightConnector1">
+              <a:avLst/>
+            </a:prstGeom>
+            <a:ln w="19050">
+              <a:solidFill>
+                <a:schemeClr val="tx1"/>
+              </a:solidFill>
+              <a:tailEnd type="arrow"/>
+            </a:ln>
+          </p:spPr>
+          <p:style>
+            <a:lnRef idx="1">
+              <a:schemeClr val="accent1"/>
+            </a:lnRef>
+            <a:fillRef idx="0">
+              <a:schemeClr val="accent1"/>
+            </a:fillRef>
+            <a:effectRef idx="0">
+              <a:schemeClr val="accent1"/>
+            </a:effectRef>
+            <a:fontRef idx="minor">
+              <a:schemeClr val="tx1"/>
+            </a:fontRef>
+          </p:style>
+        </p:cxnSp>
+        <p:cxnSp>
+          <p:nvCxnSpPr>
+            <p:cNvPr id="9" name="꺾인 연결선 8"/>
+            <p:cNvCxnSpPr>
+              <a:stCxn id="6" idx="1"/>
+              <a:endCxn id="3" idx="4"/>
+            </p:cNvCxnSpPr>
+            <p:nvPr/>
+          </p:nvCxnSpPr>
+          <p:spPr>
+            <a:xfrm rot="10800000">
+              <a:off x="2737392" y="3555304"/>
+              <a:ext cx="1383914" cy="845804"/>
+            </a:xfrm>
+            <a:prstGeom prst="bentConnector2">
+              <a:avLst/>
+            </a:prstGeom>
+            <a:ln w="19050">
+              <a:solidFill>
+                <a:schemeClr val="tx1"/>
+              </a:solidFill>
+              <a:tailEnd type="arrow"/>
+            </a:ln>
+          </p:spPr>
+          <p:style>
+            <a:lnRef idx="1">
+              <a:schemeClr val="accent1"/>
+            </a:lnRef>
+            <a:fillRef idx="0">
+              <a:schemeClr val="accent1"/>
+            </a:fillRef>
+            <a:effectRef idx="0">
+              <a:schemeClr val="accent1"/>
+            </a:effectRef>
+            <a:fontRef idx="minor">
+              <a:schemeClr val="tx1"/>
+            </a:fontRef>
+          </p:style>
+        </p:cxnSp>
+        <p:cxnSp>
+          <p:nvCxnSpPr>
+            <p:cNvPr id="11" name="직선 화살표 연결선 10"/>
+            <p:cNvCxnSpPr/>
+            <p:nvPr/>
+          </p:nvCxnSpPr>
+          <p:spPr>
+            <a:xfrm>
+              <a:off x="6103476" y="3248980"/>
+              <a:ext cx="1728192" cy="0"/>
+            </a:xfrm>
+            <a:prstGeom prst="straightConnector1">
+              <a:avLst/>
+            </a:prstGeom>
+            <a:ln w="19050">
+              <a:solidFill>
+                <a:schemeClr val="tx1"/>
+              </a:solidFill>
+              <a:tailEnd type="arrow"/>
+            </a:ln>
+          </p:spPr>
+          <p:style>
+            <a:lnRef idx="1">
+              <a:schemeClr val="accent1"/>
+            </a:lnRef>
+            <a:fillRef idx="0">
+              <a:schemeClr val="accent1"/>
+            </a:fillRef>
+            <a:effectRef idx="0">
+              <a:schemeClr val="accent1"/>
+            </a:effectRef>
+            <a:fontRef idx="minor">
+              <a:schemeClr val="tx1"/>
+            </a:fontRef>
+          </p:style>
+        </p:cxnSp>
+        <p:cxnSp>
+          <p:nvCxnSpPr>
+            <p:cNvPr id="13" name="꺾인 연결선 12"/>
+            <p:cNvCxnSpPr>
+              <a:endCxn id="6" idx="3"/>
+            </p:cNvCxnSpPr>
+            <p:nvPr/>
+          </p:nvCxnSpPr>
+          <p:spPr>
+            <a:xfrm rot="5400000">
+              <a:off x="6031468" y="3320988"/>
+              <a:ext cx="1152128" cy="1008112"/>
+            </a:xfrm>
+            <a:prstGeom prst="bentConnector2">
+              <a:avLst/>
+            </a:prstGeom>
+            <a:ln w="19050">
+              <a:solidFill>
+                <a:schemeClr val="tx1"/>
+              </a:solidFill>
+              <a:tailEnd type="arrow"/>
+            </a:ln>
+          </p:spPr>
+          <p:style>
+            <a:lnRef idx="1">
+              <a:schemeClr val="accent1"/>
+            </a:lnRef>
+            <a:fillRef idx="0">
+              <a:schemeClr val="accent1"/>
+            </a:fillRef>
+            <a:effectRef idx="0">
+              <a:schemeClr val="accent1"/>
+            </a:effectRef>
+            <a:fontRef idx="minor">
+              <a:schemeClr val="tx1"/>
+            </a:fontRef>
+          </p:style>
+        </p:cxnSp>
+        <p:cxnSp>
+          <p:nvCxnSpPr>
+            <p:cNvPr id="16" name="직선 화살표 연결선 15"/>
+            <p:cNvCxnSpPr/>
+            <p:nvPr/>
+          </p:nvCxnSpPr>
+          <p:spPr>
+            <a:xfrm>
+              <a:off x="1353478" y="3248980"/>
+              <a:ext cx="1077590" cy="0"/>
+            </a:xfrm>
+            <a:prstGeom prst="straightConnector1">
+              <a:avLst/>
+            </a:prstGeom>
+            <a:ln w="19050">
+              <a:solidFill>
+                <a:schemeClr val="tx1"/>
+              </a:solidFill>
+              <a:tailEnd type="arrow"/>
+            </a:ln>
+          </p:spPr>
+          <p:style>
+            <a:lnRef idx="1">
+              <a:schemeClr val="accent1"/>
+            </a:lnRef>
+            <a:fillRef idx="0">
+              <a:schemeClr val="accent1"/>
+            </a:fillRef>
+            <a:effectRef idx="0">
+              <a:schemeClr val="accent1"/>
+            </a:effectRef>
+            <a:fontRef idx="minor">
+              <a:schemeClr val="tx1"/>
+            </a:fontRef>
+          </p:style>
+        </p:cxnSp>
+        <p:sp>
+          <p:nvSpPr>
+            <p:cNvPr id="15" name="TextBox 14"/>
+            <p:cNvSpPr txBox="1"/>
+            <p:nvPr/>
+          </p:nvSpPr>
+          <p:spPr>
+            <a:xfrm>
+              <a:off x="846892" y="2852936"/>
+              <a:ext cx="1189749" cy="369332"/>
+            </a:xfrm>
+            <a:prstGeom prst="rect">
+              <a:avLst/>
+            </a:prstGeom>
+            <a:noFill/>
+          </p:spPr>
+          <p:txBody>
+            <a:bodyPr wrap="none" rtlCol="0">
+              <a:spAutoFit/>
+            </a:bodyPr>
+            <a:lstStyle/>
+            <a:p>
+              <a:r>
+                <a:rPr lang="ko-KR" altLang="en-US" dirty="0" smtClean="0"/>
+                <a:t>외부 입력</a:t>
+              </a:r>
+              <a:endParaRPr lang="ko-KR" altLang="en-US" dirty="0"/>
+            </a:p>
+          </p:txBody>
+        </p:sp>
+        <p:sp>
+          <p:nvSpPr>
+            <p:cNvPr id="18" name="TextBox 17"/>
+            <p:cNvSpPr txBox="1"/>
+            <p:nvPr/>
+          </p:nvSpPr>
+          <p:spPr>
+            <a:xfrm>
+              <a:off x="7650777" y="2852936"/>
+              <a:ext cx="646331" cy="369332"/>
+            </a:xfrm>
+            <a:prstGeom prst="rect">
+              <a:avLst/>
+            </a:prstGeom>
+            <a:noFill/>
+          </p:spPr>
+          <p:txBody>
+            <a:bodyPr wrap="none" rtlCol="0">
+              <a:spAutoFit/>
+            </a:bodyPr>
+            <a:lstStyle/>
+            <a:p>
+              <a:r>
+                <a:rPr lang="ko-KR" altLang="en-US" smtClean="0"/>
+                <a:t>출력</a:t>
+              </a:r>
+              <a:endParaRPr lang="ko-KR" altLang="en-US" dirty="0"/>
+            </a:p>
+          </p:txBody>
+        </p:sp>
+        <p:sp>
+          <p:nvSpPr>
+            <p:cNvPr id="17" name="타원 16"/>
+            <p:cNvSpPr/>
+            <p:nvPr/>
+          </p:nvSpPr>
+          <p:spPr>
+            <a:xfrm>
+              <a:off x="7067030" y="3205686"/>
+              <a:ext cx="89117" cy="86589"/>
+            </a:xfrm>
+            <a:prstGeom prst="ellipse">
+              <a:avLst/>
+            </a:prstGeom>
+            <a:ln>
+              <a:noFill/>
+            </a:ln>
+          </p:spPr>
+          <p:style>
+            <a:lnRef idx="2">
+              <a:schemeClr val="dk1">
+                <a:shade val="50000"/>
+              </a:schemeClr>
+            </a:lnRef>
+            <a:fillRef idx="1">
+              <a:schemeClr val="dk1"/>
+            </a:fillRef>
+            <a:effectRef idx="0">
+              <a:schemeClr val="dk1"/>
+            </a:effectRef>
+            <a:fontRef idx="minor">
+              <a:schemeClr val="lt1"/>
+            </a:fontRef>
+          </p:style>
+          <p:txBody>
+            <a:bodyPr rtlCol="0" anchor="ctr"/>
+            <a:lstStyle/>
+            <a:p>
+              <a:pPr algn="ctr"/>
+              <a:endParaRPr lang="ko-KR" altLang="en-US"/>
+            </a:p>
+          </p:txBody>
+        </p:sp>
+      </p:grpSp>
+      <p:sp>
+        <p:nvSpPr>
+          <p:cNvPr id="21" name="직사각형 20"/>
+          <p:cNvSpPr/>
+          <p:nvPr/>
+        </p:nvSpPr>
+        <p:spPr>
+          <a:xfrm>
+            <a:off x="2123728" y="1484784"/>
+            <a:ext cx="5328592" cy="3312368"/>
           </a:xfrm>
           <a:prstGeom prst="rect">
             <a:avLst/>
           </a:prstGeom>
           <a:noFill/>
-          <a:extLst>
-            <a:ext uri="{909E8E84-426E-40DD-AFC4-6F175D3DCCD1}">
-              <a14:hiddenFill xmlns:a14="http://schemas.microsoft.com/office/drawing/2010/main">
-                <a:solidFill>
-                  <a:srgbClr val="FFFFFF"/>
-                </a:solidFill>
-              </a14:hiddenFill>
-            </a:ext>
-          </a:extLst>
-        </p:spPr>
-      </p:pic>
-      <p:sp>
-        <p:nvSpPr>
-          <p:cNvPr id="2" name="직사각형 1"/>
-          <p:cNvSpPr/>
-          <p:nvPr/>
-        </p:nvSpPr>
-        <p:spPr>
-          <a:xfrm>
-            <a:off x="1259632" y="2112604"/>
-            <a:ext cx="3528392" cy="792088"/>
-          </a:xfrm>
-          <a:prstGeom prst="rect">
-            <a:avLst/>
-          </a:prstGeom>
-          <a:solidFill>
-            <a:schemeClr val="bg1"/>
-          </a:solidFill>
           <a:ln>
-            <a:noFill/>
+            <a:solidFill>
+              <a:srgbClr val="FF0000"/>
+            </a:solidFill>
+            <a:prstDash val="dash"/>
           </a:ln>
         </p:spPr>
         <p:style>
@@ -3122,10 +3529,1660 @@
           </a:p>
         </p:txBody>
       </p:sp>
+      <p:sp>
+        <p:nvSpPr>
+          <p:cNvPr id="22" name="TextBox 21"/>
+          <p:cNvSpPr txBox="1"/>
+          <p:nvPr/>
+        </p:nvSpPr>
+        <p:spPr>
+          <a:xfrm>
+            <a:off x="2123728" y="1115452"/>
+            <a:ext cx="2226059" cy="369332"/>
+          </a:xfrm>
+          <a:prstGeom prst="rect">
+            <a:avLst/>
+          </a:prstGeom>
+          <a:noFill/>
+        </p:spPr>
+        <p:txBody>
+          <a:bodyPr wrap="none" rtlCol="0">
+            <a:spAutoFit/>
+          </a:bodyPr>
+          <a:lstStyle/>
+          <a:p>
+            <a:r>
+              <a:rPr lang="en-US" altLang="ko-KR" b="1" dirty="0" smtClean="0">
+                <a:solidFill>
+                  <a:srgbClr val="FF0000"/>
+                </a:solidFill>
+              </a:rPr>
+              <a:t>System as </a:t>
+            </a:r>
+            <a:r>
+              <a:rPr lang="en-US" altLang="ko-KR" b="1" smtClean="0">
+                <a:solidFill>
+                  <a:srgbClr val="FF0000"/>
+                </a:solidFill>
+              </a:rPr>
+              <a:t>a whole</a:t>
+            </a:r>
+            <a:endParaRPr lang="ko-KR" altLang="en-US" b="1" dirty="0">
+              <a:solidFill>
+                <a:srgbClr val="FF0000"/>
+              </a:solidFill>
+            </a:endParaRPr>
+          </a:p>
+        </p:txBody>
+      </p:sp>
     </p:spTree>
     <p:extLst>
       <p:ext uri="{BB962C8B-B14F-4D97-AF65-F5344CB8AC3E}">
         <p14:creationId xmlns:p14="http://schemas.microsoft.com/office/powerpoint/2010/main" val="210674257"/>
+      </p:ext>
+    </p:extLst>
+  </p:cSld>
+  <p:clrMapOvr>
+    <a:masterClrMapping/>
+  </p:clrMapOvr>
+</p:sld>
+</file>
+
+<file path=ppt/slides/slide2.xml><?xml version="1.0" encoding="utf-8"?>
+<p:sld xmlns:a="http://schemas.openxmlformats.org/drawingml/2006/main" xmlns:r="http://schemas.openxmlformats.org/officeDocument/2006/relationships" xmlns:p="http://schemas.openxmlformats.org/presentationml/2006/main">
+  <p:cSld>
+    <p:spTree>
+      <p:nvGrpSpPr>
+        <p:cNvPr id="1" name=""/>
+        <p:cNvGrpSpPr/>
+        <p:nvPr/>
+      </p:nvGrpSpPr>
+      <p:grpSpPr>
+        <a:xfrm>
+          <a:off x="0" y="0"/>
+          <a:ext cx="0" cy="0"/>
+          <a:chOff x="0" y="0"/>
+          <a:chExt cx="0" cy="0"/>
+        </a:xfrm>
+      </p:grpSpPr>
+      <p:sp>
+        <p:nvSpPr>
+          <p:cNvPr id="4" name="순서도: 처리 3"/>
+          <p:cNvSpPr/>
+          <p:nvPr/>
+        </p:nvSpPr>
+        <p:spPr>
+          <a:xfrm>
+            <a:off x="3487764" y="1484784"/>
+            <a:ext cx="2088232" cy="3240360"/>
+          </a:xfrm>
+          <a:prstGeom prst="flowChartProcess">
+            <a:avLst/>
+          </a:prstGeom>
+          <a:noFill/>
+          <a:ln>
+            <a:solidFill>
+              <a:srgbClr val="FF0000"/>
+            </a:solidFill>
+          </a:ln>
+        </p:spPr>
+        <p:style>
+          <a:lnRef idx="2">
+            <a:schemeClr val="accent1">
+              <a:shade val="50000"/>
+            </a:schemeClr>
+          </a:lnRef>
+          <a:fillRef idx="1">
+            <a:schemeClr val="accent1"/>
+          </a:fillRef>
+          <a:effectRef idx="0">
+            <a:schemeClr val="accent1"/>
+          </a:effectRef>
+          <a:fontRef idx="minor">
+            <a:schemeClr val="lt1"/>
+          </a:fontRef>
+        </p:style>
+        <p:txBody>
+          <a:bodyPr rtlCol="0" anchor="ctr"/>
+          <a:lstStyle/>
+          <a:p>
+            <a:pPr algn="ctr"/>
+            <a:r>
+              <a:rPr lang="ko-KR" altLang="en-US" dirty="0" smtClean="0">
+                <a:solidFill>
+                  <a:schemeClr val="tx1"/>
+                </a:solidFill>
+              </a:rPr>
+              <a:t>전체 미분방정식 시스템</a:t>
+            </a:r>
+            <a:endParaRPr lang="en-US" altLang="ko-KR" dirty="0" smtClean="0">
+              <a:solidFill>
+                <a:schemeClr val="tx1"/>
+              </a:solidFill>
+            </a:endParaRPr>
+          </a:p>
+          <a:p>
+            <a:pPr algn="ctr"/>
+            <a:r>
+              <a:rPr lang="en-US" altLang="ko-KR" dirty="0" smtClean="0">
+                <a:solidFill>
+                  <a:schemeClr val="tx1"/>
+                </a:solidFill>
+              </a:rPr>
+              <a:t>(</a:t>
+            </a:r>
+            <a:r>
+              <a:rPr lang="ko-KR" altLang="en-US" dirty="0" smtClean="0">
+                <a:solidFill>
+                  <a:schemeClr val="tx1"/>
+                </a:solidFill>
+              </a:rPr>
+              <a:t>제차</a:t>
+            </a:r>
+            <a:r>
+              <a:rPr lang="en-US" altLang="ko-KR" dirty="0" smtClean="0">
+                <a:solidFill>
+                  <a:schemeClr val="tx1"/>
+                </a:solidFill>
+              </a:rPr>
+              <a:t>+</a:t>
+            </a:r>
+            <a:r>
+              <a:rPr lang="ko-KR" altLang="en-US" dirty="0" smtClean="0">
+                <a:solidFill>
+                  <a:schemeClr val="tx1"/>
+                </a:solidFill>
+              </a:rPr>
+              <a:t>비제차</a:t>
+            </a:r>
+            <a:r>
+              <a:rPr lang="en-US" altLang="ko-KR" dirty="0" smtClean="0">
+                <a:solidFill>
+                  <a:schemeClr val="tx1"/>
+                </a:solidFill>
+              </a:rPr>
+              <a:t>)</a:t>
+            </a:r>
+            <a:endParaRPr lang="ko-KR" altLang="en-US" dirty="0">
+              <a:solidFill>
+                <a:schemeClr val="tx1"/>
+              </a:solidFill>
+            </a:endParaRPr>
+          </a:p>
+        </p:txBody>
+      </p:sp>
+      <mc:AlternateContent xmlns:mc="http://schemas.openxmlformats.org/markup-compatibility/2006">
+        <mc:Choice xmlns:a14="http://schemas.microsoft.com/office/drawing/2010/main" Requires="a14">
+          <p:sp>
+            <p:nvSpPr>
+              <p:cNvPr id="5" name="TextBox 4"/>
+              <p:cNvSpPr txBox="1"/>
+              <p:nvPr/>
+            </p:nvSpPr>
+            <p:spPr>
+              <a:xfrm>
+                <a:off x="1619672" y="1897618"/>
+                <a:ext cx="1414169" cy="369332"/>
+              </a:xfrm>
+              <a:prstGeom prst="rect">
+                <a:avLst/>
+              </a:prstGeom>
+              <a:noFill/>
+            </p:spPr>
+            <p:txBody>
+              <a:bodyPr wrap="none" rtlCol="0">
+                <a:spAutoFit/>
+              </a:bodyPr>
+              <a:lstStyle/>
+              <a:p>
+                <a14:m>
+                  <m:oMathPara xmlns:m="http://schemas.openxmlformats.org/officeDocument/2006/math">
+                    <m:oMathParaPr>
+                      <m:jc m:val="centerGroup"/>
+                    </m:oMathParaPr>
+                    <m:oMath xmlns:m="http://schemas.openxmlformats.org/officeDocument/2006/math">
+                      <m:r>
+                        <a:rPr lang="en-US" altLang="ko-KR" b="0" i="1" smtClean="0">
+                          <a:latin typeface="Cambria Math"/>
+                        </a:rPr>
+                        <m:t>[2, 0, 0, 0, 0]</m:t>
+                      </m:r>
+                    </m:oMath>
+                  </m:oMathPara>
+                </a14:m>
+                <a:endParaRPr lang="ko-KR" altLang="en-US" dirty="0"/>
+              </a:p>
+            </p:txBody>
+          </p:sp>
+        </mc:Choice>
+        <mc:Fallback>
+          <p:sp>
+            <p:nvSpPr>
+              <p:cNvPr id="5" name="TextBox 4"/>
+              <p:cNvSpPr txBox="1">
+                <a:spLocks noRot="1" noChangeAspect="1" noMove="1" noResize="1" noEditPoints="1" noAdjustHandles="1" noChangeArrowheads="1" noChangeShapeType="1" noTextEdit="1"/>
+              </p:cNvSpPr>
+              <p:nvPr/>
+            </p:nvSpPr>
+            <p:spPr>
+              <a:xfrm>
+                <a:off x="1619672" y="1897618"/>
+                <a:ext cx="1414169" cy="369332"/>
+              </a:xfrm>
+              <a:prstGeom prst="rect">
+                <a:avLst/>
+              </a:prstGeom>
+              <a:blipFill rotWithShape="1">
+                <a:blip r:embed="rId2"/>
+                <a:stretch>
+                  <a:fillRect b="-18033"/>
+                </a:stretch>
+              </a:blipFill>
+            </p:spPr>
+            <p:txBody>
+              <a:bodyPr/>
+              <a:lstStyle/>
+              <a:p>
+                <a:r>
+                  <a:rPr lang="ko-KR" altLang="en-US">
+                    <a:noFill/>
+                  </a:rPr>
+                  <a:t> </a:t>
+                </a:r>
+              </a:p>
+            </p:txBody>
+          </p:sp>
+        </mc:Fallback>
+      </mc:AlternateContent>
+      <mc:AlternateContent xmlns:mc="http://schemas.openxmlformats.org/markup-compatibility/2006">
+        <mc:Choice xmlns:a14="http://schemas.microsoft.com/office/drawing/2010/main" Requires="a14">
+          <p:sp>
+            <p:nvSpPr>
+              <p:cNvPr id="6" name="TextBox 5"/>
+              <p:cNvSpPr txBox="1"/>
+              <p:nvPr/>
+            </p:nvSpPr>
+            <p:spPr>
+              <a:xfrm>
+                <a:off x="1619672" y="2408958"/>
+                <a:ext cx="1414170" cy="369332"/>
+              </a:xfrm>
+              <a:prstGeom prst="rect">
+                <a:avLst/>
+              </a:prstGeom>
+              <a:noFill/>
+            </p:spPr>
+            <p:txBody>
+              <a:bodyPr wrap="none" rtlCol="0">
+                <a:spAutoFit/>
+              </a:bodyPr>
+              <a:lstStyle/>
+              <a:p>
+                <a14:m>
+                  <m:oMathPara xmlns:m="http://schemas.openxmlformats.org/officeDocument/2006/math">
+                    <m:oMathParaPr>
+                      <m:jc m:val="centerGroup"/>
+                    </m:oMathParaPr>
+                    <m:oMath xmlns:m="http://schemas.openxmlformats.org/officeDocument/2006/math">
+                      <m:r>
+                        <a:rPr lang="en-US" altLang="ko-KR" b="0" i="1" smtClean="0">
+                          <a:latin typeface="Cambria Math"/>
+                        </a:rPr>
+                        <m:t>[0, 3, 0, 0, 0]</m:t>
+                      </m:r>
+                    </m:oMath>
+                  </m:oMathPara>
+                </a14:m>
+                <a:endParaRPr lang="ko-KR" altLang="en-US" dirty="0"/>
+              </a:p>
+            </p:txBody>
+          </p:sp>
+        </mc:Choice>
+        <mc:Fallback>
+          <p:sp>
+            <p:nvSpPr>
+              <p:cNvPr id="6" name="TextBox 5"/>
+              <p:cNvSpPr txBox="1">
+                <a:spLocks noRot="1" noChangeAspect="1" noMove="1" noResize="1" noEditPoints="1" noAdjustHandles="1" noChangeArrowheads="1" noChangeShapeType="1" noTextEdit="1"/>
+              </p:cNvSpPr>
+              <p:nvPr/>
+            </p:nvSpPr>
+            <p:spPr>
+              <a:xfrm>
+                <a:off x="1619672" y="2408958"/>
+                <a:ext cx="1414170" cy="369332"/>
+              </a:xfrm>
+              <a:prstGeom prst="rect">
+                <a:avLst/>
+              </a:prstGeom>
+              <a:blipFill rotWithShape="1">
+                <a:blip r:embed="rId3"/>
+                <a:stretch>
+                  <a:fillRect b="-18033"/>
+                </a:stretch>
+              </a:blipFill>
+            </p:spPr>
+            <p:txBody>
+              <a:bodyPr/>
+              <a:lstStyle/>
+              <a:p>
+                <a:r>
+                  <a:rPr lang="ko-KR" altLang="en-US">
+                    <a:noFill/>
+                  </a:rPr>
+                  <a:t> </a:t>
+                </a:r>
+              </a:p>
+            </p:txBody>
+          </p:sp>
+        </mc:Fallback>
+      </mc:AlternateContent>
+      <mc:AlternateContent xmlns:mc="http://schemas.openxmlformats.org/markup-compatibility/2006">
+        <mc:Choice xmlns:a14="http://schemas.microsoft.com/office/drawing/2010/main" Requires="a14">
+          <p:sp>
+            <p:nvSpPr>
+              <p:cNvPr id="7" name="TextBox 6"/>
+              <p:cNvSpPr txBox="1"/>
+              <p:nvPr/>
+            </p:nvSpPr>
+            <p:spPr>
+              <a:xfrm>
+                <a:off x="1619672" y="2920298"/>
+                <a:ext cx="1414170" cy="369332"/>
+              </a:xfrm>
+              <a:prstGeom prst="rect">
+                <a:avLst/>
+              </a:prstGeom>
+              <a:noFill/>
+            </p:spPr>
+            <p:txBody>
+              <a:bodyPr wrap="none" rtlCol="0">
+                <a:spAutoFit/>
+              </a:bodyPr>
+              <a:lstStyle/>
+              <a:p>
+                <a14:m>
+                  <m:oMathPara xmlns:m="http://schemas.openxmlformats.org/officeDocument/2006/math">
+                    <m:oMathParaPr>
+                      <m:jc m:val="centerGroup"/>
+                    </m:oMathParaPr>
+                    <m:oMath xmlns:m="http://schemas.openxmlformats.org/officeDocument/2006/math">
+                      <m:r>
+                        <a:rPr lang="en-US" altLang="ko-KR" b="0" i="1" smtClean="0">
+                          <a:latin typeface="Cambria Math"/>
+                        </a:rPr>
+                        <m:t>[0, 0, 5, 0, 0]</m:t>
+                      </m:r>
+                    </m:oMath>
+                  </m:oMathPara>
+                </a14:m>
+                <a:endParaRPr lang="ko-KR" altLang="en-US" dirty="0"/>
+              </a:p>
+            </p:txBody>
+          </p:sp>
+        </mc:Choice>
+        <mc:Fallback>
+          <p:sp>
+            <p:nvSpPr>
+              <p:cNvPr id="7" name="TextBox 6"/>
+              <p:cNvSpPr txBox="1">
+                <a:spLocks noRot="1" noChangeAspect="1" noMove="1" noResize="1" noEditPoints="1" noAdjustHandles="1" noChangeArrowheads="1" noChangeShapeType="1" noTextEdit="1"/>
+              </p:cNvSpPr>
+              <p:nvPr/>
+            </p:nvSpPr>
+            <p:spPr>
+              <a:xfrm>
+                <a:off x="1619672" y="2920298"/>
+                <a:ext cx="1414170" cy="369332"/>
+              </a:xfrm>
+              <a:prstGeom prst="rect">
+                <a:avLst/>
+              </a:prstGeom>
+              <a:blipFill rotWithShape="1">
+                <a:blip r:embed="rId4"/>
+                <a:stretch>
+                  <a:fillRect b="-18033"/>
+                </a:stretch>
+              </a:blipFill>
+            </p:spPr>
+            <p:txBody>
+              <a:bodyPr/>
+              <a:lstStyle/>
+              <a:p>
+                <a:r>
+                  <a:rPr lang="ko-KR" altLang="en-US">
+                    <a:noFill/>
+                  </a:rPr>
+                  <a:t> </a:t>
+                </a:r>
+              </a:p>
+            </p:txBody>
+          </p:sp>
+        </mc:Fallback>
+      </mc:AlternateContent>
+      <mc:AlternateContent xmlns:mc="http://schemas.openxmlformats.org/markup-compatibility/2006">
+        <mc:Choice xmlns:a14="http://schemas.microsoft.com/office/drawing/2010/main" Requires="a14">
+          <p:sp>
+            <p:nvSpPr>
+              <p:cNvPr id="8" name="TextBox 7"/>
+              <p:cNvSpPr txBox="1"/>
+              <p:nvPr/>
+            </p:nvSpPr>
+            <p:spPr>
+              <a:xfrm>
+                <a:off x="1619672" y="3431638"/>
+                <a:ext cx="1414170" cy="369332"/>
+              </a:xfrm>
+              <a:prstGeom prst="rect">
+                <a:avLst/>
+              </a:prstGeom>
+              <a:noFill/>
+            </p:spPr>
+            <p:txBody>
+              <a:bodyPr wrap="none" rtlCol="0">
+                <a:spAutoFit/>
+              </a:bodyPr>
+              <a:lstStyle/>
+              <a:p>
+                <a14:m>
+                  <m:oMathPara xmlns:m="http://schemas.openxmlformats.org/officeDocument/2006/math">
+                    <m:oMathParaPr>
+                      <m:jc m:val="centerGroup"/>
+                    </m:oMathParaPr>
+                    <m:oMath xmlns:m="http://schemas.openxmlformats.org/officeDocument/2006/math">
+                      <m:r>
+                        <a:rPr lang="en-US" altLang="ko-KR" b="0" i="1" smtClean="0">
+                          <a:latin typeface="Cambria Math"/>
+                        </a:rPr>
+                        <m:t>[0, 0, 0, 1, 0]</m:t>
+                      </m:r>
+                    </m:oMath>
+                  </m:oMathPara>
+                </a14:m>
+                <a:endParaRPr lang="ko-KR" altLang="en-US" dirty="0"/>
+              </a:p>
+            </p:txBody>
+          </p:sp>
+        </mc:Choice>
+        <mc:Fallback>
+          <p:sp>
+            <p:nvSpPr>
+              <p:cNvPr id="8" name="TextBox 7"/>
+              <p:cNvSpPr txBox="1">
+                <a:spLocks noRot="1" noChangeAspect="1" noMove="1" noResize="1" noEditPoints="1" noAdjustHandles="1" noChangeArrowheads="1" noChangeShapeType="1" noTextEdit="1"/>
+              </p:cNvSpPr>
+              <p:nvPr/>
+            </p:nvSpPr>
+            <p:spPr>
+              <a:xfrm>
+                <a:off x="1619672" y="3431638"/>
+                <a:ext cx="1414170" cy="369332"/>
+              </a:xfrm>
+              <a:prstGeom prst="rect">
+                <a:avLst/>
+              </a:prstGeom>
+              <a:blipFill rotWithShape="1">
+                <a:blip r:embed="rId5"/>
+                <a:stretch>
+                  <a:fillRect b="-18033"/>
+                </a:stretch>
+              </a:blipFill>
+            </p:spPr>
+            <p:txBody>
+              <a:bodyPr/>
+              <a:lstStyle/>
+              <a:p>
+                <a:r>
+                  <a:rPr lang="ko-KR" altLang="en-US">
+                    <a:noFill/>
+                  </a:rPr>
+                  <a:t> </a:t>
+                </a:r>
+              </a:p>
+            </p:txBody>
+          </p:sp>
+        </mc:Fallback>
+      </mc:AlternateContent>
+      <mc:AlternateContent xmlns:mc="http://schemas.openxmlformats.org/markup-compatibility/2006">
+        <mc:Choice xmlns:a14="http://schemas.microsoft.com/office/drawing/2010/main" Requires="a14">
+          <p:sp>
+            <p:nvSpPr>
+              <p:cNvPr id="9" name="TextBox 8"/>
+              <p:cNvSpPr txBox="1"/>
+              <p:nvPr/>
+            </p:nvSpPr>
+            <p:spPr>
+              <a:xfrm>
+                <a:off x="1619672" y="3942979"/>
+                <a:ext cx="1414170" cy="369332"/>
+              </a:xfrm>
+              <a:prstGeom prst="rect">
+                <a:avLst/>
+              </a:prstGeom>
+              <a:noFill/>
+            </p:spPr>
+            <p:txBody>
+              <a:bodyPr wrap="none" rtlCol="0">
+                <a:spAutoFit/>
+              </a:bodyPr>
+              <a:lstStyle/>
+              <a:p>
+                <a14:m>
+                  <m:oMathPara xmlns:m="http://schemas.openxmlformats.org/officeDocument/2006/math">
+                    <m:oMathParaPr>
+                      <m:jc m:val="centerGroup"/>
+                    </m:oMathParaPr>
+                    <m:oMath xmlns:m="http://schemas.openxmlformats.org/officeDocument/2006/math">
+                      <m:r>
+                        <a:rPr lang="en-US" altLang="ko-KR" b="0" i="1" smtClean="0">
+                          <a:latin typeface="Cambria Math"/>
+                        </a:rPr>
+                        <m:t>[0, 0, 0, 0, 4]</m:t>
+                      </m:r>
+                    </m:oMath>
+                  </m:oMathPara>
+                </a14:m>
+                <a:endParaRPr lang="ko-KR" altLang="en-US" dirty="0"/>
+              </a:p>
+            </p:txBody>
+          </p:sp>
+        </mc:Choice>
+        <mc:Fallback>
+          <p:sp>
+            <p:nvSpPr>
+              <p:cNvPr id="9" name="TextBox 8"/>
+              <p:cNvSpPr txBox="1">
+                <a:spLocks noRot="1" noChangeAspect="1" noMove="1" noResize="1" noEditPoints="1" noAdjustHandles="1" noChangeArrowheads="1" noChangeShapeType="1" noTextEdit="1"/>
+              </p:cNvSpPr>
+              <p:nvPr/>
+            </p:nvSpPr>
+            <p:spPr>
+              <a:xfrm>
+                <a:off x="1619672" y="3942979"/>
+                <a:ext cx="1414170" cy="369332"/>
+              </a:xfrm>
+              <a:prstGeom prst="rect">
+                <a:avLst/>
+              </a:prstGeom>
+              <a:blipFill rotWithShape="1">
+                <a:blip r:embed="rId6"/>
+                <a:stretch>
+                  <a:fillRect b="-20000"/>
+                </a:stretch>
+              </a:blipFill>
+            </p:spPr>
+            <p:txBody>
+              <a:bodyPr/>
+              <a:lstStyle/>
+              <a:p>
+                <a:r>
+                  <a:rPr lang="ko-KR" altLang="en-US">
+                    <a:noFill/>
+                  </a:rPr>
+                  <a:t> </a:t>
+                </a:r>
+              </a:p>
+            </p:txBody>
+          </p:sp>
+        </mc:Fallback>
+      </mc:AlternateContent>
+      <mc:AlternateContent xmlns:mc="http://schemas.openxmlformats.org/markup-compatibility/2006">
+        <mc:Choice xmlns:a14="http://schemas.microsoft.com/office/drawing/2010/main" Requires="a14">
+          <p:sp>
+            <p:nvSpPr>
+              <p:cNvPr id="10" name="TextBox 9"/>
+              <p:cNvSpPr txBox="1"/>
+              <p:nvPr/>
+            </p:nvSpPr>
+            <p:spPr>
+              <a:xfrm>
+                <a:off x="6020391" y="1897618"/>
+                <a:ext cx="1414170" cy="369332"/>
+              </a:xfrm>
+              <a:prstGeom prst="rect">
+                <a:avLst/>
+              </a:prstGeom>
+              <a:noFill/>
+            </p:spPr>
+            <p:txBody>
+              <a:bodyPr wrap="none" rtlCol="0">
+                <a:spAutoFit/>
+              </a:bodyPr>
+              <a:lstStyle/>
+              <a:p>
+                <a14:m>
+                  <m:oMathPara xmlns:m="http://schemas.openxmlformats.org/officeDocument/2006/math">
+                    <m:oMathParaPr>
+                      <m:jc m:val="centerGroup"/>
+                    </m:oMathParaPr>
+                    <m:oMath xmlns:m="http://schemas.openxmlformats.org/officeDocument/2006/math">
+                      <m:r>
+                        <a:rPr lang="en-US" altLang="ko-KR" b="0" i="1" smtClean="0">
+                          <a:latin typeface="Cambria Math"/>
+                        </a:rPr>
+                        <m:t>[8, 0, 0, 0, 0]</m:t>
+                      </m:r>
+                    </m:oMath>
+                  </m:oMathPara>
+                </a14:m>
+                <a:endParaRPr lang="ko-KR" altLang="en-US" dirty="0"/>
+              </a:p>
+            </p:txBody>
+          </p:sp>
+        </mc:Choice>
+        <mc:Fallback>
+          <p:sp>
+            <p:nvSpPr>
+              <p:cNvPr id="10" name="TextBox 9"/>
+              <p:cNvSpPr txBox="1">
+                <a:spLocks noRot="1" noChangeAspect="1" noMove="1" noResize="1" noEditPoints="1" noAdjustHandles="1" noChangeArrowheads="1" noChangeShapeType="1" noTextEdit="1"/>
+              </p:cNvSpPr>
+              <p:nvPr/>
+            </p:nvSpPr>
+            <p:spPr>
+              <a:xfrm>
+                <a:off x="6020391" y="1897618"/>
+                <a:ext cx="1414170" cy="369332"/>
+              </a:xfrm>
+              <a:prstGeom prst="rect">
+                <a:avLst/>
+              </a:prstGeom>
+              <a:blipFill rotWithShape="1">
+                <a:blip r:embed="rId7"/>
+                <a:stretch>
+                  <a:fillRect b="-18033"/>
+                </a:stretch>
+              </a:blipFill>
+            </p:spPr>
+            <p:txBody>
+              <a:bodyPr/>
+              <a:lstStyle/>
+              <a:p>
+                <a:r>
+                  <a:rPr lang="ko-KR" altLang="en-US">
+                    <a:noFill/>
+                  </a:rPr>
+                  <a:t> </a:t>
+                </a:r>
+              </a:p>
+            </p:txBody>
+          </p:sp>
+        </mc:Fallback>
+      </mc:AlternateContent>
+      <mc:AlternateContent xmlns:mc="http://schemas.openxmlformats.org/markup-compatibility/2006">
+        <mc:Choice xmlns:a14="http://schemas.microsoft.com/office/drawing/2010/main" Requires="a14">
+          <p:sp>
+            <p:nvSpPr>
+              <p:cNvPr id="11" name="TextBox 10"/>
+              <p:cNvSpPr txBox="1"/>
+              <p:nvPr/>
+            </p:nvSpPr>
+            <p:spPr>
+              <a:xfrm>
+                <a:off x="6020391" y="2408958"/>
+                <a:ext cx="1414169" cy="369332"/>
+              </a:xfrm>
+              <a:prstGeom prst="rect">
+                <a:avLst/>
+              </a:prstGeom>
+              <a:noFill/>
+            </p:spPr>
+            <p:txBody>
+              <a:bodyPr wrap="none" rtlCol="0">
+                <a:spAutoFit/>
+              </a:bodyPr>
+              <a:lstStyle/>
+              <a:p>
+                <a14:m>
+                  <m:oMathPara xmlns:m="http://schemas.openxmlformats.org/officeDocument/2006/math">
+                    <m:oMathParaPr>
+                      <m:jc m:val="centerGroup"/>
+                    </m:oMathParaPr>
+                    <m:oMath xmlns:m="http://schemas.openxmlformats.org/officeDocument/2006/math">
+                      <m:r>
+                        <a:rPr lang="en-US" altLang="ko-KR" b="0" i="1" smtClean="0">
+                          <a:latin typeface="Cambria Math"/>
+                        </a:rPr>
+                        <m:t>[0, 5, 0, 0, 0]</m:t>
+                      </m:r>
+                    </m:oMath>
+                  </m:oMathPara>
+                </a14:m>
+                <a:endParaRPr lang="ko-KR" altLang="en-US" dirty="0"/>
+              </a:p>
+            </p:txBody>
+          </p:sp>
+        </mc:Choice>
+        <mc:Fallback>
+          <p:sp>
+            <p:nvSpPr>
+              <p:cNvPr id="11" name="TextBox 10"/>
+              <p:cNvSpPr txBox="1">
+                <a:spLocks noRot="1" noChangeAspect="1" noMove="1" noResize="1" noEditPoints="1" noAdjustHandles="1" noChangeArrowheads="1" noChangeShapeType="1" noTextEdit="1"/>
+              </p:cNvSpPr>
+              <p:nvPr/>
+            </p:nvSpPr>
+            <p:spPr>
+              <a:xfrm>
+                <a:off x="6020391" y="2408958"/>
+                <a:ext cx="1414169" cy="369332"/>
+              </a:xfrm>
+              <a:prstGeom prst="rect">
+                <a:avLst/>
+              </a:prstGeom>
+              <a:blipFill rotWithShape="1">
+                <a:blip r:embed="rId8"/>
+                <a:stretch>
+                  <a:fillRect b="-18033"/>
+                </a:stretch>
+              </a:blipFill>
+            </p:spPr>
+            <p:txBody>
+              <a:bodyPr/>
+              <a:lstStyle/>
+              <a:p>
+                <a:r>
+                  <a:rPr lang="ko-KR" altLang="en-US">
+                    <a:noFill/>
+                  </a:rPr>
+                  <a:t> </a:t>
+                </a:r>
+              </a:p>
+            </p:txBody>
+          </p:sp>
+        </mc:Fallback>
+      </mc:AlternateContent>
+      <mc:AlternateContent xmlns:mc="http://schemas.openxmlformats.org/markup-compatibility/2006">
+        <mc:Choice xmlns:a14="http://schemas.microsoft.com/office/drawing/2010/main" Requires="a14">
+          <p:sp>
+            <p:nvSpPr>
+              <p:cNvPr id="12" name="TextBox 11"/>
+              <p:cNvSpPr txBox="1"/>
+              <p:nvPr/>
+            </p:nvSpPr>
+            <p:spPr>
+              <a:xfrm>
+                <a:off x="6020391" y="2920298"/>
+                <a:ext cx="1414170" cy="369332"/>
+              </a:xfrm>
+              <a:prstGeom prst="rect">
+                <a:avLst/>
+              </a:prstGeom>
+              <a:noFill/>
+            </p:spPr>
+            <p:txBody>
+              <a:bodyPr wrap="none" rtlCol="0">
+                <a:spAutoFit/>
+              </a:bodyPr>
+              <a:lstStyle/>
+              <a:p>
+                <a14:m>
+                  <m:oMathPara xmlns:m="http://schemas.openxmlformats.org/officeDocument/2006/math">
+                    <m:oMathParaPr>
+                      <m:jc m:val="centerGroup"/>
+                    </m:oMathParaPr>
+                    <m:oMath xmlns:m="http://schemas.openxmlformats.org/officeDocument/2006/math">
+                      <m:r>
+                        <a:rPr lang="en-US" altLang="ko-KR" b="0" i="1" smtClean="0">
+                          <a:latin typeface="Cambria Math"/>
+                        </a:rPr>
+                        <m:t>[0, 0, 1, 0, 0]</m:t>
+                      </m:r>
+                    </m:oMath>
+                  </m:oMathPara>
+                </a14:m>
+                <a:endParaRPr lang="ko-KR" altLang="en-US" dirty="0"/>
+              </a:p>
+            </p:txBody>
+          </p:sp>
+        </mc:Choice>
+        <mc:Fallback>
+          <p:sp>
+            <p:nvSpPr>
+              <p:cNvPr id="12" name="TextBox 11"/>
+              <p:cNvSpPr txBox="1">
+                <a:spLocks noRot="1" noChangeAspect="1" noMove="1" noResize="1" noEditPoints="1" noAdjustHandles="1" noChangeArrowheads="1" noChangeShapeType="1" noTextEdit="1"/>
+              </p:cNvSpPr>
+              <p:nvPr/>
+            </p:nvSpPr>
+            <p:spPr>
+              <a:xfrm>
+                <a:off x="6020391" y="2920298"/>
+                <a:ext cx="1414170" cy="369332"/>
+              </a:xfrm>
+              <a:prstGeom prst="rect">
+                <a:avLst/>
+              </a:prstGeom>
+              <a:blipFill rotWithShape="1">
+                <a:blip r:embed="rId9"/>
+                <a:stretch>
+                  <a:fillRect b="-18033"/>
+                </a:stretch>
+              </a:blipFill>
+            </p:spPr>
+            <p:txBody>
+              <a:bodyPr/>
+              <a:lstStyle/>
+              <a:p>
+                <a:r>
+                  <a:rPr lang="ko-KR" altLang="en-US">
+                    <a:noFill/>
+                  </a:rPr>
+                  <a:t> </a:t>
+                </a:r>
+              </a:p>
+            </p:txBody>
+          </p:sp>
+        </mc:Fallback>
+      </mc:AlternateContent>
+      <mc:AlternateContent xmlns:mc="http://schemas.openxmlformats.org/markup-compatibility/2006">
+        <mc:Choice xmlns:a14="http://schemas.microsoft.com/office/drawing/2010/main" Requires="a14">
+          <p:sp>
+            <p:nvSpPr>
+              <p:cNvPr id="13" name="TextBox 12"/>
+              <p:cNvSpPr txBox="1"/>
+              <p:nvPr/>
+            </p:nvSpPr>
+            <p:spPr>
+              <a:xfrm>
+                <a:off x="6020391" y="3431638"/>
+                <a:ext cx="1414170" cy="369332"/>
+              </a:xfrm>
+              <a:prstGeom prst="rect">
+                <a:avLst/>
+              </a:prstGeom>
+              <a:noFill/>
+            </p:spPr>
+            <p:txBody>
+              <a:bodyPr wrap="none" rtlCol="0">
+                <a:spAutoFit/>
+              </a:bodyPr>
+              <a:lstStyle/>
+              <a:p>
+                <a14:m>
+                  <m:oMathPara xmlns:m="http://schemas.openxmlformats.org/officeDocument/2006/math">
+                    <m:oMathParaPr>
+                      <m:jc m:val="centerGroup"/>
+                    </m:oMathParaPr>
+                    <m:oMath xmlns:m="http://schemas.openxmlformats.org/officeDocument/2006/math">
+                      <m:r>
+                        <a:rPr lang="en-US" altLang="ko-KR" b="0" i="1" smtClean="0">
+                          <a:latin typeface="Cambria Math"/>
+                        </a:rPr>
+                        <m:t>[0, 0, 0, 2, 0]</m:t>
+                      </m:r>
+                    </m:oMath>
+                  </m:oMathPara>
+                </a14:m>
+                <a:endParaRPr lang="ko-KR" altLang="en-US" dirty="0"/>
+              </a:p>
+            </p:txBody>
+          </p:sp>
+        </mc:Choice>
+        <mc:Fallback>
+          <p:sp>
+            <p:nvSpPr>
+              <p:cNvPr id="13" name="TextBox 12"/>
+              <p:cNvSpPr txBox="1">
+                <a:spLocks noRot="1" noChangeAspect="1" noMove="1" noResize="1" noEditPoints="1" noAdjustHandles="1" noChangeArrowheads="1" noChangeShapeType="1" noTextEdit="1"/>
+              </p:cNvSpPr>
+              <p:nvPr/>
+            </p:nvSpPr>
+            <p:spPr>
+              <a:xfrm>
+                <a:off x="6020391" y="3431638"/>
+                <a:ext cx="1414170" cy="369332"/>
+              </a:xfrm>
+              <a:prstGeom prst="rect">
+                <a:avLst/>
+              </a:prstGeom>
+              <a:blipFill rotWithShape="1">
+                <a:blip r:embed="rId10"/>
+                <a:stretch>
+                  <a:fillRect b="-18033"/>
+                </a:stretch>
+              </a:blipFill>
+            </p:spPr>
+            <p:txBody>
+              <a:bodyPr/>
+              <a:lstStyle/>
+              <a:p>
+                <a:r>
+                  <a:rPr lang="ko-KR" altLang="en-US">
+                    <a:noFill/>
+                  </a:rPr>
+                  <a:t> </a:t>
+                </a:r>
+              </a:p>
+            </p:txBody>
+          </p:sp>
+        </mc:Fallback>
+      </mc:AlternateContent>
+      <mc:AlternateContent xmlns:mc="http://schemas.openxmlformats.org/markup-compatibility/2006">
+        <mc:Choice xmlns:a14="http://schemas.microsoft.com/office/drawing/2010/main" Requires="a14">
+          <p:sp>
+            <p:nvSpPr>
+              <p:cNvPr id="14" name="TextBox 13"/>
+              <p:cNvSpPr txBox="1"/>
+              <p:nvPr/>
+            </p:nvSpPr>
+            <p:spPr>
+              <a:xfrm>
+                <a:off x="6020391" y="3942979"/>
+                <a:ext cx="1414169" cy="369332"/>
+              </a:xfrm>
+              <a:prstGeom prst="rect">
+                <a:avLst/>
+              </a:prstGeom>
+              <a:noFill/>
+            </p:spPr>
+            <p:txBody>
+              <a:bodyPr wrap="none" rtlCol="0">
+                <a:spAutoFit/>
+              </a:bodyPr>
+              <a:lstStyle/>
+              <a:p>
+                <a14:m>
+                  <m:oMathPara xmlns:m="http://schemas.openxmlformats.org/officeDocument/2006/math">
+                    <m:oMathParaPr>
+                      <m:jc m:val="centerGroup"/>
+                    </m:oMathParaPr>
+                    <m:oMath xmlns:m="http://schemas.openxmlformats.org/officeDocument/2006/math">
+                      <m:r>
+                        <a:rPr lang="en-US" altLang="ko-KR" b="0" i="1" smtClean="0">
+                          <a:latin typeface="Cambria Math"/>
+                        </a:rPr>
+                        <m:t>[0, 0, 0, 0, 7]</m:t>
+                      </m:r>
+                    </m:oMath>
+                  </m:oMathPara>
+                </a14:m>
+                <a:endParaRPr lang="ko-KR" altLang="en-US" dirty="0"/>
+              </a:p>
+            </p:txBody>
+          </p:sp>
+        </mc:Choice>
+        <mc:Fallback>
+          <p:sp>
+            <p:nvSpPr>
+              <p:cNvPr id="14" name="TextBox 13"/>
+              <p:cNvSpPr txBox="1">
+                <a:spLocks noRot="1" noChangeAspect="1" noMove="1" noResize="1" noEditPoints="1" noAdjustHandles="1" noChangeArrowheads="1" noChangeShapeType="1" noTextEdit="1"/>
+              </p:cNvSpPr>
+              <p:nvPr/>
+            </p:nvSpPr>
+            <p:spPr>
+              <a:xfrm>
+                <a:off x="6020391" y="3942979"/>
+                <a:ext cx="1414169" cy="369332"/>
+              </a:xfrm>
+              <a:prstGeom prst="rect">
+                <a:avLst/>
+              </a:prstGeom>
+              <a:blipFill rotWithShape="1">
+                <a:blip r:embed="rId11"/>
+                <a:stretch>
+                  <a:fillRect b="-20000"/>
+                </a:stretch>
+              </a:blipFill>
+            </p:spPr>
+            <p:txBody>
+              <a:bodyPr/>
+              <a:lstStyle/>
+              <a:p>
+                <a:r>
+                  <a:rPr lang="ko-KR" altLang="en-US">
+                    <a:noFill/>
+                  </a:rPr>
+                  <a:t> </a:t>
+                </a:r>
+              </a:p>
+            </p:txBody>
+          </p:sp>
+        </mc:Fallback>
+      </mc:AlternateContent>
+      <p:cxnSp>
+        <p:nvCxnSpPr>
+          <p:cNvPr id="18" name="직선 화살표 연결선 17"/>
+          <p:cNvCxnSpPr>
+            <a:stCxn id="5" idx="3"/>
+          </p:cNvCxnSpPr>
+          <p:nvPr/>
+        </p:nvCxnSpPr>
+        <p:spPr>
+          <a:xfrm>
+            <a:off x="3033841" y="2082284"/>
+            <a:ext cx="314023" cy="0"/>
+          </a:xfrm>
+          <a:prstGeom prst="straightConnector1">
+            <a:avLst/>
+          </a:prstGeom>
+          <a:ln w="38100">
+            <a:solidFill>
+              <a:schemeClr val="tx1"/>
+            </a:solidFill>
+            <a:tailEnd type="arrow"/>
+          </a:ln>
+        </p:spPr>
+        <p:style>
+          <a:lnRef idx="1">
+            <a:schemeClr val="accent1"/>
+          </a:lnRef>
+          <a:fillRef idx="0">
+            <a:schemeClr val="accent1"/>
+          </a:fillRef>
+          <a:effectRef idx="0">
+            <a:schemeClr val="accent1"/>
+          </a:effectRef>
+          <a:fontRef idx="minor">
+            <a:schemeClr val="tx1"/>
+          </a:fontRef>
+        </p:style>
+      </p:cxnSp>
+      <p:cxnSp>
+        <p:nvCxnSpPr>
+          <p:cNvPr id="19" name="직선 화살표 연결선 18"/>
+          <p:cNvCxnSpPr/>
+          <p:nvPr/>
+        </p:nvCxnSpPr>
+        <p:spPr>
+          <a:xfrm>
+            <a:off x="3033841" y="2605568"/>
+            <a:ext cx="314023" cy="0"/>
+          </a:xfrm>
+          <a:prstGeom prst="straightConnector1">
+            <a:avLst/>
+          </a:prstGeom>
+          <a:ln w="38100">
+            <a:solidFill>
+              <a:schemeClr val="tx1"/>
+            </a:solidFill>
+            <a:tailEnd type="arrow"/>
+          </a:ln>
+        </p:spPr>
+        <p:style>
+          <a:lnRef idx="1">
+            <a:schemeClr val="accent1"/>
+          </a:lnRef>
+          <a:fillRef idx="0">
+            <a:schemeClr val="accent1"/>
+          </a:fillRef>
+          <a:effectRef idx="0">
+            <a:schemeClr val="accent1"/>
+          </a:effectRef>
+          <a:fontRef idx="minor">
+            <a:schemeClr val="tx1"/>
+          </a:fontRef>
+        </p:style>
+      </p:cxnSp>
+      <p:cxnSp>
+        <p:nvCxnSpPr>
+          <p:cNvPr id="20" name="직선 화살표 연결선 19"/>
+          <p:cNvCxnSpPr/>
+          <p:nvPr/>
+        </p:nvCxnSpPr>
+        <p:spPr>
+          <a:xfrm>
+            <a:off x="3033841" y="3113981"/>
+            <a:ext cx="314023" cy="0"/>
+          </a:xfrm>
+          <a:prstGeom prst="straightConnector1">
+            <a:avLst/>
+          </a:prstGeom>
+          <a:ln w="38100">
+            <a:solidFill>
+              <a:schemeClr val="tx1"/>
+            </a:solidFill>
+            <a:tailEnd type="arrow"/>
+          </a:ln>
+        </p:spPr>
+        <p:style>
+          <a:lnRef idx="1">
+            <a:schemeClr val="accent1"/>
+          </a:lnRef>
+          <a:fillRef idx="0">
+            <a:schemeClr val="accent1"/>
+          </a:fillRef>
+          <a:effectRef idx="0">
+            <a:schemeClr val="accent1"/>
+          </a:effectRef>
+          <a:fontRef idx="minor">
+            <a:schemeClr val="tx1"/>
+          </a:fontRef>
+        </p:style>
+      </p:cxnSp>
+      <p:cxnSp>
+        <p:nvCxnSpPr>
+          <p:cNvPr id="21" name="직선 화살표 연결선 20"/>
+          <p:cNvCxnSpPr/>
+          <p:nvPr/>
+        </p:nvCxnSpPr>
+        <p:spPr>
+          <a:xfrm>
+            <a:off x="3033841" y="3616304"/>
+            <a:ext cx="314023" cy="0"/>
+          </a:xfrm>
+          <a:prstGeom prst="straightConnector1">
+            <a:avLst/>
+          </a:prstGeom>
+          <a:ln w="38100">
+            <a:solidFill>
+              <a:schemeClr val="tx1"/>
+            </a:solidFill>
+            <a:tailEnd type="arrow"/>
+          </a:ln>
+        </p:spPr>
+        <p:style>
+          <a:lnRef idx="1">
+            <a:schemeClr val="accent1"/>
+          </a:lnRef>
+          <a:fillRef idx="0">
+            <a:schemeClr val="accent1"/>
+          </a:fillRef>
+          <a:effectRef idx="0">
+            <a:schemeClr val="accent1"/>
+          </a:effectRef>
+          <a:fontRef idx="minor">
+            <a:schemeClr val="tx1"/>
+          </a:fontRef>
+        </p:style>
+      </p:cxnSp>
+      <p:cxnSp>
+        <p:nvCxnSpPr>
+          <p:cNvPr id="22" name="직선 화살표 연결선 21"/>
+          <p:cNvCxnSpPr/>
+          <p:nvPr/>
+        </p:nvCxnSpPr>
+        <p:spPr>
+          <a:xfrm>
+            <a:off x="3033841" y="4127645"/>
+            <a:ext cx="314023" cy="0"/>
+          </a:xfrm>
+          <a:prstGeom prst="straightConnector1">
+            <a:avLst/>
+          </a:prstGeom>
+          <a:ln w="38100">
+            <a:solidFill>
+              <a:schemeClr val="tx1"/>
+            </a:solidFill>
+            <a:tailEnd type="arrow"/>
+          </a:ln>
+        </p:spPr>
+        <p:style>
+          <a:lnRef idx="1">
+            <a:schemeClr val="accent1"/>
+          </a:lnRef>
+          <a:fillRef idx="0">
+            <a:schemeClr val="accent1"/>
+          </a:fillRef>
+          <a:effectRef idx="0">
+            <a:schemeClr val="accent1"/>
+          </a:effectRef>
+          <a:fontRef idx="minor">
+            <a:schemeClr val="tx1"/>
+          </a:fontRef>
+        </p:style>
+      </p:cxnSp>
+      <p:cxnSp>
+        <p:nvCxnSpPr>
+          <p:cNvPr id="23" name="직선 화살표 연결선 22"/>
+          <p:cNvCxnSpPr/>
+          <p:nvPr/>
+        </p:nvCxnSpPr>
+        <p:spPr>
+          <a:xfrm>
+            <a:off x="5724128" y="2082284"/>
+            <a:ext cx="314023" cy="0"/>
+          </a:xfrm>
+          <a:prstGeom prst="straightConnector1">
+            <a:avLst/>
+          </a:prstGeom>
+          <a:ln w="38100">
+            <a:solidFill>
+              <a:schemeClr val="tx1"/>
+            </a:solidFill>
+            <a:tailEnd type="arrow"/>
+          </a:ln>
+        </p:spPr>
+        <p:style>
+          <a:lnRef idx="1">
+            <a:schemeClr val="accent1"/>
+          </a:lnRef>
+          <a:fillRef idx="0">
+            <a:schemeClr val="accent1"/>
+          </a:fillRef>
+          <a:effectRef idx="0">
+            <a:schemeClr val="accent1"/>
+          </a:effectRef>
+          <a:fontRef idx="minor">
+            <a:schemeClr val="tx1"/>
+          </a:fontRef>
+        </p:style>
+      </p:cxnSp>
+      <p:cxnSp>
+        <p:nvCxnSpPr>
+          <p:cNvPr id="24" name="직선 화살표 연결선 23"/>
+          <p:cNvCxnSpPr/>
+          <p:nvPr/>
+        </p:nvCxnSpPr>
+        <p:spPr>
+          <a:xfrm>
+            <a:off x="5724128" y="2605568"/>
+            <a:ext cx="314023" cy="0"/>
+          </a:xfrm>
+          <a:prstGeom prst="straightConnector1">
+            <a:avLst/>
+          </a:prstGeom>
+          <a:ln w="38100">
+            <a:solidFill>
+              <a:schemeClr val="tx1"/>
+            </a:solidFill>
+            <a:tailEnd type="arrow"/>
+          </a:ln>
+        </p:spPr>
+        <p:style>
+          <a:lnRef idx="1">
+            <a:schemeClr val="accent1"/>
+          </a:lnRef>
+          <a:fillRef idx="0">
+            <a:schemeClr val="accent1"/>
+          </a:fillRef>
+          <a:effectRef idx="0">
+            <a:schemeClr val="accent1"/>
+          </a:effectRef>
+          <a:fontRef idx="minor">
+            <a:schemeClr val="tx1"/>
+          </a:fontRef>
+        </p:style>
+      </p:cxnSp>
+      <p:cxnSp>
+        <p:nvCxnSpPr>
+          <p:cNvPr id="25" name="직선 화살표 연결선 24"/>
+          <p:cNvCxnSpPr/>
+          <p:nvPr/>
+        </p:nvCxnSpPr>
+        <p:spPr>
+          <a:xfrm>
+            <a:off x="5724128" y="3113981"/>
+            <a:ext cx="314023" cy="0"/>
+          </a:xfrm>
+          <a:prstGeom prst="straightConnector1">
+            <a:avLst/>
+          </a:prstGeom>
+          <a:ln w="38100">
+            <a:solidFill>
+              <a:schemeClr val="tx1"/>
+            </a:solidFill>
+            <a:tailEnd type="arrow"/>
+          </a:ln>
+        </p:spPr>
+        <p:style>
+          <a:lnRef idx="1">
+            <a:schemeClr val="accent1"/>
+          </a:lnRef>
+          <a:fillRef idx="0">
+            <a:schemeClr val="accent1"/>
+          </a:fillRef>
+          <a:effectRef idx="0">
+            <a:schemeClr val="accent1"/>
+          </a:effectRef>
+          <a:fontRef idx="minor">
+            <a:schemeClr val="tx1"/>
+          </a:fontRef>
+        </p:style>
+      </p:cxnSp>
+      <p:cxnSp>
+        <p:nvCxnSpPr>
+          <p:cNvPr id="26" name="직선 화살표 연결선 25"/>
+          <p:cNvCxnSpPr/>
+          <p:nvPr/>
+        </p:nvCxnSpPr>
+        <p:spPr>
+          <a:xfrm>
+            <a:off x="5724128" y="3616304"/>
+            <a:ext cx="314023" cy="0"/>
+          </a:xfrm>
+          <a:prstGeom prst="straightConnector1">
+            <a:avLst/>
+          </a:prstGeom>
+          <a:ln w="38100">
+            <a:solidFill>
+              <a:schemeClr val="tx1"/>
+            </a:solidFill>
+            <a:tailEnd type="arrow"/>
+          </a:ln>
+        </p:spPr>
+        <p:style>
+          <a:lnRef idx="1">
+            <a:schemeClr val="accent1"/>
+          </a:lnRef>
+          <a:fillRef idx="0">
+            <a:schemeClr val="accent1"/>
+          </a:fillRef>
+          <a:effectRef idx="0">
+            <a:schemeClr val="accent1"/>
+          </a:effectRef>
+          <a:fontRef idx="minor">
+            <a:schemeClr val="tx1"/>
+          </a:fontRef>
+        </p:style>
+      </p:cxnSp>
+      <p:cxnSp>
+        <p:nvCxnSpPr>
+          <p:cNvPr id="27" name="직선 화살표 연결선 26"/>
+          <p:cNvCxnSpPr/>
+          <p:nvPr/>
+        </p:nvCxnSpPr>
+        <p:spPr>
+          <a:xfrm>
+            <a:off x="5724128" y="4127645"/>
+            <a:ext cx="314023" cy="0"/>
+          </a:xfrm>
+          <a:prstGeom prst="straightConnector1">
+            <a:avLst/>
+          </a:prstGeom>
+          <a:ln w="38100">
+            <a:solidFill>
+              <a:schemeClr val="tx1"/>
+            </a:solidFill>
+            <a:tailEnd type="arrow"/>
+          </a:ln>
+        </p:spPr>
+        <p:style>
+          <a:lnRef idx="1">
+            <a:schemeClr val="accent1"/>
+          </a:lnRef>
+          <a:fillRef idx="0">
+            <a:schemeClr val="accent1"/>
+          </a:fillRef>
+          <a:effectRef idx="0">
+            <a:schemeClr val="accent1"/>
+          </a:effectRef>
+          <a:fontRef idx="minor">
+            <a:schemeClr val="tx1"/>
+          </a:fontRef>
+        </p:style>
+      </p:cxnSp>
+      <mc:AlternateContent xmlns:mc="http://schemas.openxmlformats.org/markup-compatibility/2006">
+        <mc:Choice xmlns:a14="http://schemas.microsoft.com/office/drawing/2010/main" Requires="a14">
+          <p:sp>
+            <p:nvSpPr>
+              <p:cNvPr id="28" name="TextBox 27"/>
+              <p:cNvSpPr txBox="1"/>
+              <p:nvPr/>
+            </p:nvSpPr>
+            <p:spPr>
+              <a:xfrm>
+                <a:off x="1642755" y="674778"/>
+                <a:ext cx="1414170" cy="369332"/>
+              </a:xfrm>
+              <a:prstGeom prst="rect">
+                <a:avLst/>
+              </a:prstGeom>
+              <a:noFill/>
+            </p:spPr>
+            <p:txBody>
+              <a:bodyPr wrap="none" rtlCol="0">
+                <a:spAutoFit/>
+              </a:bodyPr>
+              <a:lstStyle/>
+              <a:p>
+                <a14:m>
+                  <m:oMathPara xmlns:m="http://schemas.openxmlformats.org/officeDocument/2006/math">
+                    <m:oMathParaPr>
+                      <m:jc m:val="centerGroup"/>
+                    </m:oMathParaPr>
+                    <m:oMath xmlns:m="http://schemas.openxmlformats.org/officeDocument/2006/math">
+                      <m:r>
+                        <a:rPr lang="en-US" altLang="ko-KR" b="0" i="1" smtClean="0">
+                          <a:latin typeface="Cambria Math"/>
+                        </a:rPr>
+                        <m:t>[2, 3, 5, 1, 4]</m:t>
+                      </m:r>
+                    </m:oMath>
+                  </m:oMathPara>
+                </a14:m>
+                <a:endParaRPr lang="ko-KR" altLang="en-US" dirty="0"/>
+              </a:p>
+            </p:txBody>
+          </p:sp>
+        </mc:Choice>
+        <mc:Fallback>
+          <p:sp>
+            <p:nvSpPr>
+              <p:cNvPr id="28" name="TextBox 27"/>
+              <p:cNvSpPr txBox="1">
+                <a:spLocks noRot="1" noChangeAspect="1" noMove="1" noResize="1" noEditPoints="1" noAdjustHandles="1" noChangeArrowheads="1" noChangeShapeType="1" noTextEdit="1"/>
+              </p:cNvSpPr>
+              <p:nvPr/>
+            </p:nvSpPr>
+            <p:spPr>
+              <a:xfrm>
+                <a:off x="1642755" y="674778"/>
+                <a:ext cx="1414170" cy="369332"/>
+              </a:xfrm>
+              <a:prstGeom prst="rect">
+                <a:avLst/>
+              </a:prstGeom>
+              <a:blipFill rotWithShape="1">
+                <a:blip r:embed="rId12"/>
+                <a:stretch>
+                  <a:fillRect b="-20000"/>
+                </a:stretch>
+              </a:blipFill>
+            </p:spPr>
+            <p:txBody>
+              <a:bodyPr/>
+              <a:lstStyle/>
+              <a:p>
+                <a:r>
+                  <a:rPr lang="ko-KR" altLang="en-US">
+                    <a:noFill/>
+                  </a:rPr>
+                  <a:t> </a:t>
+                </a:r>
+              </a:p>
+            </p:txBody>
+          </p:sp>
+        </mc:Fallback>
+      </mc:AlternateContent>
+      <p:sp>
+        <p:nvSpPr>
+          <p:cNvPr id="29" name="아래쪽 화살표 28"/>
+          <p:cNvSpPr/>
+          <p:nvPr/>
+        </p:nvSpPr>
+        <p:spPr>
+          <a:xfrm>
+            <a:off x="2107524" y="1062028"/>
+            <a:ext cx="484632" cy="780526"/>
+          </a:xfrm>
+          <a:prstGeom prst="downArrow">
+            <a:avLst/>
+          </a:prstGeom>
+        </p:spPr>
+        <p:style>
+          <a:lnRef idx="2">
+            <a:schemeClr val="accent1">
+              <a:shade val="50000"/>
+            </a:schemeClr>
+          </a:lnRef>
+          <a:fillRef idx="1">
+            <a:schemeClr val="accent1"/>
+          </a:fillRef>
+          <a:effectRef idx="0">
+            <a:schemeClr val="accent1"/>
+          </a:effectRef>
+          <a:fontRef idx="minor">
+            <a:schemeClr val="lt1"/>
+          </a:fontRef>
+        </p:style>
+        <p:txBody>
+          <a:bodyPr rtlCol="0" anchor="ctr"/>
+          <a:lstStyle/>
+          <a:p>
+            <a:pPr algn="ctr"/>
+            <a:endParaRPr lang="ko-KR" altLang="en-US"/>
+          </a:p>
+        </p:txBody>
+      </p:sp>
+      <p:sp>
+        <p:nvSpPr>
+          <p:cNvPr id="30" name="아래쪽 화살표 29"/>
+          <p:cNvSpPr/>
+          <p:nvPr/>
+        </p:nvSpPr>
+        <p:spPr>
+          <a:xfrm>
+            <a:off x="6486913" y="4334881"/>
+            <a:ext cx="484632" cy="780526"/>
+          </a:xfrm>
+          <a:prstGeom prst="downArrow">
+            <a:avLst/>
+          </a:prstGeom>
+        </p:spPr>
+        <p:style>
+          <a:lnRef idx="2">
+            <a:schemeClr val="accent1">
+              <a:shade val="50000"/>
+            </a:schemeClr>
+          </a:lnRef>
+          <a:fillRef idx="1">
+            <a:schemeClr val="accent1"/>
+          </a:fillRef>
+          <a:effectRef idx="0">
+            <a:schemeClr val="accent1"/>
+          </a:effectRef>
+          <a:fontRef idx="minor">
+            <a:schemeClr val="lt1"/>
+          </a:fontRef>
+        </p:style>
+        <p:txBody>
+          <a:bodyPr rtlCol="0" anchor="ctr"/>
+          <a:lstStyle/>
+          <a:p>
+            <a:pPr algn="ctr"/>
+            <a:endParaRPr lang="ko-KR" altLang="en-US"/>
+          </a:p>
+        </p:txBody>
+      </p:sp>
+      <mc:AlternateContent xmlns:mc="http://schemas.openxmlformats.org/markup-compatibility/2006">
+        <mc:Choice xmlns:a14="http://schemas.microsoft.com/office/drawing/2010/main" Requires="a14">
+          <p:sp>
+            <p:nvSpPr>
+              <p:cNvPr id="31" name="TextBox 30"/>
+              <p:cNvSpPr txBox="1"/>
+              <p:nvPr/>
+            </p:nvSpPr>
+            <p:spPr>
+              <a:xfrm>
+                <a:off x="6022144" y="5157192"/>
+                <a:ext cx="1414170" cy="369332"/>
+              </a:xfrm>
+              <a:prstGeom prst="rect">
+                <a:avLst/>
+              </a:prstGeom>
+              <a:noFill/>
+            </p:spPr>
+            <p:txBody>
+              <a:bodyPr wrap="none" rtlCol="0">
+                <a:spAutoFit/>
+              </a:bodyPr>
+              <a:lstStyle/>
+              <a:p>
+                <a14:m>
+                  <m:oMathPara xmlns:m="http://schemas.openxmlformats.org/officeDocument/2006/math">
+                    <m:oMathParaPr>
+                      <m:jc m:val="centerGroup"/>
+                    </m:oMathParaPr>
+                    <m:oMath xmlns:m="http://schemas.openxmlformats.org/officeDocument/2006/math">
+                      <m:r>
+                        <a:rPr lang="en-US" altLang="ko-KR" b="0" i="1" smtClean="0">
+                          <a:latin typeface="Cambria Math"/>
+                        </a:rPr>
+                        <m:t>[8, 5, 1, 2, 7]</m:t>
+                      </m:r>
+                    </m:oMath>
+                  </m:oMathPara>
+                </a14:m>
+                <a:endParaRPr lang="ko-KR" altLang="en-US" dirty="0"/>
+              </a:p>
+            </p:txBody>
+          </p:sp>
+        </mc:Choice>
+        <mc:Fallback>
+          <p:sp>
+            <p:nvSpPr>
+              <p:cNvPr id="31" name="TextBox 30"/>
+              <p:cNvSpPr txBox="1">
+                <a:spLocks noRot="1" noChangeAspect="1" noMove="1" noResize="1" noEditPoints="1" noAdjustHandles="1" noChangeArrowheads="1" noChangeShapeType="1" noTextEdit="1"/>
+              </p:cNvSpPr>
+              <p:nvPr/>
+            </p:nvSpPr>
+            <p:spPr>
+              <a:xfrm>
+                <a:off x="6022144" y="5157192"/>
+                <a:ext cx="1414170" cy="369332"/>
+              </a:xfrm>
+              <a:prstGeom prst="rect">
+                <a:avLst/>
+              </a:prstGeom>
+              <a:blipFill rotWithShape="1">
+                <a:blip r:embed="rId13"/>
+                <a:stretch>
+                  <a:fillRect b="-18033"/>
+                </a:stretch>
+              </a:blipFill>
+            </p:spPr>
+            <p:txBody>
+              <a:bodyPr/>
+              <a:lstStyle/>
+              <a:p>
+                <a:r>
+                  <a:rPr lang="ko-KR" altLang="en-US">
+                    <a:noFill/>
+                  </a:rPr>
+                  <a:t> </a:t>
+                </a:r>
+              </a:p>
+            </p:txBody>
+          </p:sp>
+        </mc:Fallback>
+      </mc:AlternateContent>
+    </p:spTree>
+    <p:extLst>
+      <p:ext uri="{BB962C8B-B14F-4D97-AF65-F5344CB8AC3E}">
+        <p14:creationId xmlns:p14="http://schemas.microsoft.com/office/powerpoint/2010/main" val="1340129755"/>
+      </p:ext>
+    </p:extLst>
+  </p:cSld>
+  <p:clrMapOvr>
+    <a:masterClrMapping/>
+  </p:clrMapOvr>
+</p:sld>
+</file>
+
+<file path=ppt/slides/slide3.xml><?xml version="1.0" encoding="utf-8"?>
+<p:sld xmlns:a="http://schemas.openxmlformats.org/drawingml/2006/main" xmlns:r="http://schemas.openxmlformats.org/officeDocument/2006/relationships" xmlns:p="http://schemas.openxmlformats.org/presentationml/2006/main">
+  <p:cSld>
+    <p:spTree>
+      <p:nvGrpSpPr>
+        <p:cNvPr id="1" name=""/>
+        <p:cNvGrpSpPr/>
+        <p:nvPr/>
+      </p:nvGrpSpPr>
+      <p:grpSpPr>
+        <a:xfrm>
+          <a:off x="0" y="0"/>
+          <a:ext cx="0" cy="0"/>
+          <a:chOff x="0" y="0"/>
+          <a:chExt cx="0" cy="0"/>
+        </a:xfrm>
+      </p:grpSpPr>
+    </p:spTree>
+    <p:extLst>
+      <p:ext uri="{BB962C8B-B14F-4D97-AF65-F5344CB8AC3E}">
+        <p14:creationId xmlns:p14="http://schemas.microsoft.com/office/powerpoint/2010/main" val="4040717372"/>
       </p:ext>
     </p:extLst>
   </p:cSld>

--- a/pics/2021-06-09-Greens_function/pics.pptx
+++ b/pics/2021-06-09-Greens_function/pics.pptx
@@ -3711,8 +3711,8 @@
           </a:p>
         </p:txBody>
       </p:sp>
-      <mc:AlternateContent xmlns:mc="http://schemas.openxmlformats.org/markup-compatibility/2006">
-        <mc:Choice xmlns:a14="http://schemas.microsoft.com/office/drawing/2010/main" Requires="a14">
+      <mc:AlternateContent xmlns:mc="http://schemas.openxmlformats.org/markup-compatibility/2006" xmlns:a14="http://schemas.microsoft.com/office/drawing/2010/main">
+        <mc:Choice Requires="a14">
           <p:sp>
             <p:nvSpPr>
               <p:cNvPr id="5" name="TextBox 4"/>
@@ -3735,6 +3735,7 @@
               </a:bodyPr>
               <a:lstStyle/>
               <a:p>
+                <a:pPr/>
                 <a14:m>
                   <m:oMathPara xmlns:m="http://schemas.openxmlformats.org/officeDocument/2006/math">
                     <m:oMathParaPr>
@@ -3755,7 +3756,7 @@
             </p:txBody>
           </p:sp>
         </mc:Choice>
-        <mc:Fallback>
+        <mc:Fallback xmlns="">
           <p:sp>
             <p:nvSpPr>
               <p:cNvPr id="5" name="TextBox 4"/>
@@ -3794,8 +3795,8 @@
           </p:sp>
         </mc:Fallback>
       </mc:AlternateContent>
-      <mc:AlternateContent xmlns:mc="http://schemas.openxmlformats.org/markup-compatibility/2006">
-        <mc:Choice xmlns:a14="http://schemas.microsoft.com/office/drawing/2010/main" Requires="a14">
+      <mc:AlternateContent xmlns:mc="http://schemas.openxmlformats.org/markup-compatibility/2006" xmlns:a14="http://schemas.microsoft.com/office/drawing/2010/main">
+        <mc:Choice Requires="a14">
           <p:sp>
             <p:nvSpPr>
               <p:cNvPr id="6" name="TextBox 5"/>
@@ -3818,6 +3819,7 @@
               </a:bodyPr>
               <a:lstStyle/>
               <a:p>
+                <a:pPr/>
                 <a14:m>
                   <m:oMathPara xmlns:m="http://schemas.openxmlformats.org/officeDocument/2006/math">
                     <m:oMathParaPr>
@@ -3838,7 +3840,7 @@
             </p:txBody>
           </p:sp>
         </mc:Choice>
-        <mc:Fallback>
+        <mc:Fallback xmlns="">
           <p:sp>
             <p:nvSpPr>
               <p:cNvPr id="6" name="TextBox 5"/>
@@ -3877,8 +3879,8 @@
           </p:sp>
         </mc:Fallback>
       </mc:AlternateContent>
-      <mc:AlternateContent xmlns:mc="http://schemas.openxmlformats.org/markup-compatibility/2006">
-        <mc:Choice xmlns:a14="http://schemas.microsoft.com/office/drawing/2010/main" Requires="a14">
+      <mc:AlternateContent xmlns:mc="http://schemas.openxmlformats.org/markup-compatibility/2006" xmlns:a14="http://schemas.microsoft.com/office/drawing/2010/main">
+        <mc:Choice Requires="a14">
           <p:sp>
             <p:nvSpPr>
               <p:cNvPr id="7" name="TextBox 6"/>
@@ -3901,6 +3903,7 @@
               </a:bodyPr>
               <a:lstStyle/>
               <a:p>
+                <a:pPr/>
                 <a14:m>
                   <m:oMathPara xmlns:m="http://schemas.openxmlformats.org/officeDocument/2006/math">
                     <m:oMathParaPr>
@@ -3921,7 +3924,7 @@
             </p:txBody>
           </p:sp>
         </mc:Choice>
-        <mc:Fallback>
+        <mc:Fallback xmlns="">
           <p:sp>
             <p:nvSpPr>
               <p:cNvPr id="7" name="TextBox 6"/>
@@ -3960,8 +3963,8 @@
           </p:sp>
         </mc:Fallback>
       </mc:AlternateContent>
-      <mc:AlternateContent xmlns:mc="http://schemas.openxmlformats.org/markup-compatibility/2006">
-        <mc:Choice xmlns:a14="http://schemas.microsoft.com/office/drawing/2010/main" Requires="a14">
+      <mc:AlternateContent xmlns:mc="http://schemas.openxmlformats.org/markup-compatibility/2006" xmlns:a14="http://schemas.microsoft.com/office/drawing/2010/main">
+        <mc:Choice Requires="a14">
           <p:sp>
             <p:nvSpPr>
               <p:cNvPr id="8" name="TextBox 7"/>
@@ -3984,6 +3987,7 @@
               </a:bodyPr>
               <a:lstStyle/>
               <a:p>
+                <a:pPr/>
                 <a14:m>
                   <m:oMathPara xmlns:m="http://schemas.openxmlformats.org/officeDocument/2006/math">
                     <m:oMathParaPr>
@@ -4004,7 +4008,7 @@
             </p:txBody>
           </p:sp>
         </mc:Choice>
-        <mc:Fallback>
+        <mc:Fallback xmlns="">
           <p:sp>
             <p:nvSpPr>
               <p:cNvPr id="8" name="TextBox 7"/>
@@ -4043,8 +4047,8 @@
           </p:sp>
         </mc:Fallback>
       </mc:AlternateContent>
-      <mc:AlternateContent xmlns:mc="http://schemas.openxmlformats.org/markup-compatibility/2006">
-        <mc:Choice xmlns:a14="http://schemas.microsoft.com/office/drawing/2010/main" Requires="a14">
+      <mc:AlternateContent xmlns:mc="http://schemas.openxmlformats.org/markup-compatibility/2006" xmlns:a14="http://schemas.microsoft.com/office/drawing/2010/main">
+        <mc:Choice Requires="a14">
           <p:sp>
             <p:nvSpPr>
               <p:cNvPr id="9" name="TextBox 8"/>
@@ -4067,6 +4071,7 @@
               </a:bodyPr>
               <a:lstStyle/>
               <a:p>
+                <a:pPr/>
                 <a14:m>
                   <m:oMathPara xmlns:m="http://schemas.openxmlformats.org/officeDocument/2006/math">
                     <m:oMathParaPr>
@@ -4087,7 +4092,7 @@
             </p:txBody>
           </p:sp>
         </mc:Choice>
-        <mc:Fallback>
+        <mc:Fallback xmlns="">
           <p:sp>
             <p:nvSpPr>
               <p:cNvPr id="9" name="TextBox 8"/>
@@ -4126,8 +4131,8 @@
           </p:sp>
         </mc:Fallback>
       </mc:AlternateContent>
-      <mc:AlternateContent xmlns:mc="http://schemas.openxmlformats.org/markup-compatibility/2006">
-        <mc:Choice xmlns:a14="http://schemas.microsoft.com/office/drawing/2010/main" Requires="a14">
+      <mc:AlternateContent xmlns:mc="http://schemas.openxmlformats.org/markup-compatibility/2006" xmlns:a14="http://schemas.microsoft.com/office/drawing/2010/main">
+        <mc:Choice Requires="a14">
           <p:sp>
             <p:nvSpPr>
               <p:cNvPr id="10" name="TextBox 9"/>
@@ -4150,6 +4155,7 @@
               </a:bodyPr>
               <a:lstStyle/>
               <a:p>
+                <a:pPr/>
                 <a14:m>
                   <m:oMathPara xmlns:m="http://schemas.openxmlformats.org/officeDocument/2006/math">
                     <m:oMathParaPr>
@@ -4170,7 +4176,7 @@
             </p:txBody>
           </p:sp>
         </mc:Choice>
-        <mc:Fallback>
+        <mc:Fallback xmlns="">
           <p:sp>
             <p:nvSpPr>
               <p:cNvPr id="10" name="TextBox 9"/>
@@ -4209,8 +4215,8 @@
           </p:sp>
         </mc:Fallback>
       </mc:AlternateContent>
-      <mc:AlternateContent xmlns:mc="http://schemas.openxmlformats.org/markup-compatibility/2006">
-        <mc:Choice xmlns:a14="http://schemas.microsoft.com/office/drawing/2010/main" Requires="a14">
+      <mc:AlternateContent xmlns:mc="http://schemas.openxmlformats.org/markup-compatibility/2006" xmlns:a14="http://schemas.microsoft.com/office/drawing/2010/main">
+        <mc:Choice Requires="a14">
           <p:sp>
             <p:nvSpPr>
               <p:cNvPr id="11" name="TextBox 10"/>
@@ -4233,6 +4239,7 @@
               </a:bodyPr>
               <a:lstStyle/>
               <a:p>
+                <a:pPr/>
                 <a14:m>
                   <m:oMathPara xmlns:m="http://schemas.openxmlformats.org/officeDocument/2006/math">
                     <m:oMathParaPr>
@@ -4253,7 +4260,7 @@
             </p:txBody>
           </p:sp>
         </mc:Choice>
-        <mc:Fallback>
+        <mc:Fallback xmlns="">
           <p:sp>
             <p:nvSpPr>
               <p:cNvPr id="11" name="TextBox 10"/>
@@ -4292,8 +4299,8 @@
           </p:sp>
         </mc:Fallback>
       </mc:AlternateContent>
-      <mc:AlternateContent xmlns:mc="http://schemas.openxmlformats.org/markup-compatibility/2006">
-        <mc:Choice xmlns:a14="http://schemas.microsoft.com/office/drawing/2010/main" Requires="a14">
+      <mc:AlternateContent xmlns:mc="http://schemas.openxmlformats.org/markup-compatibility/2006" xmlns:a14="http://schemas.microsoft.com/office/drawing/2010/main">
+        <mc:Choice Requires="a14">
           <p:sp>
             <p:nvSpPr>
               <p:cNvPr id="12" name="TextBox 11"/>
@@ -4316,6 +4323,7 @@
               </a:bodyPr>
               <a:lstStyle/>
               <a:p>
+                <a:pPr/>
                 <a14:m>
                   <m:oMathPara xmlns:m="http://schemas.openxmlformats.org/officeDocument/2006/math">
                     <m:oMathParaPr>
@@ -4336,7 +4344,7 @@
             </p:txBody>
           </p:sp>
         </mc:Choice>
-        <mc:Fallback>
+        <mc:Fallback xmlns="">
           <p:sp>
             <p:nvSpPr>
               <p:cNvPr id="12" name="TextBox 11"/>
@@ -4375,8 +4383,8 @@
           </p:sp>
         </mc:Fallback>
       </mc:AlternateContent>
-      <mc:AlternateContent xmlns:mc="http://schemas.openxmlformats.org/markup-compatibility/2006">
-        <mc:Choice xmlns:a14="http://schemas.microsoft.com/office/drawing/2010/main" Requires="a14">
+      <mc:AlternateContent xmlns:mc="http://schemas.openxmlformats.org/markup-compatibility/2006" xmlns:a14="http://schemas.microsoft.com/office/drawing/2010/main">
+        <mc:Choice Requires="a14">
           <p:sp>
             <p:nvSpPr>
               <p:cNvPr id="13" name="TextBox 12"/>
@@ -4399,6 +4407,7 @@
               </a:bodyPr>
               <a:lstStyle/>
               <a:p>
+                <a:pPr/>
                 <a14:m>
                   <m:oMathPara xmlns:m="http://schemas.openxmlformats.org/officeDocument/2006/math">
                     <m:oMathParaPr>
@@ -4419,7 +4428,7 @@
             </p:txBody>
           </p:sp>
         </mc:Choice>
-        <mc:Fallback>
+        <mc:Fallback xmlns="">
           <p:sp>
             <p:nvSpPr>
               <p:cNvPr id="13" name="TextBox 12"/>
@@ -4458,8 +4467,8 @@
           </p:sp>
         </mc:Fallback>
       </mc:AlternateContent>
-      <mc:AlternateContent xmlns:mc="http://schemas.openxmlformats.org/markup-compatibility/2006">
-        <mc:Choice xmlns:a14="http://schemas.microsoft.com/office/drawing/2010/main" Requires="a14">
+      <mc:AlternateContent xmlns:mc="http://schemas.openxmlformats.org/markup-compatibility/2006" xmlns:a14="http://schemas.microsoft.com/office/drawing/2010/main">
+        <mc:Choice Requires="a14">
           <p:sp>
             <p:nvSpPr>
               <p:cNvPr id="14" name="TextBox 13"/>
@@ -4482,6 +4491,7 @@
               </a:bodyPr>
               <a:lstStyle/>
               <a:p>
+                <a:pPr/>
                 <a14:m>
                   <m:oMathPara xmlns:m="http://schemas.openxmlformats.org/officeDocument/2006/math">
                     <m:oMathParaPr>
@@ -4502,7 +4512,7 @@
             </p:txBody>
           </p:sp>
         </mc:Choice>
-        <mc:Fallback>
+        <mc:Fallback xmlns="">
           <p:sp>
             <p:nvSpPr>
               <p:cNvPr id="14" name="TextBox 13"/>
@@ -4903,8 +4913,8 @@
           </a:fontRef>
         </p:style>
       </p:cxnSp>
-      <mc:AlternateContent xmlns:mc="http://schemas.openxmlformats.org/markup-compatibility/2006">
-        <mc:Choice xmlns:a14="http://schemas.microsoft.com/office/drawing/2010/main" Requires="a14">
+      <mc:AlternateContent xmlns:mc="http://schemas.openxmlformats.org/markup-compatibility/2006" xmlns:a14="http://schemas.microsoft.com/office/drawing/2010/main">
+        <mc:Choice Requires="a14">
           <p:sp>
             <p:nvSpPr>
               <p:cNvPr id="28" name="TextBox 27"/>
@@ -4927,6 +4937,7 @@
               </a:bodyPr>
               <a:lstStyle/>
               <a:p>
+                <a:pPr/>
                 <a14:m>
                   <m:oMathPara xmlns:m="http://schemas.openxmlformats.org/officeDocument/2006/math">
                     <m:oMathParaPr>
@@ -4947,7 +4958,7 @@
             </p:txBody>
           </p:sp>
         </mc:Choice>
-        <mc:Fallback>
+        <mc:Fallback xmlns="">
           <p:sp>
             <p:nvSpPr>
               <p:cNvPr id="28" name="TextBox 27"/>
@@ -5066,8 +5077,8 @@
           </a:p>
         </p:txBody>
       </p:sp>
-      <mc:AlternateContent xmlns:mc="http://schemas.openxmlformats.org/markup-compatibility/2006">
-        <mc:Choice xmlns:a14="http://schemas.microsoft.com/office/drawing/2010/main" Requires="a14">
+      <mc:AlternateContent xmlns:mc="http://schemas.openxmlformats.org/markup-compatibility/2006" xmlns:a14="http://schemas.microsoft.com/office/drawing/2010/main">
+        <mc:Choice Requires="a14">
           <p:sp>
             <p:nvSpPr>
               <p:cNvPr id="31" name="TextBox 30"/>
@@ -5090,6 +5101,7 @@
               </a:bodyPr>
               <a:lstStyle/>
               <a:p>
+                <a:pPr/>
                 <a14:m>
                   <m:oMathPara xmlns:m="http://schemas.openxmlformats.org/officeDocument/2006/math">
                     <m:oMathParaPr>
@@ -5110,7 +5122,7 @@
             </p:txBody>
           </p:sp>
         </mc:Choice>
-        <mc:Fallback>
+        <mc:Fallback xmlns="">
           <p:sp>
             <p:nvSpPr>
               <p:cNvPr id="31" name="TextBox 30"/>
@@ -5179,6 +5191,272 @@
           <a:chExt cx="0" cy="0"/>
         </a:xfrm>
       </p:grpSpPr>
+      <p:sp>
+        <p:nvSpPr>
+          <p:cNvPr id="3" name="순서도: 처리 2"/>
+          <p:cNvSpPr/>
+          <p:nvPr/>
+        </p:nvSpPr>
+        <p:spPr>
+          <a:xfrm>
+            <a:off x="3947205" y="2187472"/>
+            <a:ext cx="1264881" cy="1962746"/>
+          </a:xfrm>
+          <a:prstGeom prst="flowChartProcess">
+            <a:avLst/>
+          </a:prstGeom>
+          <a:noFill/>
+          <a:ln>
+            <a:solidFill>
+              <a:srgbClr val="FF0000"/>
+            </a:solidFill>
+          </a:ln>
+        </p:spPr>
+        <p:style>
+          <a:lnRef idx="2">
+            <a:schemeClr val="accent1">
+              <a:shade val="50000"/>
+            </a:schemeClr>
+          </a:lnRef>
+          <a:fillRef idx="1">
+            <a:schemeClr val="accent1"/>
+          </a:fillRef>
+          <a:effectRef idx="0">
+            <a:schemeClr val="accent1"/>
+          </a:effectRef>
+          <a:fontRef idx="minor">
+            <a:schemeClr val="lt1"/>
+          </a:fontRef>
+        </p:style>
+        <p:txBody>
+          <a:bodyPr rtlCol="0" anchor="ctr"/>
+          <a:lstStyle/>
+          <a:p>
+            <a:pPr algn="ctr"/>
+            <a:r>
+              <a:rPr lang="ko-KR" altLang="en-US" sz="1400" dirty="0" smtClean="0">
+                <a:solidFill>
+                  <a:schemeClr val="tx1"/>
+                </a:solidFill>
+              </a:rPr>
+              <a:t>전체</a:t>
+            </a:r>
+            <a:endParaRPr lang="en-US" altLang="ko-KR" sz="1400" dirty="0" smtClean="0">
+              <a:solidFill>
+                <a:schemeClr val="tx1"/>
+              </a:solidFill>
+            </a:endParaRPr>
+          </a:p>
+          <a:p>
+            <a:pPr algn="ctr"/>
+            <a:r>
+              <a:rPr lang="ko-KR" altLang="en-US" sz="1400" dirty="0" smtClean="0">
+                <a:solidFill>
+                  <a:schemeClr val="tx1"/>
+                </a:solidFill>
+              </a:rPr>
+              <a:t>미분방정식</a:t>
+            </a:r>
+            <a:endParaRPr lang="en-US" altLang="ko-KR" sz="1400" dirty="0" smtClean="0">
+              <a:solidFill>
+                <a:schemeClr val="tx1"/>
+              </a:solidFill>
+            </a:endParaRPr>
+          </a:p>
+          <a:p>
+            <a:pPr algn="ctr"/>
+            <a:r>
+              <a:rPr lang="ko-KR" altLang="en-US" sz="1400" dirty="0" smtClean="0">
+                <a:solidFill>
+                  <a:schemeClr val="tx1"/>
+                </a:solidFill>
+              </a:rPr>
+              <a:t>시스템</a:t>
+            </a:r>
+            <a:endParaRPr lang="en-US" altLang="ko-KR" sz="1400" dirty="0" smtClean="0">
+              <a:solidFill>
+                <a:schemeClr val="tx1"/>
+              </a:solidFill>
+            </a:endParaRPr>
+          </a:p>
+          <a:p>
+            <a:pPr algn="ctr"/>
+            <a:r>
+              <a:rPr lang="en-US" altLang="ko-KR" sz="1400" dirty="0" smtClean="0">
+                <a:solidFill>
+                  <a:schemeClr val="tx1"/>
+                </a:solidFill>
+              </a:rPr>
+              <a:t>(</a:t>
+            </a:r>
+            <a:r>
+              <a:rPr lang="ko-KR" altLang="en-US" sz="1400" dirty="0" smtClean="0">
+                <a:solidFill>
+                  <a:schemeClr val="tx1"/>
+                </a:solidFill>
+              </a:rPr>
+              <a:t>제차</a:t>
+            </a:r>
+            <a:r>
+              <a:rPr lang="en-US" altLang="ko-KR" sz="1400" dirty="0" smtClean="0">
+                <a:solidFill>
+                  <a:schemeClr val="tx1"/>
+                </a:solidFill>
+              </a:rPr>
+              <a:t>+</a:t>
+            </a:r>
+            <a:r>
+              <a:rPr lang="ko-KR" altLang="en-US" sz="1400" dirty="0" smtClean="0">
+                <a:solidFill>
+                  <a:schemeClr val="tx1"/>
+                </a:solidFill>
+              </a:rPr>
+              <a:t>비제차</a:t>
+            </a:r>
+            <a:r>
+              <a:rPr lang="en-US" altLang="ko-KR" sz="1400" dirty="0" smtClean="0">
+                <a:solidFill>
+                  <a:schemeClr val="tx1"/>
+                </a:solidFill>
+              </a:rPr>
+              <a:t>)</a:t>
+            </a:r>
+            <a:endParaRPr lang="ko-KR" altLang="en-US" sz="1400" dirty="0">
+              <a:solidFill>
+                <a:schemeClr val="tx1"/>
+              </a:solidFill>
+            </a:endParaRPr>
+          </a:p>
+        </p:txBody>
+      </p:sp>
+      <p:pic>
+        <p:nvPicPr>
+          <p:cNvPr id="1028" name="Picture 4"/>
+          <p:cNvPicPr>
+            <a:picLocks noChangeAspect="1" noChangeArrowheads="1"/>
+          </p:cNvPicPr>
+          <p:nvPr/>
+        </p:nvPicPr>
+        <p:blipFill>
+          <a:blip r:embed="rId2">
+            <a:extLst>
+              <a:ext uri="{28A0092B-C50C-407E-A947-70E740481C1C}">
+                <a14:useLocalDpi xmlns:a14="http://schemas.microsoft.com/office/drawing/2010/main" val="0"/>
+              </a:ext>
+            </a:extLst>
+          </a:blip>
+          <a:srcRect/>
+          <a:stretch>
+            <a:fillRect/>
+          </a:stretch>
+        </p:blipFill>
+        <p:spPr bwMode="auto">
+          <a:xfrm>
+            <a:off x="201336" y="2060849"/>
+            <a:ext cx="3650584" cy="2736304"/>
+          </a:xfrm>
+          <a:prstGeom prst="rect">
+            <a:avLst/>
+          </a:prstGeom>
+          <a:noFill/>
+          <a:ln>
+            <a:noFill/>
+          </a:ln>
+          <a:effectLst/>
+          <a:extLst>
+            <a:ext uri="{909E8E84-426E-40DD-AFC4-6F175D3DCCD1}">
+              <a14:hiddenFill xmlns:a14="http://schemas.microsoft.com/office/drawing/2010/main">
+                <a:solidFill>
+                  <a:schemeClr val="accent1"/>
+                </a:solidFill>
+              </a14:hiddenFill>
+            </a:ext>
+            <a:ext uri="{91240B29-F687-4F45-9708-019B960494DF}">
+              <a14:hiddenLine xmlns:a14="http://schemas.microsoft.com/office/drawing/2010/main" w="9525">
+                <a:solidFill>
+                  <a:schemeClr val="tx1"/>
+                </a:solidFill>
+                <a:miter lim="800000"/>
+                <a:headEnd/>
+                <a:tailEnd/>
+              </a14:hiddenLine>
+            </a:ext>
+            <a:ext uri="{AF507438-7753-43E0-B8FC-AC1667EBCBE1}">
+              <a14:hiddenEffects xmlns:a14="http://schemas.microsoft.com/office/drawing/2010/main">
+                <a:effectLst>
+                  <a:outerShdw dist="35921" dir="2700000" algn="ctr" rotWithShape="0">
+                    <a:schemeClr val="bg2"/>
+                  </a:outerShdw>
+                </a:effectLst>
+              </a14:hiddenEffects>
+            </a:ext>
+          </a:extLst>
+        </p:spPr>
+      </p:pic>
+      <p:pic>
+        <p:nvPicPr>
+          <p:cNvPr id="1030" name="Picture 6"/>
+          <p:cNvPicPr>
+            <a:picLocks noChangeAspect="1" noChangeArrowheads="1"/>
+          </p:cNvPicPr>
+          <p:nvPr/>
+        </p:nvPicPr>
+        <p:blipFill>
+          <a:blip r:embed="rId3">
+            <a:extLst>
+              <a:ext uri="{28A0092B-C50C-407E-A947-70E740481C1C}">
+                <a14:useLocalDpi xmlns:a14="http://schemas.microsoft.com/office/drawing/2010/main" val="0"/>
+              </a:ext>
+            </a:extLst>
+          </a:blip>
+          <a:srcRect/>
+          <a:stretch>
+            <a:fillRect/>
+          </a:stretch>
+        </p:blipFill>
+        <p:spPr bwMode="auto">
+          <a:xfrm>
+            <a:off x="5212086" y="1684578"/>
+            <a:ext cx="3960439" cy="2968558"/>
+          </a:xfrm>
+          <a:prstGeom prst="rect">
+            <a:avLst/>
+          </a:prstGeom>
+          <a:noFill/>
+          <a:ln>
+            <a:noFill/>
+          </a:ln>
+          <a:effectLst/>
+          <a:extLst>
+            <a:ext uri="{909E8E84-426E-40DD-AFC4-6F175D3DCCD1}">
+              <a14:hiddenFill xmlns:a14="http://schemas.microsoft.com/office/drawing/2010/main">
+                <a:solidFill>
+                  <a:schemeClr val="accent1"/>
+                </a:solidFill>
+              </a14:hiddenFill>
+            </a:ext>
+            <a:ext uri="{91240B29-F687-4F45-9708-019B960494DF}">
+              <a14:hiddenLine xmlns:a14="http://schemas.microsoft.com/office/drawing/2010/main" w="9525">
+                <a:solidFill>
+                  <a:schemeClr val="tx1"/>
+                </a:solidFill>
+                <a:miter lim="800000"/>
+                <a:headEnd/>
+                <a:tailEnd/>
+              </a14:hiddenLine>
+            </a:ext>
+            <a:ext uri="{AF507438-7753-43E0-B8FC-AC1667EBCBE1}">
+              <a14:hiddenEffects xmlns:a14="http://schemas.microsoft.com/office/drawing/2010/main">
+                <a:effectLst>
+                  <a:outerShdw dist="35921" dir="2700000" algn="ctr" rotWithShape="0">
+                    <a:schemeClr val="bg2"/>
+                  </a:outerShdw>
+                </a:effectLst>
+              </a14:hiddenEffects>
+            </a:ext>
+          </a:extLst>
+        </p:spPr>
+      </p:pic>
     </p:spTree>
     <p:extLst>
       <p:ext uri="{BB962C8B-B14F-4D97-AF65-F5344CB8AC3E}">

--- a/pics/2021-06-09-Greens_function/pics.pptx
+++ b/pics/2021-06-09-Greens_function/pics.pptx
@@ -106,6 +106,22 @@
       </a:defRPr>
     </a:lvl9pPr>
   </p:defaultTextStyle>
+  <p:extLst>
+    <p:ext uri="{EFAFB233-063F-42B5-8137-9DF3F51BA10A}">
+      <p15:sldGuideLst xmlns:p15="http://schemas.microsoft.com/office/powerpoint/2012/main">
+        <p15:guide id="1" orient="horz" pos="2160">
+          <p15:clr>
+            <a:srgbClr val="A4A3A4"/>
+          </p15:clr>
+        </p15:guide>
+        <p15:guide id="2" pos="2880">
+          <p15:clr>
+            <a:srgbClr val="A4A3A4"/>
+          </p15:clr>
+        </p15:guide>
+      </p15:sldGuideLst>
+    </p:ext>
+  </p:extLst>
 </p:presentation>
 </file>
 
@@ -147,10 +163,9 @@
           <a:lstStyle/>
           <a:p>
             <a:r>
-              <a:rPr lang="ko-KR" altLang="en-US" smtClean="0"/>
+              <a:rPr lang="ko-KR" altLang="en-US"/>
               <a:t>마스터 제목 스타일 편집</a:t>
             </a:r>
-            <a:endParaRPr lang="ko-KR" altLang="en-US"/>
           </a:p>
         </p:txBody>
       </p:sp>
@@ -266,10 +281,9 @@
           </a:lstStyle>
           <a:p>
             <a:r>
-              <a:rPr lang="ko-KR" altLang="en-US" smtClean="0"/>
+              <a:rPr lang="ko-KR" altLang="en-US"/>
               <a:t>마스터 부제목 스타일 편집</a:t>
             </a:r>
-            <a:endParaRPr lang="ko-KR" altLang="en-US"/>
           </a:p>
         </p:txBody>
       </p:sp>
@@ -379,10 +393,9 @@
           <a:lstStyle/>
           <a:p>
             <a:r>
-              <a:rPr lang="ko-KR" altLang="en-US" smtClean="0"/>
+              <a:rPr lang="ko-KR" altLang="en-US"/>
               <a:t>마스터 제목 스타일 편집</a:t>
             </a:r>
-            <a:endParaRPr lang="ko-KR" altLang="en-US"/>
           </a:p>
         </p:txBody>
       </p:sp>
@@ -403,38 +416,37 @@
           <a:p>
             <a:pPr lvl="0"/>
             <a:r>
-              <a:rPr lang="ko-KR" altLang="en-US" smtClean="0"/>
+              <a:rPr lang="ko-KR" altLang="en-US"/>
               <a:t>마스터 텍스트 스타일을 편집합니다</a:t>
             </a:r>
           </a:p>
           <a:p>
             <a:pPr lvl="1"/>
             <a:r>
-              <a:rPr lang="ko-KR" altLang="en-US" smtClean="0"/>
+              <a:rPr lang="ko-KR" altLang="en-US"/>
               <a:t>둘째 수준</a:t>
             </a:r>
           </a:p>
           <a:p>
             <a:pPr lvl="2"/>
             <a:r>
-              <a:rPr lang="ko-KR" altLang="en-US" smtClean="0"/>
+              <a:rPr lang="ko-KR" altLang="en-US"/>
               <a:t>셋째 수준</a:t>
             </a:r>
           </a:p>
           <a:p>
             <a:pPr lvl="3"/>
             <a:r>
-              <a:rPr lang="ko-KR" altLang="en-US" smtClean="0"/>
+              <a:rPr lang="ko-KR" altLang="en-US"/>
               <a:t>넷째 수준</a:t>
             </a:r>
           </a:p>
           <a:p>
             <a:pPr lvl="4"/>
             <a:r>
-              <a:rPr lang="ko-KR" altLang="en-US" smtClean="0"/>
+              <a:rPr lang="ko-KR" altLang="en-US"/>
               <a:t>다섯째 수준</a:t>
             </a:r>
-            <a:endParaRPr lang="ko-KR" altLang="en-US"/>
           </a:p>
         </p:txBody>
       </p:sp>
@@ -549,10 +561,9 @@
           <a:lstStyle/>
           <a:p>
             <a:r>
-              <a:rPr lang="ko-KR" altLang="en-US" smtClean="0"/>
+              <a:rPr lang="ko-KR" altLang="en-US"/>
               <a:t>마스터 제목 스타일 편집</a:t>
             </a:r>
-            <a:endParaRPr lang="ko-KR" altLang="en-US"/>
           </a:p>
         </p:txBody>
       </p:sp>
@@ -578,38 +589,37 @@
           <a:p>
             <a:pPr lvl="0"/>
             <a:r>
-              <a:rPr lang="ko-KR" altLang="en-US" smtClean="0"/>
+              <a:rPr lang="ko-KR" altLang="en-US"/>
               <a:t>마스터 텍스트 스타일을 편집합니다</a:t>
             </a:r>
           </a:p>
           <a:p>
             <a:pPr lvl="1"/>
             <a:r>
-              <a:rPr lang="ko-KR" altLang="en-US" smtClean="0"/>
+              <a:rPr lang="ko-KR" altLang="en-US"/>
               <a:t>둘째 수준</a:t>
             </a:r>
           </a:p>
           <a:p>
             <a:pPr lvl="2"/>
             <a:r>
-              <a:rPr lang="ko-KR" altLang="en-US" smtClean="0"/>
+              <a:rPr lang="ko-KR" altLang="en-US"/>
               <a:t>셋째 수준</a:t>
             </a:r>
           </a:p>
           <a:p>
             <a:pPr lvl="3"/>
             <a:r>
-              <a:rPr lang="ko-KR" altLang="en-US" smtClean="0"/>
+              <a:rPr lang="ko-KR" altLang="en-US"/>
               <a:t>넷째 수준</a:t>
             </a:r>
           </a:p>
           <a:p>
             <a:pPr lvl="4"/>
             <a:r>
-              <a:rPr lang="ko-KR" altLang="en-US" smtClean="0"/>
+              <a:rPr lang="ko-KR" altLang="en-US"/>
               <a:t>다섯째 수준</a:t>
             </a:r>
-            <a:endParaRPr lang="ko-KR" altLang="en-US"/>
           </a:p>
         </p:txBody>
       </p:sp>
@@ -719,10 +729,9 @@
           <a:lstStyle/>
           <a:p>
             <a:r>
-              <a:rPr lang="ko-KR" altLang="en-US" smtClean="0"/>
+              <a:rPr lang="ko-KR" altLang="en-US"/>
               <a:t>마스터 제목 스타일 편집</a:t>
             </a:r>
-            <a:endParaRPr lang="ko-KR" altLang="en-US"/>
           </a:p>
         </p:txBody>
       </p:sp>
@@ -743,38 +752,37 @@
           <a:p>
             <a:pPr lvl="0"/>
             <a:r>
-              <a:rPr lang="ko-KR" altLang="en-US" smtClean="0"/>
+              <a:rPr lang="ko-KR" altLang="en-US"/>
               <a:t>마스터 텍스트 스타일을 편집합니다</a:t>
             </a:r>
           </a:p>
           <a:p>
             <a:pPr lvl="1"/>
             <a:r>
-              <a:rPr lang="ko-KR" altLang="en-US" smtClean="0"/>
+              <a:rPr lang="ko-KR" altLang="en-US"/>
               <a:t>둘째 수준</a:t>
             </a:r>
           </a:p>
           <a:p>
             <a:pPr lvl="2"/>
             <a:r>
-              <a:rPr lang="ko-KR" altLang="en-US" smtClean="0"/>
+              <a:rPr lang="ko-KR" altLang="en-US"/>
               <a:t>셋째 수준</a:t>
             </a:r>
           </a:p>
           <a:p>
             <a:pPr lvl="3"/>
             <a:r>
-              <a:rPr lang="ko-KR" altLang="en-US" smtClean="0"/>
+              <a:rPr lang="ko-KR" altLang="en-US"/>
               <a:t>넷째 수준</a:t>
             </a:r>
           </a:p>
           <a:p>
             <a:pPr lvl="4"/>
             <a:r>
-              <a:rPr lang="ko-KR" altLang="en-US" smtClean="0"/>
+              <a:rPr lang="ko-KR" altLang="en-US"/>
               <a:t>다섯째 수준</a:t>
             </a:r>
-            <a:endParaRPr lang="ko-KR" altLang="en-US"/>
           </a:p>
         </p:txBody>
       </p:sp>
@@ -893,10 +901,9 @@
           </a:lstStyle>
           <a:p>
             <a:r>
-              <a:rPr lang="ko-KR" altLang="en-US" smtClean="0"/>
+              <a:rPr lang="ko-KR" altLang="en-US"/>
               <a:t>마스터 제목 스타일 편집</a:t>
             </a:r>
-            <a:endParaRPr lang="ko-KR" altLang="en-US"/>
           </a:p>
         </p:txBody>
       </p:sp>
@@ -1013,7 +1020,7 @@
           <a:p>
             <a:pPr lvl="0"/>
             <a:r>
-              <a:rPr lang="ko-KR" altLang="en-US" smtClean="0"/>
+              <a:rPr lang="ko-KR" altLang="en-US"/>
               <a:t>마스터 텍스트 스타일을 편집합니다</a:t>
             </a:r>
           </a:p>
@@ -1125,10 +1132,9 @@
           <a:lstStyle/>
           <a:p>
             <a:r>
-              <a:rPr lang="ko-KR" altLang="en-US" smtClean="0"/>
+              <a:rPr lang="ko-KR" altLang="en-US"/>
               <a:t>마스터 제목 스타일 편집</a:t>
             </a:r>
-            <a:endParaRPr lang="ko-KR" altLang="en-US"/>
           </a:p>
         </p:txBody>
       </p:sp>
@@ -1182,38 +1188,37 @@
           <a:p>
             <a:pPr lvl="0"/>
             <a:r>
-              <a:rPr lang="ko-KR" altLang="en-US" smtClean="0"/>
+              <a:rPr lang="ko-KR" altLang="en-US"/>
               <a:t>마스터 텍스트 스타일을 편집합니다</a:t>
             </a:r>
           </a:p>
           <a:p>
             <a:pPr lvl="1"/>
             <a:r>
-              <a:rPr lang="ko-KR" altLang="en-US" smtClean="0"/>
+              <a:rPr lang="ko-KR" altLang="en-US"/>
               <a:t>둘째 수준</a:t>
             </a:r>
           </a:p>
           <a:p>
             <a:pPr lvl="2"/>
             <a:r>
-              <a:rPr lang="ko-KR" altLang="en-US" smtClean="0"/>
+              <a:rPr lang="ko-KR" altLang="en-US"/>
               <a:t>셋째 수준</a:t>
             </a:r>
           </a:p>
           <a:p>
             <a:pPr lvl="3"/>
             <a:r>
-              <a:rPr lang="ko-KR" altLang="en-US" smtClean="0"/>
+              <a:rPr lang="ko-KR" altLang="en-US"/>
               <a:t>넷째 수준</a:t>
             </a:r>
           </a:p>
           <a:p>
             <a:pPr lvl="4"/>
             <a:r>
-              <a:rPr lang="ko-KR" altLang="en-US" smtClean="0"/>
+              <a:rPr lang="ko-KR" altLang="en-US"/>
               <a:t>다섯째 수준</a:t>
             </a:r>
-            <a:endParaRPr lang="ko-KR" altLang="en-US"/>
           </a:p>
         </p:txBody>
       </p:sp>
@@ -1267,38 +1272,37 @@
           <a:p>
             <a:pPr lvl="0"/>
             <a:r>
-              <a:rPr lang="ko-KR" altLang="en-US" smtClean="0"/>
+              <a:rPr lang="ko-KR" altLang="en-US"/>
               <a:t>마스터 텍스트 스타일을 편집합니다</a:t>
             </a:r>
           </a:p>
           <a:p>
             <a:pPr lvl="1"/>
             <a:r>
-              <a:rPr lang="ko-KR" altLang="en-US" smtClean="0"/>
+              <a:rPr lang="ko-KR" altLang="en-US"/>
               <a:t>둘째 수준</a:t>
             </a:r>
           </a:p>
           <a:p>
             <a:pPr lvl="2"/>
             <a:r>
-              <a:rPr lang="ko-KR" altLang="en-US" smtClean="0"/>
+              <a:rPr lang="ko-KR" altLang="en-US"/>
               <a:t>셋째 수준</a:t>
             </a:r>
           </a:p>
           <a:p>
             <a:pPr lvl="3"/>
             <a:r>
-              <a:rPr lang="ko-KR" altLang="en-US" smtClean="0"/>
+              <a:rPr lang="ko-KR" altLang="en-US"/>
               <a:t>넷째 수준</a:t>
             </a:r>
           </a:p>
           <a:p>
             <a:pPr lvl="4"/>
             <a:r>
-              <a:rPr lang="ko-KR" altLang="en-US" smtClean="0"/>
+              <a:rPr lang="ko-KR" altLang="en-US"/>
               <a:t>다섯째 수준</a:t>
             </a:r>
-            <a:endParaRPr lang="ko-KR" altLang="en-US"/>
           </a:p>
         </p:txBody>
       </p:sp>
@@ -1412,10 +1416,9 @@
           </a:lstStyle>
           <a:p>
             <a:r>
-              <a:rPr lang="ko-KR" altLang="en-US" smtClean="0"/>
+              <a:rPr lang="ko-KR" altLang="en-US"/>
               <a:t>마스터 제목 스타일 편집</a:t>
             </a:r>
-            <a:endParaRPr lang="ko-KR" altLang="en-US"/>
           </a:p>
         </p:txBody>
       </p:sp>
@@ -1478,7 +1481,7 @@
           <a:p>
             <a:pPr lvl="0"/>
             <a:r>
-              <a:rPr lang="ko-KR" altLang="en-US" smtClean="0"/>
+              <a:rPr lang="ko-KR" altLang="en-US"/>
               <a:t>마스터 텍스트 스타일을 편집합니다</a:t>
             </a:r>
           </a:p>
@@ -1534,38 +1537,37 @@
           <a:p>
             <a:pPr lvl="0"/>
             <a:r>
-              <a:rPr lang="ko-KR" altLang="en-US" smtClean="0"/>
+              <a:rPr lang="ko-KR" altLang="en-US"/>
               <a:t>마스터 텍스트 스타일을 편집합니다</a:t>
             </a:r>
           </a:p>
           <a:p>
             <a:pPr lvl="1"/>
             <a:r>
-              <a:rPr lang="ko-KR" altLang="en-US" smtClean="0"/>
+              <a:rPr lang="ko-KR" altLang="en-US"/>
               <a:t>둘째 수준</a:t>
             </a:r>
           </a:p>
           <a:p>
             <a:pPr lvl="2"/>
             <a:r>
-              <a:rPr lang="ko-KR" altLang="en-US" smtClean="0"/>
+              <a:rPr lang="ko-KR" altLang="en-US"/>
               <a:t>셋째 수준</a:t>
             </a:r>
           </a:p>
           <a:p>
             <a:pPr lvl="3"/>
             <a:r>
-              <a:rPr lang="ko-KR" altLang="en-US" smtClean="0"/>
+              <a:rPr lang="ko-KR" altLang="en-US"/>
               <a:t>넷째 수준</a:t>
             </a:r>
           </a:p>
           <a:p>
             <a:pPr lvl="4"/>
             <a:r>
-              <a:rPr lang="ko-KR" altLang="en-US" smtClean="0"/>
+              <a:rPr lang="ko-KR" altLang="en-US"/>
               <a:t>다섯째 수준</a:t>
             </a:r>
-            <a:endParaRPr lang="ko-KR" altLang="en-US"/>
           </a:p>
         </p:txBody>
       </p:sp>
@@ -1628,7 +1630,7 @@
           <a:p>
             <a:pPr lvl="0"/>
             <a:r>
-              <a:rPr lang="ko-KR" altLang="en-US" smtClean="0"/>
+              <a:rPr lang="ko-KR" altLang="en-US"/>
               <a:t>마스터 텍스트 스타일을 편집합니다</a:t>
             </a:r>
           </a:p>
@@ -1684,38 +1686,37 @@
           <a:p>
             <a:pPr lvl="0"/>
             <a:r>
-              <a:rPr lang="ko-KR" altLang="en-US" smtClean="0"/>
+              <a:rPr lang="ko-KR" altLang="en-US"/>
               <a:t>마스터 텍스트 스타일을 편집합니다</a:t>
             </a:r>
           </a:p>
           <a:p>
             <a:pPr lvl="1"/>
             <a:r>
-              <a:rPr lang="ko-KR" altLang="en-US" smtClean="0"/>
+              <a:rPr lang="ko-KR" altLang="en-US"/>
               <a:t>둘째 수준</a:t>
             </a:r>
           </a:p>
           <a:p>
             <a:pPr lvl="2"/>
             <a:r>
-              <a:rPr lang="ko-KR" altLang="en-US" smtClean="0"/>
+              <a:rPr lang="ko-KR" altLang="en-US"/>
               <a:t>셋째 수준</a:t>
             </a:r>
           </a:p>
           <a:p>
             <a:pPr lvl="3"/>
             <a:r>
-              <a:rPr lang="ko-KR" altLang="en-US" smtClean="0"/>
+              <a:rPr lang="ko-KR" altLang="en-US"/>
               <a:t>넷째 수준</a:t>
             </a:r>
           </a:p>
           <a:p>
             <a:pPr lvl="4"/>
             <a:r>
-              <a:rPr lang="ko-KR" altLang="en-US" smtClean="0"/>
+              <a:rPr lang="ko-KR" altLang="en-US"/>
               <a:t>다섯째 수준</a:t>
             </a:r>
-            <a:endParaRPr lang="ko-KR" altLang="en-US"/>
           </a:p>
         </p:txBody>
       </p:sp>
@@ -1825,10 +1826,9 @@
           <a:lstStyle/>
           <a:p>
             <a:r>
-              <a:rPr lang="ko-KR" altLang="en-US" smtClean="0"/>
+              <a:rPr lang="ko-KR" altLang="en-US"/>
               <a:t>마스터 제목 스타일 편집</a:t>
             </a:r>
-            <a:endParaRPr lang="ko-KR" altLang="en-US"/>
           </a:p>
         </p:txBody>
       </p:sp>
@@ -2037,10 +2037,9 @@
           </a:lstStyle>
           <a:p>
             <a:r>
-              <a:rPr lang="ko-KR" altLang="en-US" smtClean="0"/>
+              <a:rPr lang="ko-KR" altLang="en-US"/>
               <a:t>마스터 제목 스타일 편집</a:t>
             </a:r>
-            <a:endParaRPr lang="ko-KR" altLang="en-US"/>
           </a:p>
         </p:txBody>
       </p:sp>
@@ -2094,38 +2093,37 @@
           <a:p>
             <a:pPr lvl="0"/>
             <a:r>
-              <a:rPr lang="ko-KR" altLang="en-US" smtClean="0"/>
+              <a:rPr lang="ko-KR" altLang="en-US"/>
               <a:t>마스터 텍스트 스타일을 편집합니다</a:t>
             </a:r>
           </a:p>
           <a:p>
             <a:pPr lvl="1"/>
             <a:r>
-              <a:rPr lang="ko-KR" altLang="en-US" smtClean="0"/>
+              <a:rPr lang="ko-KR" altLang="en-US"/>
               <a:t>둘째 수준</a:t>
             </a:r>
           </a:p>
           <a:p>
             <a:pPr lvl="2"/>
             <a:r>
-              <a:rPr lang="ko-KR" altLang="en-US" smtClean="0"/>
+              <a:rPr lang="ko-KR" altLang="en-US"/>
               <a:t>셋째 수준</a:t>
             </a:r>
           </a:p>
           <a:p>
             <a:pPr lvl="3"/>
             <a:r>
-              <a:rPr lang="ko-KR" altLang="en-US" smtClean="0"/>
+              <a:rPr lang="ko-KR" altLang="en-US"/>
               <a:t>넷째 수준</a:t>
             </a:r>
           </a:p>
           <a:p>
             <a:pPr lvl="4"/>
             <a:r>
-              <a:rPr lang="ko-KR" altLang="en-US" smtClean="0"/>
+              <a:rPr lang="ko-KR" altLang="en-US"/>
               <a:t>다섯째 수준</a:t>
             </a:r>
-            <a:endParaRPr lang="ko-KR" altLang="en-US"/>
           </a:p>
         </p:txBody>
       </p:sp>
@@ -2188,7 +2186,7 @@
           <a:p>
             <a:pPr lvl="0"/>
             <a:r>
-              <a:rPr lang="ko-KR" altLang="en-US" smtClean="0"/>
+              <a:rPr lang="ko-KR" altLang="en-US"/>
               <a:t>마스터 텍스트 스타일을 편집합니다</a:t>
             </a:r>
           </a:p>
@@ -2309,10 +2307,9 @@
           </a:lstStyle>
           <a:p>
             <a:r>
-              <a:rPr lang="ko-KR" altLang="en-US" smtClean="0"/>
+              <a:rPr lang="ko-KR" altLang="en-US"/>
               <a:t>마스터 제목 스타일 편집</a:t>
             </a:r>
-            <a:endParaRPr lang="ko-KR" altLang="en-US"/>
           </a:p>
         </p:txBody>
       </p:sp>
@@ -2436,7 +2433,7 @@
           <a:p>
             <a:pPr lvl="0"/>
             <a:r>
-              <a:rPr lang="ko-KR" altLang="en-US" smtClean="0"/>
+              <a:rPr lang="ko-KR" altLang="en-US"/>
               <a:t>마스터 텍스트 스타일을 편집합니다</a:t>
             </a:r>
           </a:p>
@@ -2563,10 +2560,9 @@
           <a:lstStyle/>
           <a:p>
             <a:r>
-              <a:rPr lang="ko-KR" altLang="en-US" smtClean="0"/>
+              <a:rPr lang="ko-KR" altLang="en-US"/>
               <a:t>마스터 제목 스타일 편집</a:t>
             </a:r>
-            <a:endParaRPr lang="ko-KR" altLang="en-US"/>
           </a:p>
         </p:txBody>
       </p:sp>
@@ -2597,38 +2593,37 @@
           <a:p>
             <a:pPr lvl="0"/>
             <a:r>
-              <a:rPr lang="ko-KR" altLang="en-US" smtClean="0"/>
+              <a:rPr lang="ko-KR" altLang="en-US"/>
               <a:t>마스터 텍스트 스타일을 편집합니다</a:t>
             </a:r>
           </a:p>
           <a:p>
             <a:pPr lvl="1"/>
             <a:r>
-              <a:rPr lang="ko-KR" altLang="en-US" smtClean="0"/>
+              <a:rPr lang="ko-KR" altLang="en-US"/>
               <a:t>둘째 수준</a:t>
             </a:r>
           </a:p>
           <a:p>
             <a:pPr lvl="2"/>
             <a:r>
-              <a:rPr lang="ko-KR" altLang="en-US" smtClean="0"/>
+              <a:rPr lang="ko-KR" altLang="en-US"/>
               <a:t>셋째 수준</a:t>
             </a:r>
           </a:p>
           <a:p>
             <a:pPr lvl="3"/>
             <a:r>
-              <a:rPr lang="ko-KR" altLang="en-US" smtClean="0"/>
+              <a:rPr lang="ko-KR" altLang="en-US"/>
               <a:t>넷째 수준</a:t>
             </a:r>
           </a:p>
           <a:p>
             <a:pPr lvl="4"/>
             <a:r>
-              <a:rPr lang="ko-KR" altLang="en-US" smtClean="0"/>
+              <a:rPr lang="ko-KR" altLang="en-US"/>
               <a:t>다섯째 수준</a:t>
             </a:r>
-            <a:endParaRPr lang="ko-KR" altLang="en-US"/>
           </a:p>
         </p:txBody>
       </p:sp>
@@ -3046,9 +3041,9 @@
         <p:grpSpPr>
           <a:xfrm>
             <a:off x="846892" y="2456892"/>
-            <a:ext cx="7450216" cy="1944216"/>
+            <a:ext cx="7421362" cy="1944216"/>
             <a:chOff x="846892" y="2852936"/>
-            <a:chExt cx="7450216" cy="1944216"/>
+            <a:chExt cx="7421362" cy="1944216"/>
           </a:xfrm>
         </p:grpSpPr>
         <p:sp>
@@ -3095,7 +3090,10 @@
             <a:lstStyle/>
             <a:p>
               <a:pPr algn="ctr"/>
-              <a:endParaRPr lang="ko-KR" altLang="en-US"/>
+              <a:endParaRPr lang="ko-KR" altLang="en-US" b="1">
+                <a:latin typeface="나눔고딕" panose="020D0604000000000000" pitchFamily="50" charset="-127"/>
+                <a:ea typeface="나눔고딕" panose="020D0604000000000000" pitchFamily="50" charset="-127"/>
+              </a:endParaRPr>
             </a:p>
           </p:txBody>
         </p:sp>
@@ -3139,10 +3137,12 @@
             <a:p>
               <a:pPr algn="ctr"/>
               <a:r>
-                <a:rPr lang="ko-KR" altLang="en-US" dirty="0" smtClean="0"/>
+                <a:rPr lang="ko-KR" altLang="en-US" b="1" dirty="0">
+                  <a:latin typeface="나눔고딕" panose="020D0604000000000000" pitchFamily="50" charset="-127"/>
+                  <a:ea typeface="나눔고딕" panose="020D0604000000000000" pitchFamily="50" charset="-127"/>
+                </a:rPr>
                 <a:t>시스템</a:t>
               </a:r>
-              <a:endParaRPr lang="ko-KR" altLang="en-US" dirty="0"/>
             </a:p>
           </p:txBody>
         </p:sp>
@@ -3186,10 +3186,16 @@
             <a:p>
               <a:pPr algn="ctr"/>
               <a:r>
-                <a:rPr lang="ko-KR" altLang="en-US" smtClean="0"/>
+                <a:rPr lang="ko-KR" altLang="en-US" b="1">
+                  <a:latin typeface="나눔고딕" panose="020D0604000000000000" pitchFamily="50" charset="-127"/>
+                  <a:ea typeface="나눔고딕" panose="020D0604000000000000" pitchFamily="50" charset="-127"/>
+                </a:rPr>
                 <a:t>피드백</a:t>
               </a:r>
-              <a:endParaRPr lang="ko-KR" altLang="en-US" dirty="0"/>
+              <a:endParaRPr lang="ko-KR" altLang="en-US" b="1" dirty="0">
+                <a:latin typeface="나눔고딕" panose="020D0604000000000000" pitchFamily="50" charset="-127"/>
+                <a:ea typeface="나눔고딕" panose="020D0604000000000000" pitchFamily="50" charset="-127"/>
+              </a:endParaRPr>
             </a:p>
           </p:txBody>
         </p:sp>
@@ -3387,7 +3393,7 @@
           <p:spPr>
             <a:xfrm>
               <a:off x="846892" y="2852936"/>
-              <a:ext cx="1189749" cy="369332"/>
+              <a:ext cx="1114408" cy="369332"/>
             </a:xfrm>
             <a:prstGeom prst="rect">
               <a:avLst/>
@@ -3401,10 +3407,12 @@
             <a:lstStyle/>
             <a:p>
               <a:r>
-                <a:rPr lang="ko-KR" altLang="en-US" dirty="0" smtClean="0"/>
+                <a:rPr lang="ko-KR" altLang="en-US" b="1" dirty="0">
+                  <a:latin typeface="나눔고딕" panose="020D0604000000000000" pitchFamily="50" charset="-127"/>
+                  <a:ea typeface="나눔고딕" panose="020D0604000000000000" pitchFamily="50" charset="-127"/>
+                </a:rPr>
                 <a:t>외부 입력</a:t>
               </a:r>
-              <a:endParaRPr lang="ko-KR" altLang="en-US" dirty="0"/>
             </a:p>
           </p:txBody>
         </p:sp>
@@ -3417,7 +3425,7 @@
           <p:spPr>
             <a:xfrm>
               <a:off x="7650777" y="2852936"/>
-              <a:ext cx="646331" cy="369332"/>
+              <a:ext cx="617477" cy="369332"/>
             </a:xfrm>
             <a:prstGeom prst="rect">
               <a:avLst/>
@@ -3431,10 +3439,16 @@
             <a:lstStyle/>
             <a:p>
               <a:r>
-                <a:rPr lang="ko-KR" altLang="en-US" smtClean="0"/>
+                <a:rPr lang="ko-KR" altLang="en-US" b="1">
+                  <a:latin typeface="나눔고딕" panose="020D0604000000000000" pitchFamily="50" charset="-127"/>
+                  <a:ea typeface="나눔고딕" panose="020D0604000000000000" pitchFamily="50" charset="-127"/>
+                </a:rPr>
                 <a:t>출력</a:t>
               </a:r>
-              <a:endParaRPr lang="ko-KR" altLang="en-US" dirty="0"/>
+              <a:endParaRPr lang="ko-KR" altLang="en-US" b="1" dirty="0">
+                <a:latin typeface="나눔고딕" panose="020D0604000000000000" pitchFamily="50" charset="-127"/>
+                <a:ea typeface="나눔고딕" panose="020D0604000000000000" pitchFamily="50" charset="-127"/>
+              </a:endParaRPr>
             </a:p>
           </p:txBody>
         </p:sp>
@@ -3477,7 +3491,10 @@
             <a:lstStyle/>
             <a:p>
               <a:pPr algn="ctr"/>
-              <a:endParaRPr lang="ko-KR" altLang="en-US"/>
+              <a:endParaRPr lang="ko-KR" altLang="en-US" b="1">
+                <a:latin typeface="나눔고딕" panose="020D0604000000000000" pitchFamily="50" charset="-127"/>
+                <a:ea typeface="나눔고딕" panose="020D0604000000000000" pitchFamily="50" charset="-127"/>
+              </a:endParaRPr>
             </a:p>
           </p:txBody>
         </p:sp>
@@ -3525,7 +3542,10 @@
           <a:lstStyle/>
           <a:p>
             <a:pPr algn="ctr"/>
-            <a:endParaRPr lang="ko-KR" altLang="en-US"/>
+            <a:endParaRPr lang="ko-KR" altLang="en-US" b="1">
+              <a:latin typeface="나눔고딕" panose="020D0604000000000000" pitchFamily="50" charset="-127"/>
+              <a:ea typeface="나눔고딕" panose="020D0604000000000000" pitchFamily="50" charset="-127"/>
+            </a:endParaRPr>
           </a:p>
         </p:txBody>
       </p:sp>
@@ -3538,7 +3558,7 @@
         <p:spPr>
           <a:xfrm>
             <a:off x="2123728" y="1115452"/>
-            <a:ext cx="2226059" cy="369332"/>
+            <a:ext cx="2129109" cy="369332"/>
           </a:xfrm>
           <a:prstGeom prst="rect">
             <a:avLst/>
@@ -3552,18 +3572,22 @@
           <a:lstStyle/>
           <a:p>
             <a:r>
-              <a:rPr lang="en-US" altLang="ko-KR" b="1" dirty="0" smtClean="0">
+              <a:rPr lang="en-US" altLang="ko-KR" b="1" dirty="0">
                 <a:solidFill>
                   <a:srgbClr val="FF0000"/>
                 </a:solidFill>
+                <a:latin typeface="나눔고딕" panose="020D0604000000000000" pitchFamily="50" charset="-127"/>
+                <a:ea typeface="나눔고딕" panose="020D0604000000000000" pitchFamily="50" charset="-127"/>
               </a:rPr>
               <a:t>System as </a:t>
             </a:r>
             <a:r>
-              <a:rPr lang="en-US" altLang="ko-KR" b="1" smtClean="0">
+              <a:rPr lang="en-US" altLang="ko-KR" b="1">
                 <a:solidFill>
                   <a:srgbClr val="FF0000"/>
                 </a:solidFill>
+                <a:latin typeface="나눔고딕" panose="020D0604000000000000" pitchFamily="50" charset="-127"/>
+                <a:ea typeface="나눔고딕" panose="020D0604000000000000" pitchFamily="50" charset="-127"/>
               </a:rPr>
               <a:t>a whole</a:t>
             </a:r>
@@ -3571,6 +3595,8 @@
               <a:solidFill>
                 <a:srgbClr val="FF0000"/>
               </a:solidFill>
+              <a:latin typeface="나눔고딕" panose="020D0604000000000000" pitchFamily="50" charset="-127"/>
+              <a:ea typeface="나눔고딕" panose="020D0604000000000000" pitchFamily="50" charset="-127"/>
             </a:endParaRPr>
           </a:p>
         </p:txBody>
@@ -3648,58 +3674,92 @@
           <a:p>
             <a:pPr algn="ctr"/>
             <a:r>
-              <a:rPr lang="ko-KR" altLang="en-US" dirty="0" smtClean="0">
+              <a:rPr lang="ko-KR" altLang="en-US" dirty="0">
                 <a:solidFill>
                   <a:schemeClr val="tx1"/>
                 </a:solidFill>
+                <a:latin typeface="나눔고딕" panose="020D0604000000000000" pitchFamily="50" charset="-127"/>
+                <a:ea typeface="나눔고딕" panose="020D0604000000000000" pitchFamily="50" charset="-127"/>
               </a:rPr>
-              <a:t>전체 미분방정식 시스템</a:t>
-            </a:r>
-            <a:endParaRPr lang="en-US" altLang="ko-KR" dirty="0" smtClean="0">
+              <a:t>전체 미분방정식</a:t>
+            </a:r>
+            <a:endParaRPr lang="en-US" altLang="ko-KR" dirty="0">
               <a:solidFill>
                 <a:schemeClr val="tx1"/>
               </a:solidFill>
+              <a:latin typeface="나눔고딕" panose="020D0604000000000000" pitchFamily="50" charset="-127"/>
+              <a:ea typeface="나눔고딕" panose="020D0604000000000000" pitchFamily="50" charset="-127"/>
             </a:endParaRPr>
           </a:p>
           <a:p>
             <a:pPr algn="ctr"/>
             <a:r>
-              <a:rPr lang="en-US" altLang="ko-KR" dirty="0" smtClean="0">
+              <a:rPr lang="ko-KR" altLang="en-US" dirty="0">
                 <a:solidFill>
                   <a:schemeClr val="tx1"/>
                 </a:solidFill>
+                <a:latin typeface="나눔고딕" panose="020D0604000000000000" pitchFamily="50" charset="-127"/>
+                <a:ea typeface="나눔고딕" panose="020D0604000000000000" pitchFamily="50" charset="-127"/>
               </a:rPr>
-              <a:t>(</a:t>
-            </a:r>
-            <a:r>
-              <a:rPr lang="ko-KR" altLang="en-US" dirty="0" smtClean="0">
+              <a:t>시스템</a:t>
+            </a:r>
+            <a:endParaRPr lang="en-US" altLang="ko-KR" dirty="0">
+              <a:solidFill>
+                <a:schemeClr val="tx1"/>
+              </a:solidFill>
+              <a:latin typeface="나눔고딕" panose="020D0604000000000000" pitchFamily="50" charset="-127"/>
+              <a:ea typeface="나눔고딕" panose="020D0604000000000000" pitchFamily="50" charset="-127"/>
+            </a:endParaRPr>
+          </a:p>
+          <a:p>
+            <a:pPr algn="ctr"/>
+            <a:r>
+              <a:rPr lang="en-US" altLang="ko-KR" dirty="0">
                 <a:solidFill>
                   <a:schemeClr val="tx1"/>
                 </a:solidFill>
+                <a:latin typeface="나눔고딕" panose="020D0604000000000000" pitchFamily="50" charset="-127"/>
+                <a:ea typeface="나눔고딕" panose="020D0604000000000000" pitchFamily="50" charset="-127"/>
               </a:rPr>
-              <a:t>제차</a:t>
-            </a:r>
-            <a:r>
-              <a:rPr lang="en-US" altLang="ko-KR" dirty="0" smtClean="0">
+              <a:t>(</a:t>
+            </a:r>
+            <a:r>
+              <a:rPr lang="ko-KR" altLang="en-US" dirty="0">
                 <a:solidFill>
                   <a:schemeClr val="tx1"/>
                 </a:solidFill>
+                <a:latin typeface="나눔고딕" panose="020D0604000000000000" pitchFamily="50" charset="-127"/>
+                <a:ea typeface="나눔고딕" panose="020D0604000000000000" pitchFamily="50" charset="-127"/>
               </a:rPr>
-              <a:t>+</a:t>
-            </a:r>
-            <a:r>
-              <a:rPr lang="ko-KR" altLang="en-US" dirty="0" smtClean="0">
+              <a:t>제차</a:t>
+            </a:r>
+            <a:r>
+              <a:rPr lang="en-US" altLang="ko-KR" dirty="0">
                 <a:solidFill>
                   <a:schemeClr val="tx1"/>
                 </a:solidFill>
+                <a:latin typeface="나눔고딕" panose="020D0604000000000000" pitchFamily="50" charset="-127"/>
+                <a:ea typeface="나눔고딕" panose="020D0604000000000000" pitchFamily="50" charset="-127"/>
               </a:rPr>
-              <a:t>비제차</a:t>
-            </a:r>
-            <a:r>
-              <a:rPr lang="en-US" altLang="ko-KR" dirty="0" smtClean="0">
+              <a:t>+</a:t>
+            </a:r>
+            <a:r>
+              <a:rPr lang="ko-KR" altLang="en-US" dirty="0">
                 <a:solidFill>
                   <a:schemeClr val="tx1"/>
                 </a:solidFill>
+                <a:latin typeface="나눔고딕" panose="020D0604000000000000" pitchFamily="50" charset="-127"/>
+                <a:ea typeface="나눔고딕" panose="020D0604000000000000" pitchFamily="50" charset="-127"/>
+              </a:rPr>
+              <a:t>비제차</a:t>
+            </a:r>
+            <a:r>
+              <a:rPr lang="en-US" altLang="ko-KR" dirty="0">
+                <a:solidFill>
+                  <a:schemeClr val="tx1"/>
+                </a:solidFill>
+                <a:latin typeface="나눔고딕" panose="020D0604000000000000" pitchFamily="50" charset="-127"/>
+                <a:ea typeface="나눔고딕" panose="020D0604000000000000" pitchFamily="50" charset="-127"/>
               </a:rPr>
               <a:t>)</a:t>
             </a:r>
@@ -3707,12 +3767,14 @@
               <a:solidFill>
                 <a:schemeClr val="tx1"/>
               </a:solidFill>
+              <a:latin typeface="나눔고딕" panose="020D0604000000000000" pitchFamily="50" charset="-127"/>
+              <a:ea typeface="나눔고딕" panose="020D0604000000000000" pitchFamily="50" charset="-127"/>
             </a:endParaRPr>
           </a:p>
         </p:txBody>
       </p:sp>
-      <mc:AlternateContent xmlns:mc="http://schemas.openxmlformats.org/markup-compatibility/2006" xmlns:a14="http://schemas.microsoft.com/office/drawing/2010/main">
-        <mc:Choice Requires="a14">
+      <mc:AlternateContent xmlns:mc="http://schemas.openxmlformats.org/markup-compatibility/2006">
+        <mc:Choice xmlns:a14="http://schemas.microsoft.com/office/drawing/2010/main" Requires="a14">
           <p:sp>
             <p:nvSpPr>
               <p:cNvPr id="5" name="TextBox 4"/>
@@ -3751,12 +3813,15 @@
                     </m:oMath>
                   </m:oMathPara>
                 </a14:m>
-                <a:endParaRPr lang="ko-KR" altLang="en-US" dirty="0"/>
+                <a:endParaRPr lang="ko-KR" altLang="en-US" dirty="0">
+                  <a:latin typeface="나눔고딕" panose="020D0604000000000000" pitchFamily="50" charset="-127"/>
+                  <a:ea typeface="나눔고딕" panose="020D0604000000000000" pitchFamily="50" charset="-127"/>
+                </a:endParaRPr>
               </a:p>
             </p:txBody>
           </p:sp>
         </mc:Choice>
-        <mc:Fallback xmlns="">
+        <mc:Fallback>
           <p:sp>
             <p:nvSpPr>
               <p:cNvPr id="5" name="TextBox 4"/>
@@ -3773,10 +3838,10 @@
               <a:prstGeom prst="rect">
                 <a:avLst/>
               </a:prstGeom>
-              <a:blipFill rotWithShape="1">
+              <a:blipFill>
                 <a:blip r:embed="rId2"/>
                 <a:stretch>
-                  <a:fillRect b="-18033"/>
+                  <a:fillRect b="-16393"/>
                 </a:stretch>
               </a:blipFill>
             </p:spPr>
@@ -3795,8 +3860,8 @@
           </p:sp>
         </mc:Fallback>
       </mc:AlternateContent>
-      <mc:AlternateContent xmlns:mc="http://schemas.openxmlformats.org/markup-compatibility/2006" xmlns:a14="http://schemas.microsoft.com/office/drawing/2010/main">
-        <mc:Choice Requires="a14">
+      <mc:AlternateContent xmlns:mc="http://schemas.openxmlformats.org/markup-compatibility/2006">
+        <mc:Choice xmlns:a14="http://schemas.microsoft.com/office/drawing/2010/main" Requires="a14">
           <p:sp>
             <p:nvSpPr>
               <p:cNvPr id="6" name="TextBox 5"/>
@@ -3835,12 +3900,15 @@
                     </m:oMath>
                   </m:oMathPara>
                 </a14:m>
-                <a:endParaRPr lang="ko-KR" altLang="en-US" dirty="0"/>
+                <a:endParaRPr lang="ko-KR" altLang="en-US" dirty="0">
+                  <a:latin typeface="나눔고딕" panose="020D0604000000000000" pitchFamily="50" charset="-127"/>
+                  <a:ea typeface="나눔고딕" panose="020D0604000000000000" pitchFamily="50" charset="-127"/>
+                </a:endParaRPr>
               </a:p>
             </p:txBody>
           </p:sp>
         </mc:Choice>
-        <mc:Fallback xmlns="">
+        <mc:Fallback>
           <p:sp>
             <p:nvSpPr>
               <p:cNvPr id="6" name="TextBox 5"/>
@@ -3857,10 +3925,10 @@
               <a:prstGeom prst="rect">
                 <a:avLst/>
               </a:prstGeom>
-              <a:blipFill rotWithShape="1">
+              <a:blipFill>
                 <a:blip r:embed="rId3"/>
                 <a:stretch>
-                  <a:fillRect b="-18033"/>
+                  <a:fillRect b="-16393"/>
                 </a:stretch>
               </a:blipFill>
             </p:spPr>
@@ -3879,8 +3947,8 @@
           </p:sp>
         </mc:Fallback>
       </mc:AlternateContent>
-      <mc:AlternateContent xmlns:mc="http://schemas.openxmlformats.org/markup-compatibility/2006" xmlns:a14="http://schemas.microsoft.com/office/drawing/2010/main">
-        <mc:Choice Requires="a14">
+      <mc:AlternateContent xmlns:mc="http://schemas.openxmlformats.org/markup-compatibility/2006">
+        <mc:Choice xmlns:a14="http://schemas.microsoft.com/office/drawing/2010/main" Requires="a14">
           <p:sp>
             <p:nvSpPr>
               <p:cNvPr id="7" name="TextBox 6"/>
@@ -3919,12 +3987,15 @@
                     </m:oMath>
                   </m:oMathPara>
                 </a14:m>
-                <a:endParaRPr lang="ko-KR" altLang="en-US" dirty="0"/>
+                <a:endParaRPr lang="ko-KR" altLang="en-US" dirty="0">
+                  <a:latin typeface="나눔고딕" panose="020D0604000000000000" pitchFamily="50" charset="-127"/>
+                  <a:ea typeface="나눔고딕" panose="020D0604000000000000" pitchFamily="50" charset="-127"/>
+                </a:endParaRPr>
               </a:p>
             </p:txBody>
           </p:sp>
         </mc:Choice>
-        <mc:Fallback xmlns="">
+        <mc:Fallback>
           <p:sp>
             <p:nvSpPr>
               <p:cNvPr id="7" name="TextBox 6"/>
@@ -3941,10 +4012,10 @@
               <a:prstGeom prst="rect">
                 <a:avLst/>
               </a:prstGeom>
-              <a:blipFill rotWithShape="1">
+              <a:blipFill>
                 <a:blip r:embed="rId4"/>
                 <a:stretch>
-                  <a:fillRect b="-18033"/>
+                  <a:fillRect b="-16393"/>
                 </a:stretch>
               </a:blipFill>
             </p:spPr>
@@ -3963,8 +4034,8 @@
           </p:sp>
         </mc:Fallback>
       </mc:AlternateContent>
-      <mc:AlternateContent xmlns:mc="http://schemas.openxmlformats.org/markup-compatibility/2006" xmlns:a14="http://schemas.microsoft.com/office/drawing/2010/main">
-        <mc:Choice Requires="a14">
+      <mc:AlternateContent xmlns:mc="http://schemas.openxmlformats.org/markup-compatibility/2006">
+        <mc:Choice xmlns:a14="http://schemas.microsoft.com/office/drawing/2010/main" Requires="a14">
           <p:sp>
             <p:nvSpPr>
               <p:cNvPr id="8" name="TextBox 7"/>
@@ -4003,12 +4074,15 @@
                     </m:oMath>
                   </m:oMathPara>
                 </a14:m>
-                <a:endParaRPr lang="ko-KR" altLang="en-US" dirty="0"/>
+                <a:endParaRPr lang="ko-KR" altLang="en-US" dirty="0">
+                  <a:latin typeface="나눔고딕" panose="020D0604000000000000" pitchFamily="50" charset="-127"/>
+                  <a:ea typeface="나눔고딕" panose="020D0604000000000000" pitchFamily="50" charset="-127"/>
+                </a:endParaRPr>
               </a:p>
             </p:txBody>
           </p:sp>
         </mc:Choice>
-        <mc:Fallback xmlns="">
+        <mc:Fallback>
           <p:sp>
             <p:nvSpPr>
               <p:cNvPr id="8" name="TextBox 7"/>
@@ -4025,10 +4099,10 @@
               <a:prstGeom prst="rect">
                 <a:avLst/>
               </a:prstGeom>
-              <a:blipFill rotWithShape="1">
+              <a:blipFill>
                 <a:blip r:embed="rId5"/>
                 <a:stretch>
-                  <a:fillRect b="-18033"/>
+                  <a:fillRect b="-16393"/>
                 </a:stretch>
               </a:blipFill>
             </p:spPr>
@@ -4047,8 +4121,8 @@
           </p:sp>
         </mc:Fallback>
       </mc:AlternateContent>
-      <mc:AlternateContent xmlns:mc="http://schemas.openxmlformats.org/markup-compatibility/2006" xmlns:a14="http://schemas.microsoft.com/office/drawing/2010/main">
-        <mc:Choice Requires="a14">
+      <mc:AlternateContent xmlns:mc="http://schemas.openxmlformats.org/markup-compatibility/2006">
+        <mc:Choice xmlns:a14="http://schemas.microsoft.com/office/drawing/2010/main" Requires="a14">
           <p:sp>
             <p:nvSpPr>
               <p:cNvPr id="9" name="TextBox 8"/>
@@ -4087,12 +4161,15 @@
                     </m:oMath>
                   </m:oMathPara>
                 </a14:m>
-                <a:endParaRPr lang="ko-KR" altLang="en-US" dirty="0"/>
+                <a:endParaRPr lang="ko-KR" altLang="en-US" dirty="0">
+                  <a:latin typeface="나눔고딕" panose="020D0604000000000000" pitchFamily="50" charset="-127"/>
+                  <a:ea typeface="나눔고딕" panose="020D0604000000000000" pitchFamily="50" charset="-127"/>
+                </a:endParaRPr>
               </a:p>
             </p:txBody>
           </p:sp>
         </mc:Choice>
-        <mc:Fallback xmlns="">
+        <mc:Fallback>
           <p:sp>
             <p:nvSpPr>
               <p:cNvPr id="9" name="TextBox 8"/>
@@ -4109,10 +4186,10 @@
               <a:prstGeom prst="rect">
                 <a:avLst/>
               </a:prstGeom>
-              <a:blipFill rotWithShape="1">
+              <a:blipFill>
                 <a:blip r:embed="rId6"/>
                 <a:stretch>
-                  <a:fillRect b="-20000"/>
+                  <a:fillRect b="-18333"/>
                 </a:stretch>
               </a:blipFill>
             </p:spPr>
@@ -4131,8 +4208,8 @@
           </p:sp>
         </mc:Fallback>
       </mc:AlternateContent>
-      <mc:AlternateContent xmlns:mc="http://schemas.openxmlformats.org/markup-compatibility/2006" xmlns:a14="http://schemas.microsoft.com/office/drawing/2010/main">
-        <mc:Choice Requires="a14">
+      <mc:AlternateContent xmlns:mc="http://schemas.openxmlformats.org/markup-compatibility/2006">
+        <mc:Choice xmlns:a14="http://schemas.microsoft.com/office/drawing/2010/main" Requires="a14">
           <p:sp>
             <p:nvSpPr>
               <p:cNvPr id="10" name="TextBox 9"/>
@@ -4171,12 +4248,15 @@
                     </m:oMath>
                   </m:oMathPara>
                 </a14:m>
-                <a:endParaRPr lang="ko-KR" altLang="en-US" dirty="0"/>
+                <a:endParaRPr lang="ko-KR" altLang="en-US" dirty="0">
+                  <a:latin typeface="나눔고딕" panose="020D0604000000000000" pitchFamily="50" charset="-127"/>
+                  <a:ea typeface="나눔고딕" panose="020D0604000000000000" pitchFamily="50" charset="-127"/>
+                </a:endParaRPr>
               </a:p>
             </p:txBody>
           </p:sp>
         </mc:Choice>
-        <mc:Fallback xmlns="">
+        <mc:Fallback>
           <p:sp>
             <p:nvSpPr>
               <p:cNvPr id="10" name="TextBox 9"/>
@@ -4193,10 +4273,10 @@
               <a:prstGeom prst="rect">
                 <a:avLst/>
               </a:prstGeom>
-              <a:blipFill rotWithShape="1">
+              <a:blipFill>
                 <a:blip r:embed="rId7"/>
                 <a:stretch>
-                  <a:fillRect b="-18033"/>
+                  <a:fillRect b="-16393"/>
                 </a:stretch>
               </a:blipFill>
             </p:spPr>
@@ -4215,8 +4295,8 @@
           </p:sp>
         </mc:Fallback>
       </mc:AlternateContent>
-      <mc:AlternateContent xmlns:mc="http://schemas.openxmlformats.org/markup-compatibility/2006" xmlns:a14="http://schemas.microsoft.com/office/drawing/2010/main">
-        <mc:Choice Requires="a14">
+      <mc:AlternateContent xmlns:mc="http://schemas.openxmlformats.org/markup-compatibility/2006">
+        <mc:Choice xmlns:a14="http://schemas.microsoft.com/office/drawing/2010/main" Requires="a14">
           <p:sp>
             <p:nvSpPr>
               <p:cNvPr id="11" name="TextBox 10"/>
@@ -4255,12 +4335,15 @@
                     </m:oMath>
                   </m:oMathPara>
                 </a14:m>
-                <a:endParaRPr lang="ko-KR" altLang="en-US" dirty="0"/>
+                <a:endParaRPr lang="ko-KR" altLang="en-US" dirty="0">
+                  <a:latin typeface="나눔고딕" panose="020D0604000000000000" pitchFamily="50" charset="-127"/>
+                  <a:ea typeface="나눔고딕" panose="020D0604000000000000" pitchFamily="50" charset="-127"/>
+                </a:endParaRPr>
               </a:p>
             </p:txBody>
           </p:sp>
         </mc:Choice>
-        <mc:Fallback xmlns="">
+        <mc:Fallback>
           <p:sp>
             <p:nvSpPr>
               <p:cNvPr id="11" name="TextBox 10"/>
@@ -4277,10 +4360,10 @@
               <a:prstGeom prst="rect">
                 <a:avLst/>
               </a:prstGeom>
-              <a:blipFill rotWithShape="1">
+              <a:blipFill>
                 <a:blip r:embed="rId8"/>
                 <a:stretch>
-                  <a:fillRect b="-18033"/>
+                  <a:fillRect b="-16393"/>
                 </a:stretch>
               </a:blipFill>
             </p:spPr>
@@ -4299,8 +4382,8 @@
           </p:sp>
         </mc:Fallback>
       </mc:AlternateContent>
-      <mc:AlternateContent xmlns:mc="http://schemas.openxmlformats.org/markup-compatibility/2006" xmlns:a14="http://schemas.microsoft.com/office/drawing/2010/main">
-        <mc:Choice Requires="a14">
+      <mc:AlternateContent xmlns:mc="http://schemas.openxmlformats.org/markup-compatibility/2006">
+        <mc:Choice xmlns:a14="http://schemas.microsoft.com/office/drawing/2010/main" Requires="a14">
           <p:sp>
             <p:nvSpPr>
               <p:cNvPr id="12" name="TextBox 11"/>
@@ -4339,12 +4422,15 @@
                     </m:oMath>
                   </m:oMathPara>
                 </a14:m>
-                <a:endParaRPr lang="ko-KR" altLang="en-US" dirty="0"/>
+                <a:endParaRPr lang="ko-KR" altLang="en-US" dirty="0">
+                  <a:latin typeface="나눔고딕" panose="020D0604000000000000" pitchFamily="50" charset="-127"/>
+                  <a:ea typeface="나눔고딕" panose="020D0604000000000000" pitchFamily="50" charset="-127"/>
+                </a:endParaRPr>
               </a:p>
             </p:txBody>
           </p:sp>
         </mc:Choice>
-        <mc:Fallback xmlns="">
+        <mc:Fallback>
           <p:sp>
             <p:nvSpPr>
               <p:cNvPr id="12" name="TextBox 11"/>
@@ -4361,10 +4447,10 @@
               <a:prstGeom prst="rect">
                 <a:avLst/>
               </a:prstGeom>
-              <a:blipFill rotWithShape="1">
+              <a:blipFill>
                 <a:blip r:embed="rId9"/>
                 <a:stretch>
-                  <a:fillRect b="-18033"/>
+                  <a:fillRect b="-16393"/>
                 </a:stretch>
               </a:blipFill>
             </p:spPr>
@@ -4383,8 +4469,8 @@
           </p:sp>
         </mc:Fallback>
       </mc:AlternateContent>
-      <mc:AlternateContent xmlns:mc="http://schemas.openxmlformats.org/markup-compatibility/2006" xmlns:a14="http://schemas.microsoft.com/office/drawing/2010/main">
-        <mc:Choice Requires="a14">
+      <mc:AlternateContent xmlns:mc="http://schemas.openxmlformats.org/markup-compatibility/2006">
+        <mc:Choice xmlns:a14="http://schemas.microsoft.com/office/drawing/2010/main" Requires="a14">
           <p:sp>
             <p:nvSpPr>
               <p:cNvPr id="13" name="TextBox 12"/>
@@ -4423,12 +4509,15 @@
                     </m:oMath>
                   </m:oMathPara>
                 </a14:m>
-                <a:endParaRPr lang="ko-KR" altLang="en-US" dirty="0"/>
+                <a:endParaRPr lang="ko-KR" altLang="en-US" dirty="0">
+                  <a:latin typeface="나눔고딕" panose="020D0604000000000000" pitchFamily="50" charset="-127"/>
+                  <a:ea typeface="나눔고딕" panose="020D0604000000000000" pitchFamily="50" charset="-127"/>
+                </a:endParaRPr>
               </a:p>
             </p:txBody>
           </p:sp>
         </mc:Choice>
-        <mc:Fallback xmlns="">
+        <mc:Fallback>
           <p:sp>
             <p:nvSpPr>
               <p:cNvPr id="13" name="TextBox 12"/>
@@ -4445,10 +4534,10 @@
               <a:prstGeom prst="rect">
                 <a:avLst/>
               </a:prstGeom>
-              <a:blipFill rotWithShape="1">
+              <a:blipFill>
                 <a:blip r:embed="rId10"/>
                 <a:stretch>
-                  <a:fillRect b="-18033"/>
+                  <a:fillRect b="-16393"/>
                 </a:stretch>
               </a:blipFill>
             </p:spPr>
@@ -4467,8 +4556,8 @@
           </p:sp>
         </mc:Fallback>
       </mc:AlternateContent>
-      <mc:AlternateContent xmlns:mc="http://schemas.openxmlformats.org/markup-compatibility/2006" xmlns:a14="http://schemas.microsoft.com/office/drawing/2010/main">
-        <mc:Choice Requires="a14">
+      <mc:AlternateContent xmlns:mc="http://schemas.openxmlformats.org/markup-compatibility/2006">
+        <mc:Choice xmlns:a14="http://schemas.microsoft.com/office/drawing/2010/main" Requires="a14">
           <p:sp>
             <p:nvSpPr>
               <p:cNvPr id="14" name="TextBox 13"/>
@@ -4507,12 +4596,15 @@
                     </m:oMath>
                   </m:oMathPara>
                 </a14:m>
-                <a:endParaRPr lang="ko-KR" altLang="en-US" dirty="0"/>
+                <a:endParaRPr lang="ko-KR" altLang="en-US" dirty="0">
+                  <a:latin typeface="나눔고딕" panose="020D0604000000000000" pitchFamily="50" charset="-127"/>
+                  <a:ea typeface="나눔고딕" panose="020D0604000000000000" pitchFamily="50" charset="-127"/>
+                </a:endParaRPr>
               </a:p>
             </p:txBody>
           </p:sp>
         </mc:Choice>
-        <mc:Fallback xmlns="">
+        <mc:Fallback>
           <p:sp>
             <p:nvSpPr>
               <p:cNvPr id="14" name="TextBox 13"/>
@@ -4529,10 +4621,10 @@
               <a:prstGeom prst="rect">
                 <a:avLst/>
               </a:prstGeom>
-              <a:blipFill rotWithShape="1">
+              <a:blipFill>
                 <a:blip r:embed="rId11"/>
                 <a:stretch>
-                  <a:fillRect b="-20000"/>
+                  <a:fillRect b="-18333"/>
                 </a:stretch>
               </a:blipFill>
             </p:spPr>
@@ -4913,8 +5005,8 @@
           </a:fontRef>
         </p:style>
       </p:cxnSp>
-      <mc:AlternateContent xmlns:mc="http://schemas.openxmlformats.org/markup-compatibility/2006" xmlns:a14="http://schemas.microsoft.com/office/drawing/2010/main">
-        <mc:Choice Requires="a14">
+      <mc:AlternateContent xmlns:mc="http://schemas.openxmlformats.org/markup-compatibility/2006">
+        <mc:Choice xmlns:a14="http://schemas.microsoft.com/office/drawing/2010/main" Requires="a14">
           <p:sp>
             <p:nvSpPr>
               <p:cNvPr id="28" name="TextBox 27"/>
@@ -4953,12 +5045,15 @@
                     </m:oMath>
                   </m:oMathPara>
                 </a14:m>
-                <a:endParaRPr lang="ko-KR" altLang="en-US" dirty="0"/>
+                <a:endParaRPr lang="ko-KR" altLang="en-US" dirty="0">
+                  <a:latin typeface="나눔고딕" panose="020D0604000000000000" pitchFamily="50" charset="-127"/>
+                  <a:ea typeface="나눔고딕" panose="020D0604000000000000" pitchFamily="50" charset="-127"/>
+                </a:endParaRPr>
               </a:p>
             </p:txBody>
           </p:sp>
         </mc:Choice>
-        <mc:Fallback xmlns="">
+        <mc:Fallback>
           <p:sp>
             <p:nvSpPr>
               <p:cNvPr id="28" name="TextBox 27"/>
@@ -4975,10 +5070,10 @@
               <a:prstGeom prst="rect">
                 <a:avLst/>
               </a:prstGeom>
-              <a:blipFill rotWithShape="1">
+              <a:blipFill>
                 <a:blip r:embed="rId12"/>
                 <a:stretch>
-                  <a:fillRect b="-20000"/>
+                  <a:fillRect b="-18333"/>
                 </a:stretch>
               </a:blipFill>
             </p:spPr>
@@ -5033,7 +5128,10 @@
           <a:lstStyle/>
           <a:p>
             <a:pPr algn="ctr"/>
-            <a:endParaRPr lang="ko-KR" altLang="en-US"/>
+            <a:endParaRPr lang="ko-KR" altLang="en-US">
+              <a:latin typeface="나눔고딕" panose="020D0604000000000000" pitchFamily="50" charset="-127"/>
+              <a:ea typeface="나눔고딕" panose="020D0604000000000000" pitchFamily="50" charset="-127"/>
+            </a:endParaRPr>
           </a:p>
         </p:txBody>
       </p:sp>
@@ -5073,12 +5171,15 @@
           <a:lstStyle/>
           <a:p>
             <a:pPr algn="ctr"/>
-            <a:endParaRPr lang="ko-KR" altLang="en-US"/>
-          </a:p>
-        </p:txBody>
-      </p:sp>
-      <mc:AlternateContent xmlns:mc="http://schemas.openxmlformats.org/markup-compatibility/2006" xmlns:a14="http://schemas.microsoft.com/office/drawing/2010/main">
-        <mc:Choice Requires="a14">
+            <a:endParaRPr lang="ko-KR" altLang="en-US">
+              <a:latin typeface="나눔고딕" panose="020D0604000000000000" pitchFamily="50" charset="-127"/>
+              <a:ea typeface="나눔고딕" panose="020D0604000000000000" pitchFamily="50" charset="-127"/>
+            </a:endParaRPr>
+          </a:p>
+        </p:txBody>
+      </p:sp>
+      <mc:AlternateContent xmlns:mc="http://schemas.openxmlformats.org/markup-compatibility/2006">
+        <mc:Choice xmlns:a14="http://schemas.microsoft.com/office/drawing/2010/main" Requires="a14">
           <p:sp>
             <p:nvSpPr>
               <p:cNvPr id="31" name="TextBox 30"/>
@@ -5117,12 +5218,15 @@
                     </m:oMath>
                   </m:oMathPara>
                 </a14:m>
-                <a:endParaRPr lang="ko-KR" altLang="en-US" dirty="0"/>
+                <a:endParaRPr lang="ko-KR" altLang="en-US" dirty="0">
+                  <a:latin typeface="나눔고딕" panose="020D0604000000000000" pitchFamily="50" charset="-127"/>
+                  <a:ea typeface="나눔고딕" panose="020D0604000000000000" pitchFamily="50" charset="-127"/>
+                </a:endParaRPr>
               </a:p>
             </p:txBody>
           </p:sp>
         </mc:Choice>
-        <mc:Fallback xmlns="">
+        <mc:Fallback>
           <p:sp>
             <p:nvSpPr>
               <p:cNvPr id="31" name="TextBox 30"/>
@@ -5139,10 +5243,10 @@
               <a:prstGeom prst="rect">
                 <a:avLst/>
               </a:prstGeom>
-              <a:blipFill rotWithShape="1">
+              <a:blipFill>
                 <a:blip r:embed="rId13"/>
                 <a:stretch>
-                  <a:fillRect b="-18033"/>
+                  <a:fillRect b="-16393"/>
                 </a:stretch>
               </a:blipFill>
             </p:spPr>
@@ -5161,6 +5265,89 @@
           </p:sp>
         </mc:Fallback>
       </mc:AlternateContent>
+      <p:sp>
+        <p:nvSpPr>
+          <p:cNvPr id="32" name="TextBox 31">
+            <a:extLst>
+              <a:ext uri="{FF2B5EF4-FFF2-40B4-BE49-F238E27FC236}">
+                <a16:creationId xmlns:a16="http://schemas.microsoft.com/office/drawing/2014/main" id="{DE86F90F-4812-41DA-8B7A-FD6B8799E892}"/>
+              </a:ext>
+            </a:extLst>
+          </p:cNvPr>
+          <p:cNvSpPr txBox="1"/>
+          <p:nvPr/>
+        </p:nvSpPr>
+        <p:spPr>
+          <a:xfrm>
+            <a:off x="2003590" y="419108"/>
+            <a:ext cx="646331" cy="369332"/>
+          </a:xfrm>
+          <a:prstGeom prst="rect">
+            <a:avLst/>
+          </a:prstGeom>
+          <a:noFill/>
+        </p:spPr>
+        <p:txBody>
+          <a:bodyPr wrap="none" rtlCol="0">
+            <a:spAutoFit/>
+          </a:bodyPr>
+          <a:lstStyle/>
+          <a:p>
+            <a:r>
+              <a:rPr lang="ko-KR" altLang="en-US" b="1" dirty="0">
+                <a:solidFill>
+                  <a:srgbClr val="FF0000"/>
+                </a:solidFill>
+              </a:rPr>
+              <a:t>입력</a:t>
+            </a:r>
+          </a:p>
+        </p:txBody>
+      </p:sp>
+      <p:sp>
+        <p:nvSpPr>
+          <p:cNvPr id="33" name="TextBox 32">
+            <a:extLst>
+              <a:ext uri="{FF2B5EF4-FFF2-40B4-BE49-F238E27FC236}">
+                <a16:creationId xmlns:a16="http://schemas.microsoft.com/office/drawing/2014/main" id="{CF783C1A-D9B3-48C4-A765-79444AD6D4FF}"/>
+              </a:ext>
+            </a:extLst>
+          </p:cNvPr>
+          <p:cNvSpPr txBox="1"/>
+          <p:nvPr/>
+        </p:nvSpPr>
+        <p:spPr>
+          <a:xfrm>
+            <a:off x="6404309" y="5526524"/>
+            <a:ext cx="646331" cy="369332"/>
+          </a:xfrm>
+          <a:prstGeom prst="rect">
+            <a:avLst/>
+          </a:prstGeom>
+          <a:noFill/>
+        </p:spPr>
+        <p:txBody>
+          <a:bodyPr wrap="none" rtlCol="0">
+            <a:spAutoFit/>
+          </a:bodyPr>
+          <a:lstStyle/>
+          <a:p>
+            <a:r>
+              <a:rPr lang="ko-KR" altLang="en-US" b="1">
+                <a:solidFill>
+                  <a:srgbClr val="FF0000"/>
+                </a:solidFill>
+              </a:rPr>
+              <a:t>출력</a:t>
+            </a:r>
+            <a:endParaRPr lang="ko-KR" altLang="en-US" b="1" dirty="0">
+              <a:solidFill>
+                <a:srgbClr val="FF0000"/>
+              </a:solidFill>
+            </a:endParaRPr>
+          </a:p>
+        </p:txBody>
+      </p:sp>
     </p:spTree>
     <p:extLst>
       <p:ext uri="{BB962C8B-B14F-4D97-AF65-F5344CB8AC3E}">
@@ -5234,90 +5421,112 @@
           <a:p>
             <a:pPr algn="ctr"/>
             <a:r>
-              <a:rPr lang="ko-KR" altLang="en-US" sz="1400" dirty="0" smtClean="0">
+              <a:rPr lang="ko-KR" altLang="en-US" sz="1400" dirty="0">
                 <a:solidFill>
                   <a:schemeClr val="tx1"/>
                 </a:solidFill>
+                <a:latin typeface="나눔고딕" panose="020D0604000000000000" pitchFamily="50" charset="-127"/>
+                <a:ea typeface="나눔고딕" panose="020D0604000000000000" pitchFamily="50" charset="-127"/>
               </a:rPr>
               <a:t>전체</a:t>
             </a:r>
-            <a:endParaRPr lang="en-US" altLang="ko-KR" sz="1400" dirty="0" smtClean="0">
+            <a:endParaRPr lang="en-US" altLang="ko-KR" sz="1400" dirty="0">
               <a:solidFill>
                 <a:schemeClr val="tx1"/>
               </a:solidFill>
+              <a:latin typeface="나눔고딕" panose="020D0604000000000000" pitchFamily="50" charset="-127"/>
+              <a:ea typeface="나눔고딕" panose="020D0604000000000000" pitchFamily="50" charset="-127"/>
             </a:endParaRPr>
           </a:p>
           <a:p>
             <a:pPr algn="ctr"/>
             <a:r>
-              <a:rPr lang="ko-KR" altLang="en-US" sz="1400" dirty="0" smtClean="0">
+              <a:rPr lang="ko-KR" altLang="en-US" sz="1400" dirty="0">
                 <a:solidFill>
                   <a:schemeClr val="tx1"/>
                 </a:solidFill>
+                <a:latin typeface="나눔고딕" panose="020D0604000000000000" pitchFamily="50" charset="-127"/>
+                <a:ea typeface="나눔고딕" panose="020D0604000000000000" pitchFamily="50" charset="-127"/>
               </a:rPr>
               <a:t>미분방정식</a:t>
             </a:r>
-            <a:endParaRPr lang="en-US" altLang="ko-KR" sz="1400" dirty="0" smtClean="0">
+            <a:endParaRPr lang="en-US" altLang="ko-KR" sz="1400" dirty="0">
               <a:solidFill>
                 <a:schemeClr val="tx1"/>
               </a:solidFill>
+              <a:latin typeface="나눔고딕" panose="020D0604000000000000" pitchFamily="50" charset="-127"/>
+              <a:ea typeface="나눔고딕" panose="020D0604000000000000" pitchFamily="50" charset="-127"/>
             </a:endParaRPr>
           </a:p>
           <a:p>
             <a:pPr algn="ctr"/>
             <a:r>
-              <a:rPr lang="ko-KR" altLang="en-US" sz="1400" dirty="0" smtClean="0">
+              <a:rPr lang="ko-KR" altLang="en-US" sz="1400" dirty="0">
                 <a:solidFill>
                   <a:schemeClr val="tx1"/>
                 </a:solidFill>
+                <a:latin typeface="나눔고딕" panose="020D0604000000000000" pitchFamily="50" charset="-127"/>
+                <a:ea typeface="나눔고딕" panose="020D0604000000000000" pitchFamily="50" charset="-127"/>
               </a:rPr>
               <a:t>시스템</a:t>
             </a:r>
-            <a:endParaRPr lang="en-US" altLang="ko-KR" sz="1400" dirty="0" smtClean="0">
+            <a:endParaRPr lang="en-US" altLang="ko-KR" sz="1400" dirty="0">
               <a:solidFill>
                 <a:schemeClr val="tx1"/>
               </a:solidFill>
+              <a:latin typeface="나눔고딕" panose="020D0604000000000000" pitchFamily="50" charset="-127"/>
+              <a:ea typeface="나눔고딕" panose="020D0604000000000000" pitchFamily="50" charset="-127"/>
             </a:endParaRPr>
           </a:p>
           <a:p>
             <a:pPr algn="ctr"/>
             <a:r>
-              <a:rPr lang="en-US" altLang="ko-KR" sz="1400" dirty="0" smtClean="0">
+              <a:rPr lang="en-US" altLang="ko-KR" sz="1400" dirty="0">
                 <a:solidFill>
                   <a:schemeClr val="tx1"/>
                 </a:solidFill>
+                <a:latin typeface="나눔고딕" panose="020D0604000000000000" pitchFamily="50" charset="-127"/>
+                <a:ea typeface="나눔고딕" panose="020D0604000000000000" pitchFamily="50" charset="-127"/>
               </a:rPr>
               <a:t>(</a:t>
             </a:r>
             <a:r>
-              <a:rPr lang="ko-KR" altLang="en-US" sz="1400" dirty="0" smtClean="0">
+              <a:rPr lang="ko-KR" altLang="en-US" sz="1400" dirty="0">
                 <a:solidFill>
                   <a:schemeClr val="tx1"/>
                 </a:solidFill>
+                <a:latin typeface="나눔고딕" panose="020D0604000000000000" pitchFamily="50" charset="-127"/>
+                <a:ea typeface="나눔고딕" panose="020D0604000000000000" pitchFamily="50" charset="-127"/>
               </a:rPr>
               <a:t>제차</a:t>
             </a:r>
             <a:r>
-              <a:rPr lang="en-US" altLang="ko-KR" sz="1400" dirty="0" smtClean="0">
+              <a:rPr lang="en-US" altLang="ko-KR" sz="1400" dirty="0">
                 <a:solidFill>
                   <a:schemeClr val="tx1"/>
                 </a:solidFill>
+                <a:latin typeface="나눔고딕" panose="020D0604000000000000" pitchFamily="50" charset="-127"/>
+                <a:ea typeface="나눔고딕" panose="020D0604000000000000" pitchFamily="50" charset="-127"/>
               </a:rPr>
               <a:t>+</a:t>
             </a:r>
             <a:r>
-              <a:rPr lang="ko-KR" altLang="en-US" sz="1400" dirty="0" smtClean="0">
+              <a:rPr lang="ko-KR" altLang="en-US" sz="1400" dirty="0">
                 <a:solidFill>
                   <a:schemeClr val="tx1"/>
                 </a:solidFill>
+                <a:latin typeface="나눔고딕" panose="020D0604000000000000" pitchFamily="50" charset="-127"/>
+                <a:ea typeface="나눔고딕" panose="020D0604000000000000" pitchFamily="50" charset="-127"/>
               </a:rPr>
               <a:t>비제차</a:t>
             </a:r>
             <a:r>
-              <a:rPr lang="en-US" altLang="ko-KR" sz="1400" dirty="0" smtClean="0">
+              <a:rPr lang="en-US" altLang="ko-KR" sz="1400" dirty="0">
                 <a:solidFill>
                   <a:schemeClr val="tx1"/>
                 </a:solidFill>
+                <a:latin typeface="나눔고딕" panose="020D0604000000000000" pitchFamily="50" charset="-127"/>
+                <a:ea typeface="나눔고딕" panose="020D0604000000000000" pitchFamily="50" charset="-127"/>
               </a:rPr>
               <a:t>)</a:t>
             </a:r>
@@ -5325,6 +5534,8 @@
               <a:solidFill>
                 <a:schemeClr val="tx1"/>
               </a:solidFill>
+              <a:latin typeface="나눔고딕" panose="020D0604000000000000" pitchFamily="50" charset="-127"/>
+              <a:ea typeface="나눔고딕" panose="020D0604000000000000" pitchFamily="50" charset="-127"/>
             </a:endParaRPr>
           </a:p>
         </p:txBody>
@@ -5352,8 +5563,8 @@
         </p:blipFill>
         <p:spPr bwMode="auto">
           <a:xfrm>
-            <a:off x="201336" y="2060849"/>
-            <a:ext cx="3650584" cy="2736304"/>
+            <a:off x="107504" y="2115160"/>
+            <a:ext cx="3399681" cy="2548239"/>
           </a:xfrm>
           <a:prstGeom prst="rect">
             <a:avLst/>
@@ -5416,8 +5627,8 @@
         </p:blipFill>
         <p:spPr bwMode="auto">
           <a:xfrm>
-            <a:off x="5212086" y="1684578"/>
-            <a:ext cx="3960439" cy="2968558"/>
+            <a:off x="5521941" y="1745828"/>
+            <a:ext cx="3650584" cy="2736305"/>
           </a:xfrm>
           <a:prstGeom prst="rect">
             <a:avLst/>
@@ -5457,6 +5668,250 @@
           </a:extLst>
         </p:spPr>
       </p:pic>
+      <p:cxnSp>
+        <p:nvCxnSpPr>
+          <p:cNvPr id="4" name="직선 화살표 연결선 3">
+            <a:extLst>
+              <a:ext uri="{FF2B5EF4-FFF2-40B4-BE49-F238E27FC236}">
+                <a16:creationId xmlns:a16="http://schemas.microsoft.com/office/drawing/2014/main" id="{115EE6A1-1C7C-4095-9621-716CB44F45FD}"/>
+              </a:ext>
+            </a:extLst>
+          </p:cNvPr>
+          <p:cNvCxnSpPr/>
+          <p:nvPr/>
+        </p:nvCxnSpPr>
+        <p:spPr>
+          <a:xfrm flipH="1">
+            <a:off x="2360157" y="2402619"/>
+            <a:ext cx="436368" cy="648072"/>
+          </a:xfrm>
+          <a:prstGeom prst="straightConnector1">
+            <a:avLst/>
+          </a:prstGeom>
+          <a:ln w="38100">
+            <a:solidFill>
+              <a:srgbClr val="FF0000"/>
+            </a:solidFill>
+            <a:tailEnd type="triangle"/>
+          </a:ln>
+        </p:spPr>
+        <p:style>
+          <a:lnRef idx="1">
+            <a:schemeClr val="accent1"/>
+          </a:lnRef>
+          <a:fillRef idx="0">
+            <a:schemeClr val="accent1"/>
+          </a:fillRef>
+          <a:effectRef idx="0">
+            <a:schemeClr val="accent1"/>
+          </a:effectRef>
+          <a:fontRef idx="minor">
+            <a:schemeClr val="tx1"/>
+          </a:fontRef>
+        </p:style>
+      </p:cxnSp>
+      <p:cxnSp>
+        <p:nvCxnSpPr>
+          <p:cNvPr id="7" name="직선 화살표 연결선 6">
+            <a:extLst>
+              <a:ext uri="{FF2B5EF4-FFF2-40B4-BE49-F238E27FC236}">
+                <a16:creationId xmlns:a16="http://schemas.microsoft.com/office/drawing/2014/main" id="{6954C3A5-9BF1-454C-9670-467EFE959EC0}"/>
+              </a:ext>
+            </a:extLst>
+          </p:cNvPr>
+          <p:cNvCxnSpPr>
+            <a:cxnSpLocks/>
+          </p:cNvCxnSpPr>
+          <p:nvPr/>
+        </p:nvCxnSpPr>
+        <p:spPr>
+          <a:xfrm>
+            <a:off x="7596336" y="3137527"/>
+            <a:ext cx="288032" cy="764211"/>
+          </a:xfrm>
+          <a:prstGeom prst="straightConnector1">
+            <a:avLst/>
+          </a:prstGeom>
+          <a:ln w="38100">
+            <a:solidFill>
+              <a:srgbClr val="FF0000"/>
+            </a:solidFill>
+            <a:tailEnd type="triangle"/>
+          </a:ln>
+        </p:spPr>
+        <p:style>
+          <a:lnRef idx="1">
+            <a:schemeClr val="accent1"/>
+          </a:lnRef>
+          <a:fillRef idx="0">
+            <a:schemeClr val="accent1"/>
+          </a:fillRef>
+          <a:effectRef idx="0">
+            <a:schemeClr val="accent1"/>
+          </a:effectRef>
+          <a:fontRef idx="minor">
+            <a:schemeClr val="tx1"/>
+          </a:fontRef>
+        </p:style>
+      </p:cxnSp>
+      <p:cxnSp>
+        <p:nvCxnSpPr>
+          <p:cNvPr id="10" name="직선 화살표 연결선 9">
+            <a:extLst>
+              <a:ext uri="{FF2B5EF4-FFF2-40B4-BE49-F238E27FC236}">
+                <a16:creationId xmlns:a16="http://schemas.microsoft.com/office/drawing/2014/main" id="{B22C35A0-29BA-499C-8FBB-32B27C547BD1}"/>
+              </a:ext>
+            </a:extLst>
+          </p:cNvPr>
+          <p:cNvCxnSpPr/>
+          <p:nvPr/>
+        </p:nvCxnSpPr>
+        <p:spPr>
+          <a:xfrm>
+            <a:off x="3033841" y="3113981"/>
+            <a:ext cx="314023" cy="0"/>
+          </a:xfrm>
+          <a:prstGeom prst="straightConnector1">
+            <a:avLst/>
+          </a:prstGeom>
+          <a:ln w="38100">
+            <a:solidFill>
+              <a:schemeClr val="tx1"/>
+            </a:solidFill>
+            <a:tailEnd type="arrow"/>
+          </a:ln>
+        </p:spPr>
+        <p:style>
+          <a:lnRef idx="1">
+            <a:schemeClr val="accent1"/>
+          </a:lnRef>
+          <a:fillRef idx="0">
+            <a:schemeClr val="accent1"/>
+          </a:fillRef>
+          <a:effectRef idx="0">
+            <a:schemeClr val="accent1"/>
+          </a:effectRef>
+          <a:fontRef idx="minor">
+            <a:schemeClr val="tx1"/>
+          </a:fontRef>
+        </p:style>
+      </p:cxnSp>
+      <p:cxnSp>
+        <p:nvCxnSpPr>
+          <p:cNvPr id="11" name="직선 화살표 연결선 10">
+            <a:extLst>
+              <a:ext uri="{FF2B5EF4-FFF2-40B4-BE49-F238E27FC236}">
+                <a16:creationId xmlns:a16="http://schemas.microsoft.com/office/drawing/2014/main" id="{6ED94E00-41DD-4597-8942-4B2C9332E32E}"/>
+              </a:ext>
+            </a:extLst>
+          </p:cNvPr>
+          <p:cNvCxnSpPr/>
+          <p:nvPr/>
+        </p:nvCxnSpPr>
+        <p:spPr>
+          <a:xfrm>
+            <a:off x="5724128" y="3113981"/>
+            <a:ext cx="314023" cy="0"/>
+          </a:xfrm>
+          <a:prstGeom prst="straightConnector1">
+            <a:avLst/>
+          </a:prstGeom>
+          <a:ln w="38100">
+            <a:solidFill>
+              <a:schemeClr val="tx1"/>
+            </a:solidFill>
+            <a:tailEnd type="arrow"/>
+          </a:ln>
+        </p:spPr>
+        <p:style>
+          <a:lnRef idx="1">
+            <a:schemeClr val="accent1"/>
+          </a:lnRef>
+          <a:fillRef idx="0">
+            <a:schemeClr val="accent1"/>
+          </a:fillRef>
+          <a:effectRef idx="0">
+            <a:schemeClr val="accent1"/>
+          </a:effectRef>
+          <a:fontRef idx="minor">
+            <a:schemeClr val="tx1"/>
+          </a:fontRef>
+        </p:style>
+      </p:cxnSp>
+      <p:sp>
+        <p:nvSpPr>
+          <p:cNvPr id="8" name="TextBox 7">
+            <a:extLst>
+              <a:ext uri="{FF2B5EF4-FFF2-40B4-BE49-F238E27FC236}">
+                <a16:creationId xmlns:a16="http://schemas.microsoft.com/office/drawing/2014/main" id="{FE908FA0-B480-4749-8041-F1F510B40F15}"/>
+              </a:ext>
+            </a:extLst>
+          </p:cNvPr>
+          <p:cNvSpPr txBox="1"/>
+          <p:nvPr/>
+        </p:nvSpPr>
+        <p:spPr>
+          <a:xfrm>
+            <a:off x="1344203" y="1745828"/>
+            <a:ext cx="1189749" cy="369332"/>
+          </a:xfrm>
+          <a:prstGeom prst="rect">
+            <a:avLst/>
+          </a:prstGeom>
+          <a:noFill/>
+        </p:spPr>
+        <p:txBody>
+          <a:bodyPr wrap="none" rtlCol="0">
+            <a:spAutoFit/>
+          </a:bodyPr>
+          <a:lstStyle/>
+          <a:p>
+            <a:r>
+              <a:rPr lang="ko-KR" altLang="en-US" dirty="0"/>
+              <a:t>입력 함수</a:t>
+            </a:r>
+          </a:p>
+        </p:txBody>
+      </p:sp>
+      <p:sp>
+        <p:nvSpPr>
+          <p:cNvPr id="13" name="TextBox 12">
+            <a:extLst>
+              <a:ext uri="{FF2B5EF4-FFF2-40B4-BE49-F238E27FC236}">
+                <a16:creationId xmlns:a16="http://schemas.microsoft.com/office/drawing/2014/main" id="{8F1B0FE0-C874-4DE7-9EC3-91C472ECF94D}"/>
+              </a:ext>
+            </a:extLst>
+          </p:cNvPr>
+          <p:cNvSpPr txBox="1"/>
+          <p:nvPr/>
+        </p:nvSpPr>
+        <p:spPr>
+          <a:xfrm>
+            <a:off x="6804248" y="1745828"/>
+            <a:ext cx="1189749" cy="369332"/>
+          </a:xfrm>
+          <a:prstGeom prst="rect">
+            <a:avLst/>
+          </a:prstGeom>
+          <a:noFill/>
+        </p:spPr>
+        <p:txBody>
+          <a:bodyPr wrap="none" rtlCol="0">
+            <a:spAutoFit/>
+          </a:bodyPr>
+          <a:lstStyle/>
+          <a:p>
+            <a:r>
+              <a:rPr lang="ko-KR" altLang="en-US"/>
+              <a:t>출력 </a:t>
+            </a:r>
+            <a:r>
+              <a:rPr lang="ko-KR" altLang="en-US" dirty="0"/>
+              <a:t>함수</a:t>
+            </a:r>
+          </a:p>
+        </p:txBody>
+      </p:sp>
     </p:spTree>
     <p:extLst>
       <p:ext uri="{BB962C8B-B14F-4D97-AF65-F5344CB8AC3E}">

--- a/pics/2021-06-09-Greens_function/pics.pptx
+++ b/pics/2021-06-09-Greens_function/pics.pptx
@@ -8,6 +8,7 @@
     <p:sldId id="256" r:id="rId2"/>
     <p:sldId id="257" r:id="rId3"/>
     <p:sldId id="258" r:id="rId4"/>
+    <p:sldId id="259" r:id="rId5"/>
   </p:sldIdLst>
   <p:sldSz cx="9144000" cy="6858000" type="screen4x3"/>
   <p:notesSz cx="6858000" cy="9144000"/>
@@ -304,7 +305,7 @@
           <a:p>
             <a:fld id="{FB30EDBD-1C2D-4C1E-B459-B60219FAB484}" type="datetimeFigureOut">
               <a:rPr lang="ko-KR" altLang="en-US" smtClean="0"/>
-              <a:t>2021-06-10</a:t>
+              <a:t>2021-06-12</a:t>
             </a:fld>
             <a:endParaRPr lang="ko-KR" altLang="en-US"/>
           </a:p>
@@ -467,7 +468,7 @@
           <a:p>
             <a:fld id="{FB30EDBD-1C2D-4C1E-B459-B60219FAB484}" type="datetimeFigureOut">
               <a:rPr lang="ko-KR" altLang="en-US" smtClean="0"/>
-              <a:t>2021-06-10</a:t>
+              <a:t>2021-06-12</a:t>
             </a:fld>
             <a:endParaRPr lang="ko-KR" altLang="en-US"/>
           </a:p>
@@ -640,7 +641,7 @@
           <a:p>
             <a:fld id="{FB30EDBD-1C2D-4C1E-B459-B60219FAB484}" type="datetimeFigureOut">
               <a:rPr lang="ko-KR" altLang="en-US" smtClean="0"/>
-              <a:t>2021-06-10</a:t>
+              <a:t>2021-06-12</a:t>
             </a:fld>
             <a:endParaRPr lang="ko-KR" altLang="en-US"/>
           </a:p>
@@ -803,7 +804,7 @@
           <a:p>
             <a:fld id="{FB30EDBD-1C2D-4C1E-B459-B60219FAB484}" type="datetimeFigureOut">
               <a:rPr lang="ko-KR" altLang="en-US" smtClean="0"/>
-              <a:t>2021-06-10</a:t>
+              <a:t>2021-06-12</a:t>
             </a:fld>
             <a:endParaRPr lang="ko-KR" altLang="en-US"/>
           </a:p>
@@ -1043,7 +1044,7 @@
           <a:p>
             <a:fld id="{FB30EDBD-1C2D-4C1E-B459-B60219FAB484}" type="datetimeFigureOut">
               <a:rPr lang="ko-KR" altLang="en-US" smtClean="0"/>
-              <a:t>2021-06-10</a:t>
+              <a:t>2021-06-12</a:t>
             </a:fld>
             <a:endParaRPr lang="ko-KR" altLang="en-US"/>
           </a:p>
@@ -1323,7 +1324,7 @@
           <a:p>
             <a:fld id="{FB30EDBD-1C2D-4C1E-B459-B60219FAB484}" type="datetimeFigureOut">
               <a:rPr lang="ko-KR" altLang="en-US" smtClean="0"/>
-              <a:t>2021-06-10</a:t>
+              <a:t>2021-06-12</a:t>
             </a:fld>
             <a:endParaRPr lang="ko-KR" altLang="en-US"/>
           </a:p>
@@ -1737,7 +1738,7 @@
           <a:p>
             <a:fld id="{FB30EDBD-1C2D-4C1E-B459-B60219FAB484}" type="datetimeFigureOut">
               <a:rPr lang="ko-KR" altLang="en-US" smtClean="0"/>
-              <a:t>2021-06-10</a:t>
+              <a:t>2021-06-12</a:t>
             </a:fld>
             <a:endParaRPr lang="ko-KR" altLang="en-US"/>
           </a:p>
@@ -1849,7 +1850,7 @@
           <a:p>
             <a:fld id="{FB30EDBD-1C2D-4C1E-B459-B60219FAB484}" type="datetimeFigureOut">
               <a:rPr lang="ko-KR" altLang="en-US" smtClean="0"/>
-              <a:t>2021-06-10</a:t>
+              <a:t>2021-06-12</a:t>
             </a:fld>
             <a:endParaRPr lang="ko-KR" altLang="en-US"/>
           </a:p>
@@ -1939,7 +1940,7 @@
           <a:p>
             <a:fld id="{FB30EDBD-1C2D-4C1E-B459-B60219FAB484}" type="datetimeFigureOut">
               <a:rPr lang="ko-KR" altLang="en-US" smtClean="0"/>
-              <a:t>2021-06-10</a:t>
+              <a:t>2021-06-12</a:t>
             </a:fld>
             <a:endParaRPr lang="ko-KR" altLang="en-US"/>
           </a:p>
@@ -2209,7 +2210,7 @@
           <a:p>
             <a:fld id="{FB30EDBD-1C2D-4C1E-B459-B60219FAB484}" type="datetimeFigureOut">
               <a:rPr lang="ko-KR" altLang="en-US" smtClean="0"/>
-              <a:t>2021-06-10</a:t>
+              <a:t>2021-06-12</a:t>
             </a:fld>
             <a:endParaRPr lang="ko-KR" altLang="en-US"/>
           </a:p>
@@ -2456,7 +2457,7 @@
           <a:p>
             <a:fld id="{FB30EDBD-1C2D-4C1E-B459-B60219FAB484}" type="datetimeFigureOut">
               <a:rPr lang="ko-KR" altLang="en-US" smtClean="0"/>
-              <a:t>2021-06-10</a:t>
+              <a:t>2021-06-12</a:t>
             </a:fld>
             <a:endParaRPr lang="ko-KR" altLang="en-US"/>
           </a:p>
@@ -2662,7 +2663,7 @@
           <a:p>
             <a:fld id="{FB30EDBD-1C2D-4C1E-B459-B60219FAB484}" type="datetimeFigureOut">
               <a:rPr lang="ko-KR" altLang="en-US" smtClean="0"/>
-              <a:t>2021-06-10</a:t>
+              <a:t>2021-06-12</a:t>
             </a:fld>
             <a:endParaRPr lang="ko-KR" altLang="en-US"/>
           </a:p>
@@ -3773,8 +3774,8 @@
           </a:p>
         </p:txBody>
       </p:sp>
-      <mc:AlternateContent xmlns:mc="http://schemas.openxmlformats.org/markup-compatibility/2006">
-        <mc:Choice xmlns:a14="http://schemas.microsoft.com/office/drawing/2010/main" Requires="a14">
+      <mc:AlternateContent xmlns:mc="http://schemas.openxmlformats.org/markup-compatibility/2006" xmlns:a14="http://schemas.microsoft.com/office/drawing/2010/main">
+        <mc:Choice Requires="a14">
           <p:sp>
             <p:nvSpPr>
               <p:cNvPr id="5" name="TextBox 4"/>
@@ -3821,7 +3822,7 @@
             </p:txBody>
           </p:sp>
         </mc:Choice>
-        <mc:Fallback>
+        <mc:Fallback xmlns="">
           <p:sp>
             <p:nvSpPr>
               <p:cNvPr id="5" name="TextBox 4"/>
@@ -3860,8 +3861,8 @@
           </p:sp>
         </mc:Fallback>
       </mc:AlternateContent>
-      <mc:AlternateContent xmlns:mc="http://schemas.openxmlformats.org/markup-compatibility/2006">
-        <mc:Choice xmlns:a14="http://schemas.microsoft.com/office/drawing/2010/main" Requires="a14">
+      <mc:AlternateContent xmlns:mc="http://schemas.openxmlformats.org/markup-compatibility/2006" xmlns:a14="http://schemas.microsoft.com/office/drawing/2010/main">
+        <mc:Choice Requires="a14">
           <p:sp>
             <p:nvSpPr>
               <p:cNvPr id="6" name="TextBox 5"/>
@@ -3908,7 +3909,7 @@
             </p:txBody>
           </p:sp>
         </mc:Choice>
-        <mc:Fallback>
+        <mc:Fallback xmlns="">
           <p:sp>
             <p:nvSpPr>
               <p:cNvPr id="6" name="TextBox 5"/>
@@ -3947,8 +3948,8 @@
           </p:sp>
         </mc:Fallback>
       </mc:AlternateContent>
-      <mc:AlternateContent xmlns:mc="http://schemas.openxmlformats.org/markup-compatibility/2006">
-        <mc:Choice xmlns:a14="http://schemas.microsoft.com/office/drawing/2010/main" Requires="a14">
+      <mc:AlternateContent xmlns:mc="http://schemas.openxmlformats.org/markup-compatibility/2006" xmlns:a14="http://schemas.microsoft.com/office/drawing/2010/main">
+        <mc:Choice Requires="a14">
           <p:sp>
             <p:nvSpPr>
               <p:cNvPr id="7" name="TextBox 6"/>
@@ -3995,7 +3996,7 @@
             </p:txBody>
           </p:sp>
         </mc:Choice>
-        <mc:Fallback>
+        <mc:Fallback xmlns="">
           <p:sp>
             <p:nvSpPr>
               <p:cNvPr id="7" name="TextBox 6"/>
@@ -4034,8 +4035,8 @@
           </p:sp>
         </mc:Fallback>
       </mc:AlternateContent>
-      <mc:AlternateContent xmlns:mc="http://schemas.openxmlformats.org/markup-compatibility/2006">
-        <mc:Choice xmlns:a14="http://schemas.microsoft.com/office/drawing/2010/main" Requires="a14">
+      <mc:AlternateContent xmlns:mc="http://schemas.openxmlformats.org/markup-compatibility/2006" xmlns:a14="http://schemas.microsoft.com/office/drawing/2010/main">
+        <mc:Choice Requires="a14">
           <p:sp>
             <p:nvSpPr>
               <p:cNvPr id="8" name="TextBox 7"/>
@@ -4082,7 +4083,7 @@
             </p:txBody>
           </p:sp>
         </mc:Choice>
-        <mc:Fallback>
+        <mc:Fallback xmlns="">
           <p:sp>
             <p:nvSpPr>
               <p:cNvPr id="8" name="TextBox 7"/>
@@ -4121,8 +4122,8 @@
           </p:sp>
         </mc:Fallback>
       </mc:AlternateContent>
-      <mc:AlternateContent xmlns:mc="http://schemas.openxmlformats.org/markup-compatibility/2006">
-        <mc:Choice xmlns:a14="http://schemas.microsoft.com/office/drawing/2010/main" Requires="a14">
+      <mc:AlternateContent xmlns:mc="http://schemas.openxmlformats.org/markup-compatibility/2006" xmlns:a14="http://schemas.microsoft.com/office/drawing/2010/main">
+        <mc:Choice Requires="a14">
           <p:sp>
             <p:nvSpPr>
               <p:cNvPr id="9" name="TextBox 8"/>
@@ -4169,7 +4170,7 @@
             </p:txBody>
           </p:sp>
         </mc:Choice>
-        <mc:Fallback>
+        <mc:Fallback xmlns="">
           <p:sp>
             <p:nvSpPr>
               <p:cNvPr id="9" name="TextBox 8"/>
@@ -4208,8 +4209,8 @@
           </p:sp>
         </mc:Fallback>
       </mc:AlternateContent>
-      <mc:AlternateContent xmlns:mc="http://schemas.openxmlformats.org/markup-compatibility/2006">
-        <mc:Choice xmlns:a14="http://schemas.microsoft.com/office/drawing/2010/main" Requires="a14">
+      <mc:AlternateContent xmlns:mc="http://schemas.openxmlformats.org/markup-compatibility/2006" xmlns:a14="http://schemas.microsoft.com/office/drawing/2010/main">
+        <mc:Choice Requires="a14">
           <p:sp>
             <p:nvSpPr>
               <p:cNvPr id="10" name="TextBox 9"/>
@@ -4256,7 +4257,7 @@
             </p:txBody>
           </p:sp>
         </mc:Choice>
-        <mc:Fallback>
+        <mc:Fallback xmlns="">
           <p:sp>
             <p:nvSpPr>
               <p:cNvPr id="10" name="TextBox 9"/>
@@ -4295,8 +4296,8 @@
           </p:sp>
         </mc:Fallback>
       </mc:AlternateContent>
-      <mc:AlternateContent xmlns:mc="http://schemas.openxmlformats.org/markup-compatibility/2006">
-        <mc:Choice xmlns:a14="http://schemas.microsoft.com/office/drawing/2010/main" Requires="a14">
+      <mc:AlternateContent xmlns:mc="http://schemas.openxmlformats.org/markup-compatibility/2006" xmlns:a14="http://schemas.microsoft.com/office/drawing/2010/main">
+        <mc:Choice Requires="a14">
           <p:sp>
             <p:nvSpPr>
               <p:cNvPr id="11" name="TextBox 10"/>
@@ -4343,7 +4344,7 @@
             </p:txBody>
           </p:sp>
         </mc:Choice>
-        <mc:Fallback>
+        <mc:Fallback xmlns="">
           <p:sp>
             <p:nvSpPr>
               <p:cNvPr id="11" name="TextBox 10"/>
@@ -4382,8 +4383,8 @@
           </p:sp>
         </mc:Fallback>
       </mc:AlternateContent>
-      <mc:AlternateContent xmlns:mc="http://schemas.openxmlformats.org/markup-compatibility/2006">
-        <mc:Choice xmlns:a14="http://schemas.microsoft.com/office/drawing/2010/main" Requires="a14">
+      <mc:AlternateContent xmlns:mc="http://schemas.openxmlformats.org/markup-compatibility/2006" xmlns:a14="http://schemas.microsoft.com/office/drawing/2010/main">
+        <mc:Choice Requires="a14">
           <p:sp>
             <p:nvSpPr>
               <p:cNvPr id="12" name="TextBox 11"/>
@@ -4430,7 +4431,7 @@
             </p:txBody>
           </p:sp>
         </mc:Choice>
-        <mc:Fallback>
+        <mc:Fallback xmlns="">
           <p:sp>
             <p:nvSpPr>
               <p:cNvPr id="12" name="TextBox 11"/>
@@ -4469,8 +4470,8 @@
           </p:sp>
         </mc:Fallback>
       </mc:AlternateContent>
-      <mc:AlternateContent xmlns:mc="http://schemas.openxmlformats.org/markup-compatibility/2006">
-        <mc:Choice xmlns:a14="http://schemas.microsoft.com/office/drawing/2010/main" Requires="a14">
+      <mc:AlternateContent xmlns:mc="http://schemas.openxmlformats.org/markup-compatibility/2006" xmlns:a14="http://schemas.microsoft.com/office/drawing/2010/main">
+        <mc:Choice Requires="a14">
           <p:sp>
             <p:nvSpPr>
               <p:cNvPr id="13" name="TextBox 12"/>
@@ -4517,7 +4518,7 @@
             </p:txBody>
           </p:sp>
         </mc:Choice>
-        <mc:Fallback>
+        <mc:Fallback xmlns="">
           <p:sp>
             <p:nvSpPr>
               <p:cNvPr id="13" name="TextBox 12"/>
@@ -4556,8 +4557,8 @@
           </p:sp>
         </mc:Fallback>
       </mc:AlternateContent>
-      <mc:AlternateContent xmlns:mc="http://schemas.openxmlformats.org/markup-compatibility/2006">
-        <mc:Choice xmlns:a14="http://schemas.microsoft.com/office/drawing/2010/main" Requires="a14">
+      <mc:AlternateContent xmlns:mc="http://schemas.openxmlformats.org/markup-compatibility/2006" xmlns:a14="http://schemas.microsoft.com/office/drawing/2010/main">
+        <mc:Choice Requires="a14">
           <p:sp>
             <p:nvSpPr>
               <p:cNvPr id="14" name="TextBox 13"/>
@@ -4604,7 +4605,7 @@
             </p:txBody>
           </p:sp>
         </mc:Choice>
-        <mc:Fallback>
+        <mc:Fallback xmlns="">
           <p:sp>
             <p:nvSpPr>
               <p:cNvPr id="14" name="TextBox 13"/>
@@ -5005,8 +5006,8 @@
           </a:fontRef>
         </p:style>
       </p:cxnSp>
-      <mc:AlternateContent xmlns:mc="http://schemas.openxmlformats.org/markup-compatibility/2006">
-        <mc:Choice xmlns:a14="http://schemas.microsoft.com/office/drawing/2010/main" Requires="a14">
+      <mc:AlternateContent xmlns:mc="http://schemas.openxmlformats.org/markup-compatibility/2006" xmlns:a14="http://schemas.microsoft.com/office/drawing/2010/main">
+        <mc:Choice Requires="a14">
           <p:sp>
             <p:nvSpPr>
               <p:cNvPr id="28" name="TextBox 27"/>
@@ -5053,7 +5054,7 @@
             </p:txBody>
           </p:sp>
         </mc:Choice>
-        <mc:Fallback>
+        <mc:Fallback xmlns="">
           <p:sp>
             <p:nvSpPr>
               <p:cNvPr id="28" name="TextBox 27"/>
@@ -5178,8 +5179,8 @@
           </a:p>
         </p:txBody>
       </p:sp>
-      <mc:AlternateContent xmlns:mc="http://schemas.openxmlformats.org/markup-compatibility/2006">
-        <mc:Choice xmlns:a14="http://schemas.microsoft.com/office/drawing/2010/main" Requires="a14">
+      <mc:AlternateContent xmlns:mc="http://schemas.openxmlformats.org/markup-compatibility/2006" xmlns:a14="http://schemas.microsoft.com/office/drawing/2010/main">
+        <mc:Choice Requires="a14">
           <p:sp>
             <p:nvSpPr>
               <p:cNvPr id="31" name="TextBox 30"/>
@@ -5226,7 +5227,7 @@
             </p:txBody>
           </p:sp>
         </mc:Choice>
-        <mc:Fallback>
+        <mc:Fallback xmlns="">
           <p:sp>
             <p:nvSpPr>
               <p:cNvPr id="31" name="TextBox 30"/>
@@ -5925,6 +5926,6515 @@
 </p:sld>
 </file>
 
+<file path=ppt/slides/slide4.xml><?xml version="1.0" encoding="utf-8"?>
+<p:sld xmlns:a="http://schemas.openxmlformats.org/drawingml/2006/main" xmlns:r="http://schemas.openxmlformats.org/officeDocument/2006/relationships" xmlns:p="http://schemas.openxmlformats.org/presentationml/2006/main">
+  <p:cSld>
+    <p:spTree>
+      <p:nvGrpSpPr>
+        <p:cNvPr id="1" name=""/>
+        <p:cNvGrpSpPr/>
+        <p:nvPr/>
+      </p:nvGrpSpPr>
+      <p:grpSpPr>
+        <a:xfrm>
+          <a:off x="0" y="0"/>
+          <a:ext cx="0" cy="0"/>
+          <a:chOff x="0" y="0"/>
+          <a:chExt cx="0" cy="0"/>
+        </a:xfrm>
+      </p:grpSpPr>
+      <p:sp>
+        <p:nvSpPr>
+          <p:cNvPr id="6" name="직사각형 5">
+            <a:extLst>
+              <a:ext uri="{FF2B5EF4-FFF2-40B4-BE49-F238E27FC236}">
+                <a16:creationId xmlns:a16="http://schemas.microsoft.com/office/drawing/2014/main" id="{64FC177B-E88B-4BD0-94BE-FAFF3ACB2C89}"/>
+              </a:ext>
+            </a:extLst>
+          </p:cNvPr>
+          <p:cNvSpPr/>
+          <p:nvPr/>
+        </p:nvSpPr>
+        <p:spPr>
+          <a:xfrm>
+            <a:off x="3508254" y="620688"/>
+            <a:ext cx="1584176" cy="1584176"/>
+          </a:xfrm>
+          <a:prstGeom prst="rect">
+            <a:avLst/>
+          </a:prstGeom>
+          <a:solidFill>
+            <a:schemeClr val="bg1"/>
+          </a:solidFill>
+          <a:ln>
+            <a:solidFill>
+              <a:schemeClr val="tx1"/>
+            </a:solidFill>
+          </a:ln>
+        </p:spPr>
+        <p:style>
+          <a:lnRef idx="2">
+            <a:schemeClr val="accent1">
+              <a:shade val="50000"/>
+            </a:schemeClr>
+          </a:lnRef>
+          <a:fillRef idx="1">
+            <a:schemeClr val="accent1"/>
+          </a:fillRef>
+          <a:effectRef idx="0">
+            <a:schemeClr val="accent1"/>
+          </a:effectRef>
+          <a:fontRef idx="minor">
+            <a:schemeClr val="lt1"/>
+          </a:fontRef>
+        </p:style>
+        <p:txBody>
+          <a:bodyPr rtlCol="0" anchor="ctr"/>
+          <a:lstStyle/>
+          <a:p>
+            <a:pPr algn="ctr"/>
+            <a:endParaRPr lang="ko-KR" altLang="en-US"/>
+          </a:p>
+        </p:txBody>
+      </p:sp>
+      <p:sp>
+        <p:nvSpPr>
+          <p:cNvPr id="7" name="직사각형 6">
+            <a:extLst>
+              <a:ext uri="{FF2B5EF4-FFF2-40B4-BE49-F238E27FC236}">
+                <a16:creationId xmlns:a16="http://schemas.microsoft.com/office/drawing/2014/main" id="{8A175623-6F7F-4B47-A333-4D8F52AE610A}"/>
+              </a:ext>
+            </a:extLst>
+          </p:cNvPr>
+          <p:cNvSpPr/>
+          <p:nvPr/>
+        </p:nvSpPr>
+        <p:spPr>
+          <a:xfrm rot="5400000">
+            <a:off x="2891976" y="1253196"/>
+            <a:ext cx="1568491" cy="316800"/>
+          </a:xfrm>
+          <a:prstGeom prst="rect">
+            <a:avLst/>
+          </a:prstGeom>
+          <a:solidFill>
+            <a:srgbClr val="F16565"/>
+          </a:solidFill>
+          <a:ln>
+            <a:noFill/>
+          </a:ln>
+        </p:spPr>
+        <p:style>
+          <a:lnRef idx="2">
+            <a:schemeClr val="accent1">
+              <a:shade val="50000"/>
+            </a:schemeClr>
+          </a:lnRef>
+          <a:fillRef idx="1">
+            <a:schemeClr val="accent1"/>
+          </a:fillRef>
+          <a:effectRef idx="0">
+            <a:schemeClr val="accent1"/>
+          </a:effectRef>
+          <a:fontRef idx="minor">
+            <a:schemeClr val="lt1"/>
+          </a:fontRef>
+        </p:style>
+        <p:txBody>
+          <a:bodyPr rtlCol="0" anchor="ctr"/>
+          <a:lstStyle/>
+          <a:p>
+            <a:pPr algn="ctr"/>
+            <a:endParaRPr lang="ko-KR" altLang="en-US"/>
+          </a:p>
+        </p:txBody>
+      </p:sp>
+      <p:sp>
+        <p:nvSpPr>
+          <p:cNvPr id="15" name="원호 14">
+            <a:extLst>
+              <a:ext uri="{FF2B5EF4-FFF2-40B4-BE49-F238E27FC236}">
+                <a16:creationId xmlns:a16="http://schemas.microsoft.com/office/drawing/2014/main" id="{93E633E5-EEB9-44A7-96F1-3A9650D3C0A2}"/>
+              </a:ext>
+            </a:extLst>
+          </p:cNvPr>
+          <p:cNvSpPr/>
+          <p:nvPr/>
+        </p:nvSpPr>
+        <p:spPr>
+          <a:xfrm flipH="1">
+            <a:off x="3350829" y="620688"/>
+            <a:ext cx="314848" cy="1584176"/>
+          </a:xfrm>
+          <a:prstGeom prst="arc">
+            <a:avLst>
+              <a:gd name="adj1" fmla="val 16200000"/>
+              <a:gd name="adj2" fmla="val 17969117"/>
+            </a:avLst>
+          </a:prstGeom>
+          <a:ln>
+            <a:solidFill>
+              <a:schemeClr val="tx1"/>
+            </a:solidFill>
+          </a:ln>
+        </p:spPr>
+        <p:style>
+          <a:lnRef idx="1">
+            <a:schemeClr val="accent1"/>
+          </a:lnRef>
+          <a:fillRef idx="0">
+            <a:schemeClr val="accent1"/>
+          </a:fillRef>
+          <a:effectRef idx="0">
+            <a:schemeClr val="accent1"/>
+          </a:effectRef>
+          <a:fontRef idx="minor">
+            <a:schemeClr val="tx1"/>
+          </a:fontRef>
+        </p:style>
+        <p:txBody>
+          <a:bodyPr rtlCol="0" anchor="ctr"/>
+          <a:lstStyle/>
+          <a:p>
+            <a:pPr algn="ctr"/>
+            <a:endParaRPr lang="ko-KR" altLang="en-US"/>
+          </a:p>
+        </p:txBody>
+      </p:sp>
+      <p:sp>
+        <p:nvSpPr>
+          <p:cNvPr id="16" name="원호 15">
+            <a:extLst>
+              <a:ext uri="{FF2B5EF4-FFF2-40B4-BE49-F238E27FC236}">
+                <a16:creationId xmlns:a16="http://schemas.microsoft.com/office/drawing/2014/main" id="{C4EF0DA0-138C-496A-A92F-CE8C90B8873E}"/>
+              </a:ext>
+            </a:extLst>
+          </p:cNvPr>
+          <p:cNvSpPr/>
+          <p:nvPr/>
+        </p:nvSpPr>
+        <p:spPr>
+          <a:xfrm flipH="1" flipV="1">
+            <a:off x="3351702" y="620688"/>
+            <a:ext cx="314848" cy="1584176"/>
+          </a:xfrm>
+          <a:prstGeom prst="arc">
+            <a:avLst>
+              <a:gd name="adj1" fmla="val 16200000"/>
+              <a:gd name="adj2" fmla="val 17969117"/>
+            </a:avLst>
+          </a:prstGeom>
+          <a:ln>
+            <a:solidFill>
+              <a:schemeClr val="tx1"/>
+            </a:solidFill>
+          </a:ln>
+        </p:spPr>
+        <p:style>
+          <a:lnRef idx="1">
+            <a:schemeClr val="accent1"/>
+          </a:lnRef>
+          <a:fillRef idx="0">
+            <a:schemeClr val="accent1"/>
+          </a:fillRef>
+          <a:effectRef idx="0">
+            <a:schemeClr val="accent1"/>
+          </a:effectRef>
+          <a:fontRef idx="minor">
+            <a:schemeClr val="tx1"/>
+          </a:fontRef>
+        </p:style>
+        <p:txBody>
+          <a:bodyPr rtlCol="0" anchor="ctr"/>
+          <a:lstStyle/>
+          <a:p>
+            <a:pPr algn="ctr"/>
+            <a:endParaRPr lang="ko-KR" altLang="en-US"/>
+          </a:p>
+        </p:txBody>
+      </p:sp>
+      <mc:AlternateContent xmlns:mc="http://schemas.openxmlformats.org/markup-compatibility/2006">
+        <mc:Choice xmlns:a14="http://schemas.microsoft.com/office/drawing/2010/main" Requires="a14">
+          <p:sp>
+            <p:nvSpPr>
+              <p:cNvPr id="17" name="TextBox 16">
+                <a:extLst>
+                  <a:ext uri="{FF2B5EF4-FFF2-40B4-BE49-F238E27FC236}">
+                    <a16:creationId xmlns:a16="http://schemas.microsoft.com/office/drawing/2014/main" id="{8819A910-2608-4025-B8EA-15404010743C}"/>
+                  </a:ext>
+                </a:extLst>
+              </p:cNvPr>
+              <p:cNvSpPr txBox="1"/>
+              <p:nvPr/>
+            </p:nvSpPr>
+            <p:spPr>
+              <a:xfrm>
+                <a:off x="3070417" y="1196752"/>
+                <a:ext cx="399789" cy="369332"/>
+              </a:xfrm>
+              <a:prstGeom prst="rect">
+                <a:avLst/>
+              </a:prstGeom>
+              <a:noFill/>
+            </p:spPr>
+            <p:txBody>
+              <a:bodyPr wrap="none" rtlCol="0">
+                <a:spAutoFit/>
+              </a:bodyPr>
+              <a:lstStyle/>
+              <a:p>
+                <a:pPr/>
+                <a14:m>
+                  <m:oMathPara xmlns:m="http://schemas.openxmlformats.org/officeDocument/2006/math">
+                    <m:oMathParaPr>
+                      <m:jc m:val="centerGroup"/>
+                    </m:oMathParaPr>
+                    <m:oMath xmlns:m="http://schemas.openxmlformats.org/officeDocument/2006/math">
+                      <m:r>
+                        <a:rPr lang="en-US" altLang="ko-KR" b="0" i="1" smtClean="0">
+                          <a:latin typeface="Cambria Math"/>
+                        </a:rPr>
+                        <m:t>𝑘</m:t>
+                      </m:r>
+                    </m:oMath>
+                  </m:oMathPara>
+                </a14:m>
+                <a:endParaRPr lang="ko-KR" altLang="en-US" dirty="0"/>
+              </a:p>
+            </p:txBody>
+          </p:sp>
+        </mc:Choice>
+        <mc:Fallback>
+          <p:sp>
+            <p:nvSpPr>
+              <p:cNvPr id="17" name="TextBox 16">
+                <a:extLst>
+                  <a:ext uri="{FF2B5EF4-FFF2-40B4-BE49-F238E27FC236}">
+                    <a16:creationId xmlns:a16="http://schemas.microsoft.com/office/drawing/2014/main" id="{8819A910-2608-4025-B8EA-15404010743C}"/>
+                  </a:ext>
+                </a:extLst>
+              </p:cNvPr>
+              <p:cNvSpPr txBox="1">
+                <a:spLocks noRot="1" noChangeAspect="1" noMove="1" noResize="1" noEditPoints="1" noAdjustHandles="1" noChangeArrowheads="1" noChangeShapeType="1" noTextEdit="1"/>
+              </p:cNvSpPr>
+              <p:nvPr/>
+            </p:nvSpPr>
+            <p:spPr>
+              <a:xfrm>
+                <a:off x="3070417" y="1196752"/>
+                <a:ext cx="399789" cy="369332"/>
+              </a:xfrm>
+              <a:prstGeom prst="rect">
+                <a:avLst/>
+              </a:prstGeom>
+              <a:blipFill>
+                <a:blip r:embed="rId2"/>
+                <a:stretch>
+                  <a:fillRect/>
+                </a:stretch>
+              </a:blipFill>
+            </p:spPr>
+            <p:txBody>
+              <a:bodyPr/>
+              <a:lstStyle/>
+              <a:p>
+                <a:r>
+                  <a:rPr lang="ko-KR" altLang="en-US">
+                    <a:noFill/>
+                  </a:rPr>
+                  <a:t> </a:t>
+                </a:r>
+              </a:p>
+            </p:txBody>
+          </p:sp>
+        </mc:Fallback>
+      </mc:AlternateContent>
+      <p:sp>
+        <p:nvSpPr>
+          <p:cNvPr id="19" name="원호 18">
+            <a:extLst>
+              <a:ext uri="{FF2B5EF4-FFF2-40B4-BE49-F238E27FC236}">
+                <a16:creationId xmlns:a16="http://schemas.microsoft.com/office/drawing/2014/main" id="{6DD62455-73A3-463D-B466-FCFB328D6F40}"/>
+              </a:ext>
+            </a:extLst>
+          </p:cNvPr>
+          <p:cNvSpPr/>
+          <p:nvPr/>
+        </p:nvSpPr>
+        <p:spPr>
+          <a:xfrm rot="5400000" flipH="1">
+            <a:off x="4142918" y="-165611"/>
+            <a:ext cx="314848" cy="1584176"/>
+          </a:xfrm>
+          <a:prstGeom prst="arc">
+            <a:avLst>
+              <a:gd name="adj1" fmla="val 16200000"/>
+              <a:gd name="adj2" fmla="val 17969117"/>
+            </a:avLst>
+          </a:prstGeom>
+          <a:ln>
+            <a:solidFill>
+              <a:schemeClr val="tx1"/>
+            </a:solidFill>
+          </a:ln>
+        </p:spPr>
+        <p:style>
+          <a:lnRef idx="1">
+            <a:schemeClr val="accent1"/>
+          </a:lnRef>
+          <a:fillRef idx="0">
+            <a:schemeClr val="accent1"/>
+          </a:fillRef>
+          <a:effectRef idx="0">
+            <a:schemeClr val="accent1"/>
+          </a:effectRef>
+          <a:fontRef idx="minor">
+            <a:schemeClr val="tx1"/>
+          </a:fontRef>
+        </p:style>
+        <p:txBody>
+          <a:bodyPr rtlCol="0" anchor="ctr"/>
+          <a:lstStyle/>
+          <a:p>
+            <a:pPr algn="ctr"/>
+            <a:endParaRPr lang="ko-KR" altLang="en-US"/>
+          </a:p>
+        </p:txBody>
+      </p:sp>
+      <p:sp>
+        <p:nvSpPr>
+          <p:cNvPr id="20" name="원호 19">
+            <a:extLst>
+              <a:ext uri="{FF2B5EF4-FFF2-40B4-BE49-F238E27FC236}">
+                <a16:creationId xmlns:a16="http://schemas.microsoft.com/office/drawing/2014/main" id="{4A4DE7ED-E2E1-4AD4-9223-8E7E3872AF3F}"/>
+              </a:ext>
+            </a:extLst>
+          </p:cNvPr>
+          <p:cNvSpPr/>
+          <p:nvPr/>
+        </p:nvSpPr>
+        <p:spPr>
+          <a:xfrm rot="5400000" flipH="1" flipV="1">
+            <a:off x="4142918" y="-164738"/>
+            <a:ext cx="314848" cy="1584176"/>
+          </a:xfrm>
+          <a:prstGeom prst="arc">
+            <a:avLst>
+              <a:gd name="adj1" fmla="val 16200000"/>
+              <a:gd name="adj2" fmla="val 17969117"/>
+            </a:avLst>
+          </a:prstGeom>
+          <a:ln>
+            <a:solidFill>
+              <a:schemeClr val="tx1"/>
+            </a:solidFill>
+          </a:ln>
+        </p:spPr>
+        <p:style>
+          <a:lnRef idx="1">
+            <a:schemeClr val="accent1"/>
+          </a:lnRef>
+          <a:fillRef idx="0">
+            <a:schemeClr val="accent1"/>
+          </a:fillRef>
+          <a:effectRef idx="0">
+            <a:schemeClr val="accent1"/>
+          </a:effectRef>
+          <a:fontRef idx="minor">
+            <a:schemeClr val="tx1"/>
+          </a:fontRef>
+        </p:style>
+        <p:txBody>
+          <a:bodyPr rtlCol="0" anchor="ctr"/>
+          <a:lstStyle/>
+          <a:p>
+            <a:pPr algn="ctr"/>
+            <a:endParaRPr lang="ko-KR" altLang="en-US"/>
+          </a:p>
+        </p:txBody>
+      </p:sp>
+      <mc:AlternateContent xmlns:mc="http://schemas.openxmlformats.org/markup-compatibility/2006">
+        <mc:Choice xmlns:a14="http://schemas.microsoft.com/office/drawing/2010/main" Requires="a14">
+          <p:sp>
+            <p:nvSpPr>
+              <p:cNvPr id="21" name="TextBox 20">
+                <a:extLst>
+                  <a:ext uri="{FF2B5EF4-FFF2-40B4-BE49-F238E27FC236}">
+                    <a16:creationId xmlns:a16="http://schemas.microsoft.com/office/drawing/2014/main" id="{0667FA33-9371-417C-855C-1DF003272F36}"/>
+                  </a:ext>
+                </a:extLst>
+              </p:cNvPr>
+              <p:cNvSpPr txBox="1"/>
+              <p:nvPr/>
+            </p:nvSpPr>
+            <p:spPr>
+              <a:xfrm>
+                <a:off x="4099522" y="236156"/>
+                <a:ext cx="399789" cy="369332"/>
+              </a:xfrm>
+              <a:prstGeom prst="rect">
+                <a:avLst/>
+              </a:prstGeom>
+              <a:noFill/>
+            </p:spPr>
+            <p:txBody>
+              <a:bodyPr wrap="none" rtlCol="0">
+                <a:spAutoFit/>
+              </a:bodyPr>
+              <a:lstStyle/>
+              <a:p>
+                <a:pPr/>
+                <a14:m>
+                  <m:oMathPara xmlns:m="http://schemas.openxmlformats.org/officeDocument/2006/math">
+                    <m:oMathParaPr>
+                      <m:jc m:val="centerGroup"/>
+                    </m:oMathParaPr>
+                    <m:oMath xmlns:m="http://schemas.openxmlformats.org/officeDocument/2006/math">
+                      <m:r>
+                        <a:rPr lang="en-US" altLang="ko-KR" b="0" i="1" smtClean="0">
+                          <a:latin typeface="Cambria Math"/>
+                        </a:rPr>
+                        <m:t>𝑛</m:t>
+                      </m:r>
+                    </m:oMath>
+                  </m:oMathPara>
+                </a14:m>
+                <a:endParaRPr lang="ko-KR" altLang="en-US" dirty="0"/>
+              </a:p>
+            </p:txBody>
+          </p:sp>
+        </mc:Choice>
+        <mc:Fallback>
+          <p:sp>
+            <p:nvSpPr>
+              <p:cNvPr id="21" name="TextBox 20">
+                <a:extLst>
+                  <a:ext uri="{FF2B5EF4-FFF2-40B4-BE49-F238E27FC236}">
+                    <a16:creationId xmlns:a16="http://schemas.microsoft.com/office/drawing/2014/main" id="{0667FA33-9371-417C-855C-1DF003272F36}"/>
+                  </a:ext>
+                </a:extLst>
+              </p:cNvPr>
+              <p:cNvSpPr txBox="1">
+                <a:spLocks noRot="1" noChangeAspect="1" noMove="1" noResize="1" noEditPoints="1" noAdjustHandles="1" noChangeArrowheads="1" noChangeShapeType="1" noTextEdit="1"/>
+              </p:cNvSpPr>
+              <p:nvPr/>
+            </p:nvSpPr>
+            <p:spPr>
+              <a:xfrm>
+                <a:off x="4099522" y="236156"/>
+                <a:ext cx="399789" cy="369332"/>
+              </a:xfrm>
+              <a:prstGeom prst="rect">
+                <a:avLst/>
+              </a:prstGeom>
+              <a:blipFill>
+                <a:blip r:embed="rId3"/>
+                <a:stretch>
+                  <a:fillRect/>
+                </a:stretch>
+              </a:blipFill>
+            </p:spPr>
+            <p:txBody>
+              <a:bodyPr/>
+              <a:lstStyle/>
+              <a:p>
+                <a:r>
+                  <a:rPr lang="ko-KR" altLang="en-US">
+                    <a:noFill/>
+                  </a:rPr>
+                  <a:t> </a:t>
+                </a:r>
+              </a:p>
+            </p:txBody>
+          </p:sp>
+        </mc:Fallback>
+      </mc:AlternateContent>
+      <mc:AlternateContent xmlns:mc="http://schemas.openxmlformats.org/markup-compatibility/2006">
+        <mc:Choice xmlns:a14="http://schemas.microsoft.com/office/drawing/2010/main" Requires="a14">
+          <p:sp>
+            <p:nvSpPr>
+              <p:cNvPr id="22" name="TextBox 21">
+                <a:extLst>
+                  <a:ext uri="{FF2B5EF4-FFF2-40B4-BE49-F238E27FC236}">
+                    <a16:creationId xmlns:a16="http://schemas.microsoft.com/office/drawing/2014/main" id="{BA77718B-1212-4A41-B147-0F48B0247D37}"/>
+                  </a:ext>
+                </a:extLst>
+              </p:cNvPr>
+              <p:cNvSpPr txBox="1"/>
+              <p:nvPr/>
+            </p:nvSpPr>
+            <p:spPr>
+              <a:xfrm>
+                <a:off x="2572150" y="1196752"/>
+                <a:ext cx="431528" cy="369332"/>
+              </a:xfrm>
+              <a:prstGeom prst="rect">
+                <a:avLst/>
+              </a:prstGeom>
+              <a:noFill/>
+            </p:spPr>
+            <p:txBody>
+              <a:bodyPr wrap="none" rtlCol="0">
+                <a:spAutoFit/>
+              </a:bodyPr>
+              <a:lstStyle/>
+              <a:p>
+                <a:pPr/>
+                <a14:m>
+                  <m:oMathPara xmlns:m="http://schemas.openxmlformats.org/officeDocument/2006/math">
+                    <m:oMathParaPr>
+                      <m:jc m:val="centerGroup"/>
+                    </m:oMathParaPr>
+                    <m:oMath xmlns:m="http://schemas.openxmlformats.org/officeDocument/2006/math">
+                      <m:r>
+                        <a:rPr lang="en-US" altLang="ko-KR" b="0" i="1" smtClean="0">
+                          <a:latin typeface="Cambria Math"/>
+                        </a:rPr>
+                        <m:t>×</m:t>
+                      </m:r>
+                    </m:oMath>
+                  </m:oMathPara>
+                </a14:m>
+                <a:endParaRPr lang="ko-KR" altLang="en-US" dirty="0"/>
+              </a:p>
+            </p:txBody>
+          </p:sp>
+        </mc:Choice>
+        <mc:Fallback>
+          <p:sp>
+            <p:nvSpPr>
+              <p:cNvPr id="22" name="TextBox 21">
+                <a:extLst>
+                  <a:ext uri="{FF2B5EF4-FFF2-40B4-BE49-F238E27FC236}">
+                    <a16:creationId xmlns:a16="http://schemas.microsoft.com/office/drawing/2014/main" id="{BA77718B-1212-4A41-B147-0F48B0247D37}"/>
+                  </a:ext>
+                </a:extLst>
+              </p:cNvPr>
+              <p:cNvSpPr txBox="1">
+                <a:spLocks noRot="1" noChangeAspect="1" noMove="1" noResize="1" noEditPoints="1" noAdjustHandles="1" noChangeArrowheads="1" noChangeShapeType="1" noTextEdit="1"/>
+              </p:cNvSpPr>
+              <p:nvPr/>
+            </p:nvSpPr>
+            <p:spPr>
+              <a:xfrm>
+                <a:off x="2572150" y="1196752"/>
+                <a:ext cx="431528" cy="369332"/>
+              </a:xfrm>
+              <a:prstGeom prst="rect">
+                <a:avLst/>
+              </a:prstGeom>
+              <a:blipFill>
+                <a:blip r:embed="rId4"/>
+                <a:stretch>
+                  <a:fillRect/>
+                </a:stretch>
+              </a:blipFill>
+            </p:spPr>
+            <p:txBody>
+              <a:bodyPr/>
+              <a:lstStyle/>
+              <a:p>
+                <a:r>
+                  <a:rPr lang="ko-KR" altLang="en-US">
+                    <a:noFill/>
+                  </a:rPr>
+                  <a:t> </a:t>
+                </a:r>
+              </a:p>
+            </p:txBody>
+          </p:sp>
+        </mc:Fallback>
+      </mc:AlternateContent>
+      <mc:AlternateContent xmlns:mc="http://schemas.openxmlformats.org/markup-compatibility/2006">
+        <mc:Choice xmlns:a14="http://schemas.microsoft.com/office/drawing/2010/main" Requires="a14">
+          <p:sp>
+            <p:nvSpPr>
+              <p:cNvPr id="31" name="TextBox 30">
+                <a:extLst>
+                  <a:ext uri="{FF2B5EF4-FFF2-40B4-BE49-F238E27FC236}">
+                    <a16:creationId xmlns:a16="http://schemas.microsoft.com/office/drawing/2014/main" id="{BB431D9E-E97B-474C-AC3C-7A1330FD2816}"/>
+                  </a:ext>
+                </a:extLst>
+              </p:cNvPr>
+              <p:cNvSpPr txBox="1"/>
+              <p:nvPr/>
+            </p:nvSpPr>
+            <p:spPr>
+              <a:xfrm>
+                <a:off x="5452470" y="1196752"/>
+                <a:ext cx="439544" cy="369332"/>
+              </a:xfrm>
+              <a:prstGeom prst="rect">
+                <a:avLst/>
+              </a:prstGeom>
+              <a:noFill/>
+            </p:spPr>
+            <p:txBody>
+              <a:bodyPr wrap="none" rtlCol="0">
+                <a:spAutoFit/>
+              </a:bodyPr>
+              <a:lstStyle/>
+              <a:p>
+                <a:pPr/>
+                <a14:m>
+                  <m:oMathPara xmlns:m="http://schemas.openxmlformats.org/officeDocument/2006/math">
+                    <m:oMathParaPr>
+                      <m:jc m:val="centerGroup"/>
+                    </m:oMathParaPr>
+                    <m:oMath xmlns:m="http://schemas.openxmlformats.org/officeDocument/2006/math">
+                      <m:r>
+                        <a:rPr lang="en-US" altLang="ko-KR" b="0" i="1" smtClean="0">
+                          <a:latin typeface="Cambria Math"/>
+                        </a:rPr>
+                        <m:t>=</m:t>
+                      </m:r>
+                    </m:oMath>
+                  </m:oMathPara>
+                </a14:m>
+                <a:endParaRPr lang="ko-KR" altLang="en-US" dirty="0"/>
+              </a:p>
+            </p:txBody>
+          </p:sp>
+        </mc:Choice>
+        <mc:Fallback>
+          <p:sp>
+            <p:nvSpPr>
+              <p:cNvPr id="31" name="TextBox 30">
+                <a:extLst>
+                  <a:ext uri="{FF2B5EF4-FFF2-40B4-BE49-F238E27FC236}">
+                    <a16:creationId xmlns:a16="http://schemas.microsoft.com/office/drawing/2014/main" id="{BB431D9E-E97B-474C-AC3C-7A1330FD2816}"/>
+                  </a:ext>
+                </a:extLst>
+              </p:cNvPr>
+              <p:cNvSpPr txBox="1">
+                <a:spLocks noRot="1" noChangeAspect="1" noMove="1" noResize="1" noEditPoints="1" noAdjustHandles="1" noChangeArrowheads="1" noChangeShapeType="1" noTextEdit="1"/>
+              </p:cNvSpPr>
+              <p:nvPr/>
+            </p:nvSpPr>
+            <p:spPr>
+              <a:xfrm>
+                <a:off x="5452470" y="1196752"/>
+                <a:ext cx="439544" cy="369332"/>
+              </a:xfrm>
+              <a:prstGeom prst="rect">
+                <a:avLst/>
+              </a:prstGeom>
+              <a:blipFill>
+                <a:blip r:embed="rId5"/>
+                <a:stretch>
+                  <a:fillRect/>
+                </a:stretch>
+              </a:blipFill>
+            </p:spPr>
+            <p:txBody>
+              <a:bodyPr/>
+              <a:lstStyle/>
+              <a:p>
+                <a:r>
+                  <a:rPr lang="ko-KR" altLang="en-US">
+                    <a:noFill/>
+                  </a:rPr>
+                  <a:t> </a:t>
+                </a:r>
+              </a:p>
+            </p:txBody>
+          </p:sp>
+        </mc:Fallback>
+      </mc:AlternateContent>
+      <mc:AlternateContent xmlns:mc="http://schemas.openxmlformats.org/markup-compatibility/2006">
+        <mc:Choice xmlns:a14="http://schemas.microsoft.com/office/drawing/2010/main" Requires="a14">
+          <p:sp>
+            <p:nvSpPr>
+              <p:cNvPr id="36" name="TextBox 35">
+                <a:extLst>
+                  <a:ext uri="{FF2B5EF4-FFF2-40B4-BE49-F238E27FC236}">
+                    <a16:creationId xmlns:a16="http://schemas.microsoft.com/office/drawing/2014/main" id="{0F1A14E2-0AB0-4C22-A55C-AEC28D0A2679}"/>
+                  </a:ext>
+                </a:extLst>
+              </p:cNvPr>
+              <p:cNvSpPr txBox="1"/>
+              <p:nvPr/>
+            </p:nvSpPr>
+            <p:spPr>
+              <a:xfrm>
+                <a:off x="1099242" y="481752"/>
+                <a:ext cx="1651414" cy="1862048"/>
+              </a:xfrm>
+              <a:prstGeom prst="rect">
+                <a:avLst/>
+              </a:prstGeom>
+              <a:noFill/>
+            </p:spPr>
+            <p:txBody>
+              <a:bodyPr wrap="none" rtlCol="0">
+                <a:spAutoFit/>
+              </a:bodyPr>
+              <a:lstStyle/>
+              <a:p>
+                <a14:m>
+                  <m:oMathPara xmlns:m="http://schemas.openxmlformats.org/officeDocument/2006/math">
+                    <m:oMathParaPr>
+                      <m:jc m:val="centerGroup"/>
+                    </m:oMathParaPr>
+                    <m:oMath xmlns:m="http://schemas.openxmlformats.org/officeDocument/2006/math">
+                      <m:r>
+                        <a:rPr lang="en-US" altLang="ko-KR" sz="11500" i="1" dirty="0" smtClean="0">
+                          <a:latin typeface="Cambria Math" panose="02040503050406030204" pitchFamily="18" charset="0"/>
+                        </a:rPr>
+                        <m:t>𝐴</m:t>
+                      </m:r>
+                    </m:oMath>
+                  </m:oMathPara>
+                </a14:m>
+                <a:endParaRPr lang="ko-KR" altLang="en-US" sz="11500" dirty="0"/>
+              </a:p>
+            </p:txBody>
+          </p:sp>
+        </mc:Choice>
+        <mc:Fallback>
+          <p:sp>
+            <p:nvSpPr>
+              <p:cNvPr id="36" name="TextBox 35">
+                <a:extLst>
+                  <a:ext uri="{FF2B5EF4-FFF2-40B4-BE49-F238E27FC236}">
+                    <a16:creationId xmlns:a16="http://schemas.microsoft.com/office/drawing/2014/main" id="{0F1A14E2-0AB0-4C22-A55C-AEC28D0A2679}"/>
+                  </a:ext>
+                </a:extLst>
+              </p:cNvPr>
+              <p:cNvSpPr txBox="1">
+                <a:spLocks noRot="1" noChangeAspect="1" noMove="1" noResize="1" noEditPoints="1" noAdjustHandles="1" noChangeArrowheads="1" noChangeShapeType="1" noTextEdit="1"/>
+              </p:cNvSpPr>
+              <p:nvPr/>
+            </p:nvSpPr>
+            <p:spPr>
+              <a:xfrm>
+                <a:off x="1099242" y="481752"/>
+                <a:ext cx="1651414" cy="1862048"/>
+              </a:xfrm>
+              <a:prstGeom prst="rect">
+                <a:avLst/>
+              </a:prstGeom>
+              <a:blipFill>
+                <a:blip r:embed="rId6"/>
+                <a:stretch>
+                  <a:fillRect/>
+                </a:stretch>
+              </a:blipFill>
+            </p:spPr>
+            <p:txBody>
+              <a:bodyPr/>
+              <a:lstStyle/>
+              <a:p>
+                <a:r>
+                  <a:rPr lang="ko-KR" altLang="en-US">
+                    <a:noFill/>
+                  </a:rPr>
+                  <a:t> </a:t>
+                </a:r>
+              </a:p>
+            </p:txBody>
+          </p:sp>
+        </mc:Fallback>
+      </mc:AlternateContent>
+      <p:sp>
+        <p:nvSpPr>
+          <p:cNvPr id="44" name="직사각형 43">
+            <a:extLst>
+              <a:ext uri="{FF2B5EF4-FFF2-40B4-BE49-F238E27FC236}">
+                <a16:creationId xmlns:a16="http://schemas.microsoft.com/office/drawing/2014/main" id="{B42B8767-2449-4408-975A-4C655D836C40}"/>
+              </a:ext>
+            </a:extLst>
+          </p:cNvPr>
+          <p:cNvSpPr/>
+          <p:nvPr/>
+        </p:nvSpPr>
+        <p:spPr>
+          <a:xfrm rot="5400000">
+            <a:off x="3208776" y="1253198"/>
+            <a:ext cx="1568491" cy="316800"/>
+          </a:xfrm>
+          <a:prstGeom prst="rect">
+            <a:avLst/>
+          </a:prstGeom>
+          <a:solidFill>
+            <a:srgbClr val="EEA17E"/>
+          </a:solidFill>
+          <a:ln>
+            <a:noFill/>
+          </a:ln>
+        </p:spPr>
+        <p:style>
+          <a:lnRef idx="2">
+            <a:schemeClr val="accent1">
+              <a:shade val="50000"/>
+            </a:schemeClr>
+          </a:lnRef>
+          <a:fillRef idx="1">
+            <a:schemeClr val="accent1"/>
+          </a:fillRef>
+          <a:effectRef idx="0">
+            <a:schemeClr val="accent1"/>
+          </a:effectRef>
+          <a:fontRef idx="minor">
+            <a:schemeClr val="lt1"/>
+          </a:fontRef>
+        </p:style>
+        <p:txBody>
+          <a:bodyPr rtlCol="0" anchor="ctr"/>
+          <a:lstStyle/>
+          <a:p>
+            <a:pPr algn="ctr"/>
+            <a:endParaRPr lang="ko-KR" altLang="en-US"/>
+          </a:p>
+        </p:txBody>
+      </p:sp>
+      <p:sp>
+        <p:nvSpPr>
+          <p:cNvPr id="45" name="직사각형 44">
+            <a:extLst>
+              <a:ext uri="{FF2B5EF4-FFF2-40B4-BE49-F238E27FC236}">
+                <a16:creationId xmlns:a16="http://schemas.microsoft.com/office/drawing/2014/main" id="{53404FC1-F2E3-4FDF-8B8D-C94672B9A6D8}"/>
+              </a:ext>
+            </a:extLst>
+          </p:cNvPr>
+          <p:cNvSpPr/>
+          <p:nvPr/>
+        </p:nvSpPr>
+        <p:spPr>
+          <a:xfrm rot="5400000">
+            <a:off x="3516185" y="1253197"/>
+            <a:ext cx="1568491" cy="316800"/>
+          </a:xfrm>
+          <a:prstGeom prst="rect">
+            <a:avLst/>
+          </a:prstGeom>
+          <a:solidFill>
+            <a:srgbClr val="FBF05F"/>
+          </a:solidFill>
+          <a:ln>
+            <a:noFill/>
+          </a:ln>
+        </p:spPr>
+        <p:style>
+          <a:lnRef idx="2">
+            <a:schemeClr val="accent1">
+              <a:shade val="50000"/>
+            </a:schemeClr>
+          </a:lnRef>
+          <a:fillRef idx="1">
+            <a:schemeClr val="accent1"/>
+          </a:fillRef>
+          <a:effectRef idx="0">
+            <a:schemeClr val="accent1"/>
+          </a:effectRef>
+          <a:fontRef idx="minor">
+            <a:schemeClr val="lt1"/>
+          </a:fontRef>
+        </p:style>
+        <p:txBody>
+          <a:bodyPr rtlCol="0" anchor="ctr"/>
+          <a:lstStyle/>
+          <a:p>
+            <a:pPr algn="ctr"/>
+            <a:endParaRPr lang="ko-KR" altLang="en-US"/>
+          </a:p>
+        </p:txBody>
+      </p:sp>
+      <p:sp>
+        <p:nvSpPr>
+          <p:cNvPr id="46" name="직사각형 45">
+            <a:extLst>
+              <a:ext uri="{FF2B5EF4-FFF2-40B4-BE49-F238E27FC236}">
+                <a16:creationId xmlns:a16="http://schemas.microsoft.com/office/drawing/2014/main" id="{161B54F7-70E6-4D81-9B81-95F87C13E69C}"/>
+              </a:ext>
+            </a:extLst>
+          </p:cNvPr>
+          <p:cNvSpPr/>
+          <p:nvPr/>
+        </p:nvSpPr>
+        <p:spPr>
+          <a:xfrm rot="5400000">
+            <a:off x="3832985" y="1253199"/>
+            <a:ext cx="1568491" cy="316800"/>
+          </a:xfrm>
+          <a:prstGeom prst="rect">
+            <a:avLst/>
+          </a:prstGeom>
+          <a:solidFill>
+            <a:srgbClr val="57E76F"/>
+          </a:solidFill>
+          <a:ln>
+            <a:noFill/>
+          </a:ln>
+        </p:spPr>
+        <p:style>
+          <a:lnRef idx="2">
+            <a:schemeClr val="accent1">
+              <a:shade val="50000"/>
+            </a:schemeClr>
+          </a:lnRef>
+          <a:fillRef idx="1">
+            <a:schemeClr val="accent1"/>
+          </a:fillRef>
+          <a:effectRef idx="0">
+            <a:schemeClr val="accent1"/>
+          </a:effectRef>
+          <a:fontRef idx="minor">
+            <a:schemeClr val="lt1"/>
+          </a:fontRef>
+        </p:style>
+        <p:txBody>
+          <a:bodyPr rtlCol="0" anchor="ctr"/>
+          <a:lstStyle/>
+          <a:p>
+            <a:pPr algn="ctr"/>
+            <a:endParaRPr lang="ko-KR" altLang="en-US"/>
+          </a:p>
+        </p:txBody>
+      </p:sp>
+      <p:sp>
+        <p:nvSpPr>
+          <p:cNvPr id="47" name="직사각형 46">
+            <a:extLst>
+              <a:ext uri="{FF2B5EF4-FFF2-40B4-BE49-F238E27FC236}">
+                <a16:creationId xmlns:a16="http://schemas.microsoft.com/office/drawing/2014/main" id="{CFB82AF5-0ED2-48B4-9759-E0E6360C3058}"/>
+              </a:ext>
+            </a:extLst>
+          </p:cNvPr>
+          <p:cNvSpPr/>
+          <p:nvPr/>
+        </p:nvSpPr>
+        <p:spPr>
+          <a:xfrm rot="5400000">
+            <a:off x="4149784" y="1253200"/>
+            <a:ext cx="1568491" cy="316800"/>
+          </a:xfrm>
+          <a:prstGeom prst="rect">
+            <a:avLst/>
+          </a:prstGeom>
+          <a:solidFill>
+            <a:srgbClr val="3D76E7"/>
+          </a:solidFill>
+          <a:ln>
+            <a:noFill/>
+          </a:ln>
+        </p:spPr>
+        <p:style>
+          <a:lnRef idx="2">
+            <a:schemeClr val="accent1">
+              <a:shade val="50000"/>
+            </a:schemeClr>
+          </a:lnRef>
+          <a:fillRef idx="1">
+            <a:schemeClr val="accent1"/>
+          </a:fillRef>
+          <a:effectRef idx="0">
+            <a:schemeClr val="accent1"/>
+          </a:effectRef>
+          <a:fontRef idx="minor">
+            <a:schemeClr val="lt1"/>
+          </a:fontRef>
+        </p:style>
+        <p:txBody>
+          <a:bodyPr rtlCol="0" anchor="ctr"/>
+          <a:lstStyle/>
+          <a:p>
+            <a:pPr algn="ctr"/>
+            <a:endParaRPr lang="ko-KR" altLang="en-US"/>
+          </a:p>
+        </p:txBody>
+      </p:sp>
+      <p:grpSp>
+        <p:nvGrpSpPr>
+          <p:cNvPr id="104" name="그룹 103">
+            <a:extLst>
+              <a:ext uri="{FF2B5EF4-FFF2-40B4-BE49-F238E27FC236}">
+                <a16:creationId xmlns:a16="http://schemas.microsoft.com/office/drawing/2014/main" id="{7CDB63C8-2D54-48F3-A1E8-DA2C6DF678EB}"/>
+              </a:ext>
+            </a:extLst>
+          </p:cNvPr>
+          <p:cNvGrpSpPr/>
+          <p:nvPr/>
+        </p:nvGrpSpPr>
+        <p:grpSpPr>
+          <a:xfrm>
+            <a:off x="6172550" y="606850"/>
+            <a:ext cx="144016" cy="1599376"/>
+            <a:chOff x="6172550" y="605488"/>
+            <a:chExt cx="144016" cy="1599376"/>
+          </a:xfrm>
+        </p:grpSpPr>
+        <p:cxnSp>
+          <p:nvCxnSpPr>
+            <p:cNvPr id="51" name="직선 연결선 50">
+              <a:extLst>
+                <a:ext uri="{FF2B5EF4-FFF2-40B4-BE49-F238E27FC236}">
+                  <a16:creationId xmlns:a16="http://schemas.microsoft.com/office/drawing/2014/main" id="{A1A239A0-3E17-4E6E-8DFB-0C9DF8897C8B}"/>
+                </a:ext>
+              </a:extLst>
+            </p:cNvPr>
+            <p:cNvCxnSpPr/>
+            <p:nvPr/>
+          </p:nvCxnSpPr>
+          <p:spPr>
+            <a:xfrm>
+              <a:off x="6172550" y="605488"/>
+              <a:ext cx="0" cy="1599376"/>
+            </a:xfrm>
+            <a:prstGeom prst="line">
+              <a:avLst/>
+            </a:prstGeom>
+            <a:ln w="19050"/>
+          </p:spPr>
+          <p:style>
+            <a:lnRef idx="1">
+              <a:schemeClr val="dk1"/>
+            </a:lnRef>
+            <a:fillRef idx="0">
+              <a:schemeClr val="dk1"/>
+            </a:fillRef>
+            <a:effectRef idx="0">
+              <a:schemeClr val="dk1"/>
+            </a:effectRef>
+            <a:fontRef idx="minor">
+              <a:schemeClr val="tx1"/>
+            </a:fontRef>
+          </p:style>
+        </p:cxnSp>
+        <p:cxnSp>
+          <p:nvCxnSpPr>
+            <p:cNvPr id="53" name="직선 연결선 52">
+              <a:extLst>
+                <a:ext uri="{FF2B5EF4-FFF2-40B4-BE49-F238E27FC236}">
+                  <a16:creationId xmlns:a16="http://schemas.microsoft.com/office/drawing/2014/main" id="{B71F8B1B-6E92-4E04-88C3-A022794D45A2}"/>
+                </a:ext>
+              </a:extLst>
+            </p:cNvPr>
+            <p:cNvCxnSpPr/>
+            <p:nvPr/>
+          </p:nvCxnSpPr>
+          <p:spPr>
+            <a:xfrm>
+              <a:off x="6172550" y="609258"/>
+              <a:ext cx="144016" cy="0"/>
+            </a:xfrm>
+            <a:prstGeom prst="line">
+              <a:avLst/>
+            </a:prstGeom>
+            <a:ln w="19050"/>
+          </p:spPr>
+          <p:style>
+            <a:lnRef idx="1">
+              <a:schemeClr val="dk1"/>
+            </a:lnRef>
+            <a:fillRef idx="0">
+              <a:schemeClr val="dk1"/>
+            </a:fillRef>
+            <a:effectRef idx="0">
+              <a:schemeClr val="dk1"/>
+            </a:effectRef>
+            <a:fontRef idx="minor">
+              <a:schemeClr val="tx1"/>
+            </a:fontRef>
+          </p:style>
+        </p:cxnSp>
+        <p:cxnSp>
+          <p:nvCxnSpPr>
+            <p:cNvPr id="54" name="직선 연결선 53">
+              <a:extLst>
+                <a:ext uri="{FF2B5EF4-FFF2-40B4-BE49-F238E27FC236}">
+                  <a16:creationId xmlns:a16="http://schemas.microsoft.com/office/drawing/2014/main" id="{67CEC068-A928-4C23-B16C-D4340CE97D35}"/>
+                </a:ext>
+              </a:extLst>
+            </p:cNvPr>
+            <p:cNvCxnSpPr/>
+            <p:nvPr/>
+          </p:nvCxnSpPr>
+          <p:spPr>
+            <a:xfrm>
+              <a:off x="6172550" y="2200712"/>
+              <a:ext cx="144016" cy="0"/>
+            </a:xfrm>
+            <a:prstGeom prst="line">
+              <a:avLst/>
+            </a:prstGeom>
+            <a:ln w="19050"/>
+          </p:spPr>
+          <p:style>
+            <a:lnRef idx="1">
+              <a:schemeClr val="dk1"/>
+            </a:lnRef>
+            <a:fillRef idx="0">
+              <a:schemeClr val="dk1"/>
+            </a:fillRef>
+            <a:effectRef idx="0">
+              <a:schemeClr val="dk1"/>
+            </a:effectRef>
+            <a:fontRef idx="minor">
+              <a:schemeClr val="tx1"/>
+            </a:fontRef>
+          </p:style>
+        </p:cxnSp>
+      </p:grpSp>
+      <p:grpSp>
+        <p:nvGrpSpPr>
+          <p:cNvPr id="105" name="그룹 104">
+            <a:extLst>
+              <a:ext uri="{FF2B5EF4-FFF2-40B4-BE49-F238E27FC236}">
+                <a16:creationId xmlns:a16="http://schemas.microsoft.com/office/drawing/2014/main" id="{D34CAF66-9D9F-427E-B4F3-0127E63D2A2F}"/>
+              </a:ext>
+            </a:extLst>
+          </p:cNvPr>
+          <p:cNvGrpSpPr/>
+          <p:nvPr/>
+        </p:nvGrpSpPr>
+        <p:grpSpPr>
+          <a:xfrm>
+            <a:off x="7900742" y="606850"/>
+            <a:ext cx="144016" cy="1599376"/>
+            <a:chOff x="7900742" y="604138"/>
+            <a:chExt cx="144016" cy="1599376"/>
+          </a:xfrm>
+        </p:grpSpPr>
+        <p:cxnSp>
+          <p:nvCxnSpPr>
+            <p:cNvPr id="57" name="직선 연결선 56">
+              <a:extLst>
+                <a:ext uri="{FF2B5EF4-FFF2-40B4-BE49-F238E27FC236}">
+                  <a16:creationId xmlns:a16="http://schemas.microsoft.com/office/drawing/2014/main" id="{5AB1E958-ED29-4DF2-8681-882B536CC374}"/>
+                </a:ext>
+              </a:extLst>
+            </p:cNvPr>
+            <p:cNvCxnSpPr/>
+            <p:nvPr/>
+          </p:nvCxnSpPr>
+          <p:spPr>
+            <a:xfrm flipH="1">
+              <a:off x="8044758" y="604138"/>
+              <a:ext cx="0" cy="1599376"/>
+            </a:xfrm>
+            <a:prstGeom prst="line">
+              <a:avLst/>
+            </a:prstGeom>
+            <a:ln w="19050"/>
+          </p:spPr>
+          <p:style>
+            <a:lnRef idx="1">
+              <a:schemeClr val="dk1"/>
+            </a:lnRef>
+            <a:fillRef idx="0">
+              <a:schemeClr val="dk1"/>
+            </a:fillRef>
+            <a:effectRef idx="0">
+              <a:schemeClr val="dk1"/>
+            </a:effectRef>
+            <a:fontRef idx="minor">
+              <a:schemeClr val="tx1"/>
+            </a:fontRef>
+          </p:style>
+        </p:cxnSp>
+        <p:cxnSp>
+          <p:nvCxnSpPr>
+            <p:cNvPr id="58" name="직선 연결선 57">
+              <a:extLst>
+                <a:ext uri="{FF2B5EF4-FFF2-40B4-BE49-F238E27FC236}">
+                  <a16:creationId xmlns:a16="http://schemas.microsoft.com/office/drawing/2014/main" id="{6AE83ADE-53E5-4756-BA2E-6CA018C768AF}"/>
+                </a:ext>
+              </a:extLst>
+            </p:cNvPr>
+            <p:cNvCxnSpPr/>
+            <p:nvPr/>
+          </p:nvCxnSpPr>
+          <p:spPr>
+            <a:xfrm flipH="1">
+              <a:off x="7900742" y="607908"/>
+              <a:ext cx="144016" cy="0"/>
+            </a:xfrm>
+            <a:prstGeom prst="line">
+              <a:avLst/>
+            </a:prstGeom>
+            <a:ln w="19050"/>
+          </p:spPr>
+          <p:style>
+            <a:lnRef idx="1">
+              <a:schemeClr val="dk1"/>
+            </a:lnRef>
+            <a:fillRef idx="0">
+              <a:schemeClr val="dk1"/>
+            </a:fillRef>
+            <a:effectRef idx="0">
+              <a:schemeClr val="dk1"/>
+            </a:effectRef>
+            <a:fontRef idx="minor">
+              <a:schemeClr val="tx1"/>
+            </a:fontRef>
+          </p:style>
+        </p:cxnSp>
+        <p:cxnSp>
+          <p:nvCxnSpPr>
+            <p:cNvPr id="59" name="직선 연결선 58">
+              <a:extLst>
+                <a:ext uri="{FF2B5EF4-FFF2-40B4-BE49-F238E27FC236}">
+                  <a16:creationId xmlns:a16="http://schemas.microsoft.com/office/drawing/2014/main" id="{819385EB-4AFE-46A6-A699-2C4951857B45}"/>
+                </a:ext>
+              </a:extLst>
+            </p:cNvPr>
+            <p:cNvCxnSpPr/>
+            <p:nvPr/>
+          </p:nvCxnSpPr>
+          <p:spPr>
+            <a:xfrm flipH="1">
+              <a:off x="7900742" y="2199362"/>
+              <a:ext cx="144016" cy="0"/>
+            </a:xfrm>
+            <a:prstGeom prst="line">
+              <a:avLst/>
+            </a:prstGeom>
+            <a:ln w="19050"/>
+          </p:spPr>
+          <p:style>
+            <a:lnRef idx="1">
+              <a:schemeClr val="dk1"/>
+            </a:lnRef>
+            <a:fillRef idx="0">
+              <a:schemeClr val="dk1"/>
+            </a:fillRef>
+            <a:effectRef idx="0">
+              <a:schemeClr val="dk1"/>
+            </a:effectRef>
+            <a:fontRef idx="minor">
+              <a:schemeClr val="tx1"/>
+            </a:fontRef>
+          </p:style>
+        </p:cxnSp>
+      </p:grpSp>
+      <p:grpSp>
+        <p:nvGrpSpPr>
+          <p:cNvPr id="96" name="그룹 95">
+            <a:extLst>
+              <a:ext uri="{FF2B5EF4-FFF2-40B4-BE49-F238E27FC236}">
+                <a16:creationId xmlns:a16="http://schemas.microsoft.com/office/drawing/2014/main" id="{D01B6870-4305-4EE0-B282-8C6556262AD1}"/>
+              </a:ext>
+            </a:extLst>
+          </p:cNvPr>
+          <p:cNvGrpSpPr/>
+          <p:nvPr/>
+        </p:nvGrpSpPr>
+        <p:grpSpPr>
+          <a:xfrm>
+            <a:off x="6321175" y="548680"/>
+            <a:ext cx="311304" cy="1715716"/>
+            <a:chOff x="6297435" y="548680"/>
+            <a:chExt cx="311304" cy="1715716"/>
+          </a:xfrm>
+        </p:grpSpPr>
+        <p:sp>
+          <p:nvSpPr>
+            <p:cNvPr id="60" name="TextBox 59">
+              <a:extLst>
+                <a:ext uri="{FF2B5EF4-FFF2-40B4-BE49-F238E27FC236}">
+                  <a16:creationId xmlns:a16="http://schemas.microsoft.com/office/drawing/2014/main" id="{B488B835-14B8-49AD-BC7B-167DEF0D5798}"/>
+                </a:ext>
+              </a:extLst>
+            </p:cNvPr>
+            <p:cNvSpPr txBox="1"/>
+            <p:nvPr/>
+          </p:nvSpPr>
+          <p:spPr>
+            <a:xfrm>
+              <a:off x="6297435" y="548680"/>
+              <a:ext cx="311304" cy="369332"/>
+            </a:xfrm>
+            <a:prstGeom prst="rect">
+              <a:avLst/>
+            </a:prstGeom>
+            <a:noFill/>
+          </p:spPr>
+          <p:txBody>
+            <a:bodyPr wrap="none" rtlCol="0">
+              <a:spAutoFit/>
+            </a:bodyPr>
+            <a:lstStyle/>
+            <a:p>
+              <a:r>
+                <a:rPr lang="en-US" altLang="ko-KR" dirty="0"/>
+                <a:t>1</a:t>
+              </a:r>
+              <a:endParaRPr lang="ko-KR" altLang="en-US" dirty="0"/>
+            </a:p>
+          </p:txBody>
+        </p:sp>
+        <p:sp>
+          <p:nvSpPr>
+            <p:cNvPr id="61" name="TextBox 60">
+              <a:extLst>
+                <a:ext uri="{FF2B5EF4-FFF2-40B4-BE49-F238E27FC236}">
+                  <a16:creationId xmlns:a16="http://schemas.microsoft.com/office/drawing/2014/main" id="{567D1B78-B287-4F76-AF49-F161B307ACED}"/>
+                </a:ext>
+              </a:extLst>
+            </p:cNvPr>
+            <p:cNvSpPr txBox="1"/>
+            <p:nvPr/>
+          </p:nvSpPr>
+          <p:spPr>
+            <a:xfrm>
+              <a:off x="6297435" y="885276"/>
+              <a:ext cx="311304" cy="369332"/>
+            </a:xfrm>
+            <a:prstGeom prst="rect">
+              <a:avLst/>
+            </a:prstGeom>
+            <a:noFill/>
+          </p:spPr>
+          <p:txBody>
+            <a:bodyPr wrap="none" rtlCol="0">
+              <a:spAutoFit/>
+            </a:bodyPr>
+            <a:lstStyle/>
+            <a:p>
+              <a:r>
+                <a:rPr lang="en-US" altLang="ko-KR" dirty="0"/>
+                <a:t>0</a:t>
+              </a:r>
+              <a:endParaRPr lang="ko-KR" altLang="en-US" dirty="0"/>
+            </a:p>
+          </p:txBody>
+        </p:sp>
+        <p:sp>
+          <p:nvSpPr>
+            <p:cNvPr id="62" name="TextBox 61">
+              <a:extLst>
+                <a:ext uri="{FF2B5EF4-FFF2-40B4-BE49-F238E27FC236}">
+                  <a16:creationId xmlns:a16="http://schemas.microsoft.com/office/drawing/2014/main" id="{8275192D-EC60-4440-A851-900A26A0DFE3}"/>
+                </a:ext>
+              </a:extLst>
+            </p:cNvPr>
+            <p:cNvSpPr txBox="1"/>
+            <p:nvPr/>
+          </p:nvSpPr>
+          <p:spPr>
+            <a:xfrm>
+              <a:off x="6297435" y="1221872"/>
+              <a:ext cx="311304" cy="369332"/>
+            </a:xfrm>
+            <a:prstGeom prst="rect">
+              <a:avLst/>
+            </a:prstGeom>
+            <a:noFill/>
+          </p:spPr>
+          <p:txBody>
+            <a:bodyPr wrap="none" rtlCol="0">
+              <a:spAutoFit/>
+            </a:bodyPr>
+            <a:lstStyle/>
+            <a:p>
+              <a:r>
+                <a:rPr lang="en-US" altLang="ko-KR" dirty="0"/>
+                <a:t>0</a:t>
+              </a:r>
+              <a:endParaRPr lang="ko-KR" altLang="en-US" dirty="0"/>
+            </a:p>
+          </p:txBody>
+        </p:sp>
+        <p:sp>
+          <p:nvSpPr>
+            <p:cNvPr id="63" name="TextBox 62">
+              <a:extLst>
+                <a:ext uri="{FF2B5EF4-FFF2-40B4-BE49-F238E27FC236}">
+                  <a16:creationId xmlns:a16="http://schemas.microsoft.com/office/drawing/2014/main" id="{4ED1BC37-4B3D-49DE-B15B-EB31BF9AEF25}"/>
+                </a:ext>
+              </a:extLst>
+            </p:cNvPr>
+            <p:cNvSpPr txBox="1"/>
+            <p:nvPr/>
+          </p:nvSpPr>
+          <p:spPr>
+            <a:xfrm>
+              <a:off x="6297435" y="1558468"/>
+              <a:ext cx="311304" cy="369332"/>
+            </a:xfrm>
+            <a:prstGeom prst="rect">
+              <a:avLst/>
+            </a:prstGeom>
+            <a:noFill/>
+          </p:spPr>
+          <p:txBody>
+            <a:bodyPr wrap="none" rtlCol="0">
+              <a:spAutoFit/>
+            </a:bodyPr>
+            <a:lstStyle/>
+            <a:p>
+              <a:r>
+                <a:rPr lang="en-US" altLang="ko-KR" dirty="0"/>
+                <a:t>0</a:t>
+              </a:r>
+              <a:endParaRPr lang="ko-KR" altLang="en-US" dirty="0"/>
+            </a:p>
+          </p:txBody>
+        </p:sp>
+        <p:sp>
+          <p:nvSpPr>
+            <p:cNvPr id="64" name="TextBox 63">
+              <a:extLst>
+                <a:ext uri="{FF2B5EF4-FFF2-40B4-BE49-F238E27FC236}">
+                  <a16:creationId xmlns:a16="http://schemas.microsoft.com/office/drawing/2014/main" id="{F3ECDABB-EB6E-412F-8804-7B5AA5D4D2B9}"/>
+                </a:ext>
+              </a:extLst>
+            </p:cNvPr>
+            <p:cNvSpPr txBox="1"/>
+            <p:nvPr/>
+          </p:nvSpPr>
+          <p:spPr>
+            <a:xfrm>
+              <a:off x="6297435" y="1895064"/>
+              <a:ext cx="311304" cy="369332"/>
+            </a:xfrm>
+            <a:prstGeom prst="rect">
+              <a:avLst/>
+            </a:prstGeom>
+            <a:noFill/>
+          </p:spPr>
+          <p:txBody>
+            <a:bodyPr wrap="none" rtlCol="0">
+              <a:spAutoFit/>
+            </a:bodyPr>
+            <a:lstStyle/>
+            <a:p>
+              <a:r>
+                <a:rPr lang="en-US" altLang="ko-KR" dirty="0"/>
+                <a:t>0</a:t>
+              </a:r>
+              <a:endParaRPr lang="ko-KR" altLang="en-US" dirty="0"/>
+            </a:p>
+          </p:txBody>
+        </p:sp>
+      </p:grpSp>
+      <p:grpSp>
+        <p:nvGrpSpPr>
+          <p:cNvPr id="114" name="그룹 113">
+            <a:extLst>
+              <a:ext uri="{FF2B5EF4-FFF2-40B4-BE49-F238E27FC236}">
+                <a16:creationId xmlns:a16="http://schemas.microsoft.com/office/drawing/2014/main" id="{7852C388-325C-4D8C-A6A7-AC7CE7F1D67A}"/>
+              </a:ext>
+            </a:extLst>
+          </p:cNvPr>
+          <p:cNvGrpSpPr/>
+          <p:nvPr/>
+        </p:nvGrpSpPr>
+        <p:grpSpPr>
+          <a:xfrm>
+            <a:off x="6637088" y="548680"/>
+            <a:ext cx="311304" cy="1715716"/>
+            <a:chOff x="6637599" y="548680"/>
+            <a:chExt cx="311304" cy="1715716"/>
+          </a:xfrm>
+        </p:grpSpPr>
+        <p:sp>
+          <p:nvSpPr>
+            <p:cNvPr id="67" name="TextBox 66">
+              <a:extLst>
+                <a:ext uri="{FF2B5EF4-FFF2-40B4-BE49-F238E27FC236}">
+                  <a16:creationId xmlns:a16="http://schemas.microsoft.com/office/drawing/2014/main" id="{BE51E14E-905D-4A88-8664-62AA4A4C447E}"/>
+                </a:ext>
+              </a:extLst>
+            </p:cNvPr>
+            <p:cNvSpPr txBox="1"/>
+            <p:nvPr/>
+          </p:nvSpPr>
+          <p:spPr>
+            <a:xfrm>
+              <a:off x="6637599" y="548680"/>
+              <a:ext cx="311304" cy="369332"/>
+            </a:xfrm>
+            <a:prstGeom prst="rect">
+              <a:avLst/>
+            </a:prstGeom>
+            <a:noFill/>
+          </p:spPr>
+          <p:txBody>
+            <a:bodyPr wrap="none" rtlCol="0">
+              <a:spAutoFit/>
+            </a:bodyPr>
+            <a:lstStyle/>
+            <a:p>
+              <a:r>
+                <a:rPr lang="en-US" altLang="ko-KR" dirty="0"/>
+                <a:t>0</a:t>
+              </a:r>
+              <a:endParaRPr lang="ko-KR" altLang="en-US" dirty="0"/>
+            </a:p>
+          </p:txBody>
+        </p:sp>
+        <p:sp>
+          <p:nvSpPr>
+            <p:cNvPr id="68" name="TextBox 67">
+              <a:extLst>
+                <a:ext uri="{FF2B5EF4-FFF2-40B4-BE49-F238E27FC236}">
+                  <a16:creationId xmlns:a16="http://schemas.microsoft.com/office/drawing/2014/main" id="{EFF3631F-0C98-4F76-971E-16D87ECC2B10}"/>
+                </a:ext>
+              </a:extLst>
+            </p:cNvPr>
+            <p:cNvSpPr txBox="1"/>
+            <p:nvPr/>
+          </p:nvSpPr>
+          <p:spPr>
+            <a:xfrm>
+              <a:off x="6637599" y="885276"/>
+              <a:ext cx="311304" cy="369332"/>
+            </a:xfrm>
+            <a:prstGeom prst="rect">
+              <a:avLst/>
+            </a:prstGeom>
+            <a:noFill/>
+          </p:spPr>
+          <p:txBody>
+            <a:bodyPr wrap="none" rtlCol="0">
+              <a:spAutoFit/>
+            </a:bodyPr>
+            <a:lstStyle/>
+            <a:p>
+              <a:r>
+                <a:rPr lang="en-US" altLang="ko-KR" dirty="0"/>
+                <a:t>1</a:t>
+              </a:r>
+              <a:endParaRPr lang="ko-KR" altLang="en-US" dirty="0"/>
+            </a:p>
+          </p:txBody>
+        </p:sp>
+        <p:sp>
+          <p:nvSpPr>
+            <p:cNvPr id="69" name="TextBox 68">
+              <a:extLst>
+                <a:ext uri="{FF2B5EF4-FFF2-40B4-BE49-F238E27FC236}">
+                  <a16:creationId xmlns:a16="http://schemas.microsoft.com/office/drawing/2014/main" id="{885B879C-A594-45BA-8360-3759B9D1C12C}"/>
+                </a:ext>
+              </a:extLst>
+            </p:cNvPr>
+            <p:cNvSpPr txBox="1"/>
+            <p:nvPr/>
+          </p:nvSpPr>
+          <p:spPr>
+            <a:xfrm>
+              <a:off x="6637599" y="1221872"/>
+              <a:ext cx="311304" cy="369332"/>
+            </a:xfrm>
+            <a:prstGeom prst="rect">
+              <a:avLst/>
+            </a:prstGeom>
+            <a:noFill/>
+          </p:spPr>
+          <p:txBody>
+            <a:bodyPr wrap="none" rtlCol="0">
+              <a:spAutoFit/>
+            </a:bodyPr>
+            <a:lstStyle/>
+            <a:p>
+              <a:r>
+                <a:rPr lang="en-US" altLang="ko-KR" dirty="0"/>
+                <a:t>0</a:t>
+              </a:r>
+              <a:endParaRPr lang="ko-KR" altLang="en-US" dirty="0"/>
+            </a:p>
+          </p:txBody>
+        </p:sp>
+        <p:sp>
+          <p:nvSpPr>
+            <p:cNvPr id="70" name="TextBox 69">
+              <a:extLst>
+                <a:ext uri="{FF2B5EF4-FFF2-40B4-BE49-F238E27FC236}">
+                  <a16:creationId xmlns:a16="http://schemas.microsoft.com/office/drawing/2014/main" id="{3B4BF60F-F233-401A-BAE9-696AB12485B8}"/>
+                </a:ext>
+              </a:extLst>
+            </p:cNvPr>
+            <p:cNvSpPr txBox="1"/>
+            <p:nvPr/>
+          </p:nvSpPr>
+          <p:spPr>
+            <a:xfrm>
+              <a:off x="6637599" y="1558468"/>
+              <a:ext cx="311304" cy="369332"/>
+            </a:xfrm>
+            <a:prstGeom prst="rect">
+              <a:avLst/>
+            </a:prstGeom>
+            <a:noFill/>
+          </p:spPr>
+          <p:txBody>
+            <a:bodyPr wrap="none" rtlCol="0">
+              <a:spAutoFit/>
+            </a:bodyPr>
+            <a:lstStyle/>
+            <a:p>
+              <a:r>
+                <a:rPr lang="en-US" altLang="ko-KR" dirty="0"/>
+                <a:t>0</a:t>
+              </a:r>
+              <a:endParaRPr lang="ko-KR" altLang="en-US" dirty="0"/>
+            </a:p>
+          </p:txBody>
+        </p:sp>
+        <p:sp>
+          <p:nvSpPr>
+            <p:cNvPr id="71" name="TextBox 70">
+              <a:extLst>
+                <a:ext uri="{FF2B5EF4-FFF2-40B4-BE49-F238E27FC236}">
+                  <a16:creationId xmlns:a16="http://schemas.microsoft.com/office/drawing/2014/main" id="{84C6EBF2-7E64-4916-9B68-7A96938792A1}"/>
+                </a:ext>
+              </a:extLst>
+            </p:cNvPr>
+            <p:cNvSpPr txBox="1"/>
+            <p:nvPr/>
+          </p:nvSpPr>
+          <p:spPr>
+            <a:xfrm>
+              <a:off x="6637599" y="1895064"/>
+              <a:ext cx="311304" cy="369332"/>
+            </a:xfrm>
+            <a:prstGeom prst="rect">
+              <a:avLst/>
+            </a:prstGeom>
+            <a:noFill/>
+          </p:spPr>
+          <p:txBody>
+            <a:bodyPr wrap="none" rtlCol="0">
+              <a:spAutoFit/>
+            </a:bodyPr>
+            <a:lstStyle/>
+            <a:p>
+              <a:r>
+                <a:rPr lang="en-US" altLang="ko-KR" dirty="0"/>
+                <a:t>0</a:t>
+              </a:r>
+              <a:endParaRPr lang="ko-KR" altLang="en-US" dirty="0"/>
+            </a:p>
+          </p:txBody>
+        </p:sp>
+      </p:grpSp>
+      <p:grpSp>
+        <p:nvGrpSpPr>
+          <p:cNvPr id="115" name="그룹 114">
+            <a:extLst>
+              <a:ext uri="{FF2B5EF4-FFF2-40B4-BE49-F238E27FC236}">
+                <a16:creationId xmlns:a16="http://schemas.microsoft.com/office/drawing/2014/main" id="{E94F3538-010A-4AA6-9570-F921A7BC3901}"/>
+              </a:ext>
+            </a:extLst>
+          </p:cNvPr>
+          <p:cNvGrpSpPr/>
+          <p:nvPr/>
+        </p:nvGrpSpPr>
+        <p:grpSpPr>
+          <a:xfrm>
+            <a:off x="6953001" y="548680"/>
+            <a:ext cx="311304" cy="1715716"/>
+            <a:chOff x="6977763" y="548680"/>
+            <a:chExt cx="311304" cy="1715716"/>
+          </a:xfrm>
+        </p:grpSpPr>
+        <p:sp>
+          <p:nvSpPr>
+            <p:cNvPr id="73" name="TextBox 72">
+              <a:extLst>
+                <a:ext uri="{FF2B5EF4-FFF2-40B4-BE49-F238E27FC236}">
+                  <a16:creationId xmlns:a16="http://schemas.microsoft.com/office/drawing/2014/main" id="{0719AB63-0F32-4C67-8071-E0A2BCB39A2F}"/>
+                </a:ext>
+              </a:extLst>
+            </p:cNvPr>
+            <p:cNvSpPr txBox="1"/>
+            <p:nvPr/>
+          </p:nvSpPr>
+          <p:spPr>
+            <a:xfrm>
+              <a:off x="6977763" y="548680"/>
+              <a:ext cx="311304" cy="369332"/>
+            </a:xfrm>
+            <a:prstGeom prst="rect">
+              <a:avLst/>
+            </a:prstGeom>
+            <a:noFill/>
+          </p:spPr>
+          <p:txBody>
+            <a:bodyPr wrap="none" rtlCol="0">
+              <a:spAutoFit/>
+            </a:bodyPr>
+            <a:lstStyle/>
+            <a:p>
+              <a:r>
+                <a:rPr lang="en-US" altLang="ko-KR" dirty="0"/>
+                <a:t>0</a:t>
+              </a:r>
+              <a:endParaRPr lang="ko-KR" altLang="en-US" dirty="0"/>
+            </a:p>
+          </p:txBody>
+        </p:sp>
+        <p:sp>
+          <p:nvSpPr>
+            <p:cNvPr id="74" name="TextBox 73">
+              <a:extLst>
+                <a:ext uri="{FF2B5EF4-FFF2-40B4-BE49-F238E27FC236}">
+                  <a16:creationId xmlns:a16="http://schemas.microsoft.com/office/drawing/2014/main" id="{1740E21C-D753-4E32-821E-2E6FEFCE3327}"/>
+                </a:ext>
+              </a:extLst>
+            </p:cNvPr>
+            <p:cNvSpPr txBox="1"/>
+            <p:nvPr/>
+          </p:nvSpPr>
+          <p:spPr>
+            <a:xfrm>
+              <a:off x="6977763" y="885276"/>
+              <a:ext cx="311304" cy="369332"/>
+            </a:xfrm>
+            <a:prstGeom prst="rect">
+              <a:avLst/>
+            </a:prstGeom>
+            <a:noFill/>
+          </p:spPr>
+          <p:txBody>
+            <a:bodyPr wrap="none" rtlCol="0">
+              <a:spAutoFit/>
+            </a:bodyPr>
+            <a:lstStyle/>
+            <a:p>
+              <a:r>
+                <a:rPr lang="en-US" altLang="ko-KR" dirty="0"/>
+                <a:t>0</a:t>
+              </a:r>
+              <a:endParaRPr lang="ko-KR" altLang="en-US" dirty="0"/>
+            </a:p>
+          </p:txBody>
+        </p:sp>
+        <p:sp>
+          <p:nvSpPr>
+            <p:cNvPr id="75" name="TextBox 74">
+              <a:extLst>
+                <a:ext uri="{FF2B5EF4-FFF2-40B4-BE49-F238E27FC236}">
+                  <a16:creationId xmlns:a16="http://schemas.microsoft.com/office/drawing/2014/main" id="{2B1A6F71-4B64-4E8B-83BE-5F54667FA285}"/>
+                </a:ext>
+              </a:extLst>
+            </p:cNvPr>
+            <p:cNvSpPr txBox="1"/>
+            <p:nvPr/>
+          </p:nvSpPr>
+          <p:spPr>
+            <a:xfrm>
+              <a:off x="6977763" y="1221872"/>
+              <a:ext cx="311304" cy="369332"/>
+            </a:xfrm>
+            <a:prstGeom prst="rect">
+              <a:avLst/>
+            </a:prstGeom>
+            <a:noFill/>
+          </p:spPr>
+          <p:txBody>
+            <a:bodyPr wrap="none" rtlCol="0">
+              <a:spAutoFit/>
+            </a:bodyPr>
+            <a:lstStyle/>
+            <a:p>
+              <a:r>
+                <a:rPr lang="en-US" altLang="ko-KR" dirty="0"/>
+                <a:t>1</a:t>
+              </a:r>
+              <a:endParaRPr lang="ko-KR" altLang="en-US" dirty="0"/>
+            </a:p>
+          </p:txBody>
+        </p:sp>
+        <p:sp>
+          <p:nvSpPr>
+            <p:cNvPr id="76" name="TextBox 75">
+              <a:extLst>
+                <a:ext uri="{FF2B5EF4-FFF2-40B4-BE49-F238E27FC236}">
+                  <a16:creationId xmlns:a16="http://schemas.microsoft.com/office/drawing/2014/main" id="{2253F3D7-FA9D-4B90-B153-78CB70F38704}"/>
+                </a:ext>
+              </a:extLst>
+            </p:cNvPr>
+            <p:cNvSpPr txBox="1"/>
+            <p:nvPr/>
+          </p:nvSpPr>
+          <p:spPr>
+            <a:xfrm>
+              <a:off x="6977763" y="1558468"/>
+              <a:ext cx="311304" cy="369332"/>
+            </a:xfrm>
+            <a:prstGeom prst="rect">
+              <a:avLst/>
+            </a:prstGeom>
+            <a:noFill/>
+          </p:spPr>
+          <p:txBody>
+            <a:bodyPr wrap="none" rtlCol="0">
+              <a:spAutoFit/>
+            </a:bodyPr>
+            <a:lstStyle/>
+            <a:p>
+              <a:r>
+                <a:rPr lang="en-US" altLang="ko-KR" dirty="0"/>
+                <a:t>0</a:t>
+              </a:r>
+              <a:endParaRPr lang="ko-KR" altLang="en-US" dirty="0"/>
+            </a:p>
+          </p:txBody>
+        </p:sp>
+        <p:sp>
+          <p:nvSpPr>
+            <p:cNvPr id="77" name="TextBox 76">
+              <a:extLst>
+                <a:ext uri="{FF2B5EF4-FFF2-40B4-BE49-F238E27FC236}">
+                  <a16:creationId xmlns:a16="http://schemas.microsoft.com/office/drawing/2014/main" id="{E3E51C1A-2490-4A25-AFD7-0C824757E450}"/>
+                </a:ext>
+              </a:extLst>
+            </p:cNvPr>
+            <p:cNvSpPr txBox="1"/>
+            <p:nvPr/>
+          </p:nvSpPr>
+          <p:spPr>
+            <a:xfrm>
+              <a:off x="6977763" y="1895064"/>
+              <a:ext cx="311304" cy="369332"/>
+            </a:xfrm>
+            <a:prstGeom prst="rect">
+              <a:avLst/>
+            </a:prstGeom>
+            <a:noFill/>
+          </p:spPr>
+          <p:txBody>
+            <a:bodyPr wrap="none" rtlCol="0">
+              <a:spAutoFit/>
+            </a:bodyPr>
+            <a:lstStyle/>
+            <a:p>
+              <a:r>
+                <a:rPr lang="en-US" altLang="ko-KR" dirty="0"/>
+                <a:t>0</a:t>
+              </a:r>
+              <a:endParaRPr lang="ko-KR" altLang="en-US" dirty="0"/>
+            </a:p>
+          </p:txBody>
+        </p:sp>
+      </p:grpSp>
+      <p:grpSp>
+        <p:nvGrpSpPr>
+          <p:cNvPr id="116" name="그룹 115">
+            <a:extLst>
+              <a:ext uri="{FF2B5EF4-FFF2-40B4-BE49-F238E27FC236}">
+                <a16:creationId xmlns:a16="http://schemas.microsoft.com/office/drawing/2014/main" id="{625D9515-63A3-49D8-B611-9F1D8AA77525}"/>
+              </a:ext>
+            </a:extLst>
+          </p:cNvPr>
+          <p:cNvGrpSpPr/>
+          <p:nvPr/>
+        </p:nvGrpSpPr>
+        <p:grpSpPr>
+          <a:xfrm>
+            <a:off x="7268914" y="548680"/>
+            <a:ext cx="311304" cy="1715716"/>
+            <a:chOff x="7317927" y="548680"/>
+            <a:chExt cx="311304" cy="1715716"/>
+          </a:xfrm>
+        </p:grpSpPr>
+        <p:sp>
+          <p:nvSpPr>
+            <p:cNvPr id="79" name="TextBox 78">
+              <a:extLst>
+                <a:ext uri="{FF2B5EF4-FFF2-40B4-BE49-F238E27FC236}">
+                  <a16:creationId xmlns:a16="http://schemas.microsoft.com/office/drawing/2014/main" id="{491FE846-ABD0-46A0-A00F-01E8A32677FB}"/>
+                </a:ext>
+              </a:extLst>
+            </p:cNvPr>
+            <p:cNvSpPr txBox="1"/>
+            <p:nvPr/>
+          </p:nvSpPr>
+          <p:spPr>
+            <a:xfrm>
+              <a:off x="7317927" y="548680"/>
+              <a:ext cx="311304" cy="369332"/>
+            </a:xfrm>
+            <a:prstGeom prst="rect">
+              <a:avLst/>
+            </a:prstGeom>
+            <a:noFill/>
+          </p:spPr>
+          <p:txBody>
+            <a:bodyPr wrap="none" rtlCol="0">
+              <a:spAutoFit/>
+            </a:bodyPr>
+            <a:lstStyle/>
+            <a:p>
+              <a:r>
+                <a:rPr lang="en-US" altLang="ko-KR" dirty="0"/>
+                <a:t>0</a:t>
+              </a:r>
+              <a:endParaRPr lang="ko-KR" altLang="en-US" dirty="0"/>
+            </a:p>
+          </p:txBody>
+        </p:sp>
+        <p:sp>
+          <p:nvSpPr>
+            <p:cNvPr id="80" name="TextBox 79">
+              <a:extLst>
+                <a:ext uri="{FF2B5EF4-FFF2-40B4-BE49-F238E27FC236}">
+                  <a16:creationId xmlns:a16="http://schemas.microsoft.com/office/drawing/2014/main" id="{2F715FC4-4108-4A9C-8964-129601A9FCA9}"/>
+                </a:ext>
+              </a:extLst>
+            </p:cNvPr>
+            <p:cNvSpPr txBox="1"/>
+            <p:nvPr/>
+          </p:nvSpPr>
+          <p:spPr>
+            <a:xfrm>
+              <a:off x="7317927" y="885276"/>
+              <a:ext cx="311304" cy="369332"/>
+            </a:xfrm>
+            <a:prstGeom prst="rect">
+              <a:avLst/>
+            </a:prstGeom>
+            <a:noFill/>
+          </p:spPr>
+          <p:txBody>
+            <a:bodyPr wrap="none" rtlCol="0">
+              <a:spAutoFit/>
+            </a:bodyPr>
+            <a:lstStyle/>
+            <a:p>
+              <a:r>
+                <a:rPr lang="en-US" altLang="ko-KR" dirty="0"/>
+                <a:t>0</a:t>
+              </a:r>
+              <a:endParaRPr lang="ko-KR" altLang="en-US" dirty="0"/>
+            </a:p>
+          </p:txBody>
+        </p:sp>
+        <p:sp>
+          <p:nvSpPr>
+            <p:cNvPr id="81" name="TextBox 80">
+              <a:extLst>
+                <a:ext uri="{FF2B5EF4-FFF2-40B4-BE49-F238E27FC236}">
+                  <a16:creationId xmlns:a16="http://schemas.microsoft.com/office/drawing/2014/main" id="{E0C3188C-F65C-414D-B785-E1997524F7AF}"/>
+                </a:ext>
+              </a:extLst>
+            </p:cNvPr>
+            <p:cNvSpPr txBox="1"/>
+            <p:nvPr/>
+          </p:nvSpPr>
+          <p:spPr>
+            <a:xfrm>
+              <a:off x="7317927" y="1221872"/>
+              <a:ext cx="311304" cy="369332"/>
+            </a:xfrm>
+            <a:prstGeom prst="rect">
+              <a:avLst/>
+            </a:prstGeom>
+            <a:noFill/>
+          </p:spPr>
+          <p:txBody>
+            <a:bodyPr wrap="none" rtlCol="0">
+              <a:spAutoFit/>
+            </a:bodyPr>
+            <a:lstStyle/>
+            <a:p>
+              <a:r>
+                <a:rPr lang="en-US" altLang="ko-KR" dirty="0"/>
+                <a:t>0</a:t>
+              </a:r>
+              <a:endParaRPr lang="ko-KR" altLang="en-US" dirty="0"/>
+            </a:p>
+          </p:txBody>
+        </p:sp>
+        <p:sp>
+          <p:nvSpPr>
+            <p:cNvPr id="82" name="TextBox 81">
+              <a:extLst>
+                <a:ext uri="{FF2B5EF4-FFF2-40B4-BE49-F238E27FC236}">
+                  <a16:creationId xmlns:a16="http://schemas.microsoft.com/office/drawing/2014/main" id="{C6A6E4E6-25B1-4E76-8DB6-92BAD323A70A}"/>
+                </a:ext>
+              </a:extLst>
+            </p:cNvPr>
+            <p:cNvSpPr txBox="1"/>
+            <p:nvPr/>
+          </p:nvSpPr>
+          <p:spPr>
+            <a:xfrm>
+              <a:off x="7317927" y="1558468"/>
+              <a:ext cx="311304" cy="369332"/>
+            </a:xfrm>
+            <a:prstGeom prst="rect">
+              <a:avLst/>
+            </a:prstGeom>
+            <a:noFill/>
+          </p:spPr>
+          <p:txBody>
+            <a:bodyPr wrap="none" rtlCol="0">
+              <a:spAutoFit/>
+            </a:bodyPr>
+            <a:lstStyle/>
+            <a:p>
+              <a:r>
+                <a:rPr lang="en-US" altLang="ko-KR" dirty="0"/>
+                <a:t>1</a:t>
+              </a:r>
+              <a:endParaRPr lang="ko-KR" altLang="en-US" dirty="0"/>
+            </a:p>
+          </p:txBody>
+        </p:sp>
+        <p:sp>
+          <p:nvSpPr>
+            <p:cNvPr id="83" name="TextBox 82">
+              <a:extLst>
+                <a:ext uri="{FF2B5EF4-FFF2-40B4-BE49-F238E27FC236}">
+                  <a16:creationId xmlns:a16="http://schemas.microsoft.com/office/drawing/2014/main" id="{011F198F-5EAD-4957-B18B-B5E295DD10D5}"/>
+                </a:ext>
+              </a:extLst>
+            </p:cNvPr>
+            <p:cNvSpPr txBox="1"/>
+            <p:nvPr/>
+          </p:nvSpPr>
+          <p:spPr>
+            <a:xfrm>
+              <a:off x="7317927" y="1895064"/>
+              <a:ext cx="311304" cy="369332"/>
+            </a:xfrm>
+            <a:prstGeom prst="rect">
+              <a:avLst/>
+            </a:prstGeom>
+            <a:noFill/>
+          </p:spPr>
+          <p:txBody>
+            <a:bodyPr wrap="none" rtlCol="0">
+              <a:spAutoFit/>
+            </a:bodyPr>
+            <a:lstStyle/>
+            <a:p>
+              <a:r>
+                <a:rPr lang="en-US" altLang="ko-KR" dirty="0"/>
+                <a:t>0</a:t>
+              </a:r>
+              <a:endParaRPr lang="ko-KR" altLang="en-US" dirty="0"/>
+            </a:p>
+          </p:txBody>
+        </p:sp>
+      </p:grpSp>
+      <p:grpSp>
+        <p:nvGrpSpPr>
+          <p:cNvPr id="117" name="그룹 116">
+            <a:extLst>
+              <a:ext uri="{FF2B5EF4-FFF2-40B4-BE49-F238E27FC236}">
+                <a16:creationId xmlns:a16="http://schemas.microsoft.com/office/drawing/2014/main" id="{BCC5F310-8A68-472E-AE24-62D06259B93A}"/>
+              </a:ext>
+            </a:extLst>
+          </p:cNvPr>
+          <p:cNvGrpSpPr/>
+          <p:nvPr/>
+        </p:nvGrpSpPr>
+        <p:grpSpPr>
+          <a:xfrm>
+            <a:off x="7584827" y="548680"/>
+            <a:ext cx="311304" cy="1715716"/>
+            <a:chOff x="7658092" y="548680"/>
+            <a:chExt cx="311304" cy="1715716"/>
+          </a:xfrm>
+        </p:grpSpPr>
+        <p:sp>
+          <p:nvSpPr>
+            <p:cNvPr id="85" name="TextBox 84">
+              <a:extLst>
+                <a:ext uri="{FF2B5EF4-FFF2-40B4-BE49-F238E27FC236}">
+                  <a16:creationId xmlns:a16="http://schemas.microsoft.com/office/drawing/2014/main" id="{83939B7A-228D-492A-BD16-132C5975A580}"/>
+                </a:ext>
+              </a:extLst>
+            </p:cNvPr>
+            <p:cNvSpPr txBox="1"/>
+            <p:nvPr/>
+          </p:nvSpPr>
+          <p:spPr>
+            <a:xfrm>
+              <a:off x="7658092" y="548680"/>
+              <a:ext cx="311304" cy="369332"/>
+            </a:xfrm>
+            <a:prstGeom prst="rect">
+              <a:avLst/>
+            </a:prstGeom>
+            <a:noFill/>
+          </p:spPr>
+          <p:txBody>
+            <a:bodyPr wrap="none" rtlCol="0">
+              <a:spAutoFit/>
+            </a:bodyPr>
+            <a:lstStyle/>
+            <a:p>
+              <a:r>
+                <a:rPr lang="en-US" altLang="ko-KR" dirty="0"/>
+                <a:t>0</a:t>
+              </a:r>
+              <a:endParaRPr lang="ko-KR" altLang="en-US" dirty="0"/>
+            </a:p>
+          </p:txBody>
+        </p:sp>
+        <p:sp>
+          <p:nvSpPr>
+            <p:cNvPr id="86" name="TextBox 85">
+              <a:extLst>
+                <a:ext uri="{FF2B5EF4-FFF2-40B4-BE49-F238E27FC236}">
+                  <a16:creationId xmlns:a16="http://schemas.microsoft.com/office/drawing/2014/main" id="{42ADFA00-3010-4558-9AC9-3D4FD4BA8D24}"/>
+                </a:ext>
+              </a:extLst>
+            </p:cNvPr>
+            <p:cNvSpPr txBox="1"/>
+            <p:nvPr/>
+          </p:nvSpPr>
+          <p:spPr>
+            <a:xfrm>
+              <a:off x="7658092" y="885276"/>
+              <a:ext cx="311304" cy="369332"/>
+            </a:xfrm>
+            <a:prstGeom prst="rect">
+              <a:avLst/>
+            </a:prstGeom>
+            <a:noFill/>
+          </p:spPr>
+          <p:txBody>
+            <a:bodyPr wrap="none" rtlCol="0">
+              <a:spAutoFit/>
+            </a:bodyPr>
+            <a:lstStyle/>
+            <a:p>
+              <a:r>
+                <a:rPr lang="en-US" altLang="ko-KR" dirty="0"/>
+                <a:t>0</a:t>
+              </a:r>
+              <a:endParaRPr lang="ko-KR" altLang="en-US" dirty="0"/>
+            </a:p>
+          </p:txBody>
+        </p:sp>
+        <p:sp>
+          <p:nvSpPr>
+            <p:cNvPr id="87" name="TextBox 86">
+              <a:extLst>
+                <a:ext uri="{FF2B5EF4-FFF2-40B4-BE49-F238E27FC236}">
+                  <a16:creationId xmlns:a16="http://schemas.microsoft.com/office/drawing/2014/main" id="{B0B15821-A446-47B9-BD5C-9A72870A3E66}"/>
+                </a:ext>
+              </a:extLst>
+            </p:cNvPr>
+            <p:cNvSpPr txBox="1"/>
+            <p:nvPr/>
+          </p:nvSpPr>
+          <p:spPr>
+            <a:xfrm>
+              <a:off x="7658092" y="1221872"/>
+              <a:ext cx="311304" cy="369332"/>
+            </a:xfrm>
+            <a:prstGeom prst="rect">
+              <a:avLst/>
+            </a:prstGeom>
+            <a:noFill/>
+          </p:spPr>
+          <p:txBody>
+            <a:bodyPr wrap="none" rtlCol="0">
+              <a:spAutoFit/>
+            </a:bodyPr>
+            <a:lstStyle/>
+            <a:p>
+              <a:r>
+                <a:rPr lang="en-US" altLang="ko-KR" dirty="0"/>
+                <a:t>0</a:t>
+              </a:r>
+              <a:endParaRPr lang="ko-KR" altLang="en-US" dirty="0"/>
+            </a:p>
+          </p:txBody>
+        </p:sp>
+        <p:sp>
+          <p:nvSpPr>
+            <p:cNvPr id="88" name="TextBox 87">
+              <a:extLst>
+                <a:ext uri="{FF2B5EF4-FFF2-40B4-BE49-F238E27FC236}">
+                  <a16:creationId xmlns:a16="http://schemas.microsoft.com/office/drawing/2014/main" id="{A0EC659D-854D-41D8-9D14-6ECD83413F6D}"/>
+                </a:ext>
+              </a:extLst>
+            </p:cNvPr>
+            <p:cNvSpPr txBox="1"/>
+            <p:nvPr/>
+          </p:nvSpPr>
+          <p:spPr>
+            <a:xfrm>
+              <a:off x="7658092" y="1558468"/>
+              <a:ext cx="311304" cy="369332"/>
+            </a:xfrm>
+            <a:prstGeom prst="rect">
+              <a:avLst/>
+            </a:prstGeom>
+            <a:noFill/>
+          </p:spPr>
+          <p:txBody>
+            <a:bodyPr wrap="none" rtlCol="0">
+              <a:spAutoFit/>
+            </a:bodyPr>
+            <a:lstStyle/>
+            <a:p>
+              <a:r>
+                <a:rPr lang="en-US" altLang="ko-KR" dirty="0"/>
+                <a:t>0</a:t>
+              </a:r>
+              <a:endParaRPr lang="ko-KR" altLang="en-US" dirty="0"/>
+            </a:p>
+          </p:txBody>
+        </p:sp>
+        <p:sp>
+          <p:nvSpPr>
+            <p:cNvPr id="89" name="TextBox 88">
+              <a:extLst>
+                <a:ext uri="{FF2B5EF4-FFF2-40B4-BE49-F238E27FC236}">
+                  <a16:creationId xmlns:a16="http://schemas.microsoft.com/office/drawing/2014/main" id="{EDE6DD10-1709-47FB-90C4-BC27EEB99F36}"/>
+                </a:ext>
+              </a:extLst>
+            </p:cNvPr>
+            <p:cNvSpPr txBox="1"/>
+            <p:nvPr/>
+          </p:nvSpPr>
+          <p:spPr>
+            <a:xfrm>
+              <a:off x="7658092" y="1895064"/>
+              <a:ext cx="311304" cy="369332"/>
+            </a:xfrm>
+            <a:prstGeom prst="rect">
+              <a:avLst/>
+            </a:prstGeom>
+            <a:noFill/>
+          </p:spPr>
+          <p:txBody>
+            <a:bodyPr wrap="none" rtlCol="0">
+              <a:spAutoFit/>
+            </a:bodyPr>
+            <a:lstStyle/>
+            <a:p>
+              <a:r>
+                <a:rPr lang="en-US" altLang="ko-KR" dirty="0"/>
+                <a:t>1</a:t>
+              </a:r>
+              <a:endParaRPr lang="ko-KR" altLang="en-US" dirty="0"/>
+            </a:p>
+          </p:txBody>
+        </p:sp>
+      </p:grpSp>
+      <p:sp>
+        <p:nvSpPr>
+          <p:cNvPr id="91" name="화살표: 왼쪽/오른쪽 90">
+            <a:extLst>
+              <a:ext uri="{FF2B5EF4-FFF2-40B4-BE49-F238E27FC236}">
+                <a16:creationId xmlns:a16="http://schemas.microsoft.com/office/drawing/2014/main" id="{42C328BC-27F1-4CC1-81AA-FE556AD19F03}"/>
+              </a:ext>
+            </a:extLst>
+          </p:cNvPr>
+          <p:cNvSpPr/>
+          <p:nvPr/>
+        </p:nvSpPr>
+        <p:spPr>
+          <a:xfrm rot="5400000">
+            <a:off x="4622869" y="2779972"/>
+            <a:ext cx="928180" cy="369876"/>
+          </a:xfrm>
+          <a:prstGeom prst="leftRightArrow">
+            <a:avLst/>
+          </a:prstGeom>
+          <a:solidFill>
+            <a:schemeClr val="bg1"/>
+          </a:solidFill>
+          <a:ln>
+            <a:solidFill>
+              <a:schemeClr val="tx1"/>
+            </a:solidFill>
+          </a:ln>
+        </p:spPr>
+        <p:style>
+          <a:lnRef idx="2">
+            <a:schemeClr val="accent1">
+              <a:shade val="50000"/>
+            </a:schemeClr>
+          </a:lnRef>
+          <a:fillRef idx="1">
+            <a:schemeClr val="accent1"/>
+          </a:fillRef>
+          <a:effectRef idx="0">
+            <a:schemeClr val="accent1"/>
+          </a:effectRef>
+          <a:fontRef idx="minor">
+            <a:schemeClr val="lt1"/>
+          </a:fontRef>
+        </p:style>
+        <p:txBody>
+          <a:bodyPr rtlCol="0" anchor="ctr"/>
+          <a:lstStyle/>
+          <a:p>
+            <a:pPr algn="ctr"/>
+            <a:endParaRPr lang="ko-KR" altLang="en-US"/>
+          </a:p>
+        </p:txBody>
+      </p:sp>
+      <p:grpSp>
+        <p:nvGrpSpPr>
+          <p:cNvPr id="235" name="그룹 234">
+            <a:extLst>
+              <a:ext uri="{FF2B5EF4-FFF2-40B4-BE49-F238E27FC236}">
+                <a16:creationId xmlns:a16="http://schemas.microsoft.com/office/drawing/2014/main" id="{D1B994E3-AB33-46C9-BAB3-1DCDD71EA857}"/>
+              </a:ext>
+            </a:extLst>
+          </p:cNvPr>
+          <p:cNvGrpSpPr/>
+          <p:nvPr/>
+        </p:nvGrpSpPr>
+        <p:grpSpPr>
+          <a:xfrm>
+            <a:off x="14124195" y="3383409"/>
+            <a:ext cx="3507473" cy="1862048"/>
+            <a:chOff x="1866407" y="4260778"/>
+            <a:chExt cx="3507473" cy="1862048"/>
+          </a:xfrm>
+        </p:grpSpPr>
+        <mc:AlternateContent xmlns:mc="http://schemas.openxmlformats.org/markup-compatibility/2006">
+          <mc:Choice xmlns:a14="http://schemas.microsoft.com/office/drawing/2010/main" Requires="a14">
+            <p:sp>
+              <p:nvSpPr>
+                <p:cNvPr id="118" name="TextBox 117">
+                  <a:extLst>
+                    <a:ext uri="{FF2B5EF4-FFF2-40B4-BE49-F238E27FC236}">
+                      <a16:creationId xmlns:a16="http://schemas.microsoft.com/office/drawing/2014/main" id="{6FE1340E-266C-4D65-A51C-01929FBD1968}"/>
+                    </a:ext>
+                  </a:extLst>
+                </p:cNvPr>
+                <p:cNvSpPr txBox="1"/>
+                <p:nvPr/>
+              </p:nvSpPr>
+              <p:spPr>
+                <a:xfrm>
+                  <a:off x="1866407" y="4260778"/>
+                  <a:ext cx="1651414" cy="1862048"/>
+                </a:xfrm>
+                <a:prstGeom prst="rect">
+                  <a:avLst/>
+                </a:prstGeom>
+                <a:noFill/>
+              </p:spPr>
+              <p:txBody>
+                <a:bodyPr wrap="none" rtlCol="0">
+                  <a:spAutoFit/>
+                </a:bodyPr>
+                <a:lstStyle/>
+                <a:p>
+                  <a14:m>
+                    <m:oMathPara xmlns:m="http://schemas.openxmlformats.org/officeDocument/2006/math">
+                      <m:oMathParaPr>
+                        <m:jc m:val="centerGroup"/>
+                      </m:oMathParaPr>
+                      <m:oMath xmlns:m="http://schemas.openxmlformats.org/officeDocument/2006/math">
+                        <m:r>
+                          <a:rPr lang="en-US" altLang="ko-KR" sz="11500" i="1" dirty="0" smtClean="0">
+                            <a:latin typeface="Cambria Math" panose="02040503050406030204" pitchFamily="18" charset="0"/>
+                          </a:rPr>
+                          <m:t>𝐴</m:t>
+                        </m:r>
+                      </m:oMath>
+                    </m:oMathPara>
+                  </a14:m>
+                  <a:endParaRPr lang="ko-KR" altLang="en-US" sz="11500" dirty="0"/>
+                </a:p>
+              </p:txBody>
+            </p:sp>
+          </mc:Choice>
+          <mc:Fallback>
+            <p:sp>
+              <p:nvSpPr>
+                <p:cNvPr id="118" name="TextBox 117">
+                  <a:extLst>
+                    <a:ext uri="{FF2B5EF4-FFF2-40B4-BE49-F238E27FC236}">
+                      <a16:creationId xmlns:a16="http://schemas.microsoft.com/office/drawing/2014/main" id="{6FE1340E-266C-4D65-A51C-01929FBD1968}"/>
+                    </a:ext>
+                  </a:extLst>
+                </p:cNvPr>
+                <p:cNvSpPr txBox="1">
+                  <a:spLocks noRot="1" noChangeAspect="1" noMove="1" noResize="1" noEditPoints="1" noAdjustHandles="1" noChangeArrowheads="1" noChangeShapeType="1" noTextEdit="1"/>
+                </p:cNvSpPr>
+                <p:nvPr/>
+              </p:nvSpPr>
+              <p:spPr>
+                <a:xfrm>
+                  <a:off x="1866407" y="4260778"/>
+                  <a:ext cx="1651414" cy="1862048"/>
+                </a:xfrm>
+                <a:prstGeom prst="rect">
+                  <a:avLst/>
+                </a:prstGeom>
+                <a:blipFill>
+                  <a:blip r:embed="rId7"/>
+                  <a:stretch>
+                    <a:fillRect/>
+                  </a:stretch>
+                </a:blipFill>
+              </p:spPr>
+              <p:txBody>
+                <a:bodyPr/>
+                <a:lstStyle/>
+                <a:p>
+                  <a:r>
+                    <a:rPr lang="ko-KR" altLang="en-US">
+                      <a:noFill/>
+                    </a:rPr>
+                    <a:t> </a:t>
+                  </a:r>
+                </a:p>
+              </p:txBody>
+            </p:sp>
+          </mc:Fallback>
+        </mc:AlternateContent>
+        <mc:AlternateContent xmlns:mc="http://schemas.openxmlformats.org/markup-compatibility/2006">
+          <mc:Choice xmlns:a14="http://schemas.microsoft.com/office/drawing/2010/main" Requires="a14">
+            <p:sp>
+              <p:nvSpPr>
+                <p:cNvPr id="120" name="TextBox 119">
+                  <a:extLst>
+                    <a:ext uri="{FF2B5EF4-FFF2-40B4-BE49-F238E27FC236}">
+                      <a16:creationId xmlns:a16="http://schemas.microsoft.com/office/drawing/2014/main" id="{210994FE-0708-46C1-A386-D472076EBB97}"/>
+                    </a:ext>
+                  </a:extLst>
+                </p:cNvPr>
+                <p:cNvSpPr txBox="1"/>
+                <p:nvPr/>
+              </p:nvSpPr>
+              <p:spPr>
+                <a:xfrm>
+                  <a:off x="3254442" y="5024776"/>
+                  <a:ext cx="431528" cy="369332"/>
+                </a:xfrm>
+                <a:prstGeom prst="rect">
+                  <a:avLst/>
+                </a:prstGeom>
+                <a:noFill/>
+              </p:spPr>
+              <p:txBody>
+                <a:bodyPr wrap="none" rtlCol="0">
+                  <a:spAutoFit/>
+                </a:bodyPr>
+                <a:lstStyle/>
+                <a:p>
+                  <a:pPr/>
+                  <a14:m>
+                    <m:oMathPara xmlns:m="http://schemas.openxmlformats.org/officeDocument/2006/math">
+                      <m:oMathParaPr>
+                        <m:jc m:val="centerGroup"/>
+                      </m:oMathParaPr>
+                      <m:oMath xmlns:m="http://schemas.openxmlformats.org/officeDocument/2006/math">
+                        <m:r>
+                          <a:rPr lang="en-US" altLang="ko-KR" b="0" i="1" smtClean="0">
+                            <a:latin typeface="Cambria Math"/>
+                          </a:rPr>
+                          <m:t>×</m:t>
+                        </m:r>
+                      </m:oMath>
+                    </m:oMathPara>
+                  </a14:m>
+                  <a:endParaRPr lang="ko-KR" altLang="en-US" dirty="0"/>
+                </a:p>
+              </p:txBody>
+            </p:sp>
+          </mc:Choice>
+          <mc:Fallback>
+            <p:sp>
+              <p:nvSpPr>
+                <p:cNvPr id="120" name="TextBox 119">
+                  <a:extLst>
+                    <a:ext uri="{FF2B5EF4-FFF2-40B4-BE49-F238E27FC236}">
+                      <a16:creationId xmlns:a16="http://schemas.microsoft.com/office/drawing/2014/main" id="{210994FE-0708-46C1-A386-D472076EBB97}"/>
+                    </a:ext>
+                  </a:extLst>
+                </p:cNvPr>
+                <p:cNvSpPr txBox="1">
+                  <a:spLocks noRot="1" noChangeAspect="1" noMove="1" noResize="1" noEditPoints="1" noAdjustHandles="1" noChangeArrowheads="1" noChangeShapeType="1" noTextEdit="1"/>
+                </p:cNvSpPr>
+                <p:nvPr/>
+              </p:nvSpPr>
+              <p:spPr>
+                <a:xfrm>
+                  <a:off x="3254442" y="5024776"/>
+                  <a:ext cx="431528" cy="369332"/>
+                </a:xfrm>
+                <a:prstGeom prst="rect">
+                  <a:avLst/>
+                </a:prstGeom>
+                <a:blipFill>
+                  <a:blip r:embed="rId8"/>
+                  <a:stretch>
+                    <a:fillRect/>
+                  </a:stretch>
+                </a:blipFill>
+              </p:spPr>
+              <p:txBody>
+                <a:bodyPr/>
+                <a:lstStyle/>
+                <a:p>
+                  <a:r>
+                    <a:rPr lang="ko-KR" altLang="en-US">
+                      <a:noFill/>
+                    </a:rPr>
+                    <a:t> </a:t>
+                  </a:r>
+                </a:p>
+              </p:txBody>
+            </p:sp>
+          </mc:Fallback>
+        </mc:AlternateContent>
+        <mc:AlternateContent xmlns:mc="http://schemas.openxmlformats.org/markup-compatibility/2006">
+          <mc:Choice xmlns:a14="http://schemas.microsoft.com/office/drawing/2010/main" Requires="a14">
+            <p:sp>
+              <p:nvSpPr>
+                <p:cNvPr id="121" name="TextBox 120">
+                  <a:extLst>
+                    <a:ext uri="{FF2B5EF4-FFF2-40B4-BE49-F238E27FC236}">
+                      <a16:creationId xmlns:a16="http://schemas.microsoft.com/office/drawing/2014/main" id="{C2ECF1D7-C777-4D83-A7E4-04ECD8C16826}"/>
+                    </a:ext>
+                  </a:extLst>
+                </p:cNvPr>
+                <p:cNvSpPr txBox="1"/>
+                <p:nvPr/>
+              </p:nvSpPr>
+              <p:spPr>
+                <a:xfrm>
+                  <a:off x="4513076" y="5007136"/>
+                  <a:ext cx="439544" cy="369332"/>
+                </a:xfrm>
+                <a:prstGeom prst="rect">
+                  <a:avLst/>
+                </a:prstGeom>
+                <a:noFill/>
+              </p:spPr>
+              <p:txBody>
+                <a:bodyPr wrap="none" rtlCol="0">
+                  <a:spAutoFit/>
+                </a:bodyPr>
+                <a:lstStyle/>
+                <a:p>
+                  <a:pPr/>
+                  <a14:m>
+                    <m:oMathPara xmlns:m="http://schemas.openxmlformats.org/officeDocument/2006/math">
+                      <m:oMathParaPr>
+                        <m:jc m:val="centerGroup"/>
+                      </m:oMathParaPr>
+                      <m:oMath xmlns:m="http://schemas.openxmlformats.org/officeDocument/2006/math">
+                        <m:r>
+                          <a:rPr lang="en-US" altLang="ko-KR" b="0" i="1" smtClean="0">
+                            <a:latin typeface="Cambria Math"/>
+                          </a:rPr>
+                          <m:t>=</m:t>
+                        </m:r>
+                      </m:oMath>
+                    </m:oMathPara>
+                  </a14:m>
+                  <a:endParaRPr lang="ko-KR" altLang="en-US" dirty="0"/>
+                </a:p>
+              </p:txBody>
+            </p:sp>
+          </mc:Choice>
+          <mc:Fallback>
+            <p:sp>
+              <p:nvSpPr>
+                <p:cNvPr id="121" name="TextBox 120">
+                  <a:extLst>
+                    <a:ext uri="{FF2B5EF4-FFF2-40B4-BE49-F238E27FC236}">
+                      <a16:creationId xmlns:a16="http://schemas.microsoft.com/office/drawing/2014/main" id="{C2ECF1D7-C777-4D83-A7E4-04ECD8C16826}"/>
+                    </a:ext>
+                  </a:extLst>
+                </p:cNvPr>
+                <p:cNvSpPr txBox="1">
+                  <a:spLocks noRot="1" noChangeAspect="1" noMove="1" noResize="1" noEditPoints="1" noAdjustHandles="1" noChangeArrowheads="1" noChangeShapeType="1" noTextEdit="1"/>
+                </p:cNvSpPr>
+                <p:nvPr/>
+              </p:nvSpPr>
+              <p:spPr>
+                <a:xfrm>
+                  <a:off x="4513076" y="5007136"/>
+                  <a:ext cx="439544" cy="369332"/>
+                </a:xfrm>
+                <a:prstGeom prst="rect">
+                  <a:avLst/>
+                </a:prstGeom>
+                <a:blipFill>
+                  <a:blip r:embed="rId9"/>
+                  <a:stretch>
+                    <a:fillRect/>
+                  </a:stretch>
+                </a:blipFill>
+              </p:spPr>
+              <p:txBody>
+                <a:bodyPr/>
+                <a:lstStyle/>
+                <a:p>
+                  <a:r>
+                    <a:rPr lang="ko-KR" altLang="en-US">
+                      <a:noFill/>
+                    </a:rPr>
+                    <a:t> </a:t>
+                  </a:r>
+                </a:p>
+              </p:txBody>
+            </p:sp>
+          </mc:Fallback>
+        </mc:AlternateContent>
+        <p:grpSp>
+          <p:nvGrpSpPr>
+            <p:cNvPr id="122" name="그룹 121">
+              <a:extLst>
+                <a:ext uri="{FF2B5EF4-FFF2-40B4-BE49-F238E27FC236}">
+                  <a16:creationId xmlns:a16="http://schemas.microsoft.com/office/drawing/2014/main" id="{C780CD6E-23B8-4D1C-B9CA-A09CB2B44F1D}"/>
+                </a:ext>
+              </a:extLst>
+            </p:cNvPr>
+            <p:cNvGrpSpPr/>
+            <p:nvPr/>
+          </p:nvGrpSpPr>
+          <p:grpSpPr>
+            <a:xfrm>
+              <a:off x="4971594" y="4351584"/>
+              <a:ext cx="311304" cy="1715716"/>
+              <a:chOff x="6297435" y="548680"/>
+              <a:chExt cx="311304" cy="1715716"/>
+            </a:xfrm>
+          </p:grpSpPr>
+          <p:sp>
+            <p:nvSpPr>
+              <p:cNvPr id="123" name="TextBox 122">
+                <a:extLst>
+                  <a:ext uri="{FF2B5EF4-FFF2-40B4-BE49-F238E27FC236}">
+                    <a16:creationId xmlns:a16="http://schemas.microsoft.com/office/drawing/2014/main" id="{DFC572D4-E01F-40E5-AC46-049B12B33C20}"/>
+                  </a:ext>
+                </a:extLst>
+              </p:cNvPr>
+              <p:cNvSpPr txBox="1"/>
+              <p:nvPr/>
+            </p:nvSpPr>
+            <p:spPr>
+              <a:xfrm>
+                <a:off x="6297435" y="548680"/>
+                <a:ext cx="311304" cy="369332"/>
+              </a:xfrm>
+              <a:prstGeom prst="rect">
+                <a:avLst/>
+              </a:prstGeom>
+              <a:noFill/>
+            </p:spPr>
+            <p:txBody>
+              <a:bodyPr wrap="none" rtlCol="0">
+                <a:spAutoFit/>
+              </a:bodyPr>
+              <a:lstStyle/>
+              <a:p>
+                <a:r>
+                  <a:rPr lang="en-US" altLang="ko-KR" dirty="0"/>
+                  <a:t>0</a:t>
+                </a:r>
+                <a:endParaRPr lang="ko-KR" altLang="en-US" dirty="0"/>
+              </a:p>
+            </p:txBody>
+          </p:sp>
+          <p:sp>
+            <p:nvSpPr>
+              <p:cNvPr id="124" name="TextBox 123">
+                <a:extLst>
+                  <a:ext uri="{FF2B5EF4-FFF2-40B4-BE49-F238E27FC236}">
+                    <a16:creationId xmlns:a16="http://schemas.microsoft.com/office/drawing/2014/main" id="{61C0AC2D-D606-4216-B535-92C33F87F9AC}"/>
+                  </a:ext>
+                </a:extLst>
+              </p:cNvPr>
+              <p:cNvSpPr txBox="1"/>
+              <p:nvPr/>
+            </p:nvSpPr>
+            <p:spPr>
+              <a:xfrm>
+                <a:off x="6297435" y="885276"/>
+                <a:ext cx="311304" cy="369332"/>
+              </a:xfrm>
+              <a:prstGeom prst="rect">
+                <a:avLst/>
+              </a:prstGeom>
+              <a:noFill/>
+            </p:spPr>
+            <p:txBody>
+              <a:bodyPr wrap="none" rtlCol="0">
+                <a:spAutoFit/>
+              </a:bodyPr>
+              <a:lstStyle/>
+              <a:p>
+                <a:r>
+                  <a:rPr lang="en-US" altLang="ko-KR" dirty="0"/>
+                  <a:t>1</a:t>
+                </a:r>
+                <a:endParaRPr lang="ko-KR" altLang="en-US" dirty="0"/>
+              </a:p>
+            </p:txBody>
+          </p:sp>
+          <p:sp>
+            <p:nvSpPr>
+              <p:cNvPr id="125" name="TextBox 124">
+                <a:extLst>
+                  <a:ext uri="{FF2B5EF4-FFF2-40B4-BE49-F238E27FC236}">
+                    <a16:creationId xmlns:a16="http://schemas.microsoft.com/office/drawing/2014/main" id="{94867A14-4D0C-4192-AA17-1AD8986327B2}"/>
+                  </a:ext>
+                </a:extLst>
+              </p:cNvPr>
+              <p:cNvSpPr txBox="1"/>
+              <p:nvPr/>
+            </p:nvSpPr>
+            <p:spPr>
+              <a:xfrm>
+                <a:off x="6297435" y="1221872"/>
+                <a:ext cx="311304" cy="369332"/>
+              </a:xfrm>
+              <a:prstGeom prst="rect">
+                <a:avLst/>
+              </a:prstGeom>
+              <a:noFill/>
+            </p:spPr>
+            <p:txBody>
+              <a:bodyPr wrap="none" rtlCol="0">
+                <a:spAutoFit/>
+              </a:bodyPr>
+              <a:lstStyle/>
+              <a:p>
+                <a:r>
+                  <a:rPr lang="en-US" altLang="ko-KR" dirty="0"/>
+                  <a:t>0</a:t>
+                </a:r>
+                <a:endParaRPr lang="ko-KR" altLang="en-US" dirty="0"/>
+              </a:p>
+            </p:txBody>
+          </p:sp>
+          <p:sp>
+            <p:nvSpPr>
+              <p:cNvPr id="126" name="TextBox 125">
+                <a:extLst>
+                  <a:ext uri="{FF2B5EF4-FFF2-40B4-BE49-F238E27FC236}">
+                    <a16:creationId xmlns:a16="http://schemas.microsoft.com/office/drawing/2014/main" id="{32D36745-12B2-4C21-B85D-283E612F9BBF}"/>
+                  </a:ext>
+                </a:extLst>
+              </p:cNvPr>
+              <p:cNvSpPr txBox="1"/>
+              <p:nvPr/>
+            </p:nvSpPr>
+            <p:spPr>
+              <a:xfrm>
+                <a:off x="6297435" y="1558468"/>
+                <a:ext cx="311304" cy="369332"/>
+              </a:xfrm>
+              <a:prstGeom prst="rect">
+                <a:avLst/>
+              </a:prstGeom>
+              <a:noFill/>
+            </p:spPr>
+            <p:txBody>
+              <a:bodyPr wrap="none" rtlCol="0">
+                <a:spAutoFit/>
+              </a:bodyPr>
+              <a:lstStyle/>
+              <a:p>
+                <a:r>
+                  <a:rPr lang="en-US" altLang="ko-KR" dirty="0"/>
+                  <a:t>0</a:t>
+                </a:r>
+                <a:endParaRPr lang="ko-KR" altLang="en-US" dirty="0"/>
+              </a:p>
+            </p:txBody>
+          </p:sp>
+          <p:sp>
+            <p:nvSpPr>
+              <p:cNvPr id="127" name="TextBox 126">
+                <a:extLst>
+                  <a:ext uri="{FF2B5EF4-FFF2-40B4-BE49-F238E27FC236}">
+                    <a16:creationId xmlns:a16="http://schemas.microsoft.com/office/drawing/2014/main" id="{072F5B5C-1D42-4301-8603-F16E8D544EE3}"/>
+                  </a:ext>
+                </a:extLst>
+              </p:cNvPr>
+              <p:cNvSpPr txBox="1"/>
+              <p:nvPr/>
+            </p:nvSpPr>
+            <p:spPr>
+              <a:xfrm>
+                <a:off x="6297435" y="1895064"/>
+                <a:ext cx="311304" cy="369332"/>
+              </a:xfrm>
+              <a:prstGeom prst="rect">
+                <a:avLst/>
+              </a:prstGeom>
+              <a:noFill/>
+            </p:spPr>
+            <p:txBody>
+              <a:bodyPr wrap="none" rtlCol="0">
+                <a:spAutoFit/>
+              </a:bodyPr>
+              <a:lstStyle/>
+              <a:p>
+                <a:r>
+                  <a:rPr lang="en-US" altLang="ko-KR" dirty="0"/>
+                  <a:t>0</a:t>
+                </a:r>
+                <a:endParaRPr lang="ko-KR" altLang="en-US" dirty="0"/>
+              </a:p>
+            </p:txBody>
+          </p:sp>
+        </p:grpSp>
+        <p:grpSp>
+          <p:nvGrpSpPr>
+            <p:cNvPr id="128" name="그룹 127">
+              <a:extLst>
+                <a:ext uri="{FF2B5EF4-FFF2-40B4-BE49-F238E27FC236}">
+                  <a16:creationId xmlns:a16="http://schemas.microsoft.com/office/drawing/2014/main" id="{E648A8FE-95F5-48F4-93C0-94DB5DE10CDC}"/>
+                </a:ext>
+              </a:extLst>
+            </p:cNvPr>
+            <p:cNvGrpSpPr/>
+            <p:nvPr/>
+          </p:nvGrpSpPr>
+          <p:grpSpPr>
+            <a:xfrm>
+              <a:off x="4880612" y="4364359"/>
+              <a:ext cx="144016" cy="1599376"/>
+              <a:chOff x="6172550" y="605488"/>
+              <a:chExt cx="144016" cy="1599376"/>
+            </a:xfrm>
+          </p:grpSpPr>
+          <p:cxnSp>
+            <p:nvCxnSpPr>
+              <p:cNvPr id="129" name="직선 연결선 128">
+                <a:extLst>
+                  <a:ext uri="{FF2B5EF4-FFF2-40B4-BE49-F238E27FC236}">
+                    <a16:creationId xmlns:a16="http://schemas.microsoft.com/office/drawing/2014/main" id="{DFEFD585-A561-4C61-A065-F53C6A6E4294}"/>
+                  </a:ext>
+                </a:extLst>
+              </p:cNvPr>
+              <p:cNvCxnSpPr/>
+              <p:nvPr/>
+            </p:nvCxnSpPr>
+            <p:spPr>
+              <a:xfrm>
+                <a:off x="6172550" y="605488"/>
+                <a:ext cx="0" cy="1599376"/>
+              </a:xfrm>
+              <a:prstGeom prst="line">
+                <a:avLst/>
+              </a:prstGeom>
+              <a:ln w="19050"/>
+            </p:spPr>
+            <p:style>
+              <a:lnRef idx="1">
+                <a:schemeClr val="dk1"/>
+              </a:lnRef>
+              <a:fillRef idx="0">
+                <a:schemeClr val="dk1"/>
+              </a:fillRef>
+              <a:effectRef idx="0">
+                <a:schemeClr val="dk1"/>
+              </a:effectRef>
+              <a:fontRef idx="minor">
+                <a:schemeClr val="tx1"/>
+              </a:fontRef>
+            </p:style>
+          </p:cxnSp>
+          <p:cxnSp>
+            <p:nvCxnSpPr>
+              <p:cNvPr id="130" name="직선 연결선 129">
+                <a:extLst>
+                  <a:ext uri="{FF2B5EF4-FFF2-40B4-BE49-F238E27FC236}">
+                    <a16:creationId xmlns:a16="http://schemas.microsoft.com/office/drawing/2014/main" id="{E093B3F3-7E4F-4ADD-93C4-13E3506C24E2}"/>
+                  </a:ext>
+                </a:extLst>
+              </p:cNvPr>
+              <p:cNvCxnSpPr/>
+              <p:nvPr/>
+            </p:nvCxnSpPr>
+            <p:spPr>
+              <a:xfrm>
+                <a:off x="6172550" y="609258"/>
+                <a:ext cx="144016" cy="0"/>
+              </a:xfrm>
+              <a:prstGeom prst="line">
+                <a:avLst/>
+              </a:prstGeom>
+              <a:ln w="19050"/>
+            </p:spPr>
+            <p:style>
+              <a:lnRef idx="1">
+                <a:schemeClr val="dk1"/>
+              </a:lnRef>
+              <a:fillRef idx="0">
+                <a:schemeClr val="dk1"/>
+              </a:fillRef>
+              <a:effectRef idx="0">
+                <a:schemeClr val="dk1"/>
+              </a:effectRef>
+              <a:fontRef idx="minor">
+                <a:schemeClr val="tx1"/>
+              </a:fontRef>
+            </p:style>
+          </p:cxnSp>
+          <p:cxnSp>
+            <p:nvCxnSpPr>
+              <p:cNvPr id="131" name="직선 연결선 130">
+                <a:extLst>
+                  <a:ext uri="{FF2B5EF4-FFF2-40B4-BE49-F238E27FC236}">
+                    <a16:creationId xmlns:a16="http://schemas.microsoft.com/office/drawing/2014/main" id="{47A2FCDA-2274-4370-AC9F-85FB18B6A5C4}"/>
+                  </a:ext>
+                </a:extLst>
+              </p:cNvPr>
+              <p:cNvCxnSpPr/>
+              <p:nvPr/>
+            </p:nvCxnSpPr>
+            <p:spPr>
+              <a:xfrm>
+                <a:off x="6172550" y="2200712"/>
+                <a:ext cx="144016" cy="0"/>
+              </a:xfrm>
+              <a:prstGeom prst="line">
+                <a:avLst/>
+              </a:prstGeom>
+              <a:ln w="19050"/>
+            </p:spPr>
+            <p:style>
+              <a:lnRef idx="1">
+                <a:schemeClr val="dk1"/>
+              </a:lnRef>
+              <a:fillRef idx="0">
+                <a:schemeClr val="dk1"/>
+              </a:fillRef>
+              <a:effectRef idx="0">
+                <a:schemeClr val="dk1"/>
+              </a:effectRef>
+              <a:fontRef idx="minor">
+                <a:schemeClr val="tx1"/>
+              </a:fontRef>
+            </p:style>
+          </p:cxnSp>
+        </p:grpSp>
+        <p:grpSp>
+          <p:nvGrpSpPr>
+            <p:cNvPr id="132" name="그룹 131">
+              <a:extLst>
+                <a:ext uri="{FF2B5EF4-FFF2-40B4-BE49-F238E27FC236}">
+                  <a16:creationId xmlns:a16="http://schemas.microsoft.com/office/drawing/2014/main" id="{0FB6D474-3407-4D4E-9A58-E72B830D759F}"/>
+                </a:ext>
+              </a:extLst>
+            </p:cNvPr>
+            <p:cNvGrpSpPr/>
+            <p:nvPr/>
+          </p:nvGrpSpPr>
+          <p:grpSpPr>
+            <a:xfrm>
+              <a:off x="5229864" y="4377134"/>
+              <a:ext cx="144016" cy="1599376"/>
+              <a:chOff x="7900742" y="604138"/>
+              <a:chExt cx="144016" cy="1599376"/>
+            </a:xfrm>
+          </p:grpSpPr>
+          <p:cxnSp>
+            <p:nvCxnSpPr>
+              <p:cNvPr id="133" name="직선 연결선 132">
+                <a:extLst>
+                  <a:ext uri="{FF2B5EF4-FFF2-40B4-BE49-F238E27FC236}">
+                    <a16:creationId xmlns:a16="http://schemas.microsoft.com/office/drawing/2014/main" id="{3BECF82B-6358-478F-885C-8CF817CA1525}"/>
+                  </a:ext>
+                </a:extLst>
+              </p:cNvPr>
+              <p:cNvCxnSpPr/>
+              <p:nvPr/>
+            </p:nvCxnSpPr>
+            <p:spPr>
+              <a:xfrm flipH="1">
+                <a:off x="8044758" y="604138"/>
+                <a:ext cx="0" cy="1599376"/>
+              </a:xfrm>
+              <a:prstGeom prst="line">
+                <a:avLst/>
+              </a:prstGeom>
+              <a:ln w="19050"/>
+            </p:spPr>
+            <p:style>
+              <a:lnRef idx="1">
+                <a:schemeClr val="dk1"/>
+              </a:lnRef>
+              <a:fillRef idx="0">
+                <a:schemeClr val="dk1"/>
+              </a:fillRef>
+              <a:effectRef idx="0">
+                <a:schemeClr val="dk1"/>
+              </a:effectRef>
+              <a:fontRef idx="minor">
+                <a:schemeClr val="tx1"/>
+              </a:fontRef>
+            </p:style>
+          </p:cxnSp>
+          <p:cxnSp>
+            <p:nvCxnSpPr>
+              <p:cNvPr id="134" name="직선 연결선 133">
+                <a:extLst>
+                  <a:ext uri="{FF2B5EF4-FFF2-40B4-BE49-F238E27FC236}">
+                    <a16:creationId xmlns:a16="http://schemas.microsoft.com/office/drawing/2014/main" id="{B7C927B1-BA1B-4054-8D98-23BAE8529F41}"/>
+                  </a:ext>
+                </a:extLst>
+              </p:cNvPr>
+              <p:cNvCxnSpPr/>
+              <p:nvPr/>
+            </p:nvCxnSpPr>
+            <p:spPr>
+              <a:xfrm flipH="1">
+                <a:off x="7900742" y="607908"/>
+                <a:ext cx="144016" cy="0"/>
+              </a:xfrm>
+              <a:prstGeom prst="line">
+                <a:avLst/>
+              </a:prstGeom>
+              <a:ln w="19050"/>
+            </p:spPr>
+            <p:style>
+              <a:lnRef idx="1">
+                <a:schemeClr val="dk1"/>
+              </a:lnRef>
+              <a:fillRef idx="0">
+                <a:schemeClr val="dk1"/>
+              </a:fillRef>
+              <a:effectRef idx="0">
+                <a:schemeClr val="dk1"/>
+              </a:effectRef>
+              <a:fontRef idx="minor">
+                <a:schemeClr val="tx1"/>
+              </a:fontRef>
+            </p:style>
+          </p:cxnSp>
+          <p:cxnSp>
+            <p:nvCxnSpPr>
+              <p:cNvPr id="135" name="직선 연결선 134">
+                <a:extLst>
+                  <a:ext uri="{FF2B5EF4-FFF2-40B4-BE49-F238E27FC236}">
+                    <a16:creationId xmlns:a16="http://schemas.microsoft.com/office/drawing/2014/main" id="{3AAB4DBC-33B4-4F1B-84CF-13DBDD61862A}"/>
+                  </a:ext>
+                </a:extLst>
+              </p:cNvPr>
+              <p:cNvCxnSpPr/>
+              <p:nvPr/>
+            </p:nvCxnSpPr>
+            <p:spPr>
+              <a:xfrm flipH="1">
+                <a:off x="7900742" y="2199362"/>
+                <a:ext cx="144016" cy="0"/>
+              </a:xfrm>
+              <a:prstGeom prst="line">
+                <a:avLst/>
+              </a:prstGeom>
+              <a:ln w="19050"/>
+            </p:spPr>
+            <p:style>
+              <a:lnRef idx="1">
+                <a:schemeClr val="dk1"/>
+              </a:lnRef>
+              <a:fillRef idx="0">
+                <a:schemeClr val="dk1"/>
+              </a:fillRef>
+              <a:effectRef idx="0">
+                <a:schemeClr val="dk1"/>
+              </a:effectRef>
+              <a:fontRef idx="minor">
+                <a:schemeClr val="tx1"/>
+              </a:fontRef>
+            </p:style>
+          </p:cxnSp>
+        </p:grpSp>
+        <p:sp>
+          <p:nvSpPr>
+            <p:cNvPr id="136" name="직사각형 135">
+              <a:extLst>
+                <a:ext uri="{FF2B5EF4-FFF2-40B4-BE49-F238E27FC236}">
+                  <a16:creationId xmlns:a16="http://schemas.microsoft.com/office/drawing/2014/main" id="{F32B3D64-D506-4E80-9EFE-3BD426EC6F1A}"/>
+                </a:ext>
+              </a:extLst>
+            </p:cNvPr>
+            <p:cNvSpPr/>
+            <p:nvPr/>
+          </p:nvSpPr>
+          <p:spPr>
+            <a:xfrm rot="5400000">
+              <a:off x="3311788" y="5005647"/>
+              <a:ext cx="1568491" cy="316800"/>
+            </a:xfrm>
+            <a:prstGeom prst="rect">
+              <a:avLst/>
+            </a:prstGeom>
+            <a:solidFill>
+              <a:srgbClr val="EEA17E"/>
+            </a:solidFill>
+            <a:ln>
+              <a:noFill/>
+            </a:ln>
+          </p:spPr>
+          <p:style>
+            <a:lnRef idx="2">
+              <a:schemeClr val="accent1">
+                <a:shade val="50000"/>
+              </a:schemeClr>
+            </a:lnRef>
+            <a:fillRef idx="1">
+              <a:schemeClr val="accent1"/>
+            </a:fillRef>
+            <a:effectRef idx="0">
+              <a:schemeClr val="accent1"/>
+            </a:effectRef>
+            <a:fontRef idx="minor">
+              <a:schemeClr val="lt1"/>
+            </a:fontRef>
+          </p:style>
+          <p:txBody>
+            <a:bodyPr rtlCol="0" anchor="ctr"/>
+            <a:lstStyle/>
+            <a:p>
+              <a:pPr algn="ctr"/>
+              <a:endParaRPr lang="ko-KR" altLang="en-US"/>
+            </a:p>
+          </p:txBody>
+        </p:sp>
+      </p:grpSp>
+      <p:grpSp>
+        <p:nvGrpSpPr>
+          <p:cNvPr id="176" name="그룹 175">
+            <a:extLst>
+              <a:ext uri="{FF2B5EF4-FFF2-40B4-BE49-F238E27FC236}">
+                <a16:creationId xmlns:a16="http://schemas.microsoft.com/office/drawing/2014/main" id="{A1477181-3F51-433A-BEE2-8754976F71F1}"/>
+              </a:ext>
+            </a:extLst>
+          </p:cNvPr>
+          <p:cNvGrpSpPr/>
+          <p:nvPr/>
+        </p:nvGrpSpPr>
+        <p:grpSpPr>
+          <a:xfrm>
+            <a:off x="17843742" y="3383409"/>
+            <a:ext cx="3507473" cy="1862048"/>
+            <a:chOff x="5417972" y="2449233"/>
+            <a:chExt cx="3507473" cy="1862048"/>
+          </a:xfrm>
+        </p:grpSpPr>
+        <mc:AlternateContent xmlns:mc="http://schemas.openxmlformats.org/markup-compatibility/2006">
+          <mc:Choice xmlns:a14="http://schemas.microsoft.com/office/drawing/2010/main" Requires="a14">
+            <p:sp>
+              <p:nvSpPr>
+                <p:cNvPr id="140" name="TextBox 139">
+                  <a:extLst>
+                    <a:ext uri="{FF2B5EF4-FFF2-40B4-BE49-F238E27FC236}">
+                      <a16:creationId xmlns:a16="http://schemas.microsoft.com/office/drawing/2014/main" id="{7A4CC2A5-E147-471C-84FF-F6A34A071FA4}"/>
+                    </a:ext>
+                  </a:extLst>
+                </p:cNvPr>
+                <p:cNvSpPr txBox="1"/>
+                <p:nvPr/>
+              </p:nvSpPr>
+              <p:spPr>
+                <a:xfrm>
+                  <a:off x="5417972" y="2449233"/>
+                  <a:ext cx="1651414" cy="1862048"/>
+                </a:xfrm>
+                <a:prstGeom prst="rect">
+                  <a:avLst/>
+                </a:prstGeom>
+                <a:noFill/>
+              </p:spPr>
+              <p:txBody>
+                <a:bodyPr wrap="none" rtlCol="0">
+                  <a:spAutoFit/>
+                </a:bodyPr>
+                <a:lstStyle/>
+                <a:p>
+                  <a14:m>
+                    <m:oMathPara xmlns:m="http://schemas.openxmlformats.org/officeDocument/2006/math">
+                      <m:oMathParaPr>
+                        <m:jc m:val="centerGroup"/>
+                      </m:oMathParaPr>
+                      <m:oMath xmlns:m="http://schemas.openxmlformats.org/officeDocument/2006/math">
+                        <m:r>
+                          <a:rPr lang="en-US" altLang="ko-KR" sz="11500" i="1" dirty="0" smtClean="0">
+                            <a:latin typeface="Cambria Math" panose="02040503050406030204" pitchFamily="18" charset="0"/>
+                          </a:rPr>
+                          <m:t>𝐴</m:t>
+                        </m:r>
+                      </m:oMath>
+                    </m:oMathPara>
+                  </a14:m>
+                  <a:endParaRPr lang="ko-KR" altLang="en-US" sz="11500" dirty="0"/>
+                </a:p>
+              </p:txBody>
+            </p:sp>
+          </mc:Choice>
+          <mc:Fallback>
+            <p:sp>
+              <p:nvSpPr>
+                <p:cNvPr id="140" name="TextBox 139">
+                  <a:extLst>
+                    <a:ext uri="{FF2B5EF4-FFF2-40B4-BE49-F238E27FC236}">
+                      <a16:creationId xmlns:a16="http://schemas.microsoft.com/office/drawing/2014/main" id="{7A4CC2A5-E147-471C-84FF-F6A34A071FA4}"/>
+                    </a:ext>
+                  </a:extLst>
+                </p:cNvPr>
+                <p:cNvSpPr txBox="1">
+                  <a:spLocks noRot="1" noChangeAspect="1" noMove="1" noResize="1" noEditPoints="1" noAdjustHandles="1" noChangeArrowheads="1" noChangeShapeType="1" noTextEdit="1"/>
+                </p:cNvSpPr>
+                <p:nvPr/>
+              </p:nvSpPr>
+              <p:spPr>
+                <a:xfrm>
+                  <a:off x="5417972" y="2449233"/>
+                  <a:ext cx="1651414" cy="1862048"/>
+                </a:xfrm>
+                <a:prstGeom prst="rect">
+                  <a:avLst/>
+                </a:prstGeom>
+                <a:blipFill>
+                  <a:blip r:embed="rId10"/>
+                  <a:stretch>
+                    <a:fillRect/>
+                  </a:stretch>
+                </a:blipFill>
+              </p:spPr>
+              <p:txBody>
+                <a:bodyPr/>
+                <a:lstStyle/>
+                <a:p>
+                  <a:r>
+                    <a:rPr lang="ko-KR" altLang="en-US">
+                      <a:noFill/>
+                    </a:rPr>
+                    <a:t> </a:t>
+                  </a:r>
+                </a:p>
+              </p:txBody>
+            </p:sp>
+          </mc:Fallback>
+        </mc:AlternateContent>
+        <mc:AlternateContent xmlns:mc="http://schemas.openxmlformats.org/markup-compatibility/2006">
+          <mc:Choice xmlns:a14="http://schemas.microsoft.com/office/drawing/2010/main" Requires="a14">
+            <p:sp>
+              <p:nvSpPr>
+                <p:cNvPr id="141" name="TextBox 140">
+                  <a:extLst>
+                    <a:ext uri="{FF2B5EF4-FFF2-40B4-BE49-F238E27FC236}">
+                      <a16:creationId xmlns:a16="http://schemas.microsoft.com/office/drawing/2014/main" id="{410CB433-F2C9-42F9-951D-93F0E91F7B5D}"/>
+                    </a:ext>
+                  </a:extLst>
+                </p:cNvPr>
+                <p:cNvSpPr txBox="1"/>
+                <p:nvPr/>
+              </p:nvSpPr>
+              <p:spPr>
+                <a:xfrm>
+                  <a:off x="6806007" y="3213231"/>
+                  <a:ext cx="431528" cy="369332"/>
+                </a:xfrm>
+                <a:prstGeom prst="rect">
+                  <a:avLst/>
+                </a:prstGeom>
+                <a:noFill/>
+              </p:spPr>
+              <p:txBody>
+                <a:bodyPr wrap="none" rtlCol="0">
+                  <a:spAutoFit/>
+                </a:bodyPr>
+                <a:lstStyle/>
+                <a:p>
+                  <a:pPr/>
+                  <a14:m>
+                    <m:oMathPara xmlns:m="http://schemas.openxmlformats.org/officeDocument/2006/math">
+                      <m:oMathParaPr>
+                        <m:jc m:val="centerGroup"/>
+                      </m:oMathParaPr>
+                      <m:oMath xmlns:m="http://schemas.openxmlformats.org/officeDocument/2006/math">
+                        <m:r>
+                          <a:rPr lang="en-US" altLang="ko-KR" b="0" i="1" smtClean="0">
+                            <a:latin typeface="Cambria Math"/>
+                          </a:rPr>
+                          <m:t>×</m:t>
+                        </m:r>
+                      </m:oMath>
+                    </m:oMathPara>
+                  </a14:m>
+                  <a:endParaRPr lang="ko-KR" altLang="en-US" dirty="0"/>
+                </a:p>
+              </p:txBody>
+            </p:sp>
+          </mc:Choice>
+          <mc:Fallback>
+            <p:sp>
+              <p:nvSpPr>
+                <p:cNvPr id="141" name="TextBox 140">
+                  <a:extLst>
+                    <a:ext uri="{FF2B5EF4-FFF2-40B4-BE49-F238E27FC236}">
+                      <a16:creationId xmlns:a16="http://schemas.microsoft.com/office/drawing/2014/main" id="{410CB433-F2C9-42F9-951D-93F0E91F7B5D}"/>
+                    </a:ext>
+                  </a:extLst>
+                </p:cNvPr>
+                <p:cNvSpPr txBox="1">
+                  <a:spLocks noRot="1" noChangeAspect="1" noMove="1" noResize="1" noEditPoints="1" noAdjustHandles="1" noChangeArrowheads="1" noChangeShapeType="1" noTextEdit="1"/>
+                </p:cNvSpPr>
+                <p:nvPr/>
+              </p:nvSpPr>
+              <p:spPr>
+                <a:xfrm>
+                  <a:off x="6806007" y="3213231"/>
+                  <a:ext cx="431528" cy="369332"/>
+                </a:xfrm>
+                <a:prstGeom prst="rect">
+                  <a:avLst/>
+                </a:prstGeom>
+                <a:blipFill>
+                  <a:blip r:embed="rId11"/>
+                  <a:stretch>
+                    <a:fillRect/>
+                  </a:stretch>
+                </a:blipFill>
+              </p:spPr>
+              <p:txBody>
+                <a:bodyPr/>
+                <a:lstStyle/>
+                <a:p>
+                  <a:r>
+                    <a:rPr lang="ko-KR" altLang="en-US">
+                      <a:noFill/>
+                    </a:rPr>
+                    <a:t> </a:t>
+                  </a:r>
+                </a:p>
+              </p:txBody>
+            </p:sp>
+          </mc:Fallback>
+        </mc:AlternateContent>
+        <mc:AlternateContent xmlns:mc="http://schemas.openxmlformats.org/markup-compatibility/2006">
+          <mc:Choice xmlns:a14="http://schemas.microsoft.com/office/drawing/2010/main" Requires="a14">
+            <p:sp>
+              <p:nvSpPr>
+                <p:cNvPr id="142" name="TextBox 141">
+                  <a:extLst>
+                    <a:ext uri="{FF2B5EF4-FFF2-40B4-BE49-F238E27FC236}">
+                      <a16:creationId xmlns:a16="http://schemas.microsoft.com/office/drawing/2014/main" id="{0433A8B7-E265-411C-9E7B-7B27688E7BC6}"/>
+                    </a:ext>
+                  </a:extLst>
+                </p:cNvPr>
+                <p:cNvSpPr txBox="1"/>
+                <p:nvPr/>
+              </p:nvSpPr>
+              <p:spPr>
+                <a:xfrm>
+                  <a:off x="8064641" y="3195591"/>
+                  <a:ext cx="439544" cy="369332"/>
+                </a:xfrm>
+                <a:prstGeom prst="rect">
+                  <a:avLst/>
+                </a:prstGeom>
+                <a:noFill/>
+              </p:spPr>
+              <p:txBody>
+                <a:bodyPr wrap="none" rtlCol="0">
+                  <a:spAutoFit/>
+                </a:bodyPr>
+                <a:lstStyle/>
+                <a:p>
+                  <a:pPr/>
+                  <a14:m>
+                    <m:oMathPara xmlns:m="http://schemas.openxmlformats.org/officeDocument/2006/math">
+                      <m:oMathParaPr>
+                        <m:jc m:val="centerGroup"/>
+                      </m:oMathParaPr>
+                      <m:oMath xmlns:m="http://schemas.openxmlformats.org/officeDocument/2006/math">
+                        <m:r>
+                          <a:rPr lang="en-US" altLang="ko-KR" b="0" i="1" smtClean="0">
+                            <a:latin typeface="Cambria Math"/>
+                          </a:rPr>
+                          <m:t>=</m:t>
+                        </m:r>
+                      </m:oMath>
+                    </m:oMathPara>
+                  </a14:m>
+                  <a:endParaRPr lang="ko-KR" altLang="en-US" dirty="0"/>
+                </a:p>
+              </p:txBody>
+            </p:sp>
+          </mc:Choice>
+          <mc:Fallback>
+            <p:sp>
+              <p:nvSpPr>
+                <p:cNvPr id="142" name="TextBox 141">
+                  <a:extLst>
+                    <a:ext uri="{FF2B5EF4-FFF2-40B4-BE49-F238E27FC236}">
+                      <a16:creationId xmlns:a16="http://schemas.microsoft.com/office/drawing/2014/main" id="{0433A8B7-E265-411C-9E7B-7B27688E7BC6}"/>
+                    </a:ext>
+                  </a:extLst>
+                </p:cNvPr>
+                <p:cNvSpPr txBox="1">
+                  <a:spLocks noRot="1" noChangeAspect="1" noMove="1" noResize="1" noEditPoints="1" noAdjustHandles="1" noChangeArrowheads="1" noChangeShapeType="1" noTextEdit="1"/>
+                </p:cNvSpPr>
+                <p:nvPr/>
+              </p:nvSpPr>
+              <p:spPr>
+                <a:xfrm>
+                  <a:off x="8064641" y="3195591"/>
+                  <a:ext cx="439544" cy="369332"/>
+                </a:xfrm>
+                <a:prstGeom prst="rect">
+                  <a:avLst/>
+                </a:prstGeom>
+                <a:blipFill>
+                  <a:blip r:embed="rId12"/>
+                  <a:stretch>
+                    <a:fillRect/>
+                  </a:stretch>
+                </a:blipFill>
+              </p:spPr>
+              <p:txBody>
+                <a:bodyPr/>
+                <a:lstStyle/>
+                <a:p>
+                  <a:r>
+                    <a:rPr lang="ko-KR" altLang="en-US">
+                      <a:noFill/>
+                    </a:rPr>
+                    <a:t> </a:t>
+                  </a:r>
+                </a:p>
+              </p:txBody>
+            </p:sp>
+          </mc:Fallback>
+        </mc:AlternateContent>
+        <p:grpSp>
+          <p:nvGrpSpPr>
+            <p:cNvPr id="143" name="그룹 142">
+              <a:extLst>
+                <a:ext uri="{FF2B5EF4-FFF2-40B4-BE49-F238E27FC236}">
+                  <a16:creationId xmlns:a16="http://schemas.microsoft.com/office/drawing/2014/main" id="{2BA1F672-9CD3-4F90-AEF1-31F5858A64FF}"/>
+                </a:ext>
+              </a:extLst>
+            </p:cNvPr>
+            <p:cNvGrpSpPr/>
+            <p:nvPr/>
+          </p:nvGrpSpPr>
+          <p:grpSpPr>
+            <a:xfrm>
+              <a:off x="8523159" y="2540039"/>
+              <a:ext cx="311304" cy="1715716"/>
+              <a:chOff x="6297435" y="548680"/>
+              <a:chExt cx="311304" cy="1715716"/>
+            </a:xfrm>
+          </p:grpSpPr>
+          <p:sp>
+            <p:nvSpPr>
+              <p:cNvPr id="144" name="TextBox 143">
+                <a:extLst>
+                  <a:ext uri="{FF2B5EF4-FFF2-40B4-BE49-F238E27FC236}">
+                    <a16:creationId xmlns:a16="http://schemas.microsoft.com/office/drawing/2014/main" id="{E359E037-F09D-47C4-A106-99BBD9FDA6B0}"/>
+                  </a:ext>
+                </a:extLst>
+              </p:cNvPr>
+              <p:cNvSpPr txBox="1"/>
+              <p:nvPr/>
+            </p:nvSpPr>
+            <p:spPr>
+              <a:xfrm>
+                <a:off x="6297435" y="548680"/>
+                <a:ext cx="311304" cy="369332"/>
+              </a:xfrm>
+              <a:prstGeom prst="rect">
+                <a:avLst/>
+              </a:prstGeom>
+              <a:noFill/>
+            </p:spPr>
+            <p:txBody>
+              <a:bodyPr wrap="none" rtlCol="0">
+                <a:spAutoFit/>
+              </a:bodyPr>
+              <a:lstStyle/>
+              <a:p>
+                <a:r>
+                  <a:rPr lang="en-US" altLang="ko-KR" dirty="0"/>
+                  <a:t>0</a:t>
+                </a:r>
+                <a:endParaRPr lang="ko-KR" altLang="en-US" dirty="0"/>
+              </a:p>
+            </p:txBody>
+          </p:sp>
+          <p:sp>
+            <p:nvSpPr>
+              <p:cNvPr id="145" name="TextBox 144">
+                <a:extLst>
+                  <a:ext uri="{FF2B5EF4-FFF2-40B4-BE49-F238E27FC236}">
+                    <a16:creationId xmlns:a16="http://schemas.microsoft.com/office/drawing/2014/main" id="{748230A5-D255-4703-A8EA-8B2F3B3B3D94}"/>
+                  </a:ext>
+                </a:extLst>
+              </p:cNvPr>
+              <p:cNvSpPr txBox="1"/>
+              <p:nvPr/>
+            </p:nvSpPr>
+            <p:spPr>
+              <a:xfrm>
+                <a:off x="6297435" y="885276"/>
+                <a:ext cx="311304" cy="369332"/>
+              </a:xfrm>
+              <a:prstGeom prst="rect">
+                <a:avLst/>
+              </a:prstGeom>
+              <a:noFill/>
+            </p:spPr>
+            <p:txBody>
+              <a:bodyPr wrap="none" rtlCol="0">
+                <a:spAutoFit/>
+              </a:bodyPr>
+              <a:lstStyle/>
+              <a:p>
+                <a:r>
+                  <a:rPr lang="en-US" altLang="ko-KR" dirty="0"/>
+                  <a:t>0</a:t>
+                </a:r>
+                <a:endParaRPr lang="ko-KR" altLang="en-US" dirty="0"/>
+              </a:p>
+            </p:txBody>
+          </p:sp>
+          <p:sp>
+            <p:nvSpPr>
+              <p:cNvPr id="146" name="TextBox 145">
+                <a:extLst>
+                  <a:ext uri="{FF2B5EF4-FFF2-40B4-BE49-F238E27FC236}">
+                    <a16:creationId xmlns:a16="http://schemas.microsoft.com/office/drawing/2014/main" id="{AF657249-EE77-4BE8-A880-5D264AA9A252}"/>
+                  </a:ext>
+                </a:extLst>
+              </p:cNvPr>
+              <p:cNvSpPr txBox="1"/>
+              <p:nvPr/>
+            </p:nvSpPr>
+            <p:spPr>
+              <a:xfrm>
+                <a:off x="6297435" y="1221872"/>
+                <a:ext cx="311304" cy="369332"/>
+              </a:xfrm>
+              <a:prstGeom prst="rect">
+                <a:avLst/>
+              </a:prstGeom>
+              <a:noFill/>
+            </p:spPr>
+            <p:txBody>
+              <a:bodyPr wrap="none" rtlCol="0">
+                <a:spAutoFit/>
+              </a:bodyPr>
+              <a:lstStyle/>
+              <a:p>
+                <a:r>
+                  <a:rPr lang="en-US" altLang="ko-KR" dirty="0"/>
+                  <a:t>1</a:t>
+                </a:r>
+                <a:endParaRPr lang="ko-KR" altLang="en-US" dirty="0"/>
+              </a:p>
+            </p:txBody>
+          </p:sp>
+          <p:sp>
+            <p:nvSpPr>
+              <p:cNvPr id="147" name="TextBox 146">
+                <a:extLst>
+                  <a:ext uri="{FF2B5EF4-FFF2-40B4-BE49-F238E27FC236}">
+                    <a16:creationId xmlns:a16="http://schemas.microsoft.com/office/drawing/2014/main" id="{A69CB3D8-FBC7-40A2-B507-A8D361E54723}"/>
+                  </a:ext>
+                </a:extLst>
+              </p:cNvPr>
+              <p:cNvSpPr txBox="1"/>
+              <p:nvPr/>
+            </p:nvSpPr>
+            <p:spPr>
+              <a:xfrm>
+                <a:off x="6297435" y="1558468"/>
+                <a:ext cx="311304" cy="369332"/>
+              </a:xfrm>
+              <a:prstGeom prst="rect">
+                <a:avLst/>
+              </a:prstGeom>
+              <a:noFill/>
+            </p:spPr>
+            <p:txBody>
+              <a:bodyPr wrap="none" rtlCol="0">
+                <a:spAutoFit/>
+              </a:bodyPr>
+              <a:lstStyle/>
+              <a:p>
+                <a:r>
+                  <a:rPr lang="en-US" altLang="ko-KR" dirty="0"/>
+                  <a:t>0</a:t>
+                </a:r>
+                <a:endParaRPr lang="ko-KR" altLang="en-US" dirty="0"/>
+              </a:p>
+            </p:txBody>
+          </p:sp>
+          <p:sp>
+            <p:nvSpPr>
+              <p:cNvPr id="148" name="TextBox 147">
+                <a:extLst>
+                  <a:ext uri="{FF2B5EF4-FFF2-40B4-BE49-F238E27FC236}">
+                    <a16:creationId xmlns:a16="http://schemas.microsoft.com/office/drawing/2014/main" id="{57E1FC30-1150-4616-AB0F-ADBD6A3F4259}"/>
+                  </a:ext>
+                </a:extLst>
+              </p:cNvPr>
+              <p:cNvSpPr txBox="1"/>
+              <p:nvPr/>
+            </p:nvSpPr>
+            <p:spPr>
+              <a:xfrm>
+                <a:off x="6297435" y="1895064"/>
+                <a:ext cx="311304" cy="369332"/>
+              </a:xfrm>
+              <a:prstGeom prst="rect">
+                <a:avLst/>
+              </a:prstGeom>
+              <a:noFill/>
+            </p:spPr>
+            <p:txBody>
+              <a:bodyPr wrap="none" rtlCol="0">
+                <a:spAutoFit/>
+              </a:bodyPr>
+              <a:lstStyle/>
+              <a:p>
+                <a:r>
+                  <a:rPr lang="en-US" altLang="ko-KR" dirty="0"/>
+                  <a:t>0</a:t>
+                </a:r>
+                <a:endParaRPr lang="ko-KR" altLang="en-US" dirty="0"/>
+              </a:p>
+            </p:txBody>
+          </p:sp>
+        </p:grpSp>
+        <p:grpSp>
+          <p:nvGrpSpPr>
+            <p:cNvPr id="149" name="그룹 148">
+              <a:extLst>
+                <a:ext uri="{FF2B5EF4-FFF2-40B4-BE49-F238E27FC236}">
+                  <a16:creationId xmlns:a16="http://schemas.microsoft.com/office/drawing/2014/main" id="{A326513D-36B3-4B9F-872C-A3BA597E0044}"/>
+                </a:ext>
+              </a:extLst>
+            </p:cNvPr>
+            <p:cNvGrpSpPr/>
+            <p:nvPr/>
+          </p:nvGrpSpPr>
+          <p:grpSpPr>
+            <a:xfrm>
+              <a:off x="8432177" y="2552814"/>
+              <a:ext cx="144016" cy="1599376"/>
+              <a:chOff x="6172550" y="605488"/>
+              <a:chExt cx="144016" cy="1599376"/>
+            </a:xfrm>
+          </p:grpSpPr>
+          <p:cxnSp>
+            <p:nvCxnSpPr>
+              <p:cNvPr id="150" name="직선 연결선 149">
+                <a:extLst>
+                  <a:ext uri="{FF2B5EF4-FFF2-40B4-BE49-F238E27FC236}">
+                    <a16:creationId xmlns:a16="http://schemas.microsoft.com/office/drawing/2014/main" id="{9BDD8409-4DA6-4D06-B39D-B377D1C834E6}"/>
+                  </a:ext>
+                </a:extLst>
+              </p:cNvPr>
+              <p:cNvCxnSpPr/>
+              <p:nvPr/>
+            </p:nvCxnSpPr>
+            <p:spPr>
+              <a:xfrm>
+                <a:off x="6172550" y="605488"/>
+                <a:ext cx="0" cy="1599376"/>
+              </a:xfrm>
+              <a:prstGeom prst="line">
+                <a:avLst/>
+              </a:prstGeom>
+              <a:ln w="19050"/>
+            </p:spPr>
+            <p:style>
+              <a:lnRef idx="1">
+                <a:schemeClr val="dk1"/>
+              </a:lnRef>
+              <a:fillRef idx="0">
+                <a:schemeClr val="dk1"/>
+              </a:fillRef>
+              <a:effectRef idx="0">
+                <a:schemeClr val="dk1"/>
+              </a:effectRef>
+              <a:fontRef idx="minor">
+                <a:schemeClr val="tx1"/>
+              </a:fontRef>
+            </p:style>
+          </p:cxnSp>
+          <p:cxnSp>
+            <p:nvCxnSpPr>
+              <p:cNvPr id="151" name="직선 연결선 150">
+                <a:extLst>
+                  <a:ext uri="{FF2B5EF4-FFF2-40B4-BE49-F238E27FC236}">
+                    <a16:creationId xmlns:a16="http://schemas.microsoft.com/office/drawing/2014/main" id="{79E1C35D-0DA1-48A8-9232-E0D191EFFCDE}"/>
+                  </a:ext>
+                </a:extLst>
+              </p:cNvPr>
+              <p:cNvCxnSpPr/>
+              <p:nvPr/>
+            </p:nvCxnSpPr>
+            <p:spPr>
+              <a:xfrm>
+                <a:off x="6172550" y="609258"/>
+                <a:ext cx="144016" cy="0"/>
+              </a:xfrm>
+              <a:prstGeom prst="line">
+                <a:avLst/>
+              </a:prstGeom>
+              <a:ln w="19050"/>
+            </p:spPr>
+            <p:style>
+              <a:lnRef idx="1">
+                <a:schemeClr val="dk1"/>
+              </a:lnRef>
+              <a:fillRef idx="0">
+                <a:schemeClr val="dk1"/>
+              </a:fillRef>
+              <a:effectRef idx="0">
+                <a:schemeClr val="dk1"/>
+              </a:effectRef>
+              <a:fontRef idx="minor">
+                <a:schemeClr val="tx1"/>
+              </a:fontRef>
+            </p:style>
+          </p:cxnSp>
+          <p:cxnSp>
+            <p:nvCxnSpPr>
+              <p:cNvPr id="152" name="직선 연결선 151">
+                <a:extLst>
+                  <a:ext uri="{FF2B5EF4-FFF2-40B4-BE49-F238E27FC236}">
+                    <a16:creationId xmlns:a16="http://schemas.microsoft.com/office/drawing/2014/main" id="{17EA9461-A4B0-4AFF-8766-103FBDD16571}"/>
+                  </a:ext>
+                </a:extLst>
+              </p:cNvPr>
+              <p:cNvCxnSpPr/>
+              <p:nvPr/>
+            </p:nvCxnSpPr>
+            <p:spPr>
+              <a:xfrm>
+                <a:off x="6172550" y="2200712"/>
+                <a:ext cx="144016" cy="0"/>
+              </a:xfrm>
+              <a:prstGeom prst="line">
+                <a:avLst/>
+              </a:prstGeom>
+              <a:ln w="19050"/>
+            </p:spPr>
+            <p:style>
+              <a:lnRef idx="1">
+                <a:schemeClr val="dk1"/>
+              </a:lnRef>
+              <a:fillRef idx="0">
+                <a:schemeClr val="dk1"/>
+              </a:fillRef>
+              <a:effectRef idx="0">
+                <a:schemeClr val="dk1"/>
+              </a:effectRef>
+              <a:fontRef idx="minor">
+                <a:schemeClr val="tx1"/>
+              </a:fontRef>
+            </p:style>
+          </p:cxnSp>
+        </p:grpSp>
+        <p:grpSp>
+          <p:nvGrpSpPr>
+            <p:cNvPr id="153" name="그룹 152">
+              <a:extLst>
+                <a:ext uri="{FF2B5EF4-FFF2-40B4-BE49-F238E27FC236}">
+                  <a16:creationId xmlns:a16="http://schemas.microsoft.com/office/drawing/2014/main" id="{7D5C3A26-FDCE-458B-900A-112BEEC5DDDF}"/>
+                </a:ext>
+              </a:extLst>
+            </p:cNvPr>
+            <p:cNvGrpSpPr/>
+            <p:nvPr/>
+          </p:nvGrpSpPr>
+          <p:grpSpPr>
+            <a:xfrm>
+              <a:off x="8781429" y="2565589"/>
+              <a:ext cx="144016" cy="1599376"/>
+              <a:chOff x="7900742" y="604138"/>
+              <a:chExt cx="144016" cy="1599376"/>
+            </a:xfrm>
+          </p:grpSpPr>
+          <p:cxnSp>
+            <p:nvCxnSpPr>
+              <p:cNvPr id="154" name="직선 연결선 153">
+                <a:extLst>
+                  <a:ext uri="{FF2B5EF4-FFF2-40B4-BE49-F238E27FC236}">
+                    <a16:creationId xmlns:a16="http://schemas.microsoft.com/office/drawing/2014/main" id="{F9D8567C-A988-4E8C-ABEB-C25ACFBF4C4D}"/>
+                  </a:ext>
+                </a:extLst>
+              </p:cNvPr>
+              <p:cNvCxnSpPr/>
+              <p:nvPr/>
+            </p:nvCxnSpPr>
+            <p:spPr>
+              <a:xfrm flipH="1">
+                <a:off x="8044758" y="604138"/>
+                <a:ext cx="0" cy="1599376"/>
+              </a:xfrm>
+              <a:prstGeom prst="line">
+                <a:avLst/>
+              </a:prstGeom>
+              <a:ln w="19050"/>
+            </p:spPr>
+            <p:style>
+              <a:lnRef idx="1">
+                <a:schemeClr val="dk1"/>
+              </a:lnRef>
+              <a:fillRef idx="0">
+                <a:schemeClr val="dk1"/>
+              </a:fillRef>
+              <a:effectRef idx="0">
+                <a:schemeClr val="dk1"/>
+              </a:effectRef>
+              <a:fontRef idx="minor">
+                <a:schemeClr val="tx1"/>
+              </a:fontRef>
+            </p:style>
+          </p:cxnSp>
+          <p:cxnSp>
+            <p:nvCxnSpPr>
+              <p:cNvPr id="155" name="직선 연결선 154">
+                <a:extLst>
+                  <a:ext uri="{FF2B5EF4-FFF2-40B4-BE49-F238E27FC236}">
+                    <a16:creationId xmlns:a16="http://schemas.microsoft.com/office/drawing/2014/main" id="{596A3671-FD73-4051-8D0D-78508CAA0832}"/>
+                  </a:ext>
+                </a:extLst>
+              </p:cNvPr>
+              <p:cNvCxnSpPr/>
+              <p:nvPr/>
+            </p:nvCxnSpPr>
+            <p:spPr>
+              <a:xfrm flipH="1">
+                <a:off x="7900742" y="607908"/>
+                <a:ext cx="144016" cy="0"/>
+              </a:xfrm>
+              <a:prstGeom prst="line">
+                <a:avLst/>
+              </a:prstGeom>
+              <a:ln w="19050"/>
+            </p:spPr>
+            <p:style>
+              <a:lnRef idx="1">
+                <a:schemeClr val="dk1"/>
+              </a:lnRef>
+              <a:fillRef idx="0">
+                <a:schemeClr val="dk1"/>
+              </a:fillRef>
+              <a:effectRef idx="0">
+                <a:schemeClr val="dk1"/>
+              </a:effectRef>
+              <a:fontRef idx="minor">
+                <a:schemeClr val="tx1"/>
+              </a:fontRef>
+            </p:style>
+          </p:cxnSp>
+          <p:cxnSp>
+            <p:nvCxnSpPr>
+              <p:cNvPr id="156" name="직선 연결선 155">
+                <a:extLst>
+                  <a:ext uri="{FF2B5EF4-FFF2-40B4-BE49-F238E27FC236}">
+                    <a16:creationId xmlns:a16="http://schemas.microsoft.com/office/drawing/2014/main" id="{9CC6710D-AE3E-42E6-B793-25988724753C}"/>
+                  </a:ext>
+                </a:extLst>
+              </p:cNvPr>
+              <p:cNvCxnSpPr/>
+              <p:nvPr/>
+            </p:nvCxnSpPr>
+            <p:spPr>
+              <a:xfrm flipH="1">
+                <a:off x="7900742" y="2199362"/>
+                <a:ext cx="144016" cy="0"/>
+              </a:xfrm>
+              <a:prstGeom prst="line">
+                <a:avLst/>
+              </a:prstGeom>
+              <a:ln w="19050"/>
+            </p:spPr>
+            <p:style>
+              <a:lnRef idx="1">
+                <a:schemeClr val="dk1"/>
+              </a:lnRef>
+              <a:fillRef idx="0">
+                <a:schemeClr val="dk1"/>
+              </a:fillRef>
+              <a:effectRef idx="0">
+                <a:schemeClr val="dk1"/>
+              </a:effectRef>
+              <a:fontRef idx="minor">
+                <a:schemeClr val="tx1"/>
+              </a:fontRef>
+            </p:style>
+          </p:cxnSp>
+        </p:grpSp>
+        <p:sp>
+          <p:nvSpPr>
+            <p:cNvPr id="157" name="직사각형 156">
+              <a:extLst>
+                <a:ext uri="{FF2B5EF4-FFF2-40B4-BE49-F238E27FC236}">
+                  <a16:creationId xmlns:a16="http://schemas.microsoft.com/office/drawing/2014/main" id="{D14339D0-AEAD-4B14-9388-4B245569F81C}"/>
+                </a:ext>
+              </a:extLst>
+            </p:cNvPr>
+            <p:cNvSpPr/>
+            <p:nvPr/>
+          </p:nvSpPr>
+          <p:spPr>
+            <a:xfrm rot="5400000">
+              <a:off x="6863353" y="3194103"/>
+              <a:ext cx="1568491" cy="316800"/>
+            </a:xfrm>
+            <a:prstGeom prst="rect">
+              <a:avLst/>
+            </a:prstGeom>
+            <a:solidFill>
+              <a:srgbClr val="FBF05F"/>
+            </a:solidFill>
+            <a:ln>
+              <a:noFill/>
+            </a:ln>
+          </p:spPr>
+          <p:style>
+            <a:lnRef idx="2">
+              <a:schemeClr val="accent1">
+                <a:shade val="50000"/>
+              </a:schemeClr>
+            </a:lnRef>
+            <a:fillRef idx="1">
+              <a:schemeClr val="accent1"/>
+            </a:fillRef>
+            <a:effectRef idx="0">
+              <a:schemeClr val="accent1"/>
+            </a:effectRef>
+            <a:fontRef idx="minor">
+              <a:schemeClr val="lt1"/>
+            </a:fontRef>
+          </p:style>
+          <p:txBody>
+            <a:bodyPr rtlCol="0" anchor="ctr"/>
+            <a:lstStyle/>
+            <a:p>
+              <a:pPr algn="ctr"/>
+              <a:endParaRPr lang="ko-KR" altLang="en-US"/>
+            </a:p>
+          </p:txBody>
+        </p:sp>
+      </p:grpSp>
+      <p:grpSp>
+        <p:nvGrpSpPr>
+          <p:cNvPr id="196" name="그룹 195">
+            <a:extLst>
+              <a:ext uri="{FF2B5EF4-FFF2-40B4-BE49-F238E27FC236}">
+                <a16:creationId xmlns:a16="http://schemas.microsoft.com/office/drawing/2014/main" id="{91DE9A1E-ABE8-480D-8F41-F4D9326DFED2}"/>
+              </a:ext>
+            </a:extLst>
+          </p:cNvPr>
+          <p:cNvGrpSpPr/>
+          <p:nvPr/>
+        </p:nvGrpSpPr>
+        <p:grpSpPr>
+          <a:xfrm>
+            <a:off x="12224211" y="5426168"/>
+            <a:ext cx="3507473" cy="1862048"/>
+            <a:chOff x="5747406" y="4653924"/>
+            <a:chExt cx="3507473" cy="1862048"/>
+          </a:xfrm>
+        </p:grpSpPr>
+        <mc:AlternateContent xmlns:mc="http://schemas.openxmlformats.org/markup-compatibility/2006">
+          <mc:Choice xmlns:a14="http://schemas.microsoft.com/office/drawing/2010/main" Requires="a14">
+            <p:sp>
+              <p:nvSpPr>
+                <p:cNvPr id="178" name="TextBox 177">
+                  <a:extLst>
+                    <a:ext uri="{FF2B5EF4-FFF2-40B4-BE49-F238E27FC236}">
+                      <a16:creationId xmlns:a16="http://schemas.microsoft.com/office/drawing/2014/main" id="{34BCE373-436C-41D5-BDCB-5AB4944E9921}"/>
+                    </a:ext>
+                  </a:extLst>
+                </p:cNvPr>
+                <p:cNvSpPr txBox="1"/>
+                <p:nvPr/>
+              </p:nvSpPr>
+              <p:spPr>
+                <a:xfrm>
+                  <a:off x="5747406" y="4653924"/>
+                  <a:ext cx="1651414" cy="1862048"/>
+                </a:xfrm>
+                <a:prstGeom prst="rect">
+                  <a:avLst/>
+                </a:prstGeom>
+                <a:noFill/>
+              </p:spPr>
+              <p:txBody>
+                <a:bodyPr wrap="none" rtlCol="0">
+                  <a:spAutoFit/>
+                </a:bodyPr>
+                <a:lstStyle/>
+                <a:p>
+                  <a14:m>
+                    <m:oMathPara xmlns:m="http://schemas.openxmlformats.org/officeDocument/2006/math">
+                      <m:oMathParaPr>
+                        <m:jc m:val="centerGroup"/>
+                      </m:oMathParaPr>
+                      <m:oMath xmlns:m="http://schemas.openxmlformats.org/officeDocument/2006/math">
+                        <m:r>
+                          <a:rPr lang="en-US" altLang="ko-KR" sz="11500" i="1" dirty="0" smtClean="0">
+                            <a:latin typeface="Cambria Math" panose="02040503050406030204" pitchFamily="18" charset="0"/>
+                          </a:rPr>
+                          <m:t>𝐴</m:t>
+                        </m:r>
+                      </m:oMath>
+                    </m:oMathPara>
+                  </a14:m>
+                  <a:endParaRPr lang="ko-KR" altLang="en-US" sz="11500" dirty="0"/>
+                </a:p>
+              </p:txBody>
+            </p:sp>
+          </mc:Choice>
+          <mc:Fallback>
+            <p:sp>
+              <p:nvSpPr>
+                <p:cNvPr id="178" name="TextBox 177">
+                  <a:extLst>
+                    <a:ext uri="{FF2B5EF4-FFF2-40B4-BE49-F238E27FC236}">
+                      <a16:creationId xmlns:a16="http://schemas.microsoft.com/office/drawing/2014/main" id="{34BCE373-436C-41D5-BDCB-5AB4944E9921}"/>
+                    </a:ext>
+                  </a:extLst>
+                </p:cNvPr>
+                <p:cNvSpPr txBox="1">
+                  <a:spLocks noRot="1" noChangeAspect="1" noMove="1" noResize="1" noEditPoints="1" noAdjustHandles="1" noChangeArrowheads="1" noChangeShapeType="1" noTextEdit="1"/>
+                </p:cNvSpPr>
+                <p:nvPr/>
+              </p:nvSpPr>
+              <p:spPr>
+                <a:xfrm>
+                  <a:off x="5747406" y="4653924"/>
+                  <a:ext cx="1651414" cy="1862048"/>
+                </a:xfrm>
+                <a:prstGeom prst="rect">
+                  <a:avLst/>
+                </a:prstGeom>
+                <a:blipFill>
+                  <a:blip r:embed="rId13"/>
+                  <a:stretch>
+                    <a:fillRect/>
+                  </a:stretch>
+                </a:blipFill>
+              </p:spPr>
+              <p:txBody>
+                <a:bodyPr/>
+                <a:lstStyle/>
+                <a:p>
+                  <a:r>
+                    <a:rPr lang="ko-KR" altLang="en-US">
+                      <a:noFill/>
+                    </a:rPr>
+                    <a:t> </a:t>
+                  </a:r>
+                </a:p>
+              </p:txBody>
+            </p:sp>
+          </mc:Fallback>
+        </mc:AlternateContent>
+        <mc:AlternateContent xmlns:mc="http://schemas.openxmlformats.org/markup-compatibility/2006">
+          <mc:Choice xmlns:a14="http://schemas.microsoft.com/office/drawing/2010/main" Requires="a14">
+            <p:sp>
+              <p:nvSpPr>
+                <p:cNvPr id="179" name="TextBox 178">
+                  <a:extLst>
+                    <a:ext uri="{FF2B5EF4-FFF2-40B4-BE49-F238E27FC236}">
+                      <a16:creationId xmlns:a16="http://schemas.microsoft.com/office/drawing/2014/main" id="{09BC1ABE-E49B-4ED5-90DA-24D22F16B5A6}"/>
+                    </a:ext>
+                  </a:extLst>
+                </p:cNvPr>
+                <p:cNvSpPr txBox="1"/>
+                <p:nvPr/>
+              </p:nvSpPr>
+              <p:spPr>
+                <a:xfrm>
+                  <a:off x="7135441" y="5417922"/>
+                  <a:ext cx="431528" cy="369332"/>
+                </a:xfrm>
+                <a:prstGeom prst="rect">
+                  <a:avLst/>
+                </a:prstGeom>
+                <a:noFill/>
+              </p:spPr>
+              <p:txBody>
+                <a:bodyPr wrap="none" rtlCol="0">
+                  <a:spAutoFit/>
+                </a:bodyPr>
+                <a:lstStyle/>
+                <a:p>
+                  <a:pPr/>
+                  <a14:m>
+                    <m:oMathPara xmlns:m="http://schemas.openxmlformats.org/officeDocument/2006/math">
+                      <m:oMathParaPr>
+                        <m:jc m:val="centerGroup"/>
+                      </m:oMathParaPr>
+                      <m:oMath xmlns:m="http://schemas.openxmlformats.org/officeDocument/2006/math">
+                        <m:r>
+                          <a:rPr lang="en-US" altLang="ko-KR" b="0" i="1" smtClean="0">
+                            <a:latin typeface="Cambria Math"/>
+                          </a:rPr>
+                          <m:t>×</m:t>
+                        </m:r>
+                      </m:oMath>
+                    </m:oMathPara>
+                  </a14:m>
+                  <a:endParaRPr lang="ko-KR" altLang="en-US" dirty="0"/>
+                </a:p>
+              </p:txBody>
+            </p:sp>
+          </mc:Choice>
+          <mc:Fallback>
+            <p:sp>
+              <p:nvSpPr>
+                <p:cNvPr id="179" name="TextBox 178">
+                  <a:extLst>
+                    <a:ext uri="{FF2B5EF4-FFF2-40B4-BE49-F238E27FC236}">
+                      <a16:creationId xmlns:a16="http://schemas.microsoft.com/office/drawing/2014/main" id="{09BC1ABE-E49B-4ED5-90DA-24D22F16B5A6}"/>
+                    </a:ext>
+                  </a:extLst>
+                </p:cNvPr>
+                <p:cNvSpPr txBox="1">
+                  <a:spLocks noRot="1" noChangeAspect="1" noMove="1" noResize="1" noEditPoints="1" noAdjustHandles="1" noChangeArrowheads="1" noChangeShapeType="1" noTextEdit="1"/>
+                </p:cNvSpPr>
+                <p:nvPr/>
+              </p:nvSpPr>
+              <p:spPr>
+                <a:xfrm>
+                  <a:off x="7135441" y="5417922"/>
+                  <a:ext cx="431528" cy="369332"/>
+                </a:xfrm>
+                <a:prstGeom prst="rect">
+                  <a:avLst/>
+                </a:prstGeom>
+                <a:blipFill>
+                  <a:blip r:embed="rId14"/>
+                  <a:stretch>
+                    <a:fillRect/>
+                  </a:stretch>
+                </a:blipFill>
+              </p:spPr>
+              <p:txBody>
+                <a:bodyPr/>
+                <a:lstStyle/>
+                <a:p>
+                  <a:r>
+                    <a:rPr lang="ko-KR" altLang="en-US">
+                      <a:noFill/>
+                    </a:rPr>
+                    <a:t> </a:t>
+                  </a:r>
+                </a:p>
+              </p:txBody>
+            </p:sp>
+          </mc:Fallback>
+        </mc:AlternateContent>
+        <mc:AlternateContent xmlns:mc="http://schemas.openxmlformats.org/markup-compatibility/2006">
+          <mc:Choice xmlns:a14="http://schemas.microsoft.com/office/drawing/2010/main" Requires="a14">
+            <p:sp>
+              <p:nvSpPr>
+                <p:cNvPr id="180" name="TextBox 179">
+                  <a:extLst>
+                    <a:ext uri="{FF2B5EF4-FFF2-40B4-BE49-F238E27FC236}">
+                      <a16:creationId xmlns:a16="http://schemas.microsoft.com/office/drawing/2014/main" id="{2F10FB60-64E0-4668-9A87-2FBE4B7BBAAD}"/>
+                    </a:ext>
+                  </a:extLst>
+                </p:cNvPr>
+                <p:cNvSpPr txBox="1"/>
+                <p:nvPr/>
+              </p:nvSpPr>
+              <p:spPr>
+                <a:xfrm>
+                  <a:off x="8394075" y="5400282"/>
+                  <a:ext cx="439544" cy="369332"/>
+                </a:xfrm>
+                <a:prstGeom prst="rect">
+                  <a:avLst/>
+                </a:prstGeom>
+                <a:noFill/>
+              </p:spPr>
+              <p:txBody>
+                <a:bodyPr wrap="none" rtlCol="0">
+                  <a:spAutoFit/>
+                </a:bodyPr>
+                <a:lstStyle/>
+                <a:p>
+                  <a:pPr/>
+                  <a14:m>
+                    <m:oMathPara xmlns:m="http://schemas.openxmlformats.org/officeDocument/2006/math">
+                      <m:oMathParaPr>
+                        <m:jc m:val="centerGroup"/>
+                      </m:oMathParaPr>
+                      <m:oMath xmlns:m="http://schemas.openxmlformats.org/officeDocument/2006/math">
+                        <m:r>
+                          <a:rPr lang="en-US" altLang="ko-KR" b="0" i="1" smtClean="0">
+                            <a:latin typeface="Cambria Math"/>
+                          </a:rPr>
+                          <m:t>=</m:t>
+                        </m:r>
+                      </m:oMath>
+                    </m:oMathPara>
+                  </a14:m>
+                  <a:endParaRPr lang="ko-KR" altLang="en-US" dirty="0"/>
+                </a:p>
+              </p:txBody>
+            </p:sp>
+          </mc:Choice>
+          <mc:Fallback>
+            <p:sp>
+              <p:nvSpPr>
+                <p:cNvPr id="180" name="TextBox 179">
+                  <a:extLst>
+                    <a:ext uri="{FF2B5EF4-FFF2-40B4-BE49-F238E27FC236}">
+                      <a16:creationId xmlns:a16="http://schemas.microsoft.com/office/drawing/2014/main" id="{2F10FB60-64E0-4668-9A87-2FBE4B7BBAAD}"/>
+                    </a:ext>
+                  </a:extLst>
+                </p:cNvPr>
+                <p:cNvSpPr txBox="1">
+                  <a:spLocks noRot="1" noChangeAspect="1" noMove="1" noResize="1" noEditPoints="1" noAdjustHandles="1" noChangeArrowheads="1" noChangeShapeType="1" noTextEdit="1"/>
+                </p:cNvSpPr>
+                <p:nvPr/>
+              </p:nvSpPr>
+              <p:spPr>
+                <a:xfrm>
+                  <a:off x="8394075" y="5400282"/>
+                  <a:ext cx="439544" cy="369332"/>
+                </a:xfrm>
+                <a:prstGeom prst="rect">
+                  <a:avLst/>
+                </a:prstGeom>
+                <a:blipFill>
+                  <a:blip r:embed="rId15"/>
+                  <a:stretch>
+                    <a:fillRect/>
+                  </a:stretch>
+                </a:blipFill>
+              </p:spPr>
+              <p:txBody>
+                <a:bodyPr/>
+                <a:lstStyle/>
+                <a:p>
+                  <a:r>
+                    <a:rPr lang="ko-KR" altLang="en-US">
+                      <a:noFill/>
+                    </a:rPr>
+                    <a:t> </a:t>
+                  </a:r>
+                </a:p>
+              </p:txBody>
+            </p:sp>
+          </mc:Fallback>
+        </mc:AlternateContent>
+        <p:grpSp>
+          <p:nvGrpSpPr>
+            <p:cNvPr id="181" name="그룹 180">
+              <a:extLst>
+                <a:ext uri="{FF2B5EF4-FFF2-40B4-BE49-F238E27FC236}">
+                  <a16:creationId xmlns:a16="http://schemas.microsoft.com/office/drawing/2014/main" id="{76C6F5E8-D04B-40AF-B850-7224A20D5EDB}"/>
+                </a:ext>
+              </a:extLst>
+            </p:cNvPr>
+            <p:cNvGrpSpPr/>
+            <p:nvPr/>
+          </p:nvGrpSpPr>
+          <p:grpSpPr>
+            <a:xfrm>
+              <a:off x="8852593" y="4744730"/>
+              <a:ext cx="311304" cy="1715716"/>
+              <a:chOff x="6297435" y="548680"/>
+              <a:chExt cx="311304" cy="1715716"/>
+            </a:xfrm>
+          </p:grpSpPr>
+          <p:sp>
+            <p:nvSpPr>
+              <p:cNvPr id="191" name="TextBox 190">
+                <a:extLst>
+                  <a:ext uri="{FF2B5EF4-FFF2-40B4-BE49-F238E27FC236}">
+                    <a16:creationId xmlns:a16="http://schemas.microsoft.com/office/drawing/2014/main" id="{4FF7BF3A-005C-464A-8887-DF891E7640B8}"/>
+                  </a:ext>
+                </a:extLst>
+              </p:cNvPr>
+              <p:cNvSpPr txBox="1"/>
+              <p:nvPr/>
+            </p:nvSpPr>
+            <p:spPr>
+              <a:xfrm>
+                <a:off x="6297435" y="548680"/>
+                <a:ext cx="311304" cy="369332"/>
+              </a:xfrm>
+              <a:prstGeom prst="rect">
+                <a:avLst/>
+              </a:prstGeom>
+              <a:noFill/>
+            </p:spPr>
+            <p:txBody>
+              <a:bodyPr wrap="none" rtlCol="0">
+                <a:spAutoFit/>
+              </a:bodyPr>
+              <a:lstStyle/>
+              <a:p>
+                <a:r>
+                  <a:rPr lang="en-US" altLang="ko-KR" dirty="0"/>
+                  <a:t>0</a:t>
+                </a:r>
+                <a:endParaRPr lang="ko-KR" altLang="en-US" dirty="0"/>
+              </a:p>
+            </p:txBody>
+          </p:sp>
+          <p:sp>
+            <p:nvSpPr>
+              <p:cNvPr id="192" name="TextBox 191">
+                <a:extLst>
+                  <a:ext uri="{FF2B5EF4-FFF2-40B4-BE49-F238E27FC236}">
+                    <a16:creationId xmlns:a16="http://schemas.microsoft.com/office/drawing/2014/main" id="{E4BFE04A-4EA5-4769-BB48-90593C440BDC}"/>
+                  </a:ext>
+                </a:extLst>
+              </p:cNvPr>
+              <p:cNvSpPr txBox="1"/>
+              <p:nvPr/>
+            </p:nvSpPr>
+            <p:spPr>
+              <a:xfrm>
+                <a:off x="6297435" y="885276"/>
+                <a:ext cx="311304" cy="369332"/>
+              </a:xfrm>
+              <a:prstGeom prst="rect">
+                <a:avLst/>
+              </a:prstGeom>
+              <a:noFill/>
+            </p:spPr>
+            <p:txBody>
+              <a:bodyPr wrap="none" rtlCol="0">
+                <a:spAutoFit/>
+              </a:bodyPr>
+              <a:lstStyle/>
+              <a:p>
+                <a:r>
+                  <a:rPr lang="en-US" altLang="ko-KR" dirty="0"/>
+                  <a:t>0</a:t>
+                </a:r>
+                <a:endParaRPr lang="ko-KR" altLang="en-US" dirty="0"/>
+              </a:p>
+            </p:txBody>
+          </p:sp>
+          <p:sp>
+            <p:nvSpPr>
+              <p:cNvPr id="193" name="TextBox 192">
+                <a:extLst>
+                  <a:ext uri="{FF2B5EF4-FFF2-40B4-BE49-F238E27FC236}">
+                    <a16:creationId xmlns:a16="http://schemas.microsoft.com/office/drawing/2014/main" id="{F3C84539-5D4E-4E86-B2E7-9D81B126BBAF}"/>
+                  </a:ext>
+                </a:extLst>
+              </p:cNvPr>
+              <p:cNvSpPr txBox="1"/>
+              <p:nvPr/>
+            </p:nvSpPr>
+            <p:spPr>
+              <a:xfrm>
+                <a:off x="6297435" y="1221872"/>
+                <a:ext cx="311304" cy="369332"/>
+              </a:xfrm>
+              <a:prstGeom prst="rect">
+                <a:avLst/>
+              </a:prstGeom>
+              <a:noFill/>
+            </p:spPr>
+            <p:txBody>
+              <a:bodyPr wrap="none" rtlCol="0">
+                <a:spAutoFit/>
+              </a:bodyPr>
+              <a:lstStyle/>
+              <a:p>
+                <a:r>
+                  <a:rPr lang="en-US" altLang="ko-KR" dirty="0"/>
+                  <a:t>0</a:t>
+                </a:r>
+                <a:endParaRPr lang="ko-KR" altLang="en-US" dirty="0"/>
+              </a:p>
+            </p:txBody>
+          </p:sp>
+          <p:sp>
+            <p:nvSpPr>
+              <p:cNvPr id="194" name="TextBox 193">
+                <a:extLst>
+                  <a:ext uri="{FF2B5EF4-FFF2-40B4-BE49-F238E27FC236}">
+                    <a16:creationId xmlns:a16="http://schemas.microsoft.com/office/drawing/2014/main" id="{C1F17F1A-7740-4362-8308-EDC81860A5BA}"/>
+                  </a:ext>
+                </a:extLst>
+              </p:cNvPr>
+              <p:cNvSpPr txBox="1"/>
+              <p:nvPr/>
+            </p:nvSpPr>
+            <p:spPr>
+              <a:xfrm>
+                <a:off x="6297435" y="1558468"/>
+                <a:ext cx="311304" cy="369332"/>
+              </a:xfrm>
+              <a:prstGeom prst="rect">
+                <a:avLst/>
+              </a:prstGeom>
+              <a:noFill/>
+            </p:spPr>
+            <p:txBody>
+              <a:bodyPr wrap="none" rtlCol="0">
+                <a:spAutoFit/>
+              </a:bodyPr>
+              <a:lstStyle/>
+              <a:p>
+                <a:r>
+                  <a:rPr lang="en-US" altLang="ko-KR" dirty="0"/>
+                  <a:t>1</a:t>
+                </a:r>
+                <a:endParaRPr lang="ko-KR" altLang="en-US" dirty="0"/>
+              </a:p>
+            </p:txBody>
+          </p:sp>
+          <p:sp>
+            <p:nvSpPr>
+              <p:cNvPr id="195" name="TextBox 194">
+                <a:extLst>
+                  <a:ext uri="{FF2B5EF4-FFF2-40B4-BE49-F238E27FC236}">
+                    <a16:creationId xmlns:a16="http://schemas.microsoft.com/office/drawing/2014/main" id="{6DC370A7-A552-4BFE-B7E0-A1C97728494E}"/>
+                  </a:ext>
+                </a:extLst>
+              </p:cNvPr>
+              <p:cNvSpPr txBox="1"/>
+              <p:nvPr/>
+            </p:nvSpPr>
+            <p:spPr>
+              <a:xfrm>
+                <a:off x="6297435" y="1895064"/>
+                <a:ext cx="311304" cy="369332"/>
+              </a:xfrm>
+              <a:prstGeom prst="rect">
+                <a:avLst/>
+              </a:prstGeom>
+              <a:noFill/>
+            </p:spPr>
+            <p:txBody>
+              <a:bodyPr wrap="none" rtlCol="0">
+                <a:spAutoFit/>
+              </a:bodyPr>
+              <a:lstStyle/>
+              <a:p>
+                <a:r>
+                  <a:rPr lang="en-US" altLang="ko-KR" dirty="0"/>
+                  <a:t>0</a:t>
+                </a:r>
+                <a:endParaRPr lang="ko-KR" altLang="en-US" dirty="0"/>
+              </a:p>
+            </p:txBody>
+          </p:sp>
+        </p:grpSp>
+        <p:grpSp>
+          <p:nvGrpSpPr>
+            <p:cNvPr id="182" name="그룹 181">
+              <a:extLst>
+                <a:ext uri="{FF2B5EF4-FFF2-40B4-BE49-F238E27FC236}">
+                  <a16:creationId xmlns:a16="http://schemas.microsoft.com/office/drawing/2014/main" id="{9BBCFECF-276D-4ECD-BFA0-CF7F3DFD5262}"/>
+                </a:ext>
+              </a:extLst>
+            </p:cNvPr>
+            <p:cNvGrpSpPr/>
+            <p:nvPr/>
+          </p:nvGrpSpPr>
+          <p:grpSpPr>
+            <a:xfrm>
+              <a:off x="8761611" y="4757505"/>
+              <a:ext cx="144016" cy="1599376"/>
+              <a:chOff x="6172550" y="605488"/>
+              <a:chExt cx="144016" cy="1599376"/>
+            </a:xfrm>
+          </p:grpSpPr>
+          <p:cxnSp>
+            <p:nvCxnSpPr>
+              <p:cNvPr id="188" name="직선 연결선 187">
+                <a:extLst>
+                  <a:ext uri="{FF2B5EF4-FFF2-40B4-BE49-F238E27FC236}">
+                    <a16:creationId xmlns:a16="http://schemas.microsoft.com/office/drawing/2014/main" id="{081215A8-258F-4F8F-B907-48DCE540CAF9}"/>
+                  </a:ext>
+                </a:extLst>
+              </p:cNvPr>
+              <p:cNvCxnSpPr/>
+              <p:nvPr/>
+            </p:nvCxnSpPr>
+            <p:spPr>
+              <a:xfrm>
+                <a:off x="6172550" y="605488"/>
+                <a:ext cx="0" cy="1599376"/>
+              </a:xfrm>
+              <a:prstGeom prst="line">
+                <a:avLst/>
+              </a:prstGeom>
+              <a:ln w="19050"/>
+            </p:spPr>
+            <p:style>
+              <a:lnRef idx="1">
+                <a:schemeClr val="dk1"/>
+              </a:lnRef>
+              <a:fillRef idx="0">
+                <a:schemeClr val="dk1"/>
+              </a:fillRef>
+              <a:effectRef idx="0">
+                <a:schemeClr val="dk1"/>
+              </a:effectRef>
+              <a:fontRef idx="minor">
+                <a:schemeClr val="tx1"/>
+              </a:fontRef>
+            </p:style>
+          </p:cxnSp>
+          <p:cxnSp>
+            <p:nvCxnSpPr>
+              <p:cNvPr id="189" name="직선 연결선 188">
+                <a:extLst>
+                  <a:ext uri="{FF2B5EF4-FFF2-40B4-BE49-F238E27FC236}">
+                    <a16:creationId xmlns:a16="http://schemas.microsoft.com/office/drawing/2014/main" id="{3BD2EC2A-E5F4-455E-8332-6BD88FB86887}"/>
+                  </a:ext>
+                </a:extLst>
+              </p:cNvPr>
+              <p:cNvCxnSpPr/>
+              <p:nvPr/>
+            </p:nvCxnSpPr>
+            <p:spPr>
+              <a:xfrm>
+                <a:off x="6172550" y="609258"/>
+                <a:ext cx="144016" cy="0"/>
+              </a:xfrm>
+              <a:prstGeom prst="line">
+                <a:avLst/>
+              </a:prstGeom>
+              <a:ln w="19050"/>
+            </p:spPr>
+            <p:style>
+              <a:lnRef idx="1">
+                <a:schemeClr val="dk1"/>
+              </a:lnRef>
+              <a:fillRef idx="0">
+                <a:schemeClr val="dk1"/>
+              </a:fillRef>
+              <a:effectRef idx="0">
+                <a:schemeClr val="dk1"/>
+              </a:effectRef>
+              <a:fontRef idx="minor">
+                <a:schemeClr val="tx1"/>
+              </a:fontRef>
+            </p:style>
+          </p:cxnSp>
+          <p:cxnSp>
+            <p:nvCxnSpPr>
+              <p:cNvPr id="190" name="직선 연결선 189">
+                <a:extLst>
+                  <a:ext uri="{FF2B5EF4-FFF2-40B4-BE49-F238E27FC236}">
+                    <a16:creationId xmlns:a16="http://schemas.microsoft.com/office/drawing/2014/main" id="{5B60AAF0-74CE-46B1-A96B-57F8A99BA3BB}"/>
+                  </a:ext>
+                </a:extLst>
+              </p:cNvPr>
+              <p:cNvCxnSpPr/>
+              <p:nvPr/>
+            </p:nvCxnSpPr>
+            <p:spPr>
+              <a:xfrm>
+                <a:off x="6172550" y="2200712"/>
+                <a:ext cx="144016" cy="0"/>
+              </a:xfrm>
+              <a:prstGeom prst="line">
+                <a:avLst/>
+              </a:prstGeom>
+              <a:ln w="19050"/>
+            </p:spPr>
+            <p:style>
+              <a:lnRef idx="1">
+                <a:schemeClr val="dk1"/>
+              </a:lnRef>
+              <a:fillRef idx="0">
+                <a:schemeClr val="dk1"/>
+              </a:fillRef>
+              <a:effectRef idx="0">
+                <a:schemeClr val="dk1"/>
+              </a:effectRef>
+              <a:fontRef idx="minor">
+                <a:schemeClr val="tx1"/>
+              </a:fontRef>
+            </p:style>
+          </p:cxnSp>
+        </p:grpSp>
+        <p:grpSp>
+          <p:nvGrpSpPr>
+            <p:cNvPr id="183" name="그룹 182">
+              <a:extLst>
+                <a:ext uri="{FF2B5EF4-FFF2-40B4-BE49-F238E27FC236}">
+                  <a16:creationId xmlns:a16="http://schemas.microsoft.com/office/drawing/2014/main" id="{33E160BD-85E6-46F9-9CDF-C16AD86B4D16}"/>
+                </a:ext>
+              </a:extLst>
+            </p:cNvPr>
+            <p:cNvGrpSpPr/>
+            <p:nvPr/>
+          </p:nvGrpSpPr>
+          <p:grpSpPr>
+            <a:xfrm>
+              <a:off x="9110863" y="4770280"/>
+              <a:ext cx="144016" cy="1599376"/>
+              <a:chOff x="7900742" y="604138"/>
+              <a:chExt cx="144016" cy="1599376"/>
+            </a:xfrm>
+          </p:grpSpPr>
+          <p:cxnSp>
+            <p:nvCxnSpPr>
+              <p:cNvPr id="185" name="직선 연결선 184">
+                <a:extLst>
+                  <a:ext uri="{FF2B5EF4-FFF2-40B4-BE49-F238E27FC236}">
+                    <a16:creationId xmlns:a16="http://schemas.microsoft.com/office/drawing/2014/main" id="{69EFB300-A895-47E3-B9B7-4895314835CD}"/>
+                  </a:ext>
+                </a:extLst>
+              </p:cNvPr>
+              <p:cNvCxnSpPr/>
+              <p:nvPr/>
+            </p:nvCxnSpPr>
+            <p:spPr>
+              <a:xfrm flipH="1">
+                <a:off x="8044758" y="604138"/>
+                <a:ext cx="0" cy="1599376"/>
+              </a:xfrm>
+              <a:prstGeom prst="line">
+                <a:avLst/>
+              </a:prstGeom>
+              <a:ln w="19050"/>
+            </p:spPr>
+            <p:style>
+              <a:lnRef idx="1">
+                <a:schemeClr val="dk1"/>
+              </a:lnRef>
+              <a:fillRef idx="0">
+                <a:schemeClr val="dk1"/>
+              </a:fillRef>
+              <a:effectRef idx="0">
+                <a:schemeClr val="dk1"/>
+              </a:effectRef>
+              <a:fontRef idx="minor">
+                <a:schemeClr val="tx1"/>
+              </a:fontRef>
+            </p:style>
+          </p:cxnSp>
+          <p:cxnSp>
+            <p:nvCxnSpPr>
+              <p:cNvPr id="186" name="직선 연결선 185">
+                <a:extLst>
+                  <a:ext uri="{FF2B5EF4-FFF2-40B4-BE49-F238E27FC236}">
+                    <a16:creationId xmlns:a16="http://schemas.microsoft.com/office/drawing/2014/main" id="{A9E66D7F-1594-4C18-AC58-8FAFF2DDFC9F}"/>
+                  </a:ext>
+                </a:extLst>
+              </p:cNvPr>
+              <p:cNvCxnSpPr/>
+              <p:nvPr/>
+            </p:nvCxnSpPr>
+            <p:spPr>
+              <a:xfrm flipH="1">
+                <a:off x="7900742" y="607908"/>
+                <a:ext cx="144016" cy="0"/>
+              </a:xfrm>
+              <a:prstGeom prst="line">
+                <a:avLst/>
+              </a:prstGeom>
+              <a:ln w="19050"/>
+            </p:spPr>
+            <p:style>
+              <a:lnRef idx="1">
+                <a:schemeClr val="dk1"/>
+              </a:lnRef>
+              <a:fillRef idx="0">
+                <a:schemeClr val="dk1"/>
+              </a:fillRef>
+              <a:effectRef idx="0">
+                <a:schemeClr val="dk1"/>
+              </a:effectRef>
+              <a:fontRef idx="minor">
+                <a:schemeClr val="tx1"/>
+              </a:fontRef>
+            </p:style>
+          </p:cxnSp>
+          <p:cxnSp>
+            <p:nvCxnSpPr>
+              <p:cNvPr id="187" name="직선 연결선 186">
+                <a:extLst>
+                  <a:ext uri="{FF2B5EF4-FFF2-40B4-BE49-F238E27FC236}">
+                    <a16:creationId xmlns:a16="http://schemas.microsoft.com/office/drawing/2014/main" id="{D9592860-9FDC-4151-BC91-CD17FD5027E1}"/>
+                  </a:ext>
+                </a:extLst>
+              </p:cNvPr>
+              <p:cNvCxnSpPr/>
+              <p:nvPr/>
+            </p:nvCxnSpPr>
+            <p:spPr>
+              <a:xfrm flipH="1">
+                <a:off x="7900742" y="2199362"/>
+                <a:ext cx="144016" cy="0"/>
+              </a:xfrm>
+              <a:prstGeom prst="line">
+                <a:avLst/>
+              </a:prstGeom>
+              <a:ln w="19050"/>
+            </p:spPr>
+            <p:style>
+              <a:lnRef idx="1">
+                <a:schemeClr val="dk1"/>
+              </a:lnRef>
+              <a:fillRef idx="0">
+                <a:schemeClr val="dk1"/>
+              </a:fillRef>
+              <a:effectRef idx="0">
+                <a:schemeClr val="dk1"/>
+              </a:effectRef>
+              <a:fontRef idx="minor">
+                <a:schemeClr val="tx1"/>
+              </a:fontRef>
+            </p:style>
+          </p:cxnSp>
+        </p:grpSp>
+        <p:sp>
+          <p:nvSpPr>
+            <p:cNvPr id="184" name="직사각형 183">
+              <a:extLst>
+                <a:ext uri="{FF2B5EF4-FFF2-40B4-BE49-F238E27FC236}">
+                  <a16:creationId xmlns:a16="http://schemas.microsoft.com/office/drawing/2014/main" id="{40C3BAA4-A43D-4C54-8476-C00104EE3043}"/>
+                </a:ext>
+              </a:extLst>
+            </p:cNvPr>
+            <p:cNvSpPr/>
+            <p:nvPr/>
+          </p:nvSpPr>
+          <p:spPr>
+            <a:xfrm rot="5400000">
+              <a:off x="7192787" y="5398793"/>
+              <a:ext cx="1568491" cy="316800"/>
+            </a:xfrm>
+            <a:prstGeom prst="rect">
+              <a:avLst/>
+            </a:prstGeom>
+            <a:solidFill>
+              <a:srgbClr val="57E76F"/>
+            </a:solidFill>
+            <a:ln>
+              <a:noFill/>
+            </a:ln>
+          </p:spPr>
+          <p:style>
+            <a:lnRef idx="2">
+              <a:schemeClr val="accent1">
+                <a:shade val="50000"/>
+              </a:schemeClr>
+            </a:lnRef>
+            <a:fillRef idx="1">
+              <a:schemeClr val="accent1"/>
+            </a:fillRef>
+            <a:effectRef idx="0">
+              <a:schemeClr val="accent1"/>
+            </a:effectRef>
+            <a:fontRef idx="minor">
+              <a:schemeClr val="lt1"/>
+            </a:fontRef>
+          </p:style>
+          <p:txBody>
+            <a:bodyPr rtlCol="0" anchor="ctr"/>
+            <a:lstStyle/>
+            <a:p>
+              <a:pPr algn="ctr"/>
+              <a:endParaRPr lang="ko-KR" altLang="en-US"/>
+            </a:p>
+          </p:txBody>
+        </p:sp>
+      </p:grpSp>
+      <p:grpSp>
+        <p:nvGrpSpPr>
+          <p:cNvPr id="236" name="그룹 235">
+            <a:extLst>
+              <a:ext uri="{FF2B5EF4-FFF2-40B4-BE49-F238E27FC236}">
+                <a16:creationId xmlns:a16="http://schemas.microsoft.com/office/drawing/2014/main" id="{C870881B-27E3-4018-9654-245E2280F9E0}"/>
+              </a:ext>
+            </a:extLst>
+          </p:cNvPr>
+          <p:cNvGrpSpPr/>
+          <p:nvPr/>
+        </p:nvGrpSpPr>
+        <p:grpSpPr>
+          <a:xfrm>
+            <a:off x="15943759" y="5426168"/>
+            <a:ext cx="3507473" cy="1862048"/>
+            <a:chOff x="9589206" y="4615014"/>
+            <a:chExt cx="3507473" cy="1862048"/>
+          </a:xfrm>
+        </p:grpSpPr>
+        <mc:AlternateContent xmlns:mc="http://schemas.openxmlformats.org/markup-compatibility/2006">
+          <mc:Choice xmlns:a14="http://schemas.microsoft.com/office/drawing/2010/main" Requires="a14">
+            <p:sp>
+              <p:nvSpPr>
+                <p:cNvPr id="197" name="TextBox 196">
+                  <a:extLst>
+                    <a:ext uri="{FF2B5EF4-FFF2-40B4-BE49-F238E27FC236}">
+                      <a16:creationId xmlns:a16="http://schemas.microsoft.com/office/drawing/2014/main" id="{83585CF3-74F2-4044-B665-CF259A3A3A1F}"/>
+                    </a:ext>
+                  </a:extLst>
+                </p:cNvPr>
+                <p:cNvSpPr txBox="1"/>
+                <p:nvPr/>
+              </p:nvSpPr>
+              <p:spPr>
+                <a:xfrm>
+                  <a:off x="9589206" y="4615014"/>
+                  <a:ext cx="1651414" cy="1862048"/>
+                </a:xfrm>
+                <a:prstGeom prst="rect">
+                  <a:avLst/>
+                </a:prstGeom>
+                <a:noFill/>
+              </p:spPr>
+              <p:txBody>
+                <a:bodyPr wrap="none" rtlCol="0">
+                  <a:spAutoFit/>
+                </a:bodyPr>
+                <a:lstStyle/>
+                <a:p>
+                  <a14:m>
+                    <m:oMathPara xmlns:m="http://schemas.openxmlformats.org/officeDocument/2006/math">
+                      <m:oMathParaPr>
+                        <m:jc m:val="centerGroup"/>
+                      </m:oMathParaPr>
+                      <m:oMath xmlns:m="http://schemas.openxmlformats.org/officeDocument/2006/math">
+                        <m:r>
+                          <a:rPr lang="en-US" altLang="ko-KR" sz="11500" i="1" dirty="0" smtClean="0">
+                            <a:latin typeface="Cambria Math" panose="02040503050406030204" pitchFamily="18" charset="0"/>
+                          </a:rPr>
+                          <m:t>𝐴</m:t>
+                        </m:r>
+                      </m:oMath>
+                    </m:oMathPara>
+                  </a14:m>
+                  <a:endParaRPr lang="ko-KR" altLang="en-US" sz="11500" dirty="0"/>
+                </a:p>
+              </p:txBody>
+            </p:sp>
+          </mc:Choice>
+          <mc:Fallback>
+            <p:sp>
+              <p:nvSpPr>
+                <p:cNvPr id="197" name="TextBox 196">
+                  <a:extLst>
+                    <a:ext uri="{FF2B5EF4-FFF2-40B4-BE49-F238E27FC236}">
+                      <a16:creationId xmlns:a16="http://schemas.microsoft.com/office/drawing/2014/main" id="{83585CF3-74F2-4044-B665-CF259A3A3A1F}"/>
+                    </a:ext>
+                  </a:extLst>
+                </p:cNvPr>
+                <p:cNvSpPr txBox="1">
+                  <a:spLocks noRot="1" noChangeAspect="1" noMove="1" noResize="1" noEditPoints="1" noAdjustHandles="1" noChangeArrowheads="1" noChangeShapeType="1" noTextEdit="1"/>
+                </p:cNvSpPr>
+                <p:nvPr/>
+              </p:nvSpPr>
+              <p:spPr>
+                <a:xfrm>
+                  <a:off x="9589206" y="4615014"/>
+                  <a:ext cx="1651414" cy="1862048"/>
+                </a:xfrm>
+                <a:prstGeom prst="rect">
+                  <a:avLst/>
+                </a:prstGeom>
+                <a:blipFill>
+                  <a:blip r:embed="rId16"/>
+                  <a:stretch>
+                    <a:fillRect/>
+                  </a:stretch>
+                </a:blipFill>
+              </p:spPr>
+              <p:txBody>
+                <a:bodyPr/>
+                <a:lstStyle/>
+                <a:p>
+                  <a:r>
+                    <a:rPr lang="ko-KR" altLang="en-US">
+                      <a:noFill/>
+                    </a:rPr>
+                    <a:t> </a:t>
+                  </a:r>
+                </a:p>
+              </p:txBody>
+            </p:sp>
+          </mc:Fallback>
+        </mc:AlternateContent>
+        <mc:AlternateContent xmlns:mc="http://schemas.openxmlformats.org/markup-compatibility/2006">
+          <mc:Choice xmlns:a14="http://schemas.microsoft.com/office/drawing/2010/main" Requires="a14">
+            <p:sp>
+              <p:nvSpPr>
+                <p:cNvPr id="198" name="TextBox 197">
+                  <a:extLst>
+                    <a:ext uri="{FF2B5EF4-FFF2-40B4-BE49-F238E27FC236}">
+                      <a16:creationId xmlns:a16="http://schemas.microsoft.com/office/drawing/2014/main" id="{6D5C6C66-E137-40F3-B6C6-AB9C90DE9EB5}"/>
+                    </a:ext>
+                  </a:extLst>
+                </p:cNvPr>
+                <p:cNvSpPr txBox="1"/>
+                <p:nvPr/>
+              </p:nvSpPr>
+              <p:spPr>
+                <a:xfrm>
+                  <a:off x="10977241" y="5379012"/>
+                  <a:ext cx="431528" cy="369332"/>
+                </a:xfrm>
+                <a:prstGeom prst="rect">
+                  <a:avLst/>
+                </a:prstGeom>
+                <a:noFill/>
+              </p:spPr>
+              <p:txBody>
+                <a:bodyPr wrap="none" rtlCol="0">
+                  <a:spAutoFit/>
+                </a:bodyPr>
+                <a:lstStyle/>
+                <a:p>
+                  <a:pPr/>
+                  <a14:m>
+                    <m:oMathPara xmlns:m="http://schemas.openxmlformats.org/officeDocument/2006/math">
+                      <m:oMathParaPr>
+                        <m:jc m:val="centerGroup"/>
+                      </m:oMathParaPr>
+                      <m:oMath xmlns:m="http://schemas.openxmlformats.org/officeDocument/2006/math">
+                        <m:r>
+                          <a:rPr lang="en-US" altLang="ko-KR" b="0" i="1" smtClean="0">
+                            <a:latin typeface="Cambria Math"/>
+                          </a:rPr>
+                          <m:t>×</m:t>
+                        </m:r>
+                      </m:oMath>
+                    </m:oMathPara>
+                  </a14:m>
+                  <a:endParaRPr lang="ko-KR" altLang="en-US" dirty="0"/>
+                </a:p>
+              </p:txBody>
+            </p:sp>
+          </mc:Choice>
+          <mc:Fallback>
+            <p:sp>
+              <p:nvSpPr>
+                <p:cNvPr id="198" name="TextBox 197">
+                  <a:extLst>
+                    <a:ext uri="{FF2B5EF4-FFF2-40B4-BE49-F238E27FC236}">
+                      <a16:creationId xmlns:a16="http://schemas.microsoft.com/office/drawing/2014/main" id="{6D5C6C66-E137-40F3-B6C6-AB9C90DE9EB5}"/>
+                    </a:ext>
+                  </a:extLst>
+                </p:cNvPr>
+                <p:cNvSpPr txBox="1">
+                  <a:spLocks noRot="1" noChangeAspect="1" noMove="1" noResize="1" noEditPoints="1" noAdjustHandles="1" noChangeArrowheads="1" noChangeShapeType="1" noTextEdit="1"/>
+                </p:cNvSpPr>
+                <p:nvPr/>
+              </p:nvSpPr>
+              <p:spPr>
+                <a:xfrm>
+                  <a:off x="10977241" y="5379012"/>
+                  <a:ext cx="431528" cy="369332"/>
+                </a:xfrm>
+                <a:prstGeom prst="rect">
+                  <a:avLst/>
+                </a:prstGeom>
+                <a:blipFill>
+                  <a:blip r:embed="rId17"/>
+                  <a:stretch>
+                    <a:fillRect/>
+                  </a:stretch>
+                </a:blipFill>
+              </p:spPr>
+              <p:txBody>
+                <a:bodyPr/>
+                <a:lstStyle/>
+                <a:p>
+                  <a:r>
+                    <a:rPr lang="ko-KR" altLang="en-US">
+                      <a:noFill/>
+                    </a:rPr>
+                    <a:t> </a:t>
+                  </a:r>
+                </a:p>
+              </p:txBody>
+            </p:sp>
+          </mc:Fallback>
+        </mc:AlternateContent>
+        <mc:AlternateContent xmlns:mc="http://schemas.openxmlformats.org/markup-compatibility/2006">
+          <mc:Choice xmlns:a14="http://schemas.microsoft.com/office/drawing/2010/main" Requires="a14">
+            <p:sp>
+              <p:nvSpPr>
+                <p:cNvPr id="199" name="TextBox 198">
+                  <a:extLst>
+                    <a:ext uri="{FF2B5EF4-FFF2-40B4-BE49-F238E27FC236}">
+                      <a16:creationId xmlns:a16="http://schemas.microsoft.com/office/drawing/2014/main" id="{67E78FD3-44D5-4074-8EA9-0D2FF619B46C}"/>
+                    </a:ext>
+                  </a:extLst>
+                </p:cNvPr>
+                <p:cNvSpPr txBox="1"/>
+                <p:nvPr/>
+              </p:nvSpPr>
+              <p:spPr>
+                <a:xfrm>
+                  <a:off x="12235875" y="5361372"/>
+                  <a:ext cx="439544" cy="369332"/>
+                </a:xfrm>
+                <a:prstGeom prst="rect">
+                  <a:avLst/>
+                </a:prstGeom>
+                <a:noFill/>
+              </p:spPr>
+              <p:txBody>
+                <a:bodyPr wrap="none" rtlCol="0">
+                  <a:spAutoFit/>
+                </a:bodyPr>
+                <a:lstStyle/>
+                <a:p>
+                  <a:pPr/>
+                  <a14:m>
+                    <m:oMathPara xmlns:m="http://schemas.openxmlformats.org/officeDocument/2006/math">
+                      <m:oMathParaPr>
+                        <m:jc m:val="centerGroup"/>
+                      </m:oMathParaPr>
+                      <m:oMath xmlns:m="http://schemas.openxmlformats.org/officeDocument/2006/math">
+                        <m:r>
+                          <a:rPr lang="en-US" altLang="ko-KR" b="0" i="1" smtClean="0">
+                            <a:latin typeface="Cambria Math"/>
+                          </a:rPr>
+                          <m:t>=</m:t>
+                        </m:r>
+                      </m:oMath>
+                    </m:oMathPara>
+                  </a14:m>
+                  <a:endParaRPr lang="ko-KR" altLang="en-US" dirty="0"/>
+                </a:p>
+              </p:txBody>
+            </p:sp>
+          </mc:Choice>
+          <mc:Fallback>
+            <p:sp>
+              <p:nvSpPr>
+                <p:cNvPr id="199" name="TextBox 198">
+                  <a:extLst>
+                    <a:ext uri="{FF2B5EF4-FFF2-40B4-BE49-F238E27FC236}">
+                      <a16:creationId xmlns:a16="http://schemas.microsoft.com/office/drawing/2014/main" id="{67E78FD3-44D5-4074-8EA9-0D2FF619B46C}"/>
+                    </a:ext>
+                  </a:extLst>
+                </p:cNvPr>
+                <p:cNvSpPr txBox="1">
+                  <a:spLocks noRot="1" noChangeAspect="1" noMove="1" noResize="1" noEditPoints="1" noAdjustHandles="1" noChangeArrowheads="1" noChangeShapeType="1" noTextEdit="1"/>
+                </p:cNvSpPr>
+                <p:nvPr/>
+              </p:nvSpPr>
+              <p:spPr>
+                <a:xfrm>
+                  <a:off x="12235875" y="5361372"/>
+                  <a:ext cx="439544" cy="369332"/>
+                </a:xfrm>
+                <a:prstGeom prst="rect">
+                  <a:avLst/>
+                </a:prstGeom>
+                <a:blipFill>
+                  <a:blip r:embed="rId18"/>
+                  <a:stretch>
+                    <a:fillRect/>
+                  </a:stretch>
+                </a:blipFill>
+              </p:spPr>
+              <p:txBody>
+                <a:bodyPr/>
+                <a:lstStyle/>
+                <a:p>
+                  <a:r>
+                    <a:rPr lang="ko-KR" altLang="en-US">
+                      <a:noFill/>
+                    </a:rPr>
+                    <a:t> </a:t>
+                  </a:r>
+                </a:p>
+              </p:txBody>
+            </p:sp>
+          </mc:Fallback>
+        </mc:AlternateContent>
+        <p:grpSp>
+          <p:nvGrpSpPr>
+            <p:cNvPr id="200" name="그룹 199">
+              <a:extLst>
+                <a:ext uri="{FF2B5EF4-FFF2-40B4-BE49-F238E27FC236}">
+                  <a16:creationId xmlns:a16="http://schemas.microsoft.com/office/drawing/2014/main" id="{B075ECB1-5931-4EB2-BB5E-59EA4E72BDAA}"/>
+                </a:ext>
+              </a:extLst>
+            </p:cNvPr>
+            <p:cNvGrpSpPr/>
+            <p:nvPr/>
+          </p:nvGrpSpPr>
+          <p:grpSpPr>
+            <a:xfrm>
+              <a:off x="12694393" y="4705820"/>
+              <a:ext cx="311304" cy="1715716"/>
+              <a:chOff x="6297435" y="548680"/>
+              <a:chExt cx="311304" cy="1715716"/>
+            </a:xfrm>
+          </p:grpSpPr>
+          <p:sp>
+            <p:nvSpPr>
+              <p:cNvPr id="201" name="TextBox 200">
+                <a:extLst>
+                  <a:ext uri="{FF2B5EF4-FFF2-40B4-BE49-F238E27FC236}">
+                    <a16:creationId xmlns:a16="http://schemas.microsoft.com/office/drawing/2014/main" id="{F84F99B4-1B25-452F-82D4-7FE0388A4A76}"/>
+                  </a:ext>
+                </a:extLst>
+              </p:cNvPr>
+              <p:cNvSpPr txBox="1"/>
+              <p:nvPr/>
+            </p:nvSpPr>
+            <p:spPr>
+              <a:xfrm>
+                <a:off x="6297435" y="548680"/>
+                <a:ext cx="311304" cy="369332"/>
+              </a:xfrm>
+              <a:prstGeom prst="rect">
+                <a:avLst/>
+              </a:prstGeom>
+              <a:noFill/>
+            </p:spPr>
+            <p:txBody>
+              <a:bodyPr wrap="none" rtlCol="0">
+                <a:spAutoFit/>
+              </a:bodyPr>
+              <a:lstStyle/>
+              <a:p>
+                <a:r>
+                  <a:rPr lang="en-US" altLang="ko-KR" dirty="0"/>
+                  <a:t>0</a:t>
+                </a:r>
+                <a:endParaRPr lang="ko-KR" altLang="en-US" dirty="0"/>
+              </a:p>
+            </p:txBody>
+          </p:sp>
+          <p:sp>
+            <p:nvSpPr>
+              <p:cNvPr id="202" name="TextBox 201">
+                <a:extLst>
+                  <a:ext uri="{FF2B5EF4-FFF2-40B4-BE49-F238E27FC236}">
+                    <a16:creationId xmlns:a16="http://schemas.microsoft.com/office/drawing/2014/main" id="{94AD9141-72CD-4AC7-8E52-8CED4A7E3B23}"/>
+                  </a:ext>
+                </a:extLst>
+              </p:cNvPr>
+              <p:cNvSpPr txBox="1"/>
+              <p:nvPr/>
+            </p:nvSpPr>
+            <p:spPr>
+              <a:xfrm>
+                <a:off x="6297435" y="885276"/>
+                <a:ext cx="311304" cy="369332"/>
+              </a:xfrm>
+              <a:prstGeom prst="rect">
+                <a:avLst/>
+              </a:prstGeom>
+              <a:noFill/>
+            </p:spPr>
+            <p:txBody>
+              <a:bodyPr wrap="none" rtlCol="0">
+                <a:spAutoFit/>
+              </a:bodyPr>
+              <a:lstStyle/>
+              <a:p>
+                <a:r>
+                  <a:rPr lang="en-US" altLang="ko-KR" dirty="0"/>
+                  <a:t>0</a:t>
+                </a:r>
+                <a:endParaRPr lang="ko-KR" altLang="en-US" dirty="0"/>
+              </a:p>
+            </p:txBody>
+          </p:sp>
+          <p:sp>
+            <p:nvSpPr>
+              <p:cNvPr id="203" name="TextBox 202">
+                <a:extLst>
+                  <a:ext uri="{FF2B5EF4-FFF2-40B4-BE49-F238E27FC236}">
+                    <a16:creationId xmlns:a16="http://schemas.microsoft.com/office/drawing/2014/main" id="{A06952DA-CAB5-49B2-9FEA-31EE97FF24B4}"/>
+                  </a:ext>
+                </a:extLst>
+              </p:cNvPr>
+              <p:cNvSpPr txBox="1"/>
+              <p:nvPr/>
+            </p:nvSpPr>
+            <p:spPr>
+              <a:xfrm>
+                <a:off x="6297435" y="1221872"/>
+                <a:ext cx="311304" cy="369332"/>
+              </a:xfrm>
+              <a:prstGeom prst="rect">
+                <a:avLst/>
+              </a:prstGeom>
+              <a:noFill/>
+            </p:spPr>
+            <p:txBody>
+              <a:bodyPr wrap="none" rtlCol="0">
+                <a:spAutoFit/>
+              </a:bodyPr>
+              <a:lstStyle/>
+              <a:p>
+                <a:r>
+                  <a:rPr lang="en-US" altLang="ko-KR" dirty="0"/>
+                  <a:t>0</a:t>
+                </a:r>
+                <a:endParaRPr lang="ko-KR" altLang="en-US" dirty="0"/>
+              </a:p>
+            </p:txBody>
+          </p:sp>
+          <p:sp>
+            <p:nvSpPr>
+              <p:cNvPr id="204" name="TextBox 203">
+                <a:extLst>
+                  <a:ext uri="{FF2B5EF4-FFF2-40B4-BE49-F238E27FC236}">
+                    <a16:creationId xmlns:a16="http://schemas.microsoft.com/office/drawing/2014/main" id="{37E7D89F-1267-402D-AB9E-5239513D0BAA}"/>
+                  </a:ext>
+                </a:extLst>
+              </p:cNvPr>
+              <p:cNvSpPr txBox="1"/>
+              <p:nvPr/>
+            </p:nvSpPr>
+            <p:spPr>
+              <a:xfrm>
+                <a:off x="6297435" y="1558468"/>
+                <a:ext cx="311304" cy="369332"/>
+              </a:xfrm>
+              <a:prstGeom prst="rect">
+                <a:avLst/>
+              </a:prstGeom>
+              <a:noFill/>
+            </p:spPr>
+            <p:txBody>
+              <a:bodyPr wrap="none" rtlCol="0">
+                <a:spAutoFit/>
+              </a:bodyPr>
+              <a:lstStyle/>
+              <a:p>
+                <a:r>
+                  <a:rPr lang="en-US" altLang="ko-KR" dirty="0"/>
+                  <a:t>0</a:t>
+                </a:r>
+                <a:endParaRPr lang="ko-KR" altLang="en-US" dirty="0"/>
+              </a:p>
+            </p:txBody>
+          </p:sp>
+          <p:sp>
+            <p:nvSpPr>
+              <p:cNvPr id="205" name="TextBox 204">
+                <a:extLst>
+                  <a:ext uri="{FF2B5EF4-FFF2-40B4-BE49-F238E27FC236}">
+                    <a16:creationId xmlns:a16="http://schemas.microsoft.com/office/drawing/2014/main" id="{3113BEA6-24DB-4BC6-B06A-47CFA478018B}"/>
+                  </a:ext>
+                </a:extLst>
+              </p:cNvPr>
+              <p:cNvSpPr txBox="1"/>
+              <p:nvPr/>
+            </p:nvSpPr>
+            <p:spPr>
+              <a:xfrm>
+                <a:off x="6297435" y="1895064"/>
+                <a:ext cx="311304" cy="369332"/>
+              </a:xfrm>
+              <a:prstGeom prst="rect">
+                <a:avLst/>
+              </a:prstGeom>
+              <a:noFill/>
+            </p:spPr>
+            <p:txBody>
+              <a:bodyPr wrap="none" rtlCol="0">
+                <a:spAutoFit/>
+              </a:bodyPr>
+              <a:lstStyle/>
+              <a:p>
+                <a:r>
+                  <a:rPr lang="en-US" altLang="ko-KR" dirty="0"/>
+                  <a:t>1</a:t>
+                </a:r>
+                <a:endParaRPr lang="ko-KR" altLang="en-US" dirty="0"/>
+              </a:p>
+            </p:txBody>
+          </p:sp>
+        </p:grpSp>
+        <p:grpSp>
+          <p:nvGrpSpPr>
+            <p:cNvPr id="206" name="그룹 205">
+              <a:extLst>
+                <a:ext uri="{FF2B5EF4-FFF2-40B4-BE49-F238E27FC236}">
+                  <a16:creationId xmlns:a16="http://schemas.microsoft.com/office/drawing/2014/main" id="{036FA02D-B5A3-4A4B-A681-B20E3ADAE2C6}"/>
+                </a:ext>
+              </a:extLst>
+            </p:cNvPr>
+            <p:cNvGrpSpPr/>
+            <p:nvPr/>
+          </p:nvGrpSpPr>
+          <p:grpSpPr>
+            <a:xfrm>
+              <a:off x="12603411" y="4718595"/>
+              <a:ext cx="144016" cy="1599376"/>
+              <a:chOff x="6172550" y="605488"/>
+              <a:chExt cx="144016" cy="1599376"/>
+            </a:xfrm>
+          </p:grpSpPr>
+          <p:cxnSp>
+            <p:nvCxnSpPr>
+              <p:cNvPr id="207" name="직선 연결선 206">
+                <a:extLst>
+                  <a:ext uri="{FF2B5EF4-FFF2-40B4-BE49-F238E27FC236}">
+                    <a16:creationId xmlns:a16="http://schemas.microsoft.com/office/drawing/2014/main" id="{0FE3FFCE-E11E-4CC0-AD2C-C1D1E3F53897}"/>
+                  </a:ext>
+                </a:extLst>
+              </p:cNvPr>
+              <p:cNvCxnSpPr/>
+              <p:nvPr/>
+            </p:nvCxnSpPr>
+            <p:spPr>
+              <a:xfrm>
+                <a:off x="6172550" y="605488"/>
+                <a:ext cx="0" cy="1599376"/>
+              </a:xfrm>
+              <a:prstGeom prst="line">
+                <a:avLst/>
+              </a:prstGeom>
+              <a:ln w="19050"/>
+            </p:spPr>
+            <p:style>
+              <a:lnRef idx="1">
+                <a:schemeClr val="dk1"/>
+              </a:lnRef>
+              <a:fillRef idx="0">
+                <a:schemeClr val="dk1"/>
+              </a:fillRef>
+              <a:effectRef idx="0">
+                <a:schemeClr val="dk1"/>
+              </a:effectRef>
+              <a:fontRef idx="minor">
+                <a:schemeClr val="tx1"/>
+              </a:fontRef>
+            </p:style>
+          </p:cxnSp>
+          <p:cxnSp>
+            <p:nvCxnSpPr>
+              <p:cNvPr id="208" name="직선 연결선 207">
+                <a:extLst>
+                  <a:ext uri="{FF2B5EF4-FFF2-40B4-BE49-F238E27FC236}">
+                    <a16:creationId xmlns:a16="http://schemas.microsoft.com/office/drawing/2014/main" id="{7D302ABE-1456-401D-84DE-0D0185C86379}"/>
+                  </a:ext>
+                </a:extLst>
+              </p:cNvPr>
+              <p:cNvCxnSpPr/>
+              <p:nvPr/>
+            </p:nvCxnSpPr>
+            <p:spPr>
+              <a:xfrm>
+                <a:off x="6172550" y="609258"/>
+                <a:ext cx="144016" cy="0"/>
+              </a:xfrm>
+              <a:prstGeom prst="line">
+                <a:avLst/>
+              </a:prstGeom>
+              <a:ln w="19050"/>
+            </p:spPr>
+            <p:style>
+              <a:lnRef idx="1">
+                <a:schemeClr val="dk1"/>
+              </a:lnRef>
+              <a:fillRef idx="0">
+                <a:schemeClr val="dk1"/>
+              </a:fillRef>
+              <a:effectRef idx="0">
+                <a:schemeClr val="dk1"/>
+              </a:effectRef>
+              <a:fontRef idx="minor">
+                <a:schemeClr val="tx1"/>
+              </a:fontRef>
+            </p:style>
+          </p:cxnSp>
+          <p:cxnSp>
+            <p:nvCxnSpPr>
+              <p:cNvPr id="209" name="직선 연결선 208">
+                <a:extLst>
+                  <a:ext uri="{FF2B5EF4-FFF2-40B4-BE49-F238E27FC236}">
+                    <a16:creationId xmlns:a16="http://schemas.microsoft.com/office/drawing/2014/main" id="{CF6BB88F-FEC7-4678-AA22-1052153DABAA}"/>
+                  </a:ext>
+                </a:extLst>
+              </p:cNvPr>
+              <p:cNvCxnSpPr/>
+              <p:nvPr/>
+            </p:nvCxnSpPr>
+            <p:spPr>
+              <a:xfrm>
+                <a:off x="6172550" y="2200712"/>
+                <a:ext cx="144016" cy="0"/>
+              </a:xfrm>
+              <a:prstGeom prst="line">
+                <a:avLst/>
+              </a:prstGeom>
+              <a:ln w="19050"/>
+            </p:spPr>
+            <p:style>
+              <a:lnRef idx="1">
+                <a:schemeClr val="dk1"/>
+              </a:lnRef>
+              <a:fillRef idx="0">
+                <a:schemeClr val="dk1"/>
+              </a:fillRef>
+              <a:effectRef idx="0">
+                <a:schemeClr val="dk1"/>
+              </a:effectRef>
+              <a:fontRef idx="minor">
+                <a:schemeClr val="tx1"/>
+              </a:fontRef>
+            </p:style>
+          </p:cxnSp>
+        </p:grpSp>
+        <p:grpSp>
+          <p:nvGrpSpPr>
+            <p:cNvPr id="210" name="그룹 209">
+              <a:extLst>
+                <a:ext uri="{FF2B5EF4-FFF2-40B4-BE49-F238E27FC236}">
+                  <a16:creationId xmlns:a16="http://schemas.microsoft.com/office/drawing/2014/main" id="{0FAF4110-98F8-4413-8D65-608F9A0425E9}"/>
+                </a:ext>
+              </a:extLst>
+            </p:cNvPr>
+            <p:cNvGrpSpPr/>
+            <p:nvPr/>
+          </p:nvGrpSpPr>
+          <p:grpSpPr>
+            <a:xfrm>
+              <a:off x="12952663" y="4731370"/>
+              <a:ext cx="144016" cy="1599376"/>
+              <a:chOff x="7900742" y="604138"/>
+              <a:chExt cx="144016" cy="1599376"/>
+            </a:xfrm>
+          </p:grpSpPr>
+          <p:cxnSp>
+            <p:nvCxnSpPr>
+              <p:cNvPr id="211" name="직선 연결선 210">
+                <a:extLst>
+                  <a:ext uri="{FF2B5EF4-FFF2-40B4-BE49-F238E27FC236}">
+                    <a16:creationId xmlns:a16="http://schemas.microsoft.com/office/drawing/2014/main" id="{3CAFB27D-337A-46F7-B11C-E4AF53D6348D}"/>
+                  </a:ext>
+                </a:extLst>
+              </p:cNvPr>
+              <p:cNvCxnSpPr/>
+              <p:nvPr/>
+            </p:nvCxnSpPr>
+            <p:spPr>
+              <a:xfrm flipH="1">
+                <a:off x="8044758" y="604138"/>
+                <a:ext cx="0" cy="1599376"/>
+              </a:xfrm>
+              <a:prstGeom prst="line">
+                <a:avLst/>
+              </a:prstGeom>
+              <a:ln w="19050"/>
+            </p:spPr>
+            <p:style>
+              <a:lnRef idx="1">
+                <a:schemeClr val="dk1"/>
+              </a:lnRef>
+              <a:fillRef idx="0">
+                <a:schemeClr val="dk1"/>
+              </a:fillRef>
+              <a:effectRef idx="0">
+                <a:schemeClr val="dk1"/>
+              </a:effectRef>
+              <a:fontRef idx="minor">
+                <a:schemeClr val="tx1"/>
+              </a:fontRef>
+            </p:style>
+          </p:cxnSp>
+          <p:cxnSp>
+            <p:nvCxnSpPr>
+              <p:cNvPr id="212" name="직선 연결선 211">
+                <a:extLst>
+                  <a:ext uri="{FF2B5EF4-FFF2-40B4-BE49-F238E27FC236}">
+                    <a16:creationId xmlns:a16="http://schemas.microsoft.com/office/drawing/2014/main" id="{391DB6FA-D938-47F4-8B15-EF096C7D3A7D}"/>
+                  </a:ext>
+                </a:extLst>
+              </p:cNvPr>
+              <p:cNvCxnSpPr/>
+              <p:nvPr/>
+            </p:nvCxnSpPr>
+            <p:spPr>
+              <a:xfrm flipH="1">
+                <a:off x="7900742" y="607908"/>
+                <a:ext cx="144016" cy="0"/>
+              </a:xfrm>
+              <a:prstGeom prst="line">
+                <a:avLst/>
+              </a:prstGeom>
+              <a:ln w="19050"/>
+            </p:spPr>
+            <p:style>
+              <a:lnRef idx="1">
+                <a:schemeClr val="dk1"/>
+              </a:lnRef>
+              <a:fillRef idx="0">
+                <a:schemeClr val="dk1"/>
+              </a:fillRef>
+              <a:effectRef idx="0">
+                <a:schemeClr val="dk1"/>
+              </a:effectRef>
+              <a:fontRef idx="minor">
+                <a:schemeClr val="tx1"/>
+              </a:fontRef>
+            </p:style>
+          </p:cxnSp>
+          <p:cxnSp>
+            <p:nvCxnSpPr>
+              <p:cNvPr id="213" name="직선 연결선 212">
+                <a:extLst>
+                  <a:ext uri="{FF2B5EF4-FFF2-40B4-BE49-F238E27FC236}">
+                    <a16:creationId xmlns:a16="http://schemas.microsoft.com/office/drawing/2014/main" id="{95E0D726-63D1-4A70-B105-E3A1795133DE}"/>
+                  </a:ext>
+                </a:extLst>
+              </p:cNvPr>
+              <p:cNvCxnSpPr/>
+              <p:nvPr/>
+            </p:nvCxnSpPr>
+            <p:spPr>
+              <a:xfrm flipH="1">
+                <a:off x="7900742" y="2199362"/>
+                <a:ext cx="144016" cy="0"/>
+              </a:xfrm>
+              <a:prstGeom prst="line">
+                <a:avLst/>
+              </a:prstGeom>
+              <a:ln w="19050"/>
+            </p:spPr>
+            <p:style>
+              <a:lnRef idx="1">
+                <a:schemeClr val="dk1"/>
+              </a:lnRef>
+              <a:fillRef idx="0">
+                <a:schemeClr val="dk1"/>
+              </a:fillRef>
+              <a:effectRef idx="0">
+                <a:schemeClr val="dk1"/>
+              </a:effectRef>
+              <a:fontRef idx="minor">
+                <a:schemeClr val="tx1"/>
+              </a:fontRef>
+            </p:style>
+          </p:cxnSp>
+        </p:grpSp>
+        <p:sp>
+          <p:nvSpPr>
+            <p:cNvPr id="214" name="직사각형 213">
+              <a:extLst>
+                <a:ext uri="{FF2B5EF4-FFF2-40B4-BE49-F238E27FC236}">
+                  <a16:creationId xmlns:a16="http://schemas.microsoft.com/office/drawing/2014/main" id="{4D821294-A814-4DD4-8DBC-8CFAE6E27A3A}"/>
+                </a:ext>
+              </a:extLst>
+            </p:cNvPr>
+            <p:cNvSpPr/>
+            <p:nvPr/>
+          </p:nvSpPr>
+          <p:spPr>
+            <a:xfrm rot="5400000">
+              <a:off x="11034587" y="5359883"/>
+              <a:ext cx="1568491" cy="316800"/>
+            </a:xfrm>
+            <a:prstGeom prst="rect">
+              <a:avLst/>
+            </a:prstGeom>
+            <a:solidFill>
+              <a:srgbClr val="3D76E7"/>
+            </a:solidFill>
+            <a:ln>
+              <a:noFill/>
+            </a:ln>
+          </p:spPr>
+          <p:style>
+            <a:lnRef idx="2">
+              <a:schemeClr val="accent1">
+                <a:shade val="50000"/>
+              </a:schemeClr>
+            </a:lnRef>
+            <a:fillRef idx="1">
+              <a:schemeClr val="accent1"/>
+            </a:fillRef>
+            <a:effectRef idx="0">
+              <a:schemeClr val="accent1"/>
+            </a:effectRef>
+            <a:fontRef idx="minor">
+              <a:schemeClr val="lt1"/>
+            </a:fontRef>
+          </p:style>
+          <p:txBody>
+            <a:bodyPr rtlCol="0" anchor="ctr"/>
+            <a:lstStyle/>
+            <a:p>
+              <a:pPr algn="ctr"/>
+              <a:endParaRPr lang="ko-KR" altLang="en-US" dirty="0"/>
+            </a:p>
+          </p:txBody>
+        </p:sp>
+      </p:grpSp>
+      <p:grpSp>
+        <p:nvGrpSpPr>
+          <p:cNvPr id="216" name="그룹 215">
+            <a:extLst>
+              <a:ext uri="{FF2B5EF4-FFF2-40B4-BE49-F238E27FC236}">
+                <a16:creationId xmlns:a16="http://schemas.microsoft.com/office/drawing/2014/main" id="{76665929-34B2-4D81-B61E-D8524357B26A}"/>
+              </a:ext>
+            </a:extLst>
+          </p:cNvPr>
+          <p:cNvGrpSpPr/>
+          <p:nvPr/>
+        </p:nvGrpSpPr>
+        <p:grpSpPr>
+          <a:xfrm>
+            <a:off x="10404648" y="3383409"/>
+            <a:ext cx="3507473" cy="1862048"/>
+            <a:chOff x="5417972" y="2449233"/>
+            <a:chExt cx="3507473" cy="1862048"/>
+          </a:xfrm>
+        </p:grpSpPr>
+        <mc:AlternateContent xmlns:mc="http://schemas.openxmlformats.org/markup-compatibility/2006">
+          <mc:Choice xmlns:a14="http://schemas.microsoft.com/office/drawing/2010/main" Requires="a14">
+            <p:sp>
+              <p:nvSpPr>
+                <p:cNvPr id="217" name="TextBox 216">
+                  <a:extLst>
+                    <a:ext uri="{FF2B5EF4-FFF2-40B4-BE49-F238E27FC236}">
+                      <a16:creationId xmlns:a16="http://schemas.microsoft.com/office/drawing/2014/main" id="{DB3EEFEE-8C09-4C54-9D81-DEB0609310E3}"/>
+                    </a:ext>
+                  </a:extLst>
+                </p:cNvPr>
+                <p:cNvSpPr txBox="1"/>
+                <p:nvPr/>
+              </p:nvSpPr>
+              <p:spPr>
+                <a:xfrm>
+                  <a:off x="5417972" y="2449233"/>
+                  <a:ext cx="1651414" cy="1862048"/>
+                </a:xfrm>
+                <a:prstGeom prst="rect">
+                  <a:avLst/>
+                </a:prstGeom>
+                <a:noFill/>
+              </p:spPr>
+              <p:txBody>
+                <a:bodyPr wrap="none" rtlCol="0">
+                  <a:spAutoFit/>
+                </a:bodyPr>
+                <a:lstStyle/>
+                <a:p>
+                  <a14:m>
+                    <m:oMathPara xmlns:m="http://schemas.openxmlformats.org/officeDocument/2006/math">
+                      <m:oMathParaPr>
+                        <m:jc m:val="centerGroup"/>
+                      </m:oMathParaPr>
+                      <m:oMath xmlns:m="http://schemas.openxmlformats.org/officeDocument/2006/math">
+                        <m:r>
+                          <a:rPr lang="en-US" altLang="ko-KR" sz="11500" i="1" dirty="0" smtClean="0">
+                            <a:latin typeface="Cambria Math" panose="02040503050406030204" pitchFamily="18" charset="0"/>
+                          </a:rPr>
+                          <m:t>𝐴</m:t>
+                        </m:r>
+                      </m:oMath>
+                    </m:oMathPara>
+                  </a14:m>
+                  <a:endParaRPr lang="ko-KR" altLang="en-US" sz="11500" dirty="0"/>
+                </a:p>
+              </p:txBody>
+            </p:sp>
+          </mc:Choice>
+          <mc:Fallback>
+            <p:sp>
+              <p:nvSpPr>
+                <p:cNvPr id="217" name="TextBox 216">
+                  <a:extLst>
+                    <a:ext uri="{FF2B5EF4-FFF2-40B4-BE49-F238E27FC236}">
+                      <a16:creationId xmlns:a16="http://schemas.microsoft.com/office/drawing/2014/main" id="{DB3EEFEE-8C09-4C54-9D81-DEB0609310E3}"/>
+                    </a:ext>
+                  </a:extLst>
+                </p:cNvPr>
+                <p:cNvSpPr txBox="1">
+                  <a:spLocks noRot="1" noChangeAspect="1" noMove="1" noResize="1" noEditPoints="1" noAdjustHandles="1" noChangeArrowheads="1" noChangeShapeType="1" noTextEdit="1"/>
+                </p:cNvSpPr>
+                <p:nvPr/>
+              </p:nvSpPr>
+              <p:spPr>
+                <a:xfrm>
+                  <a:off x="5417972" y="2449233"/>
+                  <a:ext cx="1651414" cy="1862048"/>
+                </a:xfrm>
+                <a:prstGeom prst="rect">
+                  <a:avLst/>
+                </a:prstGeom>
+                <a:blipFill>
+                  <a:blip r:embed="rId19"/>
+                  <a:stretch>
+                    <a:fillRect/>
+                  </a:stretch>
+                </a:blipFill>
+              </p:spPr>
+              <p:txBody>
+                <a:bodyPr/>
+                <a:lstStyle/>
+                <a:p>
+                  <a:r>
+                    <a:rPr lang="ko-KR" altLang="en-US">
+                      <a:noFill/>
+                    </a:rPr>
+                    <a:t> </a:t>
+                  </a:r>
+                </a:p>
+              </p:txBody>
+            </p:sp>
+          </mc:Fallback>
+        </mc:AlternateContent>
+        <mc:AlternateContent xmlns:mc="http://schemas.openxmlformats.org/markup-compatibility/2006">
+          <mc:Choice xmlns:a14="http://schemas.microsoft.com/office/drawing/2010/main" Requires="a14">
+            <p:sp>
+              <p:nvSpPr>
+                <p:cNvPr id="218" name="TextBox 217">
+                  <a:extLst>
+                    <a:ext uri="{FF2B5EF4-FFF2-40B4-BE49-F238E27FC236}">
+                      <a16:creationId xmlns:a16="http://schemas.microsoft.com/office/drawing/2014/main" id="{34469F69-6CA2-43E6-99B8-CE4180D72D93}"/>
+                    </a:ext>
+                  </a:extLst>
+                </p:cNvPr>
+                <p:cNvSpPr txBox="1"/>
+                <p:nvPr/>
+              </p:nvSpPr>
+              <p:spPr>
+                <a:xfrm>
+                  <a:off x="6806007" y="3213231"/>
+                  <a:ext cx="431528" cy="369332"/>
+                </a:xfrm>
+                <a:prstGeom prst="rect">
+                  <a:avLst/>
+                </a:prstGeom>
+                <a:noFill/>
+              </p:spPr>
+              <p:txBody>
+                <a:bodyPr wrap="none" rtlCol="0">
+                  <a:spAutoFit/>
+                </a:bodyPr>
+                <a:lstStyle/>
+                <a:p>
+                  <a:pPr/>
+                  <a14:m>
+                    <m:oMathPara xmlns:m="http://schemas.openxmlformats.org/officeDocument/2006/math">
+                      <m:oMathParaPr>
+                        <m:jc m:val="centerGroup"/>
+                      </m:oMathParaPr>
+                      <m:oMath xmlns:m="http://schemas.openxmlformats.org/officeDocument/2006/math">
+                        <m:r>
+                          <a:rPr lang="en-US" altLang="ko-KR" b="0" i="1" smtClean="0">
+                            <a:latin typeface="Cambria Math"/>
+                          </a:rPr>
+                          <m:t>×</m:t>
+                        </m:r>
+                      </m:oMath>
+                    </m:oMathPara>
+                  </a14:m>
+                  <a:endParaRPr lang="ko-KR" altLang="en-US" dirty="0"/>
+                </a:p>
+              </p:txBody>
+            </p:sp>
+          </mc:Choice>
+          <mc:Fallback>
+            <p:sp>
+              <p:nvSpPr>
+                <p:cNvPr id="218" name="TextBox 217">
+                  <a:extLst>
+                    <a:ext uri="{FF2B5EF4-FFF2-40B4-BE49-F238E27FC236}">
+                      <a16:creationId xmlns:a16="http://schemas.microsoft.com/office/drawing/2014/main" id="{34469F69-6CA2-43E6-99B8-CE4180D72D93}"/>
+                    </a:ext>
+                  </a:extLst>
+                </p:cNvPr>
+                <p:cNvSpPr txBox="1">
+                  <a:spLocks noRot="1" noChangeAspect="1" noMove="1" noResize="1" noEditPoints="1" noAdjustHandles="1" noChangeArrowheads="1" noChangeShapeType="1" noTextEdit="1"/>
+                </p:cNvSpPr>
+                <p:nvPr/>
+              </p:nvSpPr>
+              <p:spPr>
+                <a:xfrm>
+                  <a:off x="6806007" y="3213231"/>
+                  <a:ext cx="431528" cy="369332"/>
+                </a:xfrm>
+                <a:prstGeom prst="rect">
+                  <a:avLst/>
+                </a:prstGeom>
+                <a:blipFill>
+                  <a:blip r:embed="rId20"/>
+                  <a:stretch>
+                    <a:fillRect/>
+                  </a:stretch>
+                </a:blipFill>
+              </p:spPr>
+              <p:txBody>
+                <a:bodyPr/>
+                <a:lstStyle/>
+                <a:p>
+                  <a:r>
+                    <a:rPr lang="ko-KR" altLang="en-US">
+                      <a:noFill/>
+                    </a:rPr>
+                    <a:t> </a:t>
+                  </a:r>
+                </a:p>
+              </p:txBody>
+            </p:sp>
+          </mc:Fallback>
+        </mc:AlternateContent>
+        <mc:AlternateContent xmlns:mc="http://schemas.openxmlformats.org/markup-compatibility/2006">
+          <mc:Choice xmlns:a14="http://schemas.microsoft.com/office/drawing/2010/main" Requires="a14">
+            <p:sp>
+              <p:nvSpPr>
+                <p:cNvPr id="219" name="TextBox 218">
+                  <a:extLst>
+                    <a:ext uri="{FF2B5EF4-FFF2-40B4-BE49-F238E27FC236}">
+                      <a16:creationId xmlns:a16="http://schemas.microsoft.com/office/drawing/2014/main" id="{AE0E9E3B-D269-4128-8AB6-5D89BE5A5940}"/>
+                    </a:ext>
+                  </a:extLst>
+                </p:cNvPr>
+                <p:cNvSpPr txBox="1"/>
+                <p:nvPr/>
+              </p:nvSpPr>
+              <p:spPr>
+                <a:xfrm>
+                  <a:off x="8064641" y="3195591"/>
+                  <a:ext cx="439544" cy="369332"/>
+                </a:xfrm>
+                <a:prstGeom prst="rect">
+                  <a:avLst/>
+                </a:prstGeom>
+                <a:noFill/>
+              </p:spPr>
+              <p:txBody>
+                <a:bodyPr wrap="none" rtlCol="0">
+                  <a:spAutoFit/>
+                </a:bodyPr>
+                <a:lstStyle/>
+                <a:p>
+                  <a:pPr/>
+                  <a14:m>
+                    <m:oMathPara xmlns:m="http://schemas.openxmlformats.org/officeDocument/2006/math">
+                      <m:oMathParaPr>
+                        <m:jc m:val="centerGroup"/>
+                      </m:oMathParaPr>
+                      <m:oMath xmlns:m="http://schemas.openxmlformats.org/officeDocument/2006/math">
+                        <m:r>
+                          <a:rPr lang="en-US" altLang="ko-KR" b="0" i="1" smtClean="0">
+                            <a:latin typeface="Cambria Math"/>
+                          </a:rPr>
+                          <m:t>=</m:t>
+                        </m:r>
+                      </m:oMath>
+                    </m:oMathPara>
+                  </a14:m>
+                  <a:endParaRPr lang="ko-KR" altLang="en-US" dirty="0"/>
+                </a:p>
+              </p:txBody>
+            </p:sp>
+          </mc:Choice>
+          <mc:Fallback>
+            <p:sp>
+              <p:nvSpPr>
+                <p:cNvPr id="219" name="TextBox 218">
+                  <a:extLst>
+                    <a:ext uri="{FF2B5EF4-FFF2-40B4-BE49-F238E27FC236}">
+                      <a16:creationId xmlns:a16="http://schemas.microsoft.com/office/drawing/2014/main" id="{AE0E9E3B-D269-4128-8AB6-5D89BE5A5940}"/>
+                    </a:ext>
+                  </a:extLst>
+                </p:cNvPr>
+                <p:cNvSpPr txBox="1">
+                  <a:spLocks noRot="1" noChangeAspect="1" noMove="1" noResize="1" noEditPoints="1" noAdjustHandles="1" noChangeArrowheads="1" noChangeShapeType="1" noTextEdit="1"/>
+                </p:cNvSpPr>
+                <p:nvPr/>
+              </p:nvSpPr>
+              <p:spPr>
+                <a:xfrm>
+                  <a:off x="8064641" y="3195591"/>
+                  <a:ext cx="439544" cy="369332"/>
+                </a:xfrm>
+                <a:prstGeom prst="rect">
+                  <a:avLst/>
+                </a:prstGeom>
+                <a:blipFill>
+                  <a:blip r:embed="rId21"/>
+                  <a:stretch>
+                    <a:fillRect/>
+                  </a:stretch>
+                </a:blipFill>
+              </p:spPr>
+              <p:txBody>
+                <a:bodyPr/>
+                <a:lstStyle/>
+                <a:p>
+                  <a:r>
+                    <a:rPr lang="ko-KR" altLang="en-US">
+                      <a:noFill/>
+                    </a:rPr>
+                    <a:t> </a:t>
+                  </a:r>
+                </a:p>
+              </p:txBody>
+            </p:sp>
+          </mc:Fallback>
+        </mc:AlternateContent>
+        <p:grpSp>
+          <p:nvGrpSpPr>
+            <p:cNvPr id="220" name="그룹 219">
+              <a:extLst>
+                <a:ext uri="{FF2B5EF4-FFF2-40B4-BE49-F238E27FC236}">
+                  <a16:creationId xmlns:a16="http://schemas.microsoft.com/office/drawing/2014/main" id="{3C991B61-A90D-46C5-809C-ED000F59BBC2}"/>
+                </a:ext>
+              </a:extLst>
+            </p:cNvPr>
+            <p:cNvGrpSpPr/>
+            <p:nvPr/>
+          </p:nvGrpSpPr>
+          <p:grpSpPr>
+            <a:xfrm>
+              <a:off x="8523159" y="2540039"/>
+              <a:ext cx="311304" cy="1715716"/>
+              <a:chOff x="6297435" y="548680"/>
+              <a:chExt cx="311304" cy="1715716"/>
+            </a:xfrm>
+          </p:grpSpPr>
+          <p:sp>
+            <p:nvSpPr>
+              <p:cNvPr id="230" name="TextBox 229">
+                <a:extLst>
+                  <a:ext uri="{FF2B5EF4-FFF2-40B4-BE49-F238E27FC236}">
+                    <a16:creationId xmlns:a16="http://schemas.microsoft.com/office/drawing/2014/main" id="{AA535EC7-E21A-48EE-AEE6-909F64A9A90C}"/>
+                  </a:ext>
+                </a:extLst>
+              </p:cNvPr>
+              <p:cNvSpPr txBox="1"/>
+              <p:nvPr/>
+            </p:nvSpPr>
+            <p:spPr>
+              <a:xfrm>
+                <a:off x="6297435" y="548680"/>
+                <a:ext cx="311304" cy="369332"/>
+              </a:xfrm>
+              <a:prstGeom prst="rect">
+                <a:avLst/>
+              </a:prstGeom>
+              <a:noFill/>
+            </p:spPr>
+            <p:txBody>
+              <a:bodyPr wrap="none" rtlCol="0">
+                <a:spAutoFit/>
+              </a:bodyPr>
+              <a:lstStyle/>
+              <a:p>
+                <a:r>
+                  <a:rPr lang="en-US" altLang="ko-KR" dirty="0"/>
+                  <a:t>1</a:t>
+                </a:r>
+                <a:endParaRPr lang="ko-KR" altLang="en-US" dirty="0"/>
+              </a:p>
+            </p:txBody>
+          </p:sp>
+          <p:sp>
+            <p:nvSpPr>
+              <p:cNvPr id="231" name="TextBox 230">
+                <a:extLst>
+                  <a:ext uri="{FF2B5EF4-FFF2-40B4-BE49-F238E27FC236}">
+                    <a16:creationId xmlns:a16="http://schemas.microsoft.com/office/drawing/2014/main" id="{870017CD-89D3-4BE1-8C11-74F52F92C169}"/>
+                  </a:ext>
+                </a:extLst>
+              </p:cNvPr>
+              <p:cNvSpPr txBox="1"/>
+              <p:nvPr/>
+            </p:nvSpPr>
+            <p:spPr>
+              <a:xfrm>
+                <a:off x="6297435" y="885276"/>
+                <a:ext cx="311304" cy="369332"/>
+              </a:xfrm>
+              <a:prstGeom prst="rect">
+                <a:avLst/>
+              </a:prstGeom>
+              <a:noFill/>
+            </p:spPr>
+            <p:txBody>
+              <a:bodyPr wrap="none" rtlCol="0">
+                <a:spAutoFit/>
+              </a:bodyPr>
+              <a:lstStyle/>
+              <a:p>
+                <a:r>
+                  <a:rPr lang="en-US" altLang="ko-KR" dirty="0"/>
+                  <a:t>0</a:t>
+                </a:r>
+                <a:endParaRPr lang="ko-KR" altLang="en-US" dirty="0"/>
+              </a:p>
+            </p:txBody>
+          </p:sp>
+          <p:sp>
+            <p:nvSpPr>
+              <p:cNvPr id="232" name="TextBox 231">
+                <a:extLst>
+                  <a:ext uri="{FF2B5EF4-FFF2-40B4-BE49-F238E27FC236}">
+                    <a16:creationId xmlns:a16="http://schemas.microsoft.com/office/drawing/2014/main" id="{1ADF1C3C-BF1F-4339-A4FB-0529EED3CE33}"/>
+                  </a:ext>
+                </a:extLst>
+              </p:cNvPr>
+              <p:cNvSpPr txBox="1"/>
+              <p:nvPr/>
+            </p:nvSpPr>
+            <p:spPr>
+              <a:xfrm>
+                <a:off x="6297435" y="1221872"/>
+                <a:ext cx="311304" cy="369332"/>
+              </a:xfrm>
+              <a:prstGeom prst="rect">
+                <a:avLst/>
+              </a:prstGeom>
+              <a:noFill/>
+            </p:spPr>
+            <p:txBody>
+              <a:bodyPr wrap="none" rtlCol="0">
+                <a:spAutoFit/>
+              </a:bodyPr>
+              <a:lstStyle/>
+              <a:p>
+                <a:r>
+                  <a:rPr lang="en-US" altLang="ko-KR" dirty="0"/>
+                  <a:t>0</a:t>
+                </a:r>
+                <a:endParaRPr lang="ko-KR" altLang="en-US" dirty="0"/>
+              </a:p>
+            </p:txBody>
+          </p:sp>
+          <p:sp>
+            <p:nvSpPr>
+              <p:cNvPr id="233" name="TextBox 232">
+                <a:extLst>
+                  <a:ext uri="{FF2B5EF4-FFF2-40B4-BE49-F238E27FC236}">
+                    <a16:creationId xmlns:a16="http://schemas.microsoft.com/office/drawing/2014/main" id="{4AB5038C-EC11-406D-A8C0-5EDB274721B1}"/>
+                  </a:ext>
+                </a:extLst>
+              </p:cNvPr>
+              <p:cNvSpPr txBox="1"/>
+              <p:nvPr/>
+            </p:nvSpPr>
+            <p:spPr>
+              <a:xfrm>
+                <a:off x="6297435" y="1558468"/>
+                <a:ext cx="311304" cy="369332"/>
+              </a:xfrm>
+              <a:prstGeom prst="rect">
+                <a:avLst/>
+              </a:prstGeom>
+              <a:noFill/>
+            </p:spPr>
+            <p:txBody>
+              <a:bodyPr wrap="none" rtlCol="0">
+                <a:spAutoFit/>
+              </a:bodyPr>
+              <a:lstStyle/>
+              <a:p>
+                <a:r>
+                  <a:rPr lang="en-US" altLang="ko-KR" dirty="0"/>
+                  <a:t>0</a:t>
+                </a:r>
+                <a:endParaRPr lang="ko-KR" altLang="en-US" dirty="0"/>
+              </a:p>
+            </p:txBody>
+          </p:sp>
+          <p:sp>
+            <p:nvSpPr>
+              <p:cNvPr id="234" name="TextBox 233">
+                <a:extLst>
+                  <a:ext uri="{FF2B5EF4-FFF2-40B4-BE49-F238E27FC236}">
+                    <a16:creationId xmlns:a16="http://schemas.microsoft.com/office/drawing/2014/main" id="{BC918C86-31CC-41C4-8A72-14DB14F67D9E}"/>
+                  </a:ext>
+                </a:extLst>
+              </p:cNvPr>
+              <p:cNvSpPr txBox="1"/>
+              <p:nvPr/>
+            </p:nvSpPr>
+            <p:spPr>
+              <a:xfrm>
+                <a:off x="6297435" y="1895064"/>
+                <a:ext cx="311304" cy="369332"/>
+              </a:xfrm>
+              <a:prstGeom prst="rect">
+                <a:avLst/>
+              </a:prstGeom>
+              <a:noFill/>
+            </p:spPr>
+            <p:txBody>
+              <a:bodyPr wrap="none" rtlCol="0">
+                <a:spAutoFit/>
+              </a:bodyPr>
+              <a:lstStyle/>
+              <a:p>
+                <a:r>
+                  <a:rPr lang="en-US" altLang="ko-KR" dirty="0"/>
+                  <a:t>0</a:t>
+                </a:r>
+                <a:endParaRPr lang="ko-KR" altLang="en-US" dirty="0"/>
+              </a:p>
+            </p:txBody>
+          </p:sp>
+        </p:grpSp>
+        <p:grpSp>
+          <p:nvGrpSpPr>
+            <p:cNvPr id="221" name="그룹 220">
+              <a:extLst>
+                <a:ext uri="{FF2B5EF4-FFF2-40B4-BE49-F238E27FC236}">
+                  <a16:creationId xmlns:a16="http://schemas.microsoft.com/office/drawing/2014/main" id="{DE733F1D-7A99-4BB1-A615-75089CA0CDE1}"/>
+                </a:ext>
+              </a:extLst>
+            </p:cNvPr>
+            <p:cNvGrpSpPr/>
+            <p:nvPr/>
+          </p:nvGrpSpPr>
+          <p:grpSpPr>
+            <a:xfrm>
+              <a:off x="8432177" y="2552814"/>
+              <a:ext cx="144016" cy="1599376"/>
+              <a:chOff x="6172550" y="605488"/>
+              <a:chExt cx="144016" cy="1599376"/>
+            </a:xfrm>
+          </p:grpSpPr>
+          <p:cxnSp>
+            <p:nvCxnSpPr>
+              <p:cNvPr id="227" name="직선 연결선 226">
+                <a:extLst>
+                  <a:ext uri="{FF2B5EF4-FFF2-40B4-BE49-F238E27FC236}">
+                    <a16:creationId xmlns:a16="http://schemas.microsoft.com/office/drawing/2014/main" id="{7141BF2C-F3E1-4C13-9184-E66CC105C8CA}"/>
+                  </a:ext>
+                </a:extLst>
+              </p:cNvPr>
+              <p:cNvCxnSpPr/>
+              <p:nvPr/>
+            </p:nvCxnSpPr>
+            <p:spPr>
+              <a:xfrm>
+                <a:off x="6172550" y="605488"/>
+                <a:ext cx="0" cy="1599376"/>
+              </a:xfrm>
+              <a:prstGeom prst="line">
+                <a:avLst/>
+              </a:prstGeom>
+              <a:ln w="19050"/>
+            </p:spPr>
+            <p:style>
+              <a:lnRef idx="1">
+                <a:schemeClr val="dk1"/>
+              </a:lnRef>
+              <a:fillRef idx="0">
+                <a:schemeClr val="dk1"/>
+              </a:fillRef>
+              <a:effectRef idx="0">
+                <a:schemeClr val="dk1"/>
+              </a:effectRef>
+              <a:fontRef idx="minor">
+                <a:schemeClr val="tx1"/>
+              </a:fontRef>
+            </p:style>
+          </p:cxnSp>
+          <p:cxnSp>
+            <p:nvCxnSpPr>
+              <p:cNvPr id="228" name="직선 연결선 227">
+                <a:extLst>
+                  <a:ext uri="{FF2B5EF4-FFF2-40B4-BE49-F238E27FC236}">
+                    <a16:creationId xmlns:a16="http://schemas.microsoft.com/office/drawing/2014/main" id="{7AF2A51D-34E9-4C03-84FC-2149D75A4C57}"/>
+                  </a:ext>
+                </a:extLst>
+              </p:cNvPr>
+              <p:cNvCxnSpPr/>
+              <p:nvPr/>
+            </p:nvCxnSpPr>
+            <p:spPr>
+              <a:xfrm>
+                <a:off x="6172550" y="609258"/>
+                <a:ext cx="144016" cy="0"/>
+              </a:xfrm>
+              <a:prstGeom prst="line">
+                <a:avLst/>
+              </a:prstGeom>
+              <a:ln w="19050"/>
+            </p:spPr>
+            <p:style>
+              <a:lnRef idx="1">
+                <a:schemeClr val="dk1"/>
+              </a:lnRef>
+              <a:fillRef idx="0">
+                <a:schemeClr val="dk1"/>
+              </a:fillRef>
+              <a:effectRef idx="0">
+                <a:schemeClr val="dk1"/>
+              </a:effectRef>
+              <a:fontRef idx="minor">
+                <a:schemeClr val="tx1"/>
+              </a:fontRef>
+            </p:style>
+          </p:cxnSp>
+          <p:cxnSp>
+            <p:nvCxnSpPr>
+              <p:cNvPr id="229" name="직선 연결선 228">
+                <a:extLst>
+                  <a:ext uri="{FF2B5EF4-FFF2-40B4-BE49-F238E27FC236}">
+                    <a16:creationId xmlns:a16="http://schemas.microsoft.com/office/drawing/2014/main" id="{ABE778FD-938C-4D04-BFAA-F378201F5854}"/>
+                  </a:ext>
+                </a:extLst>
+              </p:cNvPr>
+              <p:cNvCxnSpPr/>
+              <p:nvPr/>
+            </p:nvCxnSpPr>
+            <p:spPr>
+              <a:xfrm>
+                <a:off x="6172550" y="2200712"/>
+                <a:ext cx="144016" cy="0"/>
+              </a:xfrm>
+              <a:prstGeom prst="line">
+                <a:avLst/>
+              </a:prstGeom>
+              <a:ln w="19050"/>
+            </p:spPr>
+            <p:style>
+              <a:lnRef idx="1">
+                <a:schemeClr val="dk1"/>
+              </a:lnRef>
+              <a:fillRef idx="0">
+                <a:schemeClr val="dk1"/>
+              </a:fillRef>
+              <a:effectRef idx="0">
+                <a:schemeClr val="dk1"/>
+              </a:effectRef>
+              <a:fontRef idx="minor">
+                <a:schemeClr val="tx1"/>
+              </a:fontRef>
+            </p:style>
+          </p:cxnSp>
+        </p:grpSp>
+        <p:grpSp>
+          <p:nvGrpSpPr>
+            <p:cNvPr id="222" name="그룹 221">
+              <a:extLst>
+                <a:ext uri="{FF2B5EF4-FFF2-40B4-BE49-F238E27FC236}">
+                  <a16:creationId xmlns:a16="http://schemas.microsoft.com/office/drawing/2014/main" id="{3B783D76-8BB5-4D71-A093-F724841268E0}"/>
+                </a:ext>
+              </a:extLst>
+            </p:cNvPr>
+            <p:cNvGrpSpPr/>
+            <p:nvPr/>
+          </p:nvGrpSpPr>
+          <p:grpSpPr>
+            <a:xfrm>
+              <a:off x="8781429" y="2565589"/>
+              <a:ext cx="144016" cy="1599376"/>
+              <a:chOff x="7900742" y="604138"/>
+              <a:chExt cx="144016" cy="1599376"/>
+            </a:xfrm>
+          </p:grpSpPr>
+          <p:cxnSp>
+            <p:nvCxnSpPr>
+              <p:cNvPr id="224" name="직선 연결선 223">
+                <a:extLst>
+                  <a:ext uri="{FF2B5EF4-FFF2-40B4-BE49-F238E27FC236}">
+                    <a16:creationId xmlns:a16="http://schemas.microsoft.com/office/drawing/2014/main" id="{0862FDEE-7BE8-4BE9-86A0-9ABD4FCC33EF}"/>
+                  </a:ext>
+                </a:extLst>
+              </p:cNvPr>
+              <p:cNvCxnSpPr/>
+              <p:nvPr/>
+            </p:nvCxnSpPr>
+            <p:spPr>
+              <a:xfrm flipH="1">
+                <a:off x="8044758" y="604138"/>
+                <a:ext cx="0" cy="1599376"/>
+              </a:xfrm>
+              <a:prstGeom prst="line">
+                <a:avLst/>
+              </a:prstGeom>
+              <a:ln w="19050"/>
+            </p:spPr>
+            <p:style>
+              <a:lnRef idx="1">
+                <a:schemeClr val="dk1"/>
+              </a:lnRef>
+              <a:fillRef idx="0">
+                <a:schemeClr val="dk1"/>
+              </a:fillRef>
+              <a:effectRef idx="0">
+                <a:schemeClr val="dk1"/>
+              </a:effectRef>
+              <a:fontRef idx="minor">
+                <a:schemeClr val="tx1"/>
+              </a:fontRef>
+            </p:style>
+          </p:cxnSp>
+          <p:cxnSp>
+            <p:nvCxnSpPr>
+              <p:cNvPr id="225" name="직선 연결선 224">
+                <a:extLst>
+                  <a:ext uri="{FF2B5EF4-FFF2-40B4-BE49-F238E27FC236}">
+                    <a16:creationId xmlns:a16="http://schemas.microsoft.com/office/drawing/2014/main" id="{691FA886-D69B-47A5-BB38-C1DF37604159}"/>
+                  </a:ext>
+                </a:extLst>
+              </p:cNvPr>
+              <p:cNvCxnSpPr/>
+              <p:nvPr/>
+            </p:nvCxnSpPr>
+            <p:spPr>
+              <a:xfrm flipH="1">
+                <a:off x="7900742" y="607908"/>
+                <a:ext cx="144016" cy="0"/>
+              </a:xfrm>
+              <a:prstGeom prst="line">
+                <a:avLst/>
+              </a:prstGeom>
+              <a:ln w="19050"/>
+            </p:spPr>
+            <p:style>
+              <a:lnRef idx="1">
+                <a:schemeClr val="dk1"/>
+              </a:lnRef>
+              <a:fillRef idx="0">
+                <a:schemeClr val="dk1"/>
+              </a:fillRef>
+              <a:effectRef idx="0">
+                <a:schemeClr val="dk1"/>
+              </a:effectRef>
+              <a:fontRef idx="minor">
+                <a:schemeClr val="tx1"/>
+              </a:fontRef>
+            </p:style>
+          </p:cxnSp>
+          <p:cxnSp>
+            <p:nvCxnSpPr>
+              <p:cNvPr id="226" name="직선 연결선 225">
+                <a:extLst>
+                  <a:ext uri="{FF2B5EF4-FFF2-40B4-BE49-F238E27FC236}">
+                    <a16:creationId xmlns:a16="http://schemas.microsoft.com/office/drawing/2014/main" id="{C05B2FE4-A6C8-4676-838F-4FF84C466A2E}"/>
+                  </a:ext>
+                </a:extLst>
+              </p:cNvPr>
+              <p:cNvCxnSpPr/>
+              <p:nvPr/>
+            </p:nvCxnSpPr>
+            <p:spPr>
+              <a:xfrm flipH="1">
+                <a:off x="7900742" y="2199362"/>
+                <a:ext cx="144016" cy="0"/>
+              </a:xfrm>
+              <a:prstGeom prst="line">
+                <a:avLst/>
+              </a:prstGeom>
+              <a:ln w="19050"/>
+            </p:spPr>
+            <p:style>
+              <a:lnRef idx="1">
+                <a:schemeClr val="dk1"/>
+              </a:lnRef>
+              <a:fillRef idx="0">
+                <a:schemeClr val="dk1"/>
+              </a:fillRef>
+              <a:effectRef idx="0">
+                <a:schemeClr val="dk1"/>
+              </a:effectRef>
+              <a:fontRef idx="minor">
+                <a:schemeClr val="tx1"/>
+              </a:fontRef>
+            </p:style>
+          </p:cxnSp>
+        </p:grpSp>
+        <p:sp>
+          <p:nvSpPr>
+            <p:cNvPr id="223" name="직사각형 222">
+              <a:extLst>
+                <a:ext uri="{FF2B5EF4-FFF2-40B4-BE49-F238E27FC236}">
+                  <a16:creationId xmlns:a16="http://schemas.microsoft.com/office/drawing/2014/main" id="{95281EA5-C32B-4BDF-AED7-518F3D194C18}"/>
+                </a:ext>
+              </a:extLst>
+            </p:cNvPr>
+            <p:cNvSpPr/>
+            <p:nvPr/>
+          </p:nvSpPr>
+          <p:spPr>
+            <a:xfrm rot="5400000">
+              <a:off x="6863353" y="3194103"/>
+              <a:ext cx="1568491" cy="316800"/>
+            </a:xfrm>
+            <a:prstGeom prst="rect">
+              <a:avLst/>
+            </a:prstGeom>
+            <a:solidFill>
+              <a:srgbClr val="F16565"/>
+            </a:solidFill>
+            <a:ln>
+              <a:noFill/>
+            </a:ln>
+          </p:spPr>
+          <p:style>
+            <a:lnRef idx="2">
+              <a:schemeClr val="accent1">
+                <a:shade val="50000"/>
+              </a:schemeClr>
+            </a:lnRef>
+            <a:fillRef idx="1">
+              <a:schemeClr val="accent1"/>
+            </a:fillRef>
+            <a:effectRef idx="0">
+              <a:schemeClr val="accent1"/>
+            </a:effectRef>
+            <a:fontRef idx="minor">
+              <a:schemeClr val="lt1"/>
+            </a:fontRef>
+          </p:style>
+          <p:txBody>
+            <a:bodyPr rtlCol="0" anchor="ctr"/>
+            <a:lstStyle/>
+            <a:p>
+              <a:pPr algn="ctr"/>
+              <a:endParaRPr lang="ko-KR" altLang="en-US" dirty="0"/>
+            </a:p>
+          </p:txBody>
+        </p:sp>
+      </p:grpSp>
+      <p:pic>
+        <p:nvPicPr>
+          <p:cNvPr id="237" name="그림 236">
+            <a:extLst>
+              <a:ext uri="{FF2B5EF4-FFF2-40B4-BE49-F238E27FC236}">
+                <a16:creationId xmlns:a16="http://schemas.microsoft.com/office/drawing/2014/main" id="{7FAC9E2B-E13B-4A93-88F4-AE5EEB5DE624}"/>
+              </a:ext>
+            </a:extLst>
+          </p:cNvPr>
+          <p:cNvPicPr>
+            <a:picLocks noChangeAspect="1"/>
+          </p:cNvPicPr>
+          <p:nvPr/>
+        </p:nvPicPr>
+        <p:blipFill>
+          <a:blip r:embed="rId22"/>
+          <a:stretch>
+            <a:fillRect/>
+          </a:stretch>
+        </p:blipFill>
+        <p:spPr>
+          <a:xfrm>
+            <a:off x="480835" y="3693632"/>
+            <a:ext cx="8064896" cy="2903720"/>
+          </a:xfrm>
+          <a:prstGeom prst="rect">
+            <a:avLst/>
+          </a:prstGeom>
+        </p:spPr>
+      </p:pic>
+    </p:spTree>
+    <p:extLst>
+      <p:ext uri="{BB962C8B-B14F-4D97-AF65-F5344CB8AC3E}">
+        <p14:creationId xmlns:p14="http://schemas.microsoft.com/office/powerpoint/2010/main" val="3330875502"/>
+      </p:ext>
+    </p:extLst>
+  </p:cSld>
+  <p:clrMapOvr>
+    <a:masterClrMapping/>
+  </p:clrMapOvr>
+</p:sld>
+</file>
+
 <file path=ppt/theme/theme1.xml><?xml version="1.0" encoding="utf-8"?>
 <a:theme xmlns:a="http://schemas.openxmlformats.org/drawingml/2006/main" name="Office 테마">
   <a:themeElements>

--- a/pics/2021-06-09-Greens_function/pics.pptx
+++ b/pics/2021-06-09-Greens_function/pics.pptx
@@ -3244,102 +3244,43 @@
           </a:p>
         </p:txBody>
       </p:sp>
-      <mc:AlternateContent xmlns:mc="http://schemas.openxmlformats.org/markup-compatibility/2006" xmlns:a14="http://schemas.microsoft.com/office/drawing/2010/main">
-        <mc:Choice Requires="a14">
-          <p:sp>
-            <p:nvSpPr>
-              <p:cNvPr id="17" name="TextBox 16">
-                <a:extLst>
-                  <a:ext uri="{FF2B5EF4-FFF2-40B4-BE49-F238E27FC236}">
-                    <a16:creationId xmlns:a16="http://schemas.microsoft.com/office/drawing/2014/main" id="{8819A910-2608-4025-B8EA-15404010743C}"/>
-                  </a:ext>
-                </a:extLst>
-              </p:cNvPr>
-              <p:cNvSpPr txBox="1"/>
-              <p:nvPr/>
-            </p:nvSpPr>
-            <p:spPr>
-              <a:xfrm>
-                <a:off x="3070417" y="1196752"/>
-                <a:ext cx="399789" cy="369332"/>
-              </a:xfrm>
-              <a:prstGeom prst="rect">
-                <a:avLst/>
-              </a:prstGeom>
-              <a:noFill/>
-            </p:spPr>
-            <p:txBody>
-              <a:bodyPr wrap="none" rtlCol="0">
-                <a:spAutoFit/>
-              </a:bodyPr>
-              <a:lstStyle/>
-              <a:p>
-                <a:pPr/>
-                <a14:m>
-                  <m:oMathPara xmlns:m="http://schemas.openxmlformats.org/officeDocument/2006/math">
-                    <m:oMathParaPr>
-                      <m:jc m:val="centerGroup"/>
-                    </m:oMathParaPr>
-                    <m:oMath xmlns:m="http://schemas.openxmlformats.org/officeDocument/2006/math">
-                      <m:r>
-                        <a:rPr lang="en-US" altLang="ko-KR" b="0" i="1" smtClean="0">
-                          <a:latin typeface="Cambria Math"/>
-                        </a:rPr>
-                        <m:t>𝑘</m:t>
-                      </m:r>
-                    </m:oMath>
-                  </m:oMathPara>
-                </a14:m>
-                <a:endParaRPr lang="ko-KR" altLang="en-US" dirty="0"/>
-              </a:p>
-            </p:txBody>
-          </p:sp>
-        </mc:Choice>
-        <mc:Fallback xmlns="">
-          <p:sp>
-            <p:nvSpPr>
-              <p:cNvPr id="17" name="TextBox 16">
-                <a:extLst>
-                  <a:ext uri="{FF2B5EF4-FFF2-40B4-BE49-F238E27FC236}">
-                    <a16:creationId xmlns:a16="http://schemas.microsoft.com/office/drawing/2014/main" id="{8819A910-2608-4025-B8EA-15404010743C}"/>
-                  </a:ext>
-                </a:extLst>
-              </p:cNvPr>
-              <p:cNvSpPr txBox="1">
-                <a:spLocks noRot="1" noChangeAspect="1" noMove="1" noResize="1" noEditPoints="1" noAdjustHandles="1" noChangeArrowheads="1" noChangeShapeType="1" noTextEdit="1"/>
-              </p:cNvSpPr>
-              <p:nvPr/>
-            </p:nvSpPr>
-            <p:spPr>
-              <a:xfrm>
-                <a:off x="3070417" y="1196752"/>
-                <a:ext cx="399789" cy="369332"/>
-              </a:xfrm>
-              <a:prstGeom prst="rect">
-                <a:avLst/>
-              </a:prstGeom>
-              <a:blipFill>
-                <a:blip r:embed="rId2"/>
-                <a:stretch>
-                  <a:fillRect/>
-                </a:stretch>
-              </a:blipFill>
-            </p:spPr>
-            <p:txBody>
-              <a:bodyPr/>
-              <a:lstStyle/>
-              <a:p>
-                <a:r>
-                  <a:rPr lang="ko-KR" altLang="en-US">
-                    <a:noFill/>
-                  </a:rPr>
-                  <a:t> </a:t>
-                </a:r>
-              </a:p>
-            </p:txBody>
-          </p:sp>
-        </mc:Fallback>
-      </mc:AlternateContent>
+      <p:sp>
+        <p:nvSpPr>
+          <p:cNvPr id="17" name="TextBox 16">
+            <a:extLst>
+              <a:ext uri="{FF2B5EF4-FFF2-40B4-BE49-F238E27FC236}">
+                <a16:creationId xmlns:a16="http://schemas.microsoft.com/office/drawing/2014/main" id="{8819A910-2608-4025-B8EA-15404010743C}"/>
+              </a:ext>
+            </a:extLst>
+          </p:cNvPr>
+          <p:cNvSpPr txBox="1"/>
+          <p:nvPr/>
+        </p:nvSpPr>
+        <p:spPr>
+          <a:xfrm>
+            <a:off x="3070417" y="1196752"/>
+            <a:ext cx="311304" cy="369332"/>
+          </a:xfrm>
+          <a:prstGeom prst="rect">
+            <a:avLst/>
+          </a:prstGeom>
+          <a:noFill/>
+        </p:spPr>
+        <p:txBody>
+          <a:bodyPr wrap="none" rtlCol="0">
+            <a:spAutoFit/>
+          </a:bodyPr>
+          <a:lstStyle/>
+          <a:p>
+            <a:pPr/>
+            <a:r>
+              <a:rPr lang="en-US" altLang="ko-KR" dirty="0"/>
+              <a:t>5</a:t>
+            </a:r>
+            <a:endParaRPr lang="ko-KR" altLang="en-US" dirty="0"/>
+          </a:p>
+        </p:txBody>
+      </p:sp>
       <p:sp>
         <p:nvSpPr>
           <p:cNvPr id="19" name="원호 18">
@@ -3444,8 +3385,8 @@
           </a:p>
         </p:txBody>
       </p:sp>
-      <mc:AlternateContent xmlns:mc="http://schemas.openxmlformats.org/markup-compatibility/2006" xmlns:a14="http://schemas.microsoft.com/office/drawing/2010/main">
-        <mc:Choice Requires="a14">
+      <mc:AlternateContent xmlns:mc="http://schemas.openxmlformats.org/markup-compatibility/2006">
+        <mc:Choice xmlns:a14="http://schemas.microsoft.com/office/drawing/2010/main" Requires="a14">
           <p:sp>
             <p:nvSpPr>
               <p:cNvPr id="21" name="TextBox 20">
@@ -3483,9 +3424,9 @@
                     <m:oMath xmlns:m="http://schemas.openxmlformats.org/officeDocument/2006/math">
                       <m:r>
                         <a:rPr lang="en-US" altLang="ko-KR" b="0" i="1" smtClean="0">
-                          <a:latin typeface="Cambria Math"/>
+                          <a:latin typeface="Cambria Math" panose="02040503050406030204" pitchFamily="18" charset="0"/>
                         </a:rPr>
-                        <m:t>𝑛</m:t>
+                        <m:t>5</m:t>
                       </m:r>
                     </m:oMath>
                   </m:oMathPara>
@@ -3495,7 +3436,7 @@
             </p:txBody>
           </p:sp>
         </mc:Choice>
-        <mc:Fallback xmlns="">
+        <mc:Fallback>
           <p:sp>
             <p:nvSpPr>
               <p:cNvPr id="21" name="TextBox 20">
@@ -3519,7 +3460,7 @@
                 <a:avLst/>
               </a:prstGeom>
               <a:blipFill>
-                <a:blip r:embed="rId3"/>
+                <a:blip r:embed="rId2"/>
                 <a:stretch>
                   <a:fillRect/>
                 </a:stretch>
@@ -9565,7 +9506,7 @@
             </p:nvSpPr>
             <p:spPr>
               <a:xfrm>
-                <a:off x="4099522" y="236156"/>
+                <a:off x="4093361" y="-69181"/>
                 <a:ext cx="399789" cy="369332"/>
               </a:xfrm>
               <a:prstGeom prst="rect">
@@ -9617,7 +9558,7 @@
             </p:nvSpPr>
             <p:spPr>
               <a:xfrm>
-                <a:off x="4099522" y="236156"/>
+                <a:off x="4093361" y="-69181"/>
                 <a:ext cx="399789" cy="369332"/>
               </a:xfrm>
               <a:prstGeom prst="rect">
@@ -9645,1222 +9586,224 @@
           </p:sp>
         </mc:Fallback>
       </mc:AlternateContent>
-      <p:grpSp>
-        <p:nvGrpSpPr>
-          <p:cNvPr id="117" name="그룹 116">
+      <p:sp>
+        <p:nvSpPr>
+          <p:cNvPr id="57" name="직사각형 56">
             <a:extLst>
               <a:ext uri="{FF2B5EF4-FFF2-40B4-BE49-F238E27FC236}">
-                <a16:creationId xmlns:a16="http://schemas.microsoft.com/office/drawing/2014/main" id="{603AFD21-98EB-46D6-81C6-BF7E8B33CEBC}"/>
+                <a16:creationId xmlns:a16="http://schemas.microsoft.com/office/drawing/2014/main" id="{1927DA3E-A163-40D9-9B2F-1FA2C02E4AAB}"/>
               </a:ext>
             </a:extLst>
           </p:cNvPr>
-          <p:cNvGrpSpPr/>
+          <p:cNvSpPr/>
           <p:nvPr/>
-        </p:nvGrpSpPr>
-        <p:grpSpPr>
+        </p:nvSpPr>
+        <p:spPr>
           <a:xfrm>
-            <a:off x="411244" y="767727"/>
-            <a:ext cx="8321512" cy="5322547"/>
-            <a:chOff x="479170" y="469053"/>
-            <a:chExt cx="8321512" cy="5322547"/>
+            <a:off x="3434167" y="614025"/>
+            <a:ext cx="1584176" cy="1584176"/>
           </a:xfrm>
-        </p:grpSpPr>
-        <p:sp>
-          <p:nvSpPr>
-            <p:cNvPr id="57" name="직사각형 56">
-              <a:extLst>
-                <a:ext uri="{FF2B5EF4-FFF2-40B4-BE49-F238E27FC236}">
-                  <a16:creationId xmlns:a16="http://schemas.microsoft.com/office/drawing/2014/main" id="{1927DA3E-A163-40D9-9B2F-1FA2C02E4AAB}"/>
-                </a:ext>
-              </a:extLst>
-            </p:cNvPr>
-            <p:cNvSpPr/>
-            <p:nvPr/>
-          </p:nvSpPr>
-          <p:spPr>
-            <a:xfrm>
-              <a:off x="3508254" y="620688"/>
-              <a:ext cx="1584176" cy="1584176"/>
-            </a:xfrm>
-            <a:prstGeom prst="rect">
-              <a:avLst/>
-            </a:prstGeom>
+          <a:prstGeom prst="rect">
+            <a:avLst/>
+          </a:prstGeom>
+          <a:solidFill>
+            <a:schemeClr val="bg1"/>
+          </a:solidFill>
+          <a:ln>
             <a:solidFill>
-              <a:schemeClr val="bg1"/>
+              <a:schemeClr val="tx1"/>
             </a:solidFill>
-            <a:ln>
-              <a:solidFill>
-                <a:schemeClr val="tx1"/>
-              </a:solidFill>
-            </a:ln>
-          </p:spPr>
-          <p:style>
-            <a:lnRef idx="2">
-              <a:schemeClr val="accent1">
-                <a:shade val="50000"/>
-              </a:schemeClr>
-            </a:lnRef>
-            <a:fillRef idx="1">
-              <a:schemeClr val="accent1"/>
-            </a:fillRef>
-            <a:effectRef idx="0">
-              <a:schemeClr val="accent1"/>
-            </a:effectRef>
-            <a:fontRef idx="minor">
-              <a:schemeClr val="lt1"/>
-            </a:fontRef>
-          </p:style>
-          <p:txBody>
-            <a:bodyPr rtlCol="0" anchor="ctr"/>
-            <a:lstStyle/>
-            <a:p>
-              <a:pPr algn="ctr"/>
-              <a:endParaRPr lang="ko-KR" altLang="en-US"/>
-            </a:p>
-          </p:txBody>
-        </p:sp>
-        <p:sp>
-          <p:nvSpPr>
-            <p:cNvPr id="58" name="직사각형 57">
-              <a:extLst>
-                <a:ext uri="{FF2B5EF4-FFF2-40B4-BE49-F238E27FC236}">
-                  <a16:creationId xmlns:a16="http://schemas.microsoft.com/office/drawing/2014/main" id="{30614A9C-4067-46EB-AFF6-BF3E0FC019A8}"/>
-                </a:ext>
-              </a:extLst>
-            </p:cNvPr>
-            <p:cNvSpPr/>
-            <p:nvPr/>
-          </p:nvSpPr>
-          <p:spPr>
-            <a:xfrm rot="5400000">
-              <a:off x="2891976" y="1253196"/>
-              <a:ext cx="1568491" cy="316800"/>
-            </a:xfrm>
-            <a:prstGeom prst="rect">
-              <a:avLst/>
-            </a:prstGeom>
+          </a:ln>
+        </p:spPr>
+        <p:style>
+          <a:lnRef idx="2">
+            <a:schemeClr val="accent1">
+              <a:shade val="50000"/>
+            </a:schemeClr>
+          </a:lnRef>
+          <a:fillRef idx="1">
+            <a:schemeClr val="accent1"/>
+          </a:fillRef>
+          <a:effectRef idx="0">
+            <a:schemeClr val="accent1"/>
+          </a:effectRef>
+          <a:fontRef idx="minor">
+            <a:schemeClr val="lt1"/>
+          </a:fontRef>
+        </p:style>
+        <p:txBody>
+          <a:bodyPr rtlCol="0" anchor="ctr"/>
+          <a:lstStyle/>
+          <a:p>
+            <a:pPr algn="ctr"/>
+            <a:endParaRPr lang="ko-KR" altLang="en-US"/>
+          </a:p>
+        </p:txBody>
+      </p:sp>
+      <p:sp>
+        <p:nvSpPr>
+          <p:cNvPr id="58" name="직사각형 57">
+            <a:extLst>
+              <a:ext uri="{FF2B5EF4-FFF2-40B4-BE49-F238E27FC236}">
+                <a16:creationId xmlns:a16="http://schemas.microsoft.com/office/drawing/2014/main" id="{30614A9C-4067-46EB-AFF6-BF3E0FC019A8}"/>
+              </a:ext>
+            </a:extLst>
+          </p:cNvPr>
+          <p:cNvSpPr/>
+          <p:nvPr/>
+        </p:nvSpPr>
+        <p:spPr>
+          <a:xfrm rot="5400000">
+            <a:off x="2817889" y="1246533"/>
+            <a:ext cx="1568491" cy="316800"/>
+          </a:xfrm>
+          <a:prstGeom prst="rect">
+            <a:avLst/>
+          </a:prstGeom>
+          <a:solidFill>
+            <a:srgbClr val="F16565"/>
+          </a:solidFill>
+          <a:ln>
+            <a:noFill/>
+          </a:ln>
+        </p:spPr>
+        <p:style>
+          <a:lnRef idx="2">
+            <a:schemeClr val="accent1">
+              <a:shade val="50000"/>
+            </a:schemeClr>
+          </a:lnRef>
+          <a:fillRef idx="1">
+            <a:schemeClr val="accent1"/>
+          </a:fillRef>
+          <a:effectRef idx="0">
+            <a:schemeClr val="accent1"/>
+          </a:effectRef>
+          <a:fontRef idx="minor">
+            <a:schemeClr val="lt1"/>
+          </a:fontRef>
+        </p:style>
+        <p:txBody>
+          <a:bodyPr rtlCol="0" anchor="ctr"/>
+          <a:lstStyle/>
+          <a:p>
+            <a:pPr algn="ctr"/>
+            <a:endParaRPr lang="ko-KR" altLang="en-US"/>
+          </a:p>
+        </p:txBody>
+      </p:sp>
+      <p:sp>
+        <p:nvSpPr>
+          <p:cNvPr id="59" name="원호 58">
+            <a:extLst>
+              <a:ext uri="{FF2B5EF4-FFF2-40B4-BE49-F238E27FC236}">
+                <a16:creationId xmlns:a16="http://schemas.microsoft.com/office/drawing/2014/main" id="{FE2108CF-9A8C-491A-A8D5-FBF8911E10AC}"/>
+              </a:ext>
+            </a:extLst>
+          </p:cNvPr>
+          <p:cNvSpPr/>
+          <p:nvPr/>
+        </p:nvSpPr>
+        <p:spPr>
+          <a:xfrm flipH="1">
+            <a:off x="3276742" y="614025"/>
+            <a:ext cx="314848" cy="1584176"/>
+          </a:xfrm>
+          <a:prstGeom prst="arc">
+            <a:avLst>
+              <a:gd name="adj1" fmla="val 16200000"/>
+              <a:gd name="adj2" fmla="val 17969117"/>
+            </a:avLst>
+          </a:prstGeom>
+          <a:ln>
             <a:solidFill>
-              <a:srgbClr val="F16565"/>
+              <a:schemeClr val="tx1"/>
             </a:solidFill>
-            <a:ln>
-              <a:noFill/>
-            </a:ln>
-          </p:spPr>
-          <p:style>
-            <a:lnRef idx="2">
-              <a:schemeClr val="accent1">
-                <a:shade val="50000"/>
-              </a:schemeClr>
-            </a:lnRef>
-            <a:fillRef idx="1">
-              <a:schemeClr val="accent1"/>
-            </a:fillRef>
-            <a:effectRef idx="0">
-              <a:schemeClr val="accent1"/>
-            </a:effectRef>
-            <a:fontRef idx="minor">
-              <a:schemeClr val="lt1"/>
-            </a:fontRef>
-          </p:style>
-          <p:txBody>
-            <a:bodyPr rtlCol="0" anchor="ctr"/>
-            <a:lstStyle/>
-            <a:p>
-              <a:pPr algn="ctr"/>
-              <a:endParaRPr lang="ko-KR" altLang="en-US"/>
-            </a:p>
-          </p:txBody>
-        </p:sp>
-        <p:sp>
-          <p:nvSpPr>
-            <p:cNvPr id="59" name="원호 58">
-              <a:extLst>
-                <a:ext uri="{FF2B5EF4-FFF2-40B4-BE49-F238E27FC236}">
-                  <a16:creationId xmlns:a16="http://schemas.microsoft.com/office/drawing/2014/main" id="{FE2108CF-9A8C-491A-A8D5-FBF8911E10AC}"/>
-                </a:ext>
-              </a:extLst>
-            </p:cNvPr>
-            <p:cNvSpPr/>
-            <p:nvPr/>
-          </p:nvSpPr>
-          <p:spPr>
-            <a:xfrm flipH="1">
-              <a:off x="3350829" y="620688"/>
-              <a:ext cx="314848" cy="1584176"/>
-            </a:xfrm>
-            <a:prstGeom prst="arc">
-              <a:avLst>
-                <a:gd name="adj1" fmla="val 16200000"/>
-                <a:gd name="adj2" fmla="val 17969117"/>
-              </a:avLst>
-            </a:prstGeom>
-            <a:ln>
-              <a:solidFill>
-                <a:schemeClr val="tx1"/>
-              </a:solidFill>
-            </a:ln>
-          </p:spPr>
-          <p:style>
-            <a:lnRef idx="1">
-              <a:schemeClr val="accent1"/>
-            </a:lnRef>
-            <a:fillRef idx="0">
-              <a:schemeClr val="accent1"/>
-            </a:fillRef>
-            <a:effectRef idx="0">
-              <a:schemeClr val="accent1"/>
-            </a:effectRef>
-            <a:fontRef idx="minor">
+          </a:ln>
+        </p:spPr>
+        <p:style>
+          <a:lnRef idx="1">
+            <a:schemeClr val="accent1"/>
+          </a:lnRef>
+          <a:fillRef idx="0">
+            <a:schemeClr val="accent1"/>
+          </a:fillRef>
+          <a:effectRef idx="0">
+            <a:schemeClr val="accent1"/>
+          </a:effectRef>
+          <a:fontRef idx="minor">
+            <a:schemeClr val="tx1"/>
+          </a:fontRef>
+        </p:style>
+        <p:txBody>
+          <a:bodyPr rtlCol="0" anchor="ctr"/>
+          <a:lstStyle/>
+          <a:p>
+            <a:pPr algn="ctr"/>
+            <a:endParaRPr lang="ko-KR" altLang="en-US"/>
+          </a:p>
+        </p:txBody>
+      </p:sp>
+      <p:sp>
+        <p:nvSpPr>
+          <p:cNvPr id="60" name="원호 59">
+            <a:extLst>
+              <a:ext uri="{FF2B5EF4-FFF2-40B4-BE49-F238E27FC236}">
+                <a16:creationId xmlns:a16="http://schemas.microsoft.com/office/drawing/2014/main" id="{02C25009-C2D8-4B36-8C2F-C510492EE558}"/>
+              </a:ext>
+            </a:extLst>
+          </p:cNvPr>
+          <p:cNvSpPr/>
+          <p:nvPr/>
+        </p:nvSpPr>
+        <p:spPr>
+          <a:xfrm flipH="1" flipV="1">
+            <a:off x="3277615" y="614025"/>
+            <a:ext cx="314848" cy="1584176"/>
+          </a:xfrm>
+          <a:prstGeom prst="arc">
+            <a:avLst>
+              <a:gd name="adj1" fmla="val 16200000"/>
+              <a:gd name="adj2" fmla="val 17969117"/>
+            </a:avLst>
+          </a:prstGeom>
+          <a:ln>
+            <a:solidFill>
               <a:schemeClr val="tx1"/>
-            </a:fontRef>
-          </p:style>
-          <p:txBody>
-            <a:bodyPr rtlCol="0" anchor="ctr"/>
-            <a:lstStyle/>
-            <a:p>
-              <a:pPr algn="ctr"/>
-              <a:endParaRPr lang="ko-KR" altLang="en-US"/>
-            </a:p>
-          </p:txBody>
-        </p:sp>
-        <p:sp>
-          <p:nvSpPr>
-            <p:cNvPr id="60" name="원호 59">
-              <a:extLst>
-                <a:ext uri="{FF2B5EF4-FFF2-40B4-BE49-F238E27FC236}">
-                  <a16:creationId xmlns:a16="http://schemas.microsoft.com/office/drawing/2014/main" id="{02C25009-C2D8-4B36-8C2F-C510492EE558}"/>
-                </a:ext>
-              </a:extLst>
-            </p:cNvPr>
-            <p:cNvSpPr/>
-            <p:nvPr/>
-          </p:nvSpPr>
-          <p:spPr>
-            <a:xfrm flipH="1" flipV="1">
-              <a:off x="3351702" y="620688"/>
-              <a:ext cx="314848" cy="1584176"/>
-            </a:xfrm>
-            <a:prstGeom prst="arc">
-              <a:avLst>
-                <a:gd name="adj1" fmla="val 16200000"/>
-                <a:gd name="adj2" fmla="val 17969117"/>
-              </a:avLst>
-            </a:prstGeom>
-            <a:ln>
-              <a:solidFill>
-                <a:schemeClr val="tx1"/>
-              </a:solidFill>
-            </a:ln>
-          </p:spPr>
-          <p:style>
-            <a:lnRef idx="1">
-              <a:schemeClr val="accent1"/>
-            </a:lnRef>
-            <a:fillRef idx="0">
-              <a:schemeClr val="accent1"/>
-            </a:fillRef>
-            <a:effectRef idx="0">
-              <a:schemeClr val="accent1"/>
-            </a:effectRef>
-            <a:fontRef idx="minor">
-              <a:schemeClr val="tx1"/>
-            </a:fontRef>
-          </p:style>
-          <p:txBody>
-            <a:bodyPr rtlCol="0" anchor="ctr"/>
-            <a:lstStyle/>
-            <a:p>
-              <a:pPr algn="ctr"/>
-              <a:endParaRPr lang="ko-KR" altLang="en-US"/>
-            </a:p>
-          </p:txBody>
-        </p:sp>
-        <mc:AlternateContent xmlns:mc="http://schemas.openxmlformats.org/markup-compatibility/2006">
-          <mc:Choice xmlns:a14="http://schemas.microsoft.com/office/drawing/2010/main" Requires="a14">
-            <p:sp>
-              <p:nvSpPr>
-                <p:cNvPr id="61" name="TextBox 60">
-                  <a:extLst>
-                    <a:ext uri="{FF2B5EF4-FFF2-40B4-BE49-F238E27FC236}">
-                      <a16:creationId xmlns:a16="http://schemas.microsoft.com/office/drawing/2014/main" id="{5D025167-ABAE-4C26-9310-0024FDD94ABB}"/>
-                    </a:ext>
-                  </a:extLst>
-                </p:cNvPr>
-                <p:cNvSpPr txBox="1"/>
-                <p:nvPr/>
-              </p:nvSpPr>
-              <p:spPr>
-                <a:xfrm>
-                  <a:off x="3070417" y="1196752"/>
-                  <a:ext cx="399789" cy="369332"/>
-                </a:xfrm>
-                <a:prstGeom prst="rect">
-                  <a:avLst/>
-                </a:prstGeom>
-                <a:noFill/>
-              </p:spPr>
-              <p:txBody>
-                <a:bodyPr wrap="none" rtlCol="0">
-                  <a:spAutoFit/>
-                </a:bodyPr>
-                <a:lstStyle/>
-                <a:p>
-                  <a:pPr/>
-                  <a14:m>
-                    <m:oMathPara xmlns:m="http://schemas.openxmlformats.org/officeDocument/2006/math">
-                      <m:oMathParaPr>
-                        <m:jc m:val="centerGroup"/>
-                      </m:oMathParaPr>
-                      <m:oMath xmlns:m="http://schemas.openxmlformats.org/officeDocument/2006/math">
-                        <m:r>
-                          <a:rPr lang="en-US" altLang="ko-KR" b="0" i="1" smtClean="0">
-                            <a:latin typeface="Cambria Math"/>
-                          </a:rPr>
-                          <m:t>𝑘</m:t>
-                        </m:r>
-                      </m:oMath>
-                    </m:oMathPara>
-                  </a14:m>
-                  <a:endParaRPr lang="ko-KR" altLang="en-US" dirty="0"/>
-                </a:p>
-              </p:txBody>
-            </p:sp>
-          </mc:Choice>
-          <mc:Fallback>
-            <p:sp>
-              <p:nvSpPr>
-                <p:cNvPr id="61" name="TextBox 60">
-                  <a:extLst>
-                    <a:ext uri="{FF2B5EF4-FFF2-40B4-BE49-F238E27FC236}">
-                      <a16:creationId xmlns:a16="http://schemas.microsoft.com/office/drawing/2014/main" id="{5D025167-ABAE-4C26-9310-0024FDD94ABB}"/>
-                    </a:ext>
-                  </a:extLst>
-                </p:cNvPr>
-                <p:cNvSpPr txBox="1">
-                  <a:spLocks noRot="1" noChangeAspect="1" noMove="1" noResize="1" noEditPoints="1" noAdjustHandles="1" noChangeArrowheads="1" noChangeShapeType="1" noTextEdit="1"/>
-                </p:cNvSpPr>
-                <p:nvPr/>
-              </p:nvSpPr>
-              <p:spPr>
-                <a:xfrm>
-                  <a:off x="3070417" y="1196752"/>
-                  <a:ext cx="399789" cy="369332"/>
-                </a:xfrm>
-                <a:prstGeom prst="rect">
-                  <a:avLst/>
-                </a:prstGeom>
-                <a:blipFill>
-                  <a:blip r:embed="rId3"/>
-                  <a:stretch>
-                    <a:fillRect/>
-                  </a:stretch>
-                </a:blipFill>
-              </p:spPr>
-              <p:txBody>
-                <a:bodyPr/>
-                <a:lstStyle/>
-                <a:p>
-                  <a:r>
-                    <a:rPr lang="ko-KR" altLang="en-US">
-                      <a:noFill/>
-                    </a:rPr>
-                    <a:t> </a:t>
-                  </a:r>
-                </a:p>
-              </p:txBody>
-            </p:sp>
-          </mc:Fallback>
-        </mc:AlternateContent>
-        <p:sp>
-          <p:nvSpPr>
-            <p:cNvPr id="62" name="원호 61">
-              <a:extLst>
-                <a:ext uri="{FF2B5EF4-FFF2-40B4-BE49-F238E27FC236}">
-                  <a16:creationId xmlns:a16="http://schemas.microsoft.com/office/drawing/2014/main" id="{135ED5AE-72C8-4EDB-877C-70413A2EEB66}"/>
-                </a:ext>
-              </a:extLst>
-            </p:cNvPr>
-            <p:cNvSpPr/>
-            <p:nvPr/>
-          </p:nvSpPr>
-          <p:spPr>
-            <a:xfrm rot="5400000" flipH="1">
-              <a:off x="4142918" y="-165611"/>
-              <a:ext cx="314848" cy="1584176"/>
-            </a:xfrm>
-            <a:prstGeom prst="arc">
-              <a:avLst>
-                <a:gd name="adj1" fmla="val 16200000"/>
-                <a:gd name="adj2" fmla="val 17969117"/>
-              </a:avLst>
-            </a:prstGeom>
-            <a:ln>
-              <a:solidFill>
-                <a:schemeClr val="tx1"/>
-              </a:solidFill>
-            </a:ln>
-          </p:spPr>
-          <p:style>
-            <a:lnRef idx="1">
-              <a:schemeClr val="accent1"/>
-            </a:lnRef>
-            <a:fillRef idx="0">
-              <a:schemeClr val="accent1"/>
-            </a:fillRef>
-            <a:effectRef idx="0">
-              <a:schemeClr val="accent1"/>
-            </a:effectRef>
-            <a:fontRef idx="minor">
-              <a:schemeClr val="tx1"/>
-            </a:fontRef>
-          </p:style>
-          <p:txBody>
-            <a:bodyPr rtlCol="0" anchor="ctr"/>
-            <a:lstStyle/>
-            <a:p>
-              <a:pPr algn="ctr"/>
-              <a:endParaRPr lang="ko-KR" altLang="en-US"/>
-            </a:p>
-          </p:txBody>
-        </p:sp>
-        <p:sp>
-          <p:nvSpPr>
-            <p:cNvPr id="63" name="원호 62">
-              <a:extLst>
-                <a:ext uri="{FF2B5EF4-FFF2-40B4-BE49-F238E27FC236}">
-                  <a16:creationId xmlns:a16="http://schemas.microsoft.com/office/drawing/2014/main" id="{0B2717F5-5295-47F7-9CFC-FD4EE91DEFAB}"/>
-                </a:ext>
-              </a:extLst>
-            </p:cNvPr>
-            <p:cNvSpPr/>
-            <p:nvPr/>
-          </p:nvSpPr>
-          <p:spPr>
-            <a:xfrm rot="5400000" flipH="1" flipV="1">
-              <a:off x="4142918" y="-164738"/>
-              <a:ext cx="314848" cy="1584176"/>
-            </a:xfrm>
-            <a:prstGeom prst="arc">
-              <a:avLst>
-                <a:gd name="adj1" fmla="val 16200000"/>
-                <a:gd name="adj2" fmla="val 17969117"/>
-              </a:avLst>
-            </a:prstGeom>
-            <a:ln>
-              <a:solidFill>
-                <a:schemeClr val="tx1"/>
-              </a:solidFill>
-            </a:ln>
-          </p:spPr>
-          <p:style>
-            <a:lnRef idx="1">
-              <a:schemeClr val="accent1"/>
-            </a:lnRef>
-            <a:fillRef idx="0">
-              <a:schemeClr val="accent1"/>
-            </a:fillRef>
-            <a:effectRef idx="0">
-              <a:schemeClr val="accent1"/>
-            </a:effectRef>
-            <a:fontRef idx="minor">
-              <a:schemeClr val="tx1"/>
-            </a:fontRef>
-          </p:style>
-          <p:txBody>
-            <a:bodyPr rtlCol="0" anchor="ctr"/>
-            <a:lstStyle/>
-            <a:p>
-              <a:pPr algn="ctr"/>
-              <a:endParaRPr lang="ko-KR" altLang="en-US"/>
-            </a:p>
-          </p:txBody>
-        </p:sp>
-        <mc:AlternateContent xmlns:mc="http://schemas.openxmlformats.org/markup-compatibility/2006">
-          <mc:Choice xmlns:a14="http://schemas.microsoft.com/office/drawing/2010/main" Requires="a14">
-            <p:sp>
-              <p:nvSpPr>
-                <p:cNvPr id="65" name="TextBox 64">
-                  <a:extLst>
-                    <a:ext uri="{FF2B5EF4-FFF2-40B4-BE49-F238E27FC236}">
-                      <a16:creationId xmlns:a16="http://schemas.microsoft.com/office/drawing/2014/main" id="{D8A8E328-94BE-4DAE-B088-E4FAEEFF052A}"/>
-                    </a:ext>
-                  </a:extLst>
-                </p:cNvPr>
-                <p:cNvSpPr txBox="1"/>
-                <p:nvPr/>
-              </p:nvSpPr>
-              <p:spPr>
-                <a:xfrm>
-                  <a:off x="2572150" y="1196752"/>
-                  <a:ext cx="431528" cy="369332"/>
-                </a:xfrm>
-                <a:prstGeom prst="rect">
-                  <a:avLst/>
-                </a:prstGeom>
-                <a:noFill/>
-              </p:spPr>
-              <p:txBody>
-                <a:bodyPr wrap="none" rtlCol="0">
-                  <a:spAutoFit/>
-                </a:bodyPr>
-                <a:lstStyle/>
-                <a:p>
-                  <a:pPr/>
-                  <a14:m>
-                    <m:oMathPara xmlns:m="http://schemas.openxmlformats.org/officeDocument/2006/math">
-                      <m:oMathParaPr>
-                        <m:jc m:val="centerGroup"/>
-                      </m:oMathParaPr>
-                      <m:oMath xmlns:m="http://schemas.openxmlformats.org/officeDocument/2006/math">
-                        <m:r>
-                          <a:rPr lang="en-US" altLang="ko-KR" b="0" i="1" smtClean="0">
-                            <a:latin typeface="Cambria Math"/>
-                          </a:rPr>
-                          <m:t>×</m:t>
-                        </m:r>
-                      </m:oMath>
-                    </m:oMathPara>
-                  </a14:m>
-                  <a:endParaRPr lang="ko-KR" altLang="en-US" dirty="0"/>
-                </a:p>
-              </p:txBody>
-            </p:sp>
-          </mc:Choice>
-          <mc:Fallback>
-            <p:sp>
-              <p:nvSpPr>
-                <p:cNvPr id="65" name="TextBox 64">
-                  <a:extLst>
-                    <a:ext uri="{FF2B5EF4-FFF2-40B4-BE49-F238E27FC236}">
-                      <a16:creationId xmlns:a16="http://schemas.microsoft.com/office/drawing/2014/main" id="{D8A8E328-94BE-4DAE-B088-E4FAEEFF052A}"/>
-                    </a:ext>
-                  </a:extLst>
-                </p:cNvPr>
-                <p:cNvSpPr txBox="1">
-                  <a:spLocks noRot="1" noChangeAspect="1" noMove="1" noResize="1" noEditPoints="1" noAdjustHandles="1" noChangeArrowheads="1" noChangeShapeType="1" noTextEdit="1"/>
-                </p:cNvSpPr>
-                <p:nvPr/>
-              </p:nvSpPr>
-              <p:spPr>
-                <a:xfrm>
-                  <a:off x="2572150" y="1196752"/>
-                  <a:ext cx="431528" cy="369332"/>
-                </a:xfrm>
-                <a:prstGeom prst="rect">
-                  <a:avLst/>
-                </a:prstGeom>
-                <a:blipFill>
-                  <a:blip r:embed="rId4"/>
-                  <a:stretch>
-                    <a:fillRect/>
-                  </a:stretch>
-                </a:blipFill>
-              </p:spPr>
-              <p:txBody>
-                <a:bodyPr/>
-                <a:lstStyle/>
-                <a:p>
-                  <a:r>
-                    <a:rPr lang="ko-KR" altLang="en-US">
-                      <a:noFill/>
-                    </a:rPr>
-                    <a:t> </a:t>
-                  </a:r>
-                </a:p>
-              </p:txBody>
-            </p:sp>
-          </mc:Fallback>
-        </mc:AlternateContent>
-        <mc:AlternateContent xmlns:mc="http://schemas.openxmlformats.org/markup-compatibility/2006">
-          <mc:Choice xmlns:a14="http://schemas.microsoft.com/office/drawing/2010/main" Requires="a14">
-            <p:sp>
-              <p:nvSpPr>
-                <p:cNvPr id="66" name="TextBox 65">
-                  <a:extLst>
-                    <a:ext uri="{FF2B5EF4-FFF2-40B4-BE49-F238E27FC236}">
-                      <a16:creationId xmlns:a16="http://schemas.microsoft.com/office/drawing/2014/main" id="{380F06DA-7C24-4FE6-A01C-B553D005D083}"/>
-                    </a:ext>
-                  </a:extLst>
-                </p:cNvPr>
-                <p:cNvSpPr txBox="1"/>
-                <p:nvPr/>
-              </p:nvSpPr>
-              <p:spPr>
-                <a:xfrm>
-                  <a:off x="5452470" y="1196752"/>
-                  <a:ext cx="439544" cy="369332"/>
-                </a:xfrm>
-                <a:prstGeom prst="rect">
-                  <a:avLst/>
-                </a:prstGeom>
-                <a:noFill/>
-              </p:spPr>
-              <p:txBody>
-                <a:bodyPr wrap="none" rtlCol="0">
-                  <a:spAutoFit/>
-                </a:bodyPr>
-                <a:lstStyle/>
-                <a:p>
-                  <a:pPr/>
-                  <a14:m>
-                    <m:oMathPara xmlns:m="http://schemas.openxmlformats.org/officeDocument/2006/math">
-                      <m:oMathParaPr>
-                        <m:jc m:val="centerGroup"/>
-                      </m:oMathParaPr>
-                      <m:oMath xmlns:m="http://schemas.openxmlformats.org/officeDocument/2006/math">
-                        <m:r>
-                          <a:rPr lang="en-US" altLang="ko-KR" b="0" i="1" smtClean="0">
-                            <a:latin typeface="Cambria Math"/>
-                          </a:rPr>
-                          <m:t>=</m:t>
-                        </m:r>
-                      </m:oMath>
-                    </m:oMathPara>
-                  </a14:m>
-                  <a:endParaRPr lang="ko-KR" altLang="en-US" dirty="0"/>
-                </a:p>
-              </p:txBody>
-            </p:sp>
-          </mc:Choice>
-          <mc:Fallback>
-            <p:sp>
-              <p:nvSpPr>
-                <p:cNvPr id="66" name="TextBox 65">
-                  <a:extLst>
-                    <a:ext uri="{FF2B5EF4-FFF2-40B4-BE49-F238E27FC236}">
-                      <a16:creationId xmlns:a16="http://schemas.microsoft.com/office/drawing/2014/main" id="{380F06DA-7C24-4FE6-A01C-B553D005D083}"/>
-                    </a:ext>
-                  </a:extLst>
-                </p:cNvPr>
-                <p:cNvSpPr txBox="1">
-                  <a:spLocks noRot="1" noChangeAspect="1" noMove="1" noResize="1" noEditPoints="1" noAdjustHandles="1" noChangeArrowheads="1" noChangeShapeType="1" noTextEdit="1"/>
-                </p:cNvSpPr>
-                <p:nvPr/>
-              </p:nvSpPr>
-              <p:spPr>
-                <a:xfrm>
-                  <a:off x="5452470" y="1196752"/>
-                  <a:ext cx="439544" cy="369332"/>
-                </a:xfrm>
-                <a:prstGeom prst="rect">
-                  <a:avLst/>
-                </a:prstGeom>
-                <a:blipFill>
-                  <a:blip r:embed="rId5"/>
-                  <a:stretch>
-                    <a:fillRect/>
-                  </a:stretch>
-                </a:blipFill>
-              </p:spPr>
-              <p:txBody>
-                <a:bodyPr/>
-                <a:lstStyle/>
-                <a:p>
-                  <a:r>
-                    <a:rPr lang="ko-KR" altLang="en-US">
-                      <a:noFill/>
-                    </a:rPr>
-                    <a:t> </a:t>
-                  </a:r>
-                </a:p>
-              </p:txBody>
-            </p:sp>
-          </mc:Fallback>
-        </mc:AlternateContent>
-        <mc:AlternateContent xmlns:mc="http://schemas.openxmlformats.org/markup-compatibility/2006">
-          <mc:Choice xmlns:a14="http://schemas.microsoft.com/office/drawing/2010/main" Requires="a14">
-            <p:sp>
-              <p:nvSpPr>
-                <p:cNvPr id="67" name="TextBox 66">
-                  <a:extLst>
-                    <a:ext uri="{FF2B5EF4-FFF2-40B4-BE49-F238E27FC236}">
-                      <a16:creationId xmlns:a16="http://schemas.microsoft.com/office/drawing/2014/main" id="{60BB0C4D-6C90-4EE6-A0DA-91B5B030DF40}"/>
-                    </a:ext>
-                  </a:extLst>
-                </p:cNvPr>
-                <p:cNvSpPr txBox="1"/>
-                <p:nvPr/>
-              </p:nvSpPr>
-              <p:spPr>
-                <a:xfrm>
-                  <a:off x="1099242" y="481752"/>
-                  <a:ext cx="1651414" cy="1862048"/>
-                </a:xfrm>
-                <a:prstGeom prst="rect">
-                  <a:avLst/>
-                </a:prstGeom>
-                <a:noFill/>
-              </p:spPr>
-              <p:txBody>
-                <a:bodyPr wrap="none" rtlCol="0">
-                  <a:spAutoFit/>
-                </a:bodyPr>
-                <a:lstStyle/>
-                <a:p>
-                  <a:pPr/>
-                  <a14:m>
-                    <m:oMathPara xmlns:m="http://schemas.openxmlformats.org/officeDocument/2006/math">
-                      <m:oMathParaPr>
-                        <m:jc m:val="centerGroup"/>
-                      </m:oMathParaPr>
-                      <m:oMath xmlns:m="http://schemas.openxmlformats.org/officeDocument/2006/math">
-                        <m:r>
-                          <a:rPr lang="en-US" altLang="ko-KR" sz="11500" i="1" dirty="0" smtClean="0">
-                            <a:latin typeface="Cambria Math" panose="02040503050406030204" pitchFamily="18" charset="0"/>
-                          </a:rPr>
-                          <m:t>𝐴</m:t>
-                        </m:r>
-                      </m:oMath>
-                    </m:oMathPara>
-                  </a14:m>
-                  <a:endParaRPr lang="ko-KR" altLang="en-US" sz="11500" dirty="0"/>
-                </a:p>
-              </p:txBody>
-            </p:sp>
-          </mc:Choice>
-          <mc:Fallback>
-            <p:sp>
-              <p:nvSpPr>
-                <p:cNvPr id="67" name="TextBox 66">
-                  <a:extLst>
-                    <a:ext uri="{FF2B5EF4-FFF2-40B4-BE49-F238E27FC236}">
-                      <a16:creationId xmlns:a16="http://schemas.microsoft.com/office/drawing/2014/main" id="{60BB0C4D-6C90-4EE6-A0DA-91B5B030DF40}"/>
-                    </a:ext>
-                  </a:extLst>
-                </p:cNvPr>
-                <p:cNvSpPr txBox="1">
-                  <a:spLocks noRot="1" noChangeAspect="1" noMove="1" noResize="1" noEditPoints="1" noAdjustHandles="1" noChangeArrowheads="1" noChangeShapeType="1" noTextEdit="1"/>
-                </p:cNvSpPr>
-                <p:nvPr/>
-              </p:nvSpPr>
-              <p:spPr>
-                <a:xfrm>
-                  <a:off x="1099242" y="481752"/>
-                  <a:ext cx="1651414" cy="1862048"/>
-                </a:xfrm>
-                <a:prstGeom prst="rect">
-                  <a:avLst/>
-                </a:prstGeom>
-                <a:blipFill>
-                  <a:blip r:embed="rId6"/>
-                  <a:stretch>
-                    <a:fillRect/>
-                  </a:stretch>
-                </a:blipFill>
-              </p:spPr>
-              <p:txBody>
-                <a:bodyPr/>
-                <a:lstStyle/>
-                <a:p>
-                  <a:r>
-                    <a:rPr lang="ko-KR" altLang="en-US">
-                      <a:noFill/>
-                    </a:rPr>
-                    <a:t> </a:t>
-                  </a:r>
-                </a:p>
-              </p:txBody>
-            </p:sp>
-          </mc:Fallback>
-        </mc:AlternateContent>
-        <p:sp>
-          <p:nvSpPr>
-            <p:cNvPr id="68" name="직사각형 67">
-              <a:extLst>
-                <a:ext uri="{FF2B5EF4-FFF2-40B4-BE49-F238E27FC236}">
-                  <a16:creationId xmlns:a16="http://schemas.microsoft.com/office/drawing/2014/main" id="{F66C0109-EB51-4835-A9FE-30DC3F0BC04D}"/>
-                </a:ext>
-              </a:extLst>
-            </p:cNvPr>
-            <p:cNvSpPr/>
-            <p:nvPr/>
-          </p:nvSpPr>
-          <p:spPr>
-            <a:xfrm rot="5400000">
-              <a:off x="3208776" y="1253198"/>
-              <a:ext cx="1568491" cy="316800"/>
-            </a:xfrm>
-            <a:prstGeom prst="rect">
-              <a:avLst/>
-            </a:prstGeom>
-            <a:solidFill>
-              <a:srgbClr val="EEA17E"/>
             </a:solidFill>
-            <a:ln>
-              <a:noFill/>
-            </a:ln>
-          </p:spPr>
-          <p:style>
-            <a:lnRef idx="2">
-              <a:schemeClr val="accent1">
-                <a:shade val="50000"/>
-              </a:schemeClr>
-            </a:lnRef>
-            <a:fillRef idx="1">
-              <a:schemeClr val="accent1"/>
-            </a:fillRef>
-            <a:effectRef idx="0">
-              <a:schemeClr val="accent1"/>
-            </a:effectRef>
-            <a:fontRef idx="minor">
-              <a:schemeClr val="lt1"/>
-            </a:fontRef>
-          </p:style>
-          <p:txBody>
-            <a:bodyPr rtlCol="0" anchor="ctr"/>
-            <a:lstStyle/>
-            <a:p>
-              <a:pPr algn="ctr"/>
-              <a:endParaRPr lang="ko-KR" altLang="en-US"/>
-            </a:p>
-          </p:txBody>
-        </p:sp>
-        <p:sp>
-          <p:nvSpPr>
-            <p:cNvPr id="69" name="직사각형 68">
-              <a:extLst>
-                <a:ext uri="{FF2B5EF4-FFF2-40B4-BE49-F238E27FC236}">
-                  <a16:creationId xmlns:a16="http://schemas.microsoft.com/office/drawing/2014/main" id="{B5F702E7-1906-4E80-A94F-F4FEF40E1222}"/>
-                </a:ext>
-              </a:extLst>
-            </p:cNvPr>
-            <p:cNvSpPr/>
-            <p:nvPr/>
-          </p:nvSpPr>
-          <p:spPr>
-            <a:xfrm rot="5400000">
-              <a:off x="3516185" y="1253197"/>
-              <a:ext cx="1568491" cy="316800"/>
-            </a:xfrm>
-            <a:prstGeom prst="rect">
-              <a:avLst/>
-            </a:prstGeom>
-            <a:solidFill>
-              <a:srgbClr val="FBF05F"/>
-            </a:solidFill>
-            <a:ln>
-              <a:noFill/>
-            </a:ln>
-          </p:spPr>
-          <p:style>
-            <a:lnRef idx="2">
-              <a:schemeClr val="accent1">
-                <a:shade val="50000"/>
-              </a:schemeClr>
-            </a:lnRef>
-            <a:fillRef idx="1">
-              <a:schemeClr val="accent1"/>
-            </a:fillRef>
-            <a:effectRef idx="0">
-              <a:schemeClr val="accent1"/>
-            </a:effectRef>
-            <a:fontRef idx="minor">
-              <a:schemeClr val="lt1"/>
-            </a:fontRef>
-          </p:style>
-          <p:txBody>
-            <a:bodyPr rtlCol="0" anchor="ctr"/>
-            <a:lstStyle/>
-            <a:p>
-              <a:pPr algn="ctr"/>
-              <a:endParaRPr lang="ko-KR" altLang="en-US"/>
-            </a:p>
-          </p:txBody>
-        </p:sp>
-        <p:sp>
-          <p:nvSpPr>
-            <p:cNvPr id="70" name="직사각형 69">
-              <a:extLst>
-                <a:ext uri="{FF2B5EF4-FFF2-40B4-BE49-F238E27FC236}">
-                  <a16:creationId xmlns:a16="http://schemas.microsoft.com/office/drawing/2014/main" id="{CA7D067C-3164-40B5-8DC5-C7167E30F530}"/>
-                </a:ext>
-              </a:extLst>
-            </p:cNvPr>
-            <p:cNvSpPr/>
-            <p:nvPr/>
-          </p:nvSpPr>
-          <p:spPr>
-            <a:xfrm rot="5400000">
-              <a:off x="3832985" y="1253199"/>
-              <a:ext cx="1568491" cy="316800"/>
-            </a:xfrm>
-            <a:prstGeom prst="rect">
-              <a:avLst/>
-            </a:prstGeom>
-            <a:solidFill>
-              <a:srgbClr val="57E76F"/>
-            </a:solidFill>
-            <a:ln>
-              <a:noFill/>
-            </a:ln>
-          </p:spPr>
-          <p:style>
-            <a:lnRef idx="2">
-              <a:schemeClr val="accent1">
-                <a:shade val="50000"/>
-              </a:schemeClr>
-            </a:lnRef>
-            <a:fillRef idx="1">
-              <a:schemeClr val="accent1"/>
-            </a:fillRef>
-            <a:effectRef idx="0">
-              <a:schemeClr val="accent1"/>
-            </a:effectRef>
-            <a:fontRef idx="minor">
-              <a:schemeClr val="lt1"/>
-            </a:fontRef>
-          </p:style>
-          <p:txBody>
-            <a:bodyPr rtlCol="0" anchor="ctr"/>
-            <a:lstStyle/>
-            <a:p>
-              <a:pPr algn="ctr"/>
-              <a:endParaRPr lang="ko-KR" altLang="en-US"/>
-            </a:p>
-          </p:txBody>
-        </p:sp>
-        <p:sp>
-          <p:nvSpPr>
-            <p:cNvPr id="71" name="직사각형 70">
-              <a:extLst>
-                <a:ext uri="{FF2B5EF4-FFF2-40B4-BE49-F238E27FC236}">
-                  <a16:creationId xmlns:a16="http://schemas.microsoft.com/office/drawing/2014/main" id="{CD45662D-F617-4993-A03E-730921832031}"/>
-                </a:ext>
-              </a:extLst>
-            </p:cNvPr>
-            <p:cNvSpPr/>
-            <p:nvPr/>
-          </p:nvSpPr>
-          <p:spPr>
-            <a:xfrm rot="5400000">
-              <a:off x="4149784" y="1253200"/>
-              <a:ext cx="1568491" cy="316800"/>
-            </a:xfrm>
-            <a:prstGeom prst="rect">
-              <a:avLst/>
-            </a:prstGeom>
-            <a:solidFill>
-              <a:srgbClr val="3D76E7"/>
-            </a:solidFill>
-            <a:ln>
-              <a:noFill/>
-            </a:ln>
-          </p:spPr>
-          <p:style>
-            <a:lnRef idx="2">
-              <a:schemeClr val="accent1">
-                <a:shade val="50000"/>
-              </a:schemeClr>
-            </a:lnRef>
-            <a:fillRef idx="1">
-              <a:schemeClr val="accent1"/>
-            </a:fillRef>
-            <a:effectRef idx="0">
-              <a:schemeClr val="accent1"/>
-            </a:effectRef>
-            <a:fontRef idx="minor">
-              <a:schemeClr val="lt1"/>
-            </a:fontRef>
-          </p:style>
-          <p:txBody>
-            <a:bodyPr rtlCol="0" anchor="ctr"/>
-            <a:lstStyle/>
-            <a:p>
-              <a:pPr algn="ctr"/>
-              <a:endParaRPr lang="ko-KR" altLang="en-US"/>
-            </a:p>
-          </p:txBody>
-        </p:sp>
-        <p:grpSp>
-          <p:nvGrpSpPr>
-            <p:cNvPr id="72" name="그룹 71">
-              <a:extLst>
-                <a:ext uri="{FF2B5EF4-FFF2-40B4-BE49-F238E27FC236}">
-                  <a16:creationId xmlns:a16="http://schemas.microsoft.com/office/drawing/2014/main" id="{0414F1C5-CAEB-4066-AB0D-031E8A2F1FD2}"/>
-                </a:ext>
-              </a:extLst>
-            </p:cNvPr>
-            <p:cNvGrpSpPr/>
-            <p:nvPr/>
-          </p:nvGrpSpPr>
-          <p:grpSpPr>
-            <a:xfrm>
-              <a:off x="6172550" y="606850"/>
-              <a:ext cx="144016" cy="1599376"/>
-              <a:chOff x="6172550" y="605488"/>
-              <a:chExt cx="144016" cy="1599376"/>
-            </a:xfrm>
-          </p:grpSpPr>
-          <p:cxnSp>
-            <p:nvCxnSpPr>
-              <p:cNvPr id="73" name="직선 연결선 72">
+          </a:ln>
+        </p:spPr>
+        <p:style>
+          <a:lnRef idx="1">
+            <a:schemeClr val="accent1"/>
+          </a:lnRef>
+          <a:fillRef idx="0">
+            <a:schemeClr val="accent1"/>
+          </a:fillRef>
+          <a:effectRef idx="0">
+            <a:schemeClr val="accent1"/>
+          </a:effectRef>
+          <a:fontRef idx="minor">
+            <a:schemeClr val="tx1"/>
+          </a:fontRef>
+        </p:style>
+        <p:txBody>
+          <a:bodyPr rtlCol="0" anchor="ctr"/>
+          <a:lstStyle/>
+          <a:p>
+            <a:pPr algn="ctr"/>
+            <a:endParaRPr lang="ko-KR" altLang="en-US"/>
+          </a:p>
+        </p:txBody>
+      </p:sp>
+      <mc:AlternateContent xmlns:mc="http://schemas.openxmlformats.org/markup-compatibility/2006">
+        <mc:Choice xmlns:a14="http://schemas.microsoft.com/office/drawing/2010/main" Requires="a14">
+          <p:sp>
+            <p:nvSpPr>
+              <p:cNvPr id="61" name="TextBox 60">
                 <a:extLst>
                   <a:ext uri="{FF2B5EF4-FFF2-40B4-BE49-F238E27FC236}">
-                    <a16:creationId xmlns:a16="http://schemas.microsoft.com/office/drawing/2014/main" id="{910077DA-E3DA-446D-B510-AC990B4AE61C}"/>
-                  </a:ext>
-                </a:extLst>
-              </p:cNvPr>
-              <p:cNvCxnSpPr/>
-              <p:nvPr/>
-            </p:nvCxnSpPr>
-            <p:spPr>
-              <a:xfrm>
-                <a:off x="6172550" y="605488"/>
-                <a:ext cx="0" cy="1599376"/>
-              </a:xfrm>
-              <a:prstGeom prst="line">
-                <a:avLst/>
-              </a:prstGeom>
-              <a:ln w="19050"/>
-            </p:spPr>
-            <p:style>
-              <a:lnRef idx="1">
-                <a:schemeClr val="dk1"/>
-              </a:lnRef>
-              <a:fillRef idx="0">
-                <a:schemeClr val="dk1"/>
-              </a:fillRef>
-              <a:effectRef idx="0">
-                <a:schemeClr val="dk1"/>
-              </a:effectRef>
-              <a:fontRef idx="minor">
-                <a:schemeClr val="tx1"/>
-              </a:fontRef>
-            </p:style>
-          </p:cxnSp>
-          <p:cxnSp>
-            <p:nvCxnSpPr>
-              <p:cNvPr id="74" name="직선 연결선 73">
-                <a:extLst>
-                  <a:ext uri="{FF2B5EF4-FFF2-40B4-BE49-F238E27FC236}">
-                    <a16:creationId xmlns:a16="http://schemas.microsoft.com/office/drawing/2014/main" id="{4B375166-C62A-4182-AF64-4FCA61328A9F}"/>
-                  </a:ext>
-                </a:extLst>
-              </p:cNvPr>
-              <p:cNvCxnSpPr/>
-              <p:nvPr/>
-            </p:nvCxnSpPr>
-            <p:spPr>
-              <a:xfrm>
-                <a:off x="6172550" y="609258"/>
-                <a:ext cx="144016" cy="0"/>
-              </a:xfrm>
-              <a:prstGeom prst="line">
-                <a:avLst/>
-              </a:prstGeom>
-              <a:ln w="19050"/>
-            </p:spPr>
-            <p:style>
-              <a:lnRef idx="1">
-                <a:schemeClr val="dk1"/>
-              </a:lnRef>
-              <a:fillRef idx="0">
-                <a:schemeClr val="dk1"/>
-              </a:fillRef>
-              <a:effectRef idx="0">
-                <a:schemeClr val="dk1"/>
-              </a:effectRef>
-              <a:fontRef idx="minor">
-                <a:schemeClr val="tx1"/>
-              </a:fontRef>
-            </p:style>
-          </p:cxnSp>
-          <p:cxnSp>
-            <p:nvCxnSpPr>
-              <p:cNvPr id="75" name="직선 연결선 74">
-                <a:extLst>
-                  <a:ext uri="{FF2B5EF4-FFF2-40B4-BE49-F238E27FC236}">
-                    <a16:creationId xmlns:a16="http://schemas.microsoft.com/office/drawing/2014/main" id="{868A54D0-21ED-4CD3-AF04-C8586B9CA19C}"/>
-                  </a:ext>
-                </a:extLst>
-              </p:cNvPr>
-              <p:cNvCxnSpPr/>
-              <p:nvPr/>
-            </p:nvCxnSpPr>
-            <p:spPr>
-              <a:xfrm>
-                <a:off x="6172550" y="2200712"/>
-                <a:ext cx="144016" cy="0"/>
-              </a:xfrm>
-              <a:prstGeom prst="line">
-                <a:avLst/>
-              </a:prstGeom>
-              <a:ln w="19050"/>
-            </p:spPr>
-            <p:style>
-              <a:lnRef idx="1">
-                <a:schemeClr val="dk1"/>
-              </a:lnRef>
-              <a:fillRef idx="0">
-                <a:schemeClr val="dk1"/>
-              </a:fillRef>
-              <a:effectRef idx="0">
-                <a:schemeClr val="dk1"/>
-              </a:effectRef>
-              <a:fontRef idx="minor">
-                <a:schemeClr val="tx1"/>
-              </a:fontRef>
-            </p:style>
-          </p:cxnSp>
-        </p:grpSp>
-        <p:grpSp>
-          <p:nvGrpSpPr>
-            <p:cNvPr id="76" name="그룹 75">
-              <a:extLst>
-                <a:ext uri="{FF2B5EF4-FFF2-40B4-BE49-F238E27FC236}">
-                  <a16:creationId xmlns:a16="http://schemas.microsoft.com/office/drawing/2014/main" id="{5743973C-E890-41DE-8626-74878DFE28CB}"/>
-                </a:ext>
-              </a:extLst>
-            </p:cNvPr>
-            <p:cNvGrpSpPr/>
-            <p:nvPr/>
-          </p:nvGrpSpPr>
-          <p:grpSpPr>
-            <a:xfrm>
-              <a:off x="7900742" y="606850"/>
-              <a:ext cx="144016" cy="1599376"/>
-              <a:chOff x="7900742" y="604138"/>
-              <a:chExt cx="144016" cy="1599376"/>
-            </a:xfrm>
-          </p:grpSpPr>
-          <p:cxnSp>
-            <p:nvCxnSpPr>
-              <p:cNvPr id="77" name="직선 연결선 76">
-                <a:extLst>
-                  <a:ext uri="{FF2B5EF4-FFF2-40B4-BE49-F238E27FC236}">
-                    <a16:creationId xmlns:a16="http://schemas.microsoft.com/office/drawing/2014/main" id="{A4CE329D-9523-4E0C-9B70-54029AB52613}"/>
-                  </a:ext>
-                </a:extLst>
-              </p:cNvPr>
-              <p:cNvCxnSpPr/>
-              <p:nvPr/>
-            </p:nvCxnSpPr>
-            <p:spPr>
-              <a:xfrm flipH="1">
-                <a:off x="8044758" y="604138"/>
-                <a:ext cx="0" cy="1599376"/>
-              </a:xfrm>
-              <a:prstGeom prst="line">
-                <a:avLst/>
-              </a:prstGeom>
-              <a:ln w="19050"/>
-            </p:spPr>
-            <p:style>
-              <a:lnRef idx="1">
-                <a:schemeClr val="dk1"/>
-              </a:lnRef>
-              <a:fillRef idx="0">
-                <a:schemeClr val="dk1"/>
-              </a:fillRef>
-              <a:effectRef idx="0">
-                <a:schemeClr val="dk1"/>
-              </a:effectRef>
-              <a:fontRef idx="minor">
-                <a:schemeClr val="tx1"/>
-              </a:fontRef>
-            </p:style>
-          </p:cxnSp>
-          <p:cxnSp>
-            <p:nvCxnSpPr>
-              <p:cNvPr id="78" name="직선 연결선 77">
-                <a:extLst>
-                  <a:ext uri="{FF2B5EF4-FFF2-40B4-BE49-F238E27FC236}">
-                    <a16:creationId xmlns:a16="http://schemas.microsoft.com/office/drawing/2014/main" id="{3A8A85A2-A3D3-4241-A511-1C5CD3366887}"/>
-                  </a:ext>
-                </a:extLst>
-              </p:cNvPr>
-              <p:cNvCxnSpPr/>
-              <p:nvPr/>
-            </p:nvCxnSpPr>
-            <p:spPr>
-              <a:xfrm flipH="1">
-                <a:off x="7900742" y="607908"/>
-                <a:ext cx="144016" cy="0"/>
-              </a:xfrm>
-              <a:prstGeom prst="line">
-                <a:avLst/>
-              </a:prstGeom>
-              <a:ln w="19050"/>
-            </p:spPr>
-            <p:style>
-              <a:lnRef idx="1">
-                <a:schemeClr val="dk1"/>
-              </a:lnRef>
-              <a:fillRef idx="0">
-                <a:schemeClr val="dk1"/>
-              </a:fillRef>
-              <a:effectRef idx="0">
-                <a:schemeClr val="dk1"/>
-              </a:effectRef>
-              <a:fontRef idx="minor">
-                <a:schemeClr val="tx1"/>
-              </a:fontRef>
-            </p:style>
-          </p:cxnSp>
-          <p:cxnSp>
-            <p:nvCxnSpPr>
-              <p:cNvPr id="79" name="직선 연결선 78">
-                <a:extLst>
-                  <a:ext uri="{FF2B5EF4-FFF2-40B4-BE49-F238E27FC236}">
-                    <a16:creationId xmlns:a16="http://schemas.microsoft.com/office/drawing/2014/main" id="{FD95EC72-6FDD-4550-821A-EFDD29AF70A0}"/>
-                  </a:ext>
-                </a:extLst>
-              </p:cNvPr>
-              <p:cNvCxnSpPr/>
-              <p:nvPr/>
-            </p:nvCxnSpPr>
-            <p:spPr>
-              <a:xfrm flipH="1">
-                <a:off x="7900742" y="2199362"/>
-                <a:ext cx="144016" cy="0"/>
-              </a:xfrm>
-              <a:prstGeom prst="line">
-                <a:avLst/>
-              </a:prstGeom>
-              <a:ln w="19050"/>
-            </p:spPr>
-            <p:style>
-              <a:lnRef idx="1">
-                <a:schemeClr val="dk1"/>
-              </a:lnRef>
-              <a:fillRef idx="0">
-                <a:schemeClr val="dk1"/>
-              </a:fillRef>
-              <a:effectRef idx="0">
-                <a:schemeClr val="dk1"/>
-              </a:effectRef>
-              <a:fontRef idx="minor">
-                <a:schemeClr val="tx1"/>
-              </a:fontRef>
-            </p:style>
-          </p:cxnSp>
-        </p:grpSp>
-        <p:grpSp>
-          <p:nvGrpSpPr>
-            <p:cNvPr id="80" name="그룹 79">
-              <a:extLst>
-                <a:ext uri="{FF2B5EF4-FFF2-40B4-BE49-F238E27FC236}">
-                  <a16:creationId xmlns:a16="http://schemas.microsoft.com/office/drawing/2014/main" id="{E8901621-1C7D-4875-81CD-86ABC085D3E3}"/>
-                </a:ext>
-              </a:extLst>
-            </p:cNvPr>
-            <p:cNvGrpSpPr/>
-            <p:nvPr/>
-          </p:nvGrpSpPr>
-          <p:grpSpPr>
-            <a:xfrm>
-              <a:off x="6321175" y="548680"/>
-              <a:ext cx="311304" cy="1715716"/>
-              <a:chOff x="6297435" y="548680"/>
-              <a:chExt cx="311304" cy="1715716"/>
-            </a:xfrm>
-          </p:grpSpPr>
-          <p:sp>
-            <p:nvSpPr>
-              <p:cNvPr id="81" name="TextBox 80">
-                <a:extLst>
-                  <a:ext uri="{FF2B5EF4-FFF2-40B4-BE49-F238E27FC236}">
-                    <a16:creationId xmlns:a16="http://schemas.microsoft.com/office/drawing/2014/main" id="{14D6C7A1-351B-499D-ADAB-24B9A301F8B6}"/>
+                    <a16:creationId xmlns:a16="http://schemas.microsoft.com/office/drawing/2014/main" id="{5D025167-ABAE-4C26-9310-0024FDD94ABB}"/>
                   </a:ext>
                 </a:extLst>
               </p:cNvPr>
@@ -10869,8 +9812,8 @@
             </p:nvSpPr>
             <p:spPr>
               <a:xfrm>
-                <a:off x="6297435" y="548680"/>
-                <a:ext cx="311304" cy="369332"/>
+                <a:off x="2996330" y="1190089"/>
+                <a:ext cx="399789" cy="369332"/>
               </a:xfrm>
               <a:prstGeom prst="rect">
                 <a:avLst/>
@@ -10883,20 +9826,184 @@
               </a:bodyPr>
               <a:lstStyle/>
               <a:p>
-                <a:r>
-                  <a:rPr lang="en-US" altLang="ko-KR" dirty="0"/>
-                  <a:t>1</a:t>
-                </a:r>
+                <a:pPr/>
+                <a14:m>
+                  <m:oMathPara xmlns:m="http://schemas.openxmlformats.org/officeDocument/2006/math">
+                    <m:oMathParaPr>
+                      <m:jc m:val="centerGroup"/>
+                    </m:oMathParaPr>
+                    <m:oMath xmlns:m="http://schemas.openxmlformats.org/officeDocument/2006/math">
+                      <m:r>
+                        <a:rPr lang="en-US" altLang="ko-KR" b="0" i="1" smtClean="0">
+                          <a:latin typeface="Cambria Math" panose="02040503050406030204" pitchFamily="18" charset="0"/>
+                        </a:rPr>
+                        <m:t>𝑛</m:t>
+                      </m:r>
+                    </m:oMath>
+                  </m:oMathPara>
+                </a14:m>
                 <a:endParaRPr lang="ko-KR" altLang="en-US" dirty="0"/>
               </a:p>
             </p:txBody>
           </p:sp>
+        </mc:Choice>
+        <mc:Fallback>
           <p:sp>
             <p:nvSpPr>
-              <p:cNvPr id="82" name="TextBox 81">
+              <p:cNvPr id="61" name="TextBox 60">
                 <a:extLst>
                   <a:ext uri="{FF2B5EF4-FFF2-40B4-BE49-F238E27FC236}">
-                    <a16:creationId xmlns:a16="http://schemas.microsoft.com/office/drawing/2014/main" id="{9210E604-684F-4EC8-8E23-15913E3CA505}"/>
+                    <a16:creationId xmlns:a16="http://schemas.microsoft.com/office/drawing/2014/main" id="{5D025167-ABAE-4C26-9310-0024FDD94ABB}"/>
+                  </a:ext>
+                </a:extLst>
+              </p:cNvPr>
+              <p:cNvSpPr txBox="1">
+                <a:spLocks noRot="1" noChangeAspect="1" noMove="1" noResize="1" noEditPoints="1" noAdjustHandles="1" noChangeArrowheads="1" noChangeShapeType="1" noTextEdit="1"/>
+              </p:cNvSpPr>
+              <p:nvPr/>
+            </p:nvSpPr>
+            <p:spPr>
+              <a:xfrm>
+                <a:off x="2996330" y="1190089"/>
+                <a:ext cx="399789" cy="369332"/>
+              </a:xfrm>
+              <a:prstGeom prst="rect">
+                <a:avLst/>
+              </a:prstGeom>
+              <a:blipFill>
+                <a:blip r:embed="rId3"/>
+                <a:stretch>
+                  <a:fillRect/>
+                </a:stretch>
+              </a:blipFill>
+            </p:spPr>
+            <p:txBody>
+              <a:bodyPr/>
+              <a:lstStyle/>
+              <a:p>
+                <a:r>
+                  <a:rPr lang="ko-KR" altLang="en-US">
+                    <a:noFill/>
+                  </a:rPr>
+                  <a:t> </a:t>
+                </a:r>
+              </a:p>
+            </p:txBody>
+          </p:sp>
+        </mc:Fallback>
+      </mc:AlternateContent>
+      <p:sp>
+        <p:nvSpPr>
+          <p:cNvPr id="62" name="원호 61">
+            <a:extLst>
+              <a:ext uri="{FF2B5EF4-FFF2-40B4-BE49-F238E27FC236}">
+                <a16:creationId xmlns:a16="http://schemas.microsoft.com/office/drawing/2014/main" id="{135ED5AE-72C8-4EDB-877C-70413A2EEB66}"/>
+              </a:ext>
+            </a:extLst>
+          </p:cNvPr>
+          <p:cNvSpPr/>
+          <p:nvPr/>
+        </p:nvSpPr>
+        <p:spPr>
+          <a:xfrm rot="5400000" flipH="1">
+            <a:off x="4068831" y="-172274"/>
+            <a:ext cx="314848" cy="1584176"/>
+          </a:xfrm>
+          <a:prstGeom prst="arc">
+            <a:avLst>
+              <a:gd name="adj1" fmla="val 16200000"/>
+              <a:gd name="adj2" fmla="val 17969117"/>
+            </a:avLst>
+          </a:prstGeom>
+          <a:ln>
+            <a:solidFill>
+              <a:schemeClr val="tx1"/>
+            </a:solidFill>
+          </a:ln>
+        </p:spPr>
+        <p:style>
+          <a:lnRef idx="1">
+            <a:schemeClr val="accent1"/>
+          </a:lnRef>
+          <a:fillRef idx="0">
+            <a:schemeClr val="accent1"/>
+          </a:fillRef>
+          <a:effectRef idx="0">
+            <a:schemeClr val="accent1"/>
+          </a:effectRef>
+          <a:fontRef idx="minor">
+            <a:schemeClr val="tx1"/>
+          </a:fontRef>
+        </p:style>
+        <p:txBody>
+          <a:bodyPr rtlCol="0" anchor="ctr"/>
+          <a:lstStyle/>
+          <a:p>
+            <a:pPr algn="ctr"/>
+            <a:endParaRPr lang="ko-KR" altLang="en-US"/>
+          </a:p>
+        </p:txBody>
+      </p:sp>
+      <p:sp>
+        <p:nvSpPr>
+          <p:cNvPr id="63" name="원호 62">
+            <a:extLst>
+              <a:ext uri="{FF2B5EF4-FFF2-40B4-BE49-F238E27FC236}">
+                <a16:creationId xmlns:a16="http://schemas.microsoft.com/office/drawing/2014/main" id="{0B2717F5-5295-47F7-9CFC-FD4EE91DEFAB}"/>
+              </a:ext>
+            </a:extLst>
+          </p:cNvPr>
+          <p:cNvSpPr/>
+          <p:nvPr/>
+        </p:nvSpPr>
+        <p:spPr>
+          <a:xfrm rot="5400000" flipH="1" flipV="1">
+            <a:off x="4068831" y="-171401"/>
+            <a:ext cx="314848" cy="1584176"/>
+          </a:xfrm>
+          <a:prstGeom prst="arc">
+            <a:avLst>
+              <a:gd name="adj1" fmla="val 16200000"/>
+              <a:gd name="adj2" fmla="val 17969117"/>
+            </a:avLst>
+          </a:prstGeom>
+          <a:ln>
+            <a:solidFill>
+              <a:schemeClr val="tx1"/>
+            </a:solidFill>
+          </a:ln>
+        </p:spPr>
+        <p:style>
+          <a:lnRef idx="1">
+            <a:schemeClr val="accent1"/>
+          </a:lnRef>
+          <a:fillRef idx="0">
+            <a:schemeClr val="accent1"/>
+          </a:fillRef>
+          <a:effectRef idx="0">
+            <a:schemeClr val="accent1"/>
+          </a:effectRef>
+          <a:fontRef idx="minor">
+            <a:schemeClr val="tx1"/>
+          </a:fontRef>
+        </p:style>
+        <p:txBody>
+          <a:bodyPr rtlCol="0" anchor="ctr"/>
+          <a:lstStyle/>
+          <a:p>
+            <a:pPr algn="ctr"/>
+            <a:endParaRPr lang="ko-KR" altLang="en-US"/>
+          </a:p>
+        </p:txBody>
+      </p:sp>
+      <mc:AlternateContent xmlns:mc="http://schemas.openxmlformats.org/markup-compatibility/2006">
+        <mc:Choice xmlns:a14="http://schemas.microsoft.com/office/drawing/2010/main" Requires="a14">
+          <p:sp>
+            <p:nvSpPr>
+              <p:cNvPr id="65" name="TextBox 64">
+                <a:extLst>
+                  <a:ext uri="{FF2B5EF4-FFF2-40B4-BE49-F238E27FC236}">
+                    <a16:creationId xmlns:a16="http://schemas.microsoft.com/office/drawing/2014/main" id="{D8A8E328-94BE-4DAE-B088-E4FAEEFF052A}"/>
                   </a:ext>
                 </a:extLst>
               </p:cNvPr>
@@ -10905,8 +10012,8 @@
             </p:nvSpPr>
             <p:spPr>
               <a:xfrm>
-                <a:off x="6297435" y="885276"/>
-                <a:ext cx="311304" cy="369332"/>
+                <a:off x="2498063" y="1190089"/>
+                <a:ext cx="431528" cy="369332"/>
               </a:xfrm>
               <a:prstGeom prst="rect">
                 <a:avLst/>
@@ -10919,20 +10026,80 @@
               </a:bodyPr>
               <a:lstStyle/>
               <a:p>
-                <a:r>
-                  <a:rPr lang="en-US" altLang="ko-KR" dirty="0"/>
-                  <a:t>0</a:t>
-                </a:r>
+                <a:pPr/>
+                <a14:m>
+                  <m:oMathPara xmlns:m="http://schemas.openxmlformats.org/officeDocument/2006/math">
+                    <m:oMathParaPr>
+                      <m:jc m:val="centerGroup"/>
+                    </m:oMathParaPr>
+                    <m:oMath xmlns:m="http://schemas.openxmlformats.org/officeDocument/2006/math">
+                      <m:r>
+                        <a:rPr lang="en-US" altLang="ko-KR" b="0" i="1" smtClean="0">
+                          <a:latin typeface="Cambria Math"/>
+                        </a:rPr>
+                        <m:t>×</m:t>
+                      </m:r>
+                    </m:oMath>
+                  </m:oMathPara>
+                </a14:m>
                 <a:endParaRPr lang="ko-KR" altLang="en-US" dirty="0"/>
               </a:p>
             </p:txBody>
           </p:sp>
+        </mc:Choice>
+        <mc:Fallback>
           <p:sp>
             <p:nvSpPr>
-              <p:cNvPr id="83" name="TextBox 82">
+              <p:cNvPr id="65" name="TextBox 64">
                 <a:extLst>
                   <a:ext uri="{FF2B5EF4-FFF2-40B4-BE49-F238E27FC236}">
-                    <a16:creationId xmlns:a16="http://schemas.microsoft.com/office/drawing/2014/main" id="{CD789F6C-14F4-41BF-9FC9-05D2C2FC97DF}"/>
+                    <a16:creationId xmlns:a16="http://schemas.microsoft.com/office/drawing/2014/main" id="{D8A8E328-94BE-4DAE-B088-E4FAEEFF052A}"/>
+                  </a:ext>
+                </a:extLst>
+              </p:cNvPr>
+              <p:cNvSpPr txBox="1">
+                <a:spLocks noRot="1" noChangeAspect="1" noMove="1" noResize="1" noEditPoints="1" noAdjustHandles="1" noChangeArrowheads="1" noChangeShapeType="1" noTextEdit="1"/>
+              </p:cNvSpPr>
+              <p:nvPr/>
+            </p:nvSpPr>
+            <p:spPr>
+              <a:xfrm>
+                <a:off x="2498063" y="1190089"/>
+                <a:ext cx="431528" cy="369332"/>
+              </a:xfrm>
+              <a:prstGeom prst="rect">
+                <a:avLst/>
+              </a:prstGeom>
+              <a:blipFill>
+                <a:blip r:embed="rId4"/>
+                <a:stretch>
+                  <a:fillRect/>
+                </a:stretch>
+              </a:blipFill>
+            </p:spPr>
+            <p:txBody>
+              <a:bodyPr/>
+              <a:lstStyle/>
+              <a:p>
+                <a:r>
+                  <a:rPr lang="ko-KR" altLang="en-US">
+                    <a:noFill/>
+                  </a:rPr>
+                  <a:t> </a:t>
+                </a:r>
+              </a:p>
+            </p:txBody>
+          </p:sp>
+        </mc:Fallback>
+      </mc:AlternateContent>
+      <mc:AlternateContent xmlns:mc="http://schemas.openxmlformats.org/markup-compatibility/2006">
+        <mc:Choice xmlns:a14="http://schemas.microsoft.com/office/drawing/2010/main" Requires="a14">
+          <p:sp>
+            <p:nvSpPr>
+              <p:cNvPr id="66" name="TextBox 65">
+                <a:extLst>
+                  <a:ext uri="{FF2B5EF4-FFF2-40B4-BE49-F238E27FC236}">
+                    <a16:creationId xmlns:a16="http://schemas.microsoft.com/office/drawing/2014/main" id="{380F06DA-7C24-4FE6-A01C-B553D005D083}"/>
                   </a:ext>
                 </a:extLst>
               </p:cNvPr>
@@ -10941,8 +10108,8 @@
             </p:nvSpPr>
             <p:spPr>
               <a:xfrm>
-                <a:off x="6297435" y="1221872"/>
-                <a:ext cx="311304" cy="369332"/>
+                <a:off x="5378383" y="1190089"/>
+                <a:ext cx="439544" cy="369332"/>
               </a:xfrm>
               <a:prstGeom prst="rect">
                 <a:avLst/>
@@ -10955,14 +10122,708 @@
               </a:bodyPr>
               <a:lstStyle/>
               <a:p>
-                <a:r>
-                  <a:rPr lang="en-US" altLang="ko-KR" dirty="0"/>
-                  <a:t>0</a:t>
-                </a:r>
+                <a:pPr/>
+                <a14:m>
+                  <m:oMathPara xmlns:m="http://schemas.openxmlformats.org/officeDocument/2006/math">
+                    <m:oMathParaPr>
+                      <m:jc m:val="centerGroup"/>
+                    </m:oMathParaPr>
+                    <m:oMath xmlns:m="http://schemas.openxmlformats.org/officeDocument/2006/math">
+                      <m:r>
+                        <a:rPr lang="en-US" altLang="ko-KR" b="0" i="1" smtClean="0">
+                          <a:latin typeface="Cambria Math"/>
+                        </a:rPr>
+                        <m:t>=</m:t>
+                      </m:r>
+                    </m:oMath>
+                  </m:oMathPara>
+                </a14:m>
                 <a:endParaRPr lang="ko-KR" altLang="en-US" dirty="0"/>
               </a:p>
             </p:txBody>
           </p:sp>
+        </mc:Choice>
+        <mc:Fallback>
+          <p:sp>
+            <p:nvSpPr>
+              <p:cNvPr id="66" name="TextBox 65">
+                <a:extLst>
+                  <a:ext uri="{FF2B5EF4-FFF2-40B4-BE49-F238E27FC236}">
+                    <a16:creationId xmlns:a16="http://schemas.microsoft.com/office/drawing/2014/main" id="{380F06DA-7C24-4FE6-A01C-B553D005D083}"/>
+                  </a:ext>
+                </a:extLst>
+              </p:cNvPr>
+              <p:cNvSpPr txBox="1">
+                <a:spLocks noRot="1" noChangeAspect="1" noMove="1" noResize="1" noEditPoints="1" noAdjustHandles="1" noChangeArrowheads="1" noChangeShapeType="1" noTextEdit="1"/>
+              </p:cNvSpPr>
+              <p:nvPr/>
+            </p:nvSpPr>
+            <p:spPr>
+              <a:xfrm>
+                <a:off x="5378383" y="1190089"/>
+                <a:ext cx="439544" cy="369332"/>
+              </a:xfrm>
+              <a:prstGeom prst="rect">
+                <a:avLst/>
+              </a:prstGeom>
+              <a:blipFill>
+                <a:blip r:embed="rId5"/>
+                <a:stretch>
+                  <a:fillRect/>
+                </a:stretch>
+              </a:blipFill>
+            </p:spPr>
+            <p:txBody>
+              <a:bodyPr/>
+              <a:lstStyle/>
+              <a:p>
+                <a:r>
+                  <a:rPr lang="ko-KR" altLang="en-US">
+                    <a:noFill/>
+                  </a:rPr>
+                  <a:t> </a:t>
+                </a:r>
+              </a:p>
+            </p:txBody>
+          </p:sp>
+        </mc:Fallback>
+      </mc:AlternateContent>
+      <mc:AlternateContent xmlns:mc="http://schemas.openxmlformats.org/markup-compatibility/2006">
+        <mc:Choice xmlns:a14="http://schemas.microsoft.com/office/drawing/2010/main" Requires="a14">
+          <p:sp>
+            <p:nvSpPr>
+              <p:cNvPr id="67" name="TextBox 66">
+                <a:extLst>
+                  <a:ext uri="{FF2B5EF4-FFF2-40B4-BE49-F238E27FC236}">
+                    <a16:creationId xmlns:a16="http://schemas.microsoft.com/office/drawing/2014/main" id="{60BB0C4D-6C90-4EE6-A0DA-91B5B030DF40}"/>
+                  </a:ext>
+                </a:extLst>
+              </p:cNvPr>
+              <p:cNvSpPr txBox="1"/>
+              <p:nvPr/>
+            </p:nvSpPr>
+            <p:spPr>
+              <a:xfrm>
+                <a:off x="1025155" y="475089"/>
+                <a:ext cx="1651414" cy="1862048"/>
+              </a:xfrm>
+              <a:prstGeom prst="rect">
+                <a:avLst/>
+              </a:prstGeom>
+              <a:noFill/>
+            </p:spPr>
+            <p:txBody>
+              <a:bodyPr wrap="none" rtlCol="0">
+                <a:spAutoFit/>
+              </a:bodyPr>
+              <a:lstStyle/>
+              <a:p>
+                <a:pPr/>
+                <a14:m>
+                  <m:oMathPara xmlns:m="http://schemas.openxmlformats.org/officeDocument/2006/math">
+                    <m:oMathParaPr>
+                      <m:jc m:val="centerGroup"/>
+                    </m:oMathParaPr>
+                    <m:oMath xmlns:m="http://schemas.openxmlformats.org/officeDocument/2006/math">
+                      <m:r>
+                        <a:rPr lang="en-US" altLang="ko-KR" sz="11500" i="1" dirty="0" smtClean="0">
+                          <a:latin typeface="Cambria Math" panose="02040503050406030204" pitchFamily="18" charset="0"/>
+                        </a:rPr>
+                        <m:t>𝐴</m:t>
+                      </m:r>
+                    </m:oMath>
+                  </m:oMathPara>
+                </a14:m>
+                <a:endParaRPr lang="ko-KR" altLang="en-US" sz="11500" dirty="0"/>
+              </a:p>
+            </p:txBody>
+          </p:sp>
+        </mc:Choice>
+        <mc:Fallback>
+          <p:sp>
+            <p:nvSpPr>
+              <p:cNvPr id="67" name="TextBox 66">
+                <a:extLst>
+                  <a:ext uri="{FF2B5EF4-FFF2-40B4-BE49-F238E27FC236}">
+                    <a16:creationId xmlns:a16="http://schemas.microsoft.com/office/drawing/2014/main" id="{60BB0C4D-6C90-4EE6-A0DA-91B5B030DF40}"/>
+                  </a:ext>
+                </a:extLst>
+              </p:cNvPr>
+              <p:cNvSpPr txBox="1">
+                <a:spLocks noRot="1" noChangeAspect="1" noMove="1" noResize="1" noEditPoints="1" noAdjustHandles="1" noChangeArrowheads="1" noChangeShapeType="1" noTextEdit="1"/>
+              </p:cNvSpPr>
+              <p:nvPr/>
+            </p:nvSpPr>
+            <p:spPr>
+              <a:xfrm>
+                <a:off x="1025155" y="475089"/>
+                <a:ext cx="1651414" cy="1862048"/>
+              </a:xfrm>
+              <a:prstGeom prst="rect">
+                <a:avLst/>
+              </a:prstGeom>
+              <a:blipFill>
+                <a:blip r:embed="rId6"/>
+                <a:stretch>
+                  <a:fillRect/>
+                </a:stretch>
+              </a:blipFill>
+            </p:spPr>
+            <p:txBody>
+              <a:bodyPr/>
+              <a:lstStyle/>
+              <a:p>
+                <a:r>
+                  <a:rPr lang="ko-KR" altLang="en-US">
+                    <a:noFill/>
+                  </a:rPr>
+                  <a:t> </a:t>
+                </a:r>
+              </a:p>
+            </p:txBody>
+          </p:sp>
+        </mc:Fallback>
+      </mc:AlternateContent>
+      <p:sp>
+        <p:nvSpPr>
+          <p:cNvPr id="68" name="직사각형 67">
+            <a:extLst>
+              <a:ext uri="{FF2B5EF4-FFF2-40B4-BE49-F238E27FC236}">
+                <a16:creationId xmlns:a16="http://schemas.microsoft.com/office/drawing/2014/main" id="{F66C0109-EB51-4835-A9FE-30DC3F0BC04D}"/>
+              </a:ext>
+            </a:extLst>
+          </p:cNvPr>
+          <p:cNvSpPr/>
+          <p:nvPr/>
+        </p:nvSpPr>
+        <p:spPr>
+          <a:xfrm rot="5400000">
+            <a:off x="3134689" y="1246535"/>
+            <a:ext cx="1568491" cy="316800"/>
+          </a:xfrm>
+          <a:prstGeom prst="rect">
+            <a:avLst/>
+          </a:prstGeom>
+          <a:solidFill>
+            <a:srgbClr val="EEA17E"/>
+          </a:solidFill>
+          <a:ln>
+            <a:noFill/>
+          </a:ln>
+        </p:spPr>
+        <p:style>
+          <a:lnRef idx="2">
+            <a:schemeClr val="accent1">
+              <a:shade val="50000"/>
+            </a:schemeClr>
+          </a:lnRef>
+          <a:fillRef idx="1">
+            <a:schemeClr val="accent1"/>
+          </a:fillRef>
+          <a:effectRef idx="0">
+            <a:schemeClr val="accent1"/>
+          </a:effectRef>
+          <a:fontRef idx="minor">
+            <a:schemeClr val="lt1"/>
+          </a:fontRef>
+        </p:style>
+        <p:txBody>
+          <a:bodyPr rtlCol="0" anchor="ctr"/>
+          <a:lstStyle/>
+          <a:p>
+            <a:pPr algn="ctr"/>
+            <a:endParaRPr lang="ko-KR" altLang="en-US"/>
+          </a:p>
+        </p:txBody>
+      </p:sp>
+      <p:sp>
+        <p:nvSpPr>
+          <p:cNvPr id="69" name="직사각형 68">
+            <a:extLst>
+              <a:ext uri="{FF2B5EF4-FFF2-40B4-BE49-F238E27FC236}">
+                <a16:creationId xmlns:a16="http://schemas.microsoft.com/office/drawing/2014/main" id="{B5F702E7-1906-4E80-A94F-F4FEF40E1222}"/>
+              </a:ext>
+            </a:extLst>
+          </p:cNvPr>
+          <p:cNvSpPr/>
+          <p:nvPr/>
+        </p:nvSpPr>
+        <p:spPr>
+          <a:xfrm rot="5400000">
+            <a:off x="3442098" y="1246534"/>
+            <a:ext cx="1568491" cy="316800"/>
+          </a:xfrm>
+          <a:prstGeom prst="rect">
+            <a:avLst/>
+          </a:prstGeom>
+          <a:solidFill>
+            <a:srgbClr val="FBF05F"/>
+          </a:solidFill>
+          <a:ln>
+            <a:noFill/>
+          </a:ln>
+        </p:spPr>
+        <p:style>
+          <a:lnRef idx="2">
+            <a:schemeClr val="accent1">
+              <a:shade val="50000"/>
+            </a:schemeClr>
+          </a:lnRef>
+          <a:fillRef idx="1">
+            <a:schemeClr val="accent1"/>
+          </a:fillRef>
+          <a:effectRef idx="0">
+            <a:schemeClr val="accent1"/>
+          </a:effectRef>
+          <a:fontRef idx="minor">
+            <a:schemeClr val="lt1"/>
+          </a:fontRef>
+        </p:style>
+        <p:txBody>
+          <a:bodyPr rtlCol="0" anchor="ctr"/>
+          <a:lstStyle/>
+          <a:p>
+            <a:pPr algn="ctr"/>
+            <a:endParaRPr lang="ko-KR" altLang="en-US"/>
+          </a:p>
+        </p:txBody>
+      </p:sp>
+      <p:sp>
+        <p:nvSpPr>
+          <p:cNvPr id="70" name="직사각형 69">
+            <a:extLst>
+              <a:ext uri="{FF2B5EF4-FFF2-40B4-BE49-F238E27FC236}">
+                <a16:creationId xmlns:a16="http://schemas.microsoft.com/office/drawing/2014/main" id="{CA7D067C-3164-40B5-8DC5-C7167E30F530}"/>
+              </a:ext>
+            </a:extLst>
+          </p:cNvPr>
+          <p:cNvSpPr/>
+          <p:nvPr/>
+        </p:nvSpPr>
+        <p:spPr>
+          <a:xfrm rot="5400000">
+            <a:off x="3758898" y="1246536"/>
+            <a:ext cx="1568491" cy="316800"/>
+          </a:xfrm>
+          <a:prstGeom prst="rect">
+            <a:avLst/>
+          </a:prstGeom>
+          <a:solidFill>
+            <a:srgbClr val="57E76F"/>
+          </a:solidFill>
+          <a:ln>
+            <a:noFill/>
+          </a:ln>
+        </p:spPr>
+        <p:style>
+          <a:lnRef idx="2">
+            <a:schemeClr val="accent1">
+              <a:shade val="50000"/>
+            </a:schemeClr>
+          </a:lnRef>
+          <a:fillRef idx="1">
+            <a:schemeClr val="accent1"/>
+          </a:fillRef>
+          <a:effectRef idx="0">
+            <a:schemeClr val="accent1"/>
+          </a:effectRef>
+          <a:fontRef idx="minor">
+            <a:schemeClr val="lt1"/>
+          </a:fontRef>
+        </p:style>
+        <p:txBody>
+          <a:bodyPr rtlCol="0" anchor="ctr"/>
+          <a:lstStyle/>
+          <a:p>
+            <a:pPr algn="ctr"/>
+            <a:endParaRPr lang="ko-KR" altLang="en-US"/>
+          </a:p>
+        </p:txBody>
+      </p:sp>
+      <p:sp>
+        <p:nvSpPr>
+          <p:cNvPr id="71" name="직사각형 70">
+            <a:extLst>
+              <a:ext uri="{FF2B5EF4-FFF2-40B4-BE49-F238E27FC236}">
+                <a16:creationId xmlns:a16="http://schemas.microsoft.com/office/drawing/2014/main" id="{CD45662D-F617-4993-A03E-730921832031}"/>
+              </a:ext>
+            </a:extLst>
+          </p:cNvPr>
+          <p:cNvSpPr/>
+          <p:nvPr/>
+        </p:nvSpPr>
+        <p:spPr>
+          <a:xfrm rot="5400000">
+            <a:off x="4075697" y="1246537"/>
+            <a:ext cx="1568491" cy="316800"/>
+          </a:xfrm>
+          <a:prstGeom prst="rect">
+            <a:avLst/>
+          </a:prstGeom>
+          <a:solidFill>
+            <a:srgbClr val="3D76E7"/>
+          </a:solidFill>
+          <a:ln>
+            <a:noFill/>
+          </a:ln>
+        </p:spPr>
+        <p:style>
+          <a:lnRef idx="2">
+            <a:schemeClr val="accent1">
+              <a:shade val="50000"/>
+            </a:schemeClr>
+          </a:lnRef>
+          <a:fillRef idx="1">
+            <a:schemeClr val="accent1"/>
+          </a:fillRef>
+          <a:effectRef idx="0">
+            <a:schemeClr val="accent1"/>
+          </a:effectRef>
+          <a:fontRef idx="minor">
+            <a:schemeClr val="lt1"/>
+          </a:fontRef>
+        </p:style>
+        <p:txBody>
+          <a:bodyPr rtlCol="0" anchor="ctr"/>
+          <a:lstStyle/>
+          <a:p>
+            <a:pPr algn="ctr"/>
+            <a:endParaRPr lang="ko-KR" altLang="en-US"/>
+          </a:p>
+        </p:txBody>
+      </p:sp>
+      <p:cxnSp>
+        <p:nvCxnSpPr>
+          <p:cNvPr id="73" name="직선 연결선 72">
+            <a:extLst>
+              <a:ext uri="{FF2B5EF4-FFF2-40B4-BE49-F238E27FC236}">
+                <a16:creationId xmlns:a16="http://schemas.microsoft.com/office/drawing/2014/main" id="{910077DA-E3DA-446D-B510-AC990B4AE61C}"/>
+              </a:ext>
+            </a:extLst>
+          </p:cNvPr>
+          <p:cNvCxnSpPr/>
+          <p:nvPr/>
+        </p:nvCxnSpPr>
+        <p:spPr>
+          <a:xfrm>
+            <a:off x="6098463" y="600187"/>
+            <a:ext cx="0" cy="1599376"/>
+          </a:xfrm>
+          <a:prstGeom prst="line">
+            <a:avLst/>
+          </a:prstGeom>
+          <a:ln w="19050"/>
+        </p:spPr>
+        <p:style>
+          <a:lnRef idx="1">
+            <a:schemeClr val="dk1"/>
+          </a:lnRef>
+          <a:fillRef idx="0">
+            <a:schemeClr val="dk1"/>
+          </a:fillRef>
+          <a:effectRef idx="0">
+            <a:schemeClr val="dk1"/>
+          </a:effectRef>
+          <a:fontRef idx="minor">
+            <a:schemeClr val="tx1"/>
+          </a:fontRef>
+        </p:style>
+      </p:cxnSp>
+      <p:cxnSp>
+        <p:nvCxnSpPr>
+          <p:cNvPr id="74" name="직선 연결선 73">
+            <a:extLst>
+              <a:ext uri="{FF2B5EF4-FFF2-40B4-BE49-F238E27FC236}">
+                <a16:creationId xmlns:a16="http://schemas.microsoft.com/office/drawing/2014/main" id="{4B375166-C62A-4182-AF64-4FCA61328A9F}"/>
+              </a:ext>
+            </a:extLst>
+          </p:cNvPr>
+          <p:cNvCxnSpPr/>
+          <p:nvPr/>
+        </p:nvCxnSpPr>
+        <p:spPr>
+          <a:xfrm>
+            <a:off x="6098463" y="603957"/>
+            <a:ext cx="144016" cy="0"/>
+          </a:xfrm>
+          <a:prstGeom prst="line">
+            <a:avLst/>
+          </a:prstGeom>
+          <a:ln w="19050"/>
+        </p:spPr>
+        <p:style>
+          <a:lnRef idx="1">
+            <a:schemeClr val="dk1"/>
+          </a:lnRef>
+          <a:fillRef idx="0">
+            <a:schemeClr val="dk1"/>
+          </a:fillRef>
+          <a:effectRef idx="0">
+            <a:schemeClr val="dk1"/>
+          </a:effectRef>
+          <a:fontRef idx="minor">
+            <a:schemeClr val="tx1"/>
+          </a:fontRef>
+        </p:style>
+      </p:cxnSp>
+      <p:cxnSp>
+        <p:nvCxnSpPr>
+          <p:cNvPr id="75" name="직선 연결선 74">
+            <a:extLst>
+              <a:ext uri="{FF2B5EF4-FFF2-40B4-BE49-F238E27FC236}">
+                <a16:creationId xmlns:a16="http://schemas.microsoft.com/office/drawing/2014/main" id="{868A54D0-21ED-4CD3-AF04-C8586B9CA19C}"/>
+              </a:ext>
+            </a:extLst>
+          </p:cNvPr>
+          <p:cNvCxnSpPr/>
+          <p:nvPr/>
+        </p:nvCxnSpPr>
+        <p:spPr>
+          <a:xfrm>
+            <a:off x="6098463" y="2195411"/>
+            <a:ext cx="144016" cy="0"/>
+          </a:xfrm>
+          <a:prstGeom prst="line">
+            <a:avLst/>
+          </a:prstGeom>
+          <a:ln w="19050"/>
+        </p:spPr>
+        <p:style>
+          <a:lnRef idx="1">
+            <a:schemeClr val="dk1"/>
+          </a:lnRef>
+          <a:fillRef idx="0">
+            <a:schemeClr val="dk1"/>
+          </a:fillRef>
+          <a:effectRef idx="0">
+            <a:schemeClr val="dk1"/>
+          </a:effectRef>
+          <a:fontRef idx="minor">
+            <a:schemeClr val="tx1"/>
+          </a:fontRef>
+        </p:style>
+      </p:cxnSp>
+      <p:cxnSp>
+        <p:nvCxnSpPr>
+          <p:cNvPr id="77" name="직선 연결선 76">
+            <a:extLst>
+              <a:ext uri="{FF2B5EF4-FFF2-40B4-BE49-F238E27FC236}">
+                <a16:creationId xmlns:a16="http://schemas.microsoft.com/office/drawing/2014/main" id="{A4CE329D-9523-4E0C-9B70-54029AB52613}"/>
+              </a:ext>
+            </a:extLst>
+          </p:cNvPr>
+          <p:cNvCxnSpPr/>
+          <p:nvPr/>
+        </p:nvCxnSpPr>
+        <p:spPr>
+          <a:xfrm flipH="1">
+            <a:off x="7970671" y="600187"/>
+            <a:ext cx="0" cy="1599376"/>
+          </a:xfrm>
+          <a:prstGeom prst="line">
+            <a:avLst/>
+          </a:prstGeom>
+          <a:ln w="19050"/>
+        </p:spPr>
+        <p:style>
+          <a:lnRef idx="1">
+            <a:schemeClr val="dk1"/>
+          </a:lnRef>
+          <a:fillRef idx="0">
+            <a:schemeClr val="dk1"/>
+          </a:fillRef>
+          <a:effectRef idx="0">
+            <a:schemeClr val="dk1"/>
+          </a:effectRef>
+          <a:fontRef idx="minor">
+            <a:schemeClr val="tx1"/>
+          </a:fontRef>
+        </p:style>
+      </p:cxnSp>
+      <p:cxnSp>
+        <p:nvCxnSpPr>
+          <p:cNvPr id="78" name="직선 연결선 77">
+            <a:extLst>
+              <a:ext uri="{FF2B5EF4-FFF2-40B4-BE49-F238E27FC236}">
+                <a16:creationId xmlns:a16="http://schemas.microsoft.com/office/drawing/2014/main" id="{3A8A85A2-A3D3-4241-A511-1C5CD3366887}"/>
+              </a:ext>
+            </a:extLst>
+          </p:cNvPr>
+          <p:cNvCxnSpPr/>
+          <p:nvPr/>
+        </p:nvCxnSpPr>
+        <p:spPr>
+          <a:xfrm flipH="1">
+            <a:off x="7826655" y="603957"/>
+            <a:ext cx="144016" cy="0"/>
+          </a:xfrm>
+          <a:prstGeom prst="line">
+            <a:avLst/>
+          </a:prstGeom>
+          <a:ln w="19050"/>
+        </p:spPr>
+        <p:style>
+          <a:lnRef idx="1">
+            <a:schemeClr val="dk1"/>
+          </a:lnRef>
+          <a:fillRef idx="0">
+            <a:schemeClr val="dk1"/>
+          </a:fillRef>
+          <a:effectRef idx="0">
+            <a:schemeClr val="dk1"/>
+          </a:effectRef>
+          <a:fontRef idx="minor">
+            <a:schemeClr val="tx1"/>
+          </a:fontRef>
+        </p:style>
+      </p:cxnSp>
+      <p:cxnSp>
+        <p:nvCxnSpPr>
+          <p:cNvPr id="79" name="직선 연결선 78">
+            <a:extLst>
+              <a:ext uri="{FF2B5EF4-FFF2-40B4-BE49-F238E27FC236}">
+                <a16:creationId xmlns:a16="http://schemas.microsoft.com/office/drawing/2014/main" id="{FD95EC72-6FDD-4550-821A-EFDD29AF70A0}"/>
+              </a:ext>
+            </a:extLst>
+          </p:cNvPr>
+          <p:cNvCxnSpPr/>
+          <p:nvPr/>
+        </p:nvCxnSpPr>
+        <p:spPr>
+          <a:xfrm flipH="1">
+            <a:off x="7826655" y="2195411"/>
+            <a:ext cx="144016" cy="0"/>
+          </a:xfrm>
+          <a:prstGeom prst="line">
+            <a:avLst/>
+          </a:prstGeom>
+          <a:ln w="19050"/>
+        </p:spPr>
+        <p:style>
+          <a:lnRef idx="1">
+            <a:schemeClr val="dk1"/>
+          </a:lnRef>
+          <a:fillRef idx="0">
+            <a:schemeClr val="dk1"/>
+          </a:fillRef>
+          <a:effectRef idx="0">
+            <a:schemeClr val="dk1"/>
+          </a:effectRef>
+          <a:fontRef idx="minor">
+            <a:schemeClr val="tx1"/>
+          </a:fontRef>
+        </p:style>
+      </p:cxnSp>
+      <p:sp>
+        <p:nvSpPr>
+          <p:cNvPr id="81" name="TextBox 80">
+            <a:extLst>
+              <a:ext uri="{FF2B5EF4-FFF2-40B4-BE49-F238E27FC236}">
+                <a16:creationId xmlns:a16="http://schemas.microsoft.com/office/drawing/2014/main" id="{14D6C7A1-351B-499D-ADAB-24B9A301F8B6}"/>
+              </a:ext>
+            </a:extLst>
+          </p:cNvPr>
+          <p:cNvSpPr txBox="1"/>
+          <p:nvPr/>
+        </p:nvSpPr>
+        <p:spPr>
+          <a:xfrm>
+            <a:off x="6247088" y="542017"/>
+            <a:ext cx="311304" cy="369332"/>
+          </a:xfrm>
+          <a:prstGeom prst="rect">
+            <a:avLst/>
+          </a:prstGeom>
+          <a:noFill/>
+        </p:spPr>
+        <p:txBody>
+          <a:bodyPr wrap="none" rtlCol="0">
+            <a:spAutoFit/>
+          </a:bodyPr>
+          <a:lstStyle/>
+          <a:p>
+            <a:r>
+              <a:rPr lang="en-US" altLang="ko-KR" dirty="0"/>
+              <a:t>1</a:t>
+            </a:r>
+            <a:endParaRPr lang="ko-KR" altLang="en-US" dirty="0"/>
+          </a:p>
+        </p:txBody>
+      </p:sp>
+      <p:sp>
+        <p:nvSpPr>
+          <p:cNvPr id="82" name="TextBox 81">
+            <a:extLst>
+              <a:ext uri="{FF2B5EF4-FFF2-40B4-BE49-F238E27FC236}">
+                <a16:creationId xmlns:a16="http://schemas.microsoft.com/office/drawing/2014/main" id="{9210E604-684F-4EC8-8E23-15913E3CA505}"/>
+              </a:ext>
+            </a:extLst>
+          </p:cNvPr>
+          <p:cNvSpPr txBox="1"/>
+          <p:nvPr/>
+        </p:nvSpPr>
+        <p:spPr>
+          <a:xfrm>
+            <a:off x="6247088" y="878613"/>
+            <a:ext cx="311304" cy="369332"/>
+          </a:xfrm>
+          <a:prstGeom prst="rect">
+            <a:avLst/>
+          </a:prstGeom>
+          <a:noFill/>
+        </p:spPr>
+        <p:txBody>
+          <a:bodyPr wrap="none" rtlCol="0">
+            <a:spAutoFit/>
+          </a:bodyPr>
+          <a:lstStyle/>
+          <a:p>
+            <a:r>
+              <a:rPr lang="en-US" altLang="ko-KR" dirty="0"/>
+              <a:t>0</a:t>
+            </a:r>
+            <a:endParaRPr lang="ko-KR" altLang="en-US" dirty="0"/>
+          </a:p>
+        </p:txBody>
+      </p:sp>
+      <p:sp>
+        <p:nvSpPr>
+          <p:cNvPr id="83" name="TextBox 82">
+            <a:extLst>
+              <a:ext uri="{FF2B5EF4-FFF2-40B4-BE49-F238E27FC236}">
+                <a16:creationId xmlns:a16="http://schemas.microsoft.com/office/drawing/2014/main" id="{CD789F6C-14F4-41BF-9FC9-05D2C2FC97DF}"/>
+              </a:ext>
+            </a:extLst>
+          </p:cNvPr>
+          <p:cNvSpPr txBox="1"/>
+          <p:nvPr/>
+        </p:nvSpPr>
+        <p:spPr>
+          <a:xfrm>
+            <a:off x="6247088" y="1215209"/>
+            <a:ext cx="311304" cy="369332"/>
+          </a:xfrm>
+          <a:prstGeom prst="rect">
+            <a:avLst/>
+          </a:prstGeom>
+          <a:noFill/>
+        </p:spPr>
+        <p:txBody>
+          <a:bodyPr wrap="none" rtlCol="0">
+            <a:spAutoFit/>
+          </a:bodyPr>
+          <a:lstStyle/>
+          <a:p>
+            <a:r>
+              <a:rPr lang="en-US" altLang="ko-KR" dirty="0"/>
+              <a:t>0</a:t>
+            </a:r>
+            <a:endParaRPr lang="ko-KR" altLang="en-US" dirty="0"/>
+          </a:p>
+        </p:txBody>
+      </p:sp>
+      <mc:AlternateContent xmlns:mc="http://schemas.openxmlformats.org/markup-compatibility/2006">
+        <mc:Choice xmlns:a14="http://schemas.microsoft.com/office/drawing/2010/main" Requires="a14">
           <p:sp>
             <p:nvSpPr>
               <p:cNvPr id="84" name="TextBox 83">
@@ -10977,8 +10838,8 @@
             </p:nvSpPr>
             <p:spPr>
               <a:xfrm>
-                <a:off x="6297435" y="1558468"/>
-                <a:ext cx="311304" cy="369332"/>
+                <a:off x="6247088" y="1551805"/>
+                <a:ext cx="338554" cy="369332"/>
               </a:xfrm>
               <a:prstGeom prst="rect">
                 <a:avLst/>
@@ -10991,179 +10852,217 @@
               </a:bodyPr>
               <a:lstStyle/>
               <a:p>
-                <a:r>
-                  <a:rPr lang="en-US" altLang="ko-KR" dirty="0"/>
-                  <a:t>0</a:t>
-                </a:r>
+                <a14:m>
+                  <m:oMathPara xmlns:m="http://schemas.openxmlformats.org/officeDocument/2006/math">
+                    <m:oMathParaPr>
+                      <m:jc m:val="centerGroup"/>
+                    </m:oMathParaPr>
+                    <m:oMath xmlns:m="http://schemas.openxmlformats.org/officeDocument/2006/math">
+                      <m:r>
+                        <a:rPr lang="en-US" altLang="ko-KR" b="0" i="1" smtClean="0">
+                          <a:latin typeface="Cambria Math" panose="02040503050406030204" pitchFamily="18" charset="0"/>
+                        </a:rPr>
+                        <m:t>⋮</m:t>
+                      </m:r>
+                    </m:oMath>
+                  </m:oMathPara>
+                </a14:m>
                 <a:endParaRPr lang="ko-KR" altLang="en-US" dirty="0"/>
               </a:p>
             </p:txBody>
           </p:sp>
+        </mc:Choice>
+        <mc:Fallback>
           <p:sp>
             <p:nvSpPr>
-              <p:cNvPr id="85" name="TextBox 84">
+              <p:cNvPr id="84" name="TextBox 83">
                 <a:extLst>
                   <a:ext uri="{FF2B5EF4-FFF2-40B4-BE49-F238E27FC236}">
-                    <a16:creationId xmlns:a16="http://schemas.microsoft.com/office/drawing/2014/main" id="{EE08A819-F3A8-4F68-B515-B30FA5105CED}"/>
+                    <a16:creationId xmlns:a16="http://schemas.microsoft.com/office/drawing/2014/main" id="{56E74A3F-C556-4C0A-97D6-5906C7CE3C1D}"/>
                   </a:ext>
                 </a:extLst>
               </p:cNvPr>
-              <p:cNvSpPr txBox="1"/>
+              <p:cNvSpPr txBox="1">
+                <a:spLocks noRot="1" noChangeAspect="1" noMove="1" noResize="1" noEditPoints="1" noAdjustHandles="1" noChangeArrowheads="1" noChangeShapeType="1" noTextEdit="1"/>
+              </p:cNvSpPr>
               <p:nvPr/>
             </p:nvSpPr>
             <p:spPr>
               <a:xfrm>
-                <a:off x="6297435" y="1895064"/>
-                <a:ext cx="311304" cy="369332"/>
+                <a:off x="6247088" y="1551805"/>
+                <a:ext cx="338554" cy="369332"/>
               </a:xfrm>
               <a:prstGeom prst="rect">
                 <a:avLst/>
               </a:prstGeom>
-              <a:noFill/>
+              <a:blipFill>
+                <a:blip r:embed="rId7"/>
+                <a:stretch>
+                  <a:fillRect/>
+                </a:stretch>
+              </a:blipFill>
             </p:spPr>
             <p:txBody>
-              <a:bodyPr wrap="none" rtlCol="0">
-                <a:spAutoFit/>
-              </a:bodyPr>
+              <a:bodyPr/>
               <a:lstStyle/>
               <a:p>
                 <a:r>
-                  <a:rPr lang="en-US" altLang="ko-KR" dirty="0"/>
-                  <a:t>0</a:t>
+                  <a:rPr lang="ko-KR" altLang="en-US">
+                    <a:noFill/>
+                  </a:rPr>
+                  <a:t> </a:t>
                 </a:r>
-                <a:endParaRPr lang="ko-KR" altLang="en-US" dirty="0"/>
               </a:p>
             </p:txBody>
           </p:sp>
-        </p:grpSp>
-        <p:grpSp>
-          <p:nvGrpSpPr>
-            <p:cNvPr id="86" name="그룹 85">
-              <a:extLst>
-                <a:ext uri="{FF2B5EF4-FFF2-40B4-BE49-F238E27FC236}">
-                  <a16:creationId xmlns:a16="http://schemas.microsoft.com/office/drawing/2014/main" id="{A003B195-BE63-44C7-B408-771C635AF97E}"/>
-                </a:ext>
-              </a:extLst>
-            </p:cNvPr>
-            <p:cNvGrpSpPr/>
-            <p:nvPr/>
-          </p:nvGrpSpPr>
-          <p:grpSpPr>
-            <a:xfrm>
-              <a:off x="6637088" y="548680"/>
-              <a:ext cx="311304" cy="1715716"/>
-              <a:chOff x="6637599" y="548680"/>
-              <a:chExt cx="311304" cy="1715716"/>
-            </a:xfrm>
-          </p:grpSpPr>
-          <p:sp>
-            <p:nvSpPr>
-              <p:cNvPr id="87" name="TextBox 86">
-                <a:extLst>
-                  <a:ext uri="{FF2B5EF4-FFF2-40B4-BE49-F238E27FC236}">
-                    <a16:creationId xmlns:a16="http://schemas.microsoft.com/office/drawing/2014/main" id="{C78395C5-8C2C-42E2-A0CD-14DBE6F936B9}"/>
-                  </a:ext>
-                </a:extLst>
-              </p:cNvPr>
-              <p:cNvSpPr txBox="1"/>
-              <p:nvPr/>
-            </p:nvSpPr>
-            <p:spPr>
-              <a:xfrm>
-                <a:off x="6637599" y="548680"/>
-                <a:ext cx="311304" cy="369332"/>
-              </a:xfrm>
-              <a:prstGeom prst="rect">
-                <a:avLst/>
-              </a:prstGeom>
-              <a:noFill/>
-            </p:spPr>
-            <p:txBody>
-              <a:bodyPr wrap="none" rtlCol="0">
-                <a:spAutoFit/>
-              </a:bodyPr>
-              <a:lstStyle/>
-              <a:p>
-                <a:r>
-                  <a:rPr lang="en-US" altLang="ko-KR" dirty="0"/>
-                  <a:t>0</a:t>
-                </a:r>
-                <a:endParaRPr lang="ko-KR" altLang="en-US" dirty="0"/>
-              </a:p>
-            </p:txBody>
-          </p:sp>
-          <p:sp>
-            <p:nvSpPr>
-              <p:cNvPr id="88" name="TextBox 87">
-                <a:extLst>
-                  <a:ext uri="{FF2B5EF4-FFF2-40B4-BE49-F238E27FC236}">
-                    <a16:creationId xmlns:a16="http://schemas.microsoft.com/office/drawing/2014/main" id="{2AB4043C-3760-4A6A-8B6B-B8AFD291FCC9}"/>
-                  </a:ext>
-                </a:extLst>
-              </p:cNvPr>
-              <p:cNvSpPr txBox="1"/>
-              <p:nvPr/>
-            </p:nvSpPr>
-            <p:spPr>
-              <a:xfrm>
-                <a:off x="6637599" y="885276"/>
-                <a:ext cx="311304" cy="369332"/>
-              </a:xfrm>
-              <a:prstGeom prst="rect">
-                <a:avLst/>
-              </a:prstGeom>
-              <a:noFill/>
-            </p:spPr>
-            <p:txBody>
-              <a:bodyPr wrap="none" rtlCol="0">
-                <a:spAutoFit/>
-              </a:bodyPr>
-              <a:lstStyle/>
-              <a:p>
-                <a:r>
-                  <a:rPr lang="en-US" altLang="ko-KR" dirty="0"/>
-                  <a:t>1</a:t>
-                </a:r>
-                <a:endParaRPr lang="ko-KR" altLang="en-US" dirty="0"/>
-              </a:p>
-            </p:txBody>
-          </p:sp>
-          <p:sp>
-            <p:nvSpPr>
-              <p:cNvPr id="89" name="TextBox 88">
-                <a:extLst>
-                  <a:ext uri="{FF2B5EF4-FFF2-40B4-BE49-F238E27FC236}">
-                    <a16:creationId xmlns:a16="http://schemas.microsoft.com/office/drawing/2014/main" id="{8B7A63D9-DE3D-4D79-BDB4-B12136E994A1}"/>
-                  </a:ext>
-                </a:extLst>
-              </p:cNvPr>
-              <p:cNvSpPr txBox="1"/>
-              <p:nvPr/>
-            </p:nvSpPr>
-            <p:spPr>
-              <a:xfrm>
-                <a:off x="6637599" y="1221872"/>
-                <a:ext cx="311304" cy="369332"/>
-              </a:xfrm>
-              <a:prstGeom prst="rect">
-                <a:avLst/>
-              </a:prstGeom>
-              <a:noFill/>
-            </p:spPr>
-            <p:txBody>
-              <a:bodyPr wrap="none" rtlCol="0">
-                <a:spAutoFit/>
-              </a:bodyPr>
-              <a:lstStyle/>
-              <a:p>
-                <a:r>
-                  <a:rPr lang="en-US" altLang="ko-KR" dirty="0"/>
-                  <a:t>0</a:t>
-                </a:r>
-                <a:endParaRPr lang="ko-KR" altLang="en-US" dirty="0"/>
-              </a:p>
-            </p:txBody>
-          </p:sp>
+        </mc:Fallback>
+      </mc:AlternateContent>
+      <p:sp>
+        <p:nvSpPr>
+          <p:cNvPr id="85" name="TextBox 84">
+            <a:extLst>
+              <a:ext uri="{FF2B5EF4-FFF2-40B4-BE49-F238E27FC236}">
+                <a16:creationId xmlns:a16="http://schemas.microsoft.com/office/drawing/2014/main" id="{EE08A819-F3A8-4F68-B515-B30FA5105CED}"/>
+              </a:ext>
+            </a:extLst>
+          </p:cNvPr>
+          <p:cNvSpPr txBox="1"/>
+          <p:nvPr/>
+        </p:nvSpPr>
+        <p:spPr>
+          <a:xfrm>
+            <a:off x="6247088" y="1888401"/>
+            <a:ext cx="311304" cy="369332"/>
+          </a:xfrm>
+          <a:prstGeom prst="rect">
+            <a:avLst/>
+          </a:prstGeom>
+          <a:noFill/>
+        </p:spPr>
+        <p:txBody>
+          <a:bodyPr wrap="none" rtlCol="0">
+            <a:spAutoFit/>
+          </a:bodyPr>
+          <a:lstStyle/>
+          <a:p>
+            <a:r>
+              <a:rPr lang="en-US" altLang="ko-KR" dirty="0"/>
+              <a:t>0</a:t>
+            </a:r>
+            <a:endParaRPr lang="ko-KR" altLang="en-US" dirty="0"/>
+          </a:p>
+        </p:txBody>
+      </p:sp>
+      <p:sp>
+        <p:nvSpPr>
+          <p:cNvPr id="87" name="TextBox 86">
+            <a:extLst>
+              <a:ext uri="{FF2B5EF4-FFF2-40B4-BE49-F238E27FC236}">
+                <a16:creationId xmlns:a16="http://schemas.microsoft.com/office/drawing/2014/main" id="{C78395C5-8C2C-42E2-A0CD-14DBE6F936B9}"/>
+              </a:ext>
+            </a:extLst>
+          </p:cNvPr>
+          <p:cNvSpPr txBox="1"/>
+          <p:nvPr/>
+        </p:nvSpPr>
+        <p:spPr>
+          <a:xfrm>
+            <a:off x="6563001" y="542017"/>
+            <a:ext cx="311304" cy="369332"/>
+          </a:xfrm>
+          <a:prstGeom prst="rect">
+            <a:avLst/>
+          </a:prstGeom>
+          <a:noFill/>
+        </p:spPr>
+        <p:txBody>
+          <a:bodyPr wrap="none" rtlCol="0">
+            <a:spAutoFit/>
+          </a:bodyPr>
+          <a:lstStyle/>
+          <a:p>
+            <a:r>
+              <a:rPr lang="en-US" altLang="ko-KR" dirty="0"/>
+              <a:t>0</a:t>
+            </a:r>
+            <a:endParaRPr lang="ko-KR" altLang="en-US" dirty="0"/>
+          </a:p>
+        </p:txBody>
+      </p:sp>
+      <p:sp>
+        <p:nvSpPr>
+          <p:cNvPr id="88" name="TextBox 87">
+            <a:extLst>
+              <a:ext uri="{FF2B5EF4-FFF2-40B4-BE49-F238E27FC236}">
+                <a16:creationId xmlns:a16="http://schemas.microsoft.com/office/drawing/2014/main" id="{2AB4043C-3760-4A6A-8B6B-B8AFD291FCC9}"/>
+              </a:ext>
+            </a:extLst>
+          </p:cNvPr>
+          <p:cNvSpPr txBox="1"/>
+          <p:nvPr/>
+        </p:nvSpPr>
+        <p:spPr>
+          <a:xfrm>
+            <a:off x="6563001" y="878613"/>
+            <a:ext cx="311304" cy="369332"/>
+          </a:xfrm>
+          <a:prstGeom prst="rect">
+            <a:avLst/>
+          </a:prstGeom>
+          <a:noFill/>
+        </p:spPr>
+        <p:txBody>
+          <a:bodyPr wrap="none" rtlCol="0">
+            <a:spAutoFit/>
+          </a:bodyPr>
+          <a:lstStyle/>
+          <a:p>
+            <a:r>
+              <a:rPr lang="en-US" altLang="ko-KR" dirty="0"/>
+              <a:t>1</a:t>
+            </a:r>
+            <a:endParaRPr lang="ko-KR" altLang="en-US" dirty="0"/>
+          </a:p>
+        </p:txBody>
+      </p:sp>
+      <p:sp>
+        <p:nvSpPr>
+          <p:cNvPr id="89" name="TextBox 88">
+            <a:extLst>
+              <a:ext uri="{FF2B5EF4-FFF2-40B4-BE49-F238E27FC236}">
+                <a16:creationId xmlns:a16="http://schemas.microsoft.com/office/drawing/2014/main" id="{8B7A63D9-DE3D-4D79-BDB4-B12136E994A1}"/>
+              </a:ext>
+            </a:extLst>
+          </p:cNvPr>
+          <p:cNvSpPr txBox="1"/>
+          <p:nvPr/>
+        </p:nvSpPr>
+        <p:spPr>
+          <a:xfrm>
+            <a:off x="6563001" y="1215209"/>
+            <a:ext cx="311304" cy="369332"/>
+          </a:xfrm>
+          <a:prstGeom prst="rect">
+            <a:avLst/>
+          </a:prstGeom>
+          <a:noFill/>
+        </p:spPr>
+        <p:txBody>
+          <a:bodyPr wrap="none" rtlCol="0">
+            <a:spAutoFit/>
+          </a:bodyPr>
+          <a:lstStyle/>
+          <a:p>
+            <a:r>
+              <a:rPr lang="en-US" altLang="ko-KR" dirty="0"/>
+              <a:t>0</a:t>
+            </a:r>
+            <a:endParaRPr lang="ko-KR" altLang="en-US" dirty="0"/>
+          </a:p>
+        </p:txBody>
+      </p:sp>
+      <mc:AlternateContent xmlns:mc="http://schemas.openxmlformats.org/markup-compatibility/2006">
+        <mc:Choice xmlns:a14="http://schemas.microsoft.com/office/drawing/2010/main" Requires="a14">
           <p:sp>
             <p:nvSpPr>
               <p:cNvPr id="90" name="TextBox 89">
@@ -11178,8 +11077,8 @@
             </p:nvSpPr>
             <p:spPr>
               <a:xfrm>
-                <a:off x="6637599" y="1558468"/>
-                <a:ext cx="311304" cy="369332"/>
+                <a:off x="6563001" y="1551805"/>
+                <a:ext cx="338554" cy="369332"/>
               </a:xfrm>
               <a:prstGeom prst="rect">
                 <a:avLst/>
@@ -11192,179 +11091,217 @@
               </a:bodyPr>
               <a:lstStyle/>
               <a:p>
-                <a:r>
-                  <a:rPr lang="en-US" altLang="ko-KR" dirty="0"/>
-                  <a:t>0</a:t>
-                </a:r>
+                <a14:m>
+                  <m:oMathPara xmlns:m="http://schemas.openxmlformats.org/officeDocument/2006/math">
+                    <m:oMathParaPr>
+                      <m:jc m:val="centerGroup"/>
+                    </m:oMathParaPr>
+                    <m:oMath xmlns:m="http://schemas.openxmlformats.org/officeDocument/2006/math">
+                      <m:r>
+                        <a:rPr lang="en-US" altLang="ko-KR" b="0" i="1" dirty="0" smtClean="0">
+                          <a:latin typeface="Cambria Math" panose="02040503050406030204" pitchFamily="18" charset="0"/>
+                        </a:rPr>
+                        <m:t>⋮</m:t>
+                      </m:r>
+                    </m:oMath>
+                  </m:oMathPara>
+                </a14:m>
                 <a:endParaRPr lang="ko-KR" altLang="en-US" dirty="0"/>
               </a:p>
             </p:txBody>
           </p:sp>
+        </mc:Choice>
+        <mc:Fallback>
           <p:sp>
             <p:nvSpPr>
-              <p:cNvPr id="91" name="TextBox 90">
+              <p:cNvPr id="90" name="TextBox 89">
                 <a:extLst>
                   <a:ext uri="{FF2B5EF4-FFF2-40B4-BE49-F238E27FC236}">
-                    <a16:creationId xmlns:a16="http://schemas.microsoft.com/office/drawing/2014/main" id="{2F440577-8729-4153-B3AB-FEA08DB354B1}"/>
+                    <a16:creationId xmlns:a16="http://schemas.microsoft.com/office/drawing/2014/main" id="{9076E7BC-C105-4DE0-A88A-044BEACD1D81}"/>
                   </a:ext>
                 </a:extLst>
               </p:cNvPr>
-              <p:cNvSpPr txBox="1"/>
+              <p:cNvSpPr txBox="1">
+                <a:spLocks noRot="1" noChangeAspect="1" noMove="1" noResize="1" noEditPoints="1" noAdjustHandles="1" noChangeArrowheads="1" noChangeShapeType="1" noTextEdit="1"/>
+              </p:cNvSpPr>
               <p:nvPr/>
             </p:nvSpPr>
             <p:spPr>
               <a:xfrm>
-                <a:off x="6637599" y="1895064"/>
-                <a:ext cx="311304" cy="369332"/>
+                <a:off x="6563001" y="1551805"/>
+                <a:ext cx="338554" cy="369332"/>
               </a:xfrm>
               <a:prstGeom prst="rect">
                 <a:avLst/>
               </a:prstGeom>
-              <a:noFill/>
+              <a:blipFill>
+                <a:blip r:embed="rId8"/>
+                <a:stretch>
+                  <a:fillRect/>
+                </a:stretch>
+              </a:blipFill>
             </p:spPr>
             <p:txBody>
-              <a:bodyPr wrap="none" rtlCol="0">
-                <a:spAutoFit/>
-              </a:bodyPr>
+              <a:bodyPr/>
               <a:lstStyle/>
               <a:p>
                 <a:r>
-                  <a:rPr lang="en-US" altLang="ko-KR" dirty="0"/>
-                  <a:t>0</a:t>
+                  <a:rPr lang="ko-KR" altLang="en-US">
+                    <a:noFill/>
+                  </a:rPr>
+                  <a:t> </a:t>
                 </a:r>
-                <a:endParaRPr lang="ko-KR" altLang="en-US" dirty="0"/>
               </a:p>
             </p:txBody>
           </p:sp>
-        </p:grpSp>
-        <p:grpSp>
-          <p:nvGrpSpPr>
-            <p:cNvPr id="92" name="그룹 91">
-              <a:extLst>
-                <a:ext uri="{FF2B5EF4-FFF2-40B4-BE49-F238E27FC236}">
-                  <a16:creationId xmlns:a16="http://schemas.microsoft.com/office/drawing/2014/main" id="{F766CF75-AA84-4BC8-93C1-229F84564ECF}"/>
-                </a:ext>
-              </a:extLst>
-            </p:cNvPr>
-            <p:cNvGrpSpPr/>
-            <p:nvPr/>
-          </p:nvGrpSpPr>
-          <p:grpSpPr>
-            <a:xfrm>
-              <a:off x="6953001" y="548680"/>
-              <a:ext cx="311304" cy="1715716"/>
-              <a:chOff x="6977763" y="548680"/>
-              <a:chExt cx="311304" cy="1715716"/>
-            </a:xfrm>
-          </p:grpSpPr>
-          <p:sp>
-            <p:nvSpPr>
-              <p:cNvPr id="93" name="TextBox 92">
-                <a:extLst>
-                  <a:ext uri="{FF2B5EF4-FFF2-40B4-BE49-F238E27FC236}">
-                    <a16:creationId xmlns:a16="http://schemas.microsoft.com/office/drawing/2014/main" id="{F1E3239E-E606-4243-A1D4-C85A3C009C6D}"/>
-                  </a:ext>
-                </a:extLst>
-              </p:cNvPr>
-              <p:cNvSpPr txBox="1"/>
-              <p:nvPr/>
-            </p:nvSpPr>
-            <p:spPr>
-              <a:xfrm>
-                <a:off x="6977763" y="548680"/>
-                <a:ext cx="311304" cy="369332"/>
-              </a:xfrm>
-              <a:prstGeom prst="rect">
-                <a:avLst/>
-              </a:prstGeom>
-              <a:noFill/>
-            </p:spPr>
-            <p:txBody>
-              <a:bodyPr wrap="none" rtlCol="0">
-                <a:spAutoFit/>
-              </a:bodyPr>
-              <a:lstStyle/>
-              <a:p>
-                <a:r>
-                  <a:rPr lang="en-US" altLang="ko-KR" dirty="0"/>
-                  <a:t>0</a:t>
-                </a:r>
-                <a:endParaRPr lang="ko-KR" altLang="en-US" dirty="0"/>
-              </a:p>
-            </p:txBody>
-          </p:sp>
-          <p:sp>
-            <p:nvSpPr>
-              <p:cNvPr id="94" name="TextBox 93">
-                <a:extLst>
-                  <a:ext uri="{FF2B5EF4-FFF2-40B4-BE49-F238E27FC236}">
-                    <a16:creationId xmlns:a16="http://schemas.microsoft.com/office/drawing/2014/main" id="{42C48EFA-6BCF-449C-81A4-CB3DAB1BBCD6}"/>
-                  </a:ext>
-                </a:extLst>
-              </p:cNvPr>
-              <p:cNvSpPr txBox="1"/>
-              <p:nvPr/>
-            </p:nvSpPr>
-            <p:spPr>
-              <a:xfrm>
-                <a:off x="6977763" y="885276"/>
-                <a:ext cx="311304" cy="369332"/>
-              </a:xfrm>
-              <a:prstGeom prst="rect">
-                <a:avLst/>
-              </a:prstGeom>
-              <a:noFill/>
-            </p:spPr>
-            <p:txBody>
-              <a:bodyPr wrap="none" rtlCol="0">
-                <a:spAutoFit/>
-              </a:bodyPr>
-              <a:lstStyle/>
-              <a:p>
-                <a:r>
-                  <a:rPr lang="en-US" altLang="ko-KR" dirty="0"/>
-                  <a:t>0</a:t>
-                </a:r>
-                <a:endParaRPr lang="ko-KR" altLang="en-US" dirty="0"/>
-              </a:p>
-            </p:txBody>
-          </p:sp>
-          <p:sp>
-            <p:nvSpPr>
-              <p:cNvPr id="95" name="TextBox 94">
-                <a:extLst>
-                  <a:ext uri="{FF2B5EF4-FFF2-40B4-BE49-F238E27FC236}">
-                    <a16:creationId xmlns:a16="http://schemas.microsoft.com/office/drawing/2014/main" id="{02222A3A-D72A-47B3-AB20-736CDBE8D333}"/>
-                  </a:ext>
-                </a:extLst>
-              </p:cNvPr>
-              <p:cNvSpPr txBox="1"/>
-              <p:nvPr/>
-            </p:nvSpPr>
-            <p:spPr>
-              <a:xfrm>
-                <a:off x="6977763" y="1221872"/>
-                <a:ext cx="311304" cy="369332"/>
-              </a:xfrm>
-              <a:prstGeom prst="rect">
-                <a:avLst/>
-              </a:prstGeom>
-              <a:noFill/>
-            </p:spPr>
-            <p:txBody>
-              <a:bodyPr wrap="none" rtlCol="0">
-                <a:spAutoFit/>
-              </a:bodyPr>
-              <a:lstStyle/>
-              <a:p>
-                <a:r>
-                  <a:rPr lang="en-US" altLang="ko-KR" dirty="0"/>
-                  <a:t>1</a:t>
-                </a:r>
-                <a:endParaRPr lang="ko-KR" altLang="en-US" dirty="0"/>
-              </a:p>
-            </p:txBody>
-          </p:sp>
+        </mc:Fallback>
+      </mc:AlternateContent>
+      <p:sp>
+        <p:nvSpPr>
+          <p:cNvPr id="91" name="TextBox 90">
+            <a:extLst>
+              <a:ext uri="{FF2B5EF4-FFF2-40B4-BE49-F238E27FC236}">
+                <a16:creationId xmlns:a16="http://schemas.microsoft.com/office/drawing/2014/main" id="{2F440577-8729-4153-B3AB-FEA08DB354B1}"/>
+              </a:ext>
+            </a:extLst>
+          </p:cNvPr>
+          <p:cNvSpPr txBox="1"/>
+          <p:nvPr/>
+        </p:nvSpPr>
+        <p:spPr>
+          <a:xfrm>
+            <a:off x="6563001" y="1888401"/>
+            <a:ext cx="311304" cy="369332"/>
+          </a:xfrm>
+          <a:prstGeom prst="rect">
+            <a:avLst/>
+          </a:prstGeom>
+          <a:noFill/>
+        </p:spPr>
+        <p:txBody>
+          <a:bodyPr wrap="none" rtlCol="0">
+            <a:spAutoFit/>
+          </a:bodyPr>
+          <a:lstStyle/>
+          <a:p>
+            <a:r>
+              <a:rPr lang="en-US" altLang="ko-KR" dirty="0"/>
+              <a:t>0</a:t>
+            </a:r>
+            <a:endParaRPr lang="ko-KR" altLang="en-US" dirty="0"/>
+          </a:p>
+        </p:txBody>
+      </p:sp>
+      <p:sp>
+        <p:nvSpPr>
+          <p:cNvPr id="93" name="TextBox 92">
+            <a:extLst>
+              <a:ext uri="{FF2B5EF4-FFF2-40B4-BE49-F238E27FC236}">
+                <a16:creationId xmlns:a16="http://schemas.microsoft.com/office/drawing/2014/main" id="{F1E3239E-E606-4243-A1D4-C85A3C009C6D}"/>
+              </a:ext>
+            </a:extLst>
+          </p:cNvPr>
+          <p:cNvSpPr txBox="1"/>
+          <p:nvPr/>
+        </p:nvSpPr>
+        <p:spPr>
+          <a:xfrm>
+            <a:off x="6878914" y="542017"/>
+            <a:ext cx="311304" cy="369332"/>
+          </a:xfrm>
+          <a:prstGeom prst="rect">
+            <a:avLst/>
+          </a:prstGeom>
+          <a:noFill/>
+        </p:spPr>
+        <p:txBody>
+          <a:bodyPr wrap="none" rtlCol="0">
+            <a:spAutoFit/>
+          </a:bodyPr>
+          <a:lstStyle/>
+          <a:p>
+            <a:r>
+              <a:rPr lang="en-US" altLang="ko-KR" dirty="0"/>
+              <a:t>0</a:t>
+            </a:r>
+            <a:endParaRPr lang="ko-KR" altLang="en-US" dirty="0"/>
+          </a:p>
+        </p:txBody>
+      </p:sp>
+      <p:sp>
+        <p:nvSpPr>
+          <p:cNvPr id="94" name="TextBox 93">
+            <a:extLst>
+              <a:ext uri="{FF2B5EF4-FFF2-40B4-BE49-F238E27FC236}">
+                <a16:creationId xmlns:a16="http://schemas.microsoft.com/office/drawing/2014/main" id="{42C48EFA-6BCF-449C-81A4-CB3DAB1BBCD6}"/>
+              </a:ext>
+            </a:extLst>
+          </p:cNvPr>
+          <p:cNvSpPr txBox="1"/>
+          <p:nvPr/>
+        </p:nvSpPr>
+        <p:spPr>
+          <a:xfrm>
+            <a:off x="6878914" y="878613"/>
+            <a:ext cx="311304" cy="369332"/>
+          </a:xfrm>
+          <a:prstGeom prst="rect">
+            <a:avLst/>
+          </a:prstGeom>
+          <a:noFill/>
+        </p:spPr>
+        <p:txBody>
+          <a:bodyPr wrap="none" rtlCol="0">
+            <a:spAutoFit/>
+          </a:bodyPr>
+          <a:lstStyle/>
+          <a:p>
+            <a:r>
+              <a:rPr lang="en-US" altLang="ko-KR" dirty="0"/>
+              <a:t>0</a:t>
+            </a:r>
+            <a:endParaRPr lang="ko-KR" altLang="en-US" dirty="0"/>
+          </a:p>
+        </p:txBody>
+      </p:sp>
+      <p:sp>
+        <p:nvSpPr>
+          <p:cNvPr id="95" name="TextBox 94">
+            <a:extLst>
+              <a:ext uri="{FF2B5EF4-FFF2-40B4-BE49-F238E27FC236}">
+                <a16:creationId xmlns:a16="http://schemas.microsoft.com/office/drawing/2014/main" id="{02222A3A-D72A-47B3-AB20-736CDBE8D333}"/>
+              </a:ext>
+            </a:extLst>
+          </p:cNvPr>
+          <p:cNvSpPr txBox="1"/>
+          <p:nvPr/>
+        </p:nvSpPr>
+        <p:spPr>
+          <a:xfrm>
+            <a:off x="6878914" y="1215209"/>
+            <a:ext cx="311304" cy="369332"/>
+          </a:xfrm>
+          <a:prstGeom prst="rect">
+            <a:avLst/>
+          </a:prstGeom>
+          <a:noFill/>
+        </p:spPr>
+        <p:txBody>
+          <a:bodyPr wrap="none" rtlCol="0">
+            <a:spAutoFit/>
+          </a:bodyPr>
+          <a:lstStyle/>
+          <a:p>
+            <a:r>
+              <a:rPr lang="en-US" altLang="ko-KR" dirty="0"/>
+              <a:t>1</a:t>
+            </a:r>
+            <a:endParaRPr lang="ko-KR" altLang="en-US" dirty="0"/>
+          </a:p>
+        </p:txBody>
+      </p:sp>
+      <mc:AlternateContent xmlns:mc="http://schemas.openxmlformats.org/markup-compatibility/2006">
+        <mc:Choice xmlns:a14="http://schemas.microsoft.com/office/drawing/2010/main" Requires="a14">
           <p:sp>
             <p:nvSpPr>
               <p:cNvPr id="96" name="TextBox 95">
@@ -11379,8 +11316,8 @@
             </p:nvSpPr>
             <p:spPr>
               <a:xfrm>
-                <a:off x="6977763" y="1558468"/>
-                <a:ext cx="311304" cy="369332"/>
+                <a:off x="6878914" y="1551805"/>
+                <a:ext cx="338554" cy="369332"/>
               </a:xfrm>
               <a:prstGeom prst="rect">
                 <a:avLst/>
@@ -11393,461 +11330,135 @@
               </a:bodyPr>
               <a:lstStyle/>
               <a:p>
-                <a:r>
-                  <a:rPr lang="en-US" altLang="ko-KR" dirty="0"/>
-                  <a:t>0</a:t>
-                </a:r>
+                <a14:m>
+                  <m:oMathPara xmlns:m="http://schemas.openxmlformats.org/officeDocument/2006/math">
+                    <m:oMathParaPr>
+                      <m:jc m:val="centerGroup"/>
+                    </m:oMathParaPr>
+                    <m:oMath xmlns:m="http://schemas.openxmlformats.org/officeDocument/2006/math">
+                      <m:r>
+                        <a:rPr lang="en-US" altLang="ko-KR" b="0" i="1" dirty="0" smtClean="0">
+                          <a:latin typeface="Cambria Math" panose="02040503050406030204" pitchFamily="18" charset="0"/>
+                        </a:rPr>
+                        <m:t>⋮</m:t>
+                      </m:r>
+                    </m:oMath>
+                  </m:oMathPara>
+                </a14:m>
                 <a:endParaRPr lang="ko-KR" altLang="en-US" dirty="0"/>
               </a:p>
             </p:txBody>
           </p:sp>
+        </mc:Choice>
+        <mc:Fallback>
           <p:sp>
             <p:nvSpPr>
-              <p:cNvPr id="97" name="TextBox 96">
+              <p:cNvPr id="96" name="TextBox 95">
                 <a:extLst>
                   <a:ext uri="{FF2B5EF4-FFF2-40B4-BE49-F238E27FC236}">
-                    <a16:creationId xmlns:a16="http://schemas.microsoft.com/office/drawing/2014/main" id="{211AF5E2-2682-4F75-A4BE-CB5BB543E9B6}"/>
+                    <a16:creationId xmlns:a16="http://schemas.microsoft.com/office/drawing/2014/main" id="{7C0C8358-CC45-4DE6-852F-748EA68FA580}"/>
                   </a:ext>
                 </a:extLst>
               </p:cNvPr>
-              <p:cNvSpPr txBox="1"/>
+              <p:cNvSpPr txBox="1">
+                <a:spLocks noRot="1" noChangeAspect="1" noMove="1" noResize="1" noEditPoints="1" noAdjustHandles="1" noChangeArrowheads="1" noChangeShapeType="1" noTextEdit="1"/>
+              </p:cNvSpPr>
               <p:nvPr/>
             </p:nvSpPr>
             <p:spPr>
               <a:xfrm>
-                <a:off x="6977763" y="1895064"/>
-                <a:ext cx="311304" cy="369332"/>
+                <a:off x="6878914" y="1551805"/>
+                <a:ext cx="338554" cy="369332"/>
               </a:xfrm>
               <a:prstGeom prst="rect">
                 <a:avLst/>
               </a:prstGeom>
-              <a:noFill/>
+              <a:blipFill>
+                <a:blip r:embed="rId9"/>
+                <a:stretch>
+                  <a:fillRect/>
+                </a:stretch>
+              </a:blipFill>
             </p:spPr>
             <p:txBody>
-              <a:bodyPr wrap="none" rtlCol="0">
-                <a:spAutoFit/>
-              </a:bodyPr>
+              <a:bodyPr/>
               <a:lstStyle/>
               <a:p>
                 <a:r>
-                  <a:rPr lang="en-US" altLang="ko-KR" dirty="0"/>
-                  <a:t>0</a:t>
+                  <a:rPr lang="ko-KR" altLang="en-US">
+                    <a:noFill/>
+                  </a:rPr>
+                  <a:t> </a:t>
                 </a:r>
-                <a:endParaRPr lang="ko-KR" altLang="en-US" dirty="0"/>
               </a:p>
             </p:txBody>
           </p:sp>
-        </p:grpSp>
-        <p:grpSp>
-          <p:nvGrpSpPr>
-            <p:cNvPr id="98" name="그룹 97">
-              <a:extLst>
-                <a:ext uri="{FF2B5EF4-FFF2-40B4-BE49-F238E27FC236}">
-                  <a16:creationId xmlns:a16="http://schemas.microsoft.com/office/drawing/2014/main" id="{07D468F0-3C67-4A33-BD88-300FAB893F2F}"/>
-                </a:ext>
-              </a:extLst>
-            </p:cNvPr>
-            <p:cNvGrpSpPr/>
-            <p:nvPr/>
-          </p:nvGrpSpPr>
-          <p:grpSpPr>
-            <a:xfrm>
-              <a:off x="7268914" y="548680"/>
-              <a:ext cx="311304" cy="1715716"/>
-              <a:chOff x="7317927" y="548680"/>
-              <a:chExt cx="311304" cy="1715716"/>
-            </a:xfrm>
-          </p:grpSpPr>
-          <p:sp>
-            <p:nvSpPr>
-              <p:cNvPr id="99" name="TextBox 98">
-                <a:extLst>
-                  <a:ext uri="{FF2B5EF4-FFF2-40B4-BE49-F238E27FC236}">
-                    <a16:creationId xmlns:a16="http://schemas.microsoft.com/office/drawing/2014/main" id="{2BDCA189-DFE6-4901-B03F-90DFC1EDA698}"/>
-                  </a:ext>
-                </a:extLst>
-              </p:cNvPr>
-              <p:cNvSpPr txBox="1"/>
-              <p:nvPr/>
-            </p:nvSpPr>
-            <p:spPr>
-              <a:xfrm>
-                <a:off x="7317927" y="548680"/>
-                <a:ext cx="311304" cy="369332"/>
-              </a:xfrm>
-              <a:prstGeom prst="rect">
-                <a:avLst/>
-              </a:prstGeom>
-              <a:noFill/>
-            </p:spPr>
-            <p:txBody>
-              <a:bodyPr wrap="none" rtlCol="0">
-                <a:spAutoFit/>
-              </a:bodyPr>
-              <a:lstStyle/>
-              <a:p>
-                <a:r>
-                  <a:rPr lang="en-US" altLang="ko-KR" dirty="0"/>
-                  <a:t>0</a:t>
-                </a:r>
-                <a:endParaRPr lang="ko-KR" altLang="en-US" dirty="0"/>
-              </a:p>
-            </p:txBody>
-          </p:sp>
-          <p:sp>
-            <p:nvSpPr>
-              <p:cNvPr id="100" name="TextBox 99">
-                <a:extLst>
-                  <a:ext uri="{FF2B5EF4-FFF2-40B4-BE49-F238E27FC236}">
-                    <a16:creationId xmlns:a16="http://schemas.microsoft.com/office/drawing/2014/main" id="{BA8E2313-E56C-4DE9-A295-163B5F5B8E99}"/>
-                  </a:ext>
-                </a:extLst>
-              </p:cNvPr>
-              <p:cNvSpPr txBox="1"/>
-              <p:nvPr/>
-            </p:nvSpPr>
-            <p:spPr>
-              <a:xfrm>
-                <a:off x="7317927" y="885276"/>
-                <a:ext cx="311304" cy="369332"/>
-              </a:xfrm>
-              <a:prstGeom prst="rect">
-                <a:avLst/>
-              </a:prstGeom>
-              <a:noFill/>
-            </p:spPr>
-            <p:txBody>
-              <a:bodyPr wrap="none" rtlCol="0">
-                <a:spAutoFit/>
-              </a:bodyPr>
-              <a:lstStyle/>
-              <a:p>
-                <a:r>
-                  <a:rPr lang="en-US" altLang="ko-KR" dirty="0"/>
-                  <a:t>0</a:t>
-                </a:r>
-                <a:endParaRPr lang="ko-KR" altLang="en-US" dirty="0"/>
-              </a:p>
-            </p:txBody>
-          </p:sp>
-          <p:sp>
-            <p:nvSpPr>
-              <p:cNvPr id="101" name="TextBox 100">
-                <a:extLst>
-                  <a:ext uri="{FF2B5EF4-FFF2-40B4-BE49-F238E27FC236}">
-                    <a16:creationId xmlns:a16="http://schemas.microsoft.com/office/drawing/2014/main" id="{FBF051A9-E80F-4DA2-98AC-E57013251872}"/>
-                  </a:ext>
-                </a:extLst>
-              </p:cNvPr>
-              <p:cNvSpPr txBox="1"/>
-              <p:nvPr/>
-            </p:nvSpPr>
-            <p:spPr>
-              <a:xfrm>
-                <a:off x="7317927" y="1221872"/>
-                <a:ext cx="311304" cy="369332"/>
-              </a:xfrm>
-              <a:prstGeom prst="rect">
-                <a:avLst/>
-              </a:prstGeom>
-              <a:noFill/>
-            </p:spPr>
-            <p:txBody>
-              <a:bodyPr wrap="none" rtlCol="0">
-                <a:spAutoFit/>
-              </a:bodyPr>
-              <a:lstStyle/>
-              <a:p>
-                <a:r>
-                  <a:rPr lang="en-US" altLang="ko-KR" dirty="0"/>
-                  <a:t>0</a:t>
-                </a:r>
-                <a:endParaRPr lang="ko-KR" altLang="en-US" dirty="0"/>
-              </a:p>
-            </p:txBody>
-          </p:sp>
-          <p:sp>
-            <p:nvSpPr>
-              <p:cNvPr id="102" name="TextBox 101">
-                <a:extLst>
-                  <a:ext uri="{FF2B5EF4-FFF2-40B4-BE49-F238E27FC236}">
-                    <a16:creationId xmlns:a16="http://schemas.microsoft.com/office/drawing/2014/main" id="{93EFCCD8-4694-4647-AAAA-4EE76700CFB3}"/>
-                  </a:ext>
-                </a:extLst>
-              </p:cNvPr>
-              <p:cNvSpPr txBox="1"/>
-              <p:nvPr/>
-            </p:nvSpPr>
-            <p:spPr>
-              <a:xfrm>
-                <a:off x="7317927" y="1558468"/>
-                <a:ext cx="311304" cy="369332"/>
-              </a:xfrm>
-              <a:prstGeom prst="rect">
-                <a:avLst/>
-              </a:prstGeom>
-              <a:noFill/>
-            </p:spPr>
-            <p:txBody>
-              <a:bodyPr wrap="none" rtlCol="0">
-                <a:spAutoFit/>
-              </a:bodyPr>
-              <a:lstStyle/>
-              <a:p>
-                <a:r>
-                  <a:rPr lang="en-US" altLang="ko-KR" dirty="0"/>
-                  <a:t>1</a:t>
-                </a:r>
-                <a:endParaRPr lang="ko-KR" altLang="en-US" dirty="0"/>
-              </a:p>
-            </p:txBody>
-          </p:sp>
-          <p:sp>
-            <p:nvSpPr>
-              <p:cNvPr id="103" name="TextBox 102">
-                <a:extLst>
-                  <a:ext uri="{FF2B5EF4-FFF2-40B4-BE49-F238E27FC236}">
-                    <a16:creationId xmlns:a16="http://schemas.microsoft.com/office/drawing/2014/main" id="{C07E3264-D93A-42A8-A15F-F26D8444D79A}"/>
-                  </a:ext>
-                </a:extLst>
-              </p:cNvPr>
-              <p:cNvSpPr txBox="1"/>
-              <p:nvPr/>
-            </p:nvSpPr>
-            <p:spPr>
-              <a:xfrm>
-                <a:off x="7317927" y="1895064"/>
-                <a:ext cx="311304" cy="369332"/>
-              </a:xfrm>
-              <a:prstGeom prst="rect">
-                <a:avLst/>
-              </a:prstGeom>
-              <a:noFill/>
-            </p:spPr>
-            <p:txBody>
-              <a:bodyPr wrap="none" rtlCol="0">
-                <a:spAutoFit/>
-              </a:bodyPr>
-              <a:lstStyle/>
-              <a:p>
-                <a:r>
-                  <a:rPr lang="en-US" altLang="ko-KR" dirty="0"/>
-                  <a:t>0</a:t>
-                </a:r>
-                <a:endParaRPr lang="ko-KR" altLang="en-US" dirty="0"/>
-              </a:p>
-            </p:txBody>
-          </p:sp>
-        </p:grpSp>
-        <p:grpSp>
-          <p:nvGrpSpPr>
-            <p:cNvPr id="104" name="그룹 103">
-              <a:extLst>
-                <a:ext uri="{FF2B5EF4-FFF2-40B4-BE49-F238E27FC236}">
-                  <a16:creationId xmlns:a16="http://schemas.microsoft.com/office/drawing/2014/main" id="{8B955EAF-DC30-4708-8EC0-2C0BE218F6D6}"/>
-                </a:ext>
-              </a:extLst>
-            </p:cNvPr>
-            <p:cNvGrpSpPr/>
-            <p:nvPr/>
-          </p:nvGrpSpPr>
-          <p:grpSpPr>
-            <a:xfrm>
-              <a:off x="7584827" y="548680"/>
-              <a:ext cx="311304" cy="1715716"/>
-              <a:chOff x="7658092" y="548680"/>
-              <a:chExt cx="311304" cy="1715716"/>
-            </a:xfrm>
-          </p:grpSpPr>
-          <p:sp>
-            <p:nvSpPr>
-              <p:cNvPr id="105" name="TextBox 104">
-                <a:extLst>
-                  <a:ext uri="{FF2B5EF4-FFF2-40B4-BE49-F238E27FC236}">
-                    <a16:creationId xmlns:a16="http://schemas.microsoft.com/office/drawing/2014/main" id="{6F98A829-43BF-45A0-B5C1-20687855B9CB}"/>
-                  </a:ext>
-                </a:extLst>
-              </p:cNvPr>
-              <p:cNvSpPr txBox="1"/>
-              <p:nvPr/>
-            </p:nvSpPr>
-            <p:spPr>
-              <a:xfrm>
-                <a:off x="7658092" y="548680"/>
-                <a:ext cx="311304" cy="369332"/>
-              </a:xfrm>
-              <a:prstGeom prst="rect">
-                <a:avLst/>
-              </a:prstGeom>
-              <a:noFill/>
-            </p:spPr>
-            <p:txBody>
-              <a:bodyPr wrap="none" rtlCol="0">
-                <a:spAutoFit/>
-              </a:bodyPr>
-              <a:lstStyle/>
-              <a:p>
-                <a:r>
-                  <a:rPr lang="en-US" altLang="ko-KR" dirty="0"/>
-                  <a:t>0</a:t>
-                </a:r>
-                <a:endParaRPr lang="ko-KR" altLang="en-US" dirty="0"/>
-              </a:p>
-            </p:txBody>
-          </p:sp>
-          <p:sp>
-            <p:nvSpPr>
-              <p:cNvPr id="106" name="TextBox 105">
-                <a:extLst>
-                  <a:ext uri="{FF2B5EF4-FFF2-40B4-BE49-F238E27FC236}">
-                    <a16:creationId xmlns:a16="http://schemas.microsoft.com/office/drawing/2014/main" id="{BBCF1D74-D21F-4D32-A2B6-EC5DF8B87D93}"/>
-                  </a:ext>
-                </a:extLst>
-              </p:cNvPr>
-              <p:cNvSpPr txBox="1"/>
-              <p:nvPr/>
-            </p:nvSpPr>
-            <p:spPr>
-              <a:xfrm>
-                <a:off x="7658092" y="885276"/>
-                <a:ext cx="311304" cy="369332"/>
-              </a:xfrm>
-              <a:prstGeom prst="rect">
-                <a:avLst/>
-              </a:prstGeom>
-              <a:noFill/>
-            </p:spPr>
-            <p:txBody>
-              <a:bodyPr wrap="none" rtlCol="0">
-                <a:spAutoFit/>
-              </a:bodyPr>
-              <a:lstStyle/>
-              <a:p>
-                <a:r>
-                  <a:rPr lang="en-US" altLang="ko-KR" dirty="0"/>
-                  <a:t>0</a:t>
-                </a:r>
-                <a:endParaRPr lang="ko-KR" altLang="en-US" dirty="0"/>
-              </a:p>
-            </p:txBody>
-          </p:sp>
-          <p:sp>
-            <p:nvSpPr>
-              <p:cNvPr id="107" name="TextBox 106">
-                <a:extLst>
-                  <a:ext uri="{FF2B5EF4-FFF2-40B4-BE49-F238E27FC236}">
-                    <a16:creationId xmlns:a16="http://schemas.microsoft.com/office/drawing/2014/main" id="{AF678742-A9C5-48FA-8295-DDEA2C8FBB87}"/>
-                  </a:ext>
-                </a:extLst>
-              </p:cNvPr>
-              <p:cNvSpPr txBox="1"/>
-              <p:nvPr/>
-            </p:nvSpPr>
-            <p:spPr>
-              <a:xfrm>
-                <a:off x="7658092" y="1221872"/>
-                <a:ext cx="311304" cy="369332"/>
-              </a:xfrm>
-              <a:prstGeom prst="rect">
-                <a:avLst/>
-              </a:prstGeom>
-              <a:noFill/>
-            </p:spPr>
-            <p:txBody>
-              <a:bodyPr wrap="none" rtlCol="0">
-                <a:spAutoFit/>
-              </a:bodyPr>
-              <a:lstStyle/>
-              <a:p>
-                <a:r>
-                  <a:rPr lang="en-US" altLang="ko-KR" dirty="0"/>
-                  <a:t>0</a:t>
-                </a:r>
-                <a:endParaRPr lang="ko-KR" altLang="en-US" dirty="0"/>
-              </a:p>
-            </p:txBody>
-          </p:sp>
-          <p:sp>
-            <p:nvSpPr>
-              <p:cNvPr id="108" name="TextBox 107">
-                <a:extLst>
-                  <a:ext uri="{FF2B5EF4-FFF2-40B4-BE49-F238E27FC236}">
-                    <a16:creationId xmlns:a16="http://schemas.microsoft.com/office/drawing/2014/main" id="{E2A94889-B5EB-4B5A-B572-85DD2A9A3215}"/>
-                  </a:ext>
-                </a:extLst>
-              </p:cNvPr>
-              <p:cNvSpPr txBox="1"/>
-              <p:nvPr/>
-            </p:nvSpPr>
-            <p:spPr>
-              <a:xfrm>
-                <a:off x="7658092" y="1558468"/>
-                <a:ext cx="311304" cy="369332"/>
-              </a:xfrm>
-              <a:prstGeom prst="rect">
-                <a:avLst/>
-              </a:prstGeom>
-              <a:noFill/>
-            </p:spPr>
-            <p:txBody>
-              <a:bodyPr wrap="none" rtlCol="0">
-                <a:spAutoFit/>
-              </a:bodyPr>
-              <a:lstStyle/>
-              <a:p>
-                <a:r>
-                  <a:rPr lang="en-US" altLang="ko-KR" dirty="0"/>
-                  <a:t>0</a:t>
-                </a:r>
-                <a:endParaRPr lang="ko-KR" altLang="en-US" dirty="0"/>
-              </a:p>
-            </p:txBody>
-          </p:sp>
-          <p:sp>
-            <p:nvSpPr>
-              <p:cNvPr id="109" name="TextBox 108">
-                <a:extLst>
-                  <a:ext uri="{FF2B5EF4-FFF2-40B4-BE49-F238E27FC236}">
-                    <a16:creationId xmlns:a16="http://schemas.microsoft.com/office/drawing/2014/main" id="{EF968D5D-32A7-4EC1-973F-F1A361897430}"/>
-                  </a:ext>
-                </a:extLst>
-              </p:cNvPr>
-              <p:cNvSpPr txBox="1"/>
-              <p:nvPr/>
-            </p:nvSpPr>
-            <p:spPr>
-              <a:xfrm>
-                <a:off x="7658092" y="1895064"/>
-                <a:ext cx="311304" cy="369332"/>
-              </a:xfrm>
-              <a:prstGeom prst="rect">
-                <a:avLst/>
-              </a:prstGeom>
-              <a:noFill/>
-            </p:spPr>
-            <p:txBody>
-              <a:bodyPr wrap="none" rtlCol="0">
-                <a:spAutoFit/>
-              </a:bodyPr>
-              <a:lstStyle/>
-              <a:p>
-                <a:r>
-                  <a:rPr lang="en-US" altLang="ko-KR" dirty="0"/>
-                  <a:t>1</a:t>
-                </a:r>
-                <a:endParaRPr lang="ko-KR" altLang="en-US" dirty="0"/>
-              </a:p>
-            </p:txBody>
-          </p:sp>
-        </p:grpSp>
+        </mc:Fallback>
+      </mc:AlternateContent>
+      <p:sp>
+        <p:nvSpPr>
+          <p:cNvPr id="97" name="TextBox 96">
+            <a:extLst>
+              <a:ext uri="{FF2B5EF4-FFF2-40B4-BE49-F238E27FC236}">
+                <a16:creationId xmlns:a16="http://schemas.microsoft.com/office/drawing/2014/main" id="{211AF5E2-2682-4F75-A4BE-CB5BB543E9B6}"/>
+              </a:ext>
+            </a:extLst>
+          </p:cNvPr>
+          <p:cNvSpPr txBox="1"/>
+          <p:nvPr/>
+        </p:nvSpPr>
+        <p:spPr>
+          <a:xfrm>
+            <a:off x="6878914" y="1888401"/>
+            <a:ext cx="311304" cy="369332"/>
+          </a:xfrm>
+          <a:prstGeom prst="rect">
+            <a:avLst/>
+          </a:prstGeom>
+          <a:noFill/>
+        </p:spPr>
+        <p:txBody>
+          <a:bodyPr wrap="none" rtlCol="0">
+            <a:spAutoFit/>
+          </a:bodyPr>
+          <a:lstStyle/>
+          <a:p>
+            <a:r>
+              <a:rPr lang="en-US" altLang="ko-KR" dirty="0"/>
+              <a:t>0</a:t>
+            </a:r>
+            <a:endParaRPr lang="ko-KR" altLang="en-US" dirty="0"/>
+          </a:p>
+        </p:txBody>
+      </p:sp>
+      <p:grpSp>
+        <p:nvGrpSpPr>
+          <p:cNvPr id="2" name="그룹 1">
+            <a:extLst>
+              <a:ext uri="{FF2B5EF4-FFF2-40B4-BE49-F238E27FC236}">
+                <a16:creationId xmlns:a16="http://schemas.microsoft.com/office/drawing/2014/main" id="{F85AD8EC-7CFB-475E-BC5C-31B1E522BC3B}"/>
+              </a:ext>
+            </a:extLst>
+          </p:cNvPr>
+          <p:cNvGrpSpPr/>
+          <p:nvPr/>
+        </p:nvGrpSpPr>
+        <p:grpSpPr>
+          <a:xfrm>
+            <a:off x="7124302" y="542017"/>
+            <a:ext cx="463588" cy="1715716"/>
+            <a:chOff x="7194827" y="542017"/>
+            <a:chExt cx="463588" cy="1715716"/>
+          </a:xfrm>
+        </p:grpSpPr>
         <mc:AlternateContent xmlns:mc="http://schemas.openxmlformats.org/markup-compatibility/2006">
           <mc:Choice xmlns:a14="http://schemas.microsoft.com/office/drawing/2010/main" Requires="a14">
             <p:sp>
               <p:nvSpPr>
-                <p:cNvPr id="14" name="TextBox 13">
+                <p:cNvPr id="99" name="TextBox 98">
                   <a:extLst>
                     <a:ext uri="{FF2B5EF4-FFF2-40B4-BE49-F238E27FC236}">
-                      <a16:creationId xmlns:a16="http://schemas.microsoft.com/office/drawing/2014/main" id="{81BCE6E1-01D0-4BDC-A1F9-049B3F61BB14}"/>
+                      <a16:creationId xmlns:a16="http://schemas.microsoft.com/office/drawing/2014/main" id="{2BDCA189-DFE6-4901-B03F-90DFC1EDA698}"/>
                     </a:ext>
                   </a:extLst>
                 </p:cNvPr>
@@ -11856,8 +11467,8 @@
               </p:nvSpPr>
               <p:spPr>
                 <a:xfrm>
-                  <a:off x="479170" y="3907508"/>
-                  <a:ext cx="1296765" cy="1569660"/>
+                  <a:off x="7194827" y="542017"/>
+                  <a:ext cx="463588" cy="369332"/>
                 </a:xfrm>
                 <a:prstGeom prst="rect">
                   <a:avLst/>
@@ -11870,7 +11481,6 @@
                 </a:bodyPr>
                 <a:lstStyle/>
                 <a:p>
-                  <a:pPr/>
                   <a14:m>
                     <m:oMathPara xmlns:m="http://schemas.openxmlformats.org/officeDocument/2006/math">
                       <m:oMathParaPr>
@@ -11878,15 +11488,15 @@
                       </m:oMathParaPr>
                       <m:oMath xmlns:m="http://schemas.openxmlformats.org/officeDocument/2006/math">
                         <m:r>
-                          <a:rPr lang="en-US" altLang="ko-KR" sz="9600" i="1" dirty="0" smtClean="0">
+                          <a:rPr lang="en-US" altLang="ko-KR" b="0" i="1" smtClean="0">
                             <a:latin typeface="Cambria Math" panose="02040503050406030204" pitchFamily="18" charset="0"/>
                           </a:rPr>
-                          <m:t>𝐿</m:t>
+                          <m:t>⋯</m:t>
                         </m:r>
                       </m:oMath>
                     </m:oMathPara>
                   </a14:m>
-                  <a:endParaRPr lang="ko-KR" altLang="en-US" sz="9600" dirty="0"/>
+                  <a:endParaRPr lang="ko-KR" altLang="en-US" dirty="0"/>
                 </a:p>
               </p:txBody>
             </p:sp>
@@ -11894,10 +11504,10 @@
           <mc:Fallback>
             <p:sp>
               <p:nvSpPr>
-                <p:cNvPr id="14" name="TextBox 13">
+                <p:cNvPr id="99" name="TextBox 98">
                   <a:extLst>
                     <a:ext uri="{FF2B5EF4-FFF2-40B4-BE49-F238E27FC236}">
-                      <a16:creationId xmlns:a16="http://schemas.microsoft.com/office/drawing/2014/main" id="{81BCE6E1-01D0-4BDC-A1F9-049B3F61BB14}"/>
+                      <a16:creationId xmlns:a16="http://schemas.microsoft.com/office/drawing/2014/main" id="{2BDCA189-DFE6-4901-B03F-90DFC1EDA698}"/>
                     </a:ext>
                   </a:extLst>
                 </p:cNvPr>
@@ -11908,329 +11518,8 @@
               </p:nvSpPr>
               <p:spPr>
                 <a:xfrm>
-                  <a:off x="479170" y="3907508"/>
-                  <a:ext cx="1296765" cy="1569660"/>
-                </a:xfrm>
-                <a:prstGeom prst="rect">
-                  <a:avLst/>
-                </a:prstGeom>
-                <a:blipFill>
-                  <a:blip r:embed="rId7"/>
-                  <a:stretch>
-                    <a:fillRect/>
-                  </a:stretch>
-                </a:blipFill>
-              </p:spPr>
-              <p:txBody>
-                <a:bodyPr/>
-                <a:lstStyle/>
-                <a:p>
-                  <a:r>
-                    <a:rPr lang="ko-KR" altLang="en-US">
-                      <a:noFill/>
-                    </a:rPr>
-                    <a:t> </a:t>
-                  </a:r>
-                </a:p>
-              </p:txBody>
-            </p:sp>
-          </mc:Fallback>
-        </mc:AlternateContent>
-        <mc:AlternateContent xmlns:mc="http://schemas.openxmlformats.org/markup-compatibility/2006">
-          <mc:Choice xmlns:a14="http://schemas.microsoft.com/office/drawing/2010/main" Requires="a14">
-            <p:sp>
-              <p:nvSpPr>
-                <p:cNvPr id="110" name="TextBox 109">
-                  <a:extLst>
-                    <a:ext uri="{FF2B5EF4-FFF2-40B4-BE49-F238E27FC236}">
-                      <a16:creationId xmlns:a16="http://schemas.microsoft.com/office/drawing/2014/main" id="{6DE1591E-C53B-4C38-ACE3-B59183C3D38F}"/>
-                    </a:ext>
-                  </a:extLst>
-                </p:cNvPr>
-                <p:cNvSpPr txBox="1"/>
-                <p:nvPr/>
-              </p:nvSpPr>
-              <p:spPr>
-                <a:xfrm>
-                  <a:off x="1475020" y="4523061"/>
-                  <a:ext cx="402674" cy="338554"/>
-                </a:xfrm>
-                <a:prstGeom prst="rect">
-                  <a:avLst/>
-                </a:prstGeom>
-                <a:noFill/>
-              </p:spPr>
-              <p:txBody>
-                <a:bodyPr wrap="none" rtlCol="0">
-                  <a:spAutoFit/>
-                </a:bodyPr>
-                <a:lstStyle/>
-                <a:p>
-                  <a:pPr/>
-                  <a14:m>
-                    <m:oMathPara xmlns:m="http://schemas.openxmlformats.org/officeDocument/2006/math">
-                      <m:oMathParaPr>
-                        <m:jc m:val="centerGroup"/>
-                      </m:oMathParaPr>
-                      <m:oMath xmlns:m="http://schemas.openxmlformats.org/officeDocument/2006/math">
-                        <m:r>
-                          <a:rPr lang="en-US" altLang="ko-KR" sz="1600" b="0" i="1" smtClean="0">
-                            <a:latin typeface="Cambria Math"/>
-                          </a:rPr>
-                          <m:t>×</m:t>
-                        </m:r>
-                      </m:oMath>
-                    </m:oMathPara>
-                  </a14:m>
-                  <a:endParaRPr lang="ko-KR" altLang="en-US" sz="1600" dirty="0"/>
-                </a:p>
-              </p:txBody>
-            </p:sp>
-          </mc:Choice>
-          <mc:Fallback>
-            <p:sp>
-              <p:nvSpPr>
-                <p:cNvPr id="110" name="TextBox 109">
-                  <a:extLst>
-                    <a:ext uri="{FF2B5EF4-FFF2-40B4-BE49-F238E27FC236}">
-                      <a16:creationId xmlns:a16="http://schemas.microsoft.com/office/drawing/2014/main" id="{6DE1591E-C53B-4C38-ACE3-B59183C3D38F}"/>
-                    </a:ext>
-                  </a:extLst>
-                </p:cNvPr>
-                <p:cNvSpPr txBox="1">
-                  <a:spLocks noRot="1" noChangeAspect="1" noMove="1" noResize="1" noEditPoints="1" noAdjustHandles="1" noChangeArrowheads="1" noChangeShapeType="1" noTextEdit="1"/>
-                </p:cNvSpPr>
-                <p:nvPr/>
-              </p:nvSpPr>
-              <p:spPr>
-                <a:xfrm>
-                  <a:off x="1475020" y="4523061"/>
-                  <a:ext cx="402674" cy="338554"/>
-                </a:xfrm>
-                <a:prstGeom prst="rect">
-                  <a:avLst/>
-                </a:prstGeom>
-                <a:blipFill>
-                  <a:blip r:embed="rId8"/>
-                  <a:stretch>
-                    <a:fillRect/>
-                  </a:stretch>
-                </a:blipFill>
-              </p:spPr>
-              <p:txBody>
-                <a:bodyPr/>
-                <a:lstStyle/>
-                <a:p>
-                  <a:r>
-                    <a:rPr lang="ko-KR" altLang="en-US">
-                      <a:noFill/>
-                    </a:rPr>
-                    <a:t> </a:t>
-                  </a:r>
-                </a:p>
-              </p:txBody>
-            </p:sp>
-          </mc:Fallback>
-        </mc:AlternateContent>
-        <mc:AlternateContent xmlns:mc="http://schemas.openxmlformats.org/markup-compatibility/2006">
-          <mc:Choice xmlns:a14="http://schemas.microsoft.com/office/drawing/2010/main" Requires="a14">
-            <p:sp>
-              <p:nvSpPr>
-                <p:cNvPr id="111" name="TextBox 110">
-                  <a:extLst>
-                    <a:ext uri="{FF2B5EF4-FFF2-40B4-BE49-F238E27FC236}">
-                      <a16:creationId xmlns:a16="http://schemas.microsoft.com/office/drawing/2014/main" id="{D9B3BBCE-6FA5-4B29-8A53-5BEC1AD1B06E}"/>
-                    </a:ext>
-                  </a:extLst>
-                </p:cNvPr>
-                <p:cNvSpPr txBox="1"/>
-                <p:nvPr/>
-              </p:nvSpPr>
-              <p:spPr>
-                <a:xfrm>
-                  <a:off x="1534580" y="3907508"/>
-                  <a:ext cx="4416642" cy="1569660"/>
-                </a:xfrm>
-                <a:prstGeom prst="rect">
-                  <a:avLst/>
-                </a:prstGeom>
-                <a:noFill/>
-              </p:spPr>
-              <p:txBody>
-                <a:bodyPr wrap="square" rtlCol="0">
-                  <a:spAutoFit/>
-                </a:bodyPr>
-                <a:lstStyle/>
-                <a:p>
-                  <a:pPr/>
-                  <a14:m>
-                    <m:oMathPara xmlns:m="http://schemas.openxmlformats.org/officeDocument/2006/math">
-                      <m:oMathParaPr>
-                        <m:jc m:val="centerGroup"/>
-                      </m:oMathParaPr>
-                      <m:oMath xmlns:m="http://schemas.openxmlformats.org/officeDocument/2006/math">
-                        <m:r>
-                          <a:rPr lang="en-US" altLang="ko-KR" sz="9600" b="0" i="1" smtClean="0">
-                            <a:latin typeface="Cambria Math" panose="02040503050406030204" pitchFamily="18" charset="0"/>
-                          </a:rPr>
-                          <m:t>𝐺</m:t>
-                        </m:r>
-                        <m:r>
-                          <a:rPr lang="en-US" altLang="ko-KR" sz="9600" b="0" i="1" smtClean="0">
-                            <a:latin typeface="Cambria Math" panose="02040503050406030204" pitchFamily="18" charset="0"/>
-                          </a:rPr>
-                          <m:t>(</m:t>
-                        </m:r>
-                        <m:r>
-                          <a:rPr lang="en-US" altLang="ko-KR" sz="9600" b="0" i="1" smtClean="0">
-                            <a:latin typeface="Cambria Math" panose="02040503050406030204" pitchFamily="18" charset="0"/>
-                          </a:rPr>
-                          <m:t>𝑥</m:t>
-                        </m:r>
-                        <m:r>
-                          <a:rPr lang="en-US" altLang="ko-KR" sz="9600" b="0" i="1" smtClean="0">
-                            <a:latin typeface="Cambria Math" panose="02040503050406030204" pitchFamily="18" charset="0"/>
-                          </a:rPr>
-                          <m:t>, </m:t>
-                        </m:r>
-                        <m:r>
-                          <a:rPr lang="en-US" altLang="ko-KR" sz="9600" b="0" i="1" smtClean="0">
-                            <a:solidFill>
-                              <a:srgbClr val="FF0000"/>
-                            </a:solidFill>
-                            <a:latin typeface="Cambria Math" panose="02040503050406030204" pitchFamily="18" charset="0"/>
-                          </a:rPr>
-                          <m:t>𝑠</m:t>
-                        </m:r>
-                        <m:r>
-                          <a:rPr lang="en-US" altLang="ko-KR" sz="9600" b="0" i="1" smtClean="0">
-                            <a:latin typeface="Cambria Math" panose="02040503050406030204" pitchFamily="18" charset="0"/>
-                          </a:rPr>
-                          <m:t>)</m:t>
-                        </m:r>
-                      </m:oMath>
-                    </m:oMathPara>
-                  </a14:m>
-                  <a:endParaRPr lang="ko-KR" altLang="en-US" sz="9600" dirty="0"/>
-                </a:p>
-              </p:txBody>
-            </p:sp>
-          </mc:Choice>
-          <mc:Fallback>
-            <p:sp>
-              <p:nvSpPr>
-                <p:cNvPr id="111" name="TextBox 110">
-                  <a:extLst>
-                    <a:ext uri="{FF2B5EF4-FFF2-40B4-BE49-F238E27FC236}">
-                      <a16:creationId xmlns:a16="http://schemas.microsoft.com/office/drawing/2014/main" id="{D9B3BBCE-6FA5-4B29-8A53-5BEC1AD1B06E}"/>
-                    </a:ext>
-                  </a:extLst>
-                </p:cNvPr>
-                <p:cNvSpPr txBox="1">
-                  <a:spLocks noRot="1" noChangeAspect="1" noMove="1" noResize="1" noEditPoints="1" noAdjustHandles="1" noChangeArrowheads="1" noChangeShapeType="1" noTextEdit="1"/>
-                </p:cNvSpPr>
-                <p:nvPr/>
-              </p:nvSpPr>
-              <p:spPr>
-                <a:xfrm>
-                  <a:off x="1534580" y="3907508"/>
-                  <a:ext cx="4416642" cy="1569660"/>
-                </a:xfrm>
-                <a:prstGeom prst="rect">
-                  <a:avLst/>
-                </a:prstGeom>
-                <a:blipFill>
-                  <a:blip r:embed="rId9"/>
-                  <a:stretch>
-                    <a:fillRect/>
-                  </a:stretch>
-                </a:blipFill>
-              </p:spPr>
-              <p:txBody>
-                <a:bodyPr/>
-                <a:lstStyle/>
-                <a:p>
-                  <a:r>
-                    <a:rPr lang="ko-KR" altLang="en-US">
-                      <a:noFill/>
-                    </a:rPr>
-                    <a:t> </a:t>
-                  </a:r>
-                </a:p>
-              </p:txBody>
-            </p:sp>
-          </mc:Fallback>
-        </mc:AlternateContent>
-        <mc:AlternateContent xmlns:mc="http://schemas.openxmlformats.org/markup-compatibility/2006">
-          <mc:Choice xmlns:a14="http://schemas.microsoft.com/office/drawing/2010/main" Requires="a14">
-            <p:sp>
-              <p:nvSpPr>
-                <p:cNvPr id="112" name="TextBox 111">
-                  <a:extLst>
-                    <a:ext uri="{FF2B5EF4-FFF2-40B4-BE49-F238E27FC236}">
-                      <a16:creationId xmlns:a16="http://schemas.microsoft.com/office/drawing/2014/main" id="{CF0FF849-A858-4AD3-9963-F5B3892745BC}"/>
-                    </a:ext>
-                  </a:extLst>
-                </p:cNvPr>
-                <p:cNvSpPr txBox="1"/>
-                <p:nvPr/>
-              </p:nvSpPr>
-              <p:spPr>
-                <a:xfrm>
-                  <a:off x="5600092" y="4307618"/>
-                  <a:ext cx="805029" cy="769441"/>
-                </a:xfrm>
-                <a:prstGeom prst="rect">
-                  <a:avLst/>
-                </a:prstGeom>
-                <a:noFill/>
-              </p:spPr>
-              <p:txBody>
-                <a:bodyPr wrap="none" rtlCol="0">
-                  <a:spAutoFit/>
-                </a:bodyPr>
-                <a:lstStyle/>
-                <a:p>
-                  <a:pPr/>
-                  <a14:m>
-                    <m:oMathPara xmlns:m="http://schemas.openxmlformats.org/officeDocument/2006/math">
-                      <m:oMathParaPr>
-                        <m:jc m:val="centerGroup"/>
-                      </m:oMathParaPr>
-                      <m:oMath xmlns:m="http://schemas.openxmlformats.org/officeDocument/2006/math">
-                        <m:r>
-                          <a:rPr lang="en-US" altLang="ko-KR" sz="4400" b="0" i="1" smtClean="0">
-                            <a:latin typeface="Cambria Math"/>
-                          </a:rPr>
-                          <m:t>=</m:t>
-                        </m:r>
-                      </m:oMath>
-                    </m:oMathPara>
-                  </a14:m>
-                  <a:endParaRPr lang="ko-KR" altLang="en-US" sz="4400" dirty="0"/>
-                </a:p>
-              </p:txBody>
-            </p:sp>
-          </mc:Choice>
-          <mc:Fallback>
-            <p:sp>
-              <p:nvSpPr>
-                <p:cNvPr id="112" name="TextBox 111">
-                  <a:extLst>
-                    <a:ext uri="{FF2B5EF4-FFF2-40B4-BE49-F238E27FC236}">
-                      <a16:creationId xmlns:a16="http://schemas.microsoft.com/office/drawing/2014/main" id="{CF0FF849-A858-4AD3-9963-F5B3892745BC}"/>
-                    </a:ext>
-                  </a:extLst>
-                </p:cNvPr>
-                <p:cNvSpPr txBox="1">
-                  <a:spLocks noRot="1" noChangeAspect="1" noMove="1" noResize="1" noEditPoints="1" noAdjustHandles="1" noChangeArrowheads="1" noChangeShapeType="1" noTextEdit="1"/>
-                </p:cNvSpPr>
-                <p:nvPr/>
-              </p:nvSpPr>
-              <p:spPr>
-                <a:xfrm>
-                  <a:off x="5600092" y="4307618"/>
-                  <a:ext cx="805029" cy="769441"/>
+                  <a:off x="7194827" y="542017"/>
+                  <a:ext cx="463588" cy="369332"/>
                 </a:xfrm>
                 <a:prstGeom prst="rect">
                   <a:avLst/>
@@ -12261,10 +11550,10 @@
           <mc:Choice xmlns:a14="http://schemas.microsoft.com/office/drawing/2010/main" Requires="a14">
             <p:sp>
               <p:nvSpPr>
-                <p:cNvPr id="113" name="TextBox 112">
+                <p:cNvPr id="100" name="TextBox 99">
                   <a:extLst>
                     <a:ext uri="{FF2B5EF4-FFF2-40B4-BE49-F238E27FC236}">
-                      <a16:creationId xmlns:a16="http://schemas.microsoft.com/office/drawing/2014/main" id="{D9166D77-F83B-4518-8A8C-264993F2F998}"/>
+                      <a16:creationId xmlns:a16="http://schemas.microsoft.com/office/drawing/2014/main" id="{BA8E2313-E56C-4DE9-A295-163B5F5B8E99}"/>
                     </a:ext>
                   </a:extLst>
                 </p:cNvPr>
@@ -12273,8 +11562,8 @@
               </p:nvSpPr>
               <p:spPr>
                 <a:xfrm>
-                  <a:off x="6289161" y="4026758"/>
-                  <a:ext cx="2511521" cy="1764842"/>
+                  <a:off x="7194827" y="878613"/>
+                  <a:ext cx="463588" cy="369332"/>
                 </a:xfrm>
                 <a:prstGeom prst="rect">
                   <a:avLst/>
@@ -12282,47 +11571,27 @@
                 <a:noFill/>
               </p:spPr>
               <p:txBody>
-                <a:bodyPr wrap="square" rtlCol="0">
+                <a:bodyPr wrap="none" rtlCol="0">
                   <a:spAutoFit/>
                 </a:bodyPr>
                 <a:lstStyle/>
                 <a:p>
-                  <a:pPr algn="ctr"/>
                   <a14:m>
-                    <m:oMath xmlns:m="http://schemas.openxmlformats.org/officeDocument/2006/math">
-                      <m:r>
-                        <a:rPr lang="ko-KR" altLang="en-US" sz="3600" i="1">
-                          <a:latin typeface="Cambria Math" panose="02040503050406030204" pitchFamily="18" charset="0"/>
-                        </a:rPr>
-                        <m:t>단</m:t>
-                      </m:r>
-                    </m:oMath>
+                    <m:oMathPara xmlns:m="http://schemas.openxmlformats.org/officeDocument/2006/math">
+                      <m:oMathParaPr>
+                        <m:jc m:val="centerGroup"/>
+                      </m:oMathParaPr>
+                      <m:oMath xmlns:m="http://schemas.openxmlformats.org/officeDocument/2006/math">
+                        <m:r>
+                          <a:rPr lang="en-US" altLang="ko-KR" b="0" i="1" dirty="0" smtClean="0">
+                            <a:latin typeface="Cambria Math" panose="02040503050406030204" pitchFamily="18" charset="0"/>
+                          </a:rPr>
+                          <m:t>⋯</m:t>
+                        </m:r>
+                      </m:oMath>
+                    </m:oMathPara>
                   </a14:m>
-                  <a:r>
-                    <a:rPr lang="ko-KR" altLang="en-US" sz="3600" dirty="0"/>
-                    <a:t>위 기저</a:t>
-                  </a:r>
-                  <a:endParaRPr lang="en-US" altLang="ko-KR" sz="3600" dirty="0"/>
-                </a:p>
-                <a:p>
-                  <a:pPr algn="ctr"/>
-                  <a:r>
-                    <a:rPr lang="ko-KR" altLang="en-US" sz="3600" dirty="0"/>
-                    <a:t>함수들의</a:t>
-                  </a:r>
-                  <a:endParaRPr lang="en-US" altLang="ko-KR" sz="3600" dirty="0"/>
-                </a:p>
-                <a:p>
-                  <a:pPr algn="ctr"/>
-                  <a:r>
-                    <a:rPr lang="ko-KR" altLang="en-US" sz="3600" dirty="0"/>
-                    <a:t>나열</a:t>
-                  </a:r>
-                  <a:r>
-                    <a:rPr lang="en-US" altLang="ko-KR" sz="3600" dirty="0"/>
-                    <a:t>?</a:t>
-                  </a:r>
-                  <a:endParaRPr lang="ko-KR" altLang="en-US" sz="3600" dirty="0"/>
+                  <a:endParaRPr lang="ko-KR" altLang="en-US" dirty="0"/>
                 </a:p>
               </p:txBody>
             </p:sp>
@@ -12330,10 +11599,10 @@
           <mc:Fallback>
             <p:sp>
               <p:nvSpPr>
-                <p:cNvPr id="113" name="TextBox 112">
+                <p:cNvPr id="100" name="TextBox 99">
                   <a:extLst>
                     <a:ext uri="{FF2B5EF4-FFF2-40B4-BE49-F238E27FC236}">
-                      <a16:creationId xmlns:a16="http://schemas.microsoft.com/office/drawing/2014/main" id="{D9166D77-F83B-4518-8A8C-264993F2F998}"/>
+                      <a16:creationId xmlns:a16="http://schemas.microsoft.com/office/drawing/2014/main" id="{BA8E2313-E56C-4DE9-A295-163B5F5B8E99}"/>
                     </a:ext>
                   </a:extLst>
                 </p:cNvPr>
@@ -12344,8 +11613,8 @@
               </p:nvSpPr>
               <p:spPr>
                 <a:xfrm>
-                  <a:off x="6289161" y="4026758"/>
-                  <a:ext cx="2511521" cy="1764842"/>
+                  <a:off x="7194827" y="878613"/>
+                  <a:ext cx="463588" cy="369332"/>
                 </a:xfrm>
                 <a:prstGeom prst="rect">
                   <a:avLst/>
@@ -12353,7 +11622,7 @@
                 <a:blipFill>
                   <a:blip r:embed="rId11"/>
                   <a:stretch>
-                    <a:fillRect t="-5190" r="-485" b="-12111"/>
+                    <a:fillRect/>
                   </a:stretch>
                 </a:blipFill>
               </p:spPr>
@@ -12372,68 +11641,14 @@
             </p:sp>
           </mc:Fallback>
         </mc:AlternateContent>
-        <p:sp>
-          <p:nvSpPr>
-            <p:cNvPr id="115" name="화살표: 오른쪽 114">
-              <a:extLst>
-                <a:ext uri="{FF2B5EF4-FFF2-40B4-BE49-F238E27FC236}">
-                  <a16:creationId xmlns:a16="http://schemas.microsoft.com/office/drawing/2014/main" id="{29EA8FA4-C5B4-4C37-B369-23521A79BEF1}"/>
-                </a:ext>
-              </a:extLst>
-            </p:cNvPr>
-            <p:cNvSpPr/>
-            <p:nvPr/>
-          </p:nvSpPr>
-          <p:spPr>
-            <a:xfrm rot="5400000">
-              <a:off x="3450108" y="2927554"/>
-              <a:ext cx="1251583" cy="665996"/>
-            </a:xfrm>
-            <a:prstGeom prst="rightArrow">
-              <a:avLst/>
-            </a:prstGeom>
-            <a:solidFill>
-              <a:schemeClr val="bg1"/>
-            </a:solidFill>
-            <a:ln>
-              <a:solidFill>
-                <a:schemeClr val="tx1"/>
-              </a:solidFill>
-            </a:ln>
-          </p:spPr>
-          <p:style>
-            <a:lnRef idx="2">
-              <a:schemeClr val="accent1">
-                <a:shade val="50000"/>
-              </a:schemeClr>
-            </a:lnRef>
-            <a:fillRef idx="1">
-              <a:schemeClr val="accent1"/>
-            </a:fillRef>
-            <a:effectRef idx="0">
-              <a:schemeClr val="accent1"/>
-            </a:effectRef>
-            <a:fontRef idx="minor">
-              <a:schemeClr val="lt1"/>
-            </a:fontRef>
-          </p:style>
-          <p:txBody>
-            <a:bodyPr rtlCol="0" anchor="ctr"/>
-            <a:lstStyle/>
-            <a:p>
-              <a:pPr algn="ctr"/>
-              <a:endParaRPr lang="ko-KR" altLang="en-US"/>
-            </a:p>
-          </p:txBody>
-        </p:sp>
         <mc:AlternateContent xmlns:mc="http://schemas.openxmlformats.org/markup-compatibility/2006">
           <mc:Choice xmlns:a14="http://schemas.microsoft.com/office/drawing/2010/main" Requires="a14">
             <p:sp>
               <p:nvSpPr>
-                <p:cNvPr id="116" name="TextBox 115">
+                <p:cNvPr id="101" name="TextBox 100">
                   <a:extLst>
                     <a:ext uri="{FF2B5EF4-FFF2-40B4-BE49-F238E27FC236}">
-                      <a16:creationId xmlns:a16="http://schemas.microsoft.com/office/drawing/2014/main" id="{08CC730D-D77F-4D51-8128-4EBA992C6825}"/>
+                      <a16:creationId xmlns:a16="http://schemas.microsoft.com/office/drawing/2014/main" id="{FBF051A9-E80F-4DA2-98AC-E57013251872}"/>
                     </a:ext>
                   </a:extLst>
                 </p:cNvPr>
@@ -12442,8 +11657,8 @@
               </p:nvSpPr>
               <p:spPr>
                 <a:xfrm>
-                  <a:off x="3995936" y="2629678"/>
-                  <a:ext cx="2511521" cy="1210844"/>
+                  <a:off x="7194827" y="1215209"/>
+                  <a:ext cx="463588" cy="369332"/>
                 </a:xfrm>
                 <a:prstGeom prst="rect">
                   <a:avLst/>
@@ -12451,34 +11666,27 @@
                 <a:noFill/>
               </p:spPr>
               <p:txBody>
-                <a:bodyPr wrap="square" rtlCol="0">
+                <a:bodyPr wrap="none" rtlCol="0">
                   <a:spAutoFit/>
                 </a:bodyPr>
                 <a:lstStyle/>
                 <a:p>
-                  <a:pPr algn="ctr"/>
                   <a14:m>
-                    <m:oMath xmlns:m="http://schemas.openxmlformats.org/officeDocument/2006/math">
-                      <m:r>
-                        <a:rPr lang="ko-KR" altLang="en-US" sz="3600" i="1" smtClean="0">
-                          <a:latin typeface="Cambria Math" panose="02040503050406030204" pitchFamily="18" charset="0"/>
-                        </a:rPr>
-                        <m:t>개</m:t>
-                      </m:r>
-                    </m:oMath>
+                    <m:oMathPara xmlns:m="http://schemas.openxmlformats.org/officeDocument/2006/math">
+                      <m:oMathParaPr>
+                        <m:jc m:val="centerGroup"/>
+                      </m:oMathParaPr>
+                      <m:oMath xmlns:m="http://schemas.openxmlformats.org/officeDocument/2006/math">
+                        <m:r>
+                          <a:rPr lang="en-US" altLang="ko-KR" b="0" i="1" smtClean="0">
+                            <a:latin typeface="Cambria Math" panose="02040503050406030204" pitchFamily="18" charset="0"/>
+                          </a:rPr>
+                          <m:t>⋯</m:t>
+                        </m:r>
+                      </m:oMath>
+                    </m:oMathPara>
                   </a14:m>
-                  <a:r>
-                    <a:rPr lang="ko-KR" altLang="en-US" sz="3600" dirty="0"/>
-                    <a:t>념의</a:t>
-                  </a:r>
-                  <a:endParaRPr lang="en-US" altLang="ko-KR" sz="3600" dirty="0"/>
-                </a:p>
-                <a:p>
-                  <a:pPr algn="ctr"/>
-                  <a:r>
-                    <a:rPr lang="ko-KR" altLang="en-US" sz="3600" dirty="0"/>
-                    <a:t>확장</a:t>
-                  </a:r>
+                  <a:endParaRPr lang="ko-KR" altLang="en-US" dirty="0"/>
                 </a:p>
               </p:txBody>
             </p:sp>
@@ -12486,10 +11694,10 @@
           <mc:Fallback>
             <p:sp>
               <p:nvSpPr>
-                <p:cNvPr id="116" name="TextBox 115">
+                <p:cNvPr id="101" name="TextBox 100">
                   <a:extLst>
                     <a:ext uri="{FF2B5EF4-FFF2-40B4-BE49-F238E27FC236}">
-                      <a16:creationId xmlns:a16="http://schemas.microsoft.com/office/drawing/2014/main" id="{08CC730D-D77F-4D51-8128-4EBA992C6825}"/>
+                      <a16:creationId xmlns:a16="http://schemas.microsoft.com/office/drawing/2014/main" id="{FBF051A9-E80F-4DA2-98AC-E57013251872}"/>
                     </a:ext>
                   </a:extLst>
                 </p:cNvPr>
@@ -12500,8 +11708,8 @@
               </p:nvSpPr>
               <p:spPr>
                 <a:xfrm>
-                  <a:off x="3995936" y="2629678"/>
-                  <a:ext cx="2511521" cy="1210844"/>
+                  <a:off x="7194827" y="1215209"/>
+                  <a:ext cx="463588" cy="369332"/>
                 </a:xfrm>
                 <a:prstGeom prst="rect">
                   <a:avLst/>
@@ -12509,7 +11717,197 @@
                 <a:blipFill>
                   <a:blip r:embed="rId12"/>
                   <a:stretch>
-                    <a:fillRect t="-7035" b="-17588"/>
+                    <a:fillRect/>
+                  </a:stretch>
+                </a:blipFill>
+              </p:spPr>
+              <p:txBody>
+                <a:bodyPr/>
+                <a:lstStyle/>
+                <a:p>
+                  <a:r>
+                    <a:rPr lang="ko-KR" altLang="en-US">
+                      <a:noFill/>
+                    </a:rPr>
+                    <a:t> </a:t>
+                  </a:r>
+                </a:p>
+              </p:txBody>
+            </p:sp>
+          </mc:Fallback>
+        </mc:AlternateContent>
+        <mc:AlternateContent xmlns:mc="http://schemas.openxmlformats.org/markup-compatibility/2006">
+          <mc:Choice xmlns:a14="http://schemas.microsoft.com/office/drawing/2010/main" Requires="a14">
+            <p:sp>
+              <p:nvSpPr>
+                <p:cNvPr id="102" name="TextBox 101">
+                  <a:extLst>
+                    <a:ext uri="{FF2B5EF4-FFF2-40B4-BE49-F238E27FC236}">
+                      <a16:creationId xmlns:a16="http://schemas.microsoft.com/office/drawing/2014/main" id="{93EFCCD8-4694-4647-AAAA-4EE76700CFB3}"/>
+                    </a:ext>
+                  </a:extLst>
+                </p:cNvPr>
+                <p:cNvSpPr txBox="1"/>
+                <p:nvPr/>
+              </p:nvSpPr>
+              <p:spPr>
+                <a:xfrm>
+                  <a:off x="7222078" y="1551805"/>
+                  <a:ext cx="409086" cy="369332"/>
+                </a:xfrm>
+                <a:prstGeom prst="rect">
+                  <a:avLst/>
+                </a:prstGeom>
+                <a:noFill/>
+              </p:spPr>
+              <p:txBody>
+                <a:bodyPr wrap="none" rtlCol="0">
+                  <a:spAutoFit/>
+                </a:bodyPr>
+                <a:lstStyle/>
+                <a:p>
+                  <a14:m>
+                    <m:oMathPara xmlns:m="http://schemas.openxmlformats.org/officeDocument/2006/math">
+                      <m:oMathParaPr>
+                        <m:jc m:val="centerGroup"/>
+                      </m:oMathParaPr>
+                      <m:oMath xmlns:m="http://schemas.openxmlformats.org/officeDocument/2006/math">
+                        <m:r>
+                          <a:rPr lang="en-US" altLang="ko-KR" b="0" i="1" dirty="0" smtClean="0">
+                            <a:latin typeface="Cambria Math" panose="02040503050406030204" pitchFamily="18" charset="0"/>
+                          </a:rPr>
+                          <m:t>⋱</m:t>
+                        </m:r>
+                      </m:oMath>
+                    </m:oMathPara>
+                  </a14:m>
+                  <a:endParaRPr lang="ko-KR" altLang="en-US" dirty="0"/>
+                </a:p>
+              </p:txBody>
+            </p:sp>
+          </mc:Choice>
+          <mc:Fallback>
+            <p:sp>
+              <p:nvSpPr>
+                <p:cNvPr id="102" name="TextBox 101">
+                  <a:extLst>
+                    <a:ext uri="{FF2B5EF4-FFF2-40B4-BE49-F238E27FC236}">
+                      <a16:creationId xmlns:a16="http://schemas.microsoft.com/office/drawing/2014/main" id="{93EFCCD8-4694-4647-AAAA-4EE76700CFB3}"/>
+                    </a:ext>
+                  </a:extLst>
+                </p:cNvPr>
+                <p:cNvSpPr txBox="1">
+                  <a:spLocks noRot="1" noChangeAspect="1" noMove="1" noResize="1" noEditPoints="1" noAdjustHandles="1" noChangeArrowheads="1" noChangeShapeType="1" noTextEdit="1"/>
+                </p:cNvSpPr>
+                <p:nvPr/>
+              </p:nvSpPr>
+              <p:spPr>
+                <a:xfrm>
+                  <a:off x="7222078" y="1551805"/>
+                  <a:ext cx="409086" cy="369332"/>
+                </a:xfrm>
+                <a:prstGeom prst="rect">
+                  <a:avLst/>
+                </a:prstGeom>
+                <a:blipFill>
+                  <a:blip r:embed="rId13"/>
+                  <a:stretch>
+                    <a:fillRect/>
+                  </a:stretch>
+                </a:blipFill>
+              </p:spPr>
+              <p:txBody>
+                <a:bodyPr/>
+                <a:lstStyle/>
+                <a:p>
+                  <a:r>
+                    <a:rPr lang="ko-KR" altLang="en-US">
+                      <a:noFill/>
+                    </a:rPr>
+                    <a:t> </a:t>
+                  </a:r>
+                </a:p>
+              </p:txBody>
+            </p:sp>
+          </mc:Fallback>
+        </mc:AlternateContent>
+        <mc:AlternateContent xmlns:mc="http://schemas.openxmlformats.org/markup-compatibility/2006">
+          <mc:Choice xmlns:a14="http://schemas.microsoft.com/office/drawing/2010/main" Requires="a14">
+            <p:sp>
+              <p:nvSpPr>
+                <p:cNvPr id="103" name="TextBox 102">
+                  <a:extLst>
+                    <a:ext uri="{FF2B5EF4-FFF2-40B4-BE49-F238E27FC236}">
+                      <a16:creationId xmlns:a16="http://schemas.microsoft.com/office/drawing/2014/main" id="{C07E3264-D93A-42A8-A15F-F26D8444D79A}"/>
+                    </a:ext>
+                  </a:extLst>
+                </p:cNvPr>
+                <p:cNvSpPr txBox="1"/>
+                <p:nvPr/>
+              </p:nvSpPr>
+              <p:spPr>
+                <a:xfrm>
+                  <a:off x="7194827" y="1888401"/>
+                  <a:ext cx="463588" cy="369332"/>
+                </a:xfrm>
+                <a:prstGeom prst="rect">
+                  <a:avLst/>
+                </a:prstGeom>
+                <a:noFill/>
+              </p:spPr>
+              <p:txBody>
+                <a:bodyPr wrap="none" rtlCol="0">
+                  <a:spAutoFit/>
+                </a:bodyPr>
+                <a:lstStyle/>
+                <a:p>
+                  <a14:m>
+                    <m:oMathPara xmlns:m="http://schemas.openxmlformats.org/officeDocument/2006/math">
+                      <m:oMathParaPr>
+                        <m:jc m:val="centerGroup"/>
+                      </m:oMathParaPr>
+                      <m:oMath xmlns:m="http://schemas.openxmlformats.org/officeDocument/2006/math">
+                        <m:r>
+                          <a:rPr lang="en-US" altLang="ko-KR" b="0" i="1" dirty="0" smtClean="0">
+                            <a:latin typeface="Cambria Math" panose="02040503050406030204" pitchFamily="18" charset="0"/>
+                          </a:rPr>
+                          <m:t>⋯</m:t>
+                        </m:r>
+                      </m:oMath>
+                    </m:oMathPara>
+                  </a14:m>
+                  <a:endParaRPr lang="ko-KR" altLang="en-US" dirty="0"/>
+                </a:p>
+              </p:txBody>
+            </p:sp>
+          </mc:Choice>
+          <mc:Fallback>
+            <p:sp>
+              <p:nvSpPr>
+                <p:cNvPr id="103" name="TextBox 102">
+                  <a:extLst>
+                    <a:ext uri="{FF2B5EF4-FFF2-40B4-BE49-F238E27FC236}">
+                      <a16:creationId xmlns:a16="http://schemas.microsoft.com/office/drawing/2014/main" id="{C07E3264-D93A-42A8-A15F-F26D8444D79A}"/>
+                    </a:ext>
+                  </a:extLst>
+                </p:cNvPr>
+                <p:cNvSpPr txBox="1">
+                  <a:spLocks noRot="1" noChangeAspect="1" noMove="1" noResize="1" noEditPoints="1" noAdjustHandles="1" noChangeArrowheads="1" noChangeShapeType="1" noTextEdit="1"/>
+                </p:cNvSpPr>
+                <p:nvPr/>
+              </p:nvSpPr>
+              <p:spPr>
+                <a:xfrm>
+                  <a:off x="7194827" y="1888401"/>
+                  <a:ext cx="463588" cy="369332"/>
+                </a:xfrm>
+                <a:prstGeom prst="rect">
+                  <a:avLst/>
+                </a:prstGeom>
+                <a:blipFill>
+                  <a:blip r:embed="rId14"/>
+                  <a:stretch>
+                    <a:fillRect/>
                   </a:stretch>
                 </a:blipFill>
               </p:spPr>
@@ -12529,6 +11927,1804 @@
           </mc:Fallback>
         </mc:AlternateContent>
       </p:grpSp>
+      <p:sp>
+        <p:nvSpPr>
+          <p:cNvPr id="105" name="TextBox 104">
+            <a:extLst>
+              <a:ext uri="{FF2B5EF4-FFF2-40B4-BE49-F238E27FC236}">
+                <a16:creationId xmlns:a16="http://schemas.microsoft.com/office/drawing/2014/main" id="{6F98A829-43BF-45A0-B5C1-20687855B9CB}"/>
+              </a:ext>
+            </a:extLst>
+          </p:cNvPr>
+          <p:cNvSpPr txBox="1"/>
+          <p:nvPr/>
+        </p:nvSpPr>
+        <p:spPr>
+          <a:xfrm>
+            <a:off x="7510740" y="542017"/>
+            <a:ext cx="311304" cy="369332"/>
+          </a:xfrm>
+          <a:prstGeom prst="rect">
+            <a:avLst/>
+          </a:prstGeom>
+          <a:noFill/>
+        </p:spPr>
+        <p:txBody>
+          <a:bodyPr wrap="none" rtlCol="0">
+            <a:spAutoFit/>
+          </a:bodyPr>
+          <a:lstStyle/>
+          <a:p>
+            <a:r>
+              <a:rPr lang="en-US" altLang="ko-KR" dirty="0"/>
+              <a:t>0</a:t>
+            </a:r>
+            <a:endParaRPr lang="ko-KR" altLang="en-US" dirty="0"/>
+          </a:p>
+        </p:txBody>
+      </p:sp>
+      <p:sp>
+        <p:nvSpPr>
+          <p:cNvPr id="106" name="TextBox 105">
+            <a:extLst>
+              <a:ext uri="{FF2B5EF4-FFF2-40B4-BE49-F238E27FC236}">
+                <a16:creationId xmlns:a16="http://schemas.microsoft.com/office/drawing/2014/main" id="{BBCF1D74-D21F-4D32-A2B6-EC5DF8B87D93}"/>
+              </a:ext>
+            </a:extLst>
+          </p:cNvPr>
+          <p:cNvSpPr txBox="1"/>
+          <p:nvPr/>
+        </p:nvSpPr>
+        <p:spPr>
+          <a:xfrm>
+            <a:off x="7510740" y="878613"/>
+            <a:ext cx="311304" cy="369332"/>
+          </a:xfrm>
+          <a:prstGeom prst="rect">
+            <a:avLst/>
+          </a:prstGeom>
+          <a:noFill/>
+        </p:spPr>
+        <p:txBody>
+          <a:bodyPr wrap="none" rtlCol="0">
+            <a:spAutoFit/>
+          </a:bodyPr>
+          <a:lstStyle/>
+          <a:p>
+            <a:r>
+              <a:rPr lang="en-US" altLang="ko-KR" dirty="0"/>
+              <a:t>0</a:t>
+            </a:r>
+            <a:endParaRPr lang="ko-KR" altLang="en-US" dirty="0"/>
+          </a:p>
+        </p:txBody>
+      </p:sp>
+      <p:sp>
+        <p:nvSpPr>
+          <p:cNvPr id="107" name="TextBox 106">
+            <a:extLst>
+              <a:ext uri="{FF2B5EF4-FFF2-40B4-BE49-F238E27FC236}">
+                <a16:creationId xmlns:a16="http://schemas.microsoft.com/office/drawing/2014/main" id="{AF678742-A9C5-48FA-8295-DDEA2C8FBB87}"/>
+              </a:ext>
+            </a:extLst>
+          </p:cNvPr>
+          <p:cNvSpPr txBox="1"/>
+          <p:nvPr/>
+        </p:nvSpPr>
+        <p:spPr>
+          <a:xfrm>
+            <a:off x="7510740" y="1215209"/>
+            <a:ext cx="311304" cy="369332"/>
+          </a:xfrm>
+          <a:prstGeom prst="rect">
+            <a:avLst/>
+          </a:prstGeom>
+          <a:noFill/>
+        </p:spPr>
+        <p:txBody>
+          <a:bodyPr wrap="none" rtlCol="0">
+            <a:spAutoFit/>
+          </a:bodyPr>
+          <a:lstStyle/>
+          <a:p>
+            <a:r>
+              <a:rPr lang="en-US" altLang="ko-KR" dirty="0"/>
+              <a:t>0</a:t>
+            </a:r>
+            <a:endParaRPr lang="ko-KR" altLang="en-US" dirty="0"/>
+          </a:p>
+        </p:txBody>
+      </p:sp>
+      <mc:AlternateContent xmlns:mc="http://schemas.openxmlformats.org/markup-compatibility/2006">
+        <mc:Choice xmlns:a14="http://schemas.microsoft.com/office/drawing/2010/main" Requires="a14">
+          <p:sp>
+            <p:nvSpPr>
+              <p:cNvPr id="108" name="TextBox 107">
+                <a:extLst>
+                  <a:ext uri="{FF2B5EF4-FFF2-40B4-BE49-F238E27FC236}">
+                    <a16:creationId xmlns:a16="http://schemas.microsoft.com/office/drawing/2014/main" id="{E2A94889-B5EB-4B5A-B572-85DD2A9A3215}"/>
+                  </a:ext>
+                </a:extLst>
+              </p:cNvPr>
+              <p:cNvSpPr txBox="1"/>
+              <p:nvPr/>
+            </p:nvSpPr>
+            <p:spPr>
+              <a:xfrm>
+                <a:off x="7510740" y="1551805"/>
+                <a:ext cx="338554" cy="369332"/>
+              </a:xfrm>
+              <a:prstGeom prst="rect">
+                <a:avLst/>
+              </a:prstGeom>
+              <a:noFill/>
+            </p:spPr>
+            <p:txBody>
+              <a:bodyPr wrap="none" rtlCol="0">
+                <a:spAutoFit/>
+              </a:bodyPr>
+              <a:lstStyle/>
+              <a:p>
+                <a14:m>
+                  <m:oMathPara xmlns:m="http://schemas.openxmlformats.org/officeDocument/2006/math">
+                    <m:oMathParaPr>
+                      <m:jc m:val="centerGroup"/>
+                    </m:oMathParaPr>
+                    <m:oMath xmlns:m="http://schemas.openxmlformats.org/officeDocument/2006/math">
+                      <m:r>
+                        <a:rPr lang="en-US" altLang="ko-KR" b="0" i="1" dirty="0" smtClean="0">
+                          <a:latin typeface="Cambria Math" panose="02040503050406030204" pitchFamily="18" charset="0"/>
+                        </a:rPr>
+                        <m:t>⋮</m:t>
+                      </m:r>
+                    </m:oMath>
+                  </m:oMathPara>
+                </a14:m>
+                <a:endParaRPr lang="ko-KR" altLang="en-US" dirty="0"/>
+              </a:p>
+            </p:txBody>
+          </p:sp>
+        </mc:Choice>
+        <mc:Fallback>
+          <p:sp>
+            <p:nvSpPr>
+              <p:cNvPr id="108" name="TextBox 107">
+                <a:extLst>
+                  <a:ext uri="{FF2B5EF4-FFF2-40B4-BE49-F238E27FC236}">
+                    <a16:creationId xmlns:a16="http://schemas.microsoft.com/office/drawing/2014/main" id="{E2A94889-B5EB-4B5A-B572-85DD2A9A3215}"/>
+                  </a:ext>
+                </a:extLst>
+              </p:cNvPr>
+              <p:cNvSpPr txBox="1">
+                <a:spLocks noRot="1" noChangeAspect="1" noMove="1" noResize="1" noEditPoints="1" noAdjustHandles="1" noChangeArrowheads="1" noChangeShapeType="1" noTextEdit="1"/>
+              </p:cNvSpPr>
+              <p:nvPr/>
+            </p:nvSpPr>
+            <p:spPr>
+              <a:xfrm>
+                <a:off x="7510740" y="1551805"/>
+                <a:ext cx="338554" cy="369332"/>
+              </a:xfrm>
+              <a:prstGeom prst="rect">
+                <a:avLst/>
+              </a:prstGeom>
+              <a:blipFill>
+                <a:blip r:embed="rId15"/>
+                <a:stretch>
+                  <a:fillRect/>
+                </a:stretch>
+              </a:blipFill>
+            </p:spPr>
+            <p:txBody>
+              <a:bodyPr/>
+              <a:lstStyle/>
+              <a:p>
+                <a:r>
+                  <a:rPr lang="ko-KR" altLang="en-US">
+                    <a:noFill/>
+                  </a:rPr>
+                  <a:t> </a:t>
+                </a:r>
+              </a:p>
+            </p:txBody>
+          </p:sp>
+        </mc:Fallback>
+      </mc:AlternateContent>
+      <p:sp>
+        <p:nvSpPr>
+          <p:cNvPr id="109" name="TextBox 108">
+            <a:extLst>
+              <a:ext uri="{FF2B5EF4-FFF2-40B4-BE49-F238E27FC236}">
+                <a16:creationId xmlns:a16="http://schemas.microsoft.com/office/drawing/2014/main" id="{EF968D5D-32A7-4EC1-973F-F1A361897430}"/>
+              </a:ext>
+            </a:extLst>
+          </p:cNvPr>
+          <p:cNvSpPr txBox="1"/>
+          <p:nvPr/>
+        </p:nvSpPr>
+        <p:spPr>
+          <a:xfrm>
+            <a:off x="7510740" y="1888401"/>
+            <a:ext cx="311304" cy="369332"/>
+          </a:xfrm>
+          <a:prstGeom prst="rect">
+            <a:avLst/>
+          </a:prstGeom>
+          <a:noFill/>
+        </p:spPr>
+        <p:txBody>
+          <a:bodyPr wrap="none" rtlCol="0">
+            <a:spAutoFit/>
+          </a:bodyPr>
+          <a:lstStyle/>
+          <a:p>
+            <a:r>
+              <a:rPr lang="en-US" altLang="ko-KR" dirty="0"/>
+              <a:t>1</a:t>
+            </a:r>
+            <a:endParaRPr lang="ko-KR" altLang="en-US" dirty="0"/>
+          </a:p>
+        </p:txBody>
+      </p:sp>
+      <mc:AlternateContent xmlns:mc="http://schemas.openxmlformats.org/markup-compatibility/2006">
+        <mc:Choice xmlns:a14="http://schemas.microsoft.com/office/drawing/2010/main" Requires="a14">
+          <p:sp>
+            <p:nvSpPr>
+              <p:cNvPr id="14" name="TextBox 13">
+                <a:extLst>
+                  <a:ext uri="{FF2B5EF4-FFF2-40B4-BE49-F238E27FC236}">
+                    <a16:creationId xmlns:a16="http://schemas.microsoft.com/office/drawing/2014/main" id="{81BCE6E1-01D0-4BDC-A1F9-049B3F61BB14}"/>
+                  </a:ext>
+                </a:extLst>
+              </p:cNvPr>
+              <p:cNvSpPr txBox="1"/>
+              <p:nvPr/>
+            </p:nvSpPr>
+            <p:spPr>
+              <a:xfrm>
+                <a:off x="405083" y="3900845"/>
+                <a:ext cx="1296765" cy="1569660"/>
+              </a:xfrm>
+              <a:prstGeom prst="rect">
+                <a:avLst/>
+              </a:prstGeom>
+              <a:noFill/>
+            </p:spPr>
+            <p:txBody>
+              <a:bodyPr wrap="none" rtlCol="0">
+                <a:spAutoFit/>
+              </a:bodyPr>
+              <a:lstStyle/>
+              <a:p>
+                <a:pPr/>
+                <a14:m>
+                  <m:oMathPara xmlns:m="http://schemas.openxmlformats.org/officeDocument/2006/math">
+                    <m:oMathParaPr>
+                      <m:jc m:val="centerGroup"/>
+                    </m:oMathParaPr>
+                    <m:oMath xmlns:m="http://schemas.openxmlformats.org/officeDocument/2006/math">
+                      <m:r>
+                        <a:rPr lang="en-US" altLang="ko-KR" sz="9600" i="1" dirty="0" smtClean="0">
+                          <a:latin typeface="Cambria Math" panose="02040503050406030204" pitchFamily="18" charset="0"/>
+                        </a:rPr>
+                        <m:t>𝐿</m:t>
+                      </m:r>
+                    </m:oMath>
+                  </m:oMathPara>
+                </a14:m>
+                <a:endParaRPr lang="ko-KR" altLang="en-US" sz="9600" dirty="0"/>
+              </a:p>
+            </p:txBody>
+          </p:sp>
+        </mc:Choice>
+        <mc:Fallback>
+          <p:sp>
+            <p:nvSpPr>
+              <p:cNvPr id="14" name="TextBox 13">
+                <a:extLst>
+                  <a:ext uri="{FF2B5EF4-FFF2-40B4-BE49-F238E27FC236}">
+                    <a16:creationId xmlns:a16="http://schemas.microsoft.com/office/drawing/2014/main" id="{81BCE6E1-01D0-4BDC-A1F9-049B3F61BB14}"/>
+                  </a:ext>
+                </a:extLst>
+              </p:cNvPr>
+              <p:cNvSpPr txBox="1">
+                <a:spLocks noRot="1" noChangeAspect="1" noMove="1" noResize="1" noEditPoints="1" noAdjustHandles="1" noChangeArrowheads="1" noChangeShapeType="1" noTextEdit="1"/>
+              </p:cNvSpPr>
+              <p:nvPr/>
+            </p:nvSpPr>
+            <p:spPr>
+              <a:xfrm>
+                <a:off x="405083" y="3900845"/>
+                <a:ext cx="1296765" cy="1569660"/>
+              </a:xfrm>
+              <a:prstGeom prst="rect">
+                <a:avLst/>
+              </a:prstGeom>
+              <a:blipFill>
+                <a:blip r:embed="rId16"/>
+                <a:stretch>
+                  <a:fillRect/>
+                </a:stretch>
+              </a:blipFill>
+            </p:spPr>
+            <p:txBody>
+              <a:bodyPr/>
+              <a:lstStyle/>
+              <a:p>
+                <a:r>
+                  <a:rPr lang="ko-KR" altLang="en-US">
+                    <a:noFill/>
+                  </a:rPr>
+                  <a:t> </a:t>
+                </a:r>
+              </a:p>
+            </p:txBody>
+          </p:sp>
+        </mc:Fallback>
+      </mc:AlternateContent>
+      <mc:AlternateContent xmlns:mc="http://schemas.openxmlformats.org/markup-compatibility/2006">
+        <mc:Choice xmlns:a14="http://schemas.microsoft.com/office/drawing/2010/main" Requires="a14">
+          <p:sp>
+            <p:nvSpPr>
+              <p:cNvPr id="110" name="TextBox 109">
+                <a:extLst>
+                  <a:ext uri="{FF2B5EF4-FFF2-40B4-BE49-F238E27FC236}">
+                    <a16:creationId xmlns:a16="http://schemas.microsoft.com/office/drawing/2014/main" id="{6DE1591E-C53B-4C38-ACE3-B59183C3D38F}"/>
+                  </a:ext>
+                </a:extLst>
+              </p:cNvPr>
+              <p:cNvSpPr txBox="1"/>
+              <p:nvPr/>
+            </p:nvSpPr>
+            <p:spPr>
+              <a:xfrm>
+                <a:off x="1400933" y="4516398"/>
+                <a:ext cx="402674" cy="338554"/>
+              </a:xfrm>
+              <a:prstGeom prst="rect">
+                <a:avLst/>
+              </a:prstGeom>
+              <a:noFill/>
+            </p:spPr>
+            <p:txBody>
+              <a:bodyPr wrap="none" rtlCol="0">
+                <a:spAutoFit/>
+              </a:bodyPr>
+              <a:lstStyle/>
+              <a:p>
+                <a:pPr/>
+                <a14:m>
+                  <m:oMathPara xmlns:m="http://schemas.openxmlformats.org/officeDocument/2006/math">
+                    <m:oMathParaPr>
+                      <m:jc m:val="centerGroup"/>
+                    </m:oMathParaPr>
+                    <m:oMath xmlns:m="http://schemas.openxmlformats.org/officeDocument/2006/math">
+                      <m:r>
+                        <a:rPr lang="en-US" altLang="ko-KR" sz="1600" b="0" i="1" smtClean="0">
+                          <a:latin typeface="Cambria Math"/>
+                        </a:rPr>
+                        <m:t>×</m:t>
+                      </m:r>
+                    </m:oMath>
+                  </m:oMathPara>
+                </a14:m>
+                <a:endParaRPr lang="ko-KR" altLang="en-US" sz="1600" dirty="0"/>
+              </a:p>
+            </p:txBody>
+          </p:sp>
+        </mc:Choice>
+        <mc:Fallback>
+          <p:sp>
+            <p:nvSpPr>
+              <p:cNvPr id="110" name="TextBox 109">
+                <a:extLst>
+                  <a:ext uri="{FF2B5EF4-FFF2-40B4-BE49-F238E27FC236}">
+                    <a16:creationId xmlns:a16="http://schemas.microsoft.com/office/drawing/2014/main" id="{6DE1591E-C53B-4C38-ACE3-B59183C3D38F}"/>
+                  </a:ext>
+                </a:extLst>
+              </p:cNvPr>
+              <p:cNvSpPr txBox="1">
+                <a:spLocks noRot="1" noChangeAspect="1" noMove="1" noResize="1" noEditPoints="1" noAdjustHandles="1" noChangeArrowheads="1" noChangeShapeType="1" noTextEdit="1"/>
+              </p:cNvSpPr>
+              <p:nvPr/>
+            </p:nvSpPr>
+            <p:spPr>
+              <a:xfrm>
+                <a:off x="1400933" y="4516398"/>
+                <a:ext cx="402674" cy="338554"/>
+              </a:xfrm>
+              <a:prstGeom prst="rect">
+                <a:avLst/>
+              </a:prstGeom>
+              <a:blipFill>
+                <a:blip r:embed="rId17"/>
+                <a:stretch>
+                  <a:fillRect/>
+                </a:stretch>
+              </a:blipFill>
+            </p:spPr>
+            <p:txBody>
+              <a:bodyPr/>
+              <a:lstStyle/>
+              <a:p>
+                <a:r>
+                  <a:rPr lang="ko-KR" altLang="en-US">
+                    <a:noFill/>
+                  </a:rPr>
+                  <a:t> </a:t>
+                </a:r>
+              </a:p>
+            </p:txBody>
+          </p:sp>
+        </mc:Fallback>
+      </mc:AlternateContent>
+      <mc:AlternateContent xmlns:mc="http://schemas.openxmlformats.org/markup-compatibility/2006">
+        <mc:Choice xmlns:a14="http://schemas.microsoft.com/office/drawing/2010/main" Requires="a14">
+          <p:sp>
+            <p:nvSpPr>
+              <p:cNvPr id="111" name="TextBox 110">
+                <a:extLst>
+                  <a:ext uri="{FF2B5EF4-FFF2-40B4-BE49-F238E27FC236}">
+                    <a16:creationId xmlns:a16="http://schemas.microsoft.com/office/drawing/2014/main" id="{D9B3BBCE-6FA5-4B29-8A53-5BEC1AD1B06E}"/>
+                  </a:ext>
+                </a:extLst>
+              </p:cNvPr>
+              <p:cNvSpPr txBox="1"/>
+              <p:nvPr/>
+            </p:nvSpPr>
+            <p:spPr>
+              <a:xfrm>
+                <a:off x="-3979036" y="1215209"/>
+                <a:ext cx="4416642" cy="1569660"/>
+              </a:xfrm>
+              <a:prstGeom prst="rect">
+                <a:avLst/>
+              </a:prstGeom>
+              <a:noFill/>
+            </p:spPr>
+            <p:txBody>
+              <a:bodyPr wrap="square" rtlCol="0">
+                <a:spAutoFit/>
+              </a:bodyPr>
+              <a:lstStyle/>
+              <a:p>
+                <a:pPr/>
+                <a14:m>
+                  <m:oMathPara xmlns:m="http://schemas.openxmlformats.org/officeDocument/2006/math">
+                    <m:oMathParaPr>
+                      <m:jc m:val="centerGroup"/>
+                    </m:oMathParaPr>
+                    <m:oMath xmlns:m="http://schemas.openxmlformats.org/officeDocument/2006/math">
+                      <m:r>
+                        <a:rPr lang="en-US" altLang="ko-KR" sz="9600" b="0" i="1" smtClean="0">
+                          <a:latin typeface="Cambria Math" panose="02040503050406030204" pitchFamily="18" charset="0"/>
+                        </a:rPr>
+                        <m:t>𝐺</m:t>
+                      </m:r>
+                      <m:r>
+                        <a:rPr lang="en-US" altLang="ko-KR" sz="9600" b="0" i="1" smtClean="0">
+                          <a:latin typeface="Cambria Math" panose="02040503050406030204" pitchFamily="18" charset="0"/>
+                        </a:rPr>
+                        <m:t>(</m:t>
+                      </m:r>
+                      <m:r>
+                        <a:rPr lang="en-US" altLang="ko-KR" sz="9600" b="0" i="1" smtClean="0">
+                          <a:latin typeface="Cambria Math" panose="02040503050406030204" pitchFamily="18" charset="0"/>
+                        </a:rPr>
+                        <m:t>𝑥</m:t>
+                      </m:r>
+                      <m:r>
+                        <a:rPr lang="en-US" altLang="ko-KR" sz="9600" b="0" i="1" smtClean="0">
+                          <a:latin typeface="Cambria Math" panose="02040503050406030204" pitchFamily="18" charset="0"/>
+                        </a:rPr>
+                        <m:t>, </m:t>
+                      </m:r>
+                      <m:r>
+                        <a:rPr lang="en-US" altLang="ko-KR" sz="9600" b="0" i="1" smtClean="0">
+                          <a:solidFill>
+                            <a:srgbClr val="FF0000"/>
+                          </a:solidFill>
+                          <a:latin typeface="Cambria Math" panose="02040503050406030204" pitchFamily="18" charset="0"/>
+                        </a:rPr>
+                        <m:t>𝑠</m:t>
+                      </m:r>
+                      <m:r>
+                        <a:rPr lang="en-US" altLang="ko-KR" sz="9600" b="0" i="1" smtClean="0">
+                          <a:latin typeface="Cambria Math" panose="02040503050406030204" pitchFamily="18" charset="0"/>
+                        </a:rPr>
+                        <m:t>)</m:t>
+                      </m:r>
+                    </m:oMath>
+                  </m:oMathPara>
+                </a14:m>
+                <a:endParaRPr lang="ko-KR" altLang="en-US" sz="9600" dirty="0"/>
+              </a:p>
+            </p:txBody>
+          </p:sp>
+        </mc:Choice>
+        <mc:Fallback>
+          <p:sp>
+            <p:nvSpPr>
+              <p:cNvPr id="111" name="TextBox 110">
+                <a:extLst>
+                  <a:ext uri="{FF2B5EF4-FFF2-40B4-BE49-F238E27FC236}">
+                    <a16:creationId xmlns:a16="http://schemas.microsoft.com/office/drawing/2014/main" id="{D9B3BBCE-6FA5-4B29-8A53-5BEC1AD1B06E}"/>
+                  </a:ext>
+                </a:extLst>
+              </p:cNvPr>
+              <p:cNvSpPr txBox="1">
+                <a:spLocks noRot="1" noChangeAspect="1" noMove="1" noResize="1" noEditPoints="1" noAdjustHandles="1" noChangeArrowheads="1" noChangeShapeType="1" noTextEdit="1"/>
+              </p:cNvSpPr>
+              <p:nvPr/>
+            </p:nvSpPr>
+            <p:spPr>
+              <a:xfrm>
+                <a:off x="-3979036" y="1215209"/>
+                <a:ext cx="4416642" cy="1569660"/>
+              </a:xfrm>
+              <a:prstGeom prst="rect">
+                <a:avLst/>
+              </a:prstGeom>
+              <a:blipFill>
+                <a:blip r:embed="rId18"/>
+                <a:stretch>
+                  <a:fillRect/>
+                </a:stretch>
+              </a:blipFill>
+            </p:spPr>
+            <p:txBody>
+              <a:bodyPr/>
+              <a:lstStyle/>
+              <a:p>
+                <a:r>
+                  <a:rPr lang="ko-KR" altLang="en-US">
+                    <a:noFill/>
+                  </a:rPr>
+                  <a:t> </a:t>
+                </a:r>
+              </a:p>
+            </p:txBody>
+          </p:sp>
+        </mc:Fallback>
+      </mc:AlternateContent>
+      <mc:AlternateContent xmlns:mc="http://schemas.openxmlformats.org/markup-compatibility/2006">
+        <mc:Choice xmlns:a14="http://schemas.microsoft.com/office/drawing/2010/main" Requires="a14">
+          <p:sp>
+            <p:nvSpPr>
+              <p:cNvPr id="112" name="TextBox 111">
+                <a:extLst>
+                  <a:ext uri="{FF2B5EF4-FFF2-40B4-BE49-F238E27FC236}">
+                    <a16:creationId xmlns:a16="http://schemas.microsoft.com/office/drawing/2014/main" id="{CF0FF849-A858-4AD3-9963-F5B3892745BC}"/>
+                  </a:ext>
+                </a:extLst>
+              </p:cNvPr>
+              <p:cNvSpPr txBox="1"/>
+              <p:nvPr/>
+            </p:nvSpPr>
+            <p:spPr>
+              <a:xfrm>
+                <a:off x="5526005" y="4300955"/>
+                <a:ext cx="805029" cy="769441"/>
+              </a:xfrm>
+              <a:prstGeom prst="rect">
+                <a:avLst/>
+              </a:prstGeom>
+              <a:noFill/>
+            </p:spPr>
+            <p:txBody>
+              <a:bodyPr wrap="none" rtlCol="0">
+                <a:spAutoFit/>
+              </a:bodyPr>
+              <a:lstStyle/>
+              <a:p>
+                <a:pPr/>
+                <a14:m>
+                  <m:oMathPara xmlns:m="http://schemas.openxmlformats.org/officeDocument/2006/math">
+                    <m:oMathParaPr>
+                      <m:jc m:val="centerGroup"/>
+                    </m:oMathParaPr>
+                    <m:oMath xmlns:m="http://schemas.openxmlformats.org/officeDocument/2006/math">
+                      <m:r>
+                        <a:rPr lang="en-US" altLang="ko-KR" sz="4400" b="0" i="1" smtClean="0">
+                          <a:latin typeface="Cambria Math"/>
+                        </a:rPr>
+                        <m:t>=</m:t>
+                      </m:r>
+                    </m:oMath>
+                  </m:oMathPara>
+                </a14:m>
+                <a:endParaRPr lang="ko-KR" altLang="en-US" sz="4400" dirty="0"/>
+              </a:p>
+            </p:txBody>
+          </p:sp>
+        </mc:Choice>
+        <mc:Fallback>
+          <p:sp>
+            <p:nvSpPr>
+              <p:cNvPr id="112" name="TextBox 111">
+                <a:extLst>
+                  <a:ext uri="{FF2B5EF4-FFF2-40B4-BE49-F238E27FC236}">
+                    <a16:creationId xmlns:a16="http://schemas.microsoft.com/office/drawing/2014/main" id="{CF0FF849-A858-4AD3-9963-F5B3892745BC}"/>
+                  </a:ext>
+                </a:extLst>
+              </p:cNvPr>
+              <p:cNvSpPr txBox="1">
+                <a:spLocks noRot="1" noChangeAspect="1" noMove="1" noResize="1" noEditPoints="1" noAdjustHandles="1" noChangeArrowheads="1" noChangeShapeType="1" noTextEdit="1"/>
+              </p:cNvSpPr>
+              <p:nvPr/>
+            </p:nvSpPr>
+            <p:spPr>
+              <a:xfrm>
+                <a:off x="5526005" y="4300955"/>
+                <a:ext cx="805029" cy="769441"/>
+              </a:xfrm>
+              <a:prstGeom prst="rect">
+                <a:avLst/>
+              </a:prstGeom>
+              <a:blipFill>
+                <a:blip r:embed="rId19"/>
+                <a:stretch>
+                  <a:fillRect/>
+                </a:stretch>
+              </a:blipFill>
+            </p:spPr>
+            <p:txBody>
+              <a:bodyPr/>
+              <a:lstStyle/>
+              <a:p>
+                <a:r>
+                  <a:rPr lang="ko-KR" altLang="en-US">
+                    <a:noFill/>
+                  </a:rPr>
+                  <a:t> </a:t>
+                </a:r>
+              </a:p>
+            </p:txBody>
+          </p:sp>
+        </mc:Fallback>
+      </mc:AlternateContent>
+      <mc:AlternateContent xmlns:mc="http://schemas.openxmlformats.org/markup-compatibility/2006">
+        <mc:Choice xmlns:a14="http://schemas.microsoft.com/office/drawing/2010/main" Requires="a14">
+          <p:sp>
+            <p:nvSpPr>
+              <p:cNvPr id="113" name="TextBox 112">
+                <a:extLst>
+                  <a:ext uri="{FF2B5EF4-FFF2-40B4-BE49-F238E27FC236}">
+                    <a16:creationId xmlns:a16="http://schemas.microsoft.com/office/drawing/2014/main" id="{D9166D77-F83B-4518-8A8C-264993F2F998}"/>
+                  </a:ext>
+                </a:extLst>
+              </p:cNvPr>
+              <p:cNvSpPr txBox="1"/>
+              <p:nvPr/>
+            </p:nvSpPr>
+            <p:spPr>
+              <a:xfrm>
+                <a:off x="8738917" y="2000039"/>
+                <a:ext cx="2511521" cy="1764842"/>
+              </a:xfrm>
+              <a:prstGeom prst="rect">
+                <a:avLst/>
+              </a:prstGeom>
+              <a:noFill/>
+            </p:spPr>
+            <p:txBody>
+              <a:bodyPr wrap="square" rtlCol="0">
+                <a:spAutoFit/>
+              </a:bodyPr>
+              <a:lstStyle/>
+              <a:p>
+                <a:pPr algn="ctr"/>
+                <a14:m>
+                  <m:oMath xmlns:m="http://schemas.openxmlformats.org/officeDocument/2006/math">
+                    <m:r>
+                      <a:rPr lang="ko-KR" altLang="en-US" sz="3600" i="1">
+                        <a:latin typeface="Cambria Math" panose="02040503050406030204" pitchFamily="18" charset="0"/>
+                      </a:rPr>
+                      <m:t>단</m:t>
+                    </m:r>
+                  </m:oMath>
+                </a14:m>
+                <a:r>
+                  <a:rPr lang="ko-KR" altLang="en-US" sz="3600" dirty="0"/>
+                  <a:t>위 기저</a:t>
+                </a:r>
+                <a:endParaRPr lang="en-US" altLang="ko-KR" sz="3600" dirty="0"/>
+              </a:p>
+              <a:p>
+                <a:pPr algn="ctr"/>
+                <a:r>
+                  <a:rPr lang="ko-KR" altLang="en-US" sz="3600" dirty="0"/>
+                  <a:t>함수들의</a:t>
+                </a:r>
+                <a:endParaRPr lang="en-US" altLang="ko-KR" sz="3600" dirty="0"/>
+              </a:p>
+              <a:p>
+                <a:pPr algn="ctr"/>
+                <a:r>
+                  <a:rPr lang="ko-KR" altLang="en-US" sz="3600" dirty="0"/>
+                  <a:t>나열</a:t>
+                </a:r>
+                <a:r>
+                  <a:rPr lang="en-US" altLang="ko-KR" sz="3600" dirty="0"/>
+                  <a:t>?</a:t>
+                </a:r>
+                <a:endParaRPr lang="ko-KR" altLang="en-US" sz="3600" dirty="0"/>
+              </a:p>
+            </p:txBody>
+          </p:sp>
+        </mc:Choice>
+        <mc:Fallback>
+          <p:sp>
+            <p:nvSpPr>
+              <p:cNvPr id="113" name="TextBox 112">
+                <a:extLst>
+                  <a:ext uri="{FF2B5EF4-FFF2-40B4-BE49-F238E27FC236}">
+                    <a16:creationId xmlns:a16="http://schemas.microsoft.com/office/drawing/2014/main" id="{D9166D77-F83B-4518-8A8C-264993F2F998}"/>
+                  </a:ext>
+                </a:extLst>
+              </p:cNvPr>
+              <p:cNvSpPr txBox="1">
+                <a:spLocks noRot="1" noChangeAspect="1" noMove="1" noResize="1" noEditPoints="1" noAdjustHandles="1" noChangeArrowheads="1" noChangeShapeType="1" noTextEdit="1"/>
+              </p:cNvSpPr>
+              <p:nvPr/>
+            </p:nvSpPr>
+            <p:spPr>
+              <a:xfrm>
+                <a:off x="8738917" y="2000039"/>
+                <a:ext cx="2511521" cy="1764842"/>
+              </a:xfrm>
+              <a:prstGeom prst="rect">
+                <a:avLst/>
+              </a:prstGeom>
+              <a:blipFill>
+                <a:blip r:embed="rId20"/>
+                <a:stretch>
+                  <a:fillRect t="-4828" r="-485" b="-11724"/>
+                </a:stretch>
+              </a:blipFill>
+            </p:spPr>
+            <p:txBody>
+              <a:bodyPr/>
+              <a:lstStyle/>
+              <a:p>
+                <a:r>
+                  <a:rPr lang="ko-KR" altLang="en-US">
+                    <a:noFill/>
+                  </a:rPr>
+                  <a:t> </a:t>
+                </a:r>
+              </a:p>
+            </p:txBody>
+          </p:sp>
+        </mc:Fallback>
+      </mc:AlternateContent>
+      <p:sp>
+        <p:nvSpPr>
+          <p:cNvPr id="115" name="화살표: 오른쪽 114">
+            <a:extLst>
+              <a:ext uri="{FF2B5EF4-FFF2-40B4-BE49-F238E27FC236}">
+                <a16:creationId xmlns:a16="http://schemas.microsoft.com/office/drawing/2014/main" id="{29EA8FA4-C5B4-4C37-B369-23521A79BEF1}"/>
+              </a:ext>
+            </a:extLst>
+          </p:cNvPr>
+          <p:cNvSpPr/>
+          <p:nvPr/>
+        </p:nvSpPr>
+        <p:spPr>
+          <a:xfrm rot="5400000">
+            <a:off x="3376021" y="2920891"/>
+            <a:ext cx="1251583" cy="665996"/>
+          </a:xfrm>
+          <a:prstGeom prst="rightArrow">
+            <a:avLst/>
+          </a:prstGeom>
+          <a:solidFill>
+            <a:schemeClr val="bg1"/>
+          </a:solidFill>
+          <a:ln>
+            <a:solidFill>
+              <a:schemeClr val="tx1"/>
+            </a:solidFill>
+          </a:ln>
+        </p:spPr>
+        <p:style>
+          <a:lnRef idx="2">
+            <a:schemeClr val="accent1">
+              <a:shade val="50000"/>
+            </a:schemeClr>
+          </a:lnRef>
+          <a:fillRef idx="1">
+            <a:schemeClr val="accent1"/>
+          </a:fillRef>
+          <a:effectRef idx="0">
+            <a:schemeClr val="accent1"/>
+          </a:effectRef>
+          <a:fontRef idx="minor">
+            <a:schemeClr val="lt1"/>
+          </a:fontRef>
+        </p:style>
+        <p:txBody>
+          <a:bodyPr rtlCol="0" anchor="ctr"/>
+          <a:lstStyle/>
+          <a:p>
+            <a:pPr algn="ctr"/>
+            <a:endParaRPr lang="ko-KR" altLang="en-US"/>
+          </a:p>
+        </p:txBody>
+      </p:sp>
+      <mc:AlternateContent xmlns:mc="http://schemas.openxmlformats.org/markup-compatibility/2006">
+        <mc:Choice xmlns:a14="http://schemas.microsoft.com/office/drawing/2010/main" Requires="a14">
+          <p:sp>
+            <p:nvSpPr>
+              <p:cNvPr id="116" name="TextBox 115">
+                <a:extLst>
+                  <a:ext uri="{FF2B5EF4-FFF2-40B4-BE49-F238E27FC236}">
+                    <a16:creationId xmlns:a16="http://schemas.microsoft.com/office/drawing/2014/main" id="{08CC730D-D77F-4D51-8128-4EBA992C6825}"/>
+                  </a:ext>
+                </a:extLst>
+              </p:cNvPr>
+              <p:cNvSpPr txBox="1"/>
+              <p:nvPr/>
+            </p:nvSpPr>
+            <p:spPr>
+              <a:xfrm>
+                <a:off x="3921849" y="2623015"/>
+                <a:ext cx="2511521" cy="1210844"/>
+              </a:xfrm>
+              <a:prstGeom prst="rect">
+                <a:avLst/>
+              </a:prstGeom>
+              <a:noFill/>
+            </p:spPr>
+            <p:txBody>
+              <a:bodyPr wrap="square" rtlCol="0">
+                <a:spAutoFit/>
+              </a:bodyPr>
+              <a:lstStyle/>
+              <a:p>
+                <a:pPr algn="ctr"/>
+                <a14:m>
+                  <m:oMath xmlns:m="http://schemas.openxmlformats.org/officeDocument/2006/math">
+                    <m:r>
+                      <a:rPr lang="ko-KR" altLang="en-US" sz="3600" i="1" smtClean="0">
+                        <a:latin typeface="Cambria Math" panose="02040503050406030204" pitchFamily="18" charset="0"/>
+                      </a:rPr>
+                      <m:t>개</m:t>
+                    </m:r>
+                  </m:oMath>
+                </a14:m>
+                <a:r>
+                  <a:rPr lang="ko-KR" altLang="en-US" sz="3600" dirty="0"/>
+                  <a:t>념의</a:t>
+                </a:r>
+                <a:endParaRPr lang="en-US" altLang="ko-KR" sz="3600" dirty="0"/>
+              </a:p>
+              <a:p>
+                <a:pPr algn="ctr"/>
+                <a:r>
+                  <a:rPr lang="ko-KR" altLang="en-US" sz="3600" dirty="0"/>
+                  <a:t>확장</a:t>
+                </a:r>
+              </a:p>
+            </p:txBody>
+          </p:sp>
+        </mc:Choice>
+        <mc:Fallback>
+          <p:sp>
+            <p:nvSpPr>
+              <p:cNvPr id="116" name="TextBox 115">
+                <a:extLst>
+                  <a:ext uri="{FF2B5EF4-FFF2-40B4-BE49-F238E27FC236}">
+                    <a16:creationId xmlns:a16="http://schemas.microsoft.com/office/drawing/2014/main" id="{08CC730D-D77F-4D51-8128-4EBA992C6825}"/>
+                  </a:ext>
+                </a:extLst>
+              </p:cNvPr>
+              <p:cNvSpPr txBox="1">
+                <a:spLocks noRot="1" noChangeAspect="1" noMove="1" noResize="1" noEditPoints="1" noAdjustHandles="1" noChangeArrowheads="1" noChangeShapeType="1" noTextEdit="1"/>
+              </p:cNvSpPr>
+              <p:nvPr/>
+            </p:nvSpPr>
+            <p:spPr>
+              <a:xfrm>
+                <a:off x="3921849" y="2623015"/>
+                <a:ext cx="2511521" cy="1210844"/>
+              </a:xfrm>
+              <a:prstGeom prst="rect">
+                <a:avLst/>
+              </a:prstGeom>
+              <a:blipFill>
+                <a:blip r:embed="rId21"/>
+                <a:stretch>
+                  <a:fillRect t="-7035" b="-17588"/>
+                </a:stretch>
+              </a:blipFill>
+            </p:spPr>
+            <p:txBody>
+              <a:bodyPr/>
+              <a:lstStyle/>
+              <a:p>
+                <a:r>
+                  <a:rPr lang="ko-KR" altLang="en-US">
+                    <a:noFill/>
+                  </a:rPr>
+                  <a:t> </a:t>
+                </a:r>
+              </a:p>
+            </p:txBody>
+          </p:sp>
+        </mc:Fallback>
+      </mc:AlternateContent>
+      <p:cxnSp>
+        <p:nvCxnSpPr>
+          <p:cNvPr id="4" name="직선 화살표 연결선 3">
+            <a:extLst>
+              <a:ext uri="{FF2B5EF4-FFF2-40B4-BE49-F238E27FC236}">
+                <a16:creationId xmlns:a16="http://schemas.microsoft.com/office/drawing/2014/main" id="{0E1166CE-0F1C-41A8-B4F2-6C12FE521DB5}"/>
+              </a:ext>
+            </a:extLst>
+          </p:cNvPr>
+          <p:cNvCxnSpPr/>
+          <p:nvPr/>
+        </p:nvCxnSpPr>
+        <p:spPr>
+          <a:xfrm>
+            <a:off x="2345628" y="6093296"/>
+            <a:ext cx="3312368" cy="0"/>
+          </a:xfrm>
+          <a:prstGeom prst="straightConnector1">
+            <a:avLst/>
+          </a:prstGeom>
+          <a:ln>
+            <a:tailEnd type="triangle"/>
+          </a:ln>
+        </p:spPr>
+        <p:style>
+          <a:lnRef idx="1">
+            <a:schemeClr val="dk1"/>
+          </a:lnRef>
+          <a:fillRef idx="0">
+            <a:schemeClr val="dk1"/>
+          </a:fillRef>
+          <a:effectRef idx="0">
+            <a:schemeClr val="dk1"/>
+          </a:effectRef>
+          <a:fontRef idx="minor">
+            <a:schemeClr val="tx1"/>
+          </a:fontRef>
+        </p:style>
+      </p:cxnSp>
+      <p:cxnSp>
+        <p:nvCxnSpPr>
+          <p:cNvPr id="6" name="직선 화살표 연결선 5">
+            <a:extLst>
+              <a:ext uri="{FF2B5EF4-FFF2-40B4-BE49-F238E27FC236}">
+                <a16:creationId xmlns:a16="http://schemas.microsoft.com/office/drawing/2014/main" id="{71410AA7-C82A-4523-8897-C0A7D3974E61}"/>
+              </a:ext>
+            </a:extLst>
+          </p:cNvPr>
+          <p:cNvCxnSpPr/>
+          <p:nvPr/>
+        </p:nvCxnSpPr>
+        <p:spPr>
+          <a:xfrm flipV="1">
+            <a:off x="2843808" y="3900845"/>
+            <a:ext cx="0" cy="2592288"/>
+          </a:xfrm>
+          <a:prstGeom prst="straightConnector1">
+            <a:avLst/>
+          </a:prstGeom>
+          <a:ln>
+            <a:tailEnd type="triangle"/>
+          </a:ln>
+        </p:spPr>
+        <p:style>
+          <a:lnRef idx="1">
+            <a:schemeClr val="dk1"/>
+          </a:lnRef>
+          <a:fillRef idx="0">
+            <a:schemeClr val="dk1"/>
+          </a:fillRef>
+          <a:effectRef idx="0">
+            <a:schemeClr val="dk1"/>
+          </a:effectRef>
+          <a:fontRef idx="minor">
+            <a:schemeClr val="tx1"/>
+          </a:fontRef>
+        </p:style>
+      </p:cxnSp>
+      <p:cxnSp>
+        <p:nvCxnSpPr>
+          <p:cNvPr id="8" name="직선 연결선 7">
+            <a:extLst>
+              <a:ext uri="{FF2B5EF4-FFF2-40B4-BE49-F238E27FC236}">
+                <a16:creationId xmlns:a16="http://schemas.microsoft.com/office/drawing/2014/main" id="{8B078679-7873-41C4-81F3-974ED02389AB}"/>
+              </a:ext>
+            </a:extLst>
+          </p:cNvPr>
+          <p:cNvCxnSpPr/>
+          <p:nvPr/>
+        </p:nvCxnSpPr>
+        <p:spPr>
+          <a:xfrm>
+            <a:off x="3443734" y="6021291"/>
+            <a:ext cx="0" cy="144010"/>
+          </a:xfrm>
+          <a:prstGeom prst="line">
+            <a:avLst/>
+          </a:prstGeom>
+        </p:spPr>
+        <p:style>
+          <a:lnRef idx="1">
+            <a:schemeClr val="dk1"/>
+          </a:lnRef>
+          <a:fillRef idx="0">
+            <a:schemeClr val="dk1"/>
+          </a:fillRef>
+          <a:effectRef idx="0">
+            <a:schemeClr val="dk1"/>
+          </a:effectRef>
+          <a:fontRef idx="minor">
+            <a:schemeClr val="tx1"/>
+          </a:fontRef>
+        </p:style>
+      </p:cxnSp>
+      <p:cxnSp>
+        <p:nvCxnSpPr>
+          <p:cNvPr id="114" name="직선 연결선 113">
+            <a:extLst>
+              <a:ext uri="{FF2B5EF4-FFF2-40B4-BE49-F238E27FC236}">
+                <a16:creationId xmlns:a16="http://schemas.microsoft.com/office/drawing/2014/main" id="{1D5D95B0-21AF-4791-A5D9-E9E1FDCD3897}"/>
+              </a:ext>
+            </a:extLst>
+          </p:cNvPr>
+          <p:cNvCxnSpPr/>
+          <p:nvPr/>
+        </p:nvCxnSpPr>
+        <p:spPr>
+          <a:xfrm>
+            <a:off x="4932040" y="6021291"/>
+            <a:ext cx="0" cy="144010"/>
+          </a:xfrm>
+          <a:prstGeom prst="line">
+            <a:avLst/>
+          </a:prstGeom>
+        </p:spPr>
+        <p:style>
+          <a:lnRef idx="1">
+            <a:schemeClr val="dk1"/>
+          </a:lnRef>
+          <a:fillRef idx="0">
+            <a:schemeClr val="dk1"/>
+          </a:fillRef>
+          <a:effectRef idx="0">
+            <a:schemeClr val="dk1"/>
+          </a:effectRef>
+          <a:fontRef idx="minor">
+            <a:schemeClr val="tx1"/>
+          </a:fontRef>
+        </p:style>
+      </p:cxnSp>
+      <p:cxnSp>
+        <p:nvCxnSpPr>
+          <p:cNvPr id="118" name="직선 연결선 117">
+            <a:extLst>
+              <a:ext uri="{FF2B5EF4-FFF2-40B4-BE49-F238E27FC236}">
+                <a16:creationId xmlns:a16="http://schemas.microsoft.com/office/drawing/2014/main" id="{C919C741-C8EF-4680-BC02-1FF1E583E218}"/>
+              </a:ext>
+            </a:extLst>
+          </p:cNvPr>
+          <p:cNvCxnSpPr>
+            <a:cxnSpLocks/>
+          </p:cNvCxnSpPr>
+          <p:nvPr/>
+        </p:nvCxnSpPr>
+        <p:spPr>
+          <a:xfrm rot="5400000">
+            <a:off x="2843808" y="5523828"/>
+            <a:ext cx="0" cy="171558"/>
+          </a:xfrm>
+          <a:prstGeom prst="line">
+            <a:avLst/>
+          </a:prstGeom>
+        </p:spPr>
+        <p:style>
+          <a:lnRef idx="1">
+            <a:schemeClr val="dk1"/>
+          </a:lnRef>
+          <a:fillRef idx="0">
+            <a:schemeClr val="dk1"/>
+          </a:fillRef>
+          <a:effectRef idx="0">
+            <a:schemeClr val="dk1"/>
+          </a:effectRef>
+          <a:fontRef idx="minor">
+            <a:schemeClr val="tx1"/>
+          </a:fontRef>
+        </p:style>
+      </p:cxnSp>
+      <p:cxnSp>
+        <p:nvCxnSpPr>
+          <p:cNvPr id="119" name="직선 연결선 118">
+            <a:extLst>
+              <a:ext uri="{FF2B5EF4-FFF2-40B4-BE49-F238E27FC236}">
+                <a16:creationId xmlns:a16="http://schemas.microsoft.com/office/drawing/2014/main" id="{272FF17A-9EAE-4048-B7B5-376518F32B7B}"/>
+              </a:ext>
+            </a:extLst>
+          </p:cNvPr>
+          <p:cNvCxnSpPr>
+            <a:cxnSpLocks/>
+          </p:cNvCxnSpPr>
+          <p:nvPr/>
+        </p:nvCxnSpPr>
+        <p:spPr>
+          <a:xfrm rot="5400000">
+            <a:off x="2843808" y="4351334"/>
+            <a:ext cx="0" cy="171558"/>
+          </a:xfrm>
+          <a:prstGeom prst="line">
+            <a:avLst/>
+          </a:prstGeom>
+        </p:spPr>
+        <p:style>
+          <a:lnRef idx="1">
+            <a:schemeClr val="dk1"/>
+          </a:lnRef>
+          <a:fillRef idx="0">
+            <a:schemeClr val="dk1"/>
+          </a:fillRef>
+          <a:effectRef idx="0">
+            <a:schemeClr val="dk1"/>
+          </a:effectRef>
+          <a:fontRef idx="minor">
+            <a:schemeClr val="tx1"/>
+          </a:fontRef>
+        </p:style>
+      </p:cxnSp>
+      <mc:AlternateContent xmlns:mc="http://schemas.openxmlformats.org/markup-compatibility/2006">
+        <mc:Choice xmlns:a14="http://schemas.microsoft.com/office/drawing/2010/main" Requires="a14">
+          <p:sp>
+            <p:nvSpPr>
+              <p:cNvPr id="11" name="TextBox 10">
+                <a:extLst>
+                  <a:ext uri="{FF2B5EF4-FFF2-40B4-BE49-F238E27FC236}">
+                    <a16:creationId xmlns:a16="http://schemas.microsoft.com/office/drawing/2014/main" id="{66E5F592-B218-43CF-A601-DB291A5CB280}"/>
+                  </a:ext>
+                </a:extLst>
+              </p:cNvPr>
+              <p:cNvSpPr txBox="1"/>
+              <p:nvPr/>
+            </p:nvSpPr>
+            <p:spPr>
+              <a:xfrm>
+                <a:off x="3268512" y="6156862"/>
+                <a:ext cx="400302" cy="369332"/>
+              </a:xfrm>
+              <a:prstGeom prst="rect">
+                <a:avLst/>
+              </a:prstGeom>
+              <a:noFill/>
+            </p:spPr>
+            <p:txBody>
+              <a:bodyPr wrap="none" rtlCol="0">
+                <a:spAutoFit/>
+              </a:bodyPr>
+              <a:lstStyle/>
+              <a:p>
+                <a14:m>
+                  <m:oMathPara xmlns:m="http://schemas.openxmlformats.org/officeDocument/2006/math">
+                    <m:oMathParaPr>
+                      <m:jc m:val="centerGroup"/>
+                    </m:oMathParaPr>
+                    <m:oMath xmlns:m="http://schemas.openxmlformats.org/officeDocument/2006/math">
+                      <m:r>
+                        <a:rPr lang="en-US" altLang="ko-KR" b="0" i="1" smtClean="0">
+                          <a:latin typeface="Cambria Math" panose="02040503050406030204" pitchFamily="18" charset="0"/>
+                        </a:rPr>
+                        <m:t>𝑎</m:t>
+                      </m:r>
+                    </m:oMath>
+                  </m:oMathPara>
+                </a14:m>
+                <a:endParaRPr lang="ko-KR" altLang="en-US" dirty="0"/>
+              </a:p>
+            </p:txBody>
+          </p:sp>
+        </mc:Choice>
+        <mc:Fallback>
+          <p:sp>
+            <p:nvSpPr>
+              <p:cNvPr id="11" name="TextBox 10">
+                <a:extLst>
+                  <a:ext uri="{FF2B5EF4-FFF2-40B4-BE49-F238E27FC236}">
+                    <a16:creationId xmlns:a16="http://schemas.microsoft.com/office/drawing/2014/main" id="{66E5F592-B218-43CF-A601-DB291A5CB280}"/>
+                  </a:ext>
+                </a:extLst>
+              </p:cNvPr>
+              <p:cNvSpPr txBox="1">
+                <a:spLocks noRot="1" noChangeAspect="1" noMove="1" noResize="1" noEditPoints="1" noAdjustHandles="1" noChangeArrowheads="1" noChangeShapeType="1" noTextEdit="1"/>
+              </p:cNvSpPr>
+              <p:nvPr/>
+            </p:nvSpPr>
+            <p:spPr>
+              <a:xfrm>
+                <a:off x="3268512" y="6156862"/>
+                <a:ext cx="400302" cy="369332"/>
+              </a:xfrm>
+              <a:prstGeom prst="rect">
+                <a:avLst/>
+              </a:prstGeom>
+              <a:blipFill>
+                <a:blip r:embed="rId22"/>
+                <a:stretch>
+                  <a:fillRect/>
+                </a:stretch>
+              </a:blipFill>
+            </p:spPr>
+            <p:txBody>
+              <a:bodyPr/>
+              <a:lstStyle/>
+              <a:p>
+                <a:r>
+                  <a:rPr lang="ko-KR" altLang="en-US">
+                    <a:noFill/>
+                  </a:rPr>
+                  <a:t> </a:t>
+                </a:r>
+              </a:p>
+            </p:txBody>
+          </p:sp>
+        </mc:Fallback>
+      </mc:AlternateContent>
+      <mc:AlternateContent xmlns:mc="http://schemas.openxmlformats.org/markup-compatibility/2006">
+        <mc:Choice xmlns:a14="http://schemas.microsoft.com/office/drawing/2010/main" Requires="a14">
+          <p:sp>
+            <p:nvSpPr>
+              <p:cNvPr id="120" name="TextBox 119">
+                <a:extLst>
+                  <a:ext uri="{FF2B5EF4-FFF2-40B4-BE49-F238E27FC236}">
+                    <a16:creationId xmlns:a16="http://schemas.microsoft.com/office/drawing/2014/main" id="{F48AA094-CCC8-49DA-9E56-C3E087ED9CE2}"/>
+                  </a:ext>
+                </a:extLst>
+              </p:cNvPr>
+              <p:cNvSpPr txBox="1"/>
+              <p:nvPr/>
+            </p:nvSpPr>
+            <p:spPr>
+              <a:xfrm>
+                <a:off x="4731889" y="6156862"/>
+                <a:ext cx="400302" cy="369332"/>
+              </a:xfrm>
+              <a:prstGeom prst="rect">
+                <a:avLst/>
+              </a:prstGeom>
+              <a:noFill/>
+            </p:spPr>
+            <p:txBody>
+              <a:bodyPr wrap="none" rtlCol="0">
+                <a:spAutoFit/>
+              </a:bodyPr>
+              <a:lstStyle/>
+              <a:p>
+                <a14:m>
+                  <m:oMathPara xmlns:m="http://schemas.openxmlformats.org/officeDocument/2006/math">
+                    <m:oMathParaPr>
+                      <m:jc m:val="centerGroup"/>
+                    </m:oMathParaPr>
+                    <m:oMath xmlns:m="http://schemas.openxmlformats.org/officeDocument/2006/math">
+                      <m:r>
+                        <a:rPr lang="en-US" altLang="ko-KR" b="0" i="1" smtClean="0">
+                          <a:latin typeface="Cambria Math" panose="02040503050406030204" pitchFamily="18" charset="0"/>
+                        </a:rPr>
+                        <m:t>𝑏</m:t>
+                      </m:r>
+                    </m:oMath>
+                  </m:oMathPara>
+                </a14:m>
+                <a:endParaRPr lang="ko-KR" altLang="en-US" dirty="0"/>
+              </a:p>
+            </p:txBody>
+          </p:sp>
+        </mc:Choice>
+        <mc:Fallback>
+          <p:sp>
+            <p:nvSpPr>
+              <p:cNvPr id="120" name="TextBox 119">
+                <a:extLst>
+                  <a:ext uri="{FF2B5EF4-FFF2-40B4-BE49-F238E27FC236}">
+                    <a16:creationId xmlns:a16="http://schemas.microsoft.com/office/drawing/2014/main" id="{F48AA094-CCC8-49DA-9E56-C3E087ED9CE2}"/>
+                  </a:ext>
+                </a:extLst>
+              </p:cNvPr>
+              <p:cNvSpPr txBox="1">
+                <a:spLocks noRot="1" noChangeAspect="1" noMove="1" noResize="1" noEditPoints="1" noAdjustHandles="1" noChangeArrowheads="1" noChangeShapeType="1" noTextEdit="1"/>
+              </p:cNvSpPr>
+              <p:nvPr/>
+            </p:nvSpPr>
+            <p:spPr>
+              <a:xfrm>
+                <a:off x="4731889" y="6156862"/>
+                <a:ext cx="400302" cy="369332"/>
+              </a:xfrm>
+              <a:prstGeom prst="rect">
+                <a:avLst/>
+              </a:prstGeom>
+              <a:blipFill>
+                <a:blip r:embed="rId23"/>
+                <a:stretch>
+                  <a:fillRect/>
+                </a:stretch>
+              </a:blipFill>
+            </p:spPr>
+            <p:txBody>
+              <a:bodyPr/>
+              <a:lstStyle/>
+              <a:p>
+                <a:r>
+                  <a:rPr lang="ko-KR" altLang="en-US">
+                    <a:noFill/>
+                  </a:rPr>
+                  <a:t> </a:t>
+                </a:r>
+              </a:p>
+            </p:txBody>
+          </p:sp>
+        </mc:Fallback>
+      </mc:AlternateContent>
+      <mc:AlternateContent xmlns:mc="http://schemas.openxmlformats.org/markup-compatibility/2006">
+        <mc:Choice xmlns:a14="http://schemas.microsoft.com/office/drawing/2010/main" Requires="a14">
+          <p:sp>
+            <p:nvSpPr>
+              <p:cNvPr id="121" name="TextBox 120">
+                <a:extLst>
+                  <a:ext uri="{FF2B5EF4-FFF2-40B4-BE49-F238E27FC236}">
+                    <a16:creationId xmlns:a16="http://schemas.microsoft.com/office/drawing/2014/main" id="{6EF04BD0-1396-4CC3-8D42-5398CD48B72D}"/>
+                  </a:ext>
+                </a:extLst>
+              </p:cNvPr>
+              <p:cNvSpPr txBox="1"/>
+              <p:nvPr/>
+            </p:nvSpPr>
+            <p:spPr>
+              <a:xfrm>
+                <a:off x="2355239" y="5424941"/>
+                <a:ext cx="400302" cy="369332"/>
+              </a:xfrm>
+              <a:prstGeom prst="rect">
+                <a:avLst/>
+              </a:prstGeom>
+              <a:noFill/>
+            </p:spPr>
+            <p:txBody>
+              <a:bodyPr wrap="none" rtlCol="0">
+                <a:spAutoFit/>
+              </a:bodyPr>
+              <a:lstStyle/>
+              <a:p>
+                <a14:m>
+                  <m:oMathPara xmlns:m="http://schemas.openxmlformats.org/officeDocument/2006/math">
+                    <m:oMathParaPr>
+                      <m:jc m:val="centerGroup"/>
+                    </m:oMathParaPr>
+                    <m:oMath xmlns:m="http://schemas.openxmlformats.org/officeDocument/2006/math">
+                      <m:r>
+                        <a:rPr lang="en-US" altLang="ko-KR" b="0" i="1" smtClean="0">
+                          <a:latin typeface="Cambria Math" panose="02040503050406030204" pitchFamily="18" charset="0"/>
+                        </a:rPr>
+                        <m:t>𝑎</m:t>
+                      </m:r>
+                    </m:oMath>
+                  </m:oMathPara>
+                </a14:m>
+                <a:endParaRPr lang="ko-KR" altLang="en-US" dirty="0"/>
+              </a:p>
+            </p:txBody>
+          </p:sp>
+        </mc:Choice>
+        <mc:Fallback>
+          <p:sp>
+            <p:nvSpPr>
+              <p:cNvPr id="121" name="TextBox 120">
+                <a:extLst>
+                  <a:ext uri="{FF2B5EF4-FFF2-40B4-BE49-F238E27FC236}">
+                    <a16:creationId xmlns:a16="http://schemas.microsoft.com/office/drawing/2014/main" id="{6EF04BD0-1396-4CC3-8D42-5398CD48B72D}"/>
+                  </a:ext>
+                </a:extLst>
+              </p:cNvPr>
+              <p:cNvSpPr txBox="1">
+                <a:spLocks noRot="1" noChangeAspect="1" noMove="1" noResize="1" noEditPoints="1" noAdjustHandles="1" noChangeArrowheads="1" noChangeShapeType="1" noTextEdit="1"/>
+              </p:cNvSpPr>
+              <p:nvPr/>
+            </p:nvSpPr>
+            <p:spPr>
+              <a:xfrm>
+                <a:off x="2355239" y="5424941"/>
+                <a:ext cx="400302" cy="369332"/>
+              </a:xfrm>
+              <a:prstGeom prst="rect">
+                <a:avLst/>
+              </a:prstGeom>
+              <a:blipFill>
+                <a:blip r:embed="rId24"/>
+                <a:stretch>
+                  <a:fillRect/>
+                </a:stretch>
+              </a:blipFill>
+            </p:spPr>
+            <p:txBody>
+              <a:bodyPr/>
+              <a:lstStyle/>
+              <a:p>
+                <a:r>
+                  <a:rPr lang="ko-KR" altLang="en-US">
+                    <a:noFill/>
+                  </a:rPr>
+                  <a:t> </a:t>
+                </a:r>
+              </a:p>
+            </p:txBody>
+          </p:sp>
+        </mc:Fallback>
+      </mc:AlternateContent>
+      <mc:AlternateContent xmlns:mc="http://schemas.openxmlformats.org/markup-compatibility/2006">
+        <mc:Choice xmlns:a14="http://schemas.microsoft.com/office/drawing/2010/main" Requires="a14">
+          <p:sp>
+            <p:nvSpPr>
+              <p:cNvPr id="122" name="TextBox 121">
+                <a:extLst>
+                  <a:ext uri="{FF2B5EF4-FFF2-40B4-BE49-F238E27FC236}">
+                    <a16:creationId xmlns:a16="http://schemas.microsoft.com/office/drawing/2014/main" id="{0AC415B7-524A-42C7-B65E-C10FD10E7F15}"/>
+                  </a:ext>
+                </a:extLst>
+              </p:cNvPr>
+              <p:cNvSpPr txBox="1"/>
+              <p:nvPr/>
+            </p:nvSpPr>
+            <p:spPr>
+              <a:xfrm>
+                <a:off x="2355239" y="4252447"/>
+                <a:ext cx="400302" cy="369332"/>
+              </a:xfrm>
+              <a:prstGeom prst="rect">
+                <a:avLst/>
+              </a:prstGeom>
+              <a:noFill/>
+            </p:spPr>
+            <p:txBody>
+              <a:bodyPr wrap="none" rtlCol="0">
+                <a:spAutoFit/>
+              </a:bodyPr>
+              <a:lstStyle/>
+              <a:p>
+                <a14:m>
+                  <m:oMathPara xmlns:m="http://schemas.openxmlformats.org/officeDocument/2006/math">
+                    <m:oMathParaPr>
+                      <m:jc m:val="centerGroup"/>
+                    </m:oMathParaPr>
+                    <m:oMath xmlns:m="http://schemas.openxmlformats.org/officeDocument/2006/math">
+                      <m:r>
+                        <a:rPr lang="en-US" altLang="ko-KR" b="0" i="1" smtClean="0">
+                          <a:latin typeface="Cambria Math" panose="02040503050406030204" pitchFamily="18" charset="0"/>
+                        </a:rPr>
+                        <m:t>𝑎</m:t>
+                      </m:r>
+                    </m:oMath>
+                  </m:oMathPara>
+                </a14:m>
+                <a:endParaRPr lang="ko-KR" altLang="en-US" dirty="0"/>
+              </a:p>
+            </p:txBody>
+          </p:sp>
+        </mc:Choice>
+        <mc:Fallback>
+          <p:sp>
+            <p:nvSpPr>
+              <p:cNvPr id="122" name="TextBox 121">
+                <a:extLst>
+                  <a:ext uri="{FF2B5EF4-FFF2-40B4-BE49-F238E27FC236}">
+                    <a16:creationId xmlns:a16="http://schemas.microsoft.com/office/drawing/2014/main" id="{0AC415B7-524A-42C7-B65E-C10FD10E7F15}"/>
+                  </a:ext>
+                </a:extLst>
+              </p:cNvPr>
+              <p:cNvSpPr txBox="1">
+                <a:spLocks noRot="1" noChangeAspect="1" noMove="1" noResize="1" noEditPoints="1" noAdjustHandles="1" noChangeArrowheads="1" noChangeShapeType="1" noTextEdit="1"/>
+              </p:cNvSpPr>
+              <p:nvPr/>
+            </p:nvSpPr>
+            <p:spPr>
+              <a:xfrm>
+                <a:off x="2355239" y="4252447"/>
+                <a:ext cx="400302" cy="369332"/>
+              </a:xfrm>
+              <a:prstGeom prst="rect">
+                <a:avLst/>
+              </a:prstGeom>
+              <a:blipFill>
+                <a:blip r:embed="rId25"/>
+                <a:stretch>
+                  <a:fillRect/>
+                </a:stretch>
+              </a:blipFill>
+            </p:spPr>
+            <p:txBody>
+              <a:bodyPr/>
+              <a:lstStyle/>
+              <a:p>
+                <a:r>
+                  <a:rPr lang="ko-KR" altLang="en-US">
+                    <a:noFill/>
+                  </a:rPr>
+                  <a:t> </a:t>
+                </a:r>
+              </a:p>
+            </p:txBody>
+          </p:sp>
+        </mc:Fallback>
+      </mc:AlternateContent>
+      <mc:AlternateContent xmlns:mc="http://schemas.openxmlformats.org/markup-compatibility/2006">
+        <mc:Choice xmlns:a14="http://schemas.microsoft.com/office/drawing/2010/main" Requires="a14">
+          <p:sp>
+            <p:nvSpPr>
+              <p:cNvPr id="123" name="TextBox 122">
+                <a:extLst>
+                  <a:ext uri="{FF2B5EF4-FFF2-40B4-BE49-F238E27FC236}">
+                    <a16:creationId xmlns:a16="http://schemas.microsoft.com/office/drawing/2014/main" id="{B350F9F3-8C8D-480C-857F-D578D9AA89AD}"/>
+                  </a:ext>
+                </a:extLst>
+              </p:cNvPr>
+              <p:cNvSpPr txBox="1"/>
+              <p:nvPr/>
+            </p:nvSpPr>
+            <p:spPr>
+              <a:xfrm>
+                <a:off x="5407275" y="5661248"/>
+                <a:ext cx="400302" cy="369332"/>
+              </a:xfrm>
+              <a:prstGeom prst="rect">
+                <a:avLst/>
+              </a:prstGeom>
+              <a:noFill/>
+            </p:spPr>
+            <p:txBody>
+              <a:bodyPr wrap="none" rtlCol="0">
+                <a:spAutoFit/>
+              </a:bodyPr>
+              <a:lstStyle/>
+              <a:p>
+                <a14:m>
+                  <m:oMathPara xmlns:m="http://schemas.openxmlformats.org/officeDocument/2006/math">
+                    <m:oMathParaPr>
+                      <m:jc m:val="centerGroup"/>
+                    </m:oMathParaPr>
+                    <m:oMath xmlns:m="http://schemas.openxmlformats.org/officeDocument/2006/math">
+                      <m:r>
+                        <a:rPr lang="en-US" altLang="ko-KR" b="0" i="1" smtClean="0">
+                          <a:latin typeface="Cambria Math" panose="02040503050406030204" pitchFamily="18" charset="0"/>
+                        </a:rPr>
+                        <m:t>𝑥</m:t>
+                      </m:r>
+                    </m:oMath>
+                  </m:oMathPara>
+                </a14:m>
+                <a:endParaRPr lang="ko-KR" altLang="en-US" dirty="0"/>
+              </a:p>
+            </p:txBody>
+          </p:sp>
+        </mc:Choice>
+        <mc:Fallback>
+          <p:sp>
+            <p:nvSpPr>
+              <p:cNvPr id="123" name="TextBox 122">
+                <a:extLst>
+                  <a:ext uri="{FF2B5EF4-FFF2-40B4-BE49-F238E27FC236}">
+                    <a16:creationId xmlns:a16="http://schemas.microsoft.com/office/drawing/2014/main" id="{B350F9F3-8C8D-480C-857F-D578D9AA89AD}"/>
+                  </a:ext>
+                </a:extLst>
+              </p:cNvPr>
+              <p:cNvSpPr txBox="1">
+                <a:spLocks noRot="1" noChangeAspect="1" noMove="1" noResize="1" noEditPoints="1" noAdjustHandles="1" noChangeArrowheads="1" noChangeShapeType="1" noTextEdit="1"/>
+              </p:cNvSpPr>
+              <p:nvPr/>
+            </p:nvSpPr>
+            <p:spPr>
+              <a:xfrm>
+                <a:off x="5407275" y="5661248"/>
+                <a:ext cx="400302" cy="369332"/>
+              </a:xfrm>
+              <a:prstGeom prst="rect">
+                <a:avLst/>
+              </a:prstGeom>
+              <a:blipFill>
+                <a:blip r:embed="rId26"/>
+                <a:stretch>
+                  <a:fillRect/>
+                </a:stretch>
+              </a:blipFill>
+            </p:spPr>
+            <p:txBody>
+              <a:bodyPr/>
+              <a:lstStyle/>
+              <a:p>
+                <a:r>
+                  <a:rPr lang="ko-KR" altLang="en-US">
+                    <a:noFill/>
+                  </a:rPr>
+                  <a:t> </a:t>
+                </a:r>
+              </a:p>
+            </p:txBody>
+          </p:sp>
+        </mc:Fallback>
+      </mc:AlternateContent>
+      <mc:AlternateContent xmlns:mc="http://schemas.openxmlformats.org/markup-compatibility/2006">
+        <mc:Choice xmlns:a14="http://schemas.microsoft.com/office/drawing/2010/main" Requires="a14">
+          <p:sp>
+            <p:nvSpPr>
+              <p:cNvPr id="125" name="TextBox 124">
+                <a:extLst>
+                  <a:ext uri="{FF2B5EF4-FFF2-40B4-BE49-F238E27FC236}">
+                    <a16:creationId xmlns:a16="http://schemas.microsoft.com/office/drawing/2014/main" id="{5B8F3F88-4AA8-4B3C-AA63-7C5309423F53}"/>
+                  </a:ext>
+                </a:extLst>
+              </p:cNvPr>
+              <p:cNvSpPr txBox="1"/>
+              <p:nvPr/>
+            </p:nvSpPr>
+            <p:spPr>
+              <a:xfrm>
+                <a:off x="2455707" y="3747296"/>
+                <a:ext cx="378565" cy="369332"/>
+              </a:xfrm>
+              <a:prstGeom prst="rect">
+                <a:avLst/>
+              </a:prstGeom>
+              <a:noFill/>
+            </p:spPr>
+            <p:txBody>
+              <a:bodyPr wrap="none" rtlCol="0">
+                <a:spAutoFit/>
+              </a:bodyPr>
+              <a:lstStyle/>
+              <a:p>
+                <a14:m>
+                  <m:oMathPara xmlns:m="http://schemas.openxmlformats.org/officeDocument/2006/math">
+                    <m:oMathParaPr>
+                      <m:jc m:val="centerGroup"/>
+                    </m:oMathParaPr>
+                    <m:oMath xmlns:m="http://schemas.openxmlformats.org/officeDocument/2006/math">
+                      <m:r>
+                        <a:rPr lang="en-US" altLang="ko-KR" b="0" i="1" smtClean="0">
+                          <a:latin typeface="Cambria Math" panose="02040503050406030204" pitchFamily="18" charset="0"/>
+                        </a:rPr>
+                        <m:t>𝑠</m:t>
+                      </m:r>
+                    </m:oMath>
+                  </m:oMathPara>
+                </a14:m>
+                <a:endParaRPr lang="ko-KR" altLang="en-US" dirty="0"/>
+              </a:p>
+            </p:txBody>
+          </p:sp>
+        </mc:Choice>
+        <mc:Fallback>
+          <p:sp>
+            <p:nvSpPr>
+              <p:cNvPr id="125" name="TextBox 124">
+                <a:extLst>
+                  <a:ext uri="{FF2B5EF4-FFF2-40B4-BE49-F238E27FC236}">
+                    <a16:creationId xmlns:a16="http://schemas.microsoft.com/office/drawing/2014/main" id="{5B8F3F88-4AA8-4B3C-AA63-7C5309423F53}"/>
+                  </a:ext>
+                </a:extLst>
+              </p:cNvPr>
+              <p:cNvSpPr txBox="1">
+                <a:spLocks noRot="1" noChangeAspect="1" noMove="1" noResize="1" noEditPoints="1" noAdjustHandles="1" noChangeArrowheads="1" noChangeShapeType="1" noTextEdit="1"/>
+              </p:cNvSpPr>
+              <p:nvPr/>
+            </p:nvSpPr>
+            <p:spPr>
+              <a:xfrm>
+                <a:off x="2455707" y="3747296"/>
+                <a:ext cx="378565" cy="369332"/>
+              </a:xfrm>
+              <a:prstGeom prst="rect">
+                <a:avLst/>
+              </a:prstGeom>
+              <a:blipFill>
+                <a:blip r:embed="rId27"/>
+                <a:stretch>
+                  <a:fillRect/>
+                </a:stretch>
+              </a:blipFill>
+            </p:spPr>
+            <p:txBody>
+              <a:bodyPr/>
+              <a:lstStyle/>
+              <a:p>
+                <a:r>
+                  <a:rPr lang="ko-KR" altLang="en-US">
+                    <a:noFill/>
+                  </a:rPr>
+                  <a:t> </a:t>
+                </a:r>
+              </a:p>
+            </p:txBody>
+          </p:sp>
+        </mc:Fallback>
+      </mc:AlternateContent>
+      <p:sp>
+        <p:nvSpPr>
+          <p:cNvPr id="12" name="직사각형 11">
+            <a:extLst>
+              <a:ext uri="{FF2B5EF4-FFF2-40B4-BE49-F238E27FC236}">
+                <a16:creationId xmlns:a16="http://schemas.microsoft.com/office/drawing/2014/main" id="{81EE44E6-61B6-4BC4-850B-47FE9FFB4162}"/>
+              </a:ext>
+            </a:extLst>
+          </p:cNvPr>
+          <p:cNvSpPr/>
+          <p:nvPr/>
+        </p:nvSpPr>
+        <p:spPr>
+          <a:xfrm>
+            <a:off x="3443733" y="4437113"/>
+            <a:ext cx="1488301" cy="1172495"/>
+          </a:xfrm>
+          <a:prstGeom prst="rect">
+            <a:avLst/>
+          </a:prstGeom>
+          <a:gradFill>
+            <a:gsLst>
+              <a:gs pos="0">
+                <a:schemeClr val="accent1">
+                  <a:lumMod val="5000"/>
+                  <a:lumOff val="95000"/>
+                </a:schemeClr>
+              </a:gs>
+              <a:gs pos="74000">
+                <a:schemeClr val="accent1">
+                  <a:lumMod val="45000"/>
+                  <a:lumOff val="55000"/>
+                </a:schemeClr>
+              </a:gs>
+              <a:gs pos="83000">
+                <a:schemeClr val="accent1">
+                  <a:lumMod val="45000"/>
+                  <a:lumOff val="55000"/>
+                </a:schemeClr>
+              </a:gs>
+              <a:gs pos="100000">
+                <a:schemeClr val="accent1">
+                  <a:lumMod val="30000"/>
+                  <a:lumOff val="70000"/>
+                </a:schemeClr>
+              </a:gs>
+            </a:gsLst>
+            <a:lin ang="5400000" scaled="1"/>
+          </a:gradFill>
+        </p:spPr>
+        <p:style>
+          <a:lnRef idx="2">
+            <a:schemeClr val="accent1">
+              <a:shade val="50000"/>
+            </a:schemeClr>
+          </a:lnRef>
+          <a:fillRef idx="1">
+            <a:schemeClr val="accent1"/>
+          </a:fillRef>
+          <a:effectRef idx="0">
+            <a:schemeClr val="accent1"/>
+          </a:effectRef>
+          <a:fontRef idx="minor">
+            <a:schemeClr val="lt1"/>
+          </a:fontRef>
+        </p:style>
+        <p:txBody>
+          <a:bodyPr rtlCol="0" anchor="ctr"/>
+          <a:lstStyle/>
+          <a:p>
+            <a:pPr algn="ctr"/>
+            <a:endParaRPr lang="ko-KR" altLang="en-US"/>
+          </a:p>
+        </p:txBody>
+      </p:sp>
     </p:spTree>
     <p:extLst>
       <p:ext uri="{BB962C8B-B14F-4D97-AF65-F5344CB8AC3E}">

--- a/pics/2021-06-09-Greens_function/pics.pptx
+++ b/pics/2021-06-09-Greens_function/pics.pptx
@@ -4,6 +4,9 @@
   <p:sldMasterIdLst>
     <p:sldMasterId id="2147483648" r:id="rId1"/>
   </p:sldMasterIdLst>
+  <p:notesMasterIdLst>
+    <p:notesMasterId r:id="rId7"/>
+  </p:notesMasterIdLst>
   <p:sldIdLst>
     <p:sldId id="259" r:id="rId2"/>
     <p:sldId id="260" r:id="rId3"/>
@@ -125,6 +128,439 @@
     </p:ext>
   </p:extLst>
 </p:presentation>
+</file>
+
+<file path=ppt/notesMasters/notesMaster1.xml><?xml version="1.0" encoding="utf-8"?>
+<p:notesMaster xmlns:a="http://schemas.openxmlformats.org/drawingml/2006/main" xmlns:r="http://schemas.openxmlformats.org/officeDocument/2006/relationships" xmlns:p="http://schemas.openxmlformats.org/presentationml/2006/main">
+  <p:cSld>
+    <p:bg>
+      <p:bgRef idx="1001">
+        <a:schemeClr val="bg1"/>
+      </p:bgRef>
+    </p:bg>
+    <p:spTree>
+      <p:nvGrpSpPr>
+        <p:cNvPr id="1" name=""/>
+        <p:cNvGrpSpPr/>
+        <p:nvPr/>
+      </p:nvGrpSpPr>
+      <p:grpSpPr>
+        <a:xfrm>
+          <a:off x="0" y="0"/>
+          <a:ext cx="0" cy="0"/>
+          <a:chOff x="0" y="0"/>
+          <a:chExt cx="0" cy="0"/>
+        </a:xfrm>
+      </p:grpSpPr>
+      <p:sp>
+        <p:nvSpPr>
+          <p:cNvPr id="2" name="머리글 개체 틀 1"/>
+          <p:cNvSpPr>
+            <a:spLocks noGrp="1"/>
+          </p:cNvSpPr>
+          <p:nvPr>
+            <p:ph type="hdr" sz="quarter"/>
+          </p:nvPr>
+        </p:nvSpPr>
+        <p:spPr>
+          <a:xfrm>
+            <a:off x="0" y="0"/>
+            <a:ext cx="2971800" cy="458788"/>
+          </a:xfrm>
+          <a:prstGeom prst="rect">
+            <a:avLst/>
+          </a:prstGeom>
+        </p:spPr>
+        <p:txBody>
+          <a:bodyPr vert="horz" lIns="91440" tIns="45720" rIns="91440" bIns="45720" rtlCol="0"/>
+          <a:lstStyle>
+            <a:lvl1pPr algn="l">
+              <a:defRPr sz="1200"/>
+            </a:lvl1pPr>
+          </a:lstStyle>
+          <a:p>
+            <a:endParaRPr lang="ko-KR" altLang="en-US"/>
+          </a:p>
+        </p:txBody>
+      </p:sp>
+      <p:sp>
+        <p:nvSpPr>
+          <p:cNvPr id="3" name="날짜 개체 틀 2"/>
+          <p:cNvSpPr>
+            <a:spLocks noGrp="1"/>
+          </p:cNvSpPr>
+          <p:nvPr>
+            <p:ph type="dt" idx="1"/>
+          </p:nvPr>
+        </p:nvSpPr>
+        <p:spPr>
+          <a:xfrm>
+            <a:off x="3884613" y="0"/>
+            <a:ext cx="2971800" cy="458788"/>
+          </a:xfrm>
+          <a:prstGeom prst="rect">
+            <a:avLst/>
+          </a:prstGeom>
+        </p:spPr>
+        <p:txBody>
+          <a:bodyPr vert="horz" lIns="91440" tIns="45720" rIns="91440" bIns="45720" rtlCol="0"/>
+          <a:lstStyle>
+            <a:lvl1pPr algn="r">
+              <a:defRPr sz="1200"/>
+            </a:lvl1pPr>
+          </a:lstStyle>
+          <a:p>
+            <a:fld id="{A3F1F8DC-E48E-4670-8D99-78D2EAEF71A4}" type="datetimeFigureOut">
+              <a:rPr lang="ko-KR" altLang="en-US" smtClean="0"/>
+              <a:t>2021-06-12</a:t>
+            </a:fld>
+            <a:endParaRPr lang="ko-KR" altLang="en-US"/>
+          </a:p>
+        </p:txBody>
+      </p:sp>
+      <p:sp>
+        <p:nvSpPr>
+          <p:cNvPr id="4" name="슬라이드 이미지 개체 틀 3"/>
+          <p:cNvSpPr>
+            <a:spLocks noGrp="1" noRot="1" noChangeAspect="1"/>
+          </p:cNvSpPr>
+          <p:nvPr>
+            <p:ph type="sldImg" idx="2"/>
+          </p:nvPr>
+        </p:nvSpPr>
+        <p:spPr>
+          <a:xfrm>
+            <a:off x="1371600" y="1143000"/>
+            <a:ext cx="4114800" cy="3086100"/>
+          </a:xfrm>
+          <a:prstGeom prst="rect">
+            <a:avLst/>
+          </a:prstGeom>
+          <a:noFill/>
+          <a:ln w="12700">
+            <a:solidFill>
+              <a:prstClr val="black"/>
+            </a:solidFill>
+          </a:ln>
+        </p:spPr>
+        <p:txBody>
+          <a:bodyPr vert="horz" lIns="91440" tIns="45720" rIns="91440" bIns="45720" rtlCol="0" anchor="ctr"/>
+          <a:lstStyle/>
+          <a:p>
+            <a:endParaRPr lang="ko-KR" altLang="en-US"/>
+          </a:p>
+        </p:txBody>
+      </p:sp>
+      <p:sp>
+        <p:nvSpPr>
+          <p:cNvPr id="5" name="슬라이드 노트 개체 틀 4"/>
+          <p:cNvSpPr>
+            <a:spLocks noGrp="1"/>
+          </p:cNvSpPr>
+          <p:nvPr>
+            <p:ph type="body" sz="quarter" idx="3"/>
+          </p:nvPr>
+        </p:nvSpPr>
+        <p:spPr>
+          <a:xfrm>
+            <a:off x="685800" y="4400550"/>
+            <a:ext cx="5486400" cy="3600450"/>
+          </a:xfrm>
+          <a:prstGeom prst="rect">
+            <a:avLst/>
+          </a:prstGeom>
+        </p:spPr>
+        <p:txBody>
+          <a:bodyPr vert="horz" lIns="91440" tIns="45720" rIns="91440" bIns="45720" rtlCol="0"/>
+          <a:lstStyle/>
+          <a:p>
+            <a:pPr lvl="0"/>
+            <a:r>
+              <a:rPr lang="ko-KR" altLang="en-US"/>
+              <a:t>마스터 텍스트 스타일을 편집하려면 클릭</a:t>
+            </a:r>
+          </a:p>
+          <a:p>
+            <a:pPr lvl="1"/>
+            <a:r>
+              <a:rPr lang="ko-KR" altLang="en-US"/>
+              <a:t>두 번째 수준</a:t>
+            </a:r>
+          </a:p>
+          <a:p>
+            <a:pPr lvl="2"/>
+            <a:r>
+              <a:rPr lang="ko-KR" altLang="en-US"/>
+              <a:t>세 번째 수준</a:t>
+            </a:r>
+          </a:p>
+          <a:p>
+            <a:pPr lvl="3"/>
+            <a:r>
+              <a:rPr lang="ko-KR" altLang="en-US"/>
+              <a:t>네 번째 수준</a:t>
+            </a:r>
+          </a:p>
+          <a:p>
+            <a:pPr lvl="4"/>
+            <a:r>
+              <a:rPr lang="ko-KR" altLang="en-US"/>
+              <a:t>다섯 번째 수준</a:t>
+            </a:r>
+          </a:p>
+        </p:txBody>
+      </p:sp>
+      <p:sp>
+        <p:nvSpPr>
+          <p:cNvPr id="6" name="바닥글 개체 틀 5"/>
+          <p:cNvSpPr>
+            <a:spLocks noGrp="1"/>
+          </p:cNvSpPr>
+          <p:nvPr>
+            <p:ph type="ftr" sz="quarter" idx="4"/>
+          </p:nvPr>
+        </p:nvSpPr>
+        <p:spPr>
+          <a:xfrm>
+            <a:off x="0" y="8685213"/>
+            <a:ext cx="2971800" cy="458787"/>
+          </a:xfrm>
+          <a:prstGeom prst="rect">
+            <a:avLst/>
+          </a:prstGeom>
+        </p:spPr>
+        <p:txBody>
+          <a:bodyPr vert="horz" lIns="91440" tIns="45720" rIns="91440" bIns="45720" rtlCol="0" anchor="b"/>
+          <a:lstStyle>
+            <a:lvl1pPr algn="l">
+              <a:defRPr sz="1200"/>
+            </a:lvl1pPr>
+          </a:lstStyle>
+          <a:p>
+            <a:endParaRPr lang="ko-KR" altLang="en-US"/>
+          </a:p>
+        </p:txBody>
+      </p:sp>
+      <p:sp>
+        <p:nvSpPr>
+          <p:cNvPr id="7" name="슬라이드 번호 개체 틀 6"/>
+          <p:cNvSpPr>
+            <a:spLocks noGrp="1"/>
+          </p:cNvSpPr>
+          <p:nvPr>
+            <p:ph type="sldNum" sz="quarter" idx="5"/>
+          </p:nvPr>
+        </p:nvSpPr>
+        <p:spPr>
+          <a:xfrm>
+            <a:off x="3884613" y="8685213"/>
+            <a:ext cx="2971800" cy="458787"/>
+          </a:xfrm>
+          <a:prstGeom prst="rect">
+            <a:avLst/>
+          </a:prstGeom>
+        </p:spPr>
+        <p:txBody>
+          <a:bodyPr vert="horz" lIns="91440" tIns="45720" rIns="91440" bIns="45720" rtlCol="0" anchor="b"/>
+          <a:lstStyle>
+            <a:lvl1pPr algn="r">
+              <a:defRPr sz="1200"/>
+            </a:lvl1pPr>
+          </a:lstStyle>
+          <a:p>
+            <a:fld id="{8546C9C2-5697-4548-941E-FFD097557B46}" type="slidenum">
+              <a:rPr lang="ko-KR" altLang="en-US" smtClean="0"/>
+              <a:t>‹#›</a:t>
+            </a:fld>
+            <a:endParaRPr lang="ko-KR" altLang="en-US"/>
+          </a:p>
+        </p:txBody>
+      </p:sp>
+    </p:spTree>
+    <p:extLst>
+      <p:ext uri="{BB962C8B-B14F-4D97-AF65-F5344CB8AC3E}">
+        <p14:creationId xmlns:p14="http://schemas.microsoft.com/office/powerpoint/2010/main" val="878514058"/>
+      </p:ext>
+    </p:extLst>
+  </p:cSld>
+  <p:clrMap bg1="lt1" tx1="dk1" bg2="lt2" tx2="dk2" accent1="accent1" accent2="accent2" accent3="accent3" accent4="accent4" accent5="accent5" accent6="accent6" hlink="hlink" folHlink="folHlink"/>
+  <p:notesStyle>
+    <a:lvl1pPr marL="0" algn="l" defTabSz="914400" rtl="0" eaLnBrk="1" latinLnBrk="1" hangingPunct="1">
+      <a:defRPr sz="1200" kern="1200">
+        <a:solidFill>
+          <a:schemeClr val="tx1"/>
+        </a:solidFill>
+        <a:latin typeface="+mn-lt"/>
+        <a:ea typeface="+mn-ea"/>
+        <a:cs typeface="+mn-cs"/>
+      </a:defRPr>
+    </a:lvl1pPr>
+    <a:lvl2pPr marL="457200" algn="l" defTabSz="914400" rtl="0" eaLnBrk="1" latinLnBrk="1" hangingPunct="1">
+      <a:defRPr sz="1200" kern="1200">
+        <a:solidFill>
+          <a:schemeClr val="tx1"/>
+        </a:solidFill>
+        <a:latin typeface="+mn-lt"/>
+        <a:ea typeface="+mn-ea"/>
+        <a:cs typeface="+mn-cs"/>
+      </a:defRPr>
+    </a:lvl2pPr>
+    <a:lvl3pPr marL="914400" algn="l" defTabSz="914400" rtl="0" eaLnBrk="1" latinLnBrk="1" hangingPunct="1">
+      <a:defRPr sz="1200" kern="1200">
+        <a:solidFill>
+          <a:schemeClr val="tx1"/>
+        </a:solidFill>
+        <a:latin typeface="+mn-lt"/>
+        <a:ea typeface="+mn-ea"/>
+        <a:cs typeface="+mn-cs"/>
+      </a:defRPr>
+    </a:lvl3pPr>
+    <a:lvl4pPr marL="1371600" algn="l" defTabSz="914400" rtl="0" eaLnBrk="1" latinLnBrk="1" hangingPunct="1">
+      <a:defRPr sz="1200" kern="1200">
+        <a:solidFill>
+          <a:schemeClr val="tx1"/>
+        </a:solidFill>
+        <a:latin typeface="+mn-lt"/>
+        <a:ea typeface="+mn-ea"/>
+        <a:cs typeface="+mn-cs"/>
+      </a:defRPr>
+    </a:lvl4pPr>
+    <a:lvl5pPr marL="1828800" algn="l" defTabSz="914400" rtl="0" eaLnBrk="1" latinLnBrk="1" hangingPunct="1">
+      <a:defRPr sz="1200" kern="1200">
+        <a:solidFill>
+          <a:schemeClr val="tx1"/>
+        </a:solidFill>
+        <a:latin typeface="+mn-lt"/>
+        <a:ea typeface="+mn-ea"/>
+        <a:cs typeface="+mn-cs"/>
+      </a:defRPr>
+    </a:lvl5pPr>
+    <a:lvl6pPr marL="2286000" algn="l" defTabSz="914400" rtl="0" eaLnBrk="1" latinLnBrk="1" hangingPunct="1">
+      <a:defRPr sz="1200" kern="1200">
+        <a:solidFill>
+          <a:schemeClr val="tx1"/>
+        </a:solidFill>
+        <a:latin typeface="+mn-lt"/>
+        <a:ea typeface="+mn-ea"/>
+        <a:cs typeface="+mn-cs"/>
+      </a:defRPr>
+    </a:lvl6pPr>
+    <a:lvl7pPr marL="2743200" algn="l" defTabSz="914400" rtl="0" eaLnBrk="1" latinLnBrk="1" hangingPunct="1">
+      <a:defRPr sz="1200" kern="1200">
+        <a:solidFill>
+          <a:schemeClr val="tx1"/>
+        </a:solidFill>
+        <a:latin typeface="+mn-lt"/>
+        <a:ea typeface="+mn-ea"/>
+        <a:cs typeface="+mn-cs"/>
+      </a:defRPr>
+    </a:lvl7pPr>
+    <a:lvl8pPr marL="3200400" algn="l" defTabSz="914400" rtl="0" eaLnBrk="1" latinLnBrk="1" hangingPunct="1">
+      <a:defRPr sz="1200" kern="1200">
+        <a:solidFill>
+          <a:schemeClr val="tx1"/>
+        </a:solidFill>
+        <a:latin typeface="+mn-lt"/>
+        <a:ea typeface="+mn-ea"/>
+        <a:cs typeface="+mn-cs"/>
+      </a:defRPr>
+    </a:lvl8pPr>
+    <a:lvl9pPr marL="3657600" algn="l" defTabSz="914400" rtl="0" eaLnBrk="1" latinLnBrk="1" hangingPunct="1">
+      <a:defRPr sz="1200" kern="1200">
+        <a:solidFill>
+          <a:schemeClr val="tx1"/>
+        </a:solidFill>
+        <a:latin typeface="+mn-lt"/>
+        <a:ea typeface="+mn-ea"/>
+        <a:cs typeface="+mn-cs"/>
+      </a:defRPr>
+    </a:lvl9pPr>
+  </p:notesStyle>
+</p:notesMaster>
+</file>
+
+<file path=ppt/notesSlides/notesSlide1.xml><?xml version="1.0" encoding="utf-8"?>
+<p:notes xmlns:a="http://schemas.openxmlformats.org/drawingml/2006/main" xmlns:r="http://schemas.openxmlformats.org/officeDocument/2006/relationships" xmlns:p="http://schemas.openxmlformats.org/presentationml/2006/main">
+  <p:cSld>
+    <p:spTree>
+      <p:nvGrpSpPr>
+        <p:cNvPr id="1" name=""/>
+        <p:cNvGrpSpPr/>
+        <p:nvPr/>
+      </p:nvGrpSpPr>
+      <p:grpSpPr>
+        <a:xfrm>
+          <a:off x="0" y="0"/>
+          <a:ext cx="0" cy="0"/>
+          <a:chOff x="0" y="0"/>
+          <a:chExt cx="0" cy="0"/>
+        </a:xfrm>
+      </p:grpSpPr>
+      <p:sp>
+        <p:nvSpPr>
+          <p:cNvPr id="2" name="슬라이드 이미지 개체 틀 1"/>
+          <p:cNvSpPr>
+            <a:spLocks noGrp="1" noRot="1" noChangeAspect="1"/>
+          </p:cNvSpPr>
+          <p:nvPr>
+            <p:ph type="sldImg"/>
+          </p:nvPr>
+        </p:nvSpPr>
+        <p:spPr/>
+      </p:sp>
+      <p:sp>
+        <p:nvSpPr>
+          <p:cNvPr id="3" name="슬라이드 노트 개체 틀 2"/>
+          <p:cNvSpPr>
+            <a:spLocks noGrp="1"/>
+          </p:cNvSpPr>
+          <p:nvPr>
+            <p:ph type="body" idx="1"/>
+          </p:nvPr>
+        </p:nvSpPr>
+        <p:spPr/>
+        <p:txBody>
+          <a:bodyPr/>
+          <a:lstStyle/>
+          <a:p>
+            <a:endParaRPr lang="ko-KR" altLang="en-US" dirty="0"/>
+          </a:p>
+        </p:txBody>
+      </p:sp>
+      <p:sp>
+        <p:nvSpPr>
+          <p:cNvPr id="4" name="슬라이드 번호 개체 틀 3"/>
+          <p:cNvSpPr>
+            <a:spLocks noGrp="1"/>
+          </p:cNvSpPr>
+          <p:nvPr>
+            <p:ph type="sldNum" sz="quarter" idx="5"/>
+          </p:nvPr>
+        </p:nvSpPr>
+        <p:spPr/>
+        <p:txBody>
+          <a:bodyPr/>
+          <a:lstStyle/>
+          <a:p>
+            <a:fld id="{8546C9C2-5697-4548-941E-FFD097557B46}" type="slidenum">
+              <a:rPr lang="ko-KR" altLang="en-US" smtClean="0"/>
+              <a:t>2</a:t>
+            </a:fld>
+            <a:endParaRPr lang="ko-KR" altLang="en-US"/>
+          </a:p>
+        </p:txBody>
+      </p:sp>
+    </p:spTree>
+    <p:extLst>
+      <p:ext uri="{BB962C8B-B14F-4D97-AF65-F5344CB8AC3E}">
+        <p14:creationId xmlns:p14="http://schemas.microsoft.com/office/powerpoint/2010/main" val="126360160"/>
+      </p:ext>
+    </p:extLst>
+  </p:cSld>
+  <p:clrMapOvr>
+    <a:masterClrMapping/>
+  </p:clrMapOvr>
+</p:notes>
 </file>
 
 <file path=ppt/slideLayouts/slideLayout1.xml><?xml version="1.0" encoding="utf-8"?>
@@ -3272,7 +3708,6 @@
           </a:bodyPr>
           <a:lstStyle/>
           <a:p>
-            <a:pPr/>
             <a:r>
               <a:rPr lang="en-US" altLang="ko-KR" dirty="0"/>
               <a:t>5</a:t>
@@ -3385,8 +3820,8 @@
           </a:p>
         </p:txBody>
       </p:sp>
-      <mc:AlternateContent xmlns:mc="http://schemas.openxmlformats.org/markup-compatibility/2006">
-        <mc:Choice xmlns:a14="http://schemas.microsoft.com/office/drawing/2010/main" Requires="a14">
+      <mc:AlternateContent xmlns:mc="http://schemas.openxmlformats.org/markup-compatibility/2006" xmlns:a14="http://schemas.microsoft.com/office/drawing/2010/main">
+        <mc:Choice Requires="a14">
           <p:sp>
             <p:nvSpPr>
               <p:cNvPr id="21" name="TextBox 20">
@@ -3436,7 +3871,7 @@
             </p:txBody>
           </p:sp>
         </mc:Choice>
-        <mc:Fallback>
+        <mc:Fallback xmlns="">
           <p:sp>
             <p:nvSpPr>
               <p:cNvPr id="21" name="TextBox 20">
@@ -9494,6 +9929,2280 @@
         <mc:Choice xmlns:a14="http://schemas.microsoft.com/office/drawing/2010/main" Requires="a14">
           <p:sp>
             <p:nvSpPr>
+              <p:cNvPr id="14" name="TextBox 13">
+                <a:extLst>
+                  <a:ext uri="{FF2B5EF4-FFF2-40B4-BE49-F238E27FC236}">
+                    <a16:creationId xmlns:a16="http://schemas.microsoft.com/office/drawing/2014/main" id="{81BCE6E1-01D0-4BDC-A1F9-049B3F61BB14}"/>
+                  </a:ext>
+                </a:extLst>
+              </p:cNvPr>
+              <p:cNvSpPr txBox="1"/>
+              <p:nvPr/>
+            </p:nvSpPr>
+            <p:spPr>
+              <a:xfrm>
+                <a:off x="328424" y="4383412"/>
+                <a:ext cx="1296765" cy="1569660"/>
+              </a:xfrm>
+              <a:prstGeom prst="rect">
+                <a:avLst/>
+              </a:prstGeom>
+              <a:noFill/>
+            </p:spPr>
+            <p:txBody>
+              <a:bodyPr wrap="none" rtlCol="0">
+                <a:spAutoFit/>
+              </a:bodyPr>
+              <a:lstStyle/>
+              <a:p>
+                <a:pPr/>
+                <a14:m>
+                  <m:oMathPara xmlns:m="http://schemas.openxmlformats.org/officeDocument/2006/math">
+                    <m:oMathParaPr>
+                      <m:jc m:val="centerGroup"/>
+                    </m:oMathParaPr>
+                    <m:oMath xmlns:m="http://schemas.openxmlformats.org/officeDocument/2006/math">
+                      <m:r>
+                        <a:rPr lang="en-US" altLang="ko-KR" sz="9600" i="1" dirty="0" smtClean="0">
+                          <a:latin typeface="Cambria Math" panose="02040503050406030204" pitchFamily="18" charset="0"/>
+                        </a:rPr>
+                        <m:t>𝐿</m:t>
+                      </m:r>
+                    </m:oMath>
+                  </m:oMathPara>
+                </a14:m>
+                <a:endParaRPr lang="ko-KR" altLang="en-US" sz="9600" dirty="0"/>
+              </a:p>
+            </p:txBody>
+          </p:sp>
+        </mc:Choice>
+        <mc:Fallback>
+          <p:sp>
+            <p:nvSpPr>
+              <p:cNvPr id="14" name="TextBox 13">
+                <a:extLst>
+                  <a:ext uri="{FF2B5EF4-FFF2-40B4-BE49-F238E27FC236}">
+                    <a16:creationId xmlns:a16="http://schemas.microsoft.com/office/drawing/2014/main" id="{81BCE6E1-01D0-4BDC-A1F9-049B3F61BB14}"/>
+                  </a:ext>
+                </a:extLst>
+              </p:cNvPr>
+              <p:cNvSpPr txBox="1">
+                <a:spLocks noRot="1" noChangeAspect="1" noMove="1" noResize="1" noEditPoints="1" noAdjustHandles="1" noChangeArrowheads="1" noChangeShapeType="1" noTextEdit="1"/>
+              </p:cNvSpPr>
+              <p:nvPr/>
+            </p:nvSpPr>
+            <p:spPr>
+              <a:xfrm>
+                <a:off x="328424" y="4383412"/>
+                <a:ext cx="1296765" cy="1569660"/>
+              </a:xfrm>
+              <a:prstGeom prst="rect">
+                <a:avLst/>
+              </a:prstGeom>
+              <a:blipFill>
+                <a:blip r:embed="rId3"/>
+                <a:stretch>
+                  <a:fillRect/>
+                </a:stretch>
+              </a:blipFill>
+            </p:spPr>
+            <p:txBody>
+              <a:bodyPr/>
+              <a:lstStyle/>
+              <a:p>
+                <a:r>
+                  <a:rPr lang="ko-KR" altLang="en-US">
+                    <a:noFill/>
+                  </a:rPr>
+                  <a:t> </a:t>
+                </a:r>
+              </a:p>
+            </p:txBody>
+          </p:sp>
+        </mc:Fallback>
+      </mc:AlternateContent>
+      <mc:AlternateContent xmlns:mc="http://schemas.openxmlformats.org/markup-compatibility/2006">
+        <mc:Choice xmlns:a14="http://schemas.microsoft.com/office/drawing/2010/main" Requires="a14">
+          <p:sp>
+            <p:nvSpPr>
+              <p:cNvPr id="112" name="TextBox 111">
+                <a:extLst>
+                  <a:ext uri="{FF2B5EF4-FFF2-40B4-BE49-F238E27FC236}">
+                    <a16:creationId xmlns:a16="http://schemas.microsoft.com/office/drawing/2014/main" id="{CF0FF849-A858-4AD3-9963-F5B3892745BC}"/>
+                  </a:ext>
+                </a:extLst>
+              </p:cNvPr>
+              <p:cNvSpPr txBox="1"/>
+              <p:nvPr/>
+            </p:nvSpPr>
+            <p:spPr>
+              <a:xfrm>
+                <a:off x="4945250" y="4789581"/>
+                <a:ext cx="805029" cy="769441"/>
+              </a:xfrm>
+              <a:prstGeom prst="rect">
+                <a:avLst/>
+              </a:prstGeom>
+              <a:noFill/>
+            </p:spPr>
+            <p:txBody>
+              <a:bodyPr wrap="none" rtlCol="0">
+                <a:spAutoFit/>
+              </a:bodyPr>
+              <a:lstStyle/>
+              <a:p>
+                <a:pPr/>
+                <a14:m>
+                  <m:oMathPara xmlns:m="http://schemas.openxmlformats.org/officeDocument/2006/math">
+                    <m:oMathParaPr>
+                      <m:jc m:val="centerGroup"/>
+                    </m:oMathParaPr>
+                    <m:oMath xmlns:m="http://schemas.openxmlformats.org/officeDocument/2006/math">
+                      <m:r>
+                        <a:rPr lang="en-US" altLang="ko-KR" sz="4400" b="0" i="1" smtClean="0">
+                          <a:latin typeface="Cambria Math"/>
+                        </a:rPr>
+                        <m:t>=</m:t>
+                      </m:r>
+                    </m:oMath>
+                  </m:oMathPara>
+                </a14:m>
+                <a:endParaRPr lang="ko-KR" altLang="en-US" sz="4400" dirty="0"/>
+              </a:p>
+            </p:txBody>
+          </p:sp>
+        </mc:Choice>
+        <mc:Fallback>
+          <p:sp>
+            <p:nvSpPr>
+              <p:cNvPr id="112" name="TextBox 111">
+                <a:extLst>
+                  <a:ext uri="{FF2B5EF4-FFF2-40B4-BE49-F238E27FC236}">
+                    <a16:creationId xmlns:a16="http://schemas.microsoft.com/office/drawing/2014/main" id="{CF0FF849-A858-4AD3-9963-F5B3892745BC}"/>
+                  </a:ext>
+                </a:extLst>
+              </p:cNvPr>
+              <p:cNvSpPr txBox="1">
+                <a:spLocks noRot="1" noChangeAspect="1" noMove="1" noResize="1" noEditPoints="1" noAdjustHandles="1" noChangeArrowheads="1" noChangeShapeType="1" noTextEdit="1"/>
+              </p:cNvSpPr>
+              <p:nvPr/>
+            </p:nvSpPr>
+            <p:spPr>
+              <a:xfrm>
+                <a:off x="4945250" y="4789581"/>
+                <a:ext cx="805029" cy="769441"/>
+              </a:xfrm>
+              <a:prstGeom prst="rect">
+                <a:avLst/>
+              </a:prstGeom>
+              <a:blipFill>
+                <a:blip r:embed="rId4"/>
+                <a:stretch>
+                  <a:fillRect/>
+                </a:stretch>
+              </a:blipFill>
+            </p:spPr>
+            <p:txBody>
+              <a:bodyPr/>
+              <a:lstStyle/>
+              <a:p>
+                <a:r>
+                  <a:rPr lang="ko-KR" altLang="en-US">
+                    <a:noFill/>
+                  </a:rPr>
+                  <a:t> </a:t>
+                </a:r>
+              </a:p>
+            </p:txBody>
+          </p:sp>
+        </mc:Fallback>
+      </mc:AlternateContent>
+      <p:sp>
+        <p:nvSpPr>
+          <p:cNvPr id="115" name="화살표: 오른쪽 114">
+            <a:extLst>
+              <a:ext uri="{FF2B5EF4-FFF2-40B4-BE49-F238E27FC236}">
+                <a16:creationId xmlns:a16="http://schemas.microsoft.com/office/drawing/2014/main" id="{29EA8FA4-C5B4-4C37-B369-23521A79BEF1}"/>
+              </a:ext>
+            </a:extLst>
+          </p:cNvPr>
+          <p:cNvSpPr/>
+          <p:nvPr/>
+        </p:nvSpPr>
+        <p:spPr>
+          <a:xfrm rot="5400000">
+            <a:off x="3601361" y="2818062"/>
+            <a:ext cx="800904" cy="665996"/>
+          </a:xfrm>
+          <a:prstGeom prst="rightArrow">
+            <a:avLst/>
+          </a:prstGeom>
+          <a:solidFill>
+            <a:schemeClr val="bg1"/>
+          </a:solidFill>
+          <a:ln w="57150">
+            <a:solidFill>
+              <a:schemeClr val="tx1"/>
+            </a:solidFill>
+          </a:ln>
+        </p:spPr>
+        <p:style>
+          <a:lnRef idx="2">
+            <a:schemeClr val="accent1">
+              <a:shade val="50000"/>
+            </a:schemeClr>
+          </a:lnRef>
+          <a:fillRef idx="1">
+            <a:schemeClr val="accent1"/>
+          </a:fillRef>
+          <a:effectRef idx="0">
+            <a:schemeClr val="accent1"/>
+          </a:effectRef>
+          <a:fontRef idx="minor">
+            <a:schemeClr val="lt1"/>
+          </a:fontRef>
+        </p:style>
+        <p:txBody>
+          <a:bodyPr rtlCol="0" anchor="ctr"/>
+          <a:lstStyle/>
+          <a:p>
+            <a:pPr algn="ctr"/>
+            <a:endParaRPr lang="ko-KR" altLang="en-US"/>
+          </a:p>
+        </p:txBody>
+      </p:sp>
+      <p:sp>
+        <p:nvSpPr>
+          <p:cNvPr id="116" name="TextBox 115">
+            <a:extLst>
+              <a:ext uri="{FF2B5EF4-FFF2-40B4-BE49-F238E27FC236}">
+                <a16:creationId xmlns:a16="http://schemas.microsoft.com/office/drawing/2014/main" id="{08CC730D-D77F-4D51-8128-4EBA992C6825}"/>
+              </a:ext>
+            </a:extLst>
+          </p:cNvPr>
+          <p:cNvSpPr txBox="1"/>
+          <p:nvPr/>
+        </p:nvSpPr>
+        <p:spPr>
+          <a:xfrm>
+            <a:off x="3847295" y="2542510"/>
+            <a:ext cx="2511521" cy="1210844"/>
+          </a:xfrm>
+          <a:prstGeom prst="rect">
+            <a:avLst/>
+          </a:prstGeom>
+          <a:noFill/>
+        </p:spPr>
+        <p:txBody>
+          <a:bodyPr wrap="square" rtlCol="0">
+            <a:spAutoFit/>
+          </a:bodyPr>
+          <a:lstStyle/>
+          <a:p>
+            <a:pPr algn="ctr"/>
+            <a:r>
+              <a:rPr lang="ko-KR" altLang="en-US" sz="3600" b="1">
+                <a:latin typeface="나눔고딕" panose="020D0604000000000000" pitchFamily="50" charset="-127"/>
+                <a:ea typeface="나눔고딕" panose="020D0604000000000000" pitchFamily="50" charset="-127"/>
+              </a:rPr>
+              <a:t>개념의</a:t>
+            </a:r>
+            <a:endParaRPr lang="en-US" altLang="ko-KR" sz="3600" b="1" dirty="0">
+              <a:latin typeface="나눔고딕" panose="020D0604000000000000" pitchFamily="50" charset="-127"/>
+              <a:ea typeface="나눔고딕" panose="020D0604000000000000" pitchFamily="50" charset="-127"/>
+            </a:endParaRPr>
+          </a:p>
+          <a:p>
+            <a:pPr algn="ctr"/>
+            <a:r>
+              <a:rPr lang="ko-KR" altLang="en-US" sz="3600" b="1" dirty="0">
+                <a:latin typeface="나눔고딕" panose="020D0604000000000000" pitchFamily="50" charset="-127"/>
+                <a:ea typeface="나눔고딕" panose="020D0604000000000000" pitchFamily="50" charset="-127"/>
+              </a:rPr>
+              <a:t>확장</a:t>
+            </a:r>
+          </a:p>
+        </p:txBody>
+      </p:sp>
+      <mc:AlternateContent xmlns:mc="http://schemas.openxmlformats.org/markup-compatibility/2006">
+        <mc:Choice xmlns:a14="http://schemas.microsoft.com/office/drawing/2010/main" Requires="a14">
+          <p:sp>
+            <p:nvSpPr>
+              <p:cNvPr id="110" name="TextBox 109">
+                <a:extLst>
+                  <a:ext uri="{FF2B5EF4-FFF2-40B4-BE49-F238E27FC236}">
+                    <a16:creationId xmlns:a16="http://schemas.microsoft.com/office/drawing/2014/main" id="{6DE1591E-C53B-4C38-ACE3-B59183C3D38F}"/>
+                  </a:ext>
+                </a:extLst>
+              </p:cNvPr>
+              <p:cNvSpPr txBox="1"/>
+              <p:nvPr/>
+            </p:nvSpPr>
+            <p:spPr>
+              <a:xfrm>
+                <a:off x="1403793" y="4924148"/>
+                <a:ext cx="567784" cy="523220"/>
+              </a:xfrm>
+              <a:prstGeom prst="rect">
+                <a:avLst/>
+              </a:prstGeom>
+              <a:noFill/>
+            </p:spPr>
+            <p:txBody>
+              <a:bodyPr wrap="none" rtlCol="0">
+                <a:spAutoFit/>
+              </a:bodyPr>
+              <a:lstStyle/>
+              <a:p>
+                <a:pPr/>
+                <a14:m>
+                  <m:oMathPara xmlns:m="http://schemas.openxmlformats.org/officeDocument/2006/math">
+                    <m:oMathParaPr>
+                      <m:jc m:val="centerGroup"/>
+                    </m:oMathParaPr>
+                    <m:oMath xmlns:m="http://schemas.openxmlformats.org/officeDocument/2006/math">
+                      <m:r>
+                        <a:rPr lang="en-US" altLang="ko-KR" sz="2800" b="0" i="1" smtClean="0">
+                          <a:latin typeface="Cambria Math"/>
+                        </a:rPr>
+                        <m:t>×</m:t>
+                      </m:r>
+                    </m:oMath>
+                  </m:oMathPara>
+                </a14:m>
+                <a:endParaRPr lang="ko-KR" altLang="en-US" sz="2800" dirty="0"/>
+              </a:p>
+            </p:txBody>
+          </p:sp>
+        </mc:Choice>
+        <mc:Fallback>
+          <p:sp>
+            <p:nvSpPr>
+              <p:cNvPr id="110" name="TextBox 109">
+                <a:extLst>
+                  <a:ext uri="{FF2B5EF4-FFF2-40B4-BE49-F238E27FC236}">
+                    <a16:creationId xmlns:a16="http://schemas.microsoft.com/office/drawing/2014/main" id="{6DE1591E-C53B-4C38-ACE3-B59183C3D38F}"/>
+                  </a:ext>
+                </a:extLst>
+              </p:cNvPr>
+              <p:cNvSpPr txBox="1">
+                <a:spLocks noRot="1" noChangeAspect="1" noMove="1" noResize="1" noEditPoints="1" noAdjustHandles="1" noChangeArrowheads="1" noChangeShapeType="1" noTextEdit="1"/>
+              </p:cNvSpPr>
+              <p:nvPr/>
+            </p:nvSpPr>
+            <p:spPr>
+              <a:xfrm>
+                <a:off x="1403793" y="4924148"/>
+                <a:ext cx="567784" cy="523220"/>
+              </a:xfrm>
+              <a:prstGeom prst="rect">
+                <a:avLst/>
+              </a:prstGeom>
+              <a:blipFill>
+                <a:blip r:embed="rId5"/>
+                <a:stretch>
+                  <a:fillRect/>
+                </a:stretch>
+              </a:blipFill>
+            </p:spPr>
+            <p:txBody>
+              <a:bodyPr/>
+              <a:lstStyle/>
+              <a:p>
+                <a:r>
+                  <a:rPr lang="ko-KR" altLang="en-US">
+                    <a:noFill/>
+                  </a:rPr>
+                  <a:t> </a:t>
+                </a:r>
+              </a:p>
+            </p:txBody>
+          </p:sp>
+        </mc:Fallback>
+      </mc:AlternateContent>
+      <mc:AlternateContent xmlns:mc="http://schemas.openxmlformats.org/markup-compatibility/2006">
+        <mc:Choice xmlns:a14="http://schemas.microsoft.com/office/drawing/2010/main" Requires="a14">
+          <p:sp>
+            <p:nvSpPr>
+              <p:cNvPr id="111" name="TextBox 110">
+                <a:extLst>
+                  <a:ext uri="{FF2B5EF4-FFF2-40B4-BE49-F238E27FC236}">
+                    <a16:creationId xmlns:a16="http://schemas.microsoft.com/office/drawing/2014/main" id="{D9B3BBCE-6FA5-4B29-8A53-5BEC1AD1B06E}"/>
+                  </a:ext>
+                </a:extLst>
+              </p:cNvPr>
+              <p:cNvSpPr txBox="1"/>
+              <p:nvPr/>
+            </p:nvSpPr>
+            <p:spPr>
+              <a:xfrm>
+                <a:off x="1847565" y="3645024"/>
+                <a:ext cx="3312368" cy="584775"/>
+              </a:xfrm>
+              <a:prstGeom prst="rect">
+                <a:avLst/>
+              </a:prstGeom>
+              <a:noFill/>
+            </p:spPr>
+            <p:txBody>
+              <a:bodyPr wrap="square" rtlCol="0">
+                <a:spAutoFit/>
+              </a:bodyPr>
+              <a:lstStyle/>
+              <a:p>
+                <a:pPr/>
+                <a14:m>
+                  <m:oMathPara xmlns:m="http://schemas.openxmlformats.org/officeDocument/2006/math">
+                    <m:oMathParaPr>
+                      <m:jc m:val="centerGroup"/>
+                    </m:oMathParaPr>
+                    <m:oMath xmlns:m="http://schemas.openxmlformats.org/officeDocument/2006/math">
+                      <m:r>
+                        <a:rPr lang="en-US" altLang="ko-KR" sz="3200" b="0" i="1" smtClean="0">
+                          <a:latin typeface="Cambria Math" panose="02040503050406030204" pitchFamily="18" charset="0"/>
+                        </a:rPr>
+                        <m:t>𝐺</m:t>
+                      </m:r>
+                      <m:r>
+                        <a:rPr lang="en-US" altLang="ko-KR" sz="3200" b="0" i="1" smtClean="0">
+                          <a:latin typeface="Cambria Math" panose="02040503050406030204" pitchFamily="18" charset="0"/>
+                        </a:rPr>
+                        <m:t>(</m:t>
+                      </m:r>
+                      <m:r>
+                        <a:rPr lang="en-US" altLang="ko-KR" sz="3200" b="0" i="1" smtClean="0">
+                          <a:latin typeface="Cambria Math" panose="02040503050406030204" pitchFamily="18" charset="0"/>
+                        </a:rPr>
+                        <m:t>𝑥</m:t>
+                      </m:r>
+                      <m:r>
+                        <a:rPr lang="en-US" altLang="ko-KR" sz="3200" b="0" i="1" smtClean="0">
+                          <a:latin typeface="Cambria Math" panose="02040503050406030204" pitchFamily="18" charset="0"/>
+                        </a:rPr>
+                        <m:t>, </m:t>
+                      </m:r>
+                      <m:r>
+                        <a:rPr lang="en-US" altLang="ko-KR" sz="3200" b="0" i="1" smtClean="0">
+                          <a:solidFill>
+                            <a:schemeClr val="tx1"/>
+                          </a:solidFill>
+                          <a:latin typeface="Cambria Math" panose="02040503050406030204" pitchFamily="18" charset="0"/>
+                        </a:rPr>
+                        <m:t>𝑦</m:t>
+                      </m:r>
+                      <m:r>
+                        <a:rPr lang="en-US" altLang="ko-KR" sz="3200" b="0" i="1" smtClean="0">
+                          <a:latin typeface="Cambria Math" panose="02040503050406030204" pitchFamily="18" charset="0"/>
+                        </a:rPr>
+                        <m:t>)</m:t>
+                      </m:r>
+                    </m:oMath>
+                  </m:oMathPara>
+                </a14:m>
+                <a:endParaRPr lang="ko-KR" altLang="en-US" sz="3200" dirty="0"/>
+              </a:p>
+            </p:txBody>
+          </p:sp>
+        </mc:Choice>
+        <mc:Fallback>
+          <p:sp>
+            <p:nvSpPr>
+              <p:cNvPr id="111" name="TextBox 110">
+                <a:extLst>
+                  <a:ext uri="{FF2B5EF4-FFF2-40B4-BE49-F238E27FC236}">
+                    <a16:creationId xmlns:a16="http://schemas.microsoft.com/office/drawing/2014/main" id="{D9B3BBCE-6FA5-4B29-8A53-5BEC1AD1B06E}"/>
+                  </a:ext>
+                </a:extLst>
+              </p:cNvPr>
+              <p:cNvSpPr txBox="1">
+                <a:spLocks noRot="1" noChangeAspect="1" noMove="1" noResize="1" noEditPoints="1" noAdjustHandles="1" noChangeArrowheads="1" noChangeShapeType="1" noTextEdit="1"/>
+              </p:cNvSpPr>
+              <p:nvPr/>
+            </p:nvSpPr>
+            <p:spPr>
+              <a:xfrm>
+                <a:off x="1847565" y="3645024"/>
+                <a:ext cx="3312368" cy="584775"/>
+              </a:xfrm>
+              <a:prstGeom prst="rect">
+                <a:avLst/>
+              </a:prstGeom>
+              <a:blipFill>
+                <a:blip r:embed="rId6"/>
+                <a:stretch>
+                  <a:fillRect/>
+                </a:stretch>
+              </a:blipFill>
+            </p:spPr>
+            <p:txBody>
+              <a:bodyPr/>
+              <a:lstStyle/>
+              <a:p>
+                <a:r>
+                  <a:rPr lang="ko-KR" altLang="en-US">
+                    <a:noFill/>
+                  </a:rPr>
+                  <a:t> </a:t>
+                </a:r>
+              </a:p>
+            </p:txBody>
+          </p:sp>
+        </mc:Fallback>
+      </mc:AlternateContent>
+      <p:cxnSp>
+        <p:nvCxnSpPr>
+          <p:cNvPr id="4" name="직선 화살표 연결선 3">
+            <a:extLst>
+              <a:ext uri="{FF2B5EF4-FFF2-40B4-BE49-F238E27FC236}">
+                <a16:creationId xmlns:a16="http://schemas.microsoft.com/office/drawing/2014/main" id="{0E1166CE-0F1C-41A8-B4F2-6C12FE521DB5}"/>
+              </a:ext>
+            </a:extLst>
+          </p:cNvPr>
+          <p:cNvCxnSpPr>
+            <a:cxnSpLocks/>
+          </p:cNvCxnSpPr>
+          <p:nvPr/>
+        </p:nvCxnSpPr>
+        <p:spPr>
+          <a:xfrm>
+            <a:off x="2118210" y="6250960"/>
+            <a:ext cx="2715319" cy="0"/>
+          </a:xfrm>
+          <a:prstGeom prst="straightConnector1">
+            <a:avLst/>
+          </a:prstGeom>
+          <a:ln>
+            <a:tailEnd type="triangle"/>
+          </a:ln>
+        </p:spPr>
+        <p:style>
+          <a:lnRef idx="1">
+            <a:schemeClr val="dk1"/>
+          </a:lnRef>
+          <a:fillRef idx="0">
+            <a:schemeClr val="dk1"/>
+          </a:fillRef>
+          <a:effectRef idx="0">
+            <a:schemeClr val="dk1"/>
+          </a:effectRef>
+          <a:fontRef idx="minor">
+            <a:schemeClr val="tx1"/>
+          </a:fontRef>
+        </p:style>
+      </p:cxnSp>
+      <p:cxnSp>
+        <p:nvCxnSpPr>
+          <p:cNvPr id="6" name="직선 화살표 연결선 5">
+            <a:extLst>
+              <a:ext uri="{FF2B5EF4-FFF2-40B4-BE49-F238E27FC236}">
+                <a16:creationId xmlns:a16="http://schemas.microsoft.com/office/drawing/2014/main" id="{71410AA7-C82A-4523-8897-C0A7D3974E61}"/>
+              </a:ext>
+            </a:extLst>
+          </p:cNvPr>
+          <p:cNvCxnSpPr>
+            <a:cxnSpLocks/>
+          </p:cNvCxnSpPr>
+          <p:nvPr/>
+        </p:nvCxnSpPr>
+        <p:spPr>
+          <a:xfrm flipV="1">
+            <a:off x="2357038" y="4058509"/>
+            <a:ext cx="0" cy="2394827"/>
+          </a:xfrm>
+          <a:prstGeom prst="straightConnector1">
+            <a:avLst/>
+          </a:prstGeom>
+          <a:ln>
+            <a:tailEnd type="triangle"/>
+          </a:ln>
+        </p:spPr>
+        <p:style>
+          <a:lnRef idx="1">
+            <a:schemeClr val="dk1"/>
+          </a:lnRef>
+          <a:fillRef idx="0">
+            <a:schemeClr val="dk1"/>
+          </a:fillRef>
+          <a:effectRef idx="0">
+            <a:schemeClr val="dk1"/>
+          </a:effectRef>
+          <a:fontRef idx="minor">
+            <a:schemeClr val="tx1"/>
+          </a:fontRef>
+        </p:style>
+      </p:cxnSp>
+      <p:cxnSp>
+        <p:nvCxnSpPr>
+          <p:cNvPr id="8" name="직선 연결선 7">
+            <a:extLst>
+              <a:ext uri="{FF2B5EF4-FFF2-40B4-BE49-F238E27FC236}">
+                <a16:creationId xmlns:a16="http://schemas.microsoft.com/office/drawing/2014/main" id="{8B078679-7873-41C4-81F3-974ED02389AB}"/>
+              </a:ext>
+            </a:extLst>
+          </p:cNvPr>
+          <p:cNvCxnSpPr/>
+          <p:nvPr/>
+        </p:nvCxnSpPr>
+        <p:spPr>
+          <a:xfrm>
+            <a:off x="2698118" y="6178955"/>
+            <a:ext cx="0" cy="144010"/>
+          </a:xfrm>
+          <a:prstGeom prst="line">
+            <a:avLst/>
+          </a:prstGeom>
+        </p:spPr>
+        <p:style>
+          <a:lnRef idx="1">
+            <a:schemeClr val="dk1"/>
+          </a:lnRef>
+          <a:fillRef idx="0">
+            <a:schemeClr val="dk1"/>
+          </a:fillRef>
+          <a:effectRef idx="0">
+            <a:schemeClr val="dk1"/>
+          </a:effectRef>
+          <a:fontRef idx="minor">
+            <a:schemeClr val="tx1"/>
+          </a:fontRef>
+        </p:style>
+      </p:cxnSp>
+      <p:cxnSp>
+        <p:nvCxnSpPr>
+          <p:cNvPr id="114" name="직선 연결선 113">
+            <a:extLst>
+              <a:ext uri="{FF2B5EF4-FFF2-40B4-BE49-F238E27FC236}">
+                <a16:creationId xmlns:a16="http://schemas.microsoft.com/office/drawing/2014/main" id="{1D5D95B0-21AF-4791-A5D9-E9E1FDCD3897}"/>
+              </a:ext>
+            </a:extLst>
+          </p:cNvPr>
+          <p:cNvCxnSpPr/>
+          <p:nvPr/>
+        </p:nvCxnSpPr>
+        <p:spPr>
+          <a:xfrm>
+            <a:off x="4186424" y="6178955"/>
+            <a:ext cx="0" cy="144010"/>
+          </a:xfrm>
+          <a:prstGeom prst="line">
+            <a:avLst/>
+          </a:prstGeom>
+        </p:spPr>
+        <p:style>
+          <a:lnRef idx="1">
+            <a:schemeClr val="dk1"/>
+          </a:lnRef>
+          <a:fillRef idx="0">
+            <a:schemeClr val="dk1"/>
+          </a:fillRef>
+          <a:effectRef idx="0">
+            <a:schemeClr val="dk1"/>
+          </a:effectRef>
+          <a:fontRef idx="minor">
+            <a:schemeClr val="tx1"/>
+          </a:fontRef>
+        </p:style>
+      </p:cxnSp>
+      <p:cxnSp>
+        <p:nvCxnSpPr>
+          <p:cNvPr id="118" name="직선 연결선 117">
+            <a:extLst>
+              <a:ext uri="{FF2B5EF4-FFF2-40B4-BE49-F238E27FC236}">
+                <a16:creationId xmlns:a16="http://schemas.microsoft.com/office/drawing/2014/main" id="{C919C741-C8EF-4680-BC02-1FF1E583E218}"/>
+              </a:ext>
+            </a:extLst>
+          </p:cNvPr>
+          <p:cNvCxnSpPr>
+            <a:cxnSpLocks/>
+          </p:cNvCxnSpPr>
+          <p:nvPr/>
+        </p:nvCxnSpPr>
+        <p:spPr>
+          <a:xfrm rot="5400000">
+            <a:off x="2357038" y="5842320"/>
+            <a:ext cx="0" cy="171558"/>
+          </a:xfrm>
+          <a:prstGeom prst="line">
+            <a:avLst/>
+          </a:prstGeom>
+        </p:spPr>
+        <p:style>
+          <a:lnRef idx="1">
+            <a:schemeClr val="dk1"/>
+          </a:lnRef>
+          <a:fillRef idx="0">
+            <a:schemeClr val="dk1"/>
+          </a:fillRef>
+          <a:effectRef idx="0">
+            <a:schemeClr val="dk1"/>
+          </a:effectRef>
+          <a:fontRef idx="minor">
+            <a:schemeClr val="tx1"/>
+          </a:fontRef>
+        </p:style>
+      </p:cxnSp>
+      <p:cxnSp>
+        <p:nvCxnSpPr>
+          <p:cNvPr id="119" name="직선 연결선 118">
+            <a:extLst>
+              <a:ext uri="{FF2B5EF4-FFF2-40B4-BE49-F238E27FC236}">
+                <a16:creationId xmlns:a16="http://schemas.microsoft.com/office/drawing/2014/main" id="{272FF17A-9EAE-4048-B7B5-376518F32B7B}"/>
+              </a:ext>
+            </a:extLst>
+          </p:cNvPr>
+          <p:cNvCxnSpPr>
+            <a:cxnSpLocks/>
+          </p:cNvCxnSpPr>
+          <p:nvPr/>
+        </p:nvCxnSpPr>
+        <p:spPr>
+          <a:xfrm rot="5400000">
+            <a:off x="2357038" y="4344025"/>
+            <a:ext cx="0" cy="171558"/>
+          </a:xfrm>
+          <a:prstGeom prst="line">
+            <a:avLst/>
+          </a:prstGeom>
+        </p:spPr>
+        <p:style>
+          <a:lnRef idx="1">
+            <a:schemeClr val="dk1"/>
+          </a:lnRef>
+          <a:fillRef idx="0">
+            <a:schemeClr val="dk1"/>
+          </a:fillRef>
+          <a:effectRef idx="0">
+            <a:schemeClr val="dk1"/>
+          </a:effectRef>
+          <a:fontRef idx="minor">
+            <a:schemeClr val="tx1"/>
+          </a:fontRef>
+        </p:style>
+      </p:cxnSp>
+      <mc:AlternateContent xmlns:mc="http://schemas.openxmlformats.org/markup-compatibility/2006">
+        <mc:Choice xmlns:a14="http://schemas.microsoft.com/office/drawing/2010/main" Requires="a14">
+          <p:sp>
+            <p:nvSpPr>
+              <p:cNvPr id="11" name="TextBox 10">
+                <a:extLst>
+                  <a:ext uri="{FF2B5EF4-FFF2-40B4-BE49-F238E27FC236}">
+                    <a16:creationId xmlns:a16="http://schemas.microsoft.com/office/drawing/2014/main" id="{66E5F592-B218-43CF-A601-DB291A5CB280}"/>
+                  </a:ext>
+                </a:extLst>
+              </p:cNvPr>
+              <p:cNvSpPr txBox="1"/>
+              <p:nvPr/>
+            </p:nvSpPr>
+            <p:spPr>
+              <a:xfrm>
+                <a:off x="2522896" y="6314526"/>
+                <a:ext cx="400302" cy="369332"/>
+              </a:xfrm>
+              <a:prstGeom prst="rect">
+                <a:avLst/>
+              </a:prstGeom>
+              <a:noFill/>
+            </p:spPr>
+            <p:txBody>
+              <a:bodyPr wrap="none" rtlCol="0">
+                <a:spAutoFit/>
+              </a:bodyPr>
+              <a:lstStyle/>
+              <a:p>
+                <a:pPr/>
+                <a14:m>
+                  <m:oMathPara xmlns:m="http://schemas.openxmlformats.org/officeDocument/2006/math">
+                    <m:oMathParaPr>
+                      <m:jc m:val="centerGroup"/>
+                    </m:oMathParaPr>
+                    <m:oMath xmlns:m="http://schemas.openxmlformats.org/officeDocument/2006/math">
+                      <m:r>
+                        <a:rPr lang="en-US" altLang="ko-KR" b="0" i="1" smtClean="0">
+                          <a:latin typeface="Cambria Math" panose="02040503050406030204" pitchFamily="18" charset="0"/>
+                        </a:rPr>
+                        <m:t>𝑎</m:t>
+                      </m:r>
+                    </m:oMath>
+                  </m:oMathPara>
+                </a14:m>
+                <a:endParaRPr lang="ko-KR" altLang="en-US" dirty="0"/>
+              </a:p>
+            </p:txBody>
+          </p:sp>
+        </mc:Choice>
+        <mc:Fallback>
+          <p:sp>
+            <p:nvSpPr>
+              <p:cNvPr id="11" name="TextBox 10">
+                <a:extLst>
+                  <a:ext uri="{FF2B5EF4-FFF2-40B4-BE49-F238E27FC236}">
+                    <a16:creationId xmlns:a16="http://schemas.microsoft.com/office/drawing/2014/main" id="{66E5F592-B218-43CF-A601-DB291A5CB280}"/>
+                  </a:ext>
+                </a:extLst>
+              </p:cNvPr>
+              <p:cNvSpPr txBox="1">
+                <a:spLocks noRot="1" noChangeAspect="1" noMove="1" noResize="1" noEditPoints="1" noAdjustHandles="1" noChangeArrowheads="1" noChangeShapeType="1" noTextEdit="1"/>
+              </p:cNvSpPr>
+              <p:nvPr/>
+            </p:nvSpPr>
+            <p:spPr>
+              <a:xfrm>
+                <a:off x="2522896" y="6314526"/>
+                <a:ext cx="400302" cy="369332"/>
+              </a:xfrm>
+              <a:prstGeom prst="rect">
+                <a:avLst/>
+              </a:prstGeom>
+              <a:blipFill>
+                <a:blip r:embed="rId7"/>
+                <a:stretch>
+                  <a:fillRect/>
+                </a:stretch>
+              </a:blipFill>
+            </p:spPr>
+            <p:txBody>
+              <a:bodyPr/>
+              <a:lstStyle/>
+              <a:p>
+                <a:r>
+                  <a:rPr lang="ko-KR" altLang="en-US">
+                    <a:noFill/>
+                  </a:rPr>
+                  <a:t> </a:t>
+                </a:r>
+              </a:p>
+            </p:txBody>
+          </p:sp>
+        </mc:Fallback>
+      </mc:AlternateContent>
+      <mc:AlternateContent xmlns:mc="http://schemas.openxmlformats.org/markup-compatibility/2006">
+        <mc:Choice xmlns:a14="http://schemas.microsoft.com/office/drawing/2010/main" Requires="a14">
+          <p:sp>
+            <p:nvSpPr>
+              <p:cNvPr id="120" name="TextBox 119">
+                <a:extLst>
+                  <a:ext uri="{FF2B5EF4-FFF2-40B4-BE49-F238E27FC236}">
+                    <a16:creationId xmlns:a16="http://schemas.microsoft.com/office/drawing/2014/main" id="{F48AA094-CCC8-49DA-9E56-C3E087ED9CE2}"/>
+                  </a:ext>
+                </a:extLst>
+              </p:cNvPr>
+              <p:cNvSpPr txBox="1"/>
+              <p:nvPr/>
+            </p:nvSpPr>
+            <p:spPr>
+              <a:xfrm>
+                <a:off x="3986273" y="6314526"/>
+                <a:ext cx="400302" cy="369332"/>
+              </a:xfrm>
+              <a:prstGeom prst="rect">
+                <a:avLst/>
+              </a:prstGeom>
+              <a:noFill/>
+            </p:spPr>
+            <p:txBody>
+              <a:bodyPr wrap="none" rtlCol="0">
+                <a:spAutoFit/>
+              </a:bodyPr>
+              <a:lstStyle/>
+              <a:p>
+                <a:pPr/>
+                <a14:m>
+                  <m:oMathPara xmlns:m="http://schemas.openxmlformats.org/officeDocument/2006/math">
+                    <m:oMathParaPr>
+                      <m:jc m:val="centerGroup"/>
+                    </m:oMathParaPr>
+                    <m:oMath xmlns:m="http://schemas.openxmlformats.org/officeDocument/2006/math">
+                      <m:r>
+                        <a:rPr lang="en-US" altLang="ko-KR" b="0" i="1" smtClean="0">
+                          <a:latin typeface="Cambria Math" panose="02040503050406030204" pitchFamily="18" charset="0"/>
+                        </a:rPr>
+                        <m:t>𝑏</m:t>
+                      </m:r>
+                    </m:oMath>
+                  </m:oMathPara>
+                </a14:m>
+                <a:endParaRPr lang="ko-KR" altLang="en-US" dirty="0"/>
+              </a:p>
+            </p:txBody>
+          </p:sp>
+        </mc:Choice>
+        <mc:Fallback>
+          <p:sp>
+            <p:nvSpPr>
+              <p:cNvPr id="120" name="TextBox 119">
+                <a:extLst>
+                  <a:ext uri="{FF2B5EF4-FFF2-40B4-BE49-F238E27FC236}">
+                    <a16:creationId xmlns:a16="http://schemas.microsoft.com/office/drawing/2014/main" id="{F48AA094-CCC8-49DA-9E56-C3E087ED9CE2}"/>
+                  </a:ext>
+                </a:extLst>
+              </p:cNvPr>
+              <p:cNvSpPr txBox="1">
+                <a:spLocks noRot="1" noChangeAspect="1" noMove="1" noResize="1" noEditPoints="1" noAdjustHandles="1" noChangeArrowheads="1" noChangeShapeType="1" noTextEdit="1"/>
+              </p:cNvSpPr>
+              <p:nvPr/>
+            </p:nvSpPr>
+            <p:spPr>
+              <a:xfrm>
+                <a:off x="3986273" y="6314526"/>
+                <a:ext cx="400302" cy="369332"/>
+              </a:xfrm>
+              <a:prstGeom prst="rect">
+                <a:avLst/>
+              </a:prstGeom>
+              <a:blipFill>
+                <a:blip r:embed="rId8"/>
+                <a:stretch>
+                  <a:fillRect/>
+                </a:stretch>
+              </a:blipFill>
+            </p:spPr>
+            <p:txBody>
+              <a:bodyPr/>
+              <a:lstStyle/>
+              <a:p>
+                <a:r>
+                  <a:rPr lang="ko-KR" altLang="en-US">
+                    <a:noFill/>
+                  </a:rPr>
+                  <a:t> </a:t>
+                </a:r>
+              </a:p>
+            </p:txBody>
+          </p:sp>
+        </mc:Fallback>
+      </mc:AlternateContent>
+      <mc:AlternateContent xmlns:mc="http://schemas.openxmlformats.org/markup-compatibility/2006">
+        <mc:Choice xmlns:a14="http://schemas.microsoft.com/office/drawing/2010/main" Requires="a14">
+          <p:sp>
+            <p:nvSpPr>
+              <p:cNvPr id="121" name="TextBox 120">
+                <a:extLst>
+                  <a:ext uri="{FF2B5EF4-FFF2-40B4-BE49-F238E27FC236}">
+                    <a16:creationId xmlns:a16="http://schemas.microsoft.com/office/drawing/2014/main" id="{6EF04BD0-1396-4CC3-8D42-5398CD48B72D}"/>
+                  </a:ext>
+                </a:extLst>
+              </p:cNvPr>
+              <p:cNvSpPr txBox="1"/>
+              <p:nvPr/>
+            </p:nvSpPr>
+            <p:spPr>
+              <a:xfrm>
+                <a:off x="1868469" y="5743433"/>
+                <a:ext cx="400302" cy="369332"/>
+              </a:xfrm>
+              <a:prstGeom prst="rect">
+                <a:avLst/>
+              </a:prstGeom>
+              <a:noFill/>
+            </p:spPr>
+            <p:txBody>
+              <a:bodyPr wrap="none" rtlCol="0">
+                <a:spAutoFit/>
+              </a:bodyPr>
+              <a:lstStyle/>
+              <a:p>
+                <a:pPr/>
+                <a14:m>
+                  <m:oMathPara xmlns:m="http://schemas.openxmlformats.org/officeDocument/2006/math">
+                    <m:oMathParaPr>
+                      <m:jc m:val="centerGroup"/>
+                    </m:oMathParaPr>
+                    <m:oMath xmlns:m="http://schemas.openxmlformats.org/officeDocument/2006/math">
+                      <m:r>
+                        <a:rPr lang="en-US" altLang="ko-KR" b="0" i="1" smtClean="0">
+                          <a:latin typeface="Cambria Math" panose="02040503050406030204" pitchFamily="18" charset="0"/>
+                        </a:rPr>
+                        <m:t>𝑎</m:t>
+                      </m:r>
+                    </m:oMath>
+                  </m:oMathPara>
+                </a14:m>
+                <a:endParaRPr lang="ko-KR" altLang="en-US" dirty="0"/>
+              </a:p>
+            </p:txBody>
+          </p:sp>
+        </mc:Choice>
+        <mc:Fallback>
+          <p:sp>
+            <p:nvSpPr>
+              <p:cNvPr id="121" name="TextBox 120">
+                <a:extLst>
+                  <a:ext uri="{FF2B5EF4-FFF2-40B4-BE49-F238E27FC236}">
+                    <a16:creationId xmlns:a16="http://schemas.microsoft.com/office/drawing/2014/main" id="{6EF04BD0-1396-4CC3-8D42-5398CD48B72D}"/>
+                  </a:ext>
+                </a:extLst>
+              </p:cNvPr>
+              <p:cNvSpPr txBox="1">
+                <a:spLocks noRot="1" noChangeAspect="1" noMove="1" noResize="1" noEditPoints="1" noAdjustHandles="1" noChangeArrowheads="1" noChangeShapeType="1" noTextEdit="1"/>
+              </p:cNvSpPr>
+              <p:nvPr/>
+            </p:nvSpPr>
+            <p:spPr>
+              <a:xfrm>
+                <a:off x="1868469" y="5743433"/>
+                <a:ext cx="400302" cy="369332"/>
+              </a:xfrm>
+              <a:prstGeom prst="rect">
+                <a:avLst/>
+              </a:prstGeom>
+              <a:blipFill>
+                <a:blip r:embed="rId9"/>
+                <a:stretch>
+                  <a:fillRect/>
+                </a:stretch>
+              </a:blipFill>
+            </p:spPr>
+            <p:txBody>
+              <a:bodyPr/>
+              <a:lstStyle/>
+              <a:p>
+                <a:r>
+                  <a:rPr lang="ko-KR" altLang="en-US">
+                    <a:noFill/>
+                  </a:rPr>
+                  <a:t> </a:t>
+                </a:r>
+              </a:p>
+            </p:txBody>
+          </p:sp>
+        </mc:Fallback>
+      </mc:AlternateContent>
+      <mc:AlternateContent xmlns:mc="http://schemas.openxmlformats.org/markup-compatibility/2006">
+        <mc:Choice xmlns:a14="http://schemas.microsoft.com/office/drawing/2010/main" Requires="a14">
+          <p:sp>
+            <p:nvSpPr>
+              <p:cNvPr id="122" name="TextBox 121">
+                <a:extLst>
+                  <a:ext uri="{FF2B5EF4-FFF2-40B4-BE49-F238E27FC236}">
+                    <a16:creationId xmlns:a16="http://schemas.microsoft.com/office/drawing/2014/main" id="{0AC415B7-524A-42C7-B65E-C10FD10E7F15}"/>
+                  </a:ext>
+                </a:extLst>
+              </p:cNvPr>
+              <p:cNvSpPr txBox="1"/>
+              <p:nvPr/>
+            </p:nvSpPr>
+            <p:spPr>
+              <a:xfrm>
+                <a:off x="1868469" y="4250454"/>
+                <a:ext cx="396519" cy="369332"/>
+              </a:xfrm>
+              <a:prstGeom prst="rect">
+                <a:avLst/>
+              </a:prstGeom>
+              <a:noFill/>
+            </p:spPr>
+            <p:txBody>
+              <a:bodyPr wrap="none" rtlCol="0">
+                <a:spAutoFit/>
+              </a:bodyPr>
+              <a:lstStyle/>
+              <a:p>
+                <a:pPr/>
+                <a14:m>
+                  <m:oMathPara xmlns:m="http://schemas.openxmlformats.org/officeDocument/2006/math">
+                    <m:oMathParaPr>
+                      <m:jc m:val="centerGroup"/>
+                    </m:oMathParaPr>
+                    <m:oMath xmlns:m="http://schemas.openxmlformats.org/officeDocument/2006/math">
+                      <m:r>
+                        <a:rPr lang="en-US" altLang="ko-KR" b="0" i="1" smtClean="0">
+                          <a:latin typeface="Cambria Math" panose="02040503050406030204" pitchFamily="18" charset="0"/>
+                        </a:rPr>
+                        <m:t>𝑏</m:t>
+                      </m:r>
+                    </m:oMath>
+                  </m:oMathPara>
+                </a14:m>
+                <a:endParaRPr lang="ko-KR" altLang="en-US" dirty="0"/>
+              </a:p>
+            </p:txBody>
+          </p:sp>
+        </mc:Choice>
+        <mc:Fallback>
+          <p:sp>
+            <p:nvSpPr>
+              <p:cNvPr id="122" name="TextBox 121">
+                <a:extLst>
+                  <a:ext uri="{FF2B5EF4-FFF2-40B4-BE49-F238E27FC236}">
+                    <a16:creationId xmlns:a16="http://schemas.microsoft.com/office/drawing/2014/main" id="{0AC415B7-524A-42C7-B65E-C10FD10E7F15}"/>
+                  </a:ext>
+                </a:extLst>
+              </p:cNvPr>
+              <p:cNvSpPr txBox="1">
+                <a:spLocks noRot="1" noChangeAspect="1" noMove="1" noResize="1" noEditPoints="1" noAdjustHandles="1" noChangeArrowheads="1" noChangeShapeType="1" noTextEdit="1"/>
+              </p:cNvSpPr>
+              <p:nvPr/>
+            </p:nvSpPr>
+            <p:spPr>
+              <a:xfrm>
+                <a:off x="1868469" y="4250454"/>
+                <a:ext cx="396519" cy="369332"/>
+              </a:xfrm>
+              <a:prstGeom prst="rect">
+                <a:avLst/>
+              </a:prstGeom>
+              <a:blipFill>
+                <a:blip r:embed="rId10"/>
+                <a:stretch>
+                  <a:fillRect/>
+                </a:stretch>
+              </a:blipFill>
+            </p:spPr>
+            <p:txBody>
+              <a:bodyPr/>
+              <a:lstStyle/>
+              <a:p>
+                <a:r>
+                  <a:rPr lang="ko-KR" altLang="en-US">
+                    <a:noFill/>
+                  </a:rPr>
+                  <a:t> </a:t>
+                </a:r>
+              </a:p>
+            </p:txBody>
+          </p:sp>
+        </mc:Fallback>
+      </mc:AlternateContent>
+      <mc:AlternateContent xmlns:mc="http://schemas.openxmlformats.org/markup-compatibility/2006">
+        <mc:Choice xmlns:a14="http://schemas.microsoft.com/office/drawing/2010/main" Requires="a14">
+          <p:sp>
+            <p:nvSpPr>
+              <p:cNvPr id="123" name="TextBox 122">
+                <a:extLst>
+                  <a:ext uri="{FF2B5EF4-FFF2-40B4-BE49-F238E27FC236}">
+                    <a16:creationId xmlns:a16="http://schemas.microsoft.com/office/drawing/2014/main" id="{B350F9F3-8C8D-480C-857F-D578D9AA89AD}"/>
+                  </a:ext>
+                </a:extLst>
+              </p:cNvPr>
+              <p:cNvSpPr txBox="1"/>
+              <p:nvPr/>
+            </p:nvSpPr>
+            <p:spPr>
+              <a:xfrm>
+                <a:off x="4575263" y="5818912"/>
+                <a:ext cx="400302" cy="369332"/>
+              </a:xfrm>
+              <a:prstGeom prst="rect">
+                <a:avLst/>
+              </a:prstGeom>
+              <a:noFill/>
+            </p:spPr>
+            <p:txBody>
+              <a:bodyPr wrap="none" rtlCol="0">
+                <a:spAutoFit/>
+              </a:bodyPr>
+              <a:lstStyle/>
+              <a:p>
+                <a:pPr/>
+                <a14:m>
+                  <m:oMathPara xmlns:m="http://schemas.openxmlformats.org/officeDocument/2006/math">
+                    <m:oMathParaPr>
+                      <m:jc m:val="centerGroup"/>
+                    </m:oMathParaPr>
+                    <m:oMath xmlns:m="http://schemas.openxmlformats.org/officeDocument/2006/math">
+                      <m:r>
+                        <a:rPr lang="en-US" altLang="ko-KR" b="0" i="1" smtClean="0">
+                          <a:latin typeface="Cambria Math" panose="02040503050406030204" pitchFamily="18" charset="0"/>
+                        </a:rPr>
+                        <m:t>𝑥</m:t>
+                      </m:r>
+                    </m:oMath>
+                  </m:oMathPara>
+                </a14:m>
+                <a:endParaRPr lang="ko-KR" altLang="en-US" dirty="0"/>
+              </a:p>
+            </p:txBody>
+          </p:sp>
+        </mc:Choice>
+        <mc:Fallback>
+          <p:sp>
+            <p:nvSpPr>
+              <p:cNvPr id="123" name="TextBox 122">
+                <a:extLst>
+                  <a:ext uri="{FF2B5EF4-FFF2-40B4-BE49-F238E27FC236}">
+                    <a16:creationId xmlns:a16="http://schemas.microsoft.com/office/drawing/2014/main" id="{B350F9F3-8C8D-480C-857F-D578D9AA89AD}"/>
+                  </a:ext>
+                </a:extLst>
+              </p:cNvPr>
+              <p:cNvSpPr txBox="1">
+                <a:spLocks noRot="1" noChangeAspect="1" noMove="1" noResize="1" noEditPoints="1" noAdjustHandles="1" noChangeArrowheads="1" noChangeShapeType="1" noTextEdit="1"/>
+              </p:cNvSpPr>
+              <p:nvPr/>
+            </p:nvSpPr>
+            <p:spPr>
+              <a:xfrm>
+                <a:off x="4575263" y="5818912"/>
+                <a:ext cx="400302" cy="369332"/>
+              </a:xfrm>
+              <a:prstGeom prst="rect">
+                <a:avLst/>
+              </a:prstGeom>
+              <a:blipFill>
+                <a:blip r:embed="rId11"/>
+                <a:stretch>
+                  <a:fillRect/>
+                </a:stretch>
+              </a:blipFill>
+            </p:spPr>
+            <p:txBody>
+              <a:bodyPr/>
+              <a:lstStyle/>
+              <a:p>
+                <a:r>
+                  <a:rPr lang="ko-KR" altLang="en-US">
+                    <a:noFill/>
+                  </a:rPr>
+                  <a:t> </a:t>
+                </a:r>
+              </a:p>
+            </p:txBody>
+          </p:sp>
+        </mc:Fallback>
+      </mc:AlternateContent>
+      <mc:AlternateContent xmlns:mc="http://schemas.openxmlformats.org/markup-compatibility/2006">
+        <mc:Choice xmlns:a14="http://schemas.microsoft.com/office/drawing/2010/main" Requires="a14">
+          <p:sp>
+            <p:nvSpPr>
+              <p:cNvPr id="125" name="TextBox 124">
+                <a:extLst>
+                  <a:ext uri="{FF2B5EF4-FFF2-40B4-BE49-F238E27FC236}">
+                    <a16:creationId xmlns:a16="http://schemas.microsoft.com/office/drawing/2014/main" id="{5B8F3F88-4AA8-4B3C-AA63-7C5309423F53}"/>
+                  </a:ext>
+                </a:extLst>
+              </p:cNvPr>
+              <p:cNvSpPr txBox="1"/>
+              <p:nvPr/>
+            </p:nvSpPr>
+            <p:spPr>
+              <a:xfrm>
+                <a:off x="1955346" y="3785287"/>
+                <a:ext cx="400238" cy="369332"/>
+              </a:xfrm>
+              <a:prstGeom prst="rect">
+                <a:avLst/>
+              </a:prstGeom>
+              <a:noFill/>
+            </p:spPr>
+            <p:txBody>
+              <a:bodyPr wrap="none" rtlCol="0">
+                <a:spAutoFit/>
+              </a:bodyPr>
+              <a:lstStyle/>
+              <a:p>
+                <a:pPr/>
+                <a14:m>
+                  <m:oMathPara xmlns:m="http://schemas.openxmlformats.org/officeDocument/2006/math">
+                    <m:oMathParaPr>
+                      <m:jc m:val="centerGroup"/>
+                    </m:oMathParaPr>
+                    <m:oMath xmlns:m="http://schemas.openxmlformats.org/officeDocument/2006/math">
+                      <m:r>
+                        <a:rPr lang="en-US" altLang="ko-KR" b="0" i="1" smtClean="0">
+                          <a:latin typeface="Cambria Math" panose="02040503050406030204" pitchFamily="18" charset="0"/>
+                        </a:rPr>
+                        <m:t>𝑦</m:t>
+                      </m:r>
+                    </m:oMath>
+                  </m:oMathPara>
+                </a14:m>
+                <a:endParaRPr lang="ko-KR" altLang="en-US" dirty="0"/>
+              </a:p>
+            </p:txBody>
+          </p:sp>
+        </mc:Choice>
+        <mc:Fallback>
+          <p:sp>
+            <p:nvSpPr>
+              <p:cNvPr id="125" name="TextBox 124">
+                <a:extLst>
+                  <a:ext uri="{FF2B5EF4-FFF2-40B4-BE49-F238E27FC236}">
+                    <a16:creationId xmlns:a16="http://schemas.microsoft.com/office/drawing/2014/main" id="{5B8F3F88-4AA8-4B3C-AA63-7C5309423F53}"/>
+                  </a:ext>
+                </a:extLst>
+              </p:cNvPr>
+              <p:cNvSpPr txBox="1">
+                <a:spLocks noRot="1" noChangeAspect="1" noMove="1" noResize="1" noEditPoints="1" noAdjustHandles="1" noChangeArrowheads="1" noChangeShapeType="1" noTextEdit="1"/>
+              </p:cNvSpPr>
+              <p:nvPr/>
+            </p:nvSpPr>
+            <p:spPr>
+              <a:xfrm>
+                <a:off x="1955346" y="3785287"/>
+                <a:ext cx="400238" cy="369332"/>
+              </a:xfrm>
+              <a:prstGeom prst="rect">
+                <a:avLst/>
+              </a:prstGeom>
+              <a:blipFill>
+                <a:blip r:embed="rId12"/>
+                <a:stretch>
+                  <a:fillRect b="-8197"/>
+                </a:stretch>
+              </a:blipFill>
+            </p:spPr>
+            <p:txBody>
+              <a:bodyPr/>
+              <a:lstStyle/>
+              <a:p>
+                <a:r>
+                  <a:rPr lang="ko-KR" altLang="en-US">
+                    <a:noFill/>
+                  </a:rPr>
+                  <a:t> </a:t>
+                </a:r>
+              </a:p>
+            </p:txBody>
+          </p:sp>
+        </mc:Fallback>
+      </mc:AlternateContent>
+      <p:pic>
+        <p:nvPicPr>
+          <p:cNvPr id="5" name="그림 4">
+            <a:extLst>
+              <a:ext uri="{FF2B5EF4-FFF2-40B4-BE49-F238E27FC236}">
+                <a16:creationId xmlns:a16="http://schemas.microsoft.com/office/drawing/2014/main" id="{1F354776-6E9F-4D80-A705-D80635FAF05A}"/>
+              </a:ext>
+            </a:extLst>
+          </p:cNvPr>
+          <p:cNvPicPr>
+            <a:picLocks noChangeAspect="1"/>
+          </p:cNvPicPr>
+          <p:nvPr/>
+        </p:nvPicPr>
+        <p:blipFill>
+          <a:blip r:embed="rId13"/>
+          <a:stretch>
+            <a:fillRect/>
+          </a:stretch>
+        </p:blipFill>
+        <p:spPr>
+          <a:xfrm>
+            <a:off x="2688897" y="4430230"/>
+            <a:ext cx="1497869" cy="1497869"/>
+          </a:xfrm>
+          <a:prstGeom prst="rect">
+            <a:avLst/>
+          </a:prstGeom>
+        </p:spPr>
+      </p:pic>
+      <mc:AlternateContent xmlns:mc="http://schemas.openxmlformats.org/markup-compatibility/2006">
+        <mc:Choice xmlns:a14="http://schemas.microsoft.com/office/drawing/2010/main" Requires="a14">
+          <p:sp>
+            <p:nvSpPr>
+              <p:cNvPr id="126" name="TextBox 125">
+                <a:extLst>
+                  <a:ext uri="{FF2B5EF4-FFF2-40B4-BE49-F238E27FC236}">
+                    <a16:creationId xmlns:a16="http://schemas.microsoft.com/office/drawing/2014/main" id="{2B8016A5-37AD-4EB4-9C29-27AF7CB5CE74}"/>
+                  </a:ext>
+                </a:extLst>
+              </p:cNvPr>
+              <p:cNvSpPr txBox="1"/>
+              <p:nvPr/>
+            </p:nvSpPr>
+            <p:spPr>
+              <a:xfrm>
+                <a:off x="5288681" y="5743433"/>
+                <a:ext cx="400302" cy="369332"/>
+              </a:xfrm>
+              <a:prstGeom prst="rect">
+                <a:avLst/>
+              </a:prstGeom>
+              <a:noFill/>
+            </p:spPr>
+            <p:txBody>
+              <a:bodyPr wrap="none" rtlCol="0">
+                <a:spAutoFit/>
+              </a:bodyPr>
+              <a:lstStyle/>
+              <a:p>
+                <a:pPr/>
+                <a14:m>
+                  <m:oMathPara xmlns:m="http://schemas.openxmlformats.org/officeDocument/2006/math">
+                    <m:oMathParaPr>
+                      <m:jc m:val="centerGroup"/>
+                    </m:oMathParaPr>
+                    <m:oMath xmlns:m="http://schemas.openxmlformats.org/officeDocument/2006/math">
+                      <m:r>
+                        <a:rPr lang="en-US" altLang="ko-KR" b="0" i="1" smtClean="0">
+                          <a:latin typeface="Cambria Math" panose="02040503050406030204" pitchFamily="18" charset="0"/>
+                        </a:rPr>
+                        <m:t>𝑎</m:t>
+                      </m:r>
+                    </m:oMath>
+                  </m:oMathPara>
+                </a14:m>
+                <a:endParaRPr lang="ko-KR" altLang="en-US" dirty="0"/>
+              </a:p>
+            </p:txBody>
+          </p:sp>
+        </mc:Choice>
+        <mc:Fallback>
+          <p:sp>
+            <p:nvSpPr>
+              <p:cNvPr id="126" name="TextBox 125">
+                <a:extLst>
+                  <a:ext uri="{FF2B5EF4-FFF2-40B4-BE49-F238E27FC236}">
+                    <a16:creationId xmlns:a16="http://schemas.microsoft.com/office/drawing/2014/main" id="{2B8016A5-37AD-4EB4-9C29-27AF7CB5CE74}"/>
+                  </a:ext>
+                </a:extLst>
+              </p:cNvPr>
+              <p:cNvSpPr txBox="1">
+                <a:spLocks noRot="1" noChangeAspect="1" noMove="1" noResize="1" noEditPoints="1" noAdjustHandles="1" noChangeArrowheads="1" noChangeShapeType="1" noTextEdit="1"/>
+              </p:cNvSpPr>
+              <p:nvPr/>
+            </p:nvSpPr>
+            <p:spPr>
+              <a:xfrm>
+                <a:off x="5288681" y="5743433"/>
+                <a:ext cx="400302" cy="369332"/>
+              </a:xfrm>
+              <a:prstGeom prst="rect">
+                <a:avLst/>
+              </a:prstGeom>
+              <a:blipFill>
+                <a:blip r:embed="rId14"/>
+                <a:stretch>
+                  <a:fillRect/>
+                </a:stretch>
+              </a:blipFill>
+            </p:spPr>
+            <p:txBody>
+              <a:bodyPr/>
+              <a:lstStyle/>
+              <a:p>
+                <a:r>
+                  <a:rPr lang="ko-KR" altLang="en-US">
+                    <a:noFill/>
+                  </a:rPr>
+                  <a:t> </a:t>
+                </a:r>
+              </a:p>
+            </p:txBody>
+          </p:sp>
+        </mc:Fallback>
+      </mc:AlternateContent>
+      <p:sp>
+        <p:nvSpPr>
+          <p:cNvPr id="113" name="TextBox 112">
+            <a:extLst>
+              <a:ext uri="{FF2B5EF4-FFF2-40B4-BE49-F238E27FC236}">
+                <a16:creationId xmlns:a16="http://schemas.microsoft.com/office/drawing/2014/main" id="{D9166D77-F83B-4518-8A8C-264993F2F998}"/>
+              </a:ext>
+            </a:extLst>
+          </p:cNvPr>
+          <p:cNvSpPr txBox="1"/>
+          <p:nvPr/>
+        </p:nvSpPr>
+        <p:spPr>
+          <a:xfrm>
+            <a:off x="5807317" y="3554654"/>
+            <a:ext cx="2762673" cy="646331"/>
+          </a:xfrm>
+          <a:prstGeom prst="rect">
+            <a:avLst/>
+          </a:prstGeom>
+          <a:noFill/>
+        </p:spPr>
+        <p:txBody>
+          <a:bodyPr wrap="square" rtlCol="0">
+            <a:spAutoFit/>
+          </a:bodyPr>
+          <a:lstStyle/>
+          <a:p>
+            <a:pPr algn="ctr"/>
+            <a:r>
+              <a:rPr lang="ko-KR" altLang="en-US" b="1" dirty="0">
+                <a:latin typeface="나눔고딕" panose="020D0604000000000000" pitchFamily="50" charset="-127"/>
+                <a:ea typeface="나눔고딕" panose="020D0604000000000000" pitchFamily="50" charset="-127"/>
+              </a:rPr>
+              <a:t>단위 기저</a:t>
+            </a:r>
+            <a:endParaRPr lang="en-US" altLang="ko-KR" b="1" dirty="0">
+              <a:latin typeface="나눔고딕" panose="020D0604000000000000" pitchFamily="50" charset="-127"/>
+              <a:ea typeface="나눔고딕" panose="020D0604000000000000" pitchFamily="50" charset="-127"/>
+            </a:endParaRPr>
+          </a:p>
+          <a:p>
+            <a:pPr algn="ctr"/>
+            <a:r>
+              <a:rPr lang="ko-KR" altLang="en-US" b="1" dirty="0">
+                <a:latin typeface="나눔고딕" panose="020D0604000000000000" pitchFamily="50" charset="-127"/>
+                <a:ea typeface="나눔고딕" panose="020D0604000000000000" pitchFamily="50" charset="-127"/>
+              </a:rPr>
+              <a:t>함수들의 나열</a:t>
+            </a:r>
+            <a:r>
+              <a:rPr lang="en-US" altLang="ko-KR" b="1" dirty="0">
+                <a:latin typeface="나눔고딕" panose="020D0604000000000000" pitchFamily="50" charset="-127"/>
+                <a:ea typeface="나눔고딕" panose="020D0604000000000000" pitchFamily="50" charset="-127"/>
+              </a:rPr>
+              <a:t>?</a:t>
+            </a:r>
+            <a:endParaRPr lang="ko-KR" altLang="en-US" b="1" dirty="0">
+              <a:latin typeface="나눔고딕" panose="020D0604000000000000" pitchFamily="50" charset="-127"/>
+              <a:ea typeface="나눔고딕" panose="020D0604000000000000" pitchFamily="50" charset="-127"/>
+            </a:endParaRPr>
+          </a:p>
+        </p:txBody>
+      </p:sp>
+      <p:cxnSp>
+        <p:nvCxnSpPr>
+          <p:cNvPr id="76" name="직선 화살표 연결선 75">
+            <a:extLst>
+              <a:ext uri="{FF2B5EF4-FFF2-40B4-BE49-F238E27FC236}">
+                <a16:creationId xmlns:a16="http://schemas.microsoft.com/office/drawing/2014/main" id="{29443CE5-1E0E-4E5D-801F-9BD719B13989}"/>
+              </a:ext>
+            </a:extLst>
+          </p:cNvPr>
+          <p:cNvCxnSpPr>
+            <a:cxnSpLocks/>
+          </p:cNvCxnSpPr>
+          <p:nvPr/>
+        </p:nvCxnSpPr>
+        <p:spPr>
+          <a:xfrm>
+            <a:off x="5816925" y="6250960"/>
+            <a:ext cx="2499491" cy="0"/>
+          </a:xfrm>
+          <a:prstGeom prst="straightConnector1">
+            <a:avLst/>
+          </a:prstGeom>
+          <a:ln>
+            <a:tailEnd type="triangle"/>
+          </a:ln>
+        </p:spPr>
+        <p:style>
+          <a:lnRef idx="1">
+            <a:schemeClr val="dk1"/>
+          </a:lnRef>
+          <a:fillRef idx="0">
+            <a:schemeClr val="dk1"/>
+          </a:fillRef>
+          <a:effectRef idx="0">
+            <a:schemeClr val="dk1"/>
+          </a:effectRef>
+          <a:fontRef idx="minor">
+            <a:schemeClr val="tx1"/>
+          </a:fontRef>
+        </p:style>
+      </p:cxnSp>
+      <p:cxnSp>
+        <p:nvCxnSpPr>
+          <p:cNvPr id="80" name="직선 화살표 연결선 79">
+            <a:extLst>
+              <a:ext uri="{FF2B5EF4-FFF2-40B4-BE49-F238E27FC236}">
+                <a16:creationId xmlns:a16="http://schemas.microsoft.com/office/drawing/2014/main" id="{D97907D1-C4C7-4A51-91D7-72FA7B11F435}"/>
+              </a:ext>
+            </a:extLst>
+          </p:cNvPr>
+          <p:cNvCxnSpPr>
+            <a:cxnSpLocks/>
+          </p:cNvCxnSpPr>
+          <p:nvPr/>
+        </p:nvCxnSpPr>
+        <p:spPr>
+          <a:xfrm flipV="1">
+            <a:off x="5979868" y="4058509"/>
+            <a:ext cx="0" cy="2394827"/>
+          </a:xfrm>
+          <a:prstGeom prst="straightConnector1">
+            <a:avLst/>
+          </a:prstGeom>
+          <a:ln>
+            <a:tailEnd type="triangle"/>
+          </a:ln>
+        </p:spPr>
+        <p:style>
+          <a:lnRef idx="1">
+            <a:schemeClr val="dk1"/>
+          </a:lnRef>
+          <a:fillRef idx="0">
+            <a:schemeClr val="dk1"/>
+          </a:fillRef>
+          <a:effectRef idx="0">
+            <a:schemeClr val="dk1"/>
+          </a:effectRef>
+          <a:fontRef idx="minor">
+            <a:schemeClr val="tx1"/>
+          </a:fontRef>
+        </p:style>
+      </p:cxnSp>
+      <p:cxnSp>
+        <p:nvCxnSpPr>
+          <p:cNvPr id="86" name="직선 연결선 85">
+            <a:extLst>
+              <a:ext uri="{FF2B5EF4-FFF2-40B4-BE49-F238E27FC236}">
+                <a16:creationId xmlns:a16="http://schemas.microsoft.com/office/drawing/2014/main" id="{125410F9-BD57-4966-BCD0-FE71369DF17F}"/>
+              </a:ext>
+            </a:extLst>
+          </p:cNvPr>
+          <p:cNvCxnSpPr/>
+          <p:nvPr/>
+        </p:nvCxnSpPr>
+        <p:spPr>
+          <a:xfrm>
+            <a:off x="6294474" y="6178955"/>
+            <a:ext cx="0" cy="144010"/>
+          </a:xfrm>
+          <a:prstGeom prst="line">
+            <a:avLst/>
+          </a:prstGeom>
+        </p:spPr>
+        <p:style>
+          <a:lnRef idx="1">
+            <a:schemeClr val="dk1"/>
+          </a:lnRef>
+          <a:fillRef idx="0">
+            <a:schemeClr val="dk1"/>
+          </a:fillRef>
+          <a:effectRef idx="0">
+            <a:schemeClr val="dk1"/>
+          </a:effectRef>
+          <a:fontRef idx="minor">
+            <a:schemeClr val="tx1"/>
+          </a:fontRef>
+        </p:style>
+      </p:cxnSp>
+      <p:cxnSp>
+        <p:nvCxnSpPr>
+          <p:cNvPr id="92" name="직선 연결선 91">
+            <a:extLst>
+              <a:ext uri="{FF2B5EF4-FFF2-40B4-BE49-F238E27FC236}">
+                <a16:creationId xmlns:a16="http://schemas.microsoft.com/office/drawing/2014/main" id="{6646DE3E-8EE1-4CDC-900B-1BA5074DBE19}"/>
+              </a:ext>
+            </a:extLst>
+          </p:cNvPr>
+          <p:cNvCxnSpPr/>
+          <p:nvPr/>
+        </p:nvCxnSpPr>
+        <p:spPr>
+          <a:xfrm>
+            <a:off x="7782780" y="6178955"/>
+            <a:ext cx="0" cy="144010"/>
+          </a:xfrm>
+          <a:prstGeom prst="line">
+            <a:avLst/>
+          </a:prstGeom>
+        </p:spPr>
+        <p:style>
+          <a:lnRef idx="1">
+            <a:schemeClr val="dk1"/>
+          </a:lnRef>
+          <a:fillRef idx="0">
+            <a:schemeClr val="dk1"/>
+          </a:fillRef>
+          <a:effectRef idx="0">
+            <a:schemeClr val="dk1"/>
+          </a:effectRef>
+          <a:fontRef idx="minor">
+            <a:schemeClr val="tx1"/>
+          </a:fontRef>
+        </p:style>
+      </p:cxnSp>
+      <p:cxnSp>
+        <p:nvCxnSpPr>
+          <p:cNvPr id="98" name="직선 연결선 97">
+            <a:extLst>
+              <a:ext uri="{FF2B5EF4-FFF2-40B4-BE49-F238E27FC236}">
+                <a16:creationId xmlns:a16="http://schemas.microsoft.com/office/drawing/2014/main" id="{FBB7F419-D0B5-47CA-803C-1A5E62E90D51}"/>
+              </a:ext>
+            </a:extLst>
+          </p:cNvPr>
+          <p:cNvCxnSpPr>
+            <a:cxnSpLocks/>
+          </p:cNvCxnSpPr>
+          <p:nvPr/>
+        </p:nvCxnSpPr>
+        <p:spPr>
+          <a:xfrm rot="5400000">
+            <a:off x="5979868" y="5842320"/>
+            <a:ext cx="0" cy="171558"/>
+          </a:xfrm>
+          <a:prstGeom prst="line">
+            <a:avLst/>
+          </a:prstGeom>
+        </p:spPr>
+        <p:style>
+          <a:lnRef idx="1">
+            <a:schemeClr val="dk1"/>
+          </a:lnRef>
+          <a:fillRef idx="0">
+            <a:schemeClr val="dk1"/>
+          </a:fillRef>
+          <a:effectRef idx="0">
+            <a:schemeClr val="dk1"/>
+          </a:effectRef>
+          <a:fontRef idx="minor">
+            <a:schemeClr val="tx1"/>
+          </a:fontRef>
+        </p:style>
+      </p:cxnSp>
+      <p:cxnSp>
+        <p:nvCxnSpPr>
+          <p:cNvPr id="104" name="직선 연결선 103">
+            <a:extLst>
+              <a:ext uri="{FF2B5EF4-FFF2-40B4-BE49-F238E27FC236}">
+                <a16:creationId xmlns:a16="http://schemas.microsoft.com/office/drawing/2014/main" id="{E0D99779-1BC5-49D9-A066-722800DD085A}"/>
+              </a:ext>
+            </a:extLst>
+          </p:cNvPr>
+          <p:cNvCxnSpPr>
+            <a:cxnSpLocks/>
+          </p:cNvCxnSpPr>
+          <p:nvPr/>
+        </p:nvCxnSpPr>
+        <p:spPr>
+          <a:xfrm rot="5400000">
+            <a:off x="5979868" y="4344025"/>
+            <a:ext cx="0" cy="171558"/>
+          </a:xfrm>
+          <a:prstGeom prst="line">
+            <a:avLst/>
+          </a:prstGeom>
+        </p:spPr>
+        <p:style>
+          <a:lnRef idx="1">
+            <a:schemeClr val="dk1"/>
+          </a:lnRef>
+          <a:fillRef idx="0">
+            <a:schemeClr val="dk1"/>
+          </a:fillRef>
+          <a:effectRef idx="0">
+            <a:schemeClr val="dk1"/>
+          </a:effectRef>
+          <a:fontRef idx="minor">
+            <a:schemeClr val="tx1"/>
+          </a:fontRef>
+        </p:style>
+      </p:cxnSp>
+      <mc:AlternateContent xmlns:mc="http://schemas.openxmlformats.org/markup-compatibility/2006">
+        <mc:Choice xmlns:a14="http://schemas.microsoft.com/office/drawing/2010/main" Requires="a14">
+          <p:sp>
+            <p:nvSpPr>
+              <p:cNvPr id="117" name="TextBox 116">
+                <a:extLst>
+                  <a:ext uri="{FF2B5EF4-FFF2-40B4-BE49-F238E27FC236}">
+                    <a16:creationId xmlns:a16="http://schemas.microsoft.com/office/drawing/2014/main" id="{B1E3A1EC-3E23-4FA1-A5DE-371C35150589}"/>
+                  </a:ext>
+                </a:extLst>
+              </p:cNvPr>
+              <p:cNvSpPr txBox="1"/>
+              <p:nvPr/>
+            </p:nvSpPr>
+            <p:spPr>
+              <a:xfrm>
+                <a:off x="6119252" y="6314526"/>
+                <a:ext cx="400302" cy="369332"/>
+              </a:xfrm>
+              <a:prstGeom prst="rect">
+                <a:avLst/>
+              </a:prstGeom>
+              <a:noFill/>
+            </p:spPr>
+            <p:txBody>
+              <a:bodyPr wrap="none" rtlCol="0">
+                <a:spAutoFit/>
+              </a:bodyPr>
+              <a:lstStyle/>
+              <a:p>
+                <a:pPr/>
+                <a14:m>
+                  <m:oMathPara xmlns:m="http://schemas.openxmlformats.org/officeDocument/2006/math">
+                    <m:oMathParaPr>
+                      <m:jc m:val="centerGroup"/>
+                    </m:oMathParaPr>
+                    <m:oMath xmlns:m="http://schemas.openxmlformats.org/officeDocument/2006/math">
+                      <m:r>
+                        <a:rPr lang="en-US" altLang="ko-KR" b="0" i="1" smtClean="0">
+                          <a:latin typeface="Cambria Math" panose="02040503050406030204" pitchFamily="18" charset="0"/>
+                        </a:rPr>
+                        <m:t>𝑎</m:t>
+                      </m:r>
+                    </m:oMath>
+                  </m:oMathPara>
+                </a14:m>
+                <a:endParaRPr lang="ko-KR" altLang="en-US" dirty="0"/>
+              </a:p>
+            </p:txBody>
+          </p:sp>
+        </mc:Choice>
+        <mc:Fallback>
+          <p:sp>
+            <p:nvSpPr>
+              <p:cNvPr id="117" name="TextBox 116">
+                <a:extLst>
+                  <a:ext uri="{FF2B5EF4-FFF2-40B4-BE49-F238E27FC236}">
+                    <a16:creationId xmlns:a16="http://schemas.microsoft.com/office/drawing/2014/main" id="{B1E3A1EC-3E23-4FA1-A5DE-371C35150589}"/>
+                  </a:ext>
+                </a:extLst>
+              </p:cNvPr>
+              <p:cNvSpPr txBox="1">
+                <a:spLocks noRot="1" noChangeAspect="1" noMove="1" noResize="1" noEditPoints="1" noAdjustHandles="1" noChangeArrowheads="1" noChangeShapeType="1" noTextEdit="1"/>
+              </p:cNvSpPr>
+              <p:nvPr/>
+            </p:nvSpPr>
+            <p:spPr>
+              <a:xfrm>
+                <a:off x="6119252" y="6314526"/>
+                <a:ext cx="400302" cy="369332"/>
+              </a:xfrm>
+              <a:prstGeom prst="rect">
+                <a:avLst/>
+              </a:prstGeom>
+              <a:blipFill>
+                <a:blip r:embed="rId15"/>
+                <a:stretch>
+                  <a:fillRect/>
+                </a:stretch>
+              </a:blipFill>
+            </p:spPr>
+            <p:txBody>
+              <a:bodyPr/>
+              <a:lstStyle/>
+              <a:p>
+                <a:r>
+                  <a:rPr lang="ko-KR" altLang="en-US">
+                    <a:noFill/>
+                  </a:rPr>
+                  <a:t> </a:t>
+                </a:r>
+              </a:p>
+            </p:txBody>
+          </p:sp>
+        </mc:Fallback>
+      </mc:AlternateContent>
+      <mc:AlternateContent xmlns:mc="http://schemas.openxmlformats.org/markup-compatibility/2006">
+        <mc:Choice xmlns:a14="http://schemas.microsoft.com/office/drawing/2010/main" Requires="a14">
+          <p:sp>
+            <p:nvSpPr>
+              <p:cNvPr id="124" name="TextBox 123">
+                <a:extLst>
+                  <a:ext uri="{FF2B5EF4-FFF2-40B4-BE49-F238E27FC236}">
+                    <a16:creationId xmlns:a16="http://schemas.microsoft.com/office/drawing/2014/main" id="{FDF768B8-60BA-43CC-A850-856BCDA24BBC}"/>
+                  </a:ext>
+                </a:extLst>
+              </p:cNvPr>
+              <p:cNvSpPr txBox="1"/>
+              <p:nvPr/>
+            </p:nvSpPr>
+            <p:spPr>
+              <a:xfrm>
+                <a:off x="7582629" y="6314526"/>
+                <a:ext cx="400302" cy="369332"/>
+              </a:xfrm>
+              <a:prstGeom prst="rect">
+                <a:avLst/>
+              </a:prstGeom>
+              <a:noFill/>
+            </p:spPr>
+            <p:txBody>
+              <a:bodyPr wrap="none" rtlCol="0">
+                <a:spAutoFit/>
+              </a:bodyPr>
+              <a:lstStyle/>
+              <a:p>
+                <a:pPr/>
+                <a14:m>
+                  <m:oMathPara xmlns:m="http://schemas.openxmlformats.org/officeDocument/2006/math">
+                    <m:oMathParaPr>
+                      <m:jc m:val="centerGroup"/>
+                    </m:oMathParaPr>
+                    <m:oMath xmlns:m="http://schemas.openxmlformats.org/officeDocument/2006/math">
+                      <m:r>
+                        <a:rPr lang="en-US" altLang="ko-KR" b="0" i="1" smtClean="0">
+                          <a:latin typeface="Cambria Math" panose="02040503050406030204" pitchFamily="18" charset="0"/>
+                        </a:rPr>
+                        <m:t>𝑏</m:t>
+                      </m:r>
+                    </m:oMath>
+                  </m:oMathPara>
+                </a14:m>
+                <a:endParaRPr lang="ko-KR" altLang="en-US" dirty="0"/>
+              </a:p>
+            </p:txBody>
+          </p:sp>
+        </mc:Choice>
+        <mc:Fallback>
+          <p:sp>
+            <p:nvSpPr>
+              <p:cNvPr id="124" name="TextBox 123">
+                <a:extLst>
+                  <a:ext uri="{FF2B5EF4-FFF2-40B4-BE49-F238E27FC236}">
+                    <a16:creationId xmlns:a16="http://schemas.microsoft.com/office/drawing/2014/main" id="{FDF768B8-60BA-43CC-A850-856BCDA24BBC}"/>
+                  </a:ext>
+                </a:extLst>
+              </p:cNvPr>
+              <p:cNvSpPr txBox="1">
+                <a:spLocks noRot="1" noChangeAspect="1" noMove="1" noResize="1" noEditPoints="1" noAdjustHandles="1" noChangeArrowheads="1" noChangeShapeType="1" noTextEdit="1"/>
+              </p:cNvSpPr>
+              <p:nvPr/>
+            </p:nvSpPr>
+            <p:spPr>
+              <a:xfrm>
+                <a:off x="7582629" y="6314526"/>
+                <a:ext cx="400302" cy="369332"/>
+              </a:xfrm>
+              <a:prstGeom prst="rect">
+                <a:avLst/>
+              </a:prstGeom>
+              <a:blipFill>
+                <a:blip r:embed="rId16"/>
+                <a:stretch>
+                  <a:fillRect/>
+                </a:stretch>
+              </a:blipFill>
+            </p:spPr>
+            <p:txBody>
+              <a:bodyPr/>
+              <a:lstStyle/>
+              <a:p>
+                <a:r>
+                  <a:rPr lang="ko-KR" altLang="en-US">
+                    <a:noFill/>
+                  </a:rPr>
+                  <a:t> </a:t>
+                </a:r>
+              </a:p>
+            </p:txBody>
+          </p:sp>
+        </mc:Fallback>
+      </mc:AlternateContent>
+      <mc:AlternateContent xmlns:mc="http://schemas.openxmlformats.org/markup-compatibility/2006">
+        <mc:Choice xmlns:a14="http://schemas.microsoft.com/office/drawing/2010/main" Requires="a14">
+          <p:sp>
+            <p:nvSpPr>
+              <p:cNvPr id="127" name="TextBox 126">
+                <a:extLst>
+                  <a:ext uri="{FF2B5EF4-FFF2-40B4-BE49-F238E27FC236}">
+                    <a16:creationId xmlns:a16="http://schemas.microsoft.com/office/drawing/2014/main" id="{69518A18-ABBD-4BAE-851F-18A84774C301}"/>
+                  </a:ext>
+                </a:extLst>
+              </p:cNvPr>
+              <p:cNvSpPr txBox="1"/>
+              <p:nvPr/>
+            </p:nvSpPr>
+            <p:spPr>
+              <a:xfrm>
+                <a:off x="5491299" y="4250454"/>
+                <a:ext cx="396519" cy="369332"/>
+              </a:xfrm>
+              <a:prstGeom prst="rect">
+                <a:avLst/>
+              </a:prstGeom>
+              <a:noFill/>
+            </p:spPr>
+            <p:txBody>
+              <a:bodyPr wrap="none" rtlCol="0">
+                <a:spAutoFit/>
+              </a:bodyPr>
+              <a:lstStyle/>
+              <a:p>
+                <a:pPr/>
+                <a14:m>
+                  <m:oMathPara xmlns:m="http://schemas.openxmlformats.org/officeDocument/2006/math">
+                    <m:oMathParaPr>
+                      <m:jc m:val="centerGroup"/>
+                    </m:oMathParaPr>
+                    <m:oMath xmlns:m="http://schemas.openxmlformats.org/officeDocument/2006/math">
+                      <m:r>
+                        <a:rPr lang="en-US" altLang="ko-KR" b="0" i="1" smtClean="0">
+                          <a:latin typeface="Cambria Math" panose="02040503050406030204" pitchFamily="18" charset="0"/>
+                        </a:rPr>
+                        <m:t>𝑏</m:t>
+                      </m:r>
+                    </m:oMath>
+                  </m:oMathPara>
+                </a14:m>
+                <a:endParaRPr lang="ko-KR" altLang="en-US" dirty="0"/>
+              </a:p>
+            </p:txBody>
+          </p:sp>
+        </mc:Choice>
+        <mc:Fallback>
+          <p:sp>
+            <p:nvSpPr>
+              <p:cNvPr id="127" name="TextBox 126">
+                <a:extLst>
+                  <a:ext uri="{FF2B5EF4-FFF2-40B4-BE49-F238E27FC236}">
+                    <a16:creationId xmlns:a16="http://schemas.microsoft.com/office/drawing/2014/main" id="{69518A18-ABBD-4BAE-851F-18A84774C301}"/>
+                  </a:ext>
+                </a:extLst>
+              </p:cNvPr>
+              <p:cNvSpPr txBox="1">
+                <a:spLocks noRot="1" noChangeAspect="1" noMove="1" noResize="1" noEditPoints="1" noAdjustHandles="1" noChangeArrowheads="1" noChangeShapeType="1" noTextEdit="1"/>
+              </p:cNvSpPr>
+              <p:nvPr/>
+            </p:nvSpPr>
+            <p:spPr>
+              <a:xfrm>
+                <a:off x="5491299" y="4250454"/>
+                <a:ext cx="396519" cy="369332"/>
+              </a:xfrm>
+              <a:prstGeom prst="rect">
+                <a:avLst/>
+              </a:prstGeom>
+              <a:blipFill>
+                <a:blip r:embed="rId17"/>
+                <a:stretch>
+                  <a:fillRect/>
+                </a:stretch>
+              </a:blipFill>
+            </p:spPr>
+            <p:txBody>
+              <a:bodyPr/>
+              <a:lstStyle/>
+              <a:p>
+                <a:r>
+                  <a:rPr lang="ko-KR" altLang="en-US">
+                    <a:noFill/>
+                  </a:rPr>
+                  <a:t> </a:t>
+                </a:r>
+              </a:p>
+            </p:txBody>
+          </p:sp>
+        </mc:Fallback>
+      </mc:AlternateContent>
+      <mc:AlternateContent xmlns:mc="http://schemas.openxmlformats.org/markup-compatibility/2006">
+        <mc:Choice xmlns:a14="http://schemas.microsoft.com/office/drawing/2010/main" Requires="a14">
+          <p:sp>
+            <p:nvSpPr>
+              <p:cNvPr id="128" name="TextBox 127">
+                <a:extLst>
+                  <a:ext uri="{FF2B5EF4-FFF2-40B4-BE49-F238E27FC236}">
+                    <a16:creationId xmlns:a16="http://schemas.microsoft.com/office/drawing/2014/main" id="{6FE58DA3-B4F0-490C-AC92-8312B62F0463}"/>
+                  </a:ext>
+                </a:extLst>
+              </p:cNvPr>
+              <p:cNvSpPr txBox="1"/>
+              <p:nvPr/>
+            </p:nvSpPr>
+            <p:spPr>
+              <a:xfrm>
+                <a:off x="8101008" y="5818912"/>
+                <a:ext cx="400302" cy="369332"/>
+              </a:xfrm>
+              <a:prstGeom prst="rect">
+                <a:avLst/>
+              </a:prstGeom>
+              <a:noFill/>
+            </p:spPr>
+            <p:txBody>
+              <a:bodyPr wrap="none" rtlCol="0">
+                <a:spAutoFit/>
+              </a:bodyPr>
+              <a:lstStyle/>
+              <a:p>
+                <a:pPr/>
+                <a14:m>
+                  <m:oMathPara xmlns:m="http://schemas.openxmlformats.org/officeDocument/2006/math">
+                    <m:oMathParaPr>
+                      <m:jc m:val="centerGroup"/>
+                    </m:oMathParaPr>
+                    <m:oMath xmlns:m="http://schemas.openxmlformats.org/officeDocument/2006/math">
+                      <m:r>
+                        <a:rPr lang="en-US" altLang="ko-KR" b="0" i="1" smtClean="0">
+                          <a:latin typeface="Cambria Math" panose="02040503050406030204" pitchFamily="18" charset="0"/>
+                        </a:rPr>
+                        <m:t>𝑥</m:t>
+                      </m:r>
+                    </m:oMath>
+                  </m:oMathPara>
+                </a14:m>
+                <a:endParaRPr lang="ko-KR" altLang="en-US" dirty="0"/>
+              </a:p>
+            </p:txBody>
+          </p:sp>
+        </mc:Choice>
+        <mc:Fallback>
+          <p:sp>
+            <p:nvSpPr>
+              <p:cNvPr id="128" name="TextBox 127">
+                <a:extLst>
+                  <a:ext uri="{FF2B5EF4-FFF2-40B4-BE49-F238E27FC236}">
+                    <a16:creationId xmlns:a16="http://schemas.microsoft.com/office/drawing/2014/main" id="{6FE58DA3-B4F0-490C-AC92-8312B62F0463}"/>
+                  </a:ext>
+                </a:extLst>
+              </p:cNvPr>
+              <p:cNvSpPr txBox="1">
+                <a:spLocks noRot="1" noChangeAspect="1" noMove="1" noResize="1" noEditPoints="1" noAdjustHandles="1" noChangeArrowheads="1" noChangeShapeType="1" noTextEdit="1"/>
+              </p:cNvSpPr>
+              <p:nvPr/>
+            </p:nvSpPr>
+            <p:spPr>
+              <a:xfrm>
+                <a:off x="8101008" y="5818912"/>
+                <a:ext cx="400302" cy="369332"/>
+              </a:xfrm>
+              <a:prstGeom prst="rect">
+                <a:avLst/>
+              </a:prstGeom>
+              <a:blipFill>
+                <a:blip r:embed="rId18"/>
+                <a:stretch>
+                  <a:fillRect/>
+                </a:stretch>
+              </a:blipFill>
+            </p:spPr>
+            <p:txBody>
+              <a:bodyPr/>
+              <a:lstStyle/>
+              <a:p>
+                <a:r>
+                  <a:rPr lang="ko-KR" altLang="en-US">
+                    <a:noFill/>
+                  </a:rPr>
+                  <a:t> </a:t>
+                </a:r>
+              </a:p>
+            </p:txBody>
+          </p:sp>
+        </mc:Fallback>
+      </mc:AlternateContent>
+      <mc:AlternateContent xmlns:mc="http://schemas.openxmlformats.org/markup-compatibility/2006">
+        <mc:Choice xmlns:a14="http://schemas.microsoft.com/office/drawing/2010/main" Requires="a14">
+          <p:sp>
+            <p:nvSpPr>
+              <p:cNvPr id="129" name="TextBox 128">
+                <a:extLst>
+                  <a:ext uri="{FF2B5EF4-FFF2-40B4-BE49-F238E27FC236}">
+                    <a16:creationId xmlns:a16="http://schemas.microsoft.com/office/drawing/2014/main" id="{93168130-0882-4093-BCB3-7F76F3642078}"/>
+                  </a:ext>
+                </a:extLst>
+              </p:cNvPr>
+              <p:cNvSpPr txBox="1"/>
+              <p:nvPr/>
+            </p:nvSpPr>
+            <p:spPr>
+              <a:xfrm>
+                <a:off x="5578176" y="3785287"/>
+                <a:ext cx="400238" cy="369332"/>
+              </a:xfrm>
+              <a:prstGeom prst="rect">
+                <a:avLst/>
+              </a:prstGeom>
+              <a:noFill/>
+            </p:spPr>
+            <p:txBody>
+              <a:bodyPr wrap="none" rtlCol="0">
+                <a:spAutoFit/>
+              </a:bodyPr>
+              <a:lstStyle/>
+              <a:p>
+                <a:pPr/>
+                <a14:m>
+                  <m:oMathPara xmlns:m="http://schemas.openxmlformats.org/officeDocument/2006/math">
+                    <m:oMathParaPr>
+                      <m:jc m:val="centerGroup"/>
+                    </m:oMathParaPr>
+                    <m:oMath xmlns:m="http://schemas.openxmlformats.org/officeDocument/2006/math">
+                      <m:r>
+                        <a:rPr lang="en-US" altLang="ko-KR" b="0" i="1" smtClean="0">
+                          <a:latin typeface="Cambria Math" panose="02040503050406030204" pitchFamily="18" charset="0"/>
+                        </a:rPr>
+                        <m:t>𝑦</m:t>
+                      </m:r>
+                    </m:oMath>
+                  </m:oMathPara>
+                </a14:m>
+                <a:endParaRPr lang="ko-KR" altLang="en-US" dirty="0"/>
+              </a:p>
+            </p:txBody>
+          </p:sp>
+        </mc:Choice>
+        <mc:Fallback>
+          <p:sp>
+            <p:nvSpPr>
+              <p:cNvPr id="129" name="TextBox 128">
+                <a:extLst>
+                  <a:ext uri="{FF2B5EF4-FFF2-40B4-BE49-F238E27FC236}">
+                    <a16:creationId xmlns:a16="http://schemas.microsoft.com/office/drawing/2014/main" id="{93168130-0882-4093-BCB3-7F76F3642078}"/>
+                  </a:ext>
+                </a:extLst>
+              </p:cNvPr>
+              <p:cNvSpPr txBox="1">
+                <a:spLocks noRot="1" noChangeAspect="1" noMove="1" noResize="1" noEditPoints="1" noAdjustHandles="1" noChangeArrowheads="1" noChangeShapeType="1" noTextEdit="1"/>
+              </p:cNvSpPr>
+              <p:nvPr/>
+            </p:nvSpPr>
+            <p:spPr>
+              <a:xfrm>
+                <a:off x="5578176" y="3785287"/>
+                <a:ext cx="400238" cy="369332"/>
+              </a:xfrm>
+              <a:prstGeom prst="rect">
+                <a:avLst/>
+              </a:prstGeom>
+              <a:blipFill>
+                <a:blip r:embed="rId19"/>
+                <a:stretch>
+                  <a:fillRect b="-8197"/>
+                </a:stretch>
+              </a:blipFill>
+            </p:spPr>
+            <p:txBody>
+              <a:bodyPr/>
+              <a:lstStyle/>
+              <a:p>
+                <a:r>
+                  <a:rPr lang="ko-KR" altLang="en-US">
+                    <a:noFill/>
+                  </a:rPr>
+                  <a:t> </a:t>
+                </a:r>
+              </a:p>
+            </p:txBody>
+          </p:sp>
+        </mc:Fallback>
+      </mc:AlternateContent>
+      <p:cxnSp>
+        <p:nvCxnSpPr>
+          <p:cNvPr id="18" name="직선 연결선 17">
+            <a:extLst>
+              <a:ext uri="{FF2B5EF4-FFF2-40B4-BE49-F238E27FC236}">
+                <a16:creationId xmlns:a16="http://schemas.microsoft.com/office/drawing/2014/main" id="{8B7CD227-0BD9-4587-82B0-EFAC2EECB912}"/>
+              </a:ext>
+            </a:extLst>
+          </p:cNvPr>
+          <p:cNvCxnSpPr>
+            <a:cxnSpLocks/>
+          </p:cNvCxnSpPr>
+          <p:nvPr/>
+        </p:nvCxnSpPr>
+        <p:spPr>
+          <a:xfrm flipV="1">
+            <a:off x="6298097" y="4443417"/>
+            <a:ext cx="1484683" cy="1484683"/>
+          </a:xfrm>
+          <a:prstGeom prst="line">
+            <a:avLst/>
+          </a:prstGeom>
+          <a:ln w="25400">
+            <a:solidFill>
+              <a:schemeClr val="tx1"/>
+            </a:solidFill>
+            <a:prstDash val="sysDot"/>
+          </a:ln>
+        </p:spPr>
+        <p:style>
+          <a:lnRef idx="1">
+            <a:schemeClr val="accent1"/>
+          </a:lnRef>
+          <a:fillRef idx="0">
+            <a:schemeClr val="accent1"/>
+          </a:fillRef>
+          <a:effectRef idx="0">
+            <a:schemeClr val="accent1"/>
+          </a:effectRef>
+          <a:fontRef idx="minor">
+            <a:schemeClr val="tx1"/>
+          </a:fontRef>
+        </p:style>
+      </p:cxnSp>
+      <mc:AlternateContent xmlns:mc="http://schemas.openxmlformats.org/markup-compatibility/2006">
+        <mc:Choice xmlns:a14="http://schemas.microsoft.com/office/drawing/2010/main" Requires="a14">
+          <p:sp>
+            <p:nvSpPr>
               <p:cNvPr id="64" name="TextBox 63">
                 <a:extLst>
                   <a:ext uri="{FF2B5EF4-FFF2-40B4-BE49-F238E27FC236}">
@@ -9506,7 +12215,7 @@
             </p:nvSpPr>
             <p:spPr>
               <a:xfrm>
-                <a:off x="4093361" y="-69181"/>
+                <a:off x="4093361" y="346943"/>
                 <a:ext cx="399789" cy="369332"/>
               </a:xfrm>
               <a:prstGeom prst="rect">
@@ -9558,14 +12267,14 @@
             </p:nvSpPr>
             <p:spPr>
               <a:xfrm>
-                <a:off x="4093361" y="-69181"/>
+                <a:off x="4093361" y="346943"/>
                 <a:ext cx="399789" cy="369332"/>
               </a:xfrm>
               <a:prstGeom prst="rect">
                 <a:avLst/>
               </a:prstGeom>
               <a:blipFill>
-                <a:blip r:embed="rId2"/>
+                <a:blip r:embed="rId20"/>
                 <a:stretch>
                   <a:fillRect/>
                 </a:stretch>
@@ -9600,7 +12309,7 @@
         </p:nvSpPr>
         <p:spPr>
           <a:xfrm>
-            <a:off x="3434167" y="614025"/>
+            <a:off x="3434167" y="781116"/>
             <a:ext cx="1584176" cy="1584176"/>
           </a:xfrm>
           <a:prstGeom prst="rect">
@@ -9654,7 +12363,7 @@
         </p:nvSpPr>
         <p:spPr>
           <a:xfrm rot="5400000">
-            <a:off x="2817889" y="1246533"/>
+            <a:off x="2817889" y="1413624"/>
             <a:ext cx="1568491" cy="316800"/>
           </a:xfrm>
           <a:prstGeom prst="rect">
@@ -9706,7 +12415,7 @@
         </p:nvSpPr>
         <p:spPr>
           <a:xfrm flipH="1">
-            <a:off x="3276742" y="614025"/>
+            <a:off x="3276742" y="781116"/>
             <a:ext cx="314848" cy="1584176"/>
           </a:xfrm>
           <a:prstGeom prst="arc">
@@ -9758,7 +12467,7 @@
         </p:nvSpPr>
         <p:spPr>
           <a:xfrm flipH="1" flipV="1">
-            <a:off x="3277615" y="614025"/>
+            <a:off x="3277615" y="781116"/>
             <a:ext cx="314848" cy="1584176"/>
           </a:xfrm>
           <a:prstGeom prst="arc">
@@ -9812,7 +12521,7 @@
             </p:nvSpPr>
             <p:spPr>
               <a:xfrm>
-                <a:off x="2996330" y="1190089"/>
+                <a:off x="2996330" y="1357180"/>
                 <a:ext cx="399789" cy="369332"/>
               </a:xfrm>
               <a:prstGeom prst="rect">
@@ -9864,14 +12573,14 @@
             </p:nvSpPr>
             <p:spPr>
               <a:xfrm>
-                <a:off x="2996330" y="1190089"/>
+                <a:off x="2996330" y="1357180"/>
                 <a:ext cx="399789" cy="369332"/>
               </a:xfrm>
               <a:prstGeom prst="rect">
                 <a:avLst/>
               </a:prstGeom>
               <a:blipFill>
-                <a:blip r:embed="rId3"/>
+                <a:blip r:embed="rId21"/>
                 <a:stretch>
                   <a:fillRect/>
                 </a:stretch>
@@ -9906,7 +12615,7 @@
         </p:nvSpPr>
         <p:spPr>
           <a:xfrm rot="5400000" flipH="1">
-            <a:off x="4068831" y="-172274"/>
+            <a:off x="4068831" y="-5183"/>
             <a:ext cx="314848" cy="1584176"/>
           </a:xfrm>
           <a:prstGeom prst="arc">
@@ -9958,7 +12667,7 @@
         </p:nvSpPr>
         <p:spPr>
           <a:xfrm rot="5400000" flipH="1" flipV="1">
-            <a:off x="4068831" y="-171401"/>
+            <a:off x="4068831" y="-4310"/>
             <a:ext cx="314848" cy="1584176"/>
           </a:xfrm>
           <a:prstGeom prst="arc">
@@ -10000,198 +12709,6 @@
         <mc:Choice xmlns:a14="http://schemas.microsoft.com/office/drawing/2010/main" Requires="a14">
           <p:sp>
             <p:nvSpPr>
-              <p:cNvPr id="65" name="TextBox 64">
-                <a:extLst>
-                  <a:ext uri="{FF2B5EF4-FFF2-40B4-BE49-F238E27FC236}">
-                    <a16:creationId xmlns:a16="http://schemas.microsoft.com/office/drawing/2014/main" id="{D8A8E328-94BE-4DAE-B088-E4FAEEFF052A}"/>
-                  </a:ext>
-                </a:extLst>
-              </p:cNvPr>
-              <p:cNvSpPr txBox="1"/>
-              <p:nvPr/>
-            </p:nvSpPr>
-            <p:spPr>
-              <a:xfrm>
-                <a:off x="2498063" y="1190089"/>
-                <a:ext cx="431528" cy="369332"/>
-              </a:xfrm>
-              <a:prstGeom prst="rect">
-                <a:avLst/>
-              </a:prstGeom>
-              <a:noFill/>
-            </p:spPr>
-            <p:txBody>
-              <a:bodyPr wrap="none" rtlCol="0">
-                <a:spAutoFit/>
-              </a:bodyPr>
-              <a:lstStyle/>
-              <a:p>
-                <a:pPr/>
-                <a14:m>
-                  <m:oMathPara xmlns:m="http://schemas.openxmlformats.org/officeDocument/2006/math">
-                    <m:oMathParaPr>
-                      <m:jc m:val="centerGroup"/>
-                    </m:oMathParaPr>
-                    <m:oMath xmlns:m="http://schemas.openxmlformats.org/officeDocument/2006/math">
-                      <m:r>
-                        <a:rPr lang="en-US" altLang="ko-KR" b="0" i="1" smtClean="0">
-                          <a:latin typeface="Cambria Math"/>
-                        </a:rPr>
-                        <m:t>×</m:t>
-                      </m:r>
-                    </m:oMath>
-                  </m:oMathPara>
-                </a14:m>
-                <a:endParaRPr lang="ko-KR" altLang="en-US" dirty="0"/>
-              </a:p>
-            </p:txBody>
-          </p:sp>
-        </mc:Choice>
-        <mc:Fallback>
-          <p:sp>
-            <p:nvSpPr>
-              <p:cNvPr id="65" name="TextBox 64">
-                <a:extLst>
-                  <a:ext uri="{FF2B5EF4-FFF2-40B4-BE49-F238E27FC236}">
-                    <a16:creationId xmlns:a16="http://schemas.microsoft.com/office/drawing/2014/main" id="{D8A8E328-94BE-4DAE-B088-E4FAEEFF052A}"/>
-                  </a:ext>
-                </a:extLst>
-              </p:cNvPr>
-              <p:cNvSpPr txBox="1">
-                <a:spLocks noRot="1" noChangeAspect="1" noMove="1" noResize="1" noEditPoints="1" noAdjustHandles="1" noChangeArrowheads="1" noChangeShapeType="1" noTextEdit="1"/>
-              </p:cNvSpPr>
-              <p:nvPr/>
-            </p:nvSpPr>
-            <p:spPr>
-              <a:xfrm>
-                <a:off x="2498063" y="1190089"/>
-                <a:ext cx="431528" cy="369332"/>
-              </a:xfrm>
-              <a:prstGeom prst="rect">
-                <a:avLst/>
-              </a:prstGeom>
-              <a:blipFill>
-                <a:blip r:embed="rId4"/>
-                <a:stretch>
-                  <a:fillRect/>
-                </a:stretch>
-              </a:blipFill>
-            </p:spPr>
-            <p:txBody>
-              <a:bodyPr/>
-              <a:lstStyle/>
-              <a:p>
-                <a:r>
-                  <a:rPr lang="ko-KR" altLang="en-US">
-                    <a:noFill/>
-                  </a:rPr>
-                  <a:t> </a:t>
-                </a:r>
-              </a:p>
-            </p:txBody>
-          </p:sp>
-        </mc:Fallback>
-      </mc:AlternateContent>
-      <mc:AlternateContent xmlns:mc="http://schemas.openxmlformats.org/markup-compatibility/2006">
-        <mc:Choice xmlns:a14="http://schemas.microsoft.com/office/drawing/2010/main" Requires="a14">
-          <p:sp>
-            <p:nvSpPr>
-              <p:cNvPr id="66" name="TextBox 65">
-                <a:extLst>
-                  <a:ext uri="{FF2B5EF4-FFF2-40B4-BE49-F238E27FC236}">
-                    <a16:creationId xmlns:a16="http://schemas.microsoft.com/office/drawing/2014/main" id="{380F06DA-7C24-4FE6-A01C-B553D005D083}"/>
-                  </a:ext>
-                </a:extLst>
-              </p:cNvPr>
-              <p:cNvSpPr txBox="1"/>
-              <p:nvPr/>
-            </p:nvSpPr>
-            <p:spPr>
-              <a:xfrm>
-                <a:off x="5378383" y="1190089"/>
-                <a:ext cx="439544" cy="369332"/>
-              </a:xfrm>
-              <a:prstGeom prst="rect">
-                <a:avLst/>
-              </a:prstGeom>
-              <a:noFill/>
-            </p:spPr>
-            <p:txBody>
-              <a:bodyPr wrap="none" rtlCol="0">
-                <a:spAutoFit/>
-              </a:bodyPr>
-              <a:lstStyle/>
-              <a:p>
-                <a:pPr/>
-                <a14:m>
-                  <m:oMathPara xmlns:m="http://schemas.openxmlformats.org/officeDocument/2006/math">
-                    <m:oMathParaPr>
-                      <m:jc m:val="centerGroup"/>
-                    </m:oMathParaPr>
-                    <m:oMath xmlns:m="http://schemas.openxmlformats.org/officeDocument/2006/math">
-                      <m:r>
-                        <a:rPr lang="en-US" altLang="ko-KR" b="0" i="1" smtClean="0">
-                          <a:latin typeface="Cambria Math"/>
-                        </a:rPr>
-                        <m:t>=</m:t>
-                      </m:r>
-                    </m:oMath>
-                  </m:oMathPara>
-                </a14:m>
-                <a:endParaRPr lang="ko-KR" altLang="en-US" dirty="0"/>
-              </a:p>
-            </p:txBody>
-          </p:sp>
-        </mc:Choice>
-        <mc:Fallback>
-          <p:sp>
-            <p:nvSpPr>
-              <p:cNvPr id="66" name="TextBox 65">
-                <a:extLst>
-                  <a:ext uri="{FF2B5EF4-FFF2-40B4-BE49-F238E27FC236}">
-                    <a16:creationId xmlns:a16="http://schemas.microsoft.com/office/drawing/2014/main" id="{380F06DA-7C24-4FE6-A01C-B553D005D083}"/>
-                  </a:ext>
-                </a:extLst>
-              </p:cNvPr>
-              <p:cNvSpPr txBox="1">
-                <a:spLocks noRot="1" noChangeAspect="1" noMove="1" noResize="1" noEditPoints="1" noAdjustHandles="1" noChangeArrowheads="1" noChangeShapeType="1" noTextEdit="1"/>
-              </p:cNvSpPr>
-              <p:nvPr/>
-            </p:nvSpPr>
-            <p:spPr>
-              <a:xfrm>
-                <a:off x="5378383" y="1190089"/>
-                <a:ext cx="439544" cy="369332"/>
-              </a:xfrm>
-              <a:prstGeom prst="rect">
-                <a:avLst/>
-              </a:prstGeom>
-              <a:blipFill>
-                <a:blip r:embed="rId5"/>
-                <a:stretch>
-                  <a:fillRect/>
-                </a:stretch>
-              </a:blipFill>
-            </p:spPr>
-            <p:txBody>
-              <a:bodyPr/>
-              <a:lstStyle/>
-              <a:p>
-                <a:r>
-                  <a:rPr lang="ko-KR" altLang="en-US">
-                    <a:noFill/>
-                  </a:rPr>
-                  <a:t> </a:t>
-                </a:r>
-              </a:p>
-            </p:txBody>
-          </p:sp>
-        </mc:Fallback>
-      </mc:AlternateContent>
-      <mc:AlternateContent xmlns:mc="http://schemas.openxmlformats.org/markup-compatibility/2006">
-        <mc:Choice xmlns:a14="http://schemas.microsoft.com/office/drawing/2010/main" Requires="a14">
-          <p:sp>
-            <p:nvSpPr>
               <p:cNvPr id="67" name="TextBox 66">
                 <a:extLst>
                   <a:ext uri="{FF2B5EF4-FFF2-40B4-BE49-F238E27FC236}">
@@ -10204,7 +12721,7 @@
             </p:nvSpPr>
             <p:spPr>
               <a:xfrm>
-                <a:off x="1025155" y="475089"/>
+                <a:off x="1025155" y="642180"/>
                 <a:ext cx="1651414" cy="1862048"/>
               </a:xfrm>
               <a:prstGeom prst="rect">
@@ -10256,14 +12773,14 @@
             </p:nvSpPr>
             <p:spPr>
               <a:xfrm>
-                <a:off x="1025155" y="475089"/>
+                <a:off x="1025155" y="642180"/>
                 <a:ext cx="1651414" cy="1862048"/>
               </a:xfrm>
               <a:prstGeom prst="rect">
                 <a:avLst/>
               </a:prstGeom>
               <a:blipFill>
-                <a:blip r:embed="rId6"/>
+                <a:blip r:embed="rId22"/>
                 <a:stretch>
                   <a:fillRect/>
                 </a:stretch>
@@ -10298,7 +12815,7 @@
         </p:nvSpPr>
         <p:spPr>
           <a:xfrm rot="5400000">
-            <a:off x="3134689" y="1246535"/>
+            <a:off x="3134689" y="1413626"/>
             <a:ext cx="1568491" cy="316800"/>
           </a:xfrm>
           <a:prstGeom prst="rect">
@@ -10350,7 +12867,7 @@
         </p:nvSpPr>
         <p:spPr>
           <a:xfrm rot="5400000">
-            <a:off x="3442098" y="1246534"/>
+            <a:off x="3442098" y="1413625"/>
             <a:ext cx="1568491" cy="316800"/>
           </a:xfrm>
           <a:prstGeom prst="rect">
@@ -10402,7 +12919,7 @@
         </p:nvSpPr>
         <p:spPr>
           <a:xfrm rot="5400000">
-            <a:off x="3758898" y="1246536"/>
+            <a:off x="3758898" y="1413627"/>
             <a:ext cx="1568491" cy="316800"/>
           </a:xfrm>
           <a:prstGeom prst="rect">
@@ -10454,7 +12971,7 @@
         </p:nvSpPr>
         <p:spPr>
           <a:xfrm rot="5400000">
-            <a:off x="4075697" y="1246537"/>
+            <a:off x="4075697" y="1413628"/>
             <a:ext cx="1568491" cy="316800"/>
           </a:xfrm>
           <a:prstGeom prst="rect">
@@ -10506,7 +13023,7 @@
         </p:nvCxnSpPr>
         <p:spPr>
           <a:xfrm>
-            <a:off x="6098463" y="600187"/>
+            <a:off x="6098463" y="767278"/>
             <a:ext cx="0" cy="1599376"/>
           </a:xfrm>
           <a:prstGeom prst="line">
@@ -10543,7 +13060,7 @@
         </p:nvCxnSpPr>
         <p:spPr>
           <a:xfrm>
-            <a:off x="6098463" y="603957"/>
+            <a:off x="6098463" y="771048"/>
             <a:ext cx="144016" cy="0"/>
           </a:xfrm>
           <a:prstGeom prst="line">
@@ -10580,7 +13097,7 @@
         </p:nvCxnSpPr>
         <p:spPr>
           <a:xfrm>
-            <a:off x="6098463" y="2195411"/>
+            <a:off x="6098463" y="2362502"/>
             <a:ext cx="144016" cy="0"/>
           </a:xfrm>
           <a:prstGeom prst="line">
@@ -10617,7 +13134,7 @@
         </p:nvCxnSpPr>
         <p:spPr>
           <a:xfrm flipH="1">
-            <a:off x="7970671" y="600187"/>
+            <a:off x="7970671" y="767278"/>
             <a:ext cx="0" cy="1599376"/>
           </a:xfrm>
           <a:prstGeom prst="line">
@@ -10654,7 +13171,7 @@
         </p:nvCxnSpPr>
         <p:spPr>
           <a:xfrm flipH="1">
-            <a:off x="7826655" y="603957"/>
+            <a:off x="7826655" y="771048"/>
             <a:ext cx="144016" cy="0"/>
           </a:xfrm>
           <a:prstGeom prst="line">
@@ -10691,7 +13208,7 @@
         </p:nvCxnSpPr>
         <p:spPr>
           <a:xfrm flipH="1">
-            <a:off x="7826655" y="2195411"/>
+            <a:off x="7826655" y="2362502"/>
             <a:ext cx="144016" cy="0"/>
           </a:xfrm>
           <a:prstGeom prst="line">
@@ -10728,7 +13245,7 @@
         </p:nvSpPr>
         <p:spPr>
           <a:xfrm>
-            <a:off x="6247088" y="542017"/>
+            <a:off x="6247088" y="709108"/>
             <a:ext cx="311304" cy="369332"/>
           </a:xfrm>
           <a:prstGeom prst="rect">
@@ -10764,7 +13281,7 @@
         </p:nvSpPr>
         <p:spPr>
           <a:xfrm>
-            <a:off x="6247088" y="878613"/>
+            <a:off x="6247088" y="1045704"/>
             <a:ext cx="311304" cy="369332"/>
           </a:xfrm>
           <a:prstGeom prst="rect">
@@ -10800,7 +13317,7 @@
         </p:nvSpPr>
         <p:spPr>
           <a:xfrm>
-            <a:off x="6247088" y="1215209"/>
+            <a:off x="6247088" y="1382300"/>
             <a:ext cx="311304" cy="369332"/>
           </a:xfrm>
           <a:prstGeom prst="rect">
@@ -10838,7 +13355,7 @@
             </p:nvSpPr>
             <p:spPr>
               <a:xfrm>
-                <a:off x="6247088" y="1551805"/>
+                <a:off x="6247088" y="1718896"/>
                 <a:ext cx="338554" cy="369332"/>
               </a:xfrm>
               <a:prstGeom prst="rect">
@@ -10852,6 +13369,7 @@
               </a:bodyPr>
               <a:lstStyle/>
               <a:p>
+                <a:pPr/>
                 <a14:m>
                   <m:oMathPara xmlns:m="http://schemas.openxmlformats.org/officeDocument/2006/math">
                     <m:oMathParaPr>
@@ -10889,14 +13407,14 @@
             </p:nvSpPr>
             <p:spPr>
               <a:xfrm>
-                <a:off x="6247088" y="1551805"/>
+                <a:off x="6247088" y="1718896"/>
                 <a:ext cx="338554" cy="369332"/>
               </a:xfrm>
               <a:prstGeom prst="rect">
                 <a:avLst/>
               </a:prstGeom>
               <a:blipFill>
-                <a:blip r:embed="rId7"/>
+                <a:blip r:embed="rId23"/>
                 <a:stretch>
                   <a:fillRect/>
                 </a:stretch>
@@ -10931,7 +13449,7 @@
         </p:nvSpPr>
         <p:spPr>
           <a:xfrm>
-            <a:off x="6247088" y="1888401"/>
+            <a:off x="6247088" y="2055492"/>
             <a:ext cx="311304" cy="369332"/>
           </a:xfrm>
           <a:prstGeom prst="rect">
@@ -10967,7 +13485,7 @@
         </p:nvSpPr>
         <p:spPr>
           <a:xfrm>
-            <a:off x="6563001" y="542017"/>
+            <a:off x="6563001" y="709108"/>
             <a:ext cx="311304" cy="369332"/>
           </a:xfrm>
           <a:prstGeom prst="rect">
@@ -11003,7 +13521,7 @@
         </p:nvSpPr>
         <p:spPr>
           <a:xfrm>
-            <a:off x="6563001" y="878613"/>
+            <a:off x="6563001" y="1045704"/>
             <a:ext cx="311304" cy="369332"/>
           </a:xfrm>
           <a:prstGeom prst="rect">
@@ -11039,7 +13557,7 @@
         </p:nvSpPr>
         <p:spPr>
           <a:xfrm>
-            <a:off x="6563001" y="1215209"/>
+            <a:off x="6563001" y="1382300"/>
             <a:ext cx="311304" cy="369332"/>
           </a:xfrm>
           <a:prstGeom prst="rect">
@@ -11077,7 +13595,7 @@
             </p:nvSpPr>
             <p:spPr>
               <a:xfrm>
-                <a:off x="6563001" y="1551805"/>
+                <a:off x="6563001" y="1718896"/>
                 <a:ext cx="338554" cy="369332"/>
               </a:xfrm>
               <a:prstGeom prst="rect">
@@ -11091,6 +13609,7 @@
               </a:bodyPr>
               <a:lstStyle/>
               <a:p>
+                <a:pPr/>
                 <a14:m>
                   <m:oMathPara xmlns:m="http://schemas.openxmlformats.org/officeDocument/2006/math">
                     <m:oMathParaPr>
@@ -11128,14 +13647,14 @@
             </p:nvSpPr>
             <p:spPr>
               <a:xfrm>
-                <a:off x="6563001" y="1551805"/>
+                <a:off x="6563001" y="1718896"/>
                 <a:ext cx="338554" cy="369332"/>
               </a:xfrm>
               <a:prstGeom prst="rect">
                 <a:avLst/>
               </a:prstGeom>
               <a:blipFill>
-                <a:blip r:embed="rId8"/>
+                <a:blip r:embed="rId24"/>
                 <a:stretch>
                   <a:fillRect/>
                 </a:stretch>
@@ -11170,7 +13689,7 @@
         </p:nvSpPr>
         <p:spPr>
           <a:xfrm>
-            <a:off x="6563001" y="1888401"/>
+            <a:off x="6563001" y="2055492"/>
             <a:ext cx="311304" cy="369332"/>
           </a:xfrm>
           <a:prstGeom prst="rect">
@@ -11206,7 +13725,7 @@
         </p:nvSpPr>
         <p:spPr>
           <a:xfrm>
-            <a:off x="6878914" y="542017"/>
+            <a:off x="6878914" y="709108"/>
             <a:ext cx="311304" cy="369332"/>
           </a:xfrm>
           <a:prstGeom prst="rect">
@@ -11242,7 +13761,7 @@
         </p:nvSpPr>
         <p:spPr>
           <a:xfrm>
-            <a:off x="6878914" y="878613"/>
+            <a:off x="6878914" y="1045704"/>
             <a:ext cx="311304" cy="369332"/>
           </a:xfrm>
           <a:prstGeom prst="rect">
@@ -11278,7 +13797,7 @@
         </p:nvSpPr>
         <p:spPr>
           <a:xfrm>
-            <a:off x="6878914" y="1215209"/>
+            <a:off x="6878914" y="1382300"/>
             <a:ext cx="311304" cy="369332"/>
           </a:xfrm>
           <a:prstGeom prst="rect">
@@ -11316,7 +13835,7 @@
             </p:nvSpPr>
             <p:spPr>
               <a:xfrm>
-                <a:off x="6878914" y="1551805"/>
+                <a:off x="6878914" y="1718896"/>
                 <a:ext cx="338554" cy="369332"/>
               </a:xfrm>
               <a:prstGeom prst="rect">
@@ -11330,6 +13849,7 @@
               </a:bodyPr>
               <a:lstStyle/>
               <a:p>
+                <a:pPr/>
                 <a14:m>
                   <m:oMathPara xmlns:m="http://schemas.openxmlformats.org/officeDocument/2006/math">
                     <m:oMathParaPr>
@@ -11367,14 +13887,14 @@
             </p:nvSpPr>
             <p:spPr>
               <a:xfrm>
-                <a:off x="6878914" y="1551805"/>
+                <a:off x="6878914" y="1718896"/>
                 <a:ext cx="338554" cy="369332"/>
               </a:xfrm>
               <a:prstGeom prst="rect">
                 <a:avLst/>
               </a:prstGeom>
               <a:blipFill>
-                <a:blip r:embed="rId9"/>
+                <a:blip r:embed="rId25"/>
                 <a:stretch>
                   <a:fillRect/>
                 </a:stretch>
@@ -11409,7 +13929,7 @@
         </p:nvSpPr>
         <p:spPr>
           <a:xfrm>
-            <a:off x="6878914" y="1888401"/>
+            <a:off x="6878914" y="2055492"/>
             <a:ext cx="311304" cy="369332"/>
           </a:xfrm>
           <a:prstGeom prst="rect">
@@ -11431,502 +13951,486 @@
           </a:p>
         </p:txBody>
       </p:sp>
-      <p:grpSp>
-        <p:nvGrpSpPr>
-          <p:cNvPr id="2" name="그룹 1">
-            <a:extLst>
-              <a:ext uri="{FF2B5EF4-FFF2-40B4-BE49-F238E27FC236}">
-                <a16:creationId xmlns:a16="http://schemas.microsoft.com/office/drawing/2014/main" id="{F85AD8EC-7CFB-475E-BC5C-31B1E522BC3B}"/>
-              </a:ext>
-            </a:extLst>
-          </p:cNvPr>
-          <p:cNvGrpSpPr/>
-          <p:nvPr/>
-        </p:nvGrpSpPr>
-        <p:grpSpPr>
-          <a:xfrm>
-            <a:off x="7124302" y="542017"/>
-            <a:ext cx="463588" cy="1715716"/>
-            <a:chOff x="7194827" y="542017"/>
-            <a:chExt cx="463588" cy="1715716"/>
-          </a:xfrm>
-        </p:grpSpPr>
-        <mc:AlternateContent xmlns:mc="http://schemas.openxmlformats.org/markup-compatibility/2006">
-          <mc:Choice xmlns:a14="http://schemas.microsoft.com/office/drawing/2010/main" Requires="a14">
-            <p:sp>
-              <p:nvSpPr>
-                <p:cNvPr id="99" name="TextBox 98">
-                  <a:extLst>
-                    <a:ext uri="{FF2B5EF4-FFF2-40B4-BE49-F238E27FC236}">
-                      <a16:creationId xmlns:a16="http://schemas.microsoft.com/office/drawing/2014/main" id="{2BDCA189-DFE6-4901-B03F-90DFC1EDA698}"/>
-                    </a:ext>
-                  </a:extLst>
-                </p:cNvPr>
-                <p:cNvSpPr txBox="1"/>
-                <p:nvPr/>
-              </p:nvSpPr>
-              <p:spPr>
-                <a:xfrm>
-                  <a:off x="7194827" y="542017"/>
-                  <a:ext cx="463588" cy="369332"/>
-                </a:xfrm>
-                <a:prstGeom prst="rect">
-                  <a:avLst/>
-                </a:prstGeom>
-                <a:noFill/>
-              </p:spPr>
-              <p:txBody>
-                <a:bodyPr wrap="none" rtlCol="0">
-                  <a:spAutoFit/>
-                </a:bodyPr>
-                <a:lstStyle/>
-                <a:p>
-                  <a14:m>
-                    <m:oMathPara xmlns:m="http://schemas.openxmlformats.org/officeDocument/2006/math">
-                      <m:oMathParaPr>
-                        <m:jc m:val="centerGroup"/>
-                      </m:oMathParaPr>
-                      <m:oMath xmlns:m="http://schemas.openxmlformats.org/officeDocument/2006/math">
-                        <m:r>
-                          <a:rPr lang="en-US" altLang="ko-KR" b="0" i="1" smtClean="0">
-                            <a:latin typeface="Cambria Math" panose="02040503050406030204" pitchFamily="18" charset="0"/>
-                          </a:rPr>
-                          <m:t>⋯</m:t>
-                        </m:r>
-                      </m:oMath>
-                    </m:oMathPara>
-                  </a14:m>
-                  <a:endParaRPr lang="ko-KR" altLang="en-US" dirty="0"/>
-                </a:p>
-              </p:txBody>
-            </p:sp>
-          </mc:Choice>
-          <mc:Fallback>
-            <p:sp>
-              <p:nvSpPr>
-                <p:cNvPr id="99" name="TextBox 98">
-                  <a:extLst>
-                    <a:ext uri="{FF2B5EF4-FFF2-40B4-BE49-F238E27FC236}">
-                      <a16:creationId xmlns:a16="http://schemas.microsoft.com/office/drawing/2014/main" id="{2BDCA189-DFE6-4901-B03F-90DFC1EDA698}"/>
-                    </a:ext>
-                  </a:extLst>
-                </p:cNvPr>
-                <p:cNvSpPr txBox="1">
-                  <a:spLocks noRot="1" noChangeAspect="1" noMove="1" noResize="1" noEditPoints="1" noAdjustHandles="1" noChangeArrowheads="1" noChangeShapeType="1" noTextEdit="1"/>
-                </p:cNvSpPr>
-                <p:nvPr/>
-              </p:nvSpPr>
-              <p:spPr>
-                <a:xfrm>
-                  <a:off x="7194827" y="542017"/>
-                  <a:ext cx="463588" cy="369332"/>
-                </a:xfrm>
-                <a:prstGeom prst="rect">
-                  <a:avLst/>
-                </a:prstGeom>
-                <a:blipFill>
-                  <a:blip r:embed="rId10"/>
-                  <a:stretch>
-                    <a:fillRect/>
-                  </a:stretch>
-                </a:blipFill>
-              </p:spPr>
-              <p:txBody>
-                <a:bodyPr/>
-                <a:lstStyle/>
-                <a:p>
-                  <a:r>
-                    <a:rPr lang="ko-KR" altLang="en-US">
-                      <a:noFill/>
-                    </a:rPr>
-                    <a:t> </a:t>
-                  </a:r>
-                </a:p>
-              </p:txBody>
-            </p:sp>
-          </mc:Fallback>
-        </mc:AlternateContent>
-        <mc:AlternateContent xmlns:mc="http://schemas.openxmlformats.org/markup-compatibility/2006">
-          <mc:Choice xmlns:a14="http://schemas.microsoft.com/office/drawing/2010/main" Requires="a14">
-            <p:sp>
-              <p:nvSpPr>
-                <p:cNvPr id="100" name="TextBox 99">
-                  <a:extLst>
-                    <a:ext uri="{FF2B5EF4-FFF2-40B4-BE49-F238E27FC236}">
-                      <a16:creationId xmlns:a16="http://schemas.microsoft.com/office/drawing/2014/main" id="{BA8E2313-E56C-4DE9-A295-163B5F5B8E99}"/>
-                    </a:ext>
-                  </a:extLst>
-                </p:cNvPr>
-                <p:cNvSpPr txBox="1"/>
-                <p:nvPr/>
-              </p:nvSpPr>
-              <p:spPr>
-                <a:xfrm>
-                  <a:off x="7194827" y="878613"/>
-                  <a:ext cx="463588" cy="369332"/>
-                </a:xfrm>
-                <a:prstGeom prst="rect">
-                  <a:avLst/>
-                </a:prstGeom>
-                <a:noFill/>
-              </p:spPr>
-              <p:txBody>
-                <a:bodyPr wrap="none" rtlCol="0">
-                  <a:spAutoFit/>
-                </a:bodyPr>
-                <a:lstStyle/>
-                <a:p>
-                  <a14:m>
-                    <m:oMathPara xmlns:m="http://schemas.openxmlformats.org/officeDocument/2006/math">
-                      <m:oMathParaPr>
-                        <m:jc m:val="centerGroup"/>
-                      </m:oMathParaPr>
-                      <m:oMath xmlns:m="http://schemas.openxmlformats.org/officeDocument/2006/math">
-                        <m:r>
-                          <a:rPr lang="en-US" altLang="ko-KR" b="0" i="1" dirty="0" smtClean="0">
-                            <a:latin typeface="Cambria Math" panose="02040503050406030204" pitchFamily="18" charset="0"/>
-                          </a:rPr>
-                          <m:t>⋯</m:t>
-                        </m:r>
-                      </m:oMath>
-                    </m:oMathPara>
-                  </a14:m>
-                  <a:endParaRPr lang="ko-KR" altLang="en-US" dirty="0"/>
-                </a:p>
-              </p:txBody>
-            </p:sp>
-          </mc:Choice>
-          <mc:Fallback>
-            <p:sp>
-              <p:nvSpPr>
-                <p:cNvPr id="100" name="TextBox 99">
-                  <a:extLst>
-                    <a:ext uri="{FF2B5EF4-FFF2-40B4-BE49-F238E27FC236}">
-                      <a16:creationId xmlns:a16="http://schemas.microsoft.com/office/drawing/2014/main" id="{BA8E2313-E56C-4DE9-A295-163B5F5B8E99}"/>
-                    </a:ext>
-                  </a:extLst>
-                </p:cNvPr>
-                <p:cNvSpPr txBox="1">
-                  <a:spLocks noRot="1" noChangeAspect="1" noMove="1" noResize="1" noEditPoints="1" noAdjustHandles="1" noChangeArrowheads="1" noChangeShapeType="1" noTextEdit="1"/>
-                </p:cNvSpPr>
-                <p:nvPr/>
-              </p:nvSpPr>
-              <p:spPr>
-                <a:xfrm>
-                  <a:off x="7194827" y="878613"/>
-                  <a:ext cx="463588" cy="369332"/>
-                </a:xfrm>
-                <a:prstGeom prst="rect">
-                  <a:avLst/>
-                </a:prstGeom>
-                <a:blipFill>
-                  <a:blip r:embed="rId11"/>
-                  <a:stretch>
-                    <a:fillRect/>
-                  </a:stretch>
-                </a:blipFill>
-              </p:spPr>
-              <p:txBody>
-                <a:bodyPr/>
-                <a:lstStyle/>
-                <a:p>
-                  <a:r>
-                    <a:rPr lang="ko-KR" altLang="en-US">
-                      <a:noFill/>
-                    </a:rPr>
-                    <a:t> </a:t>
-                  </a:r>
-                </a:p>
-              </p:txBody>
-            </p:sp>
-          </mc:Fallback>
-        </mc:AlternateContent>
-        <mc:AlternateContent xmlns:mc="http://schemas.openxmlformats.org/markup-compatibility/2006">
-          <mc:Choice xmlns:a14="http://schemas.microsoft.com/office/drawing/2010/main" Requires="a14">
-            <p:sp>
-              <p:nvSpPr>
-                <p:cNvPr id="101" name="TextBox 100">
-                  <a:extLst>
-                    <a:ext uri="{FF2B5EF4-FFF2-40B4-BE49-F238E27FC236}">
-                      <a16:creationId xmlns:a16="http://schemas.microsoft.com/office/drawing/2014/main" id="{FBF051A9-E80F-4DA2-98AC-E57013251872}"/>
-                    </a:ext>
-                  </a:extLst>
-                </p:cNvPr>
-                <p:cNvSpPr txBox="1"/>
-                <p:nvPr/>
-              </p:nvSpPr>
-              <p:spPr>
-                <a:xfrm>
-                  <a:off x="7194827" y="1215209"/>
-                  <a:ext cx="463588" cy="369332"/>
-                </a:xfrm>
-                <a:prstGeom prst="rect">
-                  <a:avLst/>
-                </a:prstGeom>
-                <a:noFill/>
-              </p:spPr>
-              <p:txBody>
-                <a:bodyPr wrap="none" rtlCol="0">
-                  <a:spAutoFit/>
-                </a:bodyPr>
-                <a:lstStyle/>
-                <a:p>
-                  <a14:m>
-                    <m:oMathPara xmlns:m="http://schemas.openxmlformats.org/officeDocument/2006/math">
-                      <m:oMathParaPr>
-                        <m:jc m:val="centerGroup"/>
-                      </m:oMathParaPr>
-                      <m:oMath xmlns:m="http://schemas.openxmlformats.org/officeDocument/2006/math">
-                        <m:r>
-                          <a:rPr lang="en-US" altLang="ko-KR" b="0" i="1" smtClean="0">
-                            <a:latin typeface="Cambria Math" panose="02040503050406030204" pitchFamily="18" charset="0"/>
-                          </a:rPr>
-                          <m:t>⋯</m:t>
-                        </m:r>
-                      </m:oMath>
-                    </m:oMathPara>
-                  </a14:m>
-                  <a:endParaRPr lang="ko-KR" altLang="en-US" dirty="0"/>
-                </a:p>
-              </p:txBody>
-            </p:sp>
-          </mc:Choice>
-          <mc:Fallback>
-            <p:sp>
-              <p:nvSpPr>
-                <p:cNvPr id="101" name="TextBox 100">
-                  <a:extLst>
-                    <a:ext uri="{FF2B5EF4-FFF2-40B4-BE49-F238E27FC236}">
-                      <a16:creationId xmlns:a16="http://schemas.microsoft.com/office/drawing/2014/main" id="{FBF051A9-E80F-4DA2-98AC-E57013251872}"/>
-                    </a:ext>
-                  </a:extLst>
-                </p:cNvPr>
-                <p:cNvSpPr txBox="1">
-                  <a:spLocks noRot="1" noChangeAspect="1" noMove="1" noResize="1" noEditPoints="1" noAdjustHandles="1" noChangeArrowheads="1" noChangeShapeType="1" noTextEdit="1"/>
-                </p:cNvSpPr>
-                <p:nvPr/>
-              </p:nvSpPr>
-              <p:spPr>
-                <a:xfrm>
-                  <a:off x="7194827" y="1215209"/>
-                  <a:ext cx="463588" cy="369332"/>
-                </a:xfrm>
-                <a:prstGeom prst="rect">
-                  <a:avLst/>
-                </a:prstGeom>
-                <a:blipFill>
-                  <a:blip r:embed="rId12"/>
-                  <a:stretch>
-                    <a:fillRect/>
-                  </a:stretch>
-                </a:blipFill>
-              </p:spPr>
-              <p:txBody>
-                <a:bodyPr/>
-                <a:lstStyle/>
-                <a:p>
-                  <a:r>
-                    <a:rPr lang="ko-KR" altLang="en-US">
-                      <a:noFill/>
-                    </a:rPr>
-                    <a:t> </a:t>
-                  </a:r>
-                </a:p>
-              </p:txBody>
-            </p:sp>
-          </mc:Fallback>
-        </mc:AlternateContent>
-        <mc:AlternateContent xmlns:mc="http://schemas.openxmlformats.org/markup-compatibility/2006">
-          <mc:Choice xmlns:a14="http://schemas.microsoft.com/office/drawing/2010/main" Requires="a14">
-            <p:sp>
-              <p:nvSpPr>
-                <p:cNvPr id="102" name="TextBox 101">
-                  <a:extLst>
-                    <a:ext uri="{FF2B5EF4-FFF2-40B4-BE49-F238E27FC236}">
-                      <a16:creationId xmlns:a16="http://schemas.microsoft.com/office/drawing/2014/main" id="{93EFCCD8-4694-4647-AAAA-4EE76700CFB3}"/>
-                    </a:ext>
-                  </a:extLst>
-                </p:cNvPr>
-                <p:cNvSpPr txBox="1"/>
-                <p:nvPr/>
-              </p:nvSpPr>
-              <p:spPr>
-                <a:xfrm>
-                  <a:off x="7222078" y="1551805"/>
-                  <a:ext cx="409086" cy="369332"/>
-                </a:xfrm>
-                <a:prstGeom prst="rect">
-                  <a:avLst/>
-                </a:prstGeom>
-                <a:noFill/>
-              </p:spPr>
-              <p:txBody>
-                <a:bodyPr wrap="none" rtlCol="0">
-                  <a:spAutoFit/>
-                </a:bodyPr>
-                <a:lstStyle/>
-                <a:p>
-                  <a14:m>
-                    <m:oMathPara xmlns:m="http://schemas.openxmlformats.org/officeDocument/2006/math">
-                      <m:oMathParaPr>
-                        <m:jc m:val="centerGroup"/>
-                      </m:oMathParaPr>
-                      <m:oMath xmlns:m="http://schemas.openxmlformats.org/officeDocument/2006/math">
-                        <m:r>
-                          <a:rPr lang="en-US" altLang="ko-KR" b="0" i="1" dirty="0" smtClean="0">
-                            <a:latin typeface="Cambria Math" panose="02040503050406030204" pitchFamily="18" charset="0"/>
-                          </a:rPr>
-                          <m:t>⋱</m:t>
-                        </m:r>
-                      </m:oMath>
-                    </m:oMathPara>
-                  </a14:m>
-                  <a:endParaRPr lang="ko-KR" altLang="en-US" dirty="0"/>
-                </a:p>
-              </p:txBody>
-            </p:sp>
-          </mc:Choice>
-          <mc:Fallback>
-            <p:sp>
-              <p:nvSpPr>
-                <p:cNvPr id="102" name="TextBox 101">
-                  <a:extLst>
-                    <a:ext uri="{FF2B5EF4-FFF2-40B4-BE49-F238E27FC236}">
-                      <a16:creationId xmlns:a16="http://schemas.microsoft.com/office/drawing/2014/main" id="{93EFCCD8-4694-4647-AAAA-4EE76700CFB3}"/>
-                    </a:ext>
-                  </a:extLst>
-                </p:cNvPr>
-                <p:cNvSpPr txBox="1">
-                  <a:spLocks noRot="1" noChangeAspect="1" noMove="1" noResize="1" noEditPoints="1" noAdjustHandles="1" noChangeArrowheads="1" noChangeShapeType="1" noTextEdit="1"/>
-                </p:cNvSpPr>
-                <p:nvPr/>
-              </p:nvSpPr>
-              <p:spPr>
-                <a:xfrm>
-                  <a:off x="7222078" y="1551805"/>
-                  <a:ext cx="409086" cy="369332"/>
-                </a:xfrm>
-                <a:prstGeom prst="rect">
-                  <a:avLst/>
-                </a:prstGeom>
-                <a:blipFill>
-                  <a:blip r:embed="rId13"/>
-                  <a:stretch>
-                    <a:fillRect/>
-                  </a:stretch>
-                </a:blipFill>
-              </p:spPr>
-              <p:txBody>
-                <a:bodyPr/>
-                <a:lstStyle/>
-                <a:p>
-                  <a:r>
-                    <a:rPr lang="ko-KR" altLang="en-US">
-                      <a:noFill/>
-                    </a:rPr>
-                    <a:t> </a:t>
-                  </a:r>
-                </a:p>
-              </p:txBody>
-            </p:sp>
-          </mc:Fallback>
-        </mc:AlternateContent>
-        <mc:AlternateContent xmlns:mc="http://schemas.openxmlformats.org/markup-compatibility/2006">
-          <mc:Choice xmlns:a14="http://schemas.microsoft.com/office/drawing/2010/main" Requires="a14">
-            <p:sp>
-              <p:nvSpPr>
-                <p:cNvPr id="103" name="TextBox 102">
-                  <a:extLst>
-                    <a:ext uri="{FF2B5EF4-FFF2-40B4-BE49-F238E27FC236}">
-                      <a16:creationId xmlns:a16="http://schemas.microsoft.com/office/drawing/2014/main" id="{C07E3264-D93A-42A8-A15F-F26D8444D79A}"/>
-                    </a:ext>
-                  </a:extLst>
-                </p:cNvPr>
-                <p:cNvSpPr txBox="1"/>
-                <p:nvPr/>
-              </p:nvSpPr>
-              <p:spPr>
-                <a:xfrm>
-                  <a:off x="7194827" y="1888401"/>
-                  <a:ext cx="463588" cy="369332"/>
-                </a:xfrm>
-                <a:prstGeom prst="rect">
-                  <a:avLst/>
-                </a:prstGeom>
-                <a:noFill/>
-              </p:spPr>
-              <p:txBody>
-                <a:bodyPr wrap="none" rtlCol="0">
-                  <a:spAutoFit/>
-                </a:bodyPr>
-                <a:lstStyle/>
-                <a:p>
-                  <a14:m>
-                    <m:oMathPara xmlns:m="http://schemas.openxmlformats.org/officeDocument/2006/math">
-                      <m:oMathParaPr>
-                        <m:jc m:val="centerGroup"/>
-                      </m:oMathParaPr>
-                      <m:oMath xmlns:m="http://schemas.openxmlformats.org/officeDocument/2006/math">
-                        <m:r>
-                          <a:rPr lang="en-US" altLang="ko-KR" b="0" i="1" dirty="0" smtClean="0">
-                            <a:latin typeface="Cambria Math" panose="02040503050406030204" pitchFamily="18" charset="0"/>
-                          </a:rPr>
-                          <m:t>⋯</m:t>
-                        </m:r>
-                      </m:oMath>
-                    </m:oMathPara>
-                  </a14:m>
-                  <a:endParaRPr lang="ko-KR" altLang="en-US" dirty="0"/>
-                </a:p>
-              </p:txBody>
-            </p:sp>
-          </mc:Choice>
-          <mc:Fallback>
-            <p:sp>
-              <p:nvSpPr>
-                <p:cNvPr id="103" name="TextBox 102">
-                  <a:extLst>
-                    <a:ext uri="{FF2B5EF4-FFF2-40B4-BE49-F238E27FC236}">
-                      <a16:creationId xmlns:a16="http://schemas.microsoft.com/office/drawing/2014/main" id="{C07E3264-D93A-42A8-A15F-F26D8444D79A}"/>
-                    </a:ext>
-                  </a:extLst>
-                </p:cNvPr>
-                <p:cNvSpPr txBox="1">
-                  <a:spLocks noRot="1" noChangeAspect="1" noMove="1" noResize="1" noEditPoints="1" noAdjustHandles="1" noChangeArrowheads="1" noChangeShapeType="1" noTextEdit="1"/>
-                </p:cNvSpPr>
-                <p:nvPr/>
-              </p:nvSpPr>
-              <p:spPr>
-                <a:xfrm>
-                  <a:off x="7194827" y="1888401"/>
-                  <a:ext cx="463588" cy="369332"/>
-                </a:xfrm>
-                <a:prstGeom prst="rect">
-                  <a:avLst/>
-                </a:prstGeom>
-                <a:blipFill>
-                  <a:blip r:embed="rId14"/>
-                  <a:stretch>
-                    <a:fillRect/>
-                  </a:stretch>
-                </a:blipFill>
-              </p:spPr>
-              <p:txBody>
-                <a:bodyPr/>
-                <a:lstStyle/>
-                <a:p>
-                  <a:r>
-                    <a:rPr lang="ko-KR" altLang="en-US">
-                      <a:noFill/>
-                    </a:rPr>
-                    <a:t> </a:t>
-                  </a:r>
-                </a:p>
-              </p:txBody>
-            </p:sp>
-          </mc:Fallback>
-        </mc:AlternateContent>
-      </p:grpSp>
+      <mc:AlternateContent xmlns:mc="http://schemas.openxmlformats.org/markup-compatibility/2006">
+        <mc:Choice xmlns:a14="http://schemas.microsoft.com/office/drawing/2010/main" Requires="a14">
+          <p:sp>
+            <p:nvSpPr>
+              <p:cNvPr id="99" name="TextBox 98">
+                <a:extLst>
+                  <a:ext uri="{FF2B5EF4-FFF2-40B4-BE49-F238E27FC236}">
+                    <a16:creationId xmlns:a16="http://schemas.microsoft.com/office/drawing/2014/main" id="{2BDCA189-DFE6-4901-B03F-90DFC1EDA698}"/>
+                  </a:ext>
+                </a:extLst>
+              </p:cNvPr>
+              <p:cNvSpPr txBox="1"/>
+              <p:nvPr/>
+            </p:nvSpPr>
+            <p:spPr>
+              <a:xfrm>
+                <a:off x="7124302" y="709108"/>
+                <a:ext cx="463588" cy="369332"/>
+              </a:xfrm>
+              <a:prstGeom prst="rect">
+                <a:avLst/>
+              </a:prstGeom>
+              <a:noFill/>
+            </p:spPr>
+            <p:txBody>
+              <a:bodyPr wrap="none" rtlCol="0">
+                <a:spAutoFit/>
+              </a:bodyPr>
+              <a:lstStyle/>
+              <a:p>
+                <a:pPr/>
+                <a14:m>
+                  <m:oMathPara xmlns:m="http://schemas.openxmlformats.org/officeDocument/2006/math">
+                    <m:oMathParaPr>
+                      <m:jc m:val="centerGroup"/>
+                    </m:oMathParaPr>
+                    <m:oMath xmlns:m="http://schemas.openxmlformats.org/officeDocument/2006/math">
+                      <m:r>
+                        <a:rPr lang="en-US" altLang="ko-KR" b="0" i="1" smtClean="0">
+                          <a:latin typeface="Cambria Math" panose="02040503050406030204" pitchFamily="18" charset="0"/>
+                        </a:rPr>
+                        <m:t>⋯</m:t>
+                      </m:r>
+                    </m:oMath>
+                  </m:oMathPara>
+                </a14:m>
+                <a:endParaRPr lang="ko-KR" altLang="en-US" dirty="0"/>
+              </a:p>
+            </p:txBody>
+          </p:sp>
+        </mc:Choice>
+        <mc:Fallback>
+          <p:sp>
+            <p:nvSpPr>
+              <p:cNvPr id="99" name="TextBox 98">
+                <a:extLst>
+                  <a:ext uri="{FF2B5EF4-FFF2-40B4-BE49-F238E27FC236}">
+                    <a16:creationId xmlns:a16="http://schemas.microsoft.com/office/drawing/2014/main" id="{2BDCA189-DFE6-4901-B03F-90DFC1EDA698}"/>
+                  </a:ext>
+                </a:extLst>
+              </p:cNvPr>
+              <p:cNvSpPr txBox="1">
+                <a:spLocks noRot="1" noChangeAspect="1" noMove="1" noResize="1" noEditPoints="1" noAdjustHandles="1" noChangeArrowheads="1" noChangeShapeType="1" noTextEdit="1"/>
+              </p:cNvSpPr>
+              <p:nvPr/>
+            </p:nvSpPr>
+            <p:spPr>
+              <a:xfrm>
+                <a:off x="7124302" y="709108"/>
+                <a:ext cx="463588" cy="369332"/>
+              </a:xfrm>
+              <a:prstGeom prst="rect">
+                <a:avLst/>
+              </a:prstGeom>
+              <a:blipFill>
+                <a:blip r:embed="rId26"/>
+                <a:stretch>
+                  <a:fillRect/>
+                </a:stretch>
+              </a:blipFill>
+            </p:spPr>
+            <p:txBody>
+              <a:bodyPr/>
+              <a:lstStyle/>
+              <a:p>
+                <a:r>
+                  <a:rPr lang="ko-KR" altLang="en-US">
+                    <a:noFill/>
+                  </a:rPr>
+                  <a:t> </a:t>
+                </a:r>
+              </a:p>
+            </p:txBody>
+          </p:sp>
+        </mc:Fallback>
+      </mc:AlternateContent>
+      <mc:AlternateContent xmlns:mc="http://schemas.openxmlformats.org/markup-compatibility/2006">
+        <mc:Choice xmlns:a14="http://schemas.microsoft.com/office/drawing/2010/main" Requires="a14">
+          <p:sp>
+            <p:nvSpPr>
+              <p:cNvPr id="100" name="TextBox 99">
+                <a:extLst>
+                  <a:ext uri="{FF2B5EF4-FFF2-40B4-BE49-F238E27FC236}">
+                    <a16:creationId xmlns:a16="http://schemas.microsoft.com/office/drawing/2014/main" id="{BA8E2313-E56C-4DE9-A295-163B5F5B8E99}"/>
+                  </a:ext>
+                </a:extLst>
+              </p:cNvPr>
+              <p:cNvSpPr txBox="1"/>
+              <p:nvPr/>
+            </p:nvSpPr>
+            <p:spPr>
+              <a:xfrm>
+                <a:off x="7124302" y="1045704"/>
+                <a:ext cx="463588" cy="369332"/>
+              </a:xfrm>
+              <a:prstGeom prst="rect">
+                <a:avLst/>
+              </a:prstGeom>
+              <a:noFill/>
+            </p:spPr>
+            <p:txBody>
+              <a:bodyPr wrap="none" rtlCol="0">
+                <a:spAutoFit/>
+              </a:bodyPr>
+              <a:lstStyle/>
+              <a:p>
+                <a:pPr/>
+                <a14:m>
+                  <m:oMathPara xmlns:m="http://schemas.openxmlformats.org/officeDocument/2006/math">
+                    <m:oMathParaPr>
+                      <m:jc m:val="centerGroup"/>
+                    </m:oMathParaPr>
+                    <m:oMath xmlns:m="http://schemas.openxmlformats.org/officeDocument/2006/math">
+                      <m:r>
+                        <a:rPr lang="en-US" altLang="ko-KR" b="0" i="1" dirty="0" smtClean="0">
+                          <a:latin typeface="Cambria Math" panose="02040503050406030204" pitchFamily="18" charset="0"/>
+                        </a:rPr>
+                        <m:t>⋯</m:t>
+                      </m:r>
+                    </m:oMath>
+                  </m:oMathPara>
+                </a14:m>
+                <a:endParaRPr lang="ko-KR" altLang="en-US" dirty="0"/>
+              </a:p>
+            </p:txBody>
+          </p:sp>
+        </mc:Choice>
+        <mc:Fallback>
+          <p:sp>
+            <p:nvSpPr>
+              <p:cNvPr id="100" name="TextBox 99">
+                <a:extLst>
+                  <a:ext uri="{FF2B5EF4-FFF2-40B4-BE49-F238E27FC236}">
+                    <a16:creationId xmlns:a16="http://schemas.microsoft.com/office/drawing/2014/main" id="{BA8E2313-E56C-4DE9-A295-163B5F5B8E99}"/>
+                  </a:ext>
+                </a:extLst>
+              </p:cNvPr>
+              <p:cNvSpPr txBox="1">
+                <a:spLocks noRot="1" noChangeAspect="1" noMove="1" noResize="1" noEditPoints="1" noAdjustHandles="1" noChangeArrowheads="1" noChangeShapeType="1" noTextEdit="1"/>
+              </p:cNvSpPr>
+              <p:nvPr/>
+            </p:nvSpPr>
+            <p:spPr>
+              <a:xfrm>
+                <a:off x="7124302" y="1045704"/>
+                <a:ext cx="463588" cy="369332"/>
+              </a:xfrm>
+              <a:prstGeom prst="rect">
+                <a:avLst/>
+              </a:prstGeom>
+              <a:blipFill>
+                <a:blip r:embed="rId27"/>
+                <a:stretch>
+                  <a:fillRect/>
+                </a:stretch>
+              </a:blipFill>
+            </p:spPr>
+            <p:txBody>
+              <a:bodyPr/>
+              <a:lstStyle/>
+              <a:p>
+                <a:r>
+                  <a:rPr lang="ko-KR" altLang="en-US">
+                    <a:noFill/>
+                  </a:rPr>
+                  <a:t> </a:t>
+                </a:r>
+              </a:p>
+            </p:txBody>
+          </p:sp>
+        </mc:Fallback>
+      </mc:AlternateContent>
+      <mc:AlternateContent xmlns:mc="http://schemas.openxmlformats.org/markup-compatibility/2006">
+        <mc:Choice xmlns:a14="http://schemas.microsoft.com/office/drawing/2010/main" Requires="a14">
+          <p:sp>
+            <p:nvSpPr>
+              <p:cNvPr id="101" name="TextBox 100">
+                <a:extLst>
+                  <a:ext uri="{FF2B5EF4-FFF2-40B4-BE49-F238E27FC236}">
+                    <a16:creationId xmlns:a16="http://schemas.microsoft.com/office/drawing/2014/main" id="{FBF051A9-E80F-4DA2-98AC-E57013251872}"/>
+                  </a:ext>
+                </a:extLst>
+              </p:cNvPr>
+              <p:cNvSpPr txBox="1"/>
+              <p:nvPr/>
+            </p:nvSpPr>
+            <p:spPr>
+              <a:xfrm>
+                <a:off x="7124302" y="1382300"/>
+                <a:ext cx="463588" cy="369332"/>
+              </a:xfrm>
+              <a:prstGeom prst="rect">
+                <a:avLst/>
+              </a:prstGeom>
+              <a:noFill/>
+            </p:spPr>
+            <p:txBody>
+              <a:bodyPr wrap="none" rtlCol="0">
+                <a:spAutoFit/>
+              </a:bodyPr>
+              <a:lstStyle/>
+              <a:p>
+                <a:pPr/>
+                <a14:m>
+                  <m:oMathPara xmlns:m="http://schemas.openxmlformats.org/officeDocument/2006/math">
+                    <m:oMathParaPr>
+                      <m:jc m:val="centerGroup"/>
+                    </m:oMathParaPr>
+                    <m:oMath xmlns:m="http://schemas.openxmlformats.org/officeDocument/2006/math">
+                      <m:r>
+                        <a:rPr lang="en-US" altLang="ko-KR" b="0" i="1" smtClean="0">
+                          <a:latin typeface="Cambria Math" panose="02040503050406030204" pitchFamily="18" charset="0"/>
+                        </a:rPr>
+                        <m:t>⋯</m:t>
+                      </m:r>
+                    </m:oMath>
+                  </m:oMathPara>
+                </a14:m>
+                <a:endParaRPr lang="ko-KR" altLang="en-US" dirty="0"/>
+              </a:p>
+            </p:txBody>
+          </p:sp>
+        </mc:Choice>
+        <mc:Fallback>
+          <p:sp>
+            <p:nvSpPr>
+              <p:cNvPr id="101" name="TextBox 100">
+                <a:extLst>
+                  <a:ext uri="{FF2B5EF4-FFF2-40B4-BE49-F238E27FC236}">
+                    <a16:creationId xmlns:a16="http://schemas.microsoft.com/office/drawing/2014/main" id="{FBF051A9-E80F-4DA2-98AC-E57013251872}"/>
+                  </a:ext>
+                </a:extLst>
+              </p:cNvPr>
+              <p:cNvSpPr txBox="1">
+                <a:spLocks noRot="1" noChangeAspect="1" noMove="1" noResize="1" noEditPoints="1" noAdjustHandles="1" noChangeArrowheads="1" noChangeShapeType="1" noTextEdit="1"/>
+              </p:cNvSpPr>
+              <p:nvPr/>
+            </p:nvSpPr>
+            <p:spPr>
+              <a:xfrm>
+                <a:off x="7124302" y="1382300"/>
+                <a:ext cx="463588" cy="369332"/>
+              </a:xfrm>
+              <a:prstGeom prst="rect">
+                <a:avLst/>
+              </a:prstGeom>
+              <a:blipFill>
+                <a:blip r:embed="rId28"/>
+                <a:stretch>
+                  <a:fillRect/>
+                </a:stretch>
+              </a:blipFill>
+            </p:spPr>
+            <p:txBody>
+              <a:bodyPr/>
+              <a:lstStyle/>
+              <a:p>
+                <a:r>
+                  <a:rPr lang="ko-KR" altLang="en-US">
+                    <a:noFill/>
+                  </a:rPr>
+                  <a:t> </a:t>
+                </a:r>
+              </a:p>
+            </p:txBody>
+          </p:sp>
+        </mc:Fallback>
+      </mc:AlternateContent>
+      <mc:AlternateContent xmlns:mc="http://schemas.openxmlformats.org/markup-compatibility/2006">
+        <mc:Choice xmlns:a14="http://schemas.microsoft.com/office/drawing/2010/main" Requires="a14">
+          <p:sp>
+            <p:nvSpPr>
+              <p:cNvPr id="102" name="TextBox 101">
+                <a:extLst>
+                  <a:ext uri="{FF2B5EF4-FFF2-40B4-BE49-F238E27FC236}">
+                    <a16:creationId xmlns:a16="http://schemas.microsoft.com/office/drawing/2014/main" id="{93EFCCD8-4694-4647-AAAA-4EE76700CFB3}"/>
+                  </a:ext>
+                </a:extLst>
+              </p:cNvPr>
+              <p:cNvSpPr txBox="1"/>
+              <p:nvPr/>
+            </p:nvSpPr>
+            <p:spPr>
+              <a:xfrm>
+                <a:off x="7151553" y="1718896"/>
+                <a:ext cx="409086" cy="369332"/>
+              </a:xfrm>
+              <a:prstGeom prst="rect">
+                <a:avLst/>
+              </a:prstGeom>
+              <a:noFill/>
+            </p:spPr>
+            <p:txBody>
+              <a:bodyPr wrap="none" rtlCol="0">
+                <a:spAutoFit/>
+              </a:bodyPr>
+              <a:lstStyle/>
+              <a:p>
+                <a:pPr/>
+                <a14:m>
+                  <m:oMathPara xmlns:m="http://schemas.openxmlformats.org/officeDocument/2006/math">
+                    <m:oMathParaPr>
+                      <m:jc m:val="centerGroup"/>
+                    </m:oMathParaPr>
+                    <m:oMath xmlns:m="http://schemas.openxmlformats.org/officeDocument/2006/math">
+                      <m:r>
+                        <a:rPr lang="en-US" altLang="ko-KR" b="0" i="1" dirty="0" smtClean="0">
+                          <a:latin typeface="Cambria Math" panose="02040503050406030204" pitchFamily="18" charset="0"/>
+                        </a:rPr>
+                        <m:t>⋱</m:t>
+                      </m:r>
+                    </m:oMath>
+                  </m:oMathPara>
+                </a14:m>
+                <a:endParaRPr lang="ko-KR" altLang="en-US" dirty="0"/>
+              </a:p>
+            </p:txBody>
+          </p:sp>
+        </mc:Choice>
+        <mc:Fallback>
+          <p:sp>
+            <p:nvSpPr>
+              <p:cNvPr id="102" name="TextBox 101">
+                <a:extLst>
+                  <a:ext uri="{FF2B5EF4-FFF2-40B4-BE49-F238E27FC236}">
+                    <a16:creationId xmlns:a16="http://schemas.microsoft.com/office/drawing/2014/main" id="{93EFCCD8-4694-4647-AAAA-4EE76700CFB3}"/>
+                  </a:ext>
+                </a:extLst>
+              </p:cNvPr>
+              <p:cNvSpPr txBox="1">
+                <a:spLocks noRot="1" noChangeAspect="1" noMove="1" noResize="1" noEditPoints="1" noAdjustHandles="1" noChangeArrowheads="1" noChangeShapeType="1" noTextEdit="1"/>
+              </p:cNvSpPr>
+              <p:nvPr/>
+            </p:nvSpPr>
+            <p:spPr>
+              <a:xfrm>
+                <a:off x="7151553" y="1718896"/>
+                <a:ext cx="409086" cy="369332"/>
+              </a:xfrm>
+              <a:prstGeom prst="rect">
+                <a:avLst/>
+              </a:prstGeom>
+              <a:blipFill>
+                <a:blip r:embed="rId29"/>
+                <a:stretch>
+                  <a:fillRect/>
+                </a:stretch>
+              </a:blipFill>
+            </p:spPr>
+            <p:txBody>
+              <a:bodyPr/>
+              <a:lstStyle/>
+              <a:p>
+                <a:r>
+                  <a:rPr lang="ko-KR" altLang="en-US">
+                    <a:noFill/>
+                  </a:rPr>
+                  <a:t> </a:t>
+                </a:r>
+              </a:p>
+            </p:txBody>
+          </p:sp>
+        </mc:Fallback>
+      </mc:AlternateContent>
+      <mc:AlternateContent xmlns:mc="http://schemas.openxmlformats.org/markup-compatibility/2006">
+        <mc:Choice xmlns:a14="http://schemas.microsoft.com/office/drawing/2010/main" Requires="a14">
+          <p:sp>
+            <p:nvSpPr>
+              <p:cNvPr id="103" name="TextBox 102">
+                <a:extLst>
+                  <a:ext uri="{FF2B5EF4-FFF2-40B4-BE49-F238E27FC236}">
+                    <a16:creationId xmlns:a16="http://schemas.microsoft.com/office/drawing/2014/main" id="{C07E3264-D93A-42A8-A15F-F26D8444D79A}"/>
+                  </a:ext>
+                </a:extLst>
+              </p:cNvPr>
+              <p:cNvSpPr txBox="1"/>
+              <p:nvPr/>
+            </p:nvSpPr>
+            <p:spPr>
+              <a:xfrm>
+                <a:off x="7124302" y="2055492"/>
+                <a:ext cx="463588" cy="369332"/>
+              </a:xfrm>
+              <a:prstGeom prst="rect">
+                <a:avLst/>
+              </a:prstGeom>
+              <a:noFill/>
+            </p:spPr>
+            <p:txBody>
+              <a:bodyPr wrap="none" rtlCol="0">
+                <a:spAutoFit/>
+              </a:bodyPr>
+              <a:lstStyle/>
+              <a:p>
+                <a:pPr/>
+                <a14:m>
+                  <m:oMathPara xmlns:m="http://schemas.openxmlformats.org/officeDocument/2006/math">
+                    <m:oMathParaPr>
+                      <m:jc m:val="centerGroup"/>
+                    </m:oMathParaPr>
+                    <m:oMath xmlns:m="http://schemas.openxmlformats.org/officeDocument/2006/math">
+                      <m:r>
+                        <a:rPr lang="en-US" altLang="ko-KR" b="0" i="1" dirty="0" smtClean="0">
+                          <a:latin typeface="Cambria Math" panose="02040503050406030204" pitchFamily="18" charset="0"/>
+                        </a:rPr>
+                        <m:t>⋯</m:t>
+                      </m:r>
+                    </m:oMath>
+                  </m:oMathPara>
+                </a14:m>
+                <a:endParaRPr lang="ko-KR" altLang="en-US" dirty="0"/>
+              </a:p>
+            </p:txBody>
+          </p:sp>
+        </mc:Choice>
+        <mc:Fallback>
+          <p:sp>
+            <p:nvSpPr>
+              <p:cNvPr id="103" name="TextBox 102">
+                <a:extLst>
+                  <a:ext uri="{FF2B5EF4-FFF2-40B4-BE49-F238E27FC236}">
+                    <a16:creationId xmlns:a16="http://schemas.microsoft.com/office/drawing/2014/main" id="{C07E3264-D93A-42A8-A15F-F26D8444D79A}"/>
+                  </a:ext>
+                </a:extLst>
+              </p:cNvPr>
+              <p:cNvSpPr txBox="1">
+                <a:spLocks noRot="1" noChangeAspect="1" noMove="1" noResize="1" noEditPoints="1" noAdjustHandles="1" noChangeArrowheads="1" noChangeShapeType="1" noTextEdit="1"/>
+              </p:cNvSpPr>
+              <p:nvPr/>
+            </p:nvSpPr>
+            <p:spPr>
+              <a:xfrm>
+                <a:off x="7124302" y="2055492"/>
+                <a:ext cx="463588" cy="369332"/>
+              </a:xfrm>
+              <a:prstGeom prst="rect">
+                <a:avLst/>
+              </a:prstGeom>
+              <a:blipFill>
+                <a:blip r:embed="rId30"/>
+                <a:stretch>
+                  <a:fillRect/>
+                </a:stretch>
+              </a:blipFill>
+            </p:spPr>
+            <p:txBody>
+              <a:bodyPr/>
+              <a:lstStyle/>
+              <a:p>
+                <a:r>
+                  <a:rPr lang="ko-KR" altLang="en-US">
+                    <a:noFill/>
+                  </a:rPr>
+                  <a:t> </a:t>
+                </a:r>
+              </a:p>
+            </p:txBody>
+          </p:sp>
+        </mc:Fallback>
+      </mc:AlternateContent>
       <p:sp>
         <p:nvSpPr>
           <p:cNvPr id="105" name="TextBox 104">
@@ -11941,7 +14445,7 @@
         </p:nvSpPr>
         <p:spPr>
           <a:xfrm>
-            <a:off x="7510740" y="542017"/>
+            <a:off x="7510740" y="709108"/>
             <a:ext cx="311304" cy="369332"/>
           </a:xfrm>
           <a:prstGeom prst="rect">
@@ -11977,7 +14481,7 @@
         </p:nvSpPr>
         <p:spPr>
           <a:xfrm>
-            <a:off x="7510740" y="878613"/>
+            <a:off x="7510740" y="1045704"/>
             <a:ext cx="311304" cy="369332"/>
           </a:xfrm>
           <a:prstGeom prst="rect">
@@ -12013,7 +14517,7 @@
         </p:nvSpPr>
         <p:spPr>
           <a:xfrm>
-            <a:off x="7510740" y="1215209"/>
+            <a:off x="7510740" y="1382300"/>
             <a:ext cx="311304" cy="369332"/>
           </a:xfrm>
           <a:prstGeom prst="rect">
@@ -12051,7 +14555,7 @@
             </p:nvSpPr>
             <p:spPr>
               <a:xfrm>
-                <a:off x="7510740" y="1551805"/>
+                <a:off x="7510740" y="1718896"/>
                 <a:ext cx="338554" cy="369332"/>
               </a:xfrm>
               <a:prstGeom prst="rect">
@@ -12065,6 +14569,7 @@
               </a:bodyPr>
               <a:lstStyle/>
               <a:p>
+                <a:pPr/>
                 <a14:m>
                   <m:oMathPara xmlns:m="http://schemas.openxmlformats.org/officeDocument/2006/math">
                     <m:oMathParaPr>
@@ -12102,14 +14607,14 @@
             </p:nvSpPr>
             <p:spPr>
               <a:xfrm>
-                <a:off x="7510740" y="1551805"/>
+                <a:off x="7510740" y="1718896"/>
                 <a:ext cx="338554" cy="369332"/>
               </a:xfrm>
               <a:prstGeom prst="rect">
                 <a:avLst/>
               </a:prstGeom>
               <a:blipFill>
-                <a:blip r:embed="rId15"/>
+                <a:blip r:embed="rId31"/>
                 <a:stretch>
                   <a:fillRect/>
                 </a:stretch>
@@ -12144,7 +14649,7 @@
         </p:nvSpPr>
         <p:spPr>
           <a:xfrm>
-            <a:off x="7510740" y="1888401"/>
+            <a:off x="7510740" y="2055492"/>
             <a:ext cx="311304" cy="369332"/>
           </a:xfrm>
           <a:prstGeom prst="rect">
@@ -12170,10 +14675,10 @@
         <mc:Choice xmlns:a14="http://schemas.microsoft.com/office/drawing/2010/main" Requires="a14">
           <p:sp>
             <p:nvSpPr>
-              <p:cNvPr id="14" name="TextBox 13">
+              <p:cNvPr id="65" name="TextBox 64">
                 <a:extLst>
                   <a:ext uri="{FF2B5EF4-FFF2-40B4-BE49-F238E27FC236}">
-                    <a16:creationId xmlns:a16="http://schemas.microsoft.com/office/drawing/2014/main" id="{81BCE6E1-01D0-4BDC-A1F9-049B3F61BB14}"/>
+                    <a16:creationId xmlns:a16="http://schemas.microsoft.com/office/drawing/2014/main" id="{D8A8E328-94BE-4DAE-B088-E4FAEEFF052A}"/>
                   </a:ext>
                 </a:extLst>
               </p:cNvPr>
@@ -12182,8 +14687,8 @@
             </p:nvSpPr>
             <p:spPr>
               <a:xfrm>
-                <a:off x="405083" y="3900845"/>
-                <a:ext cx="1296765" cy="1569660"/>
+                <a:off x="2421176" y="1230370"/>
+                <a:ext cx="622285" cy="584775"/>
               </a:xfrm>
               <a:prstGeom prst="rect">
                 <a:avLst/>
@@ -12204,15 +14709,15 @@
                     </m:oMathParaPr>
                     <m:oMath xmlns:m="http://schemas.openxmlformats.org/officeDocument/2006/math">
                       <m:r>
-                        <a:rPr lang="en-US" altLang="ko-KR" sz="9600" i="1" dirty="0" smtClean="0">
-                          <a:latin typeface="Cambria Math" panose="02040503050406030204" pitchFamily="18" charset="0"/>
+                        <a:rPr lang="en-US" altLang="ko-KR" sz="3200" b="0" i="1" smtClean="0">
+                          <a:latin typeface="Cambria Math"/>
                         </a:rPr>
-                        <m:t>𝐿</m:t>
+                        <m:t>×</m:t>
                       </m:r>
                     </m:oMath>
                   </m:oMathPara>
                 </a14:m>
-                <a:endParaRPr lang="ko-KR" altLang="en-US" sz="9600" dirty="0"/>
+                <a:endParaRPr lang="ko-KR" altLang="en-US" sz="3200" dirty="0"/>
               </a:p>
             </p:txBody>
           </p:sp>
@@ -12220,10 +14725,10 @@
         <mc:Fallback>
           <p:sp>
             <p:nvSpPr>
-              <p:cNvPr id="14" name="TextBox 13">
+              <p:cNvPr id="65" name="TextBox 64">
                 <a:extLst>
                   <a:ext uri="{FF2B5EF4-FFF2-40B4-BE49-F238E27FC236}">
-                    <a16:creationId xmlns:a16="http://schemas.microsoft.com/office/drawing/2014/main" id="{81BCE6E1-01D0-4BDC-A1F9-049B3F61BB14}"/>
+                    <a16:creationId xmlns:a16="http://schemas.microsoft.com/office/drawing/2014/main" id="{D8A8E328-94BE-4DAE-B088-E4FAEEFF052A}"/>
                   </a:ext>
                 </a:extLst>
               </p:cNvPr>
@@ -12234,14 +14739,14 @@
             </p:nvSpPr>
             <p:spPr>
               <a:xfrm>
-                <a:off x="405083" y="3900845"/>
-                <a:ext cx="1296765" cy="1569660"/>
+                <a:off x="2421176" y="1230370"/>
+                <a:ext cx="622285" cy="584775"/>
               </a:xfrm>
               <a:prstGeom prst="rect">
                 <a:avLst/>
               </a:prstGeom>
               <a:blipFill>
-                <a:blip r:embed="rId16"/>
+                <a:blip r:embed="rId32"/>
                 <a:stretch>
                   <a:fillRect/>
                 </a:stretch>
@@ -12266,10 +14771,10 @@
         <mc:Choice xmlns:a14="http://schemas.microsoft.com/office/drawing/2010/main" Requires="a14">
           <p:sp>
             <p:nvSpPr>
-              <p:cNvPr id="110" name="TextBox 109">
+              <p:cNvPr id="66" name="TextBox 65">
                 <a:extLst>
                   <a:ext uri="{FF2B5EF4-FFF2-40B4-BE49-F238E27FC236}">
-                    <a16:creationId xmlns:a16="http://schemas.microsoft.com/office/drawing/2014/main" id="{6DE1591E-C53B-4C38-ACE3-B59183C3D38F}"/>
+                    <a16:creationId xmlns:a16="http://schemas.microsoft.com/office/drawing/2014/main" id="{380F06DA-7C24-4FE6-A01C-B553D005D083}"/>
                   </a:ext>
                 </a:extLst>
               </p:cNvPr>
@@ -12278,8 +14783,8 @@
             </p:nvSpPr>
             <p:spPr>
               <a:xfrm>
-                <a:off x="1400933" y="4516398"/>
-                <a:ext cx="402674" cy="338554"/>
+                <a:off x="5252709" y="1230370"/>
+                <a:ext cx="635109" cy="584775"/>
               </a:xfrm>
               <a:prstGeom prst="rect">
                 <a:avLst/>
@@ -12300,15 +14805,15 @@
                     </m:oMathParaPr>
                     <m:oMath xmlns:m="http://schemas.openxmlformats.org/officeDocument/2006/math">
                       <m:r>
-                        <a:rPr lang="en-US" altLang="ko-KR" sz="1600" b="0" i="1" smtClean="0">
+                        <a:rPr lang="en-US" altLang="ko-KR" sz="3200" b="0" i="1" smtClean="0">
                           <a:latin typeface="Cambria Math"/>
                         </a:rPr>
-                        <m:t>×</m:t>
+                        <m:t>=</m:t>
                       </m:r>
                     </m:oMath>
                   </m:oMathPara>
                 </a14:m>
-                <a:endParaRPr lang="ko-KR" altLang="en-US" sz="1600" dirty="0"/>
+                <a:endParaRPr lang="ko-KR" altLang="en-US" sz="3200" dirty="0"/>
               </a:p>
             </p:txBody>
           </p:sp>
@@ -12316,10 +14821,10 @@
         <mc:Fallback>
           <p:sp>
             <p:nvSpPr>
-              <p:cNvPr id="110" name="TextBox 109">
+              <p:cNvPr id="66" name="TextBox 65">
                 <a:extLst>
                   <a:ext uri="{FF2B5EF4-FFF2-40B4-BE49-F238E27FC236}">
-                    <a16:creationId xmlns:a16="http://schemas.microsoft.com/office/drawing/2014/main" id="{6DE1591E-C53B-4C38-ACE3-B59183C3D38F}"/>
+                    <a16:creationId xmlns:a16="http://schemas.microsoft.com/office/drawing/2014/main" id="{380F06DA-7C24-4FE6-A01C-B553D005D083}"/>
                   </a:ext>
                 </a:extLst>
               </p:cNvPr>
@@ -12330,1306 +14835,14 @@
             </p:nvSpPr>
             <p:spPr>
               <a:xfrm>
-                <a:off x="1400933" y="4516398"/>
-                <a:ext cx="402674" cy="338554"/>
+                <a:off x="5252709" y="1230370"/>
+                <a:ext cx="635109" cy="584775"/>
               </a:xfrm>
               <a:prstGeom prst="rect">
                 <a:avLst/>
               </a:prstGeom>
               <a:blipFill>
-                <a:blip r:embed="rId17"/>
-                <a:stretch>
-                  <a:fillRect/>
-                </a:stretch>
-              </a:blipFill>
-            </p:spPr>
-            <p:txBody>
-              <a:bodyPr/>
-              <a:lstStyle/>
-              <a:p>
-                <a:r>
-                  <a:rPr lang="ko-KR" altLang="en-US">
-                    <a:noFill/>
-                  </a:rPr>
-                  <a:t> </a:t>
-                </a:r>
-              </a:p>
-            </p:txBody>
-          </p:sp>
-        </mc:Fallback>
-      </mc:AlternateContent>
-      <mc:AlternateContent xmlns:mc="http://schemas.openxmlformats.org/markup-compatibility/2006">
-        <mc:Choice xmlns:a14="http://schemas.microsoft.com/office/drawing/2010/main" Requires="a14">
-          <p:sp>
-            <p:nvSpPr>
-              <p:cNvPr id="111" name="TextBox 110">
-                <a:extLst>
-                  <a:ext uri="{FF2B5EF4-FFF2-40B4-BE49-F238E27FC236}">
-                    <a16:creationId xmlns:a16="http://schemas.microsoft.com/office/drawing/2014/main" id="{D9B3BBCE-6FA5-4B29-8A53-5BEC1AD1B06E}"/>
-                  </a:ext>
-                </a:extLst>
-              </p:cNvPr>
-              <p:cNvSpPr txBox="1"/>
-              <p:nvPr/>
-            </p:nvSpPr>
-            <p:spPr>
-              <a:xfrm>
-                <a:off x="-3979036" y="1215209"/>
-                <a:ext cx="4416642" cy="1569660"/>
-              </a:xfrm>
-              <a:prstGeom prst="rect">
-                <a:avLst/>
-              </a:prstGeom>
-              <a:noFill/>
-            </p:spPr>
-            <p:txBody>
-              <a:bodyPr wrap="square" rtlCol="0">
-                <a:spAutoFit/>
-              </a:bodyPr>
-              <a:lstStyle/>
-              <a:p>
-                <a:pPr/>
-                <a14:m>
-                  <m:oMathPara xmlns:m="http://schemas.openxmlformats.org/officeDocument/2006/math">
-                    <m:oMathParaPr>
-                      <m:jc m:val="centerGroup"/>
-                    </m:oMathParaPr>
-                    <m:oMath xmlns:m="http://schemas.openxmlformats.org/officeDocument/2006/math">
-                      <m:r>
-                        <a:rPr lang="en-US" altLang="ko-KR" sz="9600" b="0" i="1" smtClean="0">
-                          <a:latin typeface="Cambria Math" panose="02040503050406030204" pitchFamily="18" charset="0"/>
-                        </a:rPr>
-                        <m:t>𝐺</m:t>
-                      </m:r>
-                      <m:r>
-                        <a:rPr lang="en-US" altLang="ko-KR" sz="9600" b="0" i="1" smtClean="0">
-                          <a:latin typeface="Cambria Math" panose="02040503050406030204" pitchFamily="18" charset="0"/>
-                        </a:rPr>
-                        <m:t>(</m:t>
-                      </m:r>
-                      <m:r>
-                        <a:rPr lang="en-US" altLang="ko-KR" sz="9600" b="0" i="1" smtClean="0">
-                          <a:latin typeface="Cambria Math" panose="02040503050406030204" pitchFamily="18" charset="0"/>
-                        </a:rPr>
-                        <m:t>𝑥</m:t>
-                      </m:r>
-                      <m:r>
-                        <a:rPr lang="en-US" altLang="ko-KR" sz="9600" b="0" i="1" smtClean="0">
-                          <a:latin typeface="Cambria Math" panose="02040503050406030204" pitchFamily="18" charset="0"/>
-                        </a:rPr>
-                        <m:t>, </m:t>
-                      </m:r>
-                      <m:r>
-                        <a:rPr lang="en-US" altLang="ko-KR" sz="9600" b="0" i="1" smtClean="0">
-                          <a:solidFill>
-                            <a:srgbClr val="FF0000"/>
-                          </a:solidFill>
-                          <a:latin typeface="Cambria Math" panose="02040503050406030204" pitchFamily="18" charset="0"/>
-                        </a:rPr>
-                        <m:t>𝑠</m:t>
-                      </m:r>
-                      <m:r>
-                        <a:rPr lang="en-US" altLang="ko-KR" sz="9600" b="0" i="1" smtClean="0">
-                          <a:latin typeface="Cambria Math" panose="02040503050406030204" pitchFamily="18" charset="0"/>
-                        </a:rPr>
-                        <m:t>)</m:t>
-                      </m:r>
-                    </m:oMath>
-                  </m:oMathPara>
-                </a14:m>
-                <a:endParaRPr lang="ko-KR" altLang="en-US" sz="9600" dirty="0"/>
-              </a:p>
-            </p:txBody>
-          </p:sp>
-        </mc:Choice>
-        <mc:Fallback>
-          <p:sp>
-            <p:nvSpPr>
-              <p:cNvPr id="111" name="TextBox 110">
-                <a:extLst>
-                  <a:ext uri="{FF2B5EF4-FFF2-40B4-BE49-F238E27FC236}">
-                    <a16:creationId xmlns:a16="http://schemas.microsoft.com/office/drawing/2014/main" id="{D9B3BBCE-6FA5-4B29-8A53-5BEC1AD1B06E}"/>
-                  </a:ext>
-                </a:extLst>
-              </p:cNvPr>
-              <p:cNvSpPr txBox="1">
-                <a:spLocks noRot="1" noChangeAspect="1" noMove="1" noResize="1" noEditPoints="1" noAdjustHandles="1" noChangeArrowheads="1" noChangeShapeType="1" noTextEdit="1"/>
-              </p:cNvSpPr>
-              <p:nvPr/>
-            </p:nvSpPr>
-            <p:spPr>
-              <a:xfrm>
-                <a:off x="-3979036" y="1215209"/>
-                <a:ext cx="4416642" cy="1569660"/>
-              </a:xfrm>
-              <a:prstGeom prst="rect">
-                <a:avLst/>
-              </a:prstGeom>
-              <a:blipFill>
-                <a:blip r:embed="rId18"/>
-                <a:stretch>
-                  <a:fillRect/>
-                </a:stretch>
-              </a:blipFill>
-            </p:spPr>
-            <p:txBody>
-              <a:bodyPr/>
-              <a:lstStyle/>
-              <a:p>
-                <a:r>
-                  <a:rPr lang="ko-KR" altLang="en-US">
-                    <a:noFill/>
-                  </a:rPr>
-                  <a:t> </a:t>
-                </a:r>
-              </a:p>
-            </p:txBody>
-          </p:sp>
-        </mc:Fallback>
-      </mc:AlternateContent>
-      <mc:AlternateContent xmlns:mc="http://schemas.openxmlformats.org/markup-compatibility/2006">
-        <mc:Choice xmlns:a14="http://schemas.microsoft.com/office/drawing/2010/main" Requires="a14">
-          <p:sp>
-            <p:nvSpPr>
-              <p:cNvPr id="112" name="TextBox 111">
-                <a:extLst>
-                  <a:ext uri="{FF2B5EF4-FFF2-40B4-BE49-F238E27FC236}">
-                    <a16:creationId xmlns:a16="http://schemas.microsoft.com/office/drawing/2014/main" id="{CF0FF849-A858-4AD3-9963-F5B3892745BC}"/>
-                  </a:ext>
-                </a:extLst>
-              </p:cNvPr>
-              <p:cNvSpPr txBox="1"/>
-              <p:nvPr/>
-            </p:nvSpPr>
-            <p:spPr>
-              <a:xfrm>
-                <a:off x="5526005" y="4300955"/>
-                <a:ext cx="805029" cy="769441"/>
-              </a:xfrm>
-              <a:prstGeom prst="rect">
-                <a:avLst/>
-              </a:prstGeom>
-              <a:noFill/>
-            </p:spPr>
-            <p:txBody>
-              <a:bodyPr wrap="none" rtlCol="0">
-                <a:spAutoFit/>
-              </a:bodyPr>
-              <a:lstStyle/>
-              <a:p>
-                <a:pPr/>
-                <a14:m>
-                  <m:oMathPara xmlns:m="http://schemas.openxmlformats.org/officeDocument/2006/math">
-                    <m:oMathParaPr>
-                      <m:jc m:val="centerGroup"/>
-                    </m:oMathParaPr>
-                    <m:oMath xmlns:m="http://schemas.openxmlformats.org/officeDocument/2006/math">
-                      <m:r>
-                        <a:rPr lang="en-US" altLang="ko-KR" sz="4400" b="0" i="1" smtClean="0">
-                          <a:latin typeface="Cambria Math"/>
-                        </a:rPr>
-                        <m:t>=</m:t>
-                      </m:r>
-                    </m:oMath>
-                  </m:oMathPara>
-                </a14:m>
-                <a:endParaRPr lang="ko-KR" altLang="en-US" sz="4400" dirty="0"/>
-              </a:p>
-            </p:txBody>
-          </p:sp>
-        </mc:Choice>
-        <mc:Fallback>
-          <p:sp>
-            <p:nvSpPr>
-              <p:cNvPr id="112" name="TextBox 111">
-                <a:extLst>
-                  <a:ext uri="{FF2B5EF4-FFF2-40B4-BE49-F238E27FC236}">
-                    <a16:creationId xmlns:a16="http://schemas.microsoft.com/office/drawing/2014/main" id="{CF0FF849-A858-4AD3-9963-F5B3892745BC}"/>
-                  </a:ext>
-                </a:extLst>
-              </p:cNvPr>
-              <p:cNvSpPr txBox="1">
-                <a:spLocks noRot="1" noChangeAspect="1" noMove="1" noResize="1" noEditPoints="1" noAdjustHandles="1" noChangeArrowheads="1" noChangeShapeType="1" noTextEdit="1"/>
-              </p:cNvSpPr>
-              <p:nvPr/>
-            </p:nvSpPr>
-            <p:spPr>
-              <a:xfrm>
-                <a:off x="5526005" y="4300955"/>
-                <a:ext cx="805029" cy="769441"/>
-              </a:xfrm>
-              <a:prstGeom prst="rect">
-                <a:avLst/>
-              </a:prstGeom>
-              <a:blipFill>
-                <a:blip r:embed="rId19"/>
-                <a:stretch>
-                  <a:fillRect/>
-                </a:stretch>
-              </a:blipFill>
-            </p:spPr>
-            <p:txBody>
-              <a:bodyPr/>
-              <a:lstStyle/>
-              <a:p>
-                <a:r>
-                  <a:rPr lang="ko-KR" altLang="en-US">
-                    <a:noFill/>
-                  </a:rPr>
-                  <a:t> </a:t>
-                </a:r>
-              </a:p>
-            </p:txBody>
-          </p:sp>
-        </mc:Fallback>
-      </mc:AlternateContent>
-      <mc:AlternateContent xmlns:mc="http://schemas.openxmlformats.org/markup-compatibility/2006">
-        <mc:Choice xmlns:a14="http://schemas.microsoft.com/office/drawing/2010/main" Requires="a14">
-          <p:sp>
-            <p:nvSpPr>
-              <p:cNvPr id="113" name="TextBox 112">
-                <a:extLst>
-                  <a:ext uri="{FF2B5EF4-FFF2-40B4-BE49-F238E27FC236}">
-                    <a16:creationId xmlns:a16="http://schemas.microsoft.com/office/drawing/2014/main" id="{D9166D77-F83B-4518-8A8C-264993F2F998}"/>
-                  </a:ext>
-                </a:extLst>
-              </p:cNvPr>
-              <p:cNvSpPr txBox="1"/>
-              <p:nvPr/>
-            </p:nvSpPr>
-            <p:spPr>
-              <a:xfrm>
-                <a:off x="8738917" y="2000039"/>
-                <a:ext cx="2511521" cy="1764842"/>
-              </a:xfrm>
-              <a:prstGeom prst="rect">
-                <a:avLst/>
-              </a:prstGeom>
-              <a:noFill/>
-            </p:spPr>
-            <p:txBody>
-              <a:bodyPr wrap="square" rtlCol="0">
-                <a:spAutoFit/>
-              </a:bodyPr>
-              <a:lstStyle/>
-              <a:p>
-                <a:pPr algn="ctr"/>
-                <a14:m>
-                  <m:oMath xmlns:m="http://schemas.openxmlformats.org/officeDocument/2006/math">
-                    <m:r>
-                      <a:rPr lang="ko-KR" altLang="en-US" sz="3600" i="1">
-                        <a:latin typeface="Cambria Math" panose="02040503050406030204" pitchFamily="18" charset="0"/>
-                      </a:rPr>
-                      <m:t>단</m:t>
-                    </m:r>
-                  </m:oMath>
-                </a14:m>
-                <a:r>
-                  <a:rPr lang="ko-KR" altLang="en-US" sz="3600" dirty="0"/>
-                  <a:t>위 기저</a:t>
-                </a:r>
-                <a:endParaRPr lang="en-US" altLang="ko-KR" sz="3600" dirty="0"/>
-              </a:p>
-              <a:p>
-                <a:pPr algn="ctr"/>
-                <a:r>
-                  <a:rPr lang="ko-KR" altLang="en-US" sz="3600" dirty="0"/>
-                  <a:t>함수들의</a:t>
-                </a:r>
-                <a:endParaRPr lang="en-US" altLang="ko-KR" sz="3600" dirty="0"/>
-              </a:p>
-              <a:p>
-                <a:pPr algn="ctr"/>
-                <a:r>
-                  <a:rPr lang="ko-KR" altLang="en-US" sz="3600" dirty="0"/>
-                  <a:t>나열</a:t>
-                </a:r>
-                <a:r>
-                  <a:rPr lang="en-US" altLang="ko-KR" sz="3600" dirty="0"/>
-                  <a:t>?</a:t>
-                </a:r>
-                <a:endParaRPr lang="ko-KR" altLang="en-US" sz="3600" dirty="0"/>
-              </a:p>
-            </p:txBody>
-          </p:sp>
-        </mc:Choice>
-        <mc:Fallback>
-          <p:sp>
-            <p:nvSpPr>
-              <p:cNvPr id="113" name="TextBox 112">
-                <a:extLst>
-                  <a:ext uri="{FF2B5EF4-FFF2-40B4-BE49-F238E27FC236}">
-                    <a16:creationId xmlns:a16="http://schemas.microsoft.com/office/drawing/2014/main" id="{D9166D77-F83B-4518-8A8C-264993F2F998}"/>
-                  </a:ext>
-                </a:extLst>
-              </p:cNvPr>
-              <p:cNvSpPr txBox="1">
-                <a:spLocks noRot="1" noChangeAspect="1" noMove="1" noResize="1" noEditPoints="1" noAdjustHandles="1" noChangeArrowheads="1" noChangeShapeType="1" noTextEdit="1"/>
-              </p:cNvSpPr>
-              <p:nvPr/>
-            </p:nvSpPr>
-            <p:spPr>
-              <a:xfrm>
-                <a:off x="8738917" y="2000039"/>
-                <a:ext cx="2511521" cy="1764842"/>
-              </a:xfrm>
-              <a:prstGeom prst="rect">
-                <a:avLst/>
-              </a:prstGeom>
-              <a:blipFill>
-                <a:blip r:embed="rId20"/>
-                <a:stretch>
-                  <a:fillRect t="-4828" r="-485" b="-11724"/>
-                </a:stretch>
-              </a:blipFill>
-            </p:spPr>
-            <p:txBody>
-              <a:bodyPr/>
-              <a:lstStyle/>
-              <a:p>
-                <a:r>
-                  <a:rPr lang="ko-KR" altLang="en-US">
-                    <a:noFill/>
-                  </a:rPr>
-                  <a:t> </a:t>
-                </a:r>
-              </a:p>
-            </p:txBody>
-          </p:sp>
-        </mc:Fallback>
-      </mc:AlternateContent>
-      <p:sp>
-        <p:nvSpPr>
-          <p:cNvPr id="115" name="화살표: 오른쪽 114">
-            <a:extLst>
-              <a:ext uri="{FF2B5EF4-FFF2-40B4-BE49-F238E27FC236}">
-                <a16:creationId xmlns:a16="http://schemas.microsoft.com/office/drawing/2014/main" id="{29EA8FA4-C5B4-4C37-B369-23521A79BEF1}"/>
-              </a:ext>
-            </a:extLst>
-          </p:cNvPr>
-          <p:cNvSpPr/>
-          <p:nvPr/>
-        </p:nvSpPr>
-        <p:spPr>
-          <a:xfrm rot="5400000">
-            <a:off x="3376021" y="2920891"/>
-            <a:ext cx="1251583" cy="665996"/>
-          </a:xfrm>
-          <a:prstGeom prst="rightArrow">
-            <a:avLst/>
-          </a:prstGeom>
-          <a:solidFill>
-            <a:schemeClr val="bg1"/>
-          </a:solidFill>
-          <a:ln>
-            <a:solidFill>
-              <a:schemeClr val="tx1"/>
-            </a:solidFill>
-          </a:ln>
-        </p:spPr>
-        <p:style>
-          <a:lnRef idx="2">
-            <a:schemeClr val="accent1">
-              <a:shade val="50000"/>
-            </a:schemeClr>
-          </a:lnRef>
-          <a:fillRef idx="1">
-            <a:schemeClr val="accent1"/>
-          </a:fillRef>
-          <a:effectRef idx="0">
-            <a:schemeClr val="accent1"/>
-          </a:effectRef>
-          <a:fontRef idx="minor">
-            <a:schemeClr val="lt1"/>
-          </a:fontRef>
-        </p:style>
-        <p:txBody>
-          <a:bodyPr rtlCol="0" anchor="ctr"/>
-          <a:lstStyle/>
-          <a:p>
-            <a:pPr algn="ctr"/>
-            <a:endParaRPr lang="ko-KR" altLang="en-US"/>
-          </a:p>
-        </p:txBody>
-      </p:sp>
-      <mc:AlternateContent xmlns:mc="http://schemas.openxmlformats.org/markup-compatibility/2006">
-        <mc:Choice xmlns:a14="http://schemas.microsoft.com/office/drawing/2010/main" Requires="a14">
-          <p:sp>
-            <p:nvSpPr>
-              <p:cNvPr id="116" name="TextBox 115">
-                <a:extLst>
-                  <a:ext uri="{FF2B5EF4-FFF2-40B4-BE49-F238E27FC236}">
-                    <a16:creationId xmlns:a16="http://schemas.microsoft.com/office/drawing/2014/main" id="{08CC730D-D77F-4D51-8128-4EBA992C6825}"/>
-                  </a:ext>
-                </a:extLst>
-              </p:cNvPr>
-              <p:cNvSpPr txBox="1"/>
-              <p:nvPr/>
-            </p:nvSpPr>
-            <p:spPr>
-              <a:xfrm>
-                <a:off x="3921849" y="2623015"/>
-                <a:ext cx="2511521" cy="1210844"/>
-              </a:xfrm>
-              <a:prstGeom prst="rect">
-                <a:avLst/>
-              </a:prstGeom>
-              <a:noFill/>
-            </p:spPr>
-            <p:txBody>
-              <a:bodyPr wrap="square" rtlCol="0">
-                <a:spAutoFit/>
-              </a:bodyPr>
-              <a:lstStyle/>
-              <a:p>
-                <a:pPr algn="ctr"/>
-                <a14:m>
-                  <m:oMath xmlns:m="http://schemas.openxmlformats.org/officeDocument/2006/math">
-                    <m:r>
-                      <a:rPr lang="ko-KR" altLang="en-US" sz="3600" i="1" smtClean="0">
-                        <a:latin typeface="Cambria Math" panose="02040503050406030204" pitchFamily="18" charset="0"/>
-                      </a:rPr>
-                      <m:t>개</m:t>
-                    </m:r>
-                  </m:oMath>
-                </a14:m>
-                <a:r>
-                  <a:rPr lang="ko-KR" altLang="en-US" sz="3600" dirty="0"/>
-                  <a:t>념의</a:t>
-                </a:r>
-                <a:endParaRPr lang="en-US" altLang="ko-KR" sz="3600" dirty="0"/>
-              </a:p>
-              <a:p>
-                <a:pPr algn="ctr"/>
-                <a:r>
-                  <a:rPr lang="ko-KR" altLang="en-US" sz="3600" dirty="0"/>
-                  <a:t>확장</a:t>
-                </a:r>
-              </a:p>
-            </p:txBody>
-          </p:sp>
-        </mc:Choice>
-        <mc:Fallback>
-          <p:sp>
-            <p:nvSpPr>
-              <p:cNvPr id="116" name="TextBox 115">
-                <a:extLst>
-                  <a:ext uri="{FF2B5EF4-FFF2-40B4-BE49-F238E27FC236}">
-                    <a16:creationId xmlns:a16="http://schemas.microsoft.com/office/drawing/2014/main" id="{08CC730D-D77F-4D51-8128-4EBA992C6825}"/>
-                  </a:ext>
-                </a:extLst>
-              </p:cNvPr>
-              <p:cNvSpPr txBox="1">
-                <a:spLocks noRot="1" noChangeAspect="1" noMove="1" noResize="1" noEditPoints="1" noAdjustHandles="1" noChangeArrowheads="1" noChangeShapeType="1" noTextEdit="1"/>
-              </p:cNvSpPr>
-              <p:nvPr/>
-            </p:nvSpPr>
-            <p:spPr>
-              <a:xfrm>
-                <a:off x="3921849" y="2623015"/>
-                <a:ext cx="2511521" cy="1210844"/>
-              </a:xfrm>
-              <a:prstGeom prst="rect">
-                <a:avLst/>
-              </a:prstGeom>
-              <a:blipFill>
-                <a:blip r:embed="rId21"/>
-                <a:stretch>
-                  <a:fillRect t="-7035" b="-17588"/>
-                </a:stretch>
-              </a:blipFill>
-            </p:spPr>
-            <p:txBody>
-              <a:bodyPr/>
-              <a:lstStyle/>
-              <a:p>
-                <a:r>
-                  <a:rPr lang="ko-KR" altLang="en-US">
-                    <a:noFill/>
-                  </a:rPr>
-                  <a:t> </a:t>
-                </a:r>
-              </a:p>
-            </p:txBody>
-          </p:sp>
-        </mc:Fallback>
-      </mc:AlternateContent>
-      <p:cxnSp>
-        <p:nvCxnSpPr>
-          <p:cNvPr id="4" name="직선 화살표 연결선 3">
-            <a:extLst>
-              <a:ext uri="{FF2B5EF4-FFF2-40B4-BE49-F238E27FC236}">
-                <a16:creationId xmlns:a16="http://schemas.microsoft.com/office/drawing/2014/main" id="{0E1166CE-0F1C-41A8-B4F2-6C12FE521DB5}"/>
-              </a:ext>
-            </a:extLst>
-          </p:cNvPr>
-          <p:cNvCxnSpPr/>
-          <p:nvPr/>
-        </p:nvCxnSpPr>
-        <p:spPr>
-          <a:xfrm>
-            <a:off x="2345628" y="6093296"/>
-            <a:ext cx="3312368" cy="0"/>
-          </a:xfrm>
-          <a:prstGeom prst="straightConnector1">
-            <a:avLst/>
-          </a:prstGeom>
-          <a:ln>
-            <a:tailEnd type="triangle"/>
-          </a:ln>
-        </p:spPr>
-        <p:style>
-          <a:lnRef idx="1">
-            <a:schemeClr val="dk1"/>
-          </a:lnRef>
-          <a:fillRef idx="0">
-            <a:schemeClr val="dk1"/>
-          </a:fillRef>
-          <a:effectRef idx="0">
-            <a:schemeClr val="dk1"/>
-          </a:effectRef>
-          <a:fontRef idx="minor">
-            <a:schemeClr val="tx1"/>
-          </a:fontRef>
-        </p:style>
-      </p:cxnSp>
-      <p:cxnSp>
-        <p:nvCxnSpPr>
-          <p:cNvPr id="6" name="직선 화살표 연결선 5">
-            <a:extLst>
-              <a:ext uri="{FF2B5EF4-FFF2-40B4-BE49-F238E27FC236}">
-                <a16:creationId xmlns:a16="http://schemas.microsoft.com/office/drawing/2014/main" id="{71410AA7-C82A-4523-8897-C0A7D3974E61}"/>
-              </a:ext>
-            </a:extLst>
-          </p:cNvPr>
-          <p:cNvCxnSpPr/>
-          <p:nvPr/>
-        </p:nvCxnSpPr>
-        <p:spPr>
-          <a:xfrm flipV="1">
-            <a:off x="2843808" y="3900845"/>
-            <a:ext cx="0" cy="2592288"/>
-          </a:xfrm>
-          <a:prstGeom prst="straightConnector1">
-            <a:avLst/>
-          </a:prstGeom>
-          <a:ln>
-            <a:tailEnd type="triangle"/>
-          </a:ln>
-        </p:spPr>
-        <p:style>
-          <a:lnRef idx="1">
-            <a:schemeClr val="dk1"/>
-          </a:lnRef>
-          <a:fillRef idx="0">
-            <a:schemeClr val="dk1"/>
-          </a:fillRef>
-          <a:effectRef idx="0">
-            <a:schemeClr val="dk1"/>
-          </a:effectRef>
-          <a:fontRef idx="minor">
-            <a:schemeClr val="tx1"/>
-          </a:fontRef>
-        </p:style>
-      </p:cxnSp>
-      <p:cxnSp>
-        <p:nvCxnSpPr>
-          <p:cNvPr id="8" name="직선 연결선 7">
-            <a:extLst>
-              <a:ext uri="{FF2B5EF4-FFF2-40B4-BE49-F238E27FC236}">
-                <a16:creationId xmlns:a16="http://schemas.microsoft.com/office/drawing/2014/main" id="{8B078679-7873-41C4-81F3-974ED02389AB}"/>
-              </a:ext>
-            </a:extLst>
-          </p:cNvPr>
-          <p:cNvCxnSpPr/>
-          <p:nvPr/>
-        </p:nvCxnSpPr>
-        <p:spPr>
-          <a:xfrm>
-            <a:off x="3443734" y="6021291"/>
-            <a:ext cx="0" cy="144010"/>
-          </a:xfrm>
-          <a:prstGeom prst="line">
-            <a:avLst/>
-          </a:prstGeom>
-        </p:spPr>
-        <p:style>
-          <a:lnRef idx="1">
-            <a:schemeClr val="dk1"/>
-          </a:lnRef>
-          <a:fillRef idx="0">
-            <a:schemeClr val="dk1"/>
-          </a:fillRef>
-          <a:effectRef idx="0">
-            <a:schemeClr val="dk1"/>
-          </a:effectRef>
-          <a:fontRef idx="minor">
-            <a:schemeClr val="tx1"/>
-          </a:fontRef>
-        </p:style>
-      </p:cxnSp>
-      <p:cxnSp>
-        <p:nvCxnSpPr>
-          <p:cNvPr id="114" name="직선 연결선 113">
-            <a:extLst>
-              <a:ext uri="{FF2B5EF4-FFF2-40B4-BE49-F238E27FC236}">
-                <a16:creationId xmlns:a16="http://schemas.microsoft.com/office/drawing/2014/main" id="{1D5D95B0-21AF-4791-A5D9-E9E1FDCD3897}"/>
-              </a:ext>
-            </a:extLst>
-          </p:cNvPr>
-          <p:cNvCxnSpPr/>
-          <p:nvPr/>
-        </p:nvCxnSpPr>
-        <p:spPr>
-          <a:xfrm>
-            <a:off x="4932040" y="6021291"/>
-            <a:ext cx="0" cy="144010"/>
-          </a:xfrm>
-          <a:prstGeom prst="line">
-            <a:avLst/>
-          </a:prstGeom>
-        </p:spPr>
-        <p:style>
-          <a:lnRef idx="1">
-            <a:schemeClr val="dk1"/>
-          </a:lnRef>
-          <a:fillRef idx="0">
-            <a:schemeClr val="dk1"/>
-          </a:fillRef>
-          <a:effectRef idx="0">
-            <a:schemeClr val="dk1"/>
-          </a:effectRef>
-          <a:fontRef idx="minor">
-            <a:schemeClr val="tx1"/>
-          </a:fontRef>
-        </p:style>
-      </p:cxnSp>
-      <p:cxnSp>
-        <p:nvCxnSpPr>
-          <p:cNvPr id="118" name="직선 연결선 117">
-            <a:extLst>
-              <a:ext uri="{FF2B5EF4-FFF2-40B4-BE49-F238E27FC236}">
-                <a16:creationId xmlns:a16="http://schemas.microsoft.com/office/drawing/2014/main" id="{C919C741-C8EF-4680-BC02-1FF1E583E218}"/>
-              </a:ext>
-            </a:extLst>
-          </p:cNvPr>
-          <p:cNvCxnSpPr>
-            <a:cxnSpLocks/>
-          </p:cNvCxnSpPr>
-          <p:nvPr/>
-        </p:nvCxnSpPr>
-        <p:spPr>
-          <a:xfrm rot="5400000">
-            <a:off x="2843808" y="5523828"/>
-            <a:ext cx="0" cy="171558"/>
-          </a:xfrm>
-          <a:prstGeom prst="line">
-            <a:avLst/>
-          </a:prstGeom>
-        </p:spPr>
-        <p:style>
-          <a:lnRef idx="1">
-            <a:schemeClr val="dk1"/>
-          </a:lnRef>
-          <a:fillRef idx="0">
-            <a:schemeClr val="dk1"/>
-          </a:fillRef>
-          <a:effectRef idx="0">
-            <a:schemeClr val="dk1"/>
-          </a:effectRef>
-          <a:fontRef idx="minor">
-            <a:schemeClr val="tx1"/>
-          </a:fontRef>
-        </p:style>
-      </p:cxnSp>
-      <p:cxnSp>
-        <p:nvCxnSpPr>
-          <p:cNvPr id="119" name="직선 연결선 118">
-            <a:extLst>
-              <a:ext uri="{FF2B5EF4-FFF2-40B4-BE49-F238E27FC236}">
-                <a16:creationId xmlns:a16="http://schemas.microsoft.com/office/drawing/2014/main" id="{272FF17A-9EAE-4048-B7B5-376518F32B7B}"/>
-              </a:ext>
-            </a:extLst>
-          </p:cNvPr>
-          <p:cNvCxnSpPr>
-            <a:cxnSpLocks/>
-          </p:cNvCxnSpPr>
-          <p:nvPr/>
-        </p:nvCxnSpPr>
-        <p:spPr>
-          <a:xfrm rot="5400000">
-            <a:off x="2843808" y="4351334"/>
-            <a:ext cx="0" cy="171558"/>
-          </a:xfrm>
-          <a:prstGeom prst="line">
-            <a:avLst/>
-          </a:prstGeom>
-        </p:spPr>
-        <p:style>
-          <a:lnRef idx="1">
-            <a:schemeClr val="dk1"/>
-          </a:lnRef>
-          <a:fillRef idx="0">
-            <a:schemeClr val="dk1"/>
-          </a:fillRef>
-          <a:effectRef idx="0">
-            <a:schemeClr val="dk1"/>
-          </a:effectRef>
-          <a:fontRef idx="minor">
-            <a:schemeClr val="tx1"/>
-          </a:fontRef>
-        </p:style>
-      </p:cxnSp>
-      <mc:AlternateContent xmlns:mc="http://schemas.openxmlformats.org/markup-compatibility/2006">
-        <mc:Choice xmlns:a14="http://schemas.microsoft.com/office/drawing/2010/main" Requires="a14">
-          <p:sp>
-            <p:nvSpPr>
-              <p:cNvPr id="11" name="TextBox 10">
-                <a:extLst>
-                  <a:ext uri="{FF2B5EF4-FFF2-40B4-BE49-F238E27FC236}">
-                    <a16:creationId xmlns:a16="http://schemas.microsoft.com/office/drawing/2014/main" id="{66E5F592-B218-43CF-A601-DB291A5CB280}"/>
-                  </a:ext>
-                </a:extLst>
-              </p:cNvPr>
-              <p:cNvSpPr txBox="1"/>
-              <p:nvPr/>
-            </p:nvSpPr>
-            <p:spPr>
-              <a:xfrm>
-                <a:off x="3268512" y="6156862"/>
-                <a:ext cx="400302" cy="369332"/>
-              </a:xfrm>
-              <a:prstGeom prst="rect">
-                <a:avLst/>
-              </a:prstGeom>
-              <a:noFill/>
-            </p:spPr>
-            <p:txBody>
-              <a:bodyPr wrap="none" rtlCol="0">
-                <a:spAutoFit/>
-              </a:bodyPr>
-              <a:lstStyle/>
-              <a:p>
-                <a14:m>
-                  <m:oMathPara xmlns:m="http://schemas.openxmlformats.org/officeDocument/2006/math">
-                    <m:oMathParaPr>
-                      <m:jc m:val="centerGroup"/>
-                    </m:oMathParaPr>
-                    <m:oMath xmlns:m="http://schemas.openxmlformats.org/officeDocument/2006/math">
-                      <m:r>
-                        <a:rPr lang="en-US" altLang="ko-KR" b="0" i="1" smtClean="0">
-                          <a:latin typeface="Cambria Math" panose="02040503050406030204" pitchFamily="18" charset="0"/>
-                        </a:rPr>
-                        <m:t>𝑎</m:t>
-                      </m:r>
-                    </m:oMath>
-                  </m:oMathPara>
-                </a14:m>
-                <a:endParaRPr lang="ko-KR" altLang="en-US" dirty="0"/>
-              </a:p>
-            </p:txBody>
-          </p:sp>
-        </mc:Choice>
-        <mc:Fallback>
-          <p:sp>
-            <p:nvSpPr>
-              <p:cNvPr id="11" name="TextBox 10">
-                <a:extLst>
-                  <a:ext uri="{FF2B5EF4-FFF2-40B4-BE49-F238E27FC236}">
-                    <a16:creationId xmlns:a16="http://schemas.microsoft.com/office/drawing/2014/main" id="{66E5F592-B218-43CF-A601-DB291A5CB280}"/>
-                  </a:ext>
-                </a:extLst>
-              </p:cNvPr>
-              <p:cNvSpPr txBox="1">
-                <a:spLocks noRot="1" noChangeAspect="1" noMove="1" noResize="1" noEditPoints="1" noAdjustHandles="1" noChangeArrowheads="1" noChangeShapeType="1" noTextEdit="1"/>
-              </p:cNvSpPr>
-              <p:nvPr/>
-            </p:nvSpPr>
-            <p:spPr>
-              <a:xfrm>
-                <a:off x="3268512" y="6156862"/>
-                <a:ext cx="400302" cy="369332"/>
-              </a:xfrm>
-              <a:prstGeom prst="rect">
-                <a:avLst/>
-              </a:prstGeom>
-              <a:blipFill>
-                <a:blip r:embed="rId22"/>
-                <a:stretch>
-                  <a:fillRect/>
-                </a:stretch>
-              </a:blipFill>
-            </p:spPr>
-            <p:txBody>
-              <a:bodyPr/>
-              <a:lstStyle/>
-              <a:p>
-                <a:r>
-                  <a:rPr lang="ko-KR" altLang="en-US">
-                    <a:noFill/>
-                  </a:rPr>
-                  <a:t> </a:t>
-                </a:r>
-              </a:p>
-            </p:txBody>
-          </p:sp>
-        </mc:Fallback>
-      </mc:AlternateContent>
-      <mc:AlternateContent xmlns:mc="http://schemas.openxmlformats.org/markup-compatibility/2006">
-        <mc:Choice xmlns:a14="http://schemas.microsoft.com/office/drawing/2010/main" Requires="a14">
-          <p:sp>
-            <p:nvSpPr>
-              <p:cNvPr id="120" name="TextBox 119">
-                <a:extLst>
-                  <a:ext uri="{FF2B5EF4-FFF2-40B4-BE49-F238E27FC236}">
-                    <a16:creationId xmlns:a16="http://schemas.microsoft.com/office/drawing/2014/main" id="{F48AA094-CCC8-49DA-9E56-C3E087ED9CE2}"/>
-                  </a:ext>
-                </a:extLst>
-              </p:cNvPr>
-              <p:cNvSpPr txBox="1"/>
-              <p:nvPr/>
-            </p:nvSpPr>
-            <p:spPr>
-              <a:xfrm>
-                <a:off x="4731889" y="6156862"/>
-                <a:ext cx="400302" cy="369332"/>
-              </a:xfrm>
-              <a:prstGeom prst="rect">
-                <a:avLst/>
-              </a:prstGeom>
-              <a:noFill/>
-            </p:spPr>
-            <p:txBody>
-              <a:bodyPr wrap="none" rtlCol="0">
-                <a:spAutoFit/>
-              </a:bodyPr>
-              <a:lstStyle/>
-              <a:p>
-                <a14:m>
-                  <m:oMathPara xmlns:m="http://schemas.openxmlformats.org/officeDocument/2006/math">
-                    <m:oMathParaPr>
-                      <m:jc m:val="centerGroup"/>
-                    </m:oMathParaPr>
-                    <m:oMath xmlns:m="http://schemas.openxmlformats.org/officeDocument/2006/math">
-                      <m:r>
-                        <a:rPr lang="en-US" altLang="ko-KR" b="0" i="1" smtClean="0">
-                          <a:latin typeface="Cambria Math" panose="02040503050406030204" pitchFamily="18" charset="0"/>
-                        </a:rPr>
-                        <m:t>𝑏</m:t>
-                      </m:r>
-                    </m:oMath>
-                  </m:oMathPara>
-                </a14:m>
-                <a:endParaRPr lang="ko-KR" altLang="en-US" dirty="0"/>
-              </a:p>
-            </p:txBody>
-          </p:sp>
-        </mc:Choice>
-        <mc:Fallback>
-          <p:sp>
-            <p:nvSpPr>
-              <p:cNvPr id="120" name="TextBox 119">
-                <a:extLst>
-                  <a:ext uri="{FF2B5EF4-FFF2-40B4-BE49-F238E27FC236}">
-                    <a16:creationId xmlns:a16="http://schemas.microsoft.com/office/drawing/2014/main" id="{F48AA094-CCC8-49DA-9E56-C3E087ED9CE2}"/>
-                  </a:ext>
-                </a:extLst>
-              </p:cNvPr>
-              <p:cNvSpPr txBox="1">
-                <a:spLocks noRot="1" noChangeAspect="1" noMove="1" noResize="1" noEditPoints="1" noAdjustHandles="1" noChangeArrowheads="1" noChangeShapeType="1" noTextEdit="1"/>
-              </p:cNvSpPr>
-              <p:nvPr/>
-            </p:nvSpPr>
-            <p:spPr>
-              <a:xfrm>
-                <a:off x="4731889" y="6156862"/>
-                <a:ext cx="400302" cy="369332"/>
-              </a:xfrm>
-              <a:prstGeom prst="rect">
-                <a:avLst/>
-              </a:prstGeom>
-              <a:blipFill>
-                <a:blip r:embed="rId23"/>
-                <a:stretch>
-                  <a:fillRect/>
-                </a:stretch>
-              </a:blipFill>
-            </p:spPr>
-            <p:txBody>
-              <a:bodyPr/>
-              <a:lstStyle/>
-              <a:p>
-                <a:r>
-                  <a:rPr lang="ko-KR" altLang="en-US">
-                    <a:noFill/>
-                  </a:rPr>
-                  <a:t> </a:t>
-                </a:r>
-              </a:p>
-            </p:txBody>
-          </p:sp>
-        </mc:Fallback>
-      </mc:AlternateContent>
-      <mc:AlternateContent xmlns:mc="http://schemas.openxmlformats.org/markup-compatibility/2006">
-        <mc:Choice xmlns:a14="http://schemas.microsoft.com/office/drawing/2010/main" Requires="a14">
-          <p:sp>
-            <p:nvSpPr>
-              <p:cNvPr id="121" name="TextBox 120">
-                <a:extLst>
-                  <a:ext uri="{FF2B5EF4-FFF2-40B4-BE49-F238E27FC236}">
-                    <a16:creationId xmlns:a16="http://schemas.microsoft.com/office/drawing/2014/main" id="{6EF04BD0-1396-4CC3-8D42-5398CD48B72D}"/>
-                  </a:ext>
-                </a:extLst>
-              </p:cNvPr>
-              <p:cNvSpPr txBox="1"/>
-              <p:nvPr/>
-            </p:nvSpPr>
-            <p:spPr>
-              <a:xfrm>
-                <a:off x="2355239" y="5424941"/>
-                <a:ext cx="400302" cy="369332"/>
-              </a:xfrm>
-              <a:prstGeom prst="rect">
-                <a:avLst/>
-              </a:prstGeom>
-              <a:noFill/>
-            </p:spPr>
-            <p:txBody>
-              <a:bodyPr wrap="none" rtlCol="0">
-                <a:spAutoFit/>
-              </a:bodyPr>
-              <a:lstStyle/>
-              <a:p>
-                <a14:m>
-                  <m:oMathPara xmlns:m="http://schemas.openxmlformats.org/officeDocument/2006/math">
-                    <m:oMathParaPr>
-                      <m:jc m:val="centerGroup"/>
-                    </m:oMathParaPr>
-                    <m:oMath xmlns:m="http://schemas.openxmlformats.org/officeDocument/2006/math">
-                      <m:r>
-                        <a:rPr lang="en-US" altLang="ko-KR" b="0" i="1" smtClean="0">
-                          <a:latin typeface="Cambria Math" panose="02040503050406030204" pitchFamily="18" charset="0"/>
-                        </a:rPr>
-                        <m:t>𝑎</m:t>
-                      </m:r>
-                    </m:oMath>
-                  </m:oMathPara>
-                </a14:m>
-                <a:endParaRPr lang="ko-KR" altLang="en-US" dirty="0"/>
-              </a:p>
-            </p:txBody>
-          </p:sp>
-        </mc:Choice>
-        <mc:Fallback>
-          <p:sp>
-            <p:nvSpPr>
-              <p:cNvPr id="121" name="TextBox 120">
-                <a:extLst>
-                  <a:ext uri="{FF2B5EF4-FFF2-40B4-BE49-F238E27FC236}">
-                    <a16:creationId xmlns:a16="http://schemas.microsoft.com/office/drawing/2014/main" id="{6EF04BD0-1396-4CC3-8D42-5398CD48B72D}"/>
-                  </a:ext>
-                </a:extLst>
-              </p:cNvPr>
-              <p:cNvSpPr txBox="1">
-                <a:spLocks noRot="1" noChangeAspect="1" noMove="1" noResize="1" noEditPoints="1" noAdjustHandles="1" noChangeArrowheads="1" noChangeShapeType="1" noTextEdit="1"/>
-              </p:cNvSpPr>
-              <p:nvPr/>
-            </p:nvSpPr>
-            <p:spPr>
-              <a:xfrm>
-                <a:off x="2355239" y="5424941"/>
-                <a:ext cx="400302" cy="369332"/>
-              </a:xfrm>
-              <a:prstGeom prst="rect">
-                <a:avLst/>
-              </a:prstGeom>
-              <a:blipFill>
-                <a:blip r:embed="rId24"/>
-                <a:stretch>
-                  <a:fillRect/>
-                </a:stretch>
-              </a:blipFill>
-            </p:spPr>
-            <p:txBody>
-              <a:bodyPr/>
-              <a:lstStyle/>
-              <a:p>
-                <a:r>
-                  <a:rPr lang="ko-KR" altLang="en-US">
-                    <a:noFill/>
-                  </a:rPr>
-                  <a:t> </a:t>
-                </a:r>
-              </a:p>
-            </p:txBody>
-          </p:sp>
-        </mc:Fallback>
-      </mc:AlternateContent>
-      <mc:AlternateContent xmlns:mc="http://schemas.openxmlformats.org/markup-compatibility/2006">
-        <mc:Choice xmlns:a14="http://schemas.microsoft.com/office/drawing/2010/main" Requires="a14">
-          <p:sp>
-            <p:nvSpPr>
-              <p:cNvPr id="122" name="TextBox 121">
-                <a:extLst>
-                  <a:ext uri="{FF2B5EF4-FFF2-40B4-BE49-F238E27FC236}">
-                    <a16:creationId xmlns:a16="http://schemas.microsoft.com/office/drawing/2014/main" id="{0AC415B7-524A-42C7-B65E-C10FD10E7F15}"/>
-                  </a:ext>
-                </a:extLst>
-              </p:cNvPr>
-              <p:cNvSpPr txBox="1"/>
-              <p:nvPr/>
-            </p:nvSpPr>
-            <p:spPr>
-              <a:xfrm>
-                <a:off x="2355239" y="4252447"/>
-                <a:ext cx="400302" cy="369332"/>
-              </a:xfrm>
-              <a:prstGeom prst="rect">
-                <a:avLst/>
-              </a:prstGeom>
-              <a:noFill/>
-            </p:spPr>
-            <p:txBody>
-              <a:bodyPr wrap="none" rtlCol="0">
-                <a:spAutoFit/>
-              </a:bodyPr>
-              <a:lstStyle/>
-              <a:p>
-                <a14:m>
-                  <m:oMathPara xmlns:m="http://schemas.openxmlformats.org/officeDocument/2006/math">
-                    <m:oMathParaPr>
-                      <m:jc m:val="centerGroup"/>
-                    </m:oMathParaPr>
-                    <m:oMath xmlns:m="http://schemas.openxmlformats.org/officeDocument/2006/math">
-                      <m:r>
-                        <a:rPr lang="en-US" altLang="ko-KR" b="0" i="1" smtClean="0">
-                          <a:latin typeface="Cambria Math" panose="02040503050406030204" pitchFamily="18" charset="0"/>
-                        </a:rPr>
-                        <m:t>𝑎</m:t>
-                      </m:r>
-                    </m:oMath>
-                  </m:oMathPara>
-                </a14:m>
-                <a:endParaRPr lang="ko-KR" altLang="en-US" dirty="0"/>
-              </a:p>
-            </p:txBody>
-          </p:sp>
-        </mc:Choice>
-        <mc:Fallback>
-          <p:sp>
-            <p:nvSpPr>
-              <p:cNvPr id="122" name="TextBox 121">
-                <a:extLst>
-                  <a:ext uri="{FF2B5EF4-FFF2-40B4-BE49-F238E27FC236}">
-                    <a16:creationId xmlns:a16="http://schemas.microsoft.com/office/drawing/2014/main" id="{0AC415B7-524A-42C7-B65E-C10FD10E7F15}"/>
-                  </a:ext>
-                </a:extLst>
-              </p:cNvPr>
-              <p:cNvSpPr txBox="1">
-                <a:spLocks noRot="1" noChangeAspect="1" noMove="1" noResize="1" noEditPoints="1" noAdjustHandles="1" noChangeArrowheads="1" noChangeShapeType="1" noTextEdit="1"/>
-              </p:cNvSpPr>
-              <p:nvPr/>
-            </p:nvSpPr>
-            <p:spPr>
-              <a:xfrm>
-                <a:off x="2355239" y="4252447"/>
-                <a:ext cx="400302" cy="369332"/>
-              </a:xfrm>
-              <a:prstGeom prst="rect">
-                <a:avLst/>
-              </a:prstGeom>
-              <a:blipFill>
-                <a:blip r:embed="rId25"/>
-                <a:stretch>
-                  <a:fillRect/>
-                </a:stretch>
-              </a:blipFill>
-            </p:spPr>
-            <p:txBody>
-              <a:bodyPr/>
-              <a:lstStyle/>
-              <a:p>
-                <a:r>
-                  <a:rPr lang="ko-KR" altLang="en-US">
-                    <a:noFill/>
-                  </a:rPr>
-                  <a:t> </a:t>
-                </a:r>
-              </a:p>
-            </p:txBody>
-          </p:sp>
-        </mc:Fallback>
-      </mc:AlternateContent>
-      <mc:AlternateContent xmlns:mc="http://schemas.openxmlformats.org/markup-compatibility/2006">
-        <mc:Choice xmlns:a14="http://schemas.microsoft.com/office/drawing/2010/main" Requires="a14">
-          <p:sp>
-            <p:nvSpPr>
-              <p:cNvPr id="123" name="TextBox 122">
-                <a:extLst>
-                  <a:ext uri="{FF2B5EF4-FFF2-40B4-BE49-F238E27FC236}">
-                    <a16:creationId xmlns:a16="http://schemas.microsoft.com/office/drawing/2014/main" id="{B350F9F3-8C8D-480C-857F-D578D9AA89AD}"/>
-                  </a:ext>
-                </a:extLst>
-              </p:cNvPr>
-              <p:cNvSpPr txBox="1"/>
-              <p:nvPr/>
-            </p:nvSpPr>
-            <p:spPr>
-              <a:xfrm>
-                <a:off x="5407275" y="5661248"/>
-                <a:ext cx="400302" cy="369332"/>
-              </a:xfrm>
-              <a:prstGeom prst="rect">
-                <a:avLst/>
-              </a:prstGeom>
-              <a:noFill/>
-            </p:spPr>
-            <p:txBody>
-              <a:bodyPr wrap="none" rtlCol="0">
-                <a:spAutoFit/>
-              </a:bodyPr>
-              <a:lstStyle/>
-              <a:p>
-                <a14:m>
-                  <m:oMathPara xmlns:m="http://schemas.openxmlformats.org/officeDocument/2006/math">
-                    <m:oMathParaPr>
-                      <m:jc m:val="centerGroup"/>
-                    </m:oMathParaPr>
-                    <m:oMath xmlns:m="http://schemas.openxmlformats.org/officeDocument/2006/math">
-                      <m:r>
-                        <a:rPr lang="en-US" altLang="ko-KR" b="0" i="1" smtClean="0">
-                          <a:latin typeface="Cambria Math" panose="02040503050406030204" pitchFamily="18" charset="0"/>
-                        </a:rPr>
-                        <m:t>𝑥</m:t>
-                      </m:r>
-                    </m:oMath>
-                  </m:oMathPara>
-                </a14:m>
-                <a:endParaRPr lang="ko-KR" altLang="en-US" dirty="0"/>
-              </a:p>
-            </p:txBody>
-          </p:sp>
-        </mc:Choice>
-        <mc:Fallback>
-          <p:sp>
-            <p:nvSpPr>
-              <p:cNvPr id="123" name="TextBox 122">
-                <a:extLst>
-                  <a:ext uri="{FF2B5EF4-FFF2-40B4-BE49-F238E27FC236}">
-                    <a16:creationId xmlns:a16="http://schemas.microsoft.com/office/drawing/2014/main" id="{B350F9F3-8C8D-480C-857F-D578D9AA89AD}"/>
-                  </a:ext>
-                </a:extLst>
-              </p:cNvPr>
-              <p:cNvSpPr txBox="1">
-                <a:spLocks noRot="1" noChangeAspect="1" noMove="1" noResize="1" noEditPoints="1" noAdjustHandles="1" noChangeArrowheads="1" noChangeShapeType="1" noTextEdit="1"/>
-              </p:cNvSpPr>
-              <p:nvPr/>
-            </p:nvSpPr>
-            <p:spPr>
-              <a:xfrm>
-                <a:off x="5407275" y="5661248"/>
-                <a:ext cx="400302" cy="369332"/>
-              </a:xfrm>
-              <a:prstGeom prst="rect">
-                <a:avLst/>
-              </a:prstGeom>
-              <a:blipFill>
-                <a:blip r:embed="rId26"/>
-                <a:stretch>
-                  <a:fillRect/>
-                </a:stretch>
-              </a:blipFill>
-            </p:spPr>
-            <p:txBody>
-              <a:bodyPr/>
-              <a:lstStyle/>
-              <a:p>
-                <a:r>
-                  <a:rPr lang="ko-KR" altLang="en-US">
-                    <a:noFill/>
-                  </a:rPr>
-                  <a:t> </a:t>
-                </a:r>
-              </a:p>
-            </p:txBody>
-          </p:sp>
-        </mc:Fallback>
-      </mc:AlternateContent>
-      <mc:AlternateContent xmlns:mc="http://schemas.openxmlformats.org/markup-compatibility/2006">
-        <mc:Choice xmlns:a14="http://schemas.microsoft.com/office/drawing/2010/main" Requires="a14">
-          <p:sp>
-            <p:nvSpPr>
-              <p:cNvPr id="125" name="TextBox 124">
-                <a:extLst>
-                  <a:ext uri="{FF2B5EF4-FFF2-40B4-BE49-F238E27FC236}">
-                    <a16:creationId xmlns:a16="http://schemas.microsoft.com/office/drawing/2014/main" id="{5B8F3F88-4AA8-4B3C-AA63-7C5309423F53}"/>
-                  </a:ext>
-                </a:extLst>
-              </p:cNvPr>
-              <p:cNvSpPr txBox="1"/>
-              <p:nvPr/>
-            </p:nvSpPr>
-            <p:spPr>
-              <a:xfrm>
-                <a:off x="2455707" y="3747296"/>
-                <a:ext cx="378565" cy="369332"/>
-              </a:xfrm>
-              <a:prstGeom prst="rect">
-                <a:avLst/>
-              </a:prstGeom>
-              <a:noFill/>
-            </p:spPr>
-            <p:txBody>
-              <a:bodyPr wrap="none" rtlCol="0">
-                <a:spAutoFit/>
-              </a:bodyPr>
-              <a:lstStyle/>
-              <a:p>
-                <a14:m>
-                  <m:oMathPara xmlns:m="http://schemas.openxmlformats.org/officeDocument/2006/math">
-                    <m:oMathParaPr>
-                      <m:jc m:val="centerGroup"/>
-                    </m:oMathParaPr>
-                    <m:oMath xmlns:m="http://schemas.openxmlformats.org/officeDocument/2006/math">
-                      <m:r>
-                        <a:rPr lang="en-US" altLang="ko-KR" b="0" i="1" smtClean="0">
-                          <a:latin typeface="Cambria Math" panose="02040503050406030204" pitchFamily="18" charset="0"/>
-                        </a:rPr>
-                        <m:t>𝑠</m:t>
-                      </m:r>
-                    </m:oMath>
-                  </m:oMathPara>
-                </a14:m>
-                <a:endParaRPr lang="ko-KR" altLang="en-US" dirty="0"/>
-              </a:p>
-            </p:txBody>
-          </p:sp>
-        </mc:Choice>
-        <mc:Fallback>
-          <p:sp>
-            <p:nvSpPr>
-              <p:cNvPr id="125" name="TextBox 124">
-                <a:extLst>
-                  <a:ext uri="{FF2B5EF4-FFF2-40B4-BE49-F238E27FC236}">
-                    <a16:creationId xmlns:a16="http://schemas.microsoft.com/office/drawing/2014/main" id="{5B8F3F88-4AA8-4B3C-AA63-7C5309423F53}"/>
-                  </a:ext>
-                </a:extLst>
-              </p:cNvPr>
-              <p:cNvSpPr txBox="1">
-                <a:spLocks noRot="1" noChangeAspect="1" noMove="1" noResize="1" noEditPoints="1" noAdjustHandles="1" noChangeArrowheads="1" noChangeShapeType="1" noTextEdit="1"/>
-              </p:cNvSpPr>
-              <p:nvPr/>
-            </p:nvSpPr>
-            <p:spPr>
-              <a:xfrm>
-                <a:off x="2455707" y="3747296"/>
-                <a:ext cx="378565" cy="369332"/>
-              </a:xfrm>
-              <a:prstGeom prst="rect">
-                <a:avLst/>
-              </a:prstGeom>
-              <a:blipFill>
-                <a:blip r:embed="rId27"/>
+                <a:blip r:embed="rId33"/>
                 <a:stretch>
                   <a:fillRect/>
                 </a:stretch>
@@ -13652,76 +14865,54 @@
       </mc:AlternateContent>
       <p:sp>
         <p:nvSpPr>
-          <p:cNvPr id="12" name="직사각형 11">
+          <p:cNvPr id="132" name="TextBox 131">
             <a:extLst>
               <a:ext uri="{FF2B5EF4-FFF2-40B4-BE49-F238E27FC236}">
-                <a16:creationId xmlns:a16="http://schemas.microsoft.com/office/drawing/2014/main" id="{81EE44E6-61B6-4BC4-850B-47FE9FFB4162}"/>
+                <a16:creationId xmlns:a16="http://schemas.microsoft.com/office/drawing/2014/main" id="{187A8CF7-BE3B-482A-BDDE-B1868E0E276E}"/>
               </a:ext>
             </a:extLst>
           </p:cNvPr>
-          <p:cNvSpPr/>
+          <p:cNvSpPr txBox="1"/>
           <p:nvPr/>
         </p:nvSpPr>
         <p:spPr>
           <a:xfrm>
-            <a:off x="3443733" y="4437113"/>
-            <a:ext cx="1488301" cy="1172495"/>
+            <a:off x="5688983" y="56570"/>
+            <a:ext cx="2762673" cy="646331"/>
           </a:xfrm>
           <a:prstGeom prst="rect">
             <a:avLst/>
           </a:prstGeom>
-          <a:gradFill>
-            <a:gsLst>
-              <a:gs pos="0">
-                <a:schemeClr val="accent1">
-                  <a:lumMod val="5000"/>
-                  <a:lumOff val="95000"/>
-                </a:schemeClr>
-              </a:gs>
-              <a:gs pos="74000">
-                <a:schemeClr val="accent1">
-                  <a:lumMod val="45000"/>
-                  <a:lumOff val="55000"/>
-                </a:schemeClr>
-              </a:gs>
-              <a:gs pos="83000">
-                <a:schemeClr val="accent1">
-                  <a:lumMod val="45000"/>
-                  <a:lumOff val="55000"/>
-                </a:schemeClr>
-              </a:gs>
-              <a:gs pos="100000">
-                <a:schemeClr val="accent1">
-                  <a:lumMod val="30000"/>
-                  <a:lumOff val="70000"/>
-                </a:schemeClr>
-              </a:gs>
-            </a:gsLst>
-            <a:lin ang="5400000" scaled="1"/>
-          </a:gradFill>
+          <a:noFill/>
         </p:spPr>
-        <p:style>
-          <a:lnRef idx="2">
-            <a:schemeClr val="accent1">
-              <a:shade val="50000"/>
-            </a:schemeClr>
-          </a:lnRef>
-          <a:fillRef idx="1">
-            <a:schemeClr val="accent1"/>
-          </a:fillRef>
-          <a:effectRef idx="0">
-            <a:schemeClr val="accent1"/>
-          </a:effectRef>
-          <a:fontRef idx="minor">
-            <a:schemeClr val="lt1"/>
-          </a:fontRef>
-        </p:style>
         <p:txBody>
-          <a:bodyPr rtlCol="0" anchor="ctr"/>
+          <a:bodyPr wrap="square" rtlCol="0">
+            <a:spAutoFit/>
+          </a:bodyPr>
           <a:lstStyle/>
           <a:p>
             <a:pPr algn="ctr"/>
-            <a:endParaRPr lang="ko-KR" altLang="en-US"/>
+            <a:r>
+              <a:rPr lang="ko-KR" altLang="en-US" b="1" dirty="0">
+                <a:latin typeface="나눔고딕" panose="020D0604000000000000" pitchFamily="50" charset="-127"/>
+                <a:ea typeface="나눔고딕" panose="020D0604000000000000" pitchFamily="50" charset="-127"/>
+              </a:rPr>
+              <a:t>단위 기저</a:t>
+            </a:r>
+            <a:endParaRPr lang="en-US" altLang="ko-KR" b="1" dirty="0">
+              <a:latin typeface="나눔고딕" panose="020D0604000000000000" pitchFamily="50" charset="-127"/>
+              <a:ea typeface="나눔고딕" panose="020D0604000000000000" pitchFamily="50" charset="-127"/>
+            </a:endParaRPr>
+          </a:p>
+          <a:p>
+            <a:pPr algn="ctr"/>
+            <a:r>
+              <a:rPr lang="ko-KR" altLang="en-US" b="1" dirty="0">
+                <a:latin typeface="나눔고딕" panose="020D0604000000000000" pitchFamily="50" charset="-127"/>
+                <a:ea typeface="나눔고딕" panose="020D0604000000000000" pitchFamily="50" charset="-127"/>
+              </a:rPr>
+              <a:t>벡터들의 나열</a:t>
+            </a:r>
           </a:p>
         </p:txBody>
       </p:sp>
@@ -16929,4 +18120,299 @@
   <a:objectDefaults/>
   <a:extraClrSchemeLst/>
 </a:theme>
+</file>
+
+<file path=ppt/theme/theme2.xml><?xml version="1.0" encoding="utf-8"?>
+<a:theme xmlns:a="http://schemas.openxmlformats.org/drawingml/2006/main" name="Office 테마">
+  <a:themeElements>
+    <a:clrScheme name="Office">
+      <a:dk1>
+        <a:sysClr val="windowText" lastClr="000000"/>
+      </a:dk1>
+      <a:lt1>
+        <a:sysClr val="window" lastClr="FFFFFF"/>
+      </a:lt1>
+      <a:dk2>
+        <a:srgbClr val="44546A"/>
+      </a:dk2>
+      <a:lt2>
+        <a:srgbClr val="E7E6E6"/>
+      </a:lt2>
+      <a:accent1>
+        <a:srgbClr val="4472C4"/>
+      </a:accent1>
+      <a:accent2>
+        <a:srgbClr val="ED7D31"/>
+      </a:accent2>
+      <a:accent3>
+        <a:srgbClr val="A5A5A5"/>
+      </a:accent3>
+      <a:accent4>
+        <a:srgbClr val="FFC000"/>
+      </a:accent4>
+      <a:accent5>
+        <a:srgbClr val="5B9BD5"/>
+      </a:accent5>
+      <a:accent6>
+        <a:srgbClr val="70AD47"/>
+      </a:accent6>
+      <a:hlink>
+        <a:srgbClr val="0563C1"/>
+      </a:hlink>
+      <a:folHlink>
+        <a:srgbClr val="954F72"/>
+      </a:folHlink>
+    </a:clrScheme>
+    <a:fontScheme name="Office">
+      <a:majorFont>
+        <a:latin typeface="맑은 고딕" panose="020F0302020204030204"/>
+        <a:ea typeface=""/>
+        <a:cs typeface=""/>
+        <a:font script="Jpan" typeface="游ゴシック Light"/>
+        <a:font script="Hang" typeface="맑은 고딕"/>
+        <a:font script="Hans" typeface="等线 Light"/>
+        <a:font script="Hant" typeface="新細明體"/>
+        <a:font script="Arab" typeface="Times New Roman"/>
+        <a:font script="Hebr" typeface="Times New Roman"/>
+        <a:font script="Thai" typeface="Angsana New"/>
+        <a:font script="Ethi" typeface="Nyala"/>
+        <a:font script="Beng" typeface="Vrinda"/>
+        <a:font script="Gujr" typeface="Shruti"/>
+        <a:font script="Khmr" typeface="MoolBoran"/>
+        <a:font script="Knda" typeface="Tunga"/>
+        <a:font script="Guru" typeface="Raavi"/>
+        <a:font script="Cans" typeface="Euphemia"/>
+        <a:font script="Cher" typeface="Plantagenet Cherokee"/>
+        <a:font script="Yiii" typeface="Microsoft Yi Baiti"/>
+        <a:font script="Tibt" typeface="Microsoft Himalaya"/>
+        <a:font script="Thaa" typeface="MV Boli"/>
+        <a:font script="Deva" typeface="Mangal"/>
+        <a:font script="Telu" typeface="Gautami"/>
+        <a:font script="Taml" typeface="Latha"/>
+        <a:font script="Syrc" typeface="Estrangelo Edessa"/>
+        <a:font script="Orya" typeface="Kalinga"/>
+        <a:font script="Mlym" typeface="Kartika"/>
+        <a:font script="Laoo" typeface="DokChampa"/>
+        <a:font script="Sinh" typeface="Iskoola Pota"/>
+        <a:font script="Mong" typeface="Mongolian Baiti"/>
+        <a:font script="Viet" typeface="Times New Roman"/>
+        <a:font script="Uigh" typeface="Microsoft Uighur"/>
+        <a:font script="Geor" typeface="Sylfaen"/>
+        <a:font script="Armn" typeface="Arial"/>
+        <a:font script="Bugi" typeface="Leelawadee UI"/>
+        <a:font script="Bopo" typeface="Microsoft JhengHei"/>
+        <a:font script="Java" typeface="Javanese Text"/>
+        <a:font script="Lisu" typeface="Segoe UI"/>
+        <a:font script="Mymr" typeface="Myanmar Text"/>
+        <a:font script="Nkoo" typeface="Ebrima"/>
+        <a:font script="Olck" typeface="Nirmala UI"/>
+        <a:font script="Osma" typeface="Ebrima"/>
+        <a:font script="Phag" typeface="Phagspa"/>
+        <a:font script="Syrn" typeface="Estrangelo Edessa"/>
+        <a:font script="Syrj" typeface="Estrangelo Edessa"/>
+        <a:font script="Syre" typeface="Estrangelo Edessa"/>
+        <a:font script="Sora" typeface="Nirmala UI"/>
+        <a:font script="Tale" typeface="Microsoft Tai Le"/>
+        <a:font script="Talu" typeface="Microsoft New Tai Lue"/>
+        <a:font script="Tfng" typeface="Ebrima"/>
+      </a:majorFont>
+      <a:minorFont>
+        <a:latin typeface="맑은 고딕" panose="020F0502020204030204"/>
+        <a:ea typeface=""/>
+        <a:cs typeface=""/>
+        <a:font script="Jpan" typeface="游ゴシック"/>
+        <a:font script="Hang" typeface="맑은 고딕"/>
+        <a:font script="Hans" typeface="等线"/>
+        <a:font script="Hant" typeface="新細明體"/>
+        <a:font script="Arab" typeface="Arial"/>
+        <a:font script="Hebr" typeface="Arial"/>
+        <a:font script="Thai" typeface="Cordia New"/>
+        <a:font script="Ethi" typeface="Nyala"/>
+        <a:font script="Beng" typeface="Vrinda"/>
+        <a:font script="Gujr" typeface="Shruti"/>
+        <a:font script="Khmr" typeface="DaunPenh"/>
+        <a:font script="Knda" typeface="Tunga"/>
+        <a:font script="Guru" typeface="Raavi"/>
+        <a:font script="Cans" typeface="Euphemia"/>
+        <a:font script="Cher" typeface="Plantagenet Cherokee"/>
+        <a:font script="Yiii" typeface="Microsoft Yi Baiti"/>
+        <a:font script="Tibt" typeface="Microsoft Himalaya"/>
+        <a:font script="Thaa" typeface="MV Boli"/>
+        <a:font script="Deva" typeface="Mangal"/>
+        <a:font script="Telu" typeface="Gautami"/>
+        <a:font script="Taml" typeface="Latha"/>
+        <a:font script="Syrc" typeface="Estrangelo Edessa"/>
+        <a:font script="Orya" typeface="Kalinga"/>
+        <a:font script="Mlym" typeface="Kartika"/>
+        <a:font script="Laoo" typeface="DokChampa"/>
+        <a:font script="Sinh" typeface="Iskoola Pota"/>
+        <a:font script="Mong" typeface="Mongolian Baiti"/>
+        <a:font script="Viet" typeface="Arial"/>
+        <a:font script="Uigh" typeface="Microsoft Uighur"/>
+        <a:font script="Geor" typeface="Sylfaen"/>
+        <a:font script="Armn" typeface="Arial"/>
+        <a:font script="Bugi" typeface="Leelawadee UI"/>
+        <a:font script="Bopo" typeface="Microsoft JhengHei"/>
+        <a:font script="Java" typeface="Javanese Text"/>
+        <a:font script="Lisu" typeface="Segoe UI"/>
+        <a:font script="Mymr" typeface="Myanmar Text"/>
+        <a:font script="Nkoo" typeface="Ebrima"/>
+        <a:font script="Olck" typeface="Nirmala UI"/>
+        <a:font script="Osma" typeface="Ebrima"/>
+        <a:font script="Phag" typeface="Phagspa"/>
+        <a:font script="Syrn" typeface="Estrangelo Edessa"/>
+        <a:font script="Syrj" typeface="Estrangelo Edessa"/>
+        <a:font script="Syre" typeface="Estrangelo Edessa"/>
+        <a:font script="Sora" typeface="Nirmala UI"/>
+        <a:font script="Tale" typeface="Microsoft Tai Le"/>
+        <a:font script="Talu" typeface="Microsoft New Tai Lue"/>
+        <a:font script="Tfng" typeface="Ebrima"/>
+      </a:minorFont>
+    </a:fontScheme>
+    <a:fmtScheme name="Office">
+      <a:fillStyleLst>
+        <a:solidFill>
+          <a:schemeClr val="phClr"/>
+        </a:solidFill>
+        <a:gradFill rotWithShape="1">
+          <a:gsLst>
+            <a:gs pos="0">
+              <a:schemeClr val="phClr">
+                <a:lumMod val="110000"/>
+                <a:satMod val="105000"/>
+                <a:tint val="67000"/>
+              </a:schemeClr>
+            </a:gs>
+            <a:gs pos="50000">
+              <a:schemeClr val="phClr">
+                <a:lumMod val="105000"/>
+                <a:satMod val="103000"/>
+                <a:tint val="73000"/>
+              </a:schemeClr>
+            </a:gs>
+            <a:gs pos="100000">
+              <a:schemeClr val="phClr">
+                <a:lumMod val="105000"/>
+                <a:satMod val="109000"/>
+                <a:tint val="81000"/>
+              </a:schemeClr>
+            </a:gs>
+          </a:gsLst>
+          <a:lin ang="5400000" scaled="0"/>
+        </a:gradFill>
+        <a:gradFill rotWithShape="1">
+          <a:gsLst>
+            <a:gs pos="0">
+              <a:schemeClr val="phClr">
+                <a:satMod val="103000"/>
+                <a:lumMod val="102000"/>
+                <a:tint val="94000"/>
+              </a:schemeClr>
+            </a:gs>
+            <a:gs pos="50000">
+              <a:schemeClr val="phClr">
+                <a:satMod val="110000"/>
+                <a:lumMod val="100000"/>
+                <a:shade val="100000"/>
+              </a:schemeClr>
+            </a:gs>
+            <a:gs pos="100000">
+              <a:schemeClr val="phClr">
+                <a:lumMod val="99000"/>
+                <a:satMod val="120000"/>
+                <a:shade val="78000"/>
+              </a:schemeClr>
+            </a:gs>
+          </a:gsLst>
+          <a:lin ang="5400000" scaled="0"/>
+        </a:gradFill>
+      </a:fillStyleLst>
+      <a:lnStyleLst>
+        <a:ln w="6350" cap="flat" cmpd="sng" algn="ctr">
+          <a:solidFill>
+            <a:schemeClr val="phClr"/>
+          </a:solidFill>
+          <a:prstDash val="solid"/>
+          <a:miter lim="800000"/>
+        </a:ln>
+        <a:ln w="12700" cap="flat" cmpd="sng" algn="ctr">
+          <a:solidFill>
+            <a:schemeClr val="phClr"/>
+          </a:solidFill>
+          <a:prstDash val="solid"/>
+          <a:miter lim="800000"/>
+        </a:ln>
+        <a:ln w="19050" cap="flat" cmpd="sng" algn="ctr">
+          <a:solidFill>
+            <a:schemeClr val="phClr"/>
+          </a:solidFill>
+          <a:prstDash val="solid"/>
+          <a:miter lim="800000"/>
+        </a:ln>
+      </a:lnStyleLst>
+      <a:effectStyleLst>
+        <a:effectStyle>
+          <a:effectLst/>
+        </a:effectStyle>
+        <a:effectStyle>
+          <a:effectLst/>
+        </a:effectStyle>
+        <a:effectStyle>
+          <a:effectLst>
+            <a:outerShdw blurRad="57150" dist="19050" dir="5400000" algn="ctr" rotWithShape="0">
+              <a:srgbClr val="000000">
+                <a:alpha val="63000"/>
+              </a:srgbClr>
+            </a:outerShdw>
+          </a:effectLst>
+        </a:effectStyle>
+      </a:effectStyleLst>
+      <a:bgFillStyleLst>
+        <a:solidFill>
+          <a:schemeClr val="phClr"/>
+        </a:solidFill>
+        <a:solidFill>
+          <a:schemeClr val="phClr">
+            <a:tint val="95000"/>
+            <a:satMod val="170000"/>
+          </a:schemeClr>
+        </a:solidFill>
+        <a:gradFill rotWithShape="1">
+          <a:gsLst>
+            <a:gs pos="0">
+              <a:schemeClr val="phClr">
+                <a:tint val="93000"/>
+                <a:satMod val="150000"/>
+                <a:shade val="98000"/>
+                <a:lumMod val="102000"/>
+              </a:schemeClr>
+            </a:gs>
+            <a:gs pos="50000">
+              <a:schemeClr val="phClr">
+                <a:tint val="98000"/>
+                <a:satMod val="130000"/>
+                <a:shade val="90000"/>
+                <a:lumMod val="103000"/>
+              </a:schemeClr>
+            </a:gs>
+            <a:gs pos="100000">
+              <a:schemeClr val="phClr">
+                <a:shade val="63000"/>
+                <a:satMod val="120000"/>
+              </a:schemeClr>
+            </a:gs>
+          </a:gsLst>
+          <a:lin ang="5400000" scaled="0"/>
+        </a:gradFill>
+      </a:bgFillStyleLst>
+    </a:fmtScheme>
+  </a:themeElements>
+  <a:objectDefaults/>
+  <a:extraClrSchemeLst/>
+  <a:extLst>
+    <a:ext uri="{05A4C25C-085E-4340-85A3-A5531E510DB2}">
+      <thm15:themeFamily xmlns:thm15="http://schemas.microsoft.com/office/thememl/2012/main" name="Office Theme" id="{62F939B6-93AF-4DB8-9C6B-D6C7DFDC589F}" vid="{4A3C46E8-61CC-4603-A589-7422A47A8E4A}"/>
+    </a:ext>
+  </a:extLst>
+</a:theme>
 </file>
--- a/pics/2021-06-09-Greens_function/pics.pptx
+++ b/pics/2021-06-09-Greens_function/pics.pptx
@@ -5,7 +5,7 @@
     <p:sldMasterId id="2147483648" r:id="rId1"/>
   </p:sldMasterIdLst>
   <p:notesMasterIdLst>
-    <p:notesMasterId r:id="rId7"/>
+    <p:notesMasterId r:id="rId8"/>
   </p:notesMasterIdLst>
   <p:sldIdLst>
     <p:sldId id="259" r:id="rId2"/>
@@ -13,6 +13,7 @@
     <p:sldId id="256" r:id="rId4"/>
     <p:sldId id="257" r:id="rId5"/>
     <p:sldId id="258" r:id="rId6"/>
+    <p:sldId id="261" r:id="rId7"/>
   </p:sldIdLst>
   <p:sldSz cx="9144000" cy="6858000" type="screen4x3"/>
   <p:notesSz cx="6858000" cy="9144000"/>
@@ -113,7 +114,7 @@
   </p:defaultTextStyle>
   <p:extLst>
     <p:ext uri="{EFAFB233-063F-42B5-8137-9DF3F51BA10A}">
-      <p15:sldGuideLst xmlns:p15="http://schemas.microsoft.com/office/powerpoint/2012/main">
+      <p15:sldGuideLst xmlns:p15="http://schemas.microsoft.com/office/powerpoint/2012/main" xmlns="">
         <p15:guide id="1" orient="horz" pos="2160">
           <p15:clr>
             <a:srgbClr val="A4A3A4"/>
@@ -212,7 +213,7 @@
           <a:p>
             <a:fld id="{A3F1F8DC-E48E-4670-8D99-78D2EAEF71A4}" type="datetimeFigureOut">
               <a:rPr lang="ko-KR" altLang="en-US" smtClean="0"/>
-              <a:t>2021-06-12</a:t>
+              <a:t>2021-06-15</a:t>
             </a:fld>
             <a:endParaRPr lang="ko-KR" altLang="en-US"/>
           </a:p>
@@ -742,7 +743,7 @@
           <a:p>
             <a:fld id="{FB30EDBD-1C2D-4C1E-B459-B60219FAB484}" type="datetimeFigureOut">
               <a:rPr lang="ko-KR" altLang="en-US" smtClean="0"/>
-              <a:t>2021-06-12</a:t>
+              <a:t>2021-06-15</a:t>
             </a:fld>
             <a:endParaRPr lang="ko-KR" altLang="en-US"/>
           </a:p>
@@ -905,7 +906,7 @@
           <a:p>
             <a:fld id="{FB30EDBD-1C2D-4C1E-B459-B60219FAB484}" type="datetimeFigureOut">
               <a:rPr lang="ko-KR" altLang="en-US" smtClean="0"/>
-              <a:t>2021-06-12</a:t>
+              <a:t>2021-06-15</a:t>
             </a:fld>
             <a:endParaRPr lang="ko-KR" altLang="en-US"/>
           </a:p>
@@ -1078,7 +1079,7 @@
           <a:p>
             <a:fld id="{FB30EDBD-1C2D-4C1E-B459-B60219FAB484}" type="datetimeFigureOut">
               <a:rPr lang="ko-KR" altLang="en-US" smtClean="0"/>
-              <a:t>2021-06-12</a:t>
+              <a:t>2021-06-15</a:t>
             </a:fld>
             <a:endParaRPr lang="ko-KR" altLang="en-US"/>
           </a:p>
@@ -1241,7 +1242,7 @@
           <a:p>
             <a:fld id="{FB30EDBD-1C2D-4C1E-B459-B60219FAB484}" type="datetimeFigureOut">
               <a:rPr lang="ko-KR" altLang="en-US" smtClean="0"/>
-              <a:t>2021-06-12</a:t>
+              <a:t>2021-06-15</a:t>
             </a:fld>
             <a:endParaRPr lang="ko-KR" altLang="en-US"/>
           </a:p>
@@ -1481,7 +1482,7 @@
           <a:p>
             <a:fld id="{FB30EDBD-1C2D-4C1E-B459-B60219FAB484}" type="datetimeFigureOut">
               <a:rPr lang="ko-KR" altLang="en-US" smtClean="0"/>
-              <a:t>2021-06-12</a:t>
+              <a:t>2021-06-15</a:t>
             </a:fld>
             <a:endParaRPr lang="ko-KR" altLang="en-US"/>
           </a:p>
@@ -1761,7 +1762,7 @@
           <a:p>
             <a:fld id="{FB30EDBD-1C2D-4C1E-B459-B60219FAB484}" type="datetimeFigureOut">
               <a:rPr lang="ko-KR" altLang="en-US" smtClean="0"/>
-              <a:t>2021-06-12</a:t>
+              <a:t>2021-06-15</a:t>
             </a:fld>
             <a:endParaRPr lang="ko-KR" altLang="en-US"/>
           </a:p>
@@ -2175,7 +2176,7 @@
           <a:p>
             <a:fld id="{FB30EDBD-1C2D-4C1E-B459-B60219FAB484}" type="datetimeFigureOut">
               <a:rPr lang="ko-KR" altLang="en-US" smtClean="0"/>
-              <a:t>2021-06-12</a:t>
+              <a:t>2021-06-15</a:t>
             </a:fld>
             <a:endParaRPr lang="ko-KR" altLang="en-US"/>
           </a:p>
@@ -2287,7 +2288,7 @@
           <a:p>
             <a:fld id="{FB30EDBD-1C2D-4C1E-B459-B60219FAB484}" type="datetimeFigureOut">
               <a:rPr lang="ko-KR" altLang="en-US" smtClean="0"/>
-              <a:t>2021-06-12</a:t>
+              <a:t>2021-06-15</a:t>
             </a:fld>
             <a:endParaRPr lang="ko-KR" altLang="en-US"/>
           </a:p>
@@ -2377,7 +2378,7 @@
           <a:p>
             <a:fld id="{FB30EDBD-1C2D-4C1E-B459-B60219FAB484}" type="datetimeFigureOut">
               <a:rPr lang="ko-KR" altLang="en-US" smtClean="0"/>
-              <a:t>2021-06-12</a:t>
+              <a:t>2021-06-15</a:t>
             </a:fld>
             <a:endParaRPr lang="ko-KR" altLang="en-US"/>
           </a:p>
@@ -2647,7 +2648,7 @@
           <a:p>
             <a:fld id="{FB30EDBD-1C2D-4C1E-B459-B60219FAB484}" type="datetimeFigureOut">
               <a:rPr lang="ko-KR" altLang="en-US" smtClean="0"/>
-              <a:t>2021-06-12</a:t>
+              <a:t>2021-06-15</a:t>
             </a:fld>
             <a:endParaRPr lang="ko-KR" altLang="en-US"/>
           </a:p>
@@ -2894,7 +2895,7 @@
           <a:p>
             <a:fld id="{FB30EDBD-1C2D-4C1E-B459-B60219FAB484}" type="datetimeFigureOut">
               <a:rPr lang="ko-KR" altLang="en-US" smtClean="0"/>
-              <a:t>2021-06-12</a:t>
+              <a:t>2021-06-15</a:t>
             </a:fld>
             <a:endParaRPr lang="ko-KR" altLang="en-US"/>
           </a:p>
@@ -3100,7 +3101,7 @@
           <a:p>
             <a:fld id="{FB30EDBD-1C2D-4C1E-B459-B60219FAB484}" type="datetimeFigureOut">
               <a:rPr lang="ko-KR" altLang="en-US" smtClean="0"/>
-              <a:t>2021-06-12</a:t>
+              <a:t>2021-06-15</a:t>
             </a:fld>
             <a:endParaRPr lang="ko-KR" altLang="en-US"/>
           </a:p>
@@ -3475,7 +3476,7 @@
           <p:cNvPr id="6" name="직사각형 5">
             <a:extLst>
               <a:ext uri="{FF2B5EF4-FFF2-40B4-BE49-F238E27FC236}">
-                <a16:creationId xmlns:a16="http://schemas.microsoft.com/office/drawing/2014/main" id="{64FC177B-E88B-4BD0-94BE-FAFF3ACB2C89}"/>
+                <a16:creationId xmlns:a16="http://schemas.microsoft.com/office/drawing/2014/main" xmlns="" id="{64FC177B-E88B-4BD0-94BE-FAFF3ACB2C89}"/>
               </a:ext>
             </a:extLst>
           </p:cNvPr>
@@ -3529,7 +3530,7 @@
           <p:cNvPr id="7" name="직사각형 6">
             <a:extLst>
               <a:ext uri="{FF2B5EF4-FFF2-40B4-BE49-F238E27FC236}">
-                <a16:creationId xmlns:a16="http://schemas.microsoft.com/office/drawing/2014/main" id="{8A175623-6F7F-4B47-A333-4D8F52AE610A}"/>
+                <a16:creationId xmlns:a16="http://schemas.microsoft.com/office/drawing/2014/main" xmlns="" id="{8A175623-6F7F-4B47-A333-4D8F52AE610A}"/>
               </a:ext>
             </a:extLst>
           </p:cNvPr>
@@ -3581,7 +3582,7 @@
           <p:cNvPr id="15" name="원호 14">
             <a:extLst>
               <a:ext uri="{FF2B5EF4-FFF2-40B4-BE49-F238E27FC236}">
-                <a16:creationId xmlns:a16="http://schemas.microsoft.com/office/drawing/2014/main" id="{93E633E5-EEB9-44A7-96F1-3A9650D3C0A2}"/>
+                <a16:creationId xmlns:a16="http://schemas.microsoft.com/office/drawing/2014/main" xmlns="" id="{93E633E5-EEB9-44A7-96F1-3A9650D3C0A2}"/>
               </a:ext>
             </a:extLst>
           </p:cNvPr>
@@ -3633,7 +3634,7 @@
           <p:cNvPr id="16" name="원호 15">
             <a:extLst>
               <a:ext uri="{FF2B5EF4-FFF2-40B4-BE49-F238E27FC236}">
-                <a16:creationId xmlns:a16="http://schemas.microsoft.com/office/drawing/2014/main" id="{C4EF0DA0-138C-496A-A92F-CE8C90B8873E}"/>
+                <a16:creationId xmlns:a16="http://schemas.microsoft.com/office/drawing/2014/main" xmlns="" id="{C4EF0DA0-138C-496A-A92F-CE8C90B8873E}"/>
               </a:ext>
             </a:extLst>
           </p:cNvPr>
@@ -3685,7 +3686,7 @@
           <p:cNvPr id="17" name="TextBox 16">
             <a:extLst>
               <a:ext uri="{FF2B5EF4-FFF2-40B4-BE49-F238E27FC236}">
-                <a16:creationId xmlns:a16="http://schemas.microsoft.com/office/drawing/2014/main" id="{8819A910-2608-4025-B8EA-15404010743C}"/>
+                <a16:creationId xmlns:a16="http://schemas.microsoft.com/office/drawing/2014/main" xmlns="" id="{8819A910-2608-4025-B8EA-15404010743C}"/>
               </a:ext>
             </a:extLst>
           </p:cNvPr>
@@ -3721,7 +3722,7 @@
           <p:cNvPr id="19" name="원호 18">
             <a:extLst>
               <a:ext uri="{FF2B5EF4-FFF2-40B4-BE49-F238E27FC236}">
-                <a16:creationId xmlns:a16="http://schemas.microsoft.com/office/drawing/2014/main" id="{6DD62455-73A3-463D-B466-FCFB328D6F40}"/>
+                <a16:creationId xmlns:a16="http://schemas.microsoft.com/office/drawing/2014/main" xmlns="" id="{6DD62455-73A3-463D-B466-FCFB328D6F40}"/>
               </a:ext>
             </a:extLst>
           </p:cNvPr>
@@ -3773,7 +3774,7 @@
           <p:cNvPr id="20" name="원호 19">
             <a:extLst>
               <a:ext uri="{FF2B5EF4-FFF2-40B4-BE49-F238E27FC236}">
-                <a16:creationId xmlns:a16="http://schemas.microsoft.com/office/drawing/2014/main" id="{4A4DE7ED-E2E1-4AD4-9223-8E7E3872AF3F}"/>
+                <a16:creationId xmlns:a16="http://schemas.microsoft.com/office/drawing/2014/main" xmlns="" id="{4A4DE7ED-E2E1-4AD4-9223-8E7E3872AF3F}"/>
               </a:ext>
             </a:extLst>
           </p:cNvPr>
@@ -3827,7 +3828,7 @@
               <p:cNvPr id="21" name="TextBox 20">
                 <a:extLst>
                   <a:ext uri="{FF2B5EF4-FFF2-40B4-BE49-F238E27FC236}">
-                    <a16:creationId xmlns:a16="http://schemas.microsoft.com/office/drawing/2014/main" id="{0667FA33-9371-417C-855C-1DF003272F36}"/>
+                    <a16:creationId xmlns:a16="http://schemas.microsoft.com/office/drawing/2014/main" xmlns="" id="{0667FA33-9371-417C-855C-1DF003272F36}"/>
                   </a:ext>
                 </a:extLst>
               </p:cNvPr>
@@ -3923,7 +3924,7 @@
               <p:cNvPr id="22" name="TextBox 21">
                 <a:extLst>
                   <a:ext uri="{FF2B5EF4-FFF2-40B4-BE49-F238E27FC236}">
-                    <a16:creationId xmlns:a16="http://schemas.microsoft.com/office/drawing/2014/main" id="{BA77718B-1212-4A41-B147-0F48B0247D37}"/>
+                    <a16:creationId xmlns:a16="http://schemas.microsoft.com/office/drawing/2014/main" xmlns="" id="{BA77718B-1212-4A41-B147-0F48B0247D37}"/>
                   </a:ext>
                 </a:extLst>
               </p:cNvPr>
@@ -4019,7 +4020,7 @@
               <p:cNvPr id="31" name="TextBox 30">
                 <a:extLst>
                   <a:ext uri="{FF2B5EF4-FFF2-40B4-BE49-F238E27FC236}">
-                    <a16:creationId xmlns:a16="http://schemas.microsoft.com/office/drawing/2014/main" id="{BB431D9E-E97B-474C-AC3C-7A1330FD2816}"/>
+                    <a16:creationId xmlns:a16="http://schemas.microsoft.com/office/drawing/2014/main" xmlns="" id="{BB431D9E-E97B-474C-AC3C-7A1330FD2816}"/>
                   </a:ext>
                 </a:extLst>
               </p:cNvPr>
@@ -4115,7 +4116,7 @@
               <p:cNvPr id="36" name="TextBox 35">
                 <a:extLst>
                   <a:ext uri="{FF2B5EF4-FFF2-40B4-BE49-F238E27FC236}">
-                    <a16:creationId xmlns:a16="http://schemas.microsoft.com/office/drawing/2014/main" id="{0F1A14E2-0AB0-4C22-A55C-AEC28D0A2679}"/>
+                    <a16:creationId xmlns:a16="http://schemas.microsoft.com/office/drawing/2014/main" xmlns="" id="{0F1A14E2-0AB0-4C22-A55C-AEC28D0A2679}"/>
                   </a:ext>
                 </a:extLst>
               </p:cNvPr>
@@ -4209,7 +4210,7 @@
           <p:cNvPr id="44" name="직사각형 43">
             <a:extLst>
               <a:ext uri="{FF2B5EF4-FFF2-40B4-BE49-F238E27FC236}">
-                <a16:creationId xmlns:a16="http://schemas.microsoft.com/office/drawing/2014/main" id="{B42B8767-2449-4408-975A-4C655D836C40}"/>
+                <a16:creationId xmlns:a16="http://schemas.microsoft.com/office/drawing/2014/main" xmlns="" id="{B42B8767-2449-4408-975A-4C655D836C40}"/>
               </a:ext>
             </a:extLst>
           </p:cNvPr>
@@ -4261,7 +4262,7 @@
           <p:cNvPr id="45" name="직사각형 44">
             <a:extLst>
               <a:ext uri="{FF2B5EF4-FFF2-40B4-BE49-F238E27FC236}">
-                <a16:creationId xmlns:a16="http://schemas.microsoft.com/office/drawing/2014/main" id="{53404FC1-F2E3-4FDF-8B8D-C94672B9A6D8}"/>
+                <a16:creationId xmlns:a16="http://schemas.microsoft.com/office/drawing/2014/main" xmlns="" id="{53404FC1-F2E3-4FDF-8B8D-C94672B9A6D8}"/>
               </a:ext>
             </a:extLst>
           </p:cNvPr>
@@ -4313,7 +4314,7 @@
           <p:cNvPr id="46" name="직사각형 45">
             <a:extLst>
               <a:ext uri="{FF2B5EF4-FFF2-40B4-BE49-F238E27FC236}">
-                <a16:creationId xmlns:a16="http://schemas.microsoft.com/office/drawing/2014/main" id="{161B54F7-70E6-4D81-9B81-95F87C13E69C}"/>
+                <a16:creationId xmlns:a16="http://schemas.microsoft.com/office/drawing/2014/main" xmlns="" id="{161B54F7-70E6-4D81-9B81-95F87C13E69C}"/>
               </a:ext>
             </a:extLst>
           </p:cNvPr>
@@ -4365,7 +4366,7 @@
           <p:cNvPr id="47" name="직사각형 46">
             <a:extLst>
               <a:ext uri="{FF2B5EF4-FFF2-40B4-BE49-F238E27FC236}">
-                <a16:creationId xmlns:a16="http://schemas.microsoft.com/office/drawing/2014/main" id="{CFB82AF5-0ED2-48B4-9759-E0E6360C3058}"/>
+                <a16:creationId xmlns:a16="http://schemas.microsoft.com/office/drawing/2014/main" xmlns="" id="{CFB82AF5-0ED2-48B4-9759-E0E6360C3058}"/>
               </a:ext>
             </a:extLst>
           </p:cNvPr>
@@ -4417,7 +4418,7 @@
           <p:cNvPr id="104" name="그룹 103">
             <a:extLst>
               <a:ext uri="{FF2B5EF4-FFF2-40B4-BE49-F238E27FC236}">
-                <a16:creationId xmlns:a16="http://schemas.microsoft.com/office/drawing/2014/main" id="{7CDB63C8-2D54-48F3-A1E8-DA2C6DF678EB}"/>
+                <a16:creationId xmlns:a16="http://schemas.microsoft.com/office/drawing/2014/main" xmlns="" id="{7CDB63C8-2D54-48F3-A1E8-DA2C6DF678EB}"/>
               </a:ext>
             </a:extLst>
           </p:cNvPr>
@@ -4437,7 +4438,7 @@
             <p:cNvPr id="51" name="직선 연결선 50">
               <a:extLst>
                 <a:ext uri="{FF2B5EF4-FFF2-40B4-BE49-F238E27FC236}">
-                  <a16:creationId xmlns:a16="http://schemas.microsoft.com/office/drawing/2014/main" id="{A1A239A0-3E17-4E6E-8DFB-0C9DF8897C8B}"/>
+                  <a16:creationId xmlns:a16="http://schemas.microsoft.com/office/drawing/2014/main" xmlns="" id="{A1A239A0-3E17-4E6E-8DFB-0C9DF8897C8B}"/>
                 </a:ext>
               </a:extLst>
             </p:cNvPr>
@@ -4474,7 +4475,7 @@
             <p:cNvPr id="53" name="직선 연결선 52">
               <a:extLst>
                 <a:ext uri="{FF2B5EF4-FFF2-40B4-BE49-F238E27FC236}">
-                  <a16:creationId xmlns:a16="http://schemas.microsoft.com/office/drawing/2014/main" id="{B71F8B1B-6E92-4E04-88C3-A022794D45A2}"/>
+                  <a16:creationId xmlns:a16="http://schemas.microsoft.com/office/drawing/2014/main" xmlns="" id="{B71F8B1B-6E92-4E04-88C3-A022794D45A2}"/>
                 </a:ext>
               </a:extLst>
             </p:cNvPr>
@@ -4511,7 +4512,7 @@
             <p:cNvPr id="54" name="직선 연결선 53">
               <a:extLst>
                 <a:ext uri="{FF2B5EF4-FFF2-40B4-BE49-F238E27FC236}">
-                  <a16:creationId xmlns:a16="http://schemas.microsoft.com/office/drawing/2014/main" id="{67CEC068-A928-4C23-B16C-D4340CE97D35}"/>
+                  <a16:creationId xmlns:a16="http://schemas.microsoft.com/office/drawing/2014/main" xmlns="" id="{67CEC068-A928-4C23-B16C-D4340CE97D35}"/>
                 </a:ext>
               </a:extLst>
             </p:cNvPr>
@@ -4549,7 +4550,7 @@
           <p:cNvPr id="105" name="그룹 104">
             <a:extLst>
               <a:ext uri="{FF2B5EF4-FFF2-40B4-BE49-F238E27FC236}">
-                <a16:creationId xmlns:a16="http://schemas.microsoft.com/office/drawing/2014/main" id="{D34CAF66-9D9F-427E-B4F3-0127E63D2A2F}"/>
+                <a16:creationId xmlns:a16="http://schemas.microsoft.com/office/drawing/2014/main" xmlns="" id="{D34CAF66-9D9F-427E-B4F3-0127E63D2A2F}"/>
               </a:ext>
             </a:extLst>
           </p:cNvPr>
@@ -4569,7 +4570,7 @@
             <p:cNvPr id="57" name="직선 연결선 56">
               <a:extLst>
                 <a:ext uri="{FF2B5EF4-FFF2-40B4-BE49-F238E27FC236}">
-                  <a16:creationId xmlns:a16="http://schemas.microsoft.com/office/drawing/2014/main" id="{5AB1E958-ED29-4DF2-8681-882B536CC374}"/>
+                  <a16:creationId xmlns:a16="http://schemas.microsoft.com/office/drawing/2014/main" xmlns="" id="{5AB1E958-ED29-4DF2-8681-882B536CC374}"/>
                 </a:ext>
               </a:extLst>
             </p:cNvPr>
@@ -4606,7 +4607,7 @@
             <p:cNvPr id="58" name="직선 연결선 57">
               <a:extLst>
                 <a:ext uri="{FF2B5EF4-FFF2-40B4-BE49-F238E27FC236}">
-                  <a16:creationId xmlns:a16="http://schemas.microsoft.com/office/drawing/2014/main" id="{6AE83ADE-53E5-4756-BA2E-6CA018C768AF}"/>
+                  <a16:creationId xmlns:a16="http://schemas.microsoft.com/office/drawing/2014/main" xmlns="" id="{6AE83ADE-53E5-4756-BA2E-6CA018C768AF}"/>
                 </a:ext>
               </a:extLst>
             </p:cNvPr>
@@ -4643,7 +4644,7 @@
             <p:cNvPr id="59" name="직선 연결선 58">
               <a:extLst>
                 <a:ext uri="{FF2B5EF4-FFF2-40B4-BE49-F238E27FC236}">
-                  <a16:creationId xmlns:a16="http://schemas.microsoft.com/office/drawing/2014/main" id="{819385EB-4AFE-46A6-A699-2C4951857B45}"/>
+                  <a16:creationId xmlns:a16="http://schemas.microsoft.com/office/drawing/2014/main" xmlns="" id="{819385EB-4AFE-46A6-A699-2C4951857B45}"/>
                 </a:ext>
               </a:extLst>
             </p:cNvPr>
@@ -4681,7 +4682,7 @@
           <p:cNvPr id="96" name="그룹 95">
             <a:extLst>
               <a:ext uri="{FF2B5EF4-FFF2-40B4-BE49-F238E27FC236}">
-                <a16:creationId xmlns:a16="http://schemas.microsoft.com/office/drawing/2014/main" id="{D01B6870-4305-4EE0-B282-8C6556262AD1}"/>
+                <a16:creationId xmlns:a16="http://schemas.microsoft.com/office/drawing/2014/main" xmlns="" id="{D01B6870-4305-4EE0-B282-8C6556262AD1}"/>
               </a:ext>
             </a:extLst>
           </p:cNvPr>
@@ -4701,7 +4702,7 @@
             <p:cNvPr id="60" name="TextBox 59">
               <a:extLst>
                 <a:ext uri="{FF2B5EF4-FFF2-40B4-BE49-F238E27FC236}">
-                  <a16:creationId xmlns:a16="http://schemas.microsoft.com/office/drawing/2014/main" id="{B488B835-14B8-49AD-BC7B-167DEF0D5798}"/>
+                  <a16:creationId xmlns:a16="http://schemas.microsoft.com/office/drawing/2014/main" xmlns="" id="{B488B835-14B8-49AD-BC7B-167DEF0D5798}"/>
                 </a:ext>
               </a:extLst>
             </p:cNvPr>
@@ -4737,7 +4738,7 @@
             <p:cNvPr id="61" name="TextBox 60">
               <a:extLst>
                 <a:ext uri="{FF2B5EF4-FFF2-40B4-BE49-F238E27FC236}">
-                  <a16:creationId xmlns:a16="http://schemas.microsoft.com/office/drawing/2014/main" id="{567D1B78-B287-4F76-AF49-F161B307ACED}"/>
+                  <a16:creationId xmlns:a16="http://schemas.microsoft.com/office/drawing/2014/main" xmlns="" id="{567D1B78-B287-4F76-AF49-F161B307ACED}"/>
                 </a:ext>
               </a:extLst>
             </p:cNvPr>
@@ -4773,7 +4774,7 @@
             <p:cNvPr id="62" name="TextBox 61">
               <a:extLst>
                 <a:ext uri="{FF2B5EF4-FFF2-40B4-BE49-F238E27FC236}">
-                  <a16:creationId xmlns:a16="http://schemas.microsoft.com/office/drawing/2014/main" id="{8275192D-EC60-4440-A851-900A26A0DFE3}"/>
+                  <a16:creationId xmlns:a16="http://schemas.microsoft.com/office/drawing/2014/main" xmlns="" id="{8275192D-EC60-4440-A851-900A26A0DFE3}"/>
                 </a:ext>
               </a:extLst>
             </p:cNvPr>
@@ -4809,7 +4810,7 @@
             <p:cNvPr id="63" name="TextBox 62">
               <a:extLst>
                 <a:ext uri="{FF2B5EF4-FFF2-40B4-BE49-F238E27FC236}">
-                  <a16:creationId xmlns:a16="http://schemas.microsoft.com/office/drawing/2014/main" id="{4ED1BC37-4B3D-49DE-B15B-EB31BF9AEF25}"/>
+                  <a16:creationId xmlns:a16="http://schemas.microsoft.com/office/drawing/2014/main" xmlns="" id="{4ED1BC37-4B3D-49DE-B15B-EB31BF9AEF25}"/>
                 </a:ext>
               </a:extLst>
             </p:cNvPr>
@@ -4845,7 +4846,7 @@
             <p:cNvPr id="64" name="TextBox 63">
               <a:extLst>
                 <a:ext uri="{FF2B5EF4-FFF2-40B4-BE49-F238E27FC236}">
-                  <a16:creationId xmlns:a16="http://schemas.microsoft.com/office/drawing/2014/main" id="{F3ECDABB-EB6E-412F-8804-7B5AA5D4D2B9}"/>
+                  <a16:creationId xmlns:a16="http://schemas.microsoft.com/office/drawing/2014/main" xmlns="" id="{F3ECDABB-EB6E-412F-8804-7B5AA5D4D2B9}"/>
                 </a:ext>
               </a:extLst>
             </p:cNvPr>
@@ -4882,7 +4883,7 @@
           <p:cNvPr id="114" name="그룹 113">
             <a:extLst>
               <a:ext uri="{FF2B5EF4-FFF2-40B4-BE49-F238E27FC236}">
-                <a16:creationId xmlns:a16="http://schemas.microsoft.com/office/drawing/2014/main" id="{7852C388-325C-4D8C-A6A7-AC7CE7F1D67A}"/>
+                <a16:creationId xmlns:a16="http://schemas.microsoft.com/office/drawing/2014/main" xmlns="" id="{7852C388-325C-4D8C-A6A7-AC7CE7F1D67A}"/>
               </a:ext>
             </a:extLst>
           </p:cNvPr>
@@ -4902,7 +4903,7 @@
             <p:cNvPr id="67" name="TextBox 66">
               <a:extLst>
                 <a:ext uri="{FF2B5EF4-FFF2-40B4-BE49-F238E27FC236}">
-                  <a16:creationId xmlns:a16="http://schemas.microsoft.com/office/drawing/2014/main" id="{BE51E14E-905D-4A88-8664-62AA4A4C447E}"/>
+                  <a16:creationId xmlns:a16="http://schemas.microsoft.com/office/drawing/2014/main" xmlns="" id="{BE51E14E-905D-4A88-8664-62AA4A4C447E}"/>
                 </a:ext>
               </a:extLst>
             </p:cNvPr>
@@ -4938,7 +4939,7 @@
             <p:cNvPr id="68" name="TextBox 67">
               <a:extLst>
                 <a:ext uri="{FF2B5EF4-FFF2-40B4-BE49-F238E27FC236}">
-                  <a16:creationId xmlns:a16="http://schemas.microsoft.com/office/drawing/2014/main" id="{EFF3631F-0C98-4F76-971E-16D87ECC2B10}"/>
+                  <a16:creationId xmlns:a16="http://schemas.microsoft.com/office/drawing/2014/main" xmlns="" id="{EFF3631F-0C98-4F76-971E-16D87ECC2B10}"/>
                 </a:ext>
               </a:extLst>
             </p:cNvPr>
@@ -4974,7 +4975,7 @@
             <p:cNvPr id="69" name="TextBox 68">
               <a:extLst>
                 <a:ext uri="{FF2B5EF4-FFF2-40B4-BE49-F238E27FC236}">
-                  <a16:creationId xmlns:a16="http://schemas.microsoft.com/office/drawing/2014/main" id="{885B879C-A594-45BA-8360-3759B9D1C12C}"/>
+                  <a16:creationId xmlns:a16="http://schemas.microsoft.com/office/drawing/2014/main" xmlns="" id="{885B879C-A594-45BA-8360-3759B9D1C12C}"/>
                 </a:ext>
               </a:extLst>
             </p:cNvPr>
@@ -5010,7 +5011,7 @@
             <p:cNvPr id="70" name="TextBox 69">
               <a:extLst>
                 <a:ext uri="{FF2B5EF4-FFF2-40B4-BE49-F238E27FC236}">
-                  <a16:creationId xmlns:a16="http://schemas.microsoft.com/office/drawing/2014/main" id="{3B4BF60F-F233-401A-BAE9-696AB12485B8}"/>
+                  <a16:creationId xmlns:a16="http://schemas.microsoft.com/office/drawing/2014/main" xmlns="" id="{3B4BF60F-F233-401A-BAE9-696AB12485B8}"/>
                 </a:ext>
               </a:extLst>
             </p:cNvPr>
@@ -5046,7 +5047,7 @@
             <p:cNvPr id="71" name="TextBox 70">
               <a:extLst>
                 <a:ext uri="{FF2B5EF4-FFF2-40B4-BE49-F238E27FC236}">
-                  <a16:creationId xmlns:a16="http://schemas.microsoft.com/office/drawing/2014/main" id="{84C6EBF2-7E64-4916-9B68-7A96938792A1}"/>
+                  <a16:creationId xmlns:a16="http://schemas.microsoft.com/office/drawing/2014/main" xmlns="" id="{84C6EBF2-7E64-4916-9B68-7A96938792A1}"/>
                 </a:ext>
               </a:extLst>
             </p:cNvPr>
@@ -5083,7 +5084,7 @@
           <p:cNvPr id="115" name="그룹 114">
             <a:extLst>
               <a:ext uri="{FF2B5EF4-FFF2-40B4-BE49-F238E27FC236}">
-                <a16:creationId xmlns:a16="http://schemas.microsoft.com/office/drawing/2014/main" id="{E94F3538-010A-4AA6-9570-F921A7BC3901}"/>
+                <a16:creationId xmlns:a16="http://schemas.microsoft.com/office/drawing/2014/main" xmlns="" id="{E94F3538-010A-4AA6-9570-F921A7BC3901}"/>
               </a:ext>
             </a:extLst>
           </p:cNvPr>
@@ -5103,7 +5104,7 @@
             <p:cNvPr id="73" name="TextBox 72">
               <a:extLst>
                 <a:ext uri="{FF2B5EF4-FFF2-40B4-BE49-F238E27FC236}">
-                  <a16:creationId xmlns:a16="http://schemas.microsoft.com/office/drawing/2014/main" id="{0719AB63-0F32-4C67-8071-E0A2BCB39A2F}"/>
+                  <a16:creationId xmlns:a16="http://schemas.microsoft.com/office/drawing/2014/main" xmlns="" id="{0719AB63-0F32-4C67-8071-E0A2BCB39A2F}"/>
                 </a:ext>
               </a:extLst>
             </p:cNvPr>
@@ -5139,7 +5140,7 @@
             <p:cNvPr id="74" name="TextBox 73">
               <a:extLst>
                 <a:ext uri="{FF2B5EF4-FFF2-40B4-BE49-F238E27FC236}">
-                  <a16:creationId xmlns:a16="http://schemas.microsoft.com/office/drawing/2014/main" id="{1740E21C-D753-4E32-821E-2E6FEFCE3327}"/>
+                  <a16:creationId xmlns:a16="http://schemas.microsoft.com/office/drawing/2014/main" xmlns="" id="{1740E21C-D753-4E32-821E-2E6FEFCE3327}"/>
                 </a:ext>
               </a:extLst>
             </p:cNvPr>
@@ -5175,7 +5176,7 @@
             <p:cNvPr id="75" name="TextBox 74">
               <a:extLst>
                 <a:ext uri="{FF2B5EF4-FFF2-40B4-BE49-F238E27FC236}">
-                  <a16:creationId xmlns:a16="http://schemas.microsoft.com/office/drawing/2014/main" id="{2B1A6F71-4B64-4E8B-83BE-5F54667FA285}"/>
+                  <a16:creationId xmlns:a16="http://schemas.microsoft.com/office/drawing/2014/main" xmlns="" id="{2B1A6F71-4B64-4E8B-83BE-5F54667FA285}"/>
                 </a:ext>
               </a:extLst>
             </p:cNvPr>
@@ -5211,7 +5212,7 @@
             <p:cNvPr id="76" name="TextBox 75">
               <a:extLst>
                 <a:ext uri="{FF2B5EF4-FFF2-40B4-BE49-F238E27FC236}">
-                  <a16:creationId xmlns:a16="http://schemas.microsoft.com/office/drawing/2014/main" id="{2253F3D7-FA9D-4B90-B153-78CB70F38704}"/>
+                  <a16:creationId xmlns:a16="http://schemas.microsoft.com/office/drawing/2014/main" xmlns="" id="{2253F3D7-FA9D-4B90-B153-78CB70F38704}"/>
                 </a:ext>
               </a:extLst>
             </p:cNvPr>
@@ -5247,7 +5248,7 @@
             <p:cNvPr id="77" name="TextBox 76">
               <a:extLst>
                 <a:ext uri="{FF2B5EF4-FFF2-40B4-BE49-F238E27FC236}">
-                  <a16:creationId xmlns:a16="http://schemas.microsoft.com/office/drawing/2014/main" id="{E3E51C1A-2490-4A25-AFD7-0C824757E450}"/>
+                  <a16:creationId xmlns:a16="http://schemas.microsoft.com/office/drawing/2014/main" xmlns="" id="{E3E51C1A-2490-4A25-AFD7-0C824757E450}"/>
                 </a:ext>
               </a:extLst>
             </p:cNvPr>
@@ -5284,7 +5285,7 @@
           <p:cNvPr id="116" name="그룹 115">
             <a:extLst>
               <a:ext uri="{FF2B5EF4-FFF2-40B4-BE49-F238E27FC236}">
-                <a16:creationId xmlns:a16="http://schemas.microsoft.com/office/drawing/2014/main" id="{625D9515-63A3-49D8-B611-9F1D8AA77525}"/>
+                <a16:creationId xmlns:a16="http://schemas.microsoft.com/office/drawing/2014/main" xmlns="" id="{625D9515-63A3-49D8-B611-9F1D8AA77525}"/>
               </a:ext>
             </a:extLst>
           </p:cNvPr>
@@ -5304,7 +5305,7 @@
             <p:cNvPr id="79" name="TextBox 78">
               <a:extLst>
                 <a:ext uri="{FF2B5EF4-FFF2-40B4-BE49-F238E27FC236}">
-                  <a16:creationId xmlns:a16="http://schemas.microsoft.com/office/drawing/2014/main" id="{491FE846-ABD0-46A0-A00F-01E8A32677FB}"/>
+                  <a16:creationId xmlns:a16="http://schemas.microsoft.com/office/drawing/2014/main" xmlns="" id="{491FE846-ABD0-46A0-A00F-01E8A32677FB}"/>
                 </a:ext>
               </a:extLst>
             </p:cNvPr>
@@ -5340,7 +5341,7 @@
             <p:cNvPr id="80" name="TextBox 79">
               <a:extLst>
                 <a:ext uri="{FF2B5EF4-FFF2-40B4-BE49-F238E27FC236}">
-                  <a16:creationId xmlns:a16="http://schemas.microsoft.com/office/drawing/2014/main" id="{2F715FC4-4108-4A9C-8964-129601A9FCA9}"/>
+                  <a16:creationId xmlns:a16="http://schemas.microsoft.com/office/drawing/2014/main" xmlns="" id="{2F715FC4-4108-4A9C-8964-129601A9FCA9}"/>
                 </a:ext>
               </a:extLst>
             </p:cNvPr>
@@ -5376,7 +5377,7 @@
             <p:cNvPr id="81" name="TextBox 80">
               <a:extLst>
                 <a:ext uri="{FF2B5EF4-FFF2-40B4-BE49-F238E27FC236}">
-                  <a16:creationId xmlns:a16="http://schemas.microsoft.com/office/drawing/2014/main" id="{E0C3188C-F65C-414D-B785-E1997524F7AF}"/>
+                  <a16:creationId xmlns:a16="http://schemas.microsoft.com/office/drawing/2014/main" xmlns="" id="{E0C3188C-F65C-414D-B785-E1997524F7AF}"/>
                 </a:ext>
               </a:extLst>
             </p:cNvPr>
@@ -5412,7 +5413,7 @@
             <p:cNvPr id="82" name="TextBox 81">
               <a:extLst>
                 <a:ext uri="{FF2B5EF4-FFF2-40B4-BE49-F238E27FC236}">
-                  <a16:creationId xmlns:a16="http://schemas.microsoft.com/office/drawing/2014/main" id="{C6A6E4E6-25B1-4E76-8DB6-92BAD323A70A}"/>
+                  <a16:creationId xmlns:a16="http://schemas.microsoft.com/office/drawing/2014/main" xmlns="" id="{C6A6E4E6-25B1-4E76-8DB6-92BAD323A70A}"/>
                 </a:ext>
               </a:extLst>
             </p:cNvPr>
@@ -5448,7 +5449,7 @@
             <p:cNvPr id="83" name="TextBox 82">
               <a:extLst>
                 <a:ext uri="{FF2B5EF4-FFF2-40B4-BE49-F238E27FC236}">
-                  <a16:creationId xmlns:a16="http://schemas.microsoft.com/office/drawing/2014/main" id="{011F198F-5EAD-4957-B18B-B5E295DD10D5}"/>
+                  <a16:creationId xmlns:a16="http://schemas.microsoft.com/office/drawing/2014/main" xmlns="" id="{011F198F-5EAD-4957-B18B-B5E295DD10D5}"/>
                 </a:ext>
               </a:extLst>
             </p:cNvPr>
@@ -5485,7 +5486,7 @@
           <p:cNvPr id="117" name="그룹 116">
             <a:extLst>
               <a:ext uri="{FF2B5EF4-FFF2-40B4-BE49-F238E27FC236}">
-                <a16:creationId xmlns:a16="http://schemas.microsoft.com/office/drawing/2014/main" id="{BCC5F310-8A68-472E-AE24-62D06259B93A}"/>
+                <a16:creationId xmlns:a16="http://schemas.microsoft.com/office/drawing/2014/main" xmlns="" id="{BCC5F310-8A68-472E-AE24-62D06259B93A}"/>
               </a:ext>
             </a:extLst>
           </p:cNvPr>
@@ -5505,7 +5506,7 @@
             <p:cNvPr id="85" name="TextBox 84">
               <a:extLst>
                 <a:ext uri="{FF2B5EF4-FFF2-40B4-BE49-F238E27FC236}">
-                  <a16:creationId xmlns:a16="http://schemas.microsoft.com/office/drawing/2014/main" id="{83939B7A-228D-492A-BD16-132C5975A580}"/>
+                  <a16:creationId xmlns:a16="http://schemas.microsoft.com/office/drawing/2014/main" xmlns="" id="{83939B7A-228D-492A-BD16-132C5975A580}"/>
                 </a:ext>
               </a:extLst>
             </p:cNvPr>
@@ -5541,7 +5542,7 @@
             <p:cNvPr id="86" name="TextBox 85">
               <a:extLst>
                 <a:ext uri="{FF2B5EF4-FFF2-40B4-BE49-F238E27FC236}">
-                  <a16:creationId xmlns:a16="http://schemas.microsoft.com/office/drawing/2014/main" id="{42ADFA00-3010-4558-9AC9-3D4FD4BA8D24}"/>
+                  <a16:creationId xmlns:a16="http://schemas.microsoft.com/office/drawing/2014/main" xmlns="" id="{42ADFA00-3010-4558-9AC9-3D4FD4BA8D24}"/>
                 </a:ext>
               </a:extLst>
             </p:cNvPr>
@@ -5577,7 +5578,7 @@
             <p:cNvPr id="87" name="TextBox 86">
               <a:extLst>
                 <a:ext uri="{FF2B5EF4-FFF2-40B4-BE49-F238E27FC236}">
-                  <a16:creationId xmlns:a16="http://schemas.microsoft.com/office/drawing/2014/main" id="{B0B15821-A446-47B9-BD5C-9A72870A3E66}"/>
+                  <a16:creationId xmlns:a16="http://schemas.microsoft.com/office/drawing/2014/main" xmlns="" id="{B0B15821-A446-47B9-BD5C-9A72870A3E66}"/>
                 </a:ext>
               </a:extLst>
             </p:cNvPr>
@@ -5613,7 +5614,7 @@
             <p:cNvPr id="88" name="TextBox 87">
               <a:extLst>
                 <a:ext uri="{FF2B5EF4-FFF2-40B4-BE49-F238E27FC236}">
-                  <a16:creationId xmlns:a16="http://schemas.microsoft.com/office/drawing/2014/main" id="{A0EC659D-854D-41D8-9D14-6ECD83413F6D}"/>
+                  <a16:creationId xmlns:a16="http://schemas.microsoft.com/office/drawing/2014/main" xmlns="" id="{A0EC659D-854D-41D8-9D14-6ECD83413F6D}"/>
                 </a:ext>
               </a:extLst>
             </p:cNvPr>
@@ -5649,7 +5650,7 @@
             <p:cNvPr id="89" name="TextBox 88">
               <a:extLst>
                 <a:ext uri="{FF2B5EF4-FFF2-40B4-BE49-F238E27FC236}">
-                  <a16:creationId xmlns:a16="http://schemas.microsoft.com/office/drawing/2014/main" id="{EDE6DD10-1709-47FB-90C4-BC27EEB99F36}"/>
+                  <a16:creationId xmlns:a16="http://schemas.microsoft.com/office/drawing/2014/main" xmlns="" id="{EDE6DD10-1709-47FB-90C4-BC27EEB99F36}"/>
                 </a:ext>
               </a:extLst>
             </p:cNvPr>
@@ -5686,7 +5687,7 @@
           <p:cNvPr id="91" name="화살표: 왼쪽/오른쪽 90">
             <a:extLst>
               <a:ext uri="{FF2B5EF4-FFF2-40B4-BE49-F238E27FC236}">
-                <a16:creationId xmlns:a16="http://schemas.microsoft.com/office/drawing/2014/main" id="{42C328BC-27F1-4CC1-81AA-FE556AD19F03}"/>
+                <a16:creationId xmlns:a16="http://schemas.microsoft.com/office/drawing/2014/main" xmlns="" id="{42C328BC-27F1-4CC1-81AA-FE556AD19F03}"/>
               </a:ext>
             </a:extLst>
           </p:cNvPr>
@@ -5740,7 +5741,7 @@
           <p:cNvPr id="235" name="그룹 234">
             <a:extLst>
               <a:ext uri="{FF2B5EF4-FFF2-40B4-BE49-F238E27FC236}">
-                <a16:creationId xmlns:a16="http://schemas.microsoft.com/office/drawing/2014/main" id="{D1B994E3-AB33-46C9-BAB3-1DCDD71EA857}"/>
+                <a16:creationId xmlns:a16="http://schemas.microsoft.com/office/drawing/2014/main" xmlns="" id="{D1B994E3-AB33-46C9-BAB3-1DCDD71EA857}"/>
               </a:ext>
             </a:extLst>
           </p:cNvPr>
@@ -5762,7 +5763,7 @@
                 <p:cNvPr id="118" name="TextBox 117">
                   <a:extLst>
                     <a:ext uri="{FF2B5EF4-FFF2-40B4-BE49-F238E27FC236}">
-                      <a16:creationId xmlns:a16="http://schemas.microsoft.com/office/drawing/2014/main" id="{6FE1340E-266C-4D65-A51C-01929FBD1968}"/>
+                      <a16:creationId xmlns:a16="http://schemas.microsoft.com/office/drawing/2014/main" xmlns="" id="{6FE1340E-266C-4D65-A51C-01929FBD1968}"/>
                     </a:ext>
                   </a:extLst>
                 </p:cNvPr>
@@ -5858,7 +5859,7 @@
                 <p:cNvPr id="120" name="TextBox 119">
                   <a:extLst>
                     <a:ext uri="{FF2B5EF4-FFF2-40B4-BE49-F238E27FC236}">
-                      <a16:creationId xmlns:a16="http://schemas.microsoft.com/office/drawing/2014/main" id="{210994FE-0708-46C1-A386-D472076EBB97}"/>
+                      <a16:creationId xmlns:a16="http://schemas.microsoft.com/office/drawing/2014/main" xmlns="" id="{210994FE-0708-46C1-A386-D472076EBB97}"/>
                     </a:ext>
                   </a:extLst>
                 </p:cNvPr>
@@ -5954,7 +5955,7 @@
                 <p:cNvPr id="121" name="TextBox 120">
                   <a:extLst>
                     <a:ext uri="{FF2B5EF4-FFF2-40B4-BE49-F238E27FC236}">
-                      <a16:creationId xmlns:a16="http://schemas.microsoft.com/office/drawing/2014/main" id="{C2ECF1D7-C777-4D83-A7E4-04ECD8C16826}"/>
+                      <a16:creationId xmlns:a16="http://schemas.microsoft.com/office/drawing/2014/main" xmlns="" id="{C2ECF1D7-C777-4D83-A7E4-04ECD8C16826}"/>
                     </a:ext>
                   </a:extLst>
                 </p:cNvPr>
@@ -6048,7 +6049,7 @@
             <p:cNvPr id="122" name="그룹 121">
               <a:extLst>
                 <a:ext uri="{FF2B5EF4-FFF2-40B4-BE49-F238E27FC236}">
-                  <a16:creationId xmlns:a16="http://schemas.microsoft.com/office/drawing/2014/main" id="{C780CD6E-23B8-4D1C-B9CA-A09CB2B44F1D}"/>
+                  <a16:creationId xmlns:a16="http://schemas.microsoft.com/office/drawing/2014/main" xmlns="" id="{C780CD6E-23B8-4D1C-B9CA-A09CB2B44F1D}"/>
                 </a:ext>
               </a:extLst>
             </p:cNvPr>
@@ -6068,7 +6069,7 @@
               <p:cNvPr id="123" name="TextBox 122">
                 <a:extLst>
                   <a:ext uri="{FF2B5EF4-FFF2-40B4-BE49-F238E27FC236}">
-                    <a16:creationId xmlns:a16="http://schemas.microsoft.com/office/drawing/2014/main" id="{DFC572D4-E01F-40E5-AC46-049B12B33C20}"/>
+                    <a16:creationId xmlns:a16="http://schemas.microsoft.com/office/drawing/2014/main" xmlns="" id="{DFC572D4-E01F-40E5-AC46-049B12B33C20}"/>
                   </a:ext>
                 </a:extLst>
               </p:cNvPr>
@@ -6104,7 +6105,7 @@
               <p:cNvPr id="124" name="TextBox 123">
                 <a:extLst>
                   <a:ext uri="{FF2B5EF4-FFF2-40B4-BE49-F238E27FC236}">
-                    <a16:creationId xmlns:a16="http://schemas.microsoft.com/office/drawing/2014/main" id="{61C0AC2D-D606-4216-B535-92C33F87F9AC}"/>
+                    <a16:creationId xmlns:a16="http://schemas.microsoft.com/office/drawing/2014/main" xmlns="" id="{61C0AC2D-D606-4216-B535-92C33F87F9AC}"/>
                   </a:ext>
                 </a:extLst>
               </p:cNvPr>
@@ -6140,7 +6141,7 @@
               <p:cNvPr id="125" name="TextBox 124">
                 <a:extLst>
                   <a:ext uri="{FF2B5EF4-FFF2-40B4-BE49-F238E27FC236}">
-                    <a16:creationId xmlns:a16="http://schemas.microsoft.com/office/drawing/2014/main" id="{94867A14-4D0C-4192-AA17-1AD8986327B2}"/>
+                    <a16:creationId xmlns:a16="http://schemas.microsoft.com/office/drawing/2014/main" xmlns="" id="{94867A14-4D0C-4192-AA17-1AD8986327B2}"/>
                   </a:ext>
                 </a:extLst>
               </p:cNvPr>
@@ -6176,7 +6177,7 @@
               <p:cNvPr id="126" name="TextBox 125">
                 <a:extLst>
                   <a:ext uri="{FF2B5EF4-FFF2-40B4-BE49-F238E27FC236}">
-                    <a16:creationId xmlns:a16="http://schemas.microsoft.com/office/drawing/2014/main" id="{32D36745-12B2-4C21-B85D-283E612F9BBF}"/>
+                    <a16:creationId xmlns:a16="http://schemas.microsoft.com/office/drawing/2014/main" xmlns="" id="{32D36745-12B2-4C21-B85D-283E612F9BBF}"/>
                   </a:ext>
                 </a:extLst>
               </p:cNvPr>
@@ -6212,7 +6213,7 @@
               <p:cNvPr id="127" name="TextBox 126">
                 <a:extLst>
                   <a:ext uri="{FF2B5EF4-FFF2-40B4-BE49-F238E27FC236}">
-                    <a16:creationId xmlns:a16="http://schemas.microsoft.com/office/drawing/2014/main" id="{072F5B5C-1D42-4301-8603-F16E8D544EE3}"/>
+                    <a16:creationId xmlns:a16="http://schemas.microsoft.com/office/drawing/2014/main" xmlns="" id="{072F5B5C-1D42-4301-8603-F16E8D544EE3}"/>
                   </a:ext>
                 </a:extLst>
               </p:cNvPr>
@@ -6249,7 +6250,7 @@
             <p:cNvPr id="128" name="그룹 127">
               <a:extLst>
                 <a:ext uri="{FF2B5EF4-FFF2-40B4-BE49-F238E27FC236}">
-                  <a16:creationId xmlns:a16="http://schemas.microsoft.com/office/drawing/2014/main" id="{E648A8FE-95F5-48F4-93C0-94DB5DE10CDC}"/>
+                  <a16:creationId xmlns:a16="http://schemas.microsoft.com/office/drawing/2014/main" xmlns="" id="{E648A8FE-95F5-48F4-93C0-94DB5DE10CDC}"/>
                 </a:ext>
               </a:extLst>
             </p:cNvPr>
@@ -6269,7 +6270,7 @@
               <p:cNvPr id="129" name="직선 연결선 128">
                 <a:extLst>
                   <a:ext uri="{FF2B5EF4-FFF2-40B4-BE49-F238E27FC236}">
-                    <a16:creationId xmlns:a16="http://schemas.microsoft.com/office/drawing/2014/main" id="{DFEFD585-A561-4C61-A065-F53C6A6E4294}"/>
+                    <a16:creationId xmlns:a16="http://schemas.microsoft.com/office/drawing/2014/main" xmlns="" id="{DFEFD585-A561-4C61-A065-F53C6A6E4294}"/>
                   </a:ext>
                 </a:extLst>
               </p:cNvPr>
@@ -6306,7 +6307,7 @@
               <p:cNvPr id="130" name="직선 연결선 129">
                 <a:extLst>
                   <a:ext uri="{FF2B5EF4-FFF2-40B4-BE49-F238E27FC236}">
-                    <a16:creationId xmlns:a16="http://schemas.microsoft.com/office/drawing/2014/main" id="{E093B3F3-7E4F-4ADD-93C4-13E3506C24E2}"/>
+                    <a16:creationId xmlns:a16="http://schemas.microsoft.com/office/drawing/2014/main" xmlns="" id="{E093B3F3-7E4F-4ADD-93C4-13E3506C24E2}"/>
                   </a:ext>
                 </a:extLst>
               </p:cNvPr>
@@ -6343,7 +6344,7 @@
               <p:cNvPr id="131" name="직선 연결선 130">
                 <a:extLst>
                   <a:ext uri="{FF2B5EF4-FFF2-40B4-BE49-F238E27FC236}">
-                    <a16:creationId xmlns:a16="http://schemas.microsoft.com/office/drawing/2014/main" id="{47A2FCDA-2274-4370-AC9F-85FB18B6A5C4}"/>
+                    <a16:creationId xmlns:a16="http://schemas.microsoft.com/office/drawing/2014/main" xmlns="" id="{47A2FCDA-2274-4370-AC9F-85FB18B6A5C4}"/>
                   </a:ext>
                 </a:extLst>
               </p:cNvPr>
@@ -6381,7 +6382,7 @@
             <p:cNvPr id="132" name="그룹 131">
               <a:extLst>
                 <a:ext uri="{FF2B5EF4-FFF2-40B4-BE49-F238E27FC236}">
-                  <a16:creationId xmlns:a16="http://schemas.microsoft.com/office/drawing/2014/main" id="{0FB6D474-3407-4D4E-9A58-E72B830D759F}"/>
+                  <a16:creationId xmlns:a16="http://schemas.microsoft.com/office/drawing/2014/main" xmlns="" id="{0FB6D474-3407-4D4E-9A58-E72B830D759F}"/>
                 </a:ext>
               </a:extLst>
             </p:cNvPr>
@@ -6401,7 +6402,7 @@
               <p:cNvPr id="133" name="직선 연결선 132">
                 <a:extLst>
                   <a:ext uri="{FF2B5EF4-FFF2-40B4-BE49-F238E27FC236}">
-                    <a16:creationId xmlns:a16="http://schemas.microsoft.com/office/drawing/2014/main" id="{3BECF82B-6358-478F-885C-8CF817CA1525}"/>
+                    <a16:creationId xmlns:a16="http://schemas.microsoft.com/office/drawing/2014/main" xmlns="" id="{3BECF82B-6358-478F-885C-8CF817CA1525}"/>
                   </a:ext>
                 </a:extLst>
               </p:cNvPr>
@@ -6438,7 +6439,7 @@
               <p:cNvPr id="134" name="직선 연결선 133">
                 <a:extLst>
                   <a:ext uri="{FF2B5EF4-FFF2-40B4-BE49-F238E27FC236}">
-                    <a16:creationId xmlns:a16="http://schemas.microsoft.com/office/drawing/2014/main" id="{B7C927B1-BA1B-4054-8D98-23BAE8529F41}"/>
+                    <a16:creationId xmlns:a16="http://schemas.microsoft.com/office/drawing/2014/main" xmlns="" id="{B7C927B1-BA1B-4054-8D98-23BAE8529F41}"/>
                   </a:ext>
                 </a:extLst>
               </p:cNvPr>
@@ -6475,7 +6476,7 @@
               <p:cNvPr id="135" name="직선 연결선 134">
                 <a:extLst>
                   <a:ext uri="{FF2B5EF4-FFF2-40B4-BE49-F238E27FC236}">
-                    <a16:creationId xmlns:a16="http://schemas.microsoft.com/office/drawing/2014/main" id="{3AAB4DBC-33B4-4F1B-84CF-13DBDD61862A}"/>
+                    <a16:creationId xmlns:a16="http://schemas.microsoft.com/office/drawing/2014/main" xmlns="" id="{3AAB4DBC-33B4-4F1B-84CF-13DBDD61862A}"/>
                   </a:ext>
                 </a:extLst>
               </p:cNvPr>
@@ -6513,7 +6514,7 @@
             <p:cNvPr id="136" name="직사각형 135">
               <a:extLst>
                 <a:ext uri="{FF2B5EF4-FFF2-40B4-BE49-F238E27FC236}">
-                  <a16:creationId xmlns:a16="http://schemas.microsoft.com/office/drawing/2014/main" id="{F32B3D64-D506-4E80-9EFE-3BD426EC6F1A}"/>
+                  <a16:creationId xmlns:a16="http://schemas.microsoft.com/office/drawing/2014/main" xmlns="" id="{F32B3D64-D506-4E80-9EFE-3BD426EC6F1A}"/>
                 </a:ext>
               </a:extLst>
             </p:cNvPr>
@@ -6566,7 +6567,7 @@
           <p:cNvPr id="176" name="그룹 175">
             <a:extLst>
               <a:ext uri="{FF2B5EF4-FFF2-40B4-BE49-F238E27FC236}">
-                <a16:creationId xmlns:a16="http://schemas.microsoft.com/office/drawing/2014/main" id="{A1477181-3F51-433A-BEE2-8754976F71F1}"/>
+                <a16:creationId xmlns:a16="http://schemas.microsoft.com/office/drawing/2014/main" xmlns="" id="{A1477181-3F51-433A-BEE2-8754976F71F1}"/>
               </a:ext>
             </a:extLst>
           </p:cNvPr>
@@ -6588,7 +6589,7 @@
                 <p:cNvPr id="140" name="TextBox 139">
                   <a:extLst>
                     <a:ext uri="{FF2B5EF4-FFF2-40B4-BE49-F238E27FC236}">
-                      <a16:creationId xmlns:a16="http://schemas.microsoft.com/office/drawing/2014/main" id="{7A4CC2A5-E147-471C-84FF-F6A34A071FA4}"/>
+                      <a16:creationId xmlns:a16="http://schemas.microsoft.com/office/drawing/2014/main" xmlns="" id="{7A4CC2A5-E147-471C-84FF-F6A34A071FA4}"/>
                     </a:ext>
                   </a:extLst>
                 </p:cNvPr>
@@ -6684,7 +6685,7 @@
                 <p:cNvPr id="141" name="TextBox 140">
                   <a:extLst>
                     <a:ext uri="{FF2B5EF4-FFF2-40B4-BE49-F238E27FC236}">
-                      <a16:creationId xmlns:a16="http://schemas.microsoft.com/office/drawing/2014/main" id="{410CB433-F2C9-42F9-951D-93F0E91F7B5D}"/>
+                      <a16:creationId xmlns:a16="http://schemas.microsoft.com/office/drawing/2014/main" xmlns="" id="{410CB433-F2C9-42F9-951D-93F0E91F7B5D}"/>
                     </a:ext>
                   </a:extLst>
                 </p:cNvPr>
@@ -6780,7 +6781,7 @@
                 <p:cNvPr id="142" name="TextBox 141">
                   <a:extLst>
                     <a:ext uri="{FF2B5EF4-FFF2-40B4-BE49-F238E27FC236}">
-                      <a16:creationId xmlns:a16="http://schemas.microsoft.com/office/drawing/2014/main" id="{0433A8B7-E265-411C-9E7B-7B27688E7BC6}"/>
+                      <a16:creationId xmlns:a16="http://schemas.microsoft.com/office/drawing/2014/main" xmlns="" id="{0433A8B7-E265-411C-9E7B-7B27688E7BC6}"/>
                     </a:ext>
                   </a:extLst>
                 </p:cNvPr>
@@ -6874,7 +6875,7 @@
             <p:cNvPr id="143" name="그룹 142">
               <a:extLst>
                 <a:ext uri="{FF2B5EF4-FFF2-40B4-BE49-F238E27FC236}">
-                  <a16:creationId xmlns:a16="http://schemas.microsoft.com/office/drawing/2014/main" id="{2BA1F672-9CD3-4F90-AEF1-31F5858A64FF}"/>
+                  <a16:creationId xmlns:a16="http://schemas.microsoft.com/office/drawing/2014/main" xmlns="" id="{2BA1F672-9CD3-4F90-AEF1-31F5858A64FF}"/>
                 </a:ext>
               </a:extLst>
             </p:cNvPr>
@@ -6894,7 +6895,7 @@
               <p:cNvPr id="144" name="TextBox 143">
                 <a:extLst>
                   <a:ext uri="{FF2B5EF4-FFF2-40B4-BE49-F238E27FC236}">
-                    <a16:creationId xmlns:a16="http://schemas.microsoft.com/office/drawing/2014/main" id="{E359E037-F09D-47C4-A106-99BBD9FDA6B0}"/>
+                    <a16:creationId xmlns:a16="http://schemas.microsoft.com/office/drawing/2014/main" xmlns="" id="{E359E037-F09D-47C4-A106-99BBD9FDA6B0}"/>
                   </a:ext>
                 </a:extLst>
               </p:cNvPr>
@@ -6930,7 +6931,7 @@
               <p:cNvPr id="145" name="TextBox 144">
                 <a:extLst>
                   <a:ext uri="{FF2B5EF4-FFF2-40B4-BE49-F238E27FC236}">
-                    <a16:creationId xmlns:a16="http://schemas.microsoft.com/office/drawing/2014/main" id="{748230A5-D255-4703-A8EA-8B2F3B3B3D94}"/>
+                    <a16:creationId xmlns:a16="http://schemas.microsoft.com/office/drawing/2014/main" xmlns="" id="{748230A5-D255-4703-A8EA-8B2F3B3B3D94}"/>
                   </a:ext>
                 </a:extLst>
               </p:cNvPr>
@@ -6966,7 +6967,7 @@
               <p:cNvPr id="146" name="TextBox 145">
                 <a:extLst>
                   <a:ext uri="{FF2B5EF4-FFF2-40B4-BE49-F238E27FC236}">
-                    <a16:creationId xmlns:a16="http://schemas.microsoft.com/office/drawing/2014/main" id="{AF657249-EE77-4BE8-A880-5D264AA9A252}"/>
+                    <a16:creationId xmlns:a16="http://schemas.microsoft.com/office/drawing/2014/main" xmlns="" id="{AF657249-EE77-4BE8-A880-5D264AA9A252}"/>
                   </a:ext>
                 </a:extLst>
               </p:cNvPr>
@@ -7002,7 +7003,7 @@
               <p:cNvPr id="147" name="TextBox 146">
                 <a:extLst>
                   <a:ext uri="{FF2B5EF4-FFF2-40B4-BE49-F238E27FC236}">
-                    <a16:creationId xmlns:a16="http://schemas.microsoft.com/office/drawing/2014/main" id="{A69CB3D8-FBC7-40A2-B507-A8D361E54723}"/>
+                    <a16:creationId xmlns:a16="http://schemas.microsoft.com/office/drawing/2014/main" xmlns="" id="{A69CB3D8-FBC7-40A2-B507-A8D361E54723}"/>
                   </a:ext>
                 </a:extLst>
               </p:cNvPr>
@@ -7038,7 +7039,7 @@
               <p:cNvPr id="148" name="TextBox 147">
                 <a:extLst>
                   <a:ext uri="{FF2B5EF4-FFF2-40B4-BE49-F238E27FC236}">
-                    <a16:creationId xmlns:a16="http://schemas.microsoft.com/office/drawing/2014/main" id="{57E1FC30-1150-4616-AB0F-ADBD6A3F4259}"/>
+                    <a16:creationId xmlns:a16="http://schemas.microsoft.com/office/drawing/2014/main" xmlns="" id="{57E1FC30-1150-4616-AB0F-ADBD6A3F4259}"/>
                   </a:ext>
                 </a:extLst>
               </p:cNvPr>
@@ -7075,7 +7076,7 @@
             <p:cNvPr id="149" name="그룹 148">
               <a:extLst>
                 <a:ext uri="{FF2B5EF4-FFF2-40B4-BE49-F238E27FC236}">
-                  <a16:creationId xmlns:a16="http://schemas.microsoft.com/office/drawing/2014/main" id="{A326513D-36B3-4B9F-872C-A3BA597E0044}"/>
+                  <a16:creationId xmlns:a16="http://schemas.microsoft.com/office/drawing/2014/main" xmlns="" id="{A326513D-36B3-4B9F-872C-A3BA597E0044}"/>
                 </a:ext>
               </a:extLst>
             </p:cNvPr>
@@ -7095,7 +7096,7 @@
               <p:cNvPr id="150" name="직선 연결선 149">
                 <a:extLst>
                   <a:ext uri="{FF2B5EF4-FFF2-40B4-BE49-F238E27FC236}">
-                    <a16:creationId xmlns:a16="http://schemas.microsoft.com/office/drawing/2014/main" id="{9BDD8409-4DA6-4D06-B39D-B377D1C834E6}"/>
+                    <a16:creationId xmlns:a16="http://schemas.microsoft.com/office/drawing/2014/main" xmlns="" id="{9BDD8409-4DA6-4D06-B39D-B377D1C834E6}"/>
                   </a:ext>
                 </a:extLst>
               </p:cNvPr>
@@ -7132,7 +7133,7 @@
               <p:cNvPr id="151" name="직선 연결선 150">
                 <a:extLst>
                   <a:ext uri="{FF2B5EF4-FFF2-40B4-BE49-F238E27FC236}">
-                    <a16:creationId xmlns:a16="http://schemas.microsoft.com/office/drawing/2014/main" id="{79E1C35D-0DA1-48A8-9232-E0D191EFFCDE}"/>
+                    <a16:creationId xmlns:a16="http://schemas.microsoft.com/office/drawing/2014/main" xmlns="" id="{79E1C35D-0DA1-48A8-9232-E0D191EFFCDE}"/>
                   </a:ext>
                 </a:extLst>
               </p:cNvPr>
@@ -7169,7 +7170,7 @@
               <p:cNvPr id="152" name="직선 연결선 151">
                 <a:extLst>
                   <a:ext uri="{FF2B5EF4-FFF2-40B4-BE49-F238E27FC236}">
-                    <a16:creationId xmlns:a16="http://schemas.microsoft.com/office/drawing/2014/main" id="{17EA9461-A4B0-4AFF-8766-103FBDD16571}"/>
+                    <a16:creationId xmlns:a16="http://schemas.microsoft.com/office/drawing/2014/main" xmlns="" id="{17EA9461-A4B0-4AFF-8766-103FBDD16571}"/>
                   </a:ext>
                 </a:extLst>
               </p:cNvPr>
@@ -7207,7 +7208,7 @@
             <p:cNvPr id="153" name="그룹 152">
               <a:extLst>
                 <a:ext uri="{FF2B5EF4-FFF2-40B4-BE49-F238E27FC236}">
-                  <a16:creationId xmlns:a16="http://schemas.microsoft.com/office/drawing/2014/main" id="{7D5C3A26-FDCE-458B-900A-112BEEC5DDDF}"/>
+                  <a16:creationId xmlns:a16="http://schemas.microsoft.com/office/drawing/2014/main" xmlns="" id="{7D5C3A26-FDCE-458B-900A-112BEEC5DDDF}"/>
                 </a:ext>
               </a:extLst>
             </p:cNvPr>
@@ -7227,7 +7228,7 @@
               <p:cNvPr id="154" name="직선 연결선 153">
                 <a:extLst>
                   <a:ext uri="{FF2B5EF4-FFF2-40B4-BE49-F238E27FC236}">
-                    <a16:creationId xmlns:a16="http://schemas.microsoft.com/office/drawing/2014/main" id="{F9D8567C-A988-4E8C-ABEB-C25ACFBF4C4D}"/>
+                    <a16:creationId xmlns:a16="http://schemas.microsoft.com/office/drawing/2014/main" xmlns="" id="{F9D8567C-A988-4E8C-ABEB-C25ACFBF4C4D}"/>
                   </a:ext>
                 </a:extLst>
               </p:cNvPr>
@@ -7264,7 +7265,7 @@
               <p:cNvPr id="155" name="직선 연결선 154">
                 <a:extLst>
                   <a:ext uri="{FF2B5EF4-FFF2-40B4-BE49-F238E27FC236}">
-                    <a16:creationId xmlns:a16="http://schemas.microsoft.com/office/drawing/2014/main" id="{596A3671-FD73-4051-8D0D-78508CAA0832}"/>
+                    <a16:creationId xmlns:a16="http://schemas.microsoft.com/office/drawing/2014/main" xmlns="" id="{596A3671-FD73-4051-8D0D-78508CAA0832}"/>
                   </a:ext>
                 </a:extLst>
               </p:cNvPr>
@@ -7301,7 +7302,7 @@
               <p:cNvPr id="156" name="직선 연결선 155">
                 <a:extLst>
                   <a:ext uri="{FF2B5EF4-FFF2-40B4-BE49-F238E27FC236}">
-                    <a16:creationId xmlns:a16="http://schemas.microsoft.com/office/drawing/2014/main" id="{9CC6710D-AE3E-42E6-B793-25988724753C}"/>
+                    <a16:creationId xmlns:a16="http://schemas.microsoft.com/office/drawing/2014/main" xmlns="" id="{9CC6710D-AE3E-42E6-B793-25988724753C}"/>
                   </a:ext>
                 </a:extLst>
               </p:cNvPr>
@@ -7339,7 +7340,7 @@
             <p:cNvPr id="157" name="직사각형 156">
               <a:extLst>
                 <a:ext uri="{FF2B5EF4-FFF2-40B4-BE49-F238E27FC236}">
-                  <a16:creationId xmlns:a16="http://schemas.microsoft.com/office/drawing/2014/main" id="{D14339D0-AEAD-4B14-9388-4B245569F81C}"/>
+                  <a16:creationId xmlns:a16="http://schemas.microsoft.com/office/drawing/2014/main" xmlns="" id="{D14339D0-AEAD-4B14-9388-4B245569F81C}"/>
                 </a:ext>
               </a:extLst>
             </p:cNvPr>
@@ -7392,7 +7393,7 @@
           <p:cNvPr id="196" name="그룹 195">
             <a:extLst>
               <a:ext uri="{FF2B5EF4-FFF2-40B4-BE49-F238E27FC236}">
-                <a16:creationId xmlns:a16="http://schemas.microsoft.com/office/drawing/2014/main" id="{91DE9A1E-ABE8-480D-8F41-F4D9326DFED2}"/>
+                <a16:creationId xmlns:a16="http://schemas.microsoft.com/office/drawing/2014/main" xmlns="" id="{91DE9A1E-ABE8-480D-8F41-F4D9326DFED2}"/>
               </a:ext>
             </a:extLst>
           </p:cNvPr>
@@ -7414,7 +7415,7 @@
                 <p:cNvPr id="178" name="TextBox 177">
                   <a:extLst>
                     <a:ext uri="{FF2B5EF4-FFF2-40B4-BE49-F238E27FC236}">
-                      <a16:creationId xmlns:a16="http://schemas.microsoft.com/office/drawing/2014/main" id="{34BCE373-436C-41D5-BDCB-5AB4944E9921}"/>
+                      <a16:creationId xmlns:a16="http://schemas.microsoft.com/office/drawing/2014/main" xmlns="" id="{34BCE373-436C-41D5-BDCB-5AB4944E9921}"/>
                     </a:ext>
                   </a:extLst>
                 </p:cNvPr>
@@ -7510,7 +7511,7 @@
                 <p:cNvPr id="179" name="TextBox 178">
                   <a:extLst>
                     <a:ext uri="{FF2B5EF4-FFF2-40B4-BE49-F238E27FC236}">
-                      <a16:creationId xmlns:a16="http://schemas.microsoft.com/office/drawing/2014/main" id="{09BC1ABE-E49B-4ED5-90DA-24D22F16B5A6}"/>
+                      <a16:creationId xmlns:a16="http://schemas.microsoft.com/office/drawing/2014/main" xmlns="" id="{09BC1ABE-E49B-4ED5-90DA-24D22F16B5A6}"/>
                     </a:ext>
                   </a:extLst>
                 </p:cNvPr>
@@ -7606,7 +7607,7 @@
                 <p:cNvPr id="180" name="TextBox 179">
                   <a:extLst>
                     <a:ext uri="{FF2B5EF4-FFF2-40B4-BE49-F238E27FC236}">
-                      <a16:creationId xmlns:a16="http://schemas.microsoft.com/office/drawing/2014/main" id="{2F10FB60-64E0-4668-9A87-2FBE4B7BBAAD}"/>
+                      <a16:creationId xmlns:a16="http://schemas.microsoft.com/office/drawing/2014/main" xmlns="" id="{2F10FB60-64E0-4668-9A87-2FBE4B7BBAAD}"/>
                     </a:ext>
                   </a:extLst>
                 </p:cNvPr>
@@ -7700,7 +7701,7 @@
             <p:cNvPr id="181" name="그룹 180">
               <a:extLst>
                 <a:ext uri="{FF2B5EF4-FFF2-40B4-BE49-F238E27FC236}">
-                  <a16:creationId xmlns:a16="http://schemas.microsoft.com/office/drawing/2014/main" id="{76C6F5E8-D04B-40AF-B850-7224A20D5EDB}"/>
+                  <a16:creationId xmlns:a16="http://schemas.microsoft.com/office/drawing/2014/main" xmlns="" id="{76C6F5E8-D04B-40AF-B850-7224A20D5EDB}"/>
                 </a:ext>
               </a:extLst>
             </p:cNvPr>
@@ -7720,7 +7721,7 @@
               <p:cNvPr id="191" name="TextBox 190">
                 <a:extLst>
                   <a:ext uri="{FF2B5EF4-FFF2-40B4-BE49-F238E27FC236}">
-                    <a16:creationId xmlns:a16="http://schemas.microsoft.com/office/drawing/2014/main" id="{4FF7BF3A-005C-464A-8887-DF891E7640B8}"/>
+                    <a16:creationId xmlns:a16="http://schemas.microsoft.com/office/drawing/2014/main" xmlns="" id="{4FF7BF3A-005C-464A-8887-DF891E7640B8}"/>
                   </a:ext>
                 </a:extLst>
               </p:cNvPr>
@@ -7756,7 +7757,7 @@
               <p:cNvPr id="192" name="TextBox 191">
                 <a:extLst>
                   <a:ext uri="{FF2B5EF4-FFF2-40B4-BE49-F238E27FC236}">
-                    <a16:creationId xmlns:a16="http://schemas.microsoft.com/office/drawing/2014/main" id="{E4BFE04A-4EA5-4769-BB48-90593C440BDC}"/>
+                    <a16:creationId xmlns:a16="http://schemas.microsoft.com/office/drawing/2014/main" xmlns="" id="{E4BFE04A-4EA5-4769-BB48-90593C440BDC}"/>
                   </a:ext>
                 </a:extLst>
               </p:cNvPr>
@@ -7792,7 +7793,7 @@
               <p:cNvPr id="193" name="TextBox 192">
                 <a:extLst>
                   <a:ext uri="{FF2B5EF4-FFF2-40B4-BE49-F238E27FC236}">
-                    <a16:creationId xmlns:a16="http://schemas.microsoft.com/office/drawing/2014/main" id="{F3C84539-5D4E-4E86-B2E7-9D81B126BBAF}"/>
+                    <a16:creationId xmlns:a16="http://schemas.microsoft.com/office/drawing/2014/main" xmlns="" id="{F3C84539-5D4E-4E86-B2E7-9D81B126BBAF}"/>
                   </a:ext>
                 </a:extLst>
               </p:cNvPr>
@@ -7828,7 +7829,7 @@
               <p:cNvPr id="194" name="TextBox 193">
                 <a:extLst>
                   <a:ext uri="{FF2B5EF4-FFF2-40B4-BE49-F238E27FC236}">
-                    <a16:creationId xmlns:a16="http://schemas.microsoft.com/office/drawing/2014/main" id="{C1F17F1A-7740-4362-8308-EDC81860A5BA}"/>
+                    <a16:creationId xmlns:a16="http://schemas.microsoft.com/office/drawing/2014/main" xmlns="" id="{C1F17F1A-7740-4362-8308-EDC81860A5BA}"/>
                   </a:ext>
                 </a:extLst>
               </p:cNvPr>
@@ -7864,7 +7865,7 @@
               <p:cNvPr id="195" name="TextBox 194">
                 <a:extLst>
                   <a:ext uri="{FF2B5EF4-FFF2-40B4-BE49-F238E27FC236}">
-                    <a16:creationId xmlns:a16="http://schemas.microsoft.com/office/drawing/2014/main" id="{6DC370A7-A552-4BFE-B7E0-A1C97728494E}"/>
+                    <a16:creationId xmlns:a16="http://schemas.microsoft.com/office/drawing/2014/main" xmlns="" id="{6DC370A7-A552-4BFE-B7E0-A1C97728494E}"/>
                   </a:ext>
                 </a:extLst>
               </p:cNvPr>
@@ -7901,7 +7902,7 @@
             <p:cNvPr id="182" name="그룹 181">
               <a:extLst>
                 <a:ext uri="{FF2B5EF4-FFF2-40B4-BE49-F238E27FC236}">
-                  <a16:creationId xmlns:a16="http://schemas.microsoft.com/office/drawing/2014/main" id="{9BBCFECF-276D-4ECD-BFA0-CF7F3DFD5262}"/>
+                  <a16:creationId xmlns:a16="http://schemas.microsoft.com/office/drawing/2014/main" xmlns="" id="{9BBCFECF-276D-4ECD-BFA0-CF7F3DFD5262}"/>
                 </a:ext>
               </a:extLst>
             </p:cNvPr>
@@ -7921,7 +7922,7 @@
               <p:cNvPr id="188" name="직선 연결선 187">
                 <a:extLst>
                   <a:ext uri="{FF2B5EF4-FFF2-40B4-BE49-F238E27FC236}">
-                    <a16:creationId xmlns:a16="http://schemas.microsoft.com/office/drawing/2014/main" id="{081215A8-258F-4F8F-B907-48DCE540CAF9}"/>
+                    <a16:creationId xmlns:a16="http://schemas.microsoft.com/office/drawing/2014/main" xmlns="" id="{081215A8-258F-4F8F-B907-48DCE540CAF9}"/>
                   </a:ext>
                 </a:extLst>
               </p:cNvPr>
@@ -7958,7 +7959,7 @@
               <p:cNvPr id="189" name="직선 연결선 188">
                 <a:extLst>
                   <a:ext uri="{FF2B5EF4-FFF2-40B4-BE49-F238E27FC236}">
-                    <a16:creationId xmlns:a16="http://schemas.microsoft.com/office/drawing/2014/main" id="{3BD2EC2A-E5F4-455E-8332-6BD88FB86887}"/>
+                    <a16:creationId xmlns:a16="http://schemas.microsoft.com/office/drawing/2014/main" xmlns="" id="{3BD2EC2A-E5F4-455E-8332-6BD88FB86887}"/>
                   </a:ext>
                 </a:extLst>
               </p:cNvPr>
@@ -7995,7 +7996,7 @@
               <p:cNvPr id="190" name="직선 연결선 189">
                 <a:extLst>
                   <a:ext uri="{FF2B5EF4-FFF2-40B4-BE49-F238E27FC236}">
-                    <a16:creationId xmlns:a16="http://schemas.microsoft.com/office/drawing/2014/main" id="{5B60AAF0-74CE-46B1-A96B-57F8A99BA3BB}"/>
+                    <a16:creationId xmlns:a16="http://schemas.microsoft.com/office/drawing/2014/main" xmlns="" id="{5B60AAF0-74CE-46B1-A96B-57F8A99BA3BB}"/>
                   </a:ext>
                 </a:extLst>
               </p:cNvPr>
@@ -8033,7 +8034,7 @@
             <p:cNvPr id="183" name="그룹 182">
               <a:extLst>
                 <a:ext uri="{FF2B5EF4-FFF2-40B4-BE49-F238E27FC236}">
-                  <a16:creationId xmlns:a16="http://schemas.microsoft.com/office/drawing/2014/main" id="{33E160BD-85E6-46F9-9CDF-C16AD86B4D16}"/>
+                  <a16:creationId xmlns:a16="http://schemas.microsoft.com/office/drawing/2014/main" xmlns="" id="{33E160BD-85E6-46F9-9CDF-C16AD86B4D16}"/>
                 </a:ext>
               </a:extLst>
             </p:cNvPr>
@@ -8053,7 +8054,7 @@
               <p:cNvPr id="185" name="직선 연결선 184">
                 <a:extLst>
                   <a:ext uri="{FF2B5EF4-FFF2-40B4-BE49-F238E27FC236}">
-                    <a16:creationId xmlns:a16="http://schemas.microsoft.com/office/drawing/2014/main" id="{69EFB300-A895-47E3-B9B7-4895314835CD}"/>
+                    <a16:creationId xmlns:a16="http://schemas.microsoft.com/office/drawing/2014/main" xmlns="" id="{69EFB300-A895-47E3-B9B7-4895314835CD}"/>
                   </a:ext>
                 </a:extLst>
               </p:cNvPr>
@@ -8090,7 +8091,7 @@
               <p:cNvPr id="186" name="직선 연결선 185">
                 <a:extLst>
                   <a:ext uri="{FF2B5EF4-FFF2-40B4-BE49-F238E27FC236}">
-                    <a16:creationId xmlns:a16="http://schemas.microsoft.com/office/drawing/2014/main" id="{A9E66D7F-1594-4C18-AC58-8FAFF2DDFC9F}"/>
+                    <a16:creationId xmlns:a16="http://schemas.microsoft.com/office/drawing/2014/main" xmlns="" id="{A9E66D7F-1594-4C18-AC58-8FAFF2DDFC9F}"/>
                   </a:ext>
                 </a:extLst>
               </p:cNvPr>
@@ -8127,7 +8128,7 @@
               <p:cNvPr id="187" name="직선 연결선 186">
                 <a:extLst>
                   <a:ext uri="{FF2B5EF4-FFF2-40B4-BE49-F238E27FC236}">
-                    <a16:creationId xmlns:a16="http://schemas.microsoft.com/office/drawing/2014/main" id="{D9592860-9FDC-4151-BC91-CD17FD5027E1}"/>
+                    <a16:creationId xmlns:a16="http://schemas.microsoft.com/office/drawing/2014/main" xmlns="" id="{D9592860-9FDC-4151-BC91-CD17FD5027E1}"/>
                   </a:ext>
                 </a:extLst>
               </p:cNvPr>
@@ -8165,7 +8166,7 @@
             <p:cNvPr id="184" name="직사각형 183">
               <a:extLst>
                 <a:ext uri="{FF2B5EF4-FFF2-40B4-BE49-F238E27FC236}">
-                  <a16:creationId xmlns:a16="http://schemas.microsoft.com/office/drawing/2014/main" id="{40C3BAA4-A43D-4C54-8476-C00104EE3043}"/>
+                  <a16:creationId xmlns:a16="http://schemas.microsoft.com/office/drawing/2014/main" xmlns="" id="{40C3BAA4-A43D-4C54-8476-C00104EE3043}"/>
                 </a:ext>
               </a:extLst>
             </p:cNvPr>
@@ -8218,7 +8219,7 @@
           <p:cNvPr id="236" name="그룹 235">
             <a:extLst>
               <a:ext uri="{FF2B5EF4-FFF2-40B4-BE49-F238E27FC236}">
-                <a16:creationId xmlns:a16="http://schemas.microsoft.com/office/drawing/2014/main" id="{C870881B-27E3-4018-9654-245E2280F9E0}"/>
+                <a16:creationId xmlns:a16="http://schemas.microsoft.com/office/drawing/2014/main" xmlns="" id="{C870881B-27E3-4018-9654-245E2280F9E0}"/>
               </a:ext>
             </a:extLst>
           </p:cNvPr>
@@ -8240,7 +8241,7 @@
                 <p:cNvPr id="197" name="TextBox 196">
                   <a:extLst>
                     <a:ext uri="{FF2B5EF4-FFF2-40B4-BE49-F238E27FC236}">
-                      <a16:creationId xmlns:a16="http://schemas.microsoft.com/office/drawing/2014/main" id="{83585CF3-74F2-4044-B665-CF259A3A3A1F}"/>
+                      <a16:creationId xmlns:a16="http://schemas.microsoft.com/office/drawing/2014/main" xmlns="" id="{83585CF3-74F2-4044-B665-CF259A3A3A1F}"/>
                     </a:ext>
                   </a:extLst>
                 </p:cNvPr>
@@ -8336,7 +8337,7 @@
                 <p:cNvPr id="198" name="TextBox 197">
                   <a:extLst>
                     <a:ext uri="{FF2B5EF4-FFF2-40B4-BE49-F238E27FC236}">
-                      <a16:creationId xmlns:a16="http://schemas.microsoft.com/office/drawing/2014/main" id="{6D5C6C66-E137-40F3-B6C6-AB9C90DE9EB5}"/>
+                      <a16:creationId xmlns:a16="http://schemas.microsoft.com/office/drawing/2014/main" xmlns="" id="{6D5C6C66-E137-40F3-B6C6-AB9C90DE9EB5}"/>
                     </a:ext>
                   </a:extLst>
                 </p:cNvPr>
@@ -8432,7 +8433,7 @@
                 <p:cNvPr id="199" name="TextBox 198">
                   <a:extLst>
                     <a:ext uri="{FF2B5EF4-FFF2-40B4-BE49-F238E27FC236}">
-                      <a16:creationId xmlns:a16="http://schemas.microsoft.com/office/drawing/2014/main" id="{67E78FD3-44D5-4074-8EA9-0D2FF619B46C}"/>
+                      <a16:creationId xmlns:a16="http://schemas.microsoft.com/office/drawing/2014/main" xmlns="" id="{67E78FD3-44D5-4074-8EA9-0D2FF619B46C}"/>
                     </a:ext>
                   </a:extLst>
                 </p:cNvPr>
@@ -8526,7 +8527,7 @@
             <p:cNvPr id="200" name="그룹 199">
               <a:extLst>
                 <a:ext uri="{FF2B5EF4-FFF2-40B4-BE49-F238E27FC236}">
-                  <a16:creationId xmlns:a16="http://schemas.microsoft.com/office/drawing/2014/main" id="{B075ECB1-5931-4EB2-BB5E-59EA4E72BDAA}"/>
+                  <a16:creationId xmlns:a16="http://schemas.microsoft.com/office/drawing/2014/main" xmlns="" id="{B075ECB1-5931-4EB2-BB5E-59EA4E72BDAA}"/>
                 </a:ext>
               </a:extLst>
             </p:cNvPr>
@@ -8546,7 +8547,7 @@
               <p:cNvPr id="201" name="TextBox 200">
                 <a:extLst>
                   <a:ext uri="{FF2B5EF4-FFF2-40B4-BE49-F238E27FC236}">
-                    <a16:creationId xmlns:a16="http://schemas.microsoft.com/office/drawing/2014/main" id="{F84F99B4-1B25-452F-82D4-7FE0388A4A76}"/>
+                    <a16:creationId xmlns:a16="http://schemas.microsoft.com/office/drawing/2014/main" xmlns="" id="{F84F99B4-1B25-452F-82D4-7FE0388A4A76}"/>
                   </a:ext>
                 </a:extLst>
               </p:cNvPr>
@@ -8582,7 +8583,7 @@
               <p:cNvPr id="202" name="TextBox 201">
                 <a:extLst>
                   <a:ext uri="{FF2B5EF4-FFF2-40B4-BE49-F238E27FC236}">
-                    <a16:creationId xmlns:a16="http://schemas.microsoft.com/office/drawing/2014/main" id="{94AD9141-72CD-4AC7-8E52-8CED4A7E3B23}"/>
+                    <a16:creationId xmlns:a16="http://schemas.microsoft.com/office/drawing/2014/main" xmlns="" id="{94AD9141-72CD-4AC7-8E52-8CED4A7E3B23}"/>
                   </a:ext>
                 </a:extLst>
               </p:cNvPr>
@@ -8618,7 +8619,7 @@
               <p:cNvPr id="203" name="TextBox 202">
                 <a:extLst>
                   <a:ext uri="{FF2B5EF4-FFF2-40B4-BE49-F238E27FC236}">
-                    <a16:creationId xmlns:a16="http://schemas.microsoft.com/office/drawing/2014/main" id="{A06952DA-CAB5-49B2-9FEA-31EE97FF24B4}"/>
+                    <a16:creationId xmlns:a16="http://schemas.microsoft.com/office/drawing/2014/main" xmlns="" id="{A06952DA-CAB5-49B2-9FEA-31EE97FF24B4}"/>
                   </a:ext>
                 </a:extLst>
               </p:cNvPr>
@@ -8654,7 +8655,7 @@
               <p:cNvPr id="204" name="TextBox 203">
                 <a:extLst>
                   <a:ext uri="{FF2B5EF4-FFF2-40B4-BE49-F238E27FC236}">
-                    <a16:creationId xmlns:a16="http://schemas.microsoft.com/office/drawing/2014/main" id="{37E7D89F-1267-402D-AB9E-5239513D0BAA}"/>
+                    <a16:creationId xmlns:a16="http://schemas.microsoft.com/office/drawing/2014/main" xmlns="" id="{37E7D89F-1267-402D-AB9E-5239513D0BAA}"/>
                   </a:ext>
                 </a:extLst>
               </p:cNvPr>
@@ -8690,7 +8691,7 @@
               <p:cNvPr id="205" name="TextBox 204">
                 <a:extLst>
                   <a:ext uri="{FF2B5EF4-FFF2-40B4-BE49-F238E27FC236}">
-                    <a16:creationId xmlns:a16="http://schemas.microsoft.com/office/drawing/2014/main" id="{3113BEA6-24DB-4BC6-B06A-47CFA478018B}"/>
+                    <a16:creationId xmlns:a16="http://schemas.microsoft.com/office/drawing/2014/main" xmlns="" id="{3113BEA6-24DB-4BC6-B06A-47CFA478018B}"/>
                   </a:ext>
                 </a:extLst>
               </p:cNvPr>
@@ -8727,7 +8728,7 @@
             <p:cNvPr id="206" name="그룹 205">
               <a:extLst>
                 <a:ext uri="{FF2B5EF4-FFF2-40B4-BE49-F238E27FC236}">
-                  <a16:creationId xmlns:a16="http://schemas.microsoft.com/office/drawing/2014/main" id="{036FA02D-B5A3-4A4B-A681-B20E3ADAE2C6}"/>
+                  <a16:creationId xmlns:a16="http://schemas.microsoft.com/office/drawing/2014/main" xmlns="" id="{036FA02D-B5A3-4A4B-A681-B20E3ADAE2C6}"/>
                 </a:ext>
               </a:extLst>
             </p:cNvPr>
@@ -8747,7 +8748,7 @@
               <p:cNvPr id="207" name="직선 연결선 206">
                 <a:extLst>
                   <a:ext uri="{FF2B5EF4-FFF2-40B4-BE49-F238E27FC236}">
-                    <a16:creationId xmlns:a16="http://schemas.microsoft.com/office/drawing/2014/main" id="{0FE3FFCE-E11E-4CC0-AD2C-C1D1E3F53897}"/>
+                    <a16:creationId xmlns:a16="http://schemas.microsoft.com/office/drawing/2014/main" xmlns="" id="{0FE3FFCE-E11E-4CC0-AD2C-C1D1E3F53897}"/>
                   </a:ext>
                 </a:extLst>
               </p:cNvPr>
@@ -8784,7 +8785,7 @@
               <p:cNvPr id="208" name="직선 연결선 207">
                 <a:extLst>
                   <a:ext uri="{FF2B5EF4-FFF2-40B4-BE49-F238E27FC236}">
-                    <a16:creationId xmlns:a16="http://schemas.microsoft.com/office/drawing/2014/main" id="{7D302ABE-1456-401D-84DE-0D0185C86379}"/>
+                    <a16:creationId xmlns:a16="http://schemas.microsoft.com/office/drawing/2014/main" xmlns="" id="{7D302ABE-1456-401D-84DE-0D0185C86379}"/>
                   </a:ext>
                 </a:extLst>
               </p:cNvPr>
@@ -8821,7 +8822,7 @@
               <p:cNvPr id="209" name="직선 연결선 208">
                 <a:extLst>
                   <a:ext uri="{FF2B5EF4-FFF2-40B4-BE49-F238E27FC236}">
-                    <a16:creationId xmlns:a16="http://schemas.microsoft.com/office/drawing/2014/main" id="{CF6BB88F-FEC7-4678-AA22-1052153DABAA}"/>
+                    <a16:creationId xmlns:a16="http://schemas.microsoft.com/office/drawing/2014/main" xmlns="" id="{CF6BB88F-FEC7-4678-AA22-1052153DABAA}"/>
                   </a:ext>
                 </a:extLst>
               </p:cNvPr>
@@ -8859,7 +8860,7 @@
             <p:cNvPr id="210" name="그룹 209">
               <a:extLst>
                 <a:ext uri="{FF2B5EF4-FFF2-40B4-BE49-F238E27FC236}">
-                  <a16:creationId xmlns:a16="http://schemas.microsoft.com/office/drawing/2014/main" id="{0FAF4110-98F8-4413-8D65-608F9A0425E9}"/>
+                  <a16:creationId xmlns:a16="http://schemas.microsoft.com/office/drawing/2014/main" xmlns="" id="{0FAF4110-98F8-4413-8D65-608F9A0425E9}"/>
                 </a:ext>
               </a:extLst>
             </p:cNvPr>
@@ -8879,7 +8880,7 @@
               <p:cNvPr id="211" name="직선 연결선 210">
                 <a:extLst>
                   <a:ext uri="{FF2B5EF4-FFF2-40B4-BE49-F238E27FC236}">
-                    <a16:creationId xmlns:a16="http://schemas.microsoft.com/office/drawing/2014/main" id="{3CAFB27D-337A-46F7-B11C-E4AF53D6348D}"/>
+                    <a16:creationId xmlns:a16="http://schemas.microsoft.com/office/drawing/2014/main" xmlns="" id="{3CAFB27D-337A-46F7-B11C-E4AF53D6348D}"/>
                   </a:ext>
                 </a:extLst>
               </p:cNvPr>
@@ -8916,7 +8917,7 @@
               <p:cNvPr id="212" name="직선 연결선 211">
                 <a:extLst>
                   <a:ext uri="{FF2B5EF4-FFF2-40B4-BE49-F238E27FC236}">
-                    <a16:creationId xmlns:a16="http://schemas.microsoft.com/office/drawing/2014/main" id="{391DB6FA-D938-47F4-8B15-EF096C7D3A7D}"/>
+                    <a16:creationId xmlns:a16="http://schemas.microsoft.com/office/drawing/2014/main" xmlns="" id="{391DB6FA-D938-47F4-8B15-EF096C7D3A7D}"/>
                   </a:ext>
                 </a:extLst>
               </p:cNvPr>
@@ -8953,7 +8954,7 @@
               <p:cNvPr id="213" name="직선 연결선 212">
                 <a:extLst>
                   <a:ext uri="{FF2B5EF4-FFF2-40B4-BE49-F238E27FC236}">
-                    <a16:creationId xmlns:a16="http://schemas.microsoft.com/office/drawing/2014/main" id="{95E0D726-63D1-4A70-B105-E3A1795133DE}"/>
+                    <a16:creationId xmlns:a16="http://schemas.microsoft.com/office/drawing/2014/main" xmlns="" id="{95E0D726-63D1-4A70-B105-E3A1795133DE}"/>
                   </a:ext>
                 </a:extLst>
               </p:cNvPr>
@@ -8991,7 +8992,7 @@
             <p:cNvPr id="214" name="직사각형 213">
               <a:extLst>
                 <a:ext uri="{FF2B5EF4-FFF2-40B4-BE49-F238E27FC236}">
-                  <a16:creationId xmlns:a16="http://schemas.microsoft.com/office/drawing/2014/main" id="{4D821294-A814-4DD4-8DBC-8CFAE6E27A3A}"/>
+                  <a16:creationId xmlns:a16="http://schemas.microsoft.com/office/drawing/2014/main" xmlns="" id="{4D821294-A814-4DD4-8DBC-8CFAE6E27A3A}"/>
                 </a:ext>
               </a:extLst>
             </p:cNvPr>
@@ -9044,7 +9045,7 @@
           <p:cNvPr id="216" name="그룹 215">
             <a:extLst>
               <a:ext uri="{FF2B5EF4-FFF2-40B4-BE49-F238E27FC236}">
-                <a16:creationId xmlns:a16="http://schemas.microsoft.com/office/drawing/2014/main" id="{76665929-34B2-4D81-B61E-D8524357B26A}"/>
+                <a16:creationId xmlns:a16="http://schemas.microsoft.com/office/drawing/2014/main" xmlns="" id="{76665929-34B2-4D81-B61E-D8524357B26A}"/>
               </a:ext>
             </a:extLst>
           </p:cNvPr>
@@ -9066,7 +9067,7 @@
                 <p:cNvPr id="217" name="TextBox 216">
                   <a:extLst>
                     <a:ext uri="{FF2B5EF4-FFF2-40B4-BE49-F238E27FC236}">
-                      <a16:creationId xmlns:a16="http://schemas.microsoft.com/office/drawing/2014/main" id="{DB3EEFEE-8C09-4C54-9D81-DEB0609310E3}"/>
+                      <a16:creationId xmlns:a16="http://schemas.microsoft.com/office/drawing/2014/main" xmlns="" id="{DB3EEFEE-8C09-4C54-9D81-DEB0609310E3}"/>
                     </a:ext>
                   </a:extLst>
                 </p:cNvPr>
@@ -9162,7 +9163,7 @@
                 <p:cNvPr id="218" name="TextBox 217">
                   <a:extLst>
                     <a:ext uri="{FF2B5EF4-FFF2-40B4-BE49-F238E27FC236}">
-                      <a16:creationId xmlns:a16="http://schemas.microsoft.com/office/drawing/2014/main" id="{34469F69-6CA2-43E6-99B8-CE4180D72D93}"/>
+                      <a16:creationId xmlns:a16="http://schemas.microsoft.com/office/drawing/2014/main" xmlns="" id="{34469F69-6CA2-43E6-99B8-CE4180D72D93}"/>
                     </a:ext>
                   </a:extLst>
                 </p:cNvPr>
@@ -9258,7 +9259,7 @@
                 <p:cNvPr id="219" name="TextBox 218">
                   <a:extLst>
                     <a:ext uri="{FF2B5EF4-FFF2-40B4-BE49-F238E27FC236}">
-                      <a16:creationId xmlns:a16="http://schemas.microsoft.com/office/drawing/2014/main" id="{AE0E9E3B-D269-4128-8AB6-5D89BE5A5940}"/>
+                      <a16:creationId xmlns:a16="http://schemas.microsoft.com/office/drawing/2014/main" xmlns="" id="{AE0E9E3B-D269-4128-8AB6-5D89BE5A5940}"/>
                     </a:ext>
                   </a:extLst>
                 </p:cNvPr>
@@ -9352,7 +9353,7 @@
             <p:cNvPr id="220" name="그룹 219">
               <a:extLst>
                 <a:ext uri="{FF2B5EF4-FFF2-40B4-BE49-F238E27FC236}">
-                  <a16:creationId xmlns:a16="http://schemas.microsoft.com/office/drawing/2014/main" id="{3C991B61-A90D-46C5-809C-ED000F59BBC2}"/>
+                  <a16:creationId xmlns:a16="http://schemas.microsoft.com/office/drawing/2014/main" xmlns="" id="{3C991B61-A90D-46C5-809C-ED000F59BBC2}"/>
                 </a:ext>
               </a:extLst>
             </p:cNvPr>
@@ -9372,7 +9373,7 @@
               <p:cNvPr id="230" name="TextBox 229">
                 <a:extLst>
                   <a:ext uri="{FF2B5EF4-FFF2-40B4-BE49-F238E27FC236}">
-                    <a16:creationId xmlns:a16="http://schemas.microsoft.com/office/drawing/2014/main" id="{AA535EC7-E21A-48EE-AEE6-909F64A9A90C}"/>
+                    <a16:creationId xmlns:a16="http://schemas.microsoft.com/office/drawing/2014/main" xmlns="" id="{AA535EC7-E21A-48EE-AEE6-909F64A9A90C}"/>
                   </a:ext>
                 </a:extLst>
               </p:cNvPr>
@@ -9408,7 +9409,7 @@
               <p:cNvPr id="231" name="TextBox 230">
                 <a:extLst>
                   <a:ext uri="{FF2B5EF4-FFF2-40B4-BE49-F238E27FC236}">
-                    <a16:creationId xmlns:a16="http://schemas.microsoft.com/office/drawing/2014/main" id="{870017CD-89D3-4BE1-8C11-74F52F92C169}"/>
+                    <a16:creationId xmlns:a16="http://schemas.microsoft.com/office/drawing/2014/main" xmlns="" id="{870017CD-89D3-4BE1-8C11-74F52F92C169}"/>
                   </a:ext>
                 </a:extLst>
               </p:cNvPr>
@@ -9444,7 +9445,7 @@
               <p:cNvPr id="232" name="TextBox 231">
                 <a:extLst>
                   <a:ext uri="{FF2B5EF4-FFF2-40B4-BE49-F238E27FC236}">
-                    <a16:creationId xmlns:a16="http://schemas.microsoft.com/office/drawing/2014/main" id="{1ADF1C3C-BF1F-4339-A4FB-0529EED3CE33}"/>
+                    <a16:creationId xmlns:a16="http://schemas.microsoft.com/office/drawing/2014/main" xmlns="" id="{1ADF1C3C-BF1F-4339-A4FB-0529EED3CE33}"/>
                   </a:ext>
                 </a:extLst>
               </p:cNvPr>
@@ -9480,7 +9481,7 @@
               <p:cNvPr id="233" name="TextBox 232">
                 <a:extLst>
                   <a:ext uri="{FF2B5EF4-FFF2-40B4-BE49-F238E27FC236}">
-                    <a16:creationId xmlns:a16="http://schemas.microsoft.com/office/drawing/2014/main" id="{4AB5038C-EC11-406D-A8C0-5EDB274721B1}"/>
+                    <a16:creationId xmlns:a16="http://schemas.microsoft.com/office/drawing/2014/main" xmlns="" id="{4AB5038C-EC11-406D-A8C0-5EDB274721B1}"/>
                   </a:ext>
                 </a:extLst>
               </p:cNvPr>
@@ -9516,7 +9517,7 @@
               <p:cNvPr id="234" name="TextBox 233">
                 <a:extLst>
                   <a:ext uri="{FF2B5EF4-FFF2-40B4-BE49-F238E27FC236}">
-                    <a16:creationId xmlns:a16="http://schemas.microsoft.com/office/drawing/2014/main" id="{BC918C86-31CC-41C4-8A72-14DB14F67D9E}"/>
+                    <a16:creationId xmlns:a16="http://schemas.microsoft.com/office/drawing/2014/main" xmlns="" id="{BC918C86-31CC-41C4-8A72-14DB14F67D9E}"/>
                   </a:ext>
                 </a:extLst>
               </p:cNvPr>
@@ -9553,7 +9554,7 @@
             <p:cNvPr id="221" name="그룹 220">
               <a:extLst>
                 <a:ext uri="{FF2B5EF4-FFF2-40B4-BE49-F238E27FC236}">
-                  <a16:creationId xmlns:a16="http://schemas.microsoft.com/office/drawing/2014/main" id="{DE733F1D-7A99-4BB1-A615-75089CA0CDE1}"/>
+                  <a16:creationId xmlns:a16="http://schemas.microsoft.com/office/drawing/2014/main" xmlns="" id="{DE733F1D-7A99-4BB1-A615-75089CA0CDE1}"/>
                 </a:ext>
               </a:extLst>
             </p:cNvPr>
@@ -9573,7 +9574,7 @@
               <p:cNvPr id="227" name="직선 연결선 226">
                 <a:extLst>
                   <a:ext uri="{FF2B5EF4-FFF2-40B4-BE49-F238E27FC236}">
-                    <a16:creationId xmlns:a16="http://schemas.microsoft.com/office/drawing/2014/main" id="{7141BF2C-F3E1-4C13-9184-E66CC105C8CA}"/>
+                    <a16:creationId xmlns:a16="http://schemas.microsoft.com/office/drawing/2014/main" xmlns="" id="{7141BF2C-F3E1-4C13-9184-E66CC105C8CA}"/>
                   </a:ext>
                 </a:extLst>
               </p:cNvPr>
@@ -9610,7 +9611,7 @@
               <p:cNvPr id="228" name="직선 연결선 227">
                 <a:extLst>
                   <a:ext uri="{FF2B5EF4-FFF2-40B4-BE49-F238E27FC236}">
-                    <a16:creationId xmlns:a16="http://schemas.microsoft.com/office/drawing/2014/main" id="{7AF2A51D-34E9-4C03-84FC-2149D75A4C57}"/>
+                    <a16:creationId xmlns:a16="http://schemas.microsoft.com/office/drawing/2014/main" xmlns="" id="{7AF2A51D-34E9-4C03-84FC-2149D75A4C57}"/>
                   </a:ext>
                 </a:extLst>
               </p:cNvPr>
@@ -9647,7 +9648,7 @@
               <p:cNvPr id="229" name="직선 연결선 228">
                 <a:extLst>
                   <a:ext uri="{FF2B5EF4-FFF2-40B4-BE49-F238E27FC236}">
-                    <a16:creationId xmlns:a16="http://schemas.microsoft.com/office/drawing/2014/main" id="{ABE778FD-938C-4D04-BFAA-F378201F5854}"/>
+                    <a16:creationId xmlns:a16="http://schemas.microsoft.com/office/drawing/2014/main" xmlns="" id="{ABE778FD-938C-4D04-BFAA-F378201F5854}"/>
                   </a:ext>
                 </a:extLst>
               </p:cNvPr>
@@ -9685,7 +9686,7 @@
             <p:cNvPr id="222" name="그룹 221">
               <a:extLst>
                 <a:ext uri="{FF2B5EF4-FFF2-40B4-BE49-F238E27FC236}">
-                  <a16:creationId xmlns:a16="http://schemas.microsoft.com/office/drawing/2014/main" id="{3B783D76-8BB5-4D71-A093-F724841268E0}"/>
+                  <a16:creationId xmlns:a16="http://schemas.microsoft.com/office/drawing/2014/main" xmlns="" id="{3B783D76-8BB5-4D71-A093-F724841268E0}"/>
                 </a:ext>
               </a:extLst>
             </p:cNvPr>
@@ -9705,7 +9706,7 @@
               <p:cNvPr id="224" name="직선 연결선 223">
                 <a:extLst>
                   <a:ext uri="{FF2B5EF4-FFF2-40B4-BE49-F238E27FC236}">
-                    <a16:creationId xmlns:a16="http://schemas.microsoft.com/office/drawing/2014/main" id="{0862FDEE-7BE8-4BE9-86A0-9ABD4FCC33EF}"/>
+                    <a16:creationId xmlns:a16="http://schemas.microsoft.com/office/drawing/2014/main" xmlns="" id="{0862FDEE-7BE8-4BE9-86A0-9ABD4FCC33EF}"/>
                   </a:ext>
                 </a:extLst>
               </p:cNvPr>
@@ -9742,7 +9743,7 @@
               <p:cNvPr id="225" name="직선 연결선 224">
                 <a:extLst>
                   <a:ext uri="{FF2B5EF4-FFF2-40B4-BE49-F238E27FC236}">
-                    <a16:creationId xmlns:a16="http://schemas.microsoft.com/office/drawing/2014/main" id="{691FA886-D69B-47A5-BB38-C1DF37604159}"/>
+                    <a16:creationId xmlns:a16="http://schemas.microsoft.com/office/drawing/2014/main" xmlns="" id="{691FA886-D69B-47A5-BB38-C1DF37604159}"/>
                   </a:ext>
                 </a:extLst>
               </p:cNvPr>
@@ -9779,7 +9780,7 @@
               <p:cNvPr id="226" name="직선 연결선 225">
                 <a:extLst>
                   <a:ext uri="{FF2B5EF4-FFF2-40B4-BE49-F238E27FC236}">
-                    <a16:creationId xmlns:a16="http://schemas.microsoft.com/office/drawing/2014/main" id="{C05B2FE4-A6C8-4676-838F-4FF84C466A2E}"/>
+                    <a16:creationId xmlns:a16="http://schemas.microsoft.com/office/drawing/2014/main" xmlns="" id="{C05B2FE4-A6C8-4676-838F-4FF84C466A2E}"/>
                   </a:ext>
                 </a:extLst>
               </p:cNvPr>
@@ -9817,7 +9818,7 @@
             <p:cNvPr id="223" name="직사각형 222">
               <a:extLst>
                 <a:ext uri="{FF2B5EF4-FFF2-40B4-BE49-F238E27FC236}">
-                  <a16:creationId xmlns:a16="http://schemas.microsoft.com/office/drawing/2014/main" id="{95281EA5-C32B-4BDF-AED7-518F3D194C18}"/>
+                  <a16:creationId xmlns:a16="http://schemas.microsoft.com/office/drawing/2014/main" xmlns="" id="{95281EA5-C32B-4BDF-AED7-518F3D194C18}"/>
                 </a:ext>
               </a:extLst>
             </p:cNvPr>
@@ -9870,7 +9871,7 @@
           <p:cNvPr id="237" name="그림 236">
             <a:extLst>
               <a:ext uri="{FF2B5EF4-FFF2-40B4-BE49-F238E27FC236}">
-                <a16:creationId xmlns:a16="http://schemas.microsoft.com/office/drawing/2014/main" id="{7FAC9E2B-E13B-4A93-88F4-AE5EEB5DE624}"/>
+                <a16:creationId xmlns:a16="http://schemas.microsoft.com/office/drawing/2014/main" xmlns="" id="{7FAC9E2B-E13B-4A93-88F4-AE5EEB5DE624}"/>
               </a:ext>
             </a:extLst>
           </p:cNvPr>
@@ -9925,14 +9926,14 @@
           <a:chExt cx="0" cy="0"/>
         </a:xfrm>
       </p:grpSpPr>
-      <mc:AlternateContent xmlns:mc="http://schemas.openxmlformats.org/markup-compatibility/2006">
-        <mc:Choice xmlns:a14="http://schemas.microsoft.com/office/drawing/2010/main" Requires="a14">
+      <mc:AlternateContent xmlns:mc="http://schemas.openxmlformats.org/markup-compatibility/2006" xmlns:a14="http://schemas.microsoft.com/office/drawing/2010/main">
+        <mc:Choice Requires="a14">
           <p:sp>
             <p:nvSpPr>
               <p:cNvPr id="14" name="TextBox 13">
                 <a:extLst>
                   <a:ext uri="{FF2B5EF4-FFF2-40B4-BE49-F238E27FC236}">
-                    <a16:creationId xmlns:a16="http://schemas.microsoft.com/office/drawing/2014/main" id="{81BCE6E1-01D0-4BDC-A1F9-049B3F61BB14}"/>
+                    <a16:creationId xmlns:a16="http://schemas.microsoft.com/office/drawing/2014/main" xmlns="" id="{81BCE6E1-01D0-4BDC-A1F9-049B3F61BB14}"/>
                   </a:ext>
                 </a:extLst>
               </p:cNvPr>
@@ -9976,7 +9977,7 @@
             </p:txBody>
           </p:sp>
         </mc:Choice>
-        <mc:Fallback>
+        <mc:Fallback xmlns="">
           <p:sp>
             <p:nvSpPr>
               <p:cNvPr id="14" name="TextBox 13">
@@ -10021,14 +10022,14 @@
           </p:sp>
         </mc:Fallback>
       </mc:AlternateContent>
-      <mc:AlternateContent xmlns:mc="http://schemas.openxmlformats.org/markup-compatibility/2006">
-        <mc:Choice xmlns:a14="http://schemas.microsoft.com/office/drawing/2010/main" Requires="a14">
+      <mc:AlternateContent xmlns:mc="http://schemas.openxmlformats.org/markup-compatibility/2006" xmlns:a14="http://schemas.microsoft.com/office/drawing/2010/main">
+        <mc:Choice Requires="a14">
           <p:sp>
             <p:nvSpPr>
               <p:cNvPr id="112" name="TextBox 111">
                 <a:extLst>
                   <a:ext uri="{FF2B5EF4-FFF2-40B4-BE49-F238E27FC236}">
-                    <a16:creationId xmlns:a16="http://schemas.microsoft.com/office/drawing/2014/main" id="{CF0FF849-A858-4AD3-9963-F5B3892745BC}"/>
+                    <a16:creationId xmlns:a16="http://schemas.microsoft.com/office/drawing/2014/main" xmlns="" id="{CF0FF849-A858-4AD3-9963-F5B3892745BC}"/>
                   </a:ext>
                 </a:extLst>
               </p:cNvPr>
@@ -10072,7 +10073,7 @@
             </p:txBody>
           </p:sp>
         </mc:Choice>
-        <mc:Fallback>
+        <mc:Fallback xmlns="">
           <p:sp>
             <p:nvSpPr>
               <p:cNvPr id="112" name="TextBox 111">
@@ -10122,7 +10123,7 @@
           <p:cNvPr id="115" name="화살표: 오른쪽 114">
             <a:extLst>
               <a:ext uri="{FF2B5EF4-FFF2-40B4-BE49-F238E27FC236}">
-                <a16:creationId xmlns:a16="http://schemas.microsoft.com/office/drawing/2014/main" id="{29EA8FA4-C5B4-4C37-B369-23521A79BEF1}"/>
+                <a16:creationId xmlns:a16="http://schemas.microsoft.com/office/drawing/2014/main" xmlns="" id="{29EA8FA4-C5B4-4C37-B369-23521A79BEF1}"/>
               </a:ext>
             </a:extLst>
           </p:cNvPr>
@@ -10176,7 +10177,7 @@
           <p:cNvPr id="116" name="TextBox 115">
             <a:extLst>
               <a:ext uri="{FF2B5EF4-FFF2-40B4-BE49-F238E27FC236}">
-                <a16:creationId xmlns:a16="http://schemas.microsoft.com/office/drawing/2014/main" id="{08CC730D-D77F-4D51-8128-4EBA992C6825}"/>
+                <a16:creationId xmlns:a16="http://schemas.microsoft.com/office/drawing/2014/main" xmlns="" id="{08CC730D-D77F-4D51-8128-4EBA992C6825}"/>
               </a:ext>
             </a:extLst>
           </p:cNvPr>
@@ -10224,14 +10225,14 @@
           </a:p>
         </p:txBody>
       </p:sp>
-      <mc:AlternateContent xmlns:mc="http://schemas.openxmlformats.org/markup-compatibility/2006">
-        <mc:Choice xmlns:a14="http://schemas.microsoft.com/office/drawing/2010/main" Requires="a14">
+      <mc:AlternateContent xmlns:mc="http://schemas.openxmlformats.org/markup-compatibility/2006" xmlns:a14="http://schemas.microsoft.com/office/drawing/2010/main">
+        <mc:Choice Requires="a14">
           <p:sp>
             <p:nvSpPr>
               <p:cNvPr id="110" name="TextBox 109">
                 <a:extLst>
                   <a:ext uri="{FF2B5EF4-FFF2-40B4-BE49-F238E27FC236}">
-                    <a16:creationId xmlns:a16="http://schemas.microsoft.com/office/drawing/2014/main" id="{6DE1591E-C53B-4C38-ACE3-B59183C3D38F}"/>
+                    <a16:creationId xmlns:a16="http://schemas.microsoft.com/office/drawing/2014/main" xmlns="" id="{6DE1591E-C53B-4C38-ACE3-B59183C3D38F}"/>
                   </a:ext>
                 </a:extLst>
               </p:cNvPr>
@@ -10275,7 +10276,7 @@
             </p:txBody>
           </p:sp>
         </mc:Choice>
-        <mc:Fallback>
+        <mc:Fallback xmlns="">
           <p:sp>
             <p:nvSpPr>
               <p:cNvPr id="110" name="TextBox 109">
@@ -10320,14 +10321,14 @@
           </p:sp>
         </mc:Fallback>
       </mc:AlternateContent>
-      <mc:AlternateContent xmlns:mc="http://schemas.openxmlformats.org/markup-compatibility/2006">
-        <mc:Choice xmlns:a14="http://schemas.microsoft.com/office/drawing/2010/main" Requires="a14">
+      <mc:AlternateContent xmlns:mc="http://schemas.openxmlformats.org/markup-compatibility/2006" xmlns:a14="http://schemas.microsoft.com/office/drawing/2010/main">
+        <mc:Choice Requires="a14">
           <p:sp>
             <p:nvSpPr>
               <p:cNvPr id="111" name="TextBox 110">
                 <a:extLst>
                   <a:ext uri="{FF2B5EF4-FFF2-40B4-BE49-F238E27FC236}">
-                    <a16:creationId xmlns:a16="http://schemas.microsoft.com/office/drawing/2014/main" id="{D9B3BBCE-6FA5-4B29-8A53-5BEC1AD1B06E}"/>
+                    <a16:creationId xmlns:a16="http://schemas.microsoft.com/office/drawing/2014/main" xmlns="" id="{D9B3BBCE-6FA5-4B29-8A53-5BEC1AD1B06E}"/>
                   </a:ext>
                 </a:extLst>
               </p:cNvPr>
@@ -10404,7 +10405,7 @@
             </p:txBody>
           </p:sp>
         </mc:Choice>
-        <mc:Fallback>
+        <mc:Fallback xmlns="">
           <p:sp>
             <p:nvSpPr>
               <p:cNvPr id="111" name="TextBox 110">
@@ -10454,7 +10455,7 @@
           <p:cNvPr id="4" name="직선 화살표 연결선 3">
             <a:extLst>
               <a:ext uri="{FF2B5EF4-FFF2-40B4-BE49-F238E27FC236}">
-                <a16:creationId xmlns:a16="http://schemas.microsoft.com/office/drawing/2014/main" id="{0E1166CE-0F1C-41A8-B4F2-6C12FE521DB5}"/>
+                <a16:creationId xmlns:a16="http://schemas.microsoft.com/office/drawing/2014/main" xmlns="" id="{0E1166CE-0F1C-41A8-B4F2-6C12FE521DB5}"/>
               </a:ext>
             </a:extLst>
           </p:cNvPr>
@@ -10495,7 +10496,7 @@
           <p:cNvPr id="6" name="직선 화살표 연결선 5">
             <a:extLst>
               <a:ext uri="{FF2B5EF4-FFF2-40B4-BE49-F238E27FC236}">
-                <a16:creationId xmlns:a16="http://schemas.microsoft.com/office/drawing/2014/main" id="{71410AA7-C82A-4523-8897-C0A7D3974E61}"/>
+                <a16:creationId xmlns:a16="http://schemas.microsoft.com/office/drawing/2014/main" xmlns="" id="{71410AA7-C82A-4523-8897-C0A7D3974E61}"/>
               </a:ext>
             </a:extLst>
           </p:cNvPr>
@@ -10536,7 +10537,7 @@
           <p:cNvPr id="8" name="직선 연결선 7">
             <a:extLst>
               <a:ext uri="{FF2B5EF4-FFF2-40B4-BE49-F238E27FC236}">
-                <a16:creationId xmlns:a16="http://schemas.microsoft.com/office/drawing/2014/main" id="{8B078679-7873-41C4-81F3-974ED02389AB}"/>
+                <a16:creationId xmlns:a16="http://schemas.microsoft.com/office/drawing/2014/main" xmlns="" id="{8B078679-7873-41C4-81F3-974ED02389AB}"/>
               </a:ext>
             </a:extLst>
           </p:cNvPr>
@@ -10572,7 +10573,7 @@
           <p:cNvPr id="114" name="직선 연결선 113">
             <a:extLst>
               <a:ext uri="{FF2B5EF4-FFF2-40B4-BE49-F238E27FC236}">
-                <a16:creationId xmlns:a16="http://schemas.microsoft.com/office/drawing/2014/main" id="{1D5D95B0-21AF-4791-A5D9-E9E1FDCD3897}"/>
+                <a16:creationId xmlns:a16="http://schemas.microsoft.com/office/drawing/2014/main" xmlns="" id="{1D5D95B0-21AF-4791-A5D9-E9E1FDCD3897}"/>
               </a:ext>
             </a:extLst>
           </p:cNvPr>
@@ -10608,7 +10609,7 @@
           <p:cNvPr id="118" name="직선 연결선 117">
             <a:extLst>
               <a:ext uri="{FF2B5EF4-FFF2-40B4-BE49-F238E27FC236}">
-                <a16:creationId xmlns:a16="http://schemas.microsoft.com/office/drawing/2014/main" id="{C919C741-C8EF-4680-BC02-1FF1E583E218}"/>
+                <a16:creationId xmlns:a16="http://schemas.microsoft.com/office/drawing/2014/main" xmlns="" id="{C919C741-C8EF-4680-BC02-1FF1E583E218}"/>
               </a:ext>
             </a:extLst>
           </p:cNvPr>
@@ -10646,7 +10647,7 @@
           <p:cNvPr id="119" name="직선 연결선 118">
             <a:extLst>
               <a:ext uri="{FF2B5EF4-FFF2-40B4-BE49-F238E27FC236}">
-                <a16:creationId xmlns:a16="http://schemas.microsoft.com/office/drawing/2014/main" id="{272FF17A-9EAE-4048-B7B5-376518F32B7B}"/>
+                <a16:creationId xmlns:a16="http://schemas.microsoft.com/office/drawing/2014/main" xmlns="" id="{272FF17A-9EAE-4048-B7B5-376518F32B7B}"/>
               </a:ext>
             </a:extLst>
           </p:cNvPr>
@@ -10679,14 +10680,14 @@
           </a:fontRef>
         </p:style>
       </p:cxnSp>
-      <mc:AlternateContent xmlns:mc="http://schemas.openxmlformats.org/markup-compatibility/2006">
-        <mc:Choice xmlns:a14="http://schemas.microsoft.com/office/drawing/2010/main" Requires="a14">
+      <mc:AlternateContent xmlns:mc="http://schemas.openxmlformats.org/markup-compatibility/2006" xmlns:a14="http://schemas.microsoft.com/office/drawing/2010/main">
+        <mc:Choice Requires="a14">
           <p:sp>
             <p:nvSpPr>
               <p:cNvPr id="11" name="TextBox 10">
                 <a:extLst>
                   <a:ext uri="{FF2B5EF4-FFF2-40B4-BE49-F238E27FC236}">
-                    <a16:creationId xmlns:a16="http://schemas.microsoft.com/office/drawing/2014/main" id="{66E5F592-B218-43CF-A601-DB291A5CB280}"/>
+                    <a16:creationId xmlns:a16="http://schemas.microsoft.com/office/drawing/2014/main" xmlns="" id="{66E5F592-B218-43CF-A601-DB291A5CB280}"/>
                   </a:ext>
                 </a:extLst>
               </p:cNvPr>
@@ -10730,7 +10731,7 @@
             </p:txBody>
           </p:sp>
         </mc:Choice>
-        <mc:Fallback>
+        <mc:Fallback xmlns="">
           <p:sp>
             <p:nvSpPr>
               <p:cNvPr id="11" name="TextBox 10">
@@ -10775,14 +10776,14 @@
           </p:sp>
         </mc:Fallback>
       </mc:AlternateContent>
-      <mc:AlternateContent xmlns:mc="http://schemas.openxmlformats.org/markup-compatibility/2006">
-        <mc:Choice xmlns:a14="http://schemas.microsoft.com/office/drawing/2010/main" Requires="a14">
+      <mc:AlternateContent xmlns:mc="http://schemas.openxmlformats.org/markup-compatibility/2006" xmlns:a14="http://schemas.microsoft.com/office/drawing/2010/main">
+        <mc:Choice Requires="a14">
           <p:sp>
             <p:nvSpPr>
               <p:cNvPr id="120" name="TextBox 119">
                 <a:extLst>
                   <a:ext uri="{FF2B5EF4-FFF2-40B4-BE49-F238E27FC236}">
-                    <a16:creationId xmlns:a16="http://schemas.microsoft.com/office/drawing/2014/main" id="{F48AA094-CCC8-49DA-9E56-C3E087ED9CE2}"/>
+                    <a16:creationId xmlns:a16="http://schemas.microsoft.com/office/drawing/2014/main" xmlns="" id="{F48AA094-CCC8-49DA-9E56-C3E087ED9CE2}"/>
                   </a:ext>
                 </a:extLst>
               </p:cNvPr>
@@ -10826,7 +10827,7 @@
             </p:txBody>
           </p:sp>
         </mc:Choice>
-        <mc:Fallback>
+        <mc:Fallback xmlns="">
           <p:sp>
             <p:nvSpPr>
               <p:cNvPr id="120" name="TextBox 119">
@@ -10871,14 +10872,14 @@
           </p:sp>
         </mc:Fallback>
       </mc:AlternateContent>
-      <mc:AlternateContent xmlns:mc="http://schemas.openxmlformats.org/markup-compatibility/2006">
-        <mc:Choice xmlns:a14="http://schemas.microsoft.com/office/drawing/2010/main" Requires="a14">
+      <mc:AlternateContent xmlns:mc="http://schemas.openxmlformats.org/markup-compatibility/2006" xmlns:a14="http://schemas.microsoft.com/office/drawing/2010/main">
+        <mc:Choice Requires="a14">
           <p:sp>
             <p:nvSpPr>
               <p:cNvPr id="121" name="TextBox 120">
                 <a:extLst>
                   <a:ext uri="{FF2B5EF4-FFF2-40B4-BE49-F238E27FC236}">
-                    <a16:creationId xmlns:a16="http://schemas.microsoft.com/office/drawing/2014/main" id="{6EF04BD0-1396-4CC3-8D42-5398CD48B72D}"/>
+                    <a16:creationId xmlns:a16="http://schemas.microsoft.com/office/drawing/2014/main" xmlns="" id="{6EF04BD0-1396-4CC3-8D42-5398CD48B72D}"/>
                   </a:ext>
                 </a:extLst>
               </p:cNvPr>
@@ -10922,7 +10923,7 @@
             </p:txBody>
           </p:sp>
         </mc:Choice>
-        <mc:Fallback>
+        <mc:Fallback xmlns="">
           <p:sp>
             <p:nvSpPr>
               <p:cNvPr id="121" name="TextBox 120">
@@ -10967,14 +10968,14 @@
           </p:sp>
         </mc:Fallback>
       </mc:AlternateContent>
-      <mc:AlternateContent xmlns:mc="http://schemas.openxmlformats.org/markup-compatibility/2006">
-        <mc:Choice xmlns:a14="http://schemas.microsoft.com/office/drawing/2010/main" Requires="a14">
+      <mc:AlternateContent xmlns:mc="http://schemas.openxmlformats.org/markup-compatibility/2006" xmlns:a14="http://schemas.microsoft.com/office/drawing/2010/main">
+        <mc:Choice Requires="a14">
           <p:sp>
             <p:nvSpPr>
               <p:cNvPr id="122" name="TextBox 121">
                 <a:extLst>
                   <a:ext uri="{FF2B5EF4-FFF2-40B4-BE49-F238E27FC236}">
-                    <a16:creationId xmlns:a16="http://schemas.microsoft.com/office/drawing/2014/main" id="{0AC415B7-524A-42C7-B65E-C10FD10E7F15}"/>
+                    <a16:creationId xmlns:a16="http://schemas.microsoft.com/office/drawing/2014/main" xmlns="" id="{0AC415B7-524A-42C7-B65E-C10FD10E7F15}"/>
                   </a:ext>
                 </a:extLst>
               </p:cNvPr>
@@ -11018,7 +11019,7 @@
             </p:txBody>
           </p:sp>
         </mc:Choice>
-        <mc:Fallback>
+        <mc:Fallback xmlns="">
           <p:sp>
             <p:nvSpPr>
               <p:cNvPr id="122" name="TextBox 121">
@@ -11063,14 +11064,14 @@
           </p:sp>
         </mc:Fallback>
       </mc:AlternateContent>
-      <mc:AlternateContent xmlns:mc="http://schemas.openxmlformats.org/markup-compatibility/2006">
-        <mc:Choice xmlns:a14="http://schemas.microsoft.com/office/drawing/2010/main" Requires="a14">
+      <mc:AlternateContent xmlns:mc="http://schemas.openxmlformats.org/markup-compatibility/2006" xmlns:a14="http://schemas.microsoft.com/office/drawing/2010/main">
+        <mc:Choice Requires="a14">
           <p:sp>
             <p:nvSpPr>
               <p:cNvPr id="123" name="TextBox 122">
                 <a:extLst>
                   <a:ext uri="{FF2B5EF4-FFF2-40B4-BE49-F238E27FC236}">
-                    <a16:creationId xmlns:a16="http://schemas.microsoft.com/office/drawing/2014/main" id="{B350F9F3-8C8D-480C-857F-D578D9AA89AD}"/>
+                    <a16:creationId xmlns:a16="http://schemas.microsoft.com/office/drawing/2014/main" xmlns="" id="{B350F9F3-8C8D-480C-857F-D578D9AA89AD}"/>
                   </a:ext>
                 </a:extLst>
               </p:cNvPr>
@@ -11114,7 +11115,7 @@
             </p:txBody>
           </p:sp>
         </mc:Choice>
-        <mc:Fallback>
+        <mc:Fallback xmlns="">
           <p:sp>
             <p:nvSpPr>
               <p:cNvPr id="123" name="TextBox 122">
@@ -11159,14 +11160,14 @@
           </p:sp>
         </mc:Fallback>
       </mc:AlternateContent>
-      <mc:AlternateContent xmlns:mc="http://schemas.openxmlformats.org/markup-compatibility/2006">
-        <mc:Choice xmlns:a14="http://schemas.microsoft.com/office/drawing/2010/main" Requires="a14">
+      <mc:AlternateContent xmlns:mc="http://schemas.openxmlformats.org/markup-compatibility/2006" xmlns:a14="http://schemas.microsoft.com/office/drawing/2010/main">
+        <mc:Choice Requires="a14">
           <p:sp>
             <p:nvSpPr>
               <p:cNvPr id="125" name="TextBox 124">
                 <a:extLst>
                   <a:ext uri="{FF2B5EF4-FFF2-40B4-BE49-F238E27FC236}">
-                    <a16:creationId xmlns:a16="http://schemas.microsoft.com/office/drawing/2014/main" id="{5B8F3F88-4AA8-4B3C-AA63-7C5309423F53}"/>
+                    <a16:creationId xmlns:a16="http://schemas.microsoft.com/office/drawing/2014/main" xmlns="" id="{5B8F3F88-4AA8-4B3C-AA63-7C5309423F53}"/>
                   </a:ext>
                 </a:extLst>
               </p:cNvPr>
@@ -11210,7 +11211,7 @@
             </p:txBody>
           </p:sp>
         </mc:Choice>
-        <mc:Fallback>
+        <mc:Fallback xmlns="">
           <p:sp>
             <p:nvSpPr>
               <p:cNvPr id="125" name="TextBox 124">
@@ -11260,7 +11261,7 @@
           <p:cNvPr id="5" name="그림 4">
             <a:extLst>
               <a:ext uri="{FF2B5EF4-FFF2-40B4-BE49-F238E27FC236}">
-                <a16:creationId xmlns:a16="http://schemas.microsoft.com/office/drawing/2014/main" id="{1F354776-6E9F-4D80-A705-D80635FAF05A}"/>
+                <a16:creationId xmlns:a16="http://schemas.microsoft.com/office/drawing/2014/main" xmlns="" id="{1F354776-6E9F-4D80-A705-D80635FAF05A}"/>
               </a:ext>
             </a:extLst>
           </p:cNvPr>
@@ -11285,14 +11286,14 @@
           </a:prstGeom>
         </p:spPr>
       </p:pic>
-      <mc:AlternateContent xmlns:mc="http://schemas.openxmlformats.org/markup-compatibility/2006">
-        <mc:Choice xmlns:a14="http://schemas.microsoft.com/office/drawing/2010/main" Requires="a14">
+      <mc:AlternateContent xmlns:mc="http://schemas.openxmlformats.org/markup-compatibility/2006" xmlns:a14="http://schemas.microsoft.com/office/drawing/2010/main">
+        <mc:Choice Requires="a14">
           <p:sp>
             <p:nvSpPr>
               <p:cNvPr id="126" name="TextBox 125">
                 <a:extLst>
                   <a:ext uri="{FF2B5EF4-FFF2-40B4-BE49-F238E27FC236}">
-                    <a16:creationId xmlns:a16="http://schemas.microsoft.com/office/drawing/2014/main" id="{2B8016A5-37AD-4EB4-9C29-27AF7CB5CE74}"/>
+                    <a16:creationId xmlns:a16="http://schemas.microsoft.com/office/drawing/2014/main" xmlns="" id="{2B8016A5-37AD-4EB4-9C29-27AF7CB5CE74}"/>
                   </a:ext>
                 </a:extLst>
               </p:cNvPr>
@@ -11336,7 +11337,7 @@
             </p:txBody>
           </p:sp>
         </mc:Choice>
-        <mc:Fallback>
+        <mc:Fallback xmlns="">
           <p:sp>
             <p:nvSpPr>
               <p:cNvPr id="126" name="TextBox 125">
@@ -11386,7 +11387,7 @@
           <p:cNvPr id="113" name="TextBox 112">
             <a:extLst>
               <a:ext uri="{FF2B5EF4-FFF2-40B4-BE49-F238E27FC236}">
-                <a16:creationId xmlns:a16="http://schemas.microsoft.com/office/drawing/2014/main" id="{D9166D77-F83B-4518-8A8C-264993F2F998}"/>
+                <a16:creationId xmlns:a16="http://schemas.microsoft.com/office/drawing/2014/main" xmlns="" id="{D9166D77-F83B-4518-8A8C-264993F2F998}"/>
               </a:ext>
             </a:extLst>
           </p:cNvPr>
@@ -11450,7 +11451,7 @@
           <p:cNvPr id="76" name="직선 화살표 연결선 75">
             <a:extLst>
               <a:ext uri="{FF2B5EF4-FFF2-40B4-BE49-F238E27FC236}">
-                <a16:creationId xmlns:a16="http://schemas.microsoft.com/office/drawing/2014/main" id="{29443CE5-1E0E-4E5D-801F-9BD719B13989}"/>
+                <a16:creationId xmlns:a16="http://schemas.microsoft.com/office/drawing/2014/main" xmlns="" id="{29443CE5-1E0E-4E5D-801F-9BD719B13989}"/>
               </a:ext>
             </a:extLst>
           </p:cNvPr>
@@ -11491,7 +11492,7 @@
           <p:cNvPr id="80" name="직선 화살표 연결선 79">
             <a:extLst>
               <a:ext uri="{FF2B5EF4-FFF2-40B4-BE49-F238E27FC236}">
-                <a16:creationId xmlns:a16="http://schemas.microsoft.com/office/drawing/2014/main" id="{D97907D1-C4C7-4A51-91D7-72FA7B11F435}"/>
+                <a16:creationId xmlns:a16="http://schemas.microsoft.com/office/drawing/2014/main" xmlns="" id="{D97907D1-C4C7-4A51-91D7-72FA7B11F435}"/>
               </a:ext>
             </a:extLst>
           </p:cNvPr>
@@ -11532,7 +11533,7 @@
           <p:cNvPr id="86" name="직선 연결선 85">
             <a:extLst>
               <a:ext uri="{FF2B5EF4-FFF2-40B4-BE49-F238E27FC236}">
-                <a16:creationId xmlns:a16="http://schemas.microsoft.com/office/drawing/2014/main" id="{125410F9-BD57-4966-BCD0-FE71369DF17F}"/>
+                <a16:creationId xmlns:a16="http://schemas.microsoft.com/office/drawing/2014/main" xmlns="" id="{125410F9-BD57-4966-BCD0-FE71369DF17F}"/>
               </a:ext>
             </a:extLst>
           </p:cNvPr>
@@ -11568,7 +11569,7 @@
           <p:cNvPr id="92" name="직선 연결선 91">
             <a:extLst>
               <a:ext uri="{FF2B5EF4-FFF2-40B4-BE49-F238E27FC236}">
-                <a16:creationId xmlns:a16="http://schemas.microsoft.com/office/drawing/2014/main" id="{6646DE3E-8EE1-4CDC-900B-1BA5074DBE19}"/>
+                <a16:creationId xmlns:a16="http://schemas.microsoft.com/office/drawing/2014/main" xmlns="" id="{6646DE3E-8EE1-4CDC-900B-1BA5074DBE19}"/>
               </a:ext>
             </a:extLst>
           </p:cNvPr>
@@ -11604,7 +11605,7 @@
           <p:cNvPr id="98" name="직선 연결선 97">
             <a:extLst>
               <a:ext uri="{FF2B5EF4-FFF2-40B4-BE49-F238E27FC236}">
-                <a16:creationId xmlns:a16="http://schemas.microsoft.com/office/drawing/2014/main" id="{FBB7F419-D0B5-47CA-803C-1A5E62E90D51}"/>
+                <a16:creationId xmlns:a16="http://schemas.microsoft.com/office/drawing/2014/main" xmlns="" id="{FBB7F419-D0B5-47CA-803C-1A5E62E90D51}"/>
               </a:ext>
             </a:extLst>
           </p:cNvPr>
@@ -11642,7 +11643,7 @@
           <p:cNvPr id="104" name="직선 연결선 103">
             <a:extLst>
               <a:ext uri="{FF2B5EF4-FFF2-40B4-BE49-F238E27FC236}">
-                <a16:creationId xmlns:a16="http://schemas.microsoft.com/office/drawing/2014/main" id="{E0D99779-1BC5-49D9-A066-722800DD085A}"/>
+                <a16:creationId xmlns:a16="http://schemas.microsoft.com/office/drawing/2014/main" xmlns="" id="{E0D99779-1BC5-49D9-A066-722800DD085A}"/>
               </a:ext>
             </a:extLst>
           </p:cNvPr>
@@ -11675,14 +11676,14 @@
           </a:fontRef>
         </p:style>
       </p:cxnSp>
-      <mc:AlternateContent xmlns:mc="http://schemas.openxmlformats.org/markup-compatibility/2006">
-        <mc:Choice xmlns:a14="http://schemas.microsoft.com/office/drawing/2010/main" Requires="a14">
+      <mc:AlternateContent xmlns:mc="http://schemas.openxmlformats.org/markup-compatibility/2006" xmlns:a14="http://schemas.microsoft.com/office/drawing/2010/main">
+        <mc:Choice Requires="a14">
           <p:sp>
             <p:nvSpPr>
               <p:cNvPr id="117" name="TextBox 116">
                 <a:extLst>
                   <a:ext uri="{FF2B5EF4-FFF2-40B4-BE49-F238E27FC236}">
-                    <a16:creationId xmlns:a16="http://schemas.microsoft.com/office/drawing/2014/main" id="{B1E3A1EC-3E23-4FA1-A5DE-371C35150589}"/>
+                    <a16:creationId xmlns:a16="http://schemas.microsoft.com/office/drawing/2014/main" xmlns="" id="{B1E3A1EC-3E23-4FA1-A5DE-371C35150589}"/>
                   </a:ext>
                 </a:extLst>
               </p:cNvPr>
@@ -11726,7 +11727,7 @@
             </p:txBody>
           </p:sp>
         </mc:Choice>
-        <mc:Fallback>
+        <mc:Fallback xmlns="">
           <p:sp>
             <p:nvSpPr>
               <p:cNvPr id="117" name="TextBox 116">
@@ -11771,14 +11772,14 @@
           </p:sp>
         </mc:Fallback>
       </mc:AlternateContent>
-      <mc:AlternateContent xmlns:mc="http://schemas.openxmlformats.org/markup-compatibility/2006">
-        <mc:Choice xmlns:a14="http://schemas.microsoft.com/office/drawing/2010/main" Requires="a14">
+      <mc:AlternateContent xmlns:mc="http://schemas.openxmlformats.org/markup-compatibility/2006" xmlns:a14="http://schemas.microsoft.com/office/drawing/2010/main">
+        <mc:Choice Requires="a14">
           <p:sp>
             <p:nvSpPr>
               <p:cNvPr id="124" name="TextBox 123">
                 <a:extLst>
                   <a:ext uri="{FF2B5EF4-FFF2-40B4-BE49-F238E27FC236}">
-                    <a16:creationId xmlns:a16="http://schemas.microsoft.com/office/drawing/2014/main" id="{FDF768B8-60BA-43CC-A850-856BCDA24BBC}"/>
+                    <a16:creationId xmlns:a16="http://schemas.microsoft.com/office/drawing/2014/main" xmlns="" id="{FDF768B8-60BA-43CC-A850-856BCDA24BBC}"/>
                   </a:ext>
                 </a:extLst>
               </p:cNvPr>
@@ -11822,7 +11823,7 @@
             </p:txBody>
           </p:sp>
         </mc:Choice>
-        <mc:Fallback>
+        <mc:Fallback xmlns="">
           <p:sp>
             <p:nvSpPr>
               <p:cNvPr id="124" name="TextBox 123">
@@ -11867,14 +11868,14 @@
           </p:sp>
         </mc:Fallback>
       </mc:AlternateContent>
-      <mc:AlternateContent xmlns:mc="http://schemas.openxmlformats.org/markup-compatibility/2006">
-        <mc:Choice xmlns:a14="http://schemas.microsoft.com/office/drawing/2010/main" Requires="a14">
+      <mc:AlternateContent xmlns:mc="http://schemas.openxmlformats.org/markup-compatibility/2006" xmlns:a14="http://schemas.microsoft.com/office/drawing/2010/main">
+        <mc:Choice Requires="a14">
           <p:sp>
             <p:nvSpPr>
               <p:cNvPr id="127" name="TextBox 126">
                 <a:extLst>
                   <a:ext uri="{FF2B5EF4-FFF2-40B4-BE49-F238E27FC236}">
-                    <a16:creationId xmlns:a16="http://schemas.microsoft.com/office/drawing/2014/main" id="{69518A18-ABBD-4BAE-851F-18A84774C301}"/>
+                    <a16:creationId xmlns:a16="http://schemas.microsoft.com/office/drawing/2014/main" xmlns="" id="{69518A18-ABBD-4BAE-851F-18A84774C301}"/>
                   </a:ext>
                 </a:extLst>
               </p:cNvPr>
@@ -11918,7 +11919,7 @@
             </p:txBody>
           </p:sp>
         </mc:Choice>
-        <mc:Fallback>
+        <mc:Fallback xmlns="">
           <p:sp>
             <p:nvSpPr>
               <p:cNvPr id="127" name="TextBox 126">
@@ -11963,14 +11964,14 @@
           </p:sp>
         </mc:Fallback>
       </mc:AlternateContent>
-      <mc:AlternateContent xmlns:mc="http://schemas.openxmlformats.org/markup-compatibility/2006">
-        <mc:Choice xmlns:a14="http://schemas.microsoft.com/office/drawing/2010/main" Requires="a14">
+      <mc:AlternateContent xmlns:mc="http://schemas.openxmlformats.org/markup-compatibility/2006" xmlns:a14="http://schemas.microsoft.com/office/drawing/2010/main">
+        <mc:Choice Requires="a14">
           <p:sp>
             <p:nvSpPr>
               <p:cNvPr id="128" name="TextBox 127">
                 <a:extLst>
                   <a:ext uri="{FF2B5EF4-FFF2-40B4-BE49-F238E27FC236}">
-                    <a16:creationId xmlns:a16="http://schemas.microsoft.com/office/drawing/2014/main" id="{6FE58DA3-B4F0-490C-AC92-8312B62F0463}"/>
+                    <a16:creationId xmlns:a16="http://schemas.microsoft.com/office/drawing/2014/main" xmlns="" id="{6FE58DA3-B4F0-490C-AC92-8312B62F0463}"/>
                   </a:ext>
                 </a:extLst>
               </p:cNvPr>
@@ -12014,7 +12015,7 @@
             </p:txBody>
           </p:sp>
         </mc:Choice>
-        <mc:Fallback>
+        <mc:Fallback xmlns="">
           <p:sp>
             <p:nvSpPr>
               <p:cNvPr id="128" name="TextBox 127">
@@ -12059,14 +12060,14 @@
           </p:sp>
         </mc:Fallback>
       </mc:AlternateContent>
-      <mc:AlternateContent xmlns:mc="http://schemas.openxmlformats.org/markup-compatibility/2006">
-        <mc:Choice xmlns:a14="http://schemas.microsoft.com/office/drawing/2010/main" Requires="a14">
+      <mc:AlternateContent xmlns:mc="http://schemas.openxmlformats.org/markup-compatibility/2006" xmlns:a14="http://schemas.microsoft.com/office/drawing/2010/main">
+        <mc:Choice Requires="a14">
           <p:sp>
             <p:nvSpPr>
               <p:cNvPr id="129" name="TextBox 128">
                 <a:extLst>
                   <a:ext uri="{FF2B5EF4-FFF2-40B4-BE49-F238E27FC236}">
-                    <a16:creationId xmlns:a16="http://schemas.microsoft.com/office/drawing/2014/main" id="{93168130-0882-4093-BCB3-7F76F3642078}"/>
+                    <a16:creationId xmlns:a16="http://schemas.microsoft.com/office/drawing/2014/main" xmlns="" id="{93168130-0882-4093-BCB3-7F76F3642078}"/>
                   </a:ext>
                 </a:extLst>
               </p:cNvPr>
@@ -12110,7 +12111,7 @@
             </p:txBody>
           </p:sp>
         </mc:Choice>
-        <mc:Fallback>
+        <mc:Fallback xmlns="">
           <p:sp>
             <p:nvSpPr>
               <p:cNvPr id="129" name="TextBox 128">
@@ -12160,7 +12161,7 @@
           <p:cNvPr id="18" name="직선 연결선 17">
             <a:extLst>
               <a:ext uri="{FF2B5EF4-FFF2-40B4-BE49-F238E27FC236}">
-                <a16:creationId xmlns:a16="http://schemas.microsoft.com/office/drawing/2014/main" id="{8B7CD227-0BD9-4587-82B0-EFAC2EECB912}"/>
+                <a16:creationId xmlns:a16="http://schemas.microsoft.com/office/drawing/2014/main" xmlns="" id="{8B7CD227-0BD9-4587-82B0-EFAC2EECB912}"/>
               </a:ext>
             </a:extLst>
           </p:cNvPr>
@@ -12199,14 +12200,14 @@
           </a:fontRef>
         </p:style>
       </p:cxnSp>
-      <mc:AlternateContent xmlns:mc="http://schemas.openxmlformats.org/markup-compatibility/2006">
-        <mc:Choice xmlns:a14="http://schemas.microsoft.com/office/drawing/2010/main" Requires="a14">
+      <mc:AlternateContent xmlns:mc="http://schemas.openxmlformats.org/markup-compatibility/2006" xmlns:a14="http://schemas.microsoft.com/office/drawing/2010/main">
+        <mc:Choice Requires="a14">
           <p:sp>
             <p:nvSpPr>
               <p:cNvPr id="64" name="TextBox 63">
                 <a:extLst>
                   <a:ext uri="{FF2B5EF4-FFF2-40B4-BE49-F238E27FC236}">
-                    <a16:creationId xmlns:a16="http://schemas.microsoft.com/office/drawing/2014/main" id="{7EB7DB51-7417-4EB9-BC40-653E474DD338}"/>
+                    <a16:creationId xmlns:a16="http://schemas.microsoft.com/office/drawing/2014/main" xmlns="" id="{7EB7DB51-7417-4EB9-BC40-653E474DD338}"/>
                   </a:ext>
                 </a:extLst>
               </p:cNvPr>
@@ -12250,7 +12251,7 @@
             </p:txBody>
           </p:sp>
         </mc:Choice>
-        <mc:Fallback>
+        <mc:Fallback xmlns="">
           <p:sp>
             <p:nvSpPr>
               <p:cNvPr id="64" name="TextBox 63">
@@ -12300,7 +12301,7 @@
           <p:cNvPr id="57" name="직사각형 56">
             <a:extLst>
               <a:ext uri="{FF2B5EF4-FFF2-40B4-BE49-F238E27FC236}">
-                <a16:creationId xmlns:a16="http://schemas.microsoft.com/office/drawing/2014/main" id="{1927DA3E-A163-40D9-9B2F-1FA2C02E4AAB}"/>
+                <a16:creationId xmlns:a16="http://schemas.microsoft.com/office/drawing/2014/main" xmlns="" id="{1927DA3E-A163-40D9-9B2F-1FA2C02E4AAB}"/>
               </a:ext>
             </a:extLst>
           </p:cNvPr>
@@ -12354,7 +12355,7 @@
           <p:cNvPr id="58" name="직사각형 57">
             <a:extLst>
               <a:ext uri="{FF2B5EF4-FFF2-40B4-BE49-F238E27FC236}">
-                <a16:creationId xmlns:a16="http://schemas.microsoft.com/office/drawing/2014/main" id="{30614A9C-4067-46EB-AFF6-BF3E0FC019A8}"/>
+                <a16:creationId xmlns:a16="http://schemas.microsoft.com/office/drawing/2014/main" xmlns="" id="{30614A9C-4067-46EB-AFF6-BF3E0FC019A8}"/>
               </a:ext>
             </a:extLst>
           </p:cNvPr>
@@ -12406,7 +12407,7 @@
           <p:cNvPr id="59" name="원호 58">
             <a:extLst>
               <a:ext uri="{FF2B5EF4-FFF2-40B4-BE49-F238E27FC236}">
-                <a16:creationId xmlns:a16="http://schemas.microsoft.com/office/drawing/2014/main" id="{FE2108CF-9A8C-491A-A8D5-FBF8911E10AC}"/>
+                <a16:creationId xmlns:a16="http://schemas.microsoft.com/office/drawing/2014/main" xmlns="" id="{FE2108CF-9A8C-491A-A8D5-FBF8911E10AC}"/>
               </a:ext>
             </a:extLst>
           </p:cNvPr>
@@ -12458,7 +12459,7 @@
           <p:cNvPr id="60" name="원호 59">
             <a:extLst>
               <a:ext uri="{FF2B5EF4-FFF2-40B4-BE49-F238E27FC236}">
-                <a16:creationId xmlns:a16="http://schemas.microsoft.com/office/drawing/2014/main" id="{02C25009-C2D8-4B36-8C2F-C510492EE558}"/>
+                <a16:creationId xmlns:a16="http://schemas.microsoft.com/office/drawing/2014/main" xmlns="" id="{02C25009-C2D8-4B36-8C2F-C510492EE558}"/>
               </a:ext>
             </a:extLst>
           </p:cNvPr>
@@ -12505,14 +12506,14 @@
           </a:p>
         </p:txBody>
       </p:sp>
-      <mc:AlternateContent xmlns:mc="http://schemas.openxmlformats.org/markup-compatibility/2006">
-        <mc:Choice xmlns:a14="http://schemas.microsoft.com/office/drawing/2010/main" Requires="a14">
+      <mc:AlternateContent xmlns:mc="http://schemas.openxmlformats.org/markup-compatibility/2006" xmlns:a14="http://schemas.microsoft.com/office/drawing/2010/main">
+        <mc:Choice Requires="a14">
           <p:sp>
             <p:nvSpPr>
               <p:cNvPr id="61" name="TextBox 60">
                 <a:extLst>
                   <a:ext uri="{FF2B5EF4-FFF2-40B4-BE49-F238E27FC236}">
-                    <a16:creationId xmlns:a16="http://schemas.microsoft.com/office/drawing/2014/main" id="{5D025167-ABAE-4C26-9310-0024FDD94ABB}"/>
+                    <a16:creationId xmlns:a16="http://schemas.microsoft.com/office/drawing/2014/main" xmlns="" id="{5D025167-ABAE-4C26-9310-0024FDD94ABB}"/>
                   </a:ext>
                 </a:extLst>
               </p:cNvPr>
@@ -12556,7 +12557,7 @@
             </p:txBody>
           </p:sp>
         </mc:Choice>
-        <mc:Fallback>
+        <mc:Fallback xmlns="">
           <p:sp>
             <p:nvSpPr>
               <p:cNvPr id="61" name="TextBox 60">
@@ -12606,7 +12607,7 @@
           <p:cNvPr id="62" name="원호 61">
             <a:extLst>
               <a:ext uri="{FF2B5EF4-FFF2-40B4-BE49-F238E27FC236}">
-                <a16:creationId xmlns:a16="http://schemas.microsoft.com/office/drawing/2014/main" id="{135ED5AE-72C8-4EDB-877C-70413A2EEB66}"/>
+                <a16:creationId xmlns:a16="http://schemas.microsoft.com/office/drawing/2014/main" xmlns="" id="{135ED5AE-72C8-4EDB-877C-70413A2EEB66}"/>
               </a:ext>
             </a:extLst>
           </p:cNvPr>
@@ -12658,7 +12659,7 @@
           <p:cNvPr id="63" name="원호 62">
             <a:extLst>
               <a:ext uri="{FF2B5EF4-FFF2-40B4-BE49-F238E27FC236}">
-                <a16:creationId xmlns:a16="http://schemas.microsoft.com/office/drawing/2014/main" id="{0B2717F5-5295-47F7-9CFC-FD4EE91DEFAB}"/>
+                <a16:creationId xmlns:a16="http://schemas.microsoft.com/office/drawing/2014/main" xmlns="" id="{0B2717F5-5295-47F7-9CFC-FD4EE91DEFAB}"/>
               </a:ext>
             </a:extLst>
           </p:cNvPr>
@@ -12705,14 +12706,14 @@
           </a:p>
         </p:txBody>
       </p:sp>
-      <mc:AlternateContent xmlns:mc="http://schemas.openxmlformats.org/markup-compatibility/2006">
-        <mc:Choice xmlns:a14="http://schemas.microsoft.com/office/drawing/2010/main" Requires="a14">
+      <mc:AlternateContent xmlns:mc="http://schemas.openxmlformats.org/markup-compatibility/2006" xmlns:a14="http://schemas.microsoft.com/office/drawing/2010/main">
+        <mc:Choice Requires="a14">
           <p:sp>
             <p:nvSpPr>
               <p:cNvPr id="67" name="TextBox 66">
                 <a:extLst>
                   <a:ext uri="{FF2B5EF4-FFF2-40B4-BE49-F238E27FC236}">
-                    <a16:creationId xmlns:a16="http://schemas.microsoft.com/office/drawing/2014/main" id="{60BB0C4D-6C90-4EE6-A0DA-91B5B030DF40}"/>
+                    <a16:creationId xmlns:a16="http://schemas.microsoft.com/office/drawing/2014/main" xmlns="" id="{60BB0C4D-6C90-4EE6-A0DA-91B5B030DF40}"/>
                   </a:ext>
                 </a:extLst>
               </p:cNvPr>
@@ -12756,7 +12757,7 @@
             </p:txBody>
           </p:sp>
         </mc:Choice>
-        <mc:Fallback>
+        <mc:Fallback xmlns="">
           <p:sp>
             <p:nvSpPr>
               <p:cNvPr id="67" name="TextBox 66">
@@ -12806,7 +12807,7 @@
           <p:cNvPr id="68" name="직사각형 67">
             <a:extLst>
               <a:ext uri="{FF2B5EF4-FFF2-40B4-BE49-F238E27FC236}">
-                <a16:creationId xmlns:a16="http://schemas.microsoft.com/office/drawing/2014/main" id="{F66C0109-EB51-4835-A9FE-30DC3F0BC04D}"/>
+                <a16:creationId xmlns:a16="http://schemas.microsoft.com/office/drawing/2014/main" xmlns="" id="{F66C0109-EB51-4835-A9FE-30DC3F0BC04D}"/>
               </a:ext>
             </a:extLst>
           </p:cNvPr>
@@ -12858,7 +12859,7 @@
           <p:cNvPr id="69" name="직사각형 68">
             <a:extLst>
               <a:ext uri="{FF2B5EF4-FFF2-40B4-BE49-F238E27FC236}">
-                <a16:creationId xmlns:a16="http://schemas.microsoft.com/office/drawing/2014/main" id="{B5F702E7-1906-4E80-A94F-F4FEF40E1222}"/>
+                <a16:creationId xmlns:a16="http://schemas.microsoft.com/office/drawing/2014/main" xmlns="" id="{B5F702E7-1906-4E80-A94F-F4FEF40E1222}"/>
               </a:ext>
             </a:extLst>
           </p:cNvPr>
@@ -12910,7 +12911,7 @@
           <p:cNvPr id="70" name="직사각형 69">
             <a:extLst>
               <a:ext uri="{FF2B5EF4-FFF2-40B4-BE49-F238E27FC236}">
-                <a16:creationId xmlns:a16="http://schemas.microsoft.com/office/drawing/2014/main" id="{CA7D067C-3164-40B5-8DC5-C7167E30F530}"/>
+                <a16:creationId xmlns:a16="http://schemas.microsoft.com/office/drawing/2014/main" xmlns="" id="{CA7D067C-3164-40B5-8DC5-C7167E30F530}"/>
               </a:ext>
             </a:extLst>
           </p:cNvPr>
@@ -12962,7 +12963,7 @@
           <p:cNvPr id="71" name="직사각형 70">
             <a:extLst>
               <a:ext uri="{FF2B5EF4-FFF2-40B4-BE49-F238E27FC236}">
-                <a16:creationId xmlns:a16="http://schemas.microsoft.com/office/drawing/2014/main" id="{CD45662D-F617-4993-A03E-730921832031}"/>
+                <a16:creationId xmlns:a16="http://schemas.microsoft.com/office/drawing/2014/main" xmlns="" id="{CD45662D-F617-4993-A03E-730921832031}"/>
               </a:ext>
             </a:extLst>
           </p:cNvPr>
@@ -13014,7 +13015,7 @@
           <p:cNvPr id="73" name="직선 연결선 72">
             <a:extLst>
               <a:ext uri="{FF2B5EF4-FFF2-40B4-BE49-F238E27FC236}">
-                <a16:creationId xmlns:a16="http://schemas.microsoft.com/office/drawing/2014/main" id="{910077DA-E3DA-446D-B510-AC990B4AE61C}"/>
+                <a16:creationId xmlns:a16="http://schemas.microsoft.com/office/drawing/2014/main" xmlns="" id="{910077DA-E3DA-446D-B510-AC990B4AE61C}"/>
               </a:ext>
             </a:extLst>
           </p:cNvPr>
@@ -13051,7 +13052,7 @@
           <p:cNvPr id="74" name="직선 연결선 73">
             <a:extLst>
               <a:ext uri="{FF2B5EF4-FFF2-40B4-BE49-F238E27FC236}">
-                <a16:creationId xmlns:a16="http://schemas.microsoft.com/office/drawing/2014/main" id="{4B375166-C62A-4182-AF64-4FCA61328A9F}"/>
+                <a16:creationId xmlns:a16="http://schemas.microsoft.com/office/drawing/2014/main" xmlns="" id="{4B375166-C62A-4182-AF64-4FCA61328A9F}"/>
               </a:ext>
             </a:extLst>
           </p:cNvPr>
@@ -13088,7 +13089,7 @@
           <p:cNvPr id="75" name="직선 연결선 74">
             <a:extLst>
               <a:ext uri="{FF2B5EF4-FFF2-40B4-BE49-F238E27FC236}">
-                <a16:creationId xmlns:a16="http://schemas.microsoft.com/office/drawing/2014/main" id="{868A54D0-21ED-4CD3-AF04-C8586B9CA19C}"/>
+                <a16:creationId xmlns:a16="http://schemas.microsoft.com/office/drawing/2014/main" xmlns="" id="{868A54D0-21ED-4CD3-AF04-C8586B9CA19C}"/>
               </a:ext>
             </a:extLst>
           </p:cNvPr>
@@ -13125,7 +13126,7 @@
           <p:cNvPr id="77" name="직선 연결선 76">
             <a:extLst>
               <a:ext uri="{FF2B5EF4-FFF2-40B4-BE49-F238E27FC236}">
-                <a16:creationId xmlns:a16="http://schemas.microsoft.com/office/drawing/2014/main" id="{A4CE329D-9523-4E0C-9B70-54029AB52613}"/>
+                <a16:creationId xmlns:a16="http://schemas.microsoft.com/office/drawing/2014/main" xmlns="" id="{A4CE329D-9523-4E0C-9B70-54029AB52613}"/>
               </a:ext>
             </a:extLst>
           </p:cNvPr>
@@ -13162,7 +13163,7 @@
           <p:cNvPr id="78" name="직선 연결선 77">
             <a:extLst>
               <a:ext uri="{FF2B5EF4-FFF2-40B4-BE49-F238E27FC236}">
-                <a16:creationId xmlns:a16="http://schemas.microsoft.com/office/drawing/2014/main" id="{3A8A85A2-A3D3-4241-A511-1C5CD3366887}"/>
+                <a16:creationId xmlns:a16="http://schemas.microsoft.com/office/drawing/2014/main" xmlns="" id="{3A8A85A2-A3D3-4241-A511-1C5CD3366887}"/>
               </a:ext>
             </a:extLst>
           </p:cNvPr>
@@ -13199,7 +13200,7 @@
           <p:cNvPr id="79" name="직선 연결선 78">
             <a:extLst>
               <a:ext uri="{FF2B5EF4-FFF2-40B4-BE49-F238E27FC236}">
-                <a16:creationId xmlns:a16="http://schemas.microsoft.com/office/drawing/2014/main" id="{FD95EC72-6FDD-4550-821A-EFDD29AF70A0}"/>
+                <a16:creationId xmlns:a16="http://schemas.microsoft.com/office/drawing/2014/main" xmlns="" id="{FD95EC72-6FDD-4550-821A-EFDD29AF70A0}"/>
               </a:ext>
             </a:extLst>
           </p:cNvPr>
@@ -13236,7 +13237,7 @@
           <p:cNvPr id="81" name="TextBox 80">
             <a:extLst>
               <a:ext uri="{FF2B5EF4-FFF2-40B4-BE49-F238E27FC236}">
-                <a16:creationId xmlns:a16="http://schemas.microsoft.com/office/drawing/2014/main" id="{14D6C7A1-351B-499D-ADAB-24B9A301F8B6}"/>
+                <a16:creationId xmlns:a16="http://schemas.microsoft.com/office/drawing/2014/main" xmlns="" id="{14D6C7A1-351B-499D-ADAB-24B9A301F8B6}"/>
               </a:ext>
             </a:extLst>
           </p:cNvPr>
@@ -13272,7 +13273,7 @@
           <p:cNvPr id="82" name="TextBox 81">
             <a:extLst>
               <a:ext uri="{FF2B5EF4-FFF2-40B4-BE49-F238E27FC236}">
-                <a16:creationId xmlns:a16="http://schemas.microsoft.com/office/drawing/2014/main" id="{9210E604-684F-4EC8-8E23-15913E3CA505}"/>
+                <a16:creationId xmlns:a16="http://schemas.microsoft.com/office/drawing/2014/main" xmlns="" id="{9210E604-684F-4EC8-8E23-15913E3CA505}"/>
               </a:ext>
             </a:extLst>
           </p:cNvPr>
@@ -13308,7 +13309,7 @@
           <p:cNvPr id="83" name="TextBox 82">
             <a:extLst>
               <a:ext uri="{FF2B5EF4-FFF2-40B4-BE49-F238E27FC236}">
-                <a16:creationId xmlns:a16="http://schemas.microsoft.com/office/drawing/2014/main" id="{CD789F6C-14F4-41BF-9FC9-05D2C2FC97DF}"/>
+                <a16:creationId xmlns:a16="http://schemas.microsoft.com/office/drawing/2014/main" xmlns="" id="{CD789F6C-14F4-41BF-9FC9-05D2C2FC97DF}"/>
               </a:ext>
             </a:extLst>
           </p:cNvPr>
@@ -13339,14 +13340,14 @@
           </a:p>
         </p:txBody>
       </p:sp>
-      <mc:AlternateContent xmlns:mc="http://schemas.openxmlformats.org/markup-compatibility/2006">
-        <mc:Choice xmlns:a14="http://schemas.microsoft.com/office/drawing/2010/main" Requires="a14">
+      <mc:AlternateContent xmlns:mc="http://schemas.openxmlformats.org/markup-compatibility/2006" xmlns:a14="http://schemas.microsoft.com/office/drawing/2010/main">
+        <mc:Choice Requires="a14">
           <p:sp>
             <p:nvSpPr>
               <p:cNvPr id="84" name="TextBox 83">
                 <a:extLst>
                   <a:ext uri="{FF2B5EF4-FFF2-40B4-BE49-F238E27FC236}">
-                    <a16:creationId xmlns:a16="http://schemas.microsoft.com/office/drawing/2014/main" id="{56E74A3F-C556-4C0A-97D6-5906C7CE3C1D}"/>
+                    <a16:creationId xmlns:a16="http://schemas.microsoft.com/office/drawing/2014/main" xmlns="" id="{56E74A3F-C556-4C0A-97D6-5906C7CE3C1D}"/>
                   </a:ext>
                 </a:extLst>
               </p:cNvPr>
@@ -13390,7 +13391,7 @@
             </p:txBody>
           </p:sp>
         </mc:Choice>
-        <mc:Fallback>
+        <mc:Fallback xmlns="">
           <p:sp>
             <p:nvSpPr>
               <p:cNvPr id="84" name="TextBox 83">
@@ -13440,7 +13441,7 @@
           <p:cNvPr id="85" name="TextBox 84">
             <a:extLst>
               <a:ext uri="{FF2B5EF4-FFF2-40B4-BE49-F238E27FC236}">
-                <a16:creationId xmlns:a16="http://schemas.microsoft.com/office/drawing/2014/main" id="{EE08A819-F3A8-4F68-B515-B30FA5105CED}"/>
+                <a16:creationId xmlns:a16="http://schemas.microsoft.com/office/drawing/2014/main" xmlns="" id="{EE08A819-F3A8-4F68-B515-B30FA5105CED}"/>
               </a:ext>
             </a:extLst>
           </p:cNvPr>
@@ -13476,7 +13477,7 @@
           <p:cNvPr id="87" name="TextBox 86">
             <a:extLst>
               <a:ext uri="{FF2B5EF4-FFF2-40B4-BE49-F238E27FC236}">
-                <a16:creationId xmlns:a16="http://schemas.microsoft.com/office/drawing/2014/main" id="{C78395C5-8C2C-42E2-A0CD-14DBE6F936B9}"/>
+                <a16:creationId xmlns:a16="http://schemas.microsoft.com/office/drawing/2014/main" xmlns="" id="{C78395C5-8C2C-42E2-A0CD-14DBE6F936B9}"/>
               </a:ext>
             </a:extLst>
           </p:cNvPr>
@@ -13512,7 +13513,7 @@
           <p:cNvPr id="88" name="TextBox 87">
             <a:extLst>
               <a:ext uri="{FF2B5EF4-FFF2-40B4-BE49-F238E27FC236}">
-                <a16:creationId xmlns:a16="http://schemas.microsoft.com/office/drawing/2014/main" id="{2AB4043C-3760-4A6A-8B6B-B8AFD291FCC9}"/>
+                <a16:creationId xmlns:a16="http://schemas.microsoft.com/office/drawing/2014/main" xmlns="" id="{2AB4043C-3760-4A6A-8B6B-B8AFD291FCC9}"/>
               </a:ext>
             </a:extLst>
           </p:cNvPr>
@@ -13548,7 +13549,7 @@
           <p:cNvPr id="89" name="TextBox 88">
             <a:extLst>
               <a:ext uri="{FF2B5EF4-FFF2-40B4-BE49-F238E27FC236}">
-                <a16:creationId xmlns:a16="http://schemas.microsoft.com/office/drawing/2014/main" id="{8B7A63D9-DE3D-4D79-BDB4-B12136E994A1}"/>
+                <a16:creationId xmlns:a16="http://schemas.microsoft.com/office/drawing/2014/main" xmlns="" id="{8B7A63D9-DE3D-4D79-BDB4-B12136E994A1}"/>
               </a:ext>
             </a:extLst>
           </p:cNvPr>
@@ -13579,14 +13580,14 @@
           </a:p>
         </p:txBody>
       </p:sp>
-      <mc:AlternateContent xmlns:mc="http://schemas.openxmlformats.org/markup-compatibility/2006">
-        <mc:Choice xmlns:a14="http://schemas.microsoft.com/office/drawing/2010/main" Requires="a14">
+      <mc:AlternateContent xmlns:mc="http://schemas.openxmlformats.org/markup-compatibility/2006" xmlns:a14="http://schemas.microsoft.com/office/drawing/2010/main">
+        <mc:Choice Requires="a14">
           <p:sp>
             <p:nvSpPr>
               <p:cNvPr id="90" name="TextBox 89">
                 <a:extLst>
                   <a:ext uri="{FF2B5EF4-FFF2-40B4-BE49-F238E27FC236}">
-                    <a16:creationId xmlns:a16="http://schemas.microsoft.com/office/drawing/2014/main" id="{9076E7BC-C105-4DE0-A88A-044BEACD1D81}"/>
+                    <a16:creationId xmlns:a16="http://schemas.microsoft.com/office/drawing/2014/main" xmlns="" id="{9076E7BC-C105-4DE0-A88A-044BEACD1D81}"/>
                   </a:ext>
                 </a:extLst>
               </p:cNvPr>
@@ -13630,7 +13631,7 @@
             </p:txBody>
           </p:sp>
         </mc:Choice>
-        <mc:Fallback>
+        <mc:Fallback xmlns="">
           <p:sp>
             <p:nvSpPr>
               <p:cNvPr id="90" name="TextBox 89">
@@ -13680,7 +13681,7 @@
           <p:cNvPr id="91" name="TextBox 90">
             <a:extLst>
               <a:ext uri="{FF2B5EF4-FFF2-40B4-BE49-F238E27FC236}">
-                <a16:creationId xmlns:a16="http://schemas.microsoft.com/office/drawing/2014/main" id="{2F440577-8729-4153-B3AB-FEA08DB354B1}"/>
+                <a16:creationId xmlns:a16="http://schemas.microsoft.com/office/drawing/2014/main" xmlns="" id="{2F440577-8729-4153-B3AB-FEA08DB354B1}"/>
               </a:ext>
             </a:extLst>
           </p:cNvPr>
@@ -13716,7 +13717,7 @@
           <p:cNvPr id="93" name="TextBox 92">
             <a:extLst>
               <a:ext uri="{FF2B5EF4-FFF2-40B4-BE49-F238E27FC236}">
-                <a16:creationId xmlns:a16="http://schemas.microsoft.com/office/drawing/2014/main" id="{F1E3239E-E606-4243-A1D4-C85A3C009C6D}"/>
+                <a16:creationId xmlns:a16="http://schemas.microsoft.com/office/drawing/2014/main" xmlns="" id="{F1E3239E-E606-4243-A1D4-C85A3C009C6D}"/>
               </a:ext>
             </a:extLst>
           </p:cNvPr>
@@ -13752,7 +13753,7 @@
           <p:cNvPr id="94" name="TextBox 93">
             <a:extLst>
               <a:ext uri="{FF2B5EF4-FFF2-40B4-BE49-F238E27FC236}">
-                <a16:creationId xmlns:a16="http://schemas.microsoft.com/office/drawing/2014/main" id="{42C48EFA-6BCF-449C-81A4-CB3DAB1BBCD6}"/>
+                <a16:creationId xmlns:a16="http://schemas.microsoft.com/office/drawing/2014/main" xmlns="" id="{42C48EFA-6BCF-449C-81A4-CB3DAB1BBCD6}"/>
               </a:ext>
             </a:extLst>
           </p:cNvPr>
@@ -13788,7 +13789,7 @@
           <p:cNvPr id="95" name="TextBox 94">
             <a:extLst>
               <a:ext uri="{FF2B5EF4-FFF2-40B4-BE49-F238E27FC236}">
-                <a16:creationId xmlns:a16="http://schemas.microsoft.com/office/drawing/2014/main" id="{02222A3A-D72A-47B3-AB20-736CDBE8D333}"/>
+                <a16:creationId xmlns:a16="http://schemas.microsoft.com/office/drawing/2014/main" xmlns="" id="{02222A3A-D72A-47B3-AB20-736CDBE8D333}"/>
               </a:ext>
             </a:extLst>
           </p:cNvPr>
@@ -13819,14 +13820,14 @@
           </a:p>
         </p:txBody>
       </p:sp>
-      <mc:AlternateContent xmlns:mc="http://schemas.openxmlformats.org/markup-compatibility/2006">
-        <mc:Choice xmlns:a14="http://schemas.microsoft.com/office/drawing/2010/main" Requires="a14">
+      <mc:AlternateContent xmlns:mc="http://schemas.openxmlformats.org/markup-compatibility/2006" xmlns:a14="http://schemas.microsoft.com/office/drawing/2010/main">
+        <mc:Choice Requires="a14">
           <p:sp>
             <p:nvSpPr>
               <p:cNvPr id="96" name="TextBox 95">
                 <a:extLst>
                   <a:ext uri="{FF2B5EF4-FFF2-40B4-BE49-F238E27FC236}">
-                    <a16:creationId xmlns:a16="http://schemas.microsoft.com/office/drawing/2014/main" id="{7C0C8358-CC45-4DE6-852F-748EA68FA580}"/>
+                    <a16:creationId xmlns:a16="http://schemas.microsoft.com/office/drawing/2014/main" xmlns="" id="{7C0C8358-CC45-4DE6-852F-748EA68FA580}"/>
                   </a:ext>
                 </a:extLst>
               </p:cNvPr>
@@ -13870,7 +13871,7 @@
             </p:txBody>
           </p:sp>
         </mc:Choice>
-        <mc:Fallback>
+        <mc:Fallback xmlns="">
           <p:sp>
             <p:nvSpPr>
               <p:cNvPr id="96" name="TextBox 95">
@@ -13920,7 +13921,7 @@
           <p:cNvPr id="97" name="TextBox 96">
             <a:extLst>
               <a:ext uri="{FF2B5EF4-FFF2-40B4-BE49-F238E27FC236}">
-                <a16:creationId xmlns:a16="http://schemas.microsoft.com/office/drawing/2014/main" id="{211AF5E2-2682-4F75-A4BE-CB5BB543E9B6}"/>
+                <a16:creationId xmlns:a16="http://schemas.microsoft.com/office/drawing/2014/main" xmlns="" id="{211AF5E2-2682-4F75-A4BE-CB5BB543E9B6}"/>
               </a:ext>
             </a:extLst>
           </p:cNvPr>
@@ -13951,14 +13952,14 @@
           </a:p>
         </p:txBody>
       </p:sp>
-      <mc:AlternateContent xmlns:mc="http://schemas.openxmlformats.org/markup-compatibility/2006">
-        <mc:Choice xmlns:a14="http://schemas.microsoft.com/office/drawing/2010/main" Requires="a14">
+      <mc:AlternateContent xmlns:mc="http://schemas.openxmlformats.org/markup-compatibility/2006" xmlns:a14="http://schemas.microsoft.com/office/drawing/2010/main">
+        <mc:Choice Requires="a14">
           <p:sp>
             <p:nvSpPr>
               <p:cNvPr id="99" name="TextBox 98">
                 <a:extLst>
                   <a:ext uri="{FF2B5EF4-FFF2-40B4-BE49-F238E27FC236}">
-                    <a16:creationId xmlns:a16="http://schemas.microsoft.com/office/drawing/2014/main" id="{2BDCA189-DFE6-4901-B03F-90DFC1EDA698}"/>
+                    <a16:creationId xmlns:a16="http://schemas.microsoft.com/office/drawing/2014/main" xmlns="" id="{2BDCA189-DFE6-4901-B03F-90DFC1EDA698}"/>
                   </a:ext>
                 </a:extLst>
               </p:cNvPr>
@@ -14002,7 +14003,7 @@
             </p:txBody>
           </p:sp>
         </mc:Choice>
-        <mc:Fallback>
+        <mc:Fallback xmlns="">
           <p:sp>
             <p:nvSpPr>
               <p:cNvPr id="99" name="TextBox 98">
@@ -14047,14 +14048,14 @@
           </p:sp>
         </mc:Fallback>
       </mc:AlternateContent>
-      <mc:AlternateContent xmlns:mc="http://schemas.openxmlformats.org/markup-compatibility/2006">
-        <mc:Choice xmlns:a14="http://schemas.microsoft.com/office/drawing/2010/main" Requires="a14">
+      <mc:AlternateContent xmlns:mc="http://schemas.openxmlformats.org/markup-compatibility/2006" xmlns:a14="http://schemas.microsoft.com/office/drawing/2010/main">
+        <mc:Choice Requires="a14">
           <p:sp>
             <p:nvSpPr>
               <p:cNvPr id="100" name="TextBox 99">
                 <a:extLst>
                   <a:ext uri="{FF2B5EF4-FFF2-40B4-BE49-F238E27FC236}">
-                    <a16:creationId xmlns:a16="http://schemas.microsoft.com/office/drawing/2014/main" id="{BA8E2313-E56C-4DE9-A295-163B5F5B8E99}"/>
+                    <a16:creationId xmlns:a16="http://schemas.microsoft.com/office/drawing/2014/main" xmlns="" id="{BA8E2313-E56C-4DE9-A295-163B5F5B8E99}"/>
                   </a:ext>
                 </a:extLst>
               </p:cNvPr>
@@ -14098,7 +14099,7 @@
             </p:txBody>
           </p:sp>
         </mc:Choice>
-        <mc:Fallback>
+        <mc:Fallback xmlns="">
           <p:sp>
             <p:nvSpPr>
               <p:cNvPr id="100" name="TextBox 99">
@@ -14143,14 +14144,14 @@
           </p:sp>
         </mc:Fallback>
       </mc:AlternateContent>
-      <mc:AlternateContent xmlns:mc="http://schemas.openxmlformats.org/markup-compatibility/2006">
-        <mc:Choice xmlns:a14="http://schemas.microsoft.com/office/drawing/2010/main" Requires="a14">
+      <mc:AlternateContent xmlns:mc="http://schemas.openxmlformats.org/markup-compatibility/2006" xmlns:a14="http://schemas.microsoft.com/office/drawing/2010/main">
+        <mc:Choice Requires="a14">
           <p:sp>
             <p:nvSpPr>
               <p:cNvPr id="101" name="TextBox 100">
                 <a:extLst>
                   <a:ext uri="{FF2B5EF4-FFF2-40B4-BE49-F238E27FC236}">
-                    <a16:creationId xmlns:a16="http://schemas.microsoft.com/office/drawing/2014/main" id="{FBF051A9-E80F-4DA2-98AC-E57013251872}"/>
+                    <a16:creationId xmlns:a16="http://schemas.microsoft.com/office/drawing/2014/main" xmlns="" id="{FBF051A9-E80F-4DA2-98AC-E57013251872}"/>
                   </a:ext>
                 </a:extLst>
               </p:cNvPr>
@@ -14194,7 +14195,7 @@
             </p:txBody>
           </p:sp>
         </mc:Choice>
-        <mc:Fallback>
+        <mc:Fallback xmlns="">
           <p:sp>
             <p:nvSpPr>
               <p:cNvPr id="101" name="TextBox 100">
@@ -14239,14 +14240,14 @@
           </p:sp>
         </mc:Fallback>
       </mc:AlternateContent>
-      <mc:AlternateContent xmlns:mc="http://schemas.openxmlformats.org/markup-compatibility/2006">
-        <mc:Choice xmlns:a14="http://schemas.microsoft.com/office/drawing/2010/main" Requires="a14">
+      <mc:AlternateContent xmlns:mc="http://schemas.openxmlformats.org/markup-compatibility/2006" xmlns:a14="http://schemas.microsoft.com/office/drawing/2010/main">
+        <mc:Choice Requires="a14">
           <p:sp>
             <p:nvSpPr>
               <p:cNvPr id="102" name="TextBox 101">
                 <a:extLst>
                   <a:ext uri="{FF2B5EF4-FFF2-40B4-BE49-F238E27FC236}">
-                    <a16:creationId xmlns:a16="http://schemas.microsoft.com/office/drawing/2014/main" id="{93EFCCD8-4694-4647-AAAA-4EE76700CFB3}"/>
+                    <a16:creationId xmlns:a16="http://schemas.microsoft.com/office/drawing/2014/main" xmlns="" id="{93EFCCD8-4694-4647-AAAA-4EE76700CFB3}"/>
                   </a:ext>
                 </a:extLst>
               </p:cNvPr>
@@ -14290,7 +14291,7 @@
             </p:txBody>
           </p:sp>
         </mc:Choice>
-        <mc:Fallback>
+        <mc:Fallback xmlns="">
           <p:sp>
             <p:nvSpPr>
               <p:cNvPr id="102" name="TextBox 101">
@@ -14335,14 +14336,14 @@
           </p:sp>
         </mc:Fallback>
       </mc:AlternateContent>
-      <mc:AlternateContent xmlns:mc="http://schemas.openxmlformats.org/markup-compatibility/2006">
-        <mc:Choice xmlns:a14="http://schemas.microsoft.com/office/drawing/2010/main" Requires="a14">
+      <mc:AlternateContent xmlns:mc="http://schemas.openxmlformats.org/markup-compatibility/2006" xmlns:a14="http://schemas.microsoft.com/office/drawing/2010/main">
+        <mc:Choice Requires="a14">
           <p:sp>
             <p:nvSpPr>
               <p:cNvPr id="103" name="TextBox 102">
                 <a:extLst>
                   <a:ext uri="{FF2B5EF4-FFF2-40B4-BE49-F238E27FC236}">
-                    <a16:creationId xmlns:a16="http://schemas.microsoft.com/office/drawing/2014/main" id="{C07E3264-D93A-42A8-A15F-F26D8444D79A}"/>
+                    <a16:creationId xmlns:a16="http://schemas.microsoft.com/office/drawing/2014/main" xmlns="" id="{C07E3264-D93A-42A8-A15F-F26D8444D79A}"/>
                   </a:ext>
                 </a:extLst>
               </p:cNvPr>
@@ -14386,7 +14387,7 @@
             </p:txBody>
           </p:sp>
         </mc:Choice>
-        <mc:Fallback>
+        <mc:Fallback xmlns="">
           <p:sp>
             <p:nvSpPr>
               <p:cNvPr id="103" name="TextBox 102">
@@ -14436,7 +14437,7 @@
           <p:cNvPr id="105" name="TextBox 104">
             <a:extLst>
               <a:ext uri="{FF2B5EF4-FFF2-40B4-BE49-F238E27FC236}">
-                <a16:creationId xmlns:a16="http://schemas.microsoft.com/office/drawing/2014/main" id="{6F98A829-43BF-45A0-B5C1-20687855B9CB}"/>
+                <a16:creationId xmlns:a16="http://schemas.microsoft.com/office/drawing/2014/main" xmlns="" id="{6F98A829-43BF-45A0-B5C1-20687855B9CB}"/>
               </a:ext>
             </a:extLst>
           </p:cNvPr>
@@ -14472,7 +14473,7 @@
           <p:cNvPr id="106" name="TextBox 105">
             <a:extLst>
               <a:ext uri="{FF2B5EF4-FFF2-40B4-BE49-F238E27FC236}">
-                <a16:creationId xmlns:a16="http://schemas.microsoft.com/office/drawing/2014/main" id="{BBCF1D74-D21F-4D32-A2B6-EC5DF8B87D93}"/>
+                <a16:creationId xmlns:a16="http://schemas.microsoft.com/office/drawing/2014/main" xmlns="" id="{BBCF1D74-D21F-4D32-A2B6-EC5DF8B87D93}"/>
               </a:ext>
             </a:extLst>
           </p:cNvPr>
@@ -14508,7 +14509,7 @@
           <p:cNvPr id="107" name="TextBox 106">
             <a:extLst>
               <a:ext uri="{FF2B5EF4-FFF2-40B4-BE49-F238E27FC236}">
-                <a16:creationId xmlns:a16="http://schemas.microsoft.com/office/drawing/2014/main" id="{AF678742-A9C5-48FA-8295-DDEA2C8FBB87}"/>
+                <a16:creationId xmlns:a16="http://schemas.microsoft.com/office/drawing/2014/main" xmlns="" id="{AF678742-A9C5-48FA-8295-DDEA2C8FBB87}"/>
               </a:ext>
             </a:extLst>
           </p:cNvPr>
@@ -14539,14 +14540,14 @@
           </a:p>
         </p:txBody>
       </p:sp>
-      <mc:AlternateContent xmlns:mc="http://schemas.openxmlformats.org/markup-compatibility/2006">
-        <mc:Choice xmlns:a14="http://schemas.microsoft.com/office/drawing/2010/main" Requires="a14">
+      <mc:AlternateContent xmlns:mc="http://schemas.openxmlformats.org/markup-compatibility/2006" xmlns:a14="http://schemas.microsoft.com/office/drawing/2010/main">
+        <mc:Choice Requires="a14">
           <p:sp>
             <p:nvSpPr>
               <p:cNvPr id="108" name="TextBox 107">
                 <a:extLst>
                   <a:ext uri="{FF2B5EF4-FFF2-40B4-BE49-F238E27FC236}">
-                    <a16:creationId xmlns:a16="http://schemas.microsoft.com/office/drawing/2014/main" id="{E2A94889-B5EB-4B5A-B572-85DD2A9A3215}"/>
+                    <a16:creationId xmlns:a16="http://schemas.microsoft.com/office/drawing/2014/main" xmlns="" id="{E2A94889-B5EB-4B5A-B572-85DD2A9A3215}"/>
                   </a:ext>
                 </a:extLst>
               </p:cNvPr>
@@ -14590,7 +14591,7 @@
             </p:txBody>
           </p:sp>
         </mc:Choice>
-        <mc:Fallback>
+        <mc:Fallback xmlns="">
           <p:sp>
             <p:nvSpPr>
               <p:cNvPr id="108" name="TextBox 107">
@@ -14640,7 +14641,7 @@
           <p:cNvPr id="109" name="TextBox 108">
             <a:extLst>
               <a:ext uri="{FF2B5EF4-FFF2-40B4-BE49-F238E27FC236}">
-                <a16:creationId xmlns:a16="http://schemas.microsoft.com/office/drawing/2014/main" id="{EF968D5D-32A7-4EC1-973F-F1A361897430}"/>
+                <a16:creationId xmlns:a16="http://schemas.microsoft.com/office/drawing/2014/main" xmlns="" id="{EF968D5D-32A7-4EC1-973F-F1A361897430}"/>
               </a:ext>
             </a:extLst>
           </p:cNvPr>
@@ -14671,14 +14672,14 @@
           </a:p>
         </p:txBody>
       </p:sp>
-      <mc:AlternateContent xmlns:mc="http://schemas.openxmlformats.org/markup-compatibility/2006">
-        <mc:Choice xmlns:a14="http://schemas.microsoft.com/office/drawing/2010/main" Requires="a14">
+      <mc:AlternateContent xmlns:mc="http://schemas.openxmlformats.org/markup-compatibility/2006" xmlns:a14="http://schemas.microsoft.com/office/drawing/2010/main">
+        <mc:Choice Requires="a14">
           <p:sp>
             <p:nvSpPr>
               <p:cNvPr id="65" name="TextBox 64">
                 <a:extLst>
                   <a:ext uri="{FF2B5EF4-FFF2-40B4-BE49-F238E27FC236}">
-                    <a16:creationId xmlns:a16="http://schemas.microsoft.com/office/drawing/2014/main" id="{D8A8E328-94BE-4DAE-B088-E4FAEEFF052A}"/>
+                    <a16:creationId xmlns:a16="http://schemas.microsoft.com/office/drawing/2014/main" xmlns="" id="{D8A8E328-94BE-4DAE-B088-E4FAEEFF052A}"/>
                   </a:ext>
                 </a:extLst>
               </p:cNvPr>
@@ -14722,7 +14723,7 @@
             </p:txBody>
           </p:sp>
         </mc:Choice>
-        <mc:Fallback>
+        <mc:Fallback xmlns="">
           <p:sp>
             <p:nvSpPr>
               <p:cNvPr id="65" name="TextBox 64">
@@ -14767,14 +14768,14 @@
           </p:sp>
         </mc:Fallback>
       </mc:AlternateContent>
-      <mc:AlternateContent xmlns:mc="http://schemas.openxmlformats.org/markup-compatibility/2006">
-        <mc:Choice xmlns:a14="http://schemas.microsoft.com/office/drawing/2010/main" Requires="a14">
+      <mc:AlternateContent xmlns:mc="http://schemas.openxmlformats.org/markup-compatibility/2006" xmlns:a14="http://schemas.microsoft.com/office/drawing/2010/main">
+        <mc:Choice Requires="a14">
           <p:sp>
             <p:nvSpPr>
               <p:cNvPr id="66" name="TextBox 65">
                 <a:extLst>
                   <a:ext uri="{FF2B5EF4-FFF2-40B4-BE49-F238E27FC236}">
-                    <a16:creationId xmlns:a16="http://schemas.microsoft.com/office/drawing/2014/main" id="{380F06DA-7C24-4FE6-A01C-B553D005D083}"/>
+                    <a16:creationId xmlns:a16="http://schemas.microsoft.com/office/drawing/2014/main" xmlns="" id="{380F06DA-7C24-4FE6-A01C-B553D005D083}"/>
                   </a:ext>
                 </a:extLst>
               </p:cNvPr>
@@ -14818,7 +14819,7 @@
             </p:txBody>
           </p:sp>
         </mc:Choice>
-        <mc:Fallback>
+        <mc:Fallback xmlns="">
           <p:sp>
             <p:nvSpPr>
               <p:cNvPr id="66" name="TextBox 65">
@@ -14868,7 +14869,7 @@
           <p:cNvPr id="132" name="TextBox 131">
             <a:extLst>
               <a:ext uri="{FF2B5EF4-FFF2-40B4-BE49-F238E27FC236}">
-                <a16:creationId xmlns:a16="http://schemas.microsoft.com/office/drawing/2014/main" id="{187A8CF7-BE3B-482A-BDDE-B1868E0E276E}"/>
+                <a16:creationId xmlns:a16="http://schemas.microsoft.com/office/drawing/2014/main" xmlns="" id="{187A8CF7-BE3B-482A-BDDE-B1868E0E276E}"/>
               </a:ext>
             </a:extLst>
           </p:cNvPr>
@@ -17184,7 +17185,7 @@
           <p:cNvPr id="32" name="TextBox 31">
             <a:extLst>
               <a:ext uri="{FF2B5EF4-FFF2-40B4-BE49-F238E27FC236}">
-                <a16:creationId xmlns:a16="http://schemas.microsoft.com/office/drawing/2014/main" id="{DE86F90F-4812-41DA-8B7A-FD6B8799E892}"/>
+                <a16:creationId xmlns:a16="http://schemas.microsoft.com/office/drawing/2014/main" xmlns="" id="{DE86F90F-4812-41DA-8B7A-FD6B8799E892}"/>
               </a:ext>
             </a:extLst>
           </p:cNvPr>
@@ -17223,7 +17224,7 @@
           <p:cNvPr id="33" name="TextBox 32">
             <a:extLst>
               <a:ext uri="{FF2B5EF4-FFF2-40B4-BE49-F238E27FC236}">
-                <a16:creationId xmlns:a16="http://schemas.microsoft.com/office/drawing/2014/main" id="{CF783C1A-D9B3-48C4-A765-79444AD6D4FF}"/>
+                <a16:creationId xmlns:a16="http://schemas.microsoft.com/office/drawing/2014/main" xmlns="" id="{CF783C1A-D9B3-48C4-A765-79444AD6D4FF}"/>
               </a:ext>
             </a:extLst>
           </p:cNvPr>
@@ -17587,7 +17588,7 @@
           <p:cNvPr id="4" name="직선 화살표 연결선 3">
             <a:extLst>
               <a:ext uri="{FF2B5EF4-FFF2-40B4-BE49-F238E27FC236}">
-                <a16:creationId xmlns:a16="http://schemas.microsoft.com/office/drawing/2014/main" id="{115EE6A1-1C7C-4095-9621-716CB44F45FD}"/>
+                <a16:creationId xmlns:a16="http://schemas.microsoft.com/office/drawing/2014/main" xmlns="" id="{115EE6A1-1C7C-4095-9621-716CB44F45FD}"/>
               </a:ext>
             </a:extLst>
           </p:cNvPr>
@@ -17629,7 +17630,7 @@
           <p:cNvPr id="7" name="직선 화살표 연결선 6">
             <a:extLst>
               <a:ext uri="{FF2B5EF4-FFF2-40B4-BE49-F238E27FC236}">
-                <a16:creationId xmlns:a16="http://schemas.microsoft.com/office/drawing/2014/main" id="{6954C3A5-9BF1-454C-9670-467EFE959EC0}"/>
+                <a16:creationId xmlns:a16="http://schemas.microsoft.com/office/drawing/2014/main" xmlns="" id="{6954C3A5-9BF1-454C-9670-467EFE959EC0}"/>
               </a:ext>
             </a:extLst>
           </p:cNvPr>
@@ -17673,7 +17674,7 @@
           <p:cNvPr id="10" name="직선 화살표 연결선 9">
             <a:extLst>
               <a:ext uri="{FF2B5EF4-FFF2-40B4-BE49-F238E27FC236}">
-                <a16:creationId xmlns:a16="http://schemas.microsoft.com/office/drawing/2014/main" id="{B22C35A0-29BA-499C-8FBB-32B27C547BD1}"/>
+                <a16:creationId xmlns:a16="http://schemas.microsoft.com/office/drawing/2014/main" xmlns="" id="{B22C35A0-29BA-499C-8FBB-32B27C547BD1}"/>
               </a:ext>
             </a:extLst>
           </p:cNvPr>
@@ -17715,7 +17716,7 @@
           <p:cNvPr id="11" name="직선 화살표 연결선 10">
             <a:extLst>
               <a:ext uri="{FF2B5EF4-FFF2-40B4-BE49-F238E27FC236}">
-                <a16:creationId xmlns:a16="http://schemas.microsoft.com/office/drawing/2014/main" id="{6ED94E00-41DD-4597-8942-4B2C9332E32E}"/>
+                <a16:creationId xmlns:a16="http://schemas.microsoft.com/office/drawing/2014/main" xmlns="" id="{6ED94E00-41DD-4597-8942-4B2C9332E32E}"/>
               </a:ext>
             </a:extLst>
           </p:cNvPr>
@@ -17757,7 +17758,7 @@
           <p:cNvPr id="8" name="TextBox 7">
             <a:extLst>
               <a:ext uri="{FF2B5EF4-FFF2-40B4-BE49-F238E27FC236}">
-                <a16:creationId xmlns:a16="http://schemas.microsoft.com/office/drawing/2014/main" id="{FE908FA0-B480-4749-8041-F1F510B40F15}"/>
+                <a16:creationId xmlns:a16="http://schemas.microsoft.com/office/drawing/2014/main" xmlns="" id="{FE908FA0-B480-4749-8041-F1F510B40F15}"/>
               </a:ext>
             </a:extLst>
           </p:cNvPr>
@@ -17792,7 +17793,7 @@
           <p:cNvPr id="13" name="TextBox 12">
             <a:extLst>
               <a:ext uri="{FF2B5EF4-FFF2-40B4-BE49-F238E27FC236}">
-                <a16:creationId xmlns:a16="http://schemas.microsoft.com/office/drawing/2014/main" id="{8F1B0FE0-C874-4DE7-9EC3-91C472ECF94D}"/>
+                <a16:creationId xmlns:a16="http://schemas.microsoft.com/office/drawing/2014/main" xmlns="" id="{8F1B0FE0-C874-4DE7-9EC3-91C472ECF94D}"/>
               </a:ext>
             </a:extLst>
           </p:cNvPr>
@@ -17830,6 +17831,100 @@
     <p:extLst>
       <p:ext uri="{BB962C8B-B14F-4D97-AF65-F5344CB8AC3E}">
         <p14:creationId xmlns:p14="http://schemas.microsoft.com/office/powerpoint/2010/main" val="4040717372"/>
+      </p:ext>
+    </p:extLst>
+  </p:cSld>
+  <p:clrMapOvr>
+    <a:masterClrMapping/>
+  </p:clrMapOvr>
+</p:sld>
+</file>
+
+<file path=ppt/slides/slide6.xml><?xml version="1.0" encoding="utf-8"?>
+<p:sld xmlns:a="http://schemas.openxmlformats.org/drawingml/2006/main" xmlns:r="http://schemas.openxmlformats.org/officeDocument/2006/relationships" xmlns:p="http://schemas.openxmlformats.org/presentationml/2006/main">
+  <p:cSld>
+    <p:spTree>
+      <p:nvGrpSpPr>
+        <p:cNvPr id="1" name=""/>
+        <p:cNvGrpSpPr/>
+        <p:nvPr/>
+      </p:nvGrpSpPr>
+      <p:grpSpPr>
+        <a:xfrm>
+          <a:off x="0" y="0"/>
+          <a:ext cx="0" cy="0"/>
+          <a:chOff x="0" y="0"/>
+          <a:chExt cx="0" cy="0"/>
+        </a:xfrm>
+      </p:grpSpPr>
+      <p:pic>
+        <p:nvPicPr>
+          <p:cNvPr id="1028" name="Picture 4"/>
+          <p:cNvPicPr>
+            <a:picLocks noChangeAspect="1" noChangeArrowheads="1"/>
+          </p:cNvPicPr>
+          <p:nvPr/>
+        </p:nvPicPr>
+        <p:blipFill>
+          <a:blip r:embed="rId2">
+            <a:extLst>
+              <a:ext uri="{28A0092B-C50C-407E-A947-70E740481C1C}">
+                <a14:useLocalDpi xmlns:a14="http://schemas.microsoft.com/office/drawing/2010/main" val="0"/>
+              </a:ext>
+            </a:extLst>
+          </a:blip>
+          <a:srcRect/>
+          <a:stretch>
+            <a:fillRect/>
+          </a:stretch>
+        </p:blipFill>
+        <p:spPr bwMode="auto">
+          <a:xfrm>
+            <a:off x="1990725" y="1533525"/>
+            <a:ext cx="5162550" cy="3790950"/>
+          </a:xfrm>
+          <a:prstGeom prst="rect">
+            <a:avLst/>
+          </a:prstGeom>
+          <a:noFill/>
+          <a:ln>
+            <a:noFill/>
+          </a:ln>
+          <a:effectLst/>
+          <a:extLst>
+            <a:ext uri="{909E8E84-426E-40DD-AFC4-6F175D3DCCD1}">
+              <a14:hiddenFill xmlns:a14="http://schemas.microsoft.com/office/drawing/2010/main">
+                <a:solidFill>
+                  <a:schemeClr val="accent1"/>
+                </a:solidFill>
+              </a14:hiddenFill>
+            </a:ext>
+            <a:ext uri="{91240B29-F687-4F45-9708-019B960494DF}">
+              <a14:hiddenLine xmlns:a14="http://schemas.microsoft.com/office/drawing/2010/main" w="9525">
+                <a:solidFill>
+                  <a:schemeClr val="tx1"/>
+                </a:solidFill>
+                <a:miter lim="800000"/>
+                <a:headEnd/>
+                <a:tailEnd/>
+              </a14:hiddenLine>
+            </a:ext>
+            <a:ext uri="{AF507438-7753-43E0-B8FC-AC1667EBCBE1}">
+              <a14:hiddenEffects xmlns:a14="http://schemas.microsoft.com/office/drawing/2010/main">
+                <a:effectLst>
+                  <a:outerShdw dist="35921" dir="2700000" algn="ctr" rotWithShape="0">
+                    <a:schemeClr val="bg2"/>
+                  </a:outerShdw>
+                </a:effectLst>
+              </a14:hiddenEffects>
+            </a:ext>
+          </a:extLst>
+        </p:spPr>
+      </p:pic>
+    </p:spTree>
+    <p:extLst>
+      <p:ext uri="{BB962C8B-B14F-4D97-AF65-F5344CB8AC3E}">
+        <p14:creationId xmlns:p14="http://schemas.microsoft.com/office/powerpoint/2010/main" val="1136747621"/>
       </p:ext>
     </p:extLst>
   </p:cSld>
@@ -18165,7 +18260,7 @@
     </a:clrScheme>
     <a:fontScheme name="Office">
       <a:majorFont>
-        <a:latin typeface="맑은 고딕" panose="020F0302020204030204"/>
+        <a:latin typeface="맑은 고딕"/>
         <a:ea typeface=""/>
         <a:cs typeface=""/>
         <a:font script="Jpan" typeface="游ゴシック Light"/>
@@ -18217,7 +18312,7 @@
         <a:font script="Tfng" typeface="Ebrima"/>
       </a:majorFont>
       <a:minorFont>
-        <a:latin typeface="맑은 고딕" panose="020F0502020204030204"/>
+        <a:latin typeface="맑은 고딕"/>
         <a:ea typeface=""/>
         <a:cs typeface=""/>
         <a:font script="Jpan" typeface="游ゴシック"/>
@@ -18411,7 +18506,7 @@
   <a:extraClrSchemeLst/>
   <a:extLst>
     <a:ext uri="{05A4C25C-085E-4340-85A3-A5531E510DB2}">
-      <thm15:themeFamily xmlns:thm15="http://schemas.microsoft.com/office/thememl/2012/main" name="Office Theme" id="{62F939B6-93AF-4DB8-9C6B-D6C7DFDC589F}" vid="{4A3C46E8-61CC-4603-A589-7422A47A8E4A}"/>
+      <thm15:themeFamily xmlns:thm15="http://schemas.microsoft.com/office/thememl/2012/main" xmlns="" name="Office Theme" id="{62F939B6-93AF-4DB8-9C6B-D6C7DFDC589F}" vid="{4A3C46E8-61CC-4603-A589-7422A47A8E4A}"/>
     </a:ext>
   </a:extLst>
 </a:theme>

--- a/pics/2021-06-09-Greens_function/pics.pptx
+++ b/pics/2021-06-09-Greens_function/pics.pptx
@@ -5,7 +5,7 @@
     <p:sldMasterId id="2147483648" r:id="rId1"/>
   </p:sldMasterIdLst>
   <p:notesMasterIdLst>
-    <p:notesMasterId r:id="rId8"/>
+    <p:notesMasterId r:id="rId10"/>
   </p:notesMasterIdLst>
   <p:sldIdLst>
     <p:sldId id="259" r:id="rId2"/>
@@ -14,6 +14,8 @@
     <p:sldId id="257" r:id="rId5"/>
     <p:sldId id="258" r:id="rId6"/>
     <p:sldId id="261" r:id="rId7"/>
+    <p:sldId id="262" r:id="rId8"/>
+    <p:sldId id="263" r:id="rId9"/>
   </p:sldIdLst>
   <p:sldSz cx="9144000" cy="6858000" type="screen4x3"/>
   <p:notesSz cx="6858000" cy="9144000"/>
@@ -17934,6 +17936,194 @@
 </p:sld>
 </file>
 
+<file path=ppt/slides/slide7.xml><?xml version="1.0" encoding="utf-8"?>
+<p:sld xmlns:a="http://schemas.openxmlformats.org/drawingml/2006/main" xmlns:r="http://schemas.openxmlformats.org/officeDocument/2006/relationships" xmlns:p="http://schemas.openxmlformats.org/presentationml/2006/main">
+  <p:cSld>
+    <p:spTree>
+      <p:nvGrpSpPr>
+        <p:cNvPr id="1" name=""/>
+        <p:cNvGrpSpPr/>
+        <p:nvPr/>
+      </p:nvGrpSpPr>
+      <p:grpSpPr>
+        <a:xfrm>
+          <a:off x="0" y="0"/>
+          <a:ext cx="0" cy="0"/>
+          <a:chOff x="0" y="0"/>
+          <a:chExt cx="0" cy="0"/>
+        </a:xfrm>
+      </p:grpSpPr>
+      <p:pic>
+        <p:nvPicPr>
+          <p:cNvPr id="2" name="Picture 2"/>
+          <p:cNvPicPr>
+            <a:picLocks noChangeAspect="1" noChangeArrowheads="1"/>
+          </p:cNvPicPr>
+          <p:nvPr/>
+        </p:nvPicPr>
+        <p:blipFill>
+          <a:blip r:embed="rId2">
+            <a:extLst>
+              <a:ext uri="{28A0092B-C50C-407E-A947-70E740481C1C}">
+                <a14:useLocalDpi xmlns:a14="http://schemas.microsoft.com/office/drawing/2010/main" val="0"/>
+              </a:ext>
+            </a:extLst>
+          </a:blip>
+          <a:srcRect/>
+          <a:stretch>
+            <a:fillRect/>
+          </a:stretch>
+        </p:blipFill>
+        <p:spPr bwMode="auto">
+          <a:xfrm>
+            <a:off x="1909763" y="1433513"/>
+            <a:ext cx="5324475" cy="3990975"/>
+          </a:xfrm>
+          <a:prstGeom prst="rect">
+            <a:avLst/>
+          </a:prstGeom>
+          <a:noFill/>
+          <a:ln>
+            <a:noFill/>
+          </a:ln>
+          <a:effectLst/>
+          <a:extLst>
+            <a:ext uri="{909E8E84-426E-40DD-AFC4-6F175D3DCCD1}">
+              <a14:hiddenFill xmlns:a14="http://schemas.microsoft.com/office/drawing/2010/main">
+                <a:solidFill>
+                  <a:schemeClr val="accent1"/>
+                </a:solidFill>
+              </a14:hiddenFill>
+            </a:ext>
+            <a:ext uri="{91240B29-F687-4F45-9708-019B960494DF}">
+              <a14:hiddenLine xmlns:a14="http://schemas.microsoft.com/office/drawing/2010/main" w="9525">
+                <a:solidFill>
+                  <a:schemeClr val="tx1"/>
+                </a:solidFill>
+                <a:miter lim="800000"/>
+                <a:headEnd/>
+                <a:tailEnd/>
+              </a14:hiddenLine>
+            </a:ext>
+            <a:ext uri="{AF507438-7753-43E0-B8FC-AC1667EBCBE1}">
+              <a14:hiddenEffects xmlns:a14="http://schemas.microsoft.com/office/drawing/2010/main">
+                <a:effectLst>
+                  <a:outerShdw dist="35921" dir="2700000" algn="ctr" rotWithShape="0">
+                    <a:schemeClr val="bg2"/>
+                  </a:outerShdw>
+                </a:effectLst>
+              </a14:hiddenEffects>
+            </a:ext>
+          </a:extLst>
+        </p:spPr>
+      </p:pic>
+    </p:spTree>
+    <p:extLst>
+      <p:ext uri="{BB962C8B-B14F-4D97-AF65-F5344CB8AC3E}">
+        <p14:creationId xmlns:p14="http://schemas.microsoft.com/office/powerpoint/2010/main" val="265039862"/>
+      </p:ext>
+    </p:extLst>
+  </p:cSld>
+  <p:clrMapOvr>
+    <a:masterClrMapping/>
+  </p:clrMapOvr>
+</p:sld>
+</file>
+
+<file path=ppt/slides/slide8.xml><?xml version="1.0" encoding="utf-8"?>
+<p:sld xmlns:a="http://schemas.openxmlformats.org/drawingml/2006/main" xmlns:r="http://schemas.openxmlformats.org/officeDocument/2006/relationships" xmlns:p="http://schemas.openxmlformats.org/presentationml/2006/main">
+  <p:cSld>
+    <p:spTree>
+      <p:nvGrpSpPr>
+        <p:cNvPr id="1" name=""/>
+        <p:cNvGrpSpPr/>
+        <p:nvPr/>
+      </p:nvGrpSpPr>
+      <p:grpSpPr>
+        <a:xfrm>
+          <a:off x="0" y="0"/>
+          <a:ext cx="0" cy="0"/>
+          <a:chOff x="0" y="0"/>
+          <a:chExt cx="0" cy="0"/>
+        </a:xfrm>
+      </p:grpSpPr>
+      <p:pic>
+        <p:nvPicPr>
+          <p:cNvPr id="2050" name="Picture 2"/>
+          <p:cNvPicPr>
+            <a:picLocks noChangeAspect="1" noChangeArrowheads="1"/>
+          </p:cNvPicPr>
+          <p:nvPr/>
+        </p:nvPicPr>
+        <p:blipFill>
+          <a:blip r:embed="rId2">
+            <a:extLst>
+              <a:ext uri="{28A0092B-C50C-407E-A947-70E740481C1C}">
+                <a14:useLocalDpi xmlns:a14="http://schemas.microsoft.com/office/drawing/2010/main" val="0"/>
+              </a:ext>
+            </a:extLst>
+          </a:blip>
+          <a:srcRect/>
+          <a:stretch>
+            <a:fillRect/>
+          </a:stretch>
+        </p:blipFill>
+        <p:spPr bwMode="auto">
+          <a:xfrm>
+            <a:off x="1909763" y="1433513"/>
+            <a:ext cx="5324475" cy="3990975"/>
+          </a:xfrm>
+          <a:prstGeom prst="rect">
+            <a:avLst/>
+          </a:prstGeom>
+          <a:noFill/>
+          <a:ln>
+            <a:noFill/>
+          </a:ln>
+          <a:effectLst/>
+          <a:extLst>
+            <a:ext uri="{909E8E84-426E-40DD-AFC4-6F175D3DCCD1}">
+              <a14:hiddenFill xmlns:a14="http://schemas.microsoft.com/office/drawing/2010/main">
+                <a:solidFill>
+                  <a:schemeClr val="accent1"/>
+                </a:solidFill>
+              </a14:hiddenFill>
+            </a:ext>
+            <a:ext uri="{91240B29-F687-4F45-9708-019B960494DF}">
+              <a14:hiddenLine xmlns:a14="http://schemas.microsoft.com/office/drawing/2010/main" w="9525">
+                <a:solidFill>
+                  <a:schemeClr val="tx1"/>
+                </a:solidFill>
+                <a:miter lim="800000"/>
+                <a:headEnd/>
+                <a:tailEnd/>
+              </a14:hiddenLine>
+            </a:ext>
+            <a:ext uri="{AF507438-7753-43E0-B8FC-AC1667EBCBE1}">
+              <a14:hiddenEffects xmlns:a14="http://schemas.microsoft.com/office/drawing/2010/main">
+                <a:effectLst>
+                  <a:outerShdw dist="35921" dir="2700000" algn="ctr" rotWithShape="0">
+                    <a:schemeClr val="bg2"/>
+                  </a:outerShdw>
+                </a:effectLst>
+              </a14:hiddenEffects>
+            </a:ext>
+          </a:extLst>
+        </p:spPr>
+      </p:pic>
+    </p:spTree>
+    <p:extLst>
+      <p:ext uri="{BB962C8B-B14F-4D97-AF65-F5344CB8AC3E}">
+        <p14:creationId xmlns:p14="http://schemas.microsoft.com/office/powerpoint/2010/main" val="181816616"/>
+      </p:ext>
+    </p:extLst>
+  </p:cSld>
+  <p:clrMapOvr>
+    <a:masterClrMapping/>
+  </p:clrMapOvr>
+</p:sld>
+</file>
+
 <file path=ppt/theme/theme1.xml><?xml version="1.0" encoding="utf-8"?>
 <a:theme xmlns:a="http://schemas.openxmlformats.org/drawingml/2006/main" name="Office 테마">
   <a:themeElements>

--- a/pics/2021-06-09-Greens_function/pics.pptx
+++ b/pics/2021-06-09-Greens_function/pics.pptx
@@ -5,7 +5,7 @@
     <p:sldMasterId id="2147483648" r:id="rId1"/>
   </p:sldMasterIdLst>
   <p:notesMasterIdLst>
-    <p:notesMasterId r:id="rId10"/>
+    <p:notesMasterId r:id="rId12"/>
   </p:notesMasterIdLst>
   <p:sldIdLst>
     <p:sldId id="259" r:id="rId2"/>
@@ -16,6 +16,8 @@
     <p:sldId id="261" r:id="rId7"/>
     <p:sldId id="262" r:id="rId8"/>
     <p:sldId id="263" r:id="rId9"/>
+    <p:sldId id="264" r:id="rId10"/>
+    <p:sldId id="265" r:id="rId11"/>
   </p:sldIdLst>
   <p:sldSz cx="9144000" cy="6858000" type="screen4x3"/>
   <p:notesSz cx="6858000" cy="9144000"/>
@@ -9911,6 +9913,100 @@
 </p:sld>
 </file>
 
+<file path=ppt/slides/slide10.xml><?xml version="1.0" encoding="utf-8"?>
+<p:sld xmlns:a="http://schemas.openxmlformats.org/drawingml/2006/main" xmlns:r="http://schemas.openxmlformats.org/officeDocument/2006/relationships" xmlns:p="http://schemas.openxmlformats.org/presentationml/2006/main">
+  <p:cSld>
+    <p:spTree>
+      <p:nvGrpSpPr>
+        <p:cNvPr id="1" name=""/>
+        <p:cNvGrpSpPr/>
+        <p:nvPr/>
+      </p:nvGrpSpPr>
+      <p:grpSpPr>
+        <a:xfrm>
+          <a:off x="0" y="0"/>
+          <a:ext cx="0" cy="0"/>
+          <a:chOff x="0" y="0"/>
+          <a:chExt cx="0" cy="0"/>
+        </a:xfrm>
+      </p:grpSpPr>
+      <p:pic>
+        <p:nvPicPr>
+          <p:cNvPr id="1026" name="Picture 2"/>
+          <p:cNvPicPr>
+            <a:picLocks noChangeAspect="1" noChangeArrowheads="1"/>
+          </p:cNvPicPr>
+          <p:nvPr/>
+        </p:nvPicPr>
+        <p:blipFill>
+          <a:blip r:embed="rId2">
+            <a:extLst>
+              <a:ext uri="{28A0092B-C50C-407E-A947-70E740481C1C}">
+                <a14:useLocalDpi xmlns:a14="http://schemas.microsoft.com/office/drawing/2010/main" val="0"/>
+              </a:ext>
+            </a:extLst>
+          </a:blip>
+          <a:srcRect/>
+          <a:stretch>
+            <a:fillRect/>
+          </a:stretch>
+        </p:blipFill>
+        <p:spPr bwMode="auto">
+          <a:xfrm>
+            <a:off x="1909763" y="1433513"/>
+            <a:ext cx="5324475" cy="3990975"/>
+          </a:xfrm>
+          <a:prstGeom prst="rect">
+            <a:avLst/>
+          </a:prstGeom>
+          <a:noFill/>
+          <a:ln>
+            <a:noFill/>
+          </a:ln>
+          <a:effectLst/>
+          <a:extLst>
+            <a:ext uri="{909E8E84-426E-40DD-AFC4-6F175D3DCCD1}">
+              <a14:hiddenFill xmlns:a14="http://schemas.microsoft.com/office/drawing/2010/main">
+                <a:solidFill>
+                  <a:schemeClr val="accent1"/>
+                </a:solidFill>
+              </a14:hiddenFill>
+            </a:ext>
+            <a:ext uri="{91240B29-F687-4F45-9708-019B960494DF}">
+              <a14:hiddenLine xmlns:a14="http://schemas.microsoft.com/office/drawing/2010/main" w="9525">
+                <a:solidFill>
+                  <a:schemeClr val="tx1"/>
+                </a:solidFill>
+                <a:miter lim="800000"/>
+                <a:headEnd/>
+                <a:tailEnd/>
+              </a14:hiddenLine>
+            </a:ext>
+            <a:ext uri="{AF507438-7753-43E0-B8FC-AC1667EBCBE1}">
+              <a14:hiddenEffects xmlns:a14="http://schemas.microsoft.com/office/drawing/2010/main">
+                <a:effectLst>
+                  <a:outerShdw dist="35921" dir="2700000" algn="ctr" rotWithShape="0">
+                    <a:schemeClr val="bg2"/>
+                  </a:outerShdw>
+                </a:effectLst>
+              </a14:hiddenEffects>
+            </a:ext>
+          </a:extLst>
+        </p:spPr>
+      </p:pic>
+    </p:spTree>
+    <p:extLst>
+      <p:ext uri="{BB962C8B-B14F-4D97-AF65-F5344CB8AC3E}">
+        <p14:creationId xmlns:p14="http://schemas.microsoft.com/office/powerpoint/2010/main" val="1266252124"/>
+      </p:ext>
+    </p:extLst>
+  </p:cSld>
+  <p:clrMapOvr>
+    <a:masterClrMapping/>
+  </p:clrMapOvr>
+</p:sld>
+</file>
+
 <file path=ppt/slides/slide2.xml><?xml version="1.0" encoding="utf-8"?>
 <p:sld xmlns:a="http://schemas.openxmlformats.org/drawingml/2006/main" xmlns:r="http://schemas.openxmlformats.org/officeDocument/2006/relationships" xmlns:p="http://schemas.openxmlformats.org/presentationml/2006/main">
   <p:cSld>
@@ -18124,6 +18220,100 @@
 </p:sld>
 </file>
 
+<file path=ppt/slides/slide9.xml><?xml version="1.0" encoding="utf-8"?>
+<p:sld xmlns:a="http://schemas.openxmlformats.org/drawingml/2006/main" xmlns:r="http://schemas.openxmlformats.org/officeDocument/2006/relationships" xmlns:p="http://schemas.openxmlformats.org/presentationml/2006/main">
+  <p:cSld>
+    <p:spTree>
+      <p:nvGrpSpPr>
+        <p:cNvPr id="1" name=""/>
+        <p:cNvGrpSpPr/>
+        <p:nvPr/>
+      </p:nvGrpSpPr>
+      <p:grpSpPr>
+        <a:xfrm>
+          <a:off x="0" y="0"/>
+          <a:ext cx="0" cy="0"/>
+          <a:chOff x="0" y="0"/>
+          <a:chExt cx="0" cy="0"/>
+        </a:xfrm>
+      </p:grpSpPr>
+      <p:pic>
+        <p:nvPicPr>
+          <p:cNvPr id="1026" name="Picture 2"/>
+          <p:cNvPicPr>
+            <a:picLocks noChangeAspect="1" noChangeArrowheads="1"/>
+          </p:cNvPicPr>
+          <p:nvPr/>
+        </p:nvPicPr>
+        <p:blipFill>
+          <a:blip r:embed="rId2">
+            <a:extLst>
+              <a:ext uri="{28A0092B-C50C-407E-A947-70E740481C1C}">
+                <a14:useLocalDpi xmlns:a14="http://schemas.microsoft.com/office/drawing/2010/main" val="0"/>
+              </a:ext>
+            </a:extLst>
+          </a:blip>
+          <a:srcRect/>
+          <a:stretch>
+            <a:fillRect/>
+          </a:stretch>
+        </p:blipFill>
+        <p:spPr bwMode="auto">
+          <a:xfrm>
+            <a:off x="1909763" y="1433513"/>
+            <a:ext cx="5324475" cy="3990975"/>
+          </a:xfrm>
+          <a:prstGeom prst="rect">
+            <a:avLst/>
+          </a:prstGeom>
+          <a:noFill/>
+          <a:ln>
+            <a:noFill/>
+          </a:ln>
+          <a:effectLst/>
+          <a:extLst>
+            <a:ext uri="{909E8E84-426E-40DD-AFC4-6F175D3DCCD1}">
+              <a14:hiddenFill xmlns:a14="http://schemas.microsoft.com/office/drawing/2010/main">
+                <a:solidFill>
+                  <a:schemeClr val="accent1"/>
+                </a:solidFill>
+              </a14:hiddenFill>
+            </a:ext>
+            <a:ext uri="{91240B29-F687-4F45-9708-019B960494DF}">
+              <a14:hiddenLine xmlns:a14="http://schemas.microsoft.com/office/drawing/2010/main" w="9525">
+                <a:solidFill>
+                  <a:schemeClr val="tx1"/>
+                </a:solidFill>
+                <a:miter lim="800000"/>
+                <a:headEnd/>
+                <a:tailEnd/>
+              </a14:hiddenLine>
+            </a:ext>
+            <a:ext uri="{AF507438-7753-43E0-B8FC-AC1667EBCBE1}">
+              <a14:hiddenEffects xmlns:a14="http://schemas.microsoft.com/office/drawing/2010/main">
+                <a:effectLst>
+                  <a:outerShdw dist="35921" dir="2700000" algn="ctr" rotWithShape="0">
+                    <a:schemeClr val="bg2"/>
+                  </a:outerShdw>
+                </a:effectLst>
+              </a14:hiddenEffects>
+            </a:ext>
+          </a:extLst>
+        </p:spPr>
+      </p:pic>
+    </p:spTree>
+    <p:extLst>
+      <p:ext uri="{BB962C8B-B14F-4D97-AF65-F5344CB8AC3E}">
+        <p14:creationId xmlns:p14="http://schemas.microsoft.com/office/powerpoint/2010/main" val="3184284174"/>
+      </p:ext>
+    </p:extLst>
+  </p:cSld>
+  <p:clrMapOvr>
+    <a:masterClrMapping/>
+  </p:clrMapOvr>
+</p:sld>
+</file>
+
 <file path=ppt/theme/theme1.xml><?xml version="1.0" encoding="utf-8"?>
 <a:theme xmlns:a="http://schemas.openxmlformats.org/drawingml/2006/main" name="Office 테마">
   <a:themeElements>

--- a/pics/2021-06-09-Greens_function/pics.pptx
+++ b/pics/2021-06-09-Greens_function/pics.pptx
@@ -118,7 +118,7 @@
   </p:defaultTextStyle>
   <p:extLst>
     <p:ext uri="{EFAFB233-063F-42B5-8137-9DF3F51BA10A}">
-      <p15:sldGuideLst xmlns:p15="http://schemas.microsoft.com/office/powerpoint/2012/main" xmlns="">
+      <p15:sldGuideLst xmlns="" xmlns:p15="http://schemas.microsoft.com/office/powerpoint/2012/main">
         <p15:guide id="1" orient="horz" pos="2160">
           <p15:clr>
             <a:srgbClr val="A4A3A4"/>
@@ -3480,7 +3480,7 @@
           <p:cNvPr id="6" name="직사각형 5">
             <a:extLst>
               <a:ext uri="{FF2B5EF4-FFF2-40B4-BE49-F238E27FC236}">
-                <a16:creationId xmlns:a16="http://schemas.microsoft.com/office/drawing/2014/main" xmlns="" id="{64FC177B-E88B-4BD0-94BE-FAFF3ACB2C89}"/>
+                <a16:creationId xmlns="" xmlns:a16="http://schemas.microsoft.com/office/drawing/2014/main" id="{64FC177B-E88B-4BD0-94BE-FAFF3ACB2C89}"/>
               </a:ext>
             </a:extLst>
           </p:cNvPr>
@@ -3534,7 +3534,7 @@
           <p:cNvPr id="7" name="직사각형 6">
             <a:extLst>
               <a:ext uri="{FF2B5EF4-FFF2-40B4-BE49-F238E27FC236}">
-                <a16:creationId xmlns:a16="http://schemas.microsoft.com/office/drawing/2014/main" xmlns="" id="{8A175623-6F7F-4B47-A333-4D8F52AE610A}"/>
+                <a16:creationId xmlns="" xmlns:a16="http://schemas.microsoft.com/office/drawing/2014/main" id="{8A175623-6F7F-4B47-A333-4D8F52AE610A}"/>
               </a:ext>
             </a:extLst>
           </p:cNvPr>
@@ -3586,7 +3586,7 @@
           <p:cNvPr id="15" name="원호 14">
             <a:extLst>
               <a:ext uri="{FF2B5EF4-FFF2-40B4-BE49-F238E27FC236}">
-                <a16:creationId xmlns:a16="http://schemas.microsoft.com/office/drawing/2014/main" xmlns="" id="{93E633E5-EEB9-44A7-96F1-3A9650D3C0A2}"/>
+                <a16:creationId xmlns="" xmlns:a16="http://schemas.microsoft.com/office/drawing/2014/main" id="{93E633E5-EEB9-44A7-96F1-3A9650D3C0A2}"/>
               </a:ext>
             </a:extLst>
           </p:cNvPr>
@@ -3638,7 +3638,7 @@
           <p:cNvPr id="16" name="원호 15">
             <a:extLst>
               <a:ext uri="{FF2B5EF4-FFF2-40B4-BE49-F238E27FC236}">
-                <a16:creationId xmlns:a16="http://schemas.microsoft.com/office/drawing/2014/main" xmlns="" id="{C4EF0DA0-138C-496A-A92F-CE8C90B8873E}"/>
+                <a16:creationId xmlns="" xmlns:a16="http://schemas.microsoft.com/office/drawing/2014/main" id="{C4EF0DA0-138C-496A-A92F-CE8C90B8873E}"/>
               </a:ext>
             </a:extLst>
           </p:cNvPr>
@@ -3690,7 +3690,7 @@
           <p:cNvPr id="17" name="TextBox 16">
             <a:extLst>
               <a:ext uri="{FF2B5EF4-FFF2-40B4-BE49-F238E27FC236}">
-                <a16:creationId xmlns:a16="http://schemas.microsoft.com/office/drawing/2014/main" xmlns="" id="{8819A910-2608-4025-B8EA-15404010743C}"/>
+                <a16:creationId xmlns="" xmlns:a16="http://schemas.microsoft.com/office/drawing/2014/main" id="{8819A910-2608-4025-B8EA-15404010743C}"/>
               </a:ext>
             </a:extLst>
           </p:cNvPr>
@@ -3726,7 +3726,7 @@
           <p:cNvPr id="19" name="원호 18">
             <a:extLst>
               <a:ext uri="{FF2B5EF4-FFF2-40B4-BE49-F238E27FC236}">
-                <a16:creationId xmlns:a16="http://schemas.microsoft.com/office/drawing/2014/main" xmlns="" id="{6DD62455-73A3-463D-B466-FCFB328D6F40}"/>
+                <a16:creationId xmlns="" xmlns:a16="http://schemas.microsoft.com/office/drawing/2014/main" id="{6DD62455-73A3-463D-B466-FCFB328D6F40}"/>
               </a:ext>
             </a:extLst>
           </p:cNvPr>
@@ -3778,7 +3778,7 @@
           <p:cNvPr id="20" name="원호 19">
             <a:extLst>
               <a:ext uri="{FF2B5EF4-FFF2-40B4-BE49-F238E27FC236}">
-                <a16:creationId xmlns:a16="http://schemas.microsoft.com/office/drawing/2014/main" xmlns="" id="{4A4DE7ED-E2E1-4AD4-9223-8E7E3872AF3F}"/>
+                <a16:creationId xmlns="" xmlns:a16="http://schemas.microsoft.com/office/drawing/2014/main" id="{4A4DE7ED-E2E1-4AD4-9223-8E7E3872AF3F}"/>
               </a:ext>
             </a:extLst>
           </p:cNvPr>
@@ -3832,7 +3832,7 @@
               <p:cNvPr id="21" name="TextBox 20">
                 <a:extLst>
                   <a:ext uri="{FF2B5EF4-FFF2-40B4-BE49-F238E27FC236}">
-                    <a16:creationId xmlns:a16="http://schemas.microsoft.com/office/drawing/2014/main" xmlns="" id="{0667FA33-9371-417C-855C-1DF003272F36}"/>
+                    <a16:creationId xmlns="" xmlns:a16="http://schemas.microsoft.com/office/drawing/2014/main" id="{0667FA33-9371-417C-855C-1DF003272F36}"/>
                   </a:ext>
                 </a:extLst>
               </p:cNvPr>
@@ -3928,7 +3928,7 @@
               <p:cNvPr id="22" name="TextBox 21">
                 <a:extLst>
                   <a:ext uri="{FF2B5EF4-FFF2-40B4-BE49-F238E27FC236}">
-                    <a16:creationId xmlns:a16="http://schemas.microsoft.com/office/drawing/2014/main" xmlns="" id="{BA77718B-1212-4A41-B147-0F48B0247D37}"/>
+                    <a16:creationId xmlns="" xmlns:a16="http://schemas.microsoft.com/office/drawing/2014/main" id="{BA77718B-1212-4A41-B147-0F48B0247D37}"/>
                   </a:ext>
                 </a:extLst>
               </p:cNvPr>
@@ -4024,7 +4024,7 @@
               <p:cNvPr id="31" name="TextBox 30">
                 <a:extLst>
                   <a:ext uri="{FF2B5EF4-FFF2-40B4-BE49-F238E27FC236}">
-                    <a16:creationId xmlns:a16="http://schemas.microsoft.com/office/drawing/2014/main" xmlns="" id="{BB431D9E-E97B-474C-AC3C-7A1330FD2816}"/>
+                    <a16:creationId xmlns="" xmlns:a16="http://schemas.microsoft.com/office/drawing/2014/main" id="{BB431D9E-E97B-474C-AC3C-7A1330FD2816}"/>
                   </a:ext>
                 </a:extLst>
               </p:cNvPr>
@@ -4120,7 +4120,7 @@
               <p:cNvPr id="36" name="TextBox 35">
                 <a:extLst>
                   <a:ext uri="{FF2B5EF4-FFF2-40B4-BE49-F238E27FC236}">
-                    <a16:creationId xmlns:a16="http://schemas.microsoft.com/office/drawing/2014/main" xmlns="" id="{0F1A14E2-0AB0-4C22-A55C-AEC28D0A2679}"/>
+                    <a16:creationId xmlns="" xmlns:a16="http://schemas.microsoft.com/office/drawing/2014/main" id="{0F1A14E2-0AB0-4C22-A55C-AEC28D0A2679}"/>
                   </a:ext>
                 </a:extLst>
               </p:cNvPr>
@@ -4214,7 +4214,7 @@
           <p:cNvPr id="44" name="직사각형 43">
             <a:extLst>
               <a:ext uri="{FF2B5EF4-FFF2-40B4-BE49-F238E27FC236}">
-                <a16:creationId xmlns:a16="http://schemas.microsoft.com/office/drawing/2014/main" xmlns="" id="{B42B8767-2449-4408-975A-4C655D836C40}"/>
+                <a16:creationId xmlns="" xmlns:a16="http://schemas.microsoft.com/office/drawing/2014/main" id="{B42B8767-2449-4408-975A-4C655D836C40}"/>
               </a:ext>
             </a:extLst>
           </p:cNvPr>
@@ -4266,7 +4266,7 @@
           <p:cNvPr id="45" name="직사각형 44">
             <a:extLst>
               <a:ext uri="{FF2B5EF4-FFF2-40B4-BE49-F238E27FC236}">
-                <a16:creationId xmlns:a16="http://schemas.microsoft.com/office/drawing/2014/main" xmlns="" id="{53404FC1-F2E3-4FDF-8B8D-C94672B9A6D8}"/>
+                <a16:creationId xmlns="" xmlns:a16="http://schemas.microsoft.com/office/drawing/2014/main" id="{53404FC1-F2E3-4FDF-8B8D-C94672B9A6D8}"/>
               </a:ext>
             </a:extLst>
           </p:cNvPr>
@@ -4318,7 +4318,7 @@
           <p:cNvPr id="46" name="직사각형 45">
             <a:extLst>
               <a:ext uri="{FF2B5EF4-FFF2-40B4-BE49-F238E27FC236}">
-                <a16:creationId xmlns:a16="http://schemas.microsoft.com/office/drawing/2014/main" xmlns="" id="{161B54F7-70E6-4D81-9B81-95F87C13E69C}"/>
+                <a16:creationId xmlns="" xmlns:a16="http://schemas.microsoft.com/office/drawing/2014/main" id="{161B54F7-70E6-4D81-9B81-95F87C13E69C}"/>
               </a:ext>
             </a:extLst>
           </p:cNvPr>
@@ -4370,7 +4370,7 @@
           <p:cNvPr id="47" name="직사각형 46">
             <a:extLst>
               <a:ext uri="{FF2B5EF4-FFF2-40B4-BE49-F238E27FC236}">
-                <a16:creationId xmlns:a16="http://schemas.microsoft.com/office/drawing/2014/main" xmlns="" id="{CFB82AF5-0ED2-48B4-9759-E0E6360C3058}"/>
+                <a16:creationId xmlns="" xmlns:a16="http://schemas.microsoft.com/office/drawing/2014/main" id="{CFB82AF5-0ED2-48B4-9759-E0E6360C3058}"/>
               </a:ext>
             </a:extLst>
           </p:cNvPr>
@@ -4422,7 +4422,7 @@
           <p:cNvPr id="104" name="그룹 103">
             <a:extLst>
               <a:ext uri="{FF2B5EF4-FFF2-40B4-BE49-F238E27FC236}">
-                <a16:creationId xmlns:a16="http://schemas.microsoft.com/office/drawing/2014/main" xmlns="" id="{7CDB63C8-2D54-48F3-A1E8-DA2C6DF678EB}"/>
+                <a16:creationId xmlns="" xmlns:a16="http://schemas.microsoft.com/office/drawing/2014/main" id="{7CDB63C8-2D54-48F3-A1E8-DA2C6DF678EB}"/>
               </a:ext>
             </a:extLst>
           </p:cNvPr>
@@ -4442,7 +4442,7 @@
             <p:cNvPr id="51" name="직선 연결선 50">
               <a:extLst>
                 <a:ext uri="{FF2B5EF4-FFF2-40B4-BE49-F238E27FC236}">
-                  <a16:creationId xmlns:a16="http://schemas.microsoft.com/office/drawing/2014/main" xmlns="" id="{A1A239A0-3E17-4E6E-8DFB-0C9DF8897C8B}"/>
+                  <a16:creationId xmlns="" xmlns:a16="http://schemas.microsoft.com/office/drawing/2014/main" id="{A1A239A0-3E17-4E6E-8DFB-0C9DF8897C8B}"/>
                 </a:ext>
               </a:extLst>
             </p:cNvPr>
@@ -4479,7 +4479,7 @@
             <p:cNvPr id="53" name="직선 연결선 52">
               <a:extLst>
                 <a:ext uri="{FF2B5EF4-FFF2-40B4-BE49-F238E27FC236}">
-                  <a16:creationId xmlns:a16="http://schemas.microsoft.com/office/drawing/2014/main" xmlns="" id="{B71F8B1B-6E92-4E04-88C3-A022794D45A2}"/>
+                  <a16:creationId xmlns="" xmlns:a16="http://schemas.microsoft.com/office/drawing/2014/main" id="{B71F8B1B-6E92-4E04-88C3-A022794D45A2}"/>
                 </a:ext>
               </a:extLst>
             </p:cNvPr>
@@ -4516,7 +4516,7 @@
             <p:cNvPr id="54" name="직선 연결선 53">
               <a:extLst>
                 <a:ext uri="{FF2B5EF4-FFF2-40B4-BE49-F238E27FC236}">
-                  <a16:creationId xmlns:a16="http://schemas.microsoft.com/office/drawing/2014/main" xmlns="" id="{67CEC068-A928-4C23-B16C-D4340CE97D35}"/>
+                  <a16:creationId xmlns="" xmlns:a16="http://schemas.microsoft.com/office/drawing/2014/main" id="{67CEC068-A928-4C23-B16C-D4340CE97D35}"/>
                 </a:ext>
               </a:extLst>
             </p:cNvPr>
@@ -4554,7 +4554,7 @@
           <p:cNvPr id="105" name="그룹 104">
             <a:extLst>
               <a:ext uri="{FF2B5EF4-FFF2-40B4-BE49-F238E27FC236}">
-                <a16:creationId xmlns:a16="http://schemas.microsoft.com/office/drawing/2014/main" xmlns="" id="{D34CAF66-9D9F-427E-B4F3-0127E63D2A2F}"/>
+                <a16:creationId xmlns="" xmlns:a16="http://schemas.microsoft.com/office/drawing/2014/main" id="{D34CAF66-9D9F-427E-B4F3-0127E63D2A2F}"/>
               </a:ext>
             </a:extLst>
           </p:cNvPr>
@@ -4574,7 +4574,7 @@
             <p:cNvPr id="57" name="직선 연결선 56">
               <a:extLst>
                 <a:ext uri="{FF2B5EF4-FFF2-40B4-BE49-F238E27FC236}">
-                  <a16:creationId xmlns:a16="http://schemas.microsoft.com/office/drawing/2014/main" xmlns="" id="{5AB1E958-ED29-4DF2-8681-882B536CC374}"/>
+                  <a16:creationId xmlns="" xmlns:a16="http://schemas.microsoft.com/office/drawing/2014/main" id="{5AB1E958-ED29-4DF2-8681-882B536CC374}"/>
                 </a:ext>
               </a:extLst>
             </p:cNvPr>
@@ -4611,7 +4611,7 @@
             <p:cNvPr id="58" name="직선 연결선 57">
               <a:extLst>
                 <a:ext uri="{FF2B5EF4-FFF2-40B4-BE49-F238E27FC236}">
-                  <a16:creationId xmlns:a16="http://schemas.microsoft.com/office/drawing/2014/main" xmlns="" id="{6AE83ADE-53E5-4756-BA2E-6CA018C768AF}"/>
+                  <a16:creationId xmlns="" xmlns:a16="http://schemas.microsoft.com/office/drawing/2014/main" id="{6AE83ADE-53E5-4756-BA2E-6CA018C768AF}"/>
                 </a:ext>
               </a:extLst>
             </p:cNvPr>
@@ -4648,7 +4648,7 @@
             <p:cNvPr id="59" name="직선 연결선 58">
               <a:extLst>
                 <a:ext uri="{FF2B5EF4-FFF2-40B4-BE49-F238E27FC236}">
-                  <a16:creationId xmlns:a16="http://schemas.microsoft.com/office/drawing/2014/main" xmlns="" id="{819385EB-4AFE-46A6-A699-2C4951857B45}"/>
+                  <a16:creationId xmlns="" xmlns:a16="http://schemas.microsoft.com/office/drawing/2014/main" id="{819385EB-4AFE-46A6-A699-2C4951857B45}"/>
                 </a:ext>
               </a:extLst>
             </p:cNvPr>
@@ -4686,7 +4686,7 @@
           <p:cNvPr id="96" name="그룹 95">
             <a:extLst>
               <a:ext uri="{FF2B5EF4-FFF2-40B4-BE49-F238E27FC236}">
-                <a16:creationId xmlns:a16="http://schemas.microsoft.com/office/drawing/2014/main" xmlns="" id="{D01B6870-4305-4EE0-B282-8C6556262AD1}"/>
+                <a16:creationId xmlns="" xmlns:a16="http://schemas.microsoft.com/office/drawing/2014/main" id="{D01B6870-4305-4EE0-B282-8C6556262AD1}"/>
               </a:ext>
             </a:extLst>
           </p:cNvPr>
@@ -4706,7 +4706,7 @@
             <p:cNvPr id="60" name="TextBox 59">
               <a:extLst>
                 <a:ext uri="{FF2B5EF4-FFF2-40B4-BE49-F238E27FC236}">
-                  <a16:creationId xmlns:a16="http://schemas.microsoft.com/office/drawing/2014/main" xmlns="" id="{B488B835-14B8-49AD-BC7B-167DEF0D5798}"/>
+                  <a16:creationId xmlns="" xmlns:a16="http://schemas.microsoft.com/office/drawing/2014/main" id="{B488B835-14B8-49AD-BC7B-167DEF0D5798}"/>
                 </a:ext>
               </a:extLst>
             </p:cNvPr>
@@ -4742,7 +4742,7 @@
             <p:cNvPr id="61" name="TextBox 60">
               <a:extLst>
                 <a:ext uri="{FF2B5EF4-FFF2-40B4-BE49-F238E27FC236}">
-                  <a16:creationId xmlns:a16="http://schemas.microsoft.com/office/drawing/2014/main" xmlns="" id="{567D1B78-B287-4F76-AF49-F161B307ACED}"/>
+                  <a16:creationId xmlns="" xmlns:a16="http://schemas.microsoft.com/office/drawing/2014/main" id="{567D1B78-B287-4F76-AF49-F161B307ACED}"/>
                 </a:ext>
               </a:extLst>
             </p:cNvPr>
@@ -4778,7 +4778,7 @@
             <p:cNvPr id="62" name="TextBox 61">
               <a:extLst>
                 <a:ext uri="{FF2B5EF4-FFF2-40B4-BE49-F238E27FC236}">
-                  <a16:creationId xmlns:a16="http://schemas.microsoft.com/office/drawing/2014/main" xmlns="" id="{8275192D-EC60-4440-A851-900A26A0DFE3}"/>
+                  <a16:creationId xmlns="" xmlns:a16="http://schemas.microsoft.com/office/drawing/2014/main" id="{8275192D-EC60-4440-A851-900A26A0DFE3}"/>
                 </a:ext>
               </a:extLst>
             </p:cNvPr>
@@ -4814,7 +4814,7 @@
             <p:cNvPr id="63" name="TextBox 62">
               <a:extLst>
                 <a:ext uri="{FF2B5EF4-FFF2-40B4-BE49-F238E27FC236}">
-                  <a16:creationId xmlns:a16="http://schemas.microsoft.com/office/drawing/2014/main" xmlns="" id="{4ED1BC37-4B3D-49DE-B15B-EB31BF9AEF25}"/>
+                  <a16:creationId xmlns="" xmlns:a16="http://schemas.microsoft.com/office/drawing/2014/main" id="{4ED1BC37-4B3D-49DE-B15B-EB31BF9AEF25}"/>
                 </a:ext>
               </a:extLst>
             </p:cNvPr>
@@ -4850,7 +4850,7 @@
             <p:cNvPr id="64" name="TextBox 63">
               <a:extLst>
                 <a:ext uri="{FF2B5EF4-FFF2-40B4-BE49-F238E27FC236}">
-                  <a16:creationId xmlns:a16="http://schemas.microsoft.com/office/drawing/2014/main" xmlns="" id="{F3ECDABB-EB6E-412F-8804-7B5AA5D4D2B9}"/>
+                  <a16:creationId xmlns="" xmlns:a16="http://schemas.microsoft.com/office/drawing/2014/main" id="{F3ECDABB-EB6E-412F-8804-7B5AA5D4D2B9}"/>
                 </a:ext>
               </a:extLst>
             </p:cNvPr>
@@ -4887,7 +4887,7 @@
           <p:cNvPr id="114" name="그룹 113">
             <a:extLst>
               <a:ext uri="{FF2B5EF4-FFF2-40B4-BE49-F238E27FC236}">
-                <a16:creationId xmlns:a16="http://schemas.microsoft.com/office/drawing/2014/main" xmlns="" id="{7852C388-325C-4D8C-A6A7-AC7CE7F1D67A}"/>
+                <a16:creationId xmlns="" xmlns:a16="http://schemas.microsoft.com/office/drawing/2014/main" id="{7852C388-325C-4D8C-A6A7-AC7CE7F1D67A}"/>
               </a:ext>
             </a:extLst>
           </p:cNvPr>
@@ -4907,7 +4907,7 @@
             <p:cNvPr id="67" name="TextBox 66">
               <a:extLst>
                 <a:ext uri="{FF2B5EF4-FFF2-40B4-BE49-F238E27FC236}">
-                  <a16:creationId xmlns:a16="http://schemas.microsoft.com/office/drawing/2014/main" xmlns="" id="{BE51E14E-905D-4A88-8664-62AA4A4C447E}"/>
+                  <a16:creationId xmlns="" xmlns:a16="http://schemas.microsoft.com/office/drawing/2014/main" id="{BE51E14E-905D-4A88-8664-62AA4A4C447E}"/>
                 </a:ext>
               </a:extLst>
             </p:cNvPr>
@@ -4943,7 +4943,7 @@
             <p:cNvPr id="68" name="TextBox 67">
               <a:extLst>
                 <a:ext uri="{FF2B5EF4-FFF2-40B4-BE49-F238E27FC236}">
-                  <a16:creationId xmlns:a16="http://schemas.microsoft.com/office/drawing/2014/main" xmlns="" id="{EFF3631F-0C98-4F76-971E-16D87ECC2B10}"/>
+                  <a16:creationId xmlns="" xmlns:a16="http://schemas.microsoft.com/office/drawing/2014/main" id="{EFF3631F-0C98-4F76-971E-16D87ECC2B10}"/>
                 </a:ext>
               </a:extLst>
             </p:cNvPr>
@@ -4979,7 +4979,7 @@
             <p:cNvPr id="69" name="TextBox 68">
               <a:extLst>
                 <a:ext uri="{FF2B5EF4-FFF2-40B4-BE49-F238E27FC236}">
-                  <a16:creationId xmlns:a16="http://schemas.microsoft.com/office/drawing/2014/main" xmlns="" id="{885B879C-A594-45BA-8360-3759B9D1C12C}"/>
+                  <a16:creationId xmlns="" xmlns:a16="http://schemas.microsoft.com/office/drawing/2014/main" id="{885B879C-A594-45BA-8360-3759B9D1C12C}"/>
                 </a:ext>
               </a:extLst>
             </p:cNvPr>
@@ -5015,7 +5015,7 @@
             <p:cNvPr id="70" name="TextBox 69">
               <a:extLst>
                 <a:ext uri="{FF2B5EF4-FFF2-40B4-BE49-F238E27FC236}">
-                  <a16:creationId xmlns:a16="http://schemas.microsoft.com/office/drawing/2014/main" xmlns="" id="{3B4BF60F-F233-401A-BAE9-696AB12485B8}"/>
+                  <a16:creationId xmlns="" xmlns:a16="http://schemas.microsoft.com/office/drawing/2014/main" id="{3B4BF60F-F233-401A-BAE9-696AB12485B8}"/>
                 </a:ext>
               </a:extLst>
             </p:cNvPr>
@@ -5051,7 +5051,7 @@
             <p:cNvPr id="71" name="TextBox 70">
               <a:extLst>
                 <a:ext uri="{FF2B5EF4-FFF2-40B4-BE49-F238E27FC236}">
-                  <a16:creationId xmlns:a16="http://schemas.microsoft.com/office/drawing/2014/main" xmlns="" id="{84C6EBF2-7E64-4916-9B68-7A96938792A1}"/>
+                  <a16:creationId xmlns="" xmlns:a16="http://schemas.microsoft.com/office/drawing/2014/main" id="{84C6EBF2-7E64-4916-9B68-7A96938792A1}"/>
                 </a:ext>
               </a:extLst>
             </p:cNvPr>
@@ -5088,7 +5088,7 @@
           <p:cNvPr id="115" name="그룹 114">
             <a:extLst>
               <a:ext uri="{FF2B5EF4-FFF2-40B4-BE49-F238E27FC236}">
-                <a16:creationId xmlns:a16="http://schemas.microsoft.com/office/drawing/2014/main" xmlns="" id="{E94F3538-010A-4AA6-9570-F921A7BC3901}"/>
+                <a16:creationId xmlns="" xmlns:a16="http://schemas.microsoft.com/office/drawing/2014/main" id="{E94F3538-010A-4AA6-9570-F921A7BC3901}"/>
               </a:ext>
             </a:extLst>
           </p:cNvPr>
@@ -5108,7 +5108,7 @@
             <p:cNvPr id="73" name="TextBox 72">
               <a:extLst>
                 <a:ext uri="{FF2B5EF4-FFF2-40B4-BE49-F238E27FC236}">
-                  <a16:creationId xmlns:a16="http://schemas.microsoft.com/office/drawing/2014/main" xmlns="" id="{0719AB63-0F32-4C67-8071-E0A2BCB39A2F}"/>
+                  <a16:creationId xmlns="" xmlns:a16="http://schemas.microsoft.com/office/drawing/2014/main" id="{0719AB63-0F32-4C67-8071-E0A2BCB39A2F}"/>
                 </a:ext>
               </a:extLst>
             </p:cNvPr>
@@ -5144,7 +5144,7 @@
             <p:cNvPr id="74" name="TextBox 73">
               <a:extLst>
                 <a:ext uri="{FF2B5EF4-FFF2-40B4-BE49-F238E27FC236}">
-                  <a16:creationId xmlns:a16="http://schemas.microsoft.com/office/drawing/2014/main" xmlns="" id="{1740E21C-D753-4E32-821E-2E6FEFCE3327}"/>
+                  <a16:creationId xmlns="" xmlns:a16="http://schemas.microsoft.com/office/drawing/2014/main" id="{1740E21C-D753-4E32-821E-2E6FEFCE3327}"/>
                 </a:ext>
               </a:extLst>
             </p:cNvPr>
@@ -5180,7 +5180,7 @@
             <p:cNvPr id="75" name="TextBox 74">
               <a:extLst>
                 <a:ext uri="{FF2B5EF4-FFF2-40B4-BE49-F238E27FC236}">
-                  <a16:creationId xmlns:a16="http://schemas.microsoft.com/office/drawing/2014/main" xmlns="" id="{2B1A6F71-4B64-4E8B-83BE-5F54667FA285}"/>
+                  <a16:creationId xmlns="" xmlns:a16="http://schemas.microsoft.com/office/drawing/2014/main" id="{2B1A6F71-4B64-4E8B-83BE-5F54667FA285}"/>
                 </a:ext>
               </a:extLst>
             </p:cNvPr>
@@ -5216,7 +5216,7 @@
             <p:cNvPr id="76" name="TextBox 75">
               <a:extLst>
                 <a:ext uri="{FF2B5EF4-FFF2-40B4-BE49-F238E27FC236}">
-                  <a16:creationId xmlns:a16="http://schemas.microsoft.com/office/drawing/2014/main" xmlns="" id="{2253F3D7-FA9D-4B90-B153-78CB70F38704}"/>
+                  <a16:creationId xmlns="" xmlns:a16="http://schemas.microsoft.com/office/drawing/2014/main" id="{2253F3D7-FA9D-4B90-B153-78CB70F38704}"/>
                 </a:ext>
               </a:extLst>
             </p:cNvPr>
@@ -5252,7 +5252,7 @@
             <p:cNvPr id="77" name="TextBox 76">
               <a:extLst>
                 <a:ext uri="{FF2B5EF4-FFF2-40B4-BE49-F238E27FC236}">
-                  <a16:creationId xmlns:a16="http://schemas.microsoft.com/office/drawing/2014/main" xmlns="" id="{E3E51C1A-2490-4A25-AFD7-0C824757E450}"/>
+                  <a16:creationId xmlns="" xmlns:a16="http://schemas.microsoft.com/office/drawing/2014/main" id="{E3E51C1A-2490-4A25-AFD7-0C824757E450}"/>
                 </a:ext>
               </a:extLst>
             </p:cNvPr>
@@ -5289,7 +5289,7 @@
           <p:cNvPr id="116" name="그룹 115">
             <a:extLst>
               <a:ext uri="{FF2B5EF4-FFF2-40B4-BE49-F238E27FC236}">
-                <a16:creationId xmlns:a16="http://schemas.microsoft.com/office/drawing/2014/main" xmlns="" id="{625D9515-63A3-49D8-B611-9F1D8AA77525}"/>
+                <a16:creationId xmlns="" xmlns:a16="http://schemas.microsoft.com/office/drawing/2014/main" id="{625D9515-63A3-49D8-B611-9F1D8AA77525}"/>
               </a:ext>
             </a:extLst>
           </p:cNvPr>
@@ -5309,7 +5309,7 @@
             <p:cNvPr id="79" name="TextBox 78">
               <a:extLst>
                 <a:ext uri="{FF2B5EF4-FFF2-40B4-BE49-F238E27FC236}">
-                  <a16:creationId xmlns:a16="http://schemas.microsoft.com/office/drawing/2014/main" xmlns="" id="{491FE846-ABD0-46A0-A00F-01E8A32677FB}"/>
+                  <a16:creationId xmlns="" xmlns:a16="http://schemas.microsoft.com/office/drawing/2014/main" id="{491FE846-ABD0-46A0-A00F-01E8A32677FB}"/>
                 </a:ext>
               </a:extLst>
             </p:cNvPr>
@@ -5345,7 +5345,7 @@
             <p:cNvPr id="80" name="TextBox 79">
               <a:extLst>
                 <a:ext uri="{FF2B5EF4-FFF2-40B4-BE49-F238E27FC236}">
-                  <a16:creationId xmlns:a16="http://schemas.microsoft.com/office/drawing/2014/main" xmlns="" id="{2F715FC4-4108-4A9C-8964-129601A9FCA9}"/>
+                  <a16:creationId xmlns="" xmlns:a16="http://schemas.microsoft.com/office/drawing/2014/main" id="{2F715FC4-4108-4A9C-8964-129601A9FCA9}"/>
                 </a:ext>
               </a:extLst>
             </p:cNvPr>
@@ -5381,7 +5381,7 @@
             <p:cNvPr id="81" name="TextBox 80">
               <a:extLst>
                 <a:ext uri="{FF2B5EF4-FFF2-40B4-BE49-F238E27FC236}">
-                  <a16:creationId xmlns:a16="http://schemas.microsoft.com/office/drawing/2014/main" xmlns="" id="{E0C3188C-F65C-414D-B785-E1997524F7AF}"/>
+                  <a16:creationId xmlns="" xmlns:a16="http://schemas.microsoft.com/office/drawing/2014/main" id="{E0C3188C-F65C-414D-B785-E1997524F7AF}"/>
                 </a:ext>
               </a:extLst>
             </p:cNvPr>
@@ -5417,7 +5417,7 @@
             <p:cNvPr id="82" name="TextBox 81">
               <a:extLst>
                 <a:ext uri="{FF2B5EF4-FFF2-40B4-BE49-F238E27FC236}">
-                  <a16:creationId xmlns:a16="http://schemas.microsoft.com/office/drawing/2014/main" xmlns="" id="{C6A6E4E6-25B1-4E76-8DB6-92BAD323A70A}"/>
+                  <a16:creationId xmlns="" xmlns:a16="http://schemas.microsoft.com/office/drawing/2014/main" id="{C6A6E4E6-25B1-4E76-8DB6-92BAD323A70A}"/>
                 </a:ext>
               </a:extLst>
             </p:cNvPr>
@@ -5453,7 +5453,7 @@
             <p:cNvPr id="83" name="TextBox 82">
               <a:extLst>
                 <a:ext uri="{FF2B5EF4-FFF2-40B4-BE49-F238E27FC236}">
-                  <a16:creationId xmlns:a16="http://schemas.microsoft.com/office/drawing/2014/main" xmlns="" id="{011F198F-5EAD-4957-B18B-B5E295DD10D5}"/>
+                  <a16:creationId xmlns="" xmlns:a16="http://schemas.microsoft.com/office/drawing/2014/main" id="{011F198F-5EAD-4957-B18B-B5E295DD10D5}"/>
                 </a:ext>
               </a:extLst>
             </p:cNvPr>
@@ -5490,7 +5490,7 @@
           <p:cNvPr id="117" name="그룹 116">
             <a:extLst>
               <a:ext uri="{FF2B5EF4-FFF2-40B4-BE49-F238E27FC236}">
-                <a16:creationId xmlns:a16="http://schemas.microsoft.com/office/drawing/2014/main" xmlns="" id="{BCC5F310-8A68-472E-AE24-62D06259B93A}"/>
+                <a16:creationId xmlns="" xmlns:a16="http://schemas.microsoft.com/office/drawing/2014/main" id="{BCC5F310-8A68-472E-AE24-62D06259B93A}"/>
               </a:ext>
             </a:extLst>
           </p:cNvPr>
@@ -5510,7 +5510,7 @@
             <p:cNvPr id="85" name="TextBox 84">
               <a:extLst>
                 <a:ext uri="{FF2B5EF4-FFF2-40B4-BE49-F238E27FC236}">
-                  <a16:creationId xmlns:a16="http://schemas.microsoft.com/office/drawing/2014/main" xmlns="" id="{83939B7A-228D-492A-BD16-132C5975A580}"/>
+                  <a16:creationId xmlns="" xmlns:a16="http://schemas.microsoft.com/office/drawing/2014/main" id="{83939B7A-228D-492A-BD16-132C5975A580}"/>
                 </a:ext>
               </a:extLst>
             </p:cNvPr>
@@ -5546,7 +5546,7 @@
             <p:cNvPr id="86" name="TextBox 85">
               <a:extLst>
                 <a:ext uri="{FF2B5EF4-FFF2-40B4-BE49-F238E27FC236}">
-                  <a16:creationId xmlns:a16="http://schemas.microsoft.com/office/drawing/2014/main" xmlns="" id="{42ADFA00-3010-4558-9AC9-3D4FD4BA8D24}"/>
+                  <a16:creationId xmlns="" xmlns:a16="http://schemas.microsoft.com/office/drawing/2014/main" id="{42ADFA00-3010-4558-9AC9-3D4FD4BA8D24}"/>
                 </a:ext>
               </a:extLst>
             </p:cNvPr>
@@ -5582,7 +5582,7 @@
             <p:cNvPr id="87" name="TextBox 86">
               <a:extLst>
                 <a:ext uri="{FF2B5EF4-FFF2-40B4-BE49-F238E27FC236}">
-                  <a16:creationId xmlns:a16="http://schemas.microsoft.com/office/drawing/2014/main" xmlns="" id="{B0B15821-A446-47B9-BD5C-9A72870A3E66}"/>
+                  <a16:creationId xmlns="" xmlns:a16="http://schemas.microsoft.com/office/drawing/2014/main" id="{B0B15821-A446-47B9-BD5C-9A72870A3E66}"/>
                 </a:ext>
               </a:extLst>
             </p:cNvPr>
@@ -5618,7 +5618,7 @@
             <p:cNvPr id="88" name="TextBox 87">
               <a:extLst>
                 <a:ext uri="{FF2B5EF4-FFF2-40B4-BE49-F238E27FC236}">
-                  <a16:creationId xmlns:a16="http://schemas.microsoft.com/office/drawing/2014/main" xmlns="" id="{A0EC659D-854D-41D8-9D14-6ECD83413F6D}"/>
+                  <a16:creationId xmlns="" xmlns:a16="http://schemas.microsoft.com/office/drawing/2014/main" id="{A0EC659D-854D-41D8-9D14-6ECD83413F6D}"/>
                 </a:ext>
               </a:extLst>
             </p:cNvPr>
@@ -5654,7 +5654,7 @@
             <p:cNvPr id="89" name="TextBox 88">
               <a:extLst>
                 <a:ext uri="{FF2B5EF4-FFF2-40B4-BE49-F238E27FC236}">
-                  <a16:creationId xmlns:a16="http://schemas.microsoft.com/office/drawing/2014/main" xmlns="" id="{EDE6DD10-1709-47FB-90C4-BC27EEB99F36}"/>
+                  <a16:creationId xmlns="" xmlns:a16="http://schemas.microsoft.com/office/drawing/2014/main" id="{EDE6DD10-1709-47FB-90C4-BC27EEB99F36}"/>
                 </a:ext>
               </a:extLst>
             </p:cNvPr>
@@ -5691,7 +5691,7 @@
           <p:cNvPr id="91" name="화살표: 왼쪽/오른쪽 90">
             <a:extLst>
               <a:ext uri="{FF2B5EF4-FFF2-40B4-BE49-F238E27FC236}">
-                <a16:creationId xmlns:a16="http://schemas.microsoft.com/office/drawing/2014/main" xmlns="" id="{42C328BC-27F1-4CC1-81AA-FE556AD19F03}"/>
+                <a16:creationId xmlns="" xmlns:a16="http://schemas.microsoft.com/office/drawing/2014/main" id="{42C328BC-27F1-4CC1-81AA-FE556AD19F03}"/>
               </a:ext>
             </a:extLst>
           </p:cNvPr>
@@ -5745,7 +5745,7 @@
           <p:cNvPr id="235" name="그룹 234">
             <a:extLst>
               <a:ext uri="{FF2B5EF4-FFF2-40B4-BE49-F238E27FC236}">
-                <a16:creationId xmlns:a16="http://schemas.microsoft.com/office/drawing/2014/main" xmlns="" id="{D1B994E3-AB33-46C9-BAB3-1DCDD71EA857}"/>
+                <a16:creationId xmlns="" xmlns:a16="http://schemas.microsoft.com/office/drawing/2014/main" id="{D1B994E3-AB33-46C9-BAB3-1DCDD71EA857}"/>
               </a:ext>
             </a:extLst>
           </p:cNvPr>
@@ -5767,7 +5767,7 @@
                 <p:cNvPr id="118" name="TextBox 117">
                   <a:extLst>
                     <a:ext uri="{FF2B5EF4-FFF2-40B4-BE49-F238E27FC236}">
-                      <a16:creationId xmlns:a16="http://schemas.microsoft.com/office/drawing/2014/main" xmlns="" id="{6FE1340E-266C-4D65-A51C-01929FBD1968}"/>
+                      <a16:creationId xmlns="" xmlns:a16="http://schemas.microsoft.com/office/drawing/2014/main" id="{6FE1340E-266C-4D65-A51C-01929FBD1968}"/>
                     </a:ext>
                   </a:extLst>
                 </p:cNvPr>
@@ -5863,7 +5863,7 @@
                 <p:cNvPr id="120" name="TextBox 119">
                   <a:extLst>
                     <a:ext uri="{FF2B5EF4-FFF2-40B4-BE49-F238E27FC236}">
-                      <a16:creationId xmlns:a16="http://schemas.microsoft.com/office/drawing/2014/main" xmlns="" id="{210994FE-0708-46C1-A386-D472076EBB97}"/>
+                      <a16:creationId xmlns="" xmlns:a16="http://schemas.microsoft.com/office/drawing/2014/main" id="{210994FE-0708-46C1-A386-D472076EBB97}"/>
                     </a:ext>
                   </a:extLst>
                 </p:cNvPr>
@@ -5959,7 +5959,7 @@
                 <p:cNvPr id="121" name="TextBox 120">
                   <a:extLst>
                     <a:ext uri="{FF2B5EF4-FFF2-40B4-BE49-F238E27FC236}">
-                      <a16:creationId xmlns:a16="http://schemas.microsoft.com/office/drawing/2014/main" xmlns="" id="{C2ECF1D7-C777-4D83-A7E4-04ECD8C16826}"/>
+                      <a16:creationId xmlns="" xmlns:a16="http://schemas.microsoft.com/office/drawing/2014/main" id="{C2ECF1D7-C777-4D83-A7E4-04ECD8C16826}"/>
                     </a:ext>
                   </a:extLst>
                 </p:cNvPr>
@@ -6053,7 +6053,7 @@
             <p:cNvPr id="122" name="그룹 121">
               <a:extLst>
                 <a:ext uri="{FF2B5EF4-FFF2-40B4-BE49-F238E27FC236}">
-                  <a16:creationId xmlns:a16="http://schemas.microsoft.com/office/drawing/2014/main" xmlns="" id="{C780CD6E-23B8-4D1C-B9CA-A09CB2B44F1D}"/>
+                  <a16:creationId xmlns="" xmlns:a16="http://schemas.microsoft.com/office/drawing/2014/main" id="{C780CD6E-23B8-4D1C-B9CA-A09CB2B44F1D}"/>
                 </a:ext>
               </a:extLst>
             </p:cNvPr>
@@ -6073,7 +6073,7 @@
               <p:cNvPr id="123" name="TextBox 122">
                 <a:extLst>
                   <a:ext uri="{FF2B5EF4-FFF2-40B4-BE49-F238E27FC236}">
-                    <a16:creationId xmlns:a16="http://schemas.microsoft.com/office/drawing/2014/main" xmlns="" id="{DFC572D4-E01F-40E5-AC46-049B12B33C20}"/>
+                    <a16:creationId xmlns="" xmlns:a16="http://schemas.microsoft.com/office/drawing/2014/main" id="{DFC572D4-E01F-40E5-AC46-049B12B33C20}"/>
                   </a:ext>
                 </a:extLst>
               </p:cNvPr>
@@ -6109,7 +6109,7 @@
               <p:cNvPr id="124" name="TextBox 123">
                 <a:extLst>
                   <a:ext uri="{FF2B5EF4-FFF2-40B4-BE49-F238E27FC236}">
-                    <a16:creationId xmlns:a16="http://schemas.microsoft.com/office/drawing/2014/main" xmlns="" id="{61C0AC2D-D606-4216-B535-92C33F87F9AC}"/>
+                    <a16:creationId xmlns="" xmlns:a16="http://schemas.microsoft.com/office/drawing/2014/main" id="{61C0AC2D-D606-4216-B535-92C33F87F9AC}"/>
                   </a:ext>
                 </a:extLst>
               </p:cNvPr>
@@ -6145,7 +6145,7 @@
               <p:cNvPr id="125" name="TextBox 124">
                 <a:extLst>
                   <a:ext uri="{FF2B5EF4-FFF2-40B4-BE49-F238E27FC236}">
-                    <a16:creationId xmlns:a16="http://schemas.microsoft.com/office/drawing/2014/main" xmlns="" id="{94867A14-4D0C-4192-AA17-1AD8986327B2}"/>
+                    <a16:creationId xmlns="" xmlns:a16="http://schemas.microsoft.com/office/drawing/2014/main" id="{94867A14-4D0C-4192-AA17-1AD8986327B2}"/>
                   </a:ext>
                 </a:extLst>
               </p:cNvPr>
@@ -6181,7 +6181,7 @@
               <p:cNvPr id="126" name="TextBox 125">
                 <a:extLst>
                   <a:ext uri="{FF2B5EF4-FFF2-40B4-BE49-F238E27FC236}">
-                    <a16:creationId xmlns:a16="http://schemas.microsoft.com/office/drawing/2014/main" xmlns="" id="{32D36745-12B2-4C21-B85D-283E612F9BBF}"/>
+                    <a16:creationId xmlns="" xmlns:a16="http://schemas.microsoft.com/office/drawing/2014/main" id="{32D36745-12B2-4C21-B85D-283E612F9BBF}"/>
                   </a:ext>
                 </a:extLst>
               </p:cNvPr>
@@ -6217,7 +6217,7 @@
               <p:cNvPr id="127" name="TextBox 126">
                 <a:extLst>
                   <a:ext uri="{FF2B5EF4-FFF2-40B4-BE49-F238E27FC236}">
-                    <a16:creationId xmlns:a16="http://schemas.microsoft.com/office/drawing/2014/main" xmlns="" id="{072F5B5C-1D42-4301-8603-F16E8D544EE3}"/>
+                    <a16:creationId xmlns="" xmlns:a16="http://schemas.microsoft.com/office/drawing/2014/main" id="{072F5B5C-1D42-4301-8603-F16E8D544EE3}"/>
                   </a:ext>
                 </a:extLst>
               </p:cNvPr>
@@ -6254,7 +6254,7 @@
             <p:cNvPr id="128" name="그룹 127">
               <a:extLst>
                 <a:ext uri="{FF2B5EF4-FFF2-40B4-BE49-F238E27FC236}">
-                  <a16:creationId xmlns:a16="http://schemas.microsoft.com/office/drawing/2014/main" xmlns="" id="{E648A8FE-95F5-48F4-93C0-94DB5DE10CDC}"/>
+                  <a16:creationId xmlns="" xmlns:a16="http://schemas.microsoft.com/office/drawing/2014/main" id="{E648A8FE-95F5-48F4-93C0-94DB5DE10CDC}"/>
                 </a:ext>
               </a:extLst>
             </p:cNvPr>
@@ -6274,7 +6274,7 @@
               <p:cNvPr id="129" name="직선 연결선 128">
                 <a:extLst>
                   <a:ext uri="{FF2B5EF4-FFF2-40B4-BE49-F238E27FC236}">
-                    <a16:creationId xmlns:a16="http://schemas.microsoft.com/office/drawing/2014/main" xmlns="" id="{DFEFD585-A561-4C61-A065-F53C6A6E4294}"/>
+                    <a16:creationId xmlns="" xmlns:a16="http://schemas.microsoft.com/office/drawing/2014/main" id="{DFEFD585-A561-4C61-A065-F53C6A6E4294}"/>
                   </a:ext>
                 </a:extLst>
               </p:cNvPr>
@@ -6311,7 +6311,7 @@
               <p:cNvPr id="130" name="직선 연결선 129">
                 <a:extLst>
                   <a:ext uri="{FF2B5EF4-FFF2-40B4-BE49-F238E27FC236}">
-                    <a16:creationId xmlns:a16="http://schemas.microsoft.com/office/drawing/2014/main" xmlns="" id="{E093B3F3-7E4F-4ADD-93C4-13E3506C24E2}"/>
+                    <a16:creationId xmlns="" xmlns:a16="http://schemas.microsoft.com/office/drawing/2014/main" id="{E093B3F3-7E4F-4ADD-93C4-13E3506C24E2}"/>
                   </a:ext>
                 </a:extLst>
               </p:cNvPr>
@@ -6348,7 +6348,7 @@
               <p:cNvPr id="131" name="직선 연결선 130">
                 <a:extLst>
                   <a:ext uri="{FF2B5EF4-FFF2-40B4-BE49-F238E27FC236}">
-                    <a16:creationId xmlns:a16="http://schemas.microsoft.com/office/drawing/2014/main" xmlns="" id="{47A2FCDA-2274-4370-AC9F-85FB18B6A5C4}"/>
+                    <a16:creationId xmlns="" xmlns:a16="http://schemas.microsoft.com/office/drawing/2014/main" id="{47A2FCDA-2274-4370-AC9F-85FB18B6A5C4}"/>
                   </a:ext>
                 </a:extLst>
               </p:cNvPr>
@@ -6386,7 +6386,7 @@
             <p:cNvPr id="132" name="그룹 131">
               <a:extLst>
                 <a:ext uri="{FF2B5EF4-FFF2-40B4-BE49-F238E27FC236}">
-                  <a16:creationId xmlns:a16="http://schemas.microsoft.com/office/drawing/2014/main" xmlns="" id="{0FB6D474-3407-4D4E-9A58-E72B830D759F}"/>
+                  <a16:creationId xmlns="" xmlns:a16="http://schemas.microsoft.com/office/drawing/2014/main" id="{0FB6D474-3407-4D4E-9A58-E72B830D759F}"/>
                 </a:ext>
               </a:extLst>
             </p:cNvPr>
@@ -6406,7 +6406,7 @@
               <p:cNvPr id="133" name="직선 연결선 132">
                 <a:extLst>
                   <a:ext uri="{FF2B5EF4-FFF2-40B4-BE49-F238E27FC236}">
-                    <a16:creationId xmlns:a16="http://schemas.microsoft.com/office/drawing/2014/main" xmlns="" id="{3BECF82B-6358-478F-885C-8CF817CA1525}"/>
+                    <a16:creationId xmlns="" xmlns:a16="http://schemas.microsoft.com/office/drawing/2014/main" id="{3BECF82B-6358-478F-885C-8CF817CA1525}"/>
                   </a:ext>
                 </a:extLst>
               </p:cNvPr>
@@ -6443,7 +6443,7 @@
               <p:cNvPr id="134" name="직선 연결선 133">
                 <a:extLst>
                   <a:ext uri="{FF2B5EF4-FFF2-40B4-BE49-F238E27FC236}">
-                    <a16:creationId xmlns:a16="http://schemas.microsoft.com/office/drawing/2014/main" xmlns="" id="{B7C927B1-BA1B-4054-8D98-23BAE8529F41}"/>
+                    <a16:creationId xmlns="" xmlns:a16="http://schemas.microsoft.com/office/drawing/2014/main" id="{B7C927B1-BA1B-4054-8D98-23BAE8529F41}"/>
                   </a:ext>
                 </a:extLst>
               </p:cNvPr>
@@ -6480,7 +6480,7 @@
               <p:cNvPr id="135" name="직선 연결선 134">
                 <a:extLst>
                   <a:ext uri="{FF2B5EF4-FFF2-40B4-BE49-F238E27FC236}">
-                    <a16:creationId xmlns:a16="http://schemas.microsoft.com/office/drawing/2014/main" xmlns="" id="{3AAB4DBC-33B4-4F1B-84CF-13DBDD61862A}"/>
+                    <a16:creationId xmlns="" xmlns:a16="http://schemas.microsoft.com/office/drawing/2014/main" id="{3AAB4DBC-33B4-4F1B-84CF-13DBDD61862A}"/>
                   </a:ext>
                 </a:extLst>
               </p:cNvPr>
@@ -6518,7 +6518,7 @@
             <p:cNvPr id="136" name="직사각형 135">
               <a:extLst>
                 <a:ext uri="{FF2B5EF4-FFF2-40B4-BE49-F238E27FC236}">
-                  <a16:creationId xmlns:a16="http://schemas.microsoft.com/office/drawing/2014/main" xmlns="" id="{F32B3D64-D506-4E80-9EFE-3BD426EC6F1A}"/>
+                  <a16:creationId xmlns="" xmlns:a16="http://schemas.microsoft.com/office/drawing/2014/main" id="{F32B3D64-D506-4E80-9EFE-3BD426EC6F1A}"/>
                 </a:ext>
               </a:extLst>
             </p:cNvPr>
@@ -6571,7 +6571,7 @@
           <p:cNvPr id="176" name="그룹 175">
             <a:extLst>
               <a:ext uri="{FF2B5EF4-FFF2-40B4-BE49-F238E27FC236}">
-                <a16:creationId xmlns:a16="http://schemas.microsoft.com/office/drawing/2014/main" xmlns="" id="{A1477181-3F51-433A-BEE2-8754976F71F1}"/>
+                <a16:creationId xmlns="" xmlns:a16="http://schemas.microsoft.com/office/drawing/2014/main" id="{A1477181-3F51-433A-BEE2-8754976F71F1}"/>
               </a:ext>
             </a:extLst>
           </p:cNvPr>
@@ -6593,7 +6593,7 @@
                 <p:cNvPr id="140" name="TextBox 139">
                   <a:extLst>
                     <a:ext uri="{FF2B5EF4-FFF2-40B4-BE49-F238E27FC236}">
-                      <a16:creationId xmlns:a16="http://schemas.microsoft.com/office/drawing/2014/main" xmlns="" id="{7A4CC2A5-E147-471C-84FF-F6A34A071FA4}"/>
+                      <a16:creationId xmlns="" xmlns:a16="http://schemas.microsoft.com/office/drawing/2014/main" id="{7A4CC2A5-E147-471C-84FF-F6A34A071FA4}"/>
                     </a:ext>
                   </a:extLst>
                 </p:cNvPr>
@@ -6689,7 +6689,7 @@
                 <p:cNvPr id="141" name="TextBox 140">
                   <a:extLst>
                     <a:ext uri="{FF2B5EF4-FFF2-40B4-BE49-F238E27FC236}">
-                      <a16:creationId xmlns:a16="http://schemas.microsoft.com/office/drawing/2014/main" xmlns="" id="{410CB433-F2C9-42F9-951D-93F0E91F7B5D}"/>
+                      <a16:creationId xmlns="" xmlns:a16="http://schemas.microsoft.com/office/drawing/2014/main" id="{410CB433-F2C9-42F9-951D-93F0E91F7B5D}"/>
                     </a:ext>
                   </a:extLst>
                 </p:cNvPr>
@@ -6785,7 +6785,7 @@
                 <p:cNvPr id="142" name="TextBox 141">
                   <a:extLst>
                     <a:ext uri="{FF2B5EF4-FFF2-40B4-BE49-F238E27FC236}">
-                      <a16:creationId xmlns:a16="http://schemas.microsoft.com/office/drawing/2014/main" xmlns="" id="{0433A8B7-E265-411C-9E7B-7B27688E7BC6}"/>
+                      <a16:creationId xmlns="" xmlns:a16="http://schemas.microsoft.com/office/drawing/2014/main" id="{0433A8B7-E265-411C-9E7B-7B27688E7BC6}"/>
                     </a:ext>
                   </a:extLst>
                 </p:cNvPr>
@@ -6879,7 +6879,7 @@
             <p:cNvPr id="143" name="그룹 142">
               <a:extLst>
                 <a:ext uri="{FF2B5EF4-FFF2-40B4-BE49-F238E27FC236}">
-                  <a16:creationId xmlns:a16="http://schemas.microsoft.com/office/drawing/2014/main" xmlns="" id="{2BA1F672-9CD3-4F90-AEF1-31F5858A64FF}"/>
+                  <a16:creationId xmlns="" xmlns:a16="http://schemas.microsoft.com/office/drawing/2014/main" id="{2BA1F672-9CD3-4F90-AEF1-31F5858A64FF}"/>
                 </a:ext>
               </a:extLst>
             </p:cNvPr>
@@ -6899,7 +6899,7 @@
               <p:cNvPr id="144" name="TextBox 143">
                 <a:extLst>
                   <a:ext uri="{FF2B5EF4-FFF2-40B4-BE49-F238E27FC236}">
-                    <a16:creationId xmlns:a16="http://schemas.microsoft.com/office/drawing/2014/main" xmlns="" id="{E359E037-F09D-47C4-A106-99BBD9FDA6B0}"/>
+                    <a16:creationId xmlns="" xmlns:a16="http://schemas.microsoft.com/office/drawing/2014/main" id="{E359E037-F09D-47C4-A106-99BBD9FDA6B0}"/>
                   </a:ext>
                 </a:extLst>
               </p:cNvPr>
@@ -6935,7 +6935,7 @@
               <p:cNvPr id="145" name="TextBox 144">
                 <a:extLst>
                   <a:ext uri="{FF2B5EF4-FFF2-40B4-BE49-F238E27FC236}">
-                    <a16:creationId xmlns:a16="http://schemas.microsoft.com/office/drawing/2014/main" xmlns="" id="{748230A5-D255-4703-A8EA-8B2F3B3B3D94}"/>
+                    <a16:creationId xmlns="" xmlns:a16="http://schemas.microsoft.com/office/drawing/2014/main" id="{748230A5-D255-4703-A8EA-8B2F3B3B3D94}"/>
                   </a:ext>
                 </a:extLst>
               </p:cNvPr>
@@ -6971,7 +6971,7 @@
               <p:cNvPr id="146" name="TextBox 145">
                 <a:extLst>
                   <a:ext uri="{FF2B5EF4-FFF2-40B4-BE49-F238E27FC236}">
-                    <a16:creationId xmlns:a16="http://schemas.microsoft.com/office/drawing/2014/main" xmlns="" id="{AF657249-EE77-4BE8-A880-5D264AA9A252}"/>
+                    <a16:creationId xmlns="" xmlns:a16="http://schemas.microsoft.com/office/drawing/2014/main" id="{AF657249-EE77-4BE8-A880-5D264AA9A252}"/>
                   </a:ext>
                 </a:extLst>
               </p:cNvPr>
@@ -7007,7 +7007,7 @@
               <p:cNvPr id="147" name="TextBox 146">
                 <a:extLst>
                   <a:ext uri="{FF2B5EF4-FFF2-40B4-BE49-F238E27FC236}">
-                    <a16:creationId xmlns:a16="http://schemas.microsoft.com/office/drawing/2014/main" xmlns="" id="{A69CB3D8-FBC7-40A2-B507-A8D361E54723}"/>
+                    <a16:creationId xmlns="" xmlns:a16="http://schemas.microsoft.com/office/drawing/2014/main" id="{A69CB3D8-FBC7-40A2-B507-A8D361E54723}"/>
                   </a:ext>
                 </a:extLst>
               </p:cNvPr>
@@ -7043,7 +7043,7 @@
               <p:cNvPr id="148" name="TextBox 147">
                 <a:extLst>
                   <a:ext uri="{FF2B5EF4-FFF2-40B4-BE49-F238E27FC236}">
-                    <a16:creationId xmlns:a16="http://schemas.microsoft.com/office/drawing/2014/main" xmlns="" id="{57E1FC30-1150-4616-AB0F-ADBD6A3F4259}"/>
+                    <a16:creationId xmlns="" xmlns:a16="http://schemas.microsoft.com/office/drawing/2014/main" id="{57E1FC30-1150-4616-AB0F-ADBD6A3F4259}"/>
                   </a:ext>
                 </a:extLst>
               </p:cNvPr>
@@ -7080,7 +7080,7 @@
             <p:cNvPr id="149" name="그룹 148">
               <a:extLst>
                 <a:ext uri="{FF2B5EF4-FFF2-40B4-BE49-F238E27FC236}">
-                  <a16:creationId xmlns:a16="http://schemas.microsoft.com/office/drawing/2014/main" xmlns="" id="{A326513D-36B3-4B9F-872C-A3BA597E0044}"/>
+                  <a16:creationId xmlns="" xmlns:a16="http://schemas.microsoft.com/office/drawing/2014/main" id="{A326513D-36B3-4B9F-872C-A3BA597E0044}"/>
                 </a:ext>
               </a:extLst>
             </p:cNvPr>
@@ -7100,7 +7100,7 @@
               <p:cNvPr id="150" name="직선 연결선 149">
                 <a:extLst>
                   <a:ext uri="{FF2B5EF4-FFF2-40B4-BE49-F238E27FC236}">
-                    <a16:creationId xmlns:a16="http://schemas.microsoft.com/office/drawing/2014/main" xmlns="" id="{9BDD8409-4DA6-4D06-B39D-B377D1C834E6}"/>
+                    <a16:creationId xmlns="" xmlns:a16="http://schemas.microsoft.com/office/drawing/2014/main" id="{9BDD8409-4DA6-4D06-B39D-B377D1C834E6}"/>
                   </a:ext>
                 </a:extLst>
               </p:cNvPr>
@@ -7137,7 +7137,7 @@
               <p:cNvPr id="151" name="직선 연결선 150">
                 <a:extLst>
                   <a:ext uri="{FF2B5EF4-FFF2-40B4-BE49-F238E27FC236}">
-                    <a16:creationId xmlns:a16="http://schemas.microsoft.com/office/drawing/2014/main" xmlns="" id="{79E1C35D-0DA1-48A8-9232-E0D191EFFCDE}"/>
+                    <a16:creationId xmlns="" xmlns:a16="http://schemas.microsoft.com/office/drawing/2014/main" id="{79E1C35D-0DA1-48A8-9232-E0D191EFFCDE}"/>
                   </a:ext>
                 </a:extLst>
               </p:cNvPr>
@@ -7174,7 +7174,7 @@
               <p:cNvPr id="152" name="직선 연결선 151">
                 <a:extLst>
                   <a:ext uri="{FF2B5EF4-FFF2-40B4-BE49-F238E27FC236}">
-                    <a16:creationId xmlns:a16="http://schemas.microsoft.com/office/drawing/2014/main" xmlns="" id="{17EA9461-A4B0-4AFF-8766-103FBDD16571}"/>
+                    <a16:creationId xmlns="" xmlns:a16="http://schemas.microsoft.com/office/drawing/2014/main" id="{17EA9461-A4B0-4AFF-8766-103FBDD16571}"/>
                   </a:ext>
                 </a:extLst>
               </p:cNvPr>
@@ -7212,7 +7212,7 @@
             <p:cNvPr id="153" name="그룹 152">
               <a:extLst>
                 <a:ext uri="{FF2B5EF4-FFF2-40B4-BE49-F238E27FC236}">
-                  <a16:creationId xmlns:a16="http://schemas.microsoft.com/office/drawing/2014/main" xmlns="" id="{7D5C3A26-FDCE-458B-900A-112BEEC5DDDF}"/>
+                  <a16:creationId xmlns="" xmlns:a16="http://schemas.microsoft.com/office/drawing/2014/main" id="{7D5C3A26-FDCE-458B-900A-112BEEC5DDDF}"/>
                 </a:ext>
               </a:extLst>
             </p:cNvPr>
@@ -7232,7 +7232,7 @@
               <p:cNvPr id="154" name="직선 연결선 153">
                 <a:extLst>
                   <a:ext uri="{FF2B5EF4-FFF2-40B4-BE49-F238E27FC236}">
-                    <a16:creationId xmlns:a16="http://schemas.microsoft.com/office/drawing/2014/main" xmlns="" id="{F9D8567C-A988-4E8C-ABEB-C25ACFBF4C4D}"/>
+                    <a16:creationId xmlns="" xmlns:a16="http://schemas.microsoft.com/office/drawing/2014/main" id="{F9D8567C-A988-4E8C-ABEB-C25ACFBF4C4D}"/>
                   </a:ext>
                 </a:extLst>
               </p:cNvPr>
@@ -7269,7 +7269,7 @@
               <p:cNvPr id="155" name="직선 연결선 154">
                 <a:extLst>
                   <a:ext uri="{FF2B5EF4-FFF2-40B4-BE49-F238E27FC236}">
-                    <a16:creationId xmlns:a16="http://schemas.microsoft.com/office/drawing/2014/main" xmlns="" id="{596A3671-FD73-4051-8D0D-78508CAA0832}"/>
+                    <a16:creationId xmlns="" xmlns:a16="http://schemas.microsoft.com/office/drawing/2014/main" id="{596A3671-FD73-4051-8D0D-78508CAA0832}"/>
                   </a:ext>
                 </a:extLst>
               </p:cNvPr>
@@ -7306,7 +7306,7 @@
               <p:cNvPr id="156" name="직선 연결선 155">
                 <a:extLst>
                   <a:ext uri="{FF2B5EF4-FFF2-40B4-BE49-F238E27FC236}">
-                    <a16:creationId xmlns:a16="http://schemas.microsoft.com/office/drawing/2014/main" xmlns="" id="{9CC6710D-AE3E-42E6-B793-25988724753C}"/>
+                    <a16:creationId xmlns="" xmlns:a16="http://schemas.microsoft.com/office/drawing/2014/main" id="{9CC6710D-AE3E-42E6-B793-25988724753C}"/>
                   </a:ext>
                 </a:extLst>
               </p:cNvPr>
@@ -7344,7 +7344,7 @@
             <p:cNvPr id="157" name="직사각형 156">
               <a:extLst>
                 <a:ext uri="{FF2B5EF4-FFF2-40B4-BE49-F238E27FC236}">
-                  <a16:creationId xmlns:a16="http://schemas.microsoft.com/office/drawing/2014/main" xmlns="" id="{D14339D0-AEAD-4B14-9388-4B245569F81C}"/>
+                  <a16:creationId xmlns="" xmlns:a16="http://schemas.microsoft.com/office/drawing/2014/main" id="{D14339D0-AEAD-4B14-9388-4B245569F81C}"/>
                 </a:ext>
               </a:extLst>
             </p:cNvPr>
@@ -7397,7 +7397,7 @@
           <p:cNvPr id="196" name="그룹 195">
             <a:extLst>
               <a:ext uri="{FF2B5EF4-FFF2-40B4-BE49-F238E27FC236}">
-                <a16:creationId xmlns:a16="http://schemas.microsoft.com/office/drawing/2014/main" xmlns="" id="{91DE9A1E-ABE8-480D-8F41-F4D9326DFED2}"/>
+                <a16:creationId xmlns="" xmlns:a16="http://schemas.microsoft.com/office/drawing/2014/main" id="{91DE9A1E-ABE8-480D-8F41-F4D9326DFED2}"/>
               </a:ext>
             </a:extLst>
           </p:cNvPr>
@@ -7419,7 +7419,7 @@
                 <p:cNvPr id="178" name="TextBox 177">
                   <a:extLst>
                     <a:ext uri="{FF2B5EF4-FFF2-40B4-BE49-F238E27FC236}">
-                      <a16:creationId xmlns:a16="http://schemas.microsoft.com/office/drawing/2014/main" xmlns="" id="{34BCE373-436C-41D5-BDCB-5AB4944E9921}"/>
+                      <a16:creationId xmlns="" xmlns:a16="http://schemas.microsoft.com/office/drawing/2014/main" id="{34BCE373-436C-41D5-BDCB-5AB4944E9921}"/>
                     </a:ext>
                   </a:extLst>
                 </p:cNvPr>
@@ -7515,7 +7515,7 @@
                 <p:cNvPr id="179" name="TextBox 178">
                   <a:extLst>
                     <a:ext uri="{FF2B5EF4-FFF2-40B4-BE49-F238E27FC236}">
-                      <a16:creationId xmlns:a16="http://schemas.microsoft.com/office/drawing/2014/main" xmlns="" id="{09BC1ABE-E49B-4ED5-90DA-24D22F16B5A6}"/>
+                      <a16:creationId xmlns="" xmlns:a16="http://schemas.microsoft.com/office/drawing/2014/main" id="{09BC1ABE-E49B-4ED5-90DA-24D22F16B5A6}"/>
                     </a:ext>
                   </a:extLst>
                 </p:cNvPr>
@@ -7611,7 +7611,7 @@
                 <p:cNvPr id="180" name="TextBox 179">
                   <a:extLst>
                     <a:ext uri="{FF2B5EF4-FFF2-40B4-BE49-F238E27FC236}">
-                      <a16:creationId xmlns:a16="http://schemas.microsoft.com/office/drawing/2014/main" xmlns="" id="{2F10FB60-64E0-4668-9A87-2FBE4B7BBAAD}"/>
+                      <a16:creationId xmlns="" xmlns:a16="http://schemas.microsoft.com/office/drawing/2014/main" id="{2F10FB60-64E0-4668-9A87-2FBE4B7BBAAD}"/>
                     </a:ext>
                   </a:extLst>
                 </p:cNvPr>
@@ -7705,7 +7705,7 @@
             <p:cNvPr id="181" name="그룹 180">
               <a:extLst>
                 <a:ext uri="{FF2B5EF4-FFF2-40B4-BE49-F238E27FC236}">
-                  <a16:creationId xmlns:a16="http://schemas.microsoft.com/office/drawing/2014/main" xmlns="" id="{76C6F5E8-D04B-40AF-B850-7224A20D5EDB}"/>
+                  <a16:creationId xmlns="" xmlns:a16="http://schemas.microsoft.com/office/drawing/2014/main" id="{76C6F5E8-D04B-40AF-B850-7224A20D5EDB}"/>
                 </a:ext>
               </a:extLst>
             </p:cNvPr>
@@ -7725,7 +7725,7 @@
               <p:cNvPr id="191" name="TextBox 190">
                 <a:extLst>
                   <a:ext uri="{FF2B5EF4-FFF2-40B4-BE49-F238E27FC236}">
-                    <a16:creationId xmlns:a16="http://schemas.microsoft.com/office/drawing/2014/main" xmlns="" id="{4FF7BF3A-005C-464A-8887-DF891E7640B8}"/>
+                    <a16:creationId xmlns="" xmlns:a16="http://schemas.microsoft.com/office/drawing/2014/main" id="{4FF7BF3A-005C-464A-8887-DF891E7640B8}"/>
                   </a:ext>
                 </a:extLst>
               </p:cNvPr>
@@ -7761,7 +7761,7 @@
               <p:cNvPr id="192" name="TextBox 191">
                 <a:extLst>
                   <a:ext uri="{FF2B5EF4-FFF2-40B4-BE49-F238E27FC236}">
-                    <a16:creationId xmlns:a16="http://schemas.microsoft.com/office/drawing/2014/main" xmlns="" id="{E4BFE04A-4EA5-4769-BB48-90593C440BDC}"/>
+                    <a16:creationId xmlns="" xmlns:a16="http://schemas.microsoft.com/office/drawing/2014/main" id="{E4BFE04A-4EA5-4769-BB48-90593C440BDC}"/>
                   </a:ext>
                 </a:extLst>
               </p:cNvPr>
@@ -7797,7 +7797,7 @@
               <p:cNvPr id="193" name="TextBox 192">
                 <a:extLst>
                   <a:ext uri="{FF2B5EF4-FFF2-40B4-BE49-F238E27FC236}">
-                    <a16:creationId xmlns:a16="http://schemas.microsoft.com/office/drawing/2014/main" xmlns="" id="{F3C84539-5D4E-4E86-B2E7-9D81B126BBAF}"/>
+                    <a16:creationId xmlns="" xmlns:a16="http://schemas.microsoft.com/office/drawing/2014/main" id="{F3C84539-5D4E-4E86-B2E7-9D81B126BBAF}"/>
                   </a:ext>
                 </a:extLst>
               </p:cNvPr>
@@ -7833,7 +7833,7 @@
               <p:cNvPr id="194" name="TextBox 193">
                 <a:extLst>
                   <a:ext uri="{FF2B5EF4-FFF2-40B4-BE49-F238E27FC236}">
-                    <a16:creationId xmlns:a16="http://schemas.microsoft.com/office/drawing/2014/main" xmlns="" id="{C1F17F1A-7740-4362-8308-EDC81860A5BA}"/>
+                    <a16:creationId xmlns="" xmlns:a16="http://schemas.microsoft.com/office/drawing/2014/main" id="{C1F17F1A-7740-4362-8308-EDC81860A5BA}"/>
                   </a:ext>
                 </a:extLst>
               </p:cNvPr>
@@ -7869,7 +7869,7 @@
               <p:cNvPr id="195" name="TextBox 194">
                 <a:extLst>
                   <a:ext uri="{FF2B5EF4-FFF2-40B4-BE49-F238E27FC236}">
-                    <a16:creationId xmlns:a16="http://schemas.microsoft.com/office/drawing/2014/main" xmlns="" id="{6DC370A7-A552-4BFE-B7E0-A1C97728494E}"/>
+                    <a16:creationId xmlns="" xmlns:a16="http://schemas.microsoft.com/office/drawing/2014/main" id="{6DC370A7-A552-4BFE-B7E0-A1C97728494E}"/>
                   </a:ext>
                 </a:extLst>
               </p:cNvPr>
@@ -7906,7 +7906,7 @@
             <p:cNvPr id="182" name="그룹 181">
               <a:extLst>
                 <a:ext uri="{FF2B5EF4-FFF2-40B4-BE49-F238E27FC236}">
-                  <a16:creationId xmlns:a16="http://schemas.microsoft.com/office/drawing/2014/main" xmlns="" id="{9BBCFECF-276D-4ECD-BFA0-CF7F3DFD5262}"/>
+                  <a16:creationId xmlns="" xmlns:a16="http://schemas.microsoft.com/office/drawing/2014/main" id="{9BBCFECF-276D-4ECD-BFA0-CF7F3DFD5262}"/>
                 </a:ext>
               </a:extLst>
             </p:cNvPr>
@@ -7926,7 +7926,7 @@
               <p:cNvPr id="188" name="직선 연결선 187">
                 <a:extLst>
                   <a:ext uri="{FF2B5EF4-FFF2-40B4-BE49-F238E27FC236}">
-                    <a16:creationId xmlns:a16="http://schemas.microsoft.com/office/drawing/2014/main" xmlns="" id="{081215A8-258F-4F8F-B907-48DCE540CAF9}"/>
+                    <a16:creationId xmlns="" xmlns:a16="http://schemas.microsoft.com/office/drawing/2014/main" id="{081215A8-258F-4F8F-B907-48DCE540CAF9}"/>
                   </a:ext>
                 </a:extLst>
               </p:cNvPr>
@@ -7963,7 +7963,7 @@
               <p:cNvPr id="189" name="직선 연결선 188">
                 <a:extLst>
                   <a:ext uri="{FF2B5EF4-FFF2-40B4-BE49-F238E27FC236}">
-                    <a16:creationId xmlns:a16="http://schemas.microsoft.com/office/drawing/2014/main" xmlns="" id="{3BD2EC2A-E5F4-455E-8332-6BD88FB86887}"/>
+                    <a16:creationId xmlns="" xmlns:a16="http://schemas.microsoft.com/office/drawing/2014/main" id="{3BD2EC2A-E5F4-455E-8332-6BD88FB86887}"/>
                   </a:ext>
                 </a:extLst>
               </p:cNvPr>
@@ -8000,7 +8000,7 @@
               <p:cNvPr id="190" name="직선 연결선 189">
                 <a:extLst>
                   <a:ext uri="{FF2B5EF4-FFF2-40B4-BE49-F238E27FC236}">
-                    <a16:creationId xmlns:a16="http://schemas.microsoft.com/office/drawing/2014/main" xmlns="" id="{5B60AAF0-74CE-46B1-A96B-57F8A99BA3BB}"/>
+                    <a16:creationId xmlns="" xmlns:a16="http://schemas.microsoft.com/office/drawing/2014/main" id="{5B60AAF0-74CE-46B1-A96B-57F8A99BA3BB}"/>
                   </a:ext>
                 </a:extLst>
               </p:cNvPr>
@@ -8038,7 +8038,7 @@
             <p:cNvPr id="183" name="그룹 182">
               <a:extLst>
                 <a:ext uri="{FF2B5EF4-FFF2-40B4-BE49-F238E27FC236}">
-                  <a16:creationId xmlns:a16="http://schemas.microsoft.com/office/drawing/2014/main" xmlns="" id="{33E160BD-85E6-46F9-9CDF-C16AD86B4D16}"/>
+                  <a16:creationId xmlns="" xmlns:a16="http://schemas.microsoft.com/office/drawing/2014/main" id="{33E160BD-85E6-46F9-9CDF-C16AD86B4D16}"/>
                 </a:ext>
               </a:extLst>
             </p:cNvPr>
@@ -8058,7 +8058,7 @@
               <p:cNvPr id="185" name="직선 연결선 184">
                 <a:extLst>
                   <a:ext uri="{FF2B5EF4-FFF2-40B4-BE49-F238E27FC236}">
-                    <a16:creationId xmlns:a16="http://schemas.microsoft.com/office/drawing/2014/main" xmlns="" id="{69EFB300-A895-47E3-B9B7-4895314835CD}"/>
+                    <a16:creationId xmlns="" xmlns:a16="http://schemas.microsoft.com/office/drawing/2014/main" id="{69EFB300-A895-47E3-B9B7-4895314835CD}"/>
                   </a:ext>
                 </a:extLst>
               </p:cNvPr>
@@ -8095,7 +8095,7 @@
               <p:cNvPr id="186" name="직선 연결선 185">
                 <a:extLst>
                   <a:ext uri="{FF2B5EF4-FFF2-40B4-BE49-F238E27FC236}">
-                    <a16:creationId xmlns:a16="http://schemas.microsoft.com/office/drawing/2014/main" xmlns="" id="{A9E66D7F-1594-4C18-AC58-8FAFF2DDFC9F}"/>
+                    <a16:creationId xmlns="" xmlns:a16="http://schemas.microsoft.com/office/drawing/2014/main" id="{A9E66D7F-1594-4C18-AC58-8FAFF2DDFC9F}"/>
                   </a:ext>
                 </a:extLst>
               </p:cNvPr>
@@ -8132,7 +8132,7 @@
               <p:cNvPr id="187" name="직선 연결선 186">
                 <a:extLst>
                   <a:ext uri="{FF2B5EF4-FFF2-40B4-BE49-F238E27FC236}">
-                    <a16:creationId xmlns:a16="http://schemas.microsoft.com/office/drawing/2014/main" xmlns="" id="{D9592860-9FDC-4151-BC91-CD17FD5027E1}"/>
+                    <a16:creationId xmlns="" xmlns:a16="http://schemas.microsoft.com/office/drawing/2014/main" id="{D9592860-9FDC-4151-BC91-CD17FD5027E1}"/>
                   </a:ext>
                 </a:extLst>
               </p:cNvPr>
@@ -8170,7 +8170,7 @@
             <p:cNvPr id="184" name="직사각형 183">
               <a:extLst>
                 <a:ext uri="{FF2B5EF4-FFF2-40B4-BE49-F238E27FC236}">
-                  <a16:creationId xmlns:a16="http://schemas.microsoft.com/office/drawing/2014/main" xmlns="" id="{40C3BAA4-A43D-4C54-8476-C00104EE3043}"/>
+                  <a16:creationId xmlns="" xmlns:a16="http://schemas.microsoft.com/office/drawing/2014/main" id="{40C3BAA4-A43D-4C54-8476-C00104EE3043}"/>
                 </a:ext>
               </a:extLst>
             </p:cNvPr>
@@ -8223,7 +8223,7 @@
           <p:cNvPr id="236" name="그룹 235">
             <a:extLst>
               <a:ext uri="{FF2B5EF4-FFF2-40B4-BE49-F238E27FC236}">
-                <a16:creationId xmlns:a16="http://schemas.microsoft.com/office/drawing/2014/main" xmlns="" id="{C870881B-27E3-4018-9654-245E2280F9E0}"/>
+                <a16:creationId xmlns="" xmlns:a16="http://schemas.microsoft.com/office/drawing/2014/main" id="{C870881B-27E3-4018-9654-245E2280F9E0}"/>
               </a:ext>
             </a:extLst>
           </p:cNvPr>
@@ -8245,7 +8245,7 @@
                 <p:cNvPr id="197" name="TextBox 196">
                   <a:extLst>
                     <a:ext uri="{FF2B5EF4-FFF2-40B4-BE49-F238E27FC236}">
-                      <a16:creationId xmlns:a16="http://schemas.microsoft.com/office/drawing/2014/main" xmlns="" id="{83585CF3-74F2-4044-B665-CF259A3A3A1F}"/>
+                      <a16:creationId xmlns="" xmlns:a16="http://schemas.microsoft.com/office/drawing/2014/main" id="{83585CF3-74F2-4044-B665-CF259A3A3A1F}"/>
                     </a:ext>
                   </a:extLst>
                 </p:cNvPr>
@@ -8341,7 +8341,7 @@
                 <p:cNvPr id="198" name="TextBox 197">
                   <a:extLst>
                     <a:ext uri="{FF2B5EF4-FFF2-40B4-BE49-F238E27FC236}">
-                      <a16:creationId xmlns:a16="http://schemas.microsoft.com/office/drawing/2014/main" xmlns="" id="{6D5C6C66-E137-40F3-B6C6-AB9C90DE9EB5}"/>
+                      <a16:creationId xmlns="" xmlns:a16="http://schemas.microsoft.com/office/drawing/2014/main" id="{6D5C6C66-E137-40F3-B6C6-AB9C90DE9EB5}"/>
                     </a:ext>
                   </a:extLst>
                 </p:cNvPr>
@@ -8437,7 +8437,7 @@
                 <p:cNvPr id="199" name="TextBox 198">
                   <a:extLst>
                     <a:ext uri="{FF2B5EF4-FFF2-40B4-BE49-F238E27FC236}">
-                      <a16:creationId xmlns:a16="http://schemas.microsoft.com/office/drawing/2014/main" xmlns="" id="{67E78FD3-44D5-4074-8EA9-0D2FF619B46C}"/>
+                      <a16:creationId xmlns="" xmlns:a16="http://schemas.microsoft.com/office/drawing/2014/main" id="{67E78FD3-44D5-4074-8EA9-0D2FF619B46C}"/>
                     </a:ext>
                   </a:extLst>
                 </p:cNvPr>
@@ -8531,7 +8531,7 @@
             <p:cNvPr id="200" name="그룹 199">
               <a:extLst>
                 <a:ext uri="{FF2B5EF4-FFF2-40B4-BE49-F238E27FC236}">
-                  <a16:creationId xmlns:a16="http://schemas.microsoft.com/office/drawing/2014/main" xmlns="" id="{B075ECB1-5931-4EB2-BB5E-59EA4E72BDAA}"/>
+                  <a16:creationId xmlns="" xmlns:a16="http://schemas.microsoft.com/office/drawing/2014/main" id="{B075ECB1-5931-4EB2-BB5E-59EA4E72BDAA}"/>
                 </a:ext>
               </a:extLst>
             </p:cNvPr>
@@ -8551,7 +8551,7 @@
               <p:cNvPr id="201" name="TextBox 200">
                 <a:extLst>
                   <a:ext uri="{FF2B5EF4-FFF2-40B4-BE49-F238E27FC236}">
-                    <a16:creationId xmlns:a16="http://schemas.microsoft.com/office/drawing/2014/main" xmlns="" id="{F84F99B4-1B25-452F-82D4-7FE0388A4A76}"/>
+                    <a16:creationId xmlns="" xmlns:a16="http://schemas.microsoft.com/office/drawing/2014/main" id="{F84F99B4-1B25-452F-82D4-7FE0388A4A76}"/>
                   </a:ext>
                 </a:extLst>
               </p:cNvPr>
@@ -8587,7 +8587,7 @@
               <p:cNvPr id="202" name="TextBox 201">
                 <a:extLst>
                   <a:ext uri="{FF2B5EF4-FFF2-40B4-BE49-F238E27FC236}">
-                    <a16:creationId xmlns:a16="http://schemas.microsoft.com/office/drawing/2014/main" xmlns="" id="{94AD9141-72CD-4AC7-8E52-8CED4A7E3B23}"/>
+                    <a16:creationId xmlns="" xmlns:a16="http://schemas.microsoft.com/office/drawing/2014/main" id="{94AD9141-72CD-4AC7-8E52-8CED4A7E3B23}"/>
                   </a:ext>
                 </a:extLst>
               </p:cNvPr>
@@ -8623,7 +8623,7 @@
               <p:cNvPr id="203" name="TextBox 202">
                 <a:extLst>
                   <a:ext uri="{FF2B5EF4-FFF2-40B4-BE49-F238E27FC236}">
-                    <a16:creationId xmlns:a16="http://schemas.microsoft.com/office/drawing/2014/main" xmlns="" id="{A06952DA-CAB5-49B2-9FEA-31EE97FF24B4}"/>
+                    <a16:creationId xmlns="" xmlns:a16="http://schemas.microsoft.com/office/drawing/2014/main" id="{A06952DA-CAB5-49B2-9FEA-31EE97FF24B4}"/>
                   </a:ext>
                 </a:extLst>
               </p:cNvPr>
@@ -8659,7 +8659,7 @@
               <p:cNvPr id="204" name="TextBox 203">
                 <a:extLst>
                   <a:ext uri="{FF2B5EF4-FFF2-40B4-BE49-F238E27FC236}">
-                    <a16:creationId xmlns:a16="http://schemas.microsoft.com/office/drawing/2014/main" xmlns="" id="{37E7D89F-1267-402D-AB9E-5239513D0BAA}"/>
+                    <a16:creationId xmlns="" xmlns:a16="http://schemas.microsoft.com/office/drawing/2014/main" id="{37E7D89F-1267-402D-AB9E-5239513D0BAA}"/>
                   </a:ext>
                 </a:extLst>
               </p:cNvPr>
@@ -8695,7 +8695,7 @@
               <p:cNvPr id="205" name="TextBox 204">
                 <a:extLst>
                   <a:ext uri="{FF2B5EF4-FFF2-40B4-BE49-F238E27FC236}">
-                    <a16:creationId xmlns:a16="http://schemas.microsoft.com/office/drawing/2014/main" xmlns="" id="{3113BEA6-24DB-4BC6-B06A-47CFA478018B}"/>
+                    <a16:creationId xmlns="" xmlns:a16="http://schemas.microsoft.com/office/drawing/2014/main" id="{3113BEA6-24DB-4BC6-B06A-47CFA478018B}"/>
                   </a:ext>
                 </a:extLst>
               </p:cNvPr>
@@ -8732,7 +8732,7 @@
             <p:cNvPr id="206" name="그룹 205">
               <a:extLst>
                 <a:ext uri="{FF2B5EF4-FFF2-40B4-BE49-F238E27FC236}">
-                  <a16:creationId xmlns:a16="http://schemas.microsoft.com/office/drawing/2014/main" xmlns="" id="{036FA02D-B5A3-4A4B-A681-B20E3ADAE2C6}"/>
+                  <a16:creationId xmlns="" xmlns:a16="http://schemas.microsoft.com/office/drawing/2014/main" id="{036FA02D-B5A3-4A4B-A681-B20E3ADAE2C6}"/>
                 </a:ext>
               </a:extLst>
             </p:cNvPr>
@@ -8752,7 +8752,7 @@
               <p:cNvPr id="207" name="직선 연결선 206">
                 <a:extLst>
                   <a:ext uri="{FF2B5EF4-FFF2-40B4-BE49-F238E27FC236}">
-                    <a16:creationId xmlns:a16="http://schemas.microsoft.com/office/drawing/2014/main" xmlns="" id="{0FE3FFCE-E11E-4CC0-AD2C-C1D1E3F53897}"/>
+                    <a16:creationId xmlns="" xmlns:a16="http://schemas.microsoft.com/office/drawing/2014/main" id="{0FE3FFCE-E11E-4CC0-AD2C-C1D1E3F53897}"/>
                   </a:ext>
                 </a:extLst>
               </p:cNvPr>
@@ -8789,7 +8789,7 @@
               <p:cNvPr id="208" name="직선 연결선 207">
                 <a:extLst>
                   <a:ext uri="{FF2B5EF4-FFF2-40B4-BE49-F238E27FC236}">
-                    <a16:creationId xmlns:a16="http://schemas.microsoft.com/office/drawing/2014/main" xmlns="" id="{7D302ABE-1456-401D-84DE-0D0185C86379}"/>
+                    <a16:creationId xmlns="" xmlns:a16="http://schemas.microsoft.com/office/drawing/2014/main" id="{7D302ABE-1456-401D-84DE-0D0185C86379}"/>
                   </a:ext>
                 </a:extLst>
               </p:cNvPr>
@@ -8826,7 +8826,7 @@
               <p:cNvPr id="209" name="직선 연결선 208">
                 <a:extLst>
                   <a:ext uri="{FF2B5EF4-FFF2-40B4-BE49-F238E27FC236}">
-                    <a16:creationId xmlns:a16="http://schemas.microsoft.com/office/drawing/2014/main" xmlns="" id="{CF6BB88F-FEC7-4678-AA22-1052153DABAA}"/>
+                    <a16:creationId xmlns="" xmlns:a16="http://schemas.microsoft.com/office/drawing/2014/main" id="{CF6BB88F-FEC7-4678-AA22-1052153DABAA}"/>
                   </a:ext>
                 </a:extLst>
               </p:cNvPr>
@@ -8864,7 +8864,7 @@
             <p:cNvPr id="210" name="그룹 209">
               <a:extLst>
                 <a:ext uri="{FF2B5EF4-FFF2-40B4-BE49-F238E27FC236}">
-                  <a16:creationId xmlns:a16="http://schemas.microsoft.com/office/drawing/2014/main" xmlns="" id="{0FAF4110-98F8-4413-8D65-608F9A0425E9}"/>
+                  <a16:creationId xmlns="" xmlns:a16="http://schemas.microsoft.com/office/drawing/2014/main" id="{0FAF4110-98F8-4413-8D65-608F9A0425E9}"/>
                 </a:ext>
               </a:extLst>
             </p:cNvPr>
@@ -8884,7 +8884,7 @@
               <p:cNvPr id="211" name="직선 연결선 210">
                 <a:extLst>
                   <a:ext uri="{FF2B5EF4-FFF2-40B4-BE49-F238E27FC236}">
-                    <a16:creationId xmlns:a16="http://schemas.microsoft.com/office/drawing/2014/main" xmlns="" id="{3CAFB27D-337A-46F7-B11C-E4AF53D6348D}"/>
+                    <a16:creationId xmlns="" xmlns:a16="http://schemas.microsoft.com/office/drawing/2014/main" id="{3CAFB27D-337A-46F7-B11C-E4AF53D6348D}"/>
                   </a:ext>
                 </a:extLst>
               </p:cNvPr>
@@ -8921,7 +8921,7 @@
               <p:cNvPr id="212" name="직선 연결선 211">
                 <a:extLst>
                   <a:ext uri="{FF2B5EF4-FFF2-40B4-BE49-F238E27FC236}">
-                    <a16:creationId xmlns:a16="http://schemas.microsoft.com/office/drawing/2014/main" xmlns="" id="{391DB6FA-D938-47F4-8B15-EF096C7D3A7D}"/>
+                    <a16:creationId xmlns="" xmlns:a16="http://schemas.microsoft.com/office/drawing/2014/main" id="{391DB6FA-D938-47F4-8B15-EF096C7D3A7D}"/>
                   </a:ext>
                 </a:extLst>
               </p:cNvPr>
@@ -8958,7 +8958,7 @@
               <p:cNvPr id="213" name="직선 연결선 212">
                 <a:extLst>
                   <a:ext uri="{FF2B5EF4-FFF2-40B4-BE49-F238E27FC236}">
-                    <a16:creationId xmlns:a16="http://schemas.microsoft.com/office/drawing/2014/main" xmlns="" id="{95E0D726-63D1-4A70-B105-E3A1795133DE}"/>
+                    <a16:creationId xmlns="" xmlns:a16="http://schemas.microsoft.com/office/drawing/2014/main" id="{95E0D726-63D1-4A70-B105-E3A1795133DE}"/>
                   </a:ext>
                 </a:extLst>
               </p:cNvPr>
@@ -8996,7 +8996,7 @@
             <p:cNvPr id="214" name="직사각형 213">
               <a:extLst>
                 <a:ext uri="{FF2B5EF4-FFF2-40B4-BE49-F238E27FC236}">
-                  <a16:creationId xmlns:a16="http://schemas.microsoft.com/office/drawing/2014/main" xmlns="" id="{4D821294-A814-4DD4-8DBC-8CFAE6E27A3A}"/>
+                  <a16:creationId xmlns="" xmlns:a16="http://schemas.microsoft.com/office/drawing/2014/main" id="{4D821294-A814-4DD4-8DBC-8CFAE6E27A3A}"/>
                 </a:ext>
               </a:extLst>
             </p:cNvPr>
@@ -9049,7 +9049,7 @@
           <p:cNvPr id="216" name="그룹 215">
             <a:extLst>
               <a:ext uri="{FF2B5EF4-FFF2-40B4-BE49-F238E27FC236}">
-                <a16:creationId xmlns:a16="http://schemas.microsoft.com/office/drawing/2014/main" xmlns="" id="{76665929-34B2-4D81-B61E-D8524357B26A}"/>
+                <a16:creationId xmlns="" xmlns:a16="http://schemas.microsoft.com/office/drawing/2014/main" id="{76665929-34B2-4D81-B61E-D8524357B26A}"/>
               </a:ext>
             </a:extLst>
           </p:cNvPr>
@@ -9071,7 +9071,7 @@
                 <p:cNvPr id="217" name="TextBox 216">
                   <a:extLst>
                     <a:ext uri="{FF2B5EF4-FFF2-40B4-BE49-F238E27FC236}">
-                      <a16:creationId xmlns:a16="http://schemas.microsoft.com/office/drawing/2014/main" xmlns="" id="{DB3EEFEE-8C09-4C54-9D81-DEB0609310E3}"/>
+                      <a16:creationId xmlns="" xmlns:a16="http://schemas.microsoft.com/office/drawing/2014/main" id="{DB3EEFEE-8C09-4C54-9D81-DEB0609310E3}"/>
                     </a:ext>
                   </a:extLst>
                 </p:cNvPr>
@@ -9167,7 +9167,7 @@
                 <p:cNvPr id="218" name="TextBox 217">
                   <a:extLst>
                     <a:ext uri="{FF2B5EF4-FFF2-40B4-BE49-F238E27FC236}">
-                      <a16:creationId xmlns:a16="http://schemas.microsoft.com/office/drawing/2014/main" xmlns="" id="{34469F69-6CA2-43E6-99B8-CE4180D72D93}"/>
+                      <a16:creationId xmlns="" xmlns:a16="http://schemas.microsoft.com/office/drawing/2014/main" id="{34469F69-6CA2-43E6-99B8-CE4180D72D93}"/>
                     </a:ext>
                   </a:extLst>
                 </p:cNvPr>
@@ -9263,7 +9263,7 @@
                 <p:cNvPr id="219" name="TextBox 218">
                   <a:extLst>
                     <a:ext uri="{FF2B5EF4-FFF2-40B4-BE49-F238E27FC236}">
-                      <a16:creationId xmlns:a16="http://schemas.microsoft.com/office/drawing/2014/main" xmlns="" id="{AE0E9E3B-D269-4128-8AB6-5D89BE5A5940}"/>
+                      <a16:creationId xmlns="" xmlns:a16="http://schemas.microsoft.com/office/drawing/2014/main" id="{AE0E9E3B-D269-4128-8AB6-5D89BE5A5940}"/>
                     </a:ext>
                   </a:extLst>
                 </p:cNvPr>
@@ -9357,7 +9357,7 @@
             <p:cNvPr id="220" name="그룹 219">
               <a:extLst>
                 <a:ext uri="{FF2B5EF4-FFF2-40B4-BE49-F238E27FC236}">
-                  <a16:creationId xmlns:a16="http://schemas.microsoft.com/office/drawing/2014/main" xmlns="" id="{3C991B61-A90D-46C5-809C-ED000F59BBC2}"/>
+                  <a16:creationId xmlns="" xmlns:a16="http://schemas.microsoft.com/office/drawing/2014/main" id="{3C991B61-A90D-46C5-809C-ED000F59BBC2}"/>
                 </a:ext>
               </a:extLst>
             </p:cNvPr>
@@ -9377,7 +9377,7 @@
               <p:cNvPr id="230" name="TextBox 229">
                 <a:extLst>
                   <a:ext uri="{FF2B5EF4-FFF2-40B4-BE49-F238E27FC236}">
-                    <a16:creationId xmlns:a16="http://schemas.microsoft.com/office/drawing/2014/main" xmlns="" id="{AA535EC7-E21A-48EE-AEE6-909F64A9A90C}"/>
+                    <a16:creationId xmlns="" xmlns:a16="http://schemas.microsoft.com/office/drawing/2014/main" id="{AA535EC7-E21A-48EE-AEE6-909F64A9A90C}"/>
                   </a:ext>
                 </a:extLst>
               </p:cNvPr>
@@ -9413,7 +9413,7 @@
               <p:cNvPr id="231" name="TextBox 230">
                 <a:extLst>
                   <a:ext uri="{FF2B5EF4-FFF2-40B4-BE49-F238E27FC236}">
-                    <a16:creationId xmlns:a16="http://schemas.microsoft.com/office/drawing/2014/main" xmlns="" id="{870017CD-89D3-4BE1-8C11-74F52F92C169}"/>
+                    <a16:creationId xmlns="" xmlns:a16="http://schemas.microsoft.com/office/drawing/2014/main" id="{870017CD-89D3-4BE1-8C11-74F52F92C169}"/>
                   </a:ext>
                 </a:extLst>
               </p:cNvPr>
@@ -9449,7 +9449,7 @@
               <p:cNvPr id="232" name="TextBox 231">
                 <a:extLst>
                   <a:ext uri="{FF2B5EF4-FFF2-40B4-BE49-F238E27FC236}">
-                    <a16:creationId xmlns:a16="http://schemas.microsoft.com/office/drawing/2014/main" xmlns="" id="{1ADF1C3C-BF1F-4339-A4FB-0529EED3CE33}"/>
+                    <a16:creationId xmlns="" xmlns:a16="http://schemas.microsoft.com/office/drawing/2014/main" id="{1ADF1C3C-BF1F-4339-A4FB-0529EED3CE33}"/>
                   </a:ext>
                 </a:extLst>
               </p:cNvPr>
@@ -9485,7 +9485,7 @@
               <p:cNvPr id="233" name="TextBox 232">
                 <a:extLst>
                   <a:ext uri="{FF2B5EF4-FFF2-40B4-BE49-F238E27FC236}">
-                    <a16:creationId xmlns:a16="http://schemas.microsoft.com/office/drawing/2014/main" xmlns="" id="{4AB5038C-EC11-406D-A8C0-5EDB274721B1}"/>
+                    <a16:creationId xmlns="" xmlns:a16="http://schemas.microsoft.com/office/drawing/2014/main" id="{4AB5038C-EC11-406D-A8C0-5EDB274721B1}"/>
                   </a:ext>
                 </a:extLst>
               </p:cNvPr>
@@ -9521,7 +9521,7 @@
               <p:cNvPr id="234" name="TextBox 233">
                 <a:extLst>
                   <a:ext uri="{FF2B5EF4-FFF2-40B4-BE49-F238E27FC236}">
-                    <a16:creationId xmlns:a16="http://schemas.microsoft.com/office/drawing/2014/main" xmlns="" id="{BC918C86-31CC-41C4-8A72-14DB14F67D9E}"/>
+                    <a16:creationId xmlns="" xmlns:a16="http://schemas.microsoft.com/office/drawing/2014/main" id="{BC918C86-31CC-41C4-8A72-14DB14F67D9E}"/>
                   </a:ext>
                 </a:extLst>
               </p:cNvPr>
@@ -9558,7 +9558,7 @@
             <p:cNvPr id="221" name="그룹 220">
               <a:extLst>
                 <a:ext uri="{FF2B5EF4-FFF2-40B4-BE49-F238E27FC236}">
-                  <a16:creationId xmlns:a16="http://schemas.microsoft.com/office/drawing/2014/main" xmlns="" id="{DE733F1D-7A99-4BB1-A615-75089CA0CDE1}"/>
+                  <a16:creationId xmlns="" xmlns:a16="http://schemas.microsoft.com/office/drawing/2014/main" id="{DE733F1D-7A99-4BB1-A615-75089CA0CDE1}"/>
                 </a:ext>
               </a:extLst>
             </p:cNvPr>
@@ -9578,7 +9578,7 @@
               <p:cNvPr id="227" name="직선 연결선 226">
                 <a:extLst>
                   <a:ext uri="{FF2B5EF4-FFF2-40B4-BE49-F238E27FC236}">
-                    <a16:creationId xmlns:a16="http://schemas.microsoft.com/office/drawing/2014/main" xmlns="" id="{7141BF2C-F3E1-4C13-9184-E66CC105C8CA}"/>
+                    <a16:creationId xmlns="" xmlns:a16="http://schemas.microsoft.com/office/drawing/2014/main" id="{7141BF2C-F3E1-4C13-9184-E66CC105C8CA}"/>
                   </a:ext>
                 </a:extLst>
               </p:cNvPr>
@@ -9615,7 +9615,7 @@
               <p:cNvPr id="228" name="직선 연결선 227">
                 <a:extLst>
                   <a:ext uri="{FF2B5EF4-FFF2-40B4-BE49-F238E27FC236}">
-                    <a16:creationId xmlns:a16="http://schemas.microsoft.com/office/drawing/2014/main" xmlns="" id="{7AF2A51D-34E9-4C03-84FC-2149D75A4C57}"/>
+                    <a16:creationId xmlns="" xmlns:a16="http://schemas.microsoft.com/office/drawing/2014/main" id="{7AF2A51D-34E9-4C03-84FC-2149D75A4C57}"/>
                   </a:ext>
                 </a:extLst>
               </p:cNvPr>
@@ -9652,7 +9652,7 @@
               <p:cNvPr id="229" name="직선 연결선 228">
                 <a:extLst>
                   <a:ext uri="{FF2B5EF4-FFF2-40B4-BE49-F238E27FC236}">
-                    <a16:creationId xmlns:a16="http://schemas.microsoft.com/office/drawing/2014/main" xmlns="" id="{ABE778FD-938C-4D04-BFAA-F378201F5854}"/>
+                    <a16:creationId xmlns="" xmlns:a16="http://schemas.microsoft.com/office/drawing/2014/main" id="{ABE778FD-938C-4D04-BFAA-F378201F5854}"/>
                   </a:ext>
                 </a:extLst>
               </p:cNvPr>
@@ -9690,7 +9690,7 @@
             <p:cNvPr id="222" name="그룹 221">
               <a:extLst>
                 <a:ext uri="{FF2B5EF4-FFF2-40B4-BE49-F238E27FC236}">
-                  <a16:creationId xmlns:a16="http://schemas.microsoft.com/office/drawing/2014/main" xmlns="" id="{3B783D76-8BB5-4D71-A093-F724841268E0}"/>
+                  <a16:creationId xmlns="" xmlns:a16="http://schemas.microsoft.com/office/drawing/2014/main" id="{3B783D76-8BB5-4D71-A093-F724841268E0}"/>
                 </a:ext>
               </a:extLst>
             </p:cNvPr>
@@ -9710,7 +9710,7 @@
               <p:cNvPr id="224" name="직선 연결선 223">
                 <a:extLst>
                   <a:ext uri="{FF2B5EF4-FFF2-40B4-BE49-F238E27FC236}">
-                    <a16:creationId xmlns:a16="http://schemas.microsoft.com/office/drawing/2014/main" xmlns="" id="{0862FDEE-7BE8-4BE9-86A0-9ABD4FCC33EF}"/>
+                    <a16:creationId xmlns="" xmlns:a16="http://schemas.microsoft.com/office/drawing/2014/main" id="{0862FDEE-7BE8-4BE9-86A0-9ABD4FCC33EF}"/>
                   </a:ext>
                 </a:extLst>
               </p:cNvPr>
@@ -9747,7 +9747,7 @@
               <p:cNvPr id="225" name="직선 연결선 224">
                 <a:extLst>
                   <a:ext uri="{FF2B5EF4-FFF2-40B4-BE49-F238E27FC236}">
-                    <a16:creationId xmlns:a16="http://schemas.microsoft.com/office/drawing/2014/main" xmlns="" id="{691FA886-D69B-47A5-BB38-C1DF37604159}"/>
+                    <a16:creationId xmlns="" xmlns:a16="http://schemas.microsoft.com/office/drawing/2014/main" id="{691FA886-D69B-47A5-BB38-C1DF37604159}"/>
                   </a:ext>
                 </a:extLst>
               </p:cNvPr>
@@ -9784,7 +9784,7 @@
               <p:cNvPr id="226" name="직선 연결선 225">
                 <a:extLst>
                   <a:ext uri="{FF2B5EF4-FFF2-40B4-BE49-F238E27FC236}">
-                    <a16:creationId xmlns:a16="http://schemas.microsoft.com/office/drawing/2014/main" xmlns="" id="{C05B2FE4-A6C8-4676-838F-4FF84C466A2E}"/>
+                    <a16:creationId xmlns="" xmlns:a16="http://schemas.microsoft.com/office/drawing/2014/main" id="{C05B2FE4-A6C8-4676-838F-4FF84C466A2E}"/>
                   </a:ext>
                 </a:extLst>
               </p:cNvPr>
@@ -9822,7 +9822,7 @@
             <p:cNvPr id="223" name="직사각형 222">
               <a:extLst>
                 <a:ext uri="{FF2B5EF4-FFF2-40B4-BE49-F238E27FC236}">
-                  <a16:creationId xmlns:a16="http://schemas.microsoft.com/office/drawing/2014/main" xmlns="" id="{95281EA5-C32B-4BDF-AED7-518F3D194C18}"/>
+                  <a16:creationId xmlns="" xmlns:a16="http://schemas.microsoft.com/office/drawing/2014/main" id="{95281EA5-C32B-4BDF-AED7-518F3D194C18}"/>
                 </a:ext>
               </a:extLst>
             </p:cNvPr>
@@ -9875,7 +9875,7 @@
           <p:cNvPr id="237" name="그림 236">
             <a:extLst>
               <a:ext uri="{FF2B5EF4-FFF2-40B4-BE49-F238E27FC236}">
-                <a16:creationId xmlns:a16="http://schemas.microsoft.com/office/drawing/2014/main" xmlns="" id="{7FAC9E2B-E13B-4A93-88F4-AE5EEB5DE624}"/>
+                <a16:creationId xmlns="" xmlns:a16="http://schemas.microsoft.com/office/drawing/2014/main" id="{7FAC9E2B-E13B-4A93-88F4-AE5EEB5DE624}"/>
               </a:ext>
             </a:extLst>
           </p:cNvPr>
@@ -10031,7 +10031,7 @@
               <p:cNvPr id="14" name="TextBox 13">
                 <a:extLst>
                   <a:ext uri="{FF2B5EF4-FFF2-40B4-BE49-F238E27FC236}">
-                    <a16:creationId xmlns:a16="http://schemas.microsoft.com/office/drawing/2014/main" xmlns="" id="{81BCE6E1-01D0-4BDC-A1F9-049B3F61BB14}"/>
+                    <a16:creationId xmlns="" xmlns:a16="http://schemas.microsoft.com/office/drawing/2014/main" id="{81BCE6E1-01D0-4BDC-A1F9-049B3F61BB14}"/>
                   </a:ext>
                 </a:extLst>
               </p:cNvPr>
@@ -10127,7 +10127,7 @@
               <p:cNvPr id="112" name="TextBox 111">
                 <a:extLst>
                   <a:ext uri="{FF2B5EF4-FFF2-40B4-BE49-F238E27FC236}">
-                    <a16:creationId xmlns:a16="http://schemas.microsoft.com/office/drawing/2014/main" xmlns="" id="{CF0FF849-A858-4AD3-9963-F5B3892745BC}"/>
+                    <a16:creationId xmlns="" xmlns:a16="http://schemas.microsoft.com/office/drawing/2014/main" id="{CF0FF849-A858-4AD3-9963-F5B3892745BC}"/>
                   </a:ext>
                 </a:extLst>
               </p:cNvPr>
@@ -10221,7 +10221,7 @@
           <p:cNvPr id="115" name="화살표: 오른쪽 114">
             <a:extLst>
               <a:ext uri="{FF2B5EF4-FFF2-40B4-BE49-F238E27FC236}">
-                <a16:creationId xmlns:a16="http://schemas.microsoft.com/office/drawing/2014/main" xmlns="" id="{29EA8FA4-C5B4-4C37-B369-23521A79BEF1}"/>
+                <a16:creationId xmlns="" xmlns:a16="http://schemas.microsoft.com/office/drawing/2014/main" id="{29EA8FA4-C5B4-4C37-B369-23521A79BEF1}"/>
               </a:ext>
             </a:extLst>
           </p:cNvPr>
@@ -10275,7 +10275,7 @@
           <p:cNvPr id="116" name="TextBox 115">
             <a:extLst>
               <a:ext uri="{FF2B5EF4-FFF2-40B4-BE49-F238E27FC236}">
-                <a16:creationId xmlns:a16="http://schemas.microsoft.com/office/drawing/2014/main" xmlns="" id="{08CC730D-D77F-4D51-8128-4EBA992C6825}"/>
+                <a16:creationId xmlns="" xmlns:a16="http://schemas.microsoft.com/office/drawing/2014/main" id="{08CC730D-D77F-4D51-8128-4EBA992C6825}"/>
               </a:ext>
             </a:extLst>
           </p:cNvPr>
@@ -10330,7 +10330,7 @@
               <p:cNvPr id="110" name="TextBox 109">
                 <a:extLst>
                   <a:ext uri="{FF2B5EF4-FFF2-40B4-BE49-F238E27FC236}">
-                    <a16:creationId xmlns:a16="http://schemas.microsoft.com/office/drawing/2014/main" xmlns="" id="{6DE1591E-C53B-4C38-ACE3-B59183C3D38F}"/>
+                    <a16:creationId xmlns="" xmlns:a16="http://schemas.microsoft.com/office/drawing/2014/main" id="{6DE1591E-C53B-4C38-ACE3-B59183C3D38F}"/>
                   </a:ext>
                 </a:extLst>
               </p:cNvPr>
@@ -10426,7 +10426,7 @@
               <p:cNvPr id="111" name="TextBox 110">
                 <a:extLst>
                   <a:ext uri="{FF2B5EF4-FFF2-40B4-BE49-F238E27FC236}">
-                    <a16:creationId xmlns:a16="http://schemas.microsoft.com/office/drawing/2014/main" xmlns="" id="{D9B3BBCE-6FA5-4B29-8A53-5BEC1AD1B06E}"/>
+                    <a16:creationId xmlns="" xmlns:a16="http://schemas.microsoft.com/office/drawing/2014/main" id="{D9B3BBCE-6FA5-4B29-8A53-5BEC1AD1B06E}"/>
                   </a:ext>
                 </a:extLst>
               </p:cNvPr>
@@ -10553,7 +10553,7 @@
           <p:cNvPr id="4" name="직선 화살표 연결선 3">
             <a:extLst>
               <a:ext uri="{FF2B5EF4-FFF2-40B4-BE49-F238E27FC236}">
-                <a16:creationId xmlns:a16="http://schemas.microsoft.com/office/drawing/2014/main" xmlns="" id="{0E1166CE-0F1C-41A8-B4F2-6C12FE521DB5}"/>
+                <a16:creationId xmlns="" xmlns:a16="http://schemas.microsoft.com/office/drawing/2014/main" id="{0E1166CE-0F1C-41A8-B4F2-6C12FE521DB5}"/>
               </a:ext>
             </a:extLst>
           </p:cNvPr>
@@ -10594,7 +10594,7 @@
           <p:cNvPr id="6" name="직선 화살표 연결선 5">
             <a:extLst>
               <a:ext uri="{FF2B5EF4-FFF2-40B4-BE49-F238E27FC236}">
-                <a16:creationId xmlns:a16="http://schemas.microsoft.com/office/drawing/2014/main" xmlns="" id="{71410AA7-C82A-4523-8897-C0A7D3974E61}"/>
+                <a16:creationId xmlns="" xmlns:a16="http://schemas.microsoft.com/office/drawing/2014/main" id="{71410AA7-C82A-4523-8897-C0A7D3974E61}"/>
               </a:ext>
             </a:extLst>
           </p:cNvPr>
@@ -10635,7 +10635,7 @@
           <p:cNvPr id="8" name="직선 연결선 7">
             <a:extLst>
               <a:ext uri="{FF2B5EF4-FFF2-40B4-BE49-F238E27FC236}">
-                <a16:creationId xmlns:a16="http://schemas.microsoft.com/office/drawing/2014/main" xmlns="" id="{8B078679-7873-41C4-81F3-974ED02389AB}"/>
+                <a16:creationId xmlns="" xmlns:a16="http://schemas.microsoft.com/office/drawing/2014/main" id="{8B078679-7873-41C4-81F3-974ED02389AB}"/>
               </a:ext>
             </a:extLst>
           </p:cNvPr>
@@ -10671,7 +10671,7 @@
           <p:cNvPr id="114" name="직선 연결선 113">
             <a:extLst>
               <a:ext uri="{FF2B5EF4-FFF2-40B4-BE49-F238E27FC236}">
-                <a16:creationId xmlns:a16="http://schemas.microsoft.com/office/drawing/2014/main" xmlns="" id="{1D5D95B0-21AF-4791-A5D9-E9E1FDCD3897}"/>
+                <a16:creationId xmlns="" xmlns:a16="http://schemas.microsoft.com/office/drawing/2014/main" id="{1D5D95B0-21AF-4791-A5D9-E9E1FDCD3897}"/>
               </a:ext>
             </a:extLst>
           </p:cNvPr>
@@ -10707,7 +10707,7 @@
           <p:cNvPr id="118" name="직선 연결선 117">
             <a:extLst>
               <a:ext uri="{FF2B5EF4-FFF2-40B4-BE49-F238E27FC236}">
-                <a16:creationId xmlns:a16="http://schemas.microsoft.com/office/drawing/2014/main" xmlns="" id="{C919C741-C8EF-4680-BC02-1FF1E583E218}"/>
+                <a16:creationId xmlns="" xmlns:a16="http://schemas.microsoft.com/office/drawing/2014/main" id="{C919C741-C8EF-4680-BC02-1FF1E583E218}"/>
               </a:ext>
             </a:extLst>
           </p:cNvPr>
@@ -10745,7 +10745,7 @@
           <p:cNvPr id="119" name="직선 연결선 118">
             <a:extLst>
               <a:ext uri="{FF2B5EF4-FFF2-40B4-BE49-F238E27FC236}">
-                <a16:creationId xmlns:a16="http://schemas.microsoft.com/office/drawing/2014/main" xmlns="" id="{272FF17A-9EAE-4048-B7B5-376518F32B7B}"/>
+                <a16:creationId xmlns="" xmlns:a16="http://schemas.microsoft.com/office/drawing/2014/main" id="{272FF17A-9EAE-4048-B7B5-376518F32B7B}"/>
               </a:ext>
             </a:extLst>
           </p:cNvPr>
@@ -10785,7 +10785,7 @@
               <p:cNvPr id="11" name="TextBox 10">
                 <a:extLst>
                   <a:ext uri="{FF2B5EF4-FFF2-40B4-BE49-F238E27FC236}">
-                    <a16:creationId xmlns:a16="http://schemas.microsoft.com/office/drawing/2014/main" xmlns="" id="{66E5F592-B218-43CF-A601-DB291A5CB280}"/>
+                    <a16:creationId xmlns="" xmlns:a16="http://schemas.microsoft.com/office/drawing/2014/main" id="{66E5F592-B218-43CF-A601-DB291A5CB280}"/>
                   </a:ext>
                 </a:extLst>
               </p:cNvPr>
@@ -10881,7 +10881,7 @@
               <p:cNvPr id="120" name="TextBox 119">
                 <a:extLst>
                   <a:ext uri="{FF2B5EF4-FFF2-40B4-BE49-F238E27FC236}">
-                    <a16:creationId xmlns:a16="http://schemas.microsoft.com/office/drawing/2014/main" xmlns="" id="{F48AA094-CCC8-49DA-9E56-C3E087ED9CE2}"/>
+                    <a16:creationId xmlns="" xmlns:a16="http://schemas.microsoft.com/office/drawing/2014/main" id="{F48AA094-CCC8-49DA-9E56-C3E087ED9CE2}"/>
                   </a:ext>
                 </a:extLst>
               </p:cNvPr>
@@ -10977,7 +10977,7 @@
               <p:cNvPr id="121" name="TextBox 120">
                 <a:extLst>
                   <a:ext uri="{FF2B5EF4-FFF2-40B4-BE49-F238E27FC236}">
-                    <a16:creationId xmlns:a16="http://schemas.microsoft.com/office/drawing/2014/main" xmlns="" id="{6EF04BD0-1396-4CC3-8D42-5398CD48B72D}"/>
+                    <a16:creationId xmlns="" xmlns:a16="http://schemas.microsoft.com/office/drawing/2014/main" id="{6EF04BD0-1396-4CC3-8D42-5398CD48B72D}"/>
                   </a:ext>
                 </a:extLst>
               </p:cNvPr>
@@ -11073,7 +11073,7 @@
               <p:cNvPr id="122" name="TextBox 121">
                 <a:extLst>
                   <a:ext uri="{FF2B5EF4-FFF2-40B4-BE49-F238E27FC236}">
-                    <a16:creationId xmlns:a16="http://schemas.microsoft.com/office/drawing/2014/main" xmlns="" id="{0AC415B7-524A-42C7-B65E-C10FD10E7F15}"/>
+                    <a16:creationId xmlns="" xmlns:a16="http://schemas.microsoft.com/office/drawing/2014/main" id="{0AC415B7-524A-42C7-B65E-C10FD10E7F15}"/>
                   </a:ext>
                 </a:extLst>
               </p:cNvPr>
@@ -11169,7 +11169,7 @@
               <p:cNvPr id="123" name="TextBox 122">
                 <a:extLst>
                   <a:ext uri="{FF2B5EF4-FFF2-40B4-BE49-F238E27FC236}">
-                    <a16:creationId xmlns:a16="http://schemas.microsoft.com/office/drawing/2014/main" xmlns="" id="{B350F9F3-8C8D-480C-857F-D578D9AA89AD}"/>
+                    <a16:creationId xmlns="" xmlns:a16="http://schemas.microsoft.com/office/drawing/2014/main" id="{B350F9F3-8C8D-480C-857F-D578D9AA89AD}"/>
                   </a:ext>
                 </a:extLst>
               </p:cNvPr>
@@ -11265,7 +11265,7 @@
               <p:cNvPr id="125" name="TextBox 124">
                 <a:extLst>
                   <a:ext uri="{FF2B5EF4-FFF2-40B4-BE49-F238E27FC236}">
-                    <a16:creationId xmlns:a16="http://schemas.microsoft.com/office/drawing/2014/main" xmlns="" id="{5B8F3F88-4AA8-4B3C-AA63-7C5309423F53}"/>
+                    <a16:creationId xmlns="" xmlns:a16="http://schemas.microsoft.com/office/drawing/2014/main" id="{5B8F3F88-4AA8-4B3C-AA63-7C5309423F53}"/>
                   </a:ext>
                 </a:extLst>
               </p:cNvPr>
@@ -11359,7 +11359,7 @@
           <p:cNvPr id="5" name="그림 4">
             <a:extLst>
               <a:ext uri="{FF2B5EF4-FFF2-40B4-BE49-F238E27FC236}">
-                <a16:creationId xmlns:a16="http://schemas.microsoft.com/office/drawing/2014/main" xmlns="" id="{1F354776-6E9F-4D80-A705-D80635FAF05A}"/>
+                <a16:creationId xmlns="" xmlns:a16="http://schemas.microsoft.com/office/drawing/2014/main" id="{1F354776-6E9F-4D80-A705-D80635FAF05A}"/>
               </a:ext>
             </a:extLst>
           </p:cNvPr>
@@ -11391,7 +11391,7 @@
               <p:cNvPr id="126" name="TextBox 125">
                 <a:extLst>
                   <a:ext uri="{FF2B5EF4-FFF2-40B4-BE49-F238E27FC236}">
-                    <a16:creationId xmlns:a16="http://schemas.microsoft.com/office/drawing/2014/main" xmlns="" id="{2B8016A5-37AD-4EB4-9C29-27AF7CB5CE74}"/>
+                    <a16:creationId xmlns="" xmlns:a16="http://schemas.microsoft.com/office/drawing/2014/main" id="{2B8016A5-37AD-4EB4-9C29-27AF7CB5CE74}"/>
                   </a:ext>
                 </a:extLst>
               </p:cNvPr>
@@ -11485,7 +11485,7 @@
           <p:cNvPr id="113" name="TextBox 112">
             <a:extLst>
               <a:ext uri="{FF2B5EF4-FFF2-40B4-BE49-F238E27FC236}">
-                <a16:creationId xmlns:a16="http://schemas.microsoft.com/office/drawing/2014/main" xmlns="" id="{D9166D77-F83B-4518-8A8C-264993F2F998}"/>
+                <a16:creationId xmlns="" xmlns:a16="http://schemas.microsoft.com/office/drawing/2014/main" id="{D9166D77-F83B-4518-8A8C-264993F2F998}"/>
               </a:ext>
             </a:extLst>
           </p:cNvPr>
@@ -11549,7 +11549,7 @@
           <p:cNvPr id="76" name="직선 화살표 연결선 75">
             <a:extLst>
               <a:ext uri="{FF2B5EF4-FFF2-40B4-BE49-F238E27FC236}">
-                <a16:creationId xmlns:a16="http://schemas.microsoft.com/office/drawing/2014/main" xmlns="" id="{29443CE5-1E0E-4E5D-801F-9BD719B13989}"/>
+                <a16:creationId xmlns="" xmlns:a16="http://schemas.microsoft.com/office/drawing/2014/main" id="{29443CE5-1E0E-4E5D-801F-9BD719B13989}"/>
               </a:ext>
             </a:extLst>
           </p:cNvPr>
@@ -11590,7 +11590,7 @@
           <p:cNvPr id="80" name="직선 화살표 연결선 79">
             <a:extLst>
               <a:ext uri="{FF2B5EF4-FFF2-40B4-BE49-F238E27FC236}">
-                <a16:creationId xmlns:a16="http://schemas.microsoft.com/office/drawing/2014/main" xmlns="" id="{D97907D1-C4C7-4A51-91D7-72FA7B11F435}"/>
+                <a16:creationId xmlns="" xmlns:a16="http://schemas.microsoft.com/office/drawing/2014/main" id="{D97907D1-C4C7-4A51-91D7-72FA7B11F435}"/>
               </a:ext>
             </a:extLst>
           </p:cNvPr>
@@ -11631,7 +11631,7 @@
           <p:cNvPr id="86" name="직선 연결선 85">
             <a:extLst>
               <a:ext uri="{FF2B5EF4-FFF2-40B4-BE49-F238E27FC236}">
-                <a16:creationId xmlns:a16="http://schemas.microsoft.com/office/drawing/2014/main" xmlns="" id="{125410F9-BD57-4966-BCD0-FE71369DF17F}"/>
+                <a16:creationId xmlns="" xmlns:a16="http://schemas.microsoft.com/office/drawing/2014/main" id="{125410F9-BD57-4966-BCD0-FE71369DF17F}"/>
               </a:ext>
             </a:extLst>
           </p:cNvPr>
@@ -11667,7 +11667,7 @@
           <p:cNvPr id="92" name="직선 연결선 91">
             <a:extLst>
               <a:ext uri="{FF2B5EF4-FFF2-40B4-BE49-F238E27FC236}">
-                <a16:creationId xmlns:a16="http://schemas.microsoft.com/office/drawing/2014/main" xmlns="" id="{6646DE3E-8EE1-4CDC-900B-1BA5074DBE19}"/>
+                <a16:creationId xmlns="" xmlns:a16="http://schemas.microsoft.com/office/drawing/2014/main" id="{6646DE3E-8EE1-4CDC-900B-1BA5074DBE19}"/>
               </a:ext>
             </a:extLst>
           </p:cNvPr>
@@ -11703,7 +11703,7 @@
           <p:cNvPr id="98" name="직선 연결선 97">
             <a:extLst>
               <a:ext uri="{FF2B5EF4-FFF2-40B4-BE49-F238E27FC236}">
-                <a16:creationId xmlns:a16="http://schemas.microsoft.com/office/drawing/2014/main" xmlns="" id="{FBB7F419-D0B5-47CA-803C-1A5E62E90D51}"/>
+                <a16:creationId xmlns="" xmlns:a16="http://schemas.microsoft.com/office/drawing/2014/main" id="{FBB7F419-D0B5-47CA-803C-1A5E62E90D51}"/>
               </a:ext>
             </a:extLst>
           </p:cNvPr>
@@ -11741,7 +11741,7 @@
           <p:cNvPr id="104" name="직선 연결선 103">
             <a:extLst>
               <a:ext uri="{FF2B5EF4-FFF2-40B4-BE49-F238E27FC236}">
-                <a16:creationId xmlns:a16="http://schemas.microsoft.com/office/drawing/2014/main" xmlns="" id="{E0D99779-1BC5-49D9-A066-722800DD085A}"/>
+                <a16:creationId xmlns="" xmlns:a16="http://schemas.microsoft.com/office/drawing/2014/main" id="{E0D99779-1BC5-49D9-A066-722800DD085A}"/>
               </a:ext>
             </a:extLst>
           </p:cNvPr>
@@ -11781,7 +11781,7 @@
               <p:cNvPr id="117" name="TextBox 116">
                 <a:extLst>
                   <a:ext uri="{FF2B5EF4-FFF2-40B4-BE49-F238E27FC236}">
-                    <a16:creationId xmlns:a16="http://schemas.microsoft.com/office/drawing/2014/main" xmlns="" id="{B1E3A1EC-3E23-4FA1-A5DE-371C35150589}"/>
+                    <a16:creationId xmlns="" xmlns:a16="http://schemas.microsoft.com/office/drawing/2014/main" id="{B1E3A1EC-3E23-4FA1-A5DE-371C35150589}"/>
                   </a:ext>
                 </a:extLst>
               </p:cNvPr>
@@ -11877,7 +11877,7 @@
               <p:cNvPr id="124" name="TextBox 123">
                 <a:extLst>
                   <a:ext uri="{FF2B5EF4-FFF2-40B4-BE49-F238E27FC236}">
-                    <a16:creationId xmlns:a16="http://schemas.microsoft.com/office/drawing/2014/main" xmlns="" id="{FDF768B8-60BA-43CC-A850-856BCDA24BBC}"/>
+                    <a16:creationId xmlns="" xmlns:a16="http://schemas.microsoft.com/office/drawing/2014/main" id="{FDF768B8-60BA-43CC-A850-856BCDA24BBC}"/>
                   </a:ext>
                 </a:extLst>
               </p:cNvPr>
@@ -11973,7 +11973,7 @@
               <p:cNvPr id="127" name="TextBox 126">
                 <a:extLst>
                   <a:ext uri="{FF2B5EF4-FFF2-40B4-BE49-F238E27FC236}">
-                    <a16:creationId xmlns:a16="http://schemas.microsoft.com/office/drawing/2014/main" xmlns="" id="{69518A18-ABBD-4BAE-851F-18A84774C301}"/>
+                    <a16:creationId xmlns="" xmlns:a16="http://schemas.microsoft.com/office/drawing/2014/main" id="{69518A18-ABBD-4BAE-851F-18A84774C301}"/>
                   </a:ext>
                 </a:extLst>
               </p:cNvPr>
@@ -12069,7 +12069,7 @@
               <p:cNvPr id="128" name="TextBox 127">
                 <a:extLst>
                   <a:ext uri="{FF2B5EF4-FFF2-40B4-BE49-F238E27FC236}">
-                    <a16:creationId xmlns:a16="http://schemas.microsoft.com/office/drawing/2014/main" xmlns="" id="{6FE58DA3-B4F0-490C-AC92-8312B62F0463}"/>
+                    <a16:creationId xmlns="" xmlns:a16="http://schemas.microsoft.com/office/drawing/2014/main" id="{6FE58DA3-B4F0-490C-AC92-8312B62F0463}"/>
                   </a:ext>
                 </a:extLst>
               </p:cNvPr>
@@ -12165,7 +12165,7 @@
               <p:cNvPr id="129" name="TextBox 128">
                 <a:extLst>
                   <a:ext uri="{FF2B5EF4-FFF2-40B4-BE49-F238E27FC236}">
-                    <a16:creationId xmlns:a16="http://schemas.microsoft.com/office/drawing/2014/main" xmlns="" id="{93168130-0882-4093-BCB3-7F76F3642078}"/>
+                    <a16:creationId xmlns="" xmlns:a16="http://schemas.microsoft.com/office/drawing/2014/main" id="{93168130-0882-4093-BCB3-7F76F3642078}"/>
                   </a:ext>
                 </a:extLst>
               </p:cNvPr>
@@ -12259,7 +12259,7 @@
           <p:cNvPr id="18" name="직선 연결선 17">
             <a:extLst>
               <a:ext uri="{FF2B5EF4-FFF2-40B4-BE49-F238E27FC236}">
-                <a16:creationId xmlns:a16="http://schemas.microsoft.com/office/drawing/2014/main" xmlns="" id="{8B7CD227-0BD9-4587-82B0-EFAC2EECB912}"/>
+                <a16:creationId xmlns="" xmlns:a16="http://schemas.microsoft.com/office/drawing/2014/main" id="{8B7CD227-0BD9-4587-82B0-EFAC2EECB912}"/>
               </a:ext>
             </a:extLst>
           </p:cNvPr>
@@ -12305,7 +12305,7 @@
               <p:cNvPr id="64" name="TextBox 63">
                 <a:extLst>
                   <a:ext uri="{FF2B5EF4-FFF2-40B4-BE49-F238E27FC236}">
-                    <a16:creationId xmlns:a16="http://schemas.microsoft.com/office/drawing/2014/main" xmlns="" id="{7EB7DB51-7417-4EB9-BC40-653E474DD338}"/>
+                    <a16:creationId xmlns="" xmlns:a16="http://schemas.microsoft.com/office/drawing/2014/main" id="{7EB7DB51-7417-4EB9-BC40-653E474DD338}"/>
                   </a:ext>
                 </a:extLst>
               </p:cNvPr>
@@ -12399,7 +12399,7 @@
           <p:cNvPr id="57" name="직사각형 56">
             <a:extLst>
               <a:ext uri="{FF2B5EF4-FFF2-40B4-BE49-F238E27FC236}">
-                <a16:creationId xmlns:a16="http://schemas.microsoft.com/office/drawing/2014/main" xmlns="" id="{1927DA3E-A163-40D9-9B2F-1FA2C02E4AAB}"/>
+                <a16:creationId xmlns="" xmlns:a16="http://schemas.microsoft.com/office/drawing/2014/main" id="{1927DA3E-A163-40D9-9B2F-1FA2C02E4AAB}"/>
               </a:ext>
             </a:extLst>
           </p:cNvPr>
@@ -12453,7 +12453,7 @@
           <p:cNvPr id="58" name="직사각형 57">
             <a:extLst>
               <a:ext uri="{FF2B5EF4-FFF2-40B4-BE49-F238E27FC236}">
-                <a16:creationId xmlns:a16="http://schemas.microsoft.com/office/drawing/2014/main" xmlns="" id="{30614A9C-4067-46EB-AFF6-BF3E0FC019A8}"/>
+                <a16:creationId xmlns="" xmlns:a16="http://schemas.microsoft.com/office/drawing/2014/main" id="{30614A9C-4067-46EB-AFF6-BF3E0FC019A8}"/>
               </a:ext>
             </a:extLst>
           </p:cNvPr>
@@ -12505,7 +12505,7 @@
           <p:cNvPr id="59" name="원호 58">
             <a:extLst>
               <a:ext uri="{FF2B5EF4-FFF2-40B4-BE49-F238E27FC236}">
-                <a16:creationId xmlns:a16="http://schemas.microsoft.com/office/drawing/2014/main" xmlns="" id="{FE2108CF-9A8C-491A-A8D5-FBF8911E10AC}"/>
+                <a16:creationId xmlns="" xmlns:a16="http://schemas.microsoft.com/office/drawing/2014/main" id="{FE2108CF-9A8C-491A-A8D5-FBF8911E10AC}"/>
               </a:ext>
             </a:extLst>
           </p:cNvPr>
@@ -12557,7 +12557,7 @@
           <p:cNvPr id="60" name="원호 59">
             <a:extLst>
               <a:ext uri="{FF2B5EF4-FFF2-40B4-BE49-F238E27FC236}">
-                <a16:creationId xmlns:a16="http://schemas.microsoft.com/office/drawing/2014/main" xmlns="" id="{02C25009-C2D8-4B36-8C2F-C510492EE558}"/>
+                <a16:creationId xmlns="" xmlns:a16="http://schemas.microsoft.com/office/drawing/2014/main" id="{02C25009-C2D8-4B36-8C2F-C510492EE558}"/>
               </a:ext>
             </a:extLst>
           </p:cNvPr>
@@ -12611,7 +12611,7 @@
               <p:cNvPr id="61" name="TextBox 60">
                 <a:extLst>
                   <a:ext uri="{FF2B5EF4-FFF2-40B4-BE49-F238E27FC236}">
-                    <a16:creationId xmlns:a16="http://schemas.microsoft.com/office/drawing/2014/main" xmlns="" id="{5D025167-ABAE-4C26-9310-0024FDD94ABB}"/>
+                    <a16:creationId xmlns="" xmlns:a16="http://schemas.microsoft.com/office/drawing/2014/main" id="{5D025167-ABAE-4C26-9310-0024FDD94ABB}"/>
                   </a:ext>
                 </a:extLst>
               </p:cNvPr>
@@ -12705,7 +12705,7 @@
           <p:cNvPr id="62" name="원호 61">
             <a:extLst>
               <a:ext uri="{FF2B5EF4-FFF2-40B4-BE49-F238E27FC236}">
-                <a16:creationId xmlns:a16="http://schemas.microsoft.com/office/drawing/2014/main" xmlns="" id="{135ED5AE-72C8-4EDB-877C-70413A2EEB66}"/>
+                <a16:creationId xmlns="" xmlns:a16="http://schemas.microsoft.com/office/drawing/2014/main" id="{135ED5AE-72C8-4EDB-877C-70413A2EEB66}"/>
               </a:ext>
             </a:extLst>
           </p:cNvPr>
@@ -12757,7 +12757,7 @@
           <p:cNvPr id="63" name="원호 62">
             <a:extLst>
               <a:ext uri="{FF2B5EF4-FFF2-40B4-BE49-F238E27FC236}">
-                <a16:creationId xmlns:a16="http://schemas.microsoft.com/office/drawing/2014/main" xmlns="" id="{0B2717F5-5295-47F7-9CFC-FD4EE91DEFAB}"/>
+                <a16:creationId xmlns="" xmlns:a16="http://schemas.microsoft.com/office/drawing/2014/main" id="{0B2717F5-5295-47F7-9CFC-FD4EE91DEFAB}"/>
               </a:ext>
             </a:extLst>
           </p:cNvPr>
@@ -12811,7 +12811,7 @@
               <p:cNvPr id="67" name="TextBox 66">
                 <a:extLst>
                   <a:ext uri="{FF2B5EF4-FFF2-40B4-BE49-F238E27FC236}">
-                    <a16:creationId xmlns:a16="http://schemas.microsoft.com/office/drawing/2014/main" xmlns="" id="{60BB0C4D-6C90-4EE6-A0DA-91B5B030DF40}"/>
+                    <a16:creationId xmlns="" xmlns:a16="http://schemas.microsoft.com/office/drawing/2014/main" id="{60BB0C4D-6C90-4EE6-A0DA-91B5B030DF40}"/>
                   </a:ext>
                 </a:extLst>
               </p:cNvPr>
@@ -12905,7 +12905,7 @@
           <p:cNvPr id="68" name="직사각형 67">
             <a:extLst>
               <a:ext uri="{FF2B5EF4-FFF2-40B4-BE49-F238E27FC236}">
-                <a16:creationId xmlns:a16="http://schemas.microsoft.com/office/drawing/2014/main" xmlns="" id="{F66C0109-EB51-4835-A9FE-30DC3F0BC04D}"/>
+                <a16:creationId xmlns="" xmlns:a16="http://schemas.microsoft.com/office/drawing/2014/main" id="{F66C0109-EB51-4835-A9FE-30DC3F0BC04D}"/>
               </a:ext>
             </a:extLst>
           </p:cNvPr>
@@ -12957,7 +12957,7 @@
           <p:cNvPr id="69" name="직사각형 68">
             <a:extLst>
               <a:ext uri="{FF2B5EF4-FFF2-40B4-BE49-F238E27FC236}">
-                <a16:creationId xmlns:a16="http://schemas.microsoft.com/office/drawing/2014/main" xmlns="" id="{B5F702E7-1906-4E80-A94F-F4FEF40E1222}"/>
+                <a16:creationId xmlns="" xmlns:a16="http://schemas.microsoft.com/office/drawing/2014/main" id="{B5F702E7-1906-4E80-A94F-F4FEF40E1222}"/>
               </a:ext>
             </a:extLst>
           </p:cNvPr>
@@ -13009,7 +13009,7 @@
           <p:cNvPr id="70" name="직사각형 69">
             <a:extLst>
               <a:ext uri="{FF2B5EF4-FFF2-40B4-BE49-F238E27FC236}">
-                <a16:creationId xmlns:a16="http://schemas.microsoft.com/office/drawing/2014/main" xmlns="" id="{CA7D067C-3164-40B5-8DC5-C7167E30F530}"/>
+                <a16:creationId xmlns="" xmlns:a16="http://schemas.microsoft.com/office/drawing/2014/main" id="{CA7D067C-3164-40B5-8DC5-C7167E30F530}"/>
               </a:ext>
             </a:extLst>
           </p:cNvPr>
@@ -13061,7 +13061,7 @@
           <p:cNvPr id="71" name="직사각형 70">
             <a:extLst>
               <a:ext uri="{FF2B5EF4-FFF2-40B4-BE49-F238E27FC236}">
-                <a16:creationId xmlns:a16="http://schemas.microsoft.com/office/drawing/2014/main" xmlns="" id="{CD45662D-F617-4993-A03E-730921832031}"/>
+                <a16:creationId xmlns="" xmlns:a16="http://schemas.microsoft.com/office/drawing/2014/main" id="{CD45662D-F617-4993-A03E-730921832031}"/>
               </a:ext>
             </a:extLst>
           </p:cNvPr>
@@ -13113,7 +13113,7 @@
           <p:cNvPr id="73" name="직선 연결선 72">
             <a:extLst>
               <a:ext uri="{FF2B5EF4-FFF2-40B4-BE49-F238E27FC236}">
-                <a16:creationId xmlns:a16="http://schemas.microsoft.com/office/drawing/2014/main" xmlns="" id="{910077DA-E3DA-446D-B510-AC990B4AE61C}"/>
+                <a16:creationId xmlns="" xmlns:a16="http://schemas.microsoft.com/office/drawing/2014/main" id="{910077DA-E3DA-446D-B510-AC990B4AE61C}"/>
               </a:ext>
             </a:extLst>
           </p:cNvPr>
@@ -13150,7 +13150,7 @@
           <p:cNvPr id="74" name="직선 연결선 73">
             <a:extLst>
               <a:ext uri="{FF2B5EF4-FFF2-40B4-BE49-F238E27FC236}">
-                <a16:creationId xmlns:a16="http://schemas.microsoft.com/office/drawing/2014/main" xmlns="" id="{4B375166-C62A-4182-AF64-4FCA61328A9F}"/>
+                <a16:creationId xmlns="" xmlns:a16="http://schemas.microsoft.com/office/drawing/2014/main" id="{4B375166-C62A-4182-AF64-4FCA61328A9F}"/>
               </a:ext>
             </a:extLst>
           </p:cNvPr>
@@ -13187,7 +13187,7 @@
           <p:cNvPr id="75" name="직선 연결선 74">
             <a:extLst>
               <a:ext uri="{FF2B5EF4-FFF2-40B4-BE49-F238E27FC236}">
-                <a16:creationId xmlns:a16="http://schemas.microsoft.com/office/drawing/2014/main" xmlns="" id="{868A54D0-21ED-4CD3-AF04-C8586B9CA19C}"/>
+                <a16:creationId xmlns="" xmlns:a16="http://schemas.microsoft.com/office/drawing/2014/main" id="{868A54D0-21ED-4CD3-AF04-C8586B9CA19C}"/>
               </a:ext>
             </a:extLst>
           </p:cNvPr>
@@ -13224,7 +13224,7 @@
           <p:cNvPr id="77" name="직선 연결선 76">
             <a:extLst>
               <a:ext uri="{FF2B5EF4-FFF2-40B4-BE49-F238E27FC236}">
-                <a16:creationId xmlns:a16="http://schemas.microsoft.com/office/drawing/2014/main" xmlns="" id="{A4CE329D-9523-4E0C-9B70-54029AB52613}"/>
+                <a16:creationId xmlns="" xmlns:a16="http://schemas.microsoft.com/office/drawing/2014/main" id="{A4CE329D-9523-4E0C-9B70-54029AB52613}"/>
               </a:ext>
             </a:extLst>
           </p:cNvPr>
@@ -13261,7 +13261,7 @@
           <p:cNvPr id="78" name="직선 연결선 77">
             <a:extLst>
               <a:ext uri="{FF2B5EF4-FFF2-40B4-BE49-F238E27FC236}">
-                <a16:creationId xmlns:a16="http://schemas.microsoft.com/office/drawing/2014/main" xmlns="" id="{3A8A85A2-A3D3-4241-A511-1C5CD3366887}"/>
+                <a16:creationId xmlns="" xmlns:a16="http://schemas.microsoft.com/office/drawing/2014/main" id="{3A8A85A2-A3D3-4241-A511-1C5CD3366887}"/>
               </a:ext>
             </a:extLst>
           </p:cNvPr>
@@ -13298,7 +13298,7 @@
           <p:cNvPr id="79" name="직선 연결선 78">
             <a:extLst>
               <a:ext uri="{FF2B5EF4-FFF2-40B4-BE49-F238E27FC236}">
-                <a16:creationId xmlns:a16="http://schemas.microsoft.com/office/drawing/2014/main" xmlns="" id="{FD95EC72-6FDD-4550-821A-EFDD29AF70A0}"/>
+                <a16:creationId xmlns="" xmlns:a16="http://schemas.microsoft.com/office/drawing/2014/main" id="{FD95EC72-6FDD-4550-821A-EFDD29AF70A0}"/>
               </a:ext>
             </a:extLst>
           </p:cNvPr>
@@ -13335,7 +13335,7 @@
           <p:cNvPr id="81" name="TextBox 80">
             <a:extLst>
               <a:ext uri="{FF2B5EF4-FFF2-40B4-BE49-F238E27FC236}">
-                <a16:creationId xmlns:a16="http://schemas.microsoft.com/office/drawing/2014/main" xmlns="" id="{14D6C7A1-351B-499D-ADAB-24B9A301F8B6}"/>
+                <a16:creationId xmlns="" xmlns:a16="http://schemas.microsoft.com/office/drawing/2014/main" id="{14D6C7A1-351B-499D-ADAB-24B9A301F8B6}"/>
               </a:ext>
             </a:extLst>
           </p:cNvPr>
@@ -13371,7 +13371,7 @@
           <p:cNvPr id="82" name="TextBox 81">
             <a:extLst>
               <a:ext uri="{FF2B5EF4-FFF2-40B4-BE49-F238E27FC236}">
-                <a16:creationId xmlns:a16="http://schemas.microsoft.com/office/drawing/2014/main" xmlns="" id="{9210E604-684F-4EC8-8E23-15913E3CA505}"/>
+                <a16:creationId xmlns="" xmlns:a16="http://schemas.microsoft.com/office/drawing/2014/main" id="{9210E604-684F-4EC8-8E23-15913E3CA505}"/>
               </a:ext>
             </a:extLst>
           </p:cNvPr>
@@ -13407,7 +13407,7 @@
           <p:cNvPr id="83" name="TextBox 82">
             <a:extLst>
               <a:ext uri="{FF2B5EF4-FFF2-40B4-BE49-F238E27FC236}">
-                <a16:creationId xmlns:a16="http://schemas.microsoft.com/office/drawing/2014/main" xmlns="" id="{CD789F6C-14F4-41BF-9FC9-05D2C2FC97DF}"/>
+                <a16:creationId xmlns="" xmlns:a16="http://schemas.microsoft.com/office/drawing/2014/main" id="{CD789F6C-14F4-41BF-9FC9-05D2C2FC97DF}"/>
               </a:ext>
             </a:extLst>
           </p:cNvPr>
@@ -13445,7 +13445,7 @@
               <p:cNvPr id="84" name="TextBox 83">
                 <a:extLst>
                   <a:ext uri="{FF2B5EF4-FFF2-40B4-BE49-F238E27FC236}">
-                    <a16:creationId xmlns:a16="http://schemas.microsoft.com/office/drawing/2014/main" xmlns="" id="{56E74A3F-C556-4C0A-97D6-5906C7CE3C1D}"/>
+                    <a16:creationId xmlns="" xmlns:a16="http://schemas.microsoft.com/office/drawing/2014/main" id="{56E74A3F-C556-4C0A-97D6-5906C7CE3C1D}"/>
                   </a:ext>
                 </a:extLst>
               </p:cNvPr>
@@ -13539,7 +13539,7 @@
           <p:cNvPr id="85" name="TextBox 84">
             <a:extLst>
               <a:ext uri="{FF2B5EF4-FFF2-40B4-BE49-F238E27FC236}">
-                <a16:creationId xmlns:a16="http://schemas.microsoft.com/office/drawing/2014/main" xmlns="" id="{EE08A819-F3A8-4F68-B515-B30FA5105CED}"/>
+                <a16:creationId xmlns="" xmlns:a16="http://schemas.microsoft.com/office/drawing/2014/main" id="{EE08A819-F3A8-4F68-B515-B30FA5105CED}"/>
               </a:ext>
             </a:extLst>
           </p:cNvPr>
@@ -13575,7 +13575,7 @@
           <p:cNvPr id="87" name="TextBox 86">
             <a:extLst>
               <a:ext uri="{FF2B5EF4-FFF2-40B4-BE49-F238E27FC236}">
-                <a16:creationId xmlns:a16="http://schemas.microsoft.com/office/drawing/2014/main" xmlns="" id="{C78395C5-8C2C-42E2-A0CD-14DBE6F936B9}"/>
+                <a16:creationId xmlns="" xmlns:a16="http://schemas.microsoft.com/office/drawing/2014/main" id="{C78395C5-8C2C-42E2-A0CD-14DBE6F936B9}"/>
               </a:ext>
             </a:extLst>
           </p:cNvPr>
@@ -13611,7 +13611,7 @@
           <p:cNvPr id="88" name="TextBox 87">
             <a:extLst>
               <a:ext uri="{FF2B5EF4-FFF2-40B4-BE49-F238E27FC236}">
-                <a16:creationId xmlns:a16="http://schemas.microsoft.com/office/drawing/2014/main" xmlns="" id="{2AB4043C-3760-4A6A-8B6B-B8AFD291FCC9}"/>
+                <a16:creationId xmlns="" xmlns:a16="http://schemas.microsoft.com/office/drawing/2014/main" id="{2AB4043C-3760-4A6A-8B6B-B8AFD291FCC9}"/>
               </a:ext>
             </a:extLst>
           </p:cNvPr>
@@ -13647,7 +13647,7 @@
           <p:cNvPr id="89" name="TextBox 88">
             <a:extLst>
               <a:ext uri="{FF2B5EF4-FFF2-40B4-BE49-F238E27FC236}">
-                <a16:creationId xmlns:a16="http://schemas.microsoft.com/office/drawing/2014/main" xmlns="" id="{8B7A63D9-DE3D-4D79-BDB4-B12136E994A1}"/>
+                <a16:creationId xmlns="" xmlns:a16="http://schemas.microsoft.com/office/drawing/2014/main" id="{8B7A63D9-DE3D-4D79-BDB4-B12136E994A1}"/>
               </a:ext>
             </a:extLst>
           </p:cNvPr>
@@ -13685,7 +13685,7 @@
               <p:cNvPr id="90" name="TextBox 89">
                 <a:extLst>
                   <a:ext uri="{FF2B5EF4-FFF2-40B4-BE49-F238E27FC236}">
-                    <a16:creationId xmlns:a16="http://schemas.microsoft.com/office/drawing/2014/main" xmlns="" id="{9076E7BC-C105-4DE0-A88A-044BEACD1D81}"/>
+                    <a16:creationId xmlns="" xmlns:a16="http://schemas.microsoft.com/office/drawing/2014/main" id="{9076E7BC-C105-4DE0-A88A-044BEACD1D81}"/>
                   </a:ext>
                 </a:extLst>
               </p:cNvPr>
@@ -13779,7 +13779,7 @@
           <p:cNvPr id="91" name="TextBox 90">
             <a:extLst>
               <a:ext uri="{FF2B5EF4-FFF2-40B4-BE49-F238E27FC236}">
-                <a16:creationId xmlns:a16="http://schemas.microsoft.com/office/drawing/2014/main" xmlns="" id="{2F440577-8729-4153-B3AB-FEA08DB354B1}"/>
+                <a16:creationId xmlns="" xmlns:a16="http://schemas.microsoft.com/office/drawing/2014/main" id="{2F440577-8729-4153-B3AB-FEA08DB354B1}"/>
               </a:ext>
             </a:extLst>
           </p:cNvPr>
@@ -13815,7 +13815,7 @@
           <p:cNvPr id="93" name="TextBox 92">
             <a:extLst>
               <a:ext uri="{FF2B5EF4-FFF2-40B4-BE49-F238E27FC236}">
-                <a16:creationId xmlns:a16="http://schemas.microsoft.com/office/drawing/2014/main" xmlns="" id="{F1E3239E-E606-4243-A1D4-C85A3C009C6D}"/>
+                <a16:creationId xmlns="" xmlns:a16="http://schemas.microsoft.com/office/drawing/2014/main" id="{F1E3239E-E606-4243-A1D4-C85A3C009C6D}"/>
               </a:ext>
             </a:extLst>
           </p:cNvPr>
@@ -13851,7 +13851,7 @@
           <p:cNvPr id="94" name="TextBox 93">
             <a:extLst>
               <a:ext uri="{FF2B5EF4-FFF2-40B4-BE49-F238E27FC236}">
-                <a16:creationId xmlns:a16="http://schemas.microsoft.com/office/drawing/2014/main" xmlns="" id="{42C48EFA-6BCF-449C-81A4-CB3DAB1BBCD6}"/>
+                <a16:creationId xmlns="" xmlns:a16="http://schemas.microsoft.com/office/drawing/2014/main" id="{42C48EFA-6BCF-449C-81A4-CB3DAB1BBCD6}"/>
               </a:ext>
             </a:extLst>
           </p:cNvPr>
@@ -13887,7 +13887,7 @@
           <p:cNvPr id="95" name="TextBox 94">
             <a:extLst>
               <a:ext uri="{FF2B5EF4-FFF2-40B4-BE49-F238E27FC236}">
-                <a16:creationId xmlns:a16="http://schemas.microsoft.com/office/drawing/2014/main" xmlns="" id="{02222A3A-D72A-47B3-AB20-736CDBE8D333}"/>
+                <a16:creationId xmlns="" xmlns:a16="http://schemas.microsoft.com/office/drawing/2014/main" id="{02222A3A-D72A-47B3-AB20-736CDBE8D333}"/>
               </a:ext>
             </a:extLst>
           </p:cNvPr>
@@ -13925,7 +13925,7 @@
               <p:cNvPr id="96" name="TextBox 95">
                 <a:extLst>
                   <a:ext uri="{FF2B5EF4-FFF2-40B4-BE49-F238E27FC236}">
-                    <a16:creationId xmlns:a16="http://schemas.microsoft.com/office/drawing/2014/main" xmlns="" id="{7C0C8358-CC45-4DE6-852F-748EA68FA580}"/>
+                    <a16:creationId xmlns="" xmlns:a16="http://schemas.microsoft.com/office/drawing/2014/main" id="{7C0C8358-CC45-4DE6-852F-748EA68FA580}"/>
                   </a:ext>
                 </a:extLst>
               </p:cNvPr>
@@ -14019,7 +14019,7 @@
           <p:cNvPr id="97" name="TextBox 96">
             <a:extLst>
               <a:ext uri="{FF2B5EF4-FFF2-40B4-BE49-F238E27FC236}">
-                <a16:creationId xmlns:a16="http://schemas.microsoft.com/office/drawing/2014/main" xmlns="" id="{211AF5E2-2682-4F75-A4BE-CB5BB543E9B6}"/>
+                <a16:creationId xmlns="" xmlns:a16="http://schemas.microsoft.com/office/drawing/2014/main" id="{211AF5E2-2682-4F75-A4BE-CB5BB543E9B6}"/>
               </a:ext>
             </a:extLst>
           </p:cNvPr>
@@ -14057,7 +14057,7 @@
               <p:cNvPr id="99" name="TextBox 98">
                 <a:extLst>
                   <a:ext uri="{FF2B5EF4-FFF2-40B4-BE49-F238E27FC236}">
-                    <a16:creationId xmlns:a16="http://schemas.microsoft.com/office/drawing/2014/main" xmlns="" id="{2BDCA189-DFE6-4901-B03F-90DFC1EDA698}"/>
+                    <a16:creationId xmlns="" xmlns:a16="http://schemas.microsoft.com/office/drawing/2014/main" id="{2BDCA189-DFE6-4901-B03F-90DFC1EDA698}"/>
                   </a:ext>
                 </a:extLst>
               </p:cNvPr>
@@ -14153,7 +14153,7 @@
               <p:cNvPr id="100" name="TextBox 99">
                 <a:extLst>
                   <a:ext uri="{FF2B5EF4-FFF2-40B4-BE49-F238E27FC236}">
-                    <a16:creationId xmlns:a16="http://schemas.microsoft.com/office/drawing/2014/main" xmlns="" id="{BA8E2313-E56C-4DE9-A295-163B5F5B8E99}"/>
+                    <a16:creationId xmlns="" xmlns:a16="http://schemas.microsoft.com/office/drawing/2014/main" id="{BA8E2313-E56C-4DE9-A295-163B5F5B8E99}"/>
                   </a:ext>
                 </a:extLst>
               </p:cNvPr>
@@ -14249,7 +14249,7 @@
               <p:cNvPr id="101" name="TextBox 100">
                 <a:extLst>
                   <a:ext uri="{FF2B5EF4-FFF2-40B4-BE49-F238E27FC236}">
-                    <a16:creationId xmlns:a16="http://schemas.microsoft.com/office/drawing/2014/main" xmlns="" id="{FBF051A9-E80F-4DA2-98AC-E57013251872}"/>
+                    <a16:creationId xmlns="" xmlns:a16="http://schemas.microsoft.com/office/drawing/2014/main" id="{FBF051A9-E80F-4DA2-98AC-E57013251872}"/>
                   </a:ext>
                 </a:extLst>
               </p:cNvPr>
@@ -14345,7 +14345,7 @@
               <p:cNvPr id="102" name="TextBox 101">
                 <a:extLst>
                   <a:ext uri="{FF2B5EF4-FFF2-40B4-BE49-F238E27FC236}">
-                    <a16:creationId xmlns:a16="http://schemas.microsoft.com/office/drawing/2014/main" xmlns="" id="{93EFCCD8-4694-4647-AAAA-4EE76700CFB3}"/>
+                    <a16:creationId xmlns="" xmlns:a16="http://schemas.microsoft.com/office/drawing/2014/main" id="{93EFCCD8-4694-4647-AAAA-4EE76700CFB3}"/>
                   </a:ext>
                 </a:extLst>
               </p:cNvPr>
@@ -14441,7 +14441,7 @@
               <p:cNvPr id="103" name="TextBox 102">
                 <a:extLst>
                   <a:ext uri="{FF2B5EF4-FFF2-40B4-BE49-F238E27FC236}">
-                    <a16:creationId xmlns:a16="http://schemas.microsoft.com/office/drawing/2014/main" xmlns="" id="{C07E3264-D93A-42A8-A15F-F26D8444D79A}"/>
+                    <a16:creationId xmlns="" xmlns:a16="http://schemas.microsoft.com/office/drawing/2014/main" id="{C07E3264-D93A-42A8-A15F-F26D8444D79A}"/>
                   </a:ext>
                 </a:extLst>
               </p:cNvPr>
@@ -14535,7 +14535,7 @@
           <p:cNvPr id="105" name="TextBox 104">
             <a:extLst>
               <a:ext uri="{FF2B5EF4-FFF2-40B4-BE49-F238E27FC236}">
-                <a16:creationId xmlns:a16="http://schemas.microsoft.com/office/drawing/2014/main" xmlns="" id="{6F98A829-43BF-45A0-B5C1-20687855B9CB}"/>
+                <a16:creationId xmlns="" xmlns:a16="http://schemas.microsoft.com/office/drawing/2014/main" id="{6F98A829-43BF-45A0-B5C1-20687855B9CB}"/>
               </a:ext>
             </a:extLst>
           </p:cNvPr>
@@ -14571,7 +14571,7 @@
           <p:cNvPr id="106" name="TextBox 105">
             <a:extLst>
               <a:ext uri="{FF2B5EF4-FFF2-40B4-BE49-F238E27FC236}">
-                <a16:creationId xmlns:a16="http://schemas.microsoft.com/office/drawing/2014/main" xmlns="" id="{BBCF1D74-D21F-4D32-A2B6-EC5DF8B87D93}"/>
+                <a16:creationId xmlns="" xmlns:a16="http://schemas.microsoft.com/office/drawing/2014/main" id="{BBCF1D74-D21F-4D32-A2B6-EC5DF8B87D93}"/>
               </a:ext>
             </a:extLst>
           </p:cNvPr>
@@ -14607,7 +14607,7 @@
           <p:cNvPr id="107" name="TextBox 106">
             <a:extLst>
               <a:ext uri="{FF2B5EF4-FFF2-40B4-BE49-F238E27FC236}">
-                <a16:creationId xmlns:a16="http://schemas.microsoft.com/office/drawing/2014/main" xmlns="" id="{AF678742-A9C5-48FA-8295-DDEA2C8FBB87}"/>
+                <a16:creationId xmlns="" xmlns:a16="http://schemas.microsoft.com/office/drawing/2014/main" id="{AF678742-A9C5-48FA-8295-DDEA2C8FBB87}"/>
               </a:ext>
             </a:extLst>
           </p:cNvPr>
@@ -14645,7 +14645,7 @@
               <p:cNvPr id="108" name="TextBox 107">
                 <a:extLst>
                   <a:ext uri="{FF2B5EF4-FFF2-40B4-BE49-F238E27FC236}">
-                    <a16:creationId xmlns:a16="http://schemas.microsoft.com/office/drawing/2014/main" xmlns="" id="{E2A94889-B5EB-4B5A-B572-85DD2A9A3215}"/>
+                    <a16:creationId xmlns="" xmlns:a16="http://schemas.microsoft.com/office/drawing/2014/main" id="{E2A94889-B5EB-4B5A-B572-85DD2A9A3215}"/>
                   </a:ext>
                 </a:extLst>
               </p:cNvPr>
@@ -14739,7 +14739,7 @@
           <p:cNvPr id="109" name="TextBox 108">
             <a:extLst>
               <a:ext uri="{FF2B5EF4-FFF2-40B4-BE49-F238E27FC236}">
-                <a16:creationId xmlns:a16="http://schemas.microsoft.com/office/drawing/2014/main" xmlns="" id="{EF968D5D-32A7-4EC1-973F-F1A361897430}"/>
+                <a16:creationId xmlns="" xmlns:a16="http://schemas.microsoft.com/office/drawing/2014/main" id="{EF968D5D-32A7-4EC1-973F-F1A361897430}"/>
               </a:ext>
             </a:extLst>
           </p:cNvPr>
@@ -14777,7 +14777,7 @@
               <p:cNvPr id="65" name="TextBox 64">
                 <a:extLst>
                   <a:ext uri="{FF2B5EF4-FFF2-40B4-BE49-F238E27FC236}">
-                    <a16:creationId xmlns:a16="http://schemas.microsoft.com/office/drawing/2014/main" xmlns="" id="{D8A8E328-94BE-4DAE-B088-E4FAEEFF052A}"/>
+                    <a16:creationId xmlns="" xmlns:a16="http://schemas.microsoft.com/office/drawing/2014/main" id="{D8A8E328-94BE-4DAE-B088-E4FAEEFF052A}"/>
                   </a:ext>
                 </a:extLst>
               </p:cNvPr>
@@ -14873,7 +14873,7 @@
               <p:cNvPr id="66" name="TextBox 65">
                 <a:extLst>
                   <a:ext uri="{FF2B5EF4-FFF2-40B4-BE49-F238E27FC236}">
-                    <a16:creationId xmlns:a16="http://schemas.microsoft.com/office/drawing/2014/main" xmlns="" id="{380F06DA-7C24-4FE6-A01C-B553D005D083}"/>
+                    <a16:creationId xmlns="" xmlns:a16="http://schemas.microsoft.com/office/drawing/2014/main" id="{380F06DA-7C24-4FE6-A01C-B553D005D083}"/>
                   </a:ext>
                 </a:extLst>
               </p:cNvPr>
@@ -14967,7 +14967,7 @@
           <p:cNvPr id="132" name="TextBox 131">
             <a:extLst>
               <a:ext uri="{FF2B5EF4-FFF2-40B4-BE49-F238E27FC236}">
-                <a16:creationId xmlns:a16="http://schemas.microsoft.com/office/drawing/2014/main" xmlns="" id="{187A8CF7-BE3B-482A-BDDE-B1868E0E276E}"/>
+                <a16:creationId xmlns="" xmlns:a16="http://schemas.microsoft.com/office/drawing/2014/main" id="{187A8CF7-BE3B-482A-BDDE-B1868E0E276E}"/>
               </a:ext>
             </a:extLst>
           </p:cNvPr>
@@ -17283,7 +17283,7 @@
           <p:cNvPr id="32" name="TextBox 31">
             <a:extLst>
               <a:ext uri="{FF2B5EF4-FFF2-40B4-BE49-F238E27FC236}">
-                <a16:creationId xmlns:a16="http://schemas.microsoft.com/office/drawing/2014/main" xmlns="" id="{DE86F90F-4812-41DA-8B7A-FD6B8799E892}"/>
+                <a16:creationId xmlns="" xmlns:a16="http://schemas.microsoft.com/office/drawing/2014/main" id="{DE86F90F-4812-41DA-8B7A-FD6B8799E892}"/>
               </a:ext>
             </a:extLst>
           </p:cNvPr>
@@ -17322,7 +17322,7 @@
           <p:cNvPr id="33" name="TextBox 32">
             <a:extLst>
               <a:ext uri="{FF2B5EF4-FFF2-40B4-BE49-F238E27FC236}">
-                <a16:creationId xmlns:a16="http://schemas.microsoft.com/office/drawing/2014/main" xmlns="" id="{CF783C1A-D9B3-48C4-A765-79444AD6D4FF}"/>
+                <a16:creationId xmlns="" xmlns:a16="http://schemas.microsoft.com/office/drawing/2014/main" id="{CF783C1A-D9B3-48C4-A765-79444AD6D4FF}"/>
               </a:ext>
             </a:extLst>
           </p:cNvPr>
@@ -17686,7 +17686,7 @@
           <p:cNvPr id="4" name="직선 화살표 연결선 3">
             <a:extLst>
               <a:ext uri="{FF2B5EF4-FFF2-40B4-BE49-F238E27FC236}">
-                <a16:creationId xmlns:a16="http://schemas.microsoft.com/office/drawing/2014/main" xmlns="" id="{115EE6A1-1C7C-4095-9621-716CB44F45FD}"/>
+                <a16:creationId xmlns="" xmlns:a16="http://schemas.microsoft.com/office/drawing/2014/main" id="{115EE6A1-1C7C-4095-9621-716CB44F45FD}"/>
               </a:ext>
             </a:extLst>
           </p:cNvPr>
@@ -17728,7 +17728,7 @@
           <p:cNvPr id="7" name="직선 화살표 연결선 6">
             <a:extLst>
               <a:ext uri="{FF2B5EF4-FFF2-40B4-BE49-F238E27FC236}">
-                <a16:creationId xmlns:a16="http://schemas.microsoft.com/office/drawing/2014/main" xmlns="" id="{6954C3A5-9BF1-454C-9670-467EFE959EC0}"/>
+                <a16:creationId xmlns="" xmlns:a16="http://schemas.microsoft.com/office/drawing/2014/main" id="{6954C3A5-9BF1-454C-9670-467EFE959EC0}"/>
               </a:ext>
             </a:extLst>
           </p:cNvPr>
@@ -17772,7 +17772,7 @@
           <p:cNvPr id="10" name="직선 화살표 연결선 9">
             <a:extLst>
               <a:ext uri="{FF2B5EF4-FFF2-40B4-BE49-F238E27FC236}">
-                <a16:creationId xmlns:a16="http://schemas.microsoft.com/office/drawing/2014/main" xmlns="" id="{B22C35A0-29BA-499C-8FBB-32B27C547BD1}"/>
+                <a16:creationId xmlns="" xmlns:a16="http://schemas.microsoft.com/office/drawing/2014/main" id="{B22C35A0-29BA-499C-8FBB-32B27C547BD1}"/>
               </a:ext>
             </a:extLst>
           </p:cNvPr>
@@ -17814,7 +17814,7 @@
           <p:cNvPr id="11" name="직선 화살표 연결선 10">
             <a:extLst>
               <a:ext uri="{FF2B5EF4-FFF2-40B4-BE49-F238E27FC236}">
-                <a16:creationId xmlns:a16="http://schemas.microsoft.com/office/drawing/2014/main" xmlns="" id="{6ED94E00-41DD-4597-8942-4B2C9332E32E}"/>
+                <a16:creationId xmlns="" xmlns:a16="http://schemas.microsoft.com/office/drawing/2014/main" id="{6ED94E00-41DD-4597-8942-4B2C9332E32E}"/>
               </a:ext>
             </a:extLst>
           </p:cNvPr>
@@ -17856,7 +17856,7 @@
           <p:cNvPr id="8" name="TextBox 7">
             <a:extLst>
               <a:ext uri="{FF2B5EF4-FFF2-40B4-BE49-F238E27FC236}">
-                <a16:creationId xmlns:a16="http://schemas.microsoft.com/office/drawing/2014/main" xmlns="" id="{FE908FA0-B480-4749-8041-F1F510B40F15}"/>
+                <a16:creationId xmlns="" xmlns:a16="http://schemas.microsoft.com/office/drawing/2014/main" id="{FE908FA0-B480-4749-8041-F1F510B40F15}"/>
               </a:ext>
             </a:extLst>
           </p:cNvPr>
@@ -17891,7 +17891,7 @@
           <p:cNvPr id="13" name="TextBox 12">
             <a:extLst>
               <a:ext uri="{FF2B5EF4-FFF2-40B4-BE49-F238E27FC236}">
-                <a16:creationId xmlns:a16="http://schemas.microsoft.com/office/drawing/2014/main" xmlns="" id="{8F1B0FE0-C874-4DE7-9EC3-91C472ECF94D}"/>
+                <a16:creationId xmlns="" xmlns:a16="http://schemas.microsoft.com/office/drawing/2014/main" id="{8F1B0FE0-C874-4DE7-9EC3-91C472ECF94D}"/>
               </a:ext>
             </a:extLst>
           </p:cNvPr>
@@ -18239,7 +18239,7 @@
       </p:grpSpPr>
       <p:pic>
         <p:nvPicPr>
-          <p:cNvPr id="1026" name="Picture 2"/>
+          <p:cNvPr id="2" name="Picture 2"/>
           <p:cNvPicPr>
             <a:picLocks noChangeAspect="1" noChangeArrowheads="1"/>
           </p:cNvPicPr>
@@ -18886,7 +18886,7 @@
   <a:extraClrSchemeLst/>
   <a:extLst>
     <a:ext uri="{05A4C25C-085E-4340-85A3-A5531E510DB2}">
-      <thm15:themeFamily xmlns:thm15="http://schemas.microsoft.com/office/thememl/2012/main" xmlns="" name="Office Theme" id="{62F939B6-93AF-4DB8-9C6B-D6C7DFDC589F}" vid="{4A3C46E8-61CC-4603-A589-7422A47A8E4A}"/>
+      <thm15:themeFamily xmlns="" xmlns:thm15="http://schemas.microsoft.com/office/thememl/2012/main" name="Office Theme" id="{62F939B6-93AF-4DB8-9C6B-D6C7DFDC589F}" vid="{4A3C46E8-61CC-4603-A589-7422A47A8E4A}"/>
     </a:ext>
   </a:extLst>
 </a:theme>

--- a/pics/2021-06-09-Greens_function/pics.pptx
+++ b/pics/2021-06-09-Greens_function/pics.pptx
@@ -5,19 +5,21 @@
     <p:sldMasterId id="2147483648" r:id="rId1"/>
   </p:sldMasterIdLst>
   <p:notesMasterIdLst>
-    <p:notesMasterId r:id="rId12"/>
+    <p:notesMasterId r:id="rId14"/>
   </p:notesMasterIdLst>
   <p:sldIdLst>
     <p:sldId id="259" r:id="rId2"/>
     <p:sldId id="260" r:id="rId3"/>
-    <p:sldId id="256" r:id="rId4"/>
-    <p:sldId id="257" r:id="rId5"/>
-    <p:sldId id="258" r:id="rId6"/>
-    <p:sldId id="261" r:id="rId7"/>
-    <p:sldId id="262" r:id="rId8"/>
-    <p:sldId id="263" r:id="rId9"/>
-    <p:sldId id="264" r:id="rId10"/>
-    <p:sldId id="265" r:id="rId11"/>
+    <p:sldId id="266" r:id="rId4"/>
+    <p:sldId id="256" r:id="rId5"/>
+    <p:sldId id="257" r:id="rId6"/>
+    <p:sldId id="258" r:id="rId7"/>
+    <p:sldId id="261" r:id="rId8"/>
+    <p:sldId id="262" r:id="rId9"/>
+    <p:sldId id="263" r:id="rId10"/>
+    <p:sldId id="264" r:id="rId11"/>
+    <p:sldId id="267" r:id="rId12"/>
+    <p:sldId id="265" r:id="rId13"/>
   </p:sldIdLst>
   <p:sldSz cx="9144000" cy="6858000" type="screen4x3"/>
   <p:notesSz cx="6858000" cy="9144000"/>
@@ -118,7 +120,7 @@
   </p:defaultTextStyle>
   <p:extLst>
     <p:ext uri="{EFAFB233-063F-42B5-8137-9DF3F51BA10A}">
-      <p15:sldGuideLst xmlns="" xmlns:p15="http://schemas.microsoft.com/office/powerpoint/2012/main">
+      <p15:sldGuideLst xmlns:p15="http://schemas.microsoft.com/office/powerpoint/2012/main">
         <p15:guide id="1" orient="horz" pos="2160">
           <p15:clr>
             <a:srgbClr val="A4A3A4"/>
@@ -217,7 +219,7 @@
           <a:p>
             <a:fld id="{A3F1F8DC-E48E-4670-8D99-78D2EAEF71A4}" type="datetimeFigureOut">
               <a:rPr lang="ko-KR" altLang="en-US" smtClean="0"/>
-              <a:t>2021-06-15</a:t>
+              <a:t>2023-05-12</a:t>
             </a:fld>
             <a:endParaRPr lang="ko-KR" altLang="en-US"/>
           </a:p>
@@ -568,6 +570,90 @@
 </p:notes>
 </file>
 
+<file path=ppt/notesSlides/notesSlide2.xml><?xml version="1.0" encoding="utf-8"?>
+<p:notes xmlns:a="http://schemas.openxmlformats.org/drawingml/2006/main" xmlns:r="http://schemas.openxmlformats.org/officeDocument/2006/relationships" xmlns:p="http://schemas.openxmlformats.org/presentationml/2006/main">
+  <p:cSld>
+    <p:spTree>
+      <p:nvGrpSpPr>
+        <p:cNvPr id="1" name=""/>
+        <p:cNvGrpSpPr/>
+        <p:nvPr/>
+      </p:nvGrpSpPr>
+      <p:grpSpPr>
+        <a:xfrm>
+          <a:off x="0" y="0"/>
+          <a:ext cx="0" cy="0"/>
+          <a:chOff x="0" y="0"/>
+          <a:chExt cx="0" cy="0"/>
+        </a:xfrm>
+      </p:grpSpPr>
+      <p:sp>
+        <p:nvSpPr>
+          <p:cNvPr id="2" name="슬라이드 이미지 개체 틀 1"/>
+          <p:cNvSpPr>
+            <a:spLocks noGrp="1" noRot="1" noChangeAspect="1"/>
+          </p:cNvSpPr>
+          <p:nvPr>
+            <p:ph type="sldImg"/>
+          </p:nvPr>
+        </p:nvSpPr>
+        <p:spPr/>
+      </p:sp>
+      <p:sp>
+        <p:nvSpPr>
+          <p:cNvPr id="3" name="슬라이드 노트 개체 틀 2"/>
+          <p:cNvSpPr>
+            <a:spLocks noGrp="1"/>
+          </p:cNvSpPr>
+          <p:nvPr>
+            <p:ph type="body" idx="1"/>
+          </p:nvPr>
+        </p:nvSpPr>
+        <p:spPr/>
+        <p:txBody>
+          <a:bodyPr/>
+          <a:lstStyle/>
+          <a:p>
+            <a:endParaRPr lang="ko-KR" altLang="en-US" dirty="0"/>
+          </a:p>
+        </p:txBody>
+      </p:sp>
+      <p:sp>
+        <p:nvSpPr>
+          <p:cNvPr id="4" name="슬라이드 번호 개체 틀 3"/>
+          <p:cNvSpPr>
+            <a:spLocks noGrp="1"/>
+          </p:cNvSpPr>
+          <p:nvPr>
+            <p:ph type="sldNum" sz="quarter" idx="5"/>
+          </p:nvPr>
+        </p:nvSpPr>
+        <p:spPr/>
+        <p:txBody>
+          <a:bodyPr/>
+          <a:lstStyle/>
+          <a:p>
+            <a:fld id="{8546C9C2-5697-4548-941E-FFD097557B46}" type="slidenum">
+              <a:rPr lang="ko-KR" altLang="en-US" smtClean="0"/>
+              <a:t>3</a:t>
+            </a:fld>
+            <a:endParaRPr lang="ko-KR" altLang="en-US"/>
+          </a:p>
+        </p:txBody>
+      </p:sp>
+    </p:spTree>
+    <p:extLst>
+      <p:ext uri="{BB962C8B-B14F-4D97-AF65-F5344CB8AC3E}">
+        <p14:creationId xmlns:p14="http://schemas.microsoft.com/office/powerpoint/2010/main" val="1640565607"/>
+      </p:ext>
+    </p:extLst>
+  </p:cSld>
+  <p:clrMapOvr>
+    <a:masterClrMapping/>
+  </p:clrMapOvr>
+</p:notes>
+</file>
+
 <file path=ppt/slideLayouts/slideLayout1.xml><?xml version="1.0" encoding="utf-8"?>
 <p:sldLayout xmlns:a="http://schemas.openxmlformats.org/drawingml/2006/main" xmlns:r="http://schemas.openxmlformats.org/officeDocument/2006/relationships" xmlns:p="http://schemas.openxmlformats.org/presentationml/2006/main" type="title" preserve="1">
   <p:cSld name="제목 슬라이드">
@@ -747,7 +833,7 @@
           <a:p>
             <a:fld id="{FB30EDBD-1C2D-4C1E-B459-B60219FAB484}" type="datetimeFigureOut">
               <a:rPr lang="ko-KR" altLang="en-US" smtClean="0"/>
-              <a:t>2021-06-15</a:t>
+              <a:t>2023-05-12</a:t>
             </a:fld>
             <a:endParaRPr lang="ko-KR" altLang="en-US"/>
           </a:p>
@@ -910,7 +996,7 @@
           <a:p>
             <a:fld id="{FB30EDBD-1C2D-4C1E-B459-B60219FAB484}" type="datetimeFigureOut">
               <a:rPr lang="ko-KR" altLang="en-US" smtClean="0"/>
-              <a:t>2021-06-15</a:t>
+              <a:t>2023-05-12</a:t>
             </a:fld>
             <a:endParaRPr lang="ko-KR" altLang="en-US"/>
           </a:p>
@@ -1083,7 +1169,7 @@
           <a:p>
             <a:fld id="{FB30EDBD-1C2D-4C1E-B459-B60219FAB484}" type="datetimeFigureOut">
               <a:rPr lang="ko-KR" altLang="en-US" smtClean="0"/>
-              <a:t>2021-06-15</a:t>
+              <a:t>2023-05-12</a:t>
             </a:fld>
             <a:endParaRPr lang="ko-KR" altLang="en-US"/>
           </a:p>
@@ -1246,7 +1332,7 @@
           <a:p>
             <a:fld id="{FB30EDBD-1C2D-4C1E-B459-B60219FAB484}" type="datetimeFigureOut">
               <a:rPr lang="ko-KR" altLang="en-US" smtClean="0"/>
-              <a:t>2021-06-15</a:t>
+              <a:t>2023-05-12</a:t>
             </a:fld>
             <a:endParaRPr lang="ko-KR" altLang="en-US"/>
           </a:p>
@@ -1486,7 +1572,7 @@
           <a:p>
             <a:fld id="{FB30EDBD-1C2D-4C1E-B459-B60219FAB484}" type="datetimeFigureOut">
               <a:rPr lang="ko-KR" altLang="en-US" smtClean="0"/>
-              <a:t>2021-06-15</a:t>
+              <a:t>2023-05-12</a:t>
             </a:fld>
             <a:endParaRPr lang="ko-KR" altLang="en-US"/>
           </a:p>
@@ -1766,7 +1852,7 @@
           <a:p>
             <a:fld id="{FB30EDBD-1C2D-4C1E-B459-B60219FAB484}" type="datetimeFigureOut">
               <a:rPr lang="ko-KR" altLang="en-US" smtClean="0"/>
-              <a:t>2021-06-15</a:t>
+              <a:t>2023-05-12</a:t>
             </a:fld>
             <a:endParaRPr lang="ko-KR" altLang="en-US"/>
           </a:p>
@@ -2180,7 +2266,7 @@
           <a:p>
             <a:fld id="{FB30EDBD-1C2D-4C1E-B459-B60219FAB484}" type="datetimeFigureOut">
               <a:rPr lang="ko-KR" altLang="en-US" smtClean="0"/>
-              <a:t>2021-06-15</a:t>
+              <a:t>2023-05-12</a:t>
             </a:fld>
             <a:endParaRPr lang="ko-KR" altLang="en-US"/>
           </a:p>
@@ -2292,7 +2378,7 @@
           <a:p>
             <a:fld id="{FB30EDBD-1C2D-4C1E-B459-B60219FAB484}" type="datetimeFigureOut">
               <a:rPr lang="ko-KR" altLang="en-US" smtClean="0"/>
-              <a:t>2021-06-15</a:t>
+              <a:t>2023-05-12</a:t>
             </a:fld>
             <a:endParaRPr lang="ko-KR" altLang="en-US"/>
           </a:p>
@@ -2382,7 +2468,7 @@
           <a:p>
             <a:fld id="{FB30EDBD-1C2D-4C1E-B459-B60219FAB484}" type="datetimeFigureOut">
               <a:rPr lang="ko-KR" altLang="en-US" smtClean="0"/>
-              <a:t>2021-06-15</a:t>
+              <a:t>2023-05-12</a:t>
             </a:fld>
             <a:endParaRPr lang="ko-KR" altLang="en-US"/>
           </a:p>
@@ -2652,7 +2738,7 @@
           <a:p>
             <a:fld id="{FB30EDBD-1C2D-4C1E-B459-B60219FAB484}" type="datetimeFigureOut">
               <a:rPr lang="ko-KR" altLang="en-US" smtClean="0"/>
-              <a:t>2021-06-15</a:t>
+              <a:t>2023-05-12</a:t>
             </a:fld>
             <a:endParaRPr lang="ko-KR" altLang="en-US"/>
           </a:p>
@@ -2899,7 +2985,7 @@
           <a:p>
             <a:fld id="{FB30EDBD-1C2D-4C1E-B459-B60219FAB484}" type="datetimeFigureOut">
               <a:rPr lang="ko-KR" altLang="en-US" smtClean="0"/>
-              <a:t>2021-06-15</a:t>
+              <a:t>2023-05-12</a:t>
             </a:fld>
             <a:endParaRPr lang="ko-KR" altLang="en-US"/>
           </a:p>
@@ -3105,7 +3191,7 @@
           <a:p>
             <a:fld id="{FB30EDBD-1C2D-4C1E-B459-B60219FAB484}" type="datetimeFigureOut">
               <a:rPr lang="ko-KR" altLang="en-US" smtClean="0"/>
-              <a:t>2021-06-15</a:t>
+              <a:t>2023-05-12</a:t>
             </a:fld>
             <a:endParaRPr lang="ko-KR" altLang="en-US"/>
           </a:p>
@@ -3480,7 +3566,7 @@
           <p:cNvPr id="6" name="직사각형 5">
             <a:extLst>
               <a:ext uri="{FF2B5EF4-FFF2-40B4-BE49-F238E27FC236}">
-                <a16:creationId xmlns="" xmlns:a16="http://schemas.microsoft.com/office/drawing/2014/main" id="{64FC177B-E88B-4BD0-94BE-FAFF3ACB2C89}"/>
+                <a16:creationId xmlns:a16="http://schemas.microsoft.com/office/drawing/2014/main" id="{64FC177B-E88B-4BD0-94BE-FAFF3ACB2C89}"/>
               </a:ext>
             </a:extLst>
           </p:cNvPr>
@@ -3534,7 +3620,7 @@
           <p:cNvPr id="7" name="직사각형 6">
             <a:extLst>
               <a:ext uri="{FF2B5EF4-FFF2-40B4-BE49-F238E27FC236}">
-                <a16:creationId xmlns="" xmlns:a16="http://schemas.microsoft.com/office/drawing/2014/main" id="{8A175623-6F7F-4B47-A333-4D8F52AE610A}"/>
+                <a16:creationId xmlns:a16="http://schemas.microsoft.com/office/drawing/2014/main" id="{8A175623-6F7F-4B47-A333-4D8F52AE610A}"/>
               </a:ext>
             </a:extLst>
           </p:cNvPr>
@@ -3586,7 +3672,7 @@
           <p:cNvPr id="15" name="원호 14">
             <a:extLst>
               <a:ext uri="{FF2B5EF4-FFF2-40B4-BE49-F238E27FC236}">
-                <a16:creationId xmlns="" xmlns:a16="http://schemas.microsoft.com/office/drawing/2014/main" id="{93E633E5-EEB9-44A7-96F1-3A9650D3C0A2}"/>
+                <a16:creationId xmlns:a16="http://schemas.microsoft.com/office/drawing/2014/main" id="{93E633E5-EEB9-44A7-96F1-3A9650D3C0A2}"/>
               </a:ext>
             </a:extLst>
           </p:cNvPr>
@@ -3638,7 +3724,7 @@
           <p:cNvPr id="16" name="원호 15">
             <a:extLst>
               <a:ext uri="{FF2B5EF4-FFF2-40B4-BE49-F238E27FC236}">
-                <a16:creationId xmlns="" xmlns:a16="http://schemas.microsoft.com/office/drawing/2014/main" id="{C4EF0DA0-138C-496A-A92F-CE8C90B8873E}"/>
+                <a16:creationId xmlns:a16="http://schemas.microsoft.com/office/drawing/2014/main" id="{C4EF0DA0-138C-496A-A92F-CE8C90B8873E}"/>
               </a:ext>
             </a:extLst>
           </p:cNvPr>
@@ -3690,7 +3776,7 @@
           <p:cNvPr id="17" name="TextBox 16">
             <a:extLst>
               <a:ext uri="{FF2B5EF4-FFF2-40B4-BE49-F238E27FC236}">
-                <a16:creationId xmlns="" xmlns:a16="http://schemas.microsoft.com/office/drawing/2014/main" id="{8819A910-2608-4025-B8EA-15404010743C}"/>
+                <a16:creationId xmlns:a16="http://schemas.microsoft.com/office/drawing/2014/main" id="{8819A910-2608-4025-B8EA-15404010743C}"/>
               </a:ext>
             </a:extLst>
           </p:cNvPr>
@@ -3726,7 +3812,7 @@
           <p:cNvPr id="19" name="원호 18">
             <a:extLst>
               <a:ext uri="{FF2B5EF4-FFF2-40B4-BE49-F238E27FC236}">
-                <a16:creationId xmlns="" xmlns:a16="http://schemas.microsoft.com/office/drawing/2014/main" id="{6DD62455-73A3-463D-B466-FCFB328D6F40}"/>
+                <a16:creationId xmlns:a16="http://schemas.microsoft.com/office/drawing/2014/main" id="{6DD62455-73A3-463D-B466-FCFB328D6F40}"/>
               </a:ext>
             </a:extLst>
           </p:cNvPr>
@@ -3778,7 +3864,7 @@
           <p:cNvPr id="20" name="원호 19">
             <a:extLst>
               <a:ext uri="{FF2B5EF4-FFF2-40B4-BE49-F238E27FC236}">
-                <a16:creationId xmlns="" xmlns:a16="http://schemas.microsoft.com/office/drawing/2014/main" id="{4A4DE7ED-E2E1-4AD4-9223-8E7E3872AF3F}"/>
+                <a16:creationId xmlns:a16="http://schemas.microsoft.com/office/drawing/2014/main" id="{4A4DE7ED-E2E1-4AD4-9223-8E7E3872AF3F}"/>
               </a:ext>
             </a:extLst>
           </p:cNvPr>
@@ -3832,7 +3918,7 @@
               <p:cNvPr id="21" name="TextBox 20">
                 <a:extLst>
                   <a:ext uri="{FF2B5EF4-FFF2-40B4-BE49-F238E27FC236}">
-                    <a16:creationId xmlns="" xmlns:a16="http://schemas.microsoft.com/office/drawing/2014/main" id="{0667FA33-9371-417C-855C-1DF003272F36}"/>
+                    <a16:creationId xmlns:a16="http://schemas.microsoft.com/office/drawing/2014/main" id="{0667FA33-9371-417C-855C-1DF003272F36}"/>
                   </a:ext>
                 </a:extLst>
               </p:cNvPr>
@@ -3928,7 +4014,7 @@
               <p:cNvPr id="22" name="TextBox 21">
                 <a:extLst>
                   <a:ext uri="{FF2B5EF4-FFF2-40B4-BE49-F238E27FC236}">
-                    <a16:creationId xmlns="" xmlns:a16="http://schemas.microsoft.com/office/drawing/2014/main" id="{BA77718B-1212-4A41-B147-0F48B0247D37}"/>
+                    <a16:creationId xmlns:a16="http://schemas.microsoft.com/office/drawing/2014/main" id="{BA77718B-1212-4A41-B147-0F48B0247D37}"/>
                   </a:ext>
                 </a:extLst>
               </p:cNvPr>
@@ -4024,7 +4110,7 @@
               <p:cNvPr id="31" name="TextBox 30">
                 <a:extLst>
                   <a:ext uri="{FF2B5EF4-FFF2-40B4-BE49-F238E27FC236}">
-                    <a16:creationId xmlns="" xmlns:a16="http://schemas.microsoft.com/office/drawing/2014/main" id="{BB431D9E-E97B-474C-AC3C-7A1330FD2816}"/>
+                    <a16:creationId xmlns:a16="http://schemas.microsoft.com/office/drawing/2014/main" id="{BB431D9E-E97B-474C-AC3C-7A1330FD2816}"/>
                   </a:ext>
                 </a:extLst>
               </p:cNvPr>
@@ -4120,7 +4206,7 @@
               <p:cNvPr id="36" name="TextBox 35">
                 <a:extLst>
                   <a:ext uri="{FF2B5EF4-FFF2-40B4-BE49-F238E27FC236}">
-                    <a16:creationId xmlns="" xmlns:a16="http://schemas.microsoft.com/office/drawing/2014/main" id="{0F1A14E2-0AB0-4C22-A55C-AEC28D0A2679}"/>
+                    <a16:creationId xmlns:a16="http://schemas.microsoft.com/office/drawing/2014/main" id="{0F1A14E2-0AB0-4C22-A55C-AEC28D0A2679}"/>
                   </a:ext>
                 </a:extLst>
               </p:cNvPr>
@@ -4214,7 +4300,7 @@
           <p:cNvPr id="44" name="직사각형 43">
             <a:extLst>
               <a:ext uri="{FF2B5EF4-FFF2-40B4-BE49-F238E27FC236}">
-                <a16:creationId xmlns="" xmlns:a16="http://schemas.microsoft.com/office/drawing/2014/main" id="{B42B8767-2449-4408-975A-4C655D836C40}"/>
+                <a16:creationId xmlns:a16="http://schemas.microsoft.com/office/drawing/2014/main" id="{B42B8767-2449-4408-975A-4C655D836C40}"/>
               </a:ext>
             </a:extLst>
           </p:cNvPr>
@@ -4266,7 +4352,7 @@
           <p:cNvPr id="45" name="직사각형 44">
             <a:extLst>
               <a:ext uri="{FF2B5EF4-FFF2-40B4-BE49-F238E27FC236}">
-                <a16:creationId xmlns="" xmlns:a16="http://schemas.microsoft.com/office/drawing/2014/main" id="{53404FC1-F2E3-4FDF-8B8D-C94672B9A6D8}"/>
+                <a16:creationId xmlns:a16="http://schemas.microsoft.com/office/drawing/2014/main" id="{53404FC1-F2E3-4FDF-8B8D-C94672B9A6D8}"/>
               </a:ext>
             </a:extLst>
           </p:cNvPr>
@@ -4318,7 +4404,7 @@
           <p:cNvPr id="46" name="직사각형 45">
             <a:extLst>
               <a:ext uri="{FF2B5EF4-FFF2-40B4-BE49-F238E27FC236}">
-                <a16:creationId xmlns="" xmlns:a16="http://schemas.microsoft.com/office/drawing/2014/main" id="{161B54F7-70E6-4D81-9B81-95F87C13E69C}"/>
+                <a16:creationId xmlns:a16="http://schemas.microsoft.com/office/drawing/2014/main" id="{161B54F7-70E6-4D81-9B81-95F87C13E69C}"/>
               </a:ext>
             </a:extLst>
           </p:cNvPr>
@@ -4370,7 +4456,7 @@
           <p:cNvPr id="47" name="직사각형 46">
             <a:extLst>
               <a:ext uri="{FF2B5EF4-FFF2-40B4-BE49-F238E27FC236}">
-                <a16:creationId xmlns="" xmlns:a16="http://schemas.microsoft.com/office/drawing/2014/main" id="{CFB82AF5-0ED2-48B4-9759-E0E6360C3058}"/>
+                <a16:creationId xmlns:a16="http://schemas.microsoft.com/office/drawing/2014/main" id="{CFB82AF5-0ED2-48B4-9759-E0E6360C3058}"/>
               </a:ext>
             </a:extLst>
           </p:cNvPr>
@@ -4422,7 +4508,7 @@
           <p:cNvPr id="104" name="그룹 103">
             <a:extLst>
               <a:ext uri="{FF2B5EF4-FFF2-40B4-BE49-F238E27FC236}">
-                <a16:creationId xmlns="" xmlns:a16="http://schemas.microsoft.com/office/drawing/2014/main" id="{7CDB63C8-2D54-48F3-A1E8-DA2C6DF678EB}"/>
+                <a16:creationId xmlns:a16="http://schemas.microsoft.com/office/drawing/2014/main" id="{7CDB63C8-2D54-48F3-A1E8-DA2C6DF678EB}"/>
               </a:ext>
             </a:extLst>
           </p:cNvPr>
@@ -4442,7 +4528,7 @@
             <p:cNvPr id="51" name="직선 연결선 50">
               <a:extLst>
                 <a:ext uri="{FF2B5EF4-FFF2-40B4-BE49-F238E27FC236}">
-                  <a16:creationId xmlns="" xmlns:a16="http://schemas.microsoft.com/office/drawing/2014/main" id="{A1A239A0-3E17-4E6E-8DFB-0C9DF8897C8B}"/>
+                  <a16:creationId xmlns:a16="http://schemas.microsoft.com/office/drawing/2014/main" id="{A1A239A0-3E17-4E6E-8DFB-0C9DF8897C8B}"/>
                 </a:ext>
               </a:extLst>
             </p:cNvPr>
@@ -4479,7 +4565,7 @@
             <p:cNvPr id="53" name="직선 연결선 52">
               <a:extLst>
                 <a:ext uri="{FF2B5EF4-FFF2-40B4-BE49-F238E27FC236}">
-                  <a16:creationId xmlns="" xmlns:a16="http://schemas.microsoft.com/office/drawing/2014/main" id="{B71F8B1B-6E92-4E04-88C3-A022794D45A2}"/>
+                  <a16:creationId xmlns:a16="http://schemas.microsoft.com/office/drawing/2014/main" id="{B71F8B1B-6E92-4E04-88C3-A022794D45A2}"/>
                 </a:ext>
               </a:extLst>
             </p:cNvPr>
@@ -4516,7 +4602,7 @@
             <p:cNvPr id="54" name="직선 연결선 53">
               <a:extLst>
                 <a:ext uri="{FF2B5EF4-FFF2-40B4-BE49-F238E27FC236}">
-                  <a16:creationId xmlns="" xmlns:a16="http://schemas.microsoft.com/office/drawing/2014/main" id="{67CEC068-A928-4C23-B16C-D4340CE97D35}"/>
+                  <a16:creationId xmlns:a16="http://schemas.microsoft.com/office/drawing/2014/main" id="{67CEC068-A928-4C23-B16C-D4340CE97D35}"/>
                 </a:ext>
               </a:extLst>
             </p:cNvPr>
@@ -4554,7 +4640,7 @@
           <p:cNvPr id="105" name="그룹 104">
             <a:extLst>
               <a:ext uri="{FF2B5EF4-FFF2-40B4-BE49-F238E27FC236}">
-                <a16:creationId xmlns="" xmlns:a16="http://schemas.microsoft.com/office/drawing/2014/main" id="{D34CAF66-9D9F-427E-B4F3-0127E63D2A2F}"/>
+                <a16:creationId xmlns:a16="http://schemas.microsoft.com/office/drawing/2014/main" id="{D34CAF66-9D9F-427E-B4F3-0127E63D2A2F}"/>
               </a:ext>
             </a:extLst>
           </p:cNvPr>
@@ -4574,7 +4660,7 @@
             <p:cNvPr id="57" name="직선 연결선 56">
               <a:extLst>
                 <a:ext uri="{FF2B5EF4-FFF2-40B4-BE49-F238E27FC236}">
-                  <a16:creationId xmlns="" xmlns:a16="http://schemas.microsoft.com/office/drawing/2014/main" id="{5AB1E958-ED29-4DF2-8681-882B536CC374}"/>
+                  <a16:creationId xmlns:a16="http://schemas.microsoft.com/office/drawing/2014/main" id="{5AB1E958-ED29-4DF2-8681-882B536CC374}"/>
                 </a:ext>
               </a:extLst>
             </p:cNvPr>
@@ -4611,7 +4697,7 @@
             <p:cNvPr id="58" name="직선 연결선 57">
               <a:extLst>
                 <a:ext uri="{FF2B5EF4-FFF2-40B4-BE49-F238E27FC236}">
-                  <a16:creationId xmlns="" xmlns:a16="http://schemas.microsoft.com/office/drawing/2014/main" id="{6AE83ADE-53E5-4756-BA2E-6CA018C768AF}"/>
+                  <a16:creationId xmlns:a16="http://schemas.microsoft.com/office/drawing/2014/main" id="{6AE83ADE-53E5-4756-BA2E-6CA018C768AF}"/>
                 </a:ext>
               </a:extLst>
             </p:cNvPr>
@@ -4648,7 +4734,7 @@
             <p:cNvPr id="59" name="직선 연결선 58">
               <a:extLst>
                 <a:ext uri="{FF2B5EF4-FFF2-40B4-BE49-F238E27FC236}">
-                  <a16:creationId xmlns="" xmlns:a16="http://schemas.microsoft.com/office/drawing/2014/main" id="{819385EB-4AFE-46A6-A699-2C4951857B45}"/>
+                  <a16:creationId xmlns:a16="http://schemas.microsoft.com/office/drawing/2014/main" id="{819385EB-4AFE-46A6-A699-2C4951857B45}"/>
                 </a:ext>
               </a:extLst>
             </p:cNvPr>
@@ -4686,7 +4772,7 @@
           <p:cNvPr id="96" name="그룹 95">
             <a:extLst>
               <a:ext uri="{FF2B5EF4-FFF2-40B4-BE49-F238E27FC236}">
-                <a16:creationId xmlns="" xmlns:a16="http://schemas.microsoft.com/office/drawing/2014/main" id="{D01B6870-4305-4EE0-B282-8C6556262AD1}"/>
+                <a16:creationId xmlns:a16="http://schemas.microsoft.com/office/drawing/2014/main" id="{D01B6870-4305-4EE0-B282-8C6556262AD1}"/>
               </a:ext>
             </a:extLst>
           </p:cNvPr>
@@ -4706,7 +4792,7 @@
             <p:cNvPr id="60" name="TextBox 59">
               <a:extLst>
                 <a:ext uri="{FF2B5EF4-FFF2-40B4-BE49-F238E27FC236}">
-                  <a16:creationId xmlns="" xmlns:a16="http://schemas.microsoft.com/office/drawing/2014/main" id="{B488B835-14B8-49AD-BC7B-167DEF0D5798}"/>
+                  <a16:creationId xmlns:a16="http://schemas.microsoft.com/office/drawing/2014/main" id="{B488B835-14B8-49AD-BC7B-167DEF0D5798}"/>
                 </a:ext>
               </a:extLst>
             </p:cNvPr>
@@ -4742,7 +4828,7 @@
             <p:cNvPr id="61" name="TextBox 60">
               <a:extLst>
                 <a:ext uri="{FF2B5EF4-FFF2-40B4-BE49-F238E27FC236}">
-                  <a16:creationId xmlns="" xmlns:a16="http://schemas.microsoft.com/office/drawing/2014/main" id="{567D1B78-B287-4F76-AF49-F161B307ACED}"/>
+                  <a16:creationId xmlns:a16="http://schemas.microsoft.com/office/drawing/2014/main" id="{567D1B78-B287-4F76-AF49-F161B307ACED}"/>
                 </a:ext>
               </a:extLst>
             </p:cNvPr>
@@ -4778,7 +4864,7 @@
             <p:cNvPr id="62" name="TextBox 61">
               <a:extLst>
                 <a:ext uri="{FF2B5EF4-FFF2-40B4-BE49-F238E27FC236}">
-                  <a16:creationId xmlns="" xmlns:a16="http://schemas.microsoft.com/office/drawing/2014/main" id="{8275192D-EC60-4440-A851-900A26A0DFE3}"/>
+                  <a16:creationId xmlns:a16="http://schemas.microsoft.com/office/drawing/2014/main" id="{8275192D-EC60-4440-A851-900A26A0DFE3}"/>
                 </a:ext>
               </a:extLst>
             </p:cNvPr>
@@ -4814,7 +4900,7 @@
             <p:cNvPr id="63" name="TextBox 62">
               <a:extLst>
                 <a:ext uri="{FF2B5EF4-FFF2-40B4-BE49-F238E27FC236}">
-                  <a16:creationId xmlns="" xmlns:a16="http://schemas.microsoft.com/office/drawing/2014/main" id="{4ED1BC37-4B3D-49DE-B15B-EB31BF9AEF25}"/>
+                  <a16:creationId xmlns:a16="http://schemas.microsoft.com/office/drawing/2014/main" id="{4ED1BC37-4B3D-49DE-B15B-EB31BF9AEF25}"/>
                 </a:ext>
               </a:extLst>
             </p:cNvPr>
@@ -4850,7 +4936,7 @@
             <p:cNvPr id="64" name="TextBox 63">
               <a:extLst>
                 <a:ext uri="{FF2B5EF4-FFF2-40B4-BE49-F238E27FC236}">
-                  <a16:creationId xmlns="" xmlns:a16="http://schemas.microsoft.com/office/drawing/2014/main" id="{F3ECDABB-EB6E-412F-8804-7B5AA5D4D2B9}"/>
+                  <a16:creationId xmlns:a16="http://schemas.microsoft.com/office/drawing/2014/main" id="{F3ECDABB-EB6E-412F-8804-7B5AA5D4D2B9}"/>
                 </a:ext>
               </a:extLst>
             </p:cNvPr>
@@ -4887,7 +4973,7 @@
           <p:cNvPr id="114" name="그룹 113">
             <a:extLst>
               <a:ext uri="{FF2B5EF4-FFF2-40B4-BE49-F238E27FC236}">
-                <a16:creationId xmlns="" xmlns:a16="http://schemas.microsoft.com/office/drawing/2014/main" id="{7852C388-325C-4D8C-A6A7-AC7CE7F1D67A}"/>
+                <a16:creationId xmlns:a16="http://schemas.microsoft.com/office/drawing/2014/main" id="{7852C388-325C-4D8C-A6A7-AC7CE7F1D67A}"/>
               </a:ext>
             </a:extLst>
           </p:cNvPr>
@@ -4907,7 +4993,7 @@
             <p:cNvPr id="67" name="TextBox 66">
               <a:extLst>
                 <a:ext uri="{FF2B5EF4-FFF2-40B4-BE49-F238E27FC236}">
-                  <a16:creationId xmlns="" xmlns:a16="http://schemas.microsoft.com/office/drawing/2014/main" id="{BE51E14E-905D-4A88-8664-62AA4A4C447E}"/>
+                  <a16:creationId xmlns:a16="http://schemas.microsoft.com/office/drawing/2014/main" id="{BE51E14E-905D-4A88-8664-62AA4A4C447E}"/>
                 </a:ext>
               </a:extLst>
             </p:cNvPr>
@@ -4943,7 +5029,7 @@
             <p:cNvPr id="68" name="TextBox 67">
               <a:extLst>
                 <a:ext uri="{FF2B5EF4-FFF2-40B4-BE49-F238E27FC236}">
-                  <a16:creationId xmlns="" xmlns:a16="http://schemas.microsoft.com/office/drawing/2014/main" id="{EFF3631F-0C98-4F76-971E-16D87ECC2B10}"/>
+                  <a16:creationId xmlns:a16="http://schemas.microsoft.com/office/drawing/2014/main" id="{EFF3631F-0C98-4F76-971E-16D87ECC2B10}"/>
                 </a:ext>
               </a:extLst>
             </p:cNvPr>
@@ -4979,7 +5065,7 @@
             <p:cNvPr id="69" name="TextBox 68">
               <a:extLst>
                 <a:ext uri="{FF2B5EF4-FFF2-40B4-BE49-F238E27FC236}">
-                  <a16:creationId xmlns="" xmlns:a16="http://schemas.microsoft.com/office/drawing/2014/main" id="{885B879C-A594-45BA-8360-3759B9D1C12C}"/>
+                  <a16:creationId xmlns:a16="http://schemas.microsoft.com/office/drawing/2014/main" id="{885B879C-A594-45BA-8360-3759B9D1C12C}"/>
                 </a:ext>
               </a:extLst>
             </p:cNvPr>
@@ -5015,7 +5101,7 @@
             <p:cNvPr id="70" name="TextBox 69">
               <a:extLst>
                 <a:ext uri="{FF2B5EF4-FFF2-40B4-BE49-F238E27FC236}">
-                  <a16:creationId xmlns="" xmlns:a16="http://schemas.microsoft.com/office/drawing/2014/main" id="{3B4BF60F-F233-401A-BAE9-696AB12485B8}"/>
+                  <a16:creationId xmlns:a16="http://schemas.microsoft.com/office/drawing/2014/main" id="{3B4BF60F-F233-401A-BAE9-696AB12485B8}"/>
                 </a:ext>
               </a:extLst>
             </p:cNvPr>
@@ -5051,7 +5137,7 @@
             <p:cNvPr id="71" name="TextBox 70">
               <a:extLst>
                 <a:ext uri="{FF2B5EF4-FFF2-40B4-BE49-F238E27FC236}">
-                  <a16:creationId xmlns="" xmlns:a16="http://schemas.microsoft.com/office/drawing/2014/main" id="{84C6EBF2-7E64-4916-9B68-7A96938792A1}"/>
+                  <a16:creationId xmlns:a16="http://schemas.microsoft.com/office/drawing/2014/main" id="{84C6EBF2-7E64-4916-9B68-7A96938792A1}"/>
                 </a:ext>
               </a:extLst>
             </p:cNvPr>
@@ -5088,7 +5174,7 @@
           <p:cNvPr id="115" name="그룹 114">
             <a:extLst>
               <a:ext uri="{FF2B5EF4-FFF2-40B4-BE49-F238E27FC236}">
-                <a16:creationId xmlns="" xmlns:a16="http://schemas.microsoft.com/office/drawing/2014/main" id="{E94F3538-010A-4AA6-9570-F921A7BC3901}"/>
+                <a16:creationId xmlns:a16="http://schemas.microsoft.com/office/drawing/2014/main" id="{E94F3538-010A-4AA6-9570-F921A7BC3901}"/>
               </a:ext>
             </a:extLst>
           </p:cNvPr>
@@ -5108,7 +5194,7 @@
             <p:cNvPr id="73" name="TextBox 72">
               <a:extLst>
                 <a:ext uri="{FF2B5EF4-FFF2-40B4-BE49-F238E27FC236}">
-                  <a16:creationId xmlns="" xmlns:a16="http://schemas.microsoft.com/office/drawing/2014/main" id="{0719AB63-0F32-4C67-8071-E0A2BCB39A2F}"/>
+                  <a16:creationId xmlns:a16="http://schemas.microsoft.com/office/drawing/2014/main" id="{0719AB63-0F32-4C67-8071-E0A2BCB39A2F}"/>
                 </a:ext>
               </a:extLst>
             </p:cNvPr>
@@ -5144,7 +5230,7 @@
             <p:cNvPr id="74" name="TextBox 73">
               <a:extLst>
                 <a:ext uri="{FF2B5EF4-FFF2-40B4-BE49-F238E27FC236}">
-                  <a16:creationId xmlns="" xmlns:a16="http://schemas.microsoft.com/office/drawing/2014/main" id="{1740E21C-D753-4E32-821E-2E6FEFCE3327}"/>
+                  <a16:creationId xmlns:a16="http://schemas.microsoft.com/office/drawing/2014/main" id="{1740E21C-D753-4E32-821E-2E6FEFCE3327}"/>
                 </a:ext>
               </a:extLst>
             </p:cNvPr>
@@ -5180,7 +5266,7 @@
             <p:cNvPr id="75" name="TextBox 74">
               <a:extLst>
                 <a:ext uri="{FF2B5EF4-FFF2-40B4-BE49-F238E27FC236}">
-                  <a16:creationId xmlns="" xmlns:a16="http://schemas.microsoft.com/office/drawing/2014/main" id="{2B1A6F71-4B64-4E8B-83BE-5F54667FA285}"/>
+                  <a16:creationId xmlns:a16="http://schemas.microsoft.com/office/drawing/2014/main" id="{2B1A6F71-4B64-4E8B-83BE-5F54667FA285}"/>
                 </a:ext>
               </a:extLst>
             </p:cNvPr>
@@ -5216,7 +5302,7 @@
             <p:cNvPr id="76" name="TextBox 75">
               <a:extLst>
                 <a:ext uri="{FF2B5EF4-FFF2-40B4-BE49-F238E27FC236}">
-                  <a16:creationId xmlns="" xmlns:a16="http://schemas.microsoft.com/office/drawing/2014/main" id="{2253F3D7-FA9D-4B90-B153-78CB70F38704}"/>
+                  <a16:creationId xmlns:a16="http://schemas.microsoft.com/office/drawing/2014/main" id="{2253F3D7-FA9D-4B90-B153-78CB70F38704}"/>
                 </a:ext>
               </a:extLst>
             </p:cNvPr>
@@ -5252,7 +5338,7 @@
             <p:cNvPr id="77" name="TextBox 76">
               <a:extLst>
                 <a:ext uri="{FF2B5EF4-FFF2-40B4-BE49-F238E27FC236}">
-                  <a16:creationId xmlns="" xmlns:a16="http://schemas.microsoft.com/office/drawing/2014/main" id="{E3E51C1A-2490-4A25-AFD7-0C824757E450}"/>
+                  <a16:creationId xmlns:a16="http://schemas.microsoft.com/office/drawing/2014/main" id="{E3E51C1A-2490-4A25-AFD7-0C824757E450}"/>
                 </a:ext>
               </a:extLst>
             </p:cNvPr>
@@ -5289,7 +5375,7 @@
           <p:cNvPr id="116" name="그룹 115">
             <a:extLst>
               <a:ext uri="{FF2B5EF4-FFF2-40B4-BE49-F238E27FC236}">
-                <a16:creationId xmlns="" xmlns:a16="http://schemas.microsoft.com/office/drawing/2014/main" id="{625D9515-63A3-49D8-B611-9F1D8AA77525}"/>
+                <a16:creationId xmlns:a16="http://schemas.microsoft.com/office/drawing/2014/main" id="{625D9515-63A3-49D8-B611-9F1D8AA77525}"/>
               </a:ext>
             </a:extLst>
           </p:cNvPr>
@@ -5309,7 +5395,7 @@
             <p:cNvPr id="79" name="TextBox 78">
               <a:extLst>
                 <a:ext uri="{FF2B5EF4-FFF2-40B4-BE49-F238E27FC236}">
-                  <a16:creationId xmlns="" xmlns:a16="http://schemas.microsoft.com/office/drawing/2014/main" id="{491FE846-ABD0-46A0-A00F-01E8A32677FB}"/>
+                  <a16:creationId xmlns:a16="http://schemas.microsoft.com/office/drawing/2014/main" id="{491FE846-ABD0-46A0-A00F-01E8A32677FB}"/>
                 </a:ext>
               </a:extLst>
             </p:cNvPr>
@@ -5345,7 +5431,7 @@
             <p:cNvPr id="80" name="TextBox 79">
               <a:extLst>
                 <a:ext uri="{FF2B5EF4-FFF2-40B4-BE49-F238E27FC236}">
-                  <a16:creationId xmlns="" xmlns:a16="http://schemas.microsoft.com/office/drawing/2014/main" id="{2F715FC4-4108-4A9C-8964-129601A9FCA9}"/>
+                  <a16:creationId xmlns:a16="http://schemas.microsoft.com/office/drawing/2014/main" id="{2F715FC4-4108-4A9C-8964-129601A9FCA9}"/>
                 </a:ext>
               </a:extLst>
             </p:cNvPr>
@@ -5381,7 +5467,7 @@
             <p:cNvPr id="81" name="TextBox 80">
               <a:extLst>
                 <a:ext uri="{FF2B5EF4-FFF2-40B4-BE49-F238E27FC236}">
-                  <a16:creationId xmlns="" xmlns:a16="http://schemas.microsoft.com/office/drawing/2014/main" id="{E0C3188C-F65C-414D-B785-E1997524F7AF}"/>
+                  <a16:creationId xmlns:a16="http://schemas.microsoft.com/office/drawing/2014/main" id="{E0C3188C-F65C-414D-B785-E1997524F7AF}"/>
                 </a:ext>
               </a:extLst>
             </p:cNvPr>
@@ -5417,7 +5503,7 @@
             <p:cNvPr id="82" name="TextBox 81">
               <a:extLst>
                 <a:ext uri="{FF2B5EF4-FFF2-40B4-BE49-F238E27FC236}">
-                  <a16:creationId xmlns="" xmlns:a16="http://schemas.microsoft.com/office/drawing/2014/main" id="{C6A6E4E6-25B1-4E76-8DB6-92BAD323A70A}"/>
+                  <a16:creationId xmlns:a16="http://schemas.microsoft.com/office/drawing/2014/main" id="{C6A6E4E6-25B1-4E76-8DB6-92BAD323A70A}"/>
                 </a:ext>
               </a:extLst>
             </p:cNvPr>
@@ -5453,7 +5539,7 @@
             <p:cNvPr id="83" name="TextBox 82">
               <a:extLst>
                 <a:ext uri="{FF2B5EF4-FFF2-40B4-BE49-F238E27FC236}">
-                  <a16:creationId xmlns="" xmlns:a16="http://schemas.microsoft.com/office/drawing/2014/main" id="{011F198F-5EAD-4957-B18B-B5E295DD10D5}"/>
+                  <a16:creationId xmlns:a16="http://schemas.microsoft.com/office/drawing/2014/main" id="{011F198F-5EAD-4957-B18B-B5E295DD10D5}"/>
                 </a:ext>
               </a:extLst>
             </p:cNvPr>
@@ -5490,7 +5576,7 @@
           <p:cNvPr id="117" name="그룹 116">
             <a:extLst>
               <a:ext uri="{FF2B5EF4-FFF2-40B4-BE49-F238E27FC236}">
-                <a16:creationId xmlns="" xmlns:a16="http://schemas.microsoft.com/office/drawing/2014/main" id="{BCC5F310-8A68-472E-AE24-62D06259B93A}"/>
+                <a16:creationId xmlns:a16="http://schemas.microsoft.com/office/drawing/2014/main" id="{BCC5F310-8A68-472E-AE24-62D06259B93A}"/>
               </a:ext>
             </a:extLst>
           </p:cNvPr>
@@ -5510,7 +5596,7 @@
             <p:cNvPr id="85" name="TextBox 84">
               <a:extLst>
                 <a:ext uri="{FF2B5EF4-FFF2-40B4-BE49-F238E27FC236}">
-                  <a16:creationId xmlns="" xmlns:a16="http://schemas.microsoft.com/office/drawing/2014/main" id="{83939B7A-228D-492A-BD16-132C5975A580}"/>
+                  <a16:creationId xmlns:a16="http://schemas.microsoft.com/office/drawing/2014/main" id="{83939B7A-228D-492A-BD16-132C5975A580}"/>
                 </a:ext>
               </a:extLst>
             </p:cNvPr>
@@ -5546,7 +5632,7 @@
             <p:cNvPr id="86" name="TextBox 85">
               <a:extLst>
                 <a:ext uri="{FF2B5EF4-FFF2-40B4-BE49-F238E27FC236}">
-                  <a16:creationId xmlns="" xmlns:a16="http://schemas.microsoft.com/office/drawing/2014/main" id="{42ADFA00-3010-4558-9AC9-3D4FD4BA8D24}"/>
+                  <a16:creationId xmlns:a16="http://schemas.microsoft.com/office/drawing/2014/main" id="{42ADFA00-3010-4558-9AC9-3D4FD4BA8D24}"/>
                 </a:ext>
               </a:extLst>
             </p:cNvPr>
@@ -5582,7 +5668,7 @@
             <p:cNvPr id="87" name="TextBox 86">
               <a:extLst>
                 <a:ext uri="{FF2B5EF4-FFF2-40B4-BE49-F238E27FC236}">
-                  <a16:creationId xmlns="" xmlns:a16="http://schemas.microsoft.com/office/drawing/2014/main" id="{B0B15821-A446-47B9-BD5C-9A72870A3E66}"/>
+                  <a16:creationId xmlns:a16="http://schemas.microsoft.com/office/drawing/2014/main" id="{B0B15821-A446-47B9-BD5C-9A72870A3E66}"/>
                 </a:ext>
               </a:extLst>
             </p:cNvPr>
@@ -5618,7 +5704,7 @@
             <p:cNvPr id="88" name="TextBox 87">
               <a:extLst>
                 <a:ext uri="{FF2B5EF4-FFF2-40B4-BE49-F238E27FC236}">
-                  <a16:creationId xmlns="" xmlns:a16="http://schemas.microsoft.com/office/drawing/2014/main" id="{A0EC659D-854D-41D8-9D14-6ECD83413F6D}"/>
+                  <a16:creationId xmlns:a16="http://schemas.microsoft.com/office/drawing/2014/main" id="{A0EC659D-854D-41D8-9D14-6ECD83413F6D}"/>
                 </a:ext>
               </a:extLst>
             </p:cNvPr>
@@ -5654,7 +5740,7 @@
             <p:cNvPr id="89" name="TextBox 88">
               <a:extLst>
                 <a:ext uri="{FF2B5EF4-FFF2-40B4-BE49-F238E27FC236}">
-                  <a16:creationId xmlns="" xmlns:a16="http://schemas.microsoft.com/office/drawing/2014/main" id="{EDE6DD10-1709-47FB-90C4-BC27EEB99F36}"/>
+                  <a16:creationId xmlns:a16="http://schemas.microsoft.com/office/drawing/2014/main" id="{EDE6DD10-1709-47FB-90C4-BC27EEB99F36}"/>
                 </a:ext>
               </a:extLst>
             </p:cNvPr>
@@ -5691,7 +5777,7 @@
           <p:cNvPr id="91" name="화살표: 왼쪽/오른쪽 90">
             <a:extLst>
               <a:ext uri="{FF2B5EF4-FFF2-40B4-BE49-F238E27FC236}">
-                <a16:creationId xmlns="" xmlns:a16="http://schemas.microsoft.com/office/drawing/2014/main" id="{42C328BC-27F1-4CC1-81AA-FE556AD19F03}"/>
+                <a16:creationId xmlns:a16="http://schemas.microsoft.com/office/drawing/2014/main" id="{42C328BC-27F1-4CC1-81AA-FE556AD19F03}"/>
               </a:ext>
             </a:extLst>
           </p:cNvPr>
@@ -5745,7 +5831,7 @@
           <p:cNvPr id="235" name="그룹 234">
             <a:extLst>
               <a:ext uri="{FF2B5EF4-FFF2-40B4-BE49-F238E27FC236}">
-                <a16:creationId xmlns="" xmlns:a16="http://schemas.microsoft.com/office/drawing/2014/main" id="{D1B994E3-AB33-46C9-BAB3-1DCDD71EA857}"/>
+                <a16:creationId xmlns:a16="http://schemas.microsoft.com/office/drawing/2014/main" id="{D1B994E3-AB33-46C9-BAB3-1DCDD71EA857}"/>
               </a:ext>
             </a:extLst>
           </p:cNvPr>
@@ -5767,7 +5853,7 @@
                 <p:cNvPr id="118" name="TextBox 117">
                   <a:extLst>
                     <a:ext uri="{FF2B5EF4-FFF2-40B4-BE49-F238E27FC236}">
-                      <a16:creationId xmlns="" xmlns:a16="http://schemas.microsoft.com/office/drawing/2014/main" id="{6FE1340E-266C-4D65-A51C-01929FBD1968}"/>
+                      <a16:creationId xmlns:a16="http://schemas.microsoft.com/office/drawing/2014/main" id="{6FE1340E-266C-4D65-A51C-01929FBD1968}"/>
                     </a:ext>
                   </a:extLst>
                 </p:cNvPr>
@@ -5863,7 +5949,7 @@
                 <p:cNvPr id="120" name="TextBox 119">
                   <a:extLst>
                     <a:ext uri="{FF2B5EF4-FFF2-40B4-BE49-F238E27FC236}">
-                      <a16:creationId xmlns="" xmlns:a16="http://schemas.microsoft.com/office/drawing/2014/main" id="{210994FE-0708-46C1-A386-D472076EBB97}"/>
+                      <a16:creationId xmlns:a16="http://schemas.microsoft.com/office/drawing/2014/main" id="{210994FE-0708-46C1-A386-D472076EBB97}"/>
                     </a:ext>
                   </a:extLst>
                 </p:cNvPr>
@@ -5959,7 +6045,7 @@
                 <p:cNvPr id="121" name="TextBox 120">
                   <a:extLst>
                     <a:ext uri="{FF2B5EF4-FFF2-40B4-BE49-F238E27FC236}">
-                      <a16:creationId xmlns="" xmlns:a16="http://schemas.microsoft.com/office/drawing/2014/main" id="{C2ECF1D7-C777-4D83-A7E4-04ECD8C16826}"/>
+                      <a16:creationId xmlns:a16="http://schemas.microsoft.com/office/drawing/2014/main" id="{C2ECF1D7-C777-4D83-A7E4-04ECD8C16826}"/>
                     </a:ext>
                   </a:extLst>
                 </p:cNvPr>
@@ -6053,7 +6139,7 @@
             <p:cNvPr id="122" name="그룹 121">
               <a:extLst>
                 <a:ext uri="{FF2B5EF4-FFF2-40B4-BE49-F238E27FC236}">
-                  <a16:creationId xmlns="" xmlns:a16="http://schemas.microsoft.com/office/drawing/2014/main" id="{C780CD6E-23B8-4D1C-B9CA-A09CB2B44F1D}"/>
+                  <a16:creationId xmlns:a16="http://schemas.microsoft.com/office/drawing/2014/main" id="{C780CD6E-23B8-4D1C-B9CA-A09CB2B44F1D}"/>
                 </a:ext>
               </a:extLst>
             </p:cNvPr>
@@ -6073,7 +6159,7 @@
               <p:cNvPr id="123" name="TextBox 122">
                 <a:extLst>
                   <a:ext uri="{FF2B5EF4-FFF2-40B4-BE49-F238E27FC236}">
-                    <a16:creationId xmlns="" xmlns:a16="http://schemas.microsoft.com/office/drawing/2014/main" id="{DFC572D4-E01F-40E5-AC46-049B12B33C20}"/>
+                    <a16:creationId xmlns:a16="http://schemas.microsoft.com/office/drawing/2014/main" id="{DFC572D4-E01F-40E5-AC46-049B12B33C20}"/>
                   </a:ext>
                 </a:extLst>
               </p:cNvPr>
@@ -6109,7 +6195,7 @@
               <p:cNvPr id="124" name="TextBox 123">
                 <a:extLst>
                   <a:ext uri="{FF2B5EF4-FFF2-40B4-BE49-F238E27FC236}">
-                    <a16:creationId xmlns="" xmlns:a16="http://schemas.microsoft.com/office/drawing/2014/main" id="{61C0AC2D-D606-4216-B535-92C33F87F9AC}"/>
+                    <a16:creationId xmlns:a16="http://schemas.microsoft.com/office/drawing/2014/main" id="{61C0AC2D-D606-4216-B535-92C33F87F9AC}"/>
                   </a:ext>
                 </a:extLst>
               </p:cNvPr>
@@ -6145,7 +6231,7 @@
               <p:cNvPr id="125" name="TextBox 124">
                 <a:extLst>
                   <a:ext uri="{FF2B5EF4-FFF2-40B4-BE49-F238E27FC236}">
-                    <a16:creationId xmlns="" xmlns:a16="http://schemas.microsoft.com/office/drawing/2014/main" id="{94867A14-4D0C-4192-AA17-1AD8986327B2}"/>
+                    <a16:creationId xmlns:a16="http://schemas.microsoft.com/office/drawing/2014/main" id="{94867A14-4D0C-4192-AA17-1AD8986327B2}"/>
                   </a:ext>
                 </a:extLst>
               </p:cNvPr>
@@ -6181,7 +6267,7 @@
               <p:cNvPr id="126" name="TextBox 125">
                 <a:extLst>
                   <a:ext uri="{FF2B5EF4-FFF2-40B4-BE49-F238E27FC236}">
-                    <a16:creationId xmlns="" xmlns:a16="http://schemas.microsoft.com/office/drawing/2014/main" id="{32D36745-12B2-4C21-B85D-283E612F9BBF}"/>
+                    <a16:creationId xmlns:a16="http://schemas.microsoft.com/office/drawing/2014/main" id="{32D36745-12B2-4C21-B85D-283E612F9BBF}"/>
                   </a:ext>
                 </a:extLst>
               </p:cNvPr>
@@ -6217,7 +6303,7 @@
               <p:cNvPr id="127" name="TextBox 126">
                 <a:extLst>
                   <a:ext uri="{FF2B5EF4-FFF2-40B4-BE49-F238E27FC236}">
-                    <a16:creationId xmlns="" xmlns:a16="http://schemas.microsoft.com/office/drawing/2014/main" id="{072F5B5C-1D42-4301-8603-F16E8D544EE3}"/>
+                    <a16:creationId xmlns:a16="http://schemas.microsoft.com/office/drawing/2014/main" id="{072F5B5C-1D42-4301-8603-F16E8D544EE3}"/>
                   </a:ext>
                 </a:extLst>
               </p:cNvPr>
@@ -6254,7 +6340,7 @@
             <p:cNvPr id="128" name="그룹 127">
               <a:extLst>
                 <a:ext uri="{FF2B5EF4-FFF2-40B4-BE49-F238E27FC236}">
-                  <a16:creationId xmlns="" xmlns:a16="http://schemas.microsoft.com/office/drawing/2014/main" id="{E648A8FE-95F5-48F4-93C0-94DB5DE10CDC}"/>
+                  <a16:creationId xmlns:a16="http://schemas.microsoft.com/office/drawing/2014/main" id="{E648A8FE-95F5-48F4-93C0-94DB5DE10CDC}"/>
                 </a:ext>
               </a:extLst>
             </p:cNvPr>
@@ -6274,7 +6360,7 @@
               <p:cNvPr id="129" name="직선 연결선 128">
                 <a:extLst>
                   <a:ext uri="{FF2B5EF4-FFF2-40B4-BE49-F238E27FC236}">
-                    <a16:creationId xmlns="" xmlns:a16="http://schemas.microsoft.com/office/drawing/2014/main" id="{DFEFD585-A561-4C61-A065-F53C6A6E4294}"/>
+                    <a16:creationId xmlns:a16="http://schemas.microsoft.com/office/drawing/2014/main" id="{DFEFD585-A561-4C61-A065-F53C6A6E4294}"/>
                   </a:ext>
                 </a:extLst>
               </p:cNvPr>
@@ -6311,7 +6397,7 @@
               <p:cNvPr id="130" name="직선 연결선 129">
                 <a:extLst>
                   <a:ext uri="{FF2B5EF4-FFF2-40B4-BE49-F238E27FC236}">
-                    <a16:creationId xmlns="" xmlns:a16="http://schemas.microsoft.com/office/drawing/2014/main" id="{E093B3F3-7E4F-4ADD-93C4-13E3506C24E2}"/>
+                    <a16:creationId xmlns:a16="http://schemas.microsoft.com/office/drawing/2014/main" id="{E093B3F3-7E4F-4ADD-93C4-13E3506C24E2}"/>
                   </a:ext>
                 </a:extLst>
               </p:cNvPr>
@@ -6348,7 +6434,7 @@
               <p:cNvPr id="131" name="직선 연결선 130">
                 <a:extLst>
                   <a:ext uri="{FF2B5EF4-FFF2-40B4-BE49-F238E27FC236}">
-                    <a16:creationId xmlns="" xmlns:a16="http://schemas.microsoft.com/office/drawing/2014/main" id="{47A2FCDA-2274-4370-AC9F-85FB18B6A5C4}"/>
+                    <a16:creationId xmlns:a16="http://schemas.microsoft.com/office/drawing/2014/main" id="{47A2FCDA-2274-4370-AC9F-85FB18B6A5C4}"/>
                   </a:ext>
                 </a:extLst>
               </p:cNvPr>
@@ -6386,7 +6472,7 @@
             <p:cNvPr id="132" name="그룹 131">
               <a:extLst>
                 <a:ext uri="{FF2B5EF4-FFF2-40B4-BE49-F238E27FC236}">
-                  <a16:creationId xmlns="" xmlns:a16="http://schemas.microsoft.com/office/drawing/2014/main" id="{0FB6D474-3407-4D4E-9A58-E72B830D759F}"/>
+                  <a16:creationId xmlns:a16="http://schemas.microsoft.com/office/drawing/2014/main" id="{0FB6D474-3407-4D4E-9A58-E72B830D759F}"/>
                 </a:ext>
               </a:extLst>
             </p:cNvPr>
@@ -6406,7 +6492,7 @@
               <p:cNvPr id="133" name="직선 연결선 132">
                 <a:extLst>
                   <a:ext uri="{FF2B5EF4-FFF2-40B4-BE49-F238E27FC236}">
-                    <a16:creationId xmlns="" xmlns:a16="http://schemas.microsoft.com/office/drawing/2014/main" id="{3BECF82B-6358-478F-885C-8CF817CA1525}"/>
+                    <a16:creationId xmlns:a16="http://schemas.microsoft.com/office/drawing/2014/main" id="{3BECF82B-6358-478F-885C-8CF817CA1525}"/>
                   </a:ext>
                 </a:extLst>
               </p:cNvPr>
@@ -6443,7 +6529,7 @@
               <p:cNvPr id="134" name="직선 연결선 133">
                 <a:extLst>
                   <a:ext uri="{FF2B5EF4-FFF2-40B4-BE49-F238E27FC236}">
-                    <a16:creationId xmlns="" xmlns:a16="http://schemas.microsoft.com/office/drawing/2014/main" id="{B7C927B1-BA1B-4054-8D98-23BAE8529F41}"/>
+                    <a16:creationId xmlns:a16="http://schemas.microsoft.com/office/drawing/2014/main" id="{B7C927B1-BA1B-4054-8D98-23BAE8529F41}"/>
                   </a:ext>
                 </a:extLst>
               </p:cNvPr>
@@ -6480,7 +6566,7 @@
               <p:cNvPr id="135" name="직선 연결선 134">
                 <a:extLst>
                   <a:ext uri="{FF2B5EF4-FFF2-40B4-BE49-F238E27FC236}">
-                    <a16:creationId xmlns="" xmlns:a16="http://schemas.microsoft.com/office/drawing/2014/main" id="{3AAB4DBC-33B4-4F1B-84CF-13DBDD61862A}"/>
+                    <a16:creationId xmlns:a16="http://schemas.microsoft.com/office/drawing/2014/main" id="{3AAB4DBC-33B4-4F1B-84CF-13DBDD61862A}"/>
                   </a:ext>
                 </a:extLst>
               </p:cNvPr>
@@ -6518,7 +6604,7 @@
             <p:cNvPr id="136" name="직사각형 135">
               <a:extLst>
                 <a:ext uri="{FF2B5EF4-FFF2-40B4-BE49-F238E27FC236}">
-                  <a16:creationId xmlns="" xmlns:a16="http://schemas.microsoft.com/office/drawing/2014/main" id="{F32B3D64-D506-4E80-9EFE-3BD426EC6F1A}"/>
+                  <a16:creationId xmlns:a16="http://schemas.microsoft.com/office/drawing/2014/main" id="{F32B3D64-D506-4E80-9EFE-3BD426EC6F1A}"/>
                 </a:ext>
               </a:extLst>
             </p:cNvPr>
@@ -6571,7 +6657,7 @@
           <p:cNvPr id="176" name="그룹 175">
             <a:extLst>
               <a:ext uri="{FF2B5EF4-FFF2-40B4-BE49-F238E27FC236}">
-                <a16:creationId xmlns="" xmlns:a16="http://schemas.microsoft.com/office/drawing/2014/main" id="{A1477181-3F51-433A-BEE2-8754976F71F1}"/>
+                <a16:creationId xmlns:a16="http://schemas.microsoft.com/office/drawing/2014/main" id="{A1477181-3F51-433A-BEE2-8754976F71F1}"/>
               </a:ext>
             </a:extLst>
           </p:cNvPr>
@@ -6593,7 +6679,7 @@
                 <p:cNvPr id="140" name="TextBox 139">
                   <a:extLst>
                     <a:ext uri="{FF2B5EF4-FFF2-40B4-BE49-F238E27FC236}">
-                      <a16:creationId xmlns="" xmlns:a16="http://schemas.microsoft.com/office/drawing/2014/main" id="{7A4CC2A5-E147-471C-84FF-F6A34A071FA4}"/>
+                      <a16:creationId xmlns:a16="http://schemas.microsoft.com/office/drawing/2014/main" id="{7A4CC2A5-E147-471C-84FF-F6A34A071FA4}"/>
                     </a:ext>
                   </a:extLst>
                 </p:cNvPr>
@@ -6689,7 +6775,7 @@
                 <p:cNvPr id="141" name="TextBox 140">
                   <a:extLst>
                     <a:ext uri="{FF2B5EF4-FFF2-40B4-BE49-F238E27FC236}">
-                      <a16:creationId xmlns="" xmlns:a16="http://schemas.microsoft.com/office/drawing/2014/main" id="{410CB433-F2C9-42F9-951D-93F0E91F7B5D}"/>
+                      <a16:creationId xmlns:a16="http://schemas.microsoft.com/office/drawing/2014/main" id="{410CB433-F2C9-42F9-951D-93F0E91F7B5D}"/>
                     </a:ext>
                   </a:extLst>
                 </p:cNvPr>
@@ -6785,7 +6871,7 @@
                 <p:cNvPr id="142" name="TextBox 141">
                   <a:extLst>
                     <a:ext uri="{FF2B5EF4-FFF2-40B4-BE49-F238E27FC236}">
-                      <a16:creationId xmlns="" xmlns:a16="http://schemas.microsoft.com/office/drawing/2014/main" id="{0433A8B7-E265-411C-9E7B-7B27688E7BC6}"/>
+                      <a16:creationId xmlns:a16="http://schemas.microsoft.com/office/drawing/2014/main" id="{0433A8B7-E265-411C-9E7B-7B27688E7BC6}"/>
                     </a:ext>
                   </a:extLst>
                 </p:cNvPr>
@@ -6879,7 +6965,7 @@
             <p:cNvPr id="143" name="그룹 142">
               <a:extLst>
                 <a:ext uri="{FF2B5EF4-FFF2-40B4-BE49-F238E27FC236}">
-                  <a16:creationId xmlns="" xmlns:a16="http://schemas.microsoft.com/office/drawing/2014/main" id="{2BA1F672-9CD3-4F90-AEF1-31F5858A64FF}"/>
+                  <a16:creationId xmlns:a16="http://schemas.microsoft.com/office/drawing/2014/main" id="{2BA1F672-9CD3-4F90-AEF1-31F5858A64FF}"/>
                 </a:ext>
               </a:extLst>
             </p:cNvPr>
@@ -6899,7 +6985,7 @@
               <p:cNvPr id="144" name="TextBox 143">
                 <a:extLst>
                   <a:ext uri="{FF2B5EF4-FFF2-40B4-BE49-F238E27FC236}">
-                    <a16:creationId xmlns="" xmlns:a16="http://schemas.microsoft.com/office/drawing/2014/main" id="{E359E037-F09D-47C4-A106-99BBD9FDA6B0}"/>
+                    <a16:creationId xmlns:a16="http://schemas.microsoft.com/office/drawing/2014/main" id="{E359E037-F09D-47C4-A106-99BBD9FDA6B0}"/>
                   </a:ext>
                 </a:extLst>
               </p:cNvPr>
@@ -6935,7 +7021,7 @@
               <p:cNvPr id="145" name="TextBox 144">
                 <a:extLst>
                   <a:ext uri="{FF2B5EF4-FFF2-40B4-BE49-F238E27FC236}">
-                    <a16:creationId xmlns="" xmlns:a16="http://schemas.microsoft.com/office/drawing/2014/main" id="{748230A5-D255-4703-A8EA-8B2F3B3B3D94}"/>
+                    <a16:creationId xmlns:a16="http://schemas.microsoft.com/office/drawing/2014/main" id="{748230A5-D255-4703-A8EA-8B2F3B3B3D94}"/>
                   </a:ext>
                 </a:extLst>
               </p:cNvPr>
@@ -6971,7 +7057,7 @@
               <p:cNvPr id="146" name="TextBox 145">
                 <a:extLst>
                   <a:ext uri="{FF2B5EF4-FFF2-40B4-BE49-F238E27FC236}">
-                    <a16:creationId xmlns="" xmlns:a16="http://schemas.microsoft.com/office/drawing/2014/main" id="{AF657249-EE77-4BE8-A880-5D264AA9A252}"/>
+                    <a16:creationId xmlns:a16="http://schemas.microsoft.com/office/drawing/2014/main" id="{AF657249-EE77-4BE8-A880-5D264AA9A252}"/>
                   </a:ext>
                 </a:extLst>
               </p:cNvPr>
@@ -7007,7 +7093,7 @@
               <p:cNvPr id="147" name="TextBox 146">
                 <a:extLst>
                   <a:ext uri="{FF2B5EF4-FFF2-40B4-BE49-F238E27FC236}">
-                    <a16:creationId xmlns="" xmlns:a16="http://schemas.microsoft.com/office/drawing/2014/main" id="{A69CB3D8-FBC7-40A2-B507-A8D361E54723}"/>
+                    <a16:creationId xmlns:a16="http://schemas.microsoft.com/office/drawing/2014/main" id="{A69CB3D8-FBC7-40A2-B507-A8D361E54723}"/>
                   </a:ext>
                 </a:extLst>
               </p:cNvPr>
@@ -7043,7 +7129,7 @@
               <p:cNvPr id="148" name="TextBox 147">
                 <a:extLst>
                   <a:ext uri="{FF2B5EF4-FFF2-40B4-BE49-F238E27FC236}">
-                    <a16:creationId xmlns="" xmlns:a16="http://schemas.microsoft.com/office/drawing/2014/main" id="{57E1FC30-1150-4616-AB0F-ADBD6A3F4259}"/>
+                    <a16:creationId xmlns:a16="http://schemas.microsoft.com/office/drawing/2014/main" id="{57E1FC30-1150-4616-AB0F-ADBD6A3F4259}"/>
                   </a:ext>
                 </a:extLst>
               </p:cNvPr>
@@ -7080,7 +7166,7 @@
             <p:cNvPr id="149" name="그룹 148">
               <a:extLst>
                 <a:ext uri="{FF2B5EF4-FFF2-40B4-BE49-F238E27FC236}">
-                  <a16:creationId xmlns="" xmlns:a16="http://schemas.microsoft.com/office/drawing/2014/main" id="{A326513D-36B3-4B9F-872C-A3BA597E0044}"/>
+                  <a16:creationId xmlns:a16="http://schemas.microsoft.com/office/drawing/2014/main" id="{A326513D-36B3-4B9F-872C-A3BA597E0044}"/>
                 </a:ext>
               </a:extLst>
             </p:cNvPr>
@@ -7100,7 +7186,7 @@
               <p:cNvPr id="150" name="직선 연결선 149">
                 <a:extLst>
                   <a:ext uri="{FF2B5EF4-FFF2-40B4-BE49-F238E27FC236}">
-                    <a16:creationId xmlns="" xmlns:a16="http://schemas.microsoft.com/office/drawing/2014/main" id="{9BDD8409-4DA6-4D06-B39D-B377D1C834E6}"/>
+                    <a16:creationId xmlns:a16="http://schemas.microsoft.com/office/drawing/2014/main" id="{9BDD8409-4DA6-4D06-B39D-B377D1C834E6}"/>
                   </a:ext>
                 </a:extLst>
               </p:cNvPr>
@@ -7137,7 +7223,7 @@
               <p:cNvPr id="151" name="직선 연결선 150">
                 <a:extLst>
                   <a:ext uri="{FF2B5EF4-FFF2-40B4-BE49-F238E27FC236}">
-                    <a16:creationId xmlns="" xmlns:a16="http://schemas.microsoft.com/office/drawing/2014/main" id="{79E1C35D-0DA1-48A8-9232-E0D191EFFCDE}"/>
+                    <a16:creationId xmlns:a16="http://schemas.microsoft.com/office/drawing/2014/main" id="{79E1C35D-0DA1-48A8-9232-E0D191EFFCDE}"/>
                   </a:ext>
                 </a:extLst>
               </p:cNvPr>
@@ -7174,7 +7260,7 @@
               <p:cNvPr id="152" name="직선 연결선 151">
                 <a:extLst>
                   <a:ext uri="{FF2B5EF4-FFF2-40B4-BE49-F238E27FC236}">
-                    <a16:creationId xmlns="" xmlns:a16="http://schemas.microsoft.com/office/drawing/2014/main" id="{17EA9461-A4B0-4AFF-8766-103FBDD16571}"/>
+                    <a16:creationId xmlns:a16="http://schemas.microsoft.com/office/drawing/2014/main" id="{17EA9461-A4B0-4AFF-8766-103FBDD16571}"/>
                   </a:ext>
                 </a:extLst>
               </p:cNvPr>
@@ -7212,7 +7298,7 @@
             <p:cNvPr id="153" name="그룹 152">
               <a:extLst>
                 <a:ext uri="{FF2B5EF4-FFF2-40B4-BE49-F238E27FC236}">
-                  <a16:creationId xmlns="" xmlns:a16="http://schemas.microsoft.com/office/drawing/2014/main" id="{7D5C3A26-FDCE-458B-900A-112BEEC5DDDF}"/>
+                  <a16:creationId xmlns:a16="http://schemas.microsoft.com/office/drawing/2014/main" id="{7D5C3A26-FDCE-458B-900A-112BEEC5DDDF}"/>
                 </a:ext>
               </a:extLst>
             </p:cNvPr>
@@ -7232,7 +7318,7 @@
               <p:cNvPr id="154" name="직선 연결선 153">
                 <a:extLst>
                   <a:ext uri="{FF2B5EF4-FFF2-40B4-BE49-F238E27FC236}">
-                    <a16:creationId xmlns="" xmlns:a16="http://schemas.microsoft.com/office/drawing/2014/main" id="{F9D8567C-A988-4E8C-ABEB-C25ACFBF4C4D}"/>
+                    <a16:creationId xmlns:a16="http://schemas.microsoft.com/office/drawing/2014/main" id="{F9D8567C-A988-4E8C-ABEB-C25ACFBF4C4D}"/>
                   </a:ext>
                 </a:extLst>
               </p:cNvPr>
@@ -7269,7 +7355,7 @@
               <p:cNvPr id="155" name="직선 연결선 154">
                 <a:extLst>
                   <a:ext uri="{FF2B5EF4-FFF2-40B4-BE49-F238E27FC236}">
-                    <a16:creationId xmlns="" xmlns:a16="http://schemas.microsoft.com/office/drawing/2014/main" id="{596A3671-FD73-4051-8D0D-78508CAA0832}"/>
+                    <a16:creationId xmlns:a16="http://schemas.microsoft.com/office/drawing/2014/main" id="{596A3671-FD73-4051-8D0D-78508CAA0832}"/>
                   </a:ext>
                 </a:extLst>
               </p:cNvPr>
@@ -7306,7 +7392,7 @@
               <p:cNvPr id="156" name="직선 연결선 155">
                 <a:extLst>
                   <a:ext uri="{FF2B5EF4-FFF2-40B4-BE49-F238E27FC236}">
-                    <a16:creationId xmlns="" xmlns:a16="http://schemas.microsoft.com/office/drawing/2014/main" id="{9CC6710D-AE3E-42E6-B793-25988724753C}"/>
+                    <a16:creationId xmlns:a16="http://schemas.microsoft.com/office/drawing/2014/main" id="{9CC6710D-AE3E-42E6-B793-25988724753C}"/>
                   </a:ext>
                 </a:extLst>
               </p:cNvPr>
@@ -7344,7 +7430,7 @@
             <p:cNvPr id="157" name="직사각형 156">
               <a:extLst>
                 <a:ext uri="{FF2B5EF4-FFF2-40B4-BE49-F238E27FC236}">
-                  <a16:creationId xmlns="" xmlns:a16="http://schemas.microsoft.com/office/drawing/2014/main" id="{D14339D0-AEAD-4B14-9388-4B245569F81C}"/>
+                  <a16:creationId xmlns:a16="http://schemas.microsoft.com/office/drawing/2014/main" id="{D14339D0-AEAD-4B14-9388-4B245569F81C}"/>
                 </a:ext>
               </a:extLst>
             </p:cNvPr>
@@ -7397,7 +7483,7 @@
           <p:cNvPr id="196" name="그룹 195">
             <a:extLst>
               <a:ext uri="{FF2B5EF4-FFF2-40B4-BE49-F238E27FC236}">
-                <a16:creationId xmlns="" xmlns:a16="http://schemas.microsoft.com/office/drawing/2014/main" id="{91DE9A1E-ABE8-480D-8F41-F4D9326DFED2}"/>
+                <a16:creationId xmlns:a16="http://schemas.microsoft.com/office/drawing/2014/main" id="{91DE9A1E-ABE8-480D-8F41-F4D9326DFED2}"/>
               </a:ext>
             </a:extLst>
           </p:cNvPr>
@@ -7419,7 +7505,7 @@
                 <p:cNvPr id="178" name="TextBox 177">
                   <a:extLst>
                     <a:ext uri="{FF2B5EF4-FFF2-40B4-BE49-F238E27FC236}">
-                      <a16:creationId xmlns="" xmlns:a16="http://schemas.microsoft.com/office/drawing/2014/main" id="{34BCE373-436C-41D5-BDCB-5AB4944E9921}"/>
+                      <a16:creationId xmlns:a16="http://schemas.microsoft.com/office/drawing/2014/main" id="{34BCE373-436C-41D5-BDCB-5AB4944E9921}"/>
                     </a:ext>
                   </a:extLst>
                 </p:cNvPr>
@@ -7515,7 +7601,7 @@
                 <p:cNvPr id="179" name="TextBox 178">
                   <a:extLst>
                     <a:ext uri="{FF2B5EF4-FFF2-40B4-BE49-F238E27FC236}">
-                      <a16:creationId xmlns="" xmlns:a16="http://schemas.microsoft.com/office/drawing/2014/main" id="{09BC1ABE-E49B-4ED5-90DA-24D22F16B5A6}"/>
+                      <a16:creationId xmlns:a16="http://schemas.microsoft.com/office/drawing/2014/main" id="{09BC1ABE-E49B-4ED5-90DA-24D22F16B5A6}"/>
                     </a:ext>
                   </a:extLst>
                 </p:cNvPr>
@@ -7611,7 +7697,7 @@
                 <p:cNvPr id="180" name="TextBox 179">
                   <a:extLst>
                     <a:ext uri="{FF2B5EF4-FFF2-40B4-BE49-F238E27FC236}">
-                      <a16:creationId xmlns="" xmlns:a16="http://schemas.microsoft.com/office/drawing/2014/main" id="{2F10FB60-64E0-4668-9A87-2FBE4B7BBAAD}"/>
+                      <a16:creationId xmlns:a16="http://schemas.microsoft.com/office/drawing/2014/main" id="{2F10FB60-64E0-4668-9A87-2FBE4B7BBAAD}"/>
                     </a:ext>
                   </a:extLst>
                 </p:cNvPr>
@@ -7705,7 +7791,7 @@
             <p:cNvPr id="181" name="그룹 180">
               <a:extLst>
                 <a:ext uri="{FF2B5EF4-FFF2-40B4-BE49-F238E27FC236}">
-                  <a16:creationId xmlns="" xmlns:a16="http://schemas.microsoft.com/office/drawing/2014/main" id="{76C6F5E8-D04B-40AF-B850-7224A20D5EDB}"/>
+                  <a16:creationId xmlns:a16="http://schemas.microsoft.com/office/drawing/2014/main" id="{76C6F5E8-D04B-40AF-B850-7224A20D5EDB}"/>
                 </a:ext>
               </a:extLst>
             </p:cNvPr>
@@ -7725,7 +7811,7 @@
               <p:cNvPr id="191" name="TextBox 190">
                 <a:extLst>
                   <a:ext uri="{FF2B5EF4-FFF2-40B4-BE49-F238E27FC236}">
-                    <a16:creationId xmlns="" xmlns:a16="http://schemas.microsoft.com/office/drawing/2014/main" id="{4FF7BF3A-005C-464A-8887-DF891E7640B8}"/>
+                    <a16:creationId xmlns:a16="http://schemas.microsoft.com/office/drawing/2014/main" id="{4FF7BF3A-005C-464A-8887-DF891E7640B8}"/>
                   </a:ext>
                 </a:extLst>
               </p:cNvPr>
@@ -7761,7 +7847,7 @@
               <p:cNvPr id="192" name="TextBox 191">
                 <a:extLst>
                   <a:ext uri="{FF2B5EF4-FFF2-40B4-BE49-F238E27FC236}">
-                    <a16:creationId xmlns="" xmlns:a16="http://schemas.microsoft.com/office/drawing/2014/main" id="{E4BFE04A-4EA5-4769-BB48-90593C440BDC}"/>
+                    <a16:creationId xmlns:a16="http://schemas.microsoft.com/office/drawing/2014/main" id="{E4BFE04A-4EA5-4769-BB48-90593C440BDC}"/>
                   </a:ext>
                 </a:extLst>
               </p:cNvPr>
@@ -7797,7 +7883,7 @@
               <p:cNvPr id="193" name="TextBox 192">
                 <a:extLst>
                   <a:ext uri="{FF2B5EF4-FFF2-40B4-BE49-F238E27FC236}">
-                    <a16:creationId xmlns="" xmlns:a16="http://schemas.microsoft.com/office/drawing/2014/main" id="{F3C84539-5D4E-4E86-B2E7-9D81B126BBAF}"/>
+                    <a16:creationId xmlns:a16="http://schemas.microsoft.com/office/drawing/2014/main" id="{F3C84539-5D4E-4E86-B2E7-9D81B126BBAF}"/>
                   </a:ext>
                 </a:extLst>
               </p:cNvPr>
@@ -7833,7 +7919,7 @@
               <p:cNvPr id="194" name="TextBox 193">
                 <a:extLst>
                   <a:ext uri="{FF2B5EF4-FFF2-40B4-BE49-F238E27FC236}">
-                    <a16:creationId xmlns="" xmlns:a16="http://schemas.microsoft.com/office/drawing/2014/main" id="{C1F17F1A-7740-4362-8308-EDC81860A5BA}"/>
+                    <a16:creationId xmlns:a16="http://schemas.microsoft.com/office/drawing/2014/main" id="{C1F17F1A-7740-4362-8308-EDC81860A5BA}"/>
                   </a:ext>
                 </a:extLst>
               </p:cNvPr>
@@ -7869,7 +7955,7 @@
               <p:cNvPr id="195" name="TextBox 194">
                 <a:extLst>
                   <a:ext uri="{FF2B5EF4-FFF2-40B4-BE49-F238E27FC236}">
-                    <a16:creationId xmlns="" xmlns:a16="http://schemas.microsoft.com/office/drawing/2014/main" id="{6DC370A7-A552-4BFE-B7E0-A1C97728494E}"/>
+                    <a16:creationId xmlns:a16="http://schemas.microsoft.com/office/drawing/2014/main" id="{6DC370A7-A552-4BFE-B7E0-A1C97728494E}"/>
                   </a:ext>
                 </a:extLst>
               </p:cNvPr>
@@ -7906,7 +7992,7 @@
             <p:cNvPr id="182" name="그룹 181">
               <a:extLst>
                 <a:ext uri="{FF2B5EF4-FFF2-40B4-BE49-F238E27FC236}">
-                  <a16:creationId xmlns="" xmlns:a16="http://schemas.microsoft.com/office/drawing/2014/main" id="{9BBCFECF-276D-4ECD-BFA0-CF7F3DFD5262}"/>
+                  <a16:creationId xmlns:a16="http://schemas.microsoft.com/office/drawing/2014/main" id="{9BBCFECF-276D-4ECD-BFA0-CF7F3DFD5262}"/>
                 </a:ext>
               </a:extLst>
             </p:cNvPr>
@@ -7926,7 +8012,7 @@
               <p:cNvPr id="188" name="직선 연결선 187">
                 <a:extLst>
                   <a:ext uri="{FF2B5EF4-FFF2-40B4-BE49-F238E27FC236}">
-                    <a16:creationId xmlns="" xmlns:a16="http://schemas.microsoft.com/office/drawing/2014/main" id="{081215A8-258F-4F8F-B907-48DCE540CAF9}"/>
+                    <a16:creationId xmlns:a16="http://schemas.microsoft.com/office/drawing/2014/main" id="{081215A8-258F-4F8F-B907-48DCE540CAF9}"/>
                   </a:ext>
                 </a:extLst>
               </p:cNvPr>
@@ -7963,7 +8049,7 @@
               <p:cNvPr id="189" name="직선 연결선 188">
                 <a:extLst>
                   <a:ext uri="{FF2B5EF4-FFF2-40B4-BE49-F238E27FC236}">
-                    <a16:creationId xmlns="" xmlns:a16="http://schemas.microsoft.com/office/drawing/2014/main" id="{3BD2EC2A-E5F4-455E-8332-6BD88FB86887}"/>
+                    <a16:creationId xmlns:a16="http://schemas.microsoft.com/office/drawing/2014/main" id="{3BD2EC2A-E5F4-455E-8332-6BD88FB86887}"/>
                   </a:ext>
                 </a:extLst>
               </p:cNvPr>
@@ -8000,7 +8086,7 @@
               <p:cNvPr id="190" name="직선 연결선 189">
                 <a:extLst>
                   <a:ext uri="{FF2B5EF4-FFF2-40B4-BE49-F238E27FC236}">
-                    <a16:creationId xmlns="" xmlns:a16="http://schemas.microsoft.com/office/drawing/2014/main" id="{5B60AAF0-74CE-46B1-A96B-57F8A99BA3BB}"/>
+                    <a16:creationId xmlns:a16="http://schemas.microsoft.com/office/drawing/2014/main" id="{5B60AAF0-74CE-46B1-A96B-57F8A99BA3BB}"/>
                   </a:ext>
                 </a:extLst>
               </p:cNvPr>
@@ -8038,7 +8124,7 @@
             <p:cNvPr id="183" name="그룹 182">
               <a:extLst>
                 <a:ext uri="{FF2B5EF4-FFF2-40B4-BE49-F238E27FC236}">
-                  <a16:creationId xmlns="" xmlns:a16="http://schemas.microsoft.com/office/drawing/2014/main" id="{33E160BD-85E6-46F9-9CDF-C16AD86B4D16}"/>
+                  <a16:creationId xmlns:a16="http://schemas.microsoft.com/office/drawing/2014/main" id="{33E160BD-85E6-46F9-9CDF-C16AD86B4D16}"/>
                 </a:ext>
               </a:extLst>
             </p:cNvPr>
@@ -8058,7 +8144,7 @@
               <p:cNvPr id="185" name="직선 연결선 184">
                 <a:extLst>
                   <a:ext uri="{FF2B5EF4-FFF2-40B4-BE49-F238E27FC236}">
-                    <a16:creationId xmlns="" xmlns:a16="http://schemas.microsoft.com/office/drawing/2014/main" id="{69EFB300-A895-47E3-B9B7-4895314835CD}"/>
+                    <a16:creationId xmlns:a16="http://schemas.microsoft.com/office/drawing/2014/main" id="{69EFB300-A895-47E3-B9B7-4895314835CD}"/>
                   </a:ext>
                 </a:extLst>
               </p:cNvPr>
@@ -8095,7 +8181,7 @@
               <p:cNvPr id="186" name="직선 연결선 185">
                 <a:extLst>
                   <a:ext uri="{FF2B5EF4-FFF2-40B4-BE49-F238E27FC236}">
-                    <a16:creationId xmlns="" xmlns:a16="http://schemas.microsoft.com/office/drawing/2014/main" id="{A9E66D7F-1594-4C18-AC58-8FAFF2DDFC9F}"/>
+                    <a16:creationId xmlns:a16="http://schemas.microsoft.com/office/drawing/2014/main" id="{A9E66D7F-1594-4C18-AC58-8FAFF2DDFC9F}"/>
                   </a:ext>
                 </a:extLst>
               </p:cNvPr>
@@ -8132,7 +8218,7 @@
               <p:cNvPr id="187" name="직선 연결선 186">
                 <a:extLst>
                   <a:ext uri="{FF2B5EF4-FFF2-40B4-BE49-F238E27FC236}">
-                    <a16:creationId xmlns="" xmlns:a16="http://schemas.microsoft.com/office/drawing/2014/main" id="{D9592860-9FDC-4151-BC91-CD17FD5027E1}"/>
+                    <a16:creationId xmlns:a16="http://schemas.microsoft.com/office/drawing/2014/main" id="{D9592860-9FDC-4151-BC91-CD17FD5027E1}"/>
                   </a:ext>
                 </a:extLst>
               </p:cNvPr>
@@ -8170,7 +8256,7 @@
             <p:cNvPr id="184" name="직사각형 183">
               <a:extLst>
                 <a:ext uri="{FF2B5EF4-FFF2-40B4-BE49-F238E27FC236}">
-                  <a16:creationId xmlns="" xmlns:a16="http://schemas.microsoft.com/office/drawing/2014/main" id="{40C3BAA4-A43D-4C54-8476-C00104EE3043}"/>
+                  <a16:creationId xmlns:a16="http://schemas.microsoft.com/office/drawing/2014/main" id="{40C3BAA4-A43D-4C54-8476-C00104EE3043}"/>
                 </a:ext>
               </a:extLst>
             </p:cNvPr>
@@ -8223,7 +8309,7 @@
           <p:cNvPr id="236" name="그룹 235">
             <a:extLst>
               <a:ext uri="{FF2B5EF4-FFF2-40B4-BE49-F238E27FC236}">
-                <a16:creationId xmlns="" xmlns:a16="http://schemas.microsoft.com/office/drawing/2014/main" id="{C870881B-27E3-4018-9654-245E2280F9E0}"/>
+                <a16:creationId xmlns:a16="http://schemas.microsoft.com/office/drawing/2014/main" id="{C870881B-27E3-4018-9654-245E2280F9E0}"/>
               </a:ext>
             </a:extLst>
           </p:cNvPr>
@@ -8245,7 +8331,7 @@
                 <p:cNvPr id="197" name="TextBox 196">
                   <a:extLst>
                     <a:ext uri="{FF2B5EF4-FFF2-40B4-BE49-F238E27FC236}">
-                      <a16:creationId xmlns="" xmlns:a16="http://schemas.microsoft.com/office/drawing/2014/main" id="{83585CF3-74F2-4044-B665-CF259A3A3A1F}"/>
+                      <a16:creationId xmlns:a16="http://schemas.microsoft.com/office/drawing/2014/main" id="{83585CF3-74F2-4044-B665-CF259A3A3A1F}"/>
                     </a:ext>
                   </a:extLst>
                 </p:cNvPr>
@@ -8341,7 +8427,7 @@
                 <p:cNvPr id="198" name="TextBox 197">
                   <a:extLst>
                     <a:ext uri="{FF2B5EF4-FFF2-40B4-BE49-F238E27FC236}">
-                      <a16:creationId xmlns="" xmlns:a16="http://schemas.microsoft.com/office/drawing/2014/main" id="{6D5C6C66-E137-40F3-B6C6-AB9C90DE9EB5}"/>
+                      <a16:creationId xmlns:a16="http://schemas.microsoft.com/office/drawing/2014/main" id="{6D5C6C66-E137-40F3-B6C6-AB9C90DE9EB5}"/>
                     </a:ext>
                   </a:extLst>
                 </p:cNvPr>
@@ -8437,7 +8523,7 @@
                 <p:cNvPr id="199" name="TextBox 198">
                   <a:extLst>
                     <a:ext uri="{FF2B5EF4-FFF2-40B4-BE49-F238E27FC236}">
-                      <a16:creationId xmlns="" xmlns:a16="http://schemas.microsoft.com/office/drawing/2014/main" id="{67E78FD3-44D5-4074-8EA9-0D2FF619B46C}"/>
+                      <a16:creationId xmlns:a16="http://schemas.microsoft.com/office/drawing/2014/main" id="{67E78FD3-44D5-4074-8EA9-0D2FF619B46C}"/>
                     </a:ext>
                   </a:extLst>
                 </p:cNvPr>
@@ -8531,7 +8617,7 @@
             <p:cNvPr id="200" name="그룹 199">
               <a:extLst>
                 <a:ext uri="{FF2B5EF4-FFF2-40B4-BE49-F238E27FC236}">
-                  <a16:creationId xmlns="" xmlns:a16="http://schemas.microsoft.com/office/drawing/2014/main" id="{B075ECB1-5931-4EB2-BB5E-59EA4E72BDAA}"/>
+                  <a16:creationId xmlns:a16="http://schemas.microsoft.com/office/drawing/2014/main" id="{B075ECB1-5931-4EB2-BB5E-59EA4E72BDAA}"/>
                 </a:ext>
               </a:extLst>
             </p:cNvPr>
@@ -8551,7 +8637,7 @@
               <p:cNvPr id="201" name="TextBox 200">
                 <a:extLst>
                   <a:ext uri="{FF2B5EF4-FFF2-40B4-BE49-F238E27FC236}">
-                    <a16:creationId xmlns="" xmlns:a16="http://schemas.microsoft.com/office/drawing/2014/main" id="{F84F99B4-1B25-452F-82D4-7FE0388A4A76}"/>
+                    <a16:creationId xmlns:a16="http://schemas.microsoft.com/office/drawing/2014/main" id="{F84F99B4-1B25-452F-82D4-7FE0388A4A76}"/>
                   </a:ext>
                 </a:extLst>
               </p:cNvPr>
@@ -8587,7 +8673,7 @@
               <p:cNvPr id="202" name="TextBox 201">
                 <a:extLst>
                   <a:ext uri="{FF2B5EF4-FFF2-40B4-BE49-F238E27FC236}">
-                    <a16:creationId xmlns="" xmlns:a16="http://schemas.microsoft.com/office/drawing/2014/main" id="{94AD9141-72CD-4AC7-8E52-8CED4A7E3B23}"/>
+                    <a16:creationId xmlns:a16="http://schemas.microsoft.com/office/drawing/2014/main" id="{94AD9141-72CD-4AC7-8E52-8CED4A7E3B23}"/>
                   </a:ext>
                 </a:extLst>
               </p:cNvPr>
@@ -8623,7 +8709,7 @@
               <p:cNvPr id="203" name="TextBox 202">
                 <a:extLst>
                   <a:ext uri="{FF2B5EF4-FFF2-40B4-BE49-F238E27FC236}">
-                    <a16:creationId xmlns="" xmlns:a16="http://schemas.microsoft.com/office/drawing/2014/main" id="{A06952DA-CAB5-49B2-9FEA-31EE97FF24B4}"/>
+                    <a16:creationId xmlns:a16="http://schemas.microsoft.com/office/drawing/2014/main" id="{A06952DA-CAB5-49B2-9FEA-31EE97FF24B4}"/>
                   </a:ext>
                 </a:extLst>
               </p:cNvPr>
@@ -8659,7 +8745,7 @@
               <p:cNvPr id="204" name="TextBox 203">
                 <a:extLst>
                   <a:ext uri="{FF2B5EF4-FFF2-40B4-BE49-F238E27FC236}">
-                    <a16:creationId xmlns="" xmlns:a16="http://schemas.microsoft.com/office/drawing/2014/main" id="{37E7D89F-1267-402D-AB9E-5239513D0BAA}"/>
+                    <a16:creationId xmlns:a16="http://schemas.microsoft.com/office/drawing/2014/main" id="{37E7D89F-1267-402D-AB9E-5239513D0BAA}"/>
                   </a:ext>
                 </a:extLst>
               </p:cNvPr>
@@ -8695,7 +8781,7 @@
               <p:cNvPr id="205" name="TextBox 204">
                 <a:extLst>
                   <a:ext uri="{FF2B5EF4-FFF2-40B4-BE49-F238E27FC236}">
-                    <a16:creationId xmlns="" xmlns:a16="http://schemas.microsoft.com/office/drawing/2014/main" id="{3113BEA6-24DB-4BC6-B06A-47CFA478018B}"/>
+                    <a16:creationId xmlns:a16="http://schemas.microsoft.com/office/drawing/2014/main" id="{3113BEA6-24DB-4BC6-B06A-47CFA478018B}"/>
                   </a:ext>
                 </a:extLst>
               </p:cNvPr>
@@ -8732,7 +8818,7 @@
             <p:cNvPr id="206" name="그룹 205">
               <a:extLst>
                 <a:ext uri="{FF2B5EF4-FFF2-40B4-BE49-F238E27FC236}">
-                  <a16:creationId xmlns="" xmlns:a16="http://schemas.microsoft.com/office/drawing/2014/main" id="{036FA02D-B5A3-4A4B-A681-B20E3ADAE2C6}"/>
+                  <a16:creationId xmlns:a16="http://schemas.microsoft.com/office/drawing/2014/main" id="{036FA02D-B5A3-4A4B-A681-B20E3ADAE2C6}"/>
                 </a:ext>
               </a:extLst>
             </p:cNvPr>
@@ -8752,7 +8838,7 @@
               <p:cNvPr id="207" name="직선 연결선 206">
                 <a:extLst>
                   <a:ext uri="{FF2B5EF4-FFF2-40B4-BE49-F238E27FC236}">
-                    <a16:creationId xmlns="" xmlns:a16="http://schemas.microsoft.com/office/drawing/2014/main" id="{0FE3FFCE-E11E-4CC0-AD2C-C1D1E3F53897}"/>
+                    <a16:creationId xmlns:a16="http://schemas.microsoft.com/office/drawing/2014/main" id="{0FE3FFCE-E11E-4CC0-AD2C-C1D1E3F53897}"/>
                   </a:ext>
                 </a:extLst>
               </p:cNvPr>
@@ -8789,7 +8875,7 @@
               <p:cNvPr id="208" name="직선 연결선 207">
                 <a:extLst>
                   <a:ext uri="{FF2B5EF4-FFF2-40B4-BE49-F238E27FC236}">
-                    <a16:creationId xmlns="" xmlns:a16="http://schemas.microsoft.com/office/drawing/2014/main" id="{7D302ABE-1456-401D-84DE-0D0185C86379}"/>
+                    <a16:creationId xmlns:a16="http://schemas.microsoft.com/office/drawing/2014/main" id="{7D302ABE-1456-401D-84DE-0D0185C86379}"/>
                   </a:ext>
                 </a:extLst>
               </p:cNvPr>
@@ -8826,7 +8912,7 @@
               <p:cNvPr id="209" name="직선 연결선 208">
                 <a:extLst>
                   <a:ext uri="{FF2B5EF4-FFF2-40B4-BE49-F238E27FC236}">
-                    <a16:creationId xmlns="" xmlns:a16="http://schemas.microsoft.com/office/drawing/2014/main" id="{CF6BB88F-FEC7-4678-AA22-1052153DABAA}"/>
+                    <a16:creationId xmlns:a16="http://schemas.microsoft.com/office/drawing/2014/main" id="{CF6BB88F-FEC7-4678-AA22-1052153DABAA}"/>
                   </a:ext>
                 </a:extLst>
               </p:cNvPr>
@@ -8864,7 +8950,7 @@
             <p:cNvPr id="210" name="그룹 209">
               <a:extLst>
                 <a:ext uri="{FF2B5EF4-FFF2-40B4-BE49-F238E27FC236}">
-                  <a16:creationId xmlns="" xmlns:a16="http://schemas.microsoft.com/office/drawing/2014/main" id="{0FAF4110-98F8-4413-8D65-608F9A0425E9}"/>
+                  <a16:creationId xmlns:a16="http://schemas.microsoft.com/office/drawing/2014/main" id="{0FAF4110-98F8-4413-8D65-608F9A0425E9}"/>
                 </a:ext>
               </a:extLst>
             </p:cNvPr>
@@ -8884,7 +8970,7 @@
               <p:cNvPr id="211" name="직선 연결선 210">
                 <a:extLst>
                   <a:ext uri="{FF2B5EF4-FFF2-40B4-BE49-F238E27FC236}">
-                    <a16:creationId xmlns="" xmlns:a16="http://schemas.microsoft.com/office/drawing/2014/main" id="{3CAFB27D-337A-46F7-B11C-E4AF53D6348D}"/>
+                    <a16:creationId xmlns:a16="http://schemas.microsoft.com/office/drawing/2014/main" id="{3CAFB27D-337A-46F7-B11C-E4AF53D6348D}"/>
                   </a:ext>
                 </a:extLst>
               </p:cNvPr>
@@ -8921,7 +9007,7 @@
               <p:cNvPr id="212" name="직선 연결선 211">
                 <a:extLst>
                   <a:ext uri="{FF2B5EF4-FFF2-40B4-BE49-F238E27FC236}">
-                    <a16:creationId xmlns="" xmlns:a16="http://schemas.microsoft.com/office/drawing/2014/main" id="{391DB6FA-D938-47F4-8B15-EF096C7D3A7D}"/>
+                    <a16:creationId xmlns:a16="http://schemas.microsoft.com/office/drawing/2014/main" id="{391DB6FA-D938-47F4-8B15-EF096C7D3A7D}"/>
                   </a:ext>
                 </a:extLst>
               </p:cNvPr>
@@ -8958,7 +9044,7 @@
               <p:cNvPr id="213" name="직선 연결선 212">
                 <a:extLst>
                   <a:ext uri="{FF2B5EF4-FFF2-40B4-BE49-F238E27FC236}">
-                    <a16:creationId xmlns="" xmlns:a16="http://schemas.microsoft.com/office/drawing/2014/main" id="{95E0D726-63D1-4A70-B105-E3A1795133DE}"/>
+                    <a16:creationId xmlns:a16="http://schemas.microsoft.com/office/drawing/2014/main" id="{95E0D726-63D1-4A70-B105-E3A1795133DE}"/>
                   </a:ext>
                 </a:extLst>
               </p:cNvPr>
@@ -8996,7 +9082,7 @@
             <p:cNvPr id="214" name="직사각형 213">
               <a:extLst>
                 <a:ext uri="{FF2B5EF4-FFF2-40B4-BE49-F238E27FC236}">
-                  <a16:creationId xmlns="" xmlns:a16="http://schemas.microsoft.com/office/drawing/2014/main" id="{4D821294-A814-4DD4-8DBC-8CFAE6E27A3A}"/>
+                  <a16:creationId xmlns:a16="http://schemas.microsoft.com/office/drawing/2014/main" id="{4D821294-A814-4DD4-8DBC-8CFAE6E27A3A}"/>
                 </a:ext>
               </a:extLst>
             </p:cNvPr>
@@ -9049,7 +9135,7 @@
           <p:cNvPr id="216" name="그룹 215">
             <a:extLst>
               <a:ext uri="{FF2B5EF4-FFF2-40B4-BE49-F238E27FC236}">
-                <a16:creationId xmlns="" xmlns:a16="http://schemas.microsoft.com/office/drawing/2014/main" id="{76665929-34B2-4D81-B61E-D8524357B26A}"/>
+                <a16:creationId xmlns:a16="http://schemas.microsoft.com/office/drawing/2014/main" id="{76665929-34B2-4D81-B61E-D8524357B26A}"/>
               </a:ext>
             </a:extLst>
           </p:cNvPr>
@@ -9071,7 +9157,7 @@
                 <p:cNvPr id="217" name="TextBox 216">
                   <a:extLst>
                     <a:ext uri="{FF2B5EF4-FFF2-40B4-BE49-F238E27FC236}">
-                      <a16:creationId xmlns="" xmlns:a16="http://schemas.microsoft.com/office/drawing/2014/main" id="{DB3EEFEE-8C09-4C54-9D81-DEB0609310E3}"/>
+                      <a16:creationId xmlns:a16="http://schemas.microsoft.com/office/drawing/2014/main" id="{DB3EEFEE-8C09-4C54-9D81-DEB0609310E3}"/>
                     </a:ext>
                   </a:extLst>
                 </p:cNvPr>
@@ -9167,7 +9253,7 @@
                 <p:cNvPr id="218" name="TextBox 217">
                   <a:extLst>
                     <a:ext uri="{FF2B5EF4-FFF2-40B4-BE49-F238E27FC236}">
-                      <a16:creationId xmlns="" xmlns:a16="http://schemas.microsoft.com/office/drawing/2014/main" id="{34469F69-6CA2-43E6-99B8-CE4180D72D93}"/>
+                      <a16:creationId xmlns:a16="http://schemas.microsoft.com/office/drawing/2014/main" id="{34469F69-6CA2-43E6-99B8-CE4180D72D93}"/>
                     </a:ext>
                   </a:extLst>
                 </p:cNvPr>
@@ -9263,7 +9349,7 @@
                 <p:cNvPr id="219" name="TextBox 218">
                   <a:extLst>
                     <a:ext uri="{FF2B5EF4-FFF2-40B4-BE49-F238E27FC236}">
-                      <a16:creationId xmlns="" xmlns:a16="http://schemas.microsoft.com/office/drawing/2014/main" id="{AE0E9E3B-D269-4128-8AB6-5D89BE5A5940}"/>
+                      <a16:creationId xmlns:a16="http://schemas.microsoft.com/office/drawing/2014/main" id="{AE0E9E3B-D269-4128-8AB6-5D89BE5A5940}"/>
                     </a:ext>
                   </a:extLst>
                 </p:cNvPr>
@@ -9357,7 +9443,7 @@
             <p:cNvPr id="220" name="그룹 219">
               <a:extLst>
                 <a:ext uri="{FF2B5EF4-FFF2-40B4-BE49-F238E27FC236}">
-                  <a16:creationId xmlns="" xmlns:a16="http://schemas.microsoft.com/office/drawing/2014/main" id="{3C991B61-A90D-46C5-809C-ED000F59BBC2}"/>
+                  <a16:creationId xmlns:a16="http://schemas.microsoft.com/office/drawing/2014/main" id="{3C991B61-A90D-46C5-809C-ED000F59BBC2}"/>
                 </a:ext>
               </a:extLst>
             </p:cNvPr>
@@ -9377,7 +9463,7 @@
               <p:cNvPr id="230" name="TextBox 229">
                 <a:extLst>
                   <a:ext uri="{FF2B5EF4-FFF2-40B4-BE49-F238E27FC236}">
-                    <a16:creationId xmlns="" xmlns:a16="http://schemas.microsoft.com/office/drawing/2014/main" id="{AA535EC7-E21A-48EE-AEE6-909F64A9A90C}"/>
+                    <a16:creationId xmlns:a16="http://schemas.microsoft.com/office/drawing/2014/main" id="{AA535EC7-E21A-48EE-AEE6-909F64A9A90C}"/>
                   </a:ext>
                 </a:extLst>
               </p:cNvPr>
@@ -9413,7 +9499,7 @@
               <p:cNvPr id="231" name="TextBox 230">
                 <a:extLst>
                   <a:ext uri="{FF2B5EF4-FFF2-40B4-BE49-F238E27FC236}">
-                    <a16:creationId xmlns="" xmlns:a16="http://schemas.microsoft.com/office/drawing/2014/main" id="{870017CD-89D3-4BE1-8C11-74F52F92C169}"/>
+                    <a16:creationId xmlns:a16="http://schemas.microsoft.com/office/drawing/2014/main" id="{870017CD-89D3-4BE1-8C11-74F52F92C169}"/>
                   </a:ext>
                 </a:extLst>
               </p:cNvPr>
@@ -9449,7 +9535,7 @@
               <p:cNvPr id="232" name="TextBox 231">
                 <a:extLst>
                   <a:ext uri="{FF2B5EF4-FFF2-40B4-BE49-F238E27FC236}">
-                    <a16:creationId xmlns="" xmlns:a16="http://schemas.microsoft.com/office/drawing/2014/main" id="{1ADF1C3C-BF1F-4339-A4FB-0529EED3CE33}"/>
+                    <a16:creationId xmlns:a16="http://schemas.microsoft.com/office/drawing/2014/main" id="{1ADF1C3C-BF1F-4339-A4FB-0529EED3CE33}"/>
                   </a:ext>
                 </a:extLst>
               </p:cNvPr>
@@ -9485,7 +9571,7 @@
               <p:cNvPr id="233" name="TextBox 232">
                 <a:extLst>
                   <a:ext uri="{FF2B5EF4-FFF2-40B4-BE49-F238E27FC236}">
-                    <a16:creationId xmlns="" xmlns:a16="http://schemas.microsoft.com/office/drawing/2014/main" id="{4AB5038C-EC11-406D-A8C0-5EDB274721B1}"/>
+                    <a16:creationId xmlns:a16="http://schemas.microsoft.com/office/drawing/2014/main" id="{4AB5038C-EC11-406D-A8C0-5EDB274721B1}"/>
                   </a:ext>
                 </a:extLst>
               </p:cNvPr>
@@ -9521,7 +9607,7 @@
               <p:cNvPr id="234" name="TextBox 233">
                 <a:extLst>
                   <a:ext uri="{FF2B5EF4-FFF2-40B4-BE49-F238E27FC236}">
-                    <a16:creationId xmlns="" xmlns:a16="http://schemas.microsoft.com/office/drawing/2014/main" id="{BC918C86-31CC-41C4-8A72-14DB14F67D9E}"/>
+                    <a16:creationId xmlns:a16="http://schemas.microsoft.com/office/drawing/2014/main" id="{BC918C86-31CC-41C4-8A72-14DB14F67D9E}"/>
                   </a:ext>
                 </a:extLst>
               </p:cNvPr>
@@ -9558,7 +9644,7 @@
             <p:cNvPr id="221" name="그룹 220">
               <a:extLst>
                 <a:ext uri="{FF2B5EF4-FFF2-40B4-BE49-F238E27FC236}">
-                  <a16:creationId xmlns="" xmlns:a16="http://schemas.microsoft.com/office/drawing/2014/main" id="{DE733F1D-7A99-4BB1-A615-75089CA0CDE1}"/>
+                  <a16:creationId xmlns:a16="http://schemas.microsoft.com/office/drawing/2014/main" id="{DE733F1D-7A99-4BB1-A615-75089CA0CDE1}"/>
                 </a:ext>
               </a:extLst>
             </p:cNvPr>
@@ -9578,7 +9664,7 @@
               <p:cNvPr id="227" name="직선 연결선 226">
                 <a:extLst>
                   <a:ext uri="{FF2B5EF4-FFF2-40B4-BE49-F238E27FC236}">
-                    <a16:creationId xmlns="" xmlns:a16="http://schemas.microsoft.com/office/drawing/2014/main" id="{7141BF2C-F3E1-4C13-9184-E66CC105C8CA}"/>
+                    <a16:creationId xmlns:a16="http://schemas.microsoft.com/office/drawing/2014/main" id="{7141BF2C-F3E1-4C13-9184-E66CC105C8CA}"/>
                   </a:ext>
                 </a:extLst>
               </p:cNvPr>
@@ -9615,7 +9701,7 @@
               <p:cNvPr id="228" name="직선 연결선 227">
                 <a:extLst>
                   <a:ext uri="{FF2B5EF4-FFF2-40B4-BE49-F238E27FC236}">
-                    <a16:creationId xmlns="" xmlns:a16="http://schemas.microsoft.com/office/drawing/2014/main" id="{7AF2A51D-34E9-4C03-84FC-2149D75A4C57}"/>
+                    <a16:creationId xmlns:a16="http://schemas.microsoft.com/office/drawing/2014/main" id="{7AF2A51D-34E9-4C03-84FC-2149D75A4C57}"/>
                   </a:ext>
                 </a:extLst>
               </p:cNvPr>
@@ -9652,7 +9738,7 @@
               <p:cNvPr id="229" name="직선 연결선 228">
                 <a:extLst>
                   <a:ext uri="{FF2B5EF4-FFF2-40B4-BE49-F238E27FC236}">
-                    <a16:creationId xmlns="" xmlns:a16="http://schemas.microsoft.com/office/drawing/2014/main" id="{ABE778FD-938C-4D04-BFAA-F378201F5854}"/>
+                    <a16:creationId xmlns:a16="http://schemas.microsoft.com/office/drawing/2014/main" id="{ABE778FD-938C-4D04-BFAA-F378201F5854}"/>
                   </a:ext>
                 </a:extLst>
               </p:cNvPr>
@@ -9690,7 +9776,7 @@
             <p:cNvPr id="222" name="그룹 221">
               <a:extLst>
                 <a:ext uri="{FF2B5EF4-FFF2-40B4-BE49-F238E27FC236}">
-                  <a16:creationId xmlns="" xmlns:a16="http://schemas.microsoft.com/office/drawing/2014/main" id="{3B783D76-8BB5-4D71-A093-F724841268E0}"/>
+                  <a16:creationId xmlns:a16="http://schemas.microsoft.com/office/drawing/2014/main" id="{3B783D76-8BB5-4D71-A093-F724841268E0}"/>
                 </a:ext>
               </a:extLst>
             </p:cNvPr>
@@ -9710,7 +9796,7 @@
               <p:cNvPr id="224" name="직선 연결선 223">
                 <a:extLst>
                   <a:ext uri="{FF2B5EF4-FFF2-40B4-BE49-F238E27FC236}">
-                    <a16:creationId xmlns="" xmlns:a16="http://schemas.microsoft.com/office/drawing/2014/main" id="{0862FDEE-7BE8-4BE9-86A0-9ABD4FCC33EF}"/>
+                    <a16:creationId xmlns:a16="http://schemas.microsoft.com/office/drawing/2014/main" id="{0862FDEE-7BE8-4BE9-86A0-9ABD4FCC33EF}"/>
                   </a:ext>
                 </a:extLst>
               </p:cNvPr>
@@ -9747,7 +9833,7 @@
               <p:cNvPr id="225" name="직선 연결선 224">
                 <a:extLst>
                   <a:ext uri="{FF2B5EF4-FFF2-40B4-BE49-F238E27FC236}">
-                    <a16:creationId xmlns="" xmlns:a16="http://schemas.microsoft.com/office/drawing/2014/main" id="{691FA886-D69B-47A5-BB38-C1DF37604159}"/>
+                    <a16:creationId xmlns:a16="http://schemas.microsoft.com/office/drawing/2014/main" id="{691FA886-D69B-47A5-BB38-C1DF37604159}"/>
                   </a:ext>
                 </a:extLst>
               </p:cNvPr>
@@ -9784,7 +9870,7 @@
               <p:cNvPr id="226" name="직선 연결선 225">
                 <a:extLst>
                   <a:ext uri="{FF2B5EF4-FFF2-40B4-BE49-F238E27FC236}">
-                    <a16:creationId xmlns="" xmlns:a16="http://schemas.microsoft.com/office/drawing/2014/main" id="{C05B2FE4-A6C8-4676-838F-4FF84C466A2E}"/>
+                    <a16:creationId xmlns:a16="http://schemas.microsoft.com/office/drawing/2014/main" id="{C05B2FE4-A6C8-4676-838F-4FF84C466A2E}"/>
                   </a:ext>
                 </a:extLst>
               </p:cNvPr>
@@ -9822,7 +9908,7 @@
             <p:cNvPr id="223" name="직사각형 222">
               <a:extLst>
                 <a:ext uri="{FF2B5EF4-FFF2-40B4-BE49-F238E27FC236}">
-                  <a16:creationId xmlns="" xmlns:a16="http://schemas.microsoft.com/office/drawing/2014/main" id="{95281EA5-C32B-4BDF-AED7-518F3D194C18}"/>
+                  <a16:creationId xmlns:a16="http://schemas.microsoft.com/office/drawing/2014/main" id="{95281EA5-C32B-4BDF-AED7-518F3D194C18}"/>
                 </a:ext>
               </a:extLst>
             </p:cNvPr>
@@ -9875,7 +9961,7 @@
           <p:cNvPr id="237" name="그림 236">
             <a:extLst>
               <a:ext uri="{FF2B5EF4-FFF2-40B4-BE49-F238E27FC236}">
-                <a16:creationId xmlns="" xmlns:a16="http://schemas.microsoft.com/office/drawing/2014/main" id="{7FAC9E2B-E13B-4A93-88F4-AE5EEB5DE624}"/>
+                <a16:creationId xmlns:a16="http://schemas.microsoft.com/office/drawing/2014/main" id="{7FAC9E2B-E13B-4A93-88F4-AE5EEB5DE624}"/>
               </a:ext>
             </a:extLst>
           </p:cNvPr>
@@ -9914,6 +10000,231 @@
 </file>
 
 <file path=ppt/slides/slide10.xml><?xml version="1.0" encoding="utf-8"?>
+<p:sld xmlns:a="http://schemas.openxmlformats.org/drawingml/2006/main" xmlns:r="http://schemas.openxmlformats.org/officeDocument/2006/relationships" xmlns:p="http://schemas.openxmlformats.org/presentationml/2006/main">
+  <p:cSld>
+    <p:spTree>
+      <p:nvGrpSpPr>
+        <p:cNvPr id="1" name=""/>
+        <p:cNvGrpSpPr/>
+        <p:nvPr/>
+      </p:nvGrpSpPr>
+      <p:grpSpPr>
+        <a:xfrm>
+          <a:off x="0" y="0"/>
+          <a:ext cx="0" cy="0"/>
+          <a:chOff x="0" y="0"/>
+          <a:chExt cx="0" cy="0"/>
+        </a:xfrm>
+      </p:grpSpPr>
+      <p:pic>
+        <p:nvPicPr>
+          <p:cNvPr id="2" name="Picture 2"/>
+          <p:cNvPicPr>
+            <a:picLocks noChangeAspect="1" noChangeArrowheads="1"/>
+          </p:cNvPicPr>
+          <p:nvPr/>
+        </p:nvPicPr>
+        <p:blipFill>
+          <a:blip r:embed="rId2">
+            <a:extLst>
+              <a:ext uri="{28A0092B-C50C-407E-A947-70E740481C1C}">
+                <a14:useLocalDpi xmlns:a14="http://schemas.microsoft.com/office/drawing/2010/main" val="0"/>
+              </a:ext>
+            </a:extLst>
+          </a:blip>
+          <a:srcRect/>
+          <a:stretch>
+            <a:fillRect/>
+          </a:stretch>
+        </p:blipFill>
+        <p:spPr bwMode="auto">
+          <a:xfrm>
+            <a:off x="1909763" y="1433513"/>
+            <a:ext cx="5324475" cy="3990975"/>
+          </a:xfrm>
+          <a:prstGeom prst="rect">
+            <a:avLst/>
+          </a:prstGeom>
+          <a:noFill/>
+          <a:ln>
+            <a:noFill/>
+          </a:ln>
+          <a:effectLst/>
+          <a:extLst>
+            <a:ext uri="{909E8E84-426E-40DD-AFC4-6F175D3DCCD1}">
+              <a14:hiddenFill xmlns:a14="http://schemas.microsoft.com/office/drawing/2010/main">
+                <a:solidFill>
+                  <a:schemeClr val="accent1"/>
+                </a:solidFill>
+              </a14:hiddenFill>
+            </a:ext>
+            <a:ext uri="{91240B29-F687-4F45-9708-019B960494DF}">
+              <a14:hiddenLine xmlns:a14="http://schemas.microsoft.com/office/drawing/2010/main" w="9525">
+                <a:solidFill>
+                  <a:schemeClr val="tx1"/>
+                </a:solidFill>
+                <a:miter lim="800000"/>
+                <a:headEnd/>
+                <a:tailEnd/>
+              </a14:hiddenLine>
+            </a:ext>
+            <a:ext uri="{AF507438-7753-43E0-B8FC-AC1667EBCBE1}">
+              <a14:hiddenEffects xmlns:a14="http://schemas.microsoft.com/office/drawing/2010/main">
+                <a:effectLst>
+                  <a:outerShdw dist="35921" dir="2700000" algn="ctr" rotWithShape="0">
+                    <a:schemeClr val="bg2"/>
+                  </a:outerShdw>
+                </a:effectLst>
+              </a14:hiddenEffects>
+            </a:ext>
+          </a:extLst>
+        </p:spPr>
+      </p:pic>
+    </p:spTree>
+    <p:extLst>
+      <p:ext uri="{BB962C8B-B14F-4D97-AF65-F5344CB8AC3E}">
+        <p14:creationId xmlns:p14="http://schemas.microsoft.com/office/powerpoint/2010/main" val="3184284174"/>
+      </p:ext>
+    </p:extLst>
+  </p:cSld>
+  <p:clrMapOvr>
+    <a:masterClrMapping/>
+  </p:clrMapOvr>
+</p:sld>
+</file>
+
+<file path=ppt/slides/slide11.xml><?xml version="1.0" encoding="utf-8"?>
+<p:sld xmlns:a="http://schemas.openxmlformats.org/drawingml/2006/main" xmlns:r="http://schemas.openxmlformats.org/officeDocument/2006/relationships" xmlns:p="http://schemas.openxmlformats.org/presentationml/2006/main">
+  <p:cSld>
+    <p:spTree>
+      <p:nvGrpSpPr>
+        <p:cNvPr id="1" name=""/>
+        <p:cNvGrpSpPr/>
+        <p:nvPr/>
+      </p:nvGrpSpPr>
+      <p:grpSpPr>
+        <a:xfrm>
+          <a:off x="0" y="0"/>
+          <a:ext cx="0" cy="0"/>
+          <a:chOff x="0" y="0"/>
+          <a:chExt cx="0" cy="0"/>
+        </a:xfrm>
+      </p:grpSpPr>
+      <p:pic>
+        <p:nvPicPr>
+          <p:cNvPr id="2" name="Picture 2"/>
+          <p:cNvPicPr>
+            <a:picLocks noChangeAspect="1" noChangeArrowheads="1"/>
+          </p:cNvPicPr>
+          <p:nvPr/>
+        </p:nvPicPr>
+        <p:blipFill>
+          <a:blip r:embed="rId2">
+            <a:extLst>
+              <a:ext uri="{28A0092B-C50C-407E-A947-70E740481C1C}">
+                <a14:useLocalDpi xmlns:a14="http://schemas.microsoft.com/office/drawing/2010/main" val="0"/>
+              </a:ext>
+            </a:extLst>
+          </a:blip>
+          <a:srcRect/>
+          <a:stretch>
+            <a:fillRect/>
+          </a:stretch>
+        </p:blipFill>
+        <p:spPr bwMode="auto">
+          <a:xfrm>
+            <a:off x="1909763" y="1433513"/>
+            <a:ext cx="5324475" cy="3990975"/>
+          </a:xfrm>
+          <a:prstGeom prst="rect">
+            <a:avLst/>
+          </a:prstGeom>
+          <a:noFill/>
+          <a:ln>
+            <a:noFill/>
+          </a:ln>
+          <a:effectLst/>
+          <a:extLst>
+            <a:ext uri="{909E8E84-426E-40DD-AFC4-6F175D3DCCD1}">
+              <a14:hiddenFill xmlns:a14="http://schemas.microsoft.com/office/drawing/2010/main">
+                <a:solidFill>
+                  <a:schemeClr val="accent1"/>
+                </a:solidFill>
+              </a14:hiddenFill>
+            </a:ext>
+            <a:ext uri="{91240B29-F687-4F45-9708-019B960494DF}">
+              <a14:hiddenLine xmlns:a14="http://schemas.microsoft.com/office/drawing/2010/main" w="9525">
+                <a:solidFill>
+                  <a:schemeClr val="tx1"/>
+                </a:solidFill>
+                <a:miter lim="800000"/>
+                <a:headEnd/>
+                <a:tailEnd/>
+              </a14:hiddenLine>
+            </a:ext>
+            <a:ext uri="{AF507438-7753-43E0-B8FC-AC1667EBCBE1}">
+              <a14:hiddenEffects xmlns:a14="http://schemas.microsoft.com/office/drawing/2010/main">
+                <a:effectLst>
+                  <a:outerShdw dist="35921" dir="2700000" algn="ctr" rotWithShape="0">
+                    <a:schemeClr val="bg2"/>
+                  </a:outerShdw>
+                </a:effectLst>
+              </a14:hiddenEffects>
+            </a:ext>
+          </a:extLst>
+        </p:spPr>
+      </p:pic>
+      <p:sp>
+        <p:nvSpPr>
+          <p:cNvPr id="3" name="TextBox 2">
+            <a:extLst>
+              <a:ext uri="{FF2B5EF4-FFF2-40B4-BE49-F238E27FC236}">
+                <a16:creationId xmlns:a16="http://schemas.microsoft.com/office/drawing/2014/main" id="{75801DB3-9B85-0D0C-3E10-A2A914D8E109}"/>
+              </a:ext>
+            </a:extLst>
+          </p:cNvPr>
+          <p:cNvSpPr txBox="1"/>
+          <p:nvPr/>
+        </p:nvSpPr>
+        <p:spPr>
+          <a:xfrm>
+            <a:off x="2706564" y="1359622"/>
+            <a:ext cx="3881704" cy="338554"/>
+          </a:xfrm>
+          <a:prstGeom prst="rect">
+            <a:avLst/>
+          </a:prstGeom>
+          <a:solidFill>
+            <a:schemeClr val="bg1"/>
+          </a:solidFill>
+        </p:spPr>
+        <p:txBody>
+          <a:bodyPr wrap="none" rtlCol="0">
+            <a:spAutoFit/>
+          </a:bodyPr>
+          <a:lstStyle/>
+          <a:p>
+            <a:r>
+              <a:rPr lang="en-US" sz="1600" dirty="0"/>
+              <a:t>Green’s function G(x, pi/3) when y=pi/3</a:t>
+            </a:r>
+          </a:p>
+        </p:txBody>
+      </p:sp>
+    </p:spTree>
+    <p:extLst>
+      <p:ext uri="{BB962C8B-B14F-4D97-AF65-F5344CB8AC3E}">
+        <p14:creationId xmlns:p14="http://schemas.microsoft.com/office/powerpoint/2010/main" val="349795503"/>
+      </p:ext>
+    </p:extLst>
+  </p:cSld>
+  <p:clrMapOvr>
+    <a:masterClrMapping/>
+  </p:clrMapOvr>
+</p:sld>
+</file>
+
+<file path=ppt/slides/slide12.xml><?xml version="1.0" encoding="utf-8"?>
 <p:sld xmlns:a="http://schemas.openxmlformats.org/drawingml/2006/main" xmlns:r="http://schemas.openxmlformats.org/officeDocument/2006/relationships" xmlns:p="http://schemas.openxmlformats.org/presentationml/2006/main">
   <p:cSld>
     <p:spTree>
@@ -10031,7 +10342,7 @@
               <p:cNvPr id="14" name="TextBox 13">
                 <a:extLst>
                   <a:ext uri="{FF2B5EF4-FFF2-40B4-BE49-F238E27FC236}">
-                    <a16:creationId xmlns="" xmlns:a16="http://schemas.microsoft.com/office/drawing/2014/main" id="{81BCE6E1-01D0-4BDC-A1F9-049B3F61BB14}"/>
+                    <a16:creationId xmlns:a16="http://schemas.microsoft.com/office/drawing/2014/main" id="{81BCE6E1-01D0-4BDC-A1F9-049B3F61BB14}"/>
                   </a:ext>
                 </a:extLst>
               </p:cNvPr>
@@ -10127,7 +10438,7 @@
               <p:cNvPr id="112" name="TextBox 111">
                 <a:extLst>
                   <a:ext uri="{FF2B5EF4-FFF2-40B4-BE49-F238E27FC236}">
-                    <a16:creationId xmlns="" xmlns:a16="http://schemas.microsoft.com/office/drawing/2014/main" id="{CF0FF849-A858-4AD3-9963-F5B3892745BC}"/>
+                    <a16:creationId xmlns:a16="http://schemas.microsoft.com/office/drawing/2014/main" id="{CF0FF849-A858-4AD3-9963-F5B3892745BC}"/>
                   </a:ext>
                 </a:extLst>
               </p:cNvPr>
@@ -10221,7 +10532,7 @@
           <p:cNvPr id="115" name="화살표: 오른쪽 114">
             <a:extLst>
               <a:ext uri="{FF2B5EF4-FFF2-40B4-BE49-F238E27FC236}">
-                <a16:creationId xmlns="" xmlns:a16="http://schemas.microsoft.com/office/drawing/2014/main" id="{29EA8FA4-C5B4-4C37-B369-23521A79BEF1}"/>
+                <a16:creationId xmlns:a16="http://schemas.microsoft.com/office/drawing/2014/main" id="{29EA8FA4-C5B4-4C37-B369-23521A79BEF1}"/>
               </a:ext>
             </a:extLst>
           </p:cNvPr>
@@ -10275,7 +10586,7 @@
           <p:cNvPr id="116" name="TextBox 115">
             <a:extLst>
               <a:ext uri="{FF2B5EF4-FFF2-40B4-BE49-F238E27FC236}">
-                <a16:creationId xmlns="" xmlns:a16="http://schemas.microsoft.com/office/drawing/2014/main" id="{08CC730D-D77F-4D51-8128-4EBA992C6825}"/>
+                <a16:creationId xmlns:a16="http://schemas.microsoft.com/office/drawing/2014/main" id="{08CC730D-D77F-4D51-8128-4EBA992C6825}"/>
               </a:ext>
             </a:extLst>
           </p:cNvPr>
@@ -10330,7 +10641,7 @@
               <p:cNvPr id="110" name="TextBox 109">
                 <a:extLst>
                   <a:ext uri="{FF2B5EF4-FFF2-40B4-BE49-F238E27FC236}">
-                    <a16:creationId xmlns="" xmlns:a16="http://schemas.microsoft.com/office/drawing/2014/main" id="{6DE1591E-C53B-4C38-ACE3-B59183C3D38F}"/>
+                    <a16:creationId xmlns:a16="http://schemas.microsoft.com/office/drawing/2014/main" id="{6DE1591E-C53B-4C38-ACE3-B59183C3D38F}"/>
                   </a:ext>
                 </a:extLst>
               </p:cNvPr>
@@ -10426,7 +10737,7 @@
               <p:cNvPr id="111" name="TextBox 110">
                 <a:extLst>
                   <a:ext uri="{FF2B5EF4-FFF2-40B4-BE49-F238E27FC236}">
-                    <a16:creationId xmlns="" xmlns:a16="http://schemas.microsoft.com/office/drawing/2014/main" id="{D9B3BBCE-6FA5-4B29-8A53-5BEC1AD1B06E}"/>
+                    <a16:creationId xmlns:a16="http://schemas.microsoft.com/office/drawing/2014/main" id="{D9B3BBCE-6FA5-4B29-8A53-5BEC1AD1B06E}"/>
                   </a:ext>
                 </a:extLst>
               </p:cNvPr>
@@ -10553,7 +10864,7 @@
           <p:cNvPr id="4" name="직선 화살표 연결선 3">
             <a:extLst>
               <a:ext uri="{FF2B5EF4-FFF2-40B4-BE49-F238E27FC236}">
-                <a16:creationId xmlns="" xmlns:a16="http://schemas.microsoft.com/office/drawing/2014/main" id="{0E1166CE-0F1C-41A8-B4F2-6C12FE521DB5}"/>
+                <a16:creationId xmlns:a16="http://schemas.microsoft.com/office/drawing/2014/main" id="{0E1166CE-0F1C-41A8-B4F2-6C12FE521DB5}"/>
               </a:ext>
             </a:extLst>
           </p:cNvPr>
@@ -10594,7 +10905,7 @@
           <p:cNvPr id="6" name="직선 화살표 연결선 5">
             <a:extLst>
               <a:ext uri="{FF2B5EF4-FFF2-40B4-BE49-F238E27FC236}">
-                <a16:creationId xmlns="" xmlns:a16="http://schemas.microsoft.com/office/drawing/2014/main" id="{71410AA7-C82A-4523-8897-C0A7D3974E61}"/>
+                <a16:creationId xmlns:a16="http://schemas.microsoft.com/office/drawing/2014/main" id="{71410AA7-C82A-4523-8897-C0A7D3974E61}"/>
               </a:ext>
             </a:extLst>
           </p:cNvPr>
@@ -10635,7 +10946,7 @@
           <p:cNvPr id="8" name="직선 연결선 7">
             <a:extLst>
               <a:ext uri="{FF2B5EF4-FFF2-40B4-BE49-F238E27FC236}">
-                <a16:creationId xmlns="" xmlns:a16="http://schemas.microsoft.com/office/drawing/2014/main" id="{8B078679-7873-41C4-81F3-974ED02389AB}"/>
+                <a16:creationId xmlns:a16="http://schemas.microsoft.com/office/drawing/2014/main" id="{8B078679-7873-41C4-81F3-974ED02389AB}"/>
               </a:ext>
             </a:extLst>
           </p:cNvPr>
@@ -10671,7 +10982,7 @@
           <p:cNvPr id="114" name="직선 연결선 113">
             <a:extLst>
               <a:ext uri="{FF2B5EF4-FFF2-40B4-BE49-F238E27FC236}">
-                <a16:creationId xmlns="" xmlns:a16="http://schemas.microsoft.com/office/drawing/2014/main" id="{1D5D95B0-21AF-4791-A5D9-E9E1FDCD3897}"/>
+                <a16:creationId xmlns:a16="http://schemas.microsoft.com/office/drawing/2014/main" id="{1D5D95B0-21AF-4791-A5D9-E9E1FDCD3897}"/>
               </a:ext>
             </a:extLst>
           </p:cNvPr>
@@ -10707,7 +11018,7 @@
           <p:cNvPr id="118" name="직선 연결선 117">
             <a:extLst>
               <a:ext uri="{FF2B5EF4-FFF2-40B4-BE49-F238E27FC236}">
-                <a16:creationId xmlns="" xmlns:a16="http://schemas.microsoft.com/office/drawing/2014/main" id="{C919C741-C8EF-4680-BC02-1FF1E583E218}"/>
+                <a16:creationId xmlns:a16="http://schemas.microsoft.com/office/drawing/2014/main" id="{C919C741-C8EF-4680-BC02-1FF1E583E218}"/>
               </a:ext>
             </a:extLst>
           </p:cNvPr>
@@ -10745,7 +11056,7 @@
           <p:cNvPr id="119" name="직선 연결선 118">
             <a:extLst>
               <a:ext uri="{FF2B5EF4-FFF2-40B4-BE49-F238E27FC236}">
-                <a16:creationId xmlns="" xmlns:a16="http://schemas.microsoft.com/office/drawing/2014/main" id="{272FF17A-9EAE-4048-B7B5-376518F32B7B}"/>
+                <a16:creationId xmlns:a16="http://schemas.microsoft.com/office/drawing/2014/main" id="{272FF17A-9EAE-4048-B7B5-376518F32B7B}"/>
               </a:ext>
             </a:extLst>
           </p:cNvPr>
@@ -10785,7 +11096,7 @@
               <p:cNvPr id="11" name="TextBox 10">
                 <a:extLst>
                   <a:ext uri="{FF2B5EF4-FFF2-40B4-BE49-F238E27FC236}">
-                    <a16:creationId xmlns="" xmlns:a16="http://schemas.microsoft.com/office/drawing/2014/main" id="{66E5F592-B218-43CF-A601-DB291A5CB280}"/>
+                    <a16:creationId xmlns:a16="http://schemas.microsoft.com/office/drawing/2014/main" id="{66E5F592-B218-43CF-A601-DB291A5CB280}"/>
                   </a:ext>
                 </a:extLst>
               </p:cNvPr>
@@ -10881,7 +11192,7 @@
               <p:cNvPr id="120" name="TextBox 119">
                 <a:extLst>
                   <a:ext uri="{FF2B5EF4-FFF2-40B4-BE49-F238E27FC236}">
-                    <a16:creationId xmlns="" xmlns:a16="http://schemas.microsoft.com/office/drawing/2014/main" id="{F48AA094-CCC8-49DA-9E56-C3E087ED9CE2}"/>
+                    <a16:creationId xmlns:a16="http://schemas.microsoft.com/office/drawing/2014/main" id="{F48AA094-CCC8-49DA-9E56-C3E087ED9CE2}"/>
                   </a:ext>
                 </a:extLst>
               </p:cNvPr>
@@ -10977,7 +11288,7 @@
               <p:cNvPr id="121" name="TextBox 120">
                 <a:extLst>
                   <a:ext uri="{FF2B5EF4-FFF2-40B4-BE49-F238E27FC236}">
-                    <a16:creationId xmlns="" xmlns:a16="http://schemas.microsoft.com/office/drawing/2014/main" id="{6EF04BD0-1396-4CC3-8D42-5398CD48B72D}"/>
+                    <a16:creationId xmlns:a16="http://schemas.microsoft.com/office/drawing/2014/main" id="{6EF04BD0-1396-4CC3-8D42-5398CD48B72D}"/>
                   </a:ext>
                 </a:extLst>
               </p:cNvPr>
@@ -11073,7 +11384,7 @@
               <p:cNvPr id="122" name="TextBox 121">
                 <a:extLst>
                   <a:ext uri="{FF2B5EF4-FFF2-40B4-BE49-F238E27FC236}">
-                    <a16:creationId xmlns="" xmlns:a16="http://schemas.microsoft.com/office/drawing/2014/main" id="{0AC415B7-524A-42C7-B65E-C10FD10E7F15}"/>
+                    <a16:creationId xmlns:a16="http://schemas.microsoft.com/office/drawing/2014/main" id="{0AC415B7-524A-42C7-B65E-C10FD10E7F15}"/>
                   </a:ext>
                 </a:extLst>
               </p:cNvPr>
@@ -11169,7 +11480,7 @@
               <p:cNvPr id="123" name="TextBox 122">
                 <a:extLst>
                   <a:ext uri="{FF2B5EF4-FFF2-40B4-BE49-F238E27FC236}">
-                    <a16:creationId xmlns="" xmlns:a16="http://schemas.microsoft.com/office/drawing/2014/main" id="{B350F9F3-8C8D-480C-857F-D578D9AA89AD}"/>
+                    <a16:creationId xmlns:a16="http://schemas.microsoft.com/office/drawing/2014/main" id="{B350F9F3-8C8D-480C-857F-D578D9AA89AD}"/>
                   </a:ext>
                 </a:extLst>
               </p:cNvPr>
@@ -11265,7 +11576,7 @@
               <p:cNvPr id="125" name="TextBox 124">
                 <a:extLst>
                   <a:ext uri="{FF2B5EF4-FFF2-40B4-BE49-F238E27FC236}">
-                    <a16:creationId xmlns="" xmlns:a16="http://schemas.microsoft.com/office/drawing/2014/main" id="{5B8F3F88-4AA8-4B3C-AA63-7C5309423F53}"/>
+                    <a16:creationId xmlns:a16="http://schemas.microsoft.com/office/drawing/2014/main" id="{5B8F3F88-4AA8-4B3C-AA63-7C5309423F53}"/>
                   </a:ext>
                 </a:extLst>
               </p:cNvPr>
@@ -11359,7 +11670,7 @@
           <p:cNvPr id="5" name="그림 4">
             <a:extLst>
               <a:ext uri="{FF2B5EF4-FFF2-40B4-BE49-F238E27FC236}">
-                <a16:creationId xmlns="" xmlns:a16="http://schemas.microsoft.com/office/drawing/2014/main" id="{1F354776-6E9F-4D80-A705-D80635FAF05A}"/>
+                <a16:creationId xmlns:a16="http://schemas.microsoft.com/office/drawing/2014/main" id="{1F354776-6E9F-4D80-A705-D80635FAF05A}"/>
               </a:ext>
             </a:extLst>
           </p:cNvPr>
@@ -11391,7 +11702,7 @@
               <p:cNvPr id="126" name="TextBox 125">
                 <a:extLst>
                   <a:ext uri="{FF2B5EF4-FFF2-40B4-BE49-F238E27FC236}">
-                    <a16:creationId xmlns="" xmlns:a16="http://schemas.microsoft.com/office/drawing/2014/main" id="{2B8016A5-37AD-4EB4-9C29-27AF7CB5CE74}"/>
+                    <a16:creationId xmlns:a16="http://schemas.microsoft.com/office/drawing/2014/main" id="{2B8016A5-37AD-4EB4-9C29-27AF7CB5CE74}"/>
                   </a:ext>
                 </a:extLst>
               </p:cNvPr>
@@ -11485,7 +11796,7 @@
           <p:cNvPr id="113" name="TextBox 112">
             <a:extLst>
               <a:ext uri="{FF2B5EF4-FFF2-40B4-BE49-F238E27FC236}">
-                <a16:creationId xmlns="" xmlns:a16="http://schemas.microsoft.com/office/drawing/2014/main" id="{D9166D77-F83B-4518-8A8C-264993F2F998}"/>
+                <a16:creationId xmlns:a16="http://schemas.microsoft.com/office/drawing/2014/main" id="{D9166D77-F83B-4518-8A8C-264993F2F998}"/>
               </a:ext>
             </a:extLst>
           </p:cNvPr>
@@ -11549,7 +11860,7 @@
           <p:cNvPr id="76" name="직선 화살표 연결선 75">
             <a:extLst>
               <a:ext uri="{FF2B5EF4-FFF2-40B4-BE49-F238E27FC236}">
-                <a16:creationId xmlns="" xmlns:a16="http://schemas.microsoft.com/office/drawing/2014/main" id="{29443CE5-1E0E-4E5D-801F-9BD719B13989}"/>
+                <a16:creationId xmlns:a16="http://schemas.microsoft.com/office/drawing/2014/main" id="{29443CE5-1E0E-4E5D-801F-9BD719B13989}"/>
               </a:ext>
             </a:extLst>
           </p:cNvPr>
@@ -11590,7 +11901,7 @@
           <p:cNvPr id="80" name="직선 화살표 연결선 79">
             <a:extLst>
               <a:ext uri="{FF2B5EF4-FFF2-40B4-BE49-F238E27FC236}">
-                <a16:creationId xmlns="" xmlns:a16="http://schemas.microsoft.com/office/drawing/2014/main" id="{D97907D1-C4C7-4A51-91D7-72FA7B11F435}"/>
+                <a16:creationId xmlns:a16="http://schemas.microsoft.com/office/drawing/2014/main" id="{D97907D1-C4C7-4A51-91D7-72FA7B11F435}"/>
               </a:ext>
             </a:extLst>
           </p:cNvPr>
@@ -11631,7 +11942,7 @@
           <p:cNvPr id="86" name="직선 연결선 85">
             <a:extLst>
               <a:ext uri="{FF2B5EF4-FFF2-40B4-BE49-F238E27FC236}">
-                <a16:creationId xmlns="" xmlns:a16="http://schemas.microsoft.com/office/drawing/2014/main" id="{125410F9-BD57-4966-BCD0-FE71369DF17F}"/>
+                <a16:creationId xmlns:a16="http://schemas.microsoft.com/office/drawing/2014/main" id="{125410F9-BD57-4966-BCD0-FE71369DF17F}"/>
               </a:ext>
             </a:extLst>
           </p:cNvPr>
@@ -11667,7 +11978,7 @@
           <p:cNvPr id="92" name="직선 연결선 91">
             <a:extLst>
               <a:ext uri="{FF2B5EF4-FFF2-40B4-BE49-F238E27FC236}">
-                <a16:creationId xmlns="" xmlns:a16="http://schemas.microsoft.com/office/drawing/2014/main" id="{6646DE3E-8EE1-4CDC-900B-1BA5074DBE19}"/>
+                <a16:creationId xmlns:a16="http://schemas.microsoft.com/office/drawing/2014/main" id="{6646DE3E-8EE1-4CDC-900B-1BA5074DBE19}"/>
               </a:ext>
             </a:extLst>
           </p:cNvPr>
@@ -11703,7 +12014,7 @@
           <p:cNvPr id="98" name="직선 연결선 97">
             <a:extLst>
               <a:ext uri="{FF2B5EF4-FFF2-40B4-BE49-F238E27FC236}">
-                <a16:creationId xmlns="" xmlns:a16="http://schemas.microsoft.com/office/drawing/2014/main" id="{FBB7F419-D0B5-47CA-803C-1A5E62E90D51}"/>
+                <a16:creationId xmlns:a16="http://schemas.microsoft.com/office/drawing/2014/main" id="{FBB7F419-D0B5-47CA-803C-1A5E62E90D51}"/>
               </a:ext>
             </a:extLst>
           </p:cNvPr>
@@ -11741,7 +12052,7 @@
           <p:cNvPr id="104" name="직선 연결선 103">
             <a:extLst>
               <a:ext uri="{FF2B5EF4-FFF2-40B4-BE49-F238E27FC236}">
-                <a16:creationId xmlns="" xmlns:a16="http://schemas.microsoft.com/office/drawing/2014/main" id="{E0D99779-1BC5-49D9-A066-722800DD085A}"/>
+                <a16:creationId xmlns:a16="http://schemas.microsoft.com/office/drawing/2014/main" id="{E0D99779-1BC5-49D9-A066-722800DD085A}"/>
               </a:ext>
             </a:extLst>
           </p:cNvPr>
@@ -11781,7 +12092,7 @@
               <p:cNvPr id="117" name="TextBox 116">
                 <a:extLst>
                   <a:ext uri="{FF2B5EF4-FFF2-40B4-BE49-F238E27FC236}">
-                    <a16:creationId xmlns="" xmlns:a16="http://schemas.microsoft.com/office/drawing/2014/main" id="{B1E3A1EC-3E23-4FA1-A5DE-371C35150589}"/>
+                    <a16:creationId xmlns:a16="http://schemas.microsoft.com/office/drawing/2014/main" id="{B1E3A1EC-3E23-4FA1-A5DE-371C35150589}"/>
                   </a:ext>
                 </a:extLst>
               </p:cNvPr>
@@ -11877,7 +12188,7 @@
               <p:cNvPr id="124" name="TextBox 123">
                 <a:extLst>
                   <a:ext uri="{FF2B5EF4-FFF2-40B4-BE49-F238E27FC236}">
-                    <a16:creationId xmlns="" xmlns:a16="http://schemas.microsoft.com/office/drawing/2014/main" id="{FDF768B8-60BA-43CC-A850-856BCDA24BBC}"/>
+                    <a16:creationId xmlns:a16="http://schemas.microsoft.com/office/drawing/2014/main" id="{FDF768B8-60BA-43CC-A850-856BCDA24BBC}"/>
                   </a:ext>
                 </a:extLst>
               </p:cNvPr>
@@ -11973,7 +12284,7 @@
               <p:cNvPr id="127" name="TextBox 126">
                 <a:extLst>
                   <a:ext uri="{FF2B5EF4-FFF2-40B4-BE49-F238E27FC236}">
-                    <a16:creationId xmlns="" xmlns:a16="http://schemas.microsoft.com/office/drawing/2014/main" id="{69518A18-ABBD-4BAE-851F-18A84774C301}"/>
+                    <a16:creationId xmlns:a16="http://schemas.microsoft.com/office/drawing/2014/main" id="{69518A18-ABBD-4BAE-851F-18A84774C301}"/>
                   </a:ext>
                 </a:extLst>
               </p:cNvPr>
@@ -12069,7 +12380,7 @@
               <p:cNvPr id="128" name="TextBox 127">
                 <a:extLst>
                   <a:ext uri="{FF2B5EF4-FFF2-40B4-BE49-F238E27FC236}">
-                    <a16:creationId xmlns="" xmlns:a16="http://schemas.microsoft.com/office/drawing/2014/main" id="{6FE58DA3-B4F0-490C-AC92-8312B62F0463}"/>
+                    <a16:creationId xmlns:a16="http://schemas.microsoft.com/office/drawing/2014/main" id="{6FE58DA3-B4F0-490C-AC92-8312B62F0463}"/>
                   </a:ext>
                 </a:extLst>
               </p:cNvPr>
@@ -12165,7 +12476,7 @@
               <p:cNvPr id="129" name="TextBox 128">
                 <a:extLst>
                   <a:ext uri="{FF2B5EF4-FFF2-40B4-BE49-F238E27FC236}">
-                    <a16:creationId xmlns="" xmlns:a16="http://schemas.microsoft.com/office/drawing/2014/main" id="{93168130-0882-4093-BCB3-7F76F3642078}"/>
+                    <a16:creationId xmlns:a16="http://schemas.microsoft.com/office/drawing/2014/main" id="{93168130-0882-4093-BCB3-7F76F3642078}"/>
                   </a:ext>
                 </a:extLst>
               </p:cNvPr>
@@ -12259,7 +12570,7 @@
           <p:cNvPr id="18" name="직선 연결선 17">
             <a:extLst>
               <a:ext uri="{FF2B5EF4-FFF2-40B4-BE49-F238E27FC236}">
-                <a16:creationId xmlns="" xmlns:a16="http://schemas.microsoft.com/office/drawing/2014/main" id="{8B7CD227-0BD9-4587-82B0-EFAC2EECB912}"/>
+                <a16:creationId xmlns:a16="http://schemas.microsoft.com/office/drawing/2014/main" id="{8B7CD227-0BD9-4587-82B0-EFAC2EECB912}"/>
               </a:ext>
             </a:extLst>
           </p:cNvPr>
@@ -12305,7 +12616,7 @@
               <p:cNvPr id="64" name="TextBox 63">
                 <a:extLst>
                   <a:ext uri="{FF2B5EF4-FFF2-40B4-BE49-F238E27FC236}">
-                    <a16:creationId xmlns="" xmlns:a16="http://schemas.microsoft.com/office/drawing/2014/main" id="{7EB7DB51-7417-4EB9-BC40-653E474DD338}"/>
+                    <a16:creationId xmlns:a16="http://schemas.microsoft.com/office/drawing/2014/main" id="{7EB7DB51-7417-4EB9-BC40-653E474DD338}"/>
                   </a:ext>
                 </a:extLst>
               </p:cNvPr>
@@ -12399,7 +12710,7 @@
           <p:cNvPr id="57" name="직사각형 56">
             <a:extLst>
               <a:ext uri="{FF2B5EF4-FFF2-40B4-BE49-F238E27FC236}">
-                <a16:creationId xmlns="" xmlns:a16="http://schemas.microsoft.com/office/drawing/2014/main" id="{1927DA3E-A163-40D9-9B2F-1FA2C02E4AAB}"/>
+                <a16:creationId xmlns:a16="http://schemas.microsoft.com/office/drawing/2014/main" id="{1927DA3E-A163-40D9-9B2F-1FA2C02E4AAB}"/>
               </a:ext>
             </a:extLst>
           </p:cNvPr>
@@ -12453,7 +12764,7 @@
           <p:cNvPr id="58" name="직사각형 57">
             <a:extLst>
               <a:ext uri="{FF2B5EF4-FFF2-40B4-BE49-F238E27FC236}">
-                <a16:creationId xmlns="" xmlns:a16="http://schemas.microsoft.com/office/drawing/2014/main" id="{30614A9C-4067-46EB-AFF6-BF3E0FC019A8}"/>
+                <a16:creationId xmlns:a16="http://schemas.microsoft.com/office/drawing/2014/main" id="{30614A9C-4067-46EB-AFF6-BF3E0FC019A8}"/>
               </a:ext>
             </a:extLst>
           </p:cNvPr>
@@ -12505,7 +12816,7 @@
           <p:cNvPr id="59" name="원호 58">
             <a:extLst>
               <a:ext uri="{FF2B5EF4-FFF2-40B4-BE49-F238E27FC236}">
-                <a16:creationId xmlns="" xmlns:a16="http://schemas.microsoft.com/office/drawing/2014/main" id="{FE2108CF-9A8C-491A-A8D5-FBF8911E10AC}"/>
+                <a16:creationId xmlns:a16="http://schemas.microsoft.com/office/drawing/2014/main" id="{FE2108CF-9A8C-491A-A8D5-FBF8911E10AC}"/>
               </a:ext>
             </a:extLst>
           </p:cNvPr>
@@ -12557,7 +12868,7 @@
           <p:cNvPr id="60" name="원호 59">
             <a:extLst>
               <a:ext uri="{FF2B5EF4-FFF2-40B4-BE49-F238E27FC236}">
-                <a16:creationId xmlns="" xmlns:a16="http://schemas.microsoft.com/office/drawing/2014/main" id="{02C25009-C2D8-4B36-8C2F-C510492EE558}"/>
+                <a16:creationId xmlns:a16="http://schemas.microsoft.com/office/drawing/2014/main" id="{02C25009-C2D8-4B36-8C2F-C510492EE558}"/>
               </a:ext>
             </a:extLst>
           </p:cNvPr>
@@ -12611,7 +12922,7 @@
               <p:cNvPr id="61" name="TextBox 60">
                 <a:extLst>
                   <a:ext uri="{FF2B5EF4-FFF2-40B4-BE49-F238E27FC236}">
-                    <a16:creationId xmlns="" xmlns:a16="http://schemas.microsoft.com/office/drawing/2014/main" id="{5D025167-ABAE-4C26-9310-0024FDD94ABB}"/>
+                    <a16:creationId xmlns:a16="http://schemas.microsoft.com/office/drawing/2014/main" id="{5D025167-ABAE-4C26-9310-0024FDD94ABB}"/>
                   </a:ext>
                 </a:extLst>
               </p:cNvPr>
@@ -12705,7 +13016,7 @@
           <p:cNvPr id="62" name="원호 61">
             <a:extLst>
               <a:ext uri="{FF2B5EF4-FFF2-40B4-BE49-F238E27FC236}">
-                <a16:creationId xmlns="" xmlns:a16="http://schemas.microsoft.com/office/drawing/2014/main" id="{135ED5AE-72C8-4EDB-877C-70413A2EEB66}"/>
+                <a16:creationId xmlns:a16="http://schemas.microsoft.com/office/drawing/2014/main" id="{135ED5AE-72C8-4EDB-877C-70413A2EEB66}"/>
               </a:ext>
             </a:extLst>
           </p:cNvPr>
@@ -12757,7 +13068,7 @@
           <p:cNvPr id="63" name="원호 62">
             <a:extLst>
               <a:ext uri="{FF2B5EF4-FFF2-40B4-BE49-F238E27FC236}">
-                <a16:creationId xmlns="" xmlns:a16="http://schemas.microsoft.com/office/drawing/2014/main" id="{0B2717F5-5295-47F7-9CFC-FD4EE91DEFAB}"/>
+                <a16:creationId xmlns:a16="http://schemas.microsoft.com/office/drawing/2014/main" id="{0B2717F5-5295-47F7-9CFC-FD4EE91DEFAB}"/>
               </a:ext>
             </a:extLst>
           </p:cNvPr>
@@ -12811,7 +13122,7 @@
               <p:cNvPr id="67" name="TextBox 66">
                 <a:extLst>
                   <a:ext uri="{FF2B5EF4-FFF2-40B4-BE49-F238E27FC236}">
-                    <a16:creationId xmlns="" xmlns:a16="http://schemas.microsoft.com/office/drawing/2014/main" id="{60BB0C4D-6C90-4EE6-A0DA-91B5B030DF40}"/>
+                    <a16:creationId xmlns:a16="http://schemas.microsoft.com/office/drawing/2014/main" id="{60BB0C4D-6C90-4EE6-A0DA-91B5B030DF40}"/>
                   </a:ext>
                 </a:extLst>
               </p:cNvPr>
@@ -12905,7 +13216,7 @@
           <p:cNvPr id="68" name="직사각형 67">
             <a:extLst>
               <a:ext uri="{FF2B5EF4-FFF2-40B4-BE49-F238E27FC236}">
-                <a16:creationId xmlns="" xmlns:a16="http://schemas.microsoft.com/office/drawing/2014/main" id="{F66C0109-EB51-4835-A9FE-30DC3F0BC04D}"/>
+                <a16:creationId xmlns:a16="http://schemas.microsoft.com/office/drawing/2014/main" id="{F66C0109-EB51-4835-A9FE-30DC3F0BC04D}"/>
               </a:ext>
             </a:extLst>
           </p:cNvPr>
@@ -12957,7 +13268,7 @@
           <p:cNvPr id="69" name="직사각형 68">
             <a:extLst>
               <a:ext uri="{FF2B5EF4-FFF2-40B4-BE49-F238E27FC236}">
-                <a16:creationId xmlns="" xmlns:a16="http://schemas.microsoft.com/office/drawing/2014/main" id="{B5F702E7-1906-4E80-A94F-F4FEF40E1222}"/>
+                <a16:creationId xmlns:a16="http://schemas.microsoft.com/office/drawing/2014/main" id="{B5F702E7-1906-4E80-A94F-F4FEF40E1222}"/>
               </a:ext>
             </a:extLst>
           </p:cNvPr>
@@ -13009,7 +13320,7 @@
           <p:cNvPr id="70" name="직사각형 69">
             <a:extLst>
               <a:ext uri="{FF2B5EF4-FFF2-40B4-BE49-F238E27FC236}">
-                <a16:creationId xmlns="" xmlns:a16="http://schemas.microsoft.com/office/drawing/2014/main" id="{CA7D067C-3164-40B5-8DC5-C7167E30F530}"/>
+                <a16:creationId xmlns:a16="http://schemas.microsoft.com/office/drawing/2014/main" id="{CA7D067C-3164-40B5-8DC5-C7167E30F530}"/>
               </a:ext>
             </a:extLst>
           </p:cNvPr>
@@ -13061,7 +13372,7 @@
           <p:cNvPr id="71" name="직사각형 70">
             <a:extLst>
               <a:ext uri="{FF2B5EF4-FFF2-40B4-BE49-F238E27FC236}">
-                <a16:creationId xmlns="" xmlns:a16="http://schemas.microsoft.com/office/drawing/2014/main" id="{CD45662D-F617-4993-A03E-730921832031}"/>
+                <a16:creationId xmlns:a16="http://schemas.microsoft.com/office/drawing/2014/main" id="{CD45662D-F617-4993-A03E-730921832031}"/>
               </a:ext>
             </a:extLst>
           </p:cNvPr>
@@ -13113,7 +13424,7 @@
           <p:cNvPr id="73" name="직선 연결선 72">
             <a:extLst>
               <a:ext uri="{FF2B5EF4-FFF2-40B4-BE49-F238E27FC236}">
-                <a16:creationId xmlns="" xmlns:a16="http://schemas.microsoft.com/office/drawing/2014/main" id="{910077DA-E3DA-446D-B510-AC990B4AE61C}"/>
+                <a16:creationId xmlns:a16="http://schemas.microsoft.com/office/drawing/2014/main" id="{910077DA-E3DA-446D-B510-AC990B4AE61C}"/>
               </a:ext>
             </a:extLst>
           </p:cNvPr>
@@ -13150,7 +13461,7 @@
           <p:cNvPr id="74" name="직선 연결선 73">
             <a:extLst>
               <a:ext uri="{FF2B5EF4-FFF2-40B4-BE49-F238E27FC236}">
-                <a16:creationId xmlns="" xmlns:a16="http://schemas.microsoft.com/office/drawing/2014/main" id="{4B375166-C62A-4182-AF64-4FCA61328A9F}"/>
+                <a16:creationId xmlns:a16="http://schemas.microsoft.com/office/drawing/2014/main" id="{4B375166-C62A-4182-AF64-4FCA61328A9F}"/>
               </a:ext>
             </a:extLst>
           </p:cNvPr>
@@ -13187,7 +13498,7 @@
           <p:cNvPr id="75" name="직선 연결선 74">
             <a:extLst>
               <a:ext uri="{FF2B5EF4-FFF2-40B4-BE49-F238E27FC236}">
-                <a16:creationId xmlns="" xmlns:a16="http://schemas.microsoft.com/office/drawing/2014/main" id="{868A54D0-21ED-4CD3-AF04-C8586B9CA19C}"/>
+                <a16:creationId xmlns:a16="http://schemas.microsoft.com/office/drawing/2014/main" id="{868A54D0-21ED-4CD3-AF04-C8586B9CA19C}"/>
               </a:ext>
             </a:extLst>
           </p:cNvPr>
@@ -13224,7 +13535,7 @@
           <p:cNvPr id="77" name="직선 연결선 76">
             <a:extLst>
               <a:ext uri="{FF2B5EF4-FFF2-40B4-BE49-F238E27FC236}">
-                <a16:creationId xmlns="" xmlns:a16="http://schemas.microsoft.com/office/drawing/2014/main" id="{A4CE329D-9523-4E0C-9B70-54029AB52613}"/>
+                <a16:creationId xmlns:a16="http://schemas.microsoft.com/office/drawing/2014/main" id="{A4CE329D-9523-4E0C-9B70-54029AB52613}"/>
               </a:ext>
             </a:extLst>
           </p:cNvPr>
@@ -13261,7 +13572,7 @@
           <p:cNvPr id="78" name="직선 연결선 77">
             <a:extLst>
               <a:ext uri="{FF2B5EF4-FFF2-40B4-BE49-F238E27FC236}">
-                <a16:creationId xmlns="" xmlns:a16="http://schemas.microsoft.com/office/drawing/2014/main" id="{3A8A85A2-A3D3-4241-A511-1C5CD3366887}"/>
+                <a16:creationId xmlns:a16="http://schemas.microsoft.com/office/drawing/2014/main" id="{3A8A85A2-A3D3-4241-A511-1C5CD3366887}"/>
               </a:ext>
             </a:extLst>
           </p:cNvPr>
@@ -13298,7 +13609,7 @@
           <p:cNvPr id="79" name="직선 연결선 78">
             <a:extLst>
               <a:ext uri="{FF2B5EF4-FFF2-40B4-BE49-F238E27FC236}">
-                <a16:creationId xmlns="" xmlns:a16="http://schemas.microsoft.com/office/drawing/2014/main" id="{FD95EC72-6FDD-4550-821A-EFDD29AF70A0}"/>
+                <a16:creationId xmlns:a16="http://schemas.microsoft.com/office/drawing/2014/main" id="{FD95EC72-6FDD-4550-821A-EFDD29AF70A0}"/>
               </a:ext>
             </a:extLst>
           </p:cNvPr>
@@ -13335,7 +13646,7 @@
           <p:cNvPr id="81" name="TextBox 80">
             <a:extLst>
               <a:ext uri="{FF2B5EF4-FFF2-40B4-BE49-F238E27FC236}">
-                <a16:creationId xmlns="" xmlns:a16="http://schemas.microsoft.com/office/drawing/2014/main" id="{14D6C7A1-351B-499D-ADAB-24B9A301F8B6}"/>
+                <a16:creationId xmlns:a16="http://schemas.microsoft.com/office/drawing/2014/main" id="{14D6C7A1-351B-499D-ADAB-24B9A301F8B6}"/>
               </a:ext>
             </a:extLst>
           </p:cNvPr>
@@ -13371,7 +13682,7 @@
           <p:cNvPr id="82" name="TextBox 81">
             <a:extLst>
               <a:ext uri="{FF2B5EF4-FFF2-40B4-BE49-F238E27FC236}">
-                <a16:creationId xmlns="" xmlns:a16="http://schemas.microsoft.com/office/drawing/2014/main" id="{9210E604-684F-4EC8-8E23-15913E3CA505}"/>
+                <a16:creationId xmlns:a16="http://schemas.microsoft.com/office/drawing/2014/main" id="{9210E604-684F-4EC8-8E23-15913E3CA505}"/>
               </a:ext>
             </a:extLst>
           </p:cNvPr>
@@ -13407,7 +13718,7 @@
           <p:cNvPr id="83" name="TextBox 82">
             <a:extLst>
               <a:ext uri="{FF2B5EF4-FFF2-40B4-BE49-F238E27FC236}">
-                <a16:creationId xmlns="" xmlns:a16="http://schemas.microsoft.com/office/drawing/2014/main" id="{CD789F6C-14F4-41BF-9FC9-05D2C2FC97DF}"/>
+                <a16:creationId xmlns:a16="http://schemas.microsoft.com/office/drawing/2014/main" id="{CD789F6C-14F4-41BF-9FC9-05D2C2FC97DF}"/>
               </a:ext>
             </a:extLst>
           </p:cNvPr>
@@ -13445,7 +13756,7 @@
               <p:cNvPr id="84" name="TextBox 83">
                 <a:extLst>
                   <a:ext uri="{FF2B5EF4-FFF2-40B4-BE49-F238E27FC236}">
-                    <a16:creationId xmlns="" xmlns:a16="http://schemas.microsoft.com/office/drawing/2014/main" id="{56E74A3F-C556-4C0A-97D6-5906C7CE3C1D}"/>
+                    <a16:creationId xmlns:a16="http://schemas.microsoft.com/office/drawing/2014/main" id="{56E74A3F-C556-4C0A-97D6-5906C7CE3C1D}"/>
                   </a:ext>
                 </a:extLst>
               </p:cNvPr>
@@ -13539,7 +13850,7 @@
           <p:cNvPr id="85" name="TextBox 84">
             <a:extLst>
               <a:ext uri="{FF2B5EF4-FFF2-40B4-BE49-F238E27FC236}">
-                <a16:creationId xmlns="" xmlns:a16="http://schemas.microsoft.com/office/drawing/2014/main" id="{EE08A819-F3A8-4F68-B515-B30FA5105CED}"/>
+                <a16:creationId xmlns:a16="http://schemas.microsoft.com/office/drawing/2014/main" id="{EE08A819-F3A8-4F68-B515-B30FA5105CED}"/>
               </a:ext>
             </a:extLst>
           </p:cNvPr>
@@ -13575,7 +13886,7 @@
           <p:cNvPr id="87" name="TextBox 86">
             <a:extLst>
               <a:ext uri="{FF2B5EF4-FFF2-40B4-BE49-F238E27FC236}">
-                <a16:creationId xmlns="" xmlns:a16="http://schemas.microsoft.com/office/drawing/2014/main" id="{C78395C5-8C2C-42E2-A0CD-14DBE6F936B9}"/>
+                <a16:creationId xmlns:a16="http://schemas.microsoft.com/office/drawing/2014/main" id="{C78395C5-8C2C-42E2-A0CD-14DBE6F936B9}"/>
               </a:ext>
             </a:extLst>
           </p:cNvPr>
@@ -13611,7 +13922,7 @@
           <p:cNvPr id="88" name="TextBox 87">
             <a:extLst>
               <a:ext uri="{FF2B5EF4-FFF2-40B4-BE49-F238E27FC236}">
-                <a16:creationId xmlns="" xmlns:a16="http://schemas.microsoft.com/office/drawing/2014/main" id="{2AB4043C-3760-4A6A-8B6B-B8AFD291FCC9}"/>
+                <a16:creationId xmlns:a16="http://schemas.microsoft.com/office/drawing/2014/main" id="{2AB4043C-3760-4A6A-8B6B-B8AFD291FCC9}"/>
               </a:ext>
             </a:extLst>
           </p:cNvPr>
@@ -13647,7 +13958,7 @@
           <p:cNvPr id="89" name="TextBox 88">
             <a:extLst>
               <a:ext uri="{FF2B5EF4-FFF2-40B4-BE49-F238E27FC236}">
-                <a16:creationId xmlns="" xmlns:a16="http://schemas.microsoft.com/office/drawing/2014/main" id="{8B7A63D9-DE3D-4D79-BDB4-B12136E994A1}"/>
+                <a16:creationId xmlns:a16="http://schemas.microsoft.com/office/drawing/2014/main" id="{8B7A63D9-DE3D-4D79-BDB4-B12136E994A1}"/>
               </a:ext>
             </a:extLst>
           </p:cNvPr>
@@ -13685,7 +13996,7 @@
               <p:cNvPr id="90" name="TextBox 89">
                 <a:extLst>
                   <a:ext uri="{FF2B5EF4-FFF2-40B4-BE49-F238E27FC236}">
-                    <a16:creationId xmlns="" xmlns:a16="http://schemas.microsoft.com/office/drawing/2014/main" id="{9076E7BC-C105-4DE0-A88A-044BEACD1D81}"/>
+                    <a16:creationId xmlns:a16="http://schemas.microsoft.com/office/drawing/2014/main" id="{9076E7BC-C105-4DE0-A88A-044BEACD1D81}"/>
                   </a:ext>
                 </a:extLst>
               </p:cNvPr>
@@ -13779,7 +14090,7 @@
           <p:cNvPr id="91" name="TextBox 90">
             <a:extLst>
               <a:ext uri="{FF2B5EF4-FFF2-40B4-BE49-F238E27FC236}">
-                <a16:creationId xmlns="" xmlns:a16="http://schemas.microsoft.com/office/drawing/2014/main" id="{2F440577-8729-4153-B3AB-FEA08DB354B1}"/>
+                <a16:creationId xmlns:a16="http://schemas.microsoft.com/office/drawing/2014/main" id="{2F440577-8729-4153-B3AB-FEA08DB354B1}"/>
               </a:ext>
             </a:extLst>
           </p:cNvPr>
@@ -13815,7 +14126,7 @@
           <p:cNvPr id="93" name="TextBox 92">
             <a:extLst>
               <a:ext uri="{FF2B5EF4-FFF2-40B4-BE49-F238E27FC236}">
-                <a16:creationId xmlns="" xmlns:a16="http://schemas.microsoft.com/office/drawing/2014/main" id="{F1E3239E-E606-4243-A1D4-C85A3C009C6D}"/>
+                <a16:creationId xmlns:a16="http://schemas.microsoft.com/office/drawing/2014/main" id="{F1E3239E-E606-4243-A1D4-C85A3C009C6D}"/>
               </a:ext>
             </a:extLst>
           </p:cNvPr>
@@ -13851,7 +14162,7 @@
           <p:cNvPr id="94" name="TextBox 93">
             <a:extLst>
               <a:ext uri="{FF2B5EF4-FFF2-40B4-BE49-F238E27FC236}">
-                <a16:creationId xmlns="" xmlns:a16="http://schemas.microsoft.com/office/drawing/2014/main" id="{42C48EFA-6BCF-449C-81A4-CB3DAB1BBCD6}"/>
+                <a16:creationId xmlns:a16="http://schemas.microsoft.com/office/drawing/2014/main" id="{42C48EFA-6BCF-449C-81A4-CB3DAB1BBCD6}"/>
               </a:ext>
             </a:extLst>
           </p:cNvPr>
@@ -13887,7 +14198,7 @@
           <p:cNvPr id="95" name="TextBox 94">
             <a:extLst>
               <a:ext uri="{FF2B5EF4-FFF2-40B4-BE49-F238E27FC236}">
-                <a16:creationId xmlns="" xmlns:a16="http://schemas.microsoft.com/office/drawing/2014/main" id="{02222A3A-D72A-47B3-AB20-736CDBE8D333}"/>
+                <a16:creationId xmlns:a16="http://schemas.microsoft.com/office/drawing/2014/main" id="{02222A3A-D72A-47B3-AB20-736CDBE8D333}"/>
               </a:ext>
             </a:extLst>
           </p:cNvPr>
@@ -13925,7 +14236,7 @@
               <p:cNvPr id="96" name="TextBox 95">
                 <a:extLst>
                   <a:ext uri="{FF2B5EF4-FFF2-40B4-BE49-F238E27FC236}">
-                    <a16:creationId xmlns="" xmlns:a16="http://schemas.microsoft.com/office/drawing/2014/main" id="{7C0C8358-CC45-4DE6-852F-748EA68FA580}"/>
+                    <a16:creationId xmlns:a16="http://schemas.microsoft.com/office/drawing/2014/main" id="{7C0C8358-CC45-4DE6-852F-748EA68FA580}"/>
                   </a:ext>
                 </a:extLst>
               </p:cNvPr>
@@ -14019,7 +14330,7 @@
           <p:cNvPr id="97" name="TextBox 96">
             <a:extLst>
               <a:ext uri="{FF2B5EF4-FFF2-40B4-BE49-F238E27FC236}">
-                <a16:creationId xmlns="" xmlns:a16="http://schemas.microsoft.com/office/drawing/2014/main" id="{211AF5E2-2682-4F75-A4BE-CB5BB543E9B6}"/>
+                <a16:creationId xmlns:a16="http://schemas.microsoft.com/office/drawing/2014/main" id="{211AF5E2-2682-4F75-A4BE-CB5BB543E9B6}"/>
               </a:ext>
             </a:extLst>
           </p:cNvPr>
@@ -14057,7 +14368,7 @@
               <p:cNvPr id="99" name="TextBox 98">
                 <a:extLst>
                   <a:ext uri="{FF2B5EF4-FFF2-40B4-BE49-F238E27FC236}">
-                    <a16:creationId xmlns="" xmlns:a16="http://schemas.microsoft.com/office/drawing/2014/main" id="{2BDCA189-DFE6-4901-B03F-90DFC1EDA698}"/>
+                    <a16:creationId xmlns:a16="http://schemas.microsoft.com/office/drawing/2014/main" id="{2BDCA189-DFE6-4901-B03F-90DFC1EDA698}"/>
                   </a:ext>
                 </a:extLst>
               </p:cNvPr>
@@ -14153,7 +14464,7 @@
               <p:cNvPr id="100" name="TextBox 99">
                 <a:extLst>
                   <a:ext uri="{FF2B5EF4-FFF2-40B4-BE49-F238E27FC236}">
-                    <a16:creationId xmlns="" xmlns:a16="http://schemas.microsoft.com/office/drawing/2014/main" id="{BA8E2313-E56C-4DE9-A295-163B5F5B8E99}"/>
+                    <a16:creationId xmlns:a16="http://schemas.microsoft.com/office/drawing/2014/main" id="{BA8E2313-E56C-4DE9-A295-163B5F5B8E99}"/>
                   </a:ext>
                 </a:extLst>
               </p:cNvPr>
@@ -14249,7 +14560,7 @@
               <p:cNvPr id="101" name="TextBox 100">
                 <a:extLst>
                   <a:ext uri="{FF2B5EF4-FFF2-40B4-BE49-F238E27FC236}">
-                    <a16:creationId xmlns="" xmlns:a16="http://schemas.microsoft.com/office/drawing/2014/main" id="{FBF051A9-E80F-4DA2-98AC-E57013251872}"/>
+                    <a16:creationId xmlns:a16="http://schemas.microsoft.com/office/drawing/2014/main" id="{FBF051A9-E80F-4DA2-98AC-E57013251872}"/>
                   </a:ext>
                 </a:extLst>
               </p:cNvPr>
@@ -14345,7 +14656,7 @@
               <p:cNvPr id="102" name="TextBox 101">
                 <a:extLst>
                   <a:ext uri="{FF2B5EF4-FFF2-40B4-BE49-F238E27FC236}">
-                    <a16:creationId xmlns="" xmlns:a16="http://schemas.microsoft.com/office/drawing/2014/main" id="{93EFCCD8-4694-4647-AAAA-4EE76700CFB3}"/>
+                    <a16:creationId xmlns:a16="http://schemas.microsoft.com/office/drawing/2014/main" id="{93EFCCD8-4694-4647-AAAA-4EE76700CFB3}"/>
                   </a:ext>
                 </a:extLst>
               </p:cNvPr>
@@ -14441,7 +14752,7 @@
               <p:cNvPr id="103" name="TextBox 102">
                 <a:extLst>
                   <a:ext uri="{FF2B5EF4-FFF2-40B4-BE49-F238E27FC236}">
-                    <a16:creationId xmlns="" xmlns:a16="http://schemas.microsoft.com/office/drawing/2014/main" id="{C07E3264-D93A-42A8-A15F-F26D8444D79A}"/>
+                    <a16:creationId xmlns:a16="http://schemas.microsoft.com/office/drawing/2014/main" id="{C07E3264-D93A-42A8-A15F-F26D8444D79A}"/>
                   </a:ext>
                 </a:extLst>
               </p:cNvPr>
@@ -14535,7 +14846,7 @@
           <p:cNvPr id="105" name="TextBox 104">
             <a:extLst>
               <a:ext uri="{FF2B5EF4-FFF2-40B4-BE49-F238E27FC236}">
-                <a16:creationId xmlns="" xmlns:a16="http://schemas.microsoft.com/office/drawing/2014/main" id="{6F98A829-43BF-45A0-B5C1-20687855B9CB}"/>
+                <a16:creationId xmlns:a16="http://schemas.microsoft.com/office/drawing/2014/main" id="{6F98A829-43BF-45A0-B5C1-20687855B9CB}"/>
               </a:ext>
             </a:extLst>
           </p:cNvPr>
@@ -14571,7 +14882,7 @@
           <p:cNvPr id="106" name="TextBox 105">
             <a:extLst>
               <a:ext uri="{FF2B5EF4-FFF2-40B4-BE49-F238E27FC236}">
-                <a16:creationId xmlns="" xmlns:a16="http://schemas.microsoft.com/office/drawing/2014/main" id="{BBCF1D74-D21F-4D32-A2B6-EC5DF8B87D93}"/>
+                <a16:creationId xmlns:a16="http://schemas.microsoft.com/office/drawing/2014/main" id="{BBCF1D74-D21F-4D32-A2B6-EC5DF8B87D93}"/>
               </a:ext>
             </a:extLst>
           </p:cNvPr>
@@ -14607,7 +14918,7 @@
           <p:cNvPr id="107" name="TextBox 106">
             <a:extLst>
               <a:ext uri="{FF2B5EF4-FFF2-40B4-BE49-F238E27FC236}">
-                <a16:creationId xmlns="" xmlns:a16="http://schemas.microsoft.com/office/drawing/2014/main" id="{AF678742-A9C5-48FA-8295-DDEA2C8FBB87}"/>
+                <a16:creationId xmlns:a16="http://schemas.microsoft.com/office/drawing/2014/main" id="{AF678742-A9C5-48FA-8295-DDEA2C8FBB87}"/>
               </a:ext>
             </a:extLst>
           </p:cNvPr>
@@ -14645,7 +14956,7 @@
               <p:cNvPr id="108" name="TextBox 107">
                 <a:extLst>
                   <a:ext uri="{FF2B5EF4-FFF2-40B4-BE49-F238E27FC236}">
-                    <a16:creationId xmlns="" xmlns:a16="http://schemas.microsoft.com/office/drawing/2014/main" id="{E2A94889-B5EB-4B5A-B572-85DD2A9A3215}"/>
+                    <a16:creationId xmlns:a16="http://schemas.microsoft.com/office/drawing/2014/main" id="{E2A94889-B5EB-4B5A-B572-85DD2A9A3215}"/>
                   </a:ext>
                 </a:extLst>
               </p:cNvPr>
@@ -14739,7 +15050,7 @@
           <p:cNvPr id="109" name="TextBox 108">
             <a:extLst>
               <a:ext uri="{FF2B5EF4-FFF2-40B4-BE49-F238E27FC236}">
-                <a16:creationId xmlns="" xmlns:a16="http://schemas.microsoft.com/office/drawing/2014/main" id="{EF968D5D-32A7-4EC1-973F-F1A361897430}"/>
+                <a16:creationId xmlns:a16="http://schemas.microsoft.com/office/drawing/2014/main" id="{EF968D5D-32A7-4EC1-973F-F1A361897430}"/>
               </a:ext>
             </a:extLst>
           </p:cNvPr>
@@ -14777,7 +15088,7 @@
               <p:cNvPr id="65" name="TextBox 64">
                 <a:extLst>
                   <a:ext uri="{FF2B5EF4-FFF2-40B4-BE49-F238E27FC236}">
-                    <a16:creationId xmlns="" xmlns:a16="http://schemas.microsoft.com/office/drawing/2014/main" id="{D8A8E328-94BE-4DAE-B088-E4FAEEFF052A}"/>
+                    <a16:creationId xmlns:a16="http://schemas.microsoft.com/office/drawing/2014/main" id="{D8A8E328-94BE-4DAE-B088-E4FAEEFF052A}"/>
                   </a:ext>
                 </a:extLst>
               </p:cNvPr>
@@ -14873,7 +15184,7 @@
               <p:cNvPr id="66" name="TextBox 65">
                 <a:extLst>
                   <a:ext uri="{FF2B5EF4-FFF2-40B4-BE49-F238E27FC236}">
-                    <a16:creationId xmlns="" xmlns:a16="http://schemas.microsoft.com/office/drawing/2014/main" id="{380F06DA-7C24-4FE6-A01C-B553D005D083}"/>
+                    <a16:creationId xmlns:a16="http://schemas.microsoft.com/office/drawing/2014/main" id="{380F06DA-7C24-4FE6-A01C-B553D005D083}"/>
                   </a:ext>
                 </a:extLst>
               </p:cNvPr>
@@ -14967,7 +15278,7 @@
           <p:cNvPr id="132" name="TextBox 131">
             <a:extLst>
               <a:ext uri="{FF2B5EF4-FFF2-40B4-BE49-F238E27FC236}">
-                <a16:creationId xmlns="" xmlns:a16="http://schemas.microsoft.com/office/drawing/2014/main" id="{187A8CF7-BE3B-482A-BDDE-B1868E0E276E}"/>
+                <a16:creationId xmlns:a16="http://schemas.microsoft.com/office/drawing/2014/main" id="{187A8CF7-BE3B-482A-BDDE-B1868E0E276E}"/>
               </a:ext>
             </a:extLst>
           </p:cNvPr>
@@ -15029,6 +15340,5016 @@
 </file>
 
 <file path=ppt/slides/slide3.xml><?xml version="1.0" encoding="utf-8"?>
+<p:sld xmlns:a="http://schemas.openxmlformats.org/drawingml/2006/main" xmlns:r="http://schemas.openxmlformats.org/officeDocument/2006/relationships" xmlns:p="http://schemas.openxmlformats.org/presentationml/2006/main">
+  <p:cSld>
+    <p:spTree>
+      <p:nvGrpSpPr>
+        <p:cNvPr id="1" name=""/>
+        <p:cNvGrpSpPr/>
+        <p:nvPr/>
+      </p:nvGrpSpPr>
+      <p:grpSpPr>
+        <a:xfrm>
+          <a:off x="0" y="0"/>
+          <a:ext cx="0" cy="0"/>
+          <a:chOff x="0" y="0"/>
+          <a:chExt cx="0" cy="0"/>
+        </a:xfrm>
+      </p:grpSpPr>
+      <mc:AlternateContent xmlns:mc="http://schemas.openxmlformats.org/markup-compatibility/2006" xmlns:a14="http://schemas.microsoft.com/office/drawing/2010/main">
+        <mc:Choice Requires="a14">
+          <p:sp>
+            <p:nvSpPr>
+              <p:cNvPr id="14" name="TextBox 13">
+                <a:extLst>
+                  <a:ext uri="{FF2B5EF4-FFF2-40B4-BE49-F238E27FC236}">
+                    <a16:creationId xmlns:a16="http://schemas.microsoft.com/office/drawing/2014/main" id="{81BCE6E1-01D0-4BDC-A1F9-049B3F61BB14}"/>
+                  </a:ext>
+                </a:extLst>
+              </p:cNvPr>
+              <p:cNvSpPr txBox="1"/>
+              <p:nvPr/>
+            </p:nvSpPr>
+            <p:spPr>
+              <a:xfrm>
+                <a:off x="328424" y="4383412"/>
+                <a:ext cx="1296765" cy="1569660"/>
+              </a:xfrm>
+              <a:prstGeom prst="rect">
+                <a:avLst/>
+              </a:prstGeom>
+              <a:noFill/>
+            </p:spPr>
+            <p:txBody>
+              <a:bodyPr wrap="none" rtlCol="0">
+                <a:spAutoFit/>
+              </a:bodyPr>
+              <a:lstStyle/>
+              <a:p>
+                <a:pPr/>
+                <a14:m>
+                  <m:oMathPara xmlns:m="http://schemas.openxmlformats.org/officeDocument/2006/math">
+                    <m:oMathParaPr>
+                      <m:jc m:val="centerGroup"/>
+                    </m:oMathParaPr>
+                    <m:oMath xmlns:m="http://schemas.openxmlformats.org/officeDocument/2006/math">
+                      <m:r>
+                        <a:rPr lang="en-US" altLang="ko-KR" sz="9600" i="1" dirty="0" smtClean="0">
+                          <a:latin typeface="Cambria Math" panose="02040503050406030204" pitchFamily="18" charset="0"/>
+                        </a:rPr>
+                        <m:t>𝐿</m:t>
+                      </m:r>
+                    </m:oMath>
+                  </m:oMathPara>
+                </a14:m>
+                <a:endParaRPr lang="ko-KR" altLang="en-US" sz="9600" dirty="0"/>
+              </a:p>
+            </p:txBody>
+          </p:sp>
+        </mc:Choice>
+        <mc:Fallback xmlns="">
+          <p:sp>
+            <p:nvSpPr>
+              <p:cNvPr id="14" name="TextBox 13">
+                <a:extLst>
+                  <a:ext uri="{FF2B5EF4-FFF2-40B4-BE49-F238E27FC236}">
+                    <a16:creationId xmlns:a16="http://schemas.microsoft.com/office/drawing/2014/main" id="{81BCE6E1-01D0-4BDC-A1F9-049B3F61BB14}"/>
+                  </a:ext>
+                </a:extLst>
+              </p:cNvPr>
+              <p:cNvSpPr txBox="1">
+                <a:spLocks noRot="1" noChangeAspect="1" noMove="1" noResize="1" noEditPoints="1" noAdjustHandles="1" noChangeArrowheads="1" noChangeShapeType="1" noTextEdit="1"/>
+              </p:cNvSpPr>
+              <p:nvPr/>
+            </p:nvSpPr>
+            <p:spPr>
+              <a:xfrm>
+                <a:off x="328424" y="4383412"/>
+                <a:ext cx="1296765" cy="1569660"/>
+              </a:xfrm>
+              <a:prstGeom prst="rect">
+                <a:avLst/>
+              </a:prstGeom>
+              <a:blipFill>
+                <a:blip r:embed="rId3"/>
+                <a:stretch>
+                  <a:fillRect/>
+                </a:stretch>
+              </a:blipFill>
+            </p:spPr>
+            <p:txBody>
+              <a:bodyPr/>
+              <a:lstStyle/>
+              <a:p>
+                <a:r>
+                  <a:rPr lang="ko-KR" altLang="en-US">
+                    <a:noFill/>
+                  </a:rPr>
+                  <a:t> </a:t>
+                </a:r>
+              </a:p>
+            </p:txBody>
+          </p:sp>
+        </mc:Fallback>
+      </mc:AlternateContent>
+      <mc:AlternateContent xmlns:mc="http://schemas.openxmlformats.org/markup-compatibility/2006" xmlns:a14="http://schemas.microsoft.com/office/drawing/2010/main">
+        <mc:Choice Requires="a14">
+          <p:sp>
+            <p:nvSpPr>
+              <p:cNvPr id="112" name="TextBox 111">
+                <a:extLst>
+                  <a:ext uri="{FF2B5EF4-FFF2-40B4-BE49-F238E27FC236}">
+                    <a16:creationId xmlns:a16="http://schemas.microsoft.com/office/drawing/2014/main" id="{CF0FF849-A858-4AD3-9963-F5B3892745BC}"/>
+                  </a:ext>
+                </a:extLst>
+              </p:cNvPr>
+              <p:cNvSpPr txBox="1"/>
+              <p:nvPr/>
+            </p:nvSpPr>
+            <p:spPr>
+              <a:xfrm>
+                <a:off x="4945250" y="4789581"/>
+                <a:ext cx="805029" cy="769441"/>
+              </a:xfrm>
+              <a:prstGeom prst="rect">
+                <a:avLst/>
+              </a:prstGeom>
+              <a:noFill/>
+            </p:spPr>
+            <p:txBody>
+              <a:bodyPr wrap="none" rtlCol="0">
+                <a:spAutoFit/>
+              </a:bodyPr>
+              <a:lstStyle/>
+              <a:p>
+                <a:pPr/>
+                <a14:m>
+                  <m:oMathPara xmlns:m="http://schemas.openxmlformats.org/officeDocument/2006/math">
+                    <m:oMathParaPr>
+                      <m:jc m:val="centerGroup"/>
+                    </m:oMathParaPr>
+                    <m:oMath xmlns:m="http://schemas.openxmlformats.org/officeDocument/2006/math">
+                      <m:r>
+                        <a:rPr lang="en-US" altLang="ko-KR" sz="4400" b="0" i="1" smtClean="0">
+                          <a:latin typeface="Cambria Math"/>
+                        </a:rPr>
+                        <m:t>=</m:t>
+                      </m:r>
+                    </m:oMath>
+                  </m:oMathPara>
+                </a14:m>
+                <a:endParaRPr lang="ko-KR" altLang="en-US" sz="4400" dirty="0"/>
+              </a:p>
+            </p:txBody>
+          </p:sp>
+        </mc:Choice>
+        <mc:Fallback xmlns="">
+          <p:sp>
+            <p:nvSpPr>
+              <p:cNvPr id="112" name="TextBox 111">
+                <a:extLst>
+                  <a:ext uri="{FF2B5EF4-FFF2-40B4-BE49-F238E27FC236}">
+                    <a16:creationId xmlns:a16="http://schemas.microsoft.com/office/drawing/2014/main" id="{CF0FF849-A858-4AD3-9963-F5B3892745BC}"/>
+                  </a:ext>
+                </a:extLst>
+              </p:cNvPr>
+              <p:cNvSpPr txBox="1">
+                <a:spLocks noRot="1" noChangeAspect="1" noMove="1" noResize="1" noEditPoints="1" noAdjustHandles="1" noChangeArrowheads="1" noChangeShapeType="1" noTextEdit="1"/>
+              </p:cNvSpPr>
+              <p:nvPr/>
+            </p:nvSpPr>
+            <p:spPr>
+              <a:xfrm>
+                <a:off x="4945250" y="4789581"/>
+                <a:ext cx="805029" cy="769441"/>
+              </a:xfrm>
+              <a:prstGeom prst="rect">
+                <a:avLst/>
+              </a:prstGeom>
+              <a:blipFill>
+                <a:blip r:embed="rId4"/>
+                <a:stretch>
+                  <a:fillRect/>
+                </a:stretch>
+              </a:blipFill>
+            </p:spPr>
+            <p:txBody>
+              <a:bodyPr/>
+              <a:lstStyle/>
+              <a:p>
+                <a:r>
+                  <a:rPr lang="ko-KR" altLang="en-US">
+                    <a:noFill/>
+                  </a:rPr>
+                  <a:t> </a:t>
+                </a:r>
+              </a:p>
+            </p:txBody>
+          </p:sp>
+        </mc:Fallback>
+      </mc:AlternateContent>
+      <p:sp>
+        <p:nvSpPr>
+          <p:cNvPr id="115" name="화살표: 오른쪽 114">
+            <a:extLst>
+              <a:ext uri="{FF2B5EF4-FFF2-40B4-BE49-F238E27FC236}">
+                <a16:creationId xmlns:a16="http://schemas.microsoft.com/office/drawing/2014/main" id="{29EA8FA4-C5B4-4C37-B369-23521A79BEF1}"/>
+              </a:ext>
+            </a:extLst>
+          </p:cNvPr>
+          <p:cNvSpPr/>
+          <p:nvPr/>
+        </p:nvSpPr>
+        <p:spPr>
+          <a:xfrm rot="5400000">
+            <a:off x="3455394" y="2818062"/>
+            <a:ext cx="800904" cy="665996"/>
+          </a:xfrm>
+          <a:prstGeom prst="rightArrow">
+            <a:avLst/>
+          </a:prstGeom>
+          <a:solidFill>
+            <a:schemeClr val="bg1"/>
+          </a:solidFill>
+          <a:ln w="57150">
+            <a:solidFill>
+              <a:schemeClr val="tx1"/>
+            </a:solidFill>
+          </a:ln>
+        </p:spPr>
+        <p:style>
+          <a:lnRef idx="2">
+            <a:schemeClr val="accent1">
+              <a:shade val="50000"/>
+            </a:schemeClr>
+          </a:lnRef>
+          <a:fillRef idx="1">
+            <a:schemeClr val="accent1"/>
+          </a:fillRef>
+          <a:effectRef idx="0">
+            <a:schemeClr val="accent1"/>
+          </a:effectRef>
+          <a:fontRef idx="minor">
+            <a:schemeClr val="lt1"/>
+          </a:fontRef>
+        </p:style>
+        <p:txBody>
+          <a:bodyPr rtlCol="0" anchor="ctr"/>
+          <a:lstStyle/>
+          <a:p>
+            <a:pPr algn="ctr"/>
+            <a:endParaRPr lang="ko-KR" altLang="en-US"/>
+          </a:p>
+        </p:txBody>
+      </p:sp>
+      <p:sp>
+        <p:nvSpPr>
+          <p:cNvPr id="116" name="TextBox 115">
+            <a:extLst>
+              <a:ext uri="{FF2B5EF4-FFF2-40B4-BE49-F238E27FC236}">
+                <a16:creationId xmlns:a16="http://schemas.microsoft.com/office/drawing/2014/main" id="{08CC730D-D77F-4D51-8128-4EBA992C6825}"/>
+              </a:ext>
+            </a:extLst>
+          </p:cNvPr>
+          <p:cNvSpPr txBox="1"/>
+          <p:nvPr/>
+        </p:nvSpPr>
+        <p:spPr>
+          <a:xfrm>
+            <a:off x="4015733" y="2708920"/>
+            <a:ext cx="2661988" cy="954107"/>
+          </a:xfrm>
+          <a:prstGeom prst="rect">
+            <a:avLst/>
+          </a:prstGeom>
+          <a:noFill/>
+        </p:spPr>
+        <p:txBody>
+          <a:bodyPr wrap="square" rtlCol="0">
+            <a:spAutoFit/>
+          </a:bodyPr>
+          <a:lstStyle/>
+          <a:p>
+            <a:pPr algn="ctr"/>
+            <a:r>
+              <a:rPr lang="en-US" altLang="ko-KR" sz="2800" b="1" dirty="0">
+                <a:latin typeface="나눔고딕" panose="020D0604000000000000" pitchFamily="50" charset="-127"/>
+                <a:ea typeface="나눔고딕" panose="020D0604000000000000" pitchFamily="50" charset="-127"/>
+              </a:rPr>
+              <a:t>Extending</a:t>
+            </a:r>
+          </a:p>
+          <a:p>
+            <a:pPr algn="ctr"/>
+            <a:r>
+              <a:rPr lang="en-US" altLang="ko-KR" sz="2800" b="1" dirty="0">
+                <a:latin typeface="나눔고딕" panose="020D0604000000000000" pitchFamily="50" charset="-127"/>
+                <a:ea typeface="나눔고딕" panose="020D0604000000000000" pitchFamily="50" charset="-127"/>
+              </a:rPr>
+              <a:t>the Concept</a:t>
+            </a:r>
+            <a:endParaRPr lang="ko-KR" altLang="en-US" sz="2800" b="1" dirty="0">
+              <a:latin typeface="나눔고딕" panose="020D0604000000000000" pitchFamily="50" charset="-127"/>
+              <a:ea typeface="나눔고딕" panose="020D0604000000000000" pitchFamily="50" charset="-127"/>
+            </a:endParaRPr>
+          </a:p>
+        </p:txBody>
+      </p:sp>
+      <mc:AlternateContent xmlns:mc="http://schemas.openxmlformats.org/markup-compatibility/2006" xmlns:a14="http://schemas.microsoft.com/office/drawing/2010/main">
+        <mc:Choice Requires="a14">
+          <p:sp>
+            <p:nvSpPr>
+              <p:cNvPr id="110" name="TextBox 109">
+                <a:extLst>
+                  <a:ext uri="{FF2B5EF4-FFF2-40B4-BE49-F238E27FC236}">
+                    <a16:creationId xmlns:a16="http://schemas.microsoft.com/office/drawing/2014/main" id="{6DE1591E-C53B-4C38-ACE3-B59183C3D38F}"/>
+                  </a:ext>
+                </a:extLst>
+              </p:cNvPr>
+              <p:cNvSpPr txBox="1"/>
+              <p:nvPr/>
+            </p:nvSpPr>
+            <p:spPr>
+              <a:xfrm>
+                <a:off x="1403793" y="4924148"/>
+                <a:ext cx="567784" cy="523220"/>
+              </a:xfrm>
+              <a:prstGeom prst="rect">
+                <a:avLst/>
+              </a:prstGeom>
+              <a:noFill/>
+            </p:spPr>
+            <p:txBody>
+              <a:bodyPr wrap="none" rtlCol="0">
+                <a:spAutoFit/>
+              </a:bodyPr>
+              <a:lstStyle/>
+              <a:p>
+                <a:pPr/>
+                <a14:m>
+                  <m:oMathPara xmlns:m="http://schemas.openxmlformats.org/officeDocument/2006/math">
+                    <m:oMathParaPr>
+                      <m:jc m:val="centerGroup"/>
+                    </m:oMathParaPr>
+                    <m:oMath xmlns:m="http://schemas.openxmlformats.org/officeDocument/2006/math">
+                      <m:r>
+                        <a:rPr lang="en-US" altLang="ko-KR" sz="2800" b="0" i="1" smtClean="0">
+                          <a:latin typeface="Cambria Math"/>
+                        </a:rPr>
+                        <m:t>×</m:t>
+                      </m:r>
+                    </m:oMath>
+                  </m:oMathPara>
+                </a14:m>
+                <a:endParaRPr lang="ko-KR" altLang="en-US" sz="2800" dirty="0"/>
+              </a:p>
+            </p:txBody>
+          </p:sp>
+        </mc:Choice>
+        <mc:Fallback xmlns="">
+          <p:sp>
+            <p:nvSpPr>
+              <p:cNvPr id="110" name="TextBox 109">
+                <a:extLst>
+                  <a:ext uri="{FF2B5EF4-FFF2-40B4-BE49-F238E27FC236}">
+                    <a16:creationId xmlns:a16="http://schemas.microsoft.com/office/drawing/2014/main" id="{6DE1591E-C53B-4C38-ACE3-B59183C3D38F}"/>
+                  </a:ext>
+                </a:extLst>
+              </p:cNvPr>
+              <p:cNvSpPr txBox="1">
+                <a:spLocks noRot="1" noChangeAspect="1" noMove="1" noResize="1" noEditPoints="1" noAdjustHandles="1" noChangeArrowheads="1" noChangeShapeType="1" noTextEdit="1"/>
+              </p:cNvSpPr>
+              <p:nvPr/>
+            </p:nvSpPr>
+            <p:spPr>
+              <a:xfrm>
+                <a:off x="1403793" y="4924148"/>
+                <a:ext cx="567784" cy="523220"/>
+              </a:xfrm>
+              <a:prstGeom prst="rect">
+                <a:avLst/>
+              </a:prstGeom>
+              <a:blipFill>
+                <a:blip r:embed="rId5"/>
+                <a:stretch>
+                  <a:fillRect/>
+                </a:stretch>
+              </a:blipFill>
+            </p:spPr>
+            <p:txBody>
+              <a:bodyPr/>
+              <a:lstStyle/>
+              <a:p>
+                <a:r>
+                  <a:rPr lang="ko-KR" altLang="en-US">
+                    <a:noFill/>
+                  </a:rPr>
+                  <a:t> </a:t>
+                </a:r>
+              </a:p>
+            </p:txBody>
+          </p:sp>
+        </mc:Fallback>
+      </mc:AlternateContent>
+      <mc:AlternateContent xmlns:mc="http://schemas.openxmlformats.org/markup-compatibility/2006" xmlns:a14="http://schemas.microsoft.com/office/drawing/2010/main">
+        <mc:Choice Requires="a14">
+          <p:sp>
+            <p:nvSpPr>
+              <p:cNvPr id="111" name="TextBox 110">
+                <a:extLst>
+                  <a:ext uri="{FF2B5EF4-FFF2-40B4-BE49-F238E27FC236}">
+                    <a16:creationId xmlns:a16="http://schemas.microsoft.com/office/drawing/2014/main" id="{D9B3BBCE-6FA5-4B29-8A53-5BEC1AD1B06E}"/>
+                  </a:ext>
+                </a:extLst>
+              </p:cNvPr>
+              <p:cNvSpPr txBox="1"/>
+              <p:nvPr/>
+            </p:nvSpPr>
+            <p:spPr>
+              <a:xfrm>
+                <a:off x="1847565" y="3645024"/>
+                <a:ext cx="3312368" cy="584775"/>
+              </a:xfrm>
+              <a:prstGeom prst="rect">
+                <a:avLst/>
+              </a:prstGeom>
+              <a:noFill/>
+            </p:spPr>
+            <p:txBody>
+              <a:bodyPr wrap="square" rtlCol="0">
+                <a:spAutoFit/>
+              </a:bodyPr>
+              <a:lstStyle/>
+              <a:p>
+                <a:pPr/>
+                <a14:m>
+                  <m:oMathPara xmlns:m="http://schemas.openxmlformats.org/officeDocument/2006/math">
+                    <m:oMathParaPr>
+                      <m:jc m:val="centerGroup"/>
+                    </m:oMathParaPr>
+                    <m:oMath xmlns:m="http://schemas.openxmlformats.org/officeDocument/2006/math">
+                      <m:r>
+                        <a:rPr lang="en-US" altLang="ko-KR" sz="3200" b="0" i="1" smtClean="0">
+                          <a:latin typeface="Cambria Math" panose="02040503050406030204" pitchFamily="18" charset="0"/>
+                        </a:rPr>
+                        <m:t>𝐺</m:t>
+                      </m:r>
+                      <m:r>
+                        <a:rPr lang="en-US" altLang="ko-KR" sz="3200" b="0" i="1" smtClean="0">
+                          <a:latin typeface="Cambria Math" panose="02040503050406030204" pitchFamily="18" charset="0"/>
+                        </a:rPr>
+                        <m:t>(</m:t>
+                      </m:r>
+                      <m:r>
+                        <a:rPr lang="en-US" altLang="ko-KR" sz="3200" b="0" i="1" smtClean="0">
+                          <a:latin typeface="Cambria Math" panose="02040503050406030204" pitchFamily="18" charset="0"/>
+                        </a:rPr>
+                        <m:t>𝑥</m:t>
+                      </m:r>
+                      <m:r>
+                        <a:rPr lang="en-US" altLang="ko-KR" sz="3200" b="0" i="1" smtClean="0">
+                          <a:latin typeface="Cambria Math" panose="02040503050406030204" pitchFamily="18" charset="0"/>
+                        </a:rPr>
+                        <m:t>, </m:t>
+                      </m:r>
+                      <m:r>
+                        <a:rPr lang="en-US" altLang="ko-KR" sz="3200" b="0" i="1" smtClean="0">
+                          <a:solidFill>
+                            <a:schemeClr val="tx1"/>
+                          </a:solidFill>
+                          <a:latin typeface="Cambria Math" panose="02040503050406030204" pitchFamily="18" charset="0"/>
+                        </a:rPr>
+                        <m:t>𝑦</m:t>
+                      </m:r>
+                      <m:r>
+                        <a:rPr lang="en-US" altLang="ko-KR" sz="3200" b="0" i="1" smtClean="0">
+                          <a:latin typeface="Cambria Math" panose="02040503050406030204" pitchFamily="18" charset="0"/>
+                        </a:rPr>
+                        <m:t>)</m:t>
+                      </m:r>
+                    </m:oMath>
+                  </m:oMathPara>
+                </a14:m>
+                <a:endParaRPr lang="ko-KR" altLang="en-US" sz="3200" dirty="0"/>
+              </a:p>
+            </p:txBody>
+          </p:sp>
+        </mc:Choice>
+        <mc:Fallback xmlns="">
+          <p:sp>
+            <p:nvSpPr>
+              <p:cNvPr id="111" name="TextBox 110">
+                <a:extLst>
+                  <a:ext uri="{FF2B5EF4-FFF2-40B4-BE49-F238E27FC236}">
+                    <a16:creationId xmlns:a16="http://schemas.microsoft.com/office/drawing/2014/main" id="{D9B3BBCE-6FA5-4B29-8A53-5BEC1AD1B06E}"/>
+                  </a:ext>
+                </a:extLst>
+              </p:cNvPr>
+              <p:cNvSpPr txBox="1">
+                <a:spLocks noRot="1" noChangeAspect="1" noMove="1" noResize="1" noEditPoints="1" noAdjustHandles="1" noChangeArrowheads="1" noChangeShapeType="1" noTextEdit="1"/>
+              </p:cNvSpPr>
+              <p:nvPr/>
+            </p:nvSpPr>
+            <p:spPr>
+              <a:xfrm>
+                <a:off x="1847565" y="3645024"/>
+                <a:ext cx="3312368" cy="584775"/>
+              </a:xfrm>
+              <a:prstGeom prst="rect">
+                <a:avLst/>
+              </a:prstGeom>
+              <a:blipFill>
+                <a:blip r:embed="rId6"/>
+                <a:stretch>
+                  <a:fillRect/>
+                </a:stretch>
+              </a:blipFill>
+            </p:spPr>
+            <p:txBody>
+              <a:bodyPr/>
+              <a:lstStyle/>
+              <a:p>
+                <a:r>
+                  <a:rPr lang="ko-KR" altLang="en-US">
+                    <a:noFill/>
+                  </a:rPr>
+                  <a:t> </a:t>
+                </a:r>
+              </a:p>
+            </p:txBody>
+          </p:sp>
+        </mc:Fallback>
+      </mc:AlternateContent>
+      <p:cxnSp>
+        <p:nvCxnSpPr>
+          <p:cNvPr id="4" name="직선 화살표 연결선 3">
+            <a:extLst>
+              <a:ext uri="{FF2B5EF4-FFF2-40B4-BE49-F238E27FC236}">
+                <a16:creationId xmlns:a16="http://schemas.microsoft.com/office/drawing/2014/main" id="{0E1166CE-0F1C-41A8-B4F2-6C12FE521DB5}"/>
+              </a:ext>
+            </a:extLst>
+          </p:cNvPr>
+          <p:cNvCxnSpPr>
+            <a:cxnSpLocks/>
+          </p:cNvCxnSpPr>
+          <p:nvPr/>
+        </p:nvCxnSpPr>
+        <p:spPr>
+          <a:xfrm>
+            <a:off x="2118210" y="6250960"/>
+            <a:ext cx="2715319" cy="0"/>
+          </a:xfrm>
+          <a:prstGeom prst="straightConnector1">
+            <a:avLst/>
+          </a:prstGeom>
+          <a:ln>
+            <a:tailEnd type="triangle"/>
+          </a:ln>
+        </p:spPr>
+        <p:style>
+          <a:lnRef idx="1">
+            <a:schemeClr val="dk1"/>
+          </a:lnRef>
+          <a:fillRef idx="0">
+            <a:schemeClr val="dk1"/>
+          </a:fillRef>
+          <a:effectRef idx="0">
+            <a:schemeClr val="dk1"/>
+          </a:effectRef>
+          <a:fontRef idx="minor">
+            <a:schemeClr val="tx1"/>
+          </a:fontRef>
+        </p:style>
+      </p:cxnSp>
+      <p:cxnSp>
+        <p:nvCxnSpPr>
+          <p:cNvPr id="6" name="직선 화살표 연결선 5">
+            <a:extLst>
+              <a:ext uri="{FF2B5EF4-FFF2-40B4-BE49-F238E27FC236}">
+                <a16:creationId xmlns:a16="http://schemas.microsoft.com/office/drawing/2014/main" id="{71410AA7-C82A-4523-8897-C0A7D3974E61}"/>
+              </a:ext>
+            </a:extLst>
+          </p:cNvPr>
+          <p:cNvCxnSpPr>
+            <a:cxnSpLocks/>
+          </p:cNvCxnSpPr>
+          <p:nvPr/>
+        </p:nvCxnSpPr>
+        <p:spPr>
+          <a:xfrm flipV="1">
+            <a:off x="2357038" y="4058509"/>
+            <a:ext cx="0" cy="2394827"/>
+          </a:xfrm>
+          <a:prstGeom prst="straightConnector1">
+            <a:avLst/>
+          </a:prstGeom>
+          <a:ln>
+            <a:tailEnd type="triangle"/>
+          </a:ln>
+        </p:spPr>
+        <p:style>
+          <a:lnRef idx="1">
+            <a:schemeClr val="dk1"/>
+          </a:lnRef>
+          <a:fillRef idx="0">
+            <a:schemeClr val="dk1"/>
+          </a:fillRef>
+          <a:effectRef idx="0">
+            <a:schemeClr val="dk1"/>
+          </a:effectRef>
+          <a:fontRef idx="minor">
+            <a:schemeClr val="tx1"/>
+          </a:fontRef>
+        </p:style>
+      </p:cxnSp>
+      <p:cxnSp>
+        <p:nvCxnSpPr>
+          <p:cNvPr id="8" name="직선 연결선 7">
+            <a:extLst>
+              <a:ext uri="{FF2B5EF4-FFF2-40B4-BE49-F238E27FC236}">
+                <a16:creationId xmlns:a16="http://schemas.microsoft.com/office/drawing/2014/main" id="{8B078679-7873-41C4-81F3-974ED02389AB}"/>
+              </a:ext>
+            </a:extLst>
+          </p:cNvPr>
+          <p:cNvCxnSpPr/>
+          <p:nvPr/>
+        </p:nvCxnSpPr>
+        <p:spPr>
+          <a:xfrm>
+            <a:off x="2698118" y="6178955"/>
+            <a:ext cx="0" cy="144010"/>
+          </a:xfrm>
+          <a:prstGeom prst="line">
+            <a:avLst/>
+          </a:prstGeom>
+        </p:spPr>
+        <p:style>
+          <a:lnRef idx="1">
+            <a:schemeClr val="dk1"/>
+          </a:lnRef>
+          <a:fillRef idx="0">
+            <a:schemeClr val="dk1"/>
+          </a:fillRef>
+          <a:effectRef idx="0">
+            <a:schemeClr val="dk1"/>
+          </a:effectRef>
+          <a:fontRef idx="minor">
+            <a:schemeClr val="tx1"/>
+          </a:fontRef>
+        </p:style>
+      </p:cxnSp>
+      <p:cxnSp>
+        <p:nvCxnSpPr>
+          <p:cNvPr id="114" name="직선 연결선 113">
+            <a:extLst>
+              <a:ext uri="{FF2B5EF4-FFF2-40B4-BE49-F238E27FC236}">
+                <a16:creationId xmlns:a16="http://schemas.microsoft.com/office/drawing/2014/main" id="{1D5D95B0-21AF-4791-A5D9-E9E1FDCD3897}"/>
+              </a:ext>
+            </a:extLst>
+          </p:cNvPr>
+          <p:cNvCxnSpPr/>
+          <p:nvPr/>
+        </p:nvCxnSpPr>
+        <p:spPr>
+          <a:xfrm>
+            <a:off x="4186424" y="6178955"/>
+            <a:ext cx="0" cy="144010"/>
+          </a:xfrm>
+          <a:prstGeom prst="line">
+            <a:avLst/>
+          </a:prstGeom>
+        </p:spPr>
+        <p:style>
+          <a:lnRef idx="1">
+            <a:schemeClr val="dk1"/>
+          </a:lnRef>
+          <a:fillRef idx="0">
+            <a:schemeClr val="dk1"/>
+          </a:fillRef>
+          <a:effectRef idx="0">
+            <a:schemeClr val="dk1"/>
+          </a:effectRef>
+          <a:fontRef idx="minor">
+            <a:schemeClr val="tx1"/>
+          </a:fontRef>
+        </p:style>
+      </p:cxnSp>
+      <p:cxnSp>
+        <p:nvCxnSpPr>
+          <p:cNvPr id="118" name="직선 연결선 117">
+            <a:extLst>
+              <a:ext uri="{FF2B5EF4-FFF2-40B4-BE49-F238E27FC236}">
+                <a16:creationId xmlns:a16="http://schemas.microsoft.com/office/drawing/2014/main" id="{C919C741-C8EF-4680-BC02-1FF1E583E218}"/>
+              </a:ext>
+            </a:extLst>
+          </p:cNvPr>
+          <p:cNvCxnSpPr>
+            <a:cxnSpLocks/>
+          </p:cNvCxnSpPr>
+          <p:nvPr/>
+        </p:nvCxnSpPr>
+        <p:spPr>
+          <a:xfrm rot="5400000">
+            <a:off x="2357038" y="5842320"/>
+            <a:ext cx="0" cy="171558"/>
+          </a:xfrm>
+          <a:prstGeom prst="line">
+            <a:avLst/>
+          </a:prstGeom>
+        </p:spPr>
+        <p:style>
+          <a:lnRef idx="1">
+            <a:schemeClr val="dk1"/>
+          </a:lnRef>
+          <a:fillRef idx="0">
+            <a:schemeClr val="dk1"/>
+          </a:fillRef>
+          <a:effectRef idx="0">
+            <a:schemeClr val="dk1"/>
+          </a:effectRef>
+          <a:fontRef idx="minor">
+            <a:schemeClr val="tx1"/>
+          </a:fontRef>
+        </p:style>
+      </p:cxnSp>
+      <p:cxnSp>
+        <p:nvCxnSpPr>
+          <p:cNvPr id="119" name="직선 연결선 118">
+            <a:extLst>
+              <a:ext uri="{FF2B5EF4-FFF2-40B4-BE49-F238E27FC236}">
+                <a16:creationId xmlns:a16="http://schemas.microsoft.com/office/drawing/2014/main" id="{272FF17A-9EAE-4048-B7B5-376518F32B7B}"/>
+              </a:ext>
+            </a:extLst>
+          </p:cNvPr>
+          <p:cNvCxnSpPr>
+            <a:cxnSpLocks/>
+          </p:cNvCxnSpPr>
+          <p:nvPr/>
+        </p:nvCxnSpPr>
+        <p:spPr>
+          <a:xfrm rot="5400000">
+            <a:off x="2357038" y="4344025"/>
+            <a:ext cx="0" cy="171558"/>
+          </a:xfrm>
+          <a:prstGeom prst="line">
+            <a:avLst/>
+          </a:prstGeom>
+        </p:spPr>
+        <p:style>
+          <a:lnRef idx="1">
+            <a:schemeClr val="dk1"/>
+          </a:lnRef>
+          <a:fillRef idx="0">
+            <a:schemeClr val="dk1"/>
+          </a:fillRef>
+          <a:effectRef idx="0">
+            <a:schemeClr val="dk1"/>
+          </a:effectRef>
+          <a:fontRef idx="minor">
+            <a:schemeClr val="tx1"/>
+          </a:fontRef>
+        </p:style>
+      </p:cxnSp>
+      <mc:AlternateContent xmlns:mc="http://schemas.openxmlformats.org/markup-compatibility/2006" xmlns:a14="http://schemas.microsoft.com/office/drawing/2010/main">
+        <mc:Choice Requires="a14">
+          <p:sp>
+            <p:nvSpPr>
+              <p:cNvPr id="11" name="TextBox 10">
+                <a:extLst>
+                  <a:ext uri="{FF2B5EF4-FFF2-40B4-BE49-F238E27FC236}">
+                    <a16:creationId xmlns:a16="http://schemas.microsoft.com/office/drawing/2014/main" id="{66E5F592-B218-43CF-A601-DB291A5CB280}"/>
+                  </a:ext>
+                </a:extLst>
+              </p:cNvPr>
+              <p:cNvSpPr txBox="1"/>
+              <p:nvPr/>
+            </p:nvSpPr>
+            <p:spPr>
+              <a:xfrm>
+                <a:off x="2522896" y="6314526"/>
+                <a:ext cx="400302" cy="369332"/>
+              </a:xfrm>
+              <a:prstGeom prst="rect">
+                <a:avLst/>
+              </a:prstGeom>
+              <a:noFill/>
+            </p:spPr>
+            <p:txBody>
+              <a:bodyPr wrap="none" rtlCol="0">
+                <a:spAutoFit/>
+              </a:bodyPr>
+              <a:lstStyle/>
+              <a:p>
+                <a:pPr/>
+                <a14:m>
+                  <m:oMathPara xmlns:m="http://schemas.openxmlformats.org/officeDocument/2006/math">
+                    <m:oMathParaPr>
+                      <m:jc m:val="centerGroup"/>
+                    </m:oMathParaPr>
+                    <m:oMath xmlns:m="http://schemas.openxmlformats.org/officeDocument/2006/math">
+                      <m:r>
+                        <a:rPr lang="en-US" altLang="ko-KR" b="0" i="1" smtClean="0">
+                          <a:latin typeface="Cambria Math" panose="02040503050406030204" pitchFamily="18" charset="0"/>
+                        </a:rPr>
+                        <m:t>𝑎</m:t>
+                      </m:r>
+                    </m:oMath>
+                  </m:oMathPara>
+                </a14:m>
+                <a:endParaRPr lang="ko-KR" altLang="en-US" dirty="0"/>
+              </a:p>
+            </p:txBody>
+          </p:sp>
+        </mc:Choice>
+        <mc:Fallback xmlns="">
+          <p:sp>
+            <p:nvSpPr>
+              <p:cNvPr id="11" name="TextBox 10">
+                <a:extLst>
+                  <a:ext uri="{FF2B5EF4-FFF2-40B4-BE49-F238E27FC236}">
+                    <a16:creationId xmlns:a16="http://schemas.microsoft.com/office/drawing/2014/main" id="{66E5F592-B218-43CF-A601-DB291A5CB280}"/>
+                  </a:ext>
+                </a:extLst>
+              </p:cNvPr>
+              <p:cNvSpPr txBox="1">
+                <a:spLocks noRot="1" noChangeAspect="1" noMove="1" noResize="1" noEditPoints="1" noAdjustHandles="1" noChangeArrowheads="1" noChangeShapeType="1" noTextEdit="1"/>
+              </p:cNvSpPr>
+              <p:nvPr/>
+            </p:nvSpPr>
+            <p:spPr>
+              <a:xfrm>
+                <a:off x="2522896" y="6314526"/>
+                <a:ext cx="400302" cy="369332"/>
+              </a:xfrm>
+              <a:prstGeom prst="rect">
+                <a:avLst/>
+              </a:prstGeom>
+              <a:blipFill>
+                <a:blip r:embed="rId7"/>
+                <a:stretch>
+                  <a:fillRect/>
+                </a:stretch>
+              </a:blipFill>
+            </p:spPr>
+            <p:txBody>
+              <a:bodyPr/>
+              <a:lstStyle/>
+              <a:p>
+                <a:r>
+                  <a:rPr lang="ko-KR" altLang="en-US">
+                    <a:noFill/>
+                  </a:rPr>
+                  <a:t> </a:t>
+                </a:r>
+              </a:p>
+            </p:txBody>
+          </p:sp>
+        </mc:Fallback>
+      </mc:AlternateContent>
+      <mc:AlternateContent xmlns:mc="http://schemas.openxmlformats.org/markup-compatibility/2006" xmlns:a14="http://schemas.microsoft.com/office/drawing/2010/main">
+        <mc:Choice Requires="a14">
+          <p:sp>
+            <p:nvSpPr>
+              <p:cNvPr id="120" name="TextBox 119">
+                <a:extLst>
+                  <a:ext uri="{FF2B5EF4-FFF2-40B4-BE49-F238E27FC236}">
+                    <a16:creationId xmlns:a16="http://schemas.microsoft.com/office/drawing/2014/main" id="{F48AA094-CCC8-49DA-9E56-C3E087ED9CE2}"/>
+                  </a:ext>
+                </a:extLst>
+              </p:cNvPr>
+              <p:cNvSpPr txBox="1"/>
+              <p:nvPr/>
+            </p:nvSpPr>
+            <p:spPr>
+              <a:xfrm>
+                <a:off x="3986273" y="6314526"/>
+                <a:ext cx="400302" cy="369332"/>
+              </a:xfrm>
+              <a:prstGeom prst="rect">
+                <a:avLst/>
+              </a:prstGeom>
+              <a:noFill/>
+            </p:spPr>
+            <p:txBody>
+              <a:bodyPr wrap="none" rtlCol="0">
+                <a:spAutoFit/>
+              </a:bodyPr>
+              <a:lstStyle/>
+              <a:p>
+                <a:pPr/>
+                <a14:m>
+                  <m:oMathPara xmlns:m="http://schemas.openxmlformats.org/officeDocument/2006/math">
+                    <m:oMathParaPr>
+                      <m:jc m:val="centerGroup"/>
+                    </m:oMathParaPr>
+                    <m:oMath xmlns:m="http://schemas.openxmlformats.org/officeDocument/2006/math">
+                      <m:r>
+                        <a:rPr lang="en-US" altLang="ko-KR" b="0" i="1" smtClean="0">
+                          <a:latin typeface="Cambria Math" panose="02040503050406030204" pitchFamily="18" charset="0"/>
+                        </a:rPr>
+                        <m:t>𝑏</m:t>
+                      </m:r>
+                    </m:oMath>
+                  </m:oMathPara>
+                </a14:m>
+                <a:endParaRPr lang="ko-KR" altLang="en-US" dirty="0"/>
+              </a:p>
+            </p:txBody>
+          </p:sp>
+        </mc:Choice>
+        <mc:Fallback xmlns="">
+          <p:sp>
+            <p:nvSpPr>
+              <p:cNvPr id="120" name="TextBox 119">
+                <a:extLst>
+                  <a:ext uri="{FF2B5EF4-FFF2-40B4-BE49-F238E27FC236}">
+                    <a16:creationId xmlns:a16="http://schemas.microsoft.com/office/drawing/2014/main" id="{F48AA094-CCC8-49DA-9E56-C3E087ED9CE2}"/>
+                  </a:ext>
+                </a:extLst>
+              </p:cNvPr>
+              <p:cNvSpPr txBox="1">
+                <a:spLocks noRot="1" noChangeAspect="1" noMove="1" noResize="1" noEditPoints="1" noAdjustHandles="1" noChangeArrowheads="1" noChangeShapeType="1" noTextEdit="1"/>
+              </p:cNvSpPr>
+              <p:nvPr/>
+            </p:nvSpPr>
+            <p:spPr>
+              <a:xfrm>
+                <a:off x="3986273" y="6314526"/>
+                <a:ext cx="400302" cy="369332"/>
+              </a:xfrm>
+              <a:prstGeom prst="rect">
+                <a:avLst/>
+              </a:prstGeom>
+              <a:blipFill>
+                <a:blip r:embed="rId8"/>
+                <a:stretch>
+                  <a:fillRect/>
+                </a:stretch>
+              </a:blipFill>
+            </p:spPr>
+            <p:txBody>
+              <a:bodyPr/>
+              <a:lstStyle/>
+              <a:p>
+                <a:r>
+                  <a:rPr lang="ko-KR" altLang="en-US">
+                    <a:noFill/>
+                  </a:rPr>
+                  <a:t> </a:t>
+                </a:r>
+              </a:p>
+            </p:txBody>
+          </p:sp>
+        </mc:Fallback>
+      </mc:AlternateContent>
+      <mc:AlternateContent xmlns:mc="http://schemas.openxmlformats.org/markup-compatibility/2006" xmlns:a14="http://schemas.microsoft.com/office/drawing/2010/main">
+        <mc:Choice Requires="a14">
+          <p:sp>
+            <p:nvSpPr>
+              <p:cNvPr id="121" name="TextBox 120">
+                <a:extLst>
+                  <a:ext uri="{FF2B5EF4-FFF2-40B4-BE49-F238E27FC236}">
+                    <a16:creationId xmlns:a16="http://schemas.microsoft.com/office/drawing/2014/main" id="{6EF04BD0-1396-4CC3-8D42-5398CD48B72D}"/>
+                  </a:ext>
+                </a:extLst>
+              </p:cNvPr>
+              <p:cNvSpPr txBox="1"/>
+              <p:nvPr/>
+            </p:nvSpPr>
+            <p:spPr>
+              <a:xfrm>
+                <a:off x="1868469" y="5743433"/>
+                <a:ext cx="400302" cy="369332"/>
+              </a:xfrm>
+              <a:prstGeom prst="rect">
+                <a:avLst/>
+              </a:prstGeom>
+              <a:noFill/>
+            </p:spPr>
+            <p:txBody>
+              <a:bodyPr wrap="none" rtlCol="0">
+                <a:spAutoFit/>
+              </a:bodyPr>
+              <a:lstStyle/>
+              <a:p>
+                <a:pPr/>
+                <a14:m>
+                  <m:oMathPara xmlns:m="http://schemas.openxmlformats.org/officeDocument/2006/math">
+                    <m:oMathParaPr>
+                      <m:jc m:val="centerGroup"/>
+                    </m:oMathParaPr>
+                    <m:oMath xmlns:m="http://schemas.openxmlformats.org/officeDocument/2006/math">
+                      <m:r>
+                        <a:rPr lang="en-US" altLang="ko-KR" b="0" i="1" smtClean="0">
+                          <a:latin typeface="Cambria Math" panose="02040503050406030204" pitchFamily="18" charset="0"/>
+                        </a:rPr>
+                        <m:t>𝑎</m:t>
+                      </m:r>
+                    </m:oMath>
+                  </m:oMathPara>
+                </a14:m>
+                <a:endParaRPr lang="ko-KR" altLang="en-US" dirty="0"/>
+              </a:p>
+            </p:txBody>
+          </p:sp>
+        </mc:Choice>
+        <mc:Fallback xmlns="">
+          <p:sp>
+            <p:nvSpPr>
+              <p:cNvPr id="121" name="TextBox 120">
+                <a:extLst>
+                  <a:ext uri="{FF2B5EF4-FFF2-40B4-BE49-F238E27FC236}">
+                    <a16:creationId xmlns:a16="http://schemas.microsoft.com/office/drawing/2014/main" id="{6EF04BD0-1396-4CC3-8D42-5398CD48B72D}"/>
+                  </a:ext>
+                </a:extLst>
+              </p:cNvPr>
+              <p:cNvSpPr txBox="1">
+                <a:spLocks noRot="1" noChangeAspect="1" noMove="1" noResize="1" noEditPoints="1" noAdjustHandles="1" noChangeArrowheads="1" noChangeShapeType="1" noTextEdit="1"/>
+              </p:cNvSpPr>
+              <p:nvPr/>
+            </p:nvSpPr>
+            <p:spPr>
+              <a:xfrm>
+                <a:off x="1868469" y="5743433"/>
+                <a:ext cx="400302" cy="369332"/>
+              </a:xfrm>
+              <a:prstGeom prst="rect">
+                <a:avLst/>
+              </a:prstGeom>
+              <a:blipFill>
+                <a:blip r:embed="rId9"/>
+                <a:stretch>
+                  <a:fillRect/>
+                </a:stretch>
+              </a:blipFill>
+            </p:spPr>
+            <p:txBody>
+              <a:bodyPr/>
+              <a:lstStyle/>
+              <a:p>
+                <a:r>
+                  <a:rPr lang="ko-KR" altLang="en-US">
+                    <a:noFill/>
+                  </a:rPr>
+                  <a:t> </a:t>
+                </a:r>
+              </a:p>
+            </p:txBody>
+          </p:sp>
+        </mc:Fallback>
+      </mc:AlternateContent>
+      <mc:AlternateContent xmlns:mc="http://schemas.openxmlformats.org/markup-compatibility/2006" xmlns:a14="http://schemas.microsoft.com/office/drawing/2010/main">
+        <mc:Choice Requires="a14">
+          <p:sp>
+            <p:nvSpPr>
+              <p:cNvPr id="122" name="TextBox 121">
+                <a:extLst>
+                  <a:ext uri="{FF2B5EF4-FFF2-40B4-BE49-F238E27FC236}">
+                    <a16:creationId xmlns:a16="http://schemas.microsoft.com/office/drawing/2014/main" id="{0AC415B7-524A-42C7-B65E-C10FD10E7F15}"/>
+                  </a:ext>
+                </a:extLst>
+              </p:cNvPr>
+              <p:cNvSpPr txBox="1"/>
+              <p:nvPr/>
+            </p:nvSpPr>
+            <p:spPr>
+              <a:xfrm>
+                <a:off x="1868469" y="4250454"/>
+                <a:ext cx="396519" cy="369332"/>
+              </a:xfrm>
+              <a:prstGeom prst="rect">
+                <a:avLst/>
+              </a:prstGeom>
+              <a:noFill/>
+            </p:spPr>
+            <p:txBody>
+              <a:bodyPr wrap="none" rtlCol="0">
+                <a:spAutoFit/>
+              </a:bodyPr>
+              <a:lstStyle/>
+              <a:p>
+                <a:pPr/>
+                <a14:m>
+                  <m:oMathPara xmlns:m="http://schemas.openxmlformats.org/officeDocument/2006/math">
+                    <m:oMathParaPr>
+                      <m:jc m:val="centerGroup"/>
+                    </m:oMathParaPr>
+                    <m:oMath xmlns:m="http://schemas.openxmlformats.org/officeDocument/2006/math">
+                      <m:r>
+                        <a:rPr lang="en-US" altLang="ko-KR" b="0" i="1" smtClean="0">
+                          <a:latin typeface="Cambria Math" panose="02040503050406030204" pitchFamily="18" charset="0"/>
+                        </a:rPr>
+                        <m:t>𝑏</m:t>
+                      </m:r>
+                    </m:oMath>
+                  </m:oMathPara>
+                </a14:m>
+                <a:endParaRPr lang="ko-KR" altLang="en-US" dirty="0"/>
+              </a:p>
+            </p:txBody>
+          </p:sp>
+        </mc:Choice>
+        <mc:Fallback xmlns="">
+          <p:sp>
+            <p:nvSpPr>
+              <p:cNvPr id="122" name="TextBox 121">
+                <a:extLst>
+                  <a:ext uri="{FF2B5EF4-FFF2-40B4-BE49-F238E27FC236}">
+                    <a16:creationId xmlns:a16="http://schemas.microsoft.com/office/drawing/2014/main" id="{0AC415B7-524A-42C7-B65E-C10FD10E7F15}"/>
+                  </a:ext>
+                </a:extLst>
+              </p:cNvPr>
+              <p:cNvSpPr txBox="1">
+                <a:spLocks noRot="1" noChangeAspect="1" noMove="1" noResize="1" noEditPoints="1" noAdjustHandles="1" noChangeArrowheads="1" noChangeShapeType="1" noTextEdit="1"/>
+              </p:cNvSpPr>
+              <p:nvPr/>
+            </p:nvSpPr>
+            <p:spPr>
+              <a:xfrm>
+                <a:off x="1868469" y="4250454"/>
+                <a:ext cx="396519" cy="369332"/>
+              </a:xfrm>
+              <a:prstGeom prst="rect">
+                <a:avLst/>
+              </a:prstGeom>
+              <a:blipFill>
+                <a:blip r:embed="rId10"/>
+                <a:stretch>
+                  <a:fillRect/>
+                </a:stretch>
+              </a:blipFill>
+            </p:spPr>
+            <p:txBody>
+              <a:bodyPr/>
+              <a:lstStyle/>
+              <a:p>
+                <a:r>
+                  <a:rPr lang="ko-KR" altLang="en-US">
+                    <a:noFill/>
+                  </a:rPr>
+                  <a:t> </a:t>
+                </a:r>
+              </a:p>
+            </p:txBody>
+          </p:sp>
+        </mc:Fallback>
+      </mc:AlternateContent>
+      <mc:AlternateContent xmlns:mc="http://schemas.openxmlformats.org/markup-compatibility/2006" xmlns:a14="http://schemas.microsoft.com/office/drawing/2010/main">
+        <mc:Choice Requires="a14">
+          <p:sp>
+            <p:nvSpPr>
+              <p:cNvPr id="123" name="TextBox 122">
+                <a:extLst>
+                  <a:ext uri="{FF2B5EF4-FFF2-40B4-BE49-F238E27FC236}">
+                    <a16:creationId xmlns:a16="http://schemas.microsoft.com/office/drawing/2014/main" id="{B350F9F3-8C8D-480C-857F-D578D9AA89AD}"/>
+                  </a:ext>
+                </a:extLst>
+              </p:cNvPr>
+              <p:cNvSpPr txBox="1"/>
+              <p:nvPr/>
+            </p:nvSpPr>
+            <p:spPr>
+              <a:xfrm>
+                <a:off x="4575263" y="5818912"/>
+                <a:ext cx="400302" cy="369332"/>
+              </a:xfrm>
+              <a:prstGeom prst="rect">
+                <a:avLst/>
+              </a:prstGeom>
+              <a:noFill/>
+            </p:spPr>
+            <p:txBody>
+              <a:bodyPr wrap="none" rtlCol="0">
+                <a:spAutoFit/>
+              </a:bodyPr>
+              <a:lstStyle/>
+              <a:p>
+                <a:pPr/>
+                <a14:m>
+                  <m:oMathPara xmlns:m="http://schemas.openxmlformats.org/officeDocument/2006/math">
+                    <m:oMathParaPr>
+                      <m:jc m:val="centerGroup"/>
+                    </m:oMathParaPr>
+                    <m:oMath xmlns:m="http://schemas.openxmlformats.org/officeDocument/2006/math">
+                      <m:r>
+                        <a:rPr lang="en-US" altLang="ko-KR" b="0" i="1" smtClean="0">
+                          <a:latin typeface="Cambria Math" panose="02040503050406030204" pitchFamily="18" charset="0"/>
+                        </a:rPr>
+                        <m:t>𝑥</m:t>
+                      </m:r>
+                    </m:oMath>
+                  </m:oMathPara>
+                </a14:m>
+                <a:endParaRPr lang="ko-KR" altLang="en-US" dirty="0"/>
+              </a:p>
+            </p:txBody>
+          </p:sp>
+        </mc:Choice>
+        <mc:Fallback xmlns="">
+          <p:sp>
+            <p:nvSpPr>
+              <p:cNvPr id="123" name="TextBox 122">
+                <a:extLst>
+                  <a:ext uri="{FF2B5EF4-FFF2-40B4-BE49-F238E27FC236}">
+                    <a16:creationId xmlns:a16="http://schemas.microsoft.com/office/drawing/2014/main" id="{B350F9F3-8C8D-480C-857F-D578D9AA89AD}"/>
+                  </a:ext>
+                </a:extLst>
+              </p:cNvPr>
+              <p:cNvSpPr txBox="1">
+                <a:spLocks noRot="1" noChangeAspect="1" noMove="1" noResize="1" noEditPoints="1" noAdjustHandles="1" noChangeArrowheads="1" noChangeShapeType="1" noTextEdit="1"/>
+              </p:cNvSpPr>
+              <p:nvPr/>
+            </p:nvSpPr>
+            <p:spPr>
+              <a:xfrm>
+                <a:off x="4575263" y="5818912"/>
+                <a:ext cx="400302" cy="369332"/>
+              </a:xfrm>
+              <a:prstGeom prst="rect">
+                <a:avLst/>
+              </a:prstGeom>
+              <a:blipFill>
+                <a:blip r:embed="rId11"/>
+                <a:stretch>
+                  <a:fillRect/>
+                </a:stretch>
+              </a:blipFill>
+            </p:spPr>
+            <p:txBody>
+              <a:bodyPr/>
+              <a:lstStyle/>
+              <a:p>
+                <a:r>
+                  <a:rPr lang="ko-KR" altLang="en-US">
+                    <a:noFill/>
+                  </a:rPr>
+                  <a:t> </a:t>
+                </a:r>
+              </a:p>
+            </p:txBody>
+          </p:sp>
+        </mc:Fallback>
+      </mc:AlternateContent>
+      <mc:AlternateContent xmlns:mc="http://schemas.openxmlformats.org/markup-compatibility/2006" xmlns:a14="http://schemas.microsoft.com/office/drawing/2010/main">
+        <mc:Choice Requires="a14">
+          <p:sp>
+            <p:nvSpPr>
+              <p:cNvPr id="125" name="TextBox 124">
+                <a:extLst>
+                  <a:ext uri="{FF2B5EF4-FFF2-40B4-BE49-F238E27FC236}">
+                    <a16:creationId xmlns:a16="http://schemas.microsoft.com/office/drawing/2014/main" id="{5B8F3F88-4AA8-4B3C-AA63-7C5309423F53}"/>
+                  </a:ext>
+                </a:extLst>
+              </p:cNvPr>
+              <p:cNvSpPr txBox="1"/>
+              <p:nvPr/>
+            </p:nvSpPr>
+            <p:spPr>
+              <a:xfrm>
+                <a:off x="1955346" y="3785287"/>
+                <a:ext cx="400238" cy="369332"/>
+              </a:xfrm>
+              <a:prstGeom prst="rect">
+                <a:avLst/>
+              </a:prstGeom>
+              <a:noFill/>
+            </p:spPr>
+            <p:txBody>
+              <a:bodyPr wrap="none" rtlCol="0">
+                <a:spAutoFit/>
+              </a:bodyPr>
+              <a:lstStyle/>
+              <a:p>
+                <a:pPr/>
+                <a14:m>
+                  <m:oMathPara xmlns:m="http://schemas.openxmlformats.org/officeDocument/2006/math">
+                    <m:oMathParaPr>
+                      <m:jc m:val="centerGroup"/>
+                    </m:oMathParaPr>
+                    <m:oMath xmlns:m="http://schemas.openxmlformats.org/officeDocument/2006/math">
+                      <m:r>
+                        <a:rPr lang="en-US" altLang="ko-KR" b="0" i="1" smtClean="0">
+                          <a:latin typeface="Cambria Math" panose="02040503050406030204" pitchFamily="18" charset="0"/>
+                        </a:rPr>
+                        <m:t>𝑦</m:t>
+                      </m:r>
+                    </m:oMath>
+                  </m:oMathPara>
+                </a14:m>
+                <a:endParaRPr lang="ko-KR" altLang="en-US" dirty="0"/>
+              </a:p>
+            </p:txBody>
+          </p:sp>
+        </mc:Choice>
+        <mc:Fallback xmlns="">
+          <p:sp>
+            <p:nvSpPr>
+              <p:cNvPr id="125" name="TextBox 124">
+                <a:extLst>
+                  <a:ext uri="{FF2B5EF4-FFF2-40B4-BE49-F238E27FC236}">
+                    <a16:creationId xmlns:a16="http://schemas.microsoft.com/office/drawing/2014/main" id="{5B8F3F88-4AA8-4B3C-AA63-7C5309423F53}"/>
+                  </a:ext>
+                </a:extLst>
+              </p:cNvPr>
+              <p:cNvSpPr txBox="1">
+                <a:spLocks noRot="1" noChangeAspect="1" noMove="1" noResize="1" noEditPoints="1" noAdjustHandles="1" noChangeArrowheads="1" noChangeShapeType="1" noTextEdit="1"/>
+              </p:cNvSpPr>
+              <p:nvPr/>
+            </p:nvSpPr>
+            <p:spPr>
+              <a:xfrm>
+                <a:off x="1955346" y="3785287"/>
+                <a:ext cx="400238" cy="369332"/>
+              </a:xfrm>
+              <a:prstGeom prst="rect">
+                <a:avLst/>
+              </a:prstGeom>
+              <a:blipFill>
+                <a:blip r:embed="rId12"/>
+                <a:stretch>
+                  <a:fillRect b="-8197"/>
+                </a:stretch>
+              </a:blipFill>
+            </p:spPr>
+            <p:txBody>
+              <a:bodyPr/>
+              <a:lstStyle/>
+              <a:p>
+                <a:r>
+                  <a:rPr lang="ko-KR" altLang="en-US">
+                    <a:noFill/>
+                  </a:rPr>
+                  <a:t> </a:t>
+                </a:r>
+              </a:p>
+            </p:txBody>
+          </p:sp>
+        </mc:Fallback>
+      </mc:AlternateContent>
+      <p:pic>
+        <p:nvPicPr>
+          <p:cNvPr id="5" name="그림 4">
+            <a:extLst>
+              <a:ext uri="{FF2B5EF4-FFF2-40B4-BE49-F238E27FC236}">
+                <a16:creationId xmlns:a16="http://schemas.microsoft.com/office/drawing/2014/main" id="{1F354776-6E9F-4D80-A705-D80635FAF05A}"/>
+              </a:ext>
+            </a:extLst>
+          </p:cNvPr>
+          <p:cNvPicPr>
+            <a:picLocks noChangeAspect="1"/>
+          </p:cNvPicPr>
+          <p:nvPr/>
+        </p:nvPicPr>
+        <p:blipFill>
+          <a:blip r:embed="rId13"/>
+          <a:stretch>
+            <a:fillRect/>
+          </a:stretch>
+        </p:blipFill>
+        <p:spPr>
+          <a:xfrm>
+            <a:off x="2688897" y="4430230"/>
+            <a:ext cx="1497869" cy="1497869"/>
+          </a:xfrm>
+          <a:prstGeom prst="rect">
+            <a:avLst/>
+          </a:prstGeom>
+        </p:spPr>
+      </p:pic>
+      <mc:AlternateContent xmlns:mc="http://schemas.openxmlformats.org/markup-compatibility/2006" xmlns:a14="http://schemas.microsoft.com/office/drawing/2010/main">
+        <mc:Choice Requires="a14">
+          <p:sp>
+            <p:nvSpPr>
+              <p:cNvPr id="126" name="TextBox 125">
+                <a:extLst>
+                  <a:ext uri="{FF2B5EF4-FFF2-40B4-BE49-F238E27FC236}">
+                    <a16:creationId xmlns:a16="http://schemas.microsoft.com/office/drawing/2014/main" id="{2B8016A5-37AD-4EB4-9C29-27AF7CB5CE74}"/>
+                  </a:ext>
+                </a:extLst>
+              </p:cNvPr>
+              <p:cNvSpPr txBox="1"/>
+              <p:nvPr/>
+            </p:nvSpPr>
+            <p:spPr>
+              <a:xfrm>
+                <a:off x="5288681" y="5743433"/>
+                <a:ext cx="400302" cy="369332"/>
+              </a:xfrm>
+              <a:prstGeom prst="rect">
+                <a:avLst/>
+              </a:prstGeom>
+              <a:noFill/>
+            </p:spPr>
+            <p:txBody>
+              <a:bodyPr wrap="none" rtlCol="0">
+                <a:spAutoFit/>
+              </a:bodyPr>
+              <a:lstStyle/>
+              <a:p>
+                <a:pPr/>
+                <a14:m>
+                  <m:oMathPara xmlns:m="http://schemas.openxmlformats.org/officeDocument/2006/math">
+                    <m:oMathParaPr>
+                      <m:jc m:val="centerGroup"/>
+                    </m:oMathParaPr>
+                    <m:oMath xmlns:m="http://schemas.openxmlformats.org/officeDocument/2006/math">
+                      <m:r>
+                        <a:rPr lang="en-US" altLang="ko-KR" b="0" i="1" smtClean="0">
+                          <a:latin typeface="Cambria Math" panose="02040503050406030204" pitchFamily="18" charset="0"/>
+                        </a:rPr>
+                        <m:t>𝑎</m:t>
+                      </m:r>
+                    </m:oMath>
+                  </m:oMathPara>
+                </a14:m>
+                <a:endParaRPr lang="ko-KR" altLang="en-US" dirty="0"/>
+              </a:p>
+            </p:txBody>
+          </p:sp>
+        </mc:Choice>
+        <mc:Fallback xmlns="">
+          <p:sp>
+            <p:nvSpPr>
+              <p:cNvPr id="126" name="TextBox 125">
+                <a:extLst>
+                  <a:ext uri="{FF2B5EF4-FFF2-40B4-BE49-F238E27FC236}">
+                    <a16:creationId xmlns:a16="http://schemas.microsoft.com/office/drawing/2014/main" id="{2B8016A5-37AD-4EB4-9C29-27AF7CB5CE74}"/>
+                  </a:ext>
+                </a:extLst>
+              </p:cNvPr>
+              <p:cNvSpPr txBox="1">
+                <a:spLocks noRot="1" noChangeAspect="1" noMove="1" noResize="1" noEditPoints="1" noAdjustHandles="1" noChangeArrowheads="1" noChangeShapeType="1" noTextEdit="1"/>
+              </p:cNvSpPr>
+              <p:nvPr/>
+            </p:nvSpPr>
+            <p:spPr>
+              <a:xfrm>
+                <a:off x="5288681" y="5743433"/>
+                <a:ext cx="400302" cy="369332"/>
+              </a:xfrm>
+              <a:prstGeom prst="rect">
+                <a:avLst/>
+              </a:prstGeom>
+              <a:blipFill>
+                <a:blip r:embed="rId14"/>
+                <a:stretch>
+                  <a:fillRect/>
+                </a:stretch>
+              </a:blipFill>
+            </p:spPr>
+            <p:txBody>
+              <a:bodyPr/>
+              <a:lstStyle/>
+              <a:p>
+                <a:r>
+                  <a:rPr lang="ko-KR" altLang="en-US">
+                    <a:noFill/>
+                  </a:rPr>
+                  <a:t> </a:t>
+                </a:r>
+              </a:p>
+            </p:txBody>
+          </p:sp>
+        </mc:Fallback>
+      </mc:AlternateContent>
+      <p:sp>
+        <p:nvSpPr>
+          <p:cNvPr id="113" name="TextBox 112">
+            <a:extLst>
+              <a:ext uri="{FF2B5EF4-FFF2-40B4-BE49-F238E27FC236}">
+                <a16:creationId xmlns:a16="http://schemas.microsoft.com/office/drawing/2014/main" id="{D9166D77-F83B-4518-8A8C-264993F2F998}"/>
+              </a:ext>
+            </a:extLst>
+          </p:cNvPr>
+          <p:cNvSpPr txBox="1"/>
+          <p:nvPr/>
+        </p:nvSpPr>
+        <p:spPr>
+          <a:xfrm>
+            <a:off x="5807317" y="3554654"/>
+            <a:ext cx="2762673" cy="646331"/>
+          </a:xfrm>
+          <a:prstGeom prst="rect">
+            <a:avLst/>
+          </a:prstGeom>
+          <a:noFill/>
+        </p:spPr>
+        <p:txBody>
+          <a:bodyPr wrap="square" rtlCol="0">
+            <a:spAutoFit/>
+          </a:bodyPr>
+          <a:lstStyle/>
+          <a:p>
+            <a:pPr algn="ctr"/>
+            <a:r>
+              <a:rPr lang="en-US" altLang="ko-KR" b="1" dirty="0">
+                <a:latin typeface="나눔고딕" panose="020D0604000000000000" pitchFamily="50" charset="-127"/>
+                <a:ea typeface="나눔고딕" panose="020D0604000000000000" pitchFamily="50" charset="-127"/>
+              </a:rPr>
+              <a:t>A series of</a:t>
+            </a:r>
+          </a:p>
+          <a:p>
+            <a:pPr algn="ctr"/>
+            <a:r>
+              <a:rPr lang="en-US" altLang="ko-KR" b="1" dirty="0">
+                <a:latin typeface="나눔고딕" panose="020D0604000000000000" pitchFamily="50" charset="-127"/>
+                <a:ea typeface="나눔고딕" panose="020D0604000000000000" pitchFamily="50" charset="-127"/>
+              </a:rPr>
+              <a:t>unit basis functions?</a:t>
+            </a:r>
+            <a:endParaRPr lang="ko-KR" altLang="en-US" b="1" dirty="0">
+              <a:latin typeface="나눔고딕" panose="020D0604000000000000" pitchFamily="50" charset="-127"/>
+              <a:ea typeface="나눔고딕" panose="020D0604000000000000" pitchFamily="50" charset="-127"/>
+            </a:endParaRPr>
+          </a:p>
+        </p:txBody>
+      </p:sp>
+      <p:cxnSp>
+        <p:nvCxnSpPr>
+          <p:cNvPr id="76" name="직선 화살표 연결선 75">
+            <a:extLst>
+              <a:ext uri="{FF2B5EF4-FFF2-40B4-BE49-F238E27FC236}">
+                <a16:creationId xmlns:a16="http://schemas.microsoft.com/office/drawing/2014/main" id="{29443CE5-1E0E-4E5D-801F-9BD719B13989}"/>
+              </a:ext>
+            </a:extLst>
+          </p:cNvPr>
+          <p:cNvCxnSpPr>
+            <a:cxnSpLocks/>
+          </p:cNvCxnSpPr>
+          <p:nvPr/>
+        </p:nvCxnSpPr>
+        <p:spPr>
+          <a:xfrm>
+            <a:off x="5816925" y="6250960"/>
+            <a:ext cx="2499491" cy="0"/>
+          </a:xfrm>
+          <a:prstGeom prst="straightConnector1">
+            <a:avLst/>
+          </a:prstGeom>
+          <a:ln>
+            <a:tailEnd type="triangle"/>
+          </a:ln>
+        </p:spPr>
+        <p:style>
+          <a:lnRef idx="1">
+            <a:schemeClr val="dk1"/>
+          </a:lnRef>
+          <a:fillRef idx="0">
+            <a:schemeClr val="dk1"/>
+          </a:fillRef>
+          <a:effectRef idx="0">
+            <a:schemeClr val="dk1"/>
+          </a:effectRef>
+          <a:fontRef idx="minor">
+            <a:schemeClr val="tx1"/>
+          </a:fontRef>
+        </p:style>
+      </p:cxnSp>
+      <p:cxnSp>
+        <p:nvCxnSpPr>
+          <p:cNvPr id="80" name="직선 화살표 연결선 79">
+            <a:extLst>
+              <a:ext uri="{FF2B5EF4-FFF2-40B4-BE49-F238E27FC236}">
+                <a16:creationId xmlns:a16="http://schemas.microsoft.com/office/drawing/2014/main" id="{D97907D1-C4C7-4A51-91D7-72FA7B11F435}"/>
+              </a:ext>
+            </a:extLst>
+          </p:cNvPr>
+          <p:cNvCxnSpPr>
+            <a:cxnSpLocks/>
+          </p:cNvCxnSpPr>
+          <p:nvPr/>
+        </p:nvCxnSpPr>
+        <p:spPr>
+          <a:xfrm flipV="1">
+            <a:off x="5979868" y="4058509"/>
+            <a:ext cx="0" cy="2394827"/>
+          </a:xfrm>
+          <a:prstGeom prst="straightConnector1">
+            <a:avLst/>
+          </a:prstGeom>
+          <a:ln>
+            <a:tailEnd type="triangle"/>
+          </a:ln>
+        </p:spPr>
+        <p:style>
+          <a:lnRef idx="1">
+            <a:schemeClr val="dk1"/>
+          </a:lnRef>
+          <a:fillRef idx="0">
+            <a:schemeClr val="dk1"/>
+          </a:fillRef>
+          <a:effectRef idx="0">
+            <a:schemeClr val="dk1"/>
+          </a:effectRef>
+          <a:fontRef idx="minor">
+            <a:schemeClr val="tx1"/>
+          </a:fontRef>
+        </p:style>
+      </p:cxnSp>
+      <p:cxnSp>
+        <p:nvCxnSpPr>
+          <p:cNvPr id="86" name="직선 연결선 85">
+            <a:extLst>
+              <a:ext uri="{FF2B5EF4-FFF2-40B4-BE49-F238E27FC236}">
+                <a16:creationId xmlns:a16="http://schemas.microsoft.com/office/drawing/2014/main" id="{125410F9-BD57-4966-BCD0-FE71369DF17F}"/>
+              </a:ext>
+            </a:extLst>
+          </p:cNvPr>
+          <p:cNvCxnSpPr/>
+          <p:nvPr/>
+        </p:nvCxnSpPr>
+        <p:spPr>
+          <a:xfrm>
+            <a:off x="6294474" y="6178955"/>
+            <a:ext cx="0" cy="144010"/>
+          </a:xfrm>
+          <a:prstGeom prst="line">
+            <a:avLst/>
+          </a:prstGeom>
+        </p:spPr>
+        <p:style>
+          <a:lnRef idx="1">
+            <a:schemeClr val="dk1"/>
+          </a:lnRef>
+          <a:fillRef idx="0">
+            <a:schemeClr val="dk1"/>
+          </a:fillRef>
+          <a:effectRef idx="0">
+            <a:schemeClr val="dk1"/>
+          </a:effectRef>
+          <a:fontRef idx="minor">
+            <a:schemeClr val="tx1"/>
+          </a:fontRef>
+        </p:style>
+      </p:cxnSp>
+      <p:cxnSp>
+        <p:nvCxnSpPr>
+          <p:cNvPr id="92" name="직선 연결선 91">
+            <a:extLst>
+              <a:ext uri="{FF2B5EF4-FFF2-40B4-BE49-F238E27FC236}">
+                <a16:creationId xmlns:a16="http://schemas.microsoft.com/office/drawing/2014/main" id="{6646DE3E-8EE1-4CDC-900B-1BA5074DBE19}"/>
+              </a:ext>
+            </a:extLst>
+          </p:cNvPr>
+          <p:cNvCxnSpPr/>
+          <p:nvPr/>
+        </p:nvCxnSpPr>
+        <p:spPr>
+          <a:xfrm>
+            <a:off x="7782780" y="6178955"/>
+            <a:ext cx="0" cy="144010"/>
+          </a:xfrm>
+          <a:prstGeom prst="line">
+            <a:avLst/>
+          </a:prstGeom>
+        </p:spPr>
+        <p:style>
+          <a:lnRef idx="1">
+            <a:schemeClr val="dk1"/>
+          </a:lnRef>
+          <a:fillRef idx="0">
+            <a:schemeClr val="dk1"/>
+          </a:fillRef>
+          <a:effectRef idx="0">
+            <a:schemeClr val="dk1"/>
+          </a:effectRef>
+          <a:fontRef idx="minor">
+            <a:schemeClr val="tx1"/>
+          </a:fontRef>
+        </p:style>
+      </p:cxnSp>
+      <p:cxnSp>
+        <p:nvCxnSpPr>
+          <p:cNvPr id="98" name="직선 연결선 97">
+            <a:extLst>
+              <a:ext uri="{FF2B5EF4-FFF2-40B4-BE49-F238E27FC236}">
+                <a16:creationId xmlns:a16="http://schemas.microsoft.com/office/drawing/2014/main" id="{FBB7F419-D0B5-47CA-803C-1A5E62E90D51}"/>
+              </a:ext>
+            </a:extLst>
+          </p:cNvPr>
+          <p:cNvCxnSpPr>
+            <a:cxnSpLocks/>
+          </p:cNvCxnSpPr>
+          <p:nvPr/>
+        </p:nvCxnSpPr>
+        <p:spPr>
+          <a:xfrm rot="5400000">
+            <a:off x="5979868" y="5842320"/>
+            <a:ext cx="0" cy="171558"/>
+          </a:xfrm>
+          <a:prstGeom prst="line">
+            <a:avLst/>
+          </a:prstGeom>
+        </p:spPr>
+        <p:style>
+          <a:lnRef idx="1">
+            <a:schemeClr val="dk1"/>
+          </a:lnRef>
+          <a:fillRef idx="0">
+            <a:schemeClr val="dk1"/>
+          </a:fillRef>
+          <a:effectRef idx="0">
+            <a:schemeClr val="dk1"/>
+          </a:effectRef>
+          <a:fontRef idx="minor">
+            <a:schemeClr val="tx1"/>
+          </a:fontRef>
+        </p:style>
+      </p:cxnSp>
+      <p:cxnSp>
+        <p:nvCxnSpPr>
+          <p:cNvPr id="104" name="직선 연결선 103">
+            <a:extLst>
+              <a:ext uri="{FF2B5EF4-FFF2-40B4-BE49-F238E27FC236}">
+                <a16:creationId xmlns:a16="http://schemas.microsoft.com/office/drawing/2014/main" id="{E0D99779-1BC5-49D9-A066-722800DD085A}"/>
+              </a:ext>
+            </a:extLst>
+          </p:cNvPr>
+          <p:cNvCxnSpPr>
+            <a:cxnSpLocks/>
+          </p:cNvCxnSpPr>
+          <p:nvPr/>
+        </p:nvCxnSpPr>
+        <p:spPr>
+          <a:xfrm rot="5400000">
+            <a:off x="5979868" y="4344025"/>
+            <a:ext cx="0" cy="171558"/>
+          </a:xfrm>
+          <a:prstGeom prst="line">
+            <a:avLst/>
+          </a:prstGeom>
+        </p:spPr>
+        <p:style>
+          <a:lnRef idx="1">
+            <a:schemeClr val="dk1"/>
+          </a:lnRef>
+          <a:fillRef idx="0">
+            <a:schemeClr val="dk1"/>
+          </a:fillRef>
+          <a:effectRef idx="0">
+            <a:schemeClr val="dk1"/>
+          </a:effectRef>
+          <a:fontRef idx="minor">
+            <a:schemeClr val="tx1"/>
+          </a:fontRef>
+        </p:style>
+      </p:cxnSp>
+      <mc:AlternateContent xmlns:mc="http://schemas.openxmlformats.org/markup-compatibility/2006" xmlns:a14="http://schemas.microsoft.com/office/drawing/2010/main">
+        <mc:Choice Requires="a14">
+          <p:sp>
+            <p:nvSpPr>
+              <p:cNvPr id="117" name="TextBox 116">
+                <a:extLst>
+                  <a:ext uri="{FF2B5EF4-FFF2-40B4-BE49-F238E27FC236}">
+                    <a16:creationId xmlns:a16="http://schemas.microsoft.com/office/drawing/2014/main" id="{B1E3A1EC-3E23-4FA1-A5DE-371C35150589}"/>
+                  </a:ext>
+                </a:extLst>
+              </p:cNvPr>
+              <p:cNvSpPr txBox="1"/>
+              <p:nvPr/>
+            </p:nvSpPr>
+            <p:spPr>
+              <a:xfrm>
+                <a:off x="6119252" y="6314526"/>
+                <a:ext cx="400302" cy="369332"/>
+              </a:xfrm>
+              <a:prstGeom prst="rect">
+                <a:avLst/>
+              </a:prstGeom>
+              <a:noFill/>
+            </p:spPr>
+            <p:txBody>
+              <a:bodyPr wrap="none" rtlCol="0">
+                <a:spAutoFit/>
+              </a:bodyPr>
+              <a:lstStyle/>
+              <a:p>
+                <a:pPr/>
+                <a14:m>
+                  <m:oMathPara xmlns:m="http://schemas.openxmlformats.org/officeDocument/2006/math">
+                    <m:oMathParaPr>
+                      <m:jc m:val="centerGroup"/>
+                    </m:oMathParaPr>
+                    <m:oMath xmlns:m="http://schemas.openxmlformats.org/officeDocument/2006/math">
+                      <m:r>
+                        <a:rPr lang="en-US" altLang="ko-KR" b="0" i="1" smtClean="0">
+                          <a:latin typeface="Cambria Math" panose="02040503050406030204" pitchFamily="18" charset="0"/>
+                        </a:rPr>
+                        <m:t>𝑎</m:t>
+                      </m:r>
+                    </m:oMath>
+                  </m:oMathPara>
+                </a14:m>
+                <a:endParaRPr lang="ko-KR" altLang="en-US" dirty="0"/>
+              </a:p>
+            </p:txBody>
+          </p:sp>
+        </mc:Choice>
+        <mc:Fallback xmlns="">
+          <p:sp>
+            <p:nvSpPr>
+              <p:cNvPr id="117" name="TextBox 116">
+                <a:extLst>
+                  <a:ext uri="{FF2B5EF4-FFF2-40B4-BE49-F238E27FC236}">
+                    <a16:creationId xmlns:a16="http://schemas.microsoft.com/office/drawing/2014/main" id="{B1E3A1EC-3E23-4FA1-A5DE-371C35150589}"/>
+                  </a:ext>
+                </a:extLst>
+              </p:cNvPr>
+              <p:cNvSpPr txBox="1">
+                <a:spLocks noRot="1" noChangeAspect="1" noMove="1" noResize="1" noEditPoints="1" noAdjustHandles="1" noChangeArrowheads="1" noChangeShapeType="1" noTextEdit="1"/>
+              </p:cNvSpPr>
+              <p:nvPr/>
+            </p:nvSpPr>
+            <p:spPr>
+              <a:xfrm>
+                <a:off x="6119252" y="6314526"/>
+                <a:ext cx="400302" cy="369332"/>
+              </a:xfrm>
+              <a:prstGeom prst="rect">
+                <a:avLst/>
+              </a:prstGeom>
+              <a:blipFill>
+                <a:blip r:embed="rId15"/>
+                <a:stretch>
+                  <a:fillRect/>
+                </a:stretch>
+              </a:blipFill>
+            </p:spPr>
+            <p:txBody>
+              <a:bodyPr/>
+              <a:lstStyle/>
+              <a:p>
+                <a:r>
+                  <a:rPr lang="ko-KR" altLang="en-US">
+                    <a:noFill/>
+                  </a:rPr>
+                  <a:t> </a:t>
+                </a:r>
+              </a:p>
+            </p:txBody>
+          </p:sp>
+        </mc:Fallback>
+      </mc:AlternateContent>
+      <mc:AlternateContent xmlns:mc="http://schemas.openxmlformats.org/markup-compatibility/2006" xmlns:a14="http://schemas.microsoft.com/office/drawing/2010/main">
+        <mc:Choice Requires="a14">
+          <p:sp>
+            <p:nvSpPr>
+              <p:cNvPr id="124" name="TextBox 123">
+                <a:extLst>
+                  <a:ext uri="{FF2B5EF4-FFF2-40B4-BE49-F238E27FC236}">
+                    <a16:creationId xmlns:a16="http://schemas.microsoft.com/office/drawing/2014/main" id="{FDF768B8-60BA-43CC-A850-856BCDA24BBC}"/>
+                  </a:ext>
+                </a:extLst>
+              </p:cNvPr>
+              <p:cNvSpPr txBox="1"/>
+              <p:nvPr/>
+            </p:nvSpPr>
+            <p:spPr>
+              <a:xfrm>
+                <a:off x="7582629" y="6314526"/>
+                <a:ext cx="400302" cy="369332"/>
+              </a:xfrm>
+              <a:prstGeom prst="rect">
+                <a:avLst/>
+              </a:prstGeom>
+              <a:noFill/>
+            </p:spPr>
+            <p:txBody>
+              <a:bodyPr wrap="none" rtlCol="0">
+                <a:spAutoFit/>
+              </a:bodyPr>
+              <a:lstStyle/>
+              <a:p>
+                <a:pPr/>
+                <a14:m>
+                  <m:oMathPara xmlns:m="http://schemas.openxmlformats.org/officeDocument/2006/math">
+                    <m:oMathParaPr>
+                      <m:jc m:val="centerGroup"/>
+                    </m:oMathParaPr>
+                    <m:oMath xmlns:m="http://schemas.openxmlformats.org/officeDocument/2006/math">
+                      <m:r>
+                        <a:rPr lang="en-US" altLang="ko-KR" b="0" i="1" smtClean="0">
+                          <a:latin typeface="Cambria Math" panose="02040503050406030204" pitchFamily="18" charset="0"/>
+                        </a:rPr>
+                        <m:t>𝑏</m:t>
+                      </m:r>
+                    </m:oMath>
+                  </m:oMathPara>
+                </a14:m>
+                <a:endParaRPr lang="ko-KR" altLang="en-US" dirty="0"/>
+              </a:p>
+            </p:txBody>
+          </p:sp>
+        </mc:Choice>
+        <mc:Fallback xmlns="">
+          <p:sp>
+            <p:nvSpPr>
+              <p:cNvPr id="124" name="TextBox 123">
+                <a:extLst>
+                  <a:ext uri="{FF2B5EF4-FFF2-40B4-BE49-F238E27FC236}">
+                    <a16:creationId xmlns:a16="http://schemas.microsoft.com/office/drawing/2014/main" id="{FDF768B8-60BA-43CC-A850-856BCDA24BBC}"/>
+                  </a:ext>
+                </a:extLst>
+              </p:cNvPr>
+              <p:cNvSpPr txBox="1">
+                <a:spLocks noRot="1" noChangeAspect="1" noMove="1" noResize="1" noEditPoints="1" noAdjustHandles="1" noChangeArrowheads="1" noChangeShapeType="1" noTextEdit="1"/>
+              </p:cNvSpPr>
+              <p:nvPr/>
+            </p:nvSpPr>
+            <p:spPr>
+              <a:xfrm>
+                <a:off x="7582629" y="6314526"/>
+                <a:ext cx="400302" cy="369332"/>
+              </a:xfrm>
+              <a:prstGeom prst="rect">
+                <a:avLst/>
+              </a:prstGeom>
+              <a:blipFill>
+                <a:blip r:embed="rId16"/>
+                <a:stretch>
+                  <a:fillRect/>
+                </a:stretch>
+              </a:blipFill>
+            </p:spPr>
+            <p:txBody>
+              <a:bodyPr/>
+              <a:lstStyle/>
+              <a:p>
+                <a:r>
+                  <a:rPr lang="ko-KR" altLang="en-US">
+                    <a:noFill/>
+                  </a:rPr>
+                  <a:t> </a:t>
+                </a:r>
+              </a:p>
+            </p:txBody>
+          </p:sp>
+        </mc:Fallback>
+      </mc:AlternateContent>
+      <mc:AlternateContent xmlns:mc="http://schemas.openxmlformats.org/markup-compatibility/2006" xmlns:a14="http://schemas.microsoft.com/office/drawing/2010/main">
+        <mc:Choice Requires="a14">
+          <p:sp>
+            <p:nvSpPr>
+              <p:cNvPr id="127" name="TextBox 126">
+                <a:extLst>
+                  <a:ext uri="{FF2B5EF4-FFF2-40B4-BE49-F238E27FC236}">
+                    <a16:creationId xmlns:a16="http://schemas.microsoft.com/office/drawing/2014/main" id="{69518A18-ABBD-4BAE-851F-18A84774C301}"/>
+                  </a:ext>
+                </a:extLst>
+              </p:cNvPr>
+              <p:cNvSpPr txBox="1"/>
+              <p:nvPr/>
+            </p:nvSpPr>
+            <p:spPr>
+              <a:xfrm>
+                <a:off x="5491299" y="4250454"/>
+                <a:ext cx="396519" cy="369332"/>
+              </a:xfrm>
+              <a:prstGeom prst="rect">
+                <a:avLst/>
+              </a:prstGeom>
+              <a:noFill/>
+            </p:spPr>
+            <p:txBody>
+              <a:bodyPr wrap="none" rtlCol="0">
+                <a:spAutoFit/>
+              </a:bodyPr>
+              <a:lstStyle/>
+              <a:p>
+                <a:pPr/>
+                <a14:m>
+                  <m:oMathPara xmlns:m="http://schemas.openxmlformats.org/officeDocument/2006/math">
+                    <m:oMathParaPr>
+                      <m:jc m:val="centerGroup"/>
+                    </m:oMathParaPr>
+                    <m:oMath xmlns:m="http://schemas.openxmlformats.org/officeDocument/2006/math">
+                      <m:r>
+                        <a:rPr lang="en-US" altLang="ko-KR" b="0" i="1" smtClean="0">
+                          <a:latin typeface="Cambria Math" panose="02040503050406030204" pitchFamily="18" charset="0"/>
+                        </a:rPr>
+                        <m:t>𝑏</m:t>
+                      </m:r>
+                    </m:oMath>
+                  </m:oMathPara>
+                </a14:m>
+                <a:endParaRPr lang="ko-KR" altLang="en-US" dirty="0"/>
+              </a:p>
+            </p:txBody>
+          </p:sp>
+        </mc:Choice>
+        <mc:Fallback xmlns="">
+          <p:sp>
+            <p:nvSpPr>
+              <p:cNvPr id="127" name="TextBox 126">
+                <a:extLst>
+                  <a:ext uri="{FF2B5EF4-FFF2-40B4-BE49-F238E27FC236}">
+                    <a16:creationId xmlns:a16="http://schemas.microsoft.com/office/drawing/2014/main" id="{69518A18-ABBD-4BAE-851F-18A84774C301}"/>
+                  </a:ext>
+                </a:extLst>
+              </p:cNvPr>
+              <p:cNvSpPr txBox="1">
+                <a:spLocks noRot="1" noChangeAspect="1" noMove="1" noResize="1" noEditPoints="1" noAdjustHandles="1" noChangeArrowheads="1" noChangeShapeType="1" noTextEdit="1"/>
+              </p:cNvSpPr>
+              <p:nvPr/>
+            </p:nvSpPr>
+            <p:spPr>
+              <a:xfrm>
+                <a:off x="5491299" y="4250454"/>
+                <a:ext cx="396519" cy="369332"/>
+              </a:xfrm>
+              <a:prstGeom prst="rect">
+                <a:avLst/>
+              </a:prstGeom>
+              <a:blipFill>
+                <a:blip r:embed="rId17"/>
+                <a:stretch>
+                  <a:fillRect/>
+                </a:stretch>
+              </a:blipFill>
+            </p:spPr>
+            <p:txBody>
+              <a:bodyPr/>
+              <a:lstStyle/>
+              <a:p>
+                <a:r>
+                  <a:rPr lang="ko-KR" altLang="en-US">
+                    <a:noFill/>
+                  </a:rPr>
+                  <a:t> </a:t>
+                </a:r>
+              </a:p>
+            </p:txBody>
+          </p:sp>
+        </mc:Fallback>
+      </mc:AlternateContent>
+      <mc:AlternateContent xmlns:mc="http://schemas.openxmlformats.org/markup-compatibility/2006" xmlns:a14="http://schemas.microsoft.com/office/drawing/2010/main">
+        <mc:Choice Requires="a14">
+          <p:sp>
+            <p:nvSpPr>
+              <p:cNvPr id="128" name="TextBox 127">
+                <a:extLst>
+                  <a:ext uri="{FF2B5EF4-FFF2-40B4-BE49-F238E27FC236}">
+                    <a16:creationId xmlns:a16="http://schemas.microsoft.com/office/drawing/2014/main" id="{6FE58DA3-B4F0-490C-AC92-8312B62F0463}"/>
+                  </a:ext>
+                </a:extLst>
+              </p:cNvPr>
+              <p:cNvSpPr txBox="1"/>
+              <p:nvPr/>
+            </p:nvSpPr>
+            <p:spPr>
+              <a:xfrm>
+                <a:off x="8101008" y="5818912"/>
+                <a:ext cx="400302" cy="369332"/>
+              </a:xfrm>
+              <a:prstGeom prst="rect">
+                <a:avLst/>
+              </a:prstGeom>
+              <a:noFill/>
+            </p:spPr>
+            <p:txBody>
+              <a:bodyPr wrap="none" rtlCol="0">
+                <a:spAutoFit/>
+              </a:bodyPr>
+              <a:lstStyle/>
+              <a:p>
+                <a:pPr/>
+                <a14:m>
+                  <m:oMathPara xmlns:m="http://schemas.openxmlformats.org/officeDocument/2006/math">
+                    <m:oMathParaPr>
+                      <m:jc m:val="centerGroup"/>
+                    </m:oMathParaPr>
+                    <m:oMath xmlns:m="http://schemas.openxmlformats.org/officeDocument/2006/math">
+                      <m:r>
+                        <a:rPr lang="en-US" altLang="ko-KR" b="0" i="1" smtClean="0">
+                          <a:latin typeface="Cambria Math" panose="02040503050406030204" pitchFamily="18" charset="0"/>
+                        </a:rPr>
+                        <m:t>𝑥</m:t>
+                      </m:r>
+                    </m:oMath>
+                  </m:oMathPara>
+                </a14:m>
+                <a:endParaRPr lang="ko-KR" altLang="en-US" dirty="0"/>
+              </a:p>
+            </p:txBody>
+          </p:sp>
+        </mc:Choice>
+        <mc:Fallback xmlns="">
+          <p:sp>
+            <p:nvSpPr>
+              <p:cNvPr id="128" name="TextBox 127">
+                <a:extLst>
+                  <a:ext uri="{FF2B5EF4-FFF2-40B4-BE49-F238E27FC236}">
+                    <a16:creationId xmlns:a16="http://schemas.microsoft.com/office/drawing/2014/main" id="{6FE58DA3-B4F0-490C-AC92-8312B62F0463}"/>
+                  </a:ext>
+                </a:extLst>
+              </p:cNvPr>
+              <p:cNvSpPr txBox="1">
+                <a:spLocks noRot="1" noChangeAspect="1" noMove="1" noResize="1" noEditPoints="1" noAdjustHandles="1" noChangeArrowheads="1" noChangeShapeType="1" noTextEdit="1"/>
+              </p:cNvSpPr>
+              <p:nvPr/>
+            </p:nvSpPr>
+            <p:spPr>
+              <a:xfrm>
+                <a:off x="8101008" y="5818912"/>
+                <a:ext cx="400302" cy="369332"/>
+              </a:xfrm>
+              <a:prstGeom prst="rect">
+                <a:avLst/>
+              </a:prstGeom>
+              <a:blipFill>
+                <a:blip r:embed="rId18"/>
+                <a:stretch>
+                  <a:fillRect/>
+                </a:stretch>
+              </a:blipFill>
+            </p:spPr>
+            <p:txBody>
+              <a:bodyPr/>
+              <a:lstStyle/>
+              <a:p>
+                <a:r>
+                  <a:rPr lang="ko-KR" altLang="en-US">
+                    <a:noFill/>
+                  </a:rPr>
+                  <a:t> </a:t>
+                </a:r>
+              </a:p>
+            </p:txBody>
+          </p:sp>
+        </mc:Fallback>
+      </mc:AlternateContent>
+      <mc:AlternateContent xmlns:mc="http://schemas.openxmlformats.org/markup-compatibility/2006" xmlns:a14="http://schemas.microsoft.com/office/drawing/2010/main">
+        <mc:Choice Requires="a14">
+          <p:sp>
+            <p:nvSpPr>
+              <p:cNvPr id="129" name="TextBox 128">
+                <a:extLst>
+                  <a:ext uri="{FF2B5EF4-FFF2-40B4-BE49-F238E27FC236}">
+                    <a16:creationId xmlns:a16="http://schemas.microsoft.com/office/drawing/2014/main" id="{93168130-0882-4093-BCB3-7F76F3642078}"/>
+                  </a:ext>
+                </a:extLst>
+              </p:cNvPr>
+              <p:cNvSpPr txBox="1"/>
+              <p:nvPr/>
+            </p:nvSpPr>
+            <p:spPr>
+              <a:xfrm>
+                <a:off x="5578176" y="3785287"/>
+                <a:ext cx="400238" cy="369332"/>
+              </a:xfrm>
+              <a:prstGeom prst="rect">
+                <a:avLst/>
+              </a:prstGeom>
+              <a:noFill/>
+            </p:spPr>
+            <p:txBody>
+              <a:bodyPr wrap="none" rtlCol="0">
+                <a:spAutoFit/>
+              </a:bodyPr>
+              <a:lstStyle/>
+              <a:p>
+                <a:pPr/>
+                <a14:m>
+                  <m:oMathPara xmlns:m="http://schemas.openxmlformats.org/officeDocument/2006/math">
+                    <m:oMathParaPr>
+                      <m:jc m:val="centerGroup"/>
+                    </m:oMathParaPr>
+                    <m:oMath xmlns:m="http://schemas.openxmlformats.org/officeDocument/2006/math">
+                      <m:r>
+                        <a:rPr lang="en-US" altLang="ko-KR" b="0" i="1" smtClean="0">
+                          <a:latin typeface="Cambria Math" panose="02040503050406030204" pitchFamily="18" charset="0"/>
+                        </a:rPr>
+                        <m:t>𝑦</m:t>
+                      </m:r>
+                    </m:oMath>
+                  </m:oMathPara>
+                </a14:m>
+                <a:endParaRPr lang="ko-KR" altLang="en-US" dirty="0"/>
+              </a:p>
+            </p:txBody>
+          </p:sp>
+        </mc:Choice>
+        <mc:Fallback xmlns="">
+          <p:sp>
+            <p:nvSpPr>
+              <p:cNvPr id="129" name="TextBox 128">
+                <a:extLst>
+                  <a:ext uri="{FF2B5EF4-FFF2-40B4-BE49-F238E27FC236}">
+                    <a16:creationId xmlns:a16="http://schemas.microsoft.com/office/drawing/2014/main" id="{93168130-0882-4093-BCB3-7F76F3642078}"/>
+                  </a:ext>
+                </a:extLst>
+              </p:cNvPr>
+              <p:cNvSpPr txBox="1">
+                <a:spLocks noRot="1" noChangeAspect="1" noMove="1" noResize="1" noEditPoints="1" noAdjustHandles="1" noChangeArrowheads="1" noChangeShapeType="1" noTextEdit="1"/>
+              </p:cNvSpPr>
+              <p:nvPr/>
+            </p:nvSpPr>
+            <p:spPr>
+              <a:xfrm>
+                <a:off x="5578176" y="3785287"/>
+                <a:ext cx="400238" cy="369332"/>
+              </a:xfrm>
+              <a:prstGeom prst="rect">
+                <a:avLst/>
+              </a:prstGeom>
+              <a:blipFill>
+                <a:blip r:embed="rId19"/>
+                <a:stretch>
+                  <a:fillRect b="-8197"/>
+                </a:stretch>
+              </a:blipFill>
+            </p:spPr>
+            <p:txBody>
+              <a:bodyPr/>
+              <a:lstStyle/>
+              <a:p>
+                <a:r>
+                  <a:rPr lang="ko-KR" altLang="en-US">
+                    <a:noFill/>
+                  </a:rPr>
+                  <a:t> </a:t>
+                </a:r>
+              </a:p>
+            </p:txBody>
+          </p:sp>
+        </mc:Fallback>
+      </mc:AlternateContent>
+      <p:cxnSp>
+        <p:nvCxnSpPr>
+          <p:cNvPr id="18" name="직선 연결선 17">
+            <a:extLst>
+              <a:ext uri="{FF2B5EF4-FFF2-40B4-BE49-F238E27FC236}">
+                <a16:creationId xmlns:a16="http://schemas.microsoft.com/office/drawing/2014/main" id="{8B7CD227-0BD9-4587-82B0-EFAC2EECB912}"/>
+              </a:ext>
+            </a:extLst>
+          </p:cNvPr>
+          <p:cNvCxnSpPr>
+            <a:cxnSpLocks/>
+          </p:cNvCxnSpPr>
+          <p:nvPr/>
+        </p:nvCxnSpPr>
+        <p:spPr>
+          <a:xfrm flipV="1">
+            <a:off x="6298097" y="4443417"/>
+            <a:ext cx="1484683" cy="1484683"/>
+          </a:xfrm>
+          <a:prstGeom prst="line">
+            <a:avLst/>
+          </a:prstGeom>
+          <a:ln w="25400">
+            <a:solidFill>
+              <a:schemeClr val="tx1"/>
+            </a:solidFill>
+            <a:prstDash val="sysDot"/>
+          </a:ln>
+        </p:spPr>
+        <p:style>
+          <a:lnRef idx="1">
+            <a:schemeClr val="accent1"/>
+          </a:lnRef>
+          <a:fillRef idx="0">
+            <a:schemeClr val="accent1"/>
+          </a:fillRef>
+          <a:effectRef idx="0">
+            <a:schemeClr val="accent1"/>
+          </a:effectRef>
+          <a:fontRef idx="minor">
+            <a:schemeClr val="tx1"/>
+          </a:fontRef>
+        </p:style>
+      </p:cxnSp>
+      <mc:AlternateContent xmlns:mc="http://schemas.openxmlformats.org/markup-compatibility/2006" xmlns:a14="http://schemas.microsoft.com/office/drawing/2010/main">
+        <mc:Choice Requires="a14">
+          <p:sp>
+            <p:nvSpPr>
+              <p:cNvPr id="64" name="TextBox 63">
+                <a:extLst>
+                  <a:ext uri="{FF2B5EF4-FFF2-40B4-BE49-F238E27FC236}">
+                    <a16:creationId xmlns:a16="http://schemas.microsoft.com/office/drawing/2014/main" id="{7EB7DB51-7417-4EB9-BC40-653E474DD338}"/>
+                  </a:ext>
+                </a:extLst>
+              </p:cNvPr>
+              <p:cNvSpPr txBox="1"/>
+              <p:nvPr/>
+            </p:nvSpPr>
+            <p:spPr>
+              <a:xfrm>
+                <a:off x="4093361" y="346943"/>
+                <a:ext cx="399789" cy="369332"/>
+              </a:xfrm>
+              <a:prstGeom prst="rect">
+                <a:avLst/>
+              </a:prstGeom>
+              <a:noFill/>
+            </p:spPr>
+            <p:txBody>
+              <a:bodyPr wrap="none" rtlCol="0">
+                <a:spAutoFit/>
+              </a:bodyPr>
+              <a:lstStyle/>
+              <a:p>
+                <a:pPr/>
+                <a14:m>
+                  <m:oMathPara xmlns:m="http://schemas.openxmlformats.org/officeDocument/2006/math">
+                    <m:oMathParaPr>
+                      <m:jc m:val="centerGroup"/>
+                    </m:oMathParaPr>
+                    <m:oMath xmlns:m="http://schemas.openxmlformats.org/officeDocument/2006/math">
+                      <m:r>
+                        <a:rPr lang="en-US" altLang="ko-KR" b="0" i="1" smtClean="0">
+                          <a:latin typeface="Cambria Math"/>
+                        </a:rPr>
+                        <m:t>𝑛</m:t>
+                      </m:r>
+                    </m:oMath>
+                  </m:oMathPara>
+                </a14:m>
+                <a:endParaRPr lang="ko-KR" altLang="en-US" dirty="0"/>
+              </a:p>
+            </p:txBody>
+          </p:sp>
+        </mc:Choice>
+        <mc:Fallback xmlns="">
+          <p:sp>
+            <p:nvSpPr>
+              <p:cNvPr id="64" name="TextBox 63">
+                <a:extLst>
+                  <a:ext uri="{FF2B5EF4-FFF2-40B4-BE49-F238E27FC236}">
+                    <a16:creationId xmlns:a16="http://schemas.microsoft.com/office/drawing/2014/main" id="{7EB7DB51-7417-4EB9-BC40-653E474DD338}"/>
+                  </a:ext>
+                </a:extLst>
+              </p:cNvPr>
+              <p:cNvSpPr txBox="1">
+                <a:spLocks noRot="1" noChangeAspect="1" noMove="1" noResize="1" noEditPoints="1" noAdjustHandles="1" noChangeArrowheads="1" noChangeShapeType="1" noTextEdit="1"/>
+              </p:cNvSpPr>
+              <p:nvPr/>
+            </p:nvSpPr>
+            <p:spPr>
+              <a:xfrm>
+                <a:off x="4093361" y="346943"/>
+                <a:ext cx="399789" cy="369332"/>
+              </a:xfrm>
+              <a:prstGeom prst="rect">
+                <a:avLst/>
+              </a:prstGeom>
+              <a:blipFill>
+                <a:blip r:embed="rId20"/>
+                <a:stretch>
+                  <a:fillRect/>
+                </a:stretch>
+              </a:blipFill>
+            </p:spPr>
+            <p:txBody>
+              <a:bodyPr/>
+              <a:lstStyle/>
+              <a:p>
+                <a:r>
+                  <a:rPr lang="ko-KR" altLang="en-US">
+                    <a:noFill/>
+                  </a:rPr>
+                  <a:t> </a:t>
+                </a:r>
+              </a:p>
+            </p:txBody>
+          </p:sp>
+        </mc:Fallback>
+      </mc:AlternateContent>
+      <p:sp>
+        <p:nvSpPr>
+          <p:cNvPr id="57" name="직사각형 56">
+            <a:extLst>
+              <a:ext uri="{FF2B5EF4-FFF2-40B4-BE49-F238E27FC236}">
+                <a16:creationId xmlns:a16="http://schemas.microsoft.com/office/drawing/2014/main" id="{1927DA3E-A163-40D9-9B2F-1FA2C02E4AAB}"/>
+              </a:ext>
+            </a:extLst>
+          </p:cNvPr>
+          <p:cNvSpPr/>
+          <p:nvPr/>
+        </p:nvSpPr>
+        <p:spPr>
+          <a:xfrm>
+            <a:off x="3434167" y="781116"/>
+            <a:ext cx="1584176" cy="1584176"/>
+          </a:xfrm>
+          <a:prstGeom prst="rect">
+            <a:avLst/>
+          </a:prstGeom>
+          <a:solidFill>
+            <a:schemeClr val="bg1"/>
+          </a:solidFill>
+          <a:ln>
+            <a:solidFill>
+              <a:schemeClr val="tx1"/>
+            </a:solidFill>
+          </a:ln>
+        </p:spPr>
+        <p:style>
+          <a:lnRef idx="2">
+            <a:schemeClr val="accent1">
+              <a:shade val="50000"/>
+            </a:schemeClr>
+          </a:lnRef>
+          <a:fillRef idx="1">
+            <a:schemeClr val="accent1"/>
+          </a:fillRef>
+          <a:effectRef idx="0">
+            <a:schemeClr val="accent1"/>
+          </a:effectRef>
+          <a:fontRef idx="minor">
+            <a:schemeClr val="lt1"/>
+          </a:fontRef>
+        </p:style>
+        <p:txBody>
+          <a:bodyPr rtlCol="0" anchor="ctr"/>
+          <a:lstStyle/>
+          <a:p>
+            <a:pPr algn="ctr"/>
+            <a:endParaRPr lang="ko-KR" altLang="en-US"/>
+          </a:p>
+        </p:txBody>
+      </p:sp>
+      <p:sp>
+        <p:nvSpPr>
+          <p:cNvPr id="58" name="직사각형 57">
+            <a:extLst>
+              <a:ext uri="{FF2B5EF4-FFF2-40B4-BE49-F238E27FC236}">
+                <a16:creationId xmlns:a16="http://schemas.microsoft.com/office/drawing/2014/main" id="{30614A9C-4067-46EB-AFF6-BF3E0FC019A8}"/>
+              </a:ext>
+            </a:extLst>
+          </p:cNvPr>
+          <p:cNvSpPr/>
+          <p:nvPr/>
+        </p:nvSpPr>
+        <p:spPr>
+          <a:xfrm rot="5400000">
+            <a:off x="2817889" y="1413624"/>
+            <a:ext cx="1568491" cy="316800"/>
+          </a:xfrm>
+          <a:prstGeom prst="rect">
+            <a:avLst/>
+          </a:prstGeom>
+          <a:solidFill>
+            <a:srgbClr val="F16565"/>
+          </a:solidFill>
+          <a:ln>
+            <a:noFill/>
+          </a:ln>
+        </p:spPr>
+        <p:style>
+          <a:lnRef idx="2">
+            <a:schemeClr val="accent1">
+              <a:shade val="50000"/>
+            </a:schemeClr>
+          </a:lnRef>
+          <a:fillRef idx="1">
+            <a:schemeClr val="accent1"/>
+          </a:fillRef>
+          <a:effectRef idx="0">
+            <a:schemeClr val="accent1"/>
+          </a:effectRef>
+          <a:fontRef idx="minor">
+            <a:schemeClr val="lt1"/>
+          </a:fontRef>
+        </p:style>
+        <p:txBody>
+          <a:bodyPr rtlCol="0" anchor="ctr"/>
+          <a:lstStyle/>
+          <a:p>
+            <a:pPr algn="ctr"/>
+            <a:endParaRPr lang="ko-KR" altLang="en-US"/>
+          </a:p>
+        </p:txBody>
+      </p:sp>
+      <p:sp>
+        <p:nvSpPr>
+          <p:cNvPr id="59" name="원호 58">
+            <a:extLst>
+              <a:ext uri="{FF2B5EF4-FFF2-40B4-BE49-F238E27FC236}">
+                <a16:creationId xmlns:a16="http://schemas.microsoft.com/office/drawing/2014/main" id="{FE2108CF-9A8C-491A-A8D5-FBF8911E10AC}"/>
+              </a:ext>
+            </a:extLst>
+          </p:cNvPr>
+          <p:cNvSpPr/>
+          <p:nvPr/>
+        </p:nvSpPr>
+        <p:spPr>
+          <a:xfrm flipH="1">
+            <a:off x="3276742" y="781116"/>
+            <a:ext cx="314848" cy="1584176"/>
+          </a:xfrm>
+          <a:prstGeom prst="arc">
+            <a:avLst>
+              <a:gd name="adj1" fmla="val 16200000"/>
+              <a:gd name="adj2" fmla="val 17969117"/>
+            </a:avLst>
+          </a:prstGeom>
+          <a:ln>
+            <a:solidFill>
+              <a:schemeClr val="tx1"/>
+            </a:solidFill>
+          </a:ln>
+        </p:spPr>
+        <p:style>
+          <a:lnRef idx="1">
+            <a:schemeClr val="accent1"/>
+          </a:lnRef>
+          <a:fillRef idx="0">
+            <a:schemeClr val="accent1"/>
+          </a:fillRef>
+          <a:effectRef idx="0">
+            <a:schemeClr val="accent1"/>
+          </a:effectRef>
+          <a:fontRef idx="minor">
+            <a:schemeClr val="tx1"/>
+          </a:fontRef>
+        </p:style>
+        <p:txBody>
+          <a:bodyPr rtlCol="0" anchor="ctr"/>
+          <a:lstStyle/>
+          <a:p>
+            <a:pPr algn="ctr"/>
+            <a:endParaRPr lang="ko-KR" altLang="en-US"/>
+          </a:p>
+        </p:txBody>
+      </p:sp>
+      <p:sp>
+        <p:nvSpPr>
+          <p:cNvPr id="60" name="원호 59">
+            <a:extLst>
+              <a:ext uri="{FF2B5EF4-FFF2-40B4-BE49-F238E27FC236}">
+                <a16:creationId xmlns:a16="http://schemas.microsoft.com/office/drawing/2014/main" id="{02C25009-C2D8-4B36-8C2F-C510492EE558}"/>
+              </a:ext>
+            </a:extLst>
+          </p:cNvPr>
+          <p:cNvSpPr/>
+          <p:nvPr/>
+        </p:nvSpPr>
+        <p:spPr>
+          <a:xfrm flipH="1" flipV="1">
+            <a:off x="3277615" y="781116"/>
+            <a:ext cx="314848" cy="1584176"/>
+          </a:xfrm>
+          <a:prstGeom prst="arc">
+            <a:avLst>
+              <a:gd name="adj1" fmla="val 16200000"/>
+              <a:gd name="adj2" fmla="val 17969117"/>
+            </a:avLst>
+          </a:prstGeom>
+          <a:ln>
+            <a:solidFill>
+              <a:schemeClr val="tx1"/>
+            </a:solidFill>
+          </a:ln>
+        </p:spPr>
+        <p:style>
+          <a:lnRef idx="1">
+            <a:schemeClr val="accent1"/>
+          </a:lnRef>
+          <a:fillRef idx="0">
+            <a:schemeClr val="accent1"/>
+          </a:fillRef>
+          <a:effectRef idx="0">
+            <a:schemeClr val="accent1"/>
+          </a:effectRef>
+          <a:fontRef idx="minor">
+            <a:schemeClr val="tx1"/>
+          </a:fontRef>
+        </p:style>
+        <p:txBody>
+          <a:bodyPr rtlCol="0" anchor="ctr"/>
+          <a:lstStyle/>
+          <a:p>
+            <a:pPr algn="ctr"/>
+            <a:endParaRPr lang="ko-KR" altLang="en-US"/>
+          </a:p>
+        </p:txBody>
+      </p:sp>
+      <mc:AlternateContent xmlns:mc="http://schemas.openxmlformats.org/markup-compatibility/2006" xmlns:a14="http://schemas.microsoft.com/office/drawing/2010/main">
+        <mc:Choice Requires="a14">
+          <p:sp>
+            <p:nvSpPr>
+              <p:cNvPr id="61" name="TextBox 60">
+                <a:extLst>
+                  <a:ext uri="{FF2B5EF4-FFF2-40B4-BE49-F238E27FC236}">
+                    <a16:creationId xmlns:a16="http://schemas.microsoft.com/office/drawing/2014/main" id="{5D025167-ABAE-4C26-9310-0024FDD94ABB}"/>
+                  </a:ext>
+                </a:extLst>
+              </p:cNvPr>
+              <p:cNvSpPr txBox="1"/>
+              <p:nvPr/>
+            </p:nvSpPr>
+            <p:spPr>
+              <a:xfrm>
+                <a:off x="2996330" y="1357180"/>
+                <a:ext cx="399789" cy="369332"/>
+              </a:xfrm>
+              <a:prstGeom prst="rect">
+                <a:avLst/>
+              </a:prstGeom>
+              <a:noFill/>
+            </p:spPr>
+            <p:txBody>
+              <a:bodyPr wrap="none" rtlCol="0">
+                <a:spAutoFit/>
+              </a:bodyPr>
+              <a:lstStyle/>
+              <a:p>
+                <a:pPr/>
+                <a14:m>
+                  <m:oMathPara xmlns:m="http://schemas.openxmlformats.org/officeDocument/2006/math">
+                    <m:oMathParaPr>
+                      <m:jc m:val="centerGroup"/>
+                    </m:oMathParaPr>
+                    <m:oMath xmlns:m="http://schemas.openxmlformats.org/officeDocument/2006/math">
+                      <m:r>
+                        <a:rPr lang="en-US" altLang="ko-KR" b="0" i="1" smtClean="0">
+                          <a:latin typeface="Cambria Math" panose="02040503050406030204" pitchFamily="18" charset="0"/>
+                        </a:rPr>
+                        <m:t>𝑛</m:t>
+                      </m:r>
+                    </m:oMath>
+                  </m:oMathPara>
+                </a14:m>
+                <a:endParaRPr lang="ko-KR" altLang="en-US" dirty="0"/>
+              </a:p>
+            </p:txBody>
+          </p:sp>
+        </mc:Choice>
+        <mc:Fallback xmlns="">
+          <p:sp>
+            <p:nvSpPr>
+              <p:cNvPr id="61" name="TextBox 60">
+                <a:extLst>
+                  <a:ext uri="{FF2B5EF4-FFF2-40B4-BE49-F238E27FC236}">
+                    <a16:creationId xmlns:a16="http://schemas.microsoft.com/office/drawing/2014/main" id="{5D025167-ABAE-4C26-9310-0024FDD94ABB}"/>
+                  </a:ext>
+                </a:extLst>
+              </p:cNvPr>
+              <p:cNvSpPr txBox="1">
+                <a:spLocks noRot="1" noChangeAspect="1" noMove="1" noResize="1" noEditPoints="1" noAdjustHandles="1" noChangeArrowheads="1" noChangeShapeType="1" noTextEdit="1"/>
+              </p:cNvSpPr>
+              <p:nvPr/>
+            </p:nvSpPr>
+            <p:spPr>
+              <a:xfrm>
+                <a:off x="2996330" y="1357180"/>
+                <a:ext cx="399789" cy="369332"/>
+              </a:xfrm>
+              <a:prstGeom prst="rect">
+                <a:avLst/>
+              </a:prstGeom>
+              <a:blipFill>
+                <a:blip r:embed="rId21"/>
+                <a:stretch>
+                  <a:fillRect/>
+                </a:stretch>
+              </a:blipFill>
+            </p:spPr>
+            <p:txBody>
+              <a:bodyPr/>
+              <a:lstStyle/>
+              <a:p>
+                <a:r>
+                  <a:rPr lang="ko-KR" altLang="en-US">
+                    <a:noFill/>
+                  </a:rPr>
+                  <a:t> </a:t>
+                </a:r>
+              </a:p>
+            </p:txBody>
+          </p:sp>
+        </mc:Fallback>
+      </mc:AlternateContent>
+      <p:sp>
+        <p:nvSpPr>
+          <p:cNvPr id="62" name="원호 61">
+            <a:extLst>
+              <a:ext uri="{FF2B5EF4-FFF2-40B4-BE49-F238E27FC236}">
+                <a16:creationId xmlns:a16="http://schemas.microsoft.com/office/drawing/2014/main" id="{135ED5AE-72C8-4EDB-877C-70413A2EEB66}"/>
+              </a:ext>
+            </a:extLst>
+          </p:cNvPr>
+          <p:cNvSpPr/>
+          <p:nvPr/>
+        </p:nvSpPr>
+        <p:spPr>
+          <a:xfrm rot="5400000" flipH="1">
+            <a:off x="4068831" y="-5183"/>
+            <a:ext cx="314848" cy="1584176"/>
+          </a:xfrm>
+          <a:prstGeom prst="arc">
+            <a:avLst>
+              <a:gd name="adj1" fmla="val 16200000"/>
+              <a:gd name="adj2" fmla="val 17969117"/>
+            </a:avLst>
+          </a:prstGeom>
+          <a:ln>
+            <a:solidFill>
+              <a:schemeClr val="tx1"/>
+            </a:solidFill>
+          </a:ln>
+        </p:spPr>
+        <p:style>
+          <a:lnRef idx="1">
+            <a:schemeClr val="accent1"/>
+          </a:lnRef>
+          <a:fillRef idx="0">
+            <a:schemeClr val="accent1"/>
+          </a:fillRef>
+          <a:effectRef idx="0">
+            <a:schemeClr val="accent1"/>
+          </a:effectRef>
+          <a:fontRef idx="minor">
+            <a:schemeClr val="tx1"/>
+          </a:fontRef>
+        </p:style>
+        <p:txBody>
+          <a:bodyPr rtlCol="0" anchor="ctr"/>
+          <a:lstStyle/>
+          <a:p>
+            <a:pPr algn="ctr"/>
+            <a:endParaRPr lang="ko-KR" altLang="en-US"/>
+          </a:p>
+        </p:txBody>
+      </p:sp>
+      <p:sp>
+        <p:nvSpPr>
+          <p:cNvPr id="63" name="원호 62">
+            <a:extLst>
+              <a:ext uri="{FF2B5EF4-FFF2-40B4-BE49-F238E27FC236}">
+                <a16:creationId xmlns:a16="http://schemas.microsoft.com/office/drawing/2014/main" id="{0B2717F5-5295-47F7-9CFC-FD4EE91DEFAB}"/>
+              </a:ext>
+            </a:extLst>
+          </p:cNvPr>
+          <p:cNvSpPr/>
+          <p:nvPr/>
+        </p:nvSpPr>
+        <p:spPr>
+          <a:xfrm rot="5400000" flipH="1" flipV="1">
+            <a:off x="4068831" y="-4310"/>
+            <a:ext cx="314848" cy="1584176"/>
+          </a:xfrm>
+          <a:prstGeom prst="arc">
+            <a:avLst>
+              <a:gd name="adj1" fmla="val 16200000"/>
+              <a:gd name="adj2" fmla="val 17969117"/>
+            </a:avLst>
+          </a:prstGeom>
+          <a:ln>
+            <a:solidFill>
+              <a:schemeClr val="tx1"/>
+            </a:solidFill>
+          </a:ln>
+        </p:spPr>
+        <p:style>
+          <a:lnRef idx="1">
+            <a:schemeClr val="accent1"/>
+          </a:lnRef>
+          <a:fillRef idx="0">
+            <a:schemeClr val="accent1"/>
+          </a:fillRef>
+          <a:effectRef idx="0">
+            <a:schemeClr val="accent1"/>
+          </a:effectRef>
+          <a:fontRef idx="minor">
+            <a:schemeClr val="tx1"/>
+          </a:fontRef>
+        </p:style>
+        <p:txBody>
+          <a:bodyPr rtlCol="0" anchor="ctr"/>
+          <a:lstStyle/>
+          <a:p>
+            <a:pPr algn="ctr"/>
+            <a:endParaRPr lang="ko-KR" altLang="en-US"/>
+          </a:p>
+        </p:txBody>
+      </p:sp>
+      <mc:AlternateContent xmlns:mc="http://schemas.openxmlformats.org/markup-compatibility/2006" xmlns:a14="http://schemas.microsoft.com/office/drawing/2010/main">
+        <mc:Choice Requires="a14">
+          <p:sp>
+            <p:nvSpPr>
+              <p:cNvPr id="67" name="TextBox 66">
+                <a:extLst>
+                  <a:ext uri="{FF2B5EF4-FFF2-40B4-BE49-F238E27FC236}">
+                    <a16:creationId xmlns:a16="http://schemas.microsoft.com/office/drawing/2014/main" id="{60BB0C4D-6C90-4EE6-A0DA-91B5B030DF40}"/>
+                  </a:ext>
+                </a:extLst>
+              </p:cNvPr>
+              <p:cNvSpPr txBox="1"/>
+              <p:nvPr/>
+            </p:nvSpPr>
+            <p:spPr>
+              <a:xfrm>
+                <a:off x="1025155" y="642180"/>
+                <a:ext cx="1651414" cy="1862048"/>
+              </a:xfrm>
+              <a:prstGeom prst="rect">
+                <a:avLst/>
+              </a:prstGeom>
+              <a:noFill/>
+            </p:spPr>
+            <p:txBody>
+              <a:bodyPr wrap="none" rtlCol="0">
+                <a:spAutoFit/>
+              </a:bodyPr>
+              <a:lstStyle/>
+              <a:p>
+                <a:pPr/>
+                <a14:m>
+                  <m:oMathPara xmlns:m="http://schemas.openxmlformats.org/officeDocument/2006/math">
+                    <m:oMathParaPr>
+                      <m:jc m:val="centerGroup"/>
+                    </m:oMathParaPr>
+                    <m:oMath xmlns:m="http://schemas.openxmlformats.org/officeDocument/2006/math">
+                      <m:r>
+                        <a:rPr lang="en-US" altLang="ko-KR" sz="11500" i="1" dirty="0" smtClean="0">
+                          <a:latin typeface="Cambria Math" panose="02040503050406030204" pitchFamily="18" charset="0"/>
+                        </a:rPr>
+                        <m:t>𝐴</m:t>
+                      </m:r>
+                    </m:oMath>
+                  </m:oMathPara>
+                </a14:m>
+                <a:endParaRPr lang="ko-KR" altLang="en-US" sz="11500" dirty="0"/>
+              </a:p>
+            </p:txBody>
+          </p:sp>
+        </mc:Choice>
+        <mc:Fallback xmlns="">
+          <p:sp>
+            <p:nvSpPr>
+              <p:cNvPr id="67" name="TextBox 66">
+                <a:extLst>
+                  <a:ext uri="{FF2B5EF4-FFF2-40B4-BE49-F238E27FC236}">
+                    <a16:creationId xmlns:a16="http://schemas.microsoft.com/office/drawing/2014/main" id="{60BB0C4D-6C90-4EE6-A0DA-91B5B030DF40}"/>
+                  </a:ext>
+                </a:extLst>
+              </p:cNvPr>
+              <p:cNvSpPr txBox="1">
+                <a:spLocks noRot="1" noChangeAspect="1" noMove="1" noResize="1" noEditPoints="1" noAdjustHandles="1" noChangeArrowheads="1" noChangeShapeType="1" noTextEdit="1"/>
+              </p:cNvSpPr>
+              <p:nvPr/>
+            </p:nvSpPr>
+            <p:spPr>
+              <a:xfrm>
+                <a:off x="1025155" y="642180"/>
+                <a:ext cx="1651414" cy="1862048"/>
+              </a:xfrm>
+              <a:prstGeom prst="rect">
+                <a:avLst/>
+              </a:prstGeom>
+              <a:blipFill>
+                <a:blip r:embed="rId22"/>
+                <a:stretch>
+                  <a:fillRect/>
+                </a:stretch>
+              </a:blipFill>
+            </p:spPr>
+            <p:txBody>
+              <a:bodyPr/>
+              <a:lstStyle/>
+              <a:p>
+                <a:r>
+                  <a:rPr lang="ko-KR" altLang="en-US">
+                    <a:noFill/>
+                  </a:rPr>
+                  <a:t> </a:t>
+                </a:r>
+              </a:p>
+            </p:txBody>
+          </p:sp>
+        </mc:Fallback>
+      </mc:AlternateContent>
+      <p:sp>
+        <p:nvSpPr>
+          <p:cNvPr id="68" name="직사각형 67">
+            <a:extLst>
+              <a:ext uri="{FF2B5EF4-FFF2-40B4-BE49-F238E27FC236}">
+                <a16:creationId xmlns:a16="http://schemas.microsoft.com/office/drawing/2014/main" id="{F66C0109-EB51-4835-A9FE-30DC3F0BC04D}"/>
+              </a:ext>
+            </a:extLst>
+          </p:cNvPr>
+          <p:cNvSpPr/>
+          <p:nvPr/>
+        </p:nvSpPr>
+        <p:spPr>
+          <a:xfrm rot="5400000">
+            <a:off x="3134689" y="1413626"/>
+            <a:ext cx="1568491" cy="316800"/>
+          </a:xfrm>
+          <a:prstGeom prst="rect">
+            <a:avLst/>
+          </a:prstGeom>
+          <a:solidFill>
+            <a:srgbClr val="EEA17E"/>
+          </a:solidFill>
+          <a:ln>
+            <a:noFill/>
+          </a:ln>
+        </p:spPr>
+        <p:style>
+          <a:lnRef idx="2">
+            <a:schemeClr val="accent1">
+              <a:shade val="50000"/>
+            </a:schemeClr>
+          </a:lnRef>
+          <a:fillRef idx="1">
+            <a:schemeClr val="accent1"/>
+          </a:fillRef>
+          <a:effectRef idx="0">
+            <a:schemeClr val="accent1"/>
+          </a:effectRef>
+          <a:fontRef idx="minor">
+            <a:schemeClr val="lt1"/>
+          </a:fontRef>
+        </p:style>
+        <p:txBody>
+          <a:bodyPr rtlCol="0" anchor="ctr"/>
+          <a:lstStyle/>
+          <a:p>
+            <a:pPr algn="ctr"/>
+            <a:endParaRPr lang="ko-KR" altLang="en-US"/>
+          </a:p>
+        </p:txBody>
+      </p:sp>
+      <p:sp>
+        <p:nvSpPr>
+          <p:cNvPr id="69" name="직사각형 68">
+            <a:extLst>
+              <a:ext uri="{FF2B5EF4-FFF2-40B4-BE49-F238E27FC236}">
+                <a16:creationId xmlns:a16="http://schemas.microsoft.com/office/drawing/2014/main" id="{B5F702E7-1906-4E80-A94F-F4FEF40E1222}"/>
+              </a:ext>
+            </a:extLst>
+          </p:cNvPr>
+          <p:cNvSpPr/>
+          <p:nvPr/>
+        </p:nvSpPr>
+        <p:spPr>
+          <a:xfrm rot="5400000">
+            <a:off x="3442098" y="1413625"/>
+            <a:ext cx="1568491" cy="316800"/>
+          </a:xfrm>
+          <a:prstGeom prst="rect">
+            <a:avLst/>
+          </a:prstGeom>
+          <a:solidFill>
+            <a:srgbClr val="FBF05F"/>
+          </a:solidFill>
+          <a:ln>
+            <a:noFill/>
+          </a:ln>
+        </p:spPr>
+        <p:style>
+          <a:lnRef idx="2">
+            <a:schemeClr val="accent1">
+              <a:shade val="50000"/>
+            </a:schemeClr>
+          </a:lnRef>
+          <a:fillRef idx="1">
+            <a:schemeClr val="accent1"/>
+          </a:fillRef>
+          <a:effectRef idx="0">
+            <a:schemeClr val="accent1"/>
+          </a:effectRef>
+          <a:fontRef idx="minor">
+            <a:schemeClr val="lt1"/>
+          </a:fontRef>
+        </p:style>
+        <p:txBody>
+          <a:bodyPr rtlCol="0" anchor="ctr"/>
+          <a:lstStyle/>
+          <a:p>
+            <a:pPr algn="ctr"/>
+            <a:endParaRPr lang="ko-KR" altLang="en-US"/>
+          </a:p>
+        </p:txBody>
+      </p:sp>
+      <p:sp>
+        <p:nvSpPr>
+          <p:cNvPr id="70" name="직사각형 69">
+            <a:extLst>
+              <a:ext uri="{FF2B5EF4-FFF2-40B4-BE49-F238E27FC236}">
+                <a16:creationId xmlns:a16="http://schemas.microsoft.com/office/drawing/2014/main" id="{CA7D067C-3164-40B5-8DC5-C7167E30F530}"/>
+              </a:ext>
+            </a:extLst>
+          </p:cNvPr>
+          <p:cNvSpPr/>
+          <p:nvPr/>
+        </p:nvSpPr>
+        <p:spPr>
+          <a:xfrm rot="5400000">
+            <a:off x="3758898" y="1413627"/>
+            <a:ext cx="1568491" cy="316800"/>
+          </a:xfrm>
+          <a:prstGeom prst="rect">
+            <a:avLst/>
+          </a:prstGeom>
+          <a:solidFill>
+            <a:srgbClr val="57E76F"/>
+          </a:solidFill>
+          <a:ln>
+            <a:noFill/>
+          </a:ln>
+        </p:spPr>
+        <p:style>
+          <a:lnRef idx="2">
+            <a:schemeClr val="accent1">
+              <a:shade val="50000"/>
+            </a:schemeClr>
+          </a:lnRef>
+          <a:fillRef idx="1">
+            <a:schemeClr val="accent1"/>
+          </a:fillRef>
+          <a:effectRef idx="0">
+            <a:schemeClr val="accent1"/>
+          </a:effectRef>
+          <a:fontRef idx="minor">
+            <a:schemeClr val="lt1"/>
+          </a:fontRef>
+        </p:style>
+        <p:txBody>
+          <a:bodyPr rtlCol="0" anchor="ctr"/>
+          <a:lstStyle/>
+          <a:p>
+            <a:pPr algn="ctr"/>
+            <a:endParaRPr lang="ko-KR" altLang="en-US"/>
+          </a:p>
+        </p:txBody>
+      </p:sp>
+      <p:sp>
+        <p:nvSpPr>
+          <p:cNvPr id="71" name="직사각형 70">
+            <a:extLst>
+              <a:ext uri="{FF2B5EF4-FFF2-40B4-BE49-F238E27FC236}">
+                <a16:creationId xmlns:a16="http://schemas.microsoft.com/office/drawing/2014/main" id="{CD45662D-F617-4993-A03E-730921832031}"/>
+              </a:ext>
+            </a:extLst>
+          </p:cNvPr>
+          <p:cNvSpPr/>
+          <p:nvPr/>
+        </p:nvSpPr>
+        <p:spPr>
+          <a:xfrm rot="5400000">
+            <a:off x="4075697" y="1413628"/>
+            <a:ext cx="1568491" cy="316800"/>
+          </a:xfrm>
+          <a:prstGeom prst="rect">
+            <a:avLst/>
+          </a:prstGeom>
+          <a:solidFill>
+            <a:srgbClr val="3D76E7"/>
+          </a:solidFill>
+          <a:ln>
+            <a:noFill/>
+          </a:ln>
+        </p:spPr>
+        <p:style>
+          <a:lnRef idx="2">
+            <a:schemeClr val="accent1">
+              <a:shade val="50000"/>
+            </a:schemeClr>
+          </a:lnRef>
+          <a:fillRef idx="1">
+            <a:schemeClr val="accent1"/>
+          </a:fillRef>
+          <a:effectRef idx="0">
+            <a:schemeClr val="accent1"/>
+          </a:effectRef>
+          <a:fontRef idx="minor">
+            <a:schemeClr val="lt1"/>
+          </a:fontRef>
+        </p:style>
+        <p:txBody>
+          <a:bodyPr rtlCol="0" anchor="ctr"/>
+          <a:lstStyle/>
+          <a:p>
+            <a:pPr algn="ctr"/>
+            <a:endParaRPr lang="ko-KR" altLang="en-US"/>
+          </a:p>
+        </p:txBody>
+      </p:sp>
+      <p:cxnSp>
+        <p:nvCxnSpPr>
+          <p:cNvPr id="73" name="직선 연결선 72">
+            <a:extLst>
+              <a:ext uri="{FF2B5EF4-FFF2-40B4-BE49-F238E27FC236}">
+                <a16:creationId xmlns:a16="http://schemas.microsoft.com/office/drawing/2014/main" id="{910077DA-E3DA-446D-B510-AC990B4AE61C}"/>
+              </a:ext>
+            </a:extLst>
+          </p:cNvPr>
+          <p:cNvCxnSpPr/>
+          <p:nvPr/>
+        </p:nvCxnSpPr>
+        <p:spPr>
+          <a:xfrm>
+            <a:off x="6098463" y="767278"/>
+            <a:ext cx="0" cy="1599376"/>
+          </a:xfrm>
+          <a:prstGeom prst="line">
+            <a:avLst/>
+          </a:prstGeom>
+          <a:ln w="19050"/>
+        </p:spPr>
+        <p:style>
+          <a:lnRef idx="1">
+            <a:schemeClr val="dk1"/>
+          </a:lnRef>
+          <a:fillRef idx="0">
+            <a:schemeClr val="dk1"/>
+          </a:fillRef>
+          <a:effectRef idx="0">
+            <a:schemeClr val="dk1"/>
+          </a:effectRef>
+          <a:fontRef idx="minor">
+            <a:schemeClr val="tx1"/>
+          </a:fontRef>
+        </p:style>
+      </p:cxnSp>
+      <p:cxnSp>
+        <p:nvCxnSpPr>
+          <p:cNvPr id="74" name="직선 연결선 73">
+            <a:extLst>
+              <a:ext uri="{FF2B5EF4-FFF2-40B4-BE49-F238E27FC236}">
+                <a16:creationId xmlns:a16="http://schemas.microsoft.com/office/drawing/2014/main" id="{4B375166-C62A-4182-AF64-4FCA61328A9F}"/>
+              </a:ext>
+            </a:extLst>
+          </p:cNvPr>
+          <p:cNvCxnSpPr/>
+          <p:nvPr/>
+        </p:nvCxnSpPr>
+        <p:spPr>
+          <a:xfrm>
+            <a:off x="6098463" y="771048"/>
+            <a:ext cx="144016" cy="0"/>
+          </a:xfrm>
+          <a:prstGeom prst="line">
+            <a:avLst/>
+          </a:prstGeom>
+          <a:ln w="19050"/>
+        </p:spPr>
+        <p:style>
+          <a:lnRef idx="1">
+            <a:schemeClr val="dk1"/>
+          </a:lnRef>
+          <a:fillRef idx="0">
+            <a:schemeClr val="dk1"/>
+          </a:fillRef>
+          <a:effectRef idx="0">
+            <a:schemeClr val="dk1"/>
+          </a:effectRef>
+          <a:fontRef idx="minor">
+            <a:schemeClr val="tx1"/>
+          </a:fontRef>
+        </p:style>
+      </p:cxnSp>
+      <p:cxnSp>
+        <p:nvCxnSpPr>
+          <p:cNvPr id="75" name="직선 연결선 74">
+            <a:extLst>
+              <a:ext uri="{FF2B5EF4-FFF2-40B4-BE49-F238E27FC236}">
+                <a16:creationId xmlns:a16="http://schemas.microsoft.com/office/drawing/2014/main" id="{868A54D0-21ED-4CD3-AF04-C8586B9CA19C}"/>
+              </a:ext>
+            </a:extLst>
+          </p:cNvPr>
+          <p:cNvCxnSpPr/>
+          <p:nvPr/>
+        </p:nvCxnSpPr>
+        <p:spPr>
+          <a:xfrm>
+            <a:off x="6098463" y="2362502"/>
+            <a:ext cx="144016" cy="0"/>
+          </a:xfrm>
+          <a:prstGeom prst="line">
+            <a:avLst/>
+          </a:prstGeom>
+          <a:ln w="19050"/>
+        </p:spPr>
+        <p:style>
+          <a:lnRef idx="1">
+            <a:schemeClr val="dk1"/>
+          </a:lnRef>
+          <a:fillRef idx="0">
+            <a:schemeClr val="dk1"/>
+          </a:fillRef>
+          <a:effectRef idx="0">
+            <a:schemeClr val="dk1"/>
+          </a:effectRef>
+          <a:fontRef idx="minor">
+            <a:schemeClr val="tx1"/>
+          </a:fontRef>
+        </p:style>
+      </p:cxnSp>
+      <p:cxnSp>
+        <p:nvCxnSpPr>
+          <p:cNvPr id="77" name="직선 연결선 76">
+            <a:extLst>
+              <a:ext uri="{FF2B5EF4-FFF2-40B4-BE49-F238E27FC236}">
+                <a16:creationId xmlns:a16="http://schemas.microsoft.com/office/drawing/2014/main" id="{A4CE329D-9523-4E0C-9B70-54029AB52613}"/>
+              </a:ext>
+            </a:extLst>
+          </p:cNvPr>
+          <p:cNvCxnSpPr/>
+          <p:nvPr/>
+        </p:nvCxnSpPr>
+        <p:spPr>
+          <a:xfrm flipH="1">
+            <a:off x="7970671" y="767278"/>
+            <a:ext cx="0" cy="1599376"/>
+          </a:xfrm>
+          <a:prstGeom prst="line">
+            <a:avLst/>
+          </a:prstGeom>
+          <a:ln w="19050"/>
+        </p:spPr>
+        <p:style>
+          <a:lnRef idx="1">
+            <a:schemeClr val="dk1"/>
+          </a:lnRef>
+          <a:fillRef idx="0">
+            <a:schemeClr val="dk1"/>
+          </a:fillRef>
+          <a:effectRef idx="0">
+            <a:schemeClr val="dk1"/>
+          </a:effectRef>
+          <a:fontRef idx="minor">
+            <a:schemeClr val="tx1"/>
+          </a:fontRef>
+        </p:style>
+      </p:cxnSp>
+      <p:cxnSp>
+        <p:nvCxnSpPr>
+          <p:cNvPr id="78" name="직선 연결선 77">
+            <a:extLst>
+              <a:ext uri="{FF2B5EF4-FFF2-40B4-BE49-F238E27FC236}">
+                <a16:creationId xmlns:a16="http://schemas.microsoft.com/office/drawing/2014/main" id="{3A8A85A2-A3D3-4241-A511-1C5CD3366887}"/>
+              </a:ext>
+            </a:extLst>
+          </p:cNvPr>
+          <p:cNvCxnSpPr/>
+          <p:nvPr/>
+        </p:nvCxnSpPr>
+        <p:spPr>
+          <a:xfrm flipH="1">
+            <a:off x="7826655" y="771048"/>
+            <a:ext cx="144016" cy="0"/>
+          </a:xfrm>
+          <a:prstGeom prst="line">
+            <a:avLst/>
+          </a:prstGeom>
+          <a:ln w="19050"/>
+        </p:spPr>
+        <p:style>
+          <a:lnRef idx="1">
+            <a:schemeClr val="dk1"/>
+          </a:lnRef>
+          <a:fillRef idx="0">
+            <a:schemeClr val="dk1"/>
+          </a:fillRef>
+          <a:effectRef idx="0">
+            <a:schemeClr val="dk1"/>
+          </a:effectRef>
+          <a:fontRef idx="minor">
+            <a:schemeClr val="tx1"/>
+          </a:fontRef>
+        </p:style>
+      </p:cxnSp>
+      <p:cxnSp>
+        <p:nvCxnSpPr>
+          <p:cNvPr id="79" name="직선 연결선 78">
+            <a:extLst>
+              <a:ext uri="{FF2B5EF4-FFF2-40B4-BE49-F238E27FC236}">
+                <a16:creationId xmlns:a16="http://schemas.microsoft.com/office/drawing/2014/main" id="{FD95EC72-6FDD-4550-821A-EFDD29AF70A0}"/>
+              </a:ext>
+            </a:extLst>
+          </p:cNvPr>
+          <p:cNvCxnSpPr/>
+          <p:nvPr/>
+        </p:nvCxnSpPr>
+        <p:spPr>
+          <a:xfrm flipH="1">
+            <a:off x="7826655" y="2362502"/>
+            <a:ext cx="144016" cy="0"/>
+          </a:xfrm>
+          <a:prstGeom prst="line">
+            <a:avLst/>
+          </a:prstGeom>
+          <a:ln w="19050"/>
+        </p:spPr>
+        <p:style>
+          <a:lnRef idx="1">
+            <a:schemeClr val="dk1"/>
+          </a:lnRef>
+          <a:fillRef idx="0">
+            <a:schemeClr val="dk1"/>
+          </a:fillRef>
+          <a:effectRef idx="0">
+            <a:schemeClr val="dk1"/>
+          </a:effectRef>
+          <a:fontRef idx="minor">
+            <a:schemeClr val="tx1"/>
+          </a:fontRef>
+        </p:style>
+      </p:cxnSp>
+      <p:sp>
+        <p:nvSpPr>
+          <p:cNvPr id="81" name="TextBox 80">
+            <a:extLst>
+              <a:ext uri="{FF2B5EF4-FFF2-40B4-BE49-F238E27FC236}">
+                <a16:creationId xmlns:a16="http://schemas.microsoft.com/office/drawing/2014/main" id="{14D6C7A1-351B-499D-ADAB-24B9A301F8B6}"/>
+              </a:ext>
+            </a:extLst>
+          </p:cNvPr>
+          <p:cNvSpPr txBox="1"/>
+          <p:nvPr/>
+        </p:nvSpPr>
+        <p:spPr>
+          <a:xfrm>
+            <a:off x="6247088" y="709108"/>
+            <a:ext cx="311304" cy="369332"/>
+          </a:xfrm>
+          <a:prstGeom prst="rect">
+            <a:avLst/>
+          </a:prstGeom>
+          <a:noFill/>
+        </p:spPr>
+        <p:txBody>
+          <a:bodyPr wrap="none" rtlCol="0">
+            <a:spAutoFit/>
+          </a:bodyPr>
+          <a:lstStyle/>
+          <a:p>
+            <a:r>
+              <a:rPr lang="en-US" altLang="ko-KR" dirty="0"/>
+              <a:t>1</a:t>
+            </a:r>
+            <a:endParaRPr lang="ko-KR" altLang="en-US" dirty="0"/>
+          </a:p>
+        </p:txBody>
+      </p:sp>
+      <p:sp>
+        <p:nvSpPr>
+          <p:cNvPr id="82" name="TextBox 81">
+            <a:extLst>
+              <a:ext uri="{FF2B5EF4-FFF2-40B4-BE49-F238E27FC236}">
+                <a16:creationId xmlns:a16="http://schemas.microsoft.com/office/drawing/2014/main" id="{9210E604-684F-4EC8-8E23-15913E3CA505}"/>
+              </a:ext>
+            </a:extLst>
+          </p:cNvPr>
+          <p:cNvSpPr txBox="1"/>
+          <p:nvPr/>
+        </p:nvSpPr>
+        <p:spPr>
+          <a:xfrm>
+            <a:off x="6247088" y="1045704"/>
+            <a:ext cx="311304" cy="369332"/>
+          </a:xfrm>
+          <a:prstGeom prst="rect">
+            <a:avLst/>
+          </a:prstGeom>
+          <a:noFill/>
+        </p:spPr>
+        <p:txBody>
+          <a:bodyPr wrap="none" rtlCol="0">
+            <a:spAutoFit/>
+          </a:bodyPr>
+          <a:lstStyle/>
+          <a:p>
+            <a:r>
+              <a:rPr lang="en-US" altLang="ko-KR" dirty="0"/>
+              <a:t>0</a:t>
+            </a:r>
+            <a:endParaRPr lang="ko-KR" altLang="en-US" dirty="0"/>
+          </a:p>
+        </p:txBody>
+      </p:sp>
+      <p:sp>
+        <p:nvSpPr>
+          <p:cNvPr id="83" name="TextBox 82">
+            <a:extLst>
+              <a:ext uri="{FF2B5EF4-FFF2-40B4-BE49-F238E27FC236}">
+                <a16:creationId xmlns:a16="http://schemas.microsoft.com/office/drawing/2014/main" id="{CD789F6C-14F4-41BF-9FC9-05D2C2FC97DF}"/>
+              </a:ext>
+            </a:extLst>
+          </p:cNvPr>
+          <p:cNvSpPr txBox="1"/>
+          <p:nvPr/>
+        </p:nvSpPr>
+        <p:spPr>
+          <a:xfrm>
+            <a:off x="6247088" y="1382300"/>
+            <a:ext cx="311304" cy="369332"/>
+          </a:xfrm>
+          <a:prstGeom prst="rect">
+            <a:avLst/>
+          </a:prstGeom>
+          <a:noFill/>
+        </p:spPr>
+        <p:txBody>
+          <a:bodyPr wrap="none" rtlCol="0">
+            <a:spAutoFit/>
+          </a:bodyPr>
+          <a:lstStyle/>
+          <a:p>
+            <a:r>
+              <a:rPr lang="en-US" altLang="ko-KR" dirty="0"/>
+              <a:t>0</a:t>
+            </a:r>
+            <a:endParaRPr lang="ko-KR" altLang="en-US" dirty="0"/>
+          </a:p>
+        </p:txBody>
+      </p:sp>
+      <mc:AlternateContent xmlns:mc="http://schemas.openxmlformats.org/markup-compatibility/2006" xmlns:a14="http://schemas.microsoft.com/office/drawing/2010/main">
+        <mc:Choice Requires="a14">
+          <p:sp>
+            <p:nvSpPr>
+              <p:cNvPr id="84" name="TextBox 83">
+                <a:extLst>
+                  <a:ext uri="{FF2B5EF4-FFF2-40B4-BE49-F238E27FC236}">
+                    <a16:creationId xmlns:a16="http://schemas.microsoft.com/office/drawing/2014/main" id="{56E74A3F-C556-4C0A-97D6-5906C7CE3C1D}"/>
+                  </a:ext>
+                </a:extLst>
+              </p:cNvPr>
+              <p:cNvSpPr txBox="1"/>
+              <p:nvPr/>
+            </p:nvSpPr>
+            <p:spPr>
+              <a:xfrm>
+                <a:off x="6247088" y="1718896"/>
+                <a:ext cx="338554" cy="369332"/>
+              </a:xfrm>
+              <a:prstGeom prst="rect">
+                <a:avLst/>
+              </a:prstGeom>
+              <a:noFill/>
+            </p:spPr>
+            <p:txBody>
+              <a:bodyPr wrap="none" rtlCol="0">
+                <a:spAutoFit/>
+              </a:bodyPr>
+              <a:lstStyle/>
+              <a:p>
+                <a:pPr/>
+                <a14:m>
+                  <m:oMathPara xmlns:m="http://schemas.openxmlformats.org/officeDocument/2006/math">
+                    <m:oMathParaPr>
+                      <m:jc m:val="centerGroup"/>
+                    </m:oMathParaPr>
+                    <m:oMath xmlns:m="http://schemas.openxmlformats.org/officeDocument/2006/math">
+                      <m:r>
+                        <a:rPr lang="en-US" altLang="ko-KR" b="0" i="1" smtClean="0">
+                          <a:latin typeface="Cambria Math" panose="02040503050406030204" pitchFamily="18" charset="0"/>
+                        </a:rPr>
+                        <m:t>⋮</m:t>
+                      </m:r>
+                    </m:oMath>
+                  </m:oMathPara>
+                </a14:m>
+                <a:endParaRPr lang="ko-KR" altLang="en-US" dirty="0"/>
+              </a:p>
+            </p:txBody>
+          </p:sp>
+        </mc:Choice>
+        <mc:Fallback xmlns="">
+          <p:sp>
+            <p:nvSpPr>
+              <p:cNvPr id="84" name="TextBox 83">
+                <a:extLst>
+                  <a:ext uri="{FF2B5EF4-FFF2-40B4-BE49-F238E27FC236}">
+                    <a16:creationId xmlns:a16="http://schemas.microsoft.com/office/drawing/2014/main" id="{56E74A3F-C556-4C0A-97D6-5906C7CE3C1D}"/>
+                  </a:ext>
+                </a:extLst>
+              </p:cNvPr>
+              <p:cNvSpPr txBox="1">
+                <a:spLocks noRot="1" noChangeAspect="1" noMove="1" noResize="1" noEditPoints="1" noAdjustHandles="1" noChangeArrowheads="1" noChangeShapeType="1" noTextEdit="1"/>
+              </p:cNvSpPr>
+              <p:nvPr/>
+            </p:nvSpPr>
+            <p:spPr>
+              <a:xfrm>
+                <a:off x="6247088" y="1718896"/>
+                <a:ext cx="338554" cy="369332"/>
+              </a:xfrm>
+              <a:prstGeom prst="rect">
+                <a:avLst/>
+              </a:prstGeom>
+              <a:blipFill>
+                <a:blip r:embed="rId23"/>
+                <a:stretch>
+                  <a:fillRect/>
+                </a:stretch>
+              </a:blipFill>
+            </p:spPr>
+            <p:txBody>
+              <a:bodyPr/>
+              <a:lstStyle/>
+              <a:p>
+                <a:r>
+                  <a:rPr lang="ko-KR" altLang="en-US">
+                    <a:noFill/>
+                  </a:rPr>
+                  <a:t> </a:t>
+                </a:r>
+              </a:p>
+            </p:txBody>
+          </p:sp>
+        </mc:Fallback>
+      </mc:AlternateContent>
+      <p:sp>
+        <p:nvSpPr>
+          <p:cNvPr id="85" name="TextBox 84">
+            <a:extLst>
+              <a:ext uri="{FF2B5EF4-FFF2-40B4-BE49-F238E27FC236}">
+                <a16:creationId xmlns:a16="http://schemas.microsoft.com/office/drawing/2014/main" id="{EE08A819-F3A8-4F68-B515-B30FA5105CED}"/>
+              </a:ext>
+            </a:extLst>
+          </p:cNvPr>
+          <p:cNvSpPr txBox="1"/>
+          <p:nvPr/>
+        </p:nvSpPr>
+        <p:spPr>
+          <a:xfrm>
+            <a:off x="6247088" y="2055492"/>
+            <a:ext cx="311304" cy="369332"/>
+          </a:xfrm>
+          <a:prstGeom prst="rect">
+            <a:avLst/>
+          </a:prstGeom>
+          <a:noFill/>
+        </p:spPr>
+        <p:txBody>
+          <a:bodyPr wrap="none" rtlCol="0">
+            <a:spAutoFit/>
+          </a:bodyPr>
+          <a:lstStyle/>
+          <a:p>
+            <a:r>
+              <a:rPr lang="en-US" altLang="ko-KR" dirty="0"/>
+              <a:t>0</a:t>
+            </a:r>
+            <a:endParaRPr lang="ko-KR" altLang="en-US" dirty="0"/>
+          </a:p>
+        </p:txBody>
+      </p:sp>
+      <p:sp>
+        <p:nvSpPr>
+          <p:cNvPr id="87" name="TextBox 86">
+            <a:extLst>
+              <a:ext uri="{FF2B5EF4-FFF2-40B4-BE49-F238E27FC236}">
+                <a16:creationId xmlns:a16="http://schemas.microsoft.com/office/drawing/2014/main" id="{C78395C5-8C2C-42E2-A0CD-14DBE6F936B9}"/>
+              </a:ext>
+            </a:extLst>
+          </p:cNvPr>
+          <p:cNvSpPr txBox="1"/>
+          <p:nvPr/>
+        </p:nvSpPr>
+        <p:spPr>
+          <a:xfrm>
+            <a:off x="6563001" y="709108"/>
+            <a:ext cx="311304" cy="369332"/>
+          </a:xfrm>
+          <a:prstGeom prst="rect">
+            <a:avLst/>
+          </a:prstGeom>
+          <a:noFill/>
+        </p:spPr>
+        <p:txBody>
+          <a:bodyPr wrap="none" rtlCol="0">
+            <a:spAutoFit/>
+          </a:bodyPr>
+          <a:lstStyle/>
+          <a:p>
+            <a:r>
+              <a:rPr lang="en-US" altLang="ko-KR" dirty="0"/>
+              <a:t>0</a:t>
+            </a:r>
+            <a:endParaRPr lang="ko-KR" altLang="en-US" dirty="0"/>
+          </a:p>
+        </p:txBody>
+      </p:sp>
+      <p:sp>
+        <p:nvSpPr>
+          <p:cNvPr id="88" name="TextBox 87">
+            <a:extLst>
+              <a:ext uri="{FF2B5EF4-FFF2-40B4-BE49-F238E27FC236}">
+                <a16:creationId xmlns:a16="http://schemas.microsoft.com/office/drawing/2014/main" id="{2AB4043C-3760-4A6A-8B6B-B8AFD291FCC9}"/>
+              </a:ext>
+            </a:extLst>
+          </p:cNvPr>
+          <p:cNvSpPr txBox="1"/>
+          <p:nvPr/>
+        </p:nvSpPr>
+        <p:spPr>
+          <a:xfrm>
+            <a:off x="6563001" y="1045704"/>
+            <a:ext cx="311304" cy="369332"/>
+          </a:xfrm>
+          <a:prstGeom prst="rect">
+            <a:avLst/>
+          </a:prstGeom>
+          <a:noFill/>
+        </p:spPr>
+        <p:txBody>
+          <a:bodyPr wrap="none" rtlCol="0">
+            <a:spAutoFit/>
+          </a:bodyPr>
+          <a:lstStyle/>
+          <a:p>
+            <a:r>
+              <a:rPr lang="en-US" altLang="ko-KR" dirty="0"/>
+              <a:t>1</a:t>
+            </a:r>
+            <a:endParaRPr lang="ko-KR" altLang="en-US" dirty="0"/>
+          </a:p>
+        </p:txBody>
+      </p:sp>
+      <p:sp>
+        <p:nvSpPr>
+          <p:cNvPr id="89" name="TextBox 88">
+            <a:extLst>
+              <a:ext uri="{FF2B5EF4-FFF2-40B4-BE49-F238E27FC236}">
+                <a16:creationId xmlns:a16="http://schemas.microsoft.com/office/drawing/2014/main" id="{8B7A63D9-DE3D-4D79-BDB4-B12136E994A1}"/>
+              </a:ext>
+            </a:extLst>
+          </p:cNvPr>
+          <p:cNvSpPr txBox="1"/>
+          <p:nvPr/>
+        </p:nvSpPr>
+        <p:spPr>
+          <a:xfrm>
+            <a:off x="6563001" y="1382300"/>
+            <a:ext cx="311304" cy="369332"/>
+          </a:xfrm>
+          <a:prstGeom prst="rect">
+            <a:avLst/>
+          </a:prstGeom>
+          <a:noFill/>
+        </p:spPr>
+        <p:txBody>
+          <a:bodyPr wrap="none" rtlCol="0">
+            <a:spAutoFit/>
+          </a:bodyPr>
+          <a:lstStyle/>
+          <a:p>
+            <a:r>
+              <a:rPr lang="en-US" altLang="ko-KR" dirty="0"/>
+              <a:t>0</a:t>
+            </a:r>
+            <a:endParaRPr lang="ko-KR" altLang="en-US" dirty="0"/>
+          </a:p>
+        </p:txBody>
+      </p:sp>
+      <mc:AlternateContent xmlns:mc="http://schemas.openxmlformats.org/markup-compatibility/2006" xmlns:a14="http://schemas.microsoft.com/office/drawing/2010/main">
+        <mc:Choice Requires="a14">
+          <p:sp>
+            <p:nvSpPr>
+              <p:cNvPr id="90" name="TextBox 89">
+                <a:extLst>
+                  <a:ext uri="{FF2B5EF4-FFF2-40B4-BE49-F238E27FC236}">
+                    <a16:creationId xmlns:a16="http://schemas.microsoft.com/office/drawing/2014/main" id="{9076E7BC-C105-4DE0-A88A-044BEACD1D81}"/>
+                  </a:ext>
+                </a:extLst>
+              </p:cNvPr>
+              <p:cNvSpPr txBox="1"/>
+              <p:nvPr/>
+            </p:nvSpPr>
+            <p:spPr>
+              <a:xfrm>
+                <a:off x="6563001" y="1718896"/>
+                <a:ext cx="338554" cy="369332"/>
+              </a:xfrm>
+              <a:prstGeom prst="rect">
+                <a:avLst/>
+              </a:prstGeom>
+              <a:noFill/>
+            </p:spPr>
+            <p:txBody>
+              <a:bodyPr wrap="none" rtlCol="0">
+                <a:spAutoFit/>
+              </a:bodyPr>
+              <a:lstStyle/>
+              <a:p>
+                <a:pPr/>
+                <a14:m>
+                  <m:oMathPara xmlns:m="http://schemas.openxmlformats.org/officeDocument/2006/math">
+                    <m:oMathParaPr>
+                      <m:jc m:val="centerGroup"/>
+                    </m:oMathParaPr>
+                    <m:oMath xmlns:m="http://schemas.openxmlformats.org/officeDocument/2006/math">
+                      <m:r>
+                        <a:rPr lang="en-US" altLang="ko-KR" b="0" i="1" dirty="0" smtClean="0">
+                          <a:latin typeface="Cambria Math" panose="02040503050406030204" pitchFamily="18" charset="0"/>
+                        </a:rPr>
+                        <m:t>⋮</m:t>
+                      </m:r>
+                    </m:oMath>
+                  </m:oMathPara>
+                </a14:m>
+                <a:endParaRPr lang="ko-KR" altLang="en-US" dirty="0"/>
+              </a:p>
+            </p:txBody>
+          </p:sp>
+        </mc:Choice>
+        <mc:Fallback xmlns="">
+          <p:sp>
+            <p:nvSpPr>
+              <p:cNvPr id="90" name="TextBox 89">
+                <a:extLst>
+                  <a:ext uri="{FF2B5EF4-FFF2-40B4-BE49-F238E27FC236}">
+                    <a16:creationId xmlns:a16="http://schemas.microsoft.com/office/drawing/2014/main" id="{9076E7BC-C105-4DE0-A88A-044BEACD1D81}"/>
+                  </a:ext>
+                </a:extLst>
+              </p:cNvPr>
+              <p:cNvSpPr txBox="1">
+                <a:spLocks noRot="1" noChangeAspect="1" noMove="1" noResize="1" noEditPoints="1" noAdjustHandles="1" noChangeArrowheads="1" noChangeShapeType="1" noTextEdit="1"/>
+              </p:cNvSpPr>
+              <p:nvPr/>
+            </p:nvSpPr>
+            <p:spPr>
+              <a:xfrm>
+                <a:off x="6563001" y="1718896"/>
+                <a:ext cx="338554" cy="369332"/>
+              </a:xfrm>
+              <a:prstGeom prst="rect">
+                <a:avLst/>
+              </a:prstGeom>
+              <a:blipFill>
+                <a:blip r:embed="rId24"/>
+                <a:stretch>
+                  <a:fillRect/>
+                </a:stretch>
+              </a:blipFill>
+            </p:spPr>
+            <p:txBody>
+              <a:bodyPr/>
+              <a:lstStyle/>
+              <a:p>
+                <a:r>
+                  <a:rPr lang="ko-KR" altLang="en-US">
+                    <a:noFill/>
+                  </a:rPr>
+                  <a:t> </a:t>
+                </a:r>
+              </a:p>
+            </p:txBody>
+          </p:sp>
+        </mc:Fallback>
+      </mc:AlternateContent>
+      <p:sp>
+        <p:nvSpPr>
+          <p:cNvPr id="91" name="TextBox 90">
+            <a:extLst>
+              <a:ext uri="{FF2B5EF4-FFF2-40B4-BE49-F238E27FC236}">
+                <a16:creationId xmlns:a16="http://schemas.microsoft.com/office/drawing/2014/main" id="{2F440577-8729-4153-B3AB-FEA08DB354B1}"/>
+              </a:ext>
+            </a:extLst>
+          </p:cNvPr>
+          <p:cNvSpPr txBox="1"/>
+          <p:nvPr/>
+        </p:nvSpPr>
+        <p:spPr>
+          <a:xfrm>
+            <a:off x="6563001" y="2055492"/>
+            <a:ext cx="311304" cy="369332"/>
+          </a:xfrm>
+          <a:prstGeom prst="rect">
+            <a:avLst/>
+          </a:prstGeom>
+          <a:noFill/>
+        </p:spPr>
+        <p:txBody>
+          <a:bodyPr wrap="none" rtlCol="0">
+            <a:spAutoFit/>
+          </a:bodyPr>
+          <a:lstStyle/>
+          <a:p>
+            <a:r>
+              <a:rPr lang="en-US" altLang="ko-KR" dirty="0"/>
+              <a:t>0</a:t>
+            </a:r>
+            <a:endParaRPr lang="ko-KR" altLang="en-US" dirty="0"/>
+          </a:p>
+        </p:txBody>
+      </p:sp>
+      <p:sp>
+        <p:nvSpPr>
+          <p:cNvPr id="93" name="TextBox 92">
+            <a:extLst>
+              <a:ext uri="{FF2B5EF4-FFF2-40B4-BE49-F238E27FC236}">
+                <a16:creationId xmlns:a16="http://schemas.microsoft.com/office/drawing/2014/main" id="{F1E3239E-E606-4243-A1D4-C85A3C009C6D}"/>
+              </a:ext>
+            </a:extLst>
+          </p:cNvPr>
+          <p:cNvSpPr txBox="1"/>
+          <p:nvPr/>
+        </p:nvSpPr>
+        <p:spPr>
+          <a:xfrm>
+            <a:off x="6878914" y="709108"/>
+            <a:ext cx="311304" cy="369332"/>
+          </a:xfrm>
+          <a:prstGeom prst="rect">
+            <a:avLst/>
+          </a:prstGeom>
+          <a:noFill/>
+        </p:spPr>
+        <p:txBody>
+          <a:bodyPr wrap="none" rtlCol="0">
+            <a:spAutoFit/>
+          </a:bodyPr>
+          <a:lstStyle/>
+          <a:p>
+            <a:r>
+              <a:rPr lang="en-US" altLang="ko-KR" dirty="0"/>
+              <a:t>0</a:t>
+            </a:r>
+            <a:endParaRPr lang="ko-KR" altLang="en-US" dirty="0"/>
+          </a:p>
+        </p:txBody>
+      </p:sp>
+      <p:sp>
+        <p:nvSpPr>
+          <p:cNvPr id="94" name="TextBox 93">
+            <a:extLst>
+              <a:ext uri="{FF2B5EF4-FFF2-40B4-BE49-F238E27FC236}">
+                <a16:creationId xmlns:a16="http://schemas.microsoft.com/office/drawing/2014/main" id="{42C48EFA-6BCF-449C-81A4-CB3DAB1BBCD6}"/>
+              </a:ext>
+            </a:extLst>
+          </p:cNvPr>
+          <p:cNvSpPr txBox="1"/>
+          <p:nvPr/>
+        </p:nvSpPr>
+        <p:spPr>
+          <a:xfrm>
+            <a:off x="6878914" y="1045704"/>
+            <a:ext cx="311304" cy="369332"/>
+          </a:xfrm>
+          <a:prstGeom prst="rect">
+            <a:avLst/>
+          </a:prstGeom>
+          <a:noFill/>
+        </p:spPr>
+        <p:txBody>
+          <a:bodyPr wrap="none" rtlCol="0">
+            <a:spAutoFit/>
+          </a:bodyPr>
+          <a:lstStyle/>
+          <a:p>
+            <a:r>
+              <a:rPr lang="en-US" altLang="ko-KR" dirty="0"/>
+              <a:t>0</a:t>
+            </a:r>
+            <a:endParaRPr lang="ko-KR" altLang="en-US" dirty="0"/>
+          </a:p>
+        </p:txBody>
+      </p:sp>
+      <p:sp>
+        <p:nvSpPr>
+          <p:cNvPr id="95" name="TextBox 94">
+            <a:extLst>
+              <a:ext uri="{FF2B5EF4-FFF2-40B4-BE49-F238E27FC236}">
+                <a16:creationId xmlns:a16="http://schemas.microsoft.com/office/drawing/2014/main" id="{02222A3A-D72A-47B3-AB20-736CDBE8D333}"/>
+              </a:ext>
+            </a:extLst>
+          </p:cNvPr>
+          <p:cNvSpPr txBox="1"/>
+          <p:nvPr/>
+        </p:nvSpPr>
+        <p:spPr>
+          <a:xfrm>
+            <a:off x="6878914" y="1382300"/>
+            <a:ext cx="311304" cy="369332"/>
+          </a:xfrm>
+          <a:prstGeom prst="rect">
+            <a:avLst/>
+          </a:prstGeom>
+          <a:noFill/>
+        </p:spPr>
+        <p:txBody>
+          <a:bodyPr wrap="none" rtlCol="0">
+            <a:spAutoFit/>
+          </a:bodyPr>
+          <a:lstStyle/>
+          <a:p>
+            <a:r>
+              <a:rPr lang="en-US" altLang="ko-KR" dirty="0"/>
+              <a:t>1</a:t>
+            </a:r>
+            <a:endParaRPr lang="ko-KR" altLang="en-US" dirty="0"/>
+          </a:p>
+        </p:txBody>
+      </p:sp>
+      <mc:AlternateContent xmlns:mc="http://schemas.openxmlformats.org/markup-compatibility/2006" xmlns:a14="http://schemas.microsoft.com/office/drawing/2010/main">
+        <mc:Choice Requires="a14">
+          <p:sp>
+            <p:nvSpPr>
+              <p:cNvPr id="96" name="TextBox 95">
+                <a:extLst>
+                  <a:ext uri="{FF2B5EF4-FFF2-40B4-BE49-F238E27FC236}">
+                    <a16:creationId xmlns:a16="http://schemas.microsoft.com/office/drawing/2014/main" id="{7C0C8358-CC45-4DE6-852F-748EA68FA580}"/>
+                  </a:ext>
+                </a:extLst>
+              </p:cNvPr>
+              <p:cNvSpPr txBox="1"/>
+              <p:nvPr/>
+            </p:nvSpPr>
+            <p:spPr>
+              <a:xfrm>
+                <a:off x="6878914" y="1718896"/>
+                <a:ext cx="338554" cy="369332"/>
+              </a:xfrm>
+              <a:prstGeom prst="rect">
+                <a:avLst/>
+              </a:prstGeom>
+              <a:noFill/>
+            </p:spPr>
+            <p:txBody>
+              <a:bodyPr wrap="none" rtlCol="0">
+                <a:spAutoFit/>
+              </a:bodyPr>
+              <a:lstStyle/>
+              <a:p>
+                <a:pPr/>
+                <a14:m>
+                  <m:oMathPara xmlns:m="http://schemas.openxmlformats.org/officeDocument/2006/math">
+                    <m:oMathParaPr>
+                      <m:jc m:val="centerGroup"/>
+                    </m:oMathParaPr>
+                    <m:oMath xmlns:m="http://schemas.openxmlformats.org/officeDocument/2006/math">
+                      <m:r>
+                        <a:rPr lang="en-US" altLang="ko-KR" b="0" i="1" dirty="0" smtClean="0">
+                          <a:latin typeface="Cambria Math" panose="02040503050406030204" pitchFamily="18" charset="0"/>
+                        </a:rPr>
+                        <m:t>⋮</m:t>
+                      </m:r>
+                    </m:oMath>
+                  </m:oMathPara>
+                </a14:m>
+                <a:endParaRPr lang="ko-KR" altLang="en-US" dirty="0"/>
+              </a:p>
+            </p:txBody>
+          </p:sp>
+        </mc:Choice>
+        <mc:Fallback xmlns="">
+          <p:sp>
+            <p:nvSpPr>
+              <p:cNvPr id="96" name="TextBox 95">
+                <a:extLst>
+                  <a:ext uri="{FF2B5EF4-FFF2-40B4-BE49-F238E27FC236}">
+                    <a16:creationId xmlns:a16="http://schemas.microsoft.com/office/drawing/2014/main" id="{7C0C8358-CC45-4DE6-852F-748EA68FA580}"/>
+                  </a:ext>
+                </a:extLst>
+              </p:cNvPr>
+              <p:cNvSpPr txBox="1">
+                <a:spLocks noRot="1" noChangeAspect="1" noMove="1" noResize="1" noEditPoints="1" noAdjustHandles="1" noChangeArrowheads="1" noChangeShapeType="1" noTextEdit="1"/>
+              </p:cNvSpPr>
+              <p:nvPr/>
+            </p:nvSpPr>
+            <p:spPr>
+              <a:xfrm>
+                <a:off x="6878914" y="1718896"/>
+                <a:ext cx="338554" cy="369332"/>
+              </a:xfrm>
+              <a:prstGeom prst="rect">
+                <a:avLst/>
+              </a:prstGeom>
+              <a:blipFill>
+                <a:blip r:embed="rId25"/>
+                <a:stretch>
+                  <a:fillRect/>
+                </a:stretch>
+              </a:blipFill>
+            </p:spPr>
+            <p:txBody>
+              <a:bodyPr/>
+              <a:lstStyle/>
+              <a:p>
+                <a:r>
+                  <a:rPr lang="ko-KR" altLang="en-US">
+                    <a:noFill/>
+                  </a:rPr>
+                  <a:t> </a:t>
+                </a:r>
+              </a:p>
+            </p:txBody>
+          </p:sp>
+        </mc:Fallback>
+      </mc:AlternateContent>
+      <p:sp>
+        <p:nvSpPr>
+          <p:cNvPr id="97" name="TextBox 96">
+            <a:extLst>
+              <a:ext uri="{FF2B5EF4-FFF2-40B4-BE49-F238E27FC236}">
+                <a16:creationId xmlns:a16="http://schemas.microsoft.com/office/drawing/2014/main" id="{211AF5E2-2682-4F75-A4BE-CB5BB543E9B6}"/>
+              </a:ext>
+            </a:extLst>
+          </p:cNvPr>
+          <p:cNvSpPr txBox="1"/>
+          <p:nvPr/>
+        </p:nvSpPr>
+        <p:spPr>
+          <a:xfrm>
+            <a:off x="6878914" y="2055492"/>
+            <a:ext cx="311304" cy="369332"/>
+          </a:xfrm>
+          <a:prstGeom prst="rect">
+            <a:avLst/>
+          </a:prstGeom>
+          <a:noFill/>
+        </p:spPr>
+        <p:txBody>
+          <a:bodyPr wrap="none" rtlCol="0">
+            <a:spAutoFit/>
+          </a:bodyPr>
+          <a:lstStyle/>
+          <a:p>
+            <a:r>
+              <a:rPr lang="en-US" altLang="ko-KR" dirty="0"/>
+              <a:t>0</a:t>
+            </a:r>
+            <a:endParaRPr lang="ko-KR" altLang="en-US" dirty="0"/>
+          </a:p>
+        </p:txBody>
+      </p:sp>
+      <mc:AlternateContent xmlns:mc="http://schemas.openxmlformats.org/markup-compatibility/2006" xmlns:a14="http://schemas.microsoft.com/office/drawing/2010/main">
+        <mc:Choice Requires="a14">
+          <p:sp>
+            <p:nvSpPr>
+              <p:cNvPr id="99" name="TextBox 98">
+                <a:extLst>
+                  <a:ext uri="{FF2B5EF4-FFF2-40B4-BE49-F238E27FC236}">
+                    <a16:creationId xmlns:a16="http://schemas.microsoft.com/office/drawing/2014/main" id="{2BDCA189-DFE6-4901-B03F-90DFC1EDA698}"/>
+                  </a:ext>
+                </a:extLst>
+              </p:cNvPr>
+              <p:cNvSpPr txBox="1"/>
+              <p:nvPr/>
+            </p:nvSpPr>
+            <p:spPr>
+              <a:xfrm>
+                <a:off x="7124302" y="709108"/>
+                <a:ext cx="463588" cy="369332"/>
+              </a:xfrm>
+              <a:prstGeom prst="rect">
+                <a:avLst/>
+              </a:prstGeom>
+              <a:noFill/>
+            </p:spPr>
+            <p:txBody>
+              <a:bodyPr wrap="none" rtlCol="0">
+                <a:spAutoFit/>
+              </a:bodyPr>
+              <a:lstStyle/>
+              <a:p>
+                <a:pPr/>
+                <a14:m>
+                  <m:oMathPara xmlns:m="http://schemas.openxmlformats.org/officeDocument/2006/math">
+                    <m:oMathParaPr>
+                      <m:jc m:val="centerGroup"/>
+                    </m:oMathParaPr>
+                    <m:oMath xmlns:m="http://schemas.openxmlformats.org/officeDocument/2006/math">
+                      <m:r>
+                        <a:rPr lang="en-US" altLang="ko-KR" b="0" i="1" smtClean="0">
+                          <a:latin typeface="Cambria Math" panose="02040503050406030204" pitchFamily="18" charset="0"/>
+                        </a:rPr>
+                        <m:t>⋯</m:t>
+                      </m:r>
+                    </m:oMath>
+                  </m:oMathPara>
+                </a14:m>
+                <a:endParaRPr lang="ko-KR" altLang="en-US" dirty="0"/>
+              </a:p>
+            </p:txBody>
+          </p:sp>
+        </mc:Choice>
+        <mc:Fallback xmlns="">
+          <p:sp>
+            <p:nvSpPr>
+              <p:cNvPr id="99" name="TextBox 98">
+                <a:extLst>
+                  <a:ext uri="{FF2B5EF4-FFF2-40B4-BE49-F238E27FC236}">
+                    <a16:creationId xmlns:a16="http://schemas.microsoft.com/office/drawing/2014/main" id="{2BDCA189-DFE6-4901-B03F-90DFC1EDA698}"/>
+                  </a:ext>
+                </a:extLst>
+              </p:cNvPr>
+              <p:cNvSpPr txBox="1">
+                <a:spLocks noRot="1" noChangeAspect="1" noMove="1" noResize="1" noEditPoints="1" noAdjustHandles="1" noChangeArrowheads="1" noChangeShapeType="1" noTextEdit="1"/>
+              </p:cNvSpPr>
+              <p:nvPr/>
+            </p:nvSpPr>
+            <p:spPr>
+              <a:xfrm>
+                <a:off x="7124302" y="709108"/>
+                <a:ext cx="463588" cy="369332"/>
+              </a:xfrm>
+              <a:prstGeom prst="rect">
+                <a:avLst/>
+              </a:prstGeom>
+              <a:blipFill>
+                <a:blip r:embed="rId26"/>
+                <a:stretch>
+                  <a:fillRect/>
+                </a:stretch>
+              </a:blipFill>
+            </p:spPr>
+            <p:txBody>
+              <a:bodyPr/>
+              <a:lstStyle/>
+              <a:p>
+                <a:r>
+                  <a:rPr lang="ko-KR" altLang="en-US">
+                    <a:noFill/>
+                  </a:rPr>
+                  <a:t> </a:t>
+                </a:r>
+              </a:p>
+            </p:txBody>
+          </p:sp>
+        </mc:Fallback>
+      </mc:AlternateContent>
+      <mc:AlternateContent xmlns:mc="http://schemas.openxmlformats.org/markup-compatibility/2006" xmlns:a14="http://schemas.microsoft.com/office/drawing/2010/main">
+        <mc:Choice Requires="a14">
+          <p:sp>
+            <p:nvSpPr>
+              <p:cNvPr id="100" name="TextBox 99">
+                <a:extLst>
+                  <a:ext uri="{FF2B5EF4-FFF2-40B4-BE49-F238E27FC236}">
+                    <a16:creationId xmlns:a16="http://schemas.microsoft.com/office/drawing/2014/main" id="{BA8E2313-E56C-4DE9-A295-163B5F5B8E99}"/>
+                  </a:ext>
+                </a:extLst>
+              </p:cNvPr>
+              <p:cNvSpPr txBox="1"/>
+              <p:nvPr/>
+            </p:nvSpPr>
+            <p:spPr>
+              <a:xfrm>
+                <a:off x="7124302" y="1045704"/>
+                <a:ext cx="463588" cy="369332"/>
+              </a:xfrm>
+              <a:prstGeom prst="rect">
+                <a:avLst/>
+              </a:prstGeom>
+              <a:noFill/>
+            </p:spPr>
+            <p:txBody>
+              <a:bodyPr wrap="none" rtlCol="0">
+                <a:spAutoFit/>
+              </a:bodyPr>
+              <a:lstStyle/>
+              <a:p>
+                <a:pPr/>
+                <a14:m>
+                  <m:oMathPara xmlns:m="http://schemas.openxmlformats.org/officeDocument/2006/math">
+                    <m:oMathParaPr>
+                      <m:jc m:val="centerGroup"/>
+                    </m:oMathParaPr>
+                    <m:oMath xmlns:m="http://schemas.openxmlformats.org/officeDocument/2006/math">
+                      <m:r>
+                        <a:rPr lang="en-US" altLang="ko-KR" b="0" i="1" dirty="0" smtClean="0">
+                          <a:latin typeface="Cambria Math" panose="02040503050406030204" pitchFamily="18" charset="0"/>
+                        </a:rPr>
+                        <m:t>⋯</m:t>
+                      </m:r>
+                    </m:oMath>
+                  </m:oMathPara>
+                </a14:m>
+                <a:endParaRPr lang="ko-KR" altLang="en-US" dirty="0"/>
+              </a:p>
+            </p:txBody>
+          </p:sp>
+        </mc:Choice>
+        <mc:Fallback xmlns="">
+          <p:sp>
+            <p:nvSpPr>
+              <p:cNvPr id="100" name="TextBox 99">
+                <a:extLst>
+                  <a:ext uri="{FF2B5EF4-FFF2-40B4-BE49-F238E27FC236}">
+                    <a16:creationId xmlns:a16="http://schemas.microsoft.com/office/drawing/2014/main" id="{BA8E2313-E56C-4DE9-A295-163B5F5B8E99}"/>
+                  </a:ext>
+                </a:extLst>
+              </p:cNvPr>
+              <p:cNvSpPr txBox="1">
+                <a:spLocks noRot="1" noChangeAspect="1" noMove="1" noResize="1" noEditPoints="1" noAdjustHandles="1" noChangeArrowheads="1" noChangeShapeType="1" noTextEdit="1"/>
+              </p:cNvSpPr>
+              <p:nvPr/>
+            </p:nvSpPr>
+            <p:spPr>
+              <a:xfrm>
+                <a:off x="7124302" y="1045704"/>
+                <a:ext cx="463588" cy="369332"/>
+              </a:xfrm>
+              <a:prstGeom prst="rect">
+                <a:avLst/>
+              </a:prstGeom>
+              <a:blipFill>
+                <a:blip r:embed="rId27"/>
+                <a:stretch>
+                  <a:fillRect/>
+                </a:stretch>
+              </a:blipFill>
+            </p:spPr>
+            <p:txBody>
+              <a:bodyPr/>
+              <a:lstStyle/>
+              <a:p>
+                <a:r>
+                  <a:rPr lang="ko-KR" altLang="en-US">
+                    <a:noFill/>
+                  </a:rPr>
+                  <a:t> </a:t>
+                </a:r>
+              </a:p>
+            </p:txBody>
+          </p:sp>
+        </mc:Fallback>
+      </mc:AlternateContent>
+      <mc:AlternateContent xmlns:mc="http://schemas.openxmlformats.org/markup-compatibility/2006" xmlns:a14="http://schemas.microsoft.com/office/drawing/2010/main">
+        <mc:Choice Requires="a14">
+          <p:sp>
+            <p:nvSpPr>
+              <p:cNvPr id="101" name="TextBox 100">
+                <a:extLst>
+                  <a:ext uri="{FF2B5EF4-FFF2-40B4-BE49-F238E27FC236}">
+                    <a16:creationId xmlns:a16="http://schemas.microsoft.com/office/drawing/2014/main" id="{FBF051A9-E80F-4DA2-98AC-E57013251872}"/>
+                  </a:ext>
+                </a:extLst>
+              </p:cNvPr>
+              <p:cNvSpPr txBox="1"/>
+              <p:nvPr/>
+            </p:nvSpPr>
+            <p:spPr>
+              <a:xfrm>
+                <a:off x="7124302" y="1382300"/>
+                <a:ext cx="463588" cy="369332"/>
+              </a:xfrm>
+              <a:prstGeom prst="rect">
+                <a:avLst/>
+              </a:prstGeom>
+              <a:noFill/>
+            </p:spPr>
+            <p:txBody>
+              <a:bodyPr wrap="none" rtlCol="0">
+                <a:spAutoFit/>
+              </a:bodyPr>
+              <a:lstStyle/>
+              <a:p>
+                <a:pPr/>
+                <a14:m>
+                  <m:oMathPara xmlns:m="http://schemas.openxmlformats.org/officeDocument/2006/math">
+                    <m:oMathParaPr>
+                      <m:jc m:val="centerGroup"/>
+                    </m:oMathParaPr>
+                    <m:oMath xmlns:m="http://schemas.openxmlformats.org/officeDocument/2006/math">
+                      <m:r>
+                        <a:rPr lang="en-US" altLang="ko-KR" b="0" i="1" smtClean="0">
+                          <a:latin typeface="Cambria Math" panose="02040503050406030204" pitchFamily="18" charset="0"/>
+                        </a:rPr>
+                        <m:t>⋯</m:t>
+                      </m:r>
+                    </m:oMath>
+                  </m:oMathPara>
+                </a14:m>
+                <a:endParaRPr lang="ko-KR" altLang="en-US" dirty="0"/>
+              </a:p>
+            </p:txBody>
+          </p:sp>
+        </mc:Choice>
+        <mc:Fallback xmlns="">
+          <p:sp>
+            <p:nvSpPr>
+              <p:cNvPr id="101" name="TextBox 100">
+                <a:extLst>
+                  <a:ext uri="{FF2B5EF4-FFF2-40B4-BE49-F238E27FC236}">
+                    <a16:creationId xmlns:a16="http://schemas.microsoft.com/office/drawing/2014/main" id="{FBF051A9-E80F-4DA2-98AC-E57013251872}"/>
+                  </a:ext>
+                </a:extLst>
+              </p:cNvPr>
+              <p:cNvSpPr txBox="1">
+                <a:spLocks noRot="1" noChangeAspect="1" noMove="1" noResize="1" noEditPoints="1" noAdjustHandles="1" noChangeArrowheads="1" noChangeShapeType="1" noTextEdit="1"/>
+              </p:cNvSpPr>
+              <p:nvPr/>
+            </p:nvSpPr>
+            <p:spPr>
+              <a:xfrm>
+                <a:off x="7124302" y="1382300"/>
+                <a:ext cx="463588" cy="369332"/>
+              </a:xfrm>
+              <a:prstGeom prst="rect">
+                <a:avLst/>
+              </a:prstGeom>
+              <a:blipFill>
+                <a:blip r:embed="rId28"/>
+                <a:stretch>
+                  <a:fillRect/>
+                </a:stretch>
+              </a:blipFill>
+            </p:spPr>
+            <p:txBody>
+              <a:bodyPr/>
+              <a:lstStyle/>
+              <a:p>
+                <a:r>
+                  <a:rPr lang="ko-KR" altLang="en-US">
+                    <a:noFill/>
+                  </a:rPr>
+                  <a:t> </a:t>
+                </a:r>
+              </a:p>
+            </p:txBody>
+          </p:sp>
+        </mc:Fallback>
+      </mc:AlternateContent>
+      <mc:AlternateContent xmlns:mc="http://schemas.openxmlformats.org/markup-compatibility/2006" xmlns:a14="http://schemas.microsoft.com/office/drawing/2010/main">
+        <mc:Choice Requires="a14">
+          <p:sp>
+            <p:nvSpPr>
+              <p:cNvPr id="102" name="TextBox 101">
+                <a:extLst>
+                  <a:ext uri="{FF2B5EF4-FFF2-40B4-BE49-F238E27FC236}">
+                    <a16:creationId xmlns:a16="http://schemas.microsoft.com/office/drawing/2014/main" id="{93EFCCD8-4694-4647-AAAA-4EE76700CFB3}"/>
+                  </a:ext>
+                </a:extLst>
+              </p:cNvPr>
+              <p:cNvSpPr txBox="1"/>
+              <p:nvPr/>
+            </p:nvSpPr>
+            <p:spPr>
+              <a:xfrm>
+                <a:off x="7151553" y="1718896"/>
+                <a:ext cx="409086" cy="369332"/>
+              </a:xfrm>
+              <a:prstGeom prst="rect">
+                <a:avLst/>
+              </a:prstGeom>
+              <a:noFill/>
+            </p:spPr>
+            <p:txBody>
+              <a:bodyPr wrap="none" rtlCol="0">
+                <a:spAutoFit/>
+              </a:bodyPr>
+              <a:lstStyle/>
+              <a:p>
+                <a:pPr/>
+                <a14:m>
+                  <m:oMathPara xmlns:m="http://schemas.openxmlformats.org/officeDocument/2006/math">
+                    <m:oMathParaPr>
+                      <m:jc m:val="centerGroup"/>
+                    </m:oMathParaPr>
+                    <m:oMath xmlns:m="http://schemas.openxmlformats.org/officeDocument/2006/math">
+                      <m:r>
+                        <a:rPr lang="en-US" altLang="ko-KR" b="0" i="1" dirty="0" smtClean="0">
+                          <a:latin typeface="Cambria Math" panose="02040503050406030204" pitchFamily="18" charset="0"/>
+                        </a:rPr>
+                        <m:t>⋱</m:t>
+                      </m:r>
+                    </m:oMath>
+                  </m:oMathPara>
+                </a14:m>
+                <a:endParaRPr lang="ko-KR" altLang="en-US" dirty="0"/>
+              </a:p>
+            </p:txBody>
+          </p:sp>
+        </mc:Choice>
+        <mc:Fallback xmlns="">
+          <p:sp>
+            <p:nvSpPr>
+              <p:cNvPr id="102" name="TextBox 101">
+                <a:extLst>
+                  <a:ext uri="{FF2B5EF4-FFF2-40B4-BE49-F238E27FC236}">
+                    <a16:creationId xmlns:a16="http://schemas.microsoft.com/office/drawing/2014/main" id="{93EFCCD8-4694-4647-AAAA-4EE76700CFB3}"/>
+                  </a:ext>
+                </a:extLst>
+              </p:cNvPr>
+              <p:cNvSpPr txBox="1">
+                <a:spLocks noRot="1" noChangeAspect="1" noMove="1" noResize="1" noEditPoints="1" noAdjustHandles="1" noChangeArrowheads="1" noChangeShapeType="1" noTextEdit="1"/>
+              </p:cNvSpPr>
+              <p:nvPr/>
+            </p:nvSpPr>
+            <p:spPr>
+              <a:xfrm>
+                <a:off x="7151553" y="1718896"/>
+                <a:ext cx="409086" cy="369332"/>
+              </a:xfrm>
+              <a:prstGeom prst="rect">
+                <a:avLst/>
+              </a:prstGeom>
+              <a:blipFill>
+                <a:blip r:embed="rId29"/>
+                <a:stretch>
+                  <a:fillRect/>
+                </a:stretch>
+              </a:blipFill>
+            </p:spPr>
+            <p:txBody>
+              <a:bodyPr/>
+              <a:lstStyle/>
+              <a:p>
+                <a:r>
+                  <a:rPr lang="ko-KR" altLang="en-US">
+                    <a:noFill/>
+                  </a:rPr>
+                  <a:t> </a:t>
+                </a:r>
+              </a:p>
+            </p:txBody>
+          </p:sp>
+        </mc:Fallback>
+      </mc:AlternateContent>
+      <mc:AlternateContent xmlns:mc="http://schemas.openxmlformats.org/markup-compatibility/2006" xmlns:a14="http://schemas.microsoft.com/office/drawing/2010/main">
+        <mc:Choice Requires="a14">
+          <p:sp>
+            <p:nvSpPr>
+              <p:cNvPr id="103" name="TextBox 102">
+                <a:extLst>
+                  <a:ext uri="{FF2B5EF4-FFF2-40B4-BE49-F238E27FC236}">
+                    <a16:creationId xmlns:a16="http://schemas.microsoft.com/office/drawing/2014/main" id="{C07E3264-D93A-42A8-A15F-F26D8444D79A}"/>
+                  </a:ext>
+                </a:extLst>
+              </p:cNvPr>
+              <p:cNvSpPr txBox="1"/>
+              <p:nvPr/>
+            </p:nvSpPr>
+            <p:spPr>
+              <a:xfrm>
+                <a:off x="7124302" y="2055492"/>
+                <a:ext cx="463588" cy="369332"/>
+              </a:xfrm>
+              <a:prstGeom prst="rect">
+                <a:avLst/>
+              </a:prstGeom>
+              <a:noFill/>
+            </p:spPr>
+            <p:txBody>
+              <a:bodyPr wrap="none" rtlCol="0">
+                <a:spAutoFit/>
+              </a:bodyPr>
+              <a:lstStyle/>
+              <a:p>
+                <a:pPr/>
+                <a14:m>
+                  <m:oMathPara xmlns:m="http://schemas.openxmlformats.org/officeDocument/2006/math">
+                    <m:oMathParaPr>
+                      <m:jc m:val="centerGroup"/>
+                    </m:oMathParaPr>
+                    <m:oMath xmlns:m="http://schemas.openxmlformats.org/officeDocument/2006/math">
+                      <m:r>
+                        <a:rPr lang="en-US" altLang="ko-KR" b="0" i="1" dirty="0" smtClean="0">
+                          <a:latin typeface="Cambria Math" panose="02040503050406030204" pitchFamily="18" charset="0"/>
+                        </a:rPr>
+                        <m:t>⋯</m:t>
+                      </m:r>
+                    </m:oMath>
+                  </m:oMathPara>
+                </a14:m>
+                <a:endParaRPr lang="ko-KR" altLang="en-US" dirty="0"/>
+              </a:p>
+            </p:txBody>
+          </p:sp>
+        </mc:Choice>
+        <mc:Fallback xmlns="">
+          <p:sp>
+            <p:nvSpPr>
+              <p:cNvPr id="103" name="TextBox 102">
+                <a:extLst>
+                  <a:ext uri="{FF2B5EF4-FFF2-40B4-BE49-F238E27FC236}">
+                    <a16:creationId xmlns:a16="http://schemas.microsoft.com/office/drawing/2014/main" id="{C07E3264-D93A-42A8-A15F-F26D8444D79A}"/>
+                  </a:ext>
+                </a:extLst>
+              </p:cNvPr>
+              <p:cNvSpPr txBox="1">
+                <a:spLocks noRot="1" noChangeAspect="1" noMove="1" noResize="1" noEditPoints="1" noAdjustHandles="1" noChangeArrowheads="1" noChangeShapeType="1" noTextEdit="1"/>
+              </p:cNvSpPr>
+              <p:nvPr/>
+            </p:nvSpPr>
+            <p:spPr>
+              <a:xfrm>
+                <a:off x="7124302" y="2055492"/>
+                <a:ext cx="463588" cy="369332"/>
+              </a:xfrm>
+              <a:prstGeom prst="rect">
+                <a:avLst/>
+              </a:prstGeom>
+              <a:blipFill>
+                <a:blip r:embed="rId30"/>
+                <a:stretch>
+                  <a:fillRect/>
+                </a:stretch>
+              </a:blipFill>
+            </p:spPr>
+            <p:txBody>
+              <a:bodyPr/>
+              <a:lstStyle/>
+              <a:p>
+                <a:r>
+                  <a:rPr lang="ko-KR" altLang="en-US">
+                    <a:noFill/>
+                  </a:rPr>
+                  <a:t> </a:t>
+                </a:r>
+              </a:p>
+            </p:txBody>
+          </p:sp>
+        </mc:Fallback>
+      </mc:AlternateContent>
+      <p:sp>
+        <p:nvSpPr>
+          <p:cNvPr id="105" name="TextBox 104">
+            <a:extLst>
+              <a:ext uri="{FF2B5EF4-FFF2-40B4-BE49-F238E27FC236}">
+                <a16:creationId xmlns:a16="http://schemas.microsoft.com/office/drawing/2014/main" id="{6F98A829-43BF-45A0-B5C1-20687855B9CB}"/>
+              </a:ext>
+            </a:extLst>
+          </p:cNvPr>
+          <p:cNvSpPr txBox="1"/>
+          <p:nvPr/>
+        </p:nvSpPr>
+        <p:spPr>
+          <a:xfrm>
+            <a:off x="7510740" y="709108"/>
+            <a:ext cx="311304" cy="369332"/>
+          </a:xfrm>
+          <a:prstGeom prst="rect">
+            <a:avLst/>
+          </a:prstGeom>
+          <a:noFill/>
+        </p:spPr>
+        <p:txBody>
+          <a:bodyPr wrap="none" rtlCol="0">
+            <a:spAutoFit/>
+          </a:bodyPr>
+          <a:lstStyle/>
+          <a:p>
+            <a:r>
+              <a:rPr lang="en-US" altLang="ko-KR" dirty="0"/>
+              <a:t>0</a:t>
+            </a:r>
+            <a:endParaRPr lang="ko-KR" altLang="en-US" dirty="0"/>
+          </a:p>
+        </p:txBody>
+      </p:sp>
+      <p:sp>
+        <p:nvSpPr>
+          <p:cNvPr id="106" name="TextBox 105">
+            <a:extLst>
+              <a:ext uri="{FF2B5EF4-FFF2-40B4-BE49-F238E27FC236}">
+                <a16:creationId xmlns:a16="http://schemas.microsoft.com/office/drawing/2014/main" id="{BBCF1D74-D21F-4D32-A2B6-EC5DF8B87D93}"/>
+              </a:ext>
+            </a:extLst>
+          </p:cNvPr>
+          <p:cNvSpPr txBox="1"/>
+          <p:nvPr/>
+        </p:nvSpPr>
+        <p:spPr>
+          <a:xfrm>
+            <a:off x="7510740" y="1045704"/>
+            <a:ext cx="311304" cy="369332"/>
+          </a:xfrm>
+          <a:prstGeom prst="rect">
+            <a:avLst/>
+          </a:prstGeom>
+          <a:noFill/>
+        </p:spPr>
+        <p:txBody>
+          <a:bodyPr wrap="none" rtlCol="0">
+            <a:spAutoFit/>
+          </a:bodyPr>
+          <a:lstStyle/>
+          <a:p>
+            <a:r>
+              <a:rPr lang="en-US" altLang="ko-KR" dirty="0"/>
+              <a:t>0</a:t>
+            </a:r>
+            <a:endParaRPr lang="ko-KR" altLang="en-US" dirty="0"/>
+          </a:p>
+        </p:txBody>
+      </p:sp>
+      <p:sp>
+        <p:nvSpPr>
+          <p:cNvPr id="107" name="TextBox 106">
+            <a:extLst>
+              <a:ext uri="{FF2B5EF4-FFF2-40B4-BE49-F238E27FC236}">
+                <a16:creationId xmlns:a16="http://schemas.microsoft.com/office/drawing/2014/main" id="{AF678742-A9C5-48FA-8295-DDEA2C8FBB87}"/>
+              </a:ext>
+            </a:extLst>
+          </p:cNvPr>
+          <p:cNvSpPr txBox="1"/>
+          <p:nvPr/>
+        </p:nvSpPr>
+        <p:spPr>
+          <a:xfrm>
+            <a:off x="7510740" y="1382300"/>
+            <a:ext cx="311304" cy="369332"/>
+          </a:xfrm>
+          <a:prstGeom prst="rect">
+            <a:avLst/>
+          </a:prstGeom>
+          <a:noFill/>
+        </p:spPr>
+        <p:txBody>
+          <a:bodyPr wrap="none" rtlCol="0">
+            <a:spAutoFit/>
+          </a:bodyPr>
+          <a:lstStyle/>
+          <a:p>
+            <a:r>
+              <a:rPr lang="en-US" altLang="ko-KR" dirty="0"/>
+              <a:t>0</a:t>
+            </a:r>
+            <a:endParaRPr lang="ko-KR" altLang="en-US" dirty="0"/>
+          </a:p>
+        </p:txBody>
+      </p:sp>
+      <mc:AlternateContent xmlns:mc="http://schemas.openxmlformats.org/markup-compatibility/2006" xmlns:a14="http://schemas.microsoft.com/office/drawing/2010/main">
+        <mc:Choice Requires="a14">
+          <p:sp>
+            <p:nvSpPr>
+              <p:cNvPr id="108" name="TextBox 107">
+                <a:extLst>
+                  <a:ext uri="{FF2B5EF4-FFF2-40B4-BE49-F238E27FC236}">
+                    <a16:creationId xmlns:a16="http://schemas.microsoft.com/office/drawing/2014/main" id="{E2A94889-B5EB-4B5A-B572-85DD2A9A3215}"/>
+                  </a:ext>
+                </a:extLst>
+              </p:cNvPr>
+              <p:cNvSpPr txBox="1"/>
+              <p:nvPr/>
+            </p:nvSpPr>
+            <p:spPr>
+              <a:xfrm>
+                <a:off x="7510740" y="1718896"/>
+                <a:ext cx="338554" cy="369332"/>
+              </a:xfrm>
+              <a:prstGeom prst="rect">
+                <a:avLst/>
+              </a:prstGeom>
+              <a:noFill/>
+            </p:spPr>
+            <p:txBody>
+              <a:bodyPr wrap="none" rtlCol="0">
+                <a:spAutoFit/>
+              </a:bodyPr>
+              <a:lstStyle/>
+              <a:p>
+                <a:pPr/>
+                <a14:m>
+                  <m:oMathPara xmlns:m="http://schemas.openxmlformats.org/officeDocument/2006/math">
+                    <m:oMathParaPr>
+                      <m:jc m:val="centerGroup"/>
+                    </m:oMathParaPr>
+                    <m:oMath xmlns:m="http://schemas.openxmlformats.org/officeDocument/2006/math">
+                      <m:r>
+                        <a:rPr lang="en-US" altLang="ko-KR" b="0" i="1" dirty="0" smtClean="0">
+                          <a:latin typeface="Cambria Math" panose="02040503050406030204" pitchFamily="18" charset="0"/>
+                        </a:rPr>
+                        <m:t>⋮</m:t>
+                      </m:r>
+                    </m:oMath>
+                  </m:oMathPara>
+                </a14:m>
+                <a:endParaRPr lang="ko-KR" altLang="en-US" dirty="0"/>
+              </a:p>
+            </p:txBody>
+          </p:sp>
+        </mc:Choice>
+        <mc:Fallback xmlns="">
+          <p:sp>
+            <p:nvSpPr>
+              <p:cNvPr id="108" name="TextBox 107">
+                <a:extLst>
+                  <a:ext uri="{FF2B5EF4-FFF2-40B4-BE49-F238E27FC236}">
+                    <a16:creationId xmlns:a16="http://schemas.microsoft.com/office/drawing/2014/main" id="{E2A94889-B5EB-4B5A-B572-85DD2A9A3215}"/>
+                  </a:ext>
+                </a:extLst>
+              </p:cNvPr>
+              <p:cNvSpPr txBox="1">
+                <a:spLocks noRot="1" noChangeAspect="1" noMove="1" noResize="1" noEditPoints="1" noAdjustHandles="1" noChangeArrowheads="1" noChangeShapeType="1" noTextEdit="1"/>
+              </p:cNvSpPr>
+              <p:nvPr/>
+            </p:nvSpPr>
+            <p:spPr>
+              <a:xfrm>
+                <a:off x="7510740" y="1718896"/>
+                <a:ext cx="338554" cy="369332"/>
+              </a:xfrm>
+              <a:prstGeom prst="rect">
+                <a:avLst/>
+              </a:prstGeom>
+              <a:blipFill>
+                <a:blip r:embed="rId31"/>
+                <a:stretch>
+                  <a:fillRect/>
+                </a:stretch>
+              </a:blipFill>
+            </p:spPr>
+            <p:txBody>
+              <a:bodyPr/>
+              <a:lstStyle/>
+              <a:p>
+                <a:r>
+                  <a:rPr lang="ko-KR" altLang="en-US">
+                    <a:noFill/>
+                  </a:rPr>
+                  <a:t> </a:t>
+                </a:r>
+              </a:p>
+            </p:txBody>
+          </p:sp>
+        </mc:Fallback>
+      </mc:AlternateContent>
+      <p:sp>
+        <p:nvSpPr>
+          <p:cNvPr id="109" name="TextBox 108">
+            <a:extLst>
+              <a:ext uri="{FF2B5EF4-FFF2-40B4-BE49-F238E27FC236}">
+                <a16:creationId xmlns:a16="http://schemas.microsoft.com/office/drawing/2014/main" id="{EF968D5D-32A7-4EC1-973F-F1A361897430}"/>
+              </a:ext>
+            </a:extLst>
+          </p:cNvPr>
+          <p:cNvSpPr txBox="1"/>
+          <p:nvPr/>
+        </p:nvSpPr>
+        <p:spPr>
+          <a:xfrm>
+            <a:off x="7510740" y="2055492"/>
+            <a:ext cx="311304" cy="369332"/>
+          </a:xfrm>
+          <a:prstGeom prst="rect">
+            <a:avLst/>
+          </a:prstGeom>
+          <a:noFill/>
+        </p:spPr>
+        <p:txBody>
+          <a:bodyPr wrap="none" rtlCol="0">
+            <a:spAutoFit/>
+          </a:bodyPr>
+          <a:lstStyle/>
+          <a:p>
+            <a:r>
+              <a:rPr lang="en-US" altLang="ko-KR" dirty="0"/>
+              <a:t>1</a:t>
+            </a:r>
+            <a:endParaRPr lang="ko-KR" altLang="en-US" dirty="0"/>
+          </a:p>
+        </p:txBody>
+      </p:sp>
+      <mc:AlternateContent xmlns:mc="http://schemas.openxmlformats.org/markup-compatibility/2006" xmlns:a14="http://schemas.microsoft.com/office/drawing/2010/main">
+        <mc:Choice Requires="a14">
+          <p:sp>
+            <p:nvSpPr>
+              <p:cNvPr id="65" name="TextBox 64">
+                <a:extLst>
+                  <a:ext uri="{FF2B5EF4-FFF2-40B4-BE49-F238E27FC236}">
+                    <a16:creationId xmlns:a16="http://schemas.microsoft.com/office/drawing/2014/main" id="{D8A8E328-94BE-4DAE-B088-E4FAEEFF052A}"/>
+                  </a:ext>
+                </a:extLst>
+              </p:cNvPr>
+              <p:cNvSpPr txBox="1"/>
+              <p:nvPr/>
+            </p:nvSpPr>
+            <p:spPr>
+              <a:xfrm>
+                <a:off x="2421176" y="1230370"/>
+                <a:ext cx="622285" cy="584775"/>
+              </a:xfrm>
+              <a:prstGeom prst="rect">
+                <a:avLst/>
+              </a:prstGeom>
+              <a:noFill/>
+            </p:spPr>
+            <p:txBody>
+              <a:bodyPr wrap="none" rtlCol="0">
+                <a:spAutoFit/>
+              </a:bodyPr>
+              <a:lstStyle/>
+              <a:p>
+                <a:pPr/>
+                <a14:m>
+                  <m:oMathPara xmlns:m="http://schemas.openxmlformats.org/officeDocument/2006/math">
+                    <m:oMathParaPr>
+                      <m:jc m:val="centerGroup"/>
+                    </m:oMathParaPr>
+                    <m:oMath xmlns:m="http://schemas.openxmlformats.org/officeDocument/2006/math">
+                      <m:r>
+                        <a:rPr lang="en-US" altLang="ko-KR" sz="3200" b="0" i="1" smtClean="0">
+                          <a:latin typeface="Cambria Math"/>
+                        </a:rPr>
+                        <m:t>×</m:t>
+                      </m:r>
+                    </m:oMath>
+                  </m:oMathPara>
+                </a14:m>
+                <a:endParaRPr lang="ko-KR" altLang="en-US" sz="3200" dirty="0"/>
+              </a:p>
+            </p:txBody>
+          </p:sp>
+        </mc:Choice>
+        <mc:Fallback xmlns="">
+          <p:sp>
+            <p:nvSpPr>
+              <p:cNvPr id="65" name="TextBox 64">
+                <a:extLst>
+                  <a:ext uri="{FF2B5EF4-FFF2-40B4-BE49-F238E27FC236}">
+                    <a16:creationId xmlns:a16="http://schemas.microsoft.com/office/drawing/2014/main" id="{D8A8E328-94BE-4DAE-B088-E4FAEEFF052A}"/>
+                  </a:ext>
+                </a:extLst>
+              </p:cNvPr>
+              <p:cNvSpPr txBox="1">
+                <a:spLocks noRot="1" noChangeAspect="1" noMove="1" noResize="1" noEditPoints="1" noAdjustHandles="1" noChangeArrowheads="1" noChangeShapeType="1" noTextEdit="1"/>
+              </p:cNvSpPr>
+              <p:nvPr/>
+            </p:nvSpPr>
+            <p:spPr>
+              <a:xfrm>
+                <a:off x="2421176" y="1230370"/>
+                <a:ext cx="622285" cy="584775"/>
+              </a:xfrm>
+              <a:prstGeom prst="rect">
+                <a:avLst/>
+              </a:prstGeom>
+              <a:blipFill>
+                <a:blip r:embed="rId32"/>
+                <a:stretch>
+                  <a:fillRect/>
+                </a:stretch>
+              </a:blipFill>
+            </p:spPr>
+            <p:txBody>
+              <a:bodyPr/>
+              <a:lstStyle/>
+              <a:p>
+                <a:r>
+                  <a:rPr lang="ko-KR" altLang="en-US">
+                    <a:noFill/>
+                  </a:rPr>
+                  <a:t> </a:t>
+                </a:r>
+              </a:p>
+            </p:txBody>
+          </p:sp>
+        </mc:Fallback>
+      </mc:AlternateContent>
+      <mc:AlternateContent xmlns:mc="http://schemas.openxmlformats.org/markup-compatibility/2006" xmlns:a14="http://schemas.microsoft.com/office/drawing/2010/main">
+        <mc:Choice Requires="a14">
+          <p:sp>
+            <p:nvSpPr>
+              <p:cNvPr id="66" name="TextBox 65">
+                <a:extLst>
+                  <a:ext uri="{FF2B5EF4-FFF2-40B4-BE49-F238E27FC236}">
+                    <a16:creationId xmlns:a16="http://schemas.microsoft.com/office/drawing/2014/main" id="{380F06DA-7C24-4FE6-A01C-B553D005D083}"/>
+                  </a:ext>
+                </a:extLst>
+              </p:cNvPr>
+              <p:cNvSpPr txBox="1"/>
+              <p:nvPr/>
+            </p:nvSpPr>
+            <p:spPr>
+              <a:xfrm>
+                <a:off x="5252709" y="1230370"/>
+                <a:ext cx="635109" cy="584775"/>
+              </a:xfrm>
+              <a:prstGeom prst="rect">
+                <a:avLst/>
+              </a:prstGeom>
+              <a:noFill/>
+            </p:spPr>
+            <p:txBody>
+              <a:bodyPr wrap="none" rtlCol="0">
+                <a:spAutoFit/>
+              </a:bodyPr>
+              <a:lstStyle/>
+              <a:p>
+                <a:pPr/>
+                <a14:m>
+                  <m:oMathPara xmlns:m="http://schemas.openxmlformats.org/officeDocument/2006/math">
+                    <m:oMathParaPr>
+                      <m:jc m:val="centerGroup"/>
+                    </m:oMathParaPr>
+                    <m:oMath xmlns:m="http://schemas.openxmlformats.org/officeDocument/2006/math">
+                      <m:r>
+                        <a:rPr lang="en-US" altLang="ko-KR" sz="3200" b="0" i="1" smtClean="0">
+                          <a:latin typeface="Cambria Math"/>
+                        </a:rPr>
+                        <m:t>=</m:t>
+                      </m:r>
+                    </m:oMath>
+                  </m:oMathPara>
+                </a14:m>
+                <a:endParaRPr lang="ko-KR" altLang="en-US" sz="3200" dirty="0"/>
+              </a:p>
+            </p:txBody>
+          </p:sp>
+        </mc:Choice>
+        <mc:Fallback xmlns="">
+          <p:sp>
+            <p:nvSpPr>
+              <p:cNvPr id="66" name="TextBox 65">
+                <a:extLst>
+                  <a:ext uri="{FF2B5EF4-FFF2-40B4-BE49-F238E27FC236}">
+                    <a16:creationId xmlns:a16="http://schemas.microsoft.com/office/drawing/2014/main" id="{380F06DA-7C24-4FE6-A01C-B553D005D083}"/>
+                  </a:ext>
+                </a:extLst>
+              </p:cNvPr>
+              <p:cNvSpPr txBox="1">
+                <a:spLocks noRot="1" noChangeAspect="1" noMove="1" noResize="1" noEditPoints="1" noAdjustHandles="1" noChangeArrowheads="1" noChangeShapeType="1" noTextEdit="1"/>
+              </p:cNvSpPr>
+              <p:nvPr/>
+            </p:nvSpPr>
+            <p:spPr>
+              <a:xfrm>
+                <a:off x="5252709" y="1230370"/>
+                <a:ext cx="635109" cy="584775"/>
+              </a:xfrm>
+              <a:prstGeom prst="rect">
+                <a:avLst/>
+              </a:prstGeom>
+              <a:blipFill>
+                <a:blip r:embed="rId33"/>
+                <a:stretch>
+                  <a:fillRect/>
+                </a:stretch>
+              </a:blipFill>
+            </p:spPr>
+            <p:txBody>
+              <a:bodyPr/>
+              <a:lstStyle/>
+              <a:p>
+                <a:r>
+                  <a:rPr lang="ko-KR" altLang="en-US">
+                    <a:noFill/>
+                  </a:rPr>
+                  <a:t> </a:t>
+                </a:r>
+              </a:p>
+            </p:txBody>
+          </p:sp>
+        </mc:Fallback>
+      </mc:AlternateContent>
+      <p:sp>
+        <p:nvSpPr>
+          <p:cNvPr id="132" name="TextBox 131">
+            <a:extLst>
+              <a:ext uri="{FF2B5EF4-FFF2-40B4-BE49-F238E27FC236}">
+                <a16:creationId xmlns:a16="http://schemas.microsoft.com/office/drawing/2014/main" id="{187A8CF7-BE3B-482A-BDDE-B1868E0E276E}"/>
+              </a:ext>
+            </a:extLst>
+          </p:cNvPr>
+          <p:cNvSpPr txBox="1"/>
+          <p:nvPr/>
+        </p:nvSpPr>
+        <p:spPr>
+          <a:xfrm>
+            <a:off x="5688983" y="56570"/>
+            <a:ext cx="2762673" cy="646331"/>
+          </a:xfrm>
+          <a:prstGeom prst="rect">
+            <a:avLst/>
+          </a:prstGeom>
+          <a:noFill/>
+        </p:spPr>
+        <p:txBody>
+          <a:bodyPr wrap="square" rtlCol="0">
+            <a:spAutoFit/>
+          </a:bodyPr>
+          <a:lstStyle/>
+          <a:p>
+            <a:pPr algn="ctr"/>
+            <a:r>
+              <a:rPr lang="en-US" altLang="ko-KR" b="1" dirty="0">
+                <a:latin typeface="나눔고딕" panose="020D0604000000000000" pitchFamily="50" charset="-127"/>
+                <a:ea typeface="나눔고딕" panose="020D0604000000000000" pitchFamily="50" charset="-127"/>
+              </a:rPr>
+              <a:t>A series of</a:t>
+            </a:r>
+          </a:p>
+          <a:p>
+            <a:pPr algn="ctr"/>
+            <a:r>
+              <a:rPr lang="en-US" altLang="ko-KR" b="1" dirty="0">
+                <a:latin typeface="나눔고딕" panose="020D0604000000000000" pitchFamily="50" charset="-127"/>
+                <a:ea typeface="나눔고딕" panose="020D0604000000000000" pitchFamily="50" charset="-127"/>
+              </a:rPr>
+              <a:t>unit basis vectors</a:t>
+            </a:r>
+            <a:endParaRPr lang="ko-KR" altLang="en-US" b="1" dirty="0">
+              <a:latin typeface="나눔고딕" panose="020D0604000000000000" pitchFamily="50" charset="-127"/>
+              <a:ea typeface="나눔고딕" panose="020D0604000000000000" pitchFamily="50" charset="-127"/>
+            </a:endParaRPr>
+          </a:p>
+        </p:txBody>
+      </p:sp>
+    </p:spTree>
+    <p:extLst>
+      <p:ext uri="{BB962C8B-B14F-4D97-AF65-F5344CB8AC3E}">
+        <p14:creationId xmlns:p14="http://schemas.microsoft.com/office/powerpoint/2010/main" val="887590904"/>
+      </p:ext>
+    </p:extLst>
+  </p:cSld>
+  <p:clrMapOvr>
+    <a:masterClrMapping/>
+  </p:clrMapOvr>
+</p:sld>
+</file>
+
+<file path=ppt/slides/slide4.xml><?xml version="1.0" encoding="utf-8"?>
 <p:sld xmlns:a="http://schemas.openxmlformats.org/drawingml/2006/main" xmlns:r="http://schemas.openxmlformats.org/officeDocument/2006/relationships" xmlns:p="http://schemas.openxmlformats.org/presentationml/2006/main">
   <p:cSld>
     <p:spTree>
@@ -15627,7 +20948,7 @@
 </p:sld>
 </file>
 
-<file path=ppt/slides/slide4.xml><?xml version="1.0" encoding="utf-8"?>
+<file path=ppt/slides/slide5.xml><?xml version="1.0" encoding="utf-8"?>
 <p:sld xmlns:a="http://schemas.openxmlformats.org/drawingml/2006/main" xmlns:r="http://schemas.openxmlformats.org/officeDocument/2006/relationships" xmlns:p="http://schemas.openxmlformats.org/presentationml/2006/main">
   <p:cSld>
     <p:spTree>
@@ -17283,7 +22604,7 @@
           <p:cNvPr id="32" name="TextBox 31">
             <a:extLst>
               <a:ext uri="{FF2B5EF4-FFF2-40B4-BE49-F238E27FC236}">
-                <a16:creationId xmlns="" xmlns:a16="http://schemas.microsoft.com/office/drawing/2014/main" id="{DE86F90F-4812-41DA-8B7A-FD6B8799E892}"/>
+                <a16:creationId xmlns:a16="http://schemas.microsoft.com/office/drawing/2014/main" id="{DE86F90F-4812-41DA-8B7A-FD6B8799E892}"/>
               </a:ext>
             </a:extLst>
           </p:cNvPr>
@@ -17322,7 +22643,7 @@
           <p:cNvPr id="33" name="TextBox 32">
             <a:extLst>
               <a:ext uri="{FF2B5EF4-FFF2-40B4-BE49-F238E27FC236}">
-                <a16:creationId xmlns="" xmlns:a16="http://schemas.microsoft.com/office/drawing/2014/main" id="{CF783C1A-D9B3-48C4-A765-79444AD6D4FF}"/>
+                <a16:creationId xmlns:a16="http://schemas.microsoft.com/office/drawing/2014/main" id="{CF783C1A-D9B3-48C4-A765-79444AD6D4FF}"/>
               </a:ext>
             </a:extLst>
           </p:cNvPr>
@@ -17374,7 +22695,7 @@
 </p:sld>
 </file>
 
-<file path=ppt/slides/slide5.xml><?xml version="1.0" encoding="utf-8"?>
+<file path=ppt/slides/slide6.xml><?xml version="1.0" encoding="utf-8"?>
 <p:sld xmlns:a="http://schemas.openxmlformats.org/drawingml/2006/main" xmlns:r="http://schemas.openxmlformats.org/officeDocument/2006/relationships" xmlns:p="http://schemas.openxmlformats.org/presentationml/2006/main">
   <p:cSld>
     <p:spTree>
@@ -17686,7 +23007,7 @@
           <p:cNvPr id="4" name="직선 화살표 연결선 3">
             <a:extLst>
               <a:ext uri="{FF2B5EF4-FFF2-40B4-BE49-F238E27FC236}">
-                <a16:creationId xmlns="" xmlns:a16="http://schemas.microsoft.com/office/drawing/2014/main" id="{115EE6A1-1C7C-4095-9621-716CB44F45FD}"/>
+                <a16:creationId xmlns:a16="http://schemas.microsoft.com/office/drawing/2014/main" id="{115EE6A1-1C7C-4095-9621-716CB44F45FD}"/>
               </a:ext>
             </a:extLst>
           </p:cNvPr>
@@ -17728,7 +23049,7 @@
           <p:cNvPr id="7" name="직선 화살표 연결선 6">
             <a:extLst>
               <a:ext uri="{FF2B5EF4-FFF2-40B4-BE49-F238E27FC236}">
-                <a16:creationId xmlns="" xmlns:a16="http://schemas.microsoft.com/office/drawing/2014/main" id="{6954C3A5-9BF1-454C-9670-467EFE959EC0}"/>
+                <a16:creationId xmlns:a16="http://schemas.microsoft.com/office/drawing/2014/main" id="{6954C3A5-9BF1-454C-9670-467EFE959EC0}"/>
               </a:ext>
             </a:extLst>
           </p:cNvPr>
@@ -17772,7 +23093,7 @@
           <p:cNvPr id="10" name="직선 화살표 연결선 9">
             <a:extLst>
               <a:ext uri="{FF2B5EF4-FFF2-40B4-BE49-F238E27FC236}">
-                <a16:creationId xmlns="" xmlns:a16="http://schemas.microsoft.com/office/drawing/2014/main" id="{B22C35A0-29BA-499C-8FBB-32B27C547BD1}"/>
+                <a16:creationId xmlns:a16="http://schemas.microsoft.com/office/drawing/2014/main" id="{B22C35A0-29BA-499C-8FBB-32B27C547BD1}"/>
               </a:ext>
             </a:extLst>
           </p:cNvPr>
@@ -17814,7 +23135,7 @@
           <p:cNvPr id="11" name="직선 화살표 연결선 10">
             <a:extLst>
               <a:ext uri="{FF2B5EF4-FFF2-40B4-BE49-F238E27FC236}">
-                <a16:creationId xmlns="" xmlns:a16="http://schemas.microsoft.com/office/drawing/2014/main" id="{6ED94E00-41DD-4597-8942-4B2C9332E32E}"/>
+                <a16:creationId xmlns:a16="http://schemas.microsoft.com/office/drawing/2014/main" id="{6ED94E00-41DD-4597-8942-4B2C9332E32E}"/>
               </a:ext>
             </a:extLst>
           </p:cNvPr>
@@ -17856,7 +23177,7 @@
           <p:cNvPr id="8" name="TextBox 7">
             <a:extLst>
               <a:ext uri="{FF2B5EF4-FFF2-40B4-BE49-F238E27FC236}">
-                <a16:creationId xmlns="" xmlns:a16="http://schemas.microsoft.com/office/drawing/2014/main" id="{FE908FA0-B480-4749-8041-F1F510B40F15}"/>
+                <a16:creationId xmlns:a16="http://schemas.microsoft.com/office/drawing/2014/main" id="{FE908FA0-B480-4749-8041-F1F510B40F15}"/>
               </a:ext>
             </a:extLst>
           </p:cNvPr>
@@ -17891,7 +23212,7 @@
           <p:cNvPr id="13" name="TextBox 12">
             <a:extLst>
               <a:ext uri="{FF2B5EF4-FFF2-40B4-BE49-F238E27FC236}">
-                <a16:creationId xmlns="" xmlns:a16="http://schemas.microsoft.com/office/drawing/2014/main" id="{8F1B0FE0-C874-4DE7-9EC3-91C472ECF94D}"/>
+                <a16:creationId xmlns:a16="http://schemas.microsoft.com/office/drawing/2014/main" id="{8F1B0FE0-C874-4DE7-9EC3-91C472ECF94D}"/>
               </a:ext>
             </a:extLst>
           </p:cNvPr>
@@ -17938,7 +23259,7 @@
 </p:sld>
 </file>
 
-<file path=ppt/slides/slide6.xml><?xml version="1.0" encoding="utf-8"?>
+<file path=ppt/slides/slide7.xml><?xml version="1.0" encoding="utf-8"?>
 <p:sld xmlns:a="http://schemas.openxmlformats.org/drawingml/2006/main" xmlns:r="http://schemas.openxmlformats.org/officeDocument/2006/relationships" xmlns:p="http://schemas.openxmlformats.org/presentationml/2006/main">
   <p:cSld>
     <p:spTree>
@@ -18032,7 +23353,7 @@
 </p:sld>
 </file>
 
-<file path=ppt/slides/slide7.xml><?xml version="1.0" encoding="utf-8"?>
+<file path=ppt/slides/slide8.xml><?xml version="1.0" encoding="utf-8"?>
 <p:sld xmlns:a="http://schemas.openxmlformats.org/drawingml/2006/main" xmlns:r="http://schemas.openxmlformats.org/officeDocument/2006/relationships" xmlns:p="http://schemas.openxmlformats.org/presentationml/2006/main">
   <p:cSld>
     <p:spTree>
@@ -18126,7 +23447,7 @@
 </p:sld>
 </file>
 
-<file path=ppt/slides/slide8.xml><?xml version="1.0" encoding="utf-8"?>
+<file path=ppt/slides/slide9.xml><?xml version="1.0" encoding="utf-8"?>
 <p:sld xmlns:a="http://schemas.openxmlformats.org/drawingml/2006/main" xmlns:r="http://schemas.openxmlformats.org/officeDocument/2006/relationships" xmlns:p="http://schemas.openxmlformats.org/presentationml/2006/main">
   <p:cSld>
     <p:spTree>
@@ -18211,100 +23532,6 @@
     <p:extLst>
       <p:ext uri="{BB962C8B-B14F-4D97-AF65-F5344CB8AC3E}">
         <p14:creationId xmlns:p14="http://schemas.microsoft.com/office/powerpoint/2010/main" val="181816616"/>
-      </p:ext>
-    </p:extLst>
-  </p:cSld>
-  <p:clrMapOvr>
-    <a:masterClrMapping/>
-  </p:clrMapOvr>
-</p:sld>
-</file>
-
-<file path=ppt/slides/slide9.xml><?xml version="1.0" encoding="utf-8"?>
-<p:sld xmlns:a="http://schemas.openxmlformats.org/drawingml/2006/main" xmlns:r="http://schemas.openxmlformats.org/officeDocument/2006/relationships" xmlns:p="http://schemas.openxmlformats.org/presentationml/2006/main">
-  <p:cSld>
-    <p:spTree>
-      <p:nvGrpSpPr>
-        <p:cNvPr id="1" name=""/>
-        <p:cNvGrpSpPr/>
-        <p:nvPr/>
-      </p:nvGrpSpPr>
-      <p:grpSpPr>
-        <a:xfrm>
-          <a:off x="0" y="0"/>
-          <a:ext cx="0" cy="0"/>
-          <a:chOff x="0" y="0"/>
-          <a:chExt cx="0" cy="0"/>
-        </a:xfrm>
-      </p:grpSpPr>
-      <p:pic>
-        <p:nvPicPr>
-          <p:cNvPr id="2" name="Picture 2"/>
-          <p:cNvPicPr>
-            <a:picLocks noChangeAspect="1" noChangeArrowheads="1"/>
-          </p:cNvPicPr>
-          <p:nvPr/>
-        </p:nvPicPr>
-        <p:blipFill>
-          <a:blip r:embed="rId2">
-            <a:extLst>
-              <a:ext uri="{28A0092B-C50C-407E-A947-70E740481C1C}">
-                <a14:useLocalDpi xmlns:a14="http://schemas.microsoft.com/office/drawing/2010/main" val="0"/>
-              </a:ext>
-            </a:extLst>
-          </a:blip>
-          <a:srcRect/>
-          <a:stretch>
-            <a:fillRect/>
-          </a:stretch>
-        </p:blipFill>
-        <p:spPr bwMode="auto">
-          <a:xfrm>
-            <a:off x="1909763" y="1433513"/>
-            <a:ext cx="5324475" cy="3990975"/>
-          </a:xfrm>
-          <a:prstGeom prst="rect">
-            <a:avLst/>
-          </a:prstGeom>
-          <a:noFill/>
-          <a:ln>
-            <a:noFill/>
-          </a:ln>
-          <a:effectLst/>
-          <a:extLst>
-            <a:ext uri="{909E8E84-426E-40DD-AFC4-6F175D3DCCD1}">
-              <a14:hiddenFill xmlns:a14="http://schemas.microsoft.com/office/drawing/2010/main">
-                <a:solidFill>
-                  <a:schemeClr val="accent1"/>
-                </a:solidFill>
-              </a14:hiddenFill>
-            </a:ext>
-            <a:ext uri="{91240B29-F687-4F45-9708-019B960494DF}">
-              <a14:hiddenLine xmlns:a14="http://schemas.microsoft.com/office/drawing/2010/main" w="9525">
-                <a:solidFill>
-                  <a:schemeClr val="tx1"/>
-                </a:solidFill>
-                <a:miter lim="800000"/>
-                <a:headEnd/>
-                <a:tailEnd/>
-              </a14:hiddenLine>
-            </a:ext>
-            <a:ext uri="{AF507438-7753-43E0-B8FC-AC1667EBCBE1}">
-              <a14:hiddenEffects xmlns:a14="http://schemas.microsoft.com/office/drawing/2010/main">
-                <a:effectLst>
-                  <a:outerShdw dist="35921" dir="2700000" algn="ctr" rotWithShape="0">
-                    <a:schemeClr val="bg2"/>
-                  </a:outerShdw>
-                </a:effectLst>
-              </a14:hiddenEffects>
-            </a:ext>
-          </a:extLst>
-        </p:spPr>
-      </p:pic>
-    </p:spTree>
-    <p:extLst>
-      <p:ext uri="{BB962C8B-B14F-4D97-AF65-F5344CB8AC3E}">
-        <p14:creationId xmlns:p14="http://schemas.microsoft.com/office/powerpoint/2010/main" val="3184284174"/>
       </p:ext>
     </p:extLst>
   </p:cSld>
@@ -18886,7 +24113,7 @@
   <a:extraClrSchemeLst/>
   <a:extLst>
     <a:ext uri="{05A4C25C-085E-4340-85A3-A5531E510DB2}">
-      <thm15:themeFamily xmlns="" xmlns:thm15="http://schemas.microsoft.com/office/thememl/2012/main" name="Office Theme" id="{62F939B6-93AF-4DB8-9C6B-D6C7DFDC589F}" vid="{4A3C46E8-61CC-4603-A589-7422A47A8E4A}"/>
+      <thm15:themeFamily xmlns:thm15="http://schemas.microsoft.com/office/thememl/2012/main" name="Office Theme" id="{62F939B6-93AF-4DB8-9C6B-D6C7DFDC589F}" vid="{4A3C46E8-61CC-4603-A589-7422A47A8E4A}"/>
     </a:ext>
   </a:extLst>
 </a:theme>
